--- a/docs/learn-computer-programming.pptx
+++ b/docs/learn-computer-programming.pptx
@@ -37,6 +37,11 @@
     <p:sldId id="286" r:id="rId31"/>
     <p:sldId id="287" r:id="rId32"/>
     <p:sldId id="288" r:id="rId33"/>
+    <p:sldId id="289" r:id="rId34"/>
+    <p:sldId id="290" r:id="rId35"/>
+    <p:sldId id="291" r:id="rId36"/>
+    <p:sldId id="292" r:id="rId37"/>
+    <p:sldId id="293" r:id="rId38"/>
   </p:sldIdLst>
   <p:sldSz cx="9144000" cy="6858000" type="screen4x3"/>
   <p:notesSz cx="6858000" cy="9144000"/>
@@ -136,6 +141,5659 @@
     </a:lvl9pPr>
   </p:defaultTextStyle>
 </p:presentation>
+</file>
+
+<file path=ppt/diagrams/colors1.xml><?xml version="1.0" encoding="utf-8"?>
+<dgm:colorsDef xmlns:dgm="http://schemas.openxmlformats.org/drawingml/2006/diagram" xmlns:a="http://schemas.openxmlformats.org/drawingml/2006/main" uniqueId="urn:microsoft.com/office/officeart/2005/8/colors/accent1_2">
+  <dgm:title val=""/>
+  <dgm:desc val=""/>
+  <dgm:catLst>
+    <dgm:cat type="accent1" pri="11200"/>
+  </dgm:catLst>
+  <dgm:styleLbl name="node0">
+    <dgm:fillClrLst meth="repeat">
+      <a:schemeClr val="accent1"/>
+    </dgm:fillClrLst>
+    <dgm:linClrLst meth="repeat">
+      <a:schemeClr val="lt1"/>
+    </dgm:linClrLst>
+    <dgm:effectClrLst/>
+    <dgm:txLinClrLst/>
+    <dgm:txFillClrLst/>
+    <dgm:txEffectClrLst/>
+  </dgm:styleLbl>
+  <dgm:styleLbl name="alignNode1">
+    <dgm:fillClrLst meth="repeat">
+      <a:schemeClr val="accent1"/>
+    </dgm:fillClrLst>
+    <dgm:linClrLst meth="repeat">
+      <a:schemeClr val="accent1"/>
+    </dgm:linClrLst>
+    <dgm:effectClrLst/>
+    <dgm:txLinClrLst/>
+    <dgm:txFillClrLst/>
+    <dgm:txEffectClrLst/>
+  </dgm:styleLbl>
+  <dgm:styleLbl name="node1">
+    <dgm:fillClrLst meth="repeat">
+      <a:schemeClr val="accent1"/>
+    </dgm:fillClrLst>
+    <dgm:linClrLst meth="repeat">
+      <a:schemeClr val="lt1"/>
+    </dgm:linClrLst>
+    <dgm:effectClrLst/>
+    <dgm:txLinClrLst/>
+    <dgm:txFillClrLst/>
+    <dgm:txEffectClrLst/>
+  </dgm:styleLbl>
+  <dgm:styleLbl name="lnNode1">
+    <dgm:fillClrLst meth="repeat">
+      <a:schemeClr val="accent1"/>
+    </dgm:fillClrLst>
+    <dgm:linClrLst meth="repeat">
+      <a:schemeClr val="lt1"/>
+    </dgm:linClrLst>
+    <dgm:effectClrLst/>
+    <dgm:txLinClrLst/>
+    <dgm:txFillClrLst/>
+    <dgm:txEffectClrLst/>
+  </dgm:styleLbl>
+  <dgm:styleLbl name="vennNode1">
+    <dgm:fillClrLst meth="repeat">
+      <a:schemeClr val="accent1">
+        <a:alpha val="50000"/>
+      </a:schemeClr>
+    </dgm:fillClrLst>
+    <dgm:linClrLst meth="repeat">
+      <a:schemeClr val="lt1"/>
+    </dgm:linClrLst>
+    <dgm:effectClrLst/>
+    <dgm:txLinClrLst/>
+    <dgm:txFillClrLst/>
+    <dgm:txEffectClrLst/>
+  </dgm:styleLbl>
+  <dgm:styleLbl name="node2">
+    <dgm:fillClrLst meth="repeat">
+      <a:schemeClr val="accent1"/>
+    </dgm:fillClrLst>
+    <dgm:linClrLst meth="repeat">
+      <a:schemeClr val="lt1"/>
+    </dgm:linClrLst>
+    <dgm:effectClrLst/>
+    <dgm:txLinClrLst/>
+    <dgm:txFillClrLst/>
+    <dgm:txEffectClrLst/>
+  </dgm:styleLbl>
+  <dgm:styleLbl name="node3">
+    <dgm:fillClrLst meth="repeat">
+      <a:schemeClr val="accent1"/>
+    </dgm:fillClrLst>
+    <dgm:linClrLst meth="repeat">
+      <a:schemeClr val="lt1"/>
+    </dgm:linClrLst>
+    <dgm:effectClrLst/>
+    <dgm:txLinClrLst/>
+    <dgm:txFillClrLst/>
+    <dgm:txEffectClrLst/>
+  </dgm:styleLbl>
+  <dgm:styleLbl name="node4">
+    <dgm:fillClrLst meth="repeat">
+      <a:schemeClr val="accent1"/>
+    </dgm:fillClrLst>
+    <dgm:linClrLst meth="repeat">
+      <a:schemeClr val="lt1"/>
+    </dgm:linClrLst>
+    <dgm:effectClrLst/>
+    <dgm:txLinClrLst/>
+    <dgm:txFillClrLst/>
+    <dgm:txEffectClrLst/>
+  </dgm:styleLbl>
+  <dgm:styleLbl name="fgImgPlace1">
+    <dgm:fillClrLst meth="repeat">
+      <a:schemeClr val="accent1">
+        <a:tint val="50000"/>
+      </a:schemeClr>
+    </dgm:fillClrLst>
+    <dgm:linClrLst meth="repeat">
+      <a:schemeClr val="lt1"/>
+    </dgm:linClrLst>
+    <dgm:effectClrLst/>
+    <dgm:txLinClrLst/>
+    <dgm:txFillClrLst meth="repeat">
+      <a:schemeClr val="lt1"/>
+    </dgm:txFillClrLst>
+    <dgm:txEffectClrLst/>
+  </dgm:styleLbl>
+  <dgm:styleLbl name="alignImgPlace1">
+    <dgm:fillClrLst meth="repeat">
+      <a:schemeClr val="accent1">
+        <a:tint val="50000"/>
+      </a:schemeClr>
+    </dgm:fillClrLst>
+    <dgm:linClrLst meth="repeat">
+      <a:schemeClr val="lt1"/>
+    </dgm:linClrLst>
+    <dgm:effectClrLst/>
+    <dgm:txLinClrLst/>
+    <dgm:txFillClrLst meth="repeat">
+      <a:schemeClr val="lt1"/>
+    </dgm:txFillClrLst>
+    <dgm:txEffectClrLst/>
+  </dgm:styleLbl>
+  <dgm:styleLbl name="bgImgPlace1">
+    <dgm:fillClrLst meth="repeat">
+      <a:schemeClr val="accent1">
+        <a:tint val="50000"/>
+      </a:schemeClr>
+    </dgm:fillClrLst>
+    <dgm:linClrLst meth="repeat">
+      <a:schemeClr val="lt1"/>
+    </dgm:linClrLst>
+    <dgm:effectClrLst/>
+    <dgm:txLinClrLst/>
+    <dgm:txFillClrLst meth="repeat">
+      <a:schemeClr val="lt1"/>
+    </dgm:txFillClrLst>
+    <dgm:txEffectClrLst/>
+  </dgm:styleLbl>
+  <dgm:styleLbl name="sibTrans2D1">
+    <dgm:fillClrLst meth="repeat">
+      <a:schemeClr val="accent1">
+        <a:tint val="60000"/>
+      </a:schemeClr>
+    </dgm:fillClrLst>
+    <dgm:linClrLst meth="repeat">
+      <a:schemeClr val="accent1">
+        <a:tint val="60000"/>
+      </a:schemeClr>
+    </dgm:linClrLst>
+    <dgm:effectClrLst/>
+    <dgm:txLinClrLst/>
+    <dgm:txFillClrLst/>
+    <dgm:txEffectClrLst/>
+  </dgm:styleLbl>
+  <dgm:styleLbl name="fgSibTrans2D1">
+    <dgm:fillClrLst meth="repeat">
+      <a:schemeClr val="accent1">
+        <a:tint val="60000"/>
+      </a:schemeClr>
+    </dgm:fillClrLst>
+    <dgm:linClrLst meth="repeat">
+      <a:schemeClr val="accent1">
+        <a:tint val="60000"/>
+      </a:schemeClr>
+    </dgm:linClrLst>
+    <dgm:effectClrLst/>
+    <dgm:txLinClrLst/>
+    <dgm:txFillClrLst/>
+    <dgm:txEffectClrLst/>
+  </dgm:styleLbl>
+  <dgm:styleLbl name="bgSibTrans2D1">
+    <dgm:fillClrLst meth="repeat">
+      <a:schemeClr val="accent1">
+        <a:tint val="60000"/>
+      </a:schemeClr>
+    </dgm:fillClrLst>
+    <dgm:linClrLst meth="repeat">
+      <a:schemeClr val="accent1">
+        <a:tint val="60000"/>
+      </a:schemeClr>
+    </dgm:linClrLst>
+    <dgm:effectClrLst/>
+    <dgm:txLinClrLst/>
+    <dgm:txFillClrLst/>
+    <dgm:txEffectClrLst/>
+  </dgm:styleLbl>
+  <dgm:styleLbl name="sibTrans1D1">
+    <dgm:fillClrLst meth="repeat">
+      <a:schemeClr val="accent1"/>
+    </dgm:fillClrLst>
+    <dgm:linClrLst meth="repeat">
+      <a:schemeClr val="accent1"/>
+    </dgm:linClrLst>
+    <dgm:effectClrLst/>
+    <dgm:txLinClrLst/>
+    <dgm:txFillClrLst meth="repeat">
+      <a:schemeClr val="tx1"/>
+    </dgm:txFillClrLst>
+    <dgm:txEffectClrLst/>
+  </dgm:styleLbl>
+  <dgm:styleLbl name="callout">
+    <dgm:fillClrLst meth="repeat">
+      <a:schemeClr val="accent1"/>
+    </dgm:fillClrLst>
+    <dgm:linClrLst meth="repeat">
+      <a:schemeClr val="accent1">
+        <a:tint val="50000"/>
+      </a:schemeClr>
+    </dgm:linClrLst>
+    <dgm:effectClrLst/>
+    <dgm:txLinClrLst/>
+    <dgm:txFillClrLst meth="repeat">
+      <a:schemeClr val="tx1"/>
+    </dgm:txFillClrLst>
+    <dgm:txEffectClrLst/>
+  </dgm:styleLbl>
+  <dgm:styleLbl name="asst0">
+    <dgm:fillClrLst meth="repeat">
+      <a:schemeClr val="accent1"/>
+    </dgm:fillClrLst>
+    <dgm:linClrLst meth="repeat">
+      <a:schemeClr val="lt1"/>
+    </dgm:linClrLst>
+    <dgm:effectClrLst/>
+    <dgm:txLinClrLst/>
+    <dgm:txFillClrLst/>
+    <dgm:txEffectClrLst/>
+  </dgm:styleLbl>
+  <dgm:styleLbl name="asst1">
+    <dgm:fillClrLst meth="repeat">
+      <a:schemeClr val="accent1"/>
+    </dgm:fillClrLst>
+    <dgm:linClrLst meth="repeat">
+      <a:schemeClr val="lt1"/>
+    </dgm:linClrLst>
+    <dgm:effectClrLst/>
+    <dgm:txLinClrLst/>
+    <dgm:txFillClrLst/>
+    <dgm:txEffectClrLst/>
+  </dgm:styleLbl>
+  <dgm:styleLbl name="asst2">
+    <dgm:fillClrLst meth="repeat">
+      <a:schemeClr val="accent1"/>
+    </dgm:fillClrLst>
+    <dgm:linClrLst meth="repeat">
+      <a:schemeClr val="lt1"/>
+    </dgm:linClrLst>
+    <dgm:effectClrLst/>
+    <dgm:txLinClrLst/>
+    <dgm:txFillClrLst/>
+    <dgm:txEffectClrLst/>
+  </dgm:styleLbl>
+  <dgm:styleLbl name="asst3">
+    <dgm:fillClrLst meth="repeat">
+      <a:schemeClr val="accent1"/>
+    </dgm:fillClrLst>
+    <dgm:linClrLst meth="repeat">
+      <a:schemeClr val="lt1"/>
+    </dgm:linClrLst>
+    <dgm:effectClrLst/>
+    <dgm:txLinClrLst/>
+    <dgm:txFillClrLst/>
+    <dgm:txEffectClrLst/>
+  </dgm:styleLbl>
+  <dgm:styleLbl name="asst4">
+    <dgm:fillClrLst meth="repeat">
+      <a:schemeClr val="accent1"/>
+    </dgm:fillClrLst>
+    <dgm:linClrLst meth="repeat">
+      <a:schemeClr val="lt1"/>
+    </dgm:linClrLst>
+    <dgm:effectClrLst/>
+    <dgm:txLinClrLst/>
+    <dgm:txFillClrLst/>
+    <dgm:txEffectClrLst/>
+  </dgm:styleLbl>
+  <dgm:styleLbl name="parChTrans2D1">
+    <dgm:fillClrLst meth="repeat">
+      <a:schemeClr val="accent1">
+        <a:tint val="60000"/>
+      </a:schemeClr>
+    </dgm:fillClrLst>
+    <dgm:linClrLst meth="repeat">
+      <a:schemeClr val="accent1">
+        <a:tint val="60000"/>
+      </a:schemeClr>
+    </dgm:linClrLst>
+    <dgm:effectClrLst/>
+    <dgm:txLinClrLst/>
+    <dgm:txFillClrLst meth="repeat">
+      <a:schemeClr val="lt1"/>
+    </dgm:txFillClrLst>
+    <dgm:txEffectClrLst/>
+  </dgm:styleLbl>
+  <dgm:styleLbl name="parChTrans2D2">
+    <dgm:fillClrLst meth="repeat">
+      <a:schemeClr val="accent1"/>
+    </dgm:fillClrLst>
+    <dgm:linClrLst meth="repeat">
+      <a:schemeClr val="accent1"/>
+    </dgm:linClrLst>
+    <dgm:effectClrLst/>
+    <dgm:txLinClrLst/>
+    <dgm:txFillClrLst meth="repeat">
+      <a:schemeClr val="lt1"/>
+    </dgm:txFillClrLst>
+    <dgm:txEffectClrLst/>
+  </dgm:styleLbl>
+  <dgm:styleLbl name="parChTrans2D3">
+    <dgm:fillClrLst meth="repeat">
+      <a:schemeClr val="accent1"/>
+    </dgm:fillClrLst>
+    <dgm:linClrLst meth="repeat">
+      <a:schemeClr val="accent1"/>
+    </dgm:linClrLst>
+    <dgm:effectClrLst/>
+    <dgm:txLinClrLst/>
+    <dgm:txFillClrLst meth="repeat">
+      <a:schemeClr val="lt1"/>
+    </dgm:txFillClrLst>
+    <dgm:txEffectClrLst/>
+  </dgm:styleLbl>
+  <dgm:styleLbl name="parChTrans2D4">
+    <dgm:fillClrLst meth="repeat">
+      <a:schemeClr val="accent1"/>
+    </dgm:fillClrLst>
+    <dgm:linClrLst meth="repeat">
+      <a:schemeClr val="accent1"/>
+    </dgm:linClrLst>
+    <dgm:effectClrLst/>
+    <dgm:txLinClrLst/>
+    <dgm:txFillClrLst meth="repeat">
+      <a:schemeClr val="lt1"/>
+    </dgm:txFillClrLst>
+    <dgm:txEffectClrLst/>
+  </dgm:styleLbl>
+  <dgm:styleLbl name="parChTrans1D1">
+    <dgm:fillClrLst meth="repeat">
+      <a:schemeClr val="accent1"/>
+    </dgm:fillClrLst>
+    <dgm:linClrLst meth="repeat">
+      <a:schemeClr val="accent1">
+        <a:shade val="60000"/>
+      </a:schemeClr>
+    </dgm:linClrLst>
+    <dgm:effectClrLst/>
+    <dgm:txLinClrLst/>
+    <dgm:txFillClrLst meth="repeat">
+      <a:schemeClr val="tx1"/>
+    </dgm:txFillClrLst>
+    <dgm:txEffectClrLst/>
+  </dgm:styleLbl>
+  <dgm:styleLbl name="parChTrans1D2">
+    <dgm:fillClrLst meth="repeat">
+      <a:schemeClr val="accent1"/>
+    </dgm:fillClrLst>
+    <dgm:linClrLst meth="repeat">
+      <a:schemeClr val="accent1">
+        <a:shade val="60000"/>
+      </a:schemeClr>
+    </dgm:linClrLst>
+    <dgm:effectClrLst/>
+    <dgm:txLinClrLst/>
+    <dgm:txFillClrLst meth="repeat">
+      <a:schemeClr val="tx1"/>
+    </dgm:txFillClrLst>
+    <dgm:txEffectClrLst/>
+  </dgm:styleLbl>
+  <dgm:styleLbl name="parChTrans1D3">
+    <dgm:fillClrLst meth="repeat">
+      <a:schemeClr val="accent1"/>
+    </dgm:fillClrLst>
+    <dgm:linClrLst meth="repeat">
+      <a:schemeClr val="accent1">
+        <a:shade val="80000"/>
+      </a:schemeClr>
+    </dgm:linClrLst>
+    <dgm:effectClrLst/>
+    <dgm:txLinClrLst/>
+    <dgm:txFillClrLst meth="repeat">
+      <a:schemeClr val="tx1"/>
+    </dgm:txFillClrLst>
+    <dgm:txEffectClrLst/>
+  </dgm:styleLbl>
+  <dgm:styleLbl name="parChTrans1D4">
+    <dgm:fillClrLst meth="repeat">
+      <a:schemeClr val="accent1"/>
+    </dgm:fillClrLst>
+    <dgm:linClrLst meth="repeat">
+      <a:schemeClr val="accent1">
+        <a:shade val="80000"/>
+      </a:schemeClr>
+    </dgm:linClrLst>
+    <dgm:effectClrLst/>
+    <dgm:txLinClrLst/>
+    <dgm:txFillClrLst meth="repeat">
+      <a:schemeClr val="tx1"/>
+    </dgm:txFillClrLst>
+    <dgm:txEffectClrLst/>
+  </dgm:styleLbl>
+  <dgm:styleLbl name="fgAcc1">
+    <dgm:fillClrLst meth="repeat">
+      <a:schemeClr val="lt1">
+        <a:alpha val="90000"/>
+      </a:schemeClr>
+    </dgm:fillClrLst>
+    <dgm:linClrLst meth="repeat">
+      <a:schemeClr val="accent1"/>
+    </dgm:linClrLst>
+    <dgm:effectClrLst/>
+    <dgm:txLinClrLst/>
+    <dgm:txFillClrLst meth="repeat">
+      <a:schemeClr val="dk1"/>
+    </dgm:txFillClrLst>
+    <dgm:txEffectClrLst/>
+  </dgm:styleLbl>
+  <dgm:styleLbl name="conFgAcc1">
+    <dgm:fillClrLst meth="repeat">
+      <a:schemeClr val="lt1">
+        <a:alpha val="90000"/>
+      </a:schemeClr>
+    </dgm:fillClrLst>
+    <dgm:linClrLst meth="repeat">
+      <a:schemeClr val="accent1"/>
+    </dgm:linClrLst>
+    <dgm:effectClrLst/>
+    <dgm:txLinClrLst/>
+    <dgm:txFillClrLst meth="repeat">
+      <a:schemeClr val="dk1"/>
+    </dgm:txFillClrLst>
+    <dgm:txEffectClrLst/>
+  </dgm:styleLbl>
+  <dgm:styleLbl name="alignAcc1">
+    <dgm:fillClrLst meth="repeat">
+      <a:schemeClr val="lt1">
+        <a:alpha val="90000"/>
+      </a:schemeClr>
+    </dgm:fillClrLst>
+    <dgm:linClrLst meth="repeat">
+      <a:schemeClr val="accent1"/>
+    </dgm:linClrLst>
+    <dgm:effectClrLst/>
+    <dgm:txLinClrLst/>
+    <dgm:txFillClrLst meth="repeat">
+      <a:schemeClr val="dk1"/>
+    </dgm:txFillClrLst>
+    <dgm:txEffectClrLst/>
+  </dgm:styleLbl>
+  <dgm:styleLbl name="trAlignAcc1">
+    <dgm:fillClrLst meth="repeat">
+      <a:schemeClr val="lt1">
+        <a:alpha val="40000"/>
+      </a:schemeClr>
+    </dgm:fillClrLst>
+    <dgm:linClrLst meth="repeat">
+      <a:schemeClr val="accent1"/>
+    </dgm:linClrLst>
+    <dgm:effectClrLst/>
+    <dgm:txLinClrLst/>
+    <dgm:txFillClrLst meth="repeat">
+      <a:schemeClr val="dk1"/>
+    </dgm:txFillClrLst>
+    <dgm:txEffectClrLst/>
+  </dgm:styleLbl>
+  <dgm:styleLbl name="bgAcc1">
+    <dgm:fillClrLst meth="repeat">
+      <a:schemeClr val="lt1">
+        <a:alpha val="90000"/>
+      </a:schemeClr>
+    </dgm:fillClrLst>
+    <dgm:linClrLst meth="repeat">
+      <a:schemeClr val="accent1"/>
+    </dgm:linClrLst>
+    <dgm:effectClrLst/>
+    <dgm:txLinClrLst/>
+    <dgm:txFillClrLst meth="repeat">
+      <a:schemeClr val="dk1"/>
+    </dgm:txFillClrLst>
+    <dgm:txEffectClrLst/>
+  </dgm:styleLbl>
+  <dgm:styleLbl name="solidFgAcc1">
+    <dgm:fillClrLst meth="repeat">
+      <a:schemeClr val="lt1"/>
+    </dgm:fillClrLst>
+    <dgm:linClrLst meth="repeat">
+      <a:schemeClr val="accent1"/>
+    </dgm:linClrLst>
+    <dgm:effectClrLst/>
+    <dgm:txLinClrLst/>
+    <dgm:txFillClrLst meth="repeat">
+      <a:schemeClr val="dk1"/>
+    </dgm:txFillClrLst>
+    <dgm:txEffectClrLst/>
+  </dgm:styleLbl>
+  <dgm:styleLbl name="solidAlignAcc1">
+    <dgm:fillClrLst meth="repeat">
+      <a:schemeClr val="lt1"/>
+    </dgm:fillClrLst>
+    <dgm:linClrLst meth="repeat">
+      <a:schemeClr val="accent1"/>
+    </dgm:linClrLst>
+    <dgm:effectClrLst/>
+    <dgm:txLinClrLst/>
+    <dgm:txFillClrLst meth="repeat">
+      <a:schemeClr val="dk1"/>
+    </dgm:txFillClrLst>
+    <dgm:txEffectClrLst/>
+  </dgm:styleLbl>
+  <dgm:styleLbl name="solidBgAcc1">
+    <dgm:fillClrLst meth="repeat">
+      <a:schemeClr val="lt1"/>
+    </dgm:fillClrLst>
+    <dgm:linClrLst meth="repeat">
+      <a:schemeClr val="accent1"/>
+    </dgm:linClrLst>
+    <dgm:effectClrLst/>
+    <dgm:txLinClrLst/>
+    <dgm:txFillClrLst meth="repeat">
+      <a:schemeClr val="dk1"/>
+    </dgm:txFillClrLst>
+    <dgm:txEffectClrLst/>
+  </dgm:styleLbl>
+  <dgm:styleLbl name="fgAccFollowNode1">
+    <dgm:fillClrLst meth="repeat">
+      <a:schemeClr val="accent1">
+        <a:alpha val="90000"/>
+        <a:tint val="40000"/>
+      </a:schemeClr>
+    </dgm:fillClrLst>
+    <dgm:linClrLst meth="repeat">
+      <a:schemeClr val="accent1">
+        <a:alpha val="90000"/>
+        <a:tint val="40000"/>
+      </a:schemeClr>
+    </dgm:linClrLst>
+    <dgm:effectClrLst/>
+    <dgm:txLinClrLst/>
+    <dgm:txFillClrLst meth="repeat">
+      <a:schemeClr val="dk1"/>
+    </dgm:txFillClrLst>
+    <dgm:txEffectClrLst/>
+  </dgm:styleLbl>
+  <dgm:styleLbl name="alignAccFollowNode1">
+    <dgm:fillClrLst meth="repeat">
+      <a:schemeClr val="accent1">
+        <a:alpha val="90000"/>
+        <a:tint val="40000"/>
+      </a:schemeClr>
+    </dgm:fillClrLst>
+    <dgm:linClrLst meth="repeat">
+      <a:schemeClr val="accent1">
+        <a:alpha val="90000"/>
+        <a:tint val="40000"/>
+      </a:schemeClr>
+    </dgm:linClrLst>
+    <dgm:effectClrLst/>
+    <dgm:txLinClrLst/>
+    <dgm:txFillClrLst meth="repeat">
+      <a:schemeClr val="dk1"/>
+    </dgm:txFillClrLst>
+    <dgm:txEffectClrLst/>
+  </dgm:styleLbl>
+  <dgm:styleLbl name="bgAccFollowNode1">
+    <dgm:fillClrLst meth="repeat">
+      <a:schemeClr val="accent1">
+        <a:alpha val="90000"/>
+        <a:tint val="40000"/>
+      </a:schemeClr>
+    </dgm:fillClrLst>
+    <dgm:linClrLst meth="repeat">
+      <a:schemeClr val="accent1">
+        <a:alpha val="90000"/>
+        <a:tint val="40000"/>
+      </a:schemeClr>
+    </dgm:linClrLst>
+    <dgm:effectClrLst/>
+    <dgm:txLinClrLst/>
+    <dgm:txFillClrLst meth="repeat">
+      <a:schemeClr val="dk1"/>
+    </dgm:txFillClrLst>
+    <dgm:txEffectClrLst/>
+  </dgm:styleLbl>
+  <dgm:styleLbl name="fgAcc0">
+    <dgm:fillClrLst meth="repeat">
+      <a:schemeClr val="lt1">
+        <a:alpha val="90000"/>
+      </a:schemeClr>
+    </dgm:fillClrLst>
+    <dgm:linClrLst meth="repeat">
+      <a:schemeClr val="accent1"/>
+    </dgm:linClrLst>
+    <dgm:effectClrLst/>
+    <dgm:txLinClrLst/>
+    <dgm:txFillClrLst meth="repeat">
+      <a:schemeClr val="dk1"/>
+    </dgm:txFillClrLst>
+    <dgm:txEffectClrLst/>
+  </dgm:styleLbl>
+  <dgm:styleLbl name="fgAcc2">
+    <dgm:fillClrLst meth="repeat">
+      <a:schemeClr val="lt1">
+        <a:alpha val="90000"/>
+      </a:schemeClr>
+    </dgm:fillClrLst>
+    <dgm:linClrLst meth="repeat">
+      <a:schemeClr val="accent1"/>
+    </dgm:linClrLst>
+    <dgm:effectClrLst/>
+    <dgm:txLinClrLst/>
+    <dgm:txFillClrLst meth="repeat">
+      <a:schemeClr val="dk1"/>
+    </dgm:txFillClrLst>
+    <dgm:txEffectClrLst/>
+  </dgm:styleLbl>
+  <dgm:styleLbl name="fgAcc3">
+    <dgm:fillClrLst meth="repeat">
+      <a:schemeClr val="lt1">
+        <a:alpha val="90000"/>
+      </a:schemeClr>
+    </dgm:fillClrLst>
+    <dgm:linClrLst meth="repeat">
+      <a:schemeClr val="accent1"/>
+    </dgm:linClrLst>
+    <dgm:effectClrLst/>
+    <dgm:txLinClrLst/>
+    <dgm:txFillClrLst meth="repeat">
+      <a:schemeClr val="dk1"/>
+    </dgm:txFillClrLst>
+    <dgm:txEffectClrLst/>
+  </dgm:styleLbl>
+  <dgm:styleLbl name="fgAcc4">
+    <dgm:fillClrLst meth="repeat">
+      <a:schemeClr val="lt1">
+        <a:alpha val="90000"/>
+      </a:schemeClr>
+    </dgm:fillClrLst>
+    <dgm:linClrLst meth="repeat">
+      <a:schemeClr val="accent1"/>
+    </dgm:linClrLst>
+    <dgm:effectClrLst/>
+    <dgm:txLinClrLst/>
+    <dgm:txFillClrLst meth="repeat">
+      <a:schemeClr val="dk1"/>
+    </dgm:txFillClrLst>
+    <dgm:txEffectClrLst/>
+  </dgm:styleLbl>
+  <dgm:styleLbl name="bgShp">
+    <dgm:fillClrLst meth="repeat">
+      <a:schemeClr val="accent1">
+        <a:tint val="40000"/>
+      </a:schemeClr>
+    </dgm:fillClrLst>
+    <dgm:linClrLst meth="repeat">
+      <a:schemeClr val="accent1"/>
+    </dgm:linClrLst>
+    <dgm:effectClrLst/>
+    <dgm:txLinClrLst/>
+    <dgm:txFillClrLst meth="repeat">
+      <a:schemeClr val="dk1"/>
+    </dgm:txFillClrLst>
+    <dgm:txEffectClrLst/>
+  </dgm:styleLbl>
+  <dgm:styleLbl name="dkBgShp">
+    <dgm:fillClrLst meth="repeat">
+      <a:schemeClr val="accent1">
+        <a:shade val="80000"/>
+      </a:schemeClr>
+    </dgm:fillClrLst>
+    <dgm:linClrLst meth="repeat">
+      <a:schemeClr val="accent1"/>
+    </dgm:linClrLst>
+    <dgm:effectClrLst/>
+    <dgm:txLinClrLst/>
+    <dgm:txFillClrLst meth="repeat">
+      <a:schemeClr val="lt1"/>
+    </dgm:txFillClrLst>
+    <dgm:txEffectClrLst/>
+  </dgm:styleLbl>
+  <dgm:styleLbl name="trBgShp">
+    <dgm:fillClrLst meth="repeat">
+      <a:schemeClr val="accent1">
+        <a:tint val="50000"/>
+        <a:alpha val="40000"/>
+      </a:schemeClr>
+    </dgm:fillClrLst>
+    <dgm:linClrLst meth="repeat">
+      <a:schemeClr val="accent1"/>
+    </dgm:linClrLst>
+    <dgm:effectClrLst/>
+    <dgm:txLinClrLst/>
+    <dgm:txFillClrLst meth="repeat">
+      <a:schemeClr val="lt1"/>
+    </dgm:txFillClrLst>
+    <dgm:txEffectClrLst/>
+  </dgm:styleLbl>
+  <dgm:styleLbl name="fgShp">
+    <dgm:fillClrLst meth="repeat">
+      <a:schemeClr val="accent1">
+        <a:tint val="60000"/>
+      </a:schemeClr>
+    </dgm:fillClrLst>
+    <dgm:linClrLst meth="repeat">
+      <a:schemeClr val="lt1"/>
+    </dgm:linClrLst>
+    <dgm:effectClrLst/>
+    <dgm:txLinClrLst/>
+    <dgm:txFillClrLst meth="repeat">
+      <a:schemeClr val="dk1"/>
+    </dgm:txFillClrLst>
+    <dgm:txEffectClrLst/>
+  </dgm:styleLbl>
+  <dgm:styleLbl name="revTx">
+    <dgm:fillClrLst meth="repeat">
+      <a:schemeClr val="lt1">
+        <a:alpha val="0"/>
+      </a:schemeClr>
+    </dgm:fillClrLst>
+    <dgm:linClrLst meth="repeat">
+      <a:schemeClr val="dk1">
+        <a:alpha val="0"/>
+      </a:schemeClr>
+    </dgm:linClrLst>
+    <dgm:effectClrLst/>
+    <dgm:txLinClrLst/>
+    <dgm:txFillClrLst meth="repeat">
+      <a:schemeClr val="tx1"/>
+    </dgm:txFillClrLst>
+    <dgm:txEffectClrLst/>
+  </dgm:styleLbl>
+</dgm:colorsDef>
+</file>
+
+<file path=ppt/diagrams/data1.xml><?xml version="1.0" encoding="utf-8"?>
+<dgm:dataModel xmlns:dgm="http://schemas.openxmlformats.org/drawingml/2006/diagram" xmlns:a="http://schemas.openxmlformats.org/drawingml/2006/main">
+  <dgm:ptLst>
+    <dgm:pt modelId="{84B85FB8-CE49-454E-AFD0-26748DF588CB}" type="doc">
+      <dgm:prSet loTypeId="urn:microsoft.com/office/officeart/2005/8/layout/hierarchy1" loCatId="" qsTypeId="urn:microsoft.com/office/officeart/2005/8/quickstyle/simple4" qsCatId="simple" csTypeId="urn:microsoft.com/office/officeart/2005/8/colors/accent1_2" csCatId="accent1" phldr="1"/>
+      <dgm:spPr/>
+      <dgm:t>
+        <a:bodyPr/>
+        <a:lstStyle/>
+        <a:p>
+          <a:endParaRPr lang="en-US"/>
+        </a:p>
+      </dgm:t>
+    </dgm:pt>
+    <dgm:pt modelId="{960CE163-DF35-2B44-83E7-B9153BC66084}">
+      <dgm:prSet phldrT="[Text]"/>
+      <dgm:spPr/>
+      <dgm:t>
+        <a:bodyPr/>
+        <a:lstStyle/>
+        <a:p>
+          <a:r>
+            <a:rPr lang="en-US" dirty="0" smtClean="0"/>
+            <a:t>Data Type</a:t>
+          </a:r>
+          <a:endParaRPr lang="en-US" dirty="0"/>
+        </a:p>
+      </dgm:t>
+    </dgm:pt>
+    <dgm:pt modelId="{15F9C8B3-0868-F148-A166-96327192876A}" type="parTrans" cxnId="{E7733746-4C87-234A-9D3E-4005D8B583BC}">
+      <dgm:prSet/>
+      <dgm:spPr/>
+      <dgm:t>
+        <a:bodyPr/>
+        <a:lstStyle/>
+        <a:p>
+          <a:endParaRPr lang="en-US"/>
+        </a:p>
+      </dgm:t>
+    </dgm:pt>
+    <dgm:pt modelId="{AE4D7356-6DD9-B04F-A5BC-257D53ADE85C}" type="sibTrans" cxnId="{E7733746-4C87-234A-9D3E-4005D8B583BC}">
+      <dgm:prSet/>
+      <dgm:spPr/>
+      <dgm:t>
+        <a:bodyPr/>
+        <a:lstStyle/>
+        <a:p>
+          <a:endParaRPr lang="en-US"/>
+        </a:p>
+      </dgm:t>
+    </dgm:pt>
+    <dgm:pt modelId="{AE7EA77A-1D8E-3F42-95E1-4EB11A443A81}">
+      <dgm:prSet phldrT="[Text]"/>
+      <dgm:spPr/>
+      <dgm:t>
+        <a:bodyPr/>
+        <a:lstStyle/>
+        <a:p>
+          <a:r>
+            <a:rPr lang="en-US" dirty="0" smtClean="0"/>
+            <a:t>Number</a:t>
+          </a:r>
+          <a:endParaRPr lang="en-US" dirty="0"/>
+        </a:p>
+      </dgm:t>
+    </dgm:pt>
+    <dgm:pt modelId="{D0F565E7-5D70-054E-90E0-C19FE13B6790}" type="parTrans" cxnId="{1D703EA7-18EF-A644-AD84-6BA0E7A84E48}">
+      <dgm:prSet/>
+      <dgm:spPr/>
+      <dgm:t>
+        <a:bodyPr/>
+        <a:lstStyle/>
+        <a:p>
+          <a:endParaRPr lang="en-US"/>
+        </a:p>
+      </dgm:t>
+    </dgm:pt>
+    <dgm:pt modelId="{A9860EA9-F28C-E04C-8CCC-2E75895ED615}" type="sibTrans" cxnId="{1D703EA7-18EF-A644-AD84-6BA0E7A84E48}">
+      <dgm:prSet/>
+      <dgm:spPr/>
+      <dgm:t>
+        <a:bodyPr/>
+        <a:lstStyle/>
+        <a:p>
+          <a:endParaRPr lang="en-US"/>
+        </a:p>
+      </dgm:t>
+    </dgm:pt>
+    <dgm:pt modelId="{4261D7F4-A7D0-3F49-B78A-20CFB380B683}">
+      <dgm:prSet phldrT="[Text]"/>
+      <dgm:spPr/>
+      <dgm:t>
+        <a:bodyPr/>
+        <a:lstStyle/>
+        <a:p>
+          <a:r>
+            <a:rPr lang="en-US" dirty="0" smtClean="0"/>
+            <a:t>Whole</a:t>
+          </a:r>
+          <a:endParaRPr lang="en-US" dirty="0"/>
+        </a:p>
+      </dgm:t>
+    </dgm:pt>
+    <dgm:pt modelId="{8C382D6E-A069-234E-96CC-A5A865E2BBBD}" type="parTrans" cxnId="{BE4A5523-AA4B-D244-80FB-A948E67617FE}">
+      <dgm:prSet/>
+      <dgm:spPr/>
+      <dgm:t>
+        <a:bodyPr/>
+        <a:lstStyle/>
+        <a:p>
+          <a:endParaRPr lang="en-US"/>
+        </a:p>
+      </dgm:t>
+    </dgm:pt>
+    <dgm:pt modelId="{BFE6C573-BEC1-BB44-914C-4A90CDE91A1A}" type="sibTrans" cxnId="{BE4A5523-AA4B-D244-80FB-A948E67617FE}">
+      <dgm:prSet/>
+      <dgm:spPr/>
+      <dgm:t>
+        <a:bodyPr/>
+        <a:lstStyle/>
+        <a:p>
+          <a:endParaRPr lang="en-US"/>
+        </a:p>
+      </dgm:t>
+    </dgm:pt>
+    <dgm:pt modelId="{A215CF19-F4EB-414A-A10F-B2A96141FE91}">
+      <dgm:prSet phldrT="[Text]"/>
+      <dgm:spPr/>
+      <dgm:t>
+        <a:bodyPr/>
+        <a:lstStyle/>
+        <a:p>
+          <a:r>
+            <a:rPr lang="en-US" dirty="0" smtClean="0"/>
+            <a:t>Float</a:t>
+          </a:r>
+          <a:endParaRPr lang="en-US" dirty="0"/>
+        </a:p>
+      </dgm:t>
+    </dgm:pt>
+    <dgm:pt modelId="{4810192D-B607-5A42-8DCE-8CFCF1A82427}" type="parTrans" cxnId="{09A4557F-E6E3-CA46-A390-4566B55E38CE}">
+      <dgm:prSet/>
+      <dgm:spPr/>
+      <dgm:t>
+        <a:bodyPr/>
+        <a:lstStyle/>
+        <a:p>
+          <a:endParaRPr lang="en-US"/>
+        </a:p>
+      </dgm:t>
+    </dgm:pt>
+    <dgm:pt modelId="{466C1D3C-619E-C448-BF54-2F35FBFACADE}" type="sibTrans" cxnId="{09A4557F-E6E3-CA46-A390-4566B55E38CE}">
+      <dgm:prSet/>
+      <dgm:spPr/>
+      <dgm:t>
+        <a:bodyPr/>
+        <a:lstStyle/>
+        <a:p>
+          <a:endParaRPr lang="en-US"/>
+        </a:p>
+      </dgm:t>
+    </dgm:pt>
+    <dgm:pt modelId="{4D875376-E6B9-804F-AC85-A1D4337BBC8A}">
+      <dgm:prSet phldrT="[Text]"/>
+      <dgm:spPr/>
+      <dgm:t>
+        <a:bodyPr/>
+        <a:lstStyle/>
+        <a:p>
+          <a:r>
+            <a:rPr lang="en-US" dirty="0" smtClean="0"/>
+            <a:t>String</a:t>
+          </a:r>
+          <a:endParaRPr lang="en-US" dirty="0"/>
+        </a:p>
+      </dgm:t>
+    </dgm:pt>
+    <dgm:pt modelId="{6C0275DE-9DFE-0E43-8DDA-D28DD222D71F}" type="parTrans" cxnId="{8FC20289-4F63-9E49-BD79-567030E07E0D}">
+      <dgm:prSet/>
+      <dgm:spPr/>
+      <dgm:t>
+        <a:bodyPr/>
+        <a:lstStyle/>
+        <a:p>
+          <a:endParaRPr lang="en-US"/>
+        </a:p>
+      </dgm:t>
+    </dgm:pt>
+    <dgm:pt modelId="{5CBDE70F-8F73-B144-BE9A-D54839868342}" type="sibTrans" cxnId="{8FC20289-4F63-9E49-BD79-567030E07E0D}">
+      <dgm:prSet/>
+      <dgm:spPr/>
+      <dgm:t>
+        <a:bodyPr/>
+        <a:lstStyle/>
+        <a:p>
+          <a:endParaRPr lang="en-US"/>
+        </a:p>
+      </dgm:t>
+    </dgm:pt>
+    <dgm:pt modelId="{1AD1EA1C-020E-5744-81BA-AEEC1A7A11F3}">
+      <dgm:prSet phldrT="[Text]"/>
+      <dgm:spPr/>
+      <dgm:t>
+        <a:bodyPr/>
+        <a:lstStyle/>
+        <a:p>
+          <a:r>
+            <a:rPr lang="en-US" dirty="0" smtClean="0"/>
+            <a:t>Boolean</a:t>
+          </a:r>
+          <a:endParaRPr lang="en-US" dirty="0"/>
+        </a:p>
+      </dgm:t>
+    </dgm:pt>
+    <dgm:pt modelId="{12CF4121-F3B4-5C45-B72F-C1FB37DD3C0D}" type="parTrans" cxnId="{0A19088C-A894-A349-B6F2-D0CA96CD47FA}">
+      <dgm:prSet/>
+      <dgm:spPr/>
+      <dgm:t>
+        <a:bodyPr/>
+        <a:lstStyle/>
+        <a:p>
+          <a:endParaRPr lang="en-US"/>
+        </a:p>
+      </dgm:t>
+    </dgm:pt>
+    <dgm:pt modelId="{E7356A86-2BC1-2844-87C1-0F4142A0BACE}" type="sibTrans" cxnId="{0A19088C-A894-A349-B6F2-D0CA96CD47FA}">
+      <dgm:prSet/>
+      <dgm:spPr/>
+      <dgm:t>
+        <a:bodyPr/>
+        <a:lstStyle/>
+        <a:p>
+          <a:endParaRPr lang="en-US"/>
+        </a:p>
+      </dgm:t>
+    </dgm:pt>
+    <dgm:pt modelId="{FE86CB60-E462-414C-BF0E-606A57D7AD93}">
+      <dgm:prSet phldrT="[Text]"/>
+      <dgm:spPr/>
+      <dgm:t>
+        <a:bodyPr/>
+        <a:lstStyle/>
+        <a:p>
+          <a:r>
+            <a:rPr lang="en-US" dirty="0" smtClean="0"/>
+            <a:t>Object</a:t>
+          </a:r>
+          <a:endParaRPr lang="en-US" dirty="0"/>
+        </a:p>
+      </dgm:t>
+    </dgm:pt>
+    <dgm:pt modelId="{70F0D127-9705-B346-8456-2EA73B6E30CF}" type="parTrans" cxnId="{BD876DF4-FBEE-9943-863F-7B7F61CBAEA9}">
+      <dgm:prSet/>
+      <dgm:spPr/>
+    </dgm:pt>
+    <dgm:pt modelId="{B2965BF0-14E0-474E-A2AB-CCA4521513DD}" type="sibTrans" cxnId="{BD876DF4-FBEE-9943-863F-7B7F61CBAEA9}">
+      <dgm:prSet/>
+      <dgm:spPr/>
+    </dgm:pt>
+    <dgm:pt modelId="{9C7D04B1-85B2-3F41-9343-3724449F75B3}">
+      <dgm:prSet phldrT="[Text]"/>
+      <dgm:spPr/>
+      <dgm:t>
+        <a:bodyPr/>
+        <a:lstStyle/>
+        <a:p>
+          <a:r>
+            <a:rPr lang="en-US" dirty="0" smtClean="0"/>
+            <a:t>Date</a:t>
+          </a:r>
+          <a:endParaRPr lang="en-US" dirty="0"/>
+        </a:p>
+      </dgm:t>
+    </dgm:pt>
+    <dgm:pt modelId="{184A7FBE-4658-3046-B4A7-4EBDDC670AD1}" type="parTrans" cxnId="{48C3CFE4-65EB-9D4E-A0CE-F9F821B5D78C}">
+      <dgm:prSet/>
+      <dgm:spPr/>
+    </dgm:pt>
+    <dgm:pt modelId="{5D03D28D-4580-AA4E-B725-784F886C6797}" type="sibTrans" cxnId="{48C3CFE4-65EB-9D4E-A0CE-F9F821B5D78C}">
+      <dgm:prSet/>
+      <dgm:spPr/>
+    </dgm:pt>
+    <dgm:pt modelId="{67DF074B-DE05-B24C-9E35-CDBF726DC2DD}">
+      <dgm:prSet phldrT="[Text]"/>
+      <dgm:spPr/>
+      <dgm:t>
+        <a:bodyPr/>
+        <a:lstStyle/>
+        <a:p>
+          <a:r>
+            <a:rPr lang="en-US" dirty="0" smtClean="0"/>
+            <a:t>Container</a:t>
+          </a:r>
+          <a:endParaRPr lang="en-US" dirty="0"/>
+        </a:p>
+      </dgm:t>
+    </dgm:pt>
+    <dgm:pt modelId="{0C3731E6-7189-414B-8AA4-AA411ADE82DC}" type="parTrans" cxnId="{68A68B6C-C4A2-404D-9619-7E596F60AE28}">
+      <dgm:prSet/>
+      <dgm:spPr/>
+    </dgm:pt>
+    <dgm:pt modelId="{4A343348-5A18-A64D-B967-67FF94A2182D}" type="sibTrans" cxnId="{68A68B6C-C4A2-404D-9619-7E596F60AE28}">
+      <dgm:prSet/>
+      <dgm:spPr/>
+    </dgm:pt>
+    <dgm:pt modelId="{632DBD1E-A080-C14D-89CD-94A8C0F3CF25}">
+      <dgm:prSet phldrT="[Text]"/>
+      <dgm:spPr/>
+      <dgm:t>
+        <a:bodyPr/>
+        <a:lstStyle/>
+        <a:p>
+          <a:r>
+            <a:rPr lang="en-US" dirty="0" smtClean="0"/>
+            <a:t>Array</a:t>
+          </a:r>
+          <a:endParaRPr lang="en-US" dirty="0"/>
+        </a:p>
+      </dgm:t>
+    </dgm:pt>
+    <dgm:pt modelId="{563BE0E2-35F1-EA43-92A4-487E8781D214}" type="parTrans" cxnId="{4CC6FB2A-BDF9-2948-B3E8-8BFD444DE0F5}">
+      <dgm:prSet/>
+      <dgm:spPr/>
+    </dgm:pt>
+    <dgm:pt modelId="{BC85FB81-59E3-3246-A1DB-AA9BCA174B1A}" type="sibTrans" cxnId="{4CC6FB2A-BDF9-2948-B3E8-8BFD444DE0F5}">
+      <dgm:prSet/>
+      <dgm:spPr/>
+    </dgm:pt>
+    <dgm:pt modelId="{2CF1C699-9046-8C42-87E6-2861BF37D660}">
+      <dgm:prSet phldrT="[Text]"/>
+      <dgm:spPr/>
+      <dgm:t>
+        <a:bodyPr/>
+        <a:lstStyle/>
+        <a:p>
+          <a:r>
+            <a:rPr lang="en-US" dirty="0" smtClean="0"/>
+            <a:t>Hash</a:t>
+          </a:r>
+          <a:endParaRPr lang="en-US" dirty="0"/>
+        </a:p>
+      </dgm:t>
+    </dgm:pt>
+    <dgm:pt modelId="{F9A1264F-2EB8-8148-8E8F-B74886C30473}" type="parTrans" cxnId="{A5EF75CA-949B-FB42-A967-633DBF9C5416}">
+      <dgm:prSet/>
+      <dgm:spPr/>
+    </dgm:pt>
+    <dgm:pt modelId="{2B88B2F7-3FE5-E743-A3EF-F1DB3821C219}" type="sibTrans" cxnId="{A5EF75CA-949B-FB42-A967-633DBF9C5416}">
+      <dgm:prSet/>
+      <dgm:spPr/>
+    </dgm:pt>
+    <dgm:pt modelId="{E5C8F682-32CD-424A-896C-91EAD3E64C45}">
+      <dgm:prSet phldrT="[Text]"/>
+      <dgm:spPr/>
+      <dgm:t>
+        <a:bodyPr/>
+        <a:lstStyle/>
+        <a:p>
+          <a:r>
+            <a:rPr lang="en-US" dirty="0" smtClean="0"/>
+            <a:t>Function</a:t>
+          </a:r>
+          <a:endParaRPr lang="en-US" dirty="0"/>
+        </a:p>
+      </dgm:t>
+    </dgm:pt>
+    <dgm:pt modelId="{E3372A67-8AD5-414E-9A1F-4D9E3CFF6332}" type="parTrans" cxnId="{C885BB5D-362B-1847-87CF-E1B639313EA0}">
+      <dgm:prSet/>
+      <dgm:spPr/>
+    </dgm:pt>
+    <dgm:pt modelId="{B77BD5BE-E444-A847-B5CA-1B150064119C}" type="sibTrans" cxnId="{C885BB5D-362B-1847-87CF-E1B639313EA0}">
+      <dgm:prSet/>
+      <dgm:spPr/>
+    </dgm:pt>
+    <dgm:pt modelId="{39E9CE6E-1476-7F49-AD48-00E9588CC1FC}" type="pres">
+      <dgm:prSet presAssocID="{84B85FB8-CE49-454E-AFD0-26748DF588CB}" presName="hierChild1" presStyleCnt="0">
+        <dgm:presLayoutVars>
+          <dgm:chPref val="1"/>
+          <dgm:dir/>
+          <dgm:animOne val="branch"/>
+          <dgm:animLvl val="lvl"/>
+          <dgm:resizeHandles/>
+        </dgm:presLayoutVars>
+      </dgm:prSet>
+      <dgm:spPr/>
+    </dgm:pt>
+    <dgm:pt modelId="{AFBF1B26-876E-5B4F-868D-ECF533517B41}" type="pres">
+      <dgm:prSet presAssocID="{960CE163-DF35-2B44-83E7-B9153BC66084}" presName="hierRoot1" presStyleCnt="0"/>
+      <dgm:spPr/>
+    </dgm:pt>
+    <dgm:pt modelId="{80FDFEA5-D276-C44B-902D-D2E8A937A02A}" type="pres">
+      <dgm:prSet presAssocID="{960CE163-DF35-2B44-83E7-B9153BC66084}" presName="composite" presStyleCnt="0"/>
+      <dgm:spPr/>
+    </dgm:pt>
+    <dgm:pt modelId="{DE9E6D4B-E798-AA47-81C3-1E545DF4DB5B}" type="pres">
+      <dgm:prSet presAssocID="{960CE163-DF35-2B44-83E7-B9153BC66084}" presName="background" presStyleLbl="node0" presStyleIdx="0" presStyleCnt="1"/>
+      <dgm:spPr/>
+    </dgm:pt>
+    <dgm:pt modelId="{923B0C63-79B7-9B4A-94B9-19130FBE5D7B}" type="pres">
+      <dgm:prSet presAssocID="{960CE163-DF35-2B44-83E7-B9153BC66084}" presName="text" presStyleLbl="fgAcc0" presStyleIdx="0" presStyleCnt="1">
+        <dgm:presLayoutVars>
+          <dgm:chPref val="3"/>
+        </dgm:presLayoutVars>
+      </dgm:prSet>
+      <dgm:spPr/>
+    </dgm:pt>
+    <dgm:pt modelId="{BE0F867F-BE80-FD4F-A022-F1E0405A48F1}" type="pres">
+      <dgm:prSet presAssocID="{960CE163-DF35-2B44-83E7-B9153BC66084}" presName="hierChild2" presStyleCnt="0"/>
+      <dgm:spPr/>
+    </dgm:pt>
+    <dgm:pt modelId="{6B84F89A-BB62-184B-ACA8-8A1AAAE34DE1}" type="pres">
+      <dgm:prSet presAssocID="{D0F565E7-5D70-054E-90E0-C19FE13B6790}" presName="Name10" presStyleLbl="parChTrans1D2" presStyleIdx="0" presStyleCnt="4"/>
+      <dgm:spPr/>
+    </dgm:pt>
+    <dgm:pt modelId="{57186F82-921A-384B-9A88-E6F59E2B58CF}" type="pres">
+      <dgm:prSet presAssocID="{AE7EA77A-1D8E-3F42-95E1-4EB11A443A81}" presName="hierRoot2" presStyleCnt="0"/>
+      <dgm:spPr/>
+    </dgm:pt>
+    <dgm:pt modelId="{B28150B0-F092-CC46-AAAD-4BBEDB44147E}" type="pres">
+      <dgm:prSet presAssocID="{AE7EA77A-1D8E-3F42-95E1-4EB11A443A81}" presName="composite2" presStyleCnt="0"/>
+      <dgm:spPr/>
+    </dgm:pt>
+    <dgm:pt modelId="{3D0C8496-FBEF-B442-BAA7-CC30894D9EC3}" type="pres">
+      <dgm:prSet presAssocID="{AE7EA77A-1D8E-3F42-95E1-4EB11A443A81}" presName="background2" presStyleLbl="node2" presStyleIdx="0" presStyleCnt="4"/>
+      <dgm:spPr/>
+    </dgm:pt>
+    <dgm:pt modelId="{BBF408DD-FB71-6449-9993-DDA736E8D58A}" type="pres">
+      <dgm:prSet presAssocID="{AE7EA77A-1D8E-3F42-95E1-4EB11A443A81}" presName="text2" presStyleLbl="fgAcc2" presStyleIdx="0" presStyleCnt="4">
+        <dgm:presLayoutVars>
+          <dgm:chPref val="3"/>
+        </dgm:presLayoutVars>
+      </dgm:prSet>
+      <dgm:spPr/>
+    </dgm:pt>
+    <dgm:pt modelId="{30275E42-2EF8-8541-8588-8D52956296D0}" type="pres">
+      <dgm:prSet presAssocID="{AE7EA77A-1D8E-3F42-95E1-4EB11A443A81}" presName="hierChild3" presStyleCnt="0"/>
+      <dgm:spPr/>
+    </dgm:pt>
+    <dgm:pt modelId="{C6BA431E-FA40-1D4E-A3D8-2A8BD37A2453}" type="pres">
+      <dgm:prSet presAssocID="{8C382D6E-A069-234E-96CC-A5A865E2BBBD}" presName="Name17" presStyleLbl="parChTrans1D3" presStyleIdx="0" presStyleCnt="5"/>
+      <dgm:spPr/>
+    </dgm:pt>
+    <dgm:pt modelId="{FA49C2F0-0FFB-3146-92B9-688B6A49F1AC}" type="pres">
+      <dgm:prSet presAssocID="{4261D7F4-A7D0-3F49-B78A-20CFB380B683}" presName="hierRoot3" presStyleCnt="0"/>
+      <dgm:spPr/>
+    </dgm:pt>
+    <dgm:pt modelId="{0C3DE103-3542-7341-8A0B-7521A1726E5B}" type="pres">
+      <dgm:prSet presAssocID="{4261D7F4-A7D0-3F49-B78A-20CFB380B683}" presName="composite3" presStyleCnt="0"/>
+      <dgm:spPr/>
+    </dgm:pt>
+    <dgm:pt modelId="{4AC60A40-741B-ED47-AAD7-DE82CE34AD41}" type="pres">
+      <dgm:prSet presAssocID="{4261D7F4-A7D0-3F49-B78A-20CFB380B683}" presName="background3" presStyleLbl="node3" presStyleIdx="0" presStyleCnt="5"/>
+      <dgm:spPr/>
+    </dgm:pt>
+    <dgm:pt modelId="{C2C1A37D-940A-6743-AC99-D92FAAA879A9}" type="pres">
+      <dgm:prSet presAssocID="{4261D7F4-A7D0-3F49-B78A-20CFB380B683}" presName="text3" presStyleLbl="fgAcc3" presStyleIdx="0" presStyleCnt="5">
+        <dgm:presLayoutVars>
+          <dgm:chPref val="3"/>
+        </dgm:presLayoutVars>
+      </dgm:prSet>
+      <dgm:spPr/>
+    </dgm:pt>
+    <dgm:pt modelId="{45C7168E-E470-0B41-BADA-058CAF77E69B}" type="pres">
+      <dgm:prSet presAssocID="{4261D7F4-A7D0-3F49-B78A-20CFB380B683}" presName="hierChild4" presStyleCnt="0"/>
+      <dgm:spPr/>
+    </dgm:pt>
+    <dgm:pt modelId="{28156514-4C64-AE45-A406-98283D6076D6}" type="pres">
+      <dgm:prSet presAssocID="{4810192D-B607-5A42-8DCE-8CFCF1A82427}" presName="Name17" presStyleLbl="parChTrans1D3" presStyleIdx="1" presStyleCnt="5"/>
+      <dgm:spPr/>
+    </dgm:pt>
+    <dgm:pt modelId="{6EB05EE5-0B4E-B94A-957D-24E8465F731F}" type="pres">
+      <dgm:prSet presAssocID="{A215CF19-F4EB-414A-A10F-B2A96141FE91}" presName="hierRoot3" presStyleCnt="0"/>
+      <dgm:spPr/>
+    </dgm:pt>
+    <dgm:pt modelId="{2689CED2-1086-2B4D-90A9-87D971D7A5CD}" type="pres">
+      <dgm:prSet presAssocID="{A215CF19-F4EB-414A-A10F-B2A96141FE91}" presName="composite3" presStyleCnt="0"/>
+      <dgm:spPr/>
+    </dgm:pt>
+    <dgm:pt modelId="{42E6176C-3E48-2248-9A2F-70DD7DB88292}" type="pres">
+      <dgm:prSet presAssocID="{A215CF19-F4EB-414A-A10F-B2A96141FE91}" presName="background3" presStyleLbl="node3" presStyleIdx="1" presStyleCnt="5"/>
+      <dgm:spPr/>
+    </dgm:pt>
+    <dgm:pt modelId="{0B86410B-498D-AB4D-9967-4C4AEDB1DF45}" type="pres">
+      <dgm:prSet presAssocID="{A215CF19-F4EB-414A-A10F-B2A96141FE91}" presName="text3" presStyleLbl="fgAcc3" presStyleIdx="1" presStyleCnt="5">
+        <dgm:presLayoutVars>
+          <dgm:chPref val="3"/>
+        </dgm:presLayoutVars>
+      </dgm:prSet>
+      <dgm:spPr/>
+      <dgm:t>
+        <a:bodyPr/>
+        <a:lstStyle/>
+        <a:p>
+          <a:endParaRPr lang="en-US"/>
+        </a:p>
+      </dgm:t>
+    </dgm:pt>
+    <dgm:pt modelId="{B3C8CD39-69CF-704B-96DE-6A9E2710E4DF}" type="pres">
+      <dgm:prSet presAssocID="{A215CF19-F4EB-414A-A10F-B2A96141FE91}" presName="hierChild4" presStyleCnt="0"/>
+      <dgm:spPr/>
+    </dgm:pt>
+    <dgm:pt modelId="{8CFA3E84-678E-C345-8D46-63E85CF195E2}" type="pres">
+      <dgm:prSet presAssocID="{6C0275DE-9DFE-0E43-8DDA-D28DD222D71F}" presName="Name10" presStyleLbl="parChTrans1D2" presStyleIdx="1" presStyleCnt="4"/>
+      <dgm:spPr/>
+    </dgm:pt>
+    <dgm:pt modelId="{17123A68-6C83-C544-9F84-F56BBB484F06}" type="pres">
+      <dgm:prSet presAssocID="{4D875376-E6B9-804F-AC85-A1D4337BBC8A}" presName="hierRoot2" presStyleCnt="0"/>
+      <dgm:spPr/>
+    </dgm:pt>
+    <dgm:pt modelId="{4AE01571-6379-704D-8604-C8ABF21E8DBB}" type="pres">
+      <dgm:prSet presAssocID="{4D875376-E6B9-804F-AC85-A1D4337BBC8A}" presName="composite2" presStyleCnt="0"/>
+      <dgm:spPr/>
+    </dgm:pt>
+    <dgm:pt modelId="{E4637EFB-2FAA-3446-8FC9-AD7B8E683EE6}" type="pres">
+      <dgm:prSet presAssocID="{4D875376-E6B9-804F-AC85-A1D4337BBC8A}" presName="background2" presStyleLbl="node2" presStyleIdx="1" presStyleCnt="4"/>
+      <dgm:spPr/>
+    </dgm:pt>
+    <dgm:pt modelId="{0FEFC8CB-58CB-4A43-9867-EED6738F0C0F}" type="pres">
+      <dgm:prSet presAssocID="{4D875376-E6B9-804F-AC85-A1D4337BBC8A}" presName="text2" presStyleLbl="fgAcc2" presStyleIdx="1" presStyleCnt="4">
+        <dgm:presLayoutVars>
+          <dgm:chPref val="3"/>
+        </dgm:presLayoutVars>
+      </dgm:prSet>
+      <dgm:spPr/>
+      <dgm:t>
+        <a:bodyPr/>
+        <a:lstStyle/>
+        <a:p>
+          <a:endParaRPr lang="en-US"/>
+        </a:p>
+      </dgm:t>
+    </dgm:pt>
+    <dgm:pt modelId="{913C72A4-3E8B-1241-9761-A44A74EB4957}" type="pres">
+      <dgm:prSet presAssocID="{4D875376-E6B9-804F-AC85-A1D4337BBC8A}" presName="hierChild3" presStyleCnt="0"/>
+      <dgm:spPr/>
+    </dgm:pt>
+    <dgm:pt modelId="{800FD04D-B3AC-0B4A-955F-2E2198D77D53}" type="pres">
+      <dgm:prSet presAssocID="{12CF4121-F3B4-5C45-B72F-C1FB37DD3C0D}" presName="Name10" presStyleLbl="parChTrans1D2" presStyleIdx="2" presStyleCnt="4"/>
+      <dgm:spPr/>
+    </dgm:pt>
+    <dgm:pt modelId="{128988B5-99FA-2F4E-AE71-B7EAC369A7E7}" type="pres">
+      <dgm:prSet presAssocID="{1AD1EA1C-020E-5744-81BA-AEEC1A7A11F3}" presName="hierRoot2" presStyleCnt="0"/>
+      <dgm:spPr/>
+    </dgm:pt>
+    <dgm:pt modelId="{49809B21-A121-6949-BE32-B42D5CB61BF3}" type="pres">
+      <dgm:prSet presAssocID="{1AD1EA1C-020E-5744-81BA-AEEC1A7A11F3}" presName="composite2" presStyleCnt="0"/>
+      <dgm:spPr/>
+    </dgm:pt>
+    <dgm:pt modelId="{742E8093-E526-D748-A87A-DEAD1A9F1F6D}" type="pres">
+      <dgm:prSet presAssocID="{1AD1EA1C-020E-5744-81BA-AEEC1A7A11F3}" presName="background2" presStyleLbl="node2" presStyleIdx="2" presStyleCnt="4"/>
+      <dgm:spPr/>
+    </dgm:pt>
+    <dgm:pt modelId="{D86CCABB-994E-2B44-9B36-549A167DC946}" type="pres">
+      <dgm:prSet presAssocID="{1AD1EA1C-020E-5744-81BA-AEEC1A7A11F3}" presName="text2" presStyleLbl="fgAcc2" presStyleIdx="2" presStyleCnt="4">
+        <dgm:presLayoutVars>
+          <dgm:chPref val="3"/>
+        </dgm:presLayoutVars>
+      </dgm:prSet>
+      <dgm:spPr/>
+    </dgm:pt>
+    <dgm:pt modelId="{CC6967D9-B95C-CE45-A47E-91CDA0E3E445}" type="pres">
+      <dgm:prSet presAssocID="{1AD1EA1C-020E-5744-81BA-AEEC1A7A11F3}" presName="hierChild3" presStyleCnt="0"/>
+      <dgm:spPr/>
+    </dgm:pt>
+    <dgm:pt modelId="{201C7CC6-525A-FE42-B4FF-8C5914387024}" type="pres">
+      <dgm:prSet presAssocID="{70F0D127-9705-B346-8456-2EA73B6E30CF}" presName="Name10" presStyleLbl="parChTrans1D2" presStyleIdx="3" presStyleCnt="4"/>
+      <dgm:spPr/>
+    </dgm:pt>
+    <dgm:pt modelId="{BD934BBA-EA07-8840-90B2-9D9E5B1347F2}" type="pres">
+      <dgm:prSet presAssocID="{FE86CB60-E462-414C-BF0E-606A57D7AD93}" presName="hierRoot2" presStyleCnt="0"/>
+      <dgm:spPr/>
+    </dgm:pt>
+    <dgm:pt modelId="{17E8D9DE-F146-0644-88B0-F97B429F2766}" type="pres">
+      <dgm:prSet presAssocID="{FE86CB60-E462-414C-BF0E-606A57D7AD93}" presName="composite2" presStyleCnt="0"/>
+      <dgm:spPr/>
+    </dgm:pt>
+    <dgm:pt modelId="{419941D0-E8C4-AB44-9E78-DAAEB48DEBBF}" type="pres">
+      <dgm:prSet presAssocID="{FE86CB60-E462-414C-BF0E-606A57D7AD93}" presName="background2" presStyleLbl="node2" presStyleIdx="3" presStyleCnt="4"/>
+      <dgm:spPr/>
+    </dgm:pt>
+    <dgm:pt modelId="{6603764C-B415-664F-8885-A7DAA8CAF3E7}" type="pres">
+      <dgm:prSet presAssocID="{FE86CB60-E462-414C-BF0E-606A57D7AD93}" presName="text2" presStyleLbl="fgAcc2" presStyleIdx="3" presStyleCnt="4">
+        <dgm:presLayoutVars>
+          <dgm:chPref val="3"/>
+        </dgm:presLayoutVars>
+      </dgm:prSet>
+      <dgm:spPr/>
+      <dgm:t>
+        <a:bodyPr/>
+        <a:lstStyle/>
+        <a:p>
+          <a:endParaRPr lang="en-US"/>
+        </a:p>
+      </dgm:t>
+    </dgm:pt>
+    <dgm:pt modelId="{B22FE223-04E0-3741-B2BD-26144A52FBF0}" type="pres">
+      <dgm:prSet presAssocID="{FE86CB60-E462-414C-BF0E-606A57D7AD93}" presName="hierChild3" presStyleCnt="0"/>
+      <dgm:spPr/>
+    </dgm:pt>
+    <dgm:pt modelId="{2E4A94D1-71F0-A046-B95F-18095848F38A}" type="pres">
+      <dgm:prSet presAssocID="{184A7FBE-4658-3046-B4A7-4EBDDC670AD1}" presName="Name17" presStyleLbl="parChTrans1D3" presStyleIdx="2" presStyleCnt="5"/>
+      <dgm:spPr/>
+    </dgm:pt>
+    <dgm:pt modelId="{ED5C0E39-415F-9345-8AFB-31BAA119B473}" type="pres">
+      <dgm:prSet presAssocID="{9C7D04B1-85B2-3F41-9343-3724449F75B3}" presName="hierRoot3" presStyleCnt="0"/>
+      <dgm:spPr/>
+    </dgm:pt>
+    <dgm:pt modelId="{BF8EF9AE-3A03-8649-BC95-B3356DB4965E}" type="pres">
+      <dgm:prSet presAssocID="{9C7D04B1-85B2-3F41-9343-3724449F75B3}" presName="composite3" presStyleCnt="0"/>
+      <dgm:spPr/>
+    </dgm:pt>
+    <dgm:pt modelId="{BED1AD82-3EAF-DA47-9563-265E07F41880}" type="pres">
+      <dgm:prSet presAssocID="{9C7D04B1-85B2-3F41-9343-3724449F75B3}" presName="background3" presStyleLbl="node3" presStyleIdx="2" presStyleCnt="5"/>
+      <dgm:spPr/>
+    </dgm:pt>
+    <dgm:pt modelId="{AD6B8219-1F5B-DA4F-B261-22B5D0551A94}" type="pres">
+      <dgm:prSet presAssocID="{9C7D04B1-85B2-3F41-9343-3724449F75B3}" presName="text3" presStyleLbl="fgAcc3" presStyleIdx="2" presStyleCnt="5">
+        <dgm:presLayoutVars>
+          <dgm:chPref val="3"/>
+        </dgm:presLayoutVars>
+      </dgm:prSet>
+      <dgm:spPr/>
+      <dgm:t>
+        <a:bodyPr/>
+        <a:lstStyle/>
+        <a:p>
+          <a:endParaRPr lang="en-US"/>
+        </a:p>
+      </dgm:t>
+    </dgm:pt>
+    <dgm:pt modelId="{AF36FF68-65FA-3443-983A-A1AA032CA341}" type="pres">
+      <dgm:prSet presAssocID="{9C7D04B1-85B2-3F41-9343-3724449F75B3}" presName="hierChild4" presStyleCnt="0"/>
+      <dgm:spPr/>
+    </dgm:pt>
+    <dgm:pt modelId="{F42357F4-6E12-A041-A7D6-81713E5E517B}" type="pres">
+      <dgm:prSet presAssocID="{0C3731E6-7189-414B-8AA4-AA411ADE82DC}" presName="Name17" presStyleLbl="parChTrans1D3" presStyleIdx="3" presStyleCnt="5"/>
+      <dgm:spPr/>
+    </dgm:pt>
+    <dgm:pt modelId="{A9A1551E-CC31-A64A-B373-6E945A4DD457}" type="pres">
+      <dgm:prSet presAssocID="{67DF074B-DE05-B24C-9E35-CDBF726DC2DD}" presName="hierRoot3" presStyleCnt="0"/>
+      <dgm:spPr/>
+    </dgm:pt>
+    <dgm:pt modelId="{F43CB637-24DA-304C-BC9F-8ECEC7BECB18}" type="pres">
+      <dgm:prSet presAssocID="{67DF074B-DE05-B24C-9E35-CDBF726DC2DD}" presName="composite3" presStyleCnt="0"/>
+      <dgm:spPr/>
+    </dgm:pt>
+    <dgm:pt modelId="{E43BE145-21E5-5543-9A7D-46DE44FE97A7}" type="pres">
+      <dgm:prSet presAssocID="{67DF074B-DE05-B24C-9E35-CDBF726DC2DD}" presName="background3" presStyleLbl="node3" presStyleIdx="3" presStyleCnt="5"/>
+      <dgm:spPr/>
+    </dgm:pt>
+    <dgm:pt modelId="{EBC8209D-BB74-B44A-A57A-C51ABEDBBAE8}" type="pres">
+      <dgm:prSet presAssocID="{67DF074B-DE05-B24C-9E35-CDBF726DC2DD}" presName="text3" presStyleLbl="fgAcc3" presStyleIdx="3" presStyleCnt="5">
+        <dgm:presLayoutVars>
+          <dgm:chPref val="3"/>
+        </dgm:presLayoutVars>
+      </dgm:prSet>
+      <dgm:spPr/>
+      <dgm:t>
+        <a:bodyPr/>
+        <a:lstStyle/>
+        <a:p>
+          <a:endParaRPr lang="en-US"/>
+        </a:p>
+      </dgm:t>
+    </dgm:pt>
+    <dgm:pt modelId="{C466FE0B-24A7-E64D-A09B-9F9133A03D07}" type="pres">
+      <dgm:prSet presAssocID="{67DF074B-DE05-B24C-9E35-CDBF726DC2DD}" presName="hierChild4" presStyleCnt="0"/>
+      <dgm:spPr/>
+    </dgm:pt>
+    <dgm:pt modelId="{1F5FFC55-2839-634C-8F0C-96EACF5BE3CB}" type="pres">
+      <dgm:prSet presAssocID="{563BE0E2-35F1-EA43-92A4-487E8781D214}" presName="Name23" presStyleLbl="parChTrans1D4" presStyleIdx="0" presStyleCnt="2"/>
+      <dgm:spPr/>
+    </dgm:pt>
+    <dgm:pt modelId="{85A5D7ED-B644-F14F-8652-BFCF9A5C48F9}" type="pres">
+      <dgm:prSet presAssocID="{632DBD1E-A080-C14D-89CD-94A8C0F3CF25}" presName="hierRoot4" presStyleCnt="0"/>
+      <dgm:spPr/>
+    </dgm:pt>
+    <dgm:pt modelId="{00D8B2B2-0CBF-7547-A721-EF848954EC8A}" type="pres">
+      <dgm:prSet presAssocID="{632DBD1E-A080-C14D-89CD-94A8C0F3CF25}" presName="composite4" presStyleCnt="0"/>
+      <dgm:spPr/>
+    </dgm:pt>
+    <dgm:pt modelId="{6DF542D9-B5F6-214E-9CDE-F0A47E3A8ABC}" type="pres">
+      <dgm:prSet presAssocID="{632DBD1E-A080-C14D-89CD-94A8C0F3CF25}" presName="background4" presStyleLbl="node4" presStyleIdx="0" presStyleCnt="2"/>
+      <dgm:spPr/>
+    </dgm:pt>
+    <dgm:pt modelId="{2246CDBD-2CA8-A34C-A89B-E32ACB07E97A}" type="pres">
+      <dgm:prSet presAssocID="{632DBD1E-A080-C14D-89CD-94A8C0F3CF25}" presName="text4" presStyleLbl="fgAcc4" presStyleIdx="0" presStyleCnt="2">
+        <dgm:presLayoutVars>
+          <dgm:chPref val="3"/>
+        </dgm:presLayoutVars>
+      </dgm:prSet>
+      <dgm:spPr/>
+    </dgm:pt>
+    <dgm:pt modelId="{3665192D-6737-1040-9177-871885CEF638}" type="pres">
+      <dgm:prSet presAssocID="{632DBD1E-A080-C14D-89CD-94A8C0F3CF25}" presName="hierChild5" presStyleCnt="0"/>
+      <dgm:spPr/>
+    </dgm:pt>
+    <dgm:pt modelId="{9541F663-17CE-1449-B545-4E9F3C558C3A}" type="pres">
+      <dgm:prSet presAssocID="{F9A1264F-2EB8-8148-8E8F-B74886C30473}" presName="Name23" presStyleLbl="parChTrans1D4" presStyleIdx="1" presStyleCnt="2"/>
+      <dgm:spPr/>
+    </dgm:pt>
+    <dgm:pt modelId="{83EE79AE-9386-864F-93A5-0F883745028F}" type="pres">
+      <dgm:prSet presAssocID="{2CF1C699-9046-8C42-87E6-2861BF37D660}" presName="hierRoot4" presStyleCnt="0"/>
+      <dgm:spPr/>
+    </dgm:pt>
+    <dgm:pt modelId="{429B9511-00B5-5B46-A00E-621F9A4D5014}" type="pres">
+      <dgm:prSet presAssocID="{2CF1C699-9046-8C42-87E6-2861BF37D660}" presName="composite4" presStyleCnt="0"/>
+      <dgm:spPr/>
+    </dgm:pt>
+    <dgm:pt modelId="{7591B2A4-9F4B-F245-820A-E182736ED0B3}" type="pres">
+      <dgm:prSet presAssocID="{2CF1C699-9046-8C42-87E6-2861BF37D660}" presName="background4" presStyleLbl="node4" presStyleIdx="1" presStyleCnt="2"/>
+      <dgm:spPr/>
+    </dgm:pt>
+    <dgm:pt modelId="{9152FE1E-3F9F-1945-845B-196FD4FE9E7F}" type="pres">
+      <dgm:prSet presAssocID="{2CF1C699-9046-8C42-87E6-2861BF37D660}" presName="text4" presStyleLbl="fgAcc4" presStyleIdx="1" presStyleCnt="2">
+        <dgm:presLayoutVars>
+          <dgm:chPref val="3"/>
+        </dgm:presLayoutVars>
+      </dgm:prSet>
+      <dgm:spPr/>
+    </dgm:pt>
+    <dgm:pt modelId="{52AA974E-0B14-7440-B0B8-11CBFA575269}" type="pres">
+      <dgm:prSet presAssocID="{2CF1C699-9046-8C42-87E6-2861BF37D660}" presName="hierChild5" presStyleCnt="0"/>
+      <dgm:spPr/>
+    </dgm:pt>
+    <dgm:pt modelId="{BA61A876-7050-3746-8DAE-0686A0FD0957}" type="pres">
+      <dgm:prSet presAssocID="{E3372A67-8AD5-414E-9A1F-4D9E3CFF6332}" presName="Name17" presStyleLbl="parChTrans1D3" presStyleIdx="4" presStyleCnt="5"/>
+      <dgm:spPr/>
+    </dgm:pt>
+    <dgm:pt modelId="{7E1C010A-E642-0444-8F19-1706B4B1F542}" type="pres">
+      <dgm:prSet presAssocID="{E5C8F682-32CD-424A-896C-91EAD3E64C45}" presName="hierRoot3" presStyleCnt="0"/>
+      <dgm:spPr/>
+    </dgm:pt>
+    <dgm:pt modelId="{9A87F0FC-C76A-AB43-AA0B-DF4820D9F426}" type="pres">
+      <dgm:prSet presAssocID="{E5C8F682-32CD-424A-896C-91EAD3E64C45}" presName="composite3" presStyleCnt="0"/>
+      <dgm:spPr/>
+    </dgm:pt>
+    <dgm:pt modelId="{05D36543-49E4-934D-B25C-1B6526CA4C89}" type="pres">
+      <dgm:prSet presAssocID="{E5C8F682-32CD-424A-896C-91EAD3E64C45}" presName="background3" presStyleLbl="node3" presStyleIdx="4" presStyleCnt="5"/>
+      <dgm:spPr/>
+    </dgm:pt>
+    <dgm:pt modelId="{76B33B1D-4CA5-544F-BF28-B308B507EF10}" type="pres">
+      <dgm:prSet presAssocID="{E5C8F682-32CD-424A-896C-91EAD3E64C45}" presName="text3" presStyleLbl="fgAcc3" presStyleIdx="4" presStyleCnt="5">
+        <dgm:presLayoutVars>
+          <dgm:chPref val="3"/>
+        </dgm:presLayoutVars>
+      </dgm:prSet>
+      <dgm:spPr/>
+      <dgm:t>
+        <a:bodyPr/>
+        <a:lstStyle/>
+        <a:p>
+          <a:endParaRPr lang="en-US"/>
+        </a:p>
+      </dgm:t>
+    </dgm:pt>
+    <dgm:pt modelId="{70331356-C91A-A344-8A29-46B67D09210B}" type="pres">
+      <dgm:prSet presAssocID="{E5C8F682-32CD-424A-896C-91EAD3E64C45}" presName="hierChild4" presStyleCnt="0"/>
+      <dgm:spPr/>
+    </dgm:pt>
+  </dgm:ptLst>
+  <dgm:cxnLst>
+    <dgm:cxn modelId="{83E49D5E-8454-9E42-BE7E-222314DE437A}" type="presOf" srcId="{A215CF19-F4EB-414A-A10F-B2A96141FE91}" destId="{0B86410B-498D-AB4D-9967-4C4AEDB1DF45}" srcOrd="0" destOrd="0" presId="urn:microsoft.com/office/officeart/2005/8/layout/hierarchy1"/>
+    <dgm:cxn modelId="{C68BF670-8B34-3C4D-9D1C-D21DB540C6F0}" type="presOf" srcId="{4810192D-B607-5A42-8DCE-8CFCF1A82427}" destId="{28156514-4C64-AE45-A406-98283D6076D6}" srcOrd="0" destOrd="0" presId="urn:microsoft.com/office/officeart/2005/8/layout/hierarchy1"/>
+    <dgm:cxn modelId="{EBA0C76A-39FE-554F-88D0-6528D4CD0E35}" type="presOf" srcId="{8C382D6E-A069-234E-96CC-A5A865E2BBBD}" destId="{C6BA431E-FA40-1D4E-A3D8-2A8BD37A2453}" srcOrd="0" destOrd="0" presId="urn:microsoft.com/office/officeart/2005/8/layout/hierarchy1"/>
+    <dgm:cxn modelId="{1D703EA7-18EF-A644-AD84-6BA0E7A84E48}" srcId="{960CE163-DF35-2B44-83E7-B9153BC66084}" destId="{AE7EA77A-1D8E-3F42-95E1-4EB11A443A81}" srcOrd="0" destOrd="0" parTransId="{D0F565E7-5D70-054E-90E0-C19FE13B6790}" sibTransId="{A9860EA9-F28C-E04C-8CCC-2E75895ED615}"/>
+    <dgm:cxn modelId="{BD876DF4-FBEE-9943-863F-7B7F61CBAEA9}" srcId="{960CE163-DF35-2B44-83E7-B9153BC66084}" destId="{FE86CB60-E462-414C-BF0E-606A57D7AD93}" srcOrd="3" destOrd="0" parTransId="{70F0D127-9705-B346-8456-2EA73B6E30CF}" sibTransId="{B2965BF0-14E0-474E-A2AB-CCA4521513DD}"/>
+    <dgm:cxn modelId="{866811E1-FA95-DF48-AF32-8FBF0514841B}" type="presOf" srcId="{4261D7F4-A7D0-3F49-B78A-20CFB380B683}" destId="{C2C1A37D-940A-6743-AC99-D92FAAA879A9}" srcOrd="0" destOrd="0" presId="urn:microsoft.com/office/officeart/2005/8/layout/hierarchy1"/>
+    <dgm:cxn modelId="{2F905694-9AC7-9A41-9289-1BA80DD7DCA9}" type="presOf" srcId="{D0F565E7-5D70-054E-90E0-C19FE13B6790}" destId="{6B84F89A-BB62-184B-ACA8-8A1AAAE34DE1}" srcOrd="0" destOrd="0" presId="urn:microsoft.com/office/officeart/2005/8/layout/hierarchy1"/>
+    <dgm:cxn modelId="{D9D8F9C0-8903-7948-A11A-2122148A6AB2}" type="presOf" srcId="{84B85FB8-CE49-454E-AFD0-26748DF588CB}" destId="{39E9CE6E-1476-7F49-AD48-00E9588CC1FC}" srcOrd="0" destOrd="0" presId="urn:microsoft.com/office/officeart/2005/8/layout/hierarchy1"/>
+    <dgm:cxn modelId="{8D905AE7-B183-4C4A-B73B-578DC06779C6}" type="presOf" srcId="{6C0275DE-9DFE-0E43-8DDA-D28DD222D71F}" destId="{8CFA3E84-678E-C345-8D46-63E85CF195E2}" srcOrd="0" destOrd="0" presId="urn:microsoft.com/office/officeart/2005/8/layout/hierarchy1"/>
+    <dgm:cxn modelId="{4CC6FB2A-BDF9-2948-B3E8-8BFD444DE0F5}" srcId="{67DF074B-DE05-B24C-9E35-CDBF726DC2DD}" destId="{632DBD1E-A080-C14D-89CD-94A8C0F3CF25}" srcOrd="0" destOrd="0" parTransId="{563BE0E2-35F1-EA43-92A4-487E8781D214}" sibTransId="{BC85FB81-59E3-3246-A1DB-AA9BCA174B1A}"/>
+    <dgm:cxn modelId="{D3398545-283D-7F4A-AD76-F118478DEE25}" type="presOf" srcId="{70F0D127-9705-B346-8456-2EA73B6E30CF}" destId="{201C7CC6-525A-FE42-B4FF-8C5914387024}" srcOrd="0" destOrd="0" presId="urn:microsoft.com/office/officeart/2005/8/layout/hierarchy1"/>
+    <dgm:cxn modelId="{48C3CFE4-65EB-9D4E-A0CE-F9F821B5D78C}" srcId="{FE86CB60-E462-414C-BF0E-606A57D7AD93}" destId="{9C7D04B1-85B2-3F41-9343-3724449F75B3}" srcOrd="0" destOrd="0" parTransId="{184A7FBE-4658-3046-B4A7-4EBDDC670AD1}" sibTransId="{5D03D28D-4580-AA4E-B725-784F886C6797}"/>
+    <dgm:cxn modelId="{EFDA5F81-CFAE-4744-A386-B9CAB38A2A6F}" type="presOf" srcId="{563BE0E2-35F1-EA43-92A4-487E8781D214}" destId="{1F5FFC55-2839-634C-8F0C-96EACF5BE3CB}" srcOrd="0" destOrd="0" presId="urn:microsoft.com/office/officeart/2005/8/layout/hierarchy1"/>
+    <dgm:cxn modelId="{68A68B6C-C4A2-404D-9619-7E596F60AE28}" srcId="{FE86CB60-E462-414C-BF0E-606A57D7AD93}" destId="{67DF074B-DE05-B24C-9E35-CDBF726DC2DD}" srcOrd="1" destOrd="0" parTransId="{0C3731E6-7189-414B-8AA4-AA411ADE82DC}" sibTransId="{4A343348-5A18-A64D-B967-67FF94A2182D}"/>
+    <dgm:cxn modelId="{27CEB2DD-056E-0241-AE0E-32A24CF29BE1}" type="presOf" srcId="{E3372A67-8AD5-414E-9A1F-4D9E3CFF6332}" destId="{BA61A876-7050-3746-8DAE-0686A0FD0957}" srcOrd="0" destOrd="0" presId="urn:microsoft.com/office/officeart/2005/8/layout/hierarchy1"/>
+    <dgm:cxn modelId="{07847B2C-2197-1D42-89B1-97821FC791F1}" type="presOf" srcId="{FE86CB60-E462-414C-BF0E-606A57D7AD93}" destId="{6603764C-B415-664F-8885-A7DAA8CAF3E7}" srcOrd="0" destOrd="0" presId="urn:microsoft.com/office/officeart/2005/8/layout/hierarchy1"/>
+    <dgm:cxn modelId="{A5EF75CA-949B-FB42-A967-633DBF9C5416}" srcId="{67DF074B-DE05-B24C-9E35-CDBF726DC2DD}" destId="{2CF1C699-9046-8C42-87E6-2861BF37D660}" srcOrd="1" destOrd="0" parTransId="{F9A1264F-2EB8-8148-8E8F-B74886C30473}" sibTransId="{2B88B2F7-3FE5-E743-A3EF-F1DB3821C219}"/>
+    <dgm:cxn modelId="{E7733746-4C87-234A-9D3E-4005D8B583BC}" srcId="{84B85FB8-CE49-454E-AFD0-26748DF588CB}" destId="{960CE163-DF35-2B44-83E7-B9153BC66084}" srcOrd="0" destOrd="0" parTransId="{15F9C8B3-0868-F148-A166-96327192876A}" sibTransId="{AE4D7356-6DD9-B04F-A5BC-257D53ADE85C}"/>
+    <dgm:cxn modelId="{0B16FAA0-F0DC-E14D-A933-D97947E06F4E}" type="presOf" srcId="{0C3731E6-7189-414B-8AA4-AA411ADE82DC}" destId="{F42357F4-6E12-A041-A7D6-81713E5E517B}" srcOrd="0" destOrd="0" presId="urn:microsoft.com/office/officeart/2005/8/layout/hierarchy1"/>
+    <dgm:cxn modelId="{4C996260-0FB8-064C-9305-699F6EBB6836}" type="presOf" srcId="{F9A1264F-2EB8-8148-8E8F-B74886C30473}" destId="{9541F663-17CE-1449-B545-4E9F3C558C3A}" srcOrd="0" destOrd="0" presId="urn:microsoft.com/office/officeart/2005/8/layout/hierarchy1"/>
+    <dgm:cxn modelId="{484EBA04-EC51-674F-A8AE-34673650413A}" type="presOf" srcId="{4D875376-E6B9-804F-AC85-A1D4337BBC8A}" destId="{0FEFC8CB-58CB-4A43-9867-EED6738F0C0F}" srcOrd="0" destOrd="0" presId="urn:microsoft.com/office/officeart/2005/8/layout/hierarchy1"/>
+    <dgm:cxn modelId="{BE4A5523-AA4B-D244-80FB-A948E67617FE}" srcId="{AE7EA77A-1D8E-3F42-95E1-4EB11A443A81}" destId="{4261D7F4-A7D0-3F49-B78A-20CFB380B683}" srcOrd="0" destOrd="0" parTransId="{8C382D6E-A069-234E-96CC-A5A865E2BBBD}" sibTransId="{BFE6C573-BEC1-BB44-914C-4A90CDE91A1A}"/>
+    <dgm:cxn modelId="{C885BB5D-362B-1847-87CF-E1B639313EA0}" srcId="{FE86CB60-E462-414C-BF0E-606A57D7AD93}" destId="{E5C8F682-32CD-424A-896C-91EAD3E64C45}" srcOrd="2" destOrd="0" parTransId="{E3372A67-8AD5-414E-9A1F-4D9E3CFF6332}" sibTransId="{B77BD5BE-E444-A847-B5CA-1B150064119C}"/>
+    <dgm:cxn modelId="{B162FBEE-7666-CF40-9F98-71979078B4C4}" type="presOf" srcId="{184A7FBE-4658-3046-B4A7-4EBDDC670AD1}" destId="{2E4A94D1-71F0-A046-B95F-18095848F38A}" srcOrd="0" destOrd="0" presId="urn:microsoft.com/office/officeart/2005/8/layout/hierarchy1"/>
+    <dgm:cxn modelId="{7107EE87-4D9F-D744-A73B-1F14A2E869D1}" type="presOf" srcId="{67DF074B-DE05-B24C-9E35-CDBF726DC2DD}" destId="{EBC8209D-BB74-B44A-A57A-C51ABEDBBAE8}" srcOrd="0" destOrd="0" presId="urn:microsoft.com/office/officeart/2005/8/layout/hierarchy1"/>
+    <dgm:cxn modelId="{09A4557F-E6E3-CA46-A390-4566B55E38CE}" srcId="{AE7EA77A-1D8E-3F42-95E1-4EB11A443A81}" destId="{A215CF19-F4EB-414A-A10F-B2A96141FE91}" srcOrd="1" destOrd="0" parTransId="{4810192D-B607-5A42-8DCE-8CFCF1A82427}" sibTransId="{466C1D3C-619E-C448-BF54-2F35FBFACADE}"/>
+    <dgm:cxn modelId="{39E71571-F376-1B4E-9008-3C634EFD7392}" type="presOf" srcId="{E5C8F682-32CD-424A-896C-91EAD3E64C45}" destId="{76B33B1D-4CA5-544F-BF28-B308B507EF10}" srcOrd="0" destOrd="0" presId="urn:microsoft.com/office/officeart/2005/8/layout/hierarchy1"/>
+    <dgm:cxn modelId="{0A19088C-A894-A349-B6F2-D0CA96CD47FA}" srcId="{960CE163-DF35-2B44-83E7-B9153BC66084}" destId="{1AD1EA1C-020E-5744-81BA-AEEC1A7A11F3}" srcOrd="2" destOrd="0" parTransId="{12CF4121-F3B4-5C45-B72F-C1FB37DD3C0D}" sibTransId="{E7356A86-2BC1-2844-87C1-0F4142A0BACE}"/>
+    <dgm:cxn modelId="{8FC20289-4F63-9E49-BD79-567030E07E0D}" srcId="{960CE163-DF35-2B44-83E7-B9153BC66084}" destId="{4D875376-E6B9-804F-AC85-A1D4337BBC8A}" srcOrd="1" destOrd="0" parTransId="{6C0275DE-9DFE-0E43-8DDA-D28DD222D71F}" sibTransId="{5CBDE70F-8F73-B144-BE9A-D54839868342}"/>
+    <dgm:cxn modelId="{6D36957F-2BF7-BF4E-823B-0AEB53A6D11B}" type="presOf" srcId="{960CE163-DF35-2B44-83E7-B9153BC66084}" destId="{923B0C63-79B7-9B4A-94B9-19130FBE5D7B}" srcOrd="0" destOrd="0" presId="urn:microsoft.com/office/officeart/2005/8/layout/hierarchy1"/>
+    <dgm:cxn modelId="{697D1675-B656-B84B-AFCA-1CEE639973FF}" type="presOf" srcId="{AE7EA77A-1D8E-3F42-95E1-4EB11A443A81}" destId="{BBF408DD-FB71-6449-9993-DDA736E8D58A}" srcOrd="0" destOrd="0" presId="urn:microsoft.com/office/officeart/2005/8/layout/hierarchy1"/>
+    <dgm:cxn modelId="{E157C69F-A525-6547-98DF-51E7622A78B4}" type="presOf" srcId="{632DBD1E-A080-C14D-89CD-94A8C0F3CF25}" destId="{2246CDBD-2CA8-A34C-A89B-E32ACB07E97A}" srcOrd="0" destOrd="0" presId="urn:microsoft.com/office/officeart/2005/8/layout/hierarchy1"/>
+    <dgm:cxn modelId="{FC2A4C8E-B168-2C44-A952-F595C96EAE55}" type="presOf" srcId="{12CF4121-F3B4-5C45-B72F-C1FB37DD3C0D}" destId="{800FD04D-B3AC-0B4A-955F-2E2198D77D53}" srcOrd="0" destOrd="0" presId="urn:microsoft.com/office/officeart/2005/8/layout/hierarchy1"/>
+    <dgm:cxn modelId="{C6A9EB81-781E-B140-AA2A-8482FFB562A9}" type="presOf" srcId="{9C7D04B1-85B2-3F41-9343-3724449F75B3}" destId="{AD6B8219-1F5B-DA4F-B261-22B5D0551A94}" srcOrd="0" destOrd="0" presId="urn:microsoft.com/office/officeart/2005/8/layout/hierarchy1"/>
+    <dgm:cxn modelId="{83178590-C5E9-EC43-8EDA-B3858F48D21D}" type="presOf" srcId="{2CF1C699-9046-8C42-87E6-2861BF37D660}" destId="{9152FE1E-3F9F-1945-845B-196FD4FE9E7F}" srcOrd="0" destOrd="0" presId="urn:microsoft.com/office/officeart/2005/8/layout/hierarchy1"/>
+    <dgm:cxn modelId="{440F4B02-6F42-4E42-88BB-9508A048AC5F}" type="presOf" srcId="{1AD1EA1C-020E-5744-81BA-AEEC1A7A11F3}" destId="{D86CCABB-994E-2B44-9B36-549A167DC946}" srcOrd="0" destOrd="0" presId="urn:microsoft.com/office/officeart/2005/8/layout/hierarchy1"/>
+    <dgm:cxn modelId="{A07086BC-4D12-9B4A-BF1C-A82AB28D854E}" type="presParOf" srcId="{39E9CE6E-1476-7F49-AD48-00E9588CC1FC}" destId="{AFBF1B26-876E-5B4F-868D-ECF533517B41}" srcOrd="0" destOrd="0" presId="urn:microsoft.com/office/officeart/2005/8/layout/hierarchy1"/>
+    <dgm:cxn modelId="{BCCE215E-EBE3-1343-9575-41A6F40123E5}" type="presParOf" srcId="{AFBF1B26-876E-5B4F-868D-ECF533517B41}" destId="{80FDFEA5-D276-C44B-902D-D2E8A937A02A}" srcOrd="0" destOrd="0" presId="urn:microsoft.com/office/officeart/2005/8/layout/hierarchy1"/>
+    <dgm:cxn modelId="{55A596F9-C968-9948-B40F-70229FAF54D0}" type="presParOf" srcId="{80FDFEA5-D276-C44B-902D-D2E8A937A02A}" destId="{DE9E6D4B-E798-AA47-81C3-1E545DF4DB5B}" srcOrd="0" destOrd="0" presId="urn:microsoft.com/office/officeart/2005/8/layout/hierarchy1"/>
+    <dgm:cxn modelId="{A52932F4-C3D8-EF44-AFD6-9282B43937DE}" type="presParOf" srcId="{80FDFEA5-D276-C44B-902D-D2E8A937A02A}" destId="{923B0C63-79B7-9B4A-94B9-19130FBE5D7B}" srcOrd="1" destOrd="0" presId="urn:microsoft.com/office/officeart/2005/8/layout/hierarchy1"/>
+    <dgm:cxn modelId="{D4E57B7B-4D4A-1244-945E-4DCC46ED901E}" type="presParOf" srcId="{AFBF1B26-876E-5B4F-868D-ECF533517B41}" destId="{BE0F867F-BE80-FD4F-A022-F1E0405A48F1}" srcOrd="1" destOrd="0" presId="urn:microsoft.com/office/officeart/2005/8/layout/hierarchy1"/>
+    <dgm:cxn modelId="{36EA206E-D42B-FE47-9170-E2559D258DFC}" type="presParOf" srcId="{BE0F867F-BE80-FD4F-A022-F1E0405A48F1}" destId="{6B84F89A-BB62-184B-ACA8-8A1AAAE34DE1}" srcOrd="0" destOrd="0" presId="urn:microsoft.com/office/officeart/2005/8/layout/hierarchy1"/>
+    <dgm:cxn modelId="{C5051515-2934-D949-BCFB-DFFBD9164F55}" type="presParOf" srcId="{BE0F867F-BE80-FD4F-A022-F1E0405A48F1}" destId="{57186F82-921A-384B-9A88-E6F59E2B58CF}" srcOrd="1" destOrd="0" presId="urn:microsoft.com/office/officeart/2005/8/layout/hierarchy1"/>
+    <dgm:cxn modelId="{8C6C20F7-9E4D-6B4D-94F1-86906B2297AC}" type="presParOf" srcId="{57186F82-921A-384B-9A88-E6F59E2B58CF}" destId="{B28150B0-F092-CC46-AAAD-4BBEDB44147E}" srcOrd="0" destOrd="0" presId="urn:microsoft.com/office/officeart/2005/8/layout/hierarchy1"/>
+    <dgm:cxn modelId="{36FA819D-43AE-FF4C-A90D-3FE93F00C304}" type="presParOf" srcId="{B28150B0-F092-CC46-AAAD-4BBEDB44147E}" destId="{3D0C8496-FBEF-B442-BAA7-CC30894D9EC3}" srcOrd="0" destOrd="0" presId="urn:microsoft.com/office/officeart/2005/8/layout/hierarchy1"/>
+    <dgm:cxn modelId="{91BB9CB8-A1D6-8841-ACC8-1F82AFF41232}" type="presParOf" srcId="{B28150B0-F092-CC46-AAAD-4BBEDB44147E}" destId="{BBF408DD-FB71-6449-9993-DDA736E8D58A}" srcOrd="1" destOrd="0" presId="urn:microsoft.com/office/officeart/2005/8/layout/hierarchy1"/>
+    <dgm:cxn modelId="{FCCCBD78-7325-064B-9A65-2B7DA6CA6845}" type="presParOf" srcId="{57186F82-921A-384B-9A88-E6F59E2B58CF}" destId="{30275E42-2EF8-8541-8588-8D52956296D0}" srcOrd="1" destOrd="0" presId="urn:microsoft.com/office/officeart/2005/8/layout/hierarchy1"/>
+    <dgm:cxn modelId="{FD550BD9-73FE-7B46-9A63-4B74F6275492}" type="presParOf" srcId="{30275E42-2EF8-8541-8588-8D52956296D0}" destId="{C6BA431E-FA40-1D4E-A3D8-2A8BD37A2453}" srcOrd="0" destOrd="0" presId="urn:microsoft.com/office/officeart/2005/8/layout/hierarchy1"/>
+    <dgm:cxn modelId="{1DB8545C-5E34-944E-B22E-8864D7F68772}" type="presParOf" srcId="{30275E42-2EF8-8541-8588-8D52956296D0}" destId="{FA49C2F0-0FFB-3146-92B9-688B6A49F1AC}" srcOrd="1" destOrd="0" presId="urn:microsoft.com/office/officeart/2005/8/layout/hierarchy1"/>
+    <dgm:cxn modelId="{A6E8CCFD-2A6E-8B4D-A22A-B720D76B09FE}" type="presParOf" srcId="{FA49C2F0-0FFB-3146-92B9-688B6A49F1AC}" destId="{0C3DE103-3542-7341-8A0B-7521A1726E5B}" srcOrd="0" destOrd="0" presId="urn:microsoft.com/office/officeart/2005/8/layout/hierarchy1"/>
+    <dgm:cxn modelId="{EFD16305-03F5-A940-9FAA-A8F61D0292D9}" type="presParOf" srcId="{0C3DE103-3542-7341-8A0B-7521A1726E5B}" destId="{4AC60A40-741B-ED47-AAD7-DE82CE34AD41}" srcOrd="0" destOrd="0" presId="urn:microsoft.com/office/officeart/2005/8/layout/hierarchy1"/>
+    <dgm:cxn modelId="{0F627466-A18A-4544-B56C-8D8276EFD574}" type="presParOf" srcId="{0C3DE103-3542-7341-8A0B-7521A1726E5B}" destId="{C2C1A37D-940A-6743-AC99-D92FAAA879A9}" srcOrd="1" destOrd="0" presId="urn:microsoft.com/office/officeart/2005/8/layout/hierarchy1"/>
+    <dgm:cxn modelId="{28B3D4E3-BA39-0441-A182-3F18CA0FA795}" type="presParOf" srcId="{FA49C2F0-0FFB-3146-92B9-688B6A49F1AC}" destId="{45C7168E-E470-0B41-BADA-058CAF77E69B}" srcOrd="1" destOrd="0" presId="urn:microsoft.com/office/officeart/2005/8/layout/hierarchy1"/>
+    <dgm:cxn modelId="{1BC80831-D36C-DD43-9704-B45A4A1BBFA3}" type="presParOf" srcId="{30275E42-2EF8-8541-8588-8D52956296D0}" destId="{28156514-4C64-AE45-A406-98283D6076D6}" srcOrd="2" destOrd="0" presId="urn:microsoft.com/office/officeart/2005/8/layout/hierarchy1"/>
+    <dgm:cxn modelId="{36133BFF-C214-6046-BEF5-36A07336C6B7}" type="presParOf" srcId="{30275E42-2EF8-8541-8588-8D52956296D0}" destId="{6EB05EE5-0B4E-B94A-957D-24E8465F731F}" srcOrd="3" destOrd="0" presId="urn:microsoft.com/office/officeart/2005/8/layout/hierarchy1"/>
+    <dgm:cxn modelId="{5BF8275D-0439-3941-970D-2E0ECB380E8D}" type="presParOf" srcId="{6EB05EE5-0B4E-B94A-957D-24E8465F731F}" destId="{2689CED2-1086-2B4D-90A9-87D971D7A5CD}" srcOrd="0" destOrd="0" presId="urn:microsoft.com/office/officeart/2005/8/layout/hierarchy1"/>
+    <dgm:cxn modelId="{15039941-53EE-054D-A607-63BC4B82F04F}" type="presParOf" srcId="{2689CED2-1086-2B4D-90A9-87D971D7A5CD}" destId="{42E6176C-3E48-2248-9A2F-70DD7DB88292}" srcOrd="0" destOrd="0" presId="urn:microsoft.com/office/officeart/2005/8/layout/hierarchy1"/>
+    <dgm:cxn modelId="{508A09CC-63A3-AB47-8716-E10F24C9EC98}" type="presParOf" srcId="{2689CED2-1086-2B4D-90A9-87D971D7A5CD}" destId="{0B86410B-498D-AB4D-9967-4C4AEDB1DF45}" srcOrd="1" destOrd="0" presId="urn:microsoft.com/office/officeart/2005/8/layout/hierarchy1"/>
+    <dgm:cxn modelId="{258A682A-DE0B-5C48-8633-774C1A8E162F}" type="presParOf" srcId="{6EB05EE5-0B4E-B94A-957D-24E8465F731F}" destId="{B3C8CD39-69CF-704B-96DE-6A9E2710E4DF}" srcOrd="1" destOrd="0" presId="urn:microsoft.com/office/officeart/2005/8/layout/hierarchy1"/>
+    <dgm:cxn modelId="{504A4EF5-0603-C14B-BE86-1EF2E931F669}" type="presParOf" srcId="{BE0F867F-BE80-FD4F-A022-F1E0405A48F1}" destId="{8CFA3E84-678E-C345-8D46-63E85CF195E2}" srcOrd="2" destOrd="0" presId="urn:microsoft.com/office/officeart/2005/8/layout/hierarchy1"/>
+    <dgm:cxn modelId="{42E0DD84-BC37-4048-A12F-5E7851E23B43}" type="presParOf" srcId="{BE0F867F-BE80-FD4F-A022-F1E0405A48F1}" destId="{17123A68-6C83-C544-9F84-F56BBB484F06}" srcOrd="3" destOrd="0" presId="urn:microsoft.com/office/officeart/2005/8/layout/hierarchy1"/>
+    <dgm:cxn modelId="{34FE9035-31DC-5345-866C-6B97AEADDD26}" type="presParOf" srcId="{17123A68-6C83-C544-9F84-F56BBB484F06}" destId="{4AE01571-6379-704D-8604-C8ABF21E8DBB}" srcOrd="0" destOrd="0" presId="urn:microsoft.com/office/officeart/2005/8/layout/hierarchy1"/>
+    <dgm:cxn modelId="{8260D833-CD94-164F-A00F-0CEE2A6F76ED}" type="presParOf" srcId="{4AE01571-6379-704D-8604-C8ABF21E8DBB}" destId="{E4637EFB-2FAA-3446-8FC9-AD7B8E683EE6}" srcOrd="0" destOrd="0" presId="urn:microsoft.com/office/officeart/2005/8/layout/hierarchy1"/>
+    <dgm:cxn modelId="{E0924C4B-355F-EC4C-8678-3D275E3DB883}" type="presParOf" srcId="{4AE01571-6379-704D-8604-C8ABF21E8DBB}" destId="{0FEFC8CB-58CB-4A43-9867-EED6738F0C0F}" srcOrd="1" destOrd="0" presId="urn:microsoft.com/office/officeart/2005/8/layout/hierarchy1"/>
+    <dgm:cxn modelId="{AB9FA113-BC44-3244-98E3-FAB21DD91402}" type="presParOf" srcId="{17123A68-6C83-C544-9F84-F56BBB484F06}" destId="{913C72A4-3E8B-1241-9761-A44A74EB4957}" srcOrd="1" destOrd="0" presId="urn:microsoft.com/office/officeart/2005/8/layout/hierarchy1"/>
+    <dgm:cxn modelId="{BBB3BE4F-B9D5-0347-8A03-D842D15E5B4D}" type="presParOf" srcId="{BE0F867F-BE80-FD4F-A022-F1E0405A48F1}" destId="{800FD04D-B3AC-0B4A-955F-2E2198D77D53}" srcOrd="4" destOrd="0" presId="urn:microsoft.com/office/officeart/2005/8/layout/hierarchy1"/>
+    <dgm:cxn modelId="{87C9BDA9-C689-A540-8C6F-084128E28230}" type="presParOf" srcId="{BE0F867F-BE80-FD4F-A022-F1E0405A48F1}" destId="{128988B5-99FA-2F4E-AE71-B7EAC369A7E7}" srcOrd="5" destOrd="0" presId="urn:microsoft.com/office/officeart/2005/8/layout/hierarchy1"/>
+    <dgm:cxn modelId="{FA35A0D5-D7C9-2A4B-96D8-F8FD2ECE9444}" type="presParOf" srcId="{128988B5-99FA-2F4E-AE71-B7EAC369A7E7}" destId="{49809B21-A121-6949-BE32-B42D5CB61BF3}" srcOrd="0" destOrd="0" presId="urn:microsoft.com/office/officeart/2005/8/layout/hierarchy1"/>
+    <dgm:cxn modelId="{F524C95B-426F-5044-A420-8F3473E01A65}" type="presParOf" srcId="{49809B21-A121-6949-BE32-B42D5CB61BF3}" destId="{742E8093-E526-D748-A87A-DEAD1A9F1F6D}" srcOrd="0" destOrd="0" presId="urn:microsoft.com/office/officeart/2005/8/layout/hierarchy1"/>
+    <dgm:cxn modelId="{7C9FBEB2-176B-A64E-9DC8-1EADCDB92D98}" type="presParOf" srcId="{49809B21-A121-6949-BE32-B42D5CB61BF3}" destId="{D86CCABB-994E-2B44-9B36-549A167DC946}" srcOrd="1" destOrd="0" presId="urn:microsoft.com/office/officeart/2005/8/layout/hierarchy1"/>
+    <dgm:cxn modelId="{51542FE0-91A5-7B40-9994-031CBB1E1E4B}" type="presParOf" srcId="{128988B5-99FA-2F4E-AE71-B7EAC369A7E7}" destId="{CC6967D9-B95C-CE45-A47E-91CDA0E3E445}" srcOrd="1" destOrd="0" presId="urn:microsoft.com/office/officeart/2005/8/layout/hierarchy1"/>
+    <dgm:cxn modelId="{75A233A7-7F03-AA4B-B06B-328D786CD6E2}" type="presParOf" srcId="{BE0F867F-BE80-FD4F-A022-F1E0405A48F1}" destId="{201C7CC6-525A-FE42-B4FF-8C5914387024}" srcOrd="6" destOrd="0" presId="urn:microsoft.com/office/officeart/2005/8/layout/hierarchy1"/>
+    <dgm:cxn modelId="{F01BD54A-4B96-D348-AC78-3EA64C5172E4}" type="presParOf" srcId="{BE0F867F-BE80-FD4F-A022-F1E0405A48F1}" destId="{BD934BBA-EA07-8840-90B2-9D9E5B1347F2}" srcOrd="7" destOrd="0" presId="urn:microsoft.com/office/officeart/2005/8/layout/hierarchy1"/>
+    <dgm:cxn modelId="{B21ECCF1-DAA7-2C4D-8B5B-DEB27F3B4BC4}" type="presParOf" srcId="{BD934BBA-EA07-8840-90B2-9D9E5B1347F2}" destId="{17E8D9DE-F146-0644-88B0-F97B429F2766}" srcOrd="0" destOrd="0" presId="urn:microsoft.com/office/officeart/2005/8/layout/hierarchy1"/>
+    <dgm:cxn modelId="{6916C272-9BF6-A643-80FD-BD290BC384FE}" type="presParOf" srcId="{17E8D9DE-F146-0644-88B0-F97B429F2766}" destId="{419941D0-E8C4-AB44-9E78-DAAEB48DEBBF}" srcOrd="0" destOrd="0" presId="urn:microsoft.com/office/officeart/2005/8/layout/hierarchy1"/>
+    <dgm:cxn modelId="{D9EBB154-73B4-7143-BDF4-EE002D7720CC}" type="presParOf" srcId="{17E8D9DE-F146-0644-88B0-F97B429F2766}" destId="{6603764C-B415-664F-8885-A7DAA8CAF3E7}" srcOrd="1" destOrd="0" presId="urn:microsoft.com/office/officeart/2005/8/layout/hierarchy1"/>
+    <dgm:cxn modelId="{E0A39BA1-34EA-D041-AFFF-2DF8248BFB41}" type="presParOf" srcId="{BD934BBA-EA07-8840-90B2-9D9E5B1347F2}" destId="{B22FE223-04E0-3741-B2BD-26144A52FBF0}" srcOrd="1" destOrd="0" presId="urn:microsoft.com/office/officeart/2005/8/layout/hierarchy1"/>
+    <dgm:cxn modelId="{AE522D4E-DB74-D74A-BDDC-F1F5AB364BB3}" type="presParOf" srcId="{B22FE223-04E0-3741-B2BD-26144A52FBF0}" destId="{2E4A94D1-71F0-A046-B95F-18095848F38A}" srcOrd="0" destOrd="0" presId="urn:microsoft.com/office/officeart/2005/8/layout/hierarchy1"/>
+    <dgm:cxn modelId="{01B4FE6D-06E8-3547-AB12-D9DBA000100E}" type="presParOf" srcId="{B22FE223-04E0-3741-B2BD-26144A52FBF0}" destId="{ED5C0E39-415F-9345-8AFB-31BAA119B473}" srcOrd="1" destOrd="0" presId="urn:microsoft.com/office/officeart/2005/8/layout/hierarchy1"/>
+    <dgm:cxn modelId="{23160068-EE35-4B4C-B3CD-CD8C7457D1A7}" type="presParOf" srcId="{ED5C0E39-415F-9345-8AFB-31BAA119B473}" destId="{BF8EF9AE-3A03-8649-BC95-B3356DB4965E}" srcOrd="0" destOrd="0" presId="urn:microsoft.com/office/officeart/2005/8/layout/hierarchy1"/>
+    <dgm:cxn modelId="{44402AA9-DA00-A04D-A86D-D03EC874B370}" type="presParOf" srcId="{BF8EF9AE-3A03-8649-BC95-B3356DB4965E}" destId="{BED1AD82-3EAF-DA47-9563-265E07F41880}" srcOrd="0" destOrd="0" presId="urn:microsoft.com/office/officeart/2005/8/layout/hierarchy1"/>
+    <dgm:cxn modelId="{8F90C748-E0D9-6240-BBE2-A124C071AEED}" type="presParOf" srcId="{BF8EF9AE-3A03-8649-BC95-B3356DB4965E}" destId="{AD6B8219-1F5B-DA4F-B261-22B5D0551A94}" srcOrd="1" destOrd="0" presId="urn:microsoft.com/office/officeart/2005/8/layout/hierarchy1"/>
+    <dgm:cxn modelId="{C6B89A06-F569-AD4C-A0D1-7FFD22B2D46A}" type="presParOf" srcId="{ED5C0E39-415F-9345-8AFB-31BAA119B473}" destId="{AF36FF68-65FA-3443-983A-A1AA032CA341}" srcOrd="1" destOrd="0" presId="urn:microsoft.com/office/officeart/2005/8/layout/hierarchy1"/>
+    <dgm:cxn modelId="{F5E96D77-4714-2C44-B51F-140C1FBC8285}" type="presParOf" srcId="{B22FE223-04E0-3741-B2BD-26144A52FBF0}" destId="{F42357F4-6E12-A041-A7D6-81713E5E517B}" srcOrd="2" destOrd="0" presId="urn:microsoft.com/office/officeart/2005/8/layout/hierarchy1"/>
+    <dgm:cxn modelId="{78061520-8399-D741-AB14-D8FC888ADD35}" type="presParOf" srcId="{B22FE223-04E0-3741-B2BD-26144A52FBF0}" destId="{A9A1551E-CC31-A64A-B373-6E945A4DD457}" srcOrd="3" destOrd="0" presId="urn:microsoft.com/office/officeart/2005/8/layout/hierarchy1"/>
+    <dgm:cxn modelId="{D233E1E2-8393-944B-BBF9-9F95D7310F83}" type="presParOf" srcId="{A9A1551E-CC31-A64A-B373-6E945A4DD457}" destId="{F43CB637-24DA-304C-BC9F-8ECEC7BECB18}" srcOrd="0" destOrd="0" presId="urn:microsoft.com/office/officeart/2005/8/layout/hierarchy1"/>
+    <dgm:cxn modelId="{22CAD5C8-ADB9-2A4F-A576-127834970049}" type="presParOf" srcId="{F43CB637-24DA-304C-BC9F-8ECEC7BECB18}" destId="{E43BE145-21E5-5543-9A7D-46DE44FE97A7}" srcOrd="0" destOrd="0" presId="urn:microsoft.com/office/officeart/2005/8/layout/hierarchy1"/>
+    <dgm:cxn modelId="{6DB7FEEA-4A29-9C4D-9892-B16F4ECE5A07}" type="presParOf" srcId="{F43CB637-24DA-304C-BC9F-8ECEC7BECB18}" destId="{EBC8209D-BB74-B44A-A57A-C51ABEDBBAE8}" srcOrd="1" destOrd="0" presId="urn:microsoft.com/office/officeart/2005/8/layout/hierarchy1"/>
+    <dgm:cxn modelId="{26CFCD02-9077-6E48-BD40-9A29E32E0885}" type="presParOf" srcId="{A9A1551E-CC31-A64A-B373-6E945A4DD457}" destId="{C466FE0B-24A7-E64D-A09B-9F9133A03D07}" srcOrd="1" destOrd="0" presId="urn:microsoft.com/office/officeart/2005/8/layout/hierarchy1"/>
+    <dgm:cxn modelId="{17333E8B-3D8A-A544-8D59-028793FE8EF0}" type="presParOf" srcId="{C466FE0B-24A7-E64D-A09B-9F9133A03D07}" destId="{1F5FFC55-2839-634C-8F0C-96EACF5BE3CB}" srcOrd="0" destOrd="0" presId="urn:microsoft.com/office/officeart/2005/8/layout/hierarchy1"/>
+    <dgm:cxn modelId="{E4A9E989-51C7-3949-825F-D75E3297BB8E}" type="presParOf" srcId="{C466FE0B-24A7-E64D-A09B-9F9133A03D07}" destId="{85A5D7ED-B644-F14F-8652-BFCF9A5C48F9}" srcOrd="1" destOrd="0" presId="urn:microsoft.com/office/officeart/2005/8/layout/hierarchy1"/>
+    <dgm:cxn modelId="{CC1D646D-B675-2047-8421-FC2F403B0296}" type="presParOf" srcId="{85A5D7ED-B644-F14F-8652-BFCF9A5C48F9}" destId="{00D8B2B2-0CBF-7547-A721-EF848954EC8A}" srcOrd="0" destOrd="0" presId="urn:microsoft.com/office/officeart/2005/8/layout/hierarchy1"/>
+    <dgm:cxn modelId="{33E2C93A-449B-544B-BC59-C5A9B7038CD3}" type="presParOf" srcId="{00D8B2B2-0CBF-7547-A721-EF848954EC8A}" destId="{6DF542D9-B5F6-214E-9CDE-F0A47E3A8ABC}" srcOrd="0" destOrd="0" presId="urn:microsoft.com/office/officeart/2005/8/layout/hierarchy1"/>
+    <dgm:cxn modelId="{6D3506D2-14D3-1047-A8C1-3985F11007C8}" type="presParOf" srcId="{00D8B2B2-0CBF-7547-A721-EF848954EC8A}" destId="{2246CDBD-2CA8-A34C-A89B-E32ACB07E97A}" srcOrd="1" destOrd="0" presId="urn:microsoft.com/office/officeart/2005/8/layout/hierarchy1"/>
+    <dgm:cxn modelId="{E0A4E1DD-FF2B-6D46-AECB-2178D2A8C49D}" type="presParOf" srcId="{85A5D7ED-B644-F14F-8652-BFCF9A5C48F9}" destId="{3665192D-6737-1040-9177-871885CEF638}" srcOrd="1" destOrd="0" presId="urn:microsoft.com/office/officeart/2005/8/layout/hierarchy1"/>
+    <dgm:cxn modelId="{EA4538CC-D842-C94A-AA98-FA77EA22FA99}" type="presParOf" srcId="{C466FE0B-24A7-E64D-A09B-9F9133A03D07}" destId="{9541F663-17CE-1449-B545-4E9F3C558C3A}" srcOrd="2" destOrd="0" presId="urn:microsoft.com/office/officeart/2005/8/layout/hierarchy1"/>
+    <dgm:cxn modelId="{5DC6857C-5244-9941-8349-C84502789AC5}" type="presParOf" srcId="{C466FE0B-24A7-E64D-A09B-9F9133A03D07}" destId="{83EE79AE-9386-864F-93A5-0F883745028F}" srcOrd="3" destOrd="0" presId="urn:microsoft.com/office/officeart/2005/8/layout/hierarchy1"/>
+    <dgm:cxn modelId="{AE1D4564-39C9-A849-802C-D5E7DEF8EDED}" type="presParOf" srcId="{83EE79AE-9386-864F-93A5-0F883745028F}" destId="{429B9511-00B5-5B46-A00E-621F9A4D5014}" srcOrd="0" destOrd="0" presId="urn:microsoft.com/office/officeart/2005/8/layout/hierarchy1"/>
+    <dgm:cxn modelId="{125D47D3-2690-F747-9834-09323FA0AE4E}" type="presParOf" srcId="{429B9511-00B5-5B46-A00E-621F9A4D5014}" destId="{7591B2A4-9F4B-F245-820A-E182736ED0B3}" srcOrd="0" destOrd="0" presId="urn:microsoft.com/office/officeart/2005/8/layout/hierarchy1"/>
+    <dgm:cxn modelId="{71C9D625-6497-2248-A804-6D9E7BCE0DF8}" type="presParOf" srcId="{429B9511-00B5-5B46-A00E-621F9A4D5014}" destId="{9152FE1E-3F9F-1945-845B-196FD4FE9E7F}" srcOrd="1" destOrd="0" presId="urn:microsoft.com/office/officeart/2005/8/layout/hierarchy1"/>
+    <dgm:cxn modelId="{1630125B-00F3-8842-B07C-41F5FEB3AA6C}" type="presParOf" srcId="{83EE79AE-9386-864F-93A5-0F883745028F}" destId="{52AA974E-0B14-7440-B0B8-11CBFA575269}" srcOrd="1" destOrd="0" presId="urn:microsoft.com/office/officeart/2005/8/layout/hierarchy1"/>
+    <dgm:cxn modelId="{650AE4D9-54F9-544C-B7E1-F08F256F9935}" type="presParOf" srcId="{B22FE223-04E0-3741-B2BD-26144A52FBF0}" destId="{BA61A876-7050-3746-8DAE-0686A0FD0957}" srcOrd="4" destOrd="0" presId="urn:microsoft.com/office/officeart/2005/8/layout/hierarchy1"/>
+    <dgm:cxn modelId="{523A828A-7C72-8140-BA64-49C937624C68}" type="presParOf" srcId="{B22FE223-04E0-3741-B2BD-26144A52FBF0}" destId="{7E1C010A-E642-0444-8F19-1706B4B1F542}" srcOrd="5" destOrd="0" presId="urn:microsoft.com/office/officeart/2005/8/layout/hierarchy1"/>
+    <dgm:cxn modelId="{F1DFC1F9-2051-604E-93DF-81BD4852F004}" type="presParOf" srcId="{7E1C010A-E642-0444-8F19-1706B4B1F542}" destId="{9A87F0FC-C76A-AB43-AA0B-DF4820D9F426}" srcOrd="0" destOrd="0" presId="urn:microsoft.com/office/officeart/2005/8/layout/hierarchy1"/>
+    <dgm:cxn modelId="{D7C5D980-D8EC-174B-A4D9-8D2161052C76}" type="presParOf" srcId="{9A87F0FC-C76A-AB43-AA0B-DF4820D9F426}" destId="{05D36543-49E4-934D-B25C-1B6526CA4C89}" srcOrd="0" destOrd="0" presId="urn:microsoft.com/office/officeart/2005/8/layout/hierarchy1"/>
+    <dgm:cxn modelId="{E5548379-912F-224F-BB85-4F280ABDDF6A}" type="presParOf" srcId="{9A87F0FC-C76A-AB43-AA0B-DF4820D9F426}" destId="{76B33B1D-4CA5-544F-BF28-B308B507EF10}" srcOrd="1" destOrd="0" presId="urn:microsoft.com/office/officeart/2005/8/layout/hierarchy1"/>
+    <dgm:cxn modelId="{790731F2-A1D5-F145-88A1-68CA50EDFAAE}" type="presParOf" srcId="{7E1C010A-E642-0444-8F19-1706B4B1F542}" destId="{70331356-C91A-A344-8A29-46B67D09210B}" srcOrd="1" destOrd="0" presId="urn:microsoft.com/office/officeart/2005/8/layout/hierarchy1"/>
+  </dgm:cxnLst>
+  <dgm:bg/>
+  <dgm:whole/>
+  <dgm:extLst>
+    <a:ext uri="http://schemas.microsoft.com/office/drawing/2008/diagram">
+      <dsp:dataModelExt xmlns:dsp="http://schemas.microsoft.com/office/drawing/2008/diagram" relId="rId6" minVer="http://schemas.openxmlformats.org/drawingml/2006/diagram"/>
+    </a:ext>
+  </dgm:extLst>
+</dgm:dataModel>
+</file>
+
+<file path=ppt/diagrams/drawing1.xml><?xml version="1.0" encoding="utf-8"?>
+<dsp:drawing xmlns:dgm="http://schemas.openxmlformats.org/drawingml/2006/diagram" xmlns:dsp="http://schemas.microsoft.com/office/drawing/2008/diagram" xmlns:a="http://schemas.openxmlformats.org/drawingml/2006/main">
+  <dsp:spTree>
+    <dsp:nvGrpSpPr>
+      <dsp:cNvPr id="0" name=""/>
+      <dsp:cNvGrpSpPr/>
+    </dsp:nvGrpSpPr>
+    <dsp:grpSpPr/>
+    <dsp:sp modelId="{BA61A876-7050-3746-8DAE-0686A0FD0957}">
+      <dsp:nvSpPr>
+        <dsp:cNvPr id="0" name=""/>
+        <dsp:cNvSpPr/>
+      </dsp:nvSpPr>
+      <dsp:spPr>
+        <a:xfrm>
+          <a:off x="5946368" y="2016410"/>
+          <a:ext cx="1520547" cy="361821"/>
+        </a:xfrm>
+        <a:custGeom>
+          <a:avLst/>
+          <a:gdLst/>
+          <a:ahLst/>
+          <a:cxnLst/>
+          <a:rect l="0" t="0" r="0" b="0"/>
+          <a:pathLst>
+            <a:path>
+              <a:moveTo>
+                <a:pt x="0" y="0"/>
+              </a:moveTo>
+              <a:lnTo>
+                <a:pt x="0" y="246570"/>
+              </a:lnTo>
+              <a:lnTo>
+                <a:pt x="1520547" y="246570"/>
+              </a:lnTo>
+              <a:lnTo>
+                <a:pt x="1520547" y="361821"/>
+              </a:lnTo>
+            </a:path>
+          </a:pathLst>
+        </a:custGeom>
+        <a:noFill/>
+        <a:ln w="9525" cap="flat" cmpd="sng" algn="ctr">
+          <a:solidFill>
+            <a:schemeClr val="accent1">
+              <a:shade val="80000"/>
+              <a:hueOff val="0"/>
+              <a:satOff val="0"/>
+              <a:lumOff val="0"/>
+              <a:alphaOff val="0"/>
+            </a:schemeClr>
+          </a:solidFill>
+          <a:prstDash val="solid"/>
+        </a:ln>
+        <a:effectLst/>
+      </dsp:spPr>
+      <dsp:style>
+        <a:lnRef idx="1">
+          <a:scrgbClr r="0" g="0" b="0"/>
+        </a:lnRef>
+        <a:fillRef idx="0">
+          <a:scrgbClr r="0" g="0" b="0"/>
+        </a:fillRef>
+        <a:effectRef idx="0">
+          <a:scrgbClr r="0" g="0" b="0"/>
+        </a:effectRef>
+        <a:fontRef idx="minor"/>
+      </dsp:style>
+    </dsp:sp>
+    <dsp:sp modelId="{9541F663-17CE-1449-B545-4E9F3C558C3A}">
+      <dsp:nvSpPr>
+        <dsp:cNvPr id="0" name=""/>
+        <dsp:cNvSpPr/>
+      </dsp:nvSpPr>
+      <dsp:spPr>
+        <a:xfrm>
+          <a:off x="5946368" y="3168225"/>
+          <a:ext cx="760273" cy="361821"/>
+        </a:xfrm>
+        <a:custGeom>
+          <a:avLst/>
+          <a:gdLst/>
+          <a:ahLst/>
+          <a:cxnLst/>
+          <a:rect l="0" t="0" r="0" b="0"/>
+          <a:pathLst>
+            <a:path>
+              <a:moveTo>
+                <a:pt x="0" y="0"/>
+              </a:moveTo>
+              <a:lnTo>
+                <a:pt x="0" y="246570"/>
+              </a:lnTo>
+              <a:lnTo>
+                <a:pt x="760273" y="246570"/>
+              </a:lnTo>
+              <a:lnTo>
+                <a:pt x="760273" y="361821"/>
+              </a:lnTo>
+            </a:path>
+          </a:pathLst>
+        </a:custGeom>
+        <a:noFill/>
+        <a:ln w="9525" cap="flat" cmpd="sng" algn="ctr">
+          <a:solidFill>
+            <a:schemeClr val="accent1">
+              <a:shade val="80000"/>
+              <a:hueOff val="0"/>
+              <a:satOff val="0"/>
+              <a:lumOff val="0"/>
+              <a:alphaOff val="0"/>
+            </a:schemeClr>
+          </a:solidFill>
+          <a:prstDash val="solid"/>
+        </a:ln>
+        <a:effectLst/>
+      </dsp:spPr>
+      <dsp:style>
+        <a:lnRef idx="1">
+          <a:scrgbClr r="0" g="0" b="0"/>
+        </a:lnRef>
+        <a:fillRef idx="0">
+          <a:scrgbClr r="0" g="0" b="0"/>
+        </a:fillRef>
+        <a:effectRef idx="0">
+          <a:scrgbClr r="0" g="0" b="0"/>
+        </a:effectRef>
+        <a:fontRef idx="minor"/>
+      </dsp:style>
+    </dsp:sp>
+    <dsp:sp modelId="{1F5FFC55-2839-634C-8F0C-96EACF5BE3CB}">
+      <dsp:nvSpPr>
+        <dsp:cNvPr id="0" name=""/>
+        <dsp:cNvSpPr/>
+      </dsp:nvSpPr>
+      <dsp:spPr>
+        <a:xfrm>
+          <a:off x="5186094" y="3168225"/>
+          <a:ext cx="760273" cy="361821"/>
+        </a:xfrm>
+        <a:custGeom>
+          <a:avLst/>
+          <a:gdLst/>
+          <a:ahLst/>
+          <a:cxnLst/>
+          <a:rect l="0" t="0" r="0" b="0"/>
+          <a:pathLst>
+            <a:path>
+              <a:moveTo>
+                <a:pt x="760273" y="0"/>
+              </a:moveTo>
+              <a:lnTo>
+                <a:pt x="760273" y="246570"/>
+              </a:lnTo>
+              <a:lnTo>
+                <a:pt x="0" y="246570"/>
+              </a:lnTo>
+              <a:lnTo>
+                <a:pt x="0" y="361821"/>
+              </a:lnTo>
+            </a:path>
+          </a:pathLst>
+        </a:custGeom>
+        <a:noFill/>
+        <a:ln w="9525" cap="flat" cmpd="sng" algn="ctr">
+          <a:solidFill>
+            <a:schemeClr val="accent1">
+              <a:shade val="80000"/>
+              <a:hueOff val="0"/>
+              <a:satOff val="0"/>
+              <a:lumOff val="0"/>
+              <a:alphaOff val="0"/>
+            </a:schemeClr>
+          </a:solidFill>
+          <a:prstDash val="solid"/>
+        </a:ln>
+        <a:effectLst/>
+      </dsp:spPr>
+      <dsp:style>
+        <a:lnRef idx="1">
+          <a:scrgbClr r="0" g="0" b="0"/>
+        </a:lnRef>
+        <a:fillRef idx="0">
+          <a:scrgbClr r="0" g="0" b="0"/>
+        </a:fillRef>
+        <a:effectRef idx="0">
+          <a:scrgbClr r="0" g="0" b="0"/>
+        </a:effectRef>
+        <a:fontRef idx="minor"/>
+      </dsp:style>
+    </dsp:sp>
+    <dsp:sp modelId="{F42357F4-6E12-A041-A7D6-81713E5E517B}">
+      <dsp:nvSpPr>
+        <dsp:cNvPr id="0" name=""/>
+        <dsp:cNvSpPr/>
+      </dsp:nvSpPr>
+      <dsp:spPr>
+        <a:xfrm>
+          <a:off x="5900648" y="2016410"/>
+          <a:ext cx="91440" cy="361821"/>
+        </a:xfrm>
+        <a:custGeom>
+          <a:avLst/>
+          <a:gdLst/>
+          <a:ahLst/>
+          <a:cxnLst/>
+          <a:rect l="0" t="0" r="0" b="0"/>
+          <a:pathLst>
+            <a:path>
+              <a:moveTo>
+                <a:pt x="45720" y="0"/>
+              </a:moveTo>
+              <a:lnTo>
+                <a:pt x="45720" y="361821"/>
+              </a:lnTo>
+            </a:path>
+          </a:pathLst>
+        </a:custGeom>
+        <a:noFill/>
+        <a:ln w="9525" cap="flat" cmpd="sng" algn="ctr">
+          <a:solidFill>
+            <a:schemeClr val="accent1">
+              <a:shade val="80000"/>
+              <a:hueOff val="0"/>
+              <a:satOff val="0"/>
+              <a:lumOff val="0"/>
+              <a:alphaOff val="0"/>
+            </a:schemeClr>
+          </a:solidFill>
+          <a:prstDash val="solid"/>
+        </a:ln>
+        <a:effectLst/>
+      </dsp:spPr>
+      <dsp:style>
+        <a:lnRef idx="1">
+          <a:scrgbClr r="0" g="0" b="0"/>
+        </a:lnRef>
+        <a:fillRef idx="0">
+          <a:scrgbClr r="0" g="0" b="0"/>
+        </a:fillRef>
+        <a:effectRef idx="0">
+          <a:scrgbClr r="0" g="0" b="0"/>
+        </a:effectRef>
+        <a:fontRef idx="minor"/>
+      </dsp:style>
+    </dsp:sp>
+    <dsp:sp modelId="{2E4A94D1-71F0-A046-B95F-18095848F38A}">
+      <dsp:nvSpPr>
+        <dsp:cNvPr id="0" name=""/>
+        <dsp:cNvSpPr/>
+      </dsp:nvSpPr>
+      <dsp:spPr>
+        <a:xfrm>
+          <a:off x="4425821" y="2016410"/>
+          <a:ext cx="1520547" cy="361821"/>
+        </a:xfrm>
+        <a:custGeom>
+          <a:avLst/>
+          <a:gdLst/>
+          <a:ahLst/>
+          <a:cxnLst/>
+          <a:rect l="0" t="0" r="0" b="0"/>
+          <a:pathLst>
+            <a:path>
+              <a:moveTo>
+                <a:pt x="1520547" y="0"/>
+              </a:moveTo>
+              <a:lnTo>
+                <a:pt x="1520547" y="246570"/>
+              </a:lnTo>
+              <a:lnTo>
+                <a:pt x="0" y="246570"/>
+              </a:lnTo>
+              <a:lnTo>
+                <a:pt x="0" y="361821"/>
+              </a:lnTo>
+            </a:path>
+          </a:pathLst>
+        </a:custGeom>
+        <a:noFill/>
+        <a:ln w="9525" cap="flat" cmpd="sng" algn="ctr">
+          <a:solidFill>
+            <a:schemeClr val="accent1">
+              <a:shade val="80000"/>
+              <a:hueOff val="0"/>
+              <a:satOff val="0"/>
+              <a:lumOff val="0"/>
+              <a:alphaOff val="0"/>
+            </a:schemeClr>
+          </a:solidFill>
+          <a:prstDash val="solid"/>
+        </a:ln>
+        <a:effectLst/>
+      </dsp:spPr>
+      <dsp:style>
+        <a:lnRef idx="1">
+          <a:scrgbClr r="0" g="0" b="0"/>
+        </a:lnRef>
+        <a:fillRef idx="0">
+          <a:scrgbClr r="0" g="0" b="0"/>
+        </a:fillRef>
+        <a:effectRef idx="0">
+          <a:scrgbClr r="0" g="0" b="0"/>
+        </a:effectRef>
+        <a:fontRef idx="minor"/>
+      </dsp:style>
+    </dsp:sp>
+    <dsp:sp modelId="{201C7CC6-525A-FE42-B4FF-8C5914387024}">
+      <dsp:nvSpPr>
+        <dsp:cNvPr id="0" name=""/>
+        <dsp:cNvSpPr/>
+      </dsp:nvSpPr>
+      <dsp:spPr>
+        <a:xfrm>
+          <a:off x="3665547" y="864596"/>
+          <a:ext cx="2280820" cy="361821"/>
+        </a:xfrm>
+        <a:custGeom>
+          <a:avLst/>
+          <a:gdLst/>
+          <a:ahLst/>
+          <a:cxnLst/>
+          <a:rect l="0" t="0" r="0" b="0"/>
+          <a:pathLst>
+            <a:path>
+              <a:moveTo>
+                <a:pt x="0" y="0"/>
+              </a:moveTo>
+              <a:lnTo>
+                <a:pt x="0" y="246570"/>
+              </a:lnTo>
+              <a:lnTo>
+                <a:pt x="2280820" y="246570"/>
+              </a:lnTo>
+              <a:lnTo>
+                <a:pt x="2280820" y="361821"/>
+              </a:lnTo>
+            </a:path>
+          </a:pathLst>
+        </a:custGeom>
+        <a:noFill/>
+        <a:ln w="9525" cap="flat" cmpd="sng" algn="ctr">
+          <a:solidFill>
+            <a:schemeClr val="accent1">
+              <a:shade val="60000"/>
+              <a:hueOff val="0"/>
+              <a:satOff val="0"/>
+              <a:lumOff val="0"/>
+              <a:alphaOff val="0"/>
+            </a:schemeClr>
+          </a:solidFill>
+          <a:prstDash val="solid"/>
+        </a:ln>
+        <a:effectLst/>
+      </dsp:spPr>
+      <dsp:style>
+        <a:lnRef idx="1">
+          <a:scrgbClr r="0" g="0" b="0"/>
+        </a:lnRef>
+        <a:fillRef idx="0">
+          <a:scrgbClr r="0" g="0" b="0"/>
+        </a:fillRef>
+        <a:effectRef idx="0">
+          <a:scrgbClr r="0" g="0" b="0"/>
+        </a:effectRef>
+        <a:fontRef idx="minor"/>
+      </dsp:style>
+    </dsp:sp>
+    <dsp:sp modelId="{800FD04D-B3AC-0B4A-955F-2E2198D77D53}">
+      <dsp:nvSpPr>
+        <dsp:cNvPr id="0" name=""/>
+        <dsp:cNvSpPr/>
+      </dsp:nvSpPr>
+      <dsp:spPr>
+        <a:xfrm>
+          <a:off x="3665547" y="864596"/>
+          <a:ext cx="760273" cy="361821"/>
+        </a:xfrm>
+        <a:custGeom>
+          <a:avLst/>
+          <a:gdLst/>
+          <a:ahLst/>
+          <a:cxnLst/>
+          <a:rect l="0" t="0" r="0" b="0"/>
+          <a:pathLst>
+            <a:path>
+              <a:moveTo>
+                <a:pt x="0" y="0"/>
+              </a:moveTo>
+              <a:lnTo>
+                <a:pt x="0" y="246570"/>
+              </a:lnTo>
+              <a:lnTo>
+                <a:pt x="760273" y="246570"/>
+              </a:lnTo>
+              <a:lnTo>
+                <a:pt x="760273" y="361821"/>
+              </a:lnTo>
+            </a:path>
+          </a:pathLst>
+        </a:custGeom>
+        <a:noFill/>
+        <a:ln w="9525" cap="flat" cmpd="sng" algn="ctr">
+          <a:solidFill>
+            <a:schemeClr val="accent1">
+              <a:shade val="60000"/>
+              <a:hueOff val="0"/>
+              <a:satOff val="0"/>
+              <a:lumOff val="0"/>
+              <a:alphaOff val="0"/>
+            </a:schemeClr>
+          </a:solidFill>
+          <a:prstDash val="solid"/>
+        </a:ln>
+        <a:effectLst/>
+      </dsp:spPr>
+      <dsp:style>
+        <a:lnRef idx="1">
+          <a:scrgbClr r="0" g="0" b="0"/>
+        </a:lnRef>
+        <a:fillRef idx="0">
+          <a:scrgbClr r="0" g="0" b="0"/>
+        </a:fillRef>
+        <a:effectRef idx="0">
+          <a:scrgbClr r="0" g="0" b="0"/>
+        </a:effectRef>
+        <a:fontRef idx="minor"/>
+      </dsp:style>
+    </dsp:sp>
+    <dsp:sp modelId="{8CFA3E84-678E-C345-8D46-63E85CF195E2}">
+      <dsp:nvSpPr>
+        <dsp:cNvPr id="0" name=""/>
+        <dsp:cNvSpPr/>
+      </dsp:nvSpPr>
+      <dsp:spPr>
+        <a:xfrm>
+          <a:off x="2905273" y="864596"/>
+          <a:ext cx="760273" cy="361821"/>
+        </a:xfrm>
+        <a:custGeom>
+          <a:avLst/>
+          <a:gdLst/>
+          <a:ahLst/>
+          <a:cxnLst/>
+          <a:rect l="0" t="0" r="0" b="0"/>
+          <a:pathLst>
+            <a:path>
+              <a:moveTo>
+                <a:pt x="760273" y="0"/>
+              </a:moveTo>
+              <a:lnTo>
+                <a:pt x="760273" y="246570"/>
+              </a:lnTo>
+              <a:lnTo>
+                <a:pt x="0" y="246570"/>
+              </a:lnTo>
+              <a:lnTo>
+                <a:pt x="0" y="361821"/>
+              </a:lnTo>
+            </a:path>
+          </a:pathLst>
+        </a:custGeom>
+        <a:noFill/>
+        <a:ln w="9525" cap="flat" cmpd="sng" algn="ctr">
+          <a:solidFill>
+            <a:schemeClr val="accent1">
+              <a:shade val="60000"/>
+              <a:hueOff val="0"/>
+              <a:satOff val="0"/>
+              <a:lumOff val="0"/>
+              <a:alphaOff val="0"/>
+            </a:schemeClr>
+          </a:solidFill>
+          <a:prstDash val="solid"/>
+        </a:ln>
+        <a:effectLst/>
+      </dsp:spPr>
+      <dsp:style>
+        <a:lnRef idx="1">
+          <a:scrgbClr r="0" g="0" b="0"/>
+        </a:lnRef>
+        <a:fillRef idx="0">
+          <a:scrgbClr r="0" g="0" b="0"/>
+        </a:fillRef>
+        <a:effectRef idx="0">
+          <a:scrgbClr r="0" g="0" b="0"/>
+        </a:effectRef>
+        <a:fontRef idx="minor"/>
+      </dsp:style>
+    </dsp:sp>
+    <dsp:sp modelId="{28156514-4C64-AE45-A406-98283D6076D6}">
+      <dsp:nvSpPr>
+        <dsp:cNvPr id="0" name=""/>
+        <dsp:cNvSpPr/>
+      </dsp:nvSpPr>
+      <dsp:spPr>
+        <a:xfrm>
+          <a:off x="1384726" y="2016410"/>
+          <a:ext cx="760273" cy="361821"/>
+        </a:xfrm>
+        <a:custGeom>
+          <a:avLst/>
+          <a:gdLst/>
+          <a:ahLst/>
+          <a:cxnLst/>
+          <a:rect l="0" t="0" r="0" b="0"/>
+          <a:pathLst>
+            <a:path>
+              <a:moveTo>
+                <a:pt x="0" y="0"/>
+              </a:moveTo>
+              <a:lnTo>
+                <a:pt x="0" y="246570"/>
+              </a:lnTo>
+              <a:lnTo>
+                <a:pt x="760273" y="246570"/>
+              </a:lnTo>
+              <a:lnTo>
+                <a:pt x="760273" y="361821"/>
+              </a:lnTo>
+            </a:path>
+          </a:pathLst>
+        </a:custGeom>
+        <a:noFill/>
+        <a:ln w="9525" cap="flat" cmpd="sng" algn="ctr">
+          <a:solidFill>
+            <a:schemeClr val="accent1">
+              <a:shade val="80000"/>
+              <a:hueOff val="0"/>
+              <a:satOff val="0"/>
+              <a:lumOff val="0"/>
+              <a:alphaOff val="0"/>
+            </a:schemeClr>
+          </a:solidFill>
+          <a:prstDash val="solid"/>
+        </a:ln>
+        <a:effectLst/>
+      </dsp:spPr>
+      <dsp:style>
+        <a:lnRef idx="1">
+          <a:scrgbClr r="0" g="0" b="0"/>
+        </a:lnRef>
+        <a:fillRef idx="0">
+          <a:scrgbClr r="0" g="0" b="0"/>
+        </a:fillRef>
+        <a:effectRef idx="0">
+          <a:scrgbClr r="0" g="0" b="0"/>
+        </a:effectRef>
+        <a:fontRef idx="minor"/>
+      </dsp:style>
+    </dsp:sp>
+    <dsp:sp modelId="{C6BA431E-FA40-1D4E-A3D8-2A8BD37A2453}">
+      <dsp:nvSpPr>
+        <dsp:cNvPr id="0" name=""/>
+        <dsp:cNvSpPr/>
+      </dsp:nvSpPr>
+      <dsp:spPr>
+        <a:xfrm>
+          <a:off x="624453" y="2016410"/>
+          <a:ext cx="760273" cy="361821"/>
+        </a:xfrm>
+        <a:custGeom>
+          <a:avLst/>
+          <a:gdLst/>
+          <a:ahLst/>
+          <a:cxnLst/>
+          <a:rect l="0" t="0" r="0" b="0"/>
+          <a:pathLst>
+            <a:path>
+              <a:moveTo>
+                <a:pt x="760273" y="0"/>
+              </a:moveTo>
+              <a:lnTo>
+                <a:pt x="760273" y="246570"/>
+              </a:lnTo>
+              <a:lnTo>
+                <a:pt x="0" y="246570"/>
+              </a:lnTo>
+              <a:lnTo>
+                <a:pt x="0" y="361821"/>
+              </a:lnTo>
+            </a:path>
+          </a:pathLst>
+        </a:custGeom>
+        <a:noFill/>
+        <a:ln w="9525" cap="flat" cmpd="sng" algn="ctr">
+          <a:solidFill>
+            <a:schemeClr val="accent1">
+              <a:shade val="80000"/>
+              <a:hueOff val="0"/>
+              <a:satOff val="0"/>
+              <a:lumOff val="0"/>
+              <a:alphaOff val="0"/>
+            </a:schemeClr>
+          </a:solidFill>
+          <a:prstDash val="solid"/>
+        </a:ln>
+        <a:effectLst/>
+      </dsp:spPr>
+      <dsp:style>
+        <a:lnRef idx="1">
+          <a:scrgbClr r="0" g="0" b="0"/>
+        </a:lnRef>
+        <a:fillRef idx="0">
+          <a:scrgbClr r="0" g="0" b="0"/>
+        </a:fillRef>
+        <a:effectRef idx="0">
+          <a:scrgbClr r="0" g="0" b="0"/>
+        </a:effectRef>
+        <a:fontRef idx="minor"/>
+      </dsp:style>
+    </dsp:sp>
+    <dsp:sp modelId="{6B84F89A-BB62-184B-ACA8-8A1AAAE34DE1}">
+      <dsp:nvSpPr>
+        <dsp:cNvPr id="0" name=""/>
+        <dsp:cNvSpPr/>
+      </dsp:nvSpPr>
+      <dsp:spPr>
+        <a:xfrm>
+          <a:off x="1384726" y="864596"/>
+          <a:ext cx="2280820" cy="361821"/>
+        </a:xfrm>
+        <a:custGeom>
+          <a:avLst/>
+          <a:gdLst/>
+          <a:ahLst/>
+          <a:cxnLst/>
+          <a:rect l="0" t="0" r="0" b="0"/>
+          <a:pathLst>
+            <a:path>
+              <a:moveTo>
+                <a:pt x="2280820" y="0"/>
+              </a:moveTo>
+              <a:lnTo>
+                <a:pt x="2280820" y="246570"/>
+              </a:lnTo>
+              <a:lnTo>
+                <a:pt x="0" y="246570"/>
+              </a:lnTo>
+              <a:lnTo>
+                <a:pt x="0" y="361821"/>
+              </a:lnTo>
+            </a:path>
+          </a:pathLst>
+        </a:custGeom>
+        <a:noFill/>
+        <a:ln w="9525" cap="flat" cmpd="sng" algn="ctr">
+          <a:solidFill>
+            <a:schemeClr val="accent1">
+              <a:shade val="60000"/>
+              <a:hueOff val="0"/>
+              <a:satOff val="0"/>
+              <a:lumOff val="0"/>
+              <a:alphaOff val="0"/>
+            </a:schemeClr>
+          </a:solidFill>
+          <a:prstDash val="solid"/>
+        </a:ln>
+        <a:effectLst/>
+      </dsp:spPr>
+      <dsp:style>
+        <a:lnRef idx="1">
+          <a:scrgbClr r="0" g="0" b="0"/>
+        </a:lnRef>
+        <a:fillRef idx="0">
+          <a:scrgbClr r="0" g="0" b="0"/>
+        </a:fillRef>
+        <a:effectRef idx="0">
+          <a:scrgbClr r="0" g="0" b="0"/>
+        </a:effectRef>
+        <a:fontRef idx="minor"/>
+      </dsp:style>
+    </dsp:sp>
+    <dsp:sp modelId="{DE9E6D4B-E798-AA47-81C3-1E545DF4DB5B}">
+      <dsp:nvSpPr>
+        <dsp:cNvPr id="0" name=""/>
+        <dsp:cNvSpPr/>
+      </dsp:nvSpPr>
+      <dsp:spPr>
+        <a:xfrm>
+          <a:off x="3043505" y="74603"/>
+          <a:ext cx="1244084" cy="789993"/>
+        </a:xfrm>
+        <a:prstGeom prst="roundRect">
+          <a:avLst>
+            <a:gd name="adj" fmla="val 10000"/>
+          </a:avLst>
+        </a:prstGeom>
+        <a:gradFill rotWithShape="0">
+          <a:gsLst>
+            <a:gs pos="0">
+              <a:schemeClr val="accent1">
+                <a:hueOff val="0"/>
+                <a:satOff val="0"/>
+                <a:lumOff val="0"/>
+                <a:alphaOff val="0"/>
+                <a:tint val="100000"/>
+                <a:shade val="100000"/>
+                <a:satMod val="130000"/>
+              </a:schemeClr>
+            </a:gs>
+            <a:gs pos="100000">
+              <a:schemeClr val="accent1">
+                <a:hueOff val="0"/>
+                <a:satOff val="0"/>
+                <a:lumOff val="0"/>
+                <a:alphaOff val="0"/>
+                <a:tint val="50000"/>
+                <a:shade val="100000"/>
+                <a:satMod val="350000"/>
+              </a:schemeClr>
+            </a:gs>
+          </a:gsLst>
+          <a:lin ang="16200000" scaled="0"/>
+        </a:gradFill>
+        <a:ln>
+          <a:noFill/>
+        </a:ln>
+        <a:effectLst>
+          <a:outerShdw blurRad="40000" dist="23000" dir="5400000" rotWithShape="0">
+            <a:srgbClr val="000000">
+              <a:alpha val="35000"/>
+            </a:srgbClr>
+          </a:outerShdw>
+        </a:effectLst>
+      </dsp:spPr>
+      <dsp:style>
+        <a:lnRef idx="0">
+          <a:scrgbClr r="0" g="0" b="0"/>
+        </a:lnRef>
+        <a:fillRef idx="3">
+          <a:scrgbClr r="0" g="0" b="0"/>
+        </a:fillRef>
+        <a:effectRef idx="2">
+          <a:scrgbClr r="0" g="0" b="0"/>
+        </a:effectRef>
+        <a:fontRef idx="minor">
+          <a:schemeClr val="lt1"/>
+        </a:fontRef>
+      </dsp:style>
+    </dsp:sp>
+    <dsp:sp modelId="{923B0C63-79B7-9B4A-94B9-19130FBE5D7B}">
+      <dsp:nvSpPr>
+        <dsp:cNvPr id="0" name=""/>
+        <dsp:cNvSpPr/>
+      </dsp:nvSpPr>
+      <dsp:spPr>
+        <a:xfrm>
+          <a:off x="3181736" y="205923"/>
+          <a:ext cx="1244084" cy="789993"/>
+        </a:xfrm>
+        <a:prstGeom prst="roundRect">
+          <a:avLst>
+            <a:gd name="adj" fmla="val 10000"/>
+          </a:avLst>
+        </a:prstGeom>
+        <a:solidFill>
+          <a:schemeClr val="lt1">
+            <a:alpha val="90000"/>
+            <a:hueOff val="0"/>
+            <a:satOff val="0"/>
+            <a:lumOff val="0"/>
+            <a:alphaOff val="0"/>
+          </a:schemeClr>
+        </a:solidFill>
+        <a:ln w="9525" cap="flat" cmpd="sng" algn="ctr">
+          <a:solidFill>
+            <a:schemeClr val="accent1">
+              <a:hueOff val="0"/>
+              <a:satOff val="0"/>
+              <a:lumOff val="0"/>
+              <a:alphaOff val="0"/>
+            </a:schemeClr>
+          </a:solidFill>
+          <a:prstDash val="solid"/>
+        </a:ln>
+        <a:effectLst/>
+      </dsp:spPr>
+      <dsp:style>
+        <a:lnRef idx="1">
+          <a:scrgbClr r="0" g="0" b="0"/>
+        </a:lnRef>
+        <a:fillRef idx="1">
+          <a:scrgbClr r="0" g="0" b="0"/>
+        </a:fillRef>
+        <a:effectRef idx="0">
+          <a:scrgbClr r="0" g="0" b="0"/>
+        </a:effectRef>
+        <a:fontRef idx="minor"/>
+      </dsp:style>
+      <dsp:txBody>
+        <a:bodyPr spcFirstLastPara="0" vert="horz" wrap="square" lIns="76200" tIns="76200" rIns="76200" bIns="76200" numCol="1" spcCol="1270" anchor="ctr" anchorCtr="0">
+          <a:noAutofit/>
+        </a:bodyPr>
+        <a:lstStyle/>
+        <a:p>
+          <a:pPr lvl="0" algn="ctr" defTabSz="889000">
+            <a:lnSpc>
+              <a:spcPct val="90000"/>
+            </a:lnSpc>
+            <a:spcBef>
+              <a:spcPct val="0"/>
+            </a:spcBef>
+            <a:spcAft>
+              <a:spcPct val="35000"/>
+            </a:spcAft>
+          </a:pPr>
+          <a:r>
+            <a:rPr lang="en-US" sz="2000" kern="1200" dirty="0" smtClean="0"/>
+            <a:t>Data Type</a:t>
+          </a:r>
+          <a:endParaRPr lang="en-US" sz="2000" kern="1200" dirty="0"/>
+        </a:p>
+      </dsp:txBody>
+      <dsp:txXfrm>
+        <a:off x="3204874" y="229061"/>
+        <a:ext cx="1197808" cy="743717"/>
+      </dsp:txXfrm>
+    </dsp:sp>
+    <dsp:sp modelId="{3D0C8496-FBEF-B442-BAA7-CC30894D9EC3}">
+      <dsp:nvSpPr>
+        <dsp:cNvPr id="0" name=""/>
+        <dsp:cNvSpPr/>
+      </dsp:nvSpPr>
+      <dsp:spPr>
+        <a:xfrm>
+          <a:off x="762684" y="1226417"/>
+          <a:ext cx="1244084" cy="789993"/>
+        </a:xfrm>
+        <a:prstGeom prst="roundRect">
+          <a:avLst>
+            <a:gd name="adj" fmla="val 10000"/>
+          </a:avLst>
+        </a:prstGeom>
+        <a:gradFill rotWithShape="0">
+          <a:gsLst>
+            <a:gs pos="0">
+              <a:schemeClr val="accent1">
+                <a:hueOff val="0"/>
+                <a:satOff val="0"/>
+                <a:lumOff val="0"/>
+                <a:alphaOff val="0"/>
+                <a:tint val="100000"/>
+                <a:shade val="100000"/>
+                <a:satMod val="130000"/>
+              </a:schemeClr>
+            </a:gs>
+            <a:gs pos="100000">
+              <a:schemeClr val="accent1">
+                <a:hueOff val="0"/>
+                <a:satOff val="0"/>
+                <a:lumOff val="0"/>
+                <a:alphaOff val="0"/>
+                <a:tint val="50000"/>
+                <a:shade val="100000"/>
+                <a:satMod val="350000"/>
+              </a:schemeClr>
+            </a:gs>
+          </a:gsLst>
+          <a:lin ang="16200000" scaled="0"/>
+        </a:gradFill>
+        <a:ln>
+          <a:noFill/>
+        </a:ln>
+        <a:effectLst>
+          <a:outerShdw blurRad="40000" dist="23000" dir="5400000" rotWithShape="0">
+            <a:srgbClr val="000000">
+              <a:alpha val="35000"/>
+            </a:srgbClr>
+          </a:outerShdw>
+        </a:effectLst>
+      </dsp:spPr>
+      <dsp:style>
+        <a:lnRef idx="0">
+          <a:scrgbClr r="0" g="0" b="0"/>
+        </a:lnRef>
+        <a:fillRef idx="3">
+          <a:scrgbClr r="0" g="0" b="0"/>
+        </a:fillRef>
+        <a:effectRef idx="2">
+          <a:scrgbClr r="0" g="0" b="0"/>
+        </a:effectRef>
+        <a:fontRef idx="minor">
+          <a:schemeClr val="lt1"/>
+        </a:fontRef>
+      </dsp:style>
+    </dsp:sp>
+    <dsp:sp modelId="{BBF408DD-FB71-6449-9993-DDA736E8D58A}">
+      <dsp:nvSpPr>
+        <dsp:cNvPr id="0" name=""/>
+        <dsp:cNvSpPr/>
+      </dsp:nvSpPr>
+      <dsp:spPr>
+        <a:xfrm>
+          <a:off x="900916" y="1357737"/>
+          <a:ext cx="1244084" cy="789993"/>
+        </a:xfrm>
+        <a:prstGeom prst="roundRect">
+          <a:avLst>
+            <a:gd name="adj" fmla="val 10000"/>
+          </a:avLst>
+        </a:prstGeom>
+        <a:solidFill>
+          <a:schemeClr val="lt1">
+            <a:alpha val="90000"/>
+            <a:hueOff val="0"/>
+            <a:satOff val="0"/>
+            <a:lumOff val="0"/>
+            <a:alphaOff val="0"/>
+          </a:schemeClr>
+        </a:solidFill>
+        <a:ln w="9525" cap="flat" cmpd="sng" algn="ctr">
+          <a:solidFill>
+            <a:schemeClr val="accent1">
+              <a:hueOff val="0"/>
+              <a:satOff val="0"/>
+              <a:lumOff val="0"/>
+              <a:alphaOff val="0"/>
+            </a:schemeClr>
+          </a:solidFill>
+          <a:prstDash val="solid"/>
+        </a:ln>
+        <a:effectLst/>
+      </dsp:spPr>
+      <dsp:style>
+        <a:lnRef idx="1">
+          <a:scrgbClr r="0" g="0" b="0"/>
+        </a:lnRef>
+        <a:fillRef idx="1">
+          <a:scrgbClr r="0" g="0" b="0"/>
+        </a:fillRef>
+        <a:effectRef idx="0">
+          <a:scrgbClr r="0" g="0" b="0"/>
+        </a:effectRef>
+        <a:fontRef idx="minor"/>
+      </dsp:style>
+      <dsp:txBody>
+        <a:bodyPr spcFirstLastPara="0" vert="horz" wrap="square" lIns="76200" tIns="76200" rIns="76200" bIns="76200" numCol="1" spcCol="1270" anchor="ctr" anchorCtr="0">
+          <a:noAutofit/>
+        </a:bodyPr>
+        <a:lstStyle/>
+        <a:p>
+          <a:pPr lvl="0" algn="ctr" defTabSz="889000">
+            <a:lnSpc>
+              <a:spcPct val="90000"/>
+            </a:lnSpc>
+            <a:spcBef>
+              <a:spcPct val="0"/>
+            </a:spcBef>
+            <a:spcAft>
+              <a:spcPct val="35000"/>
+            </a:spcAft>
+          </a:pPr>
+          <a:r>
+            <a:rPr lang="en-US" sz="2000" kern="1200" dirty="0" smtClean="0"/>
+            <a:t>Number</a:t>
+          </a:r>
+          <a:endParaRPr lang="en-US" sz="2000" kern="1200" dirty="0"/>
+        </a:p>
+      </dsp:txBody>
+      <dsp:txXfrm>
+        <a:off x="924054" y="1380875"/>
+        <a:ext cx="1197808" cy="743717"/>
+      </dsp:txXfrm>
+    </dsp:sp>
+    <dsp:sp modelId="{4AC60A40-741B-ED47-AAD7-DE82CE34AD41}">
+      <dsp:nvSpPr>
+        <dsp:cNvPr id="0" name=""/>
+        <dsp:cNvSpPr/>
+      </dsp:nvSpPr>
+      <dsp:spPr>
+        <a:xfrm>
+          <a:off x="2411" y="2378232"/>
+          <a:ext cx="1244084" cy="789993"/>
+        </a:xfrm>
+        <a:prstGeom prst="roundRect">
+          <a:avLst>
+            <a:gd name="adj" fmla="val 10000"/>
+          </a:avLst>
+        </a:prstGeom>
+        <a:gradFill rotWithShape="0">
+          <a:gsLst>
+            <a:gs pos="0">
+              <a:schemeClr val="accent1">
+                <a:hueOff val="0"/>
+                <a:satOff val="0"/>
+                <a:lumOff val="0"/>
+                <a:alphaOff val="0"/>
+                <a:tint val="100000"/>
+                <a:shade val="100000"/>
+                <a:satMod val="130000"/>
+              </a:schemeClr>
+            </a:gs>
+            <a:gs pos="100000">
+              <a:schemeClr val="accent1">
+                <a:hueOff val="0"/>
+                <a:satOff val="0"/>
+                <a:lumOff val="0"/>
+                <a:alphaOff val="0"/>
+                <a:tint val="50000"/>
+                <a:shade val="100000"/>
+                <a:satMod val="350000"/>
+              </a:schemeClr>
+            </a:gs>
+          </a:gsLst>
+          <a:lin ang="16200000" scaled="0"/>
+        </a:gradFill>
+        <a:ln>
+          <a:noFill/>
+        </a:ln>
+        <a:effectLst>
+          <a:outerShdw blurRad="40000" dist="23000" dir="5400000" rotWithShape="0">
+            <a:srgbClr val="000000">
+              <a:alpha val="35000"/>
+            </a:srgbClr>
+          </a:outerShdw>
+        </a:effectLst>
+      </dsp:spPr>
+      <dsp:style>
+        <a:lnRef idx="0">
+          <a:scrgbClr r="0" g="0" b="0"/>
+        </a:lnRef>
+        <a:fillRef idx="3">
+          <a:scrgbClr r="0" g="0" b="0"/>
+        </a:fillRef>
+        <a:effectRef idx="2">
+          <a:scrgbClr r="0" g="0" b="0"/>
+        </a:effectRef>
+        <a:fontRef idx="minor">
+          <a:schemeClr val="lt1"/>
+        </a:fontRef>
+      </dsp:style>
+    </dsp:sp>
+    <dsp:sp modelId="{C2C1A37D-940A-6743-AC99-D92FAAA879A9}">
+      <dsp:nvSpPr>
+        <dsp:cNvPr id="0" name=""/>
+        <dsp:cNvSpPr/>
+      </dsp:nvSpPr>
+      <dsp:spPr>
+        <a:xfrm>
+          <a:off x="140642" y="2509552"/>
+          <a:ext cx="1244084" cy="789993"/>
+        </a:xfrm>
+        <a:prstGeom prst="roundRect">
+          <a:avLst>
+            <a:gd name="adj" fmla="val 10000"/>
+          </a:avLst>
+        </a:prstGeom>
+        <a:solidFill>
+          <a:schemeClr val="lt1">
+            <a:alpha val="90000"/>
+            <a:hueOff val="0"/>
+            <a:satOff val="0"/>
+            <a:lumOff val="0"/>
+            <a:alphaOff val="0"/>
+          </a:schemeClr>
+        </a:solidFill>
+        <a:ln w="9525" cap="flat" cmpd="sng" algn="ctr">
+          <a:solidFill>
+            <a:schemeClr val="accent1">
+              <a:hueOff val="0"/>
+              <a:satOff val="0"/>
+              <a:lumOff val="0"/>
+              <a:alphaOff val="0"/>
+            </a:schemeClr>
+          </a:solidFill>
+          <a:prstDash val="solid"/>
+        </a:ln>
+        <a:effectLst/>
+      </dsp:spPr>
+      <dsp:style>
+        <a:lnRef idx="1">
+          <a:scrgbClr r="0" g="0" b="0"/>
+        </a:lnRef>
+        <a:fillRef idx="1">
+          <a:scrgbClr r="0" g="0" b="0"/>
+        </a:fillRef>
+        <a:effectRef idx="0">
+          <a:scrgbClr r="0" g="0" b="0"/>
+        </a:effectRef>
+        <a:fontRef idx="minor"/>
+      </dsp:style>
+      <dsp:txBody>
+        <a:bodyPr spcFirstLastPara="0" vert="horz" wrap="square" lIns="76200" tIns="76200" rIns="76200" bIns="76200" numCol="1" spcCol="1270" anchor="ctr" anchorCtr="0">
+          <a:noAutofit/>
+        </a:bodyPr>
+        <a:lstStyle/>
+        <a:p>
+          <a:pPr lvl="0" algn="ctr" defTabSz="889000">
+            <a:lnSpc>
+              <a:spcPct val="90000"/>
+            </a:lnSpc>
+            <a:spcBef>
+              <a:spcPct val="0"/>
+            </a:spcBef>
+            <a:spcAft>
+              <a:spcPct val="35000"/>
+            </a:spcAft>
+          </a:pPr>
+          <a:r>
+            <a:rPr lang="en-US" sz="2000" kern="1200" dirty="0" smtClean="0"/>
+            <a:t>Whole</a:t>
+          </a:r>
+          <a:endParaRPr lang="en-US" sz="2000" kern="1200" dirty="0"/>
+        </a:p>
+      </dsp:txBody>
+      <dsp:txXfrm>
+        <a:off x="163780" y="2532690"/>
+        <a:ext cx="1197808" cy="743717"/>
+      </dsp:txXfrm>
+    </dsp:sp>
+    <dsp:sp modelId="{42E6176C-3E48-2248-9A2F-70DD7DB88292}">
+      <dsp:nvSpPr>
+        <dsp:cNvPr id="0" name=""/>
+        <dsp:cNvSpPr/>
+      </dsp:nvSpPr>
+      <dsp:spPr>
+        <a:xfrm>
+          <a:off x="1522958" y="2378232"/>
+          <a:ext cx="1244084" cy="789993"/>
+        </a:xfrm>
+        <a:prstGeom prst="roundRect">
+          <a:avLst>
+            <a:gd name="adj" fmla="val 10000"/>
+          </a:avLst>
+        </a:prstGeom>
+        <a:gradFill rotWithShape="0">
+          <a:gsLst>
+            <a:gs pos="0">
+              <a:schemeClr val="accent1">
+                <a:hueOff val="0"/>
+                <a:satOff val="0"/>
+                <a:lumOff val="0"/>
+                <a:alphaOff val="0"/>
+                <a:tint val="100000"/>
+                <a:shade val="100000"/>
+                <a:satMod val="130000"/>
+              </a:schemeClr>
+            </a:gs>
+            <a:gs pos="100000">
+              <a:schemeClr val="accent1">
+                <a:hueOff val="0"/>
+                <a:satOff val="0"/>
+                <a:lumOff val="0"/>
+                <a:alphaOff val="0"/>
+                <a:tint val="50000"/>
+                <a:shade val="100000"/>
+                <a:satMod val="350000"/>
+              </a:schemeClr>
+            </a:gs>
+          </a:gsLst>
+          <a:lin ang="16200000" scaled="0"/>
+        </a:gradFill>
+        <a:ln>
+          <a:noFill/>
+        </a:ln>
+        <a:effectLst>
+          <a:outerShdw blurRad="40000" dist="23000" dir="5400000" rotWithShape="0">
+            <a:srgbClr val="000000">
+              <a:alpha val="35000"/>
+            </a:srgbClr>
+          </a:outerShdw>
+        </a:effectLst>
+      </dsp:spPr>
+      <dsp:style>
+        <a:lnRef idx="0">
+          <a:scrgbClr r="0" g="0" b="0"/>
+        </a:lnRef>
+        <a:fillRef idx="3">
+          <a:scrgbClr r="0" g="0" b="0"/>
+        </a:fillRef>
+        <a:effectRef idx="2">
+          <a:scrgbClr r="0" g="0" b="0"/>
+        </a:effectRef>
+        <a:fontRef idx="minor">
+          <a:schemeClr val="lt1"/>
+        </a:fontRef>
+      </dsp:style>
+    </dsp:sp>
+    <dsp:sp modelId="{0B86410B-498D-AB4D-9967-4C4AEDB1DF45}">
+      <dsp:nvSpPr>
+        <dsp:cNvPr id="0" name=""/>
+        <dsp:cNvSpPr/>
+      </dsp:nvSpPr>
+      <dsp:spPr>
+        <a:xfrm>
+          <a:off x="1661189" y="2509552"/>
+          <a:ext cx="1244084" cy="789993"/>
+        </a:xfrm>
+        <a:prstGeom prst="roundRect">
+          <a:avLst>
+            <a:gd name="adj" fmla="val 10000"/>
+          </a:avLst>
+        </a:prstGeom>
+        <a:solidFill>
+          <a:schemeClr val="lt1">
+            <a:alpha val="90000"/>
+            <a:hueOff val="0"/>
+            <a:satOff val="0"/>
+            <a:lumOff val="0"/>
+            <a:alphaOff val="0"/>
+          </a:schemeClr>
+        </a:solidFill>
+        <a:ln w="9525" cap="flat" cmpd="sng" algn="ctr">
+          <a:solidFill>
+            <a:schemeClr val="accent1">
+              <a:hueOff val="0"/>
+              <a:satOff val="0"/>
+              <a:lumOff val="0"/>
+              <a:alphaOff val="0"/>
+            </a:schemeClr>
+          </a:solidFill>
+          <a:prstDash val="solid"/>
+        </a:ln>
+        <a:effectLst/>
+      </dsp:spPr>
+      <dsp:style>
+        <a:lnRef idx="1">
+          <a:scrgbClr r="0" g="0" b="0"/>
+        </a:lnRef>
+        <a:fillRef idx="1">
+          <a:scrgbClr r="0" g="0" b="0"/>
+        </a:fillRef>
+        <a:effectRef idx="0">
+          <a:scrgbClr r="0" g="0" b="0"/>
+        </a:effectRef>
+        <a:fontRef idx="minor"/>
+      </dsp:style>
+      <dsp:txBody>
+        <a:bodyPr spcFirstLastPara="0" vert="horz" wrap="square" lIns="76200" tIns="76200" rIns="76200" bIns="76200" numCol="1" spcCol="1270" anchor="ctr" anchorCtr="0">
+          <a:noAutofit/>
+        </a:bodyPr>
+        <a:lstStyle/>
+        <a:p>
+          <a:pPr lvl="0" algn="ctr" defTabSz="889000">
+            <a:lnSpc>
+              <a:spcPct val="90000"/>
+            </a:lnSpc>
+            <a:spcBef>
+              <a:spcPct val="0"/>
+            </a:spcBef>
+            <a:spcAft>
+              <a:spcPct val="35000"/>
+            </a:spcAft>
+          </a:pPr>
+          <a:r>
+            <a:rPr lang="en-US" sz="2000" kern="1200" dirty="0" smtClean="0"/>
+            <a:t>Float</a:t>
+          </a:r>
+          <a:endParaRPr lang="en-US" sz="2000" kern="1200" dirty="0"/>
+        </a:p>
+      </dsp:txBody>
+      <dsp:txXfrm>
+        <a:off x="1684327" y="2532690"/>
+        <a:ext cx="1197808" cy="743717"/>
+      </dsp:txXfrm>
+    </dsp:sp>
+    <dsp:sp modelId="{E4637EFB-2FAA-3446-8FC9-AD7B8E683EE6}">
+      <dsp:nvSpPr>
+        <dsp:cNvPr id="0" name=""/>
+        <dsp:cNvSpPr/>
+      </dsp:nvSpPr>
+      <dsp:spPr>
+        <a:xfrm>
+          <a:off x="2283231" y="1226417"/>
+          <a:ext cx="1244084" cy="789993"/>
+        </a:xfrm>
+        <a:prstGeom prst="roundRect">
+          <a:avLst>
+            <a:gd name="adj" fmla="val 10000"/>
+          </a:avLst>
+        </a:prstGeom>
+        <a:gradFill rotWithShape="0">
+          <a:gsLst>
+            <a:gs pos="0">
+              <a:schemeClr val="accent1">
+                <a:hueOff val="0"/>
+                <a:satOff val="0"/>
+                <a:lumOff val="0"/>
+                <a:alphaOff val="0"/>
+                <a:tint val="100000"/>
+                <a:shade val="100000"/>
+                <a:satMod val="130000"/>
+              </a:schemeClr>
+            </a:gs>
+            <a:gs pos="100000">
+              <a:schemeClr val="accent1">
+                <a:hueOff val="0"/>
+                <a:satOff val="0"/>
+                <a:lumOff val="0"/>
+                <a:alphaOff val="0"/>
+                <a:tint val="50000"/>
+                <a:shade val="100000"/>
+                <a:satMod val="350000"/>
+              </a:schemeClr>
+            </a:gs>
+          </a:gsLst>
+          <a:lin ang="16200000" scaled="0"/>
+        </a:gradFill>
+        <a:ln>
+          <a:noFill/>
+        </a:ln>
+        <a:effectLst>
+          <a:outerShdw blurRad="40000" dist="23000" dir="5400000" rotWithShape="0">
+            <a:srgbClr val="000000">
+              <a:alpha val="35000"/>
+            </a:srgbClr>
+          </a:outerShdw>
+        </a:effectLst>
+      </dsp:spPr>
+      <dsp:style>
+        <a:lnRef idx="0">
+          <a:scrgbClr r="0" g="0" b="0"/>
+        </a:lnRef>
+        <a:fillRef idx="3">
+          <a:scrgbClr r="0" g="0" b="0"/>
+        </a:fillRef>
+        <a:effectRef idx="2">
+          <a:scrgbClr r="0" g="0" b="0"/>
+        </a:effectRef>
+        <a:fontRef idx="minor">
+          <a:schemeClr val="lt1"/>
+        </a:fontRef>
+      </dsp:style>
+    </dsp:sp>
+    <dsp:sp modelId="{0FEFC8CB-58CB-4A43-9867-EED6738F0C0F}">
+      <dsp:nvSpPr>
+        <dsp:cNvPr id="0" name=""/>
+        <dsp:cNvSpPr/>
+      </dsp:nvSpPr>
+      <dsp:spPr>
+        <a:xfrm>
+          <a:off x="2421463" y="1357737"/>
+          <a:ext cx="1244084" cy="789993"/>
+        </a:xfrm>
+        <a:prstGeom prst="roundRect">
+          <a:avLst>
+            <a:gd name="adj" fmla="val 10000"/>
+          </a:avLst>
+        </a:prstGeom>
+        <a:solidFill>
+          <a:schemeClr val="lt1">
+            <a:alpha val="90000"/>
+            <a:hueOff val="0"/>
+            <a:satOff val="0"/>
+            <a:lumOff val="0"/>
+            <a:alphaOff val="0"/>
+          </a:schemeClr>
+        </a:solidFill>
+        <a:ln w="9525" cap="flat" cmpd="sng" algn="ctr">
+          <a:solidFill>
+            <a:schemeClr val="accent1">
+              <a:hueOff val="0"/>
+              <a:satOff val="0"/>
+              <a:lumOff val="0"/>
+              <a:alphaOff val="0"/>
+            </a:schemeClr>
+          </a:solidFill>
+          <a:prstDash val="solid"/>
+        </a:ln>
+        <a:effectLst/>
+      </dsp:spPr>
+      <dsp:style>
+        <a:lnRef idx="1">
+          <a:scrgbClr r="0" g="0" b="0"/>
+        </a:lnRef>
+        <a:fillRef idx="1">
+          <a:scrgbClr r="0" g="0" b="0"/>
+        </a:fillRef>
+        <a:effectRef idx="0">
+          <a:scrgbClr r="0" g="0" b="0"/>
+        </a:effectRef>
+        <a:fontRef idx="minor"/>
+      </dsp:style>
+      <dsp:txBody>
+        <a:bodyPr spcFirstLastPara="0" vert="horz" wrap="square" lIns="76200" tIns="76200" rIns="76200" bIns="76200" numCol="1" spcCol="1270" anchor="ctr" anchorCtr="0">
+          <a:noAutofit/>
+        </a:bodyPr>
+        <a:lstStyle/>
+        <a:p>
+          <a:pPr lvl="0" algn="ctr" defTabSz="889000">
+            <a:lnSpc>
+              <a:spcPct val="90000"/>
+            </a:lnSpc>
+            <a:spcBef>
+              <a:spcPct val="0"/>
+            </a:spcBef>
+            <a:spcAft>
+              <a:spcPct val="35000"/>
+            </a:spcAft>
+          </a:pPr>
+          <a:r>
+            <a:rPr lang="en-US" sz="2000" kern="1200" dirty="0" smtClean="0"/>
+            <a:t>String</a:t>
+          </a:r>
+          <a:endParaRPr lang="en-US" sz="2000" kern="1200" dirty="0"/>
+        </a:p>
+      </dsp:txBody>
+      <dsp:txXfrm>
+        <a:off x="2444601" y="1380875"/>
+        <a:ext cx="1197808" cy="743717"/>
+      </dsp:txXfrm>
+    </dsp:sp>
+    <dsp:sp modelId="{742E8093-E526-D748-A87A-DEAD1A9F1F6D}">
+      <dsp:nvSpPr>
+        <dsp:cNvPr id="0" name=""/>
+        <dsp:cNvSpPr/>
+      </dsp:nvSpPr>
+      <dsp:spPr>
+        <a:xfrm>
+          <a:off x="3803778" y="1226417"/>
+          <a:ext cx="1244084" cy="789993"/>
+        </a:xfrm>
+        <a:prstGeom prst="roundRect">
+          <a:avLst>
+            <a:gd name="adj" fmla="val 10000"/>
+          </a:avLst>
+        </a:prstGeom>
+        <a:gradFill rotWithShape="0">
+          <a:gsLst>
+            <a:gs pos="0">
+              <a:schemeClr val="accent1">
+                <a:hueOff val="0"/>
+                <a:satOff val="0"/>
+                <a:lumOff val="0"/>
+                <a:alphaOff val="0"/>
+                <a:tint val="100000"/>
+                <a:shade val="100000"/>
+                <a:satMod val="130000"/>
+              </a:schemeClr>
+            </a:gs>
+            <a:gs pos="100000">
+              <a:schemeClr val="accent1">
+                <a:hueOff val="0"/>
+                <a:satOff val="0"/>
+                <a:lumOff val="0"/>
+                <a:alphaOff val="0"/>
+                <a:tint val="50000"/>
+                <a:shade val="100000"/>
+                <a:satMod val="350000"/>
+              </a:schemeClr>
+            </a:gs>
+          </a:gsLst>
+          <a:lin ang="16200000" scaled="0"/>
+        </a:gradFill>
+        <a:ln>
+          <a:noFill/>
+        </a:ln>
+        <a:effectLst>
+          <a:outerShdw blurRad="40000" dist="23000" dir="5400000" rotWithShape="0">
+            <a:srgbClr val="000000">
+              <a:alpha val="35000"/>
+            </a:srgbClr>
+          </a:outerShdw>
+        </a:effectLst>
+      </dsp:spPr>
+      <dsp:style>
+        <a:lnRef idx="0">
+          <a:scrgbClr r="0" g="0" b="0"/>
+        </a:lnRef>
+        <a:fillRef idx="3">
+          <a:scrgbClr r="0" g="0" b="0"/>
+        </a:fillRef>
+        <a:effectRef idx="2">
+          <a:scrgbClr r="0" g="0" b="0"/>
+        </a:effectRef>
+        <a:fontRef idx="minor">
+          <a:schemeClr val="lt1"/>
+        </a:fontRef>
+      </dsp:style>
+    </dsp:sp>
+    <dsp:sp modelId="{D86CCABB-994E-2B44-9B36-549A167DC946}">
+      <dsp:nvSpPr>
+        <dsp:cNvPr id="0" name=""/>
+        <dsp:cNvSpPr/>
+      </dsp:nvSpPr>
+      <dsp:spPr>
+        <a:xfrm>
+          <a:off x="3942010" y="1357737"/>
+          <a:ext cx="1244084" cy="789993"/>
+        </a:xfrm>
+        <a:prstGeom prst="roundRect">
+          <a:avLst>
+            <a:gd name="adj" fmla="val 10000"/>
+          </a:avLst>
+        </a:prstGeom>
+        <a:solidFill>
+          <a:schemeClr val="lt1">
+            <a:alpha val="90000"/>
+            <a:hueOff val="0"/>
+            <a:satOff val="0"/>
+            <a:lumOff val="0"/>
+            <a:alphaOff val="0"/>
+          </a:schemeClr>
+        </a:solidFill>
+        <a:ln w="9525" cap="flat" cmpd="sng" algn="ctr">
+          <a:solidFill>
+            <a:schemeClr val="accent1">
+              <a:hueOff val="0"/>
+              <a:satOff val="0"/>
+              <a:lumOff val="0"/>
+              <a:alphaOff val="0"/>
+            </a:schemeClr>
+          </a:solidFill>
+          <a:prstDash val="solid"/>
+        </a:ln>
+        <a:effectLst/>
+      </dsp:spPr>
+      <dsp:style>
+        <a:lnRef idx="1">
+          <a:scrgbClr r="0" g="0" b="0"/>
+        </a:lnRef>
+        <a:fillRef idx="1">
+          <a:scrgbClr r="0" g="0" b="0"/>
+        </a:fillRef>
+        <a:effectRef idx="0">
+          <a:scrgbClr r="0" g="0" b="0"/>
+        </a:effectRef>
+        <a:fontRef idx="minor"/>
+      </dsp:style>
+      <dsp:txBody>
+        <a:bodyPr spcFirstLastPara="0" vert="horz" wrap="square" lIns="76200" tIns="76200" rIns="76200" bIns="76200" numCol="1" spcCol="1270" anchor="ctr" anchorCtr="0">
+          <a:noAutofit/>
+        </a:bodyPr>
+        <a:lstStyle/>
+        <a:p>
+          <a:pPr lvl="0" algn="ctr" defTabSz="889000">
+            <a:lnSpc>
+              <a:spcPct val="90000"/>
+            </a:lnSpc>
+            <a:spcBef>
+              <a:spcPct val="0"/>
+            </a:spcBef>
+            <a:spcAft>
+              <a:spcPct val="35000"/>
+            </a:spcAft>
+          </a:pPr>
+          <a:r>
+            <a:rPr lang="en-US" sz="2000" kern="1200" dirty="0" smtClean="0"/>
+            <a:t>Boolean</a:t>
+          </a:r>
+          <a:endParaRPr lang="en-US" sz="2000" kern="1200" dirty="0"/>
+        </a:p>
+      </dsp:txBody>
+      <dsp:txXfrm>
+        <a:off x="3965148" y="1380875"/>
+        <a:ext cx="1197808" cy="743717"/>
+      </dsp:txXfrm>
+    </dsp:sp>
+    <dsp:sp modelId="{419941D0-E8C4-AB44-9E78-DAAEB48DEBBF}">
+      <dsp:nvSpPr>
+        <dsp:cNvPr id="0" name=""/>
+        <dsp:cNvSpPr/>
+      </dsp:nvSpPr>
+      <dsp:spPr>
+        <a:xfrm>
+          <a:off x="5324326" y="1226417"/>
+          <a:ext cx="1244084" cy="789993"/>
+        </a:xfrm>
+        <a:prstGeom prst="roundRect">
+          <a:avLst>
+            <a:gd name="adj" fmla="val 10000"/>
+          </a:avLst>
+        </a:prstGeom>
+        <a:gradFill rotWithShape="0">
+          <a:gsLst>
+            <a:gs pos="0">
+              <a:schemeClr val="accent1">
+                <a:hueOff val="0"/>
+                <a:satOff val="0"/>
+                <a:lumOff val="0"/>
+                <a:alphaOff val="0"/>
+                <a:tint val="100000"/>
+                <a:shade val="100000"/>
+                <a:satMod val="130000"/>
+              </a:schemeClr>
+            </a:gs>
+            <a:gs pos="100000">
+              <a:schemeClr val="accent1">
+                <a:hueOff val="0"/>
+                <a:satOff val="0"/>
+                <a:lumOff val="0"/>
+                <a:alphaOff val="0"/>
+                <a:tint val="50000"/>
+                <a:shade val="100000"/>
+                <a:satMod val="350000"/>
+              </a:schemeClr>
+            </a:gs>
+          </a:gsLst>
+          <a:lin ang="16200000" scaled="0"/>
+        </a:gradFill>
+        <a:ln>
+          <a:noFill/>
+        </a:ln>
+        <a:effectLst>
+          <a:outerShdw blurRad="40000" dist="23000" dir="5400000" rotWithShape="0">
+            <a:srgbClr val="000000">
+              <a:alpha val="35000"/>
+            </a:srgbClr>
+          </a:outerShdw>
+        </a:effectLst>
+      </dsp:spPr>
+      <dsp:style>
+        <a:lnRef idx="0">
+          <a:scrgbClr r="0" g="0" b="0"/>
+        </a:lnRef>
+        <a:fillRef idx="3">
+          <a:scrgbClr r="0" g="0" b="0"/>
+        </a:fillRef>
+        <a:effectRef idx="2">
+          <a:scrgbClr r="0" g="0" b="0"/>
+        </a:effectRef>
+        <a:fontRef idx="minor">
+          <a:schemeClr val="lt1"/>
+        </a:fontRef>
+      </dsp:style>
+    </dsp:sp>
+    <dsp:sp modelId="{6603764C-B415-664F-8885-A7DAA8CAF3E7}">
+      <dsp:nvSpPr>
+        <dsp:cNvPr id="0" name=""/>
+        <dsp:cNvSpPr/>
+      </dsp:nvSpPr>
+      <dsp:spPr>
+        <a:xfrm>
+          <a:off x="5462557" y="1357737"/>
+          <a:ext cx="1244084" cy="789993"/>
+        </a:xfrm>
+        <a:prstGeom prst="roundRect">
+          <a:avLst>
+            <a:gd name="adj" fmla="val 10000"/>
+          </a:avLst>
+        </a:prstGeom>
+        <a:solidFill>
+          <a:schemeClr val="lt1">
+            <a:alpha val="90000"/>
+            <a:hueOff val="0"/>
+            <a:satOff val="0"/>
+            <a:lumOff val="0"/>
+            <a:alphaOff val="0"/>
+          </a:schemeClr>
+        </a:solidFill>
+        <a:ln w="9525" cap="flat" cmpd="sng" algn="ctr">
+          <a:solidFill>
+            <a:schemeClr val="accent1">
+              <a:hueOff val="0"/>
+              <a:satOff val="0"/>
+              <a:lumOff val="0"/>
+              <a:alphaOff val="0"/>
+            </a:schemeClr>
+          </a:solidFill>
+          <a:prstDash val="solid"/>
+        </a:ln>
+        <a:effectLst/>
+      </dsp:spPr>
+      <dsp:style>
+        <a:lnRef idx="1">
+          <a:scrgbClr r="0" g="0" b="0"/>
+        </a:lnRef>
+        <a:fillRef idx="1">
+          <a:scrgbClr r="0" g="0" b="0"/>
+        </a:fillRef>
+        <a:effectRef idx="0">
+          <a:scrgbClr r="0" g="0" b="0"/>
+        </a:effectRef>
+        <a:fontRef idx="minor"/>
+      </dsp:style>
+      <dsp:txBody>
+        <a:bodyPr spcFirstLastPara="0" vert="horz" wrap="square" lIns="76200" tIns="76200" rIns="76200" bIns="76200" numCol="1" spcCol="1270" anchor="ctr" anchorCtr="0">
+          <a:noAutofit/>
+        </a:bodyPr>
+        <a:lstStyle/>
+        <a:p>
+          <a:pPr lvl="0" algn="ctr" defTabSz="889000">
+            <a:lnSpc>
+              <a:spcPct val="90000"/>
+            </a:lnSpc>
+            <a:spcBef>
+              <a:spcPct val="0"/>
+            </a:spcBef>
+            <a:spcAft>
+              <a:spcPct val="35000"/>
+            </a:spcAft>
+          </a:pPr>
+          <a:r>
+            <a:rPr lang="en-US" sz="2000" kern="1200" dirty="0" smtClean="0"/>
+            <a:t>Object</a:t>
+          </a:r>
+          <a:endParaRPr lang="en-US" sz="2000" kern="1200" dirty="0"/>
+        </a:p>
+      </dsp:txBody>
+      <dsp:txXfrm>
+        <a:off x="5485695" y="1380875"/>
+        <a:ext cx="1197808" cy="743717"/>
+      </dsp:txXfrm>
+    </dsp:sp>
+    <dsp:sp modelId="{BED1AD82-3EAF-DA47-9563-265E07F41880}">
+      <dsp:nvSpPr>
+        <dsp:cNvPr id="0" name=""/>
+        <dsp:cNvSpPr/>
+      </dsp:nvSpPr>
+      <dsp:spPr>
+        <a:xfrm>
+          <a:off x="3803778" y="2378232"/>
+          <a:ext cx="1244084" cy="789993"/>
+        </a:xfrm>
+        <a:prstGeom prst="roundRect">
+          <a:avLst>
+            <a:gd name="adj" fmla="val 10000"/>
+          </a:avLst>
+        </a:prstGeom>
+        <a:gradFill rotWithShape="0">
+          <a:gsLst>
+            <a:gs pos="0">
+              <a:schemeClr val="accent1">
+                <a:hueOff val="0"/>
+                <a:satOff val="0"/>
+                <a:lumOff val="0"/>
+                <a:alphaOff val="0"/>
+                <a:tint val="100000"/>
+                <a:shade val="100000"/>
+                <a:satMod val="130000"/>
+              </a:schemeClr>
+            </a:gs>
+            <a:gs pos="100000">
+              <a:schemeClr val="accent1">
+                <a:hueOff val="0"/>
+                <a:satOff val="0"/>
+                <a:lumOff val="0"/>
+                <a:alphaOff val="0"/>
+                <a:tint val="50000"/>
+                <a:shade val="100000"/>
+                <a:satMod val="350000"/>
+              </a:schemeClr>
+            </a:gs>
+          </a:gsLst>
+          <a:lin ang="16200000" scaled="0"/>
+        </a:gradFill>
+        <a:ln>
+          <a:noFill/>
+        </a:ln>
+        <a:effectLst>
+          <a:outerShdw blurRad="40000" dist="23000" dir="5400000" rotWithShape="0">
+            <a:srgbClr val="000000">
+              <a:alpha val="35000"/>
+            </a:srgbClr>
+          </a:outerShdw>
+        </a:effectLst>
+      </dsp:spPr>
+      <dsp:style>
+        <a:lnRef idx="0">
+          <a:scrgbClr r="0" g="0" b="0"/>
+        </a:lnRef>
+        <a:fillRef idx="3">
+          <a:scrgbClr r="0" g="0" b="0"/>
+        </a:fillRef>
+        <a:effectRef idx="2">
+          <a:scrgbClr r="0" g="0" b="0"/>
+        </a:effectRef>
+        <a:fontRef idx="minor">
+          <a:schemeClr val="lt1"/>
+        </a:fontRef>
+      </dsp:style>
+    </dsp:sp>
+    <dsp:sp modelId="{AD6B8219-1F5B-DA4F-B261-22B5D0551A94}">
+      <dsp:nvSpPr>
+        <dsp:cNvPr id="0" name=""/>
+        <dsp:cNvSpPr/>
+      </dsp:nvSpPr>
+      <dsp:spPr>
+        <a:xfrm>
+          <a:off x="3942010" y="2509552"/>
+          <a:ext cx="1244084" cy="789993"/>
+        </a:xfrm>
+        <a:prstGeom prst="roundRect">
+          <a:avLst>
+            <a:gd name="adj" fmla="val 10000"/>
+          </a:avLst>
+        </a:prstGeom>
+        <a:solidFill>
+          <a:schemeClr val="lt1">
+            <a:alpha val="90000"/>
+            <a:hueOff val="0"/>
+            <a:satOff val="0"/>
+            <a:lumOff val="0"/>
+            <a:alphaOff val="0"/>
+          </a:schemeClr>
+        </a:solidFill>
+        <a:ln w="9525" cap="flat" cmpd="sng" algn="ctr">
+          <a:solidFill>
+            <a:schemeClr val="accent1">
+              <a:hueOff val="0"/>
+              <a:satOff val="0"/>
+              <a:lumOff val="0"/>
+              <a:alphaOff val="0"/>
+            </a:schemeClr>
+          </a:solidFill>
+          <a:prstDash val="solid"/>
+        </a:ln>
+        <a:effectLst/>
+      </dsp:spPr>
+      <dsp:style>
+        <a:lnRef idx="1">
+          <a:scrgbClr r="0" g="0" b="0"/>
+        </a:lnRef>
+        <a:fillRef idx="1">
+          <a:scrgbClr r="0" g="0" b="0"/>
+        </a:fillRef>
+        <a:effectRef idx="0">
+          <a:scrgbClr r="0" g="0" b="0"/>
+        </a:effectRef>
+        <a:fontRef idx="minor"/>
+      </dsp:style>
+      <dsp:txBody>
+        <a:bodyPr spcFirstLastPara="0" vert="horz" wrap="square" lIns="76200" tIns="76200" rIns="76200" bIns="76200" numCol="1" spcCol="1270" anchor="ctr" anchorCtr="0">
+          <a:noAutofit/>
+        </a:bodyPr>
+        <a:lstStyle/>
+        <a:p>
+          <a:pPr lvl="0" algn="ctr" defTabSz="889000">
+            <a:lnSpc>
+              <a:spcPct val="90000"/>
+            </a:lnSpc>
+            <a:spcBef>
+              <a:spcPct val="0"/>
+            </a:spcBef>
+            <a:spcAft>
+              <a:spcPct val="35000"/>
+            </a:spcAft>
+          </a:pPr>
+          <a:r>
+            <a:rPr lang="en-US" sz="2000" kern="1200" dirty="0" smtClean="0"/>
+            <a:t>Date</a:t>
+          </a:r>
+          <a:endParaRPr lang="en-US" sz="2000" kern="1200" dirty="0"/>
+        </a:p>
+      </dsp:txBody>
+      <dsp:txXfrm>
+        <a:off x="3965148" y="2532690"/>
+        <a:ext cx="1197808" cy="743717"/>
+      </dsp:txXfrm>
+    </dsp:sp>
+    <dsp:sp modelId="{E43BE145-21E5-5543-9A7D-46DE44FE97A7}">
+      <dsp:nvSpPr>
+        <dsp:cNvPr id="0" name=""/>
+        <dsp:cNvSpPr/>
+      </dsp:nvSpPr>
+      <dsp:spPr>
+        <a:xfrm>
+          <a:off x="5324326" y="2378232"/>
+          <a:ext cx="1244084" cy="789993"/>
+        </a:xfrm>
+        <a:prstGeom prst="roundRect">
+          <a:avLst>
+            <a:gd name="adj" fmla="val 10000"/>
+          </a:avLst>
+        </a:prstGeom>
+        <a:gradFill rotWithShape="0">
+          <a:gsLst>
+            <a:gs pos="0">
+              <a:schemeClr val="accent1">
+                <a:hueOff val="0"/>
+                <a:satOff val="0"/>
+                <a:lumOff val="0"/>
+                <a:alphaOff val="0"/>
+                <a:tint val="100000"/>
+                <a:shade val="100000"/>
+                <a:satMod val="130000"/>
+              </a:schemeClr>
+            </a:gs>
+            <a:gs pos="100000">
+              <a:schemeClr val="accent1">
+                <a:hueOff val="0"/>
+                <a:satOff val="0"/>
+                <a:lumOff val="0"/>
+                <a:alphaOff val="0"/>
+                <a:tint val="50000"/>
+                <a:shade val="100000"/>
+                <a:satMod val="350000"/>
+              </a:schemeClr>
+            </a:gs>
+          </a:gsLst>
+          <a:lin ang="16200000" scaled="0"/>
+        </a:gradFill>
+        <a:ln>
+          <a:noFill/>
+        </a:ln>
+        <a:effectLst>
+          <a:outerShdw blurRad="40000" dist="23000" dir="5400000" rotWithShape="0">
+            <a:srgbClr val="000000">
+              <a:alpha val="35000"/>
+            </a:srgbClr>
+          </a:outerShdw>
+        </a:effectLst>
+      </dsp:spPr>
+      <dsp:style>
+        <a:lnRef idx="0">
+          <a:scrgbClr r="0" g="0" b="0"/>
+        </a:lnRef>
+        <a:fillRef idx="3">
+          <a:scrgbClr r="0" g="0" b="0"/>
+        </a:fillRef>
+        <a:effectRef idx="2">
+          <a:scrgbClr r="0" g="0" b="0"/>
+        </a:effectRef>
+        <a:fontRef idx="minor">
+          <a:schemeClr val="lt1"/>
+        </a:fontRef>
+      </dsp:style>
+    </dsp:sp>
+    <dsp:sp modelId="{EBC8209D-BB74-B44A-A57A-C51ABEDBBAE8}">
+      <dsp:nvSpPr>
+        <dsp:cNvPr id="0" name=""/>
+        <dsp:cNvSpPr/>
+      </dsp:nvSpPr>
+      <dsp:spPr>
+        <a:xfrm>
+          <a:off x="5462557" y="2509552"/>
+          <a:ext cx="1244084" cy="789993"/>
+        </a:xfrm>
+        <a:prstGeom prst="roundRect">
+          <a:avLst>
+            <a:gd name="adj" fmla="val 10000"/>
+          </a:avLst>
+        </a:prstGeom>
+        <a:solidFill>
+          <a:schemeClr val="lt1">
+            <a:alpha val="90000"/>
+            <a:hueOff val="0"/>
+            <a:satOff val="0"/>
+            <a:lumOff val="0"/>
+            <a:alphaOff val="0"/>
+          </a:schemeClr>
+        </a:solidFill>
+        <a:ln w="9525" cap="flat" cmpd="sng" algn="ctr">
+          <a:solidFill>
+            <a:schemeClr val="accent1">
+              <a:hueOff val="0"/>
+              <a:satOff val="0"/>
+              <a:lumOff val="0"/>
+              <a:alphaOff val="0"/>
+            </a:schemeClr>
+          </a:solidFill>
+          <a:prstDash val="solid"/>
+        </a:ln>
+        <a:effectLst/>
+      </dsp:spPr>
+      <dsp:style>
+        <a:lnRef idx="1">
+          <a:scrgbClr r="0" g="0" b="0"/>
+        </a:lnRef>
+        <a:fillRef idx="1">
+          <a:scrgbClr r="0" g="0" b="0"/>
+        </a:fillRef>
+        <a:effectRef idx="0">
+          <a:scrgbClr r="0" g="0" b="0"/>
+        </a:effectRef>
+        <a:fontRef idx="minor"/>
+      </dsp:style>
+      <dsp:txBody>
+        <a:bodyPr spcFirstLastPara="0" vert="horz" wrap="square" lIns="76200" tIns="76200" rIns="76200" bIns="76200" numCol="1" spcCol="1270" anchor="ctr" anchorCtr="0">
+          <a:noAutofit/>
+        </a:bodyPr>
+        <a:lstStyle/>
+        <a:p>
+          <a:pPr lvl="0" algn="ctr" defTabSz="889000">
+            <a:lnSpc>
+              <a:spcPct val="90000"/>
+            </a:lnSpc>
+            <a:spcBef>
+              <a:spcPct val="0"/>
+            </a:spcBef>
+            <a:spcAft>
+              <a:spcPct val="35000"/>
+            </a:spcAft>
+          </a:pPr>
+          <a:r>
+            <a:rPr lang="en-US" sz="2000" kern="1200" dirty="0" smtClean="0"/>
+            <a:t>Container</a:t>
+          </a:r>
+          <a:endParaRPr lang="en-US" sz="2000" kern="1200" dirty="0"/>
+        </a:p>
+      </dsp:txBody>
+      <dsp:txXfrm>
+        <a:off x="5485695" y="2532690"/>
+        <a:ext cx="1197808" cy="743717"/>
+      </dsp:txXfrm>
+    </dsp:sp>
+    <dsp:sp modelId="{6DF542D9-B5F6-214E-9CDE-F0A47E3A8ABC}">
+      <dsp:nvSpPr>
+        <dsp:cNvPr id="0" name=""/>
+        <dsp:cNvSpPr/>
+      </dsp:nvSpPr>
+      <dsp:spPr>
+        <a:xfrm>
+          <a:off x="4564052" y="3530046"/>
+          <a:ext cx="1244084" cy="789993"/>
+        </a:xfrm>
+        <a:prstGeom prst="roundRect">
+          <a:avLst>
+            <a:gd name="adj" fmla="val 10000"/>
+          </a:avLst>
+        </a:prstGeom>
+        <a:gradFill rotWithShape="0">
+          <a:gsLst>
+            <a:gs pos="0">
+              <a:schemeClr val="accent1">
+                <a:hueOff val="0"/>
+                <a:satOff val="0"/>
+                <a:lumOff val="0"/>
+                <a:alphaOff val="0"/>
+                <a:tint val="100000"/>
+                <a:shade val="100000"/>
+                <a:satMod val="130000"/>
+              </a:schemeClr>
+            </a:gs>
+            <a:gs pos="100000">
+              <a:schemeClr val="accent1">
+                <a:hueOff val="0"/>
+                <a:satOff val="0"/>
+                <a:lumOff val="0"/>
+                <a:alphaOff val="0"/>
+                <a:tint val="50000"/>
+                <a:shade val="100000"/>
+                <a:satMod val="350000"/>
+              </a:schemeClr>
+            </a:gs>
+          </a:gsLst>
+          <a:lin ang="16200000" scaled="0"/>
+        </a:gradFill>
+        <a:ln>
+          <a:noFill/>
+        </a:ln>
+        <a:effectLst>
+          <a:outerShdw blurRad="40000" dist="23000" dir="5400000" rotWithShape="0">
+            <a:srgbClr val="000000">
+              <a:alpha val="35000"/>
+            </a:srgbClr>
+          </a:outerShdw>
+        </a:effectLst>
+      </dsp:spPr>
+      <dsp:style>
+        <a:lnRef idx="0">
+          <a:scrgbClr r="0" g="0" b="0"/>
+        </a:lnRef>
+        <a:fillRef idx="3">
+          <a:scrgbClr r="0" g="0" b="0"/>
+        </a:fillRef>
+        <a:effectRef idx="2">
+          <a:scrgbClr r="0" g="0" b="0"/>
+        </a:effectRef>
+        <a:fontRef idx="minor">
+          <a:schemeClr val="lt1"/>
+        </a:fontRef>
+      </dsp:style>
+    </dsp:sp>
+    <dsp:sp modelId="{2246CDBD-2CA8-A34C-A89B-E32ACB07E97A}">
+      <dsp:nvSpPr>
+        <dsp:cNvPr id="0" name=""/>
+        <dsp:cNvSpPr/>
+      </dsp:nvSpPr>
+      <dsp:spPr>
+        <a:xfrm>
+          <a:off x="4702284" y="3661366"/>
+          <a:ext cx="1244084" cy="789993"/>
+        </a:xfrm>
+        <a:prstGeom prst="roundRect">
+          <a:avLst>
+            <a:gd name="adj" fmla="val 10000"/>
+          </a:avLst>
+        </a:prstGeom>
+        <a:solidFill>
+          <a:schemeClr val="lt1">
+            <a:alpha val="90000"/>
+            <a:hueOff val="0"/>
+            <a:satOff val="0"/>
+            <a:lumOff val="0"/>
+            <a:alphaOff val="0"/>
+          </a:schemeClr>
+        </a:solidFill>
+        <a:ln w="9525" cap="flat" cmpd="sng" algn="ctr">
+          <a:solidFill>
+            <a:schemeClr val="accent1">
+              <a:hueOff val="0"/>
+              <a:satOff val="0"/>
+              <a:lumOff val="0"/>
+              <a:alphaOff val="0"/>
+            </a:schemeClr>
+          </a:solidFill>
+          <a:prstDash val="solid"/>
+        </a:ln>
+        <a:effectLst/>
+      </dsp:spPr>
+      <dsp:style>
+        <a:lnRef idx="1">
+          <a:scrgbClr r="0" g="0" b="0"/>
+        </a:lnRef>
+        <a:fillRef idx="1">
+          <a:scrgbClr r="0" g="0" b="0"/>
+        </a:fillRef>
+        <a:effectRef idx="0">
+          <a:scrgbClr r="0" g="0" b="0"/>
+        </a:effectRef>
+        <a:fontRef idx="minor"/>
+      </dsp:style>
+      <dsp:txBody>
+        <a:bodyPr spcFirstLastPara="0" vert="horz" wrap="square" lIns="76200" tIns="76200" rIns="76200" bIns="76200" numCol="1" spcCol="1270" anchor="ctr" anchorCtr="0">
+          <a:noAutofit/>
+        </a:bodyPr>
+        <a:lstStyle/>
+        <a:p>
+          <a:pPr lvl="0" algn="ctr" defTabSz="889000">
+            <a:lnSpc>
+              <a:spcPct val="90000"/>
+            </a:lnSpc>
+            <a:spcBef>
+              <a:spcPct val="0"/>
+            </a:spcBef>
+            <a:spcAft>
+              <a:spcPct val="35000"/>
+            </a:spcAft>
+          </a:pPr>
+          <a:r>
+            <a:rPr lang="en-US" sz="2000" kern="1200" dirty="0" smtClean="0"/>
+            <a:t>Array</a:t>
+          </a:r>
+          <a:endParaRPr lang="en-US" sz="2000" kern="1200" dirty="0"/>
+        </a:p>
+      </dsp:txBody>
+      <dsp:txXfrm>
+        <a:off x="4725422" y="3684504"/>
+        <a:ext cx="1197808" cy="743717"/>
+      </dsp:txXfrm>
+    </dsp:sp>
+    <dsp:sp modelId="{7591B2A4-9F4B-F245-820A-E182736ED0B3}">
+      <dsp:nvSpPr>
+        <dsp:cNvPr id="0" name=""/>
+        <dsp:cNvSpPr/>
+      </dsp:nvSpPr>
+      <dsp:spPr>
+        <a:xfrm>
+          <a:off x="6084599" y="3530046"/>
+          <a:ext cx="1244084" cy="789993"/>
+        </a:xfrm>
+        <a:prstGeom prst="roundRect">
+          <a:avLst>
+            <a:gd name="adj" fmla="val 10000"/>
+          </a:avLst>
+        </a:prstGeom>
+        <a:gradFill rotWithShape="0">
+          <a:gsLst>
+            <a:gs pos="0">
+              <a:schemeClr val="accent1">
+                <a:hueOff val="0"/>
+                <a:satOff val="0"/>
+                <a:lumOff val="0"/>
+                <a:alphaOff val="0"/>
+                <a:tint val="100000"/>
+                <a:shade val="100000"/>
+                <a:satMod val="130000"/>
+              </a:schemeClr>
+            </a:gs>
+            <a:gs pos="100000">
+              <a:schemeClr val="accent1">
+                <a:hueOff val="0"/>
+                <a:satOff val="0"/>
+                <a:lumOff val="0"/>
+                <a:alphaOff val="0"/>
+                <a:tint val="50000"/>
+                <a:shade val="100000"/>
+                <a:satMod val="350000"/>
+              </a:schemeClr>
+            </a:gs>
+          </a:gsLst>
+          <a:lin ang="16200000" scaled="0"/>
+        </a:gradFill>
+        <a:ln>
+          <a:noFill/>
+        </a:ln>
+        <a:effectLst>
+          <a:outerShdw blurRad="40000" dist="23000" dir="5400000" rotWithShape="0">
+            <a:srgbClr val="000000">
+              <a:alpha val="35000"/>
+            </a:srgbClr>
+          </a:outerShdw>
+        </a:effectLst>
+      </dsp:spPr>
+      <dsp:style>
+        <a:lnRef idx="0">
+          <a:scrgbClr r="0" g="0" b="0"/>
+        </a:lnRef>
+        <a:fillRef idx="3">
+          <a:scrgbClr r="0" g="0" b="0"/>
+        </a:fillRef>
+        <a:effectRef idx="2">
+          <a:scrgbClr r="0" g="0" b="0"/>
+        </a:effectRef>
+        <a:fontRef idx="minor">
+          <a:schemeClr val="lt1"/>
+        </a:fontRef>
+      </dsp:style>
+    </dsp:sp>
+    <dsp:sp modelId="{9152FE1E-3F9F-1945-845B-196FD4FE9E7F}">
+      <dsp:nvSpPr>
+        <dsp:cNvPr id="0" name=""/>
+        <dsp:cNvSpPr/>
+      </dsp:nvSpPr>
+      <dsp:spPr>
+        <a:xfrm>
+          <a:off x="6222831" y="3661366"/>
+          <a:ext cx="1244084" cy="789993"/>
+        </a:xfrm>
+        <a:prstGeom prst="roundRect">
+          <a:avLst>
+            <a:gd name="adj" fmla="val 10000"/>
+          </a:avLst>
+        </a:prstGeom>
+        <a:solidFill>
+          <a:schemeClr val="lt1">
+            <a:alpha val="90000"/>
+            <a:hueOff val="0"/>
+            <a:satOff val="0"/>
+            <a:lumOff val="0"/>
+            <a:alphaOff val="0"/>
+          </a:schemeClr>
+        </a:solidFill>
+        <a:ln w="9525" cap="flat" cmpd="sng" algn="ctr">
+          <a:solidFill>
+            <a:schemeClr val="accent1">
+              <a:hueOff val="0"/>
+              <a:satOff val="0"/>
+              <a:lumOff val="0"/>
+              <a:alphaOff val="0"/>
+            </a:schemeClr>
+          </a:solidFill>
+          <a:prstDash val="solid"/>
+        </a:ln>
+        <a:effectLst/>
+      </dsp:spPr>
+      <dsp:style>
+        <a:lnRef idx="1">
+          <a:scrgbClr r="0" g="0" b="0"/>
+        </a:lnRef>
+        <a:fillRef idx="1">
+          <a:scrgbClr r="0" g="0" b="0"/>
+        </a:fillRef>
+        <a:effectRef idx="0">
+          <a:scrgbClr r="0" g="0" b="0"/>
+        </a:effectRef>
+        <a:fontRef idx="minor"/>
+      </dsp:style>
+      <dsp:txBody>
+        <a:bodyPr spcFirstLastPara="0" vert="horz" wrap="square" lIns="76200" tIns="76200" rIns="76200" bIns="76200" numCol="1" spcCol="1270" anchor="ctr" anchorCtr="0">
+          <a:noAutofit/>
+        </a:bodyPr>
+        <a:lstStyle/>
+        <a:p>
+          <a:pPr lvl="0" algn="ctr" defTabSz="889000">
+            <a:lnSpc>
+              <a:spcPct val="90000"/>
+            </a:lnSpc>
+            <a:spcBef>
+              <a:spcPct val="0"/>
+            </a:spcBef>
+            <a:spcAft>
+              <a:spcPct val="35000"/>
+            </a:spcAft>
+          </a:pPr>
+          <a:r>
+            <a:rPr lang="en-US" sz="2000" kern="1200" dirty="0" smtClean="0"/>
+            <a:t>Hash</a:t>
+          </a:r>
+          <a:endParaRPr lang="en-US" sz="2000" kern="1200" dirty="0"/>
+        </a:p>
+      </dsp:txBody>
+      <dsp:txXfrm>
+        <a:off x="6245969" y="3684504"/>
+        <a:ext cx="1197808" cy="743717"/>
+      </dsp:txXfrm>
+    </dsp:sp>
+    <dsp:sp modelId="{05D36543-49E4-934D-B25C-1B6526CA4C89}">
+      <dsp:nvSpPr>
+        <dsp:cNvPr id="0" name=""/>
+        <dsp:cNvSpPr/>
+      </dsp:nvSpPr>
+      <dsp:spPr>
+        <a:xfrm>
+          <a:off x="6844873" y="2378232"/>
+          <a:ext cx="1244084" cy="789993"/>
+        </a:xfrm>
+        <a:prstGeom prst="roundRect">
+          <a:avLst>
+            <a:gd name="adj" fmla="val 10000"/>
+          </a:avLst>
+        </a:prstGeom>
+        <a:gradFill rotWithShape="0">
+          <a:gsLst>
+            <a:gs pos="0">
+              <a:schemeClr val="accent1">
+                <a:hueOff val="0"/>
+                <a:satOff val="0"/>
+                <a:lumOff val="0"/>
+                <a:alphaOff val="0"/>
+                <a:tint val="100000"/>
+                <a:shade val="100000"/>
+                <a:satMod val="130000"/>
+              </a:schemeClr>
+            </a:gs>
+            <a:gs pos="100000">
+              <a:schemeClr val="accent1">
+                <a:hueOff val="0"/>
+                <a:satOff val="0"/>
+                <a:lumOff val="0"/>
+                <a:alphaOff val="0"/>
+                <a:tint val="50000"/>
+                <a:shade val="100000"/>
+                <a:satMod val="350000"/>
+              </a:schemeClr>
+            </a:gs>
+          </a:gsLst>
+          <a:lin ang="16200000" scaled="0"/>
+        </a:gradFill>
+        <a:ln>
+          <a:noFill/>
+        </a:ln>
+        <a:effectLst>
+          <a:outerShdw blurRad="40000" dist="23000" dir="5400000" rotWithShape="0">
+            <a:srgbClr val="000000">
+              <a:alpha val="35000"/>
+            </a:srgbClr>
+          </a:outerShdw>
+        </a:effectLst>
+      </dsp:spPr>
+      <dsp:style>
+        <a:lnRef idx="0">
+          <a:scrgbClr r="0" g="0" b="0"/>
+        </a:lnRef>
+        <a:fillRef idx="3">
+          <a:scrgbClr r="0" g="0" b="0"/>
+        </a:fillRef>
+        <a:effectRef idx="2">
+          <a:scrgbClr r="0" g="0" b="0"/>
+        </a:effectRef>
+        <a:fontRef idx="minor">
+          <a:schemeClr val="lt1"/>
+        </a:fontRef>
+      </dsp:style>
+    </dsp:sp>
+    <dsp:sp modelId="{76B33B1D-4CA5-544F-BF28-B308B507EF10}">
+      <dsp:nvSpPr>
+        <dsp:cNvPr id="0" name=""/>
+        <dsp:cNvSpPr/>
+      </dsp:nvSpPr>
+      <dsp:spPr>
+        <a:xfrm>
+          <a:off x="6983104" y="2509552"/>
+          <a:ext cx="1244084" cy="789993"/>
+        </a:xfrm>
+        <a:prstGeom prst="roundRect">
+          <a:avLst>
+            <a:gd name="adj" fmla="val 10000"/>
+          </a:avLst>
+        </a:prstGeom>
+        <a:solidFill>
+          <a:schemeClr val="lt1">
+            <a:alpha val="90000"/>
+            <a:hueOff val="0"/>
+            <a:satOff val="0"/>
+            <a:lumOff val="0"/>
+            <a:alphaOff val="0"/>
+          </a:schemeClr>
+        </a:solidFill>
+        <a:ln w="9525" cap="flat" cmpd="sng" algn="ctr">
+          <a:solidFill>
+            <a:schemeClr val="accent1">
+              <a:hueOff val="0"/>
+              <a:satOff val="0"/>
+              <a:lumOff val="0"/>
+              <a:alphaOff val="0"/>
+            </a:schemeClr>
+          </a:solidFill>
+          <a:prstDash val="solid"/>
+        </a:ln>
+        <a:effectLst/>
+      </dsp:spPr>
+      <dsp:style>
+        <a:lnRef idx="1">
+          <a:scrgbClr r="0" g="0" b="0"/>
+        </a:lnRef>
+        <a:fillRef idx="1">
+          <a:scrgbClr r="0" g="0" b="0"/>
+        </a:fillRef>
+        <a:effectRef idx="0">
+          <a:scrgbClr r="0" g="0" b="0"/>
+        </a:effectRef>
+        <a:fontRef idx="minor"/>
+      </dsp:style>
+      <dsp:txBody>
+        <a:bodyPr spcFirstLastPara="0" vert="horz" wrap="square" lIns="76200" tIns="76200" rIns="76200" bIns="76200" numCol="1" spcCol="1270" anchor="ctr" anchorCtr="0">
+          <a:noAutofit/>
+        </a:bodyPr>
+        <a:lstStyle/>
+        <a:p>
+          <a:pPr lvl="0" algn="ctr" defTabSz="889000">
+            <a:lnSpc>
+              <a:spcPct val="90000"/>
+            </a:lnSpc>
+            <a:spcBef>
+              <a:spcPct val="0"/>
+            </a:spcBef>
+            <a:spcAft>
+              <a:spcPct val="35000"/>
+            </a:spcAft>
+          </a:pPr>
+          <a:r>
+            <a:rPr lang="en-US" sz="2000" kern="1200" dirty="0" smtClean="0"/>
+            <a:t>Function</a:t>
+          </a:r>
+          <a:endParaRPr lang="en-US" sz="2000" kern="1200" dirty="0"/>
+        </a:p>
+      </dsp:txBody>
+      <dsp:txXfrm>
+        <a:off x="7006242" y="2532690"/>
+        <a:ext cx="1197808" cy="743717"/>
+      </dsp:txXfrm>
+    </dsp:sp>
+  </dsp:spTree>
+</dsp:drawing>
+</file>
+
+<file path=ppt/diagrams/layout1.xml><?xml version="1.0" encoding="utf-8"?>
+<dgm:layoutDef xmlns:dgm="http://schemas.openxmlformats.org/drawingml/2006/diagram" xmlns:a="http://schemas.openxmlformats.org/drawingml/2006/main" uniqueId="urn:microsoft.com/office/officeart/2005/8/layout/hierarchy1">
+  <dgm:title val=""/>
+  <dgm:desc val=""/>
+  <dgm:catLst>
+    <dgm:cat type="hierarchy" pri="2000"/>
+  </dgm:catLst>
+  <dgm:sampData>
+    <dgm:dataModel>
+      <dgm:ptLst>
+        <dgm:pt modelId="0" type="doc"/>
+        <dgm:pt modelId="1">
+          <dgm:prSet phldr="1"/>
+        </dgm:pt>
+        <dgm:pt modelId="2">
+          <dgm:prSet phldr="1"/>
+        </dgm:pt>
+        <dgm:pt modelId="21">
+          <dgm:prSet phldr="1"/>
+        </dgm:pt>
+        <dgm:pt modelId="22">
+          <dgm:prSet phldr="1"/>
+        </dgm:pt>
+        <dgm:pt modelId="3">
+          <dgm:prSet phldr="1"/>
+        </dgm:pt>
+        <dgm:pt modelId="31">
+          <dgm:prSet phldr="1"/>
+        </dgm:pt>
+      </dgm:ptLst>
+      <dgm:cxnLst>
+        <dgm:cxn modelId="4" srcId="0" destId="1" srcOrd="0" destOrd="0"/>
+        <dgm:cxn modelId="5" srcId="1" destId="2" srcOrd="0" destOrd="0"/>
+        <dgm:cxn modelId="6" srcId="1" destId="3" srcOrd="1" destOrd="0"/>
+        <dgm:cxn modelId="23" srcId="2" destId="21" srcOrd="0" destOrd="0"/>
+        <dgm:cxn modelId="24" srcId="2" destId="22" srcOrd="1" destOrd="0"/>
+        <dgm:cxn modelId="33" srcId="3" destId="31" srcOrd="0" destOrd="0"/>
+      </dgm:cxnLst>
+      <dgm:bg/>
+      <dgm:whole/>
+    </dgm:dataModel>
+  </dgm:sampData>
+  <dgm:styleData>
+    <dgm:dataModel>
+      <dgm:ptLst>
+        <dgm:pt modelId="0" type="doc"/>
+        <dgm:pt modelId="1"/>
+        <dgm:pt modelId="11"/>
+        <dgm:pt modelId="12"/>
+      </dgm:ptLst>
+      <dgm:cxnLst>
+        <dgm:cxn modelId="2" srcId="0" destId="1" srcOrd="0" destOrd="0"/>
+        <dgm:cxn modelId="13" srcId="1" destId="11" srcOrd="0" destOrd="0"/>
+        <dgm:cxn modelId="14" srcId="1" destId="12" srcOrd="1" destOrd="0"/>
+      </dgm:cxnLst>
+      <dgm:bg/>
+      <dgm:whole/>
+    </dgm:dataModel>
+  </dgm:styleData>
+  <dgm:clrData>
+    <dgm:dataModel>
+      <dgm:ptLst>
+        <dgm:pt modelId="0" type="doc"/>
+        <dgm:pt modelId="1"/>
+        <dgm:pt modelId="2"/>
+        <dgm:pt modelId="21"/>
+        <dgm:pt modelId="211"/>
+        <dgm:pt modelId="3"/>
+        <dgm:pt modelId="31"/>
+        <dgm:pt modelId="311"/>
+      </dgm:ptLst>
+      <dgm:cxnLst>
+        <dgm:cxn modelId="4" srcId="0" destId="1" srcOrd="0" destOrd="0"/>
+        <dgm:cxn modelId="5" srcId="1" destId="2" srcOrd="0" destOrd="0"/>
+        <dgm:cxn modelId="6" srcId="1" destId="3" srcOrd="1" destOrd="0"/>
+        <dgm:cxn modelId="23" srcId="2" destId="21" srcOrd="0" destOrd="0"/>
+        <dgm:cxn modelId="24" srcId="21" destId="211" srcOrd="0" destOrd="0"/>
+        <dgm:cxn modelId="33" srcId="3" destId="31" srcOrd="0" destOrd="0"/>
+        <dgm:cxn modelId="34" srcId="31" destId="311" srcOrd="0" destOrd="0"/>
+      </dgm:cxnLst>
+      <dgm:bg/>
+      <dgm:whole/>
+    </dgm:dataModel>
+  </dgm:clrData>
+  <dgm:layoutNode name="hierChild1">
+    <dgm:varLst>
+      <dgm:chPref val="1"/>
+      <dgm:dir/>
+      <dgm:animOne val="branch"/>
+      <dgm:animLvl val="lvl"/>
+      <dgm:resizeHandles/>
+    </dgm:varLst>
+    <dgm:choose name="Name0">
+      <dgm:if name="Name1" func="var" arg="dir" op="equ" val="norm">
+        <dgm:alg type="hierChild">
+          <dgm:param type="linDir" val="fromL"/>
+        </dgm:alg>
+      </dgm:if>
+      <dgm:else name="Name2">
+        <dgm:alg type="hierChild">
+          <dgm:param type="linDir" val="fromR"/>
+        </dgm:alg>
+      </dgm:else>
+    </dgm:choose>
+    <dgm:shape xmlns:r="http://schemas.openxmlformats.org/officeDocument/2006/relationships" r:blip="">
+      <dgm:adjLst/>
+    </dgm:shape>
+    <dgm:presOf/>
+    <dgm:constrLst>
+      <dgm:constr type="primFontSz" for="des" ptType="node" op="equ" val="65"/>
+      <dgm:constr type="w" for="des" forName="composite" refType="w"/>
+      <dgm:constr type="h" for="des" forName="composite" refType="w" refFor="des" refForName="composite" fact="0.667"/>
+      <dgm:constr type="w" for="des" forName="composite2" refType="w" refFor="des" refForName="composite"/>
+      <dgm:constr type="h" for="des" forName="composite2" refType="h" refFor="des" refForName="composite"/>
+      <dgm:constr type="w" for="des" forName="composite3" refType="w" refFor="des" refForName="composite"/>
+      <dgm:constr type="h" for="des" forName="composite3" refType="h" refFor="des" refForName="composite"/>
+      <dgm:constr type="w" for="des" forName="composite4" refType="w" refFor="des" refForName="composite"/>
+      <dgm:constr type="h" for="des" forName="composite4" refType="h" refFor="des" refForName="composite"/>
+      <dgm:constr type="w" for="des" forName="composite5" refType="w" refFor="des" refForName="composite"/>
+      <dgm:constr type="h" for="des" forName="composite5" refType="h" refFor="des" refForName="composite"/>
+      <dgm:constr type="sibSp" refType="w" refFor="des" refForName="composite" fact="0.1"/>
+      <dgm:constr type="sibSp" for="des" forName="hierChild2" refType="sibSp"/>
+      <dgm:constr type="sibSp" for="des" forName="hierChild3" refType="sibSp"/>
+      <dgm:constr type="sibSp" for="des" forName="hierChild4" refType="sibSp"/>
+      <dgm:constr type="sibSp" for="des" forName="hierChild5" refType="sibSp"/>
+      <dgm:constr type="sibSp" for="des" forName="hierChild6" refType="sibSp"/>
+      <dgm:constr type="sp" for="des" forName="hierRoot1" refType="h" refFor="des" refForName="composite" fact="0.25"/>
+      <dgm:constr type="sp" for="des" forName="hierRoot2" refType="sp" refFor="des" refForName="hierRoot1"/>
+      <dgm:constr type="sp" for="des" forName="hierRoot3" refType="sp" refFor="des" refForName="hierRoot1"/>
+      <dgm:constr type="sp" for="des" forName="hierRoot4" refType="sp" refFor="des" refForName="hierRoot1"/>
+      <dgm:constr type="sp" for="des" forName="hierRoot5" refType="sp" refFor="des" refForName="hierRoot1"/>
+    </dgm:constrLst>
+    <dgm:ruleLst/>
+    <dgm:forEach name="Name3" axis="ch">
+      <dgm:forEach name="Name4" axis="self" ptType="node">
+        <dgm:layoutNode name="hierRoot1">
+          <dgm:alg type="hierRoot"/>
+          <dgm:shape xmlns:r="http://schemas.openxmlformats.org/officeDocument/2006/relationships" r:blip="">
+            <dgm:adjLst/>
+          </dgm:shape>
+          <dgm:presOf/>
+          <dgm:constrLst>
+            <dgm:constr type="bendDist" for="des" ptType="parTrans" refType="sp" fact="0.5"/>
+          </dgm:constrLst>
+          <dgm:ruleLst/>
+          <dgm:layoutNode name="composite">
+            <dgm:alg type="composite"/>
+            <dgm:shape xmlns:r="http://schemas.openxmlformats.org/officeDocument/2006/relationships" r:blip="">
+              <dgm:adjLst/>
+            </dgm:shape>
+            <dgm:presOf/>
+            <dgm:constrLst>
+              <dgm:constr type="w" for="ch" forName="background" refType="w" fact="0.9"/>
+              <dgm:constr type="h" for="ch" forName="background" refType="w" refFor="ch" refForName="background" fact="0.635"/>
+              <dgm:constr type="t" for="ch" forName="background"/>
+              <dgm:constr type="l" for="ch" forName="background"/>
+              <dgm:constr type="w" for="ch" forName="text" refType="w" fact="0.9"/>
+              <dgm:constr type="h" for="ch" forName="text" refType="w" refFor="ch" refForName="text" fact="0.635"/>
+              <dgm:constr type="t" for="ch" forName="text" refType="w" fact="0.095"/>
+              <dgm:constr type="l" for="ch" forName="text" refType="w" fact="0.1"/>
+            </dgm:constrLst>
+            <dgm:ruleLst/>
+            <dgm:layoutNode name="background" styleLbl="node0" moveWith="text">
+              <dgm:alg type="sp"/>
+              <dgm:shape xmlns:r="http://schemas.openxmlformats.org/officeDocument/2006/relationships" type="roundRect" r:blip="">
+                <dgm:adjLst>
+                  <dgm:adj idx="1" val="0.1"/>
+                </dgm:adjLst>
+              </dgm:shape>
+              <dgm:presOf/>
+              <dgm:constrLst/>
+              <dgm:ruleLst/>
+            </dgm:layoutNode>
+            <dgm:layoutNode name="text" styleLbl="fgAcc0">
+              <dgm:varLst>
+                <dgm:chPref val="3"/>
+              </dgm:varLst>
+              <dgm:alg type="tx"/>
+              <dgm:shape xmlns:r="http://schemas.openxmlformats.org/officeDocument/2006/relationships" type="roundRect" r:blip="">
+                <dgm:adjLst>
+                  <dgm:adj idx="1" val="0.1"/>
+                </dgm:adjLst>
+              </dgm:shape>
+              <dgm:presOf axis="self"/>
+              <dgm:constrLst>
+                <dgm:constr type="tMarg" refType="primFontSz" fact="0.3"/>
+                <dgm:constr type="bMarg" refType="primFontSz" fact="0.3"/>
+                <dgm:constr type="lMarg" refType="primFontSz" fact="0.3"/>
+                <dgm:constr type="rMarg" refType="primFontSz" fact="0.3"/>
+              </dgm:constrLst>
+              <dgm:ruleLst>
+                <dgm:rule type="primFontSz" val="5" fact="NaN" max="NaN"/>
+              </dgm:ruleLst>
+            </dgm:layoutNode>
+          </dgm:layoutNode>
+          <dgm:layoutNode name="hierChild2">
+            <dgm:choose name="Name5">
+              <dgm:if name="Name6" func="var" arg="dir" op="equ" val="norm">
+                <dgm:alg type="hierChild">
+                  <dgm:param type="linDir" val="fromL"/>
+                </dgm:alg>
+              </dgm:if>
+              <dgm:else name="Name7">
+                <dgm:alg type="hierChild">
+                  <dgm:param type="linDir" val="fromR"/>
+                </dgm:alg>
+              </dgm:else>
+            </dgm:choose>
+            <dgm:shape xmlns:r="http://schemas.openxmlformats.org/officeDocument/2006/relationships" r:blip="">
+              <dgm:adjLst/>
+            </dgm:shape>
+            <dgm:presOf/>
+            <dgm:constrLst/>
+            <dgm:ruleLst/>
+            <dgm:forEach name="Name8" axis="ch">
+              <dgm:forEach name="Name9" axis="self" ptType="parTrans" cnt="1">
+                <dgm:layoutNode name="Name10">
+                  <dgm:alg type="conn">
+                    <dgm:param type="dim" val="1D"/>
+                    <dgm:param type="endSty" val="noArr"/>
+                    <dgm:param type="connRout" val="bend"/>
+                    <dgm:param type="bendPt" val="end"/>
+                    <dgm:param type="begPts" val="bCtr"/>
+                    <dgm:param type="endPts" val="tCtr"/>
+                    <dgm:param type="srcNode" val="background"/>
+                    <dgm:param type="dstNode" val="background2"/>
+                  </dgm:alg>
+                  <dgm:shape xmlns:r="http://schemas.openxmlformats.org/officeDocument/2006/relationships" type="conn" r:blip="" zOrderOff="-999">
+                    <dgm:adjLst/>
+                  </dgm:shape>
+                  <dgm:presOf axis="self"/>
+                  <dgm:constrLst>
+                    <dgm:constr type="begPad"/>
+                    <dgm:constr type="endPad"/>
+                  </dgm:constrLst>
+                  <dgm:ruleLst/>
+                </dgm:layoutNode>
+              </dgm:forEach>
+              <dgm:forEach name="Name11" axis="self" ptType="node">
+                <dgm:layoutNode name="hierRoot2">
+                  <dgm:alg type="hierRoot"/>
+                  <dgm:shape xmlns:r="http://schemas.openxmlformats.org/officeDocument/2006/relationships" r:blip="">
+                    <dgm:adjLst/>
+                  </dgm:shape>
+                  <dgm:presOf/>
+                  <dgm:constrLst>
+                    <dgm:constr type="bendDist" for="des" ptType="parTrans" refType="sp" fact="0.5"/>
+                  </dgm:constrLst>
+                  <dgm:ruleLst/>
+                  <dgm:layoutNode name="composite2">
+                    <dgm:alg type="composite"/>
+                    <dgm:shape xmlns:r="http://schemas.openxmlformats.org/officeDocument/2006/relationships" r:blip="">
+                      <dgm:adjLst/>
+                    </dgm:shape>
+                    <dgm:presOf/>
+                    <dgm:constrLst>
+                      <dgm:constr type="w" for="ch" forName="background2" refType="w" fact="0.9"/>
+                      <dgm:constr type="h" for="ch" forName="background2" refType="w" refFor="ch" refForName="background2" fact="0.635"/>
+                      <dgm:constr type="t" for="ch" forName="background2"/>
+                      <dgm:constr type="l" for="ch" forName="background2"/>
+                      <dgm:constr type="w" for="ch" forName="text2" refType="w" fact="0.9"/>
+                      <dgm:constr type="h" for="ch" forName="text2" refType="w" refFor="ch" refForName="text2" fact="0.635"/>
+                      <dgm:constr type="t" for="ch" forName="text2" refType="w" fact="0.095"/>
+                      <dgm:constr type="l" for="ch" forName="text2" refType="w" fact="0.1"/>
+                    </dgm:constrLst>
+                    <dgm:ruleLst/>
+                    <dgm:layoutNode name="background2" moveWith="text2">
+                      <dgm:alg type="sp"/>
+                      <dgm:shape xmlns:r="http://schemas.openxmlformats.org/officeDocument/2006/relationships" type="roundRect" r:blip="">
+                        <dgm:adjLst>
+                          <dgm:adj idx="1" val="0.1"/>
+                        </dgm:adjLst>
+                      </dgm:shape>
+                      <dgm:presOf/>
+                      <dgm:constrLst/>
+                      <dgm:ruleLst/>
+                    </dgm:layoutNode>
+                    <dgm:layoutNode name="text2" styleLbl="fgAcc2">
+                      <dgm:varLst>
+                        <dgm:chPref val="3"/>
+                      </dgm:varLst>
+                      <dgm:alg type="tx"/>
+                      <dgm:shape xmlns:r="http://schemas.openxmlformats.org/officeDocument/2006/relationships" type="roundRect" r:blip="">
+                        <dgm:adjLst>
+                          <dgm:adj idx="1" val="0.1"/>
+                        </dgm:adjLst>
+                      </dgm:shape>
+                      <dgm:presOf axis="self"/>
+                      <dgm:constrLst>
+                        <dgm:constr type="tMarg" refType="primFontSz" fact="0.3"/>
+                        <dgm:constr type="bMarg" refType="primFontSz" fact="0.3"/>
+                        <dgm:constr type="lMarg" refType="primFontSz" fact="0.3"/>
+                        <dgm:constr type="rMarg" refType="primFontSz" fact="0.3"/>
+                      </dgm:constrLst>
+                      <dgm:ruleLst>
+                        <dgm:rule type="primFontSz" val="5" fact="NaN" max="NaN"/>
+                      </dgm:ruleLst>
+                    </dgm:layoutNode>
+                  </dgm:layoutNode>
+                  <dgm:layoutNode name="hierChild3">
+                    <dgm:choose name="Name12">
+                      <dgm:if name="Name13" func="var" arg="dir" op="equ" val="norm">
+                        <dgm:alg type="hierChild">
+                          <dgm:param type="linDir" val="fromL"/>
+                        </dgm:alg>
+                      </dgm:if>
+                      <dgm:else name="Name14">
+                        <dgm:alg type="hierChild">
+                          <dgm:param type="linDir" val="fromR"/>
+                        </dgm:alg>
+                      </dgm:else>
+                    </dgm:choose>
+                    <dgm:shape xmlns:r="http://schemas.openxmlformats.org/officeDocument/2006/relationships" r:blip="">
+                      <dgm:adjLst/>
+                    </dgm:shape>
+                    <dgm:presOf/>
+                    <dgm:constrLst/>
+                    <dgm:ruleLst/>
+                    <dgm:forEach name="Name15" axis="ch">
+                      <dgm:forEach name="Name16" axis="self" ptType="parTrans" cnt="1">
+                        <dgm:layoutNode name="Name17">
+                          <dgm:alg type="conn">
+                            <dgm:param type="dim" val="1D"/>
+                            <dgm:param type="endSty" val="noArr"/>
+                            <dgm:param type="connRout" val="bend"/>
+                            <dgm:param type="bendPt" val="end"/>
+                            <dgm:param type="begPts" val="bCtr"/>
+                            <dgm:param type="endPts" val="tCtr"/>
+                            <dgm:param type="srcNode" val="background2"/>
+                            <dgm:param type="dstNode" val="background3"/>
+                          </dgm:alg>
+                          <dgm:shape xmlns:r="http://schemas.openxmlformats.org/officeDocument/2006/relationships" type="conn" r:blip="" zOrderOff="-999">
+                            <dgm:adjLst/>
+                          </dgm:shape>
+                          <dgm:presOf axis="self"/>
+                          <dgm:constrLst>
+                            <dgm:constr type="begPad"/>
+                            <dgm:constr type="endPad"/>
+                          </dgm:constrLst>
+                          <dgm:ruleLst/>
+                        </dgm:layoutNode>
+                      </dgm:forEach>
+                      <dgm:forEach name="Name18" axis="self" ptType="node">
+                        <dgm:layoutNode name="hierRoot3">
+                          <dgm:alg type="hierRoot"/>
+                          <dgm:shape xmlns:r="http://schemas.openxmlformats.org/officeDocument/2006/relationships" r:blip="">
+                            <dgm:adjLst/>
+                          </dgm:shape>
+                          <dgm:presOf/>
+                          <dgm:constrLst>
+                            <dgm:constr type="bendDist" for="des" ptType="parTrans" refType="sp" fact="0.5"/>
+                          </dgm:constrLst>
+                          <dgm:ruleLst/>
+                          <dgm:layoutNode name="composite3">
+                            <dgm:alg type="composite"/>
+                            <dgm:shape xmlns:r="http://schemas.openxmlformats.org/officeDocument/2006/relationships" r:blip="">
+                              <dgm:adjLst/>
+                            </dgm:shape>
+                            <dgm:presOf/>
+                            <dgm:constrLst>
+                              <dgm:constr type="w" for="ch" forName="background3" refType="w" fact="0.9"/>
+                              <dgm:constr type="h" for="ch" forName="background3" refType="w" refFor="ch" refForName="background3" fact="0.635"/>
+                              <dgm:constr type="t" for="ch" forName="background3"/>
+                              <dgm:constr type="l" for="ch" forName="background3"/>
+                              <dgm:constr type="w" for="ch" forName="text3" refType="w" fact="0.9"/>
+                              <dgm:constr type="h" for="ch" forName="text3" refType="w" refFor="ch" refForName="text3" fact="0.635"/>
+                              <dgm:constr type="t" for="ch" forName="text3" refType="w" fact="0.095"/>
+                              <dgm:constr type="l" for="ch" forName="text3" refType="w" fact="0.1"/>
+                            </dgm:constrLst>
+                            <dgm:ruleLst/>
+                            <dgm:layoutNode name="background3" moveWith="text3">
+                              <dgm:alg type="sp"/>
+                              <dgm:shape xmlns:r="http://schemas.openxmlformats.org/officeDocument/2006/relationships" type="roundRect" r:blip="">
+                                <dgm:adjLst>
+                                  <dgm:adj idx="1" val="0.1"/>
+                                </dgm:adjLst>
+                              </dgm:shape>
+                              <dgm:presOf/>
+                              <dgm:constrLst/>
+                              <dgm:ruleLst/>
+                            </dgm:layoutNode>
+                            <dgm:layoutNode name="text3" styleLbl="fgAcc3">
+                              <dgm:varLst>
+                                <dgm:chPref val="3"/>
+                              </dgm:varLst>
+                              <dgm:alg type="tx"/>
+                              <dgm:shape xmlns:r="http://schemas.openxmlformats.org/officeDocument/2006/relationships" type="roundRect" r:blip="">
+                                <dgm:adjLst>
+                                  <dgm:adj idx="1" val="0.1"/>
+                                </dgm:adjLst>
+                              </dgm:shape>
+                              <dgm:presOf axis="self"/>
+                              <dgm:constrLst>
+                                <dgm:constr type="tMarg" refType="primFontSz" fact="0.3"/>
+                                <dgm:constr type="bMarg" refType="primFontSz" fact="0.3"/>
+                                <dgm:constr type="lMarg" refType="primFontSz" fact="0.3"/>
+                                <dgm:constr type="rMarg" refType="primFontSz" fact="0.3"/>
+                              </dgm:constrLst>
+                              <dgm:ruleLst>
+                                <dgm:rule type="primFontSz" val="5" fact="NaN" max="NaN"/>
+                              </dgm:ruleLst>
+                            </dgm:layoutNode>
+                          </dgm:layoutNode>
+                          <dgm:layoutNode name="hierChild4">
+                            <dgm:choose name="Name19">
+                              <dgm:if name="Name20" func="var" arg="dir" op="equ" val="norm">
+                                <dgm:alg type="hierChild">
+                                  <dgm:param type="linDir" val="fromL"/>
+                                </dgm:alg>
+                              </dgm:if>
+                              <dgm:else name="Name21">
+                                <dgm:alg type="hierChild">
+                                  <dgm:param type="linDir" val="fromR"/>
+                                </dgm:alg>
+                              </dgm:else>
+                            </dgm:choose>
+                            <dgm:shape xmlns:r="http://schemas.openxmlformats.org/officeDocument/2006/relationships" r:blip="">
+                              <dgm:adjLst/>
+                            </dgm:shape>
+                            <dgm:presOf/>
+                            <dgm:constrLst/>
+                            <dgm:ruleLst/>
+                            <dgm:forEach name="repeat" axis="ch">
+                              <dgm:forEach name="Name22" axis="self" ptType="parTrans" cnt="1">
+                                <dgm:layoutNode name="Name23">
+                                  <dgm:choose name="Name24">
+                                    <dgm:if name="Name25" axis="self" func="depth" op="lte" val="4">
+                                      <dgm:alg type="conn">
+                                        <dgm:param type="dim" val="1D"/>
+                                        <dgm:param type="endSty" val="noArr"/>
+                                        <dgm:param type="connRout" val="bend"/>
+                                        <dgm:param type="bendPt" val="end"/>
+                                        <dgm:param type="begPts" val="bCtr"/>
+                                        <dgm:param type="endPts" val="tCtr"/>
+                                        <dgm:param type="srcNode" val="background3"/>
+                                        <dgm:param type="dstNode" val="background4"/>
+                                      </dgm:alg>
+                                    </dgm:if>
+                                    <dgm:else name="Name26">
+                                      <dgm:alg type="conn">
+                                        <dgm:param type="dim" val="1D"/>
+                                        <dgm:param type="endSty" val="noArr"/>
+                                        <dgm:param type="connRout" val="bend"/>
+                                        <dgm:param type="bendPt" val="end"/>
+                                        <dgm:param type="begPts" val="bCtr"/>
+                                        <dgm:param type="endPts" val="tCtr"/>
+                                        <dgm:param type="srcNode" val="background4"/>
+                                        <dgm:param type="dstNode" val="background4"/>
+                                      </dgm:alg>
+                                    </dgm:else>
+                                  </dgm:choose>
+                                  <dgm:shape xmlns:r="http://schemas.openxmlformats.org/officeDocument/2006/relationships" type="conn" r:blip="" zOrderOff="-999">
+                                    <dgm:adjLst/>
+                                  </dgm:shape>
+                                  <dgm:presOf axis="self"/>
+                                  <dgm:constrLst>
+                                    <dgm:constr type="begPad"/>
+                                    <dgm:constr type="endPad"/>
+                                  </dgm:constrLst>
+                                  <dgm:ruleLst/>
+                                </dgm:layoutNode>
+                              </dgm:forEach>
+                              <dgm:forEach name="Name27" axis="self" ptType="node">
+                                <dgm:layoutNode name="hierRoot4">
+                                  <dgm:alg type="hierRoot"/>
+                                  <dgm:shape xmlns:r="http://schemas.openxmlformats.org/officeDocument/2006/relationships" r:blip="">
+                                    <dgm:adjLst/>
+                                  </dgm:shape>
+                                  <dgm:presOf/>
+                                  <dgm:constrLst>
+                                    <dgm:constr type="bendDist" for="des" ptType="parTrans" refType="sp" fact="0.5"/>
+                                  </dgm:constrLst>
+                                  <dgm:ruleLst/>
+                                  <dgm:layoutNode name="composite4">
+                                    <dgm:alg type="composite"/>
+                                    <dgm:shape xmlns:r="http://schemas.openxmlformats.org/officeDocument/2006/relationships" r:blip="">
+                                      <dgm:adjLst/>
+                                    </dgm:shape>
+                                    <dgm:presOf/>
+                                    <dgm:constrLst>
+                                      <dgm:constr type="w" for="ch" forName="background4" refType="w" fact="0.9"/>
+                                      <dgm:constr type="h" for="ch" forName="background4" refType="w" refFor="ch" refForName="background4" fact="0.635"/>
+                                      <dgm:constr type="t" for="ch" forName="background4"/>
+                                      <dgm:constr type="l" for="ch" forName="background4"/>
+                                      <dgm:constr type="w" for="ch" forName="text4" refType="w" fact="0.9"/>
+                                      <dgm:constr type="h" for="ch" forName="text4" refType="w" refFor="ch" refForName="text4" fact="0.635"/>
+                                      <dgm:constr type="t" for="ch" forName="text4" refType="w" fact="0.095"/>
+                                      <dgm:constr type="l" for="ch" forName="text4" refType="w" fact="0.1"/>
+                                    </dgm:constrLst>
+                                    <dgm:ruleLst/>
+                                    <dgm:layoutNode name="background4" moveWith="text4">
+                                      <dgm:alg type="sp"/>
+                                      <dgm:shape xmlns:r="http://schemas.openxmlformats.org/officeDocument/2006/relationships" type="roundRect" r:blip="">
+                                        <dgm:adjLst>
+                                          <dgm:adj idx="1" val="0.1"/>
+                                        </dgm:adjLst>
+                                      </dgm:shape>
+                                      <dgm:presOf/>
+                                      <dgm:constrLst/>
+                                      <dgm:ruleLst/>
+                                    </dgm:layoutNode>
+                                    <dgm:layoutNode name="text4" styleLbl="fgAcc4">
+                                      <dgm:varLst>
+                                        <dgm:chPref val="3"/>
+                                      </dgm:varLst>
+                                      <dgm:alg type="tx"/>
+                                      <dgm:shape xmlns:r="http://schemas.openxmlformats.org/officeDocument/2006/relationships" type="roundRect" r:blip="">
+                                        <dgm:adjLst>
+                                          <dgm:adj idx="1" val="0.1"/>
+                                        </dgm:adjLst>
+                                      </dgm:shape>
+                                      <dgm:presOf axis="self"/>
+                                      <dgm:constrLst>
+                                        <dgm:constr type="tMarg" refType="primFontSz" fact="0.3"/>
+                                        <dgm:constr type="bMarg" refType="primFontSz" fact="0.3"/>
+                                        <dgm:constr type="lMarg" refType="primFontSz" fact="0.3"/>
+                                        <dgm:constr type="rMarg" refType="primFontSz" fact="0.3"/>
+                                      </dgm:constrLst>
+                                      <dgm:ruleLst>
+                                        <dgm:rule type="primFontSz" val="5" fact="NaN" max="NaN"/>
+                                      </dgm:ruleLst>
+                                    </dgm:layoutNode>
+                                  </dgm:layoutNode>
+                                  <dgm:layoutNode name="hierChild5">
+                                    <dgm:choose name="Name28">
+                                      <dgm:if name="Name29" func="var" arg="dir" op="equ" val="norm">
+                                        <dgm:alg type="hierChild">
+                                          <dgm:param type="linDir" val="fromL"/>
+                                        </dgm:alg>
+                                      </dgm:if>
+                                      <dgm:else name="Name30">
+                                        <dgm:alg type="hierChild">
+                                          <dgm:param type="linDir" val="fromR"/>
+                                        </dgm:alg>
+                                      </dgm:else>
+                                    </dgm:choose>
+                                    <dgm:shape xmlns:r="http://schemas.openxmlformats.org/officeDocument/2006/relationships" r:blip="">
+                                      <dgm:adjLst/>
+                                    </dgm:shape>
+                                    <dgm:presOf/>
+                                    <dgm:constrLst/>
+                                    <dgm:ruleLst/>
+                                    <dgm:forEach name="Name31" ref="repeat"/>
+                                  </dgm:layoutNode>
+                                </dgm:layoutNode>
+                              </dgm:forEach>
+                            </dgm:forEach>
+                          </dgm:layoutNode>
+                        </dgm:layoutNode>
+                      </dgm:forEach>
+                    </dgm:forEach>
+                  </dgm:layoutNode>
+                </dgm:layoutNode>
+              </dgm:forEach>
+            </dgm:forEach>
+          </dgm:layoutNode>
+        </dgm:layoutNode>
+      </dgm:forEach>
+    </dgm:forEach>
+  </dgm:layoutNode>
+</dgm:layoutDef>
+</file>
+
+<file path=ppt/diagrams/quickStyle1.xml><?xml version="1.0" encoding="utf-8"?>
+<dgm:styleDef xmlns:dgm="http://schemas.openxmlformats.org/drawingml/2006/diagram" xmlns:a="http://schemas.openxmlformats.org/drawingml/2006/main" uniqueId="urn:microsoft.com/office/officeart/2005/8/quickstyle/simple4">
+  <dgm:title val=""/>
+  <dgm:desc val=""/>
+  <dgm:catLst>
+    <dgm:cat type="simple" pri="10400"/>
+  </dgm:catLst>
+  <dgm:scene3d>
+    <a:camera prst="orthographicFront"/>
+    <a:lightRig rig="threePt" dir="t"/>
+  </dgm:scene3d>
+  <dgm:styleLbl name="node0">
+    <dgm:scene3d>
+      <a:camera prst="orthographicFront"/>
+      <a:lightRig rig="threePt" dir="t"/>
+    </dgm:scene3d>
+    <dgm:sp3d/>
+    <dgm:txPr/>
+    <dgm:style>
+      <a:lnRef idx="0">
+        <a:scrgbClr r="0" g="0" b="0"/>
+      </a:lnRef>
+      <a:fillRef idx="3">
+        <a:scrgbClr r="0" g="0" b="0"/>
+      </a:fillRef>
+      <a:effectRef idx="2">
+        <a:scrgbClr r="0" g="0" b="0"/>
+      </a:effectRef>
+      <a:fontRef idx="minor">
+        <a:schemeClr val="lt1"/>
+      </a:fontRef>
+    </dgm:style>
+  </dgm:styleLbl>
+  <dgm:styleLbl name="lnNode1">
+    <dgm:scene3d>
+      <a:camera prst="orthographicFront"/>
+      <a:lightRig rig="threePt" dir="t"/>
+    </dgm:scene3d>
+    <dgm:sp3d/>
+    <dgm:txPr/>
+    <dgm:style>
+      <a:lnRef idx="1">
+        <a:scrgbClr r="0" g="0" b="0"/>
+      </a:lnRef>
+      <a:fillRef idx="3">
+        <a:scrgbClr r="0" g="0" b="0"/>
+      </a:fillRef>
+      <a:effectRef idx="2">
+        <a:scrgbClr r="0" g="0" b="0"/>
+      </a:effectRef>
+      <a:fontRef idx="minor">
+        <a:schemeClr val="lt1"/>
+      </a:fontRef>
+    </dgm:style>
+  </dgm:styleLbl>
+  <dgm:styleLbl name="vennNode1">
+    <dgm:scene3d>
+      <a:camera prst="orthographicFront"/>
+      <a:lightRig rig="threePt" dir="t"/>
+    </dgm:scene3d>
+    <dgm:sp3d/>
+    <dgm:txPr/>
+    <dgm:style>
+      <a:lnRef idx="0">
+        <a:scrgbClr r="0" g="0" b="0"/>
+      </a:lnRef>
+      <a:fillRef idx="3">
+        <a:scrgbClr r="0" g="0" b="0"/>
+      </a:fillRef>
+      <a:effectRef idx="0">
+        <a:scrgbClr r="0" g="0" b="0"/>
+      </a:effectRef>
+      <a:fontRef idx="minor">
+        <a:schemeClr val="tx1"/>
+      </a:fontRef>
+    </dgm:style>
+  </dgm:styleLbl>
+  <dgm:styleLbl name="alignNode1">
+    <dgm:scene3d>
+      <a:camera prst="orthographicFront"/>
+      <a:lightRig rig="threePt" dir="t"/>
+    </dgm:scene3d>
+    <dgm:sp3d/>
+    <dgm:txPr/>
+    <dgm:style>
+      <a:lnRef idx="1">
+        <a:scrgbClr r="0" g="0" b="0"/>
+      </a:lnRef>
+      <a:fillRef idx="3">
+        <a:scrgbClr r="0" g="0" b="0"/>
+      </a:fillRef>
+      <a:effectRef idx="2">
+        <a:scrgbClr r="0" g="0" b="0"/>
+      </a:effectRef>
+      <a:fontRef idx="minor">
+        <a:schemeClr val="lt1"/>
+      </a:fontRef>
+    </dgm:style>
+  </dgm:styleLbl>
+  <dgm:styleLbl name="node1">
+    <dgm:scene3d>
+      <a:camera prst="orthographicFront"/>
+      <a:lightRig rig="threePt" dir="t"/>
+    </dgm:scene3d>
+    <dgm:sp3d/>
+    <dgm:txPr/>
+    <dgm:style>
+      <a:lnRef idx="0">
+        <a:scrgbClr r="0" g="0" b="0"/>
+      </a:lnRef>
+      <a:fillRef idx="3">
+        <a:scrgbClr r="0" g="0" b="0"/>
+      </a:fillRef>
+      <a:effectRef idx="2">
+        <a:scrgbClr r="0" g="0" b="0"/>
+      </a:effectRef>
+      <a:fontRef idx="minor">
+        <a:schemeClr val="lt1"/>
+      </a:fontRef>
+    </dgm:style>
+  </dgm:styleLbl>
+  <dgm:styleLbl name="node2">
+    <dgm:scene3d>
+      <a:camera prst="orthographicFront"/>
+      <a:lightRig rig="threePt" dir="t"/>
+    </dgm:scene3d>
+    <dgm:sp3d/>
+    <dgm:txPr/>
+    <dgm:style>
+      <a:lnRef idx="0">
+        <a:scrgbClr r="0" g="0" b="0"/>
+      </a:lnRef>
+      <a:fillRef idx="3">
+        <a:scrgbClr r="0" g="0" b="0"/>
+      </a:fillRef>
+      <a:effectRef idx="2">
+        <a:scrgbClr r="0" g="0" b="0"/>
+      </a:effectRef>
+      <a:fontRef idx="minor">
+        <a:schemeClr val="lt1"/>
+      </a:fontRef>
+    </dgm:style>
+  </dgm:styleLbl>
+  <dgm:styleLbl name="node3">
+    <dgm:scene3d>
+      <a:camera prst="orthographicFront"/>
+      <a:lightRig rig="threePt" dir="t"/>
+    </dgm:scene3d>
+    <dgm:sp3d/>
+    <dgm:txPr/>
+    <dgm:style>
+      <a:lnRef idx="0">
+        <a:scrgbClr r="0" g="0" b="0"/>
+      </a:lnRef>
+      <a:fillRef idx="3">
+        <a:scrgbClr r="0" g="0" b="0"/>
+      </a:fillRef>
+      <a:effectRef idx="2">
+        <a:scrgbClr r="0" g="0" b="0"/>
+      </a:effectRef>
+      <a:fontRef idx="minor">
+        <a:schemeClr val="lt1"/>
+      </a:fontRef>
+    </dgm:style>
+  </dgm:styleLbl>
+  <dgm:styleLbl name="node4">
+    <dgm:scene3d>
+      <a:camera prst="orthographicFront"/>
+      <a:lightRig rig="threePt" dir="t"/>
+    </dgm:scene3d>
+    <dgm:sp3d/>
+    <dgm:txPr/>
+    <dgm:style>
+      <a:lnRef idx="0">
+        <a:scrgbClr r="0" g="0" b="0"/>
+      </a:lnRef>
+      <a:fillRef idx="3">
+        <a:scrgbClr r="0" g="0" b="0"/>
+      </a:fillRef>
+      <a:effectRef idx="2">
+        <a:scrgbClr r="0" g="0" b="0"/>
+      </a:effectRef>
+      <a:fontRef idx="minor">
+        <a:schemeClr val="lt1"/>
+      </a:fontRef>
+    </dgm:style>
+  </dgm:styleLbl>
+  <dgm:styleLbl name="fgImgPlace1">
+    <dgm:scene3d>
+      <a:camera prst="orthographicFront"/>
+      <a:lightRig rig="threePt" dir="t"/>
+    </dgm:scene3d>
+    <dgm:sp3d/>
+    <dgm:txPr/>
+    <dgm:style>
+      <a:lnRef idx="0">
+        <a:scrgbClr r="0" g="0" b="0"/>
+      </a:lnRef>
+      <a:fillRef idx="1">
+        <a:scrgbClr r="0" g="0" b="0"/>
+      </a:fillRef>
+      <a:effectRef idx="2">
+        <a:scrgbClr r="0" g="0" b="0"/>
+      </a:effectRef>
+      <a:fontRef idx="minor"/>
+    </dgm:style>
+  </dgm:styleLbl>
+  <dgm:styleLbl name="alignImgPlace1">
+    <dgm:scene3d>
+      <a:camera prst="orthographicFront"/>
+      <a:lightRig rig="threePt" dir="t"/>
+    </dgm:scene3d>
+    <dgm:sp3d/>
+    <dgm:txPr/>
+    <dgm:style>
+      <a:lnRef idx="0">
+        <a:scrgbClr r="0" g="0" b="0"/>
+      </a:lnRef>
+      <a:fillRef idx="1">
+        <a:scrgbClr r="0" g="0" b="0"/>
+      </a:fillRef>
+      <a:effectRef idx="2">
+        <a:scrgbClr r="0" g="0" b="0"/>
+      </a:effectRef>
+      <a:fontRef idx="minor"/>
+    </dgm:style>
+  </dgm:styleLbl>
+  <dgm:styleLbl name="bgImgPlace1">
+    <dgm:scene3d>
+      <a:camera prst="orthographicFront"/>
+      <a:lightRig rig="threePt" dir="t"/>
+    </dgm:scene3d>
+    <dgm:sp3d/>
+    <dgm:txPr/>
+    <dgm:style>
+      <a:lnRef idx="0">
+        <a:scrgbClr r="0" g="0" b="0"/>
+      </a:lnRef>
+      <a:fillRef idx="1">
+        <a:scrgbClr r="0" g="0" b="0"/>
+      </a:fillRef>
+      <a:effectRef idx="2">
+        <a:scrgbClr r="0" g="0" b="0"/>
+      </a:effectRef>
+      <a:fontRef idx="minor"/>
+    </dgm:style>
+  </dgm:styleLbl>
+  <dgm:styleLbl name="sibTrans2D1">
+    <dgm:scene3d>
+      <a:camera prst="orthographicFront"/>
+      <a:lightRig rig="threePt" dir="t"/>
+    </dgm:scene3d>
+    <dgm:sp3d/>
+    <dgm:txPr/>
+    <dgm:style>
+      <a:lnRef idx="0">
+        <a:scrgbClr r="0" g="0" b="0"/>
+      </a:lnRef>
+      <a:fillRef idx="3">
+        <a:scrgbClr r="0" g="0" b="0"/>
+      </a:fillRef>
+      <a:effectRef idx="2">
+        <a:scrgbClr r="0" g="0" b="0"/>
+      </a:effectRef>
+      <a:fontRef idx="minor">
+        <a:schemeClr val="lt1"/>
+      </a:fontRef>
+    </dgm:style>
+  </dgm:styleLbl>
+  <dgm:styleLbl name="fgSibTrans2D1">
+    <dgm:scene3d>
+      <a:camera prst="orthographicFront"/>
+      <a:lightRig rig="threePt" dir="t"/>
+    </dgm:scene3d>
+    <dgm:sp3d/>
+    <dgm:txPr/>
+    <dgm:style>
+      <a:lnRef idx="0">
+        <a:scrgbClr r="0" g="0" b="0"/>
+      </a:lnRef>
+      <a:fillRef idx="3">
+        <a:scrgbClr r="0" g="0" b="0"/>
+      </a:fillRef>
+      <a:effectRef idx="2">
+        <a:scrgbClr r="0" g="0" b="0"/>
+      </a:effectRef>
+      <a:fontRef idx="minor">
+        <a:schemeClr val="lt1"/>
+      </a:fontRef>
+    </dgm:style>
+  </dgm:styleLbl>
+  <dgm:styleLbl name="bgSibTrans2D1">
+    <dgm:scene3d>
+      <a:camera prst="orthographicFront"/>
+      <a:lightRig rig="threePt" dir="t"/>
+    </dgm:scene3d>
+    <dgm:sp3d/>
+    <dgm:txPr/>
+    <dgm:style>
+      <a:lnRef idx="0">
+        <a:scrgbClr r="0" g="0" b="0"/>
+      </a:lnRef>
+      <a:fillRef idx="3">
+        <a:scrgbClr r="0" g="0" b="0"/>
+      </a:fillRef>
+      <a:effectRef idx="2">
+        <a:scrgbClr r="0" g="0" b="0"/>
+      </a:effectRef>
+      <a:fontRef idx="minor">
+        <a:schemeClr val="lt1"/>
+      </a:fontRef>
+    </dgm:style>
+  </dgm:styleLbl>
+  <dgm:styleLbl name="sibTrans1D1">
+    <dgm:scene3d>
+      <a:camera prst="orthographicFront"/>
+      <a:lightRig rig="threePt" dir="t"/>
+    </dgm:scene3d>
+    <dgm:sp3d/>
+    <dgm:txPr/>
+    <dgm:style>
+      <a:lnRef idx="1">
+        <a:scrgbClr r="0" g="0" b="0"/>
+      </a:lnRef>
+      <a:fillRef idx="0">
+        <a:scrgbClr r="0" g="0" b="0"/>
+      </a:fillRef>
+      <a:effectRef idx="0">
+        <a:scrgbClr r="0" g="0" b="0"/>
+      </a:effectRef>
+      <a:fontRef idx="minor"/>
+    </dgm:style>
+  </dgm:styleLbl>
+  <dgm:styleLbl name="callout">
+    <dgm:scene3d>
+      <a:camera prst="orthographicFront"/>
+      <a:lightRig rig="threePt" dir="t"/>
+    </dgm:scene3d>
+    <dgm:sp3d/>
+    <dgm:txPr/>
+    <dgm:style>
+      <a:lnRef idx="2">
+        <a:scrgbClr r="0" g="0" b="0"/>
+      </a:lnRef>
+      <a:fillRef idx="1">
+        <a:scrgbClr r="0" g="0" b="0"/>
+      </a:fillRef>
+      <a:effectRef idx="1">
+        <a:scrgbClr r="0" g="0" b="0"/>
+      </a:effectRef>
+      <a:fontRef idx="minor"/>
+    </dgm:style>
+  </dgm:styleLbl>
+  <dgm:styleLbl name="asst0">
+    <dgm:scene3d>
+      <a:camera prst="orthographicFront"/>
+      <a:lightRig rig="threePt" dir="t"/>
+    </dgm:scene3d>
+    <dgm:sp3d/>
+    <dgm:txPr/>
+    <dgm:style>
+      <a:lnRef idx="0">
+        <a:scrgbClr r="0" g="0" b="0"/>
+      </a:lnRef>
+      <a:fillRef idx="3">
+        <a:scrgbClr r="0" g="0" b="0"/>
+      </a:fillRef>
+      <a:effectRef idx="2">
+        <a:scrgbClr r="0" g="0" b="0"/>
+      </a:effectRef>
+      <a:fontRef idx="minor">
+        <a:schemeClr val="lt1"/>
+      </a:fontRef>
+    </dgm:style>
+  </dgm:styleLbl>
+  <dgm:styleLbl name="asst1">
+    <dgm:scene3d>
+      <a:camera prst="orthographicFront"/>
+      <a:lightRig rig="threePt" dir="t"/>
+    </dgm:scene3d>
+    <dgm:sp3d/>
+    <dgm:txPr/>
+    <dgm:style>
+      <a:lnRef idx="0">
+        <a:scrgbClr r="0" g="0" b="0"/>
+      </a:lnRef>
+      <a:fillRef idx="3">
+        <a:scrgbClr r="0" g="0" b="0"/>
+      </a:fillRef>
+      <a:effectRef idx="2">
+        <a:scrgbClr r="0" g="0" b="0"/>
+      </a:effectRef>
+      <a:fontRef idx="minor">
+        <a:schemeClr val="lt1"/>
+      </a:fontRef>
+    </dgm:style>
+  </dgm:styleLbl>
+  <dgm:styleLbl name="asst2">
+    <dgm:scene3d>
+      <a:camera prst="orthographicFront"/>
+      <a:lightRig rig="threePt" dir="t"/>
+    </dgm:scene3d>
+    <dgm:sp3d/>
+    <dgm:txPr/>
+    <dgm:style>
+      <a:lnRef idx="0">
+        <a:scrgbClr r="0" g="0" b="0"/>
+      </a:lnRef>
+      <a:fillRef idx="3">
+        <a:scrgbClr r="0" g="0" b="0"/>
+      </a:fillRef>
+      <a:effectRef idx="2">
+        <a:scrgbClr r="0" g="0" b="0"/>
+      </a:effectRef>
+      <a:fontRef idx="minor">
+        <a:schemeClr val="lt1"/>
+      </a:fontRef>
+    </dgm:style>
+  </dgm:styleLbl>
+  <dgm:styleLbl name="asst3">
+    <dgm:scene3d>
+      <a:camera prst="orthographicFront"/>
+      <a:lightRig rig="threePt" dir="t"/>
+    </dgm:scene3d>
+    <dgm:sp3d/>
+    <dgm:txPr/>
+    <dgm:style>
+      <a:lnRef idx="0">
+        <a:scrgbClr r="0" g="0" b="0"/>
+      </a:lnRef>
+      <a:fillRef idx="3">
+        <a:scrgbClr r="0" g="0" b="0"/>
+      </a:fillRef>
+      <a:effectRef idx="2">
+        <a:scrgbClr r="0" g="0" b="0"/>
+      </a:effectRef>
+      <a:fontRef idx="minor">
+        <a:schemeClr val="lt1"/>
+      </a:fontRef>
+    </dgm:style>
+  </dgm:styleLbl>
+  <dgm:styleLbl name="asst4">
+    <dgm:scene3d>
+      <a:camera prst="orthographicFront"/>
+      <a:lightRig rig="threePt" dir="t"/>
+    </dgm:scene3d>
+    <dgm:sp3d/>
+    <dgm:txPr/>
+    <dgm:style>
+      <a:lnRef idx="0">
+        <a:scrgbClr r="0" g="0" b="0"/>
+      </a:lnRef>
+      <a:fillRef idx="3">
+        <a:scrgbClr r="0" g="0" b="0"/>
+      </a:fillRef>
+      <a:effectRef idx="2">
+        <a:scrgbClr r="0" g="0" b="0"/>
+      </a:effectRef>
+      <a:fontRef idx="minor">
+        <a:schemeClr val="lt1"/>
+      </a:fontRef>
+    </dgm:style>
+  </dgm:styleLbl>
+  <dgm:styleLbl name="parChTrans2D1">
+    <dgm:scene3d>
+      <a:camera prst="orthographicFront"/>
+      <a:lightRig rig="threePt" dir="t"/>
+    </dgm:scene3d>
+    <dgm:sp3d/>
+    <dgm:txPr/>
+    <dgm:style>
+      <a:lnRef idx="0">
+        <a:scrgbClr r="0" g="0" b="0"/>
+      </a:lnRef>
+      <a:fillRef idx="3">
+        <a:scrgbClr r="0" g="0" b="0"/>
+      </a:fillRef>
+      <a:effectRef idx="2">
+        <a:scrgbClr r="0" g="0" b="0"/>
+      </a:effectRef>
+      <a:fontRef idx="minor">
+        <a:schemeClr val="lt1"/>
+      </a:fontRef>
+    </dgm:style>
+  </dgm:styleLbl>
+  <dgm:styleLbl name="parChTrans2D2">
+    <dgm:scene3d>
+      <a:camera prst="orthographicFront"/>
+      <a:lightRig rig="threePt" dir="t"/>
+    </dgm:scene3d>
+    <dgm:sp3d/>
+    <dgm:txPr/>
+    <dgm:style>
+      <a:lnRef idx="0">
+        <a:scrgbClr r="0" g="0" b="0"/>
+      </a:lnRef>
+      <a:fillRef idx="3">
+        <a:scrgbClr r="0" g="0" b="0"/>
+      </a:fillRef>
+      <a:effectRef idx="2">
+        <a:scrgbClr r="0" g="0" b="0"/>
+      </a:effectRef>
+      <a:fontRef idx="minor">
+        <a:schemeClr val="lt1"/>
+      </a:fontRef>
+    </dgm:style>
+  </dgm:styleLbl>
+  <dgm:styleLbl name="parChTrans2D3">
+    <dgm:scene3d>
+      <a:camera prst="orthographicFront"/>
+      <a:lightRig rig="threePt" dir="t"/>
+    </dgm:scene3d>
+    <dgm:sp3d/>
+    <dgm:txPr/>
+    <dgm:style>
+      <a:lnRef idx="1">
+        <a:scrgbClr r="0" g="0" b="0"/>
+      </a:lnRef>
+      <a:fillRef idx="3">
+        <a:scrgbClr r="0" g="0" b="0"/>
+      </a:fillRef>
+      <a:effectRef idx="2">
+        <a:scrgbClr r="0" g="0" b="0"/>
+      </a:effectRef>
+      <a:fontRef idx="minor">
+        <a:schemeClr val="lt1"/>
+      </a:fontRef>
+    </dgm:style>
+  </dgm:styleLbl>
+  <dgm:styleLbl name="parChTrans2D4">
+    <dgm:scene3d>
+      <a:camera prst="orthographicFront"/>
+      <a:lightRig rig="threePt" dir="t"/>
+    </dgm:scene3d>
+    <dgm:sp3d/>
+    <dgm:txPr/>
+    <dgm:style>
+      <a:lnRef idx="1">
+        <a:scrgbClr r="0" g="0" b="0"/>
+      </a:lnRef>
+      <a:fillRef idx="3">
+        <a:scrgbClr r="0" g="0" b="0"/>
+      </a:fillRef>
+      <a:effectRef idx="2">
+        <a:scrgbClr r="0" g="0" b="0"/>
+      </a:effectRef>
+      <a:fontRef idx="minor">
+        <a:schemeClr val="lt1"/>
+      </a:fontRef>
+    </dgm:style>
+  </dgm:styleLbl>
+  <dgm:styleLbl name="parChTrans1D1">
+    <dgm:scene3d>
+      <a:camera prst="orthographicFront"/>
+      <a:lightRig rig="threePt" dir="t"/>
+    </dgm:scene3d>
+    <dgm:sp3d/>
+    <dgm:txPr/>
+    <dgm:style>
+      <a:lnRef idx="1">
+        <a:scrgbClr r="0" g="0" b="0"/>
+      </a:lnRef>
+      <a:fillRef idx="0">
+        <a:scrgbClr r="0" g="0" b="0"/>
+      </a:fillRef>
+      <a:effectRef idx="0">
+        <a:scrgbClr r="0" g="0" b="0"/>
+      </a:effectRef>
+      <a:fontRef idx="minor"/>
+    </dgm:style>
+  </dgm:styleLbl>
+  <dgm:styleLbl name="parChTrans1D2">
+    <dgm:scene3d>
+      <a:camera prst="orthographicFront"/>
+      <a:lightRig rig="threePt" dir="t"/>
+    </dgm:scene3d>
+    <dgm:sp3d/>
+    <dgm:txPr/>
+    <dgm:style>
+      <a:lnRef idx="1">
+        <a:scrgbClr r="0" g="0" b="0"/>
+      </a:lnRef>
+      <a:fillRef idx="0">
+        <a:scrgbClr r="0" g="0" b="0"/>
+      </a:fillRef>
+      <a:effectRef idx="0">
+        <a:scrgbClr r="0" g="0" b="0"/>
+      </a:effectRef>
+      <a:fontRef idx="minor"/>
+    </dgm:style>
+  </dgm:styleLbl>
+  <dgm:styleLbl name="parChTrans1D3">
+    <dgm:scene3d>
+      <a:camera prst="orthographicFront"/>
+      <a:lightRig rig="threePt" dir="t"/>
+    </dgm:scene3d>
+    <dgm:sp3d/>
+    <dgm:txPr/>
+    <dgm:style>
+      <a:lnRef idx="1">
+        <a:scrgbClr r="0" g="0" b="0"/>
+      </a:lnRef>
+      <a:fillRef idx="0">
+        <a:scrgbClr r="0" g="0" b="0"/>
+      </a:fillRef>
+      <a:effectRef idx="0">
+        <a:scrgbClr r="0" g="0" b="0"/>
+      </a:effectRef>
+      <a:fontRef idx="minor"/>
+    </dgm:style>
+  </dgm:styleLbl>
+  <dgm:styleLbl name="parChTrans1D4">
+    <dgm:scene3d>
+      <a:camera prst="orthographicFront"/>
+      <a:lightRig rig="threePt" dir="t"/>
+    </dgm:scene3d>
+    <dgm:sp3d/>
+    <dgm:txPr/>
+    <dgm:style>
+      <a:lnRef idx="1">
+        <a:scrgbClr r="0" g="0" b="0"/>
+      </a:lnRef>
+      <a:fillRef idx="0">
+        <a:scrgbClr r="0" g="0" b="0"/>
+      </a:fillRef>
+      <a:effectRef idx="0">
+        <a:scrgbClr r="0" g="0" b="0"/>
+      </a:effectRef>
+      <a:fontRef idx="minor"/>
+    </dgm:style>
+  </dgm:styleLbl>
+  <dgm:styleLbl name="fgAcc1">
+    <dgm:scene3d>
+      <a:camera prst="orthographicFront"/>
+      <a:lightRig rig="threePt" dir="t"/>
+    </dgm:scene3d>
+    <dgm:sp3d/>
+    <dgm:txPr/>
+    <dgm:style>
+      <a:lnRef idx="1">
+        <a:scrgbClr r="0" g="0" b="0"/>
+      </a:lnRef>
+      <a:fillRef idx="1">
+        <a:scrgbClr r="0" g="0" b="0"/>
+      </a:fillRef>
+      <a:effectRef idx="0">
+        <a:scrgbClr r="0" g="0" b="0"/>
+      </a:effectRef>
+      <a:fontRef idx="minor"/>
+    </dgm:style>
+  </dgm:styleLbl>
+  <dgm:styleLbl name="conFgAcc1">
+    <dgm:scene3d>
+      <a:camera prst="orthographicFront"/>
+      <a:lightRig rig="threePt" dir="t"/>
+    </dgm:scene3d>
+    <dgm:sp3d/>
+    <dgm:txPr/>
+    <dgm:style>
+      <a:lnRef idx="1">
+        <a:scrgbClr r="0" g="0" b="0"/>
+      </a:lnRef>
+      <a:fillRef idx="1">
+        <a:scrgbClr r="0" g="0" b="0"/>
+      </a:fillRef>
+      <a:effectRef idx="0">
+        <a:scrgbClr r="0" g="0" b="0"/>
+      </a:effectRef>
+      <a:fontRef idx="minor"/>
+    </dgm:style>
+  </dgm:styleLbl>
+  <dgm:styleLbl name="alignAcc1">
+    <dgm:scene3d>
+      <a:camera prst="orthographicFront"/>
+      <a:lightRig rig="threePt" dir="t"/>
+    </dgm:scene3d>
+    <dgm:sp3d/>
+    <dgm:txPr/>
+    <dgm:style>
+      <a:lnRef idx="1">
+        <a:scrgbClr r="0" g="0" b="0"/>
+      </a:lnRef>
+      <a:fillRef idx="1">
+        <a:scrgbClr r="0" g="0" b="0"/>
+      </a:fillRef>
+      <a:effectRef idx="0">
+        <a:scrgbClr r="0" g="0" b="0"/>
+      </a:effectRef>
+      <a:fontRef idx="minor"/>
+    </dgm:style>
+  </dgm:styleLbl>
+  <dgm:styleLbl name="trAlignAcc1">
+    <dgm:scene3d>
+      <a:camera prst="orthographicFront"/>
+      <a:lightRig rig="threePt" dir="t"/>
+    </dgm:scene3d>
+    <dgm:sp3d/>
+    <dgm:txPr/>
+    <dgm:style>
+      <a:lnRef idx="1">
+        <a:scrgbClr r="0" g="0" b="0"/>
+      </a:lnRef>
+      <a:fillRef idx="1">
+        <a:scrgbClr r="0" g="0" b="0"/>
+      </a:fillRef>
+      <a:effectRef idx="0">
+        <a:scrgbClr r="0" g="0" b="0"/>
+      </a:effectRef>
+      <a:fontRef idx="minor"/>
+    </dgm:style>
+  </dgm:styleLbl>
+  <dgm:styleLbl name="bgAcc1">
+    <dgm:scene3d>
+      <a:camera prst="orthographicFront"/>
+      <a:lightRig rig="threePt" dir="t"/>
+    </dgm:scene3d>
+    <dgm:sp3d/>
+    <dgm:txPr/>
+    <dgm:style>
+      <a:lnRef idx="1">
+        <a:scrgbClr r="0" g="0" b="0"/>
+      </a:lnRef>
+      <a:fillRef idx="1">
+        <a:scrgbClr r="0" g="0" b="0"/>
+      </a:fillRef>
+      <a:effectRef idx="0">
+        <a:scrgbClr r="0" g="0" b="0"/>
+      </a:effectRef>
+      <a:fontRef idx="minor"/>
+    </dgm:style>
+  </dgm:styleLbl>
+  <dgm:styleLbl name="solidFgAcc1">
+    <dgm:scene3d>
+      <a:camera prst="orthographicFront"/>
+      <a:lightRig rig="threePt" dir="t"/>
+    </dgm:scene3d>
+    <dgm:sp3d/>
+    <dgm:txPr/>
+    <dgm:style>
+      <a:lnRef idx="1">
+        <a:scrgbClr r="0" g="0" b="0"/>
+      </a:lnRef>
+      <a:fillRef idx="1">
+        <a:scrgbClr r="0" g="0" b="0"/>
+      </a:fillRef>
+      <a:effectRef idx="0">
+        <a:scrgbClr r="0" g="0" b="0"/>
+      </a:effectRef>
+      <a:fontRef idx="minor"/>
+    </dgm:style>
+  </dgm:styleLbl>
+  <dgm:styleLbl name="solidAlignAcc1">
+    <dgm:scene3d>
+      <a:camera prst="orthographicFront"/>
+      <a:lightRig rig="threePt" dir="t"/>
+    </dgm:scene3d>
+    <dgm:sp3d/>
+    <dgm:txPr/>
+    <dgm:style>
+      <a:lnRef idx="1">
+        <a:scrgbClr r="0" g="0" b="0"/>
+      </a:lnRef>
+      <a:fillRef idx="1">
+        <a:scrgbClr r="0" g="0" b="0"/>
+      </a:fillRef>
+      <a:effectRef idx="0">
+        <a:scrgbClr r="0" g="0" b="0"/>
+      </a:effectRef>
+      <a:fontRef idx="minor"/>
+    </dgm:style>
+  </dgm:styleLbl>
+  <dgm:styleLbl name="solidBgAcc1">
+    <dgm:scene3d>
+      <a:camera prst="orthographicFront"/>
+      <a:lightRig rig="threePt" dir="t"/>
+    </dgm:scene3d>
+    <dgm:sp3d/>
+    <dgm:txPr/>
+    <dgm:style>
+      <a:lnRef idx="1">
+        <a:scrgbClr r="0" g="0" b="0"/>
+      </a:lnRef>
+      <a:fillRef idx="1">
+        <a:scrgbClr r="0" g="0" b="0"/>
+      </a:fillRef>
+      <a:effectRef idx="0">
+        <a:scrgbClr r="0" g="0" b="0"/>
+      </a:effectRef>
+      <a:fontRef idx="minor"/>
+    </dgm:style>
+  </dgm:styleLbl>
+  <dgm:styleLbl name="fgAccFollowNode1">
+    <dgm:scene3d>
+      <a:camera prst="orthographicFront"/>
+      <a:lightRig rig="threePt" dir="t"/>
+    </dgm:scene3d>
+    <dgm:sp3d/>
+    <dgm:txPr/>
+    <dgm:style>
+      <a:lnRef idx="1">
+        <a:scrgbClr r="0" g="0" b="0"/>
+      </a:lnRef>
+      <a:fillRef idx="1">
+        <a:scrgbClr r="0" g="0" b="0"/>
+      </a:fillRef>
+      <a:effectRef idx="0">
+        <a:scrgbClr r="0" g="0" b="0"/>
+      </a:effectRef>
+      <a:fontRef idx="minor"/>
+    </dgm:style>
+  </dgm:styleLbl>
+  <dgm:styleLbl name="alignAccFollowNode1">
+    <dgm:scene3d>
+      <a:camera prst="orthographicFront"/>
+      <a:lightRig rig="threePt" dir="t"/>
+    </dgm:scene3d>
+    <dgm:sp3d/>
+    <dgm:txPr/>
+    <dgm:style>
+      <a:lnRef idx="1">
+        <a:scrgbClr r="0" g="0" b="0"/>
+      </a:lnRef>
+      <a:fillRef idx="1">
+        <a:scrgbClr r="0" g="0" b="0"/>
+      </a:fillRef>
+      <a:effectRef idx="0">
+        <a:scrgbClr r="0" g="0" b="0"/>
+      </a:effectRef>
+      <a:fontRef idx="minor"/>
+    </dgm:style>
+  </dgm:styleLbl>
+  <dgm:styleLbl name="bgAccFollowNode1">
+    <dgm:scene3d>
+      <a:camera prst="orthographicFront"/>
+      <a:lightRig rig="threePt" dir="t"/>
+    </dgm:scene3d>
+    <dgm:sp3d/>
+    <dgm:txPr/>
+    <dgm:style>
+      <a:lnRef idx="1">
+        <a:scrgbClr r="0" g="0" b="0"/>
+      </a:lnRef>
+      <a:fillRef idx="1">
+        <a:scrgbClr r="0" g="0" b="0"/>
+      </a:fillRef>
+      <a:effectRef idx="0">
+        <a:scrgbClr r="0" g="0" b="0"/>
+      </a:effectRef>
+      <a:fontRef idx="minor"/>
+    </dgm:style>
+  </dgm:styleLbl>
+  <dgm:styleLbl name="fgAcc0">
+    <dgm:scene3d>
+      <a:camera prst="orthographicFront"/>
+      <a:lightRig rig="threePt" dir="t"/>
+    </dgm:scene3d>
+    <dgm:sp3d/>
+    <dgm:txPr/>
+    <dgm:style>
+      <a:lnRef idx="1">
+        <a:scrgbClr r="0" g="0" b="0"/>
+      </a:lnRef>
+      <a:fillRef idx="1">
+        <a:scrgbClr r="0" g="0" b="0"/>
+      </a:fillRef>
+      <a:effectRef idx="0">
+        <a:scrgbClr r="0" g="0" b="0"/>
+      </a:effectRef>
+      <a:fontRef idx="minor"/>
+    </dgm:style>
+  </dgm:styleLbl>
+  <dgm:styleLbl name="fgAcc2">
+    <dgm:scene3d>
+      <a:camera prst="orthographicFront"/>
+      <a:lightRig rig="threePt" dir="t"/>
+    </dgm:scene3d>
+    <dgm:sp3d/>
+    <dgm:txPr/>
+    <dgm:style>
+      <a:lnRef idx="1">
+        <a:scrgbClr r="0" g="0" b="0"/>
+      </a:lnRef>
+      <a:fillRef idx="1">
+        <a:scrgbClr r="0" g="0" b="0"/>
+      </a:fillRef>
+      <a:effectRef idx="0">
+        <a:scrgbClr r="0" g="0" b="0"/>
+      </a:effectRef>
+      <a:fontRef idx="minor"/>
+    </dgm:style>
+  </dgm:styleLbl>
+  <dgm:styleLbl name="fgAcc3">
+    <dgm:scene3d>
+      <a:camera prst="orthographicFront"/>
+      <a:lightRig rig="threePt" dir="t"/>
+    </dgm:scene3d>
+    <dgm:sp3d/>
+    <dgm:txPr/>
+    <dgm:style>
+      <a:lnRef idx="1">
+        <a:scrgbClr r="0" g="0" b="0"/>
+      </a:lnRef>
+      <a:fillRef idx="1">
+        <a:scrgbClr r="0" g="0" b="0"/>
+      </a:fillRef>
+      <a:effectRef idx="0">
+        <a:scrgbClr r="0" g="0" b="0"/>
+      </a:effectRef>
+      <a:fontRef idx="minor"/>
+    </dgm:style>
+  </dgm:styleLbl>
+  <dgm:styleLbl name="fgAcc4">
+    <dgm:scene3d>
+      <a:camera prst="orthographicFront"/>
+      <a:lightRig rig="threePt" dir="t"/>
+    </dgm:scene3d>
+    <dgm:sp3d/>
+    <dgm:txPr/>
+    <dgm:style>
+      <a:lnRef idx="1">
+        <a:scrgbClr r="0" g="0" b="0"/>
+      </a:lnRef>
+      <a:fillRef idx="1">
+        <a:scrgbClr r="0" g="0" b="0"/>
+      </a:fillRef>
+      <a:effectRef idx="0">
+        <a:scrgbClr r="0" g="0" b="0"/>
+      </a:effectRef>
+      <a:fontRef idx="minor"/>
+    </dgm:style>
+  </dgm:styleLbl>
+  <dgm:styleLbl name="bgShp">
+    <dgm:scene3d>
+      <a:camera prst="orthographicFront"/>
+      <a:lightRig rig="threePt" dir="t"/>
+    </dgm:scene3d>
+    <dgm:sp3d/>
+    <dgm:txPr/>
+    <dgm:style>
+      <a:lnRef idx="0">
+        <a:scrgbClr r="0" g="0" b="0"/>
+      </a:lnRef>
+      <a:fillRef idx="1">
+        <a:scrgbClr r="0" g="0" b="0"/>
+      </a:fillRef>
+      <a:effectRef idx="2">
+        <a:scrgbClr r="0" g="0" b="0"/>
+      </a:effectRef>
+      <a:fontRef idx="minor"/>
+    </dgm:style>
+  </dgm:styleLbl>
+  <dgm:styleLbl name="dkBgShp">
+    <dgm:scene3d>
+      <a:camera prst="orthographicFront"/>
+      <a:lightRig rig="threePt" dir="t"/>
+    </dgm:scene3d>
+    <dgm:sp3d/>
+    <dgm:txPr/>
+    <dgm:style>
+      <a:lnRef idx="0">
+        <a:scrgbClr r="0" g="0" b="0"/>
+      </a:lnRef>
+      <a:fillRef idx="1">
+        <a:scrgbClr r="0" g="0" b="0"/>
+      </a:fillRef>
+      <a:effectRef idx="2">
+        <a:scrgbClr r="0" g="0" b="0"/>
+      </a:effectRef>
+      <a:fontRef idx="minor"/>
+    </dgm:style>
+  </dgm:styleLbl>
+  <dgm:styleLbl name="trBgShp">
+    <dgm:scene3d>
+      <a:camera prst="orthographicFront"/>
+      <a:lightRig rig="threePt" dir="t"/>
+    </dgm:scene3d>
+    <dgm:sp3d/>
+    <dgm:txPr/>
+    <dgm:style>
+      <a:lnRef idx="0">
+        <a:scrgbClr r="0" g="0" b="0"/>
+      </a:lnRef>
+      <a:fillRef idx="1">
+        <a:scrgbClr r="0" g="0" b="0"/>
+      </a:fillRef>
+      <a:effectRef idx="0">
+        <a:scrgbClr r="0" g="0" b="0"/>
+      </a:effectRef>
+      <a:fontRef idx="minor"/>
+    </dgm:style>
+  </dgm:styleLbl>
+  <dgm:styleLbl name="fgShp">
+    <dgm:scene3d>
+      <a:camera prst="orthographicFront"/>
+      <a:lightRig rig="threePt" dir="t"/>
+    </dgm:scene3d>
+    <dgm:sp3d/>
+    <dgm:txPr/>
+    <dgm:style>
+      <a:lnRef idx="0">
+        <a:scrgbClr r="0" g="0" b="0"/>
+      </a:lnRef>
+      <a:fillRef idx="3">
+        <a:scrgbClr r="0" g="0" b="0"/>
+      </a:fillRef>
+      <a:effectRef idx="2">
+        <a:scrgbClr r="0" g="0" b="0"/>
+      </a:effectRef>
+      <a:fontRef idx="minor"/>
+    </dgm:style>
+  </dgm:styleLbl>
+  <dgm:styleLbl name="revTx">
+    <dgm:scene3d>
+      <a:camera prst="orthographicFront"/>
+      <a:lightRig rig="threePt" dir="t"/>
+    </dgm:scene3d>
+    <dgm:sp3d/>
+    <dgm:txPr/>
+    <dgm:style>
+      <a:lnRef idx="0">
+        <a:scrgbClr r="0" g="0" b="0"/>
+      </a:lnRef>
+      <a:fillRef idx="0">
+        <a:scrgbClr r="0" g="0" b="0"/>
+      </a:fillRef>
+      <a:effectRef idx="0">
+        <a:scrgbClr r="0" g="0" b="0"/>
+      </a:effectRef>
+      <a:fontRef idx="minor"/>
+    </dgm:style>
+  </dgm:styleLbl>
+</dgm:styleDef>
 </file>
 
 <file path=ppt/slideLayouts/slideLayout1.xml><?xml version="1.0" encoding="utf-8"?>
@@ -319,7 +5977,7 @@
           <a:p>
             <a:fld id="{6483C26A-63A4-F547-BB74-146C3D288EFD}" type="datetimeFigureOut">
               <a:rPr lang="en-US" smtClean="0"/>
-              <a:t>1/26/16</a:t>
+              <a:t>2/1/16</a:t>
             </a:fld>
             <a:endParaRPr lang="en-US"/>
           </a:p>
@@ -489,7 +6147,7 @@
           <a:p>
             <a:fld id="{6483C26A-63A4-F547-BB74-146C3D288EFD}" type="datetimeFigureOut">
               <a:rPr lang="en-US" smtClean="0"/>
-              <a:t>1/26/16</a:t>
+              <a:t>2/1/16</a:t>
             </a:fld>
             <a:endParaRPr lang="en-US"/>
           </a:p>
@@ -669,7 +6327,7 @@
           <a:p>
             <a:fld id="{6483C26A-63A4-F547-BB74-146C3D288EFD}" type="datetimeFigureOut">
               <a:rPr lang="en-US" smtClean="0"/>
-              <a:t>1/26/16</a:t>
+              <a:t>2/1/16</a:t>
             </a:fld>
             <a:endParaRPr lang="en-US"/>
           </a:p>
@@ -839,7 +6497,7 @@
           <a:p>
             <a:fld id="{6483C26A-63A4-F547-BB74-146C3D288EFD}" type="datetimeFigureOut">
               <a:rPr lang="en-US" smtClean="0"/>
-              <a:t>1/26/16</a:t>
+              <a:t>2/1/16</a:t>
             </a:fld>
             <a:endParaRPr lang="en-US"/>
           </a:p>
@@ -1085,7 +6743,7 @@
           <a:p>
             <a:fld id="{6483C26A-63A4-F547-BB74-146C3D288EFD}" type="datetimeFigureOut">
               <a:rPr lang="en-US" smtClean="0"/>
-              <a:t>1/26/16</a:t>
+              <a:t>2/1/16</a:t>
             </a:fld>
             <a:endParaRPr lang="en-US"/>
           </a:p>
@@ -1373,7 +7031,7 @@
           <a:p>
             <a:fld id="{6483C26A-63A4-F547-BB74-146C3D288EFD}" type="datetimeFigureOut">
               <a:rPr lang="en-US" smtClean="0"/>
-              <a:t>1/26/16</a:t>
+              <a:t>2/1/16</a:t>
             </a:fld>
             <a:endParaRPr lang="en-US"/>
           </a:p>
@@ -1795,7 +7453,7 @@
           <a:p>
             <a:fld id="{6483C26A-63A4-F547-BB74-146C3D288EFD}" type="datetimeFigureOut">
               <a:rPr lang="en-US" smtClean="0"/>
-              <a:t>1/26/16</a:t>
+              <a:t>2/1/16</a:t>
             </a:fld>
             <a:endParaRPr lang="en-US"/>
           </a:p>
@@ -1913,7 +7571,7 @@
           <a:p>
             <a:fld id="{6483C26A-63A4-F547-BB74-146C3D288EFD}" type="datetimeFigureOut">
               <a:rPr lang="en-US" smtClean="0"/>
-              <a:t>1/26/16</a:t>
+              <a:t>2/1/16</a:t>
             </a:fld>
             <a:endParaRPr lang="en-US"/>
           </a:p>
@@ -2008,7 +7666,7 @@
           <a:p>
             <a:fld id="{6483C26A-63A4-F547-BB74-146C3D288EFD}" type="datetimeFigureOut">
               <a:rPr lang="en-US" smtClean="0"/>
-              <a:t>1/26/16</a:t>
+              <a:t>2/1/16</a:t>
             </a:fld>
             <a:endParaRPr lang="en-US"/>
           </a:p>
@@ -2285,7 +7943,7 @@
           <a:p>
             <a:fld id="{6483C26A-63A4-F547-BB74-146C3D288EFD}" type="datetimeFigureOut">
               <a:rPr lang="en-US" smtClean="0"/>
-              <a:t>1/26/16</a:t>
+              <a:t>2/1/16</a:t>
             </a:fld>
             <a:endParaRPr lang="en-US"/>
           </a:p>
@@ -2538,7 +8196,7 @@
           <a:p>
             <a:fld id="{6483C26A-63A4-F547-BB74-146C3D288EFD}" type="datetimeFigureOut">
               <a:rPr lang="en-US" smtClean="0"/>
-              <a:t>1/26/16</a:t>
+              <a:t>2/1/16</a:t>
             </a:fld>
             <a:endParaRPr lang="en-US"/>
           </a:p>
@@ -2751,7 +8409,7 @@
           <a:p>
             <a:fld id="{6483C26A-63A4-F547-BB74-146C3D288EFD}" type="datetimeFigureOut">
               <a:rPr lang="en-US" smtClean="0"/>
-              <a:t>1/26/16</a:t>
+              <a:t>2/1/16</a:t>
             </a:fld>
             <a:endParaRPr lang="en-US"/>
           </a:p>
@@ -7416,19 +13074,11 @@
           <a:p>
             <a:r>
               <a:rPr lang="en-US" dirty="0" smtClean="0"/>
-              <a:t>#30 </a:t>
-            </a:r>
-            <a:r>
-              <a:rPr lang="en-US" dirty="0" smtClean="0"/>
-              <a:t>– </a:t>
+              <a:t>#30 – </a:t>
             </a:r>
             <a:r>
               <a:rPr lang="en-US" smtClean="0"/>
-              <a:t>Section </a:t>
-            </a:r>
-            <a:r>
-              <a:rPr lang="en-US" smtClean="0"/>
-              <a:t>6</a:t>
+              <a:t>Section 6</a:t>
             </a:r>
             <a:endParaRPr lang="en-US" dirty="0" smtClean="0"/>
           </a:p>
@@ -8227,6 +13877,1414 @@
     <p:extLst>
       <p:ext uri="{BB962C8B-B14F-4D97-AF65-F5344CB8AC3E}">
         <p14:creationId xmlns:p14="http://schemas.microsoft.com/office/powerpoint/2010/main" val="2729107752"/>
+      </p:ext>
+    </p:extLst>
+  </p:cSld>
+  <p:clrMapOvr>
+    <a:masterClrMapping/>
+  </p:clrMapOvr>
+</p:sld>
+</file>
+
+<file path=ppt/slides/slide33.xml><?xml version="1.0" encoding="utf-8"?>
+<p:sld xmlns:a="http://schemas.openxmlformats.org/drawingml/2006/main" xmlns:r="http://schemas.openxmlformats.org/officeDocument/2006/relationships" xmlns:p="http://schemas.openxmlformats.org/presentationml/2006/main">
+  <p:cSld>
+    <p:spTree>
+      <p:nvGrpSpPr>
+        <p:cNvPr id="1" name=""/>
+        <p:cNvGrpSpPr/>
+        <p:nvPr/>
+      </p:nvGrpSpPr>
+      <p:grpSpPr>
+        <a:xfrm>
+          <a:off x="0" y="0"/>
+          <a:ext cx="0" cy="0"/>
+          <a:chOff x="0" y="0"/>
+          <a:chExt cx="0" cy="0"/>
+        </a:xfrm>
+      </p:grpSpPr>
+      <p:sp>
+        <p:nvSpPr>
+          <p:cNvPr id="2" name="Title 1"/>
+          <p:cNvSpPr>
+            <a:spLocks noGrp="1"/>
+          </p:cNvSpPr>
+          <p:nvPr>
+            <p:ph type="ctrTitle"/>
+          </p:nvPr>
+        </p:nvSpPr>
+        <p:spPr/>
+        <p:txBody>
+          <a:bodyPr/>
+          <a:lstStyle/>
+          <a:p>
+            <a:r>
+              <a:rPr lang="en-US" dirty="0" smtClean="0"/>
+              <a:t>Chapter 5 – JavaScript</a:t>
+            </a:r>
+            <a:endParaRPr lang="en-US" dirty="0"/>
+          </a:p>
+        </p:txBody>
+      </p:sp>
+      <p:sp>
+        <p:nvSpPr>
+          <p:cNvPr id="3" name="Subtitle 2"/>
+          <p:cNvSpPr>
+            <a:spLocks noGrp="1"/>
+          </p:cNvSpPr>
+          <p:nvPr>
+            <p:ph type="subTitle" idx="1"/>
+          </p:nvPr>
+        </p:nvSpPr>
+        <p:spPr/>
+        <p:txBody>
+          <a:bodyPr/>
+          <a:lstStyle/>
+          <a:p>
+            <a:r>
+              <a:rPr lang="en-US" dirty="0" smtClean="0"/>
+              <a:t>#</a:t>
+            </a:r>
+            <a:r>
+              <a:rPr lang="en-US" dirty="0" smtClean="0"/>
+              <a:t>31 </a:t>
+            </a:r>
+            <a:r>
+              <a:rPr lang="en-US" dirty="0" smtClean="0"/>
+              <a:t>– Section </a:t>
+            </a:r>
+            <a:r>
+              <a:rPr lang="en-US" dirty="0" smtClean="0"/>
+              <a:t>7</a:t>
+            </a:r>
+            <a:endParaRPr lang="en-US" dirty="0" smtClean="0"/>
+          </a:p>
+          <a:p>
+            <a:r>
+              <a:rPr lang="en-US" dirty="0" smtClean="0"/>
+              <a:t>Values, Variables, Data Types</a:t>
+            </a:r>
+            <a:endParaRPr lang="en-US" dirty="0"/>
+          </a:p>
+        </p:txBody>
+      </p:sp>
+    </p:spTree>
+    <p:extLst>
+      <p:ext uri="{BB962C8B-B14F-4D97-AF65-F5344CB8AC3E}">
+        <p14:creationId xmlns:p14="http://schemas.microsoft.com/office/powerpoint/2010/main" val="1989233515"/>
+      </p:ext>
+    </p:extLst>
+  </p:cSld>
+  <p:clrMapOvr>
+    <a:masterClrMapping/>
+  </p:clrMapOvr>
+  <p:timing>
+    <p:tnLst>
+      <p:par>
+        <p:cTn xmlns:p14="http://schemas.microsoft.com/office/powerpoint/2010/main" id="1" dur="indefinite" restart="never" nodeType="tmRoot"/>
+      </p:par>
+    </p:tnLst>
+  </p:timing>
+</p:sld>
+</file>
+
+<file path=ppt/slides/slide34.xml><?xml version="1.0" encoding="utf-8"?>
+<p:sld xmlns:a="http://schemas.openxmlformats.org/drawingml/2006/main" xmlns:r="http://schemas.openxmlformats.org/officeDocument/2006/relationships" xmlns:p="http://schemas.openxmlformats.org/presentationml/2006/main">
+  <p:cSld>
+    <p:spTree>
+      <p:nvGrpSpPr>
+        <p:cNvPr id="1" name=""/>
+        <p:cNvGrpSpPr/>
+        <p:nvPr/>
+      </p:nvGrpSpPr>
+      <p:grpSpPr>
+        <a:xfrm>
+          <a:off x="0" y="0"/>
+          <a:ext cx="0" cy="0"/>
+          <a:chOff x="0" y="0"/>
+          <a:chExt cx="0" cy="0"/>
+        </a:xfrm>
+      </p:grpSpPr>
+      <p:sp>
+        <p:nvSpPr>
+          <p:cNvPr id="2" name="Title 1"/>
+          <p:cNvSpPr>
+            <a:spLocks noGrp="1"/>
+          </p:cNvSpPr>
+          <p:nvPr>
+            <p:ph type="title"/>
+          </p:nvPr>
+        </p:nvSpPr>
+        <p:spPr/>
+        <p:txBody>
+          <a:bodyPr/>
+          <a:lstStyle/>
+          <a:p>
+            <a:r>
+              <a:rPr lang="en-US" dirty="0" smtClean="0"/>
+              <a:t>Definition: </a:t>
+            </a:r>
+            <a:r>
+              <a:rPr lang="en-US" dirty="0" smtClean="0"/>
+              <a:t>Data &amp; Data Type</a:t>
+            </a:r>
+            <a:endParaRPr lang="en-US" dirty="0"/>
+          </a:p>
+        </p:txBody>
+      </p:sp>
+      <p:sp>
+        <p:nvSpPr>
+          <p:cNvPr id="3" name="Content Placeholder 2"/>
+          <p:cNvSpPr>
+            <a:spLocks noGrp="1"/>
+          </p:cNvSpPr>
+          <p:nvPr>
+            <p:ph idx="1"/>
+          </p:nvPr>
+        </p:nvSpPr>
+        <p:spPr/>
+        <p:txBody>
+          <a:bodyPr>
+            <a:normAutofit fontScale="85000" lnSpcReduction="20000"/>
+          </a:bodyPr>
+          <a:lstStyle/>
+          <a:p>
+            <a:r>
+              <a:rPr lang="en-US" dirty="0" smtClean="0"/>
+              <a:t>What is </a:t>
+            </a:r>
+            <a:r>
+              <a:rPr lang="en-US" dirty="0" smtClean="0"/>
+              <a:t> ‘data’</a:t>
+            </a:r>
+            <a:r>
+              <a:rPr lang="en-US" dirty="0" smtClean="0"/>
+              <a:t>?</a:t>
+            </a:r>
+          </a:p>
+          <a:p>
+            <a:pPr lvl="1"/>
+            <a:r>
+              <a:rPr lang="en-US" dirty="0" smtClean="0"/>
+              <a:t>‘data’ </a:t>
+            </a:r>
+            <a:r>
+              <a:rPr lang="en-US" dirty="0" smtClean="0"/>
+              <a:t>is another name for ‘value’</a:t>
+            </a:r>
+          </a:p>
+          <a:p>
+            <a:pPr lvl="2"/>
+            <a:r>
+              <a:rPr lang="en-US" dirty="0" smtClean="0"/>
+              <a:t>The words ‘data’ and ‘value’ can be used interchangeably</a:t>
+            </a:r>
+          </a:p>
+          <a:p>
+            <a:r>
+              <a:rPr lang="en-US" dirty="0" smtClean="0"/>
+              <a:t>What is ‘data type’?</a:t>
+            </a:r>
+          </a:p>
+          <a:p>
+            <a:pPr lvl="1"/>
+            <a:r>
+              <a:rPr lang="en-US" dirty="0" err="1" smtClean="0"/>
+              <a:t>Verrol’s</a:t>
+            </a:r>
+            <a:r>
+              <a:rPr lang="en-US" dirty="0" smtClean="0"/>
+              <a:t> definition:</a:t>
+            </a:r>
+          </a:p>
+          <a:p>
+            <a:pPr lvl="2"/>
+            <a:r>
+              <a:rPr lang="en-US" dirty="0" smtClean="0"/>
+              <a:t>A ‘data type’ is the </a:t>
+            </a:r>
+            <a:r>
+              <a:rPr lang="en-US" b="1" i="1" dirty="0" smtClean="0">
+                <a:solidFill>
+                  <a:srgbClr val="008000"/>
+                </a:solidFill>
+              </a:rPr>
+              <a:t>format </a:t>
+            </a:r>
+            <a:r>
+              <a:rPr lang="en-US" dirty="0" smtClean="0"/>
+              <a:t>or </a:t>
+            </a:r>
+            <a:r>
+              <a:rPr lang="en-US" b="1" i="1" dirty="0" smtClean="0">
+                <a:solidFill>
+                  <a:srgbClr val="3366FF"/>
+                </a:solidFill>
+              </a:rPr>
+              <a:t>representation</a:t>
+            </a:r>
+            <a:r>
+              <a:rPr lang="en-US" dirty="0" smtClean="0">
+                <a:solidFill>
+                  <a:srgbClr val="3366FF"/>
+                </a:solidFill>
+              </a:rPr>
+              <a:t> </a:t>
+            </a:r>
+            <a:r>
+              <a:rPr lang="en-US" dirty="0" smtClean="0"/>
+              <a:t>of </a:t>
+            </a:r>
+            <a:r>
+              <a:rPr lang="en-US" dirty="0" smtClean="0"/>
+              <a:t>the </a:t>
+            </a:r>
+            <a:r>
+              <a:rPr lang="en-US" b="1" i="1" dirty="0" smtClean="0">
+                <a:solidFill>
+                  <a:schemeClr val="bg2">
+                    <a:lumMod val="50000"/>
+                  </a:schemeClr>
+                </a:solidFill>
+              </a:rPr>
+              <a:t>data</a:t>
+            </a:r>
+            <a:r>
+              <a:rPr lang="en-US" dirty="0" smtClean="0"/>
+              <a:t>/</a:t>
+            </a:r>
+            <a:r>
+              <a:rPr lang="en-US" b="1" i="1" dirty="0" smtClean="0">
+                <a:solidFill>
+                  <a:schemeClr val="bg2">
+                    <a:lumMod val="50000"/>
+                  </a:schemeClr>
+                </a:solidFill>
+              </a:rPr>
+              <a:t>value</a:t>
+            </a:r>
+            <a:endParaRPr lang="en-US" b="1" i="1" dirty="0" smtClean="0">
+              <a:solidFill>
+                <a:schemeClr val="bg2">
+                  <a:lumMod val="50000"/>
+                </a:schemeClr>
+              </a:solidFill>
+            </a:endParaRPr>
+          </a:p>
+          <a:p>
+            <a:pPr lvl="2"/>
+            <a:r>
+              <a:rPr lang="en-US" dirty="0" smtClean="0"/>
+              <a:t>In other words, it is the grouping of </a:t>
+            </a:r>
+            <a:r>
+              <a:rPr lang="en-US" b="1" i="1" dirty="0" smtClean="0">
+                <a:solidFill>
+                  <a:schemeClr val="accent5">
+                    <a:lumMod val="75000"/>
+                  </a:schemeClr>
+                </a:solidFill>
+              </a:rPr>
+              <a:t>similar </a:t>
+            </a:r>
+            <a:r>
+              <a:rPr lang="en-US" b="1" i="1" dirty="0" smtClean="0">
+                <a:solidFill>
+                  <a:schemeClr val="bg2">
+                    <a:lumMod val="50000"/>
+                  </a:schemeClr>
+                </a:solidFill>
+              </a:rPr>
+              <a:t>values</a:t>
+            </a:r>
+            <a:endParaRPr lang="en-US" dirty="0" smtClean="0"/>
+          </a:p>
+          <a:p>
+            <a:r>
+              <a:rPr lang="en-US" dirty="0" smtClean="0"/>
+              <a:t>Examples</a:t>
+            </a:r>
+            <a:r>
+              <a:rPr lang="en-US" dirty="0" smtClean="0"/>
+              <a:t>:</a:t>
+            </a:r>
+          </a:p>
+          <a:p>
+            <a:pPr lvl="1"/>
+            <a:r>
+              <a:rPr lang="en-US" dirty="0" smtClean="0"/>
+              <a:t>Number</a:t>
+            </a:r>
+            <a:endParaRPr lang="en-US" dirty="0" smtClean="0"/>
+          </a:p>
+          <a:p>
+            <a:pPr lvl="1"/>
+            <a:r>
+              <a:rPr lang="en-US" dirty="0" smtClean="0"/>
+              <a:t>String</a:t>
+            </a:r>
+            <a:endParaRPr lang="en-US" dirty="0" smtClean="0"/>
+          </a:p>
+          <a:p>
+            <a:pPr lvl="1"/>
+            <a:r>
+              <a:rPr lang="en-US" dirty="0" smtClean="0"/>
+              <a:t>Date</a:t>
+            </a:r>
+            <a:endParaRPr lang="en-US" dirty="0" smtClean="0"/>
+          </a:p>
+          <a:p>
+            <a:pPr lvl="1"/>
+            <a:r>
+              <a:rPr lang="en-US" dirty="0" smtClean="0"/>
+              <a:t>Boolean</a:t>
+            </a:r>
+            <a:endParaRPr lang="en-US" dirty="0" smtClean="0"/>
+          </a:p>
+        </p:txBody>
+      </p:sp>
+    </p:spTree>
+    <p:extLst>
+      <p:ext uri="{BB962C8B-B14F-4D97-AF65-F5344CB8AC3E}">
+        <p14:creationId xmlns:p14="http://schemas.microsoft.com/office/powerpoint/2010/main" val="3366574962"/>
+      </p:ext>
+    </p:extLst>
+  </p:cSld>
+  <p:clrMapOvr>
+    <a:masterClrMapping/>
+  </p:clrMapOvr>
+</p:sld>
+</file>
+
+<file path=ppt/slides/slide35.xml><?xml version="1.0" encoding="utf-8"?>
+<p:sld xmlns:a="http://schemas.openxmlformats.org/drawingml/2006/main" xmlns:r="http://schemas.openxmlformats.org/officeDocument/2006/relationships" xmlns:p="http://schemas.openxmlformats.org/presentationml/2006/main">
+  <p:cSld>
+    <p:spTree>
+      <p:nvGrpSpPr>
+        <p:cNvPr id="1" name=""/>
+        <p:cNvGrpSpPr/>
+        <p:nvPr/>
+      </p:nvGrpSpPr>
+      <p:grpSpPr>
+        <a:xfrm>
+          <a:off x="0" y="0"/>
+          <a:ext cx="0" cy="0"/>
+          <a:chOff x="0" y="0"/>
+          <a:chExt cx="0" cy="0"/>
+        </a:xfrm>
+      </p:grpSpPr>
+      <p:sp>
+        <p:nvSpPr>
+          <p:cNvPr id="2" name="Title 1"/>
+          <p:cNvSpPr>
+            <a:spLocks noGrp="1"/>
+          </p:cNvSpPr>
+          <p:nvPr>
+            <p:ph type="title"/>
+          </p:nvPr>
+        </p:nvSpPr>
+        <p:spPr/>
+        <p:txBody>
+          <a:bodyPr/>
+          <a:lstStyle/>
+          <a:p>
+            <a:r>
+              <a:rPr lang="en-US" dirty="0" smtClean="0"/>
+              <a:t>My Data Type Tree</a:t>
+            </a:r>
+            <a:endParaRPr lang="en-US" dirty="0"/>
+          </a:p>
+        </p:txBody>
+      </p:sp>
+      <p:graphicFrame>
+        <p:nvGraphicFramePr>
+          <p:cNvPr id="4" name="Content Placeholder 3"/>
+          <p:cNvGraphicFramePr>
+            <a:graphicFrameLocks noGrp="1"/>
+          </p:cNvGraphicFramePr>
+          <p:nvPr>
+            <p:ph idx="1"/>
+            <p:extLst>
+              <p:ext uri="{D42A27DB-BD31-4B8C-83A1-F6EECF244321}">
+                <p14:modId xmlns:p14="http://schemas.microsoft.com/office/powerpoint/2010/main" val="2032723249"/>
+              </p:ext>
+            </p:extLst>
+          </p:nvPr>
+        </p:nvGraphicFramePr>
+        <p:xfrm>
+          <a:off x="457200" y="1600200"/>
+          <a:ext cx="8229600" cy="4525963"/>
+        </p:xfrm>
+        <a:graphic>
+          <a:graphicData uri="http://schemas.openxmlformats.org/drawingml/2006/diagram">
+            <dgm:relIds xmlns:dgm="http://schemas.openxmlformats.org/drawingml/2006/diagram" xmlns:r="http://schemas.openxmlformats.org/officeDocument/2006/relationships" r:dm="rId2" r:lo="rId3" r:qs="rId4" r:cs="rId5"/>
+          </a:graphicData>
+        </a:graphic>
+      </p:graphicFrame>
+    </p:spTree>
+    <p:extLst>
+      <p:ext uri="{BB962C8B-B14F-4D97-AF65-F5344CB8AC3E}">
+        <p14:creationId xmlns:p14="http://schemas.microsoft.com/office/powerpoint/2010/main" val="1761131840"/>
+      </p:ext>
+    </p:extLst>
+  </p:cSld>
+  <p:clrMapOvr>
+    <a:masterClrMapping/>
+  </p:clrMapOvr>
+</p:sld>
+</file>
+
+<file path=ppt/slides/slide36.xml><?xml version="1.0" encoding="utf-8"?>
+<p:sld xmlns:a="http://schemas.openxmlformats.org/drawingml/2006/main" xmlns:r="http://schemas.openxmlformats.org/officeDocument/2006/relationships" xmlns:p="http://schemas.openxmlformats.org/presentationml/2006/main">
+  <p:cSld>
+    <p:spTree>
+      <p:nvGrpSpPr>
+        <p:cNvPr id="1" name=""/>
+        <p:cNvGrpSpPr/>
+        <p:nvPr/>
+      </p:nvGrpSpPr>
+      <p:grpSpPr>
+        <a:xfrm>
+          <a:off x="0" y="0"/>
+          <a:ext cx="0" cy="0"/>
+          <a:chOff x="0" y="0"/>
+          <a:chExt cx="0" cy="0"/>
+        </a:xfrm>
+      </p:grpSpPr>
+      <p:sp>
+        <p:nvSpPr>
+          <p:cNvPr id="2" name="Title 1"/>
+          <p:cNvSpPr>
+            <a:spLocks noGrp="1"/>
+          </p:cNvSpPr>
+          <p:nvPr>
+            <p:ph type="title"/>
+          </p:nvPr>
+        </p:nvSpPr>
+        <p:spPr/>
+        <p:txBody>
+          <a:bodyPr/>
+          <a:lstStyle/>
+          <a:p>
+            <a:r>
+              <a:rPr lang="en-US" dirty="0" smtClean="0"/>
+              <a:t>Example Data Types</a:t>
+            </a:r>
+            <a:endParaRPr lang="en-US" dirty="0"/>
+          </a:p>
+        </p:txBody>
+      </p:sp>
+      <p:grpSp>
+        <p:nvGrpSpPr>
+          <p:cNvPr id="14" name="Group 13"/>
+          <p:cNvGrpSpPr/>
+          <p:nvPr/>
+        </p:nvGrpSpPr>
+        <p:grpSpPr>
+          <a:xfrm>
+            <a:off x="2011708" y="1517284"/>
+            <a:ext cx="5405766" cy="932855"/>
+            <a:chOff x="2011708" y="1713970"/>
+            <a:chExt cx="5405766" cy="1042413"/>
+          </a:xfrm>
+        </p:grpSpPr>
+        <p:sp>
+          <p:nvSpPr>
+            <p:cNvPr id="12" name="Snip Same Side Corner Rectangle 11"/>
+            <p:cNvSpPr/>
+            <p:nvPr/>
+          </p:nvSpPr>
+          <p:spPr>
+            <a:xfrm rot="16200000">
+              <a:off x="4628881" y="-32211"/>
+              <a:ext cx="1042412" cy="4534775"/>
+            </a:xfrm>
+            <a:prstGeom prst="snip2SameRect">
+              <a:avLst>
+                <a:gd name="adj1" fmla="val 35984"/>
+                <a:gd name="adj2" fmla="val 6290"/>
+              </a:avLst>
+            </a:prstGeom>
+          </p:spPr>
+          <p:style>
+            <a:lnRef idx="1">
+              <a:schemeClr val="accent5"/>
+            </a:lnRef>
+            <a:fillRef idx="2">
+              <a:schemeClr val="accent5"/>
+            </a:fillRef>
+            <a:effectRef idx="1">
+              <a:schemeClr val="accent5"/>
+            </a:effectRef>
+            <a:fontRef idx="minor">
+              <a:schemeClr val="dk1"/>
+            </a:fontRef>
+          </p:style>
+          <p:txBody>
+            <a:bodyPr vert="vert" rtlCol="0" anchor="ctr"/>
+            <a:lstStyle/>
+            <a:p>
+              <a:pPr algn="ctr"/>
+              <a:endParaRPr lang="en-US" sz="1200" dirty="0"/>
+            </a:p>
+          </p:txBody>
+        </p:sp>
+        <p:sp>
+          <p:nvSpPr>
+            <p:cNvPr id="13" name="Oval 12"/>
+            <p:cNvSpPr/>
+            <p:nvPr/>
+          </p:nvSpPr>
+          <p:spPr>
+            <a:xfrm>
+              <a:off x="2011708" y="1713970"/>
+              <a:ext cx="1073285" cy="1042413"/>
+            </a:xfrm>
+            <a:prstGeom prst="ellipse">
+              <a:avLst/>
+            </a:prstGeom>
+          </p:spPr>
+          <p:style>
+            <a:lnRef idx="1">
+              <a:schemeClr val="dk1"/>
+            </a:lnRef>
+            <a:fillRef idx="2">
+              <a:schemeClr val="dk1"/>
+            </a:fillRef>
+            <a:effectRef idx="1">
+              <a:schemeClr val="dk1"/>
+            </a:effectRef>
+            <a:fontRef idx="minor">
+              <a:schemeClr val="dk1"/>
+            </a:fontRef>
+          </p:style>
+          <p:txBody>
+            <a:bodyPr rtlCol="0" anchor="ctr"/>
+            <a:lstStyle/>
+            <a:p>
+              <a:pPr algn="ctr"/>
+              <a:r>
+                <a:rPr lang="en-US" sz="1200" dirty="0" smtClean="0"/>
+                <a:t>Number</a:t>
+              </a:r>
+              <a:endParaRPr lang="en-US" sz="1200" dirty="0"/>
+            </a:p>
+          </p:txBody>
+        </p:sp>
+      </p:grpSp>
+      <p:grpSp>
+        <p:nvGrpSpPr>
+          <p:cNvPr id="21" name="Group 20"/>
+          <p:cNvGrpSpPr/>
+          <p:nvPr/>
+        </p:nvGrpSpPr>
+        <p:grpSpPr>
+          <a:xfrm>
+            <a:off x="2011708" y="2669970"/>
+            <a:ext cx="5405766" cy="932855"/>
+            <a:chOff x="2011708" y="1713970"/>
+            <a:chExt cx="5405766" cy="1042413"/>
+          </a:xfrm>
+        </p:grpSpPr>
+        <p:sp>
+          <p:nvSpPr>
+            <p:cNvPr id="22" name="Snip Same Side Corner Rectangle 21"/>
+            <p:cNvSpPr/>
+            <p:nvPr/>
+          </p:nvSpPr>
+          <p:spPr>
+            <a:xfrm rot="16200000">
+              <a:off x="4628881" y="-32211"/>
+              <a:ext cx="1042412" cy="4534775"/>
+            </a:xfrm>
+            <a:prstGeom prst="snip2SameRect">
+              <a:avLst>
+                <a:gd name="adj1" fmla="val 35984"/>
+                <a:gd name="adj2" fmla="val 6290"/>
+              </a:avLst>
+            </a:prstGeom>
+          </p:spPr>
+          <p:style>
+            <a:lnRef idx="1">
+              <a:schemeClr val="accent5"/>
+            </a:lnRef>
+            <a:fillRef idx="2">
+              <a:schemeClr val="accent5"/>
+            </a:fillRef>
+            <a:effectRef idx="1">
+              <a:schemeClr val="accent5"/>
+            </a:effectRef>
+            <a:fontRef idx="minor">
+              <a:schemeClr val="dk1"/>
+            </a:fontRef>
+          </p:style>
+          <p:txBody>
+            <a:bodyPr vert="vert" rtlCol="0" anchor="ctr"/>
+            <a:lstStyle/>
+            <a:p>
+              <a:pPr algn="ctr"/>
+              <a:endParaRPr lang="en-US" sz="1200" dirty="0"/>
+            </a:p>
+          </p:txBody>
+        </p:sp>
+        <p:sp>
+          <p:nvSpPr>
+            <p:cNvPr id="23" name="Oval 22"/>
+            <p:cNvSpPr/>
+            <p:nvPr/>
+          </p:nvSpPr>
+          <p:spPr>
+            <a:xfrm>
+              <a:off x="2011708" y="1713970"/>
+              <a:ext cx="1073285" cy="1042413"/>
+            </a:xfrm>
+            <a:prstGeom prst="ellipse">
+              <a:avLst/>
+            </a:prstGeom>
+          </p:spPr>
+          <p:style>
+            <a:lnRef idx="1">
+              <a:schemeClr val="dk1"/>
+            </a:lnRef>
+            <a:fillRef idx="2">
+              <a:schemeClr val="dk1"/>
+            </a:fillRef>
+            <a:effectRef idx="1">
+              <a:schemeClr val="dk1"/>
+            </a:effectRef>
+            <a:fontRef idx="minor">
+              <a:schemeClr val="dk1"/>
+            </a:fontRef>
+          </p:style>
+          <p:txBody>
+            <a:bodyPr rtlCol="0" anchor="ctr"/>
+            <a:lstStyle/>
+            <a:p>
+              <a:pPr algn="ctr"/>
+              <a:r>
+                <a:rPr lang="en-US" sz="1200" dirty="0" smtClean="0"/>
+                <a:t>String</a:t>
+              </a:r>
+              <a:endParaRPr lang="en-US" sz="1200" dirty="0"/>
+            </a:p>
+          </p:txBody>
+        </p:sp>
+      </p:grpSp>
+      <p:grpSp>
+        <p:nvGrpSpPr>
+          <p:cNvPr id="24" name="Group 23"/>
+          <p:cNvGrpSpPr/>
+          <p:nvPr/>
+        </p:nvGrpSpPr>
+        <p:grpSpPr>
+          <a:xfrm>
+            <a:off x="2011708" y="3822656"/>
+            <a:ext cx="5405766" cy="932855"/>
+            <a:chOff x="2011708" y="1713970"/>
+            <a:chExt cx="5405766" cy="1042413"/>
+          </a:xfrm>
+        </p:grpSpPr>
+        <p:sp>
+          <p:nvSpPr>
+            <p:cNvPr id="25" name="Snip Same Side Corner Rectangle 24"/>
+            <p:cNvSpPr/>
+            <p:nvPr/>
+          </p:nvSpPr>
+          <p:spPr>
+            <a:xfrm rot="16200000">
+              <a:off x="4628881" y="-32211"/>
+              <a:ext cx="1042412" cy="4534775"/>
+            </a:xfrm>
+            <a:prstGeom prst="snip2SameRect">
+              <a:avLst>
+                <a:gd name="adj1" fmla="val 35984"/>
+                <a:gd name="adj2" fmla="val 6290"/>
+              </a:avLst>
+            </a:prstGeom>
+          </p:spPr>
+          <p:style>
+            <a:lnRef idx="1">
+              <a:schemeClr val="accent5"/>
+            </a:lnRef>
+            <a:fillRef idx="2">
+              <a:schemeClr val="accent5"/>
+            </a:fillRef>
+            <a:effectRef idx="1">
+              <a:schemeClr val="accent5"/>
+            </a:effectRef>
+            <a:fontRef idx="minor">
+              <a:schemeClr val="dk1"/>
+            </a:fontRef>
+          </p:style>
+          <p:txBody>
+            <a:bodyPr vert="vert" rtlCol="0" anchor="ctr"/>
+            <a:lstStyle/>
+            <a:p>
+              <a:pPr algn="ctr"/>
+              <a:endParaRPr lang="en-US" sz="1200" dirty="0"/>
+            </a:p>
+          </p:txBody>
+        </p:sp>
+        <p:sp>
+          <p:nvSpPr>
+            <p:cNvPr id="26" name="Oval 25"/>
+            <p:cNvSpPr/>
+            <p:nvPr/>
+          </p:nvSpPr>
+          <p:spPr>
+            <a:xfrm>
+              <a:off x="2011708" y="1713970"/>
+              <a:ext cx="1073285" cy="1042413"/>
+            </a:xfrm>
+            <a:prstGeom prst="ellipse">
+              <a:avLst/>
+            </a:prstGeom>
+          </p:spPr>
+          <p:style>
+            <a:lnRef idx="1">
+              <a:schemeClr val="dk1"/>
+            </a:lnRef>
+            <a:fillRef idx="2">
+              <a:schemeClr val="dk1"/>
+            </a:fillRef>
+            <a:effectRef idx="1">
+              <a:schemeClr val="dk1"/>
+            </a:effectRef>
+            <a:fontRef idx="minor">
+              <a:schemeClr val="dk1"/>
+            </a:fontRef>
+          </p:style>
+          <p:txBody>
+            <a:bodyPr rtlCol="0" anchor="ctr"/>
+            <a:lstStyle/>
+            <a:p>
+              <a:pPr algn="ctr"/>
+              <a:r>
+                <a:rPr lang="en-US" sz="1200" dirty="0" smtClean="0"/>
+                <a:t>Boolean</a:t>
+              </a:r>
+              <a:endParaRPr lang="en-US" sz="1200" dirty="0"/>
+            </a:p>
+          </p:txBody>
+        </p:sp>
+      </p:grpSp>
+      <p:grpSp>
+        <p:nvGrpSpPr>
+          <p:cNvPr id="27" name="Group 26"/>
+          <p:cNvGrpSpPr/>
+          <p:nvPr/>
+        </p:nvGrpSpPr>
+        <p:grpSpPr>
+          <a:xfrm>
+            <a:off x="2011708" y="4975342"/>
+            <a:ext cx="5405766" cy="932855"/>
+            <a:chOff x="2011708" y="1713970"/>
+            <a:chExt cx="5405766" cy="1042413"/>
+          </a:xfrm>
+        </p:grpSpPr>
+        <p:sp>
+          <p:nvSpPr>
+            <p:cNvPr id="28" name="Snip Same Side Corner Rectangle 27"/>
+            <p:cNvSpPr/>
+            <p:nvPr/>
+          </p:nvSpPr>
+          <p:spPr>
+            <a:xfrm rot="16200000">
+              <a:off x="4628881" y="-32211"/>
+              <a:ext cx="1042412" cy="4534775"/>
+            </a:xfrm>
+            <a:prstGeom prst="snip2SameRect">
+              <a:avLst>
+                <a:gd name="adj1" fmla="val 35984"/>
+                <a:gd name="adj2" fmla="val 6290"/>
+              </a:avLst>
+            </a:prstGeom>
+          </p:spPr>
+          <p:style>
+            <a:lnRef idx="1">
+              <a:schemeClr val="accent5"/>
+            </a:lnRef>
+            <a:fillRef idx="2">
+              <a:schemeClr val="accent5"/>
+            </a:fillRef>
+            <a:effectRef idx="1">
+              <a:schemeClr val="accent5"/>
+            </a:effectRef>
+            <a:fontRef idx="minor">
+              <a:schemeClr val="dk1"/>
+            </a:fontRef>
+          </p:style>
+          <p:txBody>
+            <a:bodyPr vert="vert" rtlCol="0" anchor="ctr"/>
+            <a:lstStyle/>
+            <a:p>
+              <a:pPr algn="ctr"/>
+              <a:endParaRPr lang="en-US" sz="1200" dirty="0"/>
+            </a:p>
+          </p:txBody>
+        </p:sp>
+        <p:sp>
+          <p:nvSpPr>
+            <p:cNvPr id="29" name="Oval 28"/>
+            <p:cNvSpPr/>
+            <p:nvPr/>
+          </p:nvSpPr>
+          <p:spPr>
+            <a:xfrm>
+              <a:off x="2011708" y="1713970"/>
+              <a:ext cx="1073285" cy="1042413"/>
+            </a:xfrm>
+            <a:prstGeom prst="ellipse">
+              <a:avLst/>
+            </a:prstGeom>
+          </p:spPr>
+          <p:style>
+            <a:lnRef idx="1">
+              <a:schemeClr val="dk1"/>
+            </a:lnRef>
+            <a:fillRef idx="2">
+              <a:schemeClr val="dk1"/>
+            </a:fillRef>
+            <a:effectRef idx="1">
+              <a:schemeClr val="dk1"/>
+            </a:effectRef>
+            <a:fontRef idx="minor">
+              <a:schemeClr val="dk1"/>
+            </a:fontRef>
+          </p:style>
+          <p:txBody>
+            <a:bodyPr rtlCol="0" anchor="ctr"/>
+            <a:lstStyle/>
+            <a:p>
+              <a:pPr algn="ctr"/>
+              <a:r>
+                <a:rPr lang="en-US" sz="1200" dirty="0" smtClean="0"/>
+                <a:t>Date</a:t>
+              </a:r>
+              <a:endParaRPr lang="en-US" sz="1200" dirty="0"/>
+            </a:p>
+          </p:txBody>
+        </p:sp>
+      </p:grpSp>
+      <p:pic>
+        <p:nvPicPr>
+          <p:cNvPr id="30" name="Picture 29"/>
+          <p:cNvPicPr>
+            <a:picLocks noChangeAspect="1"/>
+          </p:cNvPicPr>
+          <p:nvPr/>
+        </p:nvPicPr>
+        <p:blipFill>
+          <a:blip r:embed="rId2"/>
+          <a:stretch>
+            <a:fillRect/>
+          </a:stretch>
+        </p:blipFill>
+        <p:spPr>
+          <a:xfrm>
+            <a:off x="3495916" y="1610144"/>
+            <a:ext cx="3048000" cy="725701"/>
+          </a:xfrm>
+          <a:prstGeom prst="rect">
+            <a:avLst/>
+          </a:prstGeom>
+        </p:spPr>
+      </p:pic>
+      <p:pic>
+        <p:nvPicPr>
+          <p:cNvPr id="31" name="Picture 30"/>
+          <p:cNvPicPr>
+            <a:picLocks noChangeAspect="1"/>
+          </p:cNvPicPr>
+          <p:nvPr/>
+        </p:nvPicPr>
+        <p:blipFill>
+          <a:blip r:embed="rId3"/>
+          <a:stretch>
+            <a:fillRect/>
+          </a:stretch>
+        </p:blipFill>
+        <p:spPr>
+          <a:xfrm>
+            <a:off x="3495917" y="2746349"/>
+            <a:ext cx="3438272" cy="763087"/>
+          </a:xfrm>
+          <a:prstGeom prst="rect">
+            <a:avLst/>
+          </a:prstGeom>
+        </p:spPr>
+      </p:pic>
+      <p:pic>
+        <p:nvPicPr>
+          <p:cNvPr id="32" name="Picture 31"/>
+          <p:cNvPicPr>
+            <a:picLocks noChangeAspect="1"/>
+          </p:cNvPicPr>
+          <p:nvPr/>
+        </p:nvPicPr>
+        <p:blipFill>
+          <a:blip r:embed="rId4"/>
+          <a:stretch>
+            <a:fillRect/>
+          </a:stretch>
+        </p:blipFill>
+        <p:spPr>
+          <a:xfrm>
+            <a:off x="3495917" y="3930011"/>
+            <a:ext cx="2071845" cy="713331"/>
+          </a:xfrm>
+          <a:prstGeom prst="rect">
+            <a:avLst/>
+          </a:prstGeom>
+        </p:spPr>
+      </p:pic>
+      <p:pic>
+        <p:nvPicPr>
+          <p:cNvPr id="33" name="Picture 32"/>
+          <p:cNvPicPr>
+            <a:picLocks noChangeAspect="1"/>
+          </p:cNvPicPr>
+          <p:nvPr/>
+        </p:nvPicPr>
+        <p:blipFill>
+          <a:blip r:embed="rId5"/>
+          <a:stretch>
+            <a:fillRect/>
+          </a:stretch>
+        </p:blipFill>
+        <p:spPr>
+          <a:xfrm>
+            <a:off x="3495916" y="5085565"/>
+            <a:ext cx="3438273" cy="740973"/>
+          </a:xfrm>
+          <a:prstGeom prst="rect">
+            <a:avLst/>
+          </a:prstGeom>
+        </p:spPr>
+      </p:pic>
+    </p:spTree>
+    <p:extLst>
+      <p:ext uri="{BB962C8B-B14F-4D97-AF65-F5344CB8AC3E}">
+        <p14:creationId xmlns:p14="http://schemas.microsoft.com/office/powerpoint/2010/main" val="4257391806"/>
+      </p:ext>
+    </p:extLst>
+  </p:cSld>
+  <p:clrMapOvr>
+    <a:masterClrMapping/>
+  </p:clrMapOvr>
+</p:sld>
+</file>
+
+<file path=ppt/slides/slide37.xml><?xml version="1.0" encoding="utf-8"?>
+<p:sld xmlns:a="http://schemas.openxmlformats.org/drawingml/2006/main" xmlns:r="http://schemas.openxmlformats.org/officeDocument/2006/relationships" xmlns:p="http://schemas.openxmlformats.org/presentationml/2006/main">
+  <p:cSld>
+    <p:spTree>
+      <p:nvGrpSpPr>
+        <p:cNvPr id="1" name=""/>
+        <p:cNvGrpSpPr/>
+        <p:nvPr/>
+      </p:nvGrpSpPr>
+      <p:grpSpPr>
+        <a:xfrm>
+          <a:off x="0" y="0"/>
+          <a:ext cx="0" cy="0"/>
+          <a:chOff x="0" y="0"/>
+          <a:chExt cx="0" cy="0"/>
+        </a:xfrm>
+      </p:grpSpPr>
+      <p:sp>
+        <p:nvSpPr>
+          <p:cNvPr id="2" name="Title 1"/>
+          <p:cNvSpPr>
+            <a:spLocks noGrp="1"/>
+          </p:cNvSpPr>
+          <p:nvPr>
+            <p:ph type="title"/>
+          </p:nvPr>
+        </p:nvSpPr>
+        <p:spPr/>
+        <p:txBody>
+          <a:bodyPr/>
+          <a:lstStyle/>
+          <a:p>
+            <a:r>
+              <a:rPr lang="en-US" dirty="0" smtClean="0"/>
+              <a:t>Example Data Types</a:t>
+            </a:r>
+            <a:endParaRPr lang="en-US" dirty="0"/>
+          </a:p>
+        </p:txBody>
+      </p:sp>
+      <p:grpSp>
+        <p:nvGrpSpPr>
+          <p:cNvPr id="14" name="Group 13"/>
+          <p:cNvGrpSpPr/>
+          <p:nvPr/>
+        </p:nvGrpSpPr>
+        <p:grpSpPr>
+          <a:xfrm>
+            <a:off x="2011708" y="1517284"/>
+            <a:ext cx="5405766" cy="932856"/>
+            <a:chOff x="2011708" y="1713970"/>
+            <a:chExt cx="5405766" cy="1042414"/>
+          </a:xfrm>
+        </p:grpSpPr>
+        <p:sp>
+          <p:nvSpPr>
+            <p:cNvPr id="12" name="Snip Same Side Corner Rectangle 11"/>
+            <p:cNvSpPr/>
+            <p:nvPr/>
+          </p:nvSpPr>
+          <p:spPr>
+            <a:xfrm rot="16200000">
+              <a:off x="4628881" y="-32210"/>
+              <a:ext cx="1042412" cy="4534775"/>
+            </a:xfrm>
+            <a:prstGeom prst="snip2SameRect">
+              <a:avLst>
+                <a:gd name="adj1" fmla="val 35984"/>
+                <a:gd name="adj2" fmla="val 6290"/>
+              </a:avLst>
+            </a:prstGeom>
+          </p:spPr>
+          <p:style>
+            <a:lnRef idx="1">
+              <a:schemeClr val="accent5"/>
+            </a:lnRef>
+            <a:fillRef idx="2">
+              <a:schemeClr val="accent5"/>
+            </a:fillRef>
+            <a:effectRef idx="1">
+              <a:schemeClr val="accent5"/>
+            </a:effectRef>
+            <a:fontRef idx="minor">
+              <a:schemeClr val="dk1"/>
+            </a:fontRef>
+          </p:style>
+          <p:txBody>
+            <a:bodyPr vert="vert" rtlCol="0" anchor="ctr"/>
+            <a:lstStyle/>
+            <a:p>
+              <a:pPr algn="ctr"/>
+              <a:endParaRPr lang="en-US" sz="1200" dirty="0"/>
+            </a:p>
+          </p:txBody>
+        </p:sp>
+        <p:sp>
+          <p:nvSpPr>
+            <p:cNvPr id="13" name="Oval 12"/>
+            <p:cNvSpPr/>
+            <p:nvPr/>
+          </p:nvSpPr>
+          <p:spPr>
+            <a:xfrm>
+              <a:off x="2011708" y="1713970"/>
+              <a:ext cx="1073285" cy="1042413"/>
+            </a:xfrm>
+            <a:prstGeom prst="ellipse">
+              <a:avLst/>
+            </a:prstGeom>
+          </p:spPr>
+          <p:style>
+            <a:lnRef idx="1">
+              <a:schemeClr val="dk1"/>
+            </a:lnRef>
+            <a:fillRef idx="2">
+              <a:schemeClr val="dk1"/>
+            </a:fillRef>
+            <a:effectRef idx="1">
+              <a:schemeClr val="dk1"/>
+            </a:effectRef>
+            <a:fontRef idx="minor">
+              <a:schemeClr val="dk1"/>
+            </a:fontRef>
+          </p:style>
+          <p:txBody>
+            <a:bodyPr rtlCol="0" anchor="ctr"/>
+            <a:lstStyle/>
+            <a:p>
+              <a:pPr algn="ctr"/>
+              <a:r>
+                <a:rPr lang="en-US" sz="1200" dirty="0" smtClean="0"/>
+                <a:t>Array</a:t>
+              </a:r>
+              <a:endParaRPr lang="en-US" sz="1200" dirty="0"/>
+            </a:p>
+          </p:txBody>
+        </p:sp>
+      </p:grpSp>
+      <p:grpSp>
+        <p:nvGrpSpPr>
+          <p:cNvPr id="21" name="Group 20"/>
+          <p:cNvGrpSpPr/>
+          <p:nvPr/>
+        </p:nvGrpSpPr>
+        <p:grpSpPr>
+          <a:xfrm>
+            <a:off x="2011708" y="3822657"/>
+            <a:ext cx="5405767" cy="2085540"/>
+            <a:chOff x="2011708" y="1713971"/>
+            <a:chExt cx="5405767" cy="2330474"/>
+          </a:xfrm>
+        </p:grpSpPr>
+        <p:sp>
+          <p:nvSpPr>
+            <p:cNvPr id="22" name="Snip Same Side Corner Rectangle 21"/>
+            <p:cNvSpPr/>
+            <p:nvPr/>
+          </p:nvSpPr>
+          <p:spPr>
+            <a:xfrm rot="16200000">
+              <a:off x="3984851" y="611820"/>
+              <a:ext cx="2330474" cy="4534775"/>
+            </a:xfrm>
+            <a:prstGeom prst="snip2SameRect">
+              <a:avLst>
+                <a:gd name="adj1" fmla="val 35984"/>
+                <a:gd name="adj2" fmla="val 6290"/>
+              </a:avLst>
+            </a:prstGeom>
+          </p:spPr>
+          <p:style>
+            <a:lnRef idx="1">
+              <a:schemeClr val="accent5"/>
+            </a:lnRef>
+            <a:fillRef idx="2">
+              <a:schemeClr val="accent5"/>
+            </a:fillRef>
+            <a:effectRef idx="1">
+              <a:schemeClr val="accent5"/>
+            </a:effectRef>
+            <a:fontRef idx="minor">
+              <a:schemeClr val="dk1"/>
+            </a:fontRef>
+          </p:style>
+          <p:txBody>
+            <a:bodyPr vert="vert" rtlCol="0" anchor="ctr"/>
+            <a:lstStyle/>
+            <a:p>
+              <a:pPr lvl="2"/>
+              <a:endParaRPr lang="en-US" sz="1200" dirty="0"/>
+            </a:p>
+          </p:txBody>
+        </p:sp>
+        <p:sp>
+          <p:nvSpPr>
+            <p:cNvPr id="23" name="Oval 22"/>
+            <p:cNvSpPr/>
+            <p:nvPr/>
+          </p:nvSpPr>
+          <p:spPr>
+            <a:xfrm>
+              <a:off x="2011708" y="2366515"/>
+              <a:ext cx="1073285" cy="1042413"/>
+            </a:xfrm>
+            <a:prstGeom prst="ellipse">
+              <a:avLst/>
+            </a:prstGeom>
+          </p:spPr>
+          <p:style>
+            <a:lnRef idx="1">
+              <a:schemeClr val="dk1"/>
+            </a:lnRef>
+            <a:fillRef idx="2">
+              <a:schemeClr val="dk1"/>
+            </a:fillRef>
+            <a:effectRef idx="1">
+              <a:schemeClr val="dk1"/>
+            </a:effectRef>
+            <a:fontRef idx="minor">
+              <a:schemeClr val="dk1"/>
+            </a:fontRef>
+          </p:style>
+          <p:txBody>
+            <a:bodyPr rtlCol="0" anchor="ctr"/>
+            <a:lstStyle/>
+            <a:p>
+              <a:pPr algn="ctr"/>
+              <a:r>
+                <a:rPr lang="en-US" sz="1200" dirty="0" smtClean="0"/>
+                <a:t>Function</a:t>
+              </a:r>
+              <a:endParaRPr lang="en-US" sz="1200" dirty="0"/>
+            </a:p>
+          </p:txBody>
+        </p:sp>
+      </p:grpSp>
+      <p:grpSp>
+        <p:nvGrpSpPr>
+          <p:cNvPr id="27" name="Group 26"/>
+          <p:cNvGrpSpPr/>
+          <p:nvPr/>
+        </p:nvGrpSpPr>
+        <p:grpSpPr>
+          <a:xfrm>
+            <a:off x="2011708" y="2667846"/>
+            <a:ext cx="5405766" cy="932855"/>
+            <a:chOff x="2011708" y="1713970"/>
+            <a:chExt cx="5405766" cy="1042413"/>
+          </a:xfrm>
+        </p:grpSpPr>
+        <p:sp>
+          <p:nvSpPr>
+            <p:cNvPr id="28" name="Snip Same Side Corner Rectangle 27"/>
+            <p:cNvSpPr/>
+            <p:nvPr/>
+          </p:nvSpPr>
+          <p:spPr>
+            <a:xfrm rot="16200000">
+              <a:off x="4628881" y="-32211"/>
+              <a:ext cx="1042412" cy="4534775"/>
+            </a:xfrm>
+            <a:prstGeom prst="snip2SameRect">
+              <a:avLst>
+                <a:gd name="adj1" fmla="val 35984"/>
+                <a:gd name="adj2" fmla="val 6290"/>
+              </a:avLst>
+            </a:prstGeom>
+          </p:spPr>
+          <p:style>
+            <a:lnRef idx="1">
+              <a:schemeClr val="accent5"/>
+            </a:lnRef>
+            <a:fillRef idx="2">
+              <a:schemeClr val="accent5"/>
+            </a:fillRef>
+            <a:effectRef idx="1">
+              <a:schemeClr val="accent5"/>
+            </a:effectRef>
+            <a:fontRef idx="minor">
+              <a:schemeClr val="dk1"/>
+            </a:fontRef>
+          </p:style>
+          <p:txBody>
+            <a:bodyPr vert="vert" rtlCol="0" anchor="ctr"/>
+            <a:lstStyle/>
+            <a:p>
+              <a:pPr algn="ctr"/>
+              <a:endParaRPr lang="en-US" sz="1200" dirty="0" smtClean="0"/>
+            </a:p>
+          </p:txBody>
+        </p:sp>
+        <p:sp>
+          <p:nvSpPr>
+            <p:cNvPr id="29" name="Oval 28"/>
+            <p:cNvSpPr/>
+            <p:nvPr/>
+          </p:nvSpPr>
+          <p:spPr>
+            <a:xfrm>
+              <a:off x="2011708" y="1713970"/>
+              <a:ext cx="1073285" cy="1042413"/>
+            </a:xfrm>
+            <a:prstGeom prst="ellipse">
+              <a:avLst/>
+            </a:prstGeom>
+          </p:spPr>
+          <p:style>
+            <a:lnRef idx="1">
+              <a:schemeClr val="dk1"/>
+            </a:lnRef>
+            <a:fillRef idx="2">
+              <a:schemeClr val="dk1"/>
+            </a:fillRef>
+            <a:effectRef idx="1">
+              <a:schemeClr val="dk1"/>
+            </a:effectRef>
+            <a:fontRef idx="minor">
+              <a:schemeClr val="dk1"/>
+            </a:fontRef>
+          </p:style>
+          <p:txBody>
+            <a:bodyPr rtlCol="0" anchor="ctr"/>
+            <a:lstStyle/>
+            <a:p>
+              <a:pPr algn="ctr"/>
+              <a:r>
+                <a:rPr lang="en-US" sz="1200" dirty="0" smtClean="0"/>
+                <a:t>Hash</a:t>
+              </a:r>
+              <a:endParaRPr lang="en-US" sz="1200" dirty="0"/>
+            </a:p>
+          </p:txBody>
+        </p:sp>
+      </p:grpSp>
+      <p:pic>
+        <p:nvPicPr>
+          <p:cNvPr id="3" name="Picture 2"/>
+          <p:cNvPicPr>
+            <a:picLocks noChangeAspect="1"/>
+          </p:cNvPicPr>
+          <p:nvPr/>
+        </p:nvPicPr>
+        <p:blipFill>
+          <a:blip r:embed="rId2"/>
+          <a:stretch>
+            <a:fillRect/>
+          </a:stretch>
+        </p:blipFill>
+        <p:spPr>
+          <a:xfrm>
+            <a:off x="3543547" y="1631709"/>
+            <a:ext cx="3416300" cy="711200"/>
+          </a:xfrm>
+          <a:prstGeom prst="rect">
+            <a:avLst/>
+          </a:prstGeom>
+        </p:spPr>
+      </p:pic>
+      <p:pic>
+        <p:nvPicPr>
+          <p:cNvPr id="4" name="Picture 3"/>
+          <p:cNvPicPr>
+            <a:picLocks noChangeAspect="1"/>
+          </p:cNvPicPr>
+          <p:nvPr/>
+        </p:nvPicPr>
+        <p:blipFill>
+          <a:blip r:embed="rId3"/>
+          <a:stretch>
+            <a:fillRect/>
+          </a:stretch>
+        </p:blipFill>
+        <p:spPr>
+          <a:xfrm>
+            <a:off x="3543547" y="2785841"/>
+            <a:ext cx="3416300" cy="717926"/>
+          </a:xfrm>
+          <a:prstGeom prst="rect">
+            <a:avLst/>
+          </a:prstGeom>
+        </p:spPr>
+      </p:pic>
+      <p:pic>
+        <p:nvPicPr>
+          <p:cNvPr id="5" name="Picture 4"/>
+          <p:cNvPicPr>
+            <a:picLocks noChangeAspect="1"/>
+          </p:cNvPicPr>
+          <p:nvPr/>
+        </p:nvPicPr>
+        <p:blipFill>
+          <a:blip r:embed="rId4"/>
+          <a:stretch>
+            <a:fillRect/>
+          </a:stretch>
+        </p:blipFill>
+        <p:spPr>
+          <a:xfrm>
+            <a:off x="3543547" y="4084596"/>
+            <a:ext cx="3416300" cy="1464141"/>
+          </a:xfrm>
+          <a:prstGeom prst="rect">
+            <a:avLst/>
+          </a:prstGeom>
+        </p:spPr>
+      </p:pic>
+    </p:spTree>
+    <p:extLst>
+      <p:ext uri="{BB962C8B-B14F-4D97-AF65-F5344CB8AC3E}">
+        <p14:creationId xmlns:p14="http://schemas.microsoft.com/office/powerpoint/2010/main" val="1096577244"/>
       </p:ext>
     </p:extLst>
   </p:cSld>

--- a/docs/learn-computer-programming.pptx
+++ b/docs/learn-computer-programming.pptx
@@ -42,6 +42,14 @@
     <p:sldId id="291" r:id="rId36"/>
     <p:sldId id="292" r:id="rId37"/>
     <p:sldId id="293" r:id="rId38"/>
+    <p:sldId id="294" r:id="rId39"/>
+    <p:sldId id="295" r:id="rId40"/>
+    <p:sldId id="296" r:id="rId41"/>
+    <p:sldId id="301" r:id="rId42"/>
+    <p:sldId id="297" r:id="rId43"/>
+    <p:sldId id="298" r:id="rId44"/>
+    <p:sldId id="300" r:id="rId45"/>
+    <p:sldId id="299" r:id="rId46"/>
   </p:sldIdLst>
   <p:sldSz cx="9144000" cy="6858000" type="screen4x3"/>
   <p:notesSz cx="6858000" cy="9144000"/>
@@ -144,6 +152,753 @@
 </file>
 
 <file path=ppt/diagrams/colors1.xml><?xml version="1.0" encoding="utf-8"?>
+<dgm:colorsDef xmlns:dgm="http://schemas.openxmlformats.org/drawingml/2006/diagram" xmlns:a="http://schemas.openxmlformats.org/drawingml/2006/main" uniqueId="urn:microsoft.com/office/officeart/2005/8/colors/accent1_2">
+  <dgm:title val=""/>
+  <dgm:desc val=""/>
+  <dgm:catLst>
+    <dgm:cat type="accent1" pri="11200"/>
+  </dgm:catLst>
+  <dgm:styleLbl name="node0">
+    <dgm:fillClrLst meth="repeat">
+      <a:schemeClr val="accent1"/>
+    </dgm:fillClrLst>
+    <dgm:linClrLst meth="repeat">
+      <a:schemeClr val="lt1"/>
+    </dgm:linClrLst>
+    <dgm:effectClrLst/>
+    <dgm:txLinClrLst/>
+    <dgm:txFillClrLst/>
+    <dgm:txEffectClrLst/>
+  </dgm:styleLbl>
+  <dgm:styleLbl name="alignNode1">
+    <dgm:fillClrLst meth="repeat">
+      <a:schemeClr val="accent1"/>
+    </dgm:fillClrLst>
+    <dgm:linClrLst meth="repeat">
+      <a:schemeClr val="accent1"/>
+    </dgm:linClrLst>
+    <dgm:effectClrLst/>
+    <dgm:txLinClrLst/>
+    <dgm:txFillClrLst/>
+    <dgm:txEffectClrLst/>
+  </dgm:styleLbl>
+  <dgm:styleLbl name="node1">
+    <dgm:fillClrLst meth="repeat">
+      <a:schemeClr val="accent1"/>
+    </dgm:fillClrLst>
+    <dgm:linClrLst meth="repeat">
+      <a:schemeClr val="lt1"/>
+    </dgm:linClrLst>
+    <dgm:effectClrLst/>
+    <dgm:txLinClrLst/>
+    <dgm:txFillClrLst/>
+    <dgm:txEffectClrLst/>
+  </dgm:styleLbl>
+  <dgm:styleLbl name="lnNode1">
+    <dgm:fillClrLst meth="repeat">
+      <a:schemeClr val="accent1"/>
+    </dgm:fillClrLst>
+    <dgm:linClrLst meth="repeat">
+      <a:schemeClr val="lt1"/>
+    </dgm:linClrLst>
+    <dgm:effectClrLst/>
+    <dgm:txLinClrLst/>
+    <dgm:txFillClrLst/>
+    <dgm:txEffectClrLst/>
+  </dgm:styleLbl>
+  <dgm:styleLbl name="vennNode1">
+    <dgm:fillClrLst meth="repeat">
+      <a:schemeClr val="accent1">
+        <a:alpha val="50000"/>
+      </a:schemeClr>
+    </dgm:fillClrLst>
+    <dgm:linClrLst meth="repeat">
+      <a:schemeClr val="lt1"/>
+    </dgm:linClrLst>
+    <dgm:effectClrLst/>
+    <dgm:txLinClrLst/>
+    <dgm:txFillClrLst/>
+    <dgm:txEffectClrLst/>
+  </dgm:styleLbl>
+  <dgm:styleLbl name="node2">
+    <dgm:fillClrLst meth="repeat">
+      <a:schemeClr val="accent1"/>
+    </dgm:fillClrLst>
+    <dgm:linClrLst meth="repeat">
+      <a:schemeClr val="lt1"/>
+    </dgm:linClrLst>
+    <dgm:effectClrLst/>
+    <dgm:txLinClrLst/>
+    <dgm:txFillClrLst/>
+    <dgm:txEffectClrLst/>
+  </dgm:styleLbl>
+  <dgm:styleLbl name="node3">
+    <dgm:fillClrLst meth="repeat">
+      <a:schemeClr val="accent1"/>
+    </dgm:fillClrLst>
+    <dgm:linClrLst meth="repeat">
+      <a:schemeClr val="lt1"/>
+    </dgm:linClrLst>
+    <dgm:effectClrLst/>
+    <dgm:txLinClrLst/>
+    <dgm:txFillClrLst/>
+    <dgm:txEffectClrLst/>
+  </dgm:styleLbl>
+  <dgm:styleLbl name="node4">
+    <dgm:fillClrLst meth="repeat">
+      <a:schemeClr val="accent1"/>
+    </dgm:fillClrLst>
+    <dgm:linClrLst meth="repeat">
+      <a:schemeClr val="lt1"/>
+    </dgm:linClrLst>
+    <dgm:effectClrLst/>
+    <dgm:txLinClrLst/>
+    <dgm:txFillClrLst/>
+    <dgm:txEffectClrLst/>
+  </dgm:styleLbl>
+  <dgm:styleLbl name="fgImgPlace1">
+    <dgm:fillClrLst meth="repeat">
+      <a:schemeClr val="accent1">
+        <a:tint val="50000"/>
+      </a:schemeClr>
+    </dgm:fillClrLst>
+    <dgm:linClrLst meth="repeat">
+      <a:schemeClr val="lt1"/>
+    </dgm:linClrLst>
+    <dgm:effectClrLst/>
+    <dgm:txLinClrLst/>
+    <dgm:txFillClrLst meth="repeat">
+      <a:schemeClr val="lt1"/>
+    </dgm:txFillClrLst>
+    <dgm:txEffectClrLst/>
+  </dgm:styleLbl>
+  <dgm:styleLbl name="alignImgPlace1">
+    <dgm:fillClrLst meth="repeat">
+      <a:schemeClr val="accent1">
+        <a:tint val="50000"/>
+      </a:schemeClr>
+    </dgm:fillClrLst>
+    <dgm:linClrLst meth="repeat">
+      <a:schemeClr val="lt1"/>
+    </dgm:linClrLst>
+    <dgm:effectClrLst/>
+    <dgm:txLinClrLst/>
+    <dgm:txFillClrLst meth="repeat">
+      <a:schemeClr val="lt1"/>
+    </dgm:txFillClrLst>
+    <dgm:txEffectClrLst/>
+  </dgm:styleLbl>
+  <dgm:styleLbl name="bgImgPlace1">
+    <dgm:fillClrLst meth="repeat">
+      <a:schemeClr val="accent1">
+        <a:tint val="50000"/>
+      </a:schemeClr>
+    </dgm:fillClrLst>
+    <dgm:linClrLst meth="repeat">
+      <a:schemeClr val="lt1"/>
+    </dgm:linClrLst>
+    <dgm:effectClrLst/>
+    <dgm:txLinClrLst/>
+    <dgm:txFillClrLst meth="repeat">
+      <a:schemeClr val="lt1"/>
+    </dgm:txFillClrLst>
+    <dgm:txEffectClrLst/>
+  </dgm:styleLbl>
+  <dgm:styleLbl name="sibTrans2D1">
+    <dgm:fillClrLst meth="repeat">
+      <a:schemeClr val="accent1">
+        <a:tint val="60000"/>
+      </a:schemeClr>
+    </dgm:fillClrLst>
+    <dgm:linClrLst meth="repeat">
+      <a:schemeClr val="accent1">
+        <a:tint val="60000"/>
+      </a:schemeClr>
+    </dgm:linClrLst>
+    <dgm:effectClrLst/>
+    <dgm:txLinClrLst/>
+    <dgm:txFillClrLst/>
+    <dgm:txEffectClrLst/>
+  </dgm:styleLbl>
+  <dgm:styleLbl name="fgSibTrans2D1">
+    <dgm:fillClrLst meth="repeat">
+      <a:schemeClr val="accent1">
+        <a:tint val="60000"/>
+      </a:schemeClr>
+    </dgm:fillClrLst>
+    <dgm:linClrLst meth="repeat">
+      <a:schemeClr val="accent1">
+        <a:tint val="60000"/>
+      </a:schemeClr>
+    </dgm:linClrLst>
+    <dgm:effectClrLst/>
+    <dgm:txLinClrLst/>
+    <dgm:txFillClrLst/>
+    <dgm:txEffectClrLst/>
+  </dgm:styleLbl>
+  <dgm:styleLbl name="bgSibTrans2D1">
+    <dgm:fillClrLst meth="repeat">
+      <a:schemeClr val="accent1">
+        <a:tint val="60000"/>
+      </a:schemeClr>
+    </dgm:fillClrLst>
+    <dgm:linClrLst meth="repeat">
+      <a:schemeClr val="accent1">
+        <a:tint val="60000"/>
+      </a:schemeClr>
+    </dgm:linClrLst>
+    <dgm:effectClrLst/>
+    <dgm:txLinClrLst/>
+    <dgm:txFillClrLst/>
+    <dgm:txEffectClrLst/>
+  </dgm:styleLbl>
+  <dgm:styleLbl name="sibTrans1D1">
+    <dgm:fillClrLst meth="repeat">
+      <a:schemeClr val="accent1"/>
+    </dgm:fillClrLst>
+    <dgm:linClrLst meth="repeat">
+      <a:schemeClr val="accent1"/>
+    </dgm:linClrLst>
+    <dgm:effectClrLst/>
+    <dgm:txLinClrLst/>
+    <dgm:txFillClrLst meth="repeat">
+      <a:schemeClr val="tx1"/>
+    </dgm:txFillClrLst>
+    <dgm:txEffectClrLst/>
+  </dgm:styleLbl>
+  <dgm:styleLbl name="callout">
+    <dgm:fillClrLst meth="repeat">
+      <a:schemeClr val="accent1"/>
+    </dgm:fillClrLst>
+    <dgm:linClrLst meth="repeat">
+      <a:schemeClr val="accent1">
+        <a:tint val="50000"/>
+      </a:schemeClr>
+    </dgm:linClrLst>
+    <dgm:effectClrLst/>
+    <dgm:txLinClrLst/>
+    <dgm:txFillClrLst meth="repeat">
+      <a:schemeClr val="tx1"/>
+    </dgm:txFillClrLst>
+    <dgm:txEffectClrLst/>
+  </dgm:styleLbl>
+  <dgm:styleLbl name="asst0">
+    <dgm:fillClrLst meth="repeat">
+      <a:schemeClr val="accent1"/>
+    </dgm:fillClrLst>
+    <dgm:linClrLst meth="repeat">
+      <a:schemeClr val="lt1"/>
+    </dgm:linClrLst>
+    <dgm:effectClrLst/>
+    <dgm:txLinClrLst/>
+    <dgm:txFillClrLst/>
+    <dgm:txEffectClrLst/>
+  </dgm:styleLbl>
+  <dgm:styleLbl name="asst1">
+    <dgm:fillClrLst meth="repeat">
+      <a:schemeClr val="accent1"/>
+    </dgm:fillClrLst>
+    <dgm:linClrLst meth="repeat">
+      <a:schemeClr val="lt1"/>
+    </dgm:linClrLst>
+    <dgm:effectClrLst/>
+    <dgm:txLinClrLst/>
+    <dgm:txFillClrLst/>
+    <dgm:txEffectClrLst/>
+  </dgm:styleLbl>
+  <dgm:styleLbl name="asst2">
+    <dgm:fillClrLst meth="repeat">
+      <a:schemeClr val="accent1"/>
+    </dgm:fillClrLst>
+    <dgm:linClrLst meth="repeat">
+      <a:schemeClr val="lt1"/>
+    </dgm:linClrLst>
+    <dgm:effectClrLst/>
+    <dgm:txLinClrLst/>
+    <dgm:txFillClrLst/>
+    <dgm:txEffectClrLst/>
+  </dgm:styleLbl>
+  <dgm:styleLbl name="asst3">
+    <dgm:fillClrLst meth="repeat">
+      <a:schemeClr val="accent1"/>
+    </dgm:fillClrLst>
+    <dgm:linClrLst meth="repeat">
+      <a:schemeClr val="lt1"/>
+    </dgm:linClrLst>
+    <dgm:effectClrLst/>
+    <dgm:txLinClrLst/>
+    <dgm:txFillClrLst/>
+    <dgm:txEffectClrLst/>
+  </dgm:styleLbl>
+  <dgm:styleLbl name="asst4">
+    <dgm:fillClrLst meth="repeat">
+      <a:schemeClr val="accent1"/>
+    </dgm:fillClrLst>
+    <dgm:linClrLst meth="repeat">
+      <a:schemeClr val="lt1"/>
+    </dgm:linClrLst>
+    <dgm:effectClrLst/>
+    <dgm:txLinClrLst/>
+    <dgm:txFillClrLst/>
+    <dgm:txEffectClrLst/>
+  </dgm:styleLbl>
+  <dgm:styleLbl name="parChTrans2D1">
+    <dgm:fillClrLst meth="repeat">
+      <a:schemeClr val="accent1">
+        <a:tint val="60000"/>
+      </a:schemeClr>
+    </dgm:fillClrLst>
+    <dgm:linClrLst meth="repeat">
+      <a:schemeClr val="accent1">
+        <a:tint val="60000"/>
+      </a:schemeClr>
+    </dgm:linClrLst>
+    <dgm:effectClrLst/>
+    <dgm:txLinClrLst/>
+    <dgm:txFillClrLst meth="repeat">
+      <a:schemeClr val="lt1"/>
+    </dgm:txFillClrLst>
+    <dgm:txEffectClrLst/>
+  </dgm:styleLbl>
+  <dgm:styleLbl name="parChTrans2D2">
+    <dgm:fillClrLst meth="repeat">
+      <a:schemeClr val="accent1"/>
+    </dgm:fillClrLst>
+    <dgm:linClrLst meth="repeat">
+      <a:schemeClr val="accent1"/>
+    </dgm:linClrLst>
+    <dgm:effectClrLst/>
+    <dgm:txLinClrLst/>
+    <dgm:txFillClrLst meth="repeat">
+      <a:schemeClr val="lt1"/>
+    </dgm:txFillClrLst>
+    <dgm:txEffectClrLst/>
+  </dgm:styleLbl>
+  <dgm:styleLbl name="parChTrans2D3">
+    <dgm:fillClrLst meth="repeat">
+      <a:schemeClr val="accent1"/>
+    </dgm:fillClrLst>
+    <dgm:linClrLst meth="repeat">
+      <a:schemeClr val="accent1"/>
+    </dgm:linClrLst>
+    <dgm:effectClrLst/>
+    <dgm:txLinClrLst/>
+    <dgm:txFillClrLst meth="repeat">
+      <a:schemeClr val="lt1"/>
+    </dgm:txFillClrLst>
+    <dgm:txEffectClrLst/>
+  </dgm:styleLbl>
+  <dgm:styleLbl name="parChTrans2D4">
+    <dgm:fillClrLst meth="repeat">
+      <a:schemeClr val="accent1"/>
+    </dgm:fillClrLst>
+    <dgm:linClrLst meth="repeat">
+      <a:schemeClr val="accent1"/>
+    </dgm:linClrLst>
+    <dgm:effectClrLst/>
+    <dgm:txLinClrLst/>
+    <dgm:txFillClrLst meth="repeat">
+      <a:schemeClr val="lt1"/>
+    </dgm:txFillClrLst>
+    <dgm:txEffectClrLst/>
+  </dgm:styleLbl>
+  <dgm:styleLbl name="parChTrans1D1">
+    <dgm:fillClrLst meth="repeat">
+      <a:schemeClr val="accent1"/>
+    </dgm:fillClrLst>
+    <dgm:linClrLst meth="repeat">
+      <a:schemeClr val="accent1">
+        <a:shade val="60000"/>
+      </a:schemeClr>
+    </dgm:linClrLst>
+    <dgm:effectClrLst/>
+    <dgm:txLinClrLst/>
+    <dgm:txFillClrLst meth="repeat">
+      <a:schemeClr val="tx1"/>
+    </dgm:txFillClrLst>
+    <dgm:txEffectClrLst/>
+  </dgm:styleLbl>
+  <dgm:styleLbl name="parChTrans1D2">
+    <dgm:fillClrLst meth="repeat">
+      <a:schemeClr val="accent1"/>
+    </dgm:fillClrLst>
+    <dgm:linClrLst meth="repeat">
+      <a:schemeClr val="accent1">
+        <a:shade val="60000"/>
+      </a:schemeClr>
+    </dgm:linClrLst>
+    <dgm:effectClrLst/>
+    <dgm:txLinClrLst/>
+    <dgm:txFillClrLst meth="repeat">
+      <a:schemeClr val="tx1"/>
+    </dgm:txFillClrLst>
+    <dgm:txEffectClrLst/>
+  </dgm:styleLbl>
+  <dgm:styleLbl name="parChTrans1D3">
+    <dgm:fillClrLst meth="repeat">
+      <a:schemeClr val="accent1"/>
+    </dgm:fillClrLst>
+    <dgm:linClrLst meth="repeat">
+      <a:schemeClr val="accent1">
+        <a:shade val="80000"/>
+      </a:schemeClr>
+    </dgm:linClrLst>
+    <dgm:effectClrLst/>
+    <dgm:txLinClrLst/>
+    <dgm:txFillClrLst meth="repeat">
+      <a:schemeClr val="tx1"/>
+    </dgm:txFillClrLst>
+    <dgm:txEffectClrLst/>
+  </dgm:styleLbl>
+  <dgm:styleLbl name="parChTrans1D4">
+    <dgm:fillClrLst meth="repeat">
+      <a:schemeClr val="accent1"/>
+    </dgm:fillClrLst>
+    <dgm:linClrLst meth="repeat">
+      <a:schemeClr val="accent1">
+        <a:shade val="80000"/>
+      </a:schemeClr>
+    </dgm:linClrLst>
+    <dgm:effectClrLst/>
+    <dgm:txLinClrLst/>
+    <dgm:txFillClrLst meth="repeat">
+      <a:schemeClr val="tx1"/>
+    </dgm:txFillClrLst>
+    <dgm:txEffectClrLst/>
+  </dgm:styleLbl>
+  <dgm:styleLbl name="fgAcc1">
+    <dgm:fillClrLst meth="repeat">
+      <a:schemeClr val="lt1">
+        <a:alpha val="90000"/>
+      </a:schemeClr>
+    </dgm:fillClrLst>
+    <dgm:linClrLst meth="repeat">
+      <a:schemeClr val="accent1"/>
+    </dgm:linClrLst>
+    <dgm:effectClrLst/>
+    <dgm:txLinClrLst/>
+    <dgm:txFillClrLst meth="repeat">
+      <a:schemeClr val="dk1"/>
+    </dgm:txFillClrLst>
+    <dgm:txEffectClrLst/>
+  </dgm:styleLbl>
+  <dgm:styleLbl name="conFgAcc1">
+    <dgm:fillClrLst meth="repeat">
+      <a:schemeClr val="lt1">
+        <a:alpha val="90000"/>
+      </a:schemeClr>
+    </dgm:fillClrLst>
+    <dgm:linClrLst meth="repeat">
+      <a:schemeClr val="accent1"/>
+    </dgm:linClrLst>
+    <dgm:effectClrLst/>
+    <dgm:txLinClrLst/>
+    <dgm:txFillClrLst meth="repeat">
+      <a:schemeClr val="dk1"/>
+    </dgm:txFillClrLst>
+    <dgm:txEffectClrLst/>
+  </dgm:styleLbl>
+  <dgm:styleLbl name="alignAcc1">
+    <dgm:fillClrLst meth="repeat">
+      <a:schemeClr val="lt1">
+        <a:alpha val="90000"/>
+      </a:schemeClr>
+    </dgm:fillClrLst>
+    <dgm:linClrLst meth="repeat">
+      <a:schemeClr val="accent1"/>
+    </dgm:linClrLst>
+    <dgm:effectClrLst/>
+    <dgm:txLinClrLst/>
+    <dgm:txFillClrLst meth="repeat">
+      <a:schemeClr val="dk1"/>
+    </dgm:txFillClrLst>
+    <dgm:txEffectClrLst/>
+  </dgm:styleLbl>
+  <dgm:styleLbl name="trAlignAcc1">
+    <dgm:fillClrLst meth="repeat">
+      <a:schemeClr val="lt1">
+        <a:alpha val="40000"/>
+      </a:schemeClr>
+    </dgm:fillClrLst>
+    <dgm:linClrLst meth="repeat">
+      <a:schemeClr val="accent1"/>
+    </dgm:linClrLst>
+    <dgm:effectClrLst/>
+    <dgm:txLinClrLst/>
+    <dgm:txFillClrLst meth="repeat">
+      <a:schemeClr val="dk1"/>
+    </dgm:txFillClrLst>
+    <dgm:txEffectClrLst/>
+  </dgm:styleLbl>
+  <dgm:styleLbl name="bgAcc1">
+    <dgm:fillClrLst meth="repeat">
+      <a:schemeClr val="lt1">
+        <a:alpha val="90000"/>
+      </a:schemeClr>
+    </dgm:fillClrLst>
+    <dgm:linClrLst meth="repeat">
+      <a:schemeClr val="accent1"/>
+    </dgm:linClrLst>
+    <dgm:effectClrLst/>
+    <dgm:txLinClrLst/>
+    <dgm:txFillClrLst meth="repeat">
+      <a:schemeClr val="dk1"/>
+    </dgm:txFillClrLst>
+    <dgm:txEffectClrLst/>
+  </dgm:styleLbl>
+  <dgm:styleLbl name="solidFgAcc1">
+    <dgm:fillClrLst meth="repeat">
+      <a:schemeClr val="lt1"/>
+    </dgm:fillClrLst>
+    <dgm:linClrLst meth="repeat">
+      <a:schemeClr val="accent1"/>
+    </dgm:linClrLst>
+    <dgm:effectClrLst/>
+    <dgm:txLinClrLst/>
+    <dgm:txFillClrLst meth="repeat">
+      <a:schemeClr val="dk1"/>
+    </dgm:txFillClrLst>
+    <dgm:txEffectClrLst/>
+  </dgm:styleLbl>
+  <dgm:styleLbl name="solidAlignAcc1">
+    <dgm:fillClrLst meth="repeat">
+      <a:schemeClr val="lt1"/>
+    </dgm:fillClrLst>
+    <dgm:linClrLst meth="repeat">
+      <a:schemeClr val="accent1"/>
+    </dgm:linClrLst>
+    <dgm:effectClrLst/>
+    <dgm:txLinClrLst/>
+    <dgm:txFillClrLst meth="repeat">
+      <a:schemeClr val="dk1"/>
+    </dgm:txFillClrLst>
+    <dgm:txEffectClrLst/>
+  </dgm:styleLbl>
+  <dgm:styleLbl name="solidBgAcc1">
+    <dgm:fillClrLst meth="repeat">
+      <a:schemeClr val="lt1"/>
+    </dgm:fillClrLst>
+    <dgm:linClrLst meth="repeat">
+      <a:schemeClr val="accent1"/>
+    </dgm:linClrLst>
+    <dgm:effectClrLst/>
+    <dgm:txLinClrLst/>
+    <dgm:txFillClrLst meth="repeat">
+      <a:schemeClr val="dk1"/>
+    </dgm:txFillClrLst>
+    <dgm:txEffectClrLst/>
+  </dgm:styleLbl>
+  <dgm:styleLbl name="fgAccFollowNode1">
+    <dgm:fillClrLst meth="repeat">
+      <a:schemeClr val="accent1">
+        <a:alpha val="90000"/>
+        <a:tint val="40000"/>
+      </a:schemeClr>
+    </dgm:fillClrLst>
+    <dgm:linClrLst meth="repeat">
+      <a:schemeClr val="accent1">
+        <a:alpha val="90000"/>
+        <a:tint val="40000"/>
+      </a:schemeClr>
+    </dgm:linClrLst>
+    <dgm:effectClrLst/>
+    <dgm:txLinClrLst/>
+    <dgm:txFillClrLst meth="repeat">
+      <a:schemeClr val="dk1"/>
+    </dgm:txFillClrLst>
+    <dgm:txEffectClrLst/>
+  </dgm:styleLbl>
+  <dgm:styleLbl name="alignAccFollowNode1">
+    <dgm:fillClrLst meth="repeat">
+      <a:schemeClr val="accent1">
+        <a:alpha val="90000"/>
+        <a:tint val="40000"/>
+      </a:schemeClr>
+    </dgm:fillClrLst>
+    <dgm:linClrLst meth="repeat">
+      <a:schemeClr val="accent1">
+        <a:alpha val="90000"/>
+        <a:tint val="40000"/>
+      </a:schemeClr>
+    </dgm:linClrLst>
+    <dgm:effectClrLst/>
+    <dgm:txLinClrLst/>
+    <dgm:txFillClrLst meth="repeat">
+      <a:schemeClr val="dk1"/>
+    </dgm:txFillClrLst>
+    <dgm:txEffectClrLst/>
+  </dgm:styleLbl>
+  <dgm:styleLbl name="bgAccFollowNode1">
+    <dgm:fillClrLst meth="repeat">
+      <a:schemeClr val="accent1">
+        <a:alpha val="90000"/>
+        <a:tint val="40000"/>
+      </a:schemeClr>
+    </dgm:fillClrLst>
+    <dgm:linClrLst meth="repeat">
+      <a:schemeClr val="accent1">
+        <a:alpha val="90000"/>
+        <a:tint val="40000"/>
+      </a:schemeClr>
+    </dgm:linClrLst>
+    <dgm:effectClrLst/>
+    <dgm:txLinClrLst/>
+    <dgm:txFillClrLst meth="repeat">
+      <a:schemeClr val="dk1"/>
+    </dgm:txFillClrLst>
+    <dgm:txEffectClrLst/>
+  </dgm:styleLbl>
+  <dgm:styleLbl name="fgAcc0">
+    <dgm:fillClrLst meth="repeat">
+      <a:schemeClr val="lt1">
+        <a:alpha val="90000"/>
+      </a:schemeClr>
+    </dgm:fillClrLst>
+    <dgm:linClrLst meth="repeat">
+      <a:schemeClr val="accent1"/>
+    </dgm:linClrLst>
+    <dgm:effectClrLst/>
+    <dgm:txLinClrLst/>
+    <dgm:txFillClrLst meth="repeat">
+      <a:schemeClr val="dk1"/>
+    </dgm:txFillClrLst>
+    <dgm:txEffectClrLst/>
+  </dgm:styleLbl>
+  <dgm:styleLbl name="fgAcc2">
+    <dgm:fillClrLst meth="repeat">
+      <a:schemeClr val="lt1">
+        <a:alpha val="90000"/>
+      </a:schemeClr>
+    </dgm:fillClrLst>
+    <dgm:linClrLst meth="repeat">
+      <a:schemeClr val="accent1"/>
+    </dgm:linClrLst>
+    <dgm:effectClrLst/>
+    <dgm:txLinClrLst/>
+    <dgm:txFillClrLst meth="repeat">
+      <a:schemeClr val="dk1"/>
+    </dgm:txFillClrLst>
+    <dgm:txEffectClrLst/>
+  </dgm:styleLbl>
+  <dgm:styleLbl name="fgAcc3">
+    <dgm:fillClrLst meth="repeat">
+      <a:schemeClr val="lt1">
+        <a:alpha val="90000"/>
+      </a:schemeClr>
+    </dgm:fillClrLst>
+    <dgm:linClrLst meth="repeat">
+      <a:schemeClr val="accent1"/>
+    </dgm:linClrLst>
+    <dgm:effectClrLst/>
+    <dgm:txLinClrLst/>
+    <dgm:txFillClrLst meth="repeat">
+      <a:schemeClr val="dk1"/>
+    </dgm:txFillClrLst>
+    <dgm:txEffectClrLst/>
+  </dgm:styleLbl>
+  <dgm:styleLbl name="fgAcc4">
+    <dgm:fillClrLst meth="repeat">
+      <a:schemeClr val="lt1">
+        <a:alpha val="90000"/>
+      </a:schemeClr>
+    </dgm:fillClrLst>
+    <dgm:linClrLst meth="repeat">
+      <a:schemeClr val="accent1"/>
+    </dgm:linClrLst>
+    <dgm:effectClrLst/>
+    <dgm:txLinClrLst/>
+    <dgm:txFillClrLst meth="repeat">
+      <a:schemeClr val="dk1"/>
+    </dgm:txFillClrLst>
+    <dgm:txEffectClrLst/>
+  </dgm:styleLbl>
+  <dgm:styleLbl name="bgShp">
+    <dgm:fillClrLst meth="repeat">
+      <a:schemeClr val="accent1">
+        <a:tint val="40000"/>
+      </a:schemeClr>
+    </dgm:fillClrLst>
+    <dgm:linClrLst meth="repeat">
+      <a:schemeClr val="accent1"/>
+    </dgm:linClrLst>
+    <dgm:effectClrLst/>
+    <dgm:txLinClrLst/>
+    <dgm:txFillClrLst meth="repeat">
+      <a:schemeClr val="dk1"/>
+    </dgm:txFillClrLst>
+    <dgm:txEffectClrLst/>
+  </dgm:styleLbl>
+  <dgm:styleLbl name="dkBgShp">
+    <dgm:fillClrLst meth="repeat">
+      <a:schemeClr val="accent1">
+        <a:shade val="80000"/>
+      </a:schemeClr>
+    </dgm:fillClrLst>
+    <dgm:linClrLst meth="repeat">
+      <a:schemeClr val="accent1"/>
+    </dgm:linClrLst>
+    <dgm:effectClrLst/>
+    <dgm:txLinClrLst/>
+    <dgm:txFillClrLst meth="repeat">
+      <a:schemeClr val="lt1"/>
+    </dgm:txFillClrLst>
+    <dgm:txEffectClrLst/>
+  </dgm:styleLbl>
+  <dgm:styleLbl name="trBgShp">
+    <dgm:fillClrLst meth="repeat">
+      <a:schemeClr val="accent1">
+        <a:tint val="50000"/>
+        <a:alpha val="40000"/>
+      </a:schemeClr>
+    </dgm:fillClrLst>
+    <dgm:linClrLst meth="repeat">
+      <a:schemeClr val="accent1"/>
+    </dgm:linClrLst>
+    <dgm:effectClrLst/>
+    <dgm:txLinClrLst/>
+    <dgm:txFillClrLst meth="repeat">
+      <a:schemeClr val="lt1"/>
+    </dgm:txFillClrLst>
+    <dgm:txEffectClrLst/>
+  </dgm:styleLbl>
+  <dgm:styleLbl name="fgShp">
+    <dgm:fillClrLst meth="repeat">
+      <a:schemeClr val="accent1">
+        <a:tint val="60000"/>
+      </a:schemeClr>
+    </dgm:fillClrLst>
+    <dgm:linClrLst meth="repeat">
+      <a:schemeClr val="lt1"/>
+    </dgm:linClrLst>
+    <dgm:effectClrLst/>
+    <dgm:txLinClrLst/>
+    <dgm:txFillClrLst meth="repeat">
+      <a:schemeClr val="dk1"/>
+    </dgm:txFillClrLst>
+    <dgm:txEffectClrLst/>
+  </dgm:styleLbl>
+  <dgm:styleLbl name="revTx">
+    <dgm:fillClrLst meth="repeat">
+      <a:schemeClr val="lt1">
+        <a:alpha val="0"/>
+      </a:schemeClr>
+    </dgm:fillClrLst>
+    <dgm:linClrLst meth="repeat">
+      <a:schemeClr val="dk1">
+        <a:alpha val="0"/>
+      </a:schemeClr>
+    </dgm:linClrLst>
+    <dgm:effectClrLst/>
+    <dgm:txLinClrLst/>
+    <dgm:txFillClrLst meth="repeat">
+      <a:schemeClr val="tx1"/>
+    </dgm:txFillClrLst>
+    <dgm:txEffectClrLst/>
+  </dgm:styleLbl>
+</dgm:colorsDef>
+</file>
+
+<file path=ppt/diagrams/colors2.xml><?xml version="1.0" encoding="utf-8"?>
 <dgm:colorsDef xmlns:dgm="http://schemas.openxmlformats.org/drawingml/2006/diagram" xmlns:a="http://schemas.openxmlformats.org/drawingml/2006/main" uniqueId="urn:microsoft.com/office/officeart/2005/8/colors/accent1_2">
   <dgm:title val=""/>
   <dgm:desc val=""/>
@@ -1275,6 +2030,13 @@
         </dgm:presLayoutVars>
       </dgm:prSet>
       <dgm:spPr/>
+      <dgm:t>
+        <a:bodyPr/>
+        <a:lstStyle/>
+        <a:p>
+          <a:endParaRPr lang="en-US"/>
+        </a:p>
+      </dgm:t>
     </dgm:pt>
     <dgm:pt modelId="{AFBF1B26-876E-5B4F-868D-ECF533517B41}" type="pres">
       <dgm:prSet presAssocID="{960CE163-DF35-2B44-83E7-B9153BC66084}" presName="hierRoot1" presStyleCnt="0"/>
@@ -1295,6 +2057,13 @@
         </dgm:presLayoutVars>
       </dgm:prSet>
       <dgm:spPr/>
+      <dgm:t>
+        <a:bodyPr/>
+        <a:lstStyle/>
+        <a:p>
+          <a:endParaRPr lang="en-US"/>
+        </a:p>
+      </dgm:t>
     </dgm:pt>
     <dgm:pt modelId="{BE0F867F-BE80-FD4F-A022-F1E0405A48F1}" type="pres">
       <dgm:prSet presAssocID="{960CE163-DF35-2B44-83E7-B9153BC66084}" presName="hierChild2" presStyleCnt="0"/>
@@ -1303,6 +2072,13 @@
     <dgm:pt modelId="{6B84F89A-BB62-184B-ACA8-8A1AAAE34DE1}" type="pres">
       <dgm:prSet presAssocID="{D0F565E7-5D70-054E-90E0-C19FE13B6790}" presName="Name10" presStyleLbl="parChTrans1D2" presStyleIdx="0" presStyleCnt="4"/>
       <dgm:spPr/>
+      <dgm:t>
+        <a:bodyPr/>
+        <a:lstStyle/>
+        <a:p>
+          <a:endParaRPr lang="en-US"/>
+        </a:p>
+      </dgm:t>
     </dgm:pt>
     <dgm:pt modelId="{57186F82-921A-384B-9A88-E6F59E2B58CF}" type="pres">
       <dgm:prSet presAssocID="{AE7EA77A-1D8E-3F42-95E1-4EB11A443A81}" presName="hierRoot2" presStyleCnt="0"/>
@@ -1323,6 +2099,13 @@
         </dgm:presLayoutVars>
       </dgm:prSet>
       <dgm:spPr/>
+      <dgm:t>
+        <a:bodyPr/>
+        <a:lstStyle/>
+        <a:p>
+          <a:endParaRPr lang="en-US"/>
+        </a:p>
+      </dgm:t>
     </dgm:pt>
     <dgm:pt modelId="{30275E42-2EF8-8541-8588-8D52956296D0}" type="pres">
       <dgm:prSet presAssocID="{AE7EA77A-1D8E-3F42-95E1-4EB11A443A81}" presName="hierChild3" presStyleCnt="0"/>
@@ -1331,6 +2114,13 @@
     <dgm:pt modelId="{C6BA431E-FA40-1D4E-A3D8-2A8BD37A2453}" type="pres">
       <dgm:prSet presAssocID="{8C382D6E-A069-234E-96CC-A5A865E2BBBD}" presName="Name17" presStyleLbl="parChTrans1D3" presStyleIdx="0" presStyleCnt="5"/>
       <dgm:spPr/>
+      <dgm:t>
+        <a:bodyPr/>
+        <a:lstStyle/>
+        <a:p>
+          <a:endParaRPr lang="en-US"/>
+        </a:p>
+      </dgm:t>
     </dgm:pt>
     <dgm:pt modelId="{FA49C2F0-0FFB-3146-92B9-688B6A49F1AC}" type="pres">
       <dgm:prSet presAssocID="{4261D7F4-A7D0-3F49-B78A-20CFB380B683}" presName="hierRoot3" presStyleCnt="0"/>
@@ -1351,6 +2141,13 @@
         </dgm:presLayoutVars>
       </dgm:prSet>
       <dgm:spPr/>
+      <dgm:t>
+        <a:bodyPr/>
+        <a:lstStyle/>
+        <a:p>
+          <a:endParaRPr lang="en-US"/>
+        </a:p>
+      </dgm:t>
     </dgm:pt>
     <dgm:pt modelId="{45C7168E-E470-0B41-BADA-058CAF77E69B}" type="pres">
       <dgm:prSet presAssocID="{4261D7F4-A7D0-3F49-B78A-20CFB380B683}" presName="hierChild4" presStyleCnt="0"/>
@@ -1359,6 +2156,13 @@
     <dgm:pt modelId="{28156514-4C64-AE45-A406-98283D6076D6}" type="pres">
       <dgm:prSet presAssocID="{4810192D-B607-5A42-8DCE-8CFCF1A82427}" presName="Name17" presStyleLbl="parChTrans1D3" presStyleIdx="1" presStyleCnt="5"/>
       <dgm:spPr/>
+      <dgm:t>
+        <a:bodyPr/>
+        <a:lstStyle/>
+        <a:p>
+          <a:endParaRPr lang="en-US"/>
+        </a:p>
+      </dgm:t>
     </dgm:pt>
     <dgm:pt modelId="{6EB05EE5-0B4E-B94A-957D-24E8465F731F}" type="pres">
       <dgm:prSet presAssocID="{A215CF19-F4EB-414A-A10F-B2A96141FE91}" presName="hierRoot3" presStyleCnt="0"/>
@@ -1394,6 +2198,13 @@
     <dgm:pt modelId="{8CFA3E84-678E-C345-8D46-63E85CF195E2}" type="pres">
       <dgm:prSet presAssocID="{6C0275DE-9DFE-0E43-8DDA-D28DD222D71F}" presName="Name10" presStyleLbl="parChTrans1D2" presStyleIdx="1" presStyleCnt="4"/>
       <dgm:spPr/>
+      <dgm:t>
+        <a:bodyPr/>
+        <a:lstStyle/>
+        <a:p>
+          <a:endParaRPr lang="en-US"/>
+        </a:p>
+      </dgm:t>
     </dgm:pt>
     <dgm:pt modelId="{17123A68-6C83-C544-9F84-F56BBB484F06}" type="pres">
       <dgm:prSet presAssocID="{4D875376-E6B9-804F-AC85-A1D4337BBC8A}" presName="hierRoot2" presStyleCnt="0"/>
@@ -1429,6 +2240,13 @@
     <dgm:pt modelId="{800FD04D-B3AC-0B4A-955F-2E2198D77D53}" type="pres">
       <dgm:prSet presAssocID="{12CF4121-F3B4-5C45-B72F-C1FB37DD3C0D}" presName="Name10" presStyleLbl="parChTrans1D2" presStyleIdx="2" presStyleCnt="4"/>
       <dgm:spPr/>
+      <dgm:t>
+        <a:bodyPr/>
+        <a:lstStyle/>
+        <a:p>
+          <a:endParaRPr lang="en-US"/>
+        </a:p>
+      </dgm:t>
     </dgm:pt>
     <dgm:pt modelId="{128988B5-99FA-2F4E-AE71-B7EAC369A7E7}" type="pres">
       <dgm:prSet presAssocID="{1AD1EA1C-020E-5744-81BA-AEEC1A7A11F3}" presName="hierRoot2" presStyleCnt="0"/>
@@ -1449,6 +2267,13 @@
         </dgm:presLayoutVars>
       </dgm:prSet>
       <dgm:spPr/>
+      <dgm:t>
+        <a:bodyPr/>
+        <a:lstStyle/>
+        <a:p>
+          <a:endParaRPr lang="en-US"/>
+        </a:p>
+      </dgm:t>
     </dgm:pt>
     <dgm:pt modelId="{CC6967D9-B95C-CE45-A47E-91CDA0E3E445}" type="pres">
       <dgm:prSet presAssocID="{1AD1EA1C-020E-5744-81BA-AEEC1A7A11F3}" presName="hierChild3" presStyleCnt="0"/>
@@ -1582,6 +2407,13 @@
         </dgm:presLayoutVars>
       </dgm:prSet>
       <dgm:spPr/>
+      <dgm:t>
+        <a:bodyPr/>
+        <a:lstStyle/>
+        <a:p>
+          <a:endParaRPr lang="en-US"/>
+        </a:p>
+      </dgm:t>
     </dgm:pt>
     <dgm:pt modelId="{3665192D-6737-1040-9177-871885CEF638}" type="pres">
       <dgm:prSet presAssocID="{632DBD1E-A080-C14D-89CD-94A8C0F3CF25}" presName="hierChild5" presStyleCnt="0"/>
@@ -1610,6 +2442,13 @@
         </dgm:presLayoutVars>
       </dgm:prSet>
       <dgm:spPr/>
+      <dgm:t>
+        <a:bodyPr/>
+        <a:lstStyle/>
+        <a:p>
+          <a:endParaRPr lang="en-US"/>
+        </a:p>
+      </dgm:t>
     </dgm:pt>
     <dgm:pt modelId="{52AA974E-0B14-7440-B0B8-11CBFA575269}" type="pres">
       <dgm:prSet presAssocID="{2CF1C699-9046-8C42-87E6-2861BF37D660}" presName="hierChild5" presStyleCnt="0"/>
@@ -1652,42 +2491,42 @@
     </dgm:pt>
   </dgm:ptLst>
   <dgm:cxnLst>
-    <dgm:cxn modelId="{83E49D5E-8454-9E42-BE7E-222314DE437A}" type="presOf" srcId="{A215CF19-F4EB-414A-A10F-B2A96141FE91}" destId="{0B86410B-498D-AB4D-9967-4C4AEDB1DF45}" srcOrd="0" destOrd="0" presId="urn:microsoft.com/office/officeart/2005/8/layout/hierarchy1"/>
-    <dgm:cxn modelId="{C68BF670-8B34-3C4D-9D1C-D21DB540C6F0}" type="presOf" srcId="{4810192D-B607-5A42-8DCE-8CFCF1A82427}" destId="{28156514-4C64-AE45-A406-98283D6076D6}" srcOrd="0" destOrd="0" presId="urn:microsoft.com/office/officeart/2005/8/layout/hierarchy1"/>
-    <dgm:cxn modelId="{EBA0C76A-39FE-554F-88D0-6528D4CD0E35}" type="presOf" srcId="{8C382D6E-A069-234E-96CC-A5A865E2BBBD}" destId="{C6BA431E-FA40-1D4E-A3D8-2A8BD37A2453}" srcOrd="0" destOrd="0" presId="urn:microsoft.com/office/officeart/2005/8/layout/hierarchy1"/>
-    <dgm:cxn modelId="{1D703EA7-18EF-A644-AD84-6BA0E7A84E48}" srcId="{960CE163-DF35-2B44-83E7-B9153BC66084}" destId="{AE7EA77A-1D8E-3F42-95E1-4EB11A443A81}" srcOrd="0" destOrd="0" parTransId="{D0F565E7-5D70-054E-90E0-C19FE13B6790}" sibTransId="{A9860EA9-F28C-E04C-8CCC-2E75895ED615}"/>
-    <dgm:cxn modelId="{BD876DF4-FBEE-9943-863F-7B7F61CBAEA9}" srcId="{960CE163-DF35-2B44-83E7-B9153BC66084}" destId="{FE86CB60-E462-414C-BF0E-606A57D7AD93}" srcOrd="3" destOrd="0" parTransId="{70F0D127-9705-B346-8456-2EA73B6E30CF}" sibTransId="{B2965BF0-14E0-474E-A2AB-CCA4521513DD}"/>
-    <dgm:cxn modelId="{866811E1-FA95-DF48-AF32-8FBF0514841B}" type="presOf" srcId="{4261D7F4-A7D0-3F49-B78A-20CFB380B683}" destId="{C2C1A37D-940A-6743-AC99-D92FAAA879A9}" srcOrd="0" destOrd="0" presId="urn:microsoft.com/office/officeart/2005/8/layout/hierarchy1"/>
-    <dgm:cxn modelId="{2F905694-9AC7-9A41-9289-1BA80DD7DCA9}" type="presOf" srcId="{D0F565E7-5D70-054E-90E0-C19FE13B6790}" destId="{6B84F89A-BB62-184B-ACA8-8A1AAAE34DE1}" srcOrd="0" destOrd="0" presId="urn:microsoft.com/office/officeart/2005/8/layout/hierarchy1"/>
-    <dgm:cxn modelId="{D9D8F9C0-8903-7948-A11A-2122148A6AB2}" type="presOf" srcId="{84B85FB8-CE49-454E-AFD0-26748DF588CB}" destId="{39E9CE6E-1476-7F49-AD48-00E9588CC1FC}" srcOrd="0" destOrd="0" presId="urn:microsoft.com/office/officeart/2005/8/layout/hierarchy1"/>
-    <dgm:cxn modelId="{8D905AE7-B183-4C4A-B73B-578DC06779C6}" type="presOf" srcId="{6C0275DE-9DFE-0E43-8DDA-D28DD222D71F}" destId="{8CFA3E84-678E-C345-8D46-63E85CF195E2}" srcOrd="0" destOrd="0" presId="urn:microsoft.com/office/officeart/2005/8/layout/hierarchy1"/>
-    <dgm:cxn modelId="{4CC6FB2A-BDF9-2948-B3E8-8BFD444DE0F5}" srcId="{67DF074B-DE05-B24C-9E35-CDBF726DC2DD}" destId="{632DBD1E-A080-C14D-89CD-94A8C0F3CF25}" srcOrd="0" destOrd="0" parTransId="{563BE0E2-35F1-EA43-92A4-487E8781D214}" sibTransId="{BC85FB81-59E3-3246-A1DB-AA9BCA174B1A}"/>
-    <dgm:cxn modelId="{D3398545-283D-7F4A-AD76-F118478DEE25}" type="presOf" srcId="{70F0D127-9705-B346-8456-2EA73B6E30CF}" destId="{201C7CC6-525A-FE42-B4FF-8C5914387024}" srcOrd="0" destOrd="0" presId="urn:microsoft.com/office/officeart/2005/8/layout/hierarchy1"/>
-    <dgm:cxn modelId="{48C3CFE4-65EB-9D4E-A0CE-F9F821B5D78C}" srcId="{FE86CB60-E462-414C-BF0E-606A57D7AD93}" destId="{9C7D04B1-85B2-3F41-9343-3724449F75B3}" srcOrd="0" destOrd="0" parTransId="{184A7FBE-4658-3046-B4A7-4EBDDC670AD1}" sibTransId="{5D03D28D-4580-AA4E-B725-784F886C6797}"/>
-    <dgm:cxn modelId="{EFDA5F81-CFAE-4744-A386-B9CAB38A2A6F}" type="presOf" srcId="{563BE0E2-35F1-EA43-92A4-487E8781D214}" destId="{1F5FFC55-2839-634C-8F0C-96EACF5BE3CB}" srcOrd="0" destOrd="0" presId="urn:microsoft.com/office/officeart/2005/8/layout/hierarchy1"/>
-    <dgm:cxn modelId="{68A68B6C-C4A2-404D-9619-7E596F60AE28}" srcId="{FE86CB60-E462-414C-BF0E-606A57D7AD93}" destId="{67DF074B-DE05-B24C-9E35-CDBF726DC2DD}" srcOrd="1" destOrd="0" parTransId="{0C3731E6-7189-414B-8AA4-AA411ADE82DC}" sibTransId="{4A343348-5A18-A64D-B967-67FF94A2182D}"/>
-    <dgm:cxn modelId="{27CEB2DD-056E-0241-AE0E-32A24CF29BE1}" type="presOf" srcId="{E3372A67-8AD5-414E-9A1F-4D9E3CFF6332}" destId="{BA61A876-7050-3746-8DAE-0686A0FD0957}" srcOrd="0" destOrd="0" presId="urn:microsoft.com/office/officeart/2005/8/layout/hierarchy1"/>
-    <dgm:cxn modelId="{07847B2C-2197-1D42-89B1-97821FC791F1}" type="presOf" srcId="{FE86CB60-E462-414C-BF0E-606A57D7AD93}" destId="{6603764C-B415-664F-8885-A7DAA8CAF3E7}" srcOrd="0" destOrd="0" presId="urn:microsoft.com/office/officeart/2005/8/layout/hierarchy1"/>
-    <dgm:cxn modelId="{A5EF75CA-949B-FB42-A967-633DBF9C5416}" srcId="{67DF074B-DE05-B24C-9E35-CDBF726DC2DD}" destId="{2CF1C699-9046-8C42-87E6-2861BF37D660}" srcOrd="1" destOrd="0" parTransId="{F9A1264F-2EB8-8148-8E8F-B74886C30473}" sibTransId="{2B88B2F7-3FE5-E743-A3EF-F1DB3821C219}"/>
-    <dgm:cxn modelId="{E7733746-4C87-234A-9D3E-4005D8B583BC}" srcId="{84B85FB8-CE49-454E-AFD0-26748DF588CB}" destId="{960CE163-DF35-2B44-83E7-B9153BC66084}" srcOrd="0" destOrd="0" parTransId="{15F9C8B3-0868-F148-A166-96327192876A}" sibTransId="{AE4D7356-6DD9-B04F-A5BC-257D53ADE85C}"/>
-    <dgm:cxn modelId="{0B16FAA0-F0DC-E14D-A933-D97947E06F4E}" type="presOf" srcId="{0C3731E6-7189-414B-8AA4-AA411ADE82DC}" destId="{F42357F4-6E12-A041-A7D6-81713E5E517B}" srcOrd="0" destOrd="0" presId="urn:microsoft.com/office/officeart/2005/8/layout/hierarchy1"/>
-    <dgm:cxn modelId="{4C996260-0FB8-064C-9305-699F6EBB6836}" type="presOf" srcId="{F9A1264F-2EB8-8148-8E8F-B74886C30473}" destId="{9541F663-17CE-1449-B545-4E9F3C558C3A}" srcOrd="0" destOrd="0" presId="urn:microsoft.com/office/officeart/2005/8/layout/hierarchy1"/>
-    <dgm:cxn modelId="{484EBA04-EC51-674F-A8AE-34673650413A}" type="presOf" srcId="{4D875376-E6B9-804F-AC85-A1D4337BBC8A}" destId="{0FEFC8CB-58CB-4A43-9867-EED6738F0C0F}" srcOrd="0" destOrd="0" presId="urn:microsoft.com/office/officeart/2005/8/layout/hierarchy1"/>
-    <dgm:cxn modelId="{BE4A5523-AA4B-D244-80FB-A948E67617FE}" srcId="{AE7EA77A-1D8E-3F42-95E1-4EB11A443A81}" destId="{4261D7F4-A7D0-3F49-B78A-20CFB380B683}" srcOrd="0" destOrd="0" parTransId="{8C382D6E-A069-234E-96CC-A5A865E2BBBD}" sibTransId="{BFE6C573-BEC1-BB44-914C-4A90CDE91A1A}"/>
-    <dgm:cxn modelId="{C885BB5D-362B-1847-87CF-E1B639313EA0}" srcId="{FE86CB60-E462-414C-BF0E-606A57D7AD93}" destId="{E5C8F682-32CD-424A-896C-91EAD3E64C45}" srcOrd="2" destOrd="0" parTransId="{E3372A67-8AD5-414E-9A1F-4D9E3CFF6332}" sibTransId="{B77BD5BE-E444-A847-B5CA-1B150064119C}"/>
-    <dgm:cxn modelId="{B162FBEE-7666-CF40-9F98-71979078B4C4}" type="presOf" srcId="{184A7FBE-4658-3046-B4A7-4EBDDC670AD1}" destId="{2E4A94D1-71F0-A046-B95F-18095848F38A}" srcOrd="0" destOrd="0" presId="urn:microsoft.com/office/officeart/2005/8/layout/hierarchy1"/>
-    <dgm:cxn modelId="{7107EE87-4D9F-D744-A73B-1F14A2E869D1}" type="presOf" srcId="{67DF074B-DE05-B24C-9E35-CDBF726DC2DD}" destId="{EBC8209D-BB74-B44A-A57A-C51ABEDBBAE8}" srcOrd="0" destOrd="0" presId="urn:microsoft.com/office/officeart/2005/8/layout/hierarchy1"/>
-    <dgm:cxn modelId="{09A4557F-E6E3-CA46-A390-4566B55E38CE}" srcId="{AE7EA77A-1D8E-3F42-95E1-4EB11A443A81}" destId="{A215CF19-F4EB-414A-A10F-B2A96141FE91}" srcOrd="1" destOrd="0" parTransId="{4810192D-B607-5A42-8DCE-8CFCF1A82427}" sibTransId="{466C1D3C-619E-C448-BF54-2F35FBFACADE}"/>
-    <dgm:cxn modelId="{39E71571-F376-1B4E-9008-3C634EFD7392}" type="presOf" srcId="{E5C8F682-32CD-424A-896C-91EAD3E64C45}" destId="{76B33B1D-4CA5-544F-BF28-B308B507EF10}" srcOrd="0" destOrd="0" presId="urn:microsoft.com/office/officeart/2005/8/layout/hierarchy1"/>
-    <dgm:cxn modelId="{0A19088C-A894-A349-B6F2-D0CA96CD47FA}" srcId="{960CE163-DF35-2B44-83E7-B9153BC66084}" destId="{1AD1EA1C-020E-5744-81BA-AEEC1A7A11F3}" srcOrd="2" destOrd="0" parTransId="{12CF4121-F3B4-5C45-B72F-C1FB37DD3C0D}" sibTransId="{E7356A86-2BC1-2844-87C1-0F4142A0BACE}"/>
     <dgm:cxn modelId="{8FC20289-4F63-9E49-BD79-567030E07E0D}" srcId="{960CE163-DF35-2B44-83E7-B9153BC66084}" destId="{4D875376-E6B9-804F-AC85-A1D4337BBC8A}" srcOrd="1" destOrd="0" parTransId="{6C0275DE-9DFE-0E43-8DDA-D28DD222D71F}" sibTransId="{5CBDE70F-8F73-B144-BE9A-D54839868342}"/>
     <dgm:cxn modelId="{6D36957F-2BF7-BF4E-823B-0AEB53A6D11B}" type="presOf" srcId="{960CE163-DF35-2B44-83E7-B9153BC66084}" destId="{923B0C63-79B7-9B4A-94B9-19130FBE5D7B}" srcOrd="0" destOrd="0" presId="urn:microsoft.com/office/officeart/2005/8/layout/hierarchy1"/>
+    <dgm:cxn modelId="{8D905AE7-B183-4C4A-B73B-578DC06779C6}" type="presOf" srcId="{6C0275DE-9DFE-0E43-8DDA-D28DD222D71F}" destId="{8CFA3E84-678E-C345-8D46-63E85CF195E2}" srcOrd="0" destOrd="0" presId="urn:microsoft.com/office/officeart/2005/8/layout/hierarchy1"/>
+    <dgm:cxn modelId="{C68BF670-8B34-3C4D-9D1C-D21DB540C6F0}" type="presOf" srcId="{4810192D-B607-5A42-8DCE-8CFCF1A82427}" destId="{28156514-4C64-AE45-A406-98283D6076D6}" srcOrd="0" destOrd="0" presId="urn:microsoft.com/office/officeart/2005/8/layout/hierarchy1"/>
+    <dgm:cxn modelId="{2F905694-9AC7-9A41-9289-1BA80DD7DCA9}" type="presOf" srcId="{D0F565E7-5D70-054E-90E0-C19FE13B6790}" destId="{6B84F89A-BB62-184B-ACA8-8A1AAAE34DE1}" srcOrd="0" destOrd="0" presId="urn:microsoft.com/office/officeart/2005/8/layout/hierarchy1"/>
+    <dgm:cxn modelId="{7107EE87-4D9F-D744-A73B-1F14A2E869D1}" type="presOf" srcId="{67DF074B-DE05-B24C-9E35-CDBF726DC2DD}" destId="{EBC8209D-BB74-B44A-A57A-C51ABEDBBAE8}" srcOrd="0" destOrd="0" presId="urn:microsoft.com/office/officeart/2005/8/layout/hierarchy1"/>
+    <dgm:cxn modelId="{A5EF75CA-949B-FB42-A967-633DBF9C5416}" srcId="{67DF074B-DE05-B24C-9E35-CDBF726DC2DD}" destId="{2CF1C699-9046-8C42-87E6-2861BF37D660}" srcOrd="1" destOrd="0" parTransId="{F9A1264F-2EB8-8148-8E8F-B74886C30473}" sibTransId="{2B88B2F7-3FE5-E743-A3EF-F1DB3821C219}"/>
+    <dgm:cxn modelId="{1D703EA7-18EF-A644-AD84-6BA0E7A84E48}" srcId="{960CE163-DF35-2B44-83E7-B9153BC66084}" destId="{AE7EA77A-1D8E-3F42-95E1-4EB11A443A81}" srcOrd="0" destOrd="0" parTransId="{D0F565E7-5D70-054E-90E0-C19FE13B6790}" sibTransId="{A9860EA9-F28C-E04C-8CCC-2E75895ED615}"/>
+    <dgm:cxn modelId="{440F4B02-6F42-4E42-88BB-9508A048AC5F}" type="presOf" srcId="{1AD1EA1C-020E-5744-81BA-AEEC1A7A11F3}" destId="{D86CCABB-994E-2B44-9B36-549A167DC946}" srcOrd="0" destOrd="0" presId="urn:microsoft.com/office/officeart/2005/8/layout/hierarchy1"/>
+    <dgm:cxn modelId="{484EBA04-EC51-674F-A8AE-34673650413A}" type="presOf" srcId="{4D875376-E6B9-804F-AC85-A1D4337BBC8A}" destId="{0FEFC8CB-58CB-4A43-9867-EED6738F0C0F}" srcOrd="0" destOrd="0" presId="urn:microsoft.com/office/officeart/2005/8/layout/hierarchy1"/>
+    <dgm:cxn modelId="{C6A9EB81-781E-B140-AA2A-8482FFB562A9}" type="presOf" srcId="{9C7D04B1-85B2-3F41-9343-3724449F75B3}" destId="{AD6B8219-1F5B-DA4F-B261-22B5D0551A94}" srcOrd="0" destOrd="0" presId="urn:microsoft.com/office/officeart/2005/8/layout/hierarchy1"/>
+    <dgm:cxn modelId="{4CC6FB2A-BDF9-2948-B3E8-8BFD444DE0F5}" srcId="{67DF074B-DE05-B24C-9E35-CDBF726DC2DD}" destId="{632DBD1E-A080-C14D-89CD-94A8C0F3CF25}" srcOrd="0" destOrd="0" parTransId="{563BE0E2-35F1-EA43-92A4-487E8781D214}" sibTransId="{BC85FB81-59E3-3246-A1DB-AA9BCA174B1A}"/>
+    <dgm:cxn modelId="{B162FBEE-7666-CF40-9F98-71979078B4C4}" type="presOf" srcId="{184A7FBE-4658-3046-B4A7-4EBDDC670AD1}" destId="{2E4A94D1-71F0-A046-B95F-18095848F38A}" srcOrd="0" destOrd="0" presId="urn:microsoft.com/office/officeart/2005/8/layout/hierarchy1"/>
+    <dgm:cxn modelId="{83E49D5E-8454-9E42-BE7E-222314DE437A}" type="presOf" srcId="{A215CF19-F4EB-414A-A10F-B2A96141FE91}" destId="{0B86410B-498D-AB4D-9967-4C4AEDB1DF45}" srcOrd="0" destOrd="0" presId="urn:microsoft.com/office/officeart/2005/8/layout/hierarchy1"/>
+    <dgm:cxn modelId="{09A4557F-E6E3-CA46-A390-4566B55E38CE}" srcId="{AE7EA77A-1D8E-3F42-95E1-4EB11A443A81}" destId="{A215CF19-F4EB-414A-A10F-B2A96141FE91}" srcOrd="1" destOrd="0" parTransId="{4810192D-B607-5A42-8DCE-8CFCF1A82427}" sibTransId="{466C1D3C-619E-C448-BF54-2F35FBFACADE}"/>
+    <dgm:cxn modelId="{0B16FAA0-F0DC-E14D-A933-D97947E06F4E}" type="presOf" srcId="{0C3731E6-7189-414B-8AA4-AA411ADE82DC}" destId="{F42357F4-6E12-A041-A7D6-81713E5E517B}" srcOrd="0" destOrd="0" presId="urn:microsoft.com/office/officeart/2005/8/layout/hierarchy1"/>
+    <dgm:cxn modelId="{FC2A4C8E-B168-2C44-A952-F595C96EAE55}" type="presOf" srcId="{12CF4121-F3B4-5C45-B72F-C1FB37DD3C0D}" destId="{800FD04D-B3AC-0B4A-955F-2E2198D77D53}" srcOrd="0" destOrd="0" presId="urn:microsoft.com/office/officeart/2005/8/layout/hierarchy1"/>
+    <dgm:cxn modelId="{C885BB5D-362B-1847-87CF-E1B639313EA0}" srcId="{FE86CB60-E462-414C-BF0E-606A57D7AD93}" destId="{E5C8F682-32CD-424A-896C-91EAD3E64C45}" srcOrd="2" destOrd="0" parTransId="{E3372A67-8AD5-414E-9A1F-4D9E3CFF6332}" sibTransId="{B77BD5BE-E444-A847-B5CA-1B150064119C}"/>
+    <dgm:cxn modelId="{BE4A5523-AA4B-D244-80FB-A948E67617FE}" srcId="{AE7EA77A-1D8E-3F42-95E1-4EB11A443A81}" destId="{4261D7F4-A7D0-3F49-B78A-20CFB380B683}" srcOrd="0" destOrd="0" parTransId="{8C382D6E-A069-234E-96CC-A5A865E2BBBD}" sibTransId="{BFE6C573-BEC1-BB44-914C-4A90CDE91A1A}"/>
+    <dgm:cxn modelId="{27CEB2DD-056E-0241-AE0E-32A24CF29BE1}" type="presOf" srcId="{E3372A67-8AD5-414E-9A1F-4D9E3CFF6332}" destId="{BA61A876-7050-3746-8DAE-0686A0FD0957}" srcOrd="0" destOrd="0" presId="urn:microsoft.com/office/officeart/2005/8/layout/hierarchy1"/>
+    <dgm:cxn modelId="{866811E1-FA95-DF48-AF32-8FBF0514841B}" type="presOf" srcId="{4261D7F4-A7D0-3F49-B78A-20CFB380B683}" destId="{C2C1A37D-940A-6743-AC99-D92FAAA879A9}" srcOrd="0" destOrd="0" presId="urn:microsoft.com/office/officeart/2005/8/layout/hierarchy1"/>
+    <dgm:cxn modelId="{68A68B6C-C4A2-404D-9619-7E596F60AE28}" srcId="{FE86CB60-E462-414C-BF0E-606A57D7AD93}" destId="{67DF074B-DE05-B24C-9E35-CDBF726DC2DD}" srcOrd="1" destOrd="0" parTransId="{0C3731E6-7189-414B-8AA4-AA411ADE82DC}" sibTransId="{4A343348-5A18-A64D-B967-67FF94A2182D}"/>
+    <dgm:cxn modelId="{EBA0C76A-39FE-554F-88D0-6528D4CD0E35}" type="presOf" srcId="{8C382D6E-A069-234E-96CC-A5A865E2BBBD}" destId="{C6BA431E-FA40-1D4E-A3D8-2A8BD37A2453}" srcOrd="0" destOrd="0" presId="urn:microsoft.com/office/officeart/2005/8/layout/hierarchy1"/>
+    <dgm:cxn modelId="{BD876DF4-FBEE-9943-863F-7B7F61CBAEA9}" srcId="{960CE163-DF35-2B44-83E7-B9153BC66084}" destId="{FE86CB60-E462-414C-BF0E-606A57D7AD93}" srcOrd="3" destOrd="0" parTransId="{70F0D127-9705-B346-8456-2EA73B6E30CF}" sibTransId="{B2965BF0-14E0-474E-A2AB-CCA4521513DD}"/>
+    <dgm:cxn modelId="{48C3CFE4-65EB-9D4E-A0CE-F9F821B5D78C}" srcId="{FE86CB60-E462-414C-BF0E-606A57D7AD93}" destId="{9C7D04B1-85B2-3F41-9343-3724449F75B3}" srcOrd="0" destOrd="0" parTransId="{184A7FBE-4658-3046-B4A7-4EBDDC670AD1}" sibTransId="{5D03D28D-4580-AA4E-B725-784F886C6797}"/>
+    <dgm:cxn modelId="{83178590-C5E9-EC43-8EDA-B3858F48D21D}" type="presOf" srcId="{2CF1C699-9046-8C42-87E6-2861BF37D660}" destId="{9152FE1E-3F9F-1945-845B-196FD4FE9E7F}" srcOrd="0" destOrd="0" presId="urn:microsoft.com/office/officeart/2005/8/layout/hierarchy1"/>
+    <dgm:cxn modelId="{D9D8F9C0-8903-7948-A11A-2122148A6AB2}" type="presOf" srcId="{84B85FB8-CE49-454E-AFD0-26748DF588CB}" destId="{39E9CE6E-1476-7F49-AD48-00E9588CC1FC}" srcOrd="0" destOrd="0" presId="urn:microsoft.com/office/officeart/2005/8/layout/hierarchy1"/>
+    <dgm:cxn modelId="{4C996260-0FB8-064C-9305-699F6EBB6836}" type="presOf" srcId="{F9A1264F-2EB8-8148-8E8F-B74886C30473}" destId="{9541F663-17CE-1449-B545-4E9F3C558C3A}" srcOrd="0" destOrd="0" presId="urn:microsoft.com/office/officeart/2005/8/layout/hierarchy1"/>
+    <dgm:cxn modelId="{D3398545-283D-7F4A-AD76-F118478DEE25}" type="presOf" srcId="{70F0D127-9705-B346-8456-2EA73B6E30CF}" destId="{201C7CC6-525A-FE42-B4FF-8C5914387024}" srcOrd="0" destOrd="0" presId="urn:microsoft.com/office/officeart/2005/8/layout/hierarchy1"/>
+    <dgm:cxn modelId="{EFDA5F81-CFAE-4744-A386-B9CAB38A2A6F}" type="presOf" srcId="{563BE0E2-35F1-EA43-92A4-487E8781D214}" destId="{1F5FFC55-2839-634C-8F0C-96EACF5BE3CB}" srcOrd="0" destOrd="0" presId="urn:microsoft.com/office/officeart/2005/8/layout/hierarchy1"/>
+    <dgm:cxn modelId="{E7733746-4C87-234A-9D3E-4005D8B583BC}" srcId="{84B85FB8-CE49-454E-AFD0-26748DF588CB}" destId="{960CE163-DF35-2B44-83E7-B9153BC66084}" srcOrd="0" destOrd="0" parTransId="{15F9C8B3-0868-F148-A166-96327192876A}" sibTransId="{AE4D7356-6DD9-B04F-A5BC-257D53ADE85C}"/>
+    <dgm:cxn modelId="{0A19088C-A894-A349-B6F2-D0CA96CD47FA}" srcId="{960CE163-DF35-2B44-83E7-B9153BC66084}" destId="{1AD1EA1C-020E-5744-81BA-AEEC1A7A11F3}" srcOrd="2" destOrd="0" parTransId="{12CF4121-F3B4-5C45-B72F-C1FB37DD3C0D}" sibTransId="{E7356A86-2BC1-2844-87C1-0F4142A0BACE}"/>
+    <dgm:cxn modelId="{39E71571-F376-1B4E-9008-3C634EFD7392}" type="presOf" srcId="{E5C8F682-32CD-424A-896C-91EAD3E64C45}" destId="{76B33B1D-4CA5-544F-BF28-B308B507EF10}" srcOrd="0" destOrd="0" presId="urn:microsoft.com/office/officeart/2005/8/layout/hierarchy1"/>
+    <dgm:cxn modelId="{07847B2C-2197-1D42-89B1-97821FC791F1}" type="presOf" srcId="{FE86CB60-E462-414C-BF0E-606A57D7AD93}" destId="{6603764C-B415-664F-8885-A7DAA8CAF3E7}" srcOrd="0" destOrd="0" presId="urn:microsoft.com/office/officeart/2005/8/layout/hierarchy1"/>
     <dgm:cxn modelId="{697D1675-B656-B84B-AFCA-1CEE639973FF}" type="presOf" srcId="{AE7EA77A-1D8E-3F42-95E1-4EB11A443A81}" destId="{BBF408DD-FB71-6449-9993-DDA736E8D58A}" srcOrd="0" destOrd="0" presId="urn:microsoft.com/office/officeart/2005/8/layout/hierarchy1"/>
     <dgm:cxn modelId="{E157C69F-A525-6547-98DF-51E7622A78B4}" type="presOf" srcId="{632DBD1E-A080-C14D-89CD-94A8C0F3CF25}" destId="{2246CDBD-2CA8-A34C-A89B-E32ACB07E97A}" srcOrd="0" destOrd="0" presId="urn:microsoft.com/office/officeart/2005/8/layout/hierarchy1"/>
-    <dgm:cxn modelId="{FC2A4C8E-B168-2C44-A952-F595C96EAE55}" type="presOf" srcId="{12CF4121-F3B4-5C45-B72F-C1FB37DD3C0D}" destId="{800FD04D-B3AC-0B4A-955F-2E2198D77D53}" srcOrd="0" destOrd="0" presId="urn:microsoft.com/office/officeart/2005/8/layout/hierarchy1"/>
-    <dgm:cxn modelId="{C6A9EB81-781E-B140-AA2A-8482FFB562A9}" type="presOf" srcId="{9C7D04B1-85B2-3F41-9343-3724449F75B3}" destId="{AD6B8219-1F5B-DA4F-B261-22B5D0551A94}" srcOrd="0" destOrd="0" presId="urn:microsoft.com/office/officeart/2005/8/layout/hierarchy1"/>
-    <dgm:cxn modelId="{83178590-C5E9-EC43-8EDA-B3858F48D21D}" type="presOf" srcId="{2CF1C699-9046-8C42-87E6-2861BF37D660}" destId="{9152FE1E-3F9F-1945-845B-196FD4FE9E7F}" srcOrd="0" destOrd="0" presId="urn:microsoft.com/office/officeart/2005/8/layout/hierarchy1"/>
-    <dgm:cxn modelId="{440F4B02-6F42-4E42-88BB-9508A048AC5F}" type="presOf" srcId="{1AD1EA1C-020E-5744-81BA-AEEC1A7A11F3}" destId="{D86CCABB-994E-2B44-9B36-549A167DC946}" srcOrd="0" destOrd="0" presId="urn:microsoft.com/office/officeart/2005/8/layout/hierarchy1"/>
     <dgm:cxn modelId="{A07086BC-4D12-9B4A-BF1C-A82AB28D854E}" type="presParOf" srcId="{39E9CE6E-1476-7F49-AD48-00E9588CC1FC}" destId="{AFBF1B26-876E-5B4F-868D-ECF533517B41}" srcOrd="0" destOrd="0" presId="urn:microsoft.com/office/officeart/2005/8/layout/hierarchy1"/>
     <dgm:cxn modelId="{BCCE215E-EBE3-1343-9575-41A6F40123E5}" type="presParOf" srcId="{AFBF1B26-876E-5B4F-868D-ECF533517B41}" destId="{80FDFEA5-D276-C44B-902D-D2E8A937A02A}" srcOrd="0" destOrd="0" presId="urn:microsoft.com/office/officeart/2005/8/layout/hierarchy1"/>
     <dgm:cxn modelId="{55A596F9-C968-9948-B40F-70229FAF54D0}" type="presParOf" srcId="{80FDFEA5-D276-C44B-902D-D2E8A937A02A}" destId="{DE9E6D4B-E798-AA47-81C3-1E545DF4DB5B}" srcOrd="0" destOrd="0" presId="urn:microsoft.com/office/officeart/2005/8/layout/hierarchy1"/>
@@ -1759,6 +2598,1111 @@
     <dgm:cxn modelId="{D7C5D980-D8EC-174B-A4D9-8D2161052C76}" type="presParOf" srcId="{9A87F0FC-C76A-AB43-AA0B-DF4820D9F426}" destId="{05D36543-49E4-934D-B25C-1B6526CA4C89}" srcOrd="0" destOrd="0" presId="urn:microsoft.com/office/officeart/2005/8/layout/hierarchy1"/>
     <dgm:cxn modelId="{E5548379-912F-224F-BB85-4F280ABDDF6A}" type="presParOf" srcId="{9A87F0FC-C76A-AB43-AA0B-DF4820D9F426}" destId="{76B33B1D-4CA5-544F-BF28-B308B507EF10}" srcOrd="1" destOrd="0" presId="urn:microsoft.com/office/officeart/2005/8/layout/hierarchy1"/>
     <dgm:cxn modelId="{790731F2-A1D5-F145-88A1-68CA50EDFAAE}" type="presParOf" srcId="{7E1C010A-E642-0444-8F19-1706B4B1F542}" destId="{70331356-C91A-A344-8A29-46B67D09210B}" srcOrd="1" destOrd="0" presId="urn:microsoft.com/office/officeart/2005/8/layout/hierarchy1"/>
+  </dgm:cxnLst>
+  <dgm:bg/>
+  <dgm:whole/>
+  <dgm:extLst>
+    <a:ext uri="http://schemas.microsoft.com/office/drawing/2008/diagram">
+      <dsp:dataModelExt xmlns:dsp="http://schemas.microsoft.com/office/drawing/2008/diagram" relId="rId6" minVer="http://schemas.openxmlformats.org/drawingml/2006/diagram"/>
+    </a:ext>
+  </dgm:extLst>
+</dgm:dataModel>
+</file>
+
+<file path=ppt/diagrams/data2.xml><?xml version="1.0" encoding="utf-8"?>
+<dgm:dataModel xmlns:dgm="http://schemas.openxmlformats.org/drawingml/2006/diagram" xmlns:a="http://schemas.openxmlformats.org/drawingml/2006/main">
+  <dgm:ptLst>
+    <dgm:pt modelId="{84B85FB8-CE49-454E-AFD0-26748DF588CB}" type="doc">
+      <dgm:prSet loTypeId="urn:microsoft.com/office/officeart/2005/8/layout/hierarchy1" loCatId="" qsTypeId="urn:microsoft.com/office/officeart/2005/8/quickstyle/simple4" qsCatId="simple" csTypeId="urn:microsoft.com/office/officeart/2005/8/colors/accent1_2" csCatId="accent1" phldr="1"/>
+      <dgm:spPr/>
+      <dgm:t>
+        <a:bodyPr/>
+        <a:lstStyle/>
+        <a:p>
+          <a:endParaRPr lang="en-US"/>
+        </a:p>
+      </dgm:t>
+    </dgm:pt>
+    <dgm:pt modelId="{960CE163-DF35-2B44-83E7-B9153BC66084}">
+      <dgm:prSet phldrT="[Text]"/>
+      <dgm:spPr/>
+      <dgm:t>
+        <a:bodyPr/>
+        <a:lstStyle/>
+        <a:p>
+          <a:r>
+            <a:rPr lang="en-US" dirty="0" smtClean="0"/>
+            <a:t>Data Type</a:t>
+          </a:r>
+          <a:endParaRPr lang="en-US" dirty="0"/>
+        </a:p>
+      </dgm:t>
+    </dgm:pt>
+    <dgm:pt modelId="{15F9C8B3-0868-F148-A166-96327192876A}" type="parTrans" cxnId="{E7733746-4C87-234A-9D3E-4005D8B583BC}">
+      <dgm:prSet/>
+      <dgm:spPr/>
+      <dgm:t>
+        <a:bodyPr/>
+        <a:lstStyle/>
+        <a:p>
+          <a:endParaRPr lang="en-US"/>
+        </a:p>
+      </dgm:t>
+    </dgm:pt>
+    <dgm:pt modelId="{AE4D7356-6DD9-B04F-A5BC-257D53ADE85C}" type="sibTrans" cxnId="{E7733746-4C87-234A-9D3E-4005D8B583BC}">
+      <dgm:prSet/>
+      <dgm:spPr/>
+      <dgm:t>
+        <a:bodyPr/>
+        <a:lstStyle/>
+        <a:p>
+          <a:endParaRPr lang="en-US"/>
+        </a:p>
+      </dgm:t>
+    </dgm:pt>
+    <dgm:pt modelId="{AE7EA77A-1D8E-3F42-95E1-4EB11A443A81}">
+      <dgm:prSet phldrT="[Text]"/>
+      <dgm:spPr/>
+      <dgm:t>
+        <a:bodyPr/>
+        <a:lstStyle/>
+        <a:p>
+          <a:r>
+            <a:rPr lang="en-US" dirty="0" smtClean="0"/>
+            <a:t>Number</a:t>
+          </a:r>
+          <a:endParaRPr lang="en-US" dirty="0"/>
+        </a:p>
+      </dgm:t>
+    </dgm:pt>
+    <dgm:pt modelId="{D0F565E7-5D70-054E-90E0-C19FE13B6790}" type="parTrans" cxnId="{1D703EA7-18EF-A644-AD84-6BA0E7A84E48}">
+      <dgm:prSet/>
+      <dgm:spPr/>
+      <dgm:t>
+        <a:bodyPr/>
+        <a:lstStyle/>
+        <a:p>
+          <a:endParaRPr lang="en-US"/>
+        </a:p>
+      </dgm:t>
+    </dgm:pt>
+    <dgm:pt modelId="{A9860EA9-F28C-E04C-8CCC-2E75895ED615}" type="sibTrans" cxnId="{1D703EA7-18EF-A644-AD84-6BA0E7A84E48}">
+      <dgm:prSet/>
+      <dgm:spPr/>
+      <dgm:t>
+        <a:bodyPr/>
+        <a:lstStyle/>
+        <a:p>
+          <a:endParaRPr lang="en-US"/>
+        </a:p>
+      </dgm:t>
+    </dgm:pt>
+    <dgm:pt modelId="{4261D7F4-A7D0-3F49-B78A-20CFB380B683}">
+      <dgm:prSet phldrT="[Text]"/>
+      <dgm:spPr/>
+      <dgm:t>
+        <a:bodyPr/>
+        <a:lstStyle/>
+        <a:p>
+          <a:r>
+            <a:rPr lang="en-US" dirty="0" smtClean="0"/>
+            <a:t>Whole</a:t>
+          </a:r>
+          <a:endParaRPr lang="en-US" dirty="0"/>
+        </a:p>
+      </dgm:t>
+    </dgm:pt>
+    <dgm:pt modelId="{8C382D6E-A069-234E-96CC-A5A865E2BBBD}" type="parTrans" cxnId="{BE4A5523-AA4B-D244-80FB-A948E67617FE}">
+      <dgm:prSet/>
+      <dgm:spPr/>
+      <dgm:t>
+        <a:bodyPr/>
+        <a:lstStyle/>
+        <a:p>
+          <a:endParaRPr lang="en-US"/>
+        </a:p>
+      </dgm:t>
+    </dgm:pt>
+    <dgm:pt modelId="{BFE6C573-BEC1-BB44-914C-4A90CDE91A1A}" type="sibTrans" cxnId="{BE4A5523-AA4B-D244-80FB-A948E67617FE}">
+      <dgm:prSet/>
+      <dgm:spPr/>
+      <dgm:t>
+        <a:bodyPr/>
+        <a:lstStyle/>
+        <a:p>
+          <a:endParaRPr lang="en-US"/>
+        </a:p>
+      </dgm:t>
+    </dgm:pt>
+    <dgm:pt modelId="{A215CF19-F4EB-414A-A10F-B2A96141FE91}">
+      <dgm:prSet phldrT="[Text]"/>
+      <dgm:spPr/>
+      <dgm:t>
+        <a:bodyPr/>
+        <a:lstStyle/>
+        <a:p>
+          <a:r>
+            <a:rPr lang="en-US" dirty="0" smtClean="0"/>
+            <a:t>Float</a:t>
+          </a:r>
+          <a:endParaRPr lang="en-US" dirty="0"/>
+        </a:p>
+      </dgm:t>
+    </dgm:pt>
+    <dgm:pt modelId="{4810192D-B607-5A42-8DCE-8CFCF1A82427}" type="parTrans" cxnId="{09A4557F-E6E3-CA46-A390-4566B55E38CE}">
+      <dgm:prSet/>
+      <dgm:spPr/>
+      <dgm:t>
+        <a:bodyPr/>
+        <a:lstStyle/>
+        <a:p>
+          <a:endParaRPr lang="en-US"/>
+        </a:p>
+      </dgm:t>
+    </dgm:pt>
+    <dgm:pt modelId="{466C1D3C-619E-C448-BF54-2F35FBFACADE}" type="sibTrans" cxnId="{09A4557F-E6E3-CA46-A390-4566B55E38CE}">
+      <dgm:prSet/>
+      <dgm:spPr/>
+      <dgm:t>
+        <a:bodyPr/>
+        <a:lstStyle/>
+        <a:p>
+          <a:endParaRPr lang="en-US"/>
+        </a:p>
+      </dgm:t>
+    </dgm:pt>
+    <dgm:pt modelId="{4D875376-E6B9-804F-AC85-A1D4337BBC8A}">
+      <dgm:prSet phldrT="[Text]"/>
+      <dgm:spPr/>
+      <dgm:t>
+        <a:bodyPr/>
+        <a:lstStyle/>
+        <a:p>
+          <a:r>
+            <a:rPr lang="en-US" dirty="0" smtClean="0"/>
+            <a:t>String</a:t>
+          </a:r>
+          <a:endParaRPr lang="en-US" dirty="0"/>
+        </a:p>
+      </dgm:t>
+    </dgm:pt>
+    <dgm:pt modelId="{6C0275DE-9DFE-0E43-8DDA-D28DD222D71F}" type="parTrans" cxnId="{8FC20289-4F63-9E49-BD79-567030E07E0D}">
+      <dgm:prSet/>
+      <dgm:spPr/>
+      <dgm:t>
+        <a:bodyPr/>
+        <a:lstStyle/>
+        <a:p>
+          <a:endParaRPr lang="en-US"/>
+        </a:p>
+      </dgm:t>
+    </dgm:pt>
+    <dgm:pt modelId="{5CBDE70F-8F73-B144-BE9A-D54839868342}" type="sibTrans" cxnId="{8FC20289-4F63-9E49-BD79-567030E07E0D}">
+      <dgm:prSet/>
+      <dgm:spPr/>
+      <dgm:t>
+        <a:bodyPr/>
+        <a:lstStyle/>
+        <a:p>
+          <a:endParaRPr lang="en-US"/>
+        </a:p>
+      </dgm:t>
+    </dgm:pt>
+    <dgm:pt modelId="{1AD1EA1C-020E-5744-81BA-AEEC1A7A11F3}">
+      <dgm:prSet phldrT="[Text]"/>
+      <dgm:spPr/>
+      <dgm:t>
+        <a:bodyPr/>
+        <a:lstStyle/>
+        <a:p>
+          <a:r>
+            <a:rPr lang="en-US" dirty="0" smtClean="0"/>
+            <a:t>Boolean</a:t>
+          </a:r>
+          <a:endParaRPr lang="en-US" dirty="0"/>
+        </a:p>
+      </dgm:t>
+    </dgm:pt>
+    <dgm:pt modelId="{12CF4121-F3B4-5C45-B72F-C1FB37DD3C0D}" type="parTrans" cxnId="{0A19088C-A894-A349-B6F2-D0CA96CD47FA}">
+      <dgm:prSet/>
+      <dgm:spPr/>
+      <dgm:t>
+        <a:bodyPr/>
+        <a:lstStyle/>
+        <a:p>
+          <a:endParaRPr lang="en-US"/>
+        </a:p>
+      </dgm:t>
+    </dgm:pt>
+    <dgm:pt modelId="{E7356A86-2BC1-2844-87C1-0F4142A0BACE}" type="sibTrans" cxnId="{0A19088C-A894-A349-B6F2-D0CA96CD47FA}">
+      <dgm:prSet/>
+      <dgm:spPr/>
+      <dgm:t>
+        <a:bodyPr/>
+        <a:lstStyle/>
+        <a:p>
+          <a:endParaRPr lang="en-US"/>
+        </a:p>
+      </dgm:t>
+    </dgm:pt>
+    <dgm:pt modelId="{FE86CB60-E462-414C-BF0E-606A57D7AD93}">
+      <dgm:prSet phldrT="[Text]"/>
+      <dgm:spPr/>
+      <dgm:t>
+        <a:bodyPr/>
+        <a:lstStyle/>
+        <a:p>
+          <a:r>
+            <a:rPr lang="en-US" dirty="0" smtClean="0"/>
+            <a:t>Object</a:t>
+          </a:r>
+          <a:endParaRPr lang="en-US" dirty="0"/>
+        </a:p>
+      </dgm:t>
+    </dgm:pt>
+    <dgm:pt modelId="{70F0D127-9705-B346-8456-2EA73B6E30CF}" type="parTrans" cxnId="{BD876DF4-FBEE-9943-863F-7B7F61CBAEA9}">
+      <dgm:prSet/>
+      <dgm:spPr/>
+      <dgm:t>
+        <a:bodyPr/>
+        <a:lstStyle/>
+        <a:p>
+          <a:endParaRPr lang="en-US"/>
+        </a:p>
+      </dgm:t>
+    </dgm:pt>
+    <dgm:pt modelId="{B2965BF0-14E0-474E-A2AB-CCA4521513DD}" type="sibTrans" cxnId="{BD876DF4-FBEE-9943-863F-7B7F61CBAEA9}">
+      <dgm:prSet/>
+      <dgm:spPr/>
+      <dgm:t>
+        <a:bodyPr/>
+        <a:lstStyle/>
+        <a:p>
+          <a:endParaRPr lang="en-US"/>
+        </a:p>
+      </dgm:t>
+    </dgm:pt>
+    <dgm:pt modelId="{9C7D04B1-85B2-3F41-9343-3724449F75B3}">
+      <dgm:prSet phldrT="[Text]"/>
+      <dgm:spPr/>
+      <dgm:t>
+        <a:bodyPr/>
+        <a:lstStyle/>
+        <a:p>
+          <a:r>
+            <a:rPr lang="en-US" dirty="0" smtClean="0"/>
+            <a:t>Date</a:t>
+          </a:r>
+          <a:endParaRPr lang="en-US" dirty="0"/>
+        </a:p>
+      </dgm:t>
+    </dgm:pt>
+    <dgm:pt modelId="{184A7FBE-4658-3046-B4A7-4EBDDC670AD1}" type="parTrans" cxnId="{48C3CFE4-65EB-9D4E-A0CE-F9F821B5D78C}">
+      <dgm:prSet/>
+      <dgm:spPr/>
+      <dgm:t>
+        <a:bodyPr/>
+        <a:lstStyle/>
+        <a:p>
+          <a:endParaRPr lang="en-US"/>
+        </a:p>
+      </dgm:t>
+    </dgm:pt>
+    <dgm:pt modelId="{5D03D28D-4580-AA4E-B725-784F886C6797}" type="sibTrans" cxnId="{48C3CFE4-65EB-9D4E-A0CE-F9F821B5D78C}">
+      <dgm:prSet/>
+      <dgm:spPr/>
+      <dgm:t>
+        <a:bodyPr/>
+        <a:lstStyle/>
+        <a:p>
+          <a:endParaRPr lang="en-US"/>
+        </a:p>
+      </dgm:t>
+    </dgm:pt>
+    <dgm:pt modelId="{67DF074B-DE05-B24C-9E35-CDBF726DC2DD}">
+      <dgm:prSet phldrT="[Text]"/>
+      <dgm:spPr/>
+      <dgm:t>
+        <a:bodyPr/>
+        <a:lstStyle/>
+        <a:p>
+          <a:r>
+            <a:rPr lang="en-US" dirty="0" smtClean="0"/>
+            <a:t>Container</a:t>
+          </a:r>
+          <a:endParaRPr lang="en-US" dirty="0"/>
+        </a:p>
+      </dgm:t>
+    </dgm:pt>
+    <dgm:pt modelId="{0C3731E6-7189-414B-8AA4-AA411ADE82DC}" type="parTrans" cxnId="{68A68B6C-C4A2-404D-9619-7E596F60AE28}">
+      <dgm:prSet/>
+      <dgm:spPr/>
+      <dgm:t>
+        <a:bodyPr/>
+        <a:lstStyle/>
+        <a:p>
+          <a:endParaRPr lang="en-US"/>
+        </a:p>
+      </dgm:t>
+    </dgm:pt>
+    <dgm:pt modelId="{4A343348-5A18-A64D-B967-67FF94A2182D}" type="sibTrans" cxnId="{68A68B6C-C4A2-404D-9619-7E596F60AE28}">
+      <dgm:prSet/>
+      <dgm:spPr/>
+      <dgm:t>
+        <a:bodyPr/>
+        <a:lstStyle/>
+        <a:p>
+          <a:endParaRPr lang="en-US"/>
+        </a:p>
+      </dgm:t>
+    </dgm:pt>
+    <dgm:pt modelId="{632DBD1E-A080-C14D-89CD-94A8C0F3CF25}">
+      <dgm:prSet phldrT="[Text]"/>
+      <dgm:spPr/>
+      <dgm:t>
+        <a:bodyPr/>
+        <a:lstStyle/>
+        <a:p>
+          <a:r>
+            <a:rPr lang="en-US" dirty="0" smtClean="0"/>
+            <a:t>Array</a:t>
+          </a:r>
+          <a:endParaRPr lang="en-US" dirty="0"/>
+        </a:p>
+      </dgm:t>
+    </dgm:pt>
+    <dgm:pt modelId="{563BE0E2-35F1-EA43-92A4-487E8781D214}" type="parTrans" cxnId="{4CC6FB2A-BDF9-2948-B3E8-8BFD444DE0F5}">
+      <dgm:prSet/>
+      <dgm:spPr/>
+      <dgm:t>
+        <a:bodyPr/>
+        <a:lstStyle/>
+        <a:p>
+          <a:endParaRPr lang="en-US"/>
+        </a:p>
+      </dgm:t>
+    </dgm:pt>
+    <dgm:pt modelId="{BC85FB81-59E3-3246-A1DB-AA9BCA174B1A}" type="sibTrans" cxnId="{4CC6FB2A-BDF9-2948-B3E8-8BFD444DE0F5}">
+      <dgm:prSet/>
+      <dgm:spPr/>
+      <dgm:t>
+        <a:bodyPr/>
+        <a:lstStyle/>
+        <a:p>
+          <a:endParaRPr lang="en-US"/>
+        </a:p>
+      </dgm:t>
+    </dgm:pt>
+    <dgm:pt modelId="{2CF1C699-9046-8C42-87E6-2861BF37D660}">
+      <dgm:prSet phldrT="[Text]"/>
+      <dgm:spPr/>
+      <dgm:t>
+        <a:bodyPr/>
+        <a:lstStyle/>
+        <a:p>
+          <a:r>
+            <a:rPr lang="en-US" dirty="0" smtClean="0"/>
+            <a:t>Hash</a:t>
+          </a:r>
+          <a:endParaRPr lang="en-US" dirty="0"/>
+        </a:p>
+      </dgm:t>
+    </dgm:pt>
+    <dgm:pt modelId="{F9A1264F-2EB8-8148-8E8F-B74886C30473}" type="parTrans" cxnId="{A5EF75CA-949B-FB42-A967-633DBF9C5416}">
+      <dgm:prSet/>
+      <dgm:spPr/>
+      <dgm:t>
+        <a:bodyPr/>
+        <a:lstStyle/>
+        <a:p>
+          <a:endParaRPr lang="en-US"/>
+        </a:p>
+      </dgm:t>
+    </dgm:pt>
+    <dgm:pt modelId="{2B88B2F7-3FE5-E743-A3EF-F1DB3821C219}" type="sibTrans" cxnId="{A5EF75CA-949B-FB42-A967-633DBF9C5416}">
+      <dgm:prSet/>
+      <dgm:spPr/>
+      <dgm:t>
+        <a:bodyPr/>
+        <a:lstStyle/>
+        <a:p>
+          <a:endParaRPr lang="en-US"/>
+        </a:p>
+      </dgm:t>
+    </dgm:pt>
+    <dgm:pt modelId="{E5C8F682-32CD-424A-896C-91EAD3E64C45}">
+      <dgm:prSet phldrT="[Text]">
+        <dgm:style>
+          <a:lnRef idx="1">
+            <a:schemeClr val="accent2"/>
+          </a:lnRef>
+          <a:fillRef idx="2">
+            <a:schemeClr val="accent2"/>
+          </a:fillRef>
+          <a:effectRef idx="1">
+            <a:schemeClr val="accent2"/>
+          </a:effectRef>
+          <a:fontRef idx="minor">
+            <a:schemeClr val="dk1"/>
+          </a:fontRef>
+        </dgm:style>
+      </dgm:prSet>
+      <dgm:spPr/>
+      <dgm:t>
+        <a:bodyPr/>
+        <a:lstStyle/>
+        <a:p>
+          <a:r>
+            <a:rPr lang="en-US" dirty="0" smtClean="0"/>
+            <a:t>Function</a:t>
+          </a:r>
+          <a:endParaRPr lang="en-US" dirty="0"/>
+        </a:p>
+      </dgm:t>
+    </dgm:pt>
+    <dgm:pt modelId="{E3372A67-8AD5-414E-9A1F-4D9E3CFF6332}" type="parTrans" cxnId="{C885BB5D-362B-1847-87CF-E1B639313EA0}">
+      <dgm:prSet/>
+      <dgm:spPr/>
+      <dgm:t>
+        <a:bodyPr/>
+        <a:lstStyle/>
+        <a:p>
+          <a:endParaRPr lang="en-US"/>
+        </a:p>
+      </dgm:t>
+    </dgm:pt>
+    <dgm:pt modelId="{B77BD5BE-E444-A847-B5CA-1B150064119C}" type="sibTrans" cxnId="{C885BB5D-362B-1847-87CF-E1B639313EA0}">
+      <dgm:prSet/>
+      <dgm:spPr/>
+      <dgm:t>
+        <a:bodyPr/>
+        <a:lstStyle/>
+        <a:p>
+          <a:endParaRPr lang="en-US"/>
+        </a:p>
+      </dgm:t>
+    </dgm:pt>
+    <dgm:pt modelId="{39E9CE6E-1476-7F49-AD48-00E9588CC1FC}" type="pres">
+      <dgm:prSet presAssocID="{84B85FB8-CE49-454E-AFD0-26748DF588CB}" presName="hierChild1" presStyleCnt="0">
+        <dgm:presLayoutVars>
+          <dgm:chPref val="1"/>
+          <dgm:dir/>
+          <dgm:animOne val="branch"/>
+          <dgm:animLvl val="lvl"/>
+          <dgm:resizeHandles/>
+        </dgm:presLayoutVars>
+      </dgm:prSet>
+      <dgm:spPr/>
+      <dgm:t>
+        <a:bodyPr/>
+        <a:lstStyle/>
+        <a:p>
+          <a:endParaRPr lang="en-US"/>
+        </a:p>
+      </dgm:t>
+    </dgm:pt>
+    <dgm:pt modelId="{AFBF1B26-876E-5B4F-868D-ECF533517B41}" type="pres">
+      <dgm:prSet presAssocID="{960CE163-DF35-2B44-83E7-B9153BC66084}" presName="hierRoot1" presStyleCnt="0"/>
+      <dgm:spPr/>
+    </dgm:pt>
+    <dgm:pt modelId="{80FDFEA5-D276-C44B-902D-D2E8A937A02A}" type="pres">
+      <dgm:prSet presAssocID="{960CE163-DF35-2B44-83E7-B9153BC66084}" presName="composite" presStyleCnt="0"/>
+      <dgm:spPr/>
+    </dgm:pt>
+    <dgm:pt modelId="{DE9E6D4B-E798-AA47-81C3-1E545DF4DB5B}" type="pres">
+      <dgm:prSet presAssocID="{960CE163-DF35-2B44-83E7-B9153BC66084}" presName="background" presStyleLbl="node0" presStyleIdx="0" presStyleCnt="1"/>
+      <dgm:spPr/>
+    </dgm:pt>
+    <dgm:pt modelId="{923B0C63-79B7-9B4A-94B9-19130FBE5D7B}" type="pres">
+      <dgm:prSet presAssocID="{960CE163-DF35-2B44-83E7-B9153BC66084}" presName="text" presStyleLbl="fgAcc0" presStyleIdx="0" presStyleCnt="1">
+        <dgm:presLayoutVars>
+          <dgm:chPref val="3"/>
+        </dgm:presLayoutVars>
+      </dgm:prSet>
+      <dgm:spPr/>
+      <dgm:t>
+        <a:bodyPr/>
+        <a:lstStyle/>
+        <a:p>
+          <a:endParaRPr lang="en-US"/>
+        </a:p>
+      </dgm:t>
+    </dgm:pt>
+    <dgm:pt modelId="{BE0F867F-BE80-FD4F-A022-F1E0405A48F1}" type="pres">
+      <dgm:prSet presAssocID="{960CE163-DF35-2B44-83E7-B9153BC66084}" presName="hierChild2" presStyleCnt="0"/>
+      <dgm:spPr/>
+    </dgm:pt>
+    <dgm:pt modelId="{6B84F89A-BB62-184B-ACA8-8A1AAAE34DE1}" type="pres">
+      <dgm:prSet presAssocID="{D0F565E7-5D70-054E-90E0-C19FE13B6790}" presName="Name10" presStyleLbl="parChTrans1D2" presStyleIdx="0" presStyleCnt="4"/>
+      <dgm:spPr/>
+      <dgm:t>
+        <a:bodyPr/>
+        <a:lstStyle/>
+        <a:p>
+          <a:endParaRPr lang="en-US"/>
+        </a:p>
+      </dgm:t>
+    </dgm:pt>
+    <dgm:pt modelId="{57186F82-921A-384B-9A88-E6F59E2B58CF}" type="pres">
+      <dgm:prSet presAssocID="{AE7EA77A-1D8E-3F42-95E1-4EB11A443A81}" presName="hierRoot2" presStyleCnt="0"/>
+      <dgm:spPr/>
+    </dgm:pt>
+    <dgm:pt modelId="{B28150B0-F092-CC46-AAAD-4BBEDB44147E}" type="pres">
+      <dgm:prSet presAssocID="{AE7EA77A-1D8E-3F42-95E1-4EB11A443A81}" presName="composite2" presStyleCnt="0"/>
+      <dgm:spPr/>
+    </dgm:pt>
+    <dgm:pt modelId="{3D0C8496-FBEF-B442-BAA7-CC30894D9EC3}" type="pres">
+      <dgm:prSet presAssocID="{AE7EA77A-1D8E-3F42-95E1-4EB11A443A81}" presName="background2" presStyleLbl="node2" presStyleIdx="0" presStyleCnt="4"/>
+      <dgm:spPr/>
+    </dgm:pt>
+    <dgm:pt modelId="{BBF408DD-FB71-6449-9993-DDA736E8D58A}" type="pres">
+      <dgm:prSet presAssocID="{AE7EA77A-1D8E-3F42-95E1-4EB11A443A81}" presName="text2" presStyleLbl="fgAcc2" presStyleIdx="0" presStyleCnt="4">
+        <dgm:presLayoutVars>
+          <dgm:chPref val="3"/>
+        </dgm:presLayoutVars>
+      </dgm:prSet>
+      <dgm:spPr/>
+      <dgm:t>
+        <a:bodyPr/>
+        <a:lstStyle/>
+        <a:p>
+          <a:endParaRPr lang="en-US"/>
+        </a:p>
+      </dgm:t>
+    </dgm:pt>
+    <dgm:pt modelId="{30275E42-2EF8-8541-8588-8D52956296D0}" type="pres">
+      <dgm:prSet presAssocID="{AE7EA77A-1D8E-3F42-95E1-4EB11A443A81}" presName="hierChild3" presStyleCnt="0"/>
+      <dgm:spPr/>
+    </dgm:pt>
+    <dgm:pt modelId="{C6BA431E-FA40-1D4E-A3D8-2A8BD37A2453}" type="pres">
+      <dgm:prSet presAssocID="{8C382D6E-A069-234E-96CC-A5A865E2BBBD}" presName="Name17" presStyleLbl="parChTrans1D3" presStyleIdx="0" presStyleCnt="5"/>
+      <dgm:spPr/>
+      <dgm:t>
+        <a:bodyPr/>
+        <a:lstStyle/>
+        <a:p>
+          <a:endParaRPr lang="en-US"/>
+        </a:p>
+      </dgm:t>
+    </dgm:pt>
+    <dgm:pt modelId="{FA49C2F0-0FFB-3146-92B9-688B6A49F1AC}" type="pres">
+      <dgm:prSet presAssocID="{4261D7F4-A7D0-3F49-B78A-20CFB380B683}" presName="hierRoot3" presStyleCnt="0"/>
+      <dgm:spPr/>
+    </dgm:pt>
+    <dgm:pt modelId="{0C3DE103-3542-7341-8A0B-7521A1726E5B}" type="pres">
+      <dgm:prSet presAssocID="{4261D7F4-A7D0-3F49-B78A-20CFB380B683}" presName="composite3" presStyleCnt="0"/>
+      <dgm:spPr/>
+    </dgm:pt>
+    <dgm:pt modelId="{4AC60A40-741B-ED47-AAD7-DE82CE34AD41}" type="pres">
+      <dgm:prSet presAssocID="{4261D7F4-A7D0-3F49-B78A-20CFB380B683}" presName="background3" presStyleLbl="node3" presStyleIdx="0" presStyleCnt="5"/>
+      <dgm:spPr/>
+    </dgm:pt>
+    <dgm:pt modelId="{C2C1A37D-940A-6743-AC99-D92FAAA879A9}" type="pres">
+      <dgm:prSet presAssocID="{4261D7F4-A7D0-3F49-B78A-20CFB380B683}" presName="text3" presStyleLbl="fgAcc3" presStyleIdx="0" presStyleCnt="5">
+        <dgm:presLayoutVars>
+          <dgm:chPref val="3"/>
+        </dgm:presLayoutVars>
+      </dgm:prSet>
+      <dgm:spPr/>
+      <dgm:t>
+        <a:bodyPr/>
+        <a:lstStyle/>
+        <a:p>
+          <a:endParaRPr lang="en-US"/>
+        </a:p>
+      </dgm:t>
+    </dgm:pt>
+    <dgm:pt modelId="{45C7168E-E470-0B41-BADA-058CAF77E69B}" type="pres">
+      <dgm:prSet presAssocID="{4261D7F4-A7D0-3F49-B78A-20CFB380B683}" presName="hierChild4" presStyleCnt="0"/>
+      <dgm:spPr/>
+    </dgm:pt>
+    <dgm:pt modelId="{28156514-4C64-AE45-A406-98283D6076D6}" type="pres">
+      <dgm:prSet presAssocID="{4810192D-B607-5A42-8DCE-8CFCF1A82427}" presName="Name17" presStyleLbl="parChTrans1D3" presStyleIdx="1" presStyleCnt="5"/>
+      <dgm:spPr/>
+      <dgm:t>
+        <a:bodyPr/>
+        <a:lstStyle/>
+        <a:p>
+          <a:endParaRPr lang="en-US"/>
+        </a:p>
+      </dgm:t>
+    </dgm:pt>
+    <dgm:pt modelId="{6EB05EE5-0B4E-B94A-957D-24E8465F731F}" type="pres">
+      <dgm:prSet presAssocID="{A215CF19-F4EB-414A-A10F-B2A96141FE91}" presName="hierRoot3" presStyleCnt="0"/>
+      <dgm:spPr/>
+    </dgm:pt>
+    <dgm:pt modelId="{2689CED2-1086-2B4D-90A9-87D971D7A5CD}" type="pres">
+      <dgm:prSet presAssocID="{A215CF19-F4EB-414A-A10F-B2A96141FE91}" presName="composite3" presStyleCnt="0"/>
+      <dgm:spPr/>
+    </dgm:pt>
+    <dgm:pt modelId="{42E6176C-3E48-2248-9A2F-70DD7DB88292}" type="pres">
+      <dgm:prSet presAssocID="{A215CF19-F4EB-414A-A10F-B2A96141FE91}" presName="background3" presStyleLbl="node3" presStyleIdx="1" presStyleCnt="5"/>
+      <dgm:spPr/>
+    </dgm:pt>
+    <dgm:pt modelId="{0B86410B-498D-AB4D-9967-4C4AEDB1DF45}" type="pres">
+      <dgm:prSet presAssocID="{A215CF19-F4EB-414A-A10F-B2A96141FE91}" presName="text3" presStyleLbl="fgAcc3" presStyleIdx="1" presStyleCnt="5">
+        <dgm:presLayoutVars>
+          <dgm:chPref val="3"/>
+        </dgm:presLayoutVars>
+      </dgm:prSet>
+      <dgm:spPr/>
+      <dgm:t>
+        <a:bodyPr/>
+        <a:lstStyle/>
+        <a:p>
+          <a:endParaRPr lang="en-US"/>
+        </a:p>
+      </dgm:t>
+    </dgm:pt>
+    <dgm:pt modelId="{B3C8CD39-69CF-704B-96DE-6A9E2710E4DF}" type="pres">
+      <dgm:prSet presAssocID="{A215CF19-F4EB-414A-A10F-B2A96141FE91}" presName="hierChild4" presStyleCnt="0"/>
+      <dgm:spPr/>
+    </dgm:pt>
+    <dgm:pt modelId="{8CFA3E84-678E-C345-8D46-63E85CF195E2}" type="pres">
+      <dgm:prSet presAssocID="{6C0275DE-9DFE-0E43-8DDA-D28DD222D71F}" presName="Name10" presStyleLbl="parChTrans1D2" presStyleIdx="1" presStyleCnt="4"/>
+      <dgm:spPr/>
+      <dgm:t>
+        <a:bodyPr/>
+        <a:lstStyle/>
+        <a:p>
+          <a:endParaRPr lang="en-US"/>
+        </a:p>
+      </dgm:t>
+    </dgm:pt>
+    <dgm:pt modelId="{17123A68-6C83-C544-9F84-F56BBB484F06}" type="pres">
+      <dgm:prSet presAssocID="{4D875376-E6B9-804F-AC85-A1D4337BBC8A}" presName="hierRoot2" presStyleCnt="0"/>
+      <dgm:spPr/>
+    </dgm:pt>
+    <dgm:pt modelId="{4AE01571-6379-704D-8604-C8ABF21E8DBB}" type="pres">
+      <dgm:prSet presAssocID="{4D875376-E6B9-804F-AC85-A1D4337BBC8A}" presName="composite2" presStyleCnt="0"/>
+      <dgm:spPr/>
+    </dgm:pt>
+    <dgm:pt modelId="{E4637EFB-2FAA-3446-8FC9-AD7B8E683EE6}" type="pres">
+      <dgm:prSet presAssocID="{4D875376-E6B9-804F-AC85-A1D4337BBC8A}" presName="background2" presStyleLbl="node2" presStyleIdx="1" presStyleCnt="4"/>
+      <dgm:spPr/>
+    </dgm:pt>
+    <dgm:pt modelId="{0FEFC8CB-58CB-4A43-9867-EED6738F0C0F}" type="pres">
+      <dgm:prSet presAssocID="{4D875376-E6B9-804F-AC85-A1D4337BBC8A}" presName="text2" presStyleLbl="fgAcc2" presStyleIdx="1" presStyleCnt="4">
+        <dgm:presLayoutVars>
+          <dgm:chPref val="3"/>
+        </dgm:presLayoutVars>
+      </dgm:prSet>
+      <dgm:spPr/>
+      <dgm:t>
+        <a:bodyPr/>
+        <a:lstStyle/>
+        <a:p>
+          <a:endParaRPr lang="en-US"/>
+        </a:p>
+      </dgm:t>
+    </dgm:pt>
+    <dgm:pt modelId="{913C72A4-3E8B-1241-9761-A44A74EB4957}" type="pres">
+      <dgm:prSet presAssocID="{4D875376-E6B9-804F-AC85-A1D4337BBC8A}" presName="hierChild3" presStyleCnt="0"/>
+      <dgm:spPr/>
+    </dgm:pt>
+    <dgm:pt modelId="{800FD04D-B3AC-0B4A-955F-2E2198D77D53}" type="pres">
+      <dgm:prSet presAssocID="{12CF4121-F3B4-5C45-B72F-C1FB37DD3C0D}" presName="Name10" presStyleLbl="parChTrans1D2" presStyleIdx="2" presStyleCnt="4"/>
+      <dgm:spPr/>
+      <dgm:t>
+        <a:bodyPr/>
+        <a:lstStyle/>
+        <a:p>
+          <a:endParaRPr lang="en-US"/>
+        </a:p>
+      </dgm:t>
+    </dgm:pt>
+    <dgm:pt modelId="{128988B5-99FA-2F4E-AE71-B7EAC369A7E7}" type="pres">
+      <dgm:prSet presAssocID="{1AD1EA1C-020E-5744-81BA-AEEC1A7A11F3}" presName="hierRoot2" presStyleCnt="0"/>
+      <dgm:spPr/>
+    </dgm:pt>
+    <dgm:pt modelId="{49809B21-A121-6949-BE32-B42D5CB61BF3}" type="pres">
+      <dgm:prSet presAssocID="{1AD1EA1C-020E-5744-81BA-AEEC1A7A11F3}" presName="composite2" presStyleCnt="0"/>
+      <dgm:spPr/>
+    </dgm:pt>
+    <dgm:pt modelId="{742E8093-E526-D748-A87A-DEAD1A9F1F6D}" type="pres">
+      <dgm:prSet presAssocID="{1AD1EA1C-020E-5744-81BA-AEEC1A7A11F3}" presName="background2" presStyleLbl="node2" presStyleIdx="2" presStyleCnt="4"/>
+      <dgm:spPr/>
+    </dgm:pt>
+    <dgm:pt modelId="{D86CCABB-994E-2B44-9B36-549A167DC946}" type="pres">
+      <dgm:prSet presAssocID="{1AD1EA1C-020E-5744-81BA-AEEC1A7A11F3}" presName="text2" presStyleLbl="fgAcc2" presStyleIdx="2" presStyleCnt="4">
+        <dgm:presLayoutVars>
+          <dgm:chPref val="3"/>
+        </dgm:presLayoutVars>
+      </dgm:prSet>
+      <dgm:spPr/>
+      <dgm:t>
+        <a:bodyPr/>
+        <a:lstStyle/>
+        <a:p>
+          <a:endParaRPr lang="en-US"/>
+        </a:p>
+      </dgm:t>
+    </dgm:pt>
+    <dgm:pt modelId="{CC6967D9-B95C-CE45-A47E-91CDA0E3E445}" type="pres">
+      <dgm:prSet presAssocID="{1AD1EA1C-020E-5744-81BA-AEEC1A7A11F3}" presName="hierChild3" presStyleCnt="0"/>
+      <dgm:spPr/>
+    </dgm:pt>
+    <dgm:pt modelId="{201C7CC6-525A-FE42-B4FF-8C5914387024}" type="pres">
+      <dgm:prSet presAssocID="{70F0D127-9705-B346-8456-2EA73B6E30CF}" presName="Name10" presStyleLbl="parChTrans1D2" presStyleIdx="3" presStyleCnt="4"/>
+      <dgm:spPr/>
+      <dgm:t>
+        <a:bodyPr/>
+        <a:lstStyle/>
+        <a:p>
+          <a:endParaRPr lang="en-US"/>
+        </a:p>
+      </dgm:t>
+    </dgm:pt>
+    <dgm:pt modelId="{BD934BBA-EA07-8840-90B2-9D9E5B1347F2}" type="pres">
+      <dgm:prSet presAssocID="{FE86CB60-E462-414C-BF0E-606A57D7AD93}" presName="hierRoot2" presStyleCnt="0"/>
+      <dgm:spPr/>
+    </dgm:pt>
+    <dgm:pt modelId="{17E8D9DE-F146-0644-88B0-F97B429F2766}" type="pres">
+      <dgm:prSet presAssocID="{FE86CB60-E462-414C-BF0E-606A57D7AD93}" presName="composite2" presStyleCnt="0"/>
+      <dgm:spPr/>
+    </dgm:pt>
+    <dgm:pt modelId="{419941D0-E8C4-AB44-9E78-DAAEB48DEBBF}" type="pres">
+      <dgm:prSet presAssocID="{FE86CB60-E462-414C-BF0E-606A57D7AD93}" presName="background2" presStyleLbl="node2" presStyleIdx="3" presStyleCnt="4"/>
+      <dgm:spPr/>
+    </dgm:pt>
+    <dgm:pt modelId="{6603764C-B415-664F-8885-A7DAA8CAF3E7}" type="pres">
+      <dgm:prSet presAssocID="{FE86CB60-E462-414C-BF0E-606A57D7AD93}" presName="text2" presStyleLbl="fgAcc2" presStyleIdx="3" presStyleCnt="4">
+        <dgm:presLayoutVars>
+          <dgm:chPref val="3"/>
+        </dgm:presLayoutVars>
+      </dgm:prSet>
+      <dgm:spPr/>
+      <dgm:t>
+        <a:bodyPr/>
+        <a:lstStyle/>
+        <a:p>
+          <a:endParaRPr lang="en-US"/>
+        </a:p>
+      </dgm:t>
+    </dgm:pt>
+    <dgm:pt modelId="{B22FE223-04E0-3741-B2BD-26144A52FBF0}" type="pres">
+      <dgm:prSet presAssocID="{FE86CB60-E462-414C-BF0E-606A57D7AD93}" presName="hierChild3" presStyleCnt="0"/>
+      <dgm:spPr/>
+    </dgm:pt>
+    <dgm:pt modelId="{2E4A94D1-71F0-A046-B95F-18095848F38A}" type="pres">
+      <dgm:prSet presAssocID="{184A7FBE-4658-3046-B4A7-4EBDDC670AD1}" presName="Name17" presStyleLbl="parChTrans1D3" presStyleIdx="2" presStyleCnt="5"/>
+      <dgm:spPr/>
+      <dgm:t>
+        <a:bodyPr/>
+        <a:lstStyle/>
+        <a:p>
+          <a:endParaRPr lang="en-US"/>
+        </a:p>
+      </dgm:t>
+    </dgm:pt>
+    <dgm:pt modelId="{ED5C0E39-415F-9345-8AFB-31BAA119B473}" type="pres">
+      <dgm:prSet presAssocID="{9C7D04B1-85B2-3F41-9343-3724449F75B3}" presName="hierRoot3" presStyleCnt="0"/>
+      <dgm:spPr/>
+    </dgm:pt>
+    <dgm:pt modelId="{BF8EF9AE-3A03-8649-BC95-B3356DB4965E}" type="pres">
+      <dgm:prSet presAssocID="{9C7D04B1-85B2-3F41-9343-3724449F75B3}" presName="composite3" presStyleCnt="0"/>
+      <dgm:spPr/>
+    </dgm:pt>
+    <dgm:pt modelId="{BED1AD82-3EAF-DA47-9563-265E07F41880}" type="pres">
+      <dgm:prSet presAssocID="{9C7D04B1-85B2-3F41-9343-3724449F75B3}" presName="background3" presStyleLbl="node3" presStyleIdx="2" presStyleCnt="5"/>
+      <dgm:spPr/>
+    </dgm:pt>
+    <dgm:pt modelId="{AD6B8219-1F5B-DA4F-B261-22B5D0551A94}" type="pres">
+      <dgm:prSet presAssocID="{9C7D04B1-85B2-3F41-9343-3724449F75B3}" presName="text3" presStyleLbl="fgAcc3" presStyleIdx="2" presStyleCnt="5">
+        <dgm:presLayoutVars>
+          <dgm:chPref val="3"/>
+        </dgm:presLayoutVars>
+      </dgm:prSet>
+      <dgm:spPr/>
+      <dgm:t>
+        <a:bodyPr/>
+        <a:lstStyle/>
+        <a:p>
+          <a:endParaRPr lang="en-US"/>
+        </a:p>
+      </dgm:t>
+    </dgm:pt>
+    <dgm:pt modelId="{AF36FF68-65FA-3443-983A-A1AA032CA341}" type="pres">
+      <dgm:prSet presAssocID="{9C7D04B1-85B2-3F41-9343-3724449F75B3}" presName="hierChild4" presStyleCnt="0"/>
+      <dgm:spPr/>
+    </dgm:pt>
+    <dgm:pt modelId="{F42357F4-6E12-A041-A7D6-81713E5E517B}" type="pres">
+      <dgm:prSet presAssocID="{0C3731E6-7189-414B-8AA4-AA411ADE82DC}" presName="Name17" presStyleLbl="parChTrans1D3" presStyleIdx="3" presStyleCnt="5"/>
+      <dgm:spPr/>
+      <dgm:t>
+        <a:bodyPr/>
+        <a:lstStyle/>
+        <a:p>
+          <a:endParaRPr lang="en-US"/>
+        </a:p>
+      </dgm:t>
+    </dgm:pt>
+    <dgm:pt modelId="{A9A1551E-CC31-A64A-B373-6E945A4DD457}" type="pres">
+      <dgm:prSet presAssocID="{67DF074B-DE05-B24C-9E35-CDBF726DC2DD}" presName="hierRoot3" presStyleCnt="0"/>
+      <dgm:spPr/>
+    </dgm:pt>
+    <dgm:pt modelId="{F43CB637-24DA-304C-BC9F-8ECEC7BECB18}" type="pres">
+      <dgm:prSet presAssocID="{67DF074B-DE05-B24C-9E35-CDBF726DC2DD}" presName="composite3" presStyleCnt="0"/>
+      <dgm:spPr/>
+    </dgm:pt>
+    <dgm:pt modelId="{E43BE145-21E5-5543-9A7D-46DE44FE97A7}" type="pres">
+      <dgm:prSet presAssocID="{67DF074B-DE05-B24C-9E35-CDBF726DC2DD}" presName="background3" presStyleLbl="node3" presStyleIdx="3" presStyleCnt="5"/>
+      <dgm:spPr/>
+    </dgm:pt>
+    <dgm:pt modelId="{EBC8209D-BB74-B44A-A57A-C51ABEDBBAE8}" type="pres">
+      <dgm:prSet presAssocID="{67DF074B-DE05-B24C-9E35-CDBF726DC2DD}" presName="text3" presStyleLbl="fgAcc3" presStyleIdx="3" presStyleCnt="5">
+        <dgm:presLayoutVars>
+          <dgm:chPref val="3"/>
+        </dgm:presLayoutVars>
+      </dgm:prSet>
+      <dgm:spPr/>
+      <dgm:t>
+        <a:bodyPr/>
+        <a:lstStyle/>
+        <a:p>
+          <a:endParaRPr lang="en-US"/>
+        </a:p>
+      </dgm:t>
+    </dgm:pt>
+    <dgm:pt modelId="{C466FE0B-24A7-E64D-A09B-9F9133A03D07}" type="pres">
+      <dgm:prSet presAssocID="{67DF074B-DE05-B24C-9E35-CDBF726DC2DD}" presName="hierChild4" presStyleCnt="0"/>
+      <dgm:spPr/>
+    </dgm:pt>
+    <dgm:pt modelId="{1F5FFC55-2839-634C-8F0C-96EACF5BE3CB}" type="pres">
+      <dgm:prSet presAssocID="{563BE0E2-35F1-EA43-92A4-487E8781D214}" presName="Name23" presStyleLbl="parChTrans1D4" presStyleIdx="0" presStyleCnt="2"/>
+      <dgm:spPr/>
+      <dgm:t>
+        <a:bodyPr/>
+        <a:lstStyle/>
+        <a:p>
+          <a:endParaRPr lang="en-US"/>
+        </a:p>
+      </dgm:t>
+    </dgm:pt>
+    <dgm:pt modelId="{85A5D7ED-B644-F14F-8652-BFCF9A5C48F9}" type="pres">
+      <dgm:prSet presAssocID="{632DBD1E-A080-C14D-89CD-94A8C0F3CF25}" presName="hierRoot4" presStyleCnt="0"/>
+      <dgm:spPr/>
+    </dgm:pt>
+    <dgm:pt modelId="{00D8B2B2-0CBF-7547-A721-EF848954EC8A}" type="pres">
+      <dgm:prSet presAssocID="{632DBD1E-A080-C14D-89CD-94A8C0F3CF25}" presName="composite4" presStyleCnt="0"/>
+      <dgm:spPr/>
+    </dgm:pt>
+    <dgm:pt modelId="{6DF542D9-B5F6-214E-9CDE-F0A47E3A8ABC}" type="pres">
+      <dgm:prSet presAssocID="{632DBD1E-A080-C14D-89CD-94A8C0F3CF25}" presName="background4" presStyleLbl="node4" presStyleIdx="0" presStyleCnt="2"/>
+      <dgm:spPr/>
+    </dgm:pt>
+    <dgm:pt modelId="{2246CDBD-2CA8-A34C-A89B-E32ACB07E97A}" type="pres">
+      <dgm:prSet presAssocID="{632DBD1E-A080-C14D-89CD-94A8C0F3CF25}" presName="text4" presStyleLbl="fgAcc4" presStyleIdx="0" presStyleCnt="2">
+        <dgm:presLayoutVars>
+          <dgm:chPref val="3"/>
+        </dgm:presLayoutVars>
+      </dgm:prSet>
+      <dgm:spPr/>
+      <dgm:t>
+        <a:bodyPr/>
+        <a:lstStyle/>
+        <a:p>
+          <a:endParaRPr lang="en-US"/>
+        </a:p>
+      </dgm:t>
+    </dgm:pt>
+    <dgm:pt modelId="{3665192D-6737-1040-9177-871885CEF638}" type="pres">
+      <dgm:prSet presAssocID="{632DBD1E-A080-C14D-89CD-94A8C0F3CF25}" presName="hierChild5" presStyleCnt="0"/>
+      <dgm:spPr/>
+    </dgm:pt>
+    <dgm:pt modelId="{9541F663-17CE-1449-B545-4E9F3C558C3A}" type="pres">
+      <dgm:prSet presAssocID="{F9A1264F-2EB8-8148-8E8F-B74886C30473}" presName="Name23" presStyleLbl="parChTrans1D4" presStyleIdx="1" presStyleCnt="2"/>
+      <dgm:spPr/>
+      <dgm:t>
+        <a:bodyPr/>
+        <a:lstStyle/>
+        <a:p>
+          <a:endParaRPr lang="en-US"/>
+        </a:p>
+      </dgm:t>
+    </dgm:pt>
+    <dgm:pt modelId="{83EE79AE-9386-864F-93A5-0F883745028F}" type="pres">
+      <dgm:prSet presAssocID="{2CF1C699-9046-8C42-87E6-2861BF37D660}" presName="hierRoot4" presStyleCnt="0"/>
+      <dgm:spPr/>
+    </dgm:pt>
+    <dgm:pt modelId="{429B9511-00B5-5B46-A00E-621F9A4D5014}" type="pres">
+      <dgm:prSet presAssocID="{2CF1C699-9046-8C42-87E6-2861BF37D660}" presName="composite4" presStyleCnt="0"/>
+      <dgm:spPr/>
+    </dgm:pt>
+    <dgm:pt modelId="{7591B2A4-9F4B-F245-820A-E182736ED0B3}" type="pres">
+      <dgm:prSet presAssocID="{2CF1C699-9046-8C42-87E6-2861BF37D660}" presName="background4" presStyleLbl="node4" presStyleIdx="1" presStyleCnt="2"/>
+      <dgm:spPr/>
+    </dgm:pt>
+    <dgm:pt modelId="{9152FE1E-3F9F-1945-845B-196FD4FE9E7F}" type="pres">
+      <dgm:prSet presAssocID="{2CF1C699-9046-8C42-87E6-2861BF37D660}" presName="text4" presStyleLbl="fgAcc4" presStyleIdx="1" presStyleCnt="2">
+        <dgm:presLayoutVars>
+          <dgm:chPref val="3"/>
+        </dgm:presLayoutVars>
+      </dgm:prSet>
+      <dgm:spPr/>
+      <dgm:t>
+        <a:bodyPr/>
+        <a:lstStyle/>
+        <a:p>
+          <a:endParaRPr lang="en-US"/>
+        </a:p>
+      </dgm:t>
+    </dgm:pt>
+    <dgm:pt modelId="{52AA974E-0B14-7440-B0B8-11CBFA575269}" type="pres">
+      <dgm:prSet presAssocID="{2CF1C699-9046-8C42-87E6-2861BF37D660}" presName="hierChild5" presStyleCnt="0"/>
+      <dgm:spPr/>
+    </dgm:pt>
+    <dgm:pt modelId="{BA61A876-7050-3746-8DAE-0686A0FD0957}" type="pres">
+      <dgm:prSet presAssocID="{E3372A67-8AD5-414E-9A1F-4D9E3CFF6332}" presName="Name17" presStyleLbl="parChTrans1D3" presStyleIdx="4" presStyleCnt="5"/>
+      <dgm:spPr/>
+      <dgm:t>
+        <a:bodyPr/>
+        <a:lstStyle/>
+        <a:p>
+          <a:endParaRPr lang="en-US"/>
+        </a:p>
+      </dgm:t>
+    </dgm:pt>
+    <dgm:pt modelId="{7E1C010A-E642-0444-8F19-1706B4B1F542}" type="pres">
+      <dgm:prSet presAssocID="{E5C8F682-32CD-424A-896C-91EAD3E64C45}" presName="hierRoot3" presStyleCnt="0"/>
+      <dgm:spPr/>
+    </dgm:pt>
+    <dgm:pt modelId="{9A87F0FC-C76A-AB43-AA0B-DF4820D9F426}" type="pres">
+      <dgm:prSet presAssocID="{E5C8F682-32CD-424A-896C-91EAD3E64C45}" presName="composite3" presStyleCnt="0"/>
+      <dgm:spPr/>
+    </dgm:pt>
+    <dgm:pt modelId="{05D36543-49E4-934D-B25C-1B6526CA4C89}" type="pres">
+      <dgm:prSet presAssocID="{E5C8F682-32CD-424A-896C-91EAD3E64C45}" presName="background3" presStyleLbl="node3" presStyleIdx="4" presStyleCnt="5"/>
+      <dgm:spPr/>
+    </dgm:pt>
+    <dgm:pt modelId="{76B33B1D-4CA5-544F-BF28-B308B507EF10}" type="pres">
+      <dgm:prSet presAssocID="{E5C8F682-32CD-424A-896C-91EAD3E64C45}" presName="text3" presStyleLbl="fgAcc3" presStyleIdx="4" presStyleCnt="5">
+        <dgm:presLayoutVars>
+          <dgm:chPref val="3"/>
+        </dgm:presLayoutVars>
+      </dgm:prSet>
+      <dgm:spPr/>
+      <dgm:t>
+        <a:bodyPr/>
+        <a:lstStyle/>
+        <a:p>
+          <a:endParaRPr lang="en-US"/>
+        </a:p>
+      </dgm:t>
+    </dgm:pt>
+    <dgm:pt modelId="{70331356-C91A-A344-8A29-46B67D09210B}" type="pres">
+      <dgm:prSet presAssocID="{E5C8F682-32CD-424A-896C-91EAD3E64C45}" presName="hierChild4" presStyleCnt="0"/>
+      <dgm:spPr/>
+    </dgm:pt>
+  </dgm:ptLst>
+  <dgm:cxnLst>
+    <dgm:cxn modelId="{0A19088C-A894-A349-B6F2-D0CA96CD47FA}" srcId="{960CE163-DF35-2B44-83E7-B9153BC66084}" destId="{1AD1EA1C-020E-5744-81BA-AEEC1A7A11F3}" srcOrd="2" destOrd="0" parTransId="{12CF4121-F3B4-5C45-B72F-C1FB37DD3C0D}" sibTransId="{E7356A86-2BC1-2844-87C1-0F4142A0BACE}"/>
+    <dgm:cxn modelId="{A5EF75CA-949B-FB42-A967-633DBF9C5416}" srcId="{67DF074B-DE05-B24C-9E35-CDBF726DC2DD}" destId="{2CF1C699-9046-8C42-87E6-2861BF37D660}" srcOrd="1" destOrd="0" parTransId="{F9A1264F-2EB8-8148-8E8F-B74886C30473}" sibTransId="{2B88B2F7-3FE5-E743-A3EF-F1DB3821C219}"/>
+    <dgm:cxn modelId="{1BB5FA34-3C64-DD46-93EA-B2497E30C558}" type="presOf" srcId="{0C3731E6-7189-414B-8AA4-AA411ADE82DC}" destId="{F42357F4-6E12-A041-A7D6-81713E5E517B}" srcOrd="0" destOrd="0" presId="urn:microsoft.com/office/officeart/2005/8/layout/hierarchy1"/>
+    <dgm:cxn modelId="{4143E40A-3339-5746-9665-4720B7275017}" type="presOf" srcId="{4261D7F4-A7D0-3F49-B78A-20CFB380B683}" destId="{C2C1A37D-940A-6743-AC99-D92FAAA879A9}" srcOrd="0" destOrd="0" presId="urn:microsoft.com/office/officeart/2005/8/layout/hierarchy1"/>
+    <dgm:cxn modelId="{62868263-8B87-BF41-9DB1-C409701EE1E3}" type="presOf" srcId="{184A7FBE-4658-3046-B4A7-4EBDDC670AD1}" destId="{2E4A94D1-71F0-A046-B95F-18095848F38A}" srcOrd="0" destOrd="0" presId="urn:microsoft.com/office/officeart/2005/8/layout/hierarchy1"/>
+    <dgm:cxn modelId="{56B8DE62-0A59-E34F-BA89-ACA8FE07FD37}" type="presOf" srcId="{A215CF19-F4EB-414A-A10F-B2A96141FE91}" destId="{0B86410B-498D-AB4D-9967-4C4AEDB1DF45}" srcOrd="0" destOrd="0" presId="urn:microsoft.com/office/officeart/2005/8/layout/hierarchy1"/>
+    <dgm:cxn modelId="{4CC6FB2A-BDF9-2948-B3E8-8BFD444DE0F5}" srcId="{67DF074B-DE05-B24C-9E35-CDBF726DC2DD}" destId="{632DBD1E-A080-C14D-89CD-94A8C0F3CF25}" srcOrd="0" destOrd="0" parTransId="{563BE0E2-35F1-EA43-92A4-487E8781D214}" sibTransId="{BC85FB81-59E3-3246-A1DB-AA9BCA174B1A}"/>
+    <dgm:cxn modelId="{7E833AC7-C906-EC48-8CF2-050B2E9E6DD6}" type="presOf" srcId="{632DBD1E-A080-C14D-89CD-94A8C0F3CF25}" destId="{2246CDBD-2CA8-A34C-A89B-E32ACB07E97A}" srcOrd="0" destOrd="0" presId="urn:microsoft.com/office/officeart/2005/8/layout/hierarchy1"/>
+    <dgm:cxn modelId="{48C3CFE4-65EB-9D4E-A0CE-F9F821B5D78C}" srcId="{FE86CB60-E462-414C-BF0E-606A57D7AD93}" destId="{9C7D04B1-85B2-3F41-9343-3724449F75B3}" srcOrd="0" destOrd="0" parTransId="{184A7FBE-4658-3046-B4A7-4EBDDC670AD1}" sibTransId="{5D03D28D-4580-AA4E-B725-784F886C6797}"/>
+    <dgm:cxn modelId="{5125BE48-CBDA-9E46-A5EC-A00E5922E856}" type="presOf" srcId="{8C382D6E-A069-234E-96CC-A5A865E2BBBD}" destId="{C6BA431E-FA40-1D4E-A3D8-2A8BD37A2453}" srcOrd="0" destOrd="0" presId="urn:microsoft.com/office/officeart/2005/8/layout/hierarchy1"/>
+    <dgm:cxn modelId="{FFC55F0E-24F0-0940-B0B5-F6820B65D7C7}" type="presOf" srcId="{E5C8F682-32CD-424A-896C-91EAD3E64C45}" destId="{76B33B1D-4CA5-544F-BF28-B308B507EF10}" srcOrd="0" destOrd="0" presId="urn:microsoft.com/office/officeart/2005/8/layout/hierarchy1"/>
+    <dgm:cxn modelId="{BE4A5523-AA4B-D244-80FB-A948E67617FE}" srcId="{AE7EA77A-1D8E-3F42-95E1-4EB11A443A81}" destId="{4261D7F4-A7D0-3F49-B78A-20CFB380B683}" srcOrd="0" destOrd="0" parTransId="{8C382D6E-A069-234E-96CC-A5A865E2BBBD}" sibTransId="{BFE6C573-BEC1-BB44-914C-4A90CDE91A1A}"/>
+    <dgm:cxn modelId="{BD876DF4-FBEE-9943-863F-7B7F61CBAEA9}" srcId="{960CE163-DF35-2B44-83E7-B9153BC66084}" destId="{FE86CB60-E462-414C-BF0E-606A57D7AD93}" srcOrd="3" destOrd="0" parTransId="{70F0D127-9705-B346-8456-2EA73B6E30CF}" sibTransId="{B2965BF0-14E0-474E-A2AB-CCA4521513DD}"/>
+    <dgm:cxn modelId="{7B0EFE83-8F7C-2148-A812-1F8ACB477747}" type="presOf" srcId="{F9A1264F-2EB8-8148-8E8F-B74886C30473}" destId="{9541F663-17CE-1449-B545-4E9F3C558C3A}" srcOrd="0" destOrd="0" presId="urn:microsoft.com/office/officeart/2005/8/layout/hierarchy1"/>
+    <dgm:cxn modelId="{1FDA42F0-000F-6E4D-ACBD-DD297AF16C8B}" type="presOf" srcId="{960CE163-DF35-2B44-83E7-B9153BC66084}" destId="{923B0C63-79B7-9B4A-94B9-19130FBE5D7B}" srcOrd="0" destOrd="0" presId="urn:microsoft.com/office/officeart/2005/8/layout/hierarchy1"/>
+    <dgm:cxn modelId="{C885BB5D-362B-1847-87CF-E1B639313EA0}" srcId="{FE86CB60-E462-414C-BF0E-606A57D7AD93}" destId="{E5C8F682-32CD-424A-896C-91EAD3E64C45}" srcOrd="2" destOrd="0" parTransId="{E3372A67-8AD5-414E-9A1F-4D9E3CFF6332}" sibTransId="{B77BD5BE-E444-A847-B5CA-1B150064119C}"/>
+    <dgm:cxn modelId="{68A68B6C-C4A2-404D-9619-7E596F60AE28}" srcId="{FE86CB60-E462-414C-BF0E-606A57D7AD93}" destId="{67DF074B-DE05-B24C-9E35-CDBF726DC2DD}" srcOrd="1" destOrd="0" parTransId="{0C3731E6-7189-414B-8AA4-AA411ADE82DC}" sibTransId="{4A343348-5A18-A64D-B967-67FF94A2182D}"/>
+    <dgm:cxn modelId="{E1A0809A-BAEA-BF42-92A8-DDEE32055693}" type="presOf" srcId="{9C7D04B1-85B2-3F41-9343-3724449F75B3}" destId="{AD6B8219-1F5B-DA4F-B261-22B5D0551A94}" srcOrd="0" destOrd="0" presId="urn:microsoft.com/office/officeart/2005/8/layout/hierarchy1"/>
+    <dgm:cxn modelId="{74C3DF55-2571-4A42-A3D4-79D2D7286452}" type="presOf" srcId="{12CF4121-F3B4-5C45-B72F-C1FB37DD3C0D}" destId="{800FD04D-B3AC-0B4A-955F-2E2198D77D53}" srcOrd="0" destOrd="0" presId="urn:microsoft.com/office/officeart/2005/8/layout/hierarchy1"/>
+    <dgm:cxn modelId="{7DFEC403-3D07-E147-94A7-6948508849D0}" type="presOf" srcId="{563BE0E2-35F1-EA43-92A4-487E8781D214}" destId="{1F5FFC55-2839-634C-8F0C-96EACF5BE3CB}" srcOrd="0" destOrd="0" presId="urn:microsoft.com/office/officeart/2005/8/layout/hierarchy1"/>
+    <dgm:cxn modelId="{D2D6BF3A-81D0-9346-B33A-086AABA7D7D7}" type="presOf" srcId="{D0F565E7-5D70-054E-90E0-C19FE13B6790}" destId="{6B84F89A-BB62-184B-ACA8-8A1AAAE34DE1}" srcOrd="0" destOrd="0" presId="urn:microsoft.com/office/officeart/2005/8/layout/hierarchy1"/>
+    <dgm:cxn modelId="{FE6DB9C5-C848-C041-9BAC-D3D409ECA3D7}" type="presOf" srcId="{67DF074B-DE05-B24C-9E35-CDBF726DC2DD}" destId="{EBC8209D-BB74-B44A-A57A-C51ABEDBBAE8}" srcOrd="0" destOrd="0" presId="urn:microsoft.com/office/officeart/2005/8/layout/hierarchy1"/>
+    <dgm:cxn modelId="{09A4557F-E6E3-CA46-A390-4566B55E38CE}" srcId="{AE7EA77A-1D8E-3F42-95E1-4EB11A443A81}" destId="{A215CF19-F4EB-414A-A10F-B2A96141FE91}" srcOrd="1" destOrd="0" parTransId="{4810192D-B607-5A42-8DCE-8CFCF1A82427}" sibTransId="{466C1D3C-619E-C448-BF54-2F35FBFACADE}"/>
+    <dgm:cxn modelId="{8BD052AF-949A-F948-A12A-2F16C08A8BAA}" type="presOf" srcId="{4810192D-B607-5A42-8DCE-8CFCF1A82427}" destId="{28156514-4C64-AE45-A406-98283D6076D6}" srcOrd="0" destOrd="0" presId="urn:microsoft.com/office/officeart/2005/8/layout/hierarchy1"/>
+    <dgm:cxn modelId="{629969CD-5D04-2A43-B3AF-FE8A98094A86}" type="presOf" srcId="{6C0275DE-9DFE-0E43-8DDA-D28DD222D71F}" destId="{8CFA3E84-678E-C345-8D46-63E85CF195E2}" srcOrd="0" destOrd="0" presId="urn:microsoft.com/office/officeart/2005/8/layout/hierarchy1"/>
+    <dgm:cxn modelId="{250B2BE2-FEC5-CD47-89C4-F8108BC7D53A}" type="presOf" srcId="{FE86CB60-E462-414C-BF0E-606A57D7AD93}" destId="{6603764C-B415-664F-8885-A7DAA8CAF3E7}" srcOrd="0" destOrd="0" presId="urn:microsoft.com/office/officeart/2005/8/layout/hierarchy1"/>
+    <dgm:cxn modelId="{1D703EA7-18EF-A644-AD84-6BA0E7A84E48}" srcId="{960CE163-DF35-2B44-83E7-B9153BC66084}" destId="{AE7EA77A-1D8E-3F42-95E1-4EB11A443A81}" srcOrd="0" destOrd="0" parTransId="{D0F565E7-5D70-054E-90E0-C19FE13B6790}" sibTransId="{A9860EA9-F28C-E04C-8CCC-2E75895ED615}"/>
+    <dgm:cxn modelId="{8FC20289-4F63-9E49-BD79-567030E07E0D}" srcId="{960CE163-DF35-2B44-83E7-B9153BC66084}" destId="{4D875376-E6B9-804F-AC85-A1D4337BBC8A}" srcOrd="1" destOrd="0" parTransId="{6C0275DE-9DFE-0E43-8DDA-D28DD222D71F}" sibTransId="{5CBDE70F-8F73-B144-BE9A-D54839868342}"/>
+    <dgm:cxn modelId="{E7733746-4C87-234A-9D3E-4005D8B583BC}" srcId="{84B85FB8-CE49-454E-AFD0-26748DF588CB}" destId="{960CE163-DF35-2B44-83E7-B9153BC66084}" srcOrd="0" destOrd="0" parTransId="{15F9C8B3-0868-F148-A166-96327192876A}" sibTransId="{AE4D7356-6DD9-B04F-A5BC-257D53ADE85C}"/>
+    <dgm:cxn modelId="{89EEE784-3EED-8F43-8217-BBD1C237CA84}" type="presOf" srcId="{2CF1C699-9046-8C42-87E6-2861BF37D660}" destId="{9152FE1E-3F9F-1945-845B-196FD4FE9E7F}" srcOrd="0" destOrd="0" presId="urn:microsoft.com/office/officeart/2005/8/layout/hierarchy1"/>
+    <dgm:cxn modelId="{517E7342-1ED5-B24E-84A1-2A79CCE5BC2A}" type="presOf" srcId="{4D875376-E6B9-804F-AC85-A1D4337BBC8A}" destId="{0FEFC8CB-58CB-4A43-9867-EED6738F0C0F}" srcOrd="0" destOrd="0" presId="urn:microsoft.com/office/officeart/2005/8/layout/hierarchy1"/>
+    <dgm:cxn modelId="{FB5948D5-A112-7E4F-A7A4-599731141072}" type="presOf" srcId="{E3372A67-8AD5-414E-9A1F-4D9E3CFF6332}" destId="{BA61A876-7050-3746-8DAE-0686A0FD0957}" srcOrd="0" destOrd="0" presId="urn:microsoft.com/office/officeart/2005/8/layout/hierarchy1"/>
+    <dgm:cxn modelId="{BDB62AEF-004A-3E4A-BA04-15FFC883C6DC}" type="presOf" srcId="{1AD1EA1C-020E-5744-81BA-AEEC1A7A11F3}" destId="{D86CCABB-994E-2B44-9B36-549A167DC946}" srcOrd="0" destOrd="0" presId="urn:microsoft.com/office/officeart/2005/8/layout/hierarchy1"/>
+    <dgm:cxn modelId="{80E2C3F7-058F-1C40-8356-C15390BA6FDF}" type="presOf" srcId="{70F0D127-9705-B346-8456-2EA73B6E30CF}" destId="{201C7CC6-525A-FE42-B4FF-8C5914387024}" srcOrd="0" destOrd="0" presId="urn:microsoft.com/office/officeart/2005/8/layout/hierarchy1"/>
+    <dgm:cxn modelId="{FBC04F02-4804-8C4A-8D64-8D7E596D7783}" type="presOf" srcId="{AE7EA77A-1D8E-3F42-95E1-4EB11A443A81}" destId="{BBF408DD-FB71-6449-9993-DDA736E8D58A}" srcOrd="0" destOrd="0" presId="urn:microsoft.com/office/officeart/2005/8/layout/hierarchy1"/>
+    <dgm:cxn modelId="{F97734D8-6CBC-804D-B286-FA60DFC694E9}" type="presOf" srcId="{84B85FB8-CE49-454E-AFD0-26748DF588CB}" destId="{39E9CE6E-1476-7F49-AD48-00E9588CC1FC}" srcOrd="0" destOrd="0" presId="urn:microsoft.com/office/officeart/2005/8/layout/hierarchy1"/>
+    <dgm:cxn modelId="{DF469E1B-C306-5F4B-B680-7ACFEA169B9B}" type="presParOf" srcId="{39E9CE6E-1476-7F49-AD48-00E9588CC1FC}" destId="{AFBF1B26-876E-5B4F-868D-ECF533517B41}" srcOrd="0" destOrd="0" presId="urn:microsoft.com/office/officeart/2005/8/layout/hierarchy1"/>
+    <dgm:cxn modelId="{9BD7EE58-09E0-D144-8D85-070D725F1603}" type="presParOf" srcId="{AFBF1B26-876E-5B4F-868D-ECF533517B41}" destId="{80FDFEA5-D276-C44B-902D-D2E8A937A02A}" srcOrd="0" destOrd="0" presId="urn:microsoft.com/office/officeart/2005/8/layout/hierarchy1"/>
+    <dgm:cxn modelId="{8C3AC7B7-A647-D047-8BDB-5F00B4604513}" type="presParOf" srcId="{80FDFEA5-D276-C44B-902D-D2E8A937A02A}" destId="{DE9E6D4B-E798-AA47-81C3-1E545DF4DB5B}" srcOrd="0" destOrd="0" presId="urn:microsoft.com/office/officeart/2005/8/layout/hierarchy1"/>
+    <dgm:cxn modelId="{E88AEAED-926A-BE40-A660-1B9E6D1457AA}" type="presParOf" srcId="{80FDFEA5-D276-C44B-902D-D2E8A937A02A}" destId="{923B0C63-79B7-9B4A-94B9-19130FBE5D7B}" srcOrd="1" destOrd="0" presId="urn:microsoft.com/office/officeart/2005/8/layout/hierarchy1"/>
+    <dgm:cxn modelId="{BDC69DB9-DD5B-AF4D-9E04-6B3DFCCB601A}" type="presParOf" srcId="{AFBF1B26-876E-5B4F-868D-ECF533517B41}" destId="{BE0F867F-BE80-FD4F-A022-F1E0405A48F1}" srcOrd="1" destOrd="0" presId="urn:microsoft.com/office/officeart/2005/8/layout/hierarchy1"/>
+    <dgm:cxn modelId="{05461AC2-1A4A-6146-9ACE-ADB75BFCD45F}" type="presParOf" srcId="{BE0F867F-BE80-FD4F-A022-F1E0405A48F1}" destId="{6B84F89A-BB62-184B-ACA8-8A1AAAE34DE1}" srcOrd="0" destOrd="0" presId="urn:microsoft.com/office/officeart/2005/8/layout/hierarchy1"/>
+    <dgm:cxn modelId="{8A956436-C30D-F849-AF47-0112B082BACA}" type="presParOf" srcId="{BE0F867F-BE80-FD4F-A022-F1E0405A48F1}" destId="{57186F82-921A-384B-9A88-E6F59E2B58CF}" srcOrd="1" destOrd="0" presId="urn:microsoft.com/office/officeart/2005/8/layout/hierarchy1"/>
+    <dgm:cxn modelId="{57FC672C-09BA-1F46-BBEB-C15A0225754E}" type="presParOf" srcId="{57186F82-921A-384B-9A88-E6F59E2B58CF}" destId="{B28150B0-F092-CC46-AAAD-4BBEDB44147E}" srcOrd="0" destOrd="0" presId="urn:microsoft.com/office/officeart/2005/8/layout/hierarchy1"/>
+    <dgm:cxn modelId="{3345BCF1-5EB7-8F42-870C-97A312B2EDB3}" type="presParOf" srcId="{B28150B0-F092-CC46-AAAD-4BBEDB44147E}" destId="{3D0C8496-FBEF-B442-BAA7-CC30894D9EC3}" srcOrd="0" destOrd="0" presId="urn:microsoft.com/office/officeart/2005/8/layout/hierarchy1"/>
+    <dgm:cxn modelId="{76FA4244-041B-5242-B3DA-60005DC037CD}" type="presParOf" srcId="{B28150B0-F092-CC46-AAAD-4BBEDB44147E}" destId="{BBF408DD-FB71-6449-9993-DDA736E8D58A}" srcOrd="1" destOrd="0" presId="urn:microsoft.com/office/officeart/2005/8/layout/hierarchy1"/>
+    <dgm:cxn modelId="{0BB3067F-4E16-D24A-89C4-CB059715DC71}" type="presParOf" srcId="{57186F82-921A-384B-9A88-E6F59E2B58CF}" destId="{30275E42-2EF8-8541-8588-8D52956296D0}" srcOrd="1" destOrd="0" presId="urn:microsoft.com/office/officeart/2005/8/layout/hierarchy1"/>
+    <dgm:cxn modelId="{CE6084AF-A949-AD43-9228-411943AD3741}" type="presParOf" srcId="{30275E42-2EF8-8541-8588-8D52956296D0}" destId="{C6BA431E-FA40-1D4E-A3D8-2A8BD37A2453}" srcOrd="0" destOrd="0" presId="urn:microsoft.com/office/officeart/2005/8/layout/hierarchy1"/>
+    <dgm:cxn modelId="{2409F0D0-B799-814D-821B-30B6E250EE83}" type="presParOf" srcId="{30275E42-2EF8-8541-8588-8D52956296D0}" destId="{FA49C2F0-0FFB-3146-92B9-688B6A49F1AC}" srcOrd="1" destOrd="0" presId="urn:microsoft.com/office/officeart/2005/8/layout/hierarchy1"/>
+    <dgm:cxn modelId="{7989BBA5-1C0A-2849-830E-B46ED7599243}" type="presParOf" srcId="{FA49C2F0-0FFB-3146-92B9-688B6A49F1AC}" destId="{0C3DE103-3542-7341-8A0B-7521A1726E5B}" srcOrd="0" destOrd="0" presId="urn:microsoft.com/office/officeart/2005/8/layout/hierarchy1"/>
+    <dgm:cxn modelId="{DCD269C1-188F-294A-9C48-1BDDA842F26D}" type="presParOf" srcId="{0C3DE103-3542-7341-8A0B-7521A1726E5B}" destId="{4AC60A40-741B-ED47-AAD7-DE82CE34AD41}" srcOrd="0" destOrd="0" presId="urn:microsoft.com/office/officeart/2005/8/layout/hierarchy1"/>
+    <dgm:cxn modelId="{4EBFB292-2E17-144C-99B0-31A1D75E81F6}" type="presParOf" srcId="{0C3DE103-3542-7341-8A0B-7521A1726E5B}" destId="{C2C1A37D-940A-6743-AC99-D92FAAA879A9}" srcOrd="1" destOrd="0" presId="urn:microsoft.com/office/officeart/2005/8/layout/hierarchy1"/>
+    <dgm:cxn modelId="{E15FE155-09D1-B34E-9FBC-0CDFAF5F4789}" type="presParOf" srcId="{FA49C2F0-0FFB-3146-92B9-688B6A49F1AC}" destId="{45C7168E-E470-0B41-BADA-058CAF77E69B}" srcOrd="1" destOrd="0" presId="urn:microsoft.com/office/officeart/2005/8/layout/hierarchy1"/>
+    <dgm:cxn modelId="{74434AB6-EC44-424B-9BDD-FF5E61AAAF40}" type="presParOf" srcId="{30275E42-2EF8-8541-8588-8D52956296D0}" destId="{28156514-4C64-AE45-A406-98283D6076D6}" srcOrd="2" destOrd="0" presId="urn:microsoft.com/office/officeart/2005/8/layout/hierarchy1"/>
+    <dgm:cxn modelId="{839C03CF-CCC2-E443-ACF1-2B887D81E9AA}" type="presParOf" srcId="{30275E42-2EF8-8541-8588-8D52956296D0}" destId="{6EB05EE5-0B4E-B94A-957D-24E8465F731F}" srcOrd="3" destOrd="0" presId="urn:microsoft.com/office/officeart/2005/8/layout/hierarchy1"/>
+    <dgm:cxn modelId="{46E90399-B2FD-A342-ADE2-2BC2E33B0B97}" type="presParOf" srcId="{6EB05EE5-0B4E-B94A-957D-24E8465F731F}" destId="{2689CED2-1086-2B4D-90A9-87D971D7A5CD}" srcOrd="0" destOrd="0" presId="urn:microsoft.com/office/officeart/2005/8/layout/hierarchy1"/>
+    <dgm:cxn modelId="{B7C86AB0-8A71-F447-82B8-6D040919E1A8}" type="presParOf" srcId="{2689CED2-1086-2B4D-90A9-87D971D7A5CD}" destId="{42E6176C-3E48-2248-9A2F-70DD7DB88292}" srcOrd="0" destOrd="0" presId="urn:microsoft.com/office/officeart/2005/8/layout/hierarchy1"/>
+    <dgm:cxn modelId="{57654AF7-8151-844F-A387-593043AF8BEC}" type="presParOf" srcId="{2689CED2-1086-2B4D-90A9-87D971D7A5CD}" destId="{0B86410B-498D-AB4D-9967-4C4AEDB1DF45}" srcOrd="1" destOrd="0" presId="urn:microsoft.com/office/officeart/2005/8/layout/hierarchy1"/>
+    <dgm:cxn modelId="{C984FE2D-25BF-4D4E-B413-C07E6C22B5F9}" type="presParOf" srcId="{6EB05EE5-0B4E-B94A-957D-24E8465F731F}" destId="{B3C8CD39-69CF-704B-96DE-6A9E2710E4DF}" srcOrd="1" destOrd="0" presId="urn:microsoft.com/office/officeart/2005/8/layout/hierarchy1"/>
+    <dgm:cxn modelId="{9527B403-DF6C-9A4A-908E-8A114D23B8EC}" type="presParOf" srcId="{BE0F867F-BE80-FD4F-A022-F1E0405A48F1}" destId="{8CFA3E84-678E-C345-8D46-63E85CF195E2}" srcOrd="2" destOrd="0" presId="urn:microsoft.com/office/officeart/2005/8/layout/hierarchy1"/>
+    <dgm:cxn modelId="{4B0CE3E2-F567-BD4D-989C-605E07B6EF0F}" type="presParOf" srcId="{BE0F867F-BE80-FD4F-A022-F1E0405A48F1}" destId="{17123A68-6C83-C544-9F84-F56BBB484F06}" srcOrd="3" destOrd="0" presId="urn:microsoft.com/office/officeart/2005/8/layout/hierarchy1"/>
+    <dgm:cxn modelId="{12806916-6318-2C4B-B951-73369C3A470C}" type="presParOf" srcId="{17123A68-6C83-C544-9F84-F56BBB484F06}" destId="{4AE01571-6379-704D-8604-C8ABF21E8DBB}" srcOrd="0" destOrd="0" presId="urn:microsoft.com/office/officeart/2005/8/layout/hierarchy1"/>
+    <dgm:cxn modelId="{DA1D09F7-33C8-C14B-812C-A30E52006DD5}" type="presParOf" srcId="{4AE01571-6379-704D-8604-C8ABF21E8DBB}" destId="{E4637EFB-2FAA-3446-8FC9-AD7B8E683EE6}" srcOrd="0" destOrd="0" presId="urn:microsoft.com/office/officeart/2005/8/layout/hierarchy1"/>
+    <dgm:cxn modelId="{97E2B852-05BE-3D4E-AA7B-3F1A35E8B687}" type="presParOf" srcId="{4AE01571-6379-704D-8604-C8ABF21E8DBB}" destId="{0FEFC8CB-58CB-4A43-9867-EED6738F0C0F}" srcOrd="1" destOrd="0" presId="urn:microsoft.com/office/officeart/2005/8/layout/hierarchy1"/>
+    <dgm:cxn modelId="{03EBEA49-370C-6443-ABC9-C3A8F835BBD5}" type="presParOf" srcId="{17123A68-6C83-C544-9F84-F56BBB484F06}" destId="{913C72A4-3E8B-1241-9761-A44A74EB4957}" srcOrd="1" destOrd="0" presId="urn:microsoft.com/office/officeart/2005/8/layout/hierarchy1"/>
+    <dgm:cxn modelId="{2FD4A54A-3F78-5242-B476-4049F8900D53}" type="presParOf" srcId="{BE0F867F-BE80-FD4F-A022-F1E0405A48F1}" destId="{800FD04D-B3AC-0B4A-955F-2E2198D77D53}" srcOrd="4" destOrd="0" presId="urn:microsoft.com/office/officeart/2005/8/layout/hierarchy1"/>
+    <dgm:cxn modelId="{F34D9638-1AB7-8B40-91D8-0C4BA92A41D3}" type="presParOf" srcId="{BE0F867F-BE80-FD4F-A022-F1E0405A48F1}" destId="{128988B5-99FA-2F4E-AE71-B7EAC369A7E7}" srcOrd="5" destOrd="0" presId="urn:microsoft.com/office/officeart/2005/8/layout/hierarchy1"/>
+    <dgm:cxn modelId="{A6910E76-C8BA-5A4A-AC3F-74BD6CC0FB48}" type="presParOf" srcId="{128988B5-99FA-2F4E-AE71-B7EAC369A7E7}" destId="{49809B21-A121-6949-BE32-B42D5CB61BF3}" srcOrd="0" destOrd="0" presId="urn:microsoft.com/office/officeart/2005/8/layout/hierarchy1"/>
+    <dgm:cxn modelId="{35E3F1CA-F930-864D-AF75-AD726995405B}" type="presParOf" srcId="{49809B21-A121-6949-BE32-B42D5CB61BF3}" destId="{742E8093-E526-D748-A87A-DEAD1A9F1F6D}" srcOrd="0" destOrd="0" presId="urn:microsoft.com/office/officeart/2005/8/layout/hierarchy1"/>
+    <dgm:cxn modelId="{FB1BB9CB-7C92-4E41-8936-ED3A96986FB8}" type="presParOf" srcId="{49809B21-A121-6949-BE32-B42D5CB61BF3}" destId="{D86CCABB-994E-2B44-9B36-549A167DC946}" srcOrd="1" destOrd="0" presId="urn:microsoft.com/office/officeart/2005/8/layout/hierarchy1"/>
+    <dgm:cxn modelId="{B9E1D41F-2318-A04C-982E-99AFDDD4787A}" type="presParOf" srcId="{128988B5-99FA-2F4E-AE71-B7EAC369A7E7}" destId="{CC6967D9-B95C-CE45-A47E-91CDA0E3E445}" srcOrd="1" destOrd="0" presId="urn:microsoft.com/office/officeart/2005/8/layout/hierarchy1"/>
+    <dgm:cxn modelId="{ABC2AA24-317D-3D47-A94F-424C275ED5F4}" type="presParOf" srcId="{BE0F867F-BE80-FD4F-A022-F1E0405A48F1}" destId="{201C7CC6-525A-FE42-B4FF-8C5914387024}" srcOrd="6" destOrd="0" presId="urn:microsoft.com/office/officeart/2005/8/layout/hierarchy1"/>
+    <dgm:cxn modelId="{ADC2826B-A6BC-D540-BAF5-886DAA09F6DE}" type="presParOf" srcId="{BE0F867F-BE80-FD4F-A022-F1E0405A48F1}" destId="{BD934BBA-EA07-8840-90B2-9D9E5B1347F2}" srcOrd="7" destOrd="0" presId="urn:microsoft.com/office/officeart/2005/8/layout/hierarchy1"/>
+    <dgm:cxn modelId="{70CA386F-0D33-B94E-A927-8DEFC82ACC48}" type="presParOf" srcId="{BD934BBA-EA07-8840-90B2-9D9E5B1347F2}" destId="{17E8D9DE-F146-0644-88B0-F97B429F2766}" srcOrd="0" destOrd="0" presId="urn:microsoft.com/office/officeart/2005/8/layout/hierarchy1"/>
+    <dgm:cxn modelId="{76628A3E-3F0D-4648-9418-E8F60269195C}" type="presParOf" srcId="{17E8D9DE-F146-0644-88B0-F97B429F2766}" destId="{419941D0-E8C4-AB44-9E78-DAAEB48DEBBF}" srcOrd="0" destOrd="0" presId="urn:microsoft.com/office/officeart/2005/8/layout/hierarchy1"/>
+    <dgm:cxn modelId="{F241AB42-8633-9843-A73E-438773DF58D8}" type="presParOf" srcId="{17E8D9DE-F146-0644-88B0-F97B429F2766}" destId="{6603764C-B415-664F-8885-A7DAA8CAF3E7}" srcOrd="1" destOrd="0" presId="urn:microsoft.com/office/officeart/2005/8/layout/hierarchy1"/>
+    <dgm:cxn modelId="{A0E7C5B4-D220-4449-A507-F1EBF0CA3B2E}" type="presParOf" srcId="{BD934BBA-EA07-8840-90B2-9D9E5B1347F2}" destId="{B22FE223-04E0-3741-B2BD-26144A52FBF0}" srcOrd="1" destOrd="0" presId="urn:microsoft.com/office/officeart/2005/8/layout/hierarchy1"/>
+    <dgm:cxn modelId="{7A12977A-71B9-1246-9F1E-2262B8623FBB}" type="presParOf" srcId="{B22FE223-04E0-3741-B2BD-26144A52FBF0}" destId="{2E4A94D1-71F0-A046-B95F-18095848F38A}" srcOrd="0" destOrd="0" presId="urn:microsoft.com/office/officeart/2005/8/layout/hierarchy1"/>
+    <dgm:cxn modelId="{63B7B2C5-5877-474A-A65D-55D1B49A7FC0}" type="presParOf" srcId="{B22FE223-04E0-3741-B2BD-26144A52FBF0}" destId="{ED5C0E39-415F-9345-8AFB-31BAA119B473}" srcOrd="1" destOrd="0" presId="urn:microsoft.com/office/officeart/2005/8/layout/hierarchy1"/>
+    <dgm:cxn modelId="{F836E73B-D5E8-7040-9CCD-FA95E6A9C412}" type="presParOf" srcId="{ED5C0E39-415F-9345-8AFB-31BAA119B473}" destId="{BF8EF9AE-3A03-8649-BC95-B3356DB4965E}" srcOrd="0" destOrd="0" presId="urn:microsoft.com/office/officeart/2005/8/layout/hierarchy1"/>
+    <dgm:cxn modelId="{00475802-2B86-4443-B857-B6AFDCB7ABF7}" type="presParOf" srcId="{BF8EF9AE-3A03-8649-BC95-B3356DB4965E}" destId="{BED1AD82-3EAF-DA47-9563-265E07F41880}" srcOrd="0" destOrd="0" presId="urn:microsoft.com/office/officeart/2005/8/layout/hierarchy1"/>
+    <dgm:cxn modelId="{797BCCEF-3AA1-E946-9235-D22A457DDDB3}" type="presParOf" srcId="{BF8EF9AE-3A03-8649-BC95-B3356DB4965E}" destId="{AD6B8219-1F5B-DA4F-B261-22B5D0551A94}" srcOrd="1" destOrd="0" presId="urn:microsoft.com/office/officeart/2005/8/layout/hierarchy1"/>
+    <dgm:cxn modelId="{56930F1F-8E19-4948-B30D-82911C7158D2}" type="presParOf" srcId="{ED5C0E39-415F-9345-8AFB-31BAA119B473}" destId="{AF36FF68-65FA-3443-983A-A1AA032CA341}" srcOrd="1" destOrd="0" presId="urn:microsoft.com/office/officeart/2005/8/layout/hierarchy1"/>
+    <dgm:cxn modelId="{07494B18-AE38-F54D-8273-52D30A8951F5}" type="presParOf" srcId="{B22FE223-04E0-3741-B2BD-26144A52FBF0}" destId="{F42357F4-6E12-A041-A7D6-81713E5E517B}" srcOrd="2" destOrd="0" presId="urn:microsoft.com/office/officeart/2005/8/layout/hierarchy1"/>
+    <dgm:cxn modelId="{44F3A873-6EDB-CF45-9A56-489AC65DB968}" type="presParOf" srcId="{B22FE223-04E0-3741-B2BD-26144A52FBF0}" destId="{A9A1551E-CC31-A64A-B373-6E945A4DD457}" srcOrd="3" destOrd="0" presId="urn:microsoft.com/office/officeart/2005/8/layout/hierarchy1"/>
+    <dgm:cxn modelId="{3E9DF692-5AD8-5A40-A05A-EDC45F0EA89E}" type="presParOf" srcId="{A9A1551E-CC31-A64A-B373-6E945A4DD457}" destId="{F43CB637-24DA-304C-BC9F-8ECEC7BECB18}" srcOrd="0" destOrd="0" presId="urn:microsoft.com/office/officeart/2005/8/layout/hierarchy1"/>
+    <dgm:cxn modelId="{D1196F97-8F84-2447-849D-54ABB2A2F5D2}" type="presParOf" srcId="{F43CB637-24DA-304C-BC9F-8ECEC7BECB18}" destId="{E43BE145-21E5-5543-9A7D-46DE44FE97A7}" srcOrd="0" destOrd="0" presId="urn:microsoft.com/office/officeart/2005/8/layout/hierarchy1"/>
+    <dgm:cxn modelId="{08FB8194-3A4C-234E-A777-F404D9FFA210}" type="presParOf" srcId="{F43CB637-24DA-304C-BC9F-8ECEC7BECB18}" destId="{EBC8209D-BB74-B44A-A57A-C51ABEDBBAE8}" srcOrd="1" destOrd="0" presId="urn:microsoft.com/office/officeart/2005/8/layout/hierarchy1"/>
+    <dgm:cxn modelId="{20596F96-4F67-4F4E-BE45-AA8F62EC95ED}" type="presParOf" srcId="{A9A1551E-CC31-A64A-B373-6E945A4DD457}" destId="{C466FE0B-24A7-E64D-A09B-9F9133A03D07}" srcOrd="1" destOrd="0" presId="urn:microsoft.com/office/officeart/2005/8/layout/hierarchy1"/>
+    <dgm:cxn modelId="{E399E175-D7DC-674E-ABD6-858078CAF656}" type="presParOf" srcId="{C466FE0B-24A7-E64D-A09B-9F9133A03D07}" destId="{1F5FFC55-2839-634C-8F0C-96EACF5BE3CB}" srcOrd="0" destOrd="0" presId="urn:microsoft.com/office/officeart/2005/8/layout/hierarchy1"/>
+    <dgm:cxn modelId="{578D2ABF-FADB-EF48-91D3-23D452F7CE60}" type="presParOf" srcId="{C466FE0B-24A7-E64D-A09B-9F9133A03D07}" destId="{85A5D7ED-B644-F14F-8652-BFCF9A5C48F9}" srcOrd="1" destOrd="0" presId="urn:microsoft.com/office/officeart/2005/8/layout/hierarchy1"/>
+    <dgm:cxn modelId="{646AA1EA-BC84-7943-8ADC-382C503B149C}" type="presParOf" srcId="{85A5D7ED-B644-F14F-8652-BFCF9A5C48F9}" destId="{00D8B2B2-0CBF-7547-A721-EF848954EC8A}" srcOrd="0" destOrd="0" presId="urn:microsoft.com/office/officeart/2005/8/layout/hierarchy1"/>
+    <dgm:cxn modelId="{F74AE1DE-4E34-C84C-AA54-83F9DC3B2898}" type="presParOf" srcId="{00D8B2B2-0CBF-7547-A721-EF848954EC8A}" destId="{6DF542D9-B5F6-214E-9CDE-F0A47E3A8ABC}" srcOrd="0" destOrd="0" presId="urn:microsoft.com/office/officeart/2005/8/layout/hierarchy1"/>
+    <dgm:cxn modelId="{4DD32D70-9D5D-E341-AB33-67A8146FB807}" type="presParOf" srcId="{00D8B2B2-0CBF-7547-A721-EF848954EC8A}" destId="{2246CDBD-2CA8-A34C-A89B-E32ACB07E97A}" srcOrd="1" destOrd="0" presId="urn:microsoft.com/office/officeart/2005/8/layout/hierarchy1"/>
+    <dgm:cxn modelId="{AE604864-15EC-6C49-9C15-0960378F09B2}" type="presParOf" srcId="{85A5D7ED-B644-F14F-8652-BFCF9A5C48F9}" destId="{3665192D-6737-1040-9177-871885CEF638}" srcOrd="1" destOrd="0" presId="urn:microsoft.com/office/officeart/2005/8/layout/hierarchy1"/>
+    <dgm:cxn modelId="{D66C7FE8-884E-AB40-8E74-401E128CD225}" type="presParOf" srcId="{C466FE0B-24A7-E64D-A09B-9F9133A03D07}" destId="{9541F663-17CE-1449-B545-4E9F3C558C3A}" srcOrd="2" destOrd="0" presId="urn:microsoft.com/office/officeart/2005/8/layout/hierarchy1"/>
+    <dgm:cxn modelId="{150B8779-0CDB-0441-B216-2A217287094E}" type="presParOf" srcId="{C466FE0B-24A7-E64D-A09B-9F9133A03D07}" destId="{83EE79AE-9386-864F-93A5-0F883745028F}" srcOrd="3" destOrd="0" presId="urn:microsoft.com/office/officeart/2005/8/layout/hierarchy1"/>
+    <dgm:cxn modelId="{5CEFA73D-66AE-CB4C-A52F-9A77BC3C8727}" type="presParOf" srcId="{83EE79AE-9386-864F-93A5-0F883745028F}" destId="{429B9511-00B5-5B46-A00E-621F9A4D5014}" srcOrd="0" destOrd="0" presId="urn:microsoft.com/office/officeart/2005/8/layout/hierarchy1"/>
+    <dgm:cxn modelId="{62588F59-47F2-6C4C-961A-BEFAB9340587}" type="presParOf" srcId="{429B9511-00B5-5B46-A00E-621F9A4D5014}" destId="{7591B2A4-9F4B-F245-820A-E182736ED0B3}" srcOrd="0" destOrd="0" presId="urn:microsoft.com/office/officeart/2005/8/layout/hierarchy1"/>
+    <dgm:cxn modelId="{05A76CFC-072B-D542-B834-90FF81772810}" type="presParOf" srcId="{429B9511-00B5-5B46-A00E-621F9A4D5014}" destId="{9152FE1E-3F9F-1945-845B-196FD4FE9E7F}" srcOrd="1" destOrd="0" presId="urn:microsoft.com/office/officeart/2005/8/layout/hierarchy1"/>
+    <dgm:cxn modelId="{42E0EA1E-3576-204A-8F82-B8708DC537E2}" type="presParOf" srcId="{83EE79AE-9386-864F-93A5-0F883745028F}" destId="{52AA974E-0B14-7440-B0B8-11CBFA575269}" srcOrd="1" destOrd="0" presId="urn:microsoft.com/office/officeart/2005/8/layout/hierarchy1"/>
+    <dgm:cxn modelId="{560315DD-FF86-7745-B93E-56F856C6AC5E}" type="presParOf" srcId="{B22FE223-04E0-3741-B2BD-26144A52FBF0}" destId="{BA61A876-7050-3746-8DAE-0686A0FD0957}" srcOrd="4" destOrd="0" presId="urn:microsoft.com/office/officeart/2005/8/layout/hierarchy1"/>
+    <dgm:cxn modelId="{ED53BEEC-3E98-3349-9117-A31C809CFDF6}" type="presParOf" srcId="{B22FE223-04E0-3741-B2BD-26144A52FBF0}" destId="{7E1C010A-E642-0444-8F19-1706B4B1F542}" srcOrd="5" destOrd="0" presId="urn:microsoft.com/office/officeart/2005/8/layout/hierarchy1"/>
+    <dgm:cxn modelId="{C71320DD-C903-A14D-A700-FA9E2D1DF57B}" type="presParOf" srcId="{7E1C010A-E642-0444-8F19-1706B4B1F542}" destId="{9A87F0FC-C76A-AB43-AA0B-DF4820D9F426}" srcOrd="0" destOrd="0" presId="urn:microsoft.com/office/officeart/2005/8/layout/hierarchy1"/>
+    <dgm:cxn modelId="{49C61C44-7488-0147-873C-915DBDFE72A5}" type="presParOf" srcId="{9A87F0FC-C76A-AB43-AA0B-DF4820D9F426}" destId="{05D36543-49E4-934D-B25C-1B6526CA4C89}" srcOrd="0" destOrd="0" presId="urn:microsoft.com/office/officeart/2005/8/layout/hierarchy1"/>
+    <dgm:cxn modelId="{40112C75-BAEF-604C-8F79-B612FF20EDBB}" type="presParOf" srcId="{9A87F0FC-C76A-AB43-AA0B-DF4820D9F426}" destId="{76B33B1D-4CA5-544F-BF28-B308B507EF10}" srcOrd="1" destOrd="0" presId="urn:microsoft.com/office/officeart/2005/8/layout/hierarchy1"/>
+    <dgm:cxn modelId="{B2B623E0-A9CE-564F-82CF-FCA43B9BA899}" type="presParOf" srcId="{7E1C010A-E642-0444-8F19-1706B4B1F542}" destId="{70331356-C91A-A344-8A29-46B67D09210B}" srcOrd="1" destOrd="0" presId="urn:microsoft.com/office/officeart/2005/8/layout/hierarchy1"/>
   </dgm:cxnLst>
   <dgm:bg/>
   <dgm:whole/>
@@ -4199,7 +6143,3019 @@
 </dsp:drawing>
 </file>
 
+<file path=ppt/diagrams/drawing2.xml><?xml version="1.0" encoding="utf-8"?>
+<dsp:drawing xmlns:dgm="http://schemas.openxmlformats.org/drawingml/2006/diagram" xmlns:dsp="http://schemas.microsoft.com/office/drawing/2008/diagram" xmlns:a="http://schemas.openxmlformats.org/drawingml/2006/main">
+  <dsp:spTree>
+    <dsp:nvGrpSpPr>
+      <dsp:cNvPr id="0" name=""/>
+      <dsp:cNvGrpSpPr/>
+    </dsp:nvGrpSpPr>
+    <dsp:grpSpPr/>
+    <dsp:sp modelId="{BA61A876-7050-3746-8DAE-0686A0FD0957}">
+      <dsp:nvSpPr>
+        <dsp:cNvPr id="0" name=""/>
+        <dsp:cNvSpPr/>
+      </dsp:nvSpPr>
+      <dsp:spPr>
+        <a:xfrm>
+          <a:off x="5946368" y="2016410"/>
+          <a:ext cx="1520547" cy="361821"/>
+        </a:xfrm>
+        <a:custGeom>
+          <a:avLst/>
+          <a:gdLst/>
+          <a:ahLst/>
+          <a:cxnLst/>
+          <a:rect l="0" t="0" r="0" b="0"/>
+          <a:pathLst>
+            <a:path>
+              <a:moveTo>
+                <a:pt x="0" y="0"/>
+              </a:moveTo>
+              <a:lnTo>
+                <a:pt x="0" y="246570"/>
+              </a:lnTo>
+              <a:lnTo>
+                <a:pt x="1520547" y="246570"/>
+              </a:lnTo>
+              <a:lnTo>
+                <a:pt x="1520547" y="361821"/>
+              </a:lnTo>
+            </a:path>
+          </a:pathLst>
+        </a:custGeom>
+        <a:noFill/>
+        <a:ln w="9525" cap="flat" cmpd="sng" algn="ctr">
+          <a:solidFill>
+            <a:schemeClr val="accent1">
+              <a:shade val="80000"/>
+              <a:hueOff val="0"/>
+              <a:satOff val="0"/>
+              <a:lumOff val="0"/>
+              <a:alphaOff val="0"/>
+            </a:schemeClr>
+          </a:solidFill>
+          <a:prstDash val="solid"/>
+        </a:ln>
+        <a:effectLst/>
+      </dsp:spPr>
+      <dsp:style>
+        <a:lnRef idx="1">
+          <a:scrgbClr r="0" g="0" b="0"/>
+        </a:lnRef>
+        <a:fillRef idx="0">
+          <a:scrgbClr r="0" g="0" b="0"/>
+        </a:fillRef>
+        <a:effectRef idx="0">
+          <a:scrgbClr r="0" g="0" b="0"/>
+        </a:effectRef>
+        <a:fontRef idx="minor"/>
+      </dsp:style>
+    </dsp:sp>
+    <dsp:sp modelId="{9541F663-17CE-1449-B545-4E9F3C558C3A}">
+      <dsp:nvSpPr>
+        <dsp:cNvPr id="0" name=""/>
+        <dsp:cNvSpPr/>
+      </dsp:nvSpPr>
+      <dsp:spPr>
+        <a:xfrm>
+          <a:off x="5946368" y="3168225"/>
+          <a:ext cx="760273" cy="361821"/>
+        </a:xfrm>
+        <a:custGeom>
+          <a:avLst/>
+          <a:gdLst/>
+          <a:ahLst/>
+          <a:cxnLst/>
+          <a:rect l="0" t="0" r="0" b="0"/>
+          <a:pathLst>
+            <a:path>
+              <a:moveTo>
+                <a:pt x="0" y="0"/>
+              </a:moveTo>
+              <a:lnTo>
+                <a:pt x="0" y="246570"/>
+              </a:lnTo>
+              <a:lnTo>
+                <a:pt x="760273" y="246570"/>
+              </a:lnTo>
+              <a:lnTo>
+                <a:pt x="760273" y="361821"/>
+              </a:lnTo>
+            </a:path>
+          </a:pathLst>
+        </a:custGeom>
+        <a:noFill/>
+        <a:ln w="9525" cap="flat" cmpd="sng" algn="ctr">
+          <a:solidFill>
+            <a:schemeClr val="accent1">
+              <a:shade val="80000"/>
+              <a:hueOff val="0"/>
+              <a:satOff val="0"/>
+              <a:lumOff val="0"/>
+              <a:alphaOff val="0"/>
+            </a:schemeClr>
+          </a:solidFill>
+          <a:prstDash val="solid"/>
+        </a:ln>
+        <a:effectLst/>
+      </dsp:spPr>
+      <dsp:style>
+        <a:lnRef idx="1">
+          <a:scrgbClr r="0" g="0" b="0"/>
+        </a:lnRef>
+        <a:fillRef idx="0">
+          <a:scrgbClr r="0" g="0" b="0"/>
+        </a:fillRef>
+        <a:effectRef idx="0">
+          <a:scrgbClr r="0" g="0" b="0"/>
+        </a:effectRef>
+        <a:fontRef idx="minor"/>
+      </dsp:style>
+    </dsp:sp>
+    <dsp:sp modelId="{1F5FFC55-2839-634C-8F0C-96EACF5BE3CB}">
+      <dsp:nvSpPr>
+        <dsp:cNvPr id="0" name=""/>
+        <dsp:cNvSpPr/>
+      </dsp:nvSpPr>
+      <dsp:spPr>
+        <a:xfrm>
+          <a:off x="5186094" y="3168225"/>
+          <a:ext cx="760273" cy="361821"/>
+        </a:xfrm>
+        <a:custGeom>
+          <a:avLst/>
+          <a:gdLst/>
+          <a:ahLst/>
+          <a:cxnLst/>
+          <a:rect l="0" t="0" r="0" b="0"/>
+          <a:pathLst>
+            <a:path>
+              <a:moveTo>
+                <a:pt x="760273" y="0"/>
+              </a:moveTo>
+              <a:lnTo>
+                <a:pt x="760273" y="246570"/>
+              </a:lnTo>
+              <a:lnTo>
+                <a:pt x="0" y="246570"/>
+              </a:lnTo>
+              <a:lnTo>
+                <a:pt x="0" y="361821"/>
+              </a:lnTo>
+            </a:path>
+          </a:pathLst>
+        </a:custGeom>
+        <a:noFill/>
+        <a:ln w="9525" cap="flat" cmpd="sng" algn="ctr">
+          <a:solidFill>
+            <a:schemeClr val="accent1">
+              <a:shade val="80000"/>
+              <a:hueOff val="0"/>
+              <a:satOff val="0"/>
+              <a:lumOff val="0"/>
+              <a:alphaOff val="0"/>
+            </a:schemeClr>
+          </a:solidFill>
+          <a:prstDash val="solid"/>
+        </a:ln>
+        <a:effectLst/>
+      </dsp:spPr>
+      <dsp:style>
+        <a:lnRef idx="1">
+          <a:scrgbClr r="0" g="0" b="0"/>
+        </a:lnRef>
+        <a:fillRef idx="0">
+          <a:scrgbClr r="0" g="0" b="0"/>
+        </a:fillRef>
+        <a:effectRef idx="0">
+          <a:scrgbClr r="0" g="0" b="0"/>
+        </a:effectRef>
+        <a:fontRef idx="minor"/>
+      </dsp:style>
+    </dsp:sp>
+    <dsp:sp modelId="{F42357F4-6E12-A041-A7D6-81713E5E517B}">
+      <dsp:nvSpPr>
+        <dsp:cNvPr id="0" name=""/>
+        <dsp:cNvSpPr/>
+      </dsp:nvSpPr>
+      <dsp:spPr>
+        <a:xfrm>
+          <a:off x="5900648" y="2016410"/>
+          <a:ext cx="91440" cy="361821"/>
+        </a:xfrm>
+        <a:custGeom>
+          <a:avLst/>
+          <a:gdLst/>
+          <a:ahLst/>
+          <a:cxnLst/>
+          <a:rect l="0" t="0" r="0" b="0"/>
+          <a:pathLst>
+            <a:path>
+              <a:moveTo>
+                <a:pt x="45720" y="0"/>
+              </a:moveTo>
+              <a:lnTo>
+                <a:pt x="45720" y="361821"/>
+              </a:lnTo>
+            </a:path>
+          </a:pathLst>
+        </a:custGeom>
+        <a:noFill/>
+        <a:ln w="9525" cap="flat" cmpd="sng" algn="ctr">
+          <a:solidFill>
+            <a:schemeClr val="accent1">
+              <a:shade val="80000"/>
+              <a:hueOff val="0"/>
+              <a:satOff val="0"/>
+              <a:lumOff val="0"/>
+              <a:alphaOff val="0"/>
+            </a:schemeClr>
+          </a:solidFill>
+          <a:prstDash val="solid"/>
+        </a:ln>
+        <a:effectLst/>
+      </dsp:spPr>
+      <dsp:style>
+        <a:lnRef idx="1">
+          <a:scrgbClr r="0" g="0" b="0"/>
+        </a:lnRef>
+        <a:fillRef idx="0">
+          <a:scrgbClr r="0" g="0" b="0"/>
+        </a:fillRef>
+        <a:effectRef idx="0">
+          <a:scrgbClr r="0" g="0" b="0"/>
+        </a:effectRef>
+        <a:fontRef idx="minor"/>
+      </dsp:style>
+    </dsp:sp>
+    <dsp:sp modelId="{2E4A94D1-71F0-A046-B95F-18095848F38A}">
+      <dsp:nvSpPr>
+        <dsp:cNvPr id="0" name=""/>
+        <dsp:cNvSpPr/>
+      </dsp:nvSpPr>
+      <dsp:spPr>
+        <a:xfrm>
+          <a:off x="4425821" y="2016410"/>
+          <a:ext cx="1520547" cy="361821"/>
+        </a:xfrm>
+        <a:custGeom>
+          <a:avLst/>
+          <a:gdLst/>
+          <a:ahLst/>
+          <a:cxnLst/>
+          <a:rect l="0" t="0" r="0" b="0"/>
+          <a:pathLst>
+            <a:path>
+              <a:moveTo>
+                <a:pt x="1520547" y="0"/>
+              </a:moveTo>
+              <a:lnTo>
+                <a:pt x="1520547" y="246570"/>
+              </a:lnTo>
+              <a:lnTo>
+                <a:pt x="0" y="246570"/>
+              </a:lnTo>
+              <a:lnTo>
+                <a:pt x="0" y="361821"/>
+              </a:lnTo>
+            </a:path>
+          </a:pathLst>
+        </a:custGeom>
+        <a:noFill/>
+        <a:ln w="9525" cap="flat" cmpd="sng" algn="ctr">
+          <a:solidFill>
+            <a:schemeClr val="accent1">
+              <a:shade val="80000"/>
+              <a:hueOff val="0"/>
+              <a:satOff val="0"/>
+              <a:lumOff val="0"/>
+              <a:alphaOff val="0"/>
+            </a:schemeClr>
+          </a:solidFill>
+          <a:prstDash val="solid"/>
+        </a:ln>
+        <a:effectLst/>
+      </dsp:spPr>
+      <dsp:style>
+        <a:lnRef idx="1">
+          <a:scrgbClr r="0" g="0" b="0"/>
+        </a:lnRef>
+        <a:fillRef idx="0">
+          <a:scrgbClr r="0" g="0" b="0"/>
+        </a:fillRef>
+        <a:effectRef idx="0">
+          <a:scrgbClr r="0" g="0" b="0"/>
+        </a:effectRef>
+        <a:fontRef idx="minor"/>
+      </dsp:style>
+    </dsp:sp>
+    <dsp:sp modelId="{201C7CC6-525A-FE42-B4FF-8C5914387024}">
+      <dsp:nvSpPr>
+        <dsp:cNvPr id="0" name=""/>
+        <dsp:cNvSpPr/>
+      </dsp:nvSpPr>
+      <dsp:spPr>
+        <a:xfrm>
+          <a:off x="3665547" y="864596"/>
+          <a:ext cx="2280820" cy="361821"/>
+        </a:xfrm>
+        <a:custGeom>
+          <a:avLst/>
+          <a:gdLst/>
+          <a:ahLst/>
+          <a:cxnLst/>
+          <a:rect l="0" t="0" r="0" b="0"/>
+          <a:pathLst>
+            <a:path>
+              <a:moveTo>
+                <a:pt x="0" y="0"/>
+              </a:moveTo>
+              <a:lnTo>
+                <a:pt x="0" y="246570"/>
+              </a:lnTo>
+              <a:lnTo>
+                <a:pt x="2280820" y="246570"/>
+              </a:lnTo>
+              <a:lnTo>
+                <a:pt x="2280820" y="361821"/>
+              </a:lnTo>
+            </a:path>
+          </a:pathLst>
+        </a:custGeom>
+        <a:noFill/>
+        <a:ln w="9525" cap="flat" cmpd="sng" algn="ctr">
+          <a:solidFill>
+            <a:schemeClr val="accent1">
+              <a:shade val="60000"/>
+              <a:hueOff val="0"/>
+              <a:satOff val="0"/>
+              <a:lumOff val="0"/>
+              <a:alphaOff val="0"/>
+            </a:schemeClr>
+          </a:solidFill>
+          <a:prstDash val="solid"/>
+        </a:ln>
+        <a:effectLst/>
+      </dsp:spPr>
+      <dsp:style>
+        <a:lnRef idx="1">
+          <a:scrgbClr r="0" g="0" b="0"/>
+        </a:lnRef>
+        <a:fillRef idx="0">
+          <a:scrgbClr r="0" g="0" b="0"/>
+        </a:fillRef>
+        <a:effectRef idx="0">
+          <a:scrgbClr r="0" g="0" b="0"/>
+        </a:effectRef>
+        <a:fontRef idx="minor"/>
+      </dsp:style>
+    </dsp:sp>
+    <dsp:sp modelId="{800FD04D-B3AC-0B4A-955F-2E2198D77D53}">
+      <dsp:nvSpPr>
+        <dsp:cNvPr id="0" name=""/>
+        <dsp:cNvSpPr/>
+      </dsp:nvSpPr>
+      <dsp:spPr>
+        <a:xfrm>
+          <a:off x="3665547" y="864596"/>
+          <a:ext cx="760273" cy="361821"/>
+        </a:xfrm>
+        <a:custGeom>
+          <a:avLst/>
+          <a:gdLst/>
+          <a:ahLst/>
+          <a:cxnLst/>
+          <a:rect l="0" t="0" r="0" b="0"/>
+          <a:pathLst>
+            <a:path>
+              <a:moveTo>
+                <a:pt x="0" y="0"/>
+              </a:moveTo>
+              <a:lnTo>
+                <a:pt x="0" y="246570"/>
+              </a:lnTo>
+              <a:lnTo>
+                <a:pt x="760273" y="246570"/>
+              </a:lnTo>
+              <a:lnTo>
+                <a:pt x="760273" y="361821"/>
+              </a:lnTo>
+            </a:path>
+          </a:pathLst>
+        </a:custGeom>
+        <a:noFill/>
+        <a:ln w="9525" cap="flat" cmpd="sng" algn="ctr">
+          <a:solidFill>
+            <a:schemeClr val="accent1">
+              <a:shade val="60000"/>
+              <a:hueOff val="0"/>
+              <a:satOff val="0"/>
+              <a:lumOff val="0"/>
+              <a:alphaOff val="0"/>
+            </a:schemeClr>
+          </a:solidFill>
+          <a:prstDash val="solid"/>
+        </a:ln>
+        <a:effectLst/>
+      </dsp:spPr>
+      <dsp:style>
+        <a:lnRef idx="1">
+          <a:scrgbClr r="0" g="0" b="0"/>
+        </a:lnRef>
+        <a:fillRef idx="0">
+          <a:scrgbClr r="0" g="0" b="0"/>
+        </a:fillRef>
+        <a:effectRef idx="0">
+          <a:scrgbClr r="0" g="0" b="0"/>
+        </a:effectRef>
+        <a:fontRef idx="minor"/>
+      </dsp:style>
+    </dsp:sp>
+    <dsp:sp modelId="{8CFA3E84-678E-C345-8D46-63E85CF195E2}">
+      <dsp:nvSpPr>
+        <dsp:cNvPr id="0" name=""/>
+        <dsp:cNvSpPr/>
+      </dsp:nvSpPr>
+      <dsp:spPr>
+        <a:xfrm>
+          <a:off x="2905273" y="864596"/>
+          <a:ext cx="760273" cy="361821"/>
+        </a:xfrm>
+        <a:custGeom>
+          <a:avLst/>
+          <a:gdLst/>
+          <a:ahLst/>
+          <a:cxnLst/>
+          <a:rect l="0" t="0" r="0" b="0"/>
+          <a:pathLst>
+            <a:path>
+              <a:moveTo>
+                <a:pt x="760273" y="0"/>
+              </a:moveTo>
+              <a:lnTo>
+                <a:pt x="760273" y="246570"/>
+              </a:lnTo>
+              <a:lnTo>
+                <a:pt x="0" y="246570"/>
+              </a:lnTo>
+              <a:lnTo>
+                <a:pt x="0" y="361821"/>
+              </a:lnTo>
+            </a:path>
+          </a:pathLst>
+        </a:custGeom>
+        <a:noFill/>
+        <a:ln w="9525" cap="flat" cmpd="sng" algn="ctr">
+          <a:solidFill>
+            <a:schemeClr val="accent1">
+              <a:shade val="60000"/>
+              <a:hueOff val="0"/>
+              <a:satOff val="0"/>
+              <a:lumOff val="0"/>
+              <a:alphaOff val="0"/>
+            </a:schemeClr>
+          </a:solidFill>
+          <a:prstDash val="solid"/>
+        </a:ln>
+        <a:effectLst/>
+      </dsp:spPr>
+      <dsp:style>
+        <a:lnRef idx="1">
+          <a:scrgbClr r="0" g="0" b="0"/>
+        </a:lnRef>
+        <a:fillRef idx="0">
+          <a:scrgbClr r="0" g="0" b="0"/>
+        </a:fillRef>
+        <a:effectRef idx="0">
+          <a:scrgbClr r="0" g="0" b="0"/>
+        </a:effectRef>
+        <a:fontRef idx="minor"/>
+      </dsp:style>
+    </dsp:sp>
+    <dsp:sp modelId="{28156514-4C64-AE45-A406-98283D6076D6}">
+      <dsp:nvSpPr>
+        <dsp:cNvPr id="0" name=""/>
+        <dsp:cNvSpPr/>
+      </dsp:nvSpPr>
+      <dsp:spPr>
+        <a:xfrm>
+          <a:off x="1384726" y="2016410"/>
+          <a:ext cx="760273" cy="361821"/>
+        </a:xfrm>
+        <a:custGeom>
+          <a:avLst/>
+          <a:gdLst/>
+          <a:ahLst/>
+          <a:cxnLst/>
+          <a:rect l="0" t="0" r="0" b="0"/>
+          <a:pathLst>
+            <a:path>
+              <a:moveTo>
+                <a:pt x="0" y="0"/>
+              </a:moveTo>
+              <a:lnTo>
+                <a:pt x="0" y="246570"/>
+              </a:lnTo>
+              <a:lnTo>
+                <a:pt x="760273" y="246570"/>
+              </a:lnTo>
+              <a:lnTo>
+                <a:pt x="760273" y="361821"/>
+              </a:lnTo>
+            </a:path>
+          </a:pathLst>
+        </a:custGeom>
+        <a:noFill/>
+        <a:ln w="9525" cap="flat" cmpd="sng" algn="ctr">
+          <a:solidFill>
+            <a:schemeClr val="accent1">
+              <a:shade val="80000"/>
+              <a:hueOff val="0"/>
+              <a:satOff val="0"/>
+              <a:lumOff val="0"/>
+              <a:alphaOff val="0"/>
+            </a:schemeClr>
+          </a:solidFill>
+          <a:prstDash val="solid"/>
+        </a:ln>
+        <a:effectLst/>
+      </dsp:spPr>
+      <dsp:style>
+        <a:lnRef idx="1">
+          <a:scrgbClr r="0" g="0" b="0"/>
+        </a:lnRef>
+        <a:fillRef idx="0">
+          <a:scrgbClr r="0" g="0" b="0"/>
+        </a:fillRef>
+        <a:effectRef idx="0">
+          <a:scrgbClr r="0" g="0" b="0"/>
+        </a:effectRef>
+        <a:fontRef idx="minor"/>
+      </dsp:style>
+    </dsp:sp>
+    <dsp:sp modelId="{C6BA431E-FA40-1D4E-A3D8-2A8BD37A2453}">
+      <dsp:nvSpPr>
+        <dsp:cNvPr id="0" name=""/>
+        <dsp:cNvSpPr/>
+      </dsp:nvSpPr>
+      <dsp:spPr>
+        <a:xfrm>
+          <a:off x="624453" y="2016410"/>
+          <a:ext cx="760273" cy="361821"/>
+        </a:xfrm>
+        <a:custGeom>
+          <a:avLst/>
+          <a:gdLst/>
+          <a:ahLst/>
+          <a:cxnLst/>
+          <a:rect l="0" t="0" r="0" b="0"/>
+          <a:pathLst>
+            <a:path>
+              <a:moveTo>
+                <a:pt x="760273" y="0"/>
+              </a:moveTo>
+              <a:lnTo>
+                <a:pt x="760273" y="246570"/>
+              </a:lnTo>
+              <a:lnTo>
+                <a:pt x="0" y="246570"/>
+              </a:lnTo>
+              <a:lnTo>
+                <a:pt x="0" y="361821"/>
+              </a:lnTo>
+            </a:path>
+          </a:pathLst>
+        </a:custGeom>
+        <a:noFill/>
+        <a:ln w="9525" cap="flat" cmpd="sng" algn="ctr">
+          <a:solidFill>
+            <a:schemeClr val="accent1">
+              <a:shade val="80000"/>
+              <a:hueOff val="0"/>
+              <a:satOff val="0"/>
+              <a:lumOff val="0"/>
+              <a:alphaOff val="0"/>
+            </a:schemeClr>
+          </a:solidFill>
+          <a:prstDash val="solid"/>
+        </a:ln>
+        <a:effectLst/>
+      </dsp:spPr>
+      <dsp:style>
+        <a:lnRef idx="1">
+          <a:scrgbClr r="0" g="0" b="0"/>
+        </a:lnRef>
+        <a:fillRef idx="0">
+          <a:scrgbClr r="0" g="0" b="0"/>
+        </a:fillRef>
+        <a:effectRef idx="0">
+          <a:scrgbClr r="0" g="0" b="0"/>
+        </a:effectRef>
+        <a:fontRef idx="minor"/>
+      </dsp:style>
+    </dsp:sp>
+    <dsp:sp modelId="{6B84F89A-BB62-184B-ACA8-8A1AAAE34DE1}">
+      <dsp:nvSpPr>
+        <dsp:cNvPr id="0" name=""/>
+        <dsp:cNvSpPr/>
+      </dsp:nvSpPr>
+      <dsp:spPr>
+        <a:xfrm>
+          <a:off x="1384726" y="864596"/>
+          <a:ext cx="2280820" cy="361821"/>
+        </a:xfrm>
+        <a:custGeom>
+          <a:avLst/>
+          <a:gdLst/>
+          <a:ahLst/>
+          <a:cxnLst/>
+          <a:rect l="0" t="0" r="0" b="0"/>
+          <a:pathLst>
+            <a:path>
+              <a:moveTo>
+                <a:pt x="2280820" y="0"/>
+              </a:moveTo>
+              <a:lnTo>
+                <a:pt x="2280820" y="246570"/>
+              </a:lnTo>
+              <a:lnTo>
+                <a:pt x="0" y="246570"/>
+              </a:lnTo>
+              <a:lnTo>
+                <a:pt x="0" y="361821"/>
+              </a:lnTo>
+            </a:path>
+          </a:pathLst>
+        </a:custGeom>
+        <a:noFill/>
+        <a:ln w="9525" cap="flat" cmpd="sng" algn="ctr">
+          <a:solidFill>
+            <a:schemeClr val="accent1">
+              <a:shade val="60000"/>
+              <a:hueOff val="0"/>
+              <a:satOff val="0"/>
+              <a:lumOff val="0"/>
+              <a:alphaOff val="0"/>
+            </a:schemeClr>
+          </a:solidFill>
+          <a:prstDash val="solid"/>
+        </a:ln>
+        <a:effectLst/>
+      </dsp:spPr>
+      <dsp:style>
+        <a:lnRef idx="1">
+          <a:scrgbClr r="0" g="0" b="0"/>
+        </a:lnRef>
+        <a:fillRef idx="0">
+          <a:scrgbClr r="0" g="0" b="0"/>
+        </a:fillRef>
+        <a:effectRef idx="0">
+          <a:scrgbClr r="0" g="0" b="0"/>
+        </a:effectRef>
+        <a:fontRef idx="minor"/>
+      </dsp:style>
+    </dsp:sp>
+    <dsp:sp modelId="{DE9E6D4B-E798-AA47-81C3-1E545DF4DB5B}">
+      <dsp:nvSpPr>
+        <dsp:cNvPr id="0" name=""/>
+        <dsp:cNvSpPr/>
+      </dsp:nvSpPr>
+      <dsp:spPr>
+        <a:xfrm>
+          <a:off x="3043505" y="74603"/>
+          <a:ext cx="1244084" cy="789993"/>
+        </a:xfrm>
+        <a:prstGeom prst="roundRect">
+          <a:avLst>
+            <a:gd name="adj" fmla="val 10000"/>
+          </a:avLst>
+        </a:prstGeom>
+        <a:gradFill rotWithShape="0">
+          <a:gsLst>
+            <a:gs pos="0">
+              <a:schemeClr val="accent1">
+                <a:hueOff val="0"/>
+                <a:satOff val="0"/>
+                <a:lumOff val="0"/>
+                <a:alphaOff val="0"/>
+                <a:tint val="100000"/>
+                <a:shade val="100000"/>
+                <a:satMod val="130000"/>
+              </a:schemeClr>
+            </a:gs>
+            <a:gs pos="100000">
+              <a:schemeClr val="accent1">
+                <a:hueOff val="0"/>
+                <a:satOff val="0"/>
+                <a:lumOff val="0"/>
+                <a:alphaOff val="0"/>
+                <a:tint val="50000"/>
+                <a:shade val="100000"/>
+                <a:satMod val="350000"/>
+              </a:schemeClr>
+            </a:gs>
+          </a:gsLst>
+          <a:lin ang="16200000" scaled="0"/>
+        </a:gradFill>
+        <a:ln>
+          <a:noFill/>
+        </a:ln>
+        <a:effectLst>
+          <a:outerShdw blurRad="40000" dist="23000" dir="5400000" rotWithShape="0">
+            <a:srgbClr val="000000">
+              <a:alpha val="35000"/>
+            </a:srgbClr>
+          </a:outerShdw>
+        </a:effectLst>
+      </dsp:spPr>
+      <dsp:style>
+        <a:lnRef idx="0">
+          <a:scrgbClr r="0" g="0" b="0"/>
+        </a:lnRef>
+        <a:fillRef idx="3">
+          <a:scrgbClr r="0" g="0" b="0"/>
+        </a:fillRef>
+        <a:effectRef idx="2">
+          <a:scrgbClr r="0" g="0" b="0"/>
+        </a:effectRef>
+        <a:fontRef idx="minor">
+          <a:schemeClr val="lt1"/>
+        </a:fontRef>
+      </dsp:style>
+    </dsp:sp>
+    <dsp:sp modelId="{923B0C63-79B7-9B4A-94B9-19130FBE5D7B}">
+      <dsp:nvSpPr>
+        <dsp:cNvPr id="0" name=""/>
+        <dsp:cNvSpPr/>
+      </dsp:nvSpPr>
+      <dsp:spPr>
+        <a:xfrm>
+          <a:off x="3181736" y="205923"/>
+          <a:ext cx="1244084" cy="789993"/>
+        </a:xfrm>
+        <a:prstGeom prst="roundRect">
+          <a:avLst>
+            <a:gd name="adj" fmla="val 10000"/>
+          </a:avLst>
+        </a:prstGeom>
+        <a:solidFill>
+          <a:schemeClr val="lt1">
+            <a:alpha val="90000"/>
+            <a:hueOff val="0"/>
+            <a:satOff val="0"/>
+            <a:lumOff val="0"/>
+            <a:alphaOff val="0"/>
+          </a:schemeClr>
+        </a:solidFill>
+        <a:ln w="9525" cap="flat" cmpd="sng" algn="ctr">
+          <a:solidFill>
+            <a:schemeClr val="accent1">
+              <a:hueOff val="0"/>
+              <a:satOff val="0"/>
+              <a:lumOff val="0"/>
+              <a:alphaOff val="0"/>
+            </a:schemeClr>
+          </a:solidFill>
+          <a:prstDash val="solid"/>
+        </a:ln>
+        <a:effectLst/>
+      </dsp:spPr>
+      <dsp:style>
+        <a:lnRef idx="1">
+          <a:scrgbClr r="0" g="0" b="0"/>
+        </a:lnRef>
+        <a:fillRef idx="1">
+          <a:scrgbClr r="0" g="0" b="0"/>
+        </a:fillRef>
+        <a:effectRef idx="0">
+          <a:scrgbClr r="0" g="0" b="0"/>
+        </a:effectRef>
+        <a:fontRef idx="minor"/>
+      </dsp:style>
+      <dsp:txBody>
+        <a:bodyPr spcFirstLastPara="0" vert="horz" wrap="square" lIns="76200" tIns="76200" rIns="76200" bIns="76200" numCol="1" spcCol="1270" anchor="ctr" anchorCtr="0">
+          <a:noAutofit/>
+        </a:bodyPr>
+        <a:lstStyle/>
+        <a:p>
+          <a:pPr lvl="0" algn="ctr" defTabSz="889000">
+            <a:lnSpc>
+              <a:spcPct val="90000"/>
+            </a:lnSpc>
+            <a:spcBef>
+              <a:spcPct val="0"/>
+            </a:spcBef>
+            <a:spcAft>
+              <a:spcPct val="35000"/>
+            </a:spcAft>
+          </a:pPr>
+          <a:r>
+            <a:rPr lang="en-US" sz="2000" kern="1200" dirty="0" smtClean="0"/>
+            <a:t>Data Type</a:t>
+          </a:r>
+          <a:endParaRPr lang="en-US" sz="2000" kern="1200" dirty="0"/>
+        </a:p>
+      </dsp:txBody>
+      <dsp:txXfrm>
+        <a:off x="3204874" y="229061"/>
+        <a:ext cx="1197808" cy="743717"/>
+      </dsp:txXfrm>
+    </dsp:sp>
+    <dsp:sp modelId="{3D0C8496-FBEF-B442-BAA7-CC30894D9EC3}">
+      <dsp:nvSpPr>
+        <dsp:cNvPr id="0" name=""/>
+        <dsp:cNvSpPr/>
+      </dsp:nvSpPr>
+      <dsp:spPr>
+        <a:xfrm>
+          <a:off x="762684" y="1226417"/>
+          <a:ext cx="1244084" cy="789993"/>
+        </a:xfrm>
+        <a:prstGeom prst="roundRect">
+          <a:avLst>
+            <a:gd name="adj" fmla="val 10000"/>
+          </a:avLst>
+        </a:prstGeom>
+        <a:gradFill rotWithShape="0">
+          <a:gsLst>
+            <a:gs pos="0">
+              <a:schemeClr val="accent1">
+                <a:hueOff val="0"/>
+                <a:satOff val="0"/>
+                <a:lumOff val="0"/>
+                <a:alphaOff val="0"/>
+                <a:tint val="100000"/>
+                <a:shade val="100000"/>
+                <a:satMod val="130000"/>
+              </a:schemeClr>
+            </a:gs>
+            <a:gs pos="100000">
+              <a:schemeClr val="accent1">
+                <a:hueOff val="0"/>
+                <a:satOff val="0"/>
+                <a:lumOff val="0"/>
+                <a:alphaOff val="0"/>
+                <a:tint val="50000"/>
+                <a:shade val="100000"/>
+                <a:satMod val="350000"/>
+              </a:schemeClr>
+            </a:gs>
+          </a:gsLst>
+          <a:lin ang="16200000" scaled="0"/>
+        </a:gradFill>
+        <a:ln>
+          <a:noFill/>
+        </a:ln>
+        <a:effectLst>
+          <a:outerShdw blurRad="40000" dist="23000" dir="5400000" rotWithShape="0">
+            <a:srgbClr val="000000">
+              <a:alpha val="35000"/>
+            </a:srgbClr>
+          </a:outerShdw>
+        </a:effectLst>
+      </dsp:spPr>
+      <dsp:style>
+        <a:lnRef idx="0">
+          <a:scrgbClr r="0" g="0" b="0"/>
+        </a:lnRef>
+        <a:fillRef idx="3">
+          <a:scrgbClr r="0" g="0" b="0"/>
+        </a:fillRef>
+        <a:effectRef idx="2">
+          <a:scrgbClr r="0" g="0" b="0"/>
+        </a:effectRef>
+        <a:fontRef idx="minor">
+          <a:schemeClr val="lt1"/>
+        </a:fontRef>
+      </dsp:style>
+    </dsp:sp>
+    <dsp:sp modelId="{BBF408DD-FB71-6449-9993-DDA736E8D58A}">
+      <dsp:nvSpPr>
+        <dsp:cNvPr id="0" name=""/>
+        <dsp:cNvSpPr/>
+      </dsp:nvSpPr>
+      <dsp:spPr>
+        <a:xfrm>
+          <a:off x="900916" y="1357737"/>
+          <a:ext cx="1244084" cy="789993"/>
+        </a:xfrm>
+        <a:prstGeom prst="roundRect">
+          <a:avLst>
+            <a:gd name="adj" fmla="val 10000"/>
+          </a:avLst>
+        </a:prstGeom>
+        <a:solidFill>
+          <a:schemeClr val="lt1">
+            <a:alpha val="90000"/>
+            <a:hueOff val="0"/>
+            <a:satOff val="0"/>
+            <a:lumOff val="0"/>
+            <a:alphaOff val="0"/>
+          </a:schemeClr>
+        </a:solidFill>
+        <a:ln w="9525" cap="flat" cmpd="sng" algn="ctr">
+          <a:solidFill>
+            <a:schemeClr val="accent1">
+              <a:hueOff val="0"/>
+              <a:satOff val="0"/>
+              <a:lumOff val="0"/>
+              <a:alphaOff val="0"/>
+            </a:schemeClr>
+          </a:solidFill>
+          <a:prstDash val="solid"/>
+        </a:ln>
+        <a:effectLst/>
+      </dsp:spPr>
+      <dsp:style>
+        <a:lnRef idx="1">
+          <a:scrgbClr r="0" g="0" b="0"/>
+        </a:lnRef>
+        <a:fillRef idx="1">
+          <a:scrgbClr r="0" g="0" b="0"/>
+        </a:fillRef>
+        <a:effectRef idx="0">
+          <a:scrgbClr r="0" g="0" b="0"/>
+        </a:effectRef>
+        <a:fontRef idx="minor"/>
+      </dsp:style>
+      <dsp:txBody>
+        <a:bodyPr spcFirstLastPara="0" vert="horz" wrap="square" lIns="76200" tIns="76200" rIns="76200" bIns="76200" numCol="1" spcCol="1270" anchor="ctr" anchorCtr="0">
+          <a:noAutofit/>
+        </a:bodyPr>
+        <a:lstStyle/>
+        <a:p>
+          <a:pPr lvl="0" algn="ctr" defTabSz="889000">
+            <a:lnSpc>
+              <a:spcPct val="90000"/>
+            </a:lnSpc>
+            <a:spcBef>
+              <a:spcPct val="0"/>
+            </a:spcBef>
+            <a:spcAft>
+              <a:spcPct val="35000"/>
+            </a:spcAft>
+          </a:pPr>
+          <a:r>
+            <a:rPr lang="en-US" sz="2000" kern="1200" dirty="0" smtClean="0"/>
+            <a:t>Number</a:t>
+          </a:r>
+          <a:endParaRPr lang="en-US" sz="2000" kern="1200" dirty="0"/>
+        </a:p>
+      </dsp:txBody>
+      <dsp:txXfrm>
+        <a:off x="924054" y="1380875"/>
+        <a:ext cx="1197808" cy="743717"/>
+      </dsp:txXfrm>
+    </dsp:sp>
+    <dsp:sp modelId="{4AC60A40-741B-ED47-AAD7-DE82CE34AD41}">
+      <dsp:nvSpPr>
+        <dsp:cNvPr id="0" name=""/>
+        <dsp:cNvSpPr/>
+      </dsp:nvSpPr>
+      <dsp:spPr>
+        <a:xfrm>
+          <a:off x="2411" y="2378232"/>
+          <a:ext cx="1244084" cy="789993"/>
+        </a:xfrm>
+        <a:prstGeom prst="roundRect">
+          <a:avLst>
+            <a:gd name="adj" fmla="val 10000"/>
+          </a:avLst>
+        </a:prstGeom>
+        <a:gradFill rotWithShape="0">
+          <a:gsLst>
+            <a:gs pos="0">
+              <a:schemeClr val="accent1">
+                <a:hueOff val="0"/>
+                <a:satOff val="0"/>
+                <a:lumOff val="0"/>
+                <a:alphaOff val="0"/>
+                <a:tint val="100000"/>
+                <a:shade val="100000"/>
+                <a:satMod val="130000"/>
+              </a:schemeClr>
+            </a:gs>
+            <a:gs pos="100000">
+              <a:schemeClr val="accent1">
+                <a:hueOff val="0"/>
+                <a:satOff val="0"/>
+                <a:lumOff val="0"/>
+                <a:alphaOff val="0"/>
+                <a:tint val="50000"/>
+                <a:shade val="100000"/>
+                <a:satMod val="350000"/>
+              </a:schemeClr>
+            </a:gs>
+          </a:gsLst>
+          <a:lin ang="16200000" scaled="0"/>
+        </a:gradFill>
+        <a:ln>
+          <a:noFill/>
+        </a:ln>
+        <a:effectLst>
+          <a:outerShdw blurRad="40000" dist="23000" dir="5400000" rotWithShape="0">
+            <a:srgbClr val="000000">
+              <a:alpha val="35000"/>
+            </a:srgbClr>
+          </a:outerShdw>
+        </a:effectLst>
+      </dsp:spPr>
+      <dsp:style>
+        <a:lnRef idx="0">
+          <a:scrgbClr r="0" g="0" b="0"/>
+        </a:lnRef>
+        <a:fillRef idx="3">
+          <a:scrgbClr r="0" g="0" b="0"/>
+        </a:fillRef>
+        <a:effectRef idx="2">
+          <a:scrgbClr r="0" g="0" b="0"/>
+        </a:effectRef>
+        <a:fontRef idx="minor">
+          <a:schemeClr val="lt1"/>
+        </a:fontRef>
+      </dsp:style>
+    </dsp:sp>
+    <dsp:sp modelId="{C2C1A37D-940A-6743-AC99-D92FAAA879A9}">
+      <dsp:nvSpPr>
+        <dsp:cNvPr id="0" name=""/>
+        <dsp:cNvSpPr/>
+      </dsp:nvSpPr>
+      <dsp:spPr>
+        <a:xfrm>
+          <a:off x="140642" y="2509552"/>
+          <a:ext cx="1244084" cy="789993"/>
+        </a:xfrm>
+        <a:prstGeom prst="roundRect">
+          <a:avLst>
+            <a:gd name="adj" fmla="val 10000"/>
+          </a:avLst>
+        </a:prstGeom>
+        <a:solidFill>
+          <a:schemeClr val="lt1">
+            <a:alpha val="90000"/>
+            <a:hueOff val="0"/>
+            <a:satOff val="0"/>
+            <a:lumOff val="0"/>
+            <a:alphaOff val="0"/>
+          </a:schemeClr>
+        </a:solidFill>
+        <a:ln w="9525" cap="flat" cmpd="sng" algn="ctr">
+          <a:solidFill>
+            <a:schemeClr val="accent1">
+              <a:hueOff val="0"/>
+              <a:satOff val="0"/>
+              <a:lumOff val="0"/>
+              <a:alphaOff val="0"/>
+            </a:schemeClr>
+          </a:solidFill>
+          <a:prstDash val="solid"/>
+        </a:ln>
+        <a:effectLst/>
+      </dsp:spPr>
+      <dsp:style>
+        <a:lnRef idx="1">
+          <a:scrgbClr r="0" g="0" b="0"/>
+        </a:lnRef>
+        <a:fillRef idx="1">
+          <a:scrgbClr r="0" g="0" b="0"/>
+        </a:fillRef>
+        <a:effectRef idx="0">
+          <a:scrgbClr r="0" g="0" b="0"/>
+        </a:effectRef>
+        <a:fontRef idx="minor"/>
+      </dsp:style>
+      <dsp:txBody>
+        <a:bodyPr spcFirstLastPara="0" vert="horz" wrap="square" lIns="76200" tIns="76200" rIns="76200" bIns="76200" numCol="1" spcCol="1270" anchor="ctr" anchorCtr="0">
+          <a:noAutofit/>
+        </a:bodyPr>
+        <a:lstStyle/>
+        <a:p>
+          <a:pPr lvl="0" algn="ctr" defTabSz="889000">
+            <a:lnSpc>
+              <a:spcPct val="90000"/>
+            </a:lnSpc>
+            <a:spcBef>
+              <a:spcPct val="0"/>
+            </a:spcBef>
+            <a:spcAft>
+              <a:spcPct val="35000"/>
+            </a:spcAft>
+          </a:pPr>
+          <a:r>
+            <a:rPr lang="en-US" sz="2000" kern="1200" dirty="0" smtClean="0"/>
+            <a:t>Whole</a:t>
+          </a:r>
+          <a:endParaRPr lang="en-US" sz="2000" kern="1200" dirty="0"/>
+        </a:p>
+      </dsp:txBody>
+      <dsp:txXfrm>
+        <a:off x="163780" y="2532690"/>
+        <a:ext cx="1197808" cy="743717"/>
+      </dsp:txXfrm>
+    </dsp:sp>
+    <dsp:sp modelId="{42E6176C-3E48-2248-9A2F-70DD7DB88292}">
+      <dsp:nvSpPr>
+        <dsp:cNvPr id="0" name=""/>
+        <dsp:cNvSpPr/>
+      </dsp:nvSpPr>
+      <dsp:spPr>
+        <a:xfrm>
+          <a:off x="1522958" y="2378232"/>
+          <a:ext cx="1244084" cy="789993"/>
+        </a:xfrm>
+        <a:prstGeom prst="roundRect">
+          <a:avLst>
+            <a:gd name="adj" fmla="val 10000"/>
+          </a:avLst>
+        </a:prstGeom>
+        <a:gradFill rotWithShape="0">
+          <a:gsLst>
+            <a:gs pos="0">
+              <a:schemeClr val="accent1">
+                <a:hueOff val="0"/>
+                <a:satOff val="0"/>
+                <a:lumOff val="0"/>
+                <a:alphaOff val="0"/>
+                <a:tint val="100000"/>
+                <a:shade val="100000"/>
+                <a:satMod val="130000"/>
+              </a:schemeClr>
+            </a:gs>
+            <a:gs pos="100000">
+              <a:schemeClr val="accent1">
+                <a:hueOff val="0"/>
+                <a:satOff val="0"/>
+                <a:lumOff val="0"/>
+                <a:alphaOff val="0"/>
+                <a:tint val="50000"/>
+                <a:shade val="100000"/>
+                <a:satMod val="350000"/>
+              </a:schemeClr>
+            </a:gs>
+          </a:gsLst>
+          <a:lin ang="16200000" scaled="0"/>
+        </a:gradFill>
+        <a:ln>
+          <a:noFill/>
+        </a:ln>
+        <a:effectLst>
+          <a:outerShdw blurRad="40000" dist="23000" dir="5400000" rotWithShape="0">
+            <a:srgbClr val="000000">
+              <a:alpha val="35000"/>
+            </a:srgbClr>
+          </a:outerShdw>
+        </a:effectLst>
+      </dsp:spPr>
+      <dsp:style>
+        <a:lnRef idx="0">
+          <a:scrgbClr r="0" g="0" b="0"/>
+        </a:lnRef>
+        <a:fillRef idx="3">
+          <a:scrgbClr r="0" g="0" b="0"/>
+        </a:fillRef>
+        <a:effectRef idx="2">
+          <a:scrgbClr r="0" g="0" b="0"/>
+        </a:effectRef>
+        <a:fontRef idx="minor">
+          <a:schemeClr val="lt1"/>
+        </a:fontRef>
+      </dsp:style>
+    </dsp:sp>
+    <dsp:sp modelId="{0B86410B-498D-AB4D-9967-4C4AEDB1DF45}">
+      <dsp:nvSpPr>
+        <dsp:cNvPr id="0" name=""/>
+        <dsp:cNvSpPr/>
+      </dsp:nvSpPr>
+      <dsp:spPr>
+        <a:xfrm>
+          <a:off x="1661189" y="2509552"/>
+          <a:ext cx="1244084" cy="789993"/>
+        </a:xfrm>
+        <a:prstGeom prst="roundRect">
+          <a:avLst>
+            <a:gd name="adj" fmla="val 10000"/>
+          </a:avLst>
+        </a:prstGeom>
+        <a:solidFill>
+          <a:schemeClr val="lt1">
+            <a:alpha val="90000"/>
+            <a:hueOff val="0"/>
+            <a:satOff val="0"/>
+            <a:lumOff val="0"/>
+            <a:alphaOff val="0"/>
+          </a:schemeClr>
+        </a:solidFill>
+        <a:ln w="9525" cap="flat" cmpd="sng" algn="ctr">
+          <a:solidFill>
+            <a:schemeClr val="accent1">
+              <a:hueOff val="0"/>
+              <a:satOff val="0"/>
+              <a:lumOff val="0"/>
+              <a:alphaOff val="0"/>
+            </a:schemeClr>
+          </a:solidFill>
+          <a:prstDash val="solid"/>
+        </a:ln>
+        <a:effectLst/>
+      </dsp:spPr>
+      <dsp:style>
+        <a:lnRef idx="1">
+          <a:scrgbClr r="0" g="0" b="0"/>
+        </a:lnRef>
+        <a:fillRef idx="1">
+          <a:scrgbClr r="0" g="0" b="0"/>
+        </a:fillRef>
+        <a:effectRef idx="0">
+          <a:scrgbClr r="0" g="0" b="0"/>
+        </a:effectRef>
+        <a:fontRef idx="minor"/>
+      </dsp:style>
+      <dsp:txBody>
+        <a:bodyPr spcFirstLastPara="0" vert="horz" wrap="square" lIns="76200" tIns="76200" rIns="76200" bIns="76200" numCol="1" spcCol="1270" anchor="ctr" anchorCtr="0">
+          <a:noAutofit/>
+        </a:bodyPr>
+        <a:lstStyle/>
+        <a:p>
+          <a:pPr lvl="0" algn="ctr" defTabSz="889000">
+            <a:lnSpc>
+              <a:spcPct val="90000"/>
+            </a:lnSpc>
+            <a:spcBef>
+              <a:spcPct val="0"/>
+            </a:spcBef>
+            <a:spcAft>
+              <a:spcPct val="35000"/>
+            </a:spcAft>
+          </a:pPr>
+          <a:r>
+            <a:rPr lang="en-US" sz="2000" kern="1200" dirty="0" smtClean="0"/>
+            <a:t>Float</a:t>
+          </a:r>
+          <a:endParaRPr lang="en-US" sz="2000" kern="1200" dirty="0"/>
+        </a:p>
+      </dsp:txBody>
+      <dsp:txXfrm>
+        <a:off x="1684327" y="2532690"/>
+        <a:ext cx="1197808" cy="743717"/>
+      </dsp:txXfrm>
+    </dsp:sp>
+    <dsp:sp modelId="{E4637EFB-2FAA-3446-8FC9-AD7B8E683EE6}">
+      <dsp:nvSpPr>
+        <dsp:cNvPr id="0" name=""/>
+        <dsp:cNvSpPr/>
+      </dsp:nvSpPr>
+      <dsp:spPr>
+        <a:xfrm>
+          <a:off x="2283231" y="1226417"/>
+          <a:ext cx="1244084" cy="789993"/>
+        </a:xfrm>
+        <a:prstGeom prst="roundRect">
+          <a:avLst>
+            <a:gd name="adj" fmla="val 10000"/>
+          </a:avLst>
+        </a:prstGeom>
+        <a:gradFill rotWithShape="0">
+          <a:gsLst>
+            <a:gs pos="0">
+              <a:schemeClr val="accent1">
+                <a:hueOff val="0"/>
+                <a:satOff val="0"/>
+                <a:lumOff val="0"/>
+                <a:alphaOff val="0"/>
+                <a:tint val="100000"/>
+                <a:shade val="100000"/>
+                <a:satMod val="130000"/>
+              </a:schemeClr>
+            </a:gs>
+            <a:gs pos="100000">
+              <a:schemeClr val="accent1">
+                <a:hueOff val="0"/>
+                <a:satOff val="0"/>
+                <a:lumOff val="0"/>
+                <a:alphaOff val="0"/>
+                <a:tint val="50000"/>
+                <a:shade val="100000"/>
+                <a:satMod val="350000"/>
+              </a:schemeClr>
+            </a:gs>
+          </a:gsLst>
+          <a:lin ang="16200000" scaled="0"/>
+        </a:gradFill>
+        <a:ln>
+          <a:noFill/>
+        </a:ln>
+        <a:effectLst>
+          <a:outerShdw blurRad="40000" dist="23000" dir="5400000" rotWithShape="0">
+            <a:srgbClr val="000000">
+              <a:alpha val="35000"/>
+            </a:srgbClr>
+          </a:outerShdw>
+        </a:effectLst>
+      </dsp:spPr>
+      <dsp:style>
+        <a:lnRef idx="0">
+          <a:scrgbClr r="0" g="0" b="0"/>
+        </a:lnRef>
+        <a:fillRef idx="3">
+          <a:scrgbClr r="0" g="0" b="0"/>
+        </a:fillRef>
+        <a:effectRef idx="2">
+          <a:scrgbClr r="0" g="0" b="0"/>
+        </a:effectRef>
+        <a:fontRef idx="minor">
+          <a:schemeClr val="lt1"/>
+        </a:fontRef>
+      </dsp:style>
+    </dsp:sp>
+    <dsp:sp modelId="{0FEFC8CB-58CB-4A43-9867-EED6738F0C0F}">
+      <dsp:nvSpPr>
+        <dsp:cNvPr id="0" name=""/>
+        <dsp:cNvSpPr/>
+      </dsp:nvSpPr>
+      <dsp:spPr>
+        <a:xfrm>
+          <a:off x="2421463" y="1357737"/>
+          <a:ext cx="1244084" cy="789993"/>
+        </a:xfrm>
+        <a:prstGeom prst="roundRect">
+          <a:avLst>
+            <a:gd name="adj" fmla="val 10000"/>
+          </a:avLst>
+        </a:prstGeom>
+        <a:solidFill>
+          <a:schemeClr val="lt1">
+            <a:alpha val="90000"/>
+            <a:hueOff val="0"/>
+            <a:satOff val="0"/>
+            <a:lumOff val="0"/>
+            <a:alphaOff val="0"/>
+          </a:schemeClr>
+        </a:solidFill>
+        <a:ln w="9525" cap="flat" cmpd="sng" algn="ctr">
+          <a:solidFill>
+            <a:schemeClr val="accent1">
+              <a:hueOff val="0"/>
+              <a:satOff val="0"/>
+              <a:lumOff val="0"/>
+              <a:alphaOff val="0"/>
+            </a:schemeClr>
+          </a:solidFill>
+          <a:prstDash val="solid"/>
+        </a:ln>
+        <a:effectLst/>
+      </dsp:spPr>
+      <dsp:style>
+        <a:lnRef idx="1">
+          <a:scrgbClr r="0" g="0" b="0"/>
+        </a:lnRef>
+        <a:fillRef idx="1">
+          <a:scrgbClr r="0" g="0" b="0"/>
+        </a:fillRef>
+        <a:effectRef idx="0">
+          <a:scrgbClr r="0" g="0" b="0"/>
+        </a:effectRef>
+        <a:fontRef idx="minor"/>
+      </dsp:style>
+      <dsp:txBody>
+        <a:bodyPr spcFirstLastPara="0" vert="horz" wrap="square" lIns="76200" tIns="76200" rIns="76200" bIns="76200" numCol="1" spcCol="1270" anchor="ctr" anchorCtr="0">
+          <a:noAutofit/>
+        </a:bodyPr>
+        <a:lstStyle/>
+        <a:p>
+          <a:pPr lvl="0" algn="ctr" defTabSz="889000">
+            <a:lnSpc>
+              <a:spcPct val="90000"/>
+            </a:lnSpc>
+            <a:spcBef>
+              <a:spcPct val="0"/>
+            </a:spcBef>
+            <a:spcAft>
+              <a:spcPct val="35000"/>
+            </a:spcAft>
+          </a:pPr>
+          <a:r>
+            <a:rPr lang="en-US" sz="2000" kern="1200" dirty="0" smtClean="0"/>
+            <a:t>String</a:t>
+          </a:r>
+          <a:endParaRPr lang="en-US" sz="2000" kern="1200" dirty="0"/>
+        </a:p>
+      </dsp:txBody>
+      <dsp:txXfrm>
+        <a:off x="2444601" y="1380875"/>
+        <a:ext cx="1197808" cy="743717"/>
+      </dsp:txXfrm>
+    </dsp:sp>
+    <dsp:sp modelId="{742E8093-E526-D748-A87A-DEAD1A9F1F6D}">
+      <dsp:nvSpPr>
+        <dsp:cNvPr id="0" name=""/>
+        <dsp:cNvSpPr/>
+      </dsp:nvSpPr>
+      <dsp:spPr>
+        <a:xfrm>
+          <a:off x="3803778" y="1226417"/>
+          <a:ext cx="1244084" cy="789993"/>
+        </a:xfrm>
+        <a:prstGeom prst="roundRect">
+          <a:avLst>
+            <a:gd name="adj" fmla="val 10000"/>
+          </a:avLst>
+        </a:prstGeom>
+        <a:gradFill rotWithShape="0">
+          <a:gsLst>
+            <a:gs pos="0">
+              <a:schemeClr val="accent1">
+                <a:hueOff val="0"/>
+                <a:satOff val="0"/>
+                <a:lumOff val="0"/>
+                <a:alphaOff val="0"/>
+                <a:tint val="100000"/>
+                <a:shade val="100000"/>
+                <a:satMod val="130000"/>
+              </a:schemeClr>
+            </a:gs>
+            <a:gs pos="100000">
+              <a:schemeClr val="accent1">
+                <a:hueOff val="0"/>
+                <a:satOff val="0"/>
+                <a:lumOff val="0"/>
+                <a:alphaOff val="0"/>
+                <a:tint val="50000"/>
+                <a:shade val="100000"/>
+                <a:satMod val="350000"/>
+              </a:schemeClr>
+            </a:gs>
+          </a:gsLst>
+          <a:lin ang="16200000" scaled="0"/>
+        </a:gradFill>
+        <a:ln>
+          <a:noFill/>
+        </a:ln>
+        <a:effectLst>
+          <a:outerShdw blurRad="40000" dist="23000" dir="5400000" rotWithShape="0">
+            <a:srgbClr val="000000">
+              <a:alpha val="35000"/>
+            </a:srgbClr>
+          </a:outerShdw>
+        </a:effectLst>
+      </dsp:spPr>
+      <dsp:style>
+        <a:lnRef idx="0">
+          <a:scrgbClr r="0" g="0" b="0"/>
+        </a:lnRef>
+        <a:fillRef idx="3">
+          <a:scrgbClr r="0" g="0" b="0"/>
+        </a:fillRef>
+        <a:effectRef idx="2">
+          <a:scrgbClr r="0" g="0" b="0"/>
+        </a:effectRef>
+        <a:fontRef idx="minor">
+          <a:schemeClr val="lt1"/>
+        </a:fontRef>
+      </dsp:style>
+    </dsp:sp>
+    <dsp:sp modelId="{D86CCABB-994E-2B44-9B36-549A167DC946}">
+      <dsp:nvSpPr>
+        <dsp:cNvPr id="0" name=""/>
+        <dsp:cNvSpPr/>
+      </dsp:nvSpPr>
+      <dsp:spPr>
+        <a:xfrm>
+          <a:off x="3942010" y="1357737"/>
+          <a:ext cx="1244084" cy="789993"/>
+        </a:xfrm>
+        <a:prstGeom prst="roundRect">
+          <a:avLst>
+            <a:gd name="adj" fmla="val 10000"/>
+          </a:avLst>
+        </a:prstGeom>
+        <a:solidFill>
+          <a:schemeClr val="lt1">
+            <a:alpha val="90000"/>
+            <a:hueOff val="0"/>
+            <a:satOff val="0"/>
+            <a:lumOff val="0"/>
+            <a:alphaOff val="0"/>
+          </a:schemeClr>
+        </a:solidFill>
+        <a:ln w="9525" cap="flat" cmpd="sng" algn="ctr">
+          <a:solidFill>
+            <a:schemeClr val="accent1">
+              <a:hueOff val="0"/>
+              <a:satOff val="0"/>
+              <a:lumOff val="0"/>
+              <a:alphaOff val="0"/>
+            </a:schemeClr>
+          </a:solidFill>
+          <a:prstDash val="solid"/>
+        </a:ln>
+        <a:effectLst/>
+      </dsp:spPr>
+      <dsp:style>
+        <a:lnRef idx="1">
+          <a:scrgbClr r="0" g="0" b="0"/>
+        </a:lnRef>
+        <a:fillRef idx="1">
+          <a:scrgbClr r="0" g="0" b="0"/>
+        </a:fillRef>
+        <a:effectRef idx="0">
+          <a:scrgbClr r="0" g="0" b="0"/>
+        </a:effectRef>
+        <a:fontRef idx="minor"/>
+      </dsp:style>
+      <dsp:txBody>
+        <a:bodyPr spcFirstLastPara="0" vert="horz" wrap="square" lIns="76200" tIns="76200" rIns="76200" bIns="76200" numCol="1" spcCol="1270" anchor="ctr" anchorCtr="0">
+          <a:noAutofit/>
+        </a:bodyPr>
+        <a:lstStyle/>
+        <a:p>
+          <a:pPr lvl="0" algn="ctr" defTabSz="889000">
+            <a:lnSpc>
+              <a:spcPct val="90000"/>
+            </a:lnSpc>
+            <a:spcBef>
+              <a:spcPct val="0"/>
+            </a:spcBef>
+            <a:spcAft>
+              <a:spcPct val="35000"/>
+            </a:spcAft>
+          </a:pPr>
+          <a:r>
+            <a:rPr lang="en-US" sz="2000" kern="1200" dirty="0" smtClean="0"/>
+            <a:t>Boolean</a:t>
+          </a:r>
+          <a:endParaRPr lang="en-US" sz="2000" kern="1200" dirty="0"/>
+        </a:p>
+      </dsp:txBody>
+      <dsp:txXfrm>
+        <a:off x="3965148" y="1380875"/>
+        <a:ext cx="1197808" cy="743717"/>
+      </dsp:txXfrm>
+    </dsp:sp>
+    <dsp:sp modelId="{419941D0-E8C4-AB44-9E78-DAAEB48DEBBF}">
+      <dsp:nvSpPr>
+        <dsp:cNvPr id="0" name=""/>
+        <dsp:cNvSpPr/>
+      </dsp:nvSpPr>
+      <dsp:spPr>
+        <a:xfrm>
+          <a:off x="5324326" y="1226417"/>
+          <a:ext cx="1244084" cy="789993"/>
+        </a:xfrm>
+        <a:prstGeom prst="roundRect">
+          <a:avLst>
+            <a:gd name="adj" fmla="val 10000"/>
+          </a:avLst>
+        </a:prstGeom>
+        <a:gradFill rotWithShape="0">
+          <a:gsLst>
+            <a:gs pos="0">
+              <a:schemeClr val="accent1">
+                <a:hueOff val="0"/>
+                <a:satOff val="0"/>
+                <a:lumOff val="0"/>
+                <a:alphaOff val="0"/>
+                <a:tint val="100000"/>
+                <a:shade val="100000"/>
+                <a:satMod val="130000"/>
+              </a:schemeClr>
+            </a:gs>
+            <a:gs pos="100000">
+              <a:schemeClr val="accent1">
+                <a:hueOff val="0"/>
+                <a:satOff val="0"/>
+                <a:lumOff val="0"/>
+                <a:alphaOff val="0"/>
+                <a:tint val="50000"/>
+                <a:shade val="100000"/>
+                <a:satMod val="350000"/>
+              </a:schemeClr>
+            </a:gs>
+          </a:gsLst>
+          <a:lin ang="16200000" scaled="0"/>
+        </a:gradFill>
+        <a:ln>
+          <a:noFill/>
+        </a:ln>
+        <a:effectLst>
+          <a:outerShdw blurRad="40000" dist="23000" dir="5400000" rotWithShape="0">
+            <a:srgbClr val="000000">
+              <a:alpha val="35000"/>
+            </a:srgbClr>
+          </a:outerShdw>
+        </a:effectLst>
+      </dsp:spPr>
+      <dsp:style>
+        <a:lnRef idx="0">
+          <a:scrgbClr r="0" g="0" b="0"/>
+        </a:lnRef>
+        <a:fillRef idx="3">
+          <a:scrgbClr r="0" g="0" b="0"/>
+        </a:fillRef>
+        <a:effectRef idx="2">
+          <a:scrgbClr r="0" g="0" b="0"/>
+        </a:effectRef>
+        <a:fontRef idx="minor">
+          <a:schemeClr val="lt1"/>
+        </a:fontRef>
+      </dsp:style>
+    </dsp:sp>
+    <dsp:sp modelId="{6603764C-B415-664F-8885-A7DAA8CAF3E7}">
+      <dsp:nvSpPr>
+        <dsp:cNvPr id="0" name=""/>
+        <dsp:cNvSpPr/>
+      </dsp:nvSpPr>
+      <dsp:spPr>
+        <a:xfrm>
+          <a:off x="5462557" y="1357737"/>
+          <a:ext cx="1244084" cy="789993"/>
+        </a:xfrm>
+        <a:prstGeom prst="roundRect">
+          <a:avLst>
+            <a:gd name="adj" fmla="val 10000"/>
+          </a:avLst>
+        </a:prstGeom>
+        <a:solidFill>
+          <a:schemeClr val="lt1">
+            <a:alpha val="90000"/>
+            <a:hueOff val="0"/>
+            <a:satOff val="0"/>
+            <a:lumOff val="0"/>
+            <a:alphaOff val="0"/>
+          </a:schemeClr>
+        </a:solidFill>
+        <a:ln w="9525" cap="flat" cmpd="sng" algn="ctr">
+          <a:solidFill>
+            <a:schemeClr val="accent1">
+              <a:hueOff val="0"/>
+              <a:satOff val="0"/>
+              <a:lumOff val="0"/>
+              <a:alphaOff val="0"/>
+            </a:schemeClr>
+          </a:solidFill>
+          <a:prstDash val="solid"/>
+        </a:ln>
+        <a:effectLst/>
+      </dsp:spPr>
+      <dsp:style>
+        <a:lnRef idx="1">
+          <a:scrgbClr r="0" g="0" b="0"/>
+        </a:lnRef>
+        <a:fillRef idx="1">
+          <a:scrgbClr r="0" g="0" b="0"/>
+        </a:fillRef>
+        <a:effectRef idx="0">
+          <a:scrgbClr r="0" g="0" b="0"/>
+        </a:effectRef>
+        <a:fontRef idx="minor"/>
+      </dsp:style>
+      <dsp:txBody>
+        <a:bodyPr spcFirstLastPara="0" vert="horz" wrap="square" lIns="76200" tIns="76200" rIns="76200" bIns="76200" numCol="1" spcCol="1270" anchor="ctr" anchorCtr="0">
+          <a:noAutofit/>
+        </a:bodyPr>
+        <a:lstStyle/>
+        <a:p>
+          <a:pPr lvl="0" algn="ctr" defTabSz="889000">
+            <a:lnSpc>
+              <a:spcPct val="90000"/>
+            </a:lnSpc>
+            <a:spcBef>
+              <a:spcPct val="0"/>
+            </a:spcBef>
+            <a:spcAft>
+              <a:spcPct val="35000"/>
+            </a:spcAft>
+          </a:pPr>
+          <a:r>
+            <a:rPr lang="en-US" sz="2000" kern="1200" dirty="0" smtClean="0"/>
+            <a:t>Object</a:t>
+          </a:r>
+          <a:endParaRPr lang="en-US" sz="2000" kern="1200" dirty="0"/>
+        </a:p>
+      </dsp:txBody>
+      <dsp:txXfrm>
+        <a:off x="5485695" y="1380875"/>
+        <a:ext cx="1197808" cy="743717"/>
+      </dsp:txXfrm>
+    </dsp:sp>
+    <dsp:sp modelId="{BED1AD82-3EAF-DA47-9563-265E07F41880}">
+      <dsp:nvSpPr>
+        <dsp:cNvPr id="0" name=""/>
+        <dsp:cNvSpPr/>
+      </dsp:nvSpPr>
+      <dsp:spPr>
+        <a:xfrm>
+          <a:off x="3803778" y="2378232"/>
+          <a:ext cx="1244084" cy="789993"/>
+        </a:xfrm>
+        <a:prstGeom prst="roundRect">
+          <a:avLst>
+            <a:gd name="adj" fmla="val 10000"/>
+          </a:avLst>
+        </a:prstGeom>
+        <a:gradFill rotWithShape="0">
+          <a:gsLst>
+            <a:gs pos="0">
+              <a:schemeClr val="accent1">
+                <a:hueOff val="0"/>
+                <a:satOff val="0"/>
+                <a:lumOff val="0"/>
+                <a:alphaOff val="0"/>
+                <a:tint val="100000"/>
+                <a:shade val="100000"/>
+                <a:satMod val="130000"/>
+              </a:schemeClr>
+            </a:gs>
+            <a:gs pos="100000">
+              <a:schemeClr val="accent1">
+                <a:hueOff val="0"/>
+                <a:satOff val="0"/>
+                <a:lumOff val="0"/>
+                <a:alphaOff val="0"/>
+                <a:tint val="50000"/>
+                <a:shade val="100000"/>
+                <a:satMod val="350000"/>
+              </a:schemeClr>
+            </a:gs>
+          </a:gsLst>
+          <a:lin ang="16200000" scaled="0"/>
+        </a:gradFill>
+        <a:ln>
+          <a:noFill/>
+        </a:ln>
+        <a:effectLst>
+          <a:outerShdw blurRad="40000" dist="23000" dir="5400000" rotWithShape="0">
+            <a:srgbClr val="000000">
+              <a:alpha val="35000"/>
+            </a:srgbClr>
+          </a:outerShdw>
+        </a:effectLst>
+      </dsp:spPr>
+      <dsp:style>
+        <a:lnRef idx="0">
+          <a:scrgbClr r="0" g="0" b="0"/>
+        </a:lnRef>
+        <a:fillRef idx="3">
+          <a:scrgbClr r="0" g="0" b="0"/>
+        </a:fillRef>
+        <a:effectRef idx="2">
+          <a:scrgbClr r="0" g="0" b="0"/>
+        </a:effectRef>
+        <a:fontRef idx="minor">
+          <a:schemeClr val="lt1"/>
+        </a:fontRef>
+      </dsp:style>
+    </dsp:sp>
+    <dsp:sp modelId="{AD6B8219-1F5B-DA4F-B261-22B5D0551A94}">
+      <dsp:nvSpPr>
+        <dsp:cNvPr id="0" name=""/>
+        <dsp:cNvSpPr/>
+      </dsp:nvSpPr>
+      <dsp:spPr>
+        <a:xfrm>
+          <a:off x="3942010" y="2509552"/>
+          <a:ext cx="1244084" cy="789993"/>
+        </a:xfrm>
+        <a:prstGeom prst="roundRect">
+          <a:avLst>
+            <a:gd name="adj" fmla="val 10000"/>
+          </a:avLst>
+        </a:prstGeom>
+        <a:solidFill>
+          <a:schemeClr val="lt1">
+            <a:alpha val="90000"/>
+            <a:hueOff val="0"/>
+            <a:satOff val="0"/>
+            <a:lumOff val="0"/>
+            <a:alphaOff val="0"/>
+          </a:schemeClr>
+        </a:solidFill>
+        <a:ln w="9525" cap="flat" cmpd="sng" algn="ctr">
+          <a:solidFill>
+            <a:schemeClr val="accent1">
+              <a:hueOff val="0"/>
+              <a:satOff val="0"/>
+              <a:lumOff val="0"/>
+              <a:alphaOff val="0"/>
+            </a:schemeClr>
+          </a:solidFill>
+          <a:prstDash val="solid"/>
+        </a:ln>
+        <a:effectLst/>
+      </dsp:spPr>
+      <dsp:style>
+        <a:lnRef idx="1">
+          <a:scrgbClr r="0" g="0" b="0"/>
+        </a:lnRef>
+        <a:fillRef idx="1">
+          <a:scrgbClr r="0" g="0" b="0"/>
+        </a:fillRef>
+        <a:effectRef idx="0">
+          <a:scrgbClr r="0" g="0" b="0"/>
+        </a:effectRef>
+        <a:fontRef idx="minor"/>
+      </dsp:style>
+      <dsp:txBody>
+        <a:bodyPr spcFirstLastPara="0" vert="horz" wrap="square" lIns="76200" tIns="76200" rIns="76200" bIns="76200" numCol="1" spcCol="1270" anchor="ctr" anchorCtr="0">
+          <a:noAutofit/>
+        </a:bodyPr>
+        <a:lstStyle/>
+        <a:p>
+          <a:pPr lvl="0" algn="ctr" defTabSz="889000">
+            <a:lnSpc>
+              <a:spcPct val="90000"/>
+            </a:lnSpc>
+            <a:spcBef>
+              <a:spcPct val="0"/>
+            </a:spcBef>
+            <a:spcAft>
+              <a:spcPct val="35000"/>
+            </a:spcAft>
+          </a:pPr>
+          <a:r>
+            <a:rPr lang="en-US" sz="2000" kern="1200" dirty="0" smtClean="0"/>
+            <a:t>Date</a:t>
+          </a:r>
+          <a:endParaRPr lang="en-US" sz="2000" kern="1200" dirty="0"/>
+        </a:p>
+      </dsp:txBody>
+      <dsp:txXfrm>
+        <a:off x="3965148" y="2532690"/>
+        <a:ext cx="1197808" cy="743717"/>
+      </dsp:txXfrm>
+    </dsp:sp>
+    <dsp:sp modelId="{E43BE145-21E5-5543-9A7D-46DE44FE97A7}">
+      <dsp:nvSpPr>
+        <dsp:cNvPr id="0" name=""/>
+        <dsp:cNvSpPr/>
+      </dsp:nvSpPr>
+      <dsp:spPr>
+        <a:xfrm>
+          <a:off x="5324326" y="2378232"/>
+          <a:ext cx="1244084" cy="789993"/>
+        </a:xfrm>
+        <a:prstGeom prst="roundRect">
+          <a:avLst>
+            <a:gd name="adj" fmla="val 10000"/>
+          </a:avLst>
+        </a:prstGeom>
+        <a:gradFill rotWithShape="0">
+          <a:gsLst>
+            <a:gs pos="0">
+              <a:schemeClr val="accent1">
+                <a:hueOff val="0"/>
+                <a:satOff val="0"/>
+                <a:lumOff val="0"/>
+                <a:alphaOff val="0"/>
+                <a:tint val="100000"/>
+                <a:shade val="100000"/>
+                <a:satMod val="130000"/>
+              </a:schemeClr>
+            </a:gs>
+            <a:gs pos="100000">
+              <a:schemeClr val="accent1">
+                <a:hueOff val="0"/>
+                <a:satOff val="0"/>
+                <a:lumOff val="0"/>
+                <a:alphaOff val="0"/>
+                <a:tint val="50000"/>
+                <a:shade val="100000"/>
+                <a:satMod val="350000"/>
+              </a:schemeClr>
+            </a:gs>
+          </a:gsLst>
+          <a:lin ang="16200000" scaled="0"/>
+        </a:gradFill>
+        <a:ln>
+          <a:noFill/>
+        </a:ln>
+        <a:effectLst>
+          <a:outerShdw blurRad="40000" dist="23000" dir="5400000" rotWithShape="0">
+            <a:srgbClr val="000000">
+              <a:alpha val="35000"/>
+            </a:srgbClr>
+          </a:outerShdw>
+        </a:effectLst>
+      </dsp:spPr>
+      <dsp:style>
+        <a:lnRef idx="0">
+          <a:scrgbClr r="0" g="0" b="0"/>
+        </a:lnRef>
+        <a:fillRef idx="3">
+          <a:scrgbClr r="0" g="0" b="0"/>
+        </a:fillRef>
+        <a:effectRef idx="2">
+          <a:scrgbClr r="0" g="0" b="0"/>
+        </a:effectRef>
+        <a:fontRef idx="minor">
+          <a:schemeClr val="lt1"/>
+        </a:fontRef>
+      </dsp:style>
+    </dsp:sp>
+    <dsp:sp modelId="{EBC8209D-BB74-B44A-A57A-C51ABEDBBAE8}">
+      <dsp:nvSpPr>
+        <dsp:cNvPr id="0" name=""/>
+        <dsp:cNvSpPr/>
+      </dsp:nvSpPr>
+      <dsp:spPr>
+        <a:xfrm>
+          <a:off x="5462557" y="2509552"/>
+          <a:ext cx="1244084" cy="789993"/>
+        </a:xfrm>
+        <a:prstGeom prst="roundRect">
+          <a:avLst>
+            <a:gd name="adj" fmla="val 10000"/>
+          </a:avLst>
+        </a:prstGeom>
+        <a:solidFill>
+          <a:schemeClr val="lt1">
+            <a:alpha val="90000"/>
+            <a:hueOff val="0"/>
+            <a:satOff val="0"/>
+            <a:lumOff val="0"/>
+            <a:alphaOff val="0"/>
+          </a:schemeClr>
+        </a:solidFill>
+        <a:ln w="9525" cap="flat" cmpd="sng" algn="ctr">
+          <a:solidFill>
+            <a:schemeClr val="accent1">
+              <a:hueOff val="0"/>
+              <a:satOff val="0"/>
+              <a:lumOff val="0"/>
+              <a:alphaOff val="0"/>
+            </a:schemeClr>
+          </a:solidFill>
+          <a:prstDash val="solid"/>
+        </a:ln>
+        <a:effectLst/>
+      </dsp:spPr>
+      <dsp:style>
+        <a:lnRef idx="1">
+          <a:scrgbClr r="0" g="0" b="0"/>
+        </a:lnRef>
+        <a:fillRef idx="1">
+          <a:scrgbClr r="0" g="0" b="0"/>
+        </a:fillRef>
+        <a:effectRef idx="0">
+          <a:scrgbClr r="0" g="0" b="0"/>
+        </a:effectRef>
+        <a:fontRef idx="minor"/>
+      </dsp:style>
+      <dsp:txBody>
+        <a:bodyPr spcFirstLastPara="0" vert="horz" wrap="square" lIns="76200" tIns="76200" rIns="76200" bIns="76200" numCol="1" spcCol="1270" anchor="ctr" anchorCtr="0">
+          <a:noAutofit/>
+        </a:bodyPr>
+        <a:lstStyle/>
+        <a:p>
+          <a:pPr lvl="0" algn="ctr" defTabSz="889000">
+            <a:lnSpc>
+              <a:spcPct val="90000"/>
+            </a:lnSpc>
+            <a:spcBef>
+              <a:spcPct val="0"/>
+            </a:spcBef>
+            <a:spcAft>
+              <a:spcPct val="35000"/>
+            </a:spcAft>
+          </a:pPr>
+          <a:r>
+            <a:rPr lang="en-US" sz="2000" kern="1200" dirty="0" smtClean="0"/>
+            <a:t>Container</a:t>
+          </a:r>
+          <a:endParaRPr lang="en-US" sz="2000" kern="1200" dirty="0"/>
+        </a:p>
+      </dsp:txBody>
+      <dsp:txXfrm>
+        <a:off x="5485695" y="2532690"/>
+        <a:ext cx="1197808" cy="743717"/>
+      </dsp:txXfrm>
+    </dsp:sp>
+    <dsp:sp modelId="{6DF542D9-B5F6-214E-9CDE-F0A47E3A8ABC}">
+      <dsp:nvSpPr>
+        <dsp:cNvPr id="0" name=""/>
+        <dsp:cNvSpPr/>
+      </dsp:nvSpPr>
+      <dsp:spPr>
+        <a:xfrm>
+          <a:off x="4564052" y="3530046"/>
+          <a:ext cx="1244084" cy="789993"/>
+        </a:xfrm>
+        <a:prstGeom prst="roundRect">
+          <a:avLst>
+            <a:gd name="adj" fmla="val 10000"/>
+          </a:avLst>
+        </a:prstGeom>
+        <a:gradFill rotWithShape="0">
+          <a:gsLst>
+            <a:gs pos="0">
+              <a:schemeClr val="accent1">
+                <a:hueOff val="0"/>
+                <a:satOff val="0"/>
+                <a:lumOff val="0"/>
+                <a:alphaOff val="0"/>
+                <a:tint val="100000"/>
+                <a:shade val="100000"/>
+                <a:satMod val="130000"/>
+              </a:schemeClr>
+            </a:gs>
+            <a:gs pos="100000">
+              <a:schemeClr val="accent1">
+                <a:hueOff val="0"/>
+                <a:satOff val="0"/>
+                <a:lumOff val="0"/>
+                <a:alphaOff val="0"/>
+                <a:tint val="50000"/>
+                <a:shade val="100000"/>
+                <a:satMod val="350000"/>
+              </a:schemeClr>
+            </a:gs>
+          </a:gsLst>
+          <a:lin ang="16200000" scaled="0"/>
+        </a:gradFill>
+        <a:ln>
+          <a:noFill/>
+        </a:ln>
+        <a:effectLst>
+          <a:outerShdw blurRad="40000" dist="23000" dir="5400000" rotWithShape="0">
+            <a:srgbClr val="000000">
+              <a:alpha val="35000"/>
+            </a:srgbClr>
+          </a:outerShdw>
+        </a:effectLst>
+      </dsp:spPr>
+      <dsp:style>
+        <a:lnRef idx="0">
+          <a:scrgbClr r="0" g="0" b="0"/>
+        </a:lnRef>
+        <a:fillRef idx="3">
+          <a:scrgbClr r="0" g="0" b="0"/>
+        </a:fillRef>
+        <a:effectRef idx="2">
+          <a:scrgbClr r="0" g="0" b="0"/>
+        </a:effectRef>
+        <a:fontRef idx="minor">
+          <a:schemeClr val="lt1"/>
+        </a:fontRef>
+      </dsp:style>
+    </dsp:sp>
+    <dsp:sp modelId="{2246CDBD-2CA8-A34C-A89B-E32ACB07E97A}">
+      <dsp:nvSpPr>
+        <dsp:cNvPr id="0" name=""/>
+        <dsp:cNvSpPr/>
+      </dsp:nvSpPr>
+      <dsp:spPr>
+        <a:xfrm>
+          <a:off x="4702284" y="3661366"/>
+          <a:ext cx="1244084" cy="789993"/>
+        </a:xfrm>
+        <a:prstGeom prst="roundRect">
+          <a:avLst>
+            <a:gd name="adj" fmla="val 10000"/>
+          </a:avLst>
+        </a:prstGeom>
+        <a:solidFill>
+          <a:schemeClr val="lt1">
+            <a:alpha val="90000"/>
+            <a:hueOff val="0"/>
+            <a:satOff val="0"/>
+            <a:lumOff val="0"/>
+            <a:alphaOff val="0"/>
+          </a:schemeClr>
+        </a:solidFill>
+        <a:ln w="9525" cap="flat" cmpd="sng" algn="ctr">
+          <a:solidFill>
+            <a:schemeClr val="accent1">
+              <a:hueOff val="0"/>
+              <a:satOff val="0"/>
+              <a:lumOff val="0"/>
+              <a:alphaOff val="0"/>
+            </a:schemeClr>
+          </a:solidFill>
+          <a:prstDash val="solid"/>
+        </a:ln>
+        <a:effectLst/>
+      </dsp:spPr>
+      <dsp:style>
+        <a:lnRef idx="1">
+          <a:scrgbClr r="0" g="0" b="0"/>
+        </a:lnRef>
+        <a:fillRef idx="1">
+          <a:scrgbClr r="0" g="0" b="0"/>
+        </a:fillRef>
+        <a:effectRef idx="0">
+          <a:scrgbClr r="0" g="0" b="0"/>
+        </a:effectRef>
+        <a:fontRef idx="minor"/>
+      </dsp:style>
+      <dsp:txBody>
+        <a:bodyPr spcFirstLastPara="0" vert="horz" wrap="square" lIns="76200" tIns="76200" rIns="76200" bIns="76200" numCol="1" spcCol="1270" anchor="ctr" anchorCtr="0">
+          <a:noAutofit/>
+        </a:bodyPr>
+        <a:lstStyle/>
+        <a:p>
+          <a:pPr lvl="0" algn="ctr" defTabSz="889000">
+            <a:lnSpc>
+              <a:spcPct val="90000"/>
+            </a:lnSpc>
+            <a:spcBef>
+              <a:spcPct val="0"/>
+            </a:spcBef>
+            <a:spcAft>
+              <a:spcPct val="35000"/>
+            </a:spcAft>
+          </a:pPr>
+          <a:r>
+            <a:rPr lang="en-US" sz="2000" kern="1200" dirty="0" smtClean="0"/>
+            <a:t>Array</a:t>
+          </a:r>
+          <a:endParaRPr lang="en-US" sz="2000" kern="1200" dirty="0"/>
+        </a:p>
+      </dsp:txBody>
+      <dsp:txXfrm>
+        <a:off x="4725422" y="3684504"/>
+        <a:ext cx="1197808" cy="743717"/>
+      </dsp:txXfrm>
+    </dsp:sp>
+    <dsp:sp modelId="{7591B2A4-9F4B-F245-820A-E182736ED0B3}">
+      <dsp:nvSpPr>
+        <dsp:cNvPr id="0" name=""/>
+        <dsp:cNvSpPr/>
+      </dsp:nvSpPr>
+      <dsp:spPr>
+        <a:xfrm>
+          <a:off x="6084599" y="3530046"/>
+          <a:ext cx="1244084" cy="789993"/>
+        </a:xfrm>
+        <a:prstGeom prst="roundRect">
+          <a:avLst>
+            <a:gd name="adj" fmla="val 10000"/>
+          </a:avLst>
+        </a:prstGeom>
+        <a:gradFill rotWithShape="0">
+          <a:gsLst>
+            <a:gs pos="0">
+              <a:schemeClr val="accent1">
+                <a:hueOff val="0"/>
+                <a:satOff val="0"/>
+                <a:lumOff val="0"/>
+                <a:alphaOff val="0"/>
+                <a:tint val="100000"/>
+                <a:shade val="100000"/>
+                <a:satMod val="130000"/>
+              </a:schemeClr>
+            </a:gs>
+            <a:gs pos="100000">
+              <a:schemeClr val="accent1">
+                <a:hueOff val="0"/>
+                <a:satOff val="0"/>
+                <a:lumOff val="0"/>
+                <a:alphaOff val="0"/>
+                <a:tint val="50000"/>
+                <a:shade val="100000"/>
+                <a:satMod val="350000"/>
+              </a:schemeClr>
+            </a:gs>
+          </a:gsLst>
+          <a:lin ang="16200000" scaled="0"/>
+        </a:gradFill>
+        <a:ln>
+          <a:noFill/>
+        </a:ln>
+        <a:effectLst>
+          <a:outerShdw blurRad="40000" dist="23000" dir="5400000" rotWithShape="0">
+            <a:srgbClr val="000000">
+              <a:alpha val="35000"/>
+            </a:srgbClr>
+          </a:outerShdw>
+        </a:effectLst>
+      </dsp:spPr>
+      <dsp:style>
+        <a:lnRef idx="0">
+          <a:scrgbClr r="0" g="0" b="0"/>
+        </a:lnRef>
+        <a:fillRef idx="3">
+          <a:scrgbClr r="0" g="0" b="0"/>
+        </a:fillRef>
+        <a:effectRef idx="2">
+          <a:scrgbClr r="0" g="0" b="0"/>
+        </a:effectRef>
+        <a:fontRef idx="minor">
+          <a:schemeClr val="lt1"/>
+        </a:fontRef>
+      </dsp:style>
+    </dsp:sp>
+    <dsp:sp modelId="{9152FE1E-3F9F-1945-845B-196FD4FE9E7F}">
+      <dsp:nvSpPr>
+        <dsp:cNvPr id="0" name=""/>
+        <dsp:cNvSpPr/>
+      </dsp:nvSpPr>
+      <dsp:spPr>
+        <a:xfrm>
+          <a:off x="6222831" y="3661366"/>
+          <a:ext cx="1244084" cy="789993"/>
+        </a:xfrm>
+        <a:prstGeom prst="roundRect">
+          <a:avLst>
+            <a:gd name="adj" fmla="val 10000"/>
+          </a:avLst>
+        </a:prstGeom>
+        <a:solidFill>
+          <a:schemeClr val="lt1">
+            <a:alpha val="90000"/>
+            <a:hueOff val="0"/>
+            <a:satOff val="0"/>
+            <a:lumOff val="0"/>
+            <a:alphaOff val="0"/>
+          </a:schemeClr>
+        </a:solidFill>
+        <a:ln w="9525" cap="flat" cmpd="sng" algn="ctr">
+          <a:solidFill>
+            <a:schemeClr val="accent1">
+              <a:hueOff val="0"/>
+              <a:satOff val="0"/>
+              <a:lumOff val="0"/>
+              <a:alphaOff val="0"/>
+            </a:schemeClr>
+          </a:solidFill>
+          <a:prstDash val="solid"/>
+        </a:ln>
+        <a:effectLst/>
+      </dsp:spPr>
+      <dsp:style>
+        <a:lnRef idx="1">
+          <a:scrgbClr r="0" g="0" b="0"/>
+        </a:lnRef>
+        <a:fillRef idx="1">
+          <a:scrgbClr r="0" g="0" b="0"/>
+        </a:fillRef>
+        <a:effectRef idx="0">
+          <a:scrgbClr r="0" g="0" b="0"/>
+        </a:effectRef>
+        <a:fontRef idx="minor"/>
+      </dsp:style>
+      <dsp:txBody>
+        <a:bodyPr spcFirstLastPara="0" vert="horz" wrap="square" lIns="76200" tIns="76200" rIns="76200" bIns="76200" numCol="1" spcCol="1270" anchor="ctr" anchorCtr="0">
+          <a:noAutofit/>
+        </a:bodyPr>
+        <a:lstStyle/>
+        <a:p>
+          <a:pPr lvl="0" algn="ctr" defTabSz="889000">
+            <a:lnSpc>
+              <a:spcPct val="90000"/>
+            </a:lnSpc>
+            <a:spcBef>
+              <a:spcPct val="0"/>
+            </a:spcBef>
+            <a:spcAft>
+              <a:spcPct val="35000"/>
+            </a:spcAft>
+          </a:pPr>
+          <a:r>
+            <a:rPr lang="en-US" sz="2000" kern="1200" dirty="0" smtClean="0"/>
+            <a:t>Hash</a:t>
+          </a:r>
+          <a:endParaRPr lang="en-US" sz="2000" kern="1200" dirty="0"/>
+        </a:p>
+      </dsp:txBody>
+      <dsp:txXfrm>
+        <a:off x="6245969" y="3684504"/>
+        <a:ext cx="1197808" cy="743717"/>
+      </dsp:txXfrm>
+    </dsp:sp>
+    <dsp:sp modelId="{05D36543-49E4-934D-B25C-1B6526CA4C89}">
+      <dsp:nvSpPr>
+        <dsp:cNvPr id="0" name=""/>
+        <dsp:cNvSpPr/>
+      </dsp:nvSpPr>
+      <dsp:spPr>
+        <a:xfrm>
+          <a:off x="6844873" y="2378232"/>
+          <a:ext cx="1244084" cy="789993"/>
+        </a:xfrm>
+        <a:prstGeom prst="roundRect">
+          <a:avLst>
+            <a:gd name="adj" fmla="val 10000"/>
+          </a:avLst>
+        </a:prstGeom>
+        <a:gradFill rotWithShape="0">
+          <a:gsLst>
+            <a:gs pos="0">
+              <a:schemeClr val="accent1">
+                <a:hueOff val="0"/>
+                <a:satOff val="0"/>
+                <a:lumOff val="0"/>
+                <a:alphaOff val="0"/>
+                <a:tint val="100000"/>
+                <a:shade val="100000"/>
+                <a:satMod val="130000"/>
+              </a:schemeClr>
+            </a:gs>
+            <a:gs pos="100000">
+              <a:schemeClr val="accent1">
+                <a:hueOff val="0"/>
+                <a:satOff val="0"/>
+                <a:lumOff val="0"/>
+                <a:alphaOff val="0"/>
+                <a:tint val="50000"/>
+                <a:shade val="100000"/>
+                <a:satMod val="350000"/>
+              </a:schemeClr>
+            </a:gs>
+          </a:gsLst>
+          <a:lin ang="16200000" scaled="0"/>
+        </a:gradFill>
+        <a:ln>
+          <a:noFill/>
+        </a:ln>
+        <a:effectLst>
+          <a:outerShdw blurRad="40000" dist="23000" dir="5400000" rotWithShape="0">
+            <a:srgbClr val="000000">
+              <a:alpha val="35000"/>
+            </a:srgbClr>
+          </a:outerShdw>
+        </a:effectLst>
+      </dsp:spPr>
+      <dsp:style>
+        <a:lnRef idx="0">
+          <a:scrgbClr r="0" g="0" b="0"/>
+        </a:lnRef>
+        <a:fillRef idx="3">
+          <a:scrgbClr r="0" g="0" b="0"/>
+        </a:fillRef>
+        <a:effectRef idx="2">
+          <a:scrgbClr r="0" g="0" b="0"/>
+        </a:effectRef>
+        <a:fontRef idx="minor">
+          <a:schemeClr val="lt1"/>
+        </a:fontRef>
+      </dsp:style>
+    </dsp:sp>
+    <dsp:sp modelId="{76B33B1D-4CA5-544F-BF28-B308B507EF10}">
+      <dsp:nvSpPr>
+        <dsp:cNvPr id="0" name=""/>
+        <dsp:cNvSpPr/>
+      </dsp:nvSpPr>
+      <dsp:spPr>
+        <a:xfrm>
+          <a:off x="6983104" y="2509552"/>
+          <a:ext cx="1244084" cy="789993"/>
+        </a:xfrm>
+        <a:prstGeom prst="roundRect">
+          <a:avLst>
+            <a:gd name="adj" fmla="val 10000"/>
+          </a:avLst>
+        </a:prstGeom>
+        <a:gradFill rotWithShape="1">
+          <a:gsLst>
+            <a:gs pos="0">
+              <a:schemeClr val="accent2">
+                <a:tint val="50000"/>
+                <a:satMod val="300000"/>
+              </a:schemeClr>
+            </a:gs>
+            <a:gs pos="35000">
+              <a:schemeClr val="accent2">
+                <a:tint val="37000"/>
+                <a:satMod val="300000"/>
+              </a:schemeClr>
+            </a:gs>
+            <a:gs pos="100000">
+              <a:schemeClr val="accent2">
+                <a:tint val="15000"/>
+                <a:satMod val="350000"/>
+              </a:schemeClr>
+            </a:gs>
+          </a:gsLst>
+          <a:lin ang="16200000" scaled="1"/>
+        </a:gradFill>
+        <a:ln w="9525" cap="flat" cmpd="sng" algn="ctr">
+          <a:solidFill>
+            <a:schemeClr val="accent2">
+              <a:shade val="95000"/>
+              <a:satMod val="105000"/>
+            </a:schemeClr>
+          </a:solidFill>
+          <a:prstDash val="solid"/>
+        </a:ln>
+        <a:effectLst>
+          <a:outerShdw blurRad="40000" dist="20000" dir="5400000" rotWithShape="0">
+            <a:srgbClr val="000000">
+              <a:alpha val="38000"/>
+            </a:srgbClr>
+          </a:outerShdw>
+        </a:effectLst>
+      </dsp:spPr>
+      <dsp:style>
+        <a:lnRef idx="1">
+          <a:schemeClr val="accent2"/>
+        </a:lnRef>
+        <a:fillRef idx="2">
+          <a:schemeClr val="accent2"/>
+        </a:fillRef>
+        <a:effectRef idx="1">
+          <a:schemeClr val="accent2"/>
+        </a:effectRef>
+        <a:fontRef idx="minor">
+          <a:schemeClr val="dk1"/>
+        </a:fontRef>
+      </dsp:style>
+      <dsp:txBody>
+        <a:bodyPr spcFirstLastPara="0" vert="horz" wrap="square" lIns="76200" tIns="76200" rIns="76200" bIns="76200" numCol="1" spcCol="1270" anchor="ctr" anchorCtr="0">
+          <a:noAutofit/>
+        </a:bodyPr>
+        <a:lstStyle/>
+        <a:p>
+          <a:pPr lvl="0" algn="ctr" defTabSz="889000">
+            <a:lnSpc>
+              <a:spcPct val="90000"/>
+            </a:lnSpc>
+            <a:spcBef>
+              <a:spcPct val="0"/>
+            </a:spcBef>
+            <a:spcAft>
+              <a:spcPct val="35000"/>
+            </a:spcAft>
+          </a:pPr>
+          <a:r>
+            <a:rPr lang="en-US" sz="2000" kern="1200" dirty="0" smtClean="0"/>
+            <a:t>Function</a:t>
+          </a:r>
+          <a:endParaRPr lang="en-US" sz="2000" kern="1200" dirty="0"/>
+        </a:p>
+      </dsp:txBody>
+      <dsp:txXfrm>
+        <a:off x="7006242" y="2532690"/>
+        <a:ext cx="1197808" cy="743717"/>
+      </dsp:txXfrm>
+    </dsp:sp>
+  </dsp:spTree>
+</dsp:drawing>
+</file>
+
 <file path=ppt/diagrams/layout1.xml><?xml version="1.0" encoding="utf-8"?>
+<dgm:layoutDef xmlns:dgm="http://schemas.openxmlformats.org/drawingml/2006/diagram" xmlns:a="http://schemas.openxmlformats.org/drawingml/2006/main" uniqueId="urn:microsoft.com/office/officeart/2005/8/layout/hierarchy1">
+  <dgm:title val=""/>
+  <dgm:desc val=""/>
+  <dgm:catLst>
+    <dgm:cat type="hierarchy" pri="2000"/>
+  </dgm:catLst>
+  <dgm:sampData>
+    <dgm:dataModel>
+      <dgm:ptLst>
+        <dgm:pt modelId="0" type="doc"/>
+        <dgm:pt modelId="1">
+          <dgm:prSet phldr="1"/>
+        </dgm:pt>
+        <dgm:pt modelId="2">
+          <dgm:prSet phldr="1"/>
+        </dgm:pt>
+        <dgm:pt modelId="21">
+          <dgm:prSet phldr="1"/>
+        </dgm:pt>
+        <dgm:pt modelId="22">
+          <dgm:prSet phldr="1"/>
+        </dgm:pt>
+        <dgm:pt modelId="3">
+          <dgm:prSet phldr="1"/>
+        </dgm:pt>
+        <dgm:pt modelId="31">
+          <dgm:prSet phldr="1"/>
+        </dgm:pt>
+      </dgm:ptLst>
+      <dgm:cxnLst>
+        <dgm:cxn modelId="4" srcId="0" destId="1" srcOrd="0" destOrd="0"/>
+        <dgm:cxn modelId="5" srcId="1" destId="2" srcOrd="0" destOrd="0"/>
+        <dgm:cxn modelId="6" srcId="1" destId="3" srcOrd="1" destOrd="0"/>
+        <dgm:cxn modelId="23" srcId="2" destId="21" srcOrd="0" destOrd="0"/>
+        <dgm:cxn modelId="24" srcId="2" destId="22" srcOrd="1" destOrd="0"/>
+        <dgm:cxn modelId="33" srcId="3" destId="31" srcOrd="0" destOrd="0"/>
+      </dgm:cxnLst>
+      <dgm:bg/>
+      <dgm:whole/>
+    </dgm:dataModel>
+  </dgm:sampData>
+  <dgm:styleData>
+    <dgm:dataModel>
+      <dgm:ptLst>
+        <dgm:pt modelId="0" type="doc"/>
+        <dgm:pt modelId="1"/>
+        <dgm:pt modelId="11"/>
+        <dgm:pt modelId="12"/>
+      </dgm:ptLst>
+      <dgm:cxnLst>
+        <dgm:cxn modelId="2" srcId="0" destId="1" srcOrd="0" destOrd="0"/>
+        <dgm:cxn modelId="13" srcId="1" destId="11" srcOrd="0" destOrd="0"/>
+        <dgm:cxn modelId="14" srcId="1" destId="12" srcOrd="1" destOrd="0"/>
+      </dgm:cxnLst>
+      <dgm:bg/>
+      <dgm:whole/>
+    </dgm:dataModel>
+  </dgm:styleData>
+  <dgm:clrData>
+    <dgm:dataModel>
+      <dgm:ptLst>
+        <dgm:pt modelId="0" type="doc"/>
+        <dgm:pt modelId="1"/>
+        <dgm:pt modelId="2"/>
+        <dgm:pt modelId="21"/>
+        <dgm:pt modelId="211"/>
+        <dgm:pt modelId="3"/>
+        <dgm:pt modelId="31"/>
+        <dgm:pt modelId="311"/>
+      </dgm:ptLst>
+      <dgm:cxnLst>
+        <dgm:cxn modelId="4" srcId="0" destId="1" srcOrd="0" destOrd="0"/>
+        <dgm:cxn modelId="5" srcId="1" destId="2" srcOrd="0" destOrd="0"/>
+        <dgm:cxn modelId="6" srcId="1" destId="3" srcOrd="1" destOrd="0"/>
+        <dgm:cxn modelId="23" srcId="2" destId="21" srcOrd="0" destOrd="0"/>
+        <dgm:cxn modelId="24" srcId="21" destId="211" srcOrd="0" destOrd="0"/>
+        <dgm:cxn modelId="33" srcId="3" destId="31" srcOrd="0" destOrd="0"/>
+        <dgm:cxn modelId="34" srcId="31" destId="311" srcOrd="0" destOrd="0"/>
+      </dgm:cxnLst>
+      <dgm:bg/>
+      <dgm:whole/>
+    </dgm:dataModel>
+  </dgm:clrData>
+  <dgm:layoutNode name="hierChild1">
+    <dgm:varLst>
+      <dgm:chPref val="1"/>
+      <dgm:dir/>
+      <dgm:animOne val="branch"/>
+      <dgm:animLvl val="lvl"/>
+      <dgm:resizeHandles/>
+    </dgm:varLst>
+    <dgm:choose name="Name0">
+      <dgm:if name="Name1" func="var" arg="dir" op="equ" val="norm">
+        <dgm:alg type="hierChild">
+          <dgm:param type="linDir" val="fromL"/>
+        </dgm:alg>
+      </dgm:if>
+      <dgm:else name="Name2">
+        <dgm:alg type="hierChild">
+          <dgm:param type="linDir" val="fromR"/>
+        </dgm:alg>
+      </dgm:else>
+    </dgm:choose>
+    <dgm:shape xmlns:r="http://schemas.openxmlformats.org/officeDocument/2006/relationships" r:blip="">
+      <dgm:adjLst/>
+    </dgm:shape>
+    <dgm:presOf/>
+    <dgm:constrLst>
+      <dgm:constr type="primFontSz" for="des" ptType="node" op="equ" val="65"/>
+      <dgm:constr type="w" for="des" forName="composite" refType="w"/>
+      <dgm:constr type="h" for="des" forName="composite" refType="w" refFor="des" refForName="composite" fact="0.667"/>
+      <dgm:constr type="w" for="des" forName="composite2" refType="w" refFor="des" refForName="composite"/>
+      <dgm:constr type="h" for="des" forName="composite2" refType="h" refFor="des" refForName="composite"/>
+      <dgm:constr type="w" for="des" forName="composite3" refType="w" refFor="des" refForName="composite"/>
+      <dgm:constr type="h" for="des" forName="composite3" refType="h" refFor="des" refForName="composite"/>
+      <dgm:constr type="w" for="des" forName="composite4" refType="w" refFor="des" refForName="composite"/>
+      <dgm:constr type="h" for="des" forName="composite4" refType="h" refFor="des" refForName="composite"/>
+      <dgm:constr type="w" for="des" forName="composite5" refType="w" refFor="des" refForName="composite"/>
+      <dgm:constr type="h" for="des" forName="composite5" refType="h" refFor="des" refForName="composite"/>
+      <dgm:constr type="sibSp" refType="w" refFor="des" refForName="composite" fact="0.1"/>
+      <dgm:constr type="sibSp" for="des" forName="hierChild2" refType="sibSp"/>
+      <dgm:constr type="sibSp" for="des" forName="hierChild3" refType="sibSp"/>
+      <dgm:constr type="sibSp" for="des" forName="hierChild4" refType="sibSp"/>
+      <dgm:constr type="sibSp" for="des" forName="hierChild5" refType="sibSp"/>
+      <dgm:constr type="sibSp" for="des" forName="hierChild6" refType="sibSp"/>
+      <dgm:constr type="sp" for="des" forName="hierRoot1" refType="h" refFor="des" refForName="composite" fact="0.25"/>
+      <dgm:constr type="sp" for="des" forName="hierRoot2" refType="sp" refFor="des" refForName="hierRoot1"/>
+      <dgm:constr type="sp" for="des" forName="hierRoot3" refType="sp" refFor="des" refForName="hierRoot1"/>
+      <dgm:constr type="sp" for="des" forName="hierRoot4" refType="sp" refFor="des" refForName="hierRoot1"/>
+      <dgm:constr type="sp" for="des" forName="hierRoot5" refType="sp" refFor="des" refForName="hierRoot1"/>
+    </dgm:constrLst>
+    <dgm:ruleLst/>
+    <dgm:forEach name="Name3" axis="ch">
+      <dgm:forEach name="Name4" axis="self" ptType="node">
+        <dgm:layoutNode name="hierRoot1">
+          <dgm:alg type="hierRoot"/>
+          <dgm:shape xmlns:r="http://schemas.openxmlformats.org/officeDocument/2006/relationships" r:blip="">
+            <dgm:adjLst/>
+          </dgm:shape>
+          <dgm:presOf/>
+          <dgm:constrLst>
+            <dgm:constr type="bendDist" for="des" ptType="parTrans" refType="sp" fact="0.5"/>
+          </dgm:constrLst>
+          <dgm:ruleLst/>
+          <dgm:layoutNode name="composite">
+            <dgm:alg type="composite"/>
+            <dgm:shape xmlns:r="http://schemas.openxmlformats.org/officeDocument/2006/relationships" r:blip="">
+              <dgm:adjLst/>
+            </dgm:shape>
+            <dgm:presOf/>
+            <dgm:constrLst>
+              <dgm:constr type="w" for="ch" forName="background" refType="w" fact="0.9"/>
+              <dgm:constr type="h" for="ch" forName="background" refType="w" refFor="ch" refForName="background" fact="0.635"/>
+              <dgm:constr type="t" for="ch" forName="background"/>
+              <dgm:constr type="l" for="ch" forName="background"/>
+              <dgm:constr type="w" for="ch" forName="text" refType="w" fact="0.9"/>
+              <dgm:constr type="h" for="ch" forName="text" refType="w" refFor="ch" refForName="text" fact="0.635"/>
+              <dgm:constr type="t" for="ch" forName="text" refType="w" fact="0.095"/>
+              <dgm:constr type="l" for="ch" forName="text" refType="w" fact="0.1"/>
+            </dgm:constrLst>
+            <dgm:ruleLst/>
+            <dgm:layoutNode name="background" styleLbl="node0" moveWith="text">
+              <dgm:alg type="sp"/>
+              <dgm:shape xmlns:r="http://schemas.openxmlformats.org/officeDocument/2006/relationships" type="roundRect" r:blip="">
+                <dgm:adjLst>
+                  <dgm:adj idx="1" val="0.1"/>
+                </dgm:adjLst>
+              </dgm:shape>
+              <dgm:presOf/>
+              <dgm:constrLst/>
+              <dgm:ruleLst/>
+            </dgm:layoutNode>
+            <dgm:layoutNode name="text" styleLbl="fgAcc0">
+              <dgm:varLst>
+                <dgm:chPref val="3"/>
+              </dgm:varLst>
+              <dgm:alg type="tx"/>
+              <dgm:shape xmlns:r="http://schemas.openxmlformats.org/officeDocument/2006/relationships" type="roundRect" r:blip="">
+                <dgm:adjLst>
+                  <dgm:adj idx="1" val="0.1"/>
+                </dgm:adjLst>
+              </dgm:shape>
+              <dgm:presOf axis="self"/>
+              <dgm:constrLst>
+                <dgm:constr type="tMarg" refType="primFontSz" fact="0.3"/>
+                <dgm:constr type="bMarg" refType="primFontSz" fact="0.3"/>
+                <dgm:constr type="lMarg" refType="primFontSz" fact="0.3"/>
+                <dgm:constr type="rMarg" refType="primFontSz" fact="0.3"/>
+              </dgm:constrLst>
+              <dgm:ruleLst>
+                <dgm:rule type="primFontSz" val="5" fact="NaN" max="NaN"/>
+              </dgm:ruleLst>
+            </dgm:layoutNode>
+          </dgm:layoutNode>
+          <dgm:layoutNode name="hierChild2">
+            <dgm:choose name="Name5">
+              <dgm:if name="Name6" func="var" arg="dir" op="equ" val="norm">
+                <dgm:alg type="hierChild">
+                  <dgm:param type="linDir" val="fromL"/>
+                </dgm:alg>
+              </dgm:if>
+              <dgm:else name="Name7">
+                <dgm:alg type="hierChild">
+                  <dgm:param type="linDir" val="fromR"/>
+                </dgm:alg>
+              </dgm:else>
+            </dgm:choose>
+            <dgm:shape xmlns:r="http://schemas.openxmlformats.org/officeDocument/2006/relationships" r:blip="">
+              <dgm:adjLst/>
+            </dgm:shape>
+            <dgm:presOf/>
+            <dgm:constrLst/>
+            <dgm:ruleLst/>
+            <dgm:forEach name="Name8" axis="ch">
+              <dgm:forEach name="Name9" axis="self" ptType="parTrans" cnt="1">
+                <dgm:layoutNode name="Name10">
+                  <dgm:alg type="conn">
+                    <dgm:param type="dim" val="1D"/>
+                    <dgm:param type="endSty" val="noArr"/>
+                    <dgm:param type="connRout" val="bend"/>
+                    <dgm:param type="bendPt" val="end"/>
+                    <dgm:param type="begPts" val="bCtr"/>
+                    <dgm:param type="endPts" val="tCtr"/>
+                    <dgm:param type="srcNode" val="background"/>
+                    <dgm:param type="dstNode" val="background2"/>
+                  </dgm:alg>
+                  <dgm:shape xmlns:r="http://schemas.openxmlformats.org/officeDocument/2006/relationships" type="conn" r:blip="" zOrderOff="-999">
+                    <dgm:adjLst/>
+                  </dgm:shape>
+                  <dgm:presOf axis="self"/>
+                  <dgm:constrLst>
+                    <dgm:constr type="begPad"/>
+                    <dgm:constr type="endPad"/>
+                  </dgm:constrLst>
+                  <dgm:ruleLst/>
+                </dgm:layoutNode>
+              </dgm:forEach>
+              <dgm:forEach name="Name11" axis="self" ptType="node">
+                <dgm:layoutNode name="hierRoot2">
+                  <dgm:alg type="hierRoot"/>
+                  <dgm:shape xmlns:r="http://schemas.openxmlformats.org/officeDocument/2006/relationships" r:blip="">
+                    <dgm:adjLst/>
+                  </dgm:shape>
+                  <dgm:presOf/>
+                  <dgm:constrLst>
+                    <dgm:constr type="bendDist" for="des" ptType="parTrans" refType="sp" fact="0.5"/>
+                  </dgm:constrLst>
+                  <dgm:ruleLst/>
+                  <dgm:layoutNode name="composite2">
+                    <dgm:alg type="composite"/>
+                    <dgm:shape xmlns:r="http://schemas.openxmlformats.org/officeDocument/2006/relationships" r:blip="">
+                      <dgm:adjLst/>
+                    </dgm:shape>
+                    <dgm:presOf/>
+                    <dgm:constrLst>
+                      <dgm:constr type="w" for="ch" forName="background2" refType="w" fact="0.9"/>
+                      <dgm:constr type="h" for="ch" forName="background2" refType="w" refFor="ch" refForName="background2" fact="0.635"/>
+                      <dgm:constr type="t" for="ch" forName="background2"/>
+                      <dgm:constr type="l" for="ch" forName="background2"/>
+                      <dgm:constr type="w" for="ch" forName="text2" refType="w" fact="0.9"/>
+                      <dgm:constr type="h" for="ch" forName="text2" refType="w" refFor="ch" refForName="text2" fact="0.635"/>
+                      <dgm:constr type="t" for="ch" forName="text2" refType="w" fact="0.095"/>
+                      <dgm:constr type="l" for="ch" forName="text2" refType="w" fact="0.1"/>
+                    </dgm:constrLst>
+                    <dgm:ruleLst/>
+                    <dgm:layoutNode name="background2" moveWith="text2">
+                      <dgm:alg type="sp"/>
+                      <dgm:shape xmlns:r="http://schemas.openxmlformats.org/officeDocument/2006/relationships" type="roundRect" r:blip="">
+                        <dgm:adjLst>
+                          <dgm:adj idx="1" val="0.1"/>
+                        </dgm:adjLst>
+                      </dgm:shape>
+                      <dgm:presOf/>
+                      <dgm:constrLst/>
+                      <dgm:ruleLst/>
+                    </dgm:layoutNode>
+                    <dgm:layoutNode name="text2" styleLbl="fgAcc2">
+                      <dgm:varLst>
+                        <dgm:chPref val="3"/>
+                      </dgm:varLst>
+                      <dgm:alg type="tx"/>
+                      <dgm:shape xmlns:r="http://schemas.openxmlformats.org/officeDocument/2006/relationships" type="roundRect" r:blip="">
+                        <dgm:adjLst>
+                          <dgm:adj idx="1" val="0.1"/>
+                        </dgm:adjLst>
+                      </dgm:shape>
+                      <dgm:presOf axis="self"/>
+                      <dgm:constrLst>
+                        <dgm:constr type="tMarg" refType="primFontSz" fact="0.3"/>
+                        <dgm:constr type="bMarg" refType="primFontSz" fact="0.3"/>
+                        <dgm:constr type="lMarg" refType="primFontSz" fact="0.3"/>
+                        <dgm:constr type="rMarg" refType="primFontSz" fact="0.3"/>
+                      </dgm:constrLst>
+                      <dgm:ruleLst>
+                        <dgm:rule type="primFontSz" val="5" fact="NaN" max="NaN"/>
+                      </dgm:ruleLst>
+                    </dgm:layoutNode>
+                  </dgm:layoutNode>
+                  <dgm:layoutNode name="hierChild3">
+                    <dgm:choose name="Name12">
+                      <dgm:if name="Name13" func="var" arg="dir" op="equ" val="norm">
+                        <dgm:alg type="hierChild">
+                          <dgm:param type="linDir" val="fromL"/>
+                        </dgm:alg>
+                      </dgm:if>
+                      <dgm:else name="Name14">
+                        <dgm:alg type="hierChild">
+                          <dgm:param type="linDir" val="fromR"/>
+                        </dgm:alg>
+                      </dgm:else>
+                    </dgm:choose>
+                    <dgm:shape xmlns:r="http://schemas.openxmlformats.org/officeDocument/2006/relationships" r:blip="">
+                      <dgm:adjLst/>
+                    </dgm:shape>
+                    <dgm:presOf/>
+                    <dgm:constrLst/>
+                    <dgm:ruleLst/>
+                    <dgm:forEach name="Name15" axis="ch">
+                      <dgm:forEach name="Name16" axis="self" ptType="parTrans" cnt="1">
+                        <dgm:layoutNode name="Name17">
+                          <dgm:alg type="conn">
+                            <dgm:param type="dim" val="1D"/>
+                            <dgm:param type="endSty" val="noArr"/>
+                            <dgm:param type="connRout" val="bend"/>
+                            <dgm:param type="bendPt" val="end"/>
+                            <dgm:param type="begPts" val="bCtr"/>
+                            <dgm:param type="endPts" val="tCtr"/>
+                            <dgm:param type="srcNode" val="background2"/>
+                            <dgm:param type="dstNode" val="background3"/>
+                          </dgm:alg>
+                          <dgm:shape xmlns:r="http://schemas.openxmlformats.org/officeDocument/2006/relationships" type="conn" r:blip="" zOrderOff="-999">
+                            <dgm:adjLst/>
+                          </dgm:shape>
+                          <dgm:presOf axis="self"/>
+                          <dgm:constrLst>
+                            <dgm:constr type="begPad"/>
+                            <dgm:constr type="endPad"/>
+                          </dgm:constrLst>
+                          <dgm:ruleLst/>
+                        </dgm:layoutNode>
+                      </dgm:forEach>
+                      <dgm:forEach name="Name18" axis="self" ptType="node">
+                        <dgm:layoutNode name="hierRoot3">
+                          <dgm:alg type="hierRoot"/>
+                          <dgm:shape xmlns:r="http://schemas.openxmlformats.org/officeDocument/2006/relationships" r:blip="">
+                            <dgm:adjLst/>
+                          </dgm:shape>
+                          <dgm:presOf/>
+                          <dgm:constrLst>
+                            <dgm:constr type="bendDist" for="des" ptType="parTrans" refType="sp" fact="0.5"/>
+                          </dgm:constrLst>
+                          <dgm:ruleLst/>
+                          <dgm:layoutNode name="composite3">
+                            <dgm:alg type="composite"/>
+                            <dgm:shape xmlns:r="http://schemas.openxmlformats.org/officeDocument/2006/relationships" r:blip="">
+                              <dgm:adjLst/>
+                            </dgm:shape>
+                            <dgm:presOf/>
+                            <dgm:constrLst>
+                              <dgm:constr type="w" for="ch" forName="background3" refType="w" fact="0.9"/>
+                              <dgm:constr type="h" for="ch" forName="background3" refType="w" refFor="ch" refForName="background3" fact="0.635"/>
+                              <dgm:constr type="t" for="ch" forName="background3"/>
+                              <dgm:constr type="l" for="ch" forName="background3"/>
+                              <dgm:constr type="w" for="ch" forName="text3" refType="w" fact="0.9"/>
+                              <dgm:constr type="h" for="ch" forName="text3" refType="w" refFor="ch" refForName="text3" fact="0.635"/>
+                              <dgm:constr type="t" for="ch" forName="text3" refType="w" fact="0.095"/>
+                              <dgm:constr type="l" for="ch" forName="text3" refType="w" fact="0.1"/>
+                            </dgm:constrLst>
+                            <dgm:ruleLst/>
+                            <dgm:layoutNode name="background3" moveWith="text3">
+                              <dgm:alg type="sp"/>
+                              <dgm:shape xmlns:r="http://schemas.openxmlformats.org/officeDocument/2006/relationships" type="roundRect" r:blip="">
+                                <dgm:adjLst>
+                                  <dgm:adj idx="1" val="0.1"/>
+                                </dgm:adjLst>
+                              </dgm:shape>
+                              <dgm:presOf/>
+                              <dgm:constrLst/>
+                              <dgm:ruleLst/>
+                            </dgm:layoutNode>
+                            <dgm:layoutNode name="text3" styleLbl="fgAcc3">
+                              <dgm:varLst>
+                                <dgm:chPref val="3"/>
+                              </dgm:varLst>
+                              <dgm:alg type="tx"/>
+                              <dgm:shape xmlns:r="http://schemas.openxmlformats.org/officeDocument/2006/relationships" type="roundRect" r:blip="">
+                                <dgm:adjLst>
+                                  <dgm:adj idx="1" val="0.1"/>
+                                </dgm:adjLst>
+                              </dgm:shape>
+                              <dgm:presOf axis="self"/>
+                              <dgm:constrLst>
+                                <dgm:constr type="tMarg" refType="primFontSz" fact="0.3"/>
+                                <dgm:constr type="bMarg" refType="primFontSz" fact="0.3"/>
+                                <dgm:constr type="lMarg" refType="primFontSz" fact="0.3"/>
+                                <dgm:constr type="rMarg" refType="primFontSz" fact="0.3"/>
+                              </dgm:constrLst>
+                              <dgm:ruleLst>
+                                <dgm:rule type="primFontSz" val="5" fact="NaN" max="NaN"/>
+                              </dgm:ruleLst>
+                            </dgm:layoutNode>
+                          </dgm:layoutNode>
+                          <dgm:layoutNode name="hierChild4">
+                            <dgm:choose name="Name19">
+                              <dgm:if name="Name20" func="var" arg="dir" op="equ" val="norm">
+                                <dgm:alg type="hierChild">
+                                  <dgm:param type="linDir" val="fromL"/>
+                                </dgm:alg>
+                              </dgm:if>
+                              <dgm:else name="Name21">
+                                <dgm:alg type="hierChild">
+                                  <dgm:param type="linDir" val="fromR"/>
+                                </dgm:alg>
+                              </dgm:else>
+                            </dgm:choose>
+                            <dgm:shape xmlns:r="http://schemas.openxmlformats.org/officeDocument/2006/relationships" r:blip="">
+                              <dgm:adjLst/>
+                            </dgm:shape>
+                            <dgm:presOf/>
+                            <dgm:constrLst/>
+                            <dgm:ruleLst/>
+                            <dgm:forEach name="repeat" axis="ch">
+                              <dgm:forEach name="Name22" axis="self" ptType="parTrans" cnt="1">
+                                <dgm:layoutNode name="Name23">
+                                  <dgm:choose name="Name24">
+                                    <dgm:if name="Name25" axis="self" func="depth" op="lte" val="4">
+                                      <dgm:alg type="conn">
+                                        <dgm:param type="dim" val="1D"/>
+                                        <dgm:param type="endSty" val="noArr"/>
+                                        <dgm:param type="connRout" val="bend"/>
+                                        <dgm:param type="bendPt" val="end"/>
+                                        <dgm:param type="begPts" val="bCtr"/>
+                                        <dgm:param type="endPts" val="tCtr"/>
+                                        <dgm:param type="srcNode" val="background3"/>
+                                        <dgm:param type="dstNode" val="background4"/>
+                                      </dgm:alg>
+                                    </dgm:if>
+                                    <dgm:else name="Name26">
+                                      <dgm:alg type="conn">
+                                        <dgm:param type="dim" val="1D"/>
+                                        <dgm:param type="endSty" val="noArr"/>
+                                        <dgm:param type="connRout" val="bend"/>
+                                        <dgm:param type="bendPt" val="end"/>
+                                        <dgm:param type="begPts" val="bCtr"/>
+                                        <dgm:param type="endPts" val="tCtr"/>
+                                        <dgm:param type="srcNode" val="background4"/>
+                                        <dgm:param type="dstNode" val="background4"/>
+                                      </dgm:alg>
+                                    </dgm:else>
+                                  </dgm:choose>
+                                  <dgm:shape xmlns:r="http://schemas.openxmlformats.org/officeDocument/2006/relationships" type="conn" r:blip="" zOrderOff="-999">
+                                    <dgm:adjLst/>
+                                  </dgm:shape>
+                                  <dgm:presOf axis="self"/>
+                                  <dgm:constrLst>
+                                    <dgm:constr type="begPad"/>
+                                    <dgm:constr type="endPad"/>
+                                  </dgm:constrLst>
+                                  <dgm:ruleLst/>
+                                </dgm:layoutNode>
+                              </dgm:forEach>
+                              <dgm:forEach name="Name27" axis="self" ptType="node">
+                                <dgm:layoutNode name="hierRoot4">
+                                  <dgm:alg type="hierRoot"/>
+                                  <dgm:shape xmlns:r="http://schemas.openxmlformats.org/officeDocument/2006/relationships" r:blip="">
+                                    <dgm:adjLst/>
+                                  </dgm:shape>
+                                  <dgm:presOf/>
+                                  <dgm:constrLst>
+                                    <dgm:constr type="bendDist" for="des" ptType="parTrans" refType="sp" fact="0.5"/>
+                                  </dgm:constrLst>
+                                  <dgm:ruleLst/>
+                                  <dgm:layoutNode name="composite4">
+                                    <dgm:alg type="composite"/>
+                                    <dgm:shape xmlns:r="http://schemas.openxmlformats.org/officeDocument/2006/relationships" r:blip="">
+                                      <dgm:adjLst/>
+                                    </dgm:shape>
+                                    <dgm:presOf/>
+                                    <dgm:constrLst>
+                                      <dgm:constr type="w" for="ch" forName="background4" refType="w" fact="0.9"/>
+                                      <dgm:constr type="h" for="ch" forName="background4" refType="w" refFor="ch" refForName="background4" fact="0.635"/>
+                                      <dgm:constr type="t" for="ch" forName="background4"/>
+                                      <dgm:constr type="l" for="ch" forName="background4"/>
+                                      <dgm:constr type="w" for="ch" forName="text4" refType="w" fact="0.9"/>
+                                      <dgm:constr type="h" for="ch" forName="text4" refType="w" refFor="ch" refForName="text4" fact="0.635"/>
+                                      <dgm:constr type="t" for="ch" forName="text4" refType="w" fact="0.095"/>
+                                      <dgm:constr type="l" for="ch" forName="text4" refType="w" fact="0.1"/>
+                                    </dgm:constrLst>
+                                    <dgm:ruleLst/>
+                                    <dgm:layoutNode name="background4" moveWith="text4">
+                                      <dgm:alg type="sp"/>
+                                      <dgm:shape xmlns:r="http://schemas.openxmlformats.org/officeDocument/2006/relationships" type="roundRect" r:blip="">
+                                        <dgm:adjLst>
+                                          <dgm:adj idx="1" val="0.1"/>
+                                        </dgm:adjLst>
+                                      </dgm:shape>
+                                      <dgm:presOf/>
+                                      <dgm:constrLst/>
+                                      <dgm:ruleLst/>
+                                    </dgm:layoutNode>
+                                    <dgm:layoutNode name="text4" styleLbl="fgAcc4">
+                                      <dgm:varLst>
+                                        <dgm:chPref val="3"/>
+                                      </dgm:varLst>
+                                      <dgm:alg type="tx"/>
+                                      <dgm:shape xmlns:r="http://schemas.openxmlformats.org/officeDocument/2006/relationships" type="roundRect" r:blip="">
+                                        <dgm:adjLst>
+                                          <dgm:adj idx="1" val="0.1"/>
+                                        </dgm:adjLst>
+                                      </dgm:shape>
+                                      <dgm:presOf axis="self"/>
+                                      <dgm:constrLst>
+                                        <dgm:constr type="tMarg" refType="primFontSz" fact="0.3"/>
+                                        <dgm:constr type="bMarg" refType="primFontSz" fact="0.3"/>
+                                        <dgm:constr type="lMarg" refType="primFontSz" fact="0.3"/>
+                                        <dgm:constr type="rMarg" refType="primFontSz" fact="0.3"/>
+                                      </dgm:constrLst>
+                                      <dgm:ruleLst>
+                                        <dgm:rule type="primFontSz" val="5" fact="NaN" max="NaN"/>
+                                      </dgm:ruleLst>
+                                    </dgm:layoutNode>
+                                  </dgm:layoutNode>
+                                  <dgm:layoutNode name="hierChild5">
+                                    <dgm:choose name="Name28">
+                                      <dgm:if name="Name29" func="var" arg="dir" op="equ" val="norm">
+                                        <dgm:alg type="hierChild">
+                                          <dgm:param type="linDir" val="fromL"/>
+                                        </dgm:alg>
+                                      </dgm:if>
+                                      <dgm:else name="Name30">
+                                        <dgm:alg type="hierChild">
+                                          <dgm:param type="linDir" val="fromR"/>
+                                        </dgm:alg>
+                                      </dgm:else>
+                                    </dgm:choose>
+                                    <dgm:shape xmlns:r="http://schemas.openxmlformats.org/officeDocument/2006/relationships" r:blip="">
+                                      <dgm:adjLst/>
+                                    </dgm:shape>
+                                    <dgm:presOf/>
+                                    <dgm:constrLst/>
+                                    <dgm:ruleLst/>
+                                    <dgm:forEach name="Name31" ref="repeat"/>
+                                  </dgm:layoutNode>
+                                </dgm:layoutNode>
+                              </dgm:forEach>
+                            </dgm:forEach>
+                          </dgm:layoutNode>
+                        </dgm:layoutNode>
+                      </dgm:forEach>
+                    </dgm:forEach>
+                  </dgm:layoutNode>
+                </dgm:layoutNode>
+              </dgm:forEach>
+            </dgm:forEach>
+          </dgm:layoutNode>
+        </dgm:layoutNode>
+      </dgm:forEach>
+    </dgm:forEach>
+  </dgm:layoutNode>
+</dgm:layoutDef>
+</file>
+
+<file path=ppt/diagrams/layout2.xml><?xml version="1.0" encoding="utf-8"?>
 <dgm:layoutDef xmlns:dgm="http://schemas.openxmlformats.org/drawingml/2006/diagram" xmlns:a="http://schemas.openxmlformats.org/drawingml/2006/main" uniqueId="urn:microsoft.com/office/officeart/2005/8/layout/hierarchy1">
   <dgm:title val=""/>
   <dgm:desc val=""/>
@@ -5796,6 +10752,1040 @@
 </dgm:styleDef>
 </file>
 
+<file path=ppt/diagrams/quickStyle2.xml><?xml version="1.0" encoding="utf-8"?>
+<dgm:styleDef xmlns:dgm="http://schemas.openxmlformats.org/drawingml/2006/diagram" xmlns:a="http://schemas.openxmlformats.org/drawingml/2006/main" uniqueId="urn:microsoft.com/office/officeart/2005/8/quickstyle/simple4">
+  <dgm:title val=""/>
+  <dgm:desc val=""/>
+  <dgm:catLst>
+    <dgm:cat type="simple" pri="10400"/>
+  </dgm:catLst>
+  <dgm:scene3d>
+    <a:camera prst="orthographicFront"/>
+    <a:lightRig rig="threePt" dir="t"/>
+  </dgm:scene3d>
+  <dgm:styleLbl name="node0">
+    <dgm:scene3d>
+      <a:camera prst="orthographicFront"/>
+      <a:lightRig rig="threePt" dir="t"/>
+    </dgm:scene3d>
+    <dgm:sp3d/>
+    <dgm:txPr/>
+    <dgm:style>
+      <a:lnRef idx="0">
+        <a:scrgbClr r="0" g="0" b="0"/>
+      </a:lnRef>
+      <a:fillRef idx="3">
+        <a:scrgbClr r="0" g="0" b="0"/>
+      </a:fillRef>
+      <a:effectRef idx="2">
+        <a:scrgbClr r="0" g="0" b="0"/>
+      </a:effectRef>
+      <a:fontRef idx="minor">
+        <a:schemeClr val="lt1"/>
+      </a:fontRef>
+    </dgm:style>
+  </dgm:styleLbl>
+  <dgm:styleLbl name="lnNode1">
+    <dgm:scene3d>
+      <a:camera prst="orthographicFront"/>
+      <a:lightRig rig="threePt" dir="t"/>
+    </dgm:scene3d>
+    <dgm:sp3d/>
+    <dgm:txPr/>
+    <dgm:style>
+      <a:lnRef idx="1">
+        <a:scrgbClr r="0" g="0" b="0"/>
+      </a:lnRef>
+      <a:fillRef idx="3">
+        <a:scrgbClr r="0" g="0" b="0"/>
+      </a:fillRef>
+      <a:effectRef idx="2">
+        <a:scrgbClr r="0" g="0" b="0"/>
+      </a:effectRef>
+      <a:fontRef idx="minor">
+        <a:schemeClr val="lt1"/>
+      </a:fontRef>
+    </dgm:style>
+  </dgm:styleLbl>
+  <dgm:styleLbl name="vennNode1">
+    <dgm:scene3d>
+      <a:camera prst="orthographicFront"/>
+      <a:lightRig rig="threePt" dir="t"/>
+    </dgm:scene3d>
+    <dgm:sp3d/>
+    <dgm:txPr/>
+    <dgm:style>
+      <a:lnRef idx="0">
+        <a:scrgbClr r="0" g="0" b="0"/>
+      </a:lnRef>
+      <a:fillRef idx="3">
+        <a:scrgbClr r="0" g="0" b="0"/>
+      </a:fillRef>
+      <a:effectRef idx="0">
+        <a:scrgbClr r="0" g="0" b="0"/>
+      </a:effectRef>
+      <a:fontRef idx="minor">
+        <a:schemeClr val="tx1"/>
+      </a:fontRef>
+    </dgm:style>
+  </dgm:styleLbl>
+  <dgm:styleLbl name="alignNode1">
+    <dgm:scene3d>
+      <a:camera prst="orthographicFront"/>
+      <a:lightRig rig="threePt" dir="t"/>
+    </dgm:scene3d>
+    <dgm:sp3d/>
+    <dgm:txPr/>
+    <dgm:style>
+      <a:lnRef idx="1">
+        <a:scrgbClr r="0" g="0" b="0"/>
+      </a:lnRef>
+      <a:fillRef idx="3">
+        <a:scrgbClr r="0" g="0" b="0"/>
+      </a:fillRef>
+      <a:effectRef idx="2">
+        <a:scrgbClr r="0" g="0" b="0"/>
+      </a:effectRef>
+      <a:fontRef idx="minor">
+        <a:schemeClr val="lt1"/>
+      </a:fontRef>
+    </dgm:style>
+  </dgm:styleLbl>
+  <dgm:styleLbl name="node1">
+    <dgm:scene3d>
+      <a:camera prst="orthographicFront"/>
+      <a:lightRig rig="threePt" dir="t"/>
+    </dgm:scene3d>
+    <dgm:sp3d/>
+    <dgm:txPr/>
+    <dgm:style>
+      <a:lnRef idx="0">
+        <a:scrgbClr r="0" g="0" b="0"/>
+      </a:lnRef>
+      <a:fillRef idx="3">
+        <a:scrgbClr r="0" g="0" b="0"/>
+      </a:fillRef>
+      <a:effectRef idx="2">
+        <a:scrgbClr r="0" g="0" b="0"/>
+      </a:effectRef>
+      <a:fontRef idx="minor">
+        <a:schemeClr val="lt1"/>
+      </a:fontRef>
+    </dgm:style>
+  </dgm:styleLbl>
+  <dgm:styleLbl name="node2">
+    <dgm:scene3d>
+      <a:camera prst="orthographicFront"/>
+      <a:lightRig rig="threePt" dir="t"/>
+    </dgm:scene3d>
+    <dgm:sp3d/>
+    <dgm:txPr/>
+    <dgm:style>
+      <a:lnRef idx="0">
+        <a:scrgbClr r="0" g="0" b="0"/>
+      </a:lnRef>
+      <a:fillRef idx="3">
+        <a:scrgbClr r="0" g="0" b="0"/>
+      </a:fillRef>
+      <a:effectRef idx="2">
+        <a:scrgbClr r="0" g="0" b="0"/>
+      </a:effectRef>
+      <a:fontRef idx="minor">
+        <a:schemeClr val="lt1"/>
+      </a:fontRef>
+    </dgm:style>
+  </dgm:styleLbl>
+  <dgm:styleLbl name="node3">
+    <dgm:scene3d>
+      <a:camera prst="orthographicFront"/>
+      <a:lightRig rig="threePt" dir="t"/>
+    </dgm:scene3d>
+    <dgm:sp3d/>
+    <dgm:txPr/>
+    <dgm:style>
+      <a:lnRef idx="0">
+        <a:scrgbClr r="0" g="0" b="0"/>
+      </a:lnRef>
+      <a:fillRef idx="3">
+        <a:scrgbClr r="0" g="0" b="0"/>
+      </a:fillRef>
+      <a:effectRef idx="2">
+        <a:scrgbClr r="0" g="0" b="0"/>
+      </a:effectRef>
+      <a:fontRef idx="minor">
+        <a:schemeClr val="lt1"/>
+      </a:fontRef>
+    </dgm:style>
+  </dgm:styleLbl>
+  <dgm:styleLbl name="node4">
+    <dgm:scene3d>
+      <a:camera prst="orthographicFront"/>
+      <a:lightRig rig="threePt" dir="t"/>
+    </dgm:scene3d>
+    <dgm:sp3d/>
+    <dgm:txPr/>
+    <dgm:style>
+      <a:lnRef idx="0">
+        <a:scrgbClr r="0" g="0" b="0"/>
+      </a:lnRef>
+      <a:fillRef idx="3">
+        <a:scrgbClr r="0" g="0" b="0"/>
+      </a:fillRef>
+      <a:effectRef idx="2">
+        <a:scrgbClr r="0" g="0" b="0"/>
+      </a:effectRef>
+      <a:fontRef idx="minor">
+        <a:schemeClr val="lt1"/>
+      </a:fontRef>
+    </dgm:style>
+  </dgm:styleLbl>
+  <dgm:styleLbl name="fgImgPlace1">
+    <dgm:scene3d>
+      <a:camera prst="orthographicFront"/>
+      <a:lightRig rig="threePt" dir="t"/>
+    </dgm:scene3d>
+    <dgm:sp3d/>
+    <dgm:txPr/>
+    <dgm:style>
+      <a:lnRef idx="0">
+        <a:scrgbClr r="0" g="0" b="0"/>
+      </a:lnRef>
+      <a:fillRef idx="1">
+        <a:scrgbClr r="0" g="0" b="0"/>
+      </a:fillRef>
+      <a:effectRef idx="2">
+        <a:scrgbClr r="0" g="0" b="0"/>
+      </a:effectRef>
+      <a:fontRef idx="minor"/>
+    </dgm:style>
+  </dgm:styleLbl>
+  <dgm:styleLbl name="alignImgPlace1">
+    <dgm:scene3d>
+      <a:camera prst="orthographicFront"/>
+      <a:lightRig rig="threePt" dir="t"/>
+    </dgm:scene3d>
+    <dgm:sp3d/>
+    <dgm:txPr/>
+    <dgm:style>
+      <a:lnRef idx="0">
+        <a:scrgbClr r="0" g="0" b="0"/>
+      </a:lnRef>
+      <a:fillRef idx="1">
+        <a:scrgbClr r="0" g="0" b="0"/>
+      </a:fillRef>
+      <a:effectRef idx="2">
+        <a:scrgbClr r="0" g="0" b="0"/>
+      </a:effectRef>
+      <a:fontRef idx="minor"/>
+    </dgm:style>
+  </dgm:styleLbl>
+  <dgm:styleLbl name="bgImgPlace1">
+    <dgm:scene3d>
+      <a:camera prst="orthographicFront"/>
+      <a:lightRig rig="threePt" dir="t"/>
+    </dgm:scene3d>
+    <dgm:sp3d/>
+    <dgm:txPr/>
+    <dgm:style>
+      <a:lnRef idx="0">
+        <a:scrgbClr r="0" g="0" b="0"/>
+      </a:lnRef>
+      <a:fillRef idx="1">
+        <a:scrgbClr r="0" g="0" b="0"/>
+      </a:fillRef>
+      <a:effectRef idx="2">
+        <a:scrgbClr r="0" g="0" b="0"/>
+      </a:effectRef>
+      <a:fontRef idx="minor"/>
+    </dgm:style>
+  </dgm:styleLbl>
+  <dgm:styleLbl name="sibTrans2D1">
+    <dgm:scene3d>
+      <a:camera prst="orthographicFront"/>
+      <a:lightRig rig="threePt" dir="t"/>
+    </dgm:scene3d>
+    <dgm:sp3d/>
+    <dgm:txPr/>
+    <dgm:style>
+      <a:lnRef idx="0">
+        <a:scrgbClr r="0" g="0" b="0"/>
+      </a:lnRef>
+      <a:fillRef idx="3">
+        <a:scrgbClr r="0" g="0" b="0"/>
+      </a:fillRef>
+      <a:effectRef idx="2">
+        <a:scrgbClr r="0" g="0" b="0"/>
+      </a:effectRef>
+      <a:fontRef idx="minor">
+        <a:schemeClr val="lt1"/>
+      </a:fontRef>
+    </dgm:style>
+  </dgm:styleLbl>
+  <dgm:styleLbl name="fgSibTrans2D1">
+    <dgm:scene3d>
+      <a:camera prst="orthographicFront"/>
+      <a:lightRig rig="threePt" dir="t"/>
+    </dgm:scene3d>
+    <dgm:sp3d/>
+    <dgm:txPr/>
+    <dgm:style>
+      <a:lnRef idx="0">
+        <a:scrgbClr r="0" g="0" b="0"/>
+      </a:lnRef>
+      <a:fillRef idx="3">
+        <a:scrgbClr r="0" g="0" b="0"/>
+      </a:fillRef>
+      <a:effectRef idx="2">
+        <a:scrgbClr r="0" g="0" b="0"/>
+      </a:effectRef>
+      <a:fontRef idx="minor">
+        <a:schemeClr val="lt1"/>
+      </a:fontRef>
+    </dgm:style>
+  </dgm:styleLbl>
+  <dgm:styleLbl name="bgSibTrans2D1">
+    <dgm:scene3d>
+      <a:camera prst="orthographicFront"/>
+      <a:lightRig rig="threePt" dir="t"/>
+    </dgm:scene3d>
+    <dgm:sp3d/>
+    <dgm:txPr/>
+    <dgm:style>
+      <a:lnRef idx="0">
+        <a:scrgbClr r="0" g="0" b="0"/>
+      </a:lnRef>
+      <a:fillRef idx="3">
+        <a:scrgbClr r="0" g="0" b="0"/>
+      </a:fillRef>
+      <a:effectRef idx="2">
+        <a:scrgbClr r="0" g="0" b="0"/>
+      </a:effectRef>
+      <a:fontRef idx="minor">
+        <a:schemeClr val="lt1"/>
+      </a:fontRef>
+    </dgm:style>
+  </dgm:styleLbl>
+  <dgm:styleLbl name="sibTrans1D1">
+    <dgm:scene3d>
+      <a:camera prst="orthographicFront"/>
+      <a:lightRig rig="threePt" dir="t"/>
+    </dgm:scene3d>
+    <dgm:sp3d/>
+    <dgm:txPr/>
+    <dgm:style>
+      <a:lnRef idx="1">
+        <a:scrgbClr r="0" g="0" b="0"/>
+      </a:lnRef>
+      <a:fillRef idx="0">
+        <a:scrgbClr r="0" g="0" b="0"/>
+      </a:fillRef>
+      <a:effectRef idx="0">
+        <a:scrgbClr r="0" g="0" b="0"/>
+      </a:effectRef>
+      <a:fontRef idx="minor"/>
+    </dgm:style>
+  </dgm:styleLbl>
+  <dgm:styleLbl name="callout">
+    <dgm:scene3d>
+      <a:camera prst="orthographicFront"/>
+      <a:lightRig rig="threePt" dir="t"/>
+    </dgm:scene3d>
+    <dgm:sp3d/>
+    <dgm:txPr/>
+    <dgm:style>
+      <a:lnRef idx="2">
+        <a:scrgbClr r="0" g="0" b="0"/>
+      </a:lnRef>
+      <a:fillRef idx="1">
+        <a:scrgbClr r="0" g="0" b="0"/>
+      </a:fillRef>
+      <a:effectRef idx="1">
+        <a:scrgbClr r="0" g="0" b="0"/>
+      </a:effectRef>
+      <a:fontRef idx="minor"/>
+    </dgm:style>
+  </dgm:styleLbl>
+  <dgm:styleLbl name="asst0">
+    <dgm:scene3d>
+      <a:camera prst="orthographicFront"/>
+      <a:lightRig rig="threePt" dir="t"/>
+    </dgm:scene3d>
+    <dgm:sp3d/>
+    <dgm:txPr/>
+    <dgm:style>
+      <a:lnRef idx="0">
+        <a:scrgbClr r="0" g="0" b="0"/>
+      </a:lnRef>
+      <a:fillRef idx="3">
+        <a:scrgbClr r="0" g="0" b="0"/>
+      </a:fillRef>
+      <a:effectRef idx="2">
+        <a:scrgbClr r="0" g="0" b="0"/>
+      </a:effectRef>
+      <a:fontRef idx="minor">
+        <a:schemeClr val="lt1"/>
+      </a:fontRef>
+    </dgm:style>
+  </dgm:styleLbl>
+  <dgm:styleLbl name="asst1">
+    <dgm:scene3d>
+      <a:camera prst="orthographicFront"/>
+      <a:lightRig rig="threePt" dir="t"/>
+    </dgm:scene3d>
+    <dgm:sp3d/>
+    <dgm:txPr/>
+    <dgm:style>
+      <a:lnRef idx="0">
+        <a:scrgbClr r="0" g="0" b="0"/>
+      </a:lnRef>
+      <a:fillRef idx="3">
+        <a:scrgbClr r="0" g="0" b="0"/>
+      </a:fillRef>
+      <a:effectRef idx="2">
+        <a:scrgbClr r="0" g="0" b="0"/>
+      </a:effectRef>
+      <a:fontRef idx="minor">
+        <a:schemeClr val="lt1"/>
+      </a:fontRef>
+    </dgm:style>
+  </dgm:styleLbl>
+  <dgm:styleLbl name="asst2">
+    <dgm:scene3d>
+      <a:camera prst="orthographicFront"/>
+      <a:lightRig rig="threePt" dir="t"/>
+    </dgm:scene3d>
+    <dgm:sp3d/>
+    <dgm:txPr/>
+    <dgm:style>
+      <a:lnRef idx="0">
+        <a:scrgbClr r="0" g="0" b="0"/>
+      </a:lnRef>
+      <a:fillRef idx="3">
+        <a:scrgbClr r="0" g="0" b="0"/>
+      </a:fillRef>
+      <a:effectRef idx="2">
+        <a:scrgbClr r="0" g="0" b="0"/>
+      </a:effectRef>
+      <a:fontRef idx="minor">
+        <a:schemeClr val="lt1"/>
+      </a:fontRef>
+    </dgm:style>
+  </dgm:styleLbl>
+  <dgm:styleLbl name="asst3">
+    <dgm:scene3d>
+      <a:camera prst="orthographicFront"/>
+      <a:lightRig rig="threePt" dir="t"/>
+    </dgm:scene3d>
+    <dgm:sp3d/>
+    <dgm:txPr/>
+    <dgm:style>
+      <a:lnRef idx="0">
+        <a:scrgbClr r="0" g="0" b="0"/>
+      </a:lnRef>
+      <a:fillRef idx="3">
+        <a:scrgbClr r="0" g="0" b="0"/>
+      </a:fillRef>
+      <a:effectRef idx="2">
+        <a:scrgbClr r="0" g="0" b="0"/>
+      </a:effectRef>
+      <a:fontRef idx="minor">
+        <a:schemeClr val="lt1"/>
+      </a:fontRef>
+    </dgm:style>
+  </dgm:styleLbl>
+  <dgm:styleLbl name="asst4">
+    <dgm:scene3d>
+      <a:camera prst="orthographicFront"/>
+      <a:lightRig rig="threePt" dir="t"/>
+    </dgm:scene3d>
+    <dgm:sp3d/>
+    <dgm:txPr/>
+    <dgm:style>
+      <a:lnRef idx="0">
+        <a:scrgbClr r="0" g="0" b="0"/>
+      </a:lnRef>
+      <a:fillRef idx="3">
+        <a:scrgbClr r="0" g="0" b="0"/>
+      </a:fillRef>
+      <a:effectRef idx="2">
+        <a:scrgbClr r="0" g="0" b="0"/>
+      </a:effectRef>
+      <a:fontRef idx="minor">
+        <a:schemeClr val="lt1"/>
+      </a:fontRef>
+    </dgm:style>
+  </dgm:styleLbl>
+  <dgm:styleLbl name="parChTrans2D1">
+    <dgm:scene3d>
+      <a:camera prst="orthographicFront"/>
+      <a:lightRig rig="threePt" dir="t"/>
+    </dgm:scene3d>
+    <dgm:sp3d/>
+    <dgm:txPr/>
+    <dgm:style>
+      <a:lnRef idx="0">
+        <a:scrgbClr r="0" g="0" b="0"/>
+      </a:lnRef>
+      <a:fillRef idx="3">
+        <a:scrgbClr r="0" g="0" b="0"/>
+      </a:fillRef>
+      <a:effectRef idx="2">
+        <a:scrgbClr r="0" g="0" b="0"/>
+      </a:effectRef>
+      <a:fontRef idx="minor">
+        <a:schemeClr val="lt1"/>
+      </a:fontRef>
+    </dgm:style>
+  </dgm:styleLbl>
+  <dgm:styleLbl name="parChTrans2D2">
+    <dgm:scene3d>
+      <a:camera prst="orthographicFront"/>
+      <a:lightRig rig="threePt" dir="t"/>
+    </dgm:scene3d>
+    <dgm:sp3d/>
+    <dgm:txPr/>
+    <dgm:style>
+      <a:lnRef idx="0">
+        <a:scrgbClr r="0" g="0" b="0"/>
+      </a:lnRef>
+      <a:fillRef idx="3">
+        <a:scrgbClr r="0" g="0" b="0"/>
+      </a:fillRef>
+      <a:effectRef idx="2">
+        <a:scrgbClr r="0" g="0" b="0"/>
+      </a:effectRef>
+      <a:fontRef idx="minor">
+        <a:schemeClr val="lt1"/>
+      </a:fontRef>
+    </dgm:style>
+  </dgm:styleLbl>
+  <dgm:styleLbl name="parChTrans2D3">
+    <dgm:scene3d>
+      <a:camera prst="orthographicFront"/>
+      <a:lightRig rig="threePt" dir="t"/>
+    </dgm:scene3d>
+    <dgm:sp3d/>
+    <dgm:txPr/>
+    <dgm:style>
+      <a:lnRef idx="1">
+        <a:scrgbClr r="0" g="0" b="0"/>
+      </a:lnRef>
+      <a:fillRef idx="3">
+        <a:scrgbClr r="0" g="0" b="0"/>
+      </a:fillRef>
+      <a:effectRef idx="2">
+        <a:scrgbClr r="0" g="0" b="0"/>
+      </a:effectRef>
+      <a:fontRef idx="minor">
+        <a:schemeClr val="lt1"/>
+      </a:fontRef>
+    </dgm:style>
+  </dgm:styleLbl>
+  <dgm:styleLbl name="parChTrans2D4">
+    <dgm:scene3d>
+      <a:camera prst="orthographicFront"/>
+      <a:lightRig rig="threePt" dir="t"/>
+    </dgm:scene3d>
+    <dgm:sp3d/>
+    <dgm:txPr/>
+    <dgm:style>
+      <a:lnRef idx="1">
+        <a:scrgbClr r="0" g="0" b="0"/>
+      </a:lnRef>
+      <a:fillRef idx="3">
+        <a:scrgbClr r="0" g="0" b="0"/>
+      </a:fillRef>
+      <a:effectRef idx="2">
+        <a:scrgbClr r="0" g="0" b="0"/>
+      </a:effectRef>
+      <a:fontRef idx="minor">
+        <a:schemeClr val="lt1"/>
+      </a:fontRef>
+    </dgm:style>
+  </dgm:styleLbl>
+  <dgm:styleLbl name="parChTrans1D1">
+    <dgm:scene3d>
+      <a:camera prst="orthographicFront"/>
+      <a:lightRig rig="threePt" dir="t"/>
+    </dgm:scene3d>
+    <dgm:sp3d/>
+    <dgm:txPr/>
+    <dgm:style>
+      <a:lnRef idx="1">
+        <a:scrgbClr r="0" g="0" b="0"/>
+      </a:lnRef>
+      <a:fillRef idx="0">
+        <a:scrgbClr r="0" g="0" b="0"/>
+      </a:fillRef>
+      <a:effectRef idx="0">
+        <a:scrgbClr r="0" g="0" b="0"/>
+      </a:effectRef>
+      <a:fontRef idx="minor"/>
+    </dgm:style>
+  </dgm:styleLbl>
+  <dgm:styleLbl name="parChTrans1D2">
+    <dgm:scene3d>
+      <a:camera prst="orthographicFront"/>
+      <a:lightRig rig="threePt" dir="t"/>
+    </dgm:scene3d>
+    <dgm:sp3d/>
+    <dgm:txPr/>
+    <dgm:style>
+      <a:lnRef idx="1">
+        <a:scrgbClr r="0" g="0" b="0"/>
+      </a:lnRef>
+      <a:fillRef idx="0">
+        <a:scrgbClr r="0" g="0" b="0"/>
+      </a:fillRef>
+      <a:effectRef idx="0">
+        <a:scrgbClr r="0" g="0" b="0"/>
+      </a:effectRef>
+      <a:fontRef idx="minor"/>
+    </dgm:style>
+  </dgm:styleLbl>
+  <dgm:styleLbl name="parChTrans1D3">
+    <dgm:scene3d>
+      <a:camera prst="orthographicFront"/>
+      <a:lightRig rig="threePt" dir="t"/>
+    </dgm:scene3d>
+    <dgm:sp3d/>
+    <dgm:txPr/>
+    <dgm:style>
+      <a:lnRef idx="1">
+        <a:scrgbClr r="0" g="0" b="0"/>
+      </a:lnRef>
+      <a:fillRef idx="0">
+        <a:scrgbClr r="0" g="0" b="0"/>
+      </a:fillRef>
+      <a:effectRef idx="0">
+        <a:scrgbClr r="0" g="0" b="0"/>
+      </a:effectRef>
+      <a:fontRef idx="minor"/>
+    </dgm:style>
+  </dgm:styleLbl>
+  <dgm:styleLbl name="parChTrans1D4">
+    <dgm:scene3d>
+      <a:camera prst="orthographicFront"/>
+      <a:lightRig rig="threePt" dir="t"/>
+    </dgm:scene3d>
+    <dgm:sp3d/>
+    <dgm:txPr/>
+    <dgm:style>
+      <a:lnRef idx="1">
+        <a:scrgbClr r="0" g="0" b="0"/>
+      </a:lnRef>
+      <a:fillRef idx="0">
+        <a:scrgbClr r="0" g="0" b="0"/>
+      </a:fillRef>
+      <a:effectRef idx="0">
+        <a:scrgbClr r="0" g="0" b="0"/>
+      </a:effectRef>
+      <a:fontRef idx="minor"/>
+    </dgm:style>
+  </dgm:styleLbl>
+  <dgm:styleLbl name="fgAcc1">
+    <dgm:scene3d>
+      <a:camera prst="orthographicFront"/>
+      <a:lightRig rig="threePt" dir="t"/>
+    </dgm:scene3d>
+    <dgm:sp3d/>
+    <dgm:txPr/>
+    <dgm:style>
+      <a:lnRef idx="1">
+        <a:scrgbClr r="0" g="0" b="0"/>
+      </a:lnRef>
+      <a:fillRef idx="1">
+        <a:scrgbClr r="0" g="0" b="0"/>
+      </a:fillRef>
+      <a:effectRef idx="0">
+        <a:scrgbClr r="0" g="0" b="0"/>
+      </a:effectRef>
+      <a:fontRef idx="minor"/>
+    </dgm:style>
+  </dgm:styleLbl>
+  <dgm:styleLbl name="conFgAcc1">
+    <dgm:scene3d>
+      <a:camera prst="orthographicFront"/>
+      <a:lightRig rig="threePt" dir="t"/>
+    </dgm:scene3d>
+    <dgm:sp3d/>
+    <dgm:txPr/>
+    <dgm:style>
+      <a:lnRef idx="1">
+        <a:scrgbClr r="0" g="0" b="0"/>
+      </a:lnRef>
+      <a:fillRef idx="1">
+        <a:scrgbClr r="0" g="0" b="0"/>
+      </a:fillRef>
+      <a:effectRef idx="0">
+        <a:scrgbClr r="0" g="0" b="0"/>
+      </a:effectRef>
+      <a:fontRef idx="minor"/>
+    </dgm:style>
+  </dgm:styleLbl>
+  <dgm:styleLbl name="alignAcc1">
+    <dgm:scene3d>
+      <a:camera prst="orthographicFront"/>
+      <a:lightRig rig="threePt" dir="t"/>
+    </dgm:scene3d>
+    <dgm:sp3d/>
+    <dgm:txPr/>
+    <dgm:style>
+      <a:lnRef idx="1">
+        <a:scrgbClr r="0" g="0" b="0"/>
+      </a:lnRef>
+      <a:fillRef idx="1">
+        <a:scrgbClr r="0" g="0" b="0"/>
+      </a:fillRef>
+      <a:effectRef idx="0">
+        <a:scrgbClr r="0" g="0" b="0"/>
+      </a:effectRef>
+      <a:fontRef idx="minor"/>
+    </dgm:style>
+  </dgm:styleLbl>
+  <dgm:styleLbl name="trAlignAcc1">
+    <dgm:scene3d>
+      <a:camera prst="orthographicFront"/>
+      <a:lightRig rig="threePt" dir="t"/>
+    </dgm:scene3d>
+    <dgm:sp3d/>
+    <dgm:txPr/>
+    <dgm:style>
+      <a:lnRef idx="1">
+        <a:scrgbClr r="0" g="0" b="0"/>
+      </a:lnRef>
+      <a:fillRef idx="1">
+        <a:scrgbClr r="0" g="0" b="0"/>
+      </a:fillRef>
+      <a:effectRef idx="0">
+        <a:scrgbClr r="0" g="0" b="0"/>
+      </a:effectRef>
+      <a:fontRef idx="minor"/>
+    </dgm:style>
+  </dgm:styleLbl>
+  <dgm:styleLbl name="bgAcc1">
+    <dgm:scene3d>
+      <a:camera prst="orthographicFront"/>
+      <a:lightRig rig="threePt" dir="t"/>
+    </dgm:scene3d>
+    <dgm:sp3d/>
+    <dgm:txPr/>
+    <dgm:style>
+      <a:lnRef idx="1">
+        <a:scrgbClr r="0" g="0" b="0"/>
+      </a:lnRef>
+      <a:fillRef idx="1">
+        <a:scrgbClr r="0" g="0" b="0"/>
+      </a:fillRef>
+      <a:effectRef idx="0">
+        <a:scrgbClr r="0" g="0" b="0"/>
+      </a:effectRef>
+      <a:fontRef idx="minor"/>
+    </dgm:style>
+  </dgm:styleLbl>
+  <dgm:styleLbl name="solidFgAcc1">
+    <dgm:scene3d>
+      <a:camera prst="orthographicFront"/>
+      <a:lightRig rig="threePt" dir="t"/>
+    </dgm:scene3d>
+    <dgm:sp3d/>
+    <dgm:txPr/>
+    <dgm:style>
+      <a:lnRef idx="1">
+        <a:scrgbClr r="0" g="0" b="0"/>
+      </a:lnRef>
+      <a:fillRef idx="1">
+        <a:scrgbClr r="0" g="0" b="0"/>
+      </a:fillRef>
+      <a:effectRef idx="0">
+        <a:scrgbClr r="0" g="0" b="0"/>
+      </a:effectRef>
+      <a:fontRef idx="minor"/>
+    </dgm:style>
+  </dgm:styleLbl>
+  <dgm:styleLbl name="solidAlignAcc1">
+    <dgm:scene3d>
+      <a:camera prst="orthographicFront"/>
+      <a:lightRig rig="threePt" dir="t"/>
+    </dgm:scene3d>
+    <dgm:sp3d/>
+    <dgm:txPr/>
+    <dgm:style>
+      <a:lnRef idx="1">
+        <a:scrgbClr r="0" g="0" b="0"/>
+      </a:lnRef>
+      <a:fillRef idx="1">
+        <a:scrgbClr r="0" g="0" b="0"/>
+      </a:fillRef>
+      <a:effectRef idx="0">
+        <a:scrgbClr r="0" g="0" b="0"/>
+      </a:effectRef>
+      <a:fontRef idx="minor"/>
+    </dgm:style>
+  </dgm:styleLbl>
+  <dgm:styleLbl name="solidBgAcc1">
+    <dgm:scene3d>
+      <a:camera prst="orthographicFront"/>
+      <a:lightRig rig="threePt" dir="t"/>
+    </dgm:scene3d>
+    <dgm:sp3d/>
+    <dgm:txPr/>
+    <dgm:style>
+      <a:lnRef idx="1">
+        <a:scrgbClr r="0" g="0" b="0"/>
+      </a:lnRef>
+      <a:fillRef idx="1">
+        <a:scrgbClr r="0" g="0" b="0"/>
+      </a:fillRef>
+      <a:effectRef idx="0">
+        <a:scrgbClr r="0" g="0" b="0"/>
+      </a:effectRef>
+      <a:fontRef idx="minor"/>
+    </dgm:style>
+  </dgm:styleLbl>
+  <dgm:styleLbl name="fgAccFollowNode1">
+    <dgm:scene3d>
+      <a:camera prst="orthographicFront"/>
+      <a:lightRig rig="threePt" dir="t"/>
+    </dgm:scene3d>
+    <dgm:sp3d/>
+    <dgm:txPr/>
+    <dgm:style>
+      <a:lnRef idx="1">
+        <a:scrgbClr r="0" g="0" b="0"/>
+      </a:lnRef>
+      <a:fillRef idx="1">
+        <a:scrgbClr r="0" g="0" b="0"/>
+      </a:fillRef>
+      <a:effectRef idx="0">
+        <a:scrgbClr r="0" g="0" b="0"/>
+      </a:effectRef>
+      <a:fontRef idx="minor"/>
+    </dgm:style>
+  </dgm:styleLbl>
+  <dgm:styleLbl name="alignAccFollowNode1">
+    <dgm:scene3d>
+      <a:camera prst="orthographicFront"/>
+      <a:lightRig rig="threePt" dir="t"/>
+    </dgm:scene3d>
+    <dgm:sp3d/>
+    <dgm:txPr/>
+    <dgm:style>
+      <a:lnRef idx="1">
+        <a:scrgbClr r="0" g="0" b="0"/>
+      </a:lnRef>
+      <a:fillRef idx="1">
+        <a:scrgbClr r="0" g="0" b="0"/>
+      </a:fillRef>
+      <a:effectRef idx="0">
+        <a:scrgbClr r="0" g="0" b="0"/>
+      </a:effectRef>
+      <a:fontRef idx="minor"/>
+    </dgm:style>
+  </dgm:styleLbl>
+  <dgm:styleLbl name="bgAccFollowNode1">
+    <dgm:scene3d>
+      <a:camera prst="orthographicFront"/>
+      <a:lightRig rig="threePt" dir="t"/>
+    </dgm:scene3d>
+    <dgm:sp3d/>
+    <dgm:txPr/>
+    <dgm:style>
+      <a:lnRef idx="1">
+        <a:scrgbClr r="0" g="0" b="0"/>
+      </a:lnRef>
+      <a:fillRef idx="1">
+        <a:scrgbClr r="0" g="0" b="0"/>
+      </a:fillRef>
+      <a:effectRef idx="0">
+        <a:scrgbClr r="0" g="0" b="0"/>
+      </a:effectRef>
+      <a:fontRef idx="minor"/>
+    </dgm:style>
+  </dgm:styleLbl>
+  <dgm:styleLbl name="fgAcc0">
+    <dgm:scene3d>
+      <a:camera prst="orthographicFront"/>
+      <a:lightRig rig="threePt" dir="t"/>
+    </dgm:scene3d>
+    <dgm:sp3d/>
+    <dgm:txPr/>
+    <dgm:style>
+      <a:lnRef idx="1">
+        <a:scrgbClr r="0" g="0" b="0"/>
+      </a:lnRef>
+      <a:fillRef idx="1">
+        <a:scrgbClr r="0" g="0" b="0"/>
+      </a:fillRef>
+      <a:effectRef idx="0">
+        <a:scrgbClr r="0" g="0" b="0"/>
+      </a:effectRef>
+      <a:fontRef idx="minor"/>
+    </dgm:style>
+  </dgm:styleLbl>
+  <dgm:styleLbl name="fgAcc2">
+    <dgm:scene3d>
+      <a:camera prst="orthographicFront"/>
+      <a:lightRig rig="threePt" dir="t"/>
+    </dgm:scene3d>
+    <dgm:sp3d/>
+    <dgm:txPr/>
+    <dgm:style>
+      <a:lnRef idx="1">
+        <a:scrgbClr r="0" g="0" b="0"/>
+      </a:lnRef>
+      <a:fillRef idx="1">
+        <a:scrgbClr r="0" g="0" b="0"/>
+      </a:fillRef>
+      <a:effectRef idx="0">
+        <a:scrgbClr r="0" g="0" b="0"/>
+      </a:effectRef>
+      <a:fontRef idx="minor"/>
+    </dgm:style>
+  </dgm:styleLbl>
+  <dgm:styleLbl name="fgAcc3">
+    <dgm:scene3d>
+      <a:camera prst="orthographicFront"/>
+      <a:lightRig rig="threePt" dir="t"/>
+    </dgm:scene3d>
+    <dgm:sp3d/>
+    <dgm:txPr/>
+    <dgm:style>
+      <a:lnRef idx="1">
+        <a:scrgbClr r="0" g="0" b="0"/>
+      </a:lnRef>
+      <a:fillRef idx="1">
+        <a:scrgbClr r="0" g="0" b="0"/>
+      </a:fillRef>
+      <a:effectRef idx="0">
+        <a:scrgbClr r="0" g="0" b="0"/>
+      </a:effectRef>
+      <a:fontRef idx="minor"/>
+    </dgm:style>
+  </dgm:styleLbl>
+  <dgm:styleLbl name="fgAcc4">
+    <dgm:scene3d>
+      <a:camera prst="orthographicFront"/>
+      <a:lightRig rig="threePt" dir="t"/>
+    </dgm:scene3d>
+    <dgm:sp3d/>
+    <dgm:txPr/>
+    <dgm:style>
+      <a:lnRef idx="1">
+        <a:scrgbClr r="0" g="0" b="0"/>
+      </a:lnRef>
+      <a:fillRef idx="1">
+        <a:scrgbClr r="0" g="0" b="0"/>
+      </a:fillRef>
+      <a:effectRef idx="0">
+        <a:scrgbClr r="0" g="0" b="0"/>
+      </a:effectRef>
+      <a:fontRef idx="minor"/>
+    </dgm:style>
+  </dgm:styleLbl>
+  <dgm:styleLbl name="bgShp">
+    <dgm:scene3d>
+      <a:camera prst="orthographicFront"/>
+      <a:lightRig rig="threePt" dir="t"/>
+    </dgm:scene3d>
+    <dgm:sp3d/>
+    <dgm:txPr/>
+    <dgm:style>
+      <a:lnRef idx="0">
+        <a:scrgbClr r="0" g="0" b="0"/>
+      </a:lnRef>
+      <a:fillRef idx="1">
+        <a:scrgbClr r="0" g="0" b="0"/>
+      </a:fillRef>
+      <a:effectRef idx="2">
+        <a:scrgbClr r="0" g="0" b="0"/>
+      </a:effectRef>
+      <a:fontRef idx="minor"/>
+    </dgm:style>
+  </dgm:styleLbl>
+  <dgm:styleLbl name="dkBgShp">
+    <dgm:scene3d>
+      <a:camera prst="orthographicFront"/>
+      <a:lightRig rig="threePt" dir="t"/>
+    </dgm:scene3d>
+    <dgm:sp3d/>
+    <dgm:txPr/>
+    <dgm:style>
+      <a:lnRef idx="0">
+        <a:scrgbClr r="0" g="0" b="0"/>
+      </a:lnRef>
+      <a:fillRef idx="1">
+        <a:scrgbClr r="0" g="0" b="0"/>
+      </a:fillRef>
+      <a:effectRef idx="2">
+        <a:scrgbClr r="0" g="0" b="0"/>
+      </a:effectRef>
+      <a:fontRef idx="minor"/>
+    </dgm:style>
+  </dgm:styleLbl>
+  <dgm:styleLbl name="trBgShp">
+    <dgm:scene3d>
+      <a:camera prst="orthographicFront"/>
+      <a:lightRig rig="threePt" dir="t"/>
+    </dgm:scene3d>
+    <dgm:sp3d/>
+    <dgm:txPr/>
+    <dgm:style>
+      <a:lnRef idx="0">
+        <a:scrgbClr r="0" g="0" b="0"/>
+      </a:lnRef>
+      <a:fillRef idx="1">
+        <a:scrgbClr r="0" g="0" b="0"/>
+      </a:fillRef>
+      <a:effectRef idx="0">
+        <a:scrgbClr r="0" g="0" b="0"/>
+      </a:effectRef>
+      <a:fontRef idx="minor"/>
+    </dgm:style>
+  </dgm:styleLbl>
+  <dgm:styleLbl name="fgShp">
+    <dgm:scene3d>
+      <a:camera prst="orthographicFront"/>
+      <a:lightRig rig="threePt" dir="t"/>
+    </dgm:scene3d>
+    <dgm:sp3d/>
+    <dgm:txPr/>
+    <dgm:style>
+      <a:lnRef idx="0">
+        <a:scrgbClr r="0" g="0" b="0"/>
+      </a:lnRef>
+      <a:fillRef idx="3">
+        <a:scrgbClr r="0" g="0" b="0"/>
+      </a:fillRef>
+      <a:effectRef idx="2">
+        <a:scrgbClr r="0" g="0" b="0"/>
+      </a:effectRef>
+      <a:fontRef idx="minor"/>
+    </dgm:style>
+  </dgm:styleLbl>
+  <dgm:styleLbl name="revTx">
+    <dgm:scene3d>
+      <a:camera prst="orthographicFront"/>
+      <a:lightRig rig="threePt" dir="t"/>
+    </dgm:scene3d>
+    <dgm:sp3d/>
+    <dgm:txPr/>
+    <dgm:style>
+      <a:lnRef idx="0">
+        <a:scrgbClr r="0" g="0" b="0"/>
+      </a:lnRef>
+      <a:fillRef idx="0">
+        <a:scrgbClr r="0" g="0" b="0"/>
+      </a:fillRef>
+      <a:effectRef idx="0">
+        <a:scrgbClr r="0" g="0" b="0"/>
+      </a:effectRef>
+      <a:fontRef idx="minor"/>
+    </dgm:style>
+  </dgm:styleLbl>
+</dgm:styleDef>
+</file>
+
 <file path=ppt/slideLayouts/slideLayout1.xml><?xml version="1.0" encoding="utf-8"?>
 <p:sldLayout xmlns:a="http://schemas.openxmlformats.org/drawingml/2006/main" xmlns:r="http://schemas.openxmlformats.org/officeDocument/2006/relationships" xmlns:p="http://schemas.openxmlformats.org/presentationml/2006/main" type="title" preserve="1">
   <p:cSld name="Title Slide">
@@ -5977,7 +11967,7 @@
           <a:p>
             <a:fld id="{6483C26A-63A4-F547-BB74-146C3D288EFD}" type="datetimeFigureOut">
               <a:rPr lang="en-US" smtClean="0"/>
-              <a:t>2/1/16</a:t>
+              <a:t>2/8/16</a:t>
             </a:fld>
             <a:endParaRPr lang="en-US"/>
           </a:p>
@@ -6147,7 +12137,7 @@
           <a:p>
             <a:fld id="{6483C26A-63A4-F547-BB74-146C3D288EFD}" type="datetimeFigureOut">
               <a:rPr lang="en-US" smtClean="0"/>
-              <a:t>2/1/16</a:t>
+              <a:t>2/8/16</a:t>
             </a:fld>
             <a:endParaRPr lang="en-US"/>
           </a:p>
@@ -6327,7 +12317,7 @@
           <a:p>
             <a:fld id="{6483C26A-63A4-F547-BB74-146C3D288EFD}" type="datetimeFigureOut">
               <a:rPr lang="en-US" smtClean="0"/>
-              <a:t>2/1/16</a:t>
+              <a:t>2/8/16</a:t>
             </a:fld>
             <a:endParaRPr lang="en-US"/>
           </a:p>
@@ -6497,7 +12487,7 @@
           <a:p>
             <a:fld id="{6483C26A-63A4-F547-BB74-146C3D288EFD}" type="datetimeFigureOut">
               <a:rPr lang="en-US" smtClean="0"/>
-              <a:t>2/1/16</a:t>
+              <a:t>2/8/16</a:t>
             </a:fld>
             <a:endParaRPr lang="en-US"/>
           </a:p>
@@ -6743,7 +12733,7 @@
           <a:p>
             <a:fld id="{6483C26A-63A4-F547-BB74-146C3D288EFD}" type="datetimeFigureOut">
               <a:rPr lang="en-US" smtClean="0"/>
-              <a:t>2/1/16</a:t>
+              <a:t>2/8/16</a:t>
             </a:fld>
             <a:endParaRPr lang="en-US"/>
           </a:p>
@@ -7031,7 +13021,7 @@
           <a:p>
             <a:fld id="{6483C26A-63A4-F547-BB74-146C3D288EFD}" type="datetimeFigureOut">
               <a:rPr lang="en-US" smtClean="0"/>
-              <a:t>2/1/16</a:t>
+              <a:t>2/8/16</a:t>
             </a:fld>
             <a:endParaRPr lang="en-US"/>
           </a:p>
@@ -7453,7 +13443,7 @@
           <a:p>
             <a:fld id="{6483C26A-63A4-F547-BB74-146C3D288EFD}" type="datetimeFigureOut">
               <a:rPr lang="en-US" smtClean="0"/>
-              <a:t>2/1/16</a:t>
+              <a:t>2/8/16</a:t>
             </a:fld>
             <a:endParaRPr lang="en-US"/>
           </a:p>
@@ -7571,7 +13561,7 @@
           <a:p>
             <a:fld id="{6483C26A-63A4-F547-BB74-146C3D288EFD}" type="datetimeFigureOut">
               <a:rPr lang="en-US" smtClean="0"/>
-              <a:t>2/1/16</a:t>
+              <a:t>2/8/16</a:t>
             </a:fld>
             <a:endParaRPr lang="en-US"/>
           </a:p>
@@ -7666,7 +13656,7 @@
           <a:p>
             <a:fld id="{6483C26A-63A4-F547-BB74-146C3D288EFD}" type="datetimeFigureOut">
               <a:rPr lang="en-US" smtClean="0"/>
-              <a:t>2/1/16</a:t>
+              <a:t>2/8/16</a:t>
             </a:fld>
             <a:endParaRPr lang="en-US"/>
           </a:p>
@@ -7943,7 +13933,7 @@
           <a:p>
             <a:fld id="{6483C26A-63A4-F547-BB74-146C3D288EFD}" type="datetimeFigureOut">
               <a:rPr lang="en-US" smtClean="0"/>
-              <a:t>2/1/16</a:t>
+              <a:t>2/8/16</a:t>
             </a:fld>
             <a:endParaRPr lang="en-US"/>
           </a:p>
@@ -8196,7 +14186,7 @@
           <a:p>
             <a:fld id="{6483C26A-63A4-F547-BB74-146C3D288EFD}" type="datetimeFigureOut">
               <a:rPr lang="en-US" smtClean="0"/>
-              <a:t>2/1/16</a:t>
+              <a:t>2/8/16</a:t>
             </a:fld>
             <a:endParaRPr lang="en-US"/>
           </a:p>
@@ -8409,7 +14399,7 @@
           <a:p>
             <a:fld id="{6483C26A-63A4-F547-BB74-146C3D288EFD}" type="datetimeFigureOut">
               <a:rPr lang="en-US" smtClean="0"/>
-              <a:t>2/1/16</a:t>
+              <a:t>2/8/16</a:t>
             </a:fld>
             <a:endParaRPr lang="en-US"/>
           </a:p>
@@ -13943,21 +19933,8 @@
           <a:p>
             <a:r>
               <a:rPr lang="en-US" dirty="0" smtClean="0"/>
-              <a:t>#</a:t>
-            </a:r>
-            <a:r>
-              <a:rPr lang="en-US" dirty="0" smtClean="0"/>
-              <a:t>31 </a:t>
-            </a:r>
-            <a:r>
-              <a:rPr lang="en-US" dirty="0" smtClean="0"/>
-              <a:t>– Section </a:t>
-            </a:r>
-            <a:r>
-              <a:rPr lang="en-US" dirty="0" smtClean="0"/>
-              <a:t>7</a:t>
-            </a:r>
-            <a:endParaRPr lang="en-US" dirty="0" smtClean="0"/>
+              <a:t>#31 – Section 7</a:t>
+            </a:r>
           </a:p>
           <a:p>
             <a:r>
@@ -14022,11 +19999,7 @@
           <a:p>
             <a:r>
               <a:rPr lang="en-US" dirty="0" smtClean="0"/>
-              <a:t>Definition: </a:t>
-            </a:r>
-            <a:r>
-              <a:rPr lang="en-US" dirty="0" smtClean="0"/>
-              <a:t>Data &amp; Data Type</a:t>
+              <a:t>Definition: Data &amp; Data Type</a:t>
             </a:r>
             <a:endParaRPr lang="en-US" dirty="0"/>
           </a:p>
@@ -14051,26 +20024,14 @@
           <a:p>
             <a:r>
               <a:rPr lang="en-US" dirty="0" smtClean="0"/>
-              <a:t>What is </a:t>
-            </a:r>
-            <a:r>
-              <a:rPr lang="en-US" dirty="0" smtClean="0"/>
-              <a:t> ‘data’</a:t>
-            </a:r>
-            <a:r>
-              <a:rPr lang="en-US" dirty="0" smtClean="0"/>
-              <a:t>?</a:t>
+              <a:t>What is  ‘data’?</a:t>
             </a:r>
           </a:p>
           <a:p>
             <a:pPr lvl="1"/>
             <a:r>
               <a:rPr lang="en-US" dirty="0" smtClean="0"/>
-              <a:t>‘data’ </a:t>
-            </a:r>
-            <a:r>
-              <a:rPr lang="en-US" dirty="0" smtClean="0"/>
-              <a:t>is another name for ‘value’</a:t>
+              <a:t>‘data’ is another name for ‘value’</a:t>
             </a:r>
           </a:p>
           <a:p>
@@ -14133,11 +20094,7 @@
             </a:r>
             <a:r>
               <a:rPr lang="en-US" dirty="0" smtClean="0"/>
-              <a:t>of </a:t>
-            </a:r>
-            <a:r>
-              <a:rPr lang="en-US" dirty="0" smtClean="0"/>
-              <a:t>the </a:t>
+              <a:t>of the </a:t>
             </a:r>
             <a:r>
               <a:rPr lang="en-US" b="1" i="1" dirty="0" smtClean="0">
@@ -14163,13 +20120,6 @@
               </a:rPr>
               <a:t>value</a:t>
             </a:r>
-            <a:endParaRPr lang="en-US" b="1" i="1" dirty="0" smtClean="0">
-              <a:solidFill>
-                <a:schemeClr val="bg2">
-                  <a:lumMod val="50000"/>
-                </a:schemeClr>
-              </a:solidFill>
-            </a:endParaRPr>
           </a:p>
           <a:p>
             <a:pPr lvl="2"/>
@@ -14202,11 +20152,7 @@
           <a:p>
             <a:r>
               <a:rPr lang="en-US" dirty="0" smtClean="0"/>
-              <a:t>Examples</a:t>
-            </a:r>
-            <a:r>
-              <a:rPr lang="en-US" dirty="0" smtClean="0"/>
-              <a:t>:</a:t>
+              <a:t>Examples:</a:t>
             </a:r>
           </a:p>
           <a:p>
@@ -14215,7 +20161,6 @@
               <a:rPr lang="en-US" dirty="0" smtClean="0"/>
               <a:t>Number</a:t>
             </a:r>
-            <a:endParaRPr lang="en-US" dirty="0" smtClean="0"/>
           </a:p>
           <a:p>
             <a:pPr lvl="1"/>
@@ -14223,7 +20168,6 @@
               <a:rPr lang="en-US" dirty="0" smtClean="0"/>
               <a:t>String</a:t>
             </a:r>
-            <a:endParaRPr lang="en-US" dirty="0" smtClean="0"/>
           </a:p>
           <a:p>
             <a:pPr lvl="1"/>
@@ -14231,7 +20175,6 @@
               <a:rPr lang="en-US" dirty="0" smtClean="0"/>
               <a:t>Date</a:t>
             </a:r>
-            <a:endParaRPr lang="en-US" dirty="0" smtClean="0"/>
           </a:p>
           <a:p>
             <a:pPr lvl="1"/>
@@ -14239,7 +20182,6 @@
               <a:rPr lang="en-US" dirty="0" smtClean="0"/>
               <a:t>Boolean</a:t>
             </a:r>
-            <a:endParaRPr lang="en-US" dirty="0" smtClean="0"/>
           </a:p>
         </p:txBody>
       </p:sp>
@@ -15294,6 +21236,271 @@
 </p:sld>
 </file>
 
+<file path=ppt/slides/slide38.xml><?xml version="1.0" encoding="utf-8"?>
+<p:sld xmlns:a="http://schemas.openxmlformats.org/drawingml/2006/main" xmlns:r="http://schemas.openxmlformats.org/officeDocument/2006/relationships" xmlns:p="http://schemas.openxmlformats.org/presentationml/2006/main">
+  <p:cSld>
+    <p:spTree>
+      <p:nvGrpSpPr>
+        <p:cNvPr id="1" name=""/>
+        <p:cNvGrpSpPr/>
+        <p:nvPr/>
+      </p:nvGrpSpPr>
+      <p:grpSpPr>
+        <a:xfrm>
+          <a:off x="0" y="0"/>
+          <a:ext cx="0" cy="0"/>
+          <a:chOff x="0" y="0"/>
+          <a:chExt cx="0" cy="0"/>
+        </a:xfrm>
+      </p:grpSpPr>
+      <p:sp>
+        <p:nvSpPr>
+          <p:cNvPr id="2" name="Title 1"/>
+          <p:cNvSpPr>
+            <a:spLocks noGrp="1"/>
+          </p:cNvSpPr>
+          <p:nvPr>
+            <p:ph type="ctrTitle"/>
+          </p:nvPr>
+        </p:nvSpPr>
+        <p:spPr/>
+        <p:txBody>
+          <a:bodyPr/>
+          <a:lstStyle/>
+          <a:p>
+            <a:r>
+              <a:rPr lang="en-US" dirty="0" smtClean="0"/>
+              <a:t>Chapter 5 – JavaScript</a:t>
+            </a:r>
+            <a:endParaRPr lang="en-US" dirty="0"/>
+          </a:p>
+        </p:txBody>
+      </p:sp>
+      <p:sp>
+        <p:nvSpPr>
+          <p:cNvPr id="3" name="Subtitle 2"/>
+          <p:cNvSpPr>
+            <a:spLocks noGrp="1"/>
+          </p:cNvSpPr>
+          <p:nvPr>
+            <p:ph type="subTitle" idx="1"/>
+          </p:nvPr>
+        </p:nvSpPr>
+        <p:spPr/>
+        <p:txBody>
+          <a:bodyPr/>
+          <a:lstStyle/>
+          <a:p>
+            <a:r>
+              <a:rPr lang="en-US" dirty="0" smtClean="0"/>
+              <a:t>#32 – Section 8</a:t>
+            </a:r>
+          </a:p>
+          <a:p>
+            <a:r>
+              <a:rPr lang="en-US" dirty="0" smtClean="0"/>
+              <a:t>Functions</a:t>
+            </a:r>
+            <a:endParaRPr lang="en-US" dirty="0"/>
+          </a:p>
+        </p:txBody>
+      </p:sp>
+    </p:spTree>
+    <p:extLst>
+      <p:ext uri="{BB962C8B-B14F-4D97-AF65-F5344CB8AC3E}">
+        <p14:creationId xmlns:p14="http://schemas.microsoft.com/office/powerpoint/2010/main" val="3419967473"/>
+      </p:ext>
+    </p:extLst>
+  </p:cSld>
+  <p:clrMapOvr>
+    <a:masterClrMapping/>
+  </p:clrMapOvr>
+  <p:timing>
+    <p:tnLst>
+      <p:par>
+        <p:cTn xmlns:p14="http://schemas.microsoft.com/office/powerpoint/2010/main" id="1" dur="indefinite" restart="never" nodeType="tmRoot"/>
+      </p:par>
+    </p:tnLst>
+  </p:timing>
+</p:sld>
+</file>
+
+<file path=ppt/slides/slide39.xml><?xml version="1.0" encoding="utf-8"?>
+<p:sld xmlns:a="http://schemas.openxmlformats.org/drawingml/2006/main" xmlns:r="http://schemas.openxmlformats.org/officeDocument/2006/relationships" xmlns:p="http://schemas.openxmlformats.org/presentationml/2006/main">
+  <p:cSld>
+    <p:spTree>
+      <p:nvGrpSpPr>
+        <p:cNvPr id="1" name=""/>
+        <p:cNvGrpSpPr/>
+        <p:nvPr/>
+      </p:nvGrpSpPr>
+      <p:grpSpPr>
+        <a:xfrm>
+          <a:off x="0" y="0"/>
+          <a:ext cx="0" cy="0"/>
+          <a:chOff x="0" y="0"/>
+          <a:chExt cx="0" cy="0"/>
+        </a:xfrm>
+      </p:grpSpPr>
+      <p:sp>
+        <p:nvSpPr>
+          <p:cNvPr id="2" name="Title 1"/>
+          <p:cNvSpPr>
+            <a:spLocks noGrp="1"/>
+          </p:cNvSpPr>
+          <p:nvPr>
+            <p:ph type="title"/>
+          </p:nvPr>
+        </p:nvSpPr>
+        <p:spPr/>
+        <p:txBody>
+          <a:bodyPr/>
+          <a:lstStyle/>
+          <a:p>
+            <a:r>
+              <a:rPr lang="en-US" dirty="0" smtClean="0"/>
+              <a:t>Definition: Functions</a:t>
+            </a:r>
+            <a:endParaRPr lang="en-US" dirty="0"/>
+          </a:p>
+        </p:txBody>
+      </p:sp>
+      <p:sp>
+        <p:nvSpPr>
+          <p:cNvPr id="3" name="Content Placeholder 2"/>
+          <p:cNvSpPr>
+            <a:spLocks noGrp="1"/>
+          </p:cNvSpPr>
+          <p:nvPr>
+            <p:ph idx="1"/>
+          </p:nvPr>
+        </p:nvSpPr>
+        <p:spPr/>
+        <p:txBody>
+          <a:bodyPr>
+            <a:normAutofit/>
+          </a:bodyPr>
+          <a:lstStyle/>
+          <a:p>
+            <a:r>
+              <a:rPr lang="en-US" dirty="0" smtClean="0"/>
+              <a:t>What is  a ‘function’?</a:t>
+            </a:r>
+          </a:p>
+          <a:p>
+            <a:pPr lvl="1"/>
+            <a:r>
+              <a:rPr lang="en-US" dirty="0" err="1"/>
+              <a:t>Verrol’s</a:t>
+            </a:r>
+            <a:r>
+              <a:rPr lang="en-US" dirty="0"/>
+              <a:t> definition:</a:t>
+            </a:r>
+          </a:p>
+          <a:p>
+            <a:pPr lvl="2"/>
+            <a:r>
+              <a:rPr lang="en-US" dirty="0" smtClean="0"/>
+              <a:t>A ‘function</a:t>
+            </a:r>
+            <a:r>
+              <a:rPr lang="en-US" dirty="0"/>
+              <a:t>’ ’ is </a:t>
+            </a:r>
+            <a:r>
+              <a:rPr lang="en-US" dirty="0" smtClean="0"/>
+              <a:t>a </a:t>
+            </a:r>
+            <a:r>
+              <a:rPr lang="en-US" b="1" i="1" dirty="0" smtClean="0">
+                <a:solidFill>
+                  <a:srgbClr val="008000"/>
+                </a:solidFill>
+              </a:rPr>
+              <a:t>name </a:t>
+            </a:r>
+            <a:r>
+              <a:rPr lang="en-US" dirty="0" smtClean="0"/>
+              <a:t>given to a </a:t>
+            </a:r>
+            <a:r>
+              <a:rPr lang="en-US" b="1" i="1" dirty="0" smtClean="0">
+                <a:solidFill>
+                  <a:srgbClr val="3366FF"/>
+                </a:solidFill>
+              </a:rPr>
+              <a:t>collect/set</a:t>
+            </a:r>
+            <a:r>
+              <a:rPr lang="en-US" dirty="0" smtClean="0">
+                <a:solidFill>
+                  <a:srgbClr val="3366FF"/>
+                </a:solidFill>
+              </a:rPr>
+              <a:t> </a:t>
+            </a:r>
+            <a:r>
+              <a:rPr lang="en-US" dirty="0"/>
+              <a:t>of </a:t>
+            </a:r>
+            <a:r>
+              <a:rPr lang="en-US" b="1" i="1" dirty="0" smtClean="0">
+                <a:solidFill>
+                  <a:schemeClr val="bg2">
+                    <a:lumMod val="50000"/>
+                  </a:schemeClr>
+                </a:solidFill>
+              </a:rPr>
+              <a:t>statements</a:t>
+            </a:r>
+          </a:p>
+          <a:p>
+            <a:r>
+              <a:rPr lang="en-US" dirty="0" smtClean="0"/>
+              <a:t>What are the benefits of functions?</a:t>
+            </a:r>
+          </a:p>
+          <a:p>
+            <a:pPr lvl="1"/>
+            <a:r>
+              <a:rPr lang="en-US" b="1" dirty="0" smtClean="0">
+                <a:solidFill>
+                  <a:srgbClr val="008000"/>
+                </a:solidFill>
+              </a:rPr>
+              <a:t>Reuse</a:t>
+            </a:r>
+          </a:p>
+          <a:p>
+            <a:pPr lvl="1"/>
+            <a:r>
+              <a:rPr lang="en-US" dirty="0" smtClean="0"/>
+              <a:t>Organization</a:t>
+            </a:r>
+          </a:p>
+          <a:p>
+            <a:pPr lvl="1"/>
+            <a:r>
+              <a:rPr lang="en-US" dirty="0" smtClean="0"/>
+              <a:t>Abstraction</a:t>
+            </a:r>
+          </a:p>
+        </p:txBody>
+      </p:sp>
+    </p:spTree>
+    <p:extLst>
+      <p:ext uri="{BB962C8B-B14F-4D97-AF65-F5344CB8AC3E}">
+        <p14:creationId xmlns:p14="http://schemas.microsoft.com/office/powerpoint/2010/main" val="1748343720"/>
+      </p:ext>
+    </p:extLst>
+  </p:cSld>
+  <p:clrMapOvr>
+    <a:masterClrMapping/>
+  </p:clrMapOvr>
+</p:sld>
+</file>
+
 <file path=ppt/slides/slide4.xml><?xml version="1.0" encoding="utf-8"?>
 <p:sld xmlns:a="http://schemas.openxmlformats.org/drawingml/2006/main" xmlns:r="http://schemas.openxmlformats.org/officeDocument/2006/relationships" xmlns:p="http://schemas.openxmlformats.org/presentationml/2006/main">
   <p:cSld>
@@ -15441,6 +21648,1271 @@
       </p:par>
     </p:tnLst>
   </p:timing>
+</p:sld>
+</file>
+
+<file path=ppt/slides/slide40.xml><?xml version="1.0" encoding="utf-8"?>
+<p:sld xmlns:a="http://schemas.openxmlformats.org/drawingml/2006/main" xmlns:r="http://schemas.openxmlformats.org/officeDocument/2006/relationships" xmlns:p="http://schemas.openxmlformats.org/presentationml/2006/main">
+  <p:cSld>
+    <p:spTree>
+      <p:nvGrpSpPr>
+        <p:cNvPr id="1" name=""/>
+        <p:cNvGrpSpPr/>
+        <p:nvPr/>
+      </p:nvGrpSpPr>
+      <p:grpSpPr>
+        <a:xfrm>
+          <a:off x="0" y="0"/>
+          <a:ext cx="0" cy="0"/>
+          <a:chOff x="0" y="0"/>
+          <a:chExt cx="0" cy="0"/>
+        </a:xfrm>
+      </p:grpSpPr>
+      <p:sp>
+        <p:nvSpPr>
+          <p:cNvPr id="2" name="Title 1"/>
+          <p:cNvSpPr>
+            <a:spLocks noGrp="1"/>
+          </p:cNvSpPr>
+          <p:nvPr>
+            <p:ph type="title"/>
+          </p:nvPr>
+        </p:nvSpPr>
+        <p:spPr/>
+        <p:txBody>
+          <a:bodyPr/>
+          <a:lstStyle/>
+          <a:p>
+            <a:r>
+              <a:rPr lang="en-US" dirty="0" smtClean="0"/>
+              <a:t>Function Syntax</a:t>
+            </a:r>
+            <a:endParaRPr lang="en-US" dirty="0"/>
+          </a:p>
+        </p:txBody>
+      </p:sp>
+      <p:sp>
+        <p:nvSpPr>
+          <p:cNvPr id="3" name="Content Placeholder 2"/>
+          <p:cNvSpPr>
+            <a:spLocks noGrp="1"/>
+          </p:cNvSpPr>
+          <p:nvPr>
+            <p:ph idx="1"/>
+          </p:nvPr>
+        </p:nvSpPr>
+        <p:spPr/>
+        <p:txBody>
+          <a:bodyPr>
+            <a:normAutofit lnSpcReduction="10000"/>
+          </a:bodyPr>
+          <a:lstStyle/>
+          <a:p>
+            <a:r>
+              <a:rPr lang="en-US" dirty="0" smtClean="0"/>
+              <a:t>Named Function</a:t>
+            </a:r>
+          </a:p>
+          <a:p>
+            <a:pPr lvl="1"/>
+            <a:r>
+              <a:rPr lang="en-US" dirty="0" smtClean="0"/>
+              <a:t>Compact Syntax</a:t>
+            </a:r>
+          </a:p>
+          <a:p>
+            <a:pPr marL="400050" lvl="1" indent="0">
+              <a:buNone/>
+            </a:pPr>
+            <a:r>
+              <a:rPr lang="en-US" i="1" dirty="0">
+                <a:solidFill>
+                  <a:schemeClr val="accent3">
+                    <a:lumMod val="75000"/>
+                  </a:schemeClr>
+                </a:solidFill>
+              </a:rPr>
+              <a:t>function</a:t>
+            </a:r>
+            <a:r>
+              <a:rPr lang="en-US" dirty="0"/>
+              <a:t> </a:t>
+            </a:r>
+            <a:r>
+              <a:rPr lang="en-US" b="1" dirty="0">
+                <a:solidFill>
+                  <a:schemeClr val="accent4">
+                    <a:lumMod val="75000"/>
+                  </a:schemeClr>
+                </a:solidFill>
+              </a:rPr>
+              <a:t>name</a:t>
+            </a:r>
+            <a:r>
+              <a:rPr lang="en-US" dirty="0"/>
+              <a:t>(</a:t>
+            </a:r>
+            <a:r>
+              <a:rPr lang="en-US" dirty="0" smtClean="0"/>
+              <a:t>[</a:t>
+            </a:r>
+            <a:r>
+              <a:rPr lang="en-US" dirty="0" smtClean="0">
+                <a:solidFill>
+                  <a:schemeClr val="accent6">
+                    <a:lumMod val="75000"/>
+                  </a:schemeClr>
+                </a:solidFill>
+              </a:rPr>
+              <a:t>argument list</a:t>
+            </a:r>
+            <a:r>
+              <a:rPr lang="is-IS" dirty="0" smtClean="0"/>
+              <a:t>]</a:t>
+            </a:r>
+            <a:r>
+              <a:rPr lang="is-IS" dirty="0"/>
+              <a:t>)</a:t>
+            </a:r>
+            <a:r>
+              <a:rPr lang="is-IS" dirty="0" smtClean="0"/>
+              <a:t>{</a:t>
+            </a:r>
+          </a:p>
+          <a:p>
+            <a:pPr marL="400050" lvl="1" indent="0">
+              <a:buNone/>
+            </a:pPr>
+            <a:r>
+              <a:rPr lang="is-IS" dirty="0" smtClean="0"/>
+              <a:t>	 </a:t>
+            </a:r>
+            <a:r>
+              <a:rPr lang="is-IS" dirty="0" smtClean="0">
+                <a:solidFill>
+                  <a:srgbClr val="800000"/>
+                </a:solidFill>
+              </a:rPr>
+              <a:t>body</a:t>
+            </a:r>
+            <a:endParaRPr lang="is-IS" dirty="0" smtClean="0"/>
+          </a:p>
+          <a:p>
+            <a:pPr marL="400050" lvl="1" indent="0">
+              <a:buNone/>
+            </a:pPr>
+            <a:r>
+              <a:rPr lang="is-IS" dirty="0" smtClean="0"/>
+              <a:t>}</a:t>
+            </a:r>
+            <a:endParaRPr lang="en-US" dirty="0" smtClean="0"/>
+          </a:p>
+          <a:p>
+            <a:pPr lvl="1"/>
+            <a:r>
+              <a:rPr lang="en-US" dirty="0" smtClean="0"/>
+              <a:t>Argument List</a:t>
+            </a:r>
+          </a:p>
+          <a:p>
+            <a:pPr lvl="2"/>
+            <a:r>
+              <a:rPr lang="en-US" i="1" u="sng" dirty="0" smtClean="0">
+                <a:solidFill>
+                  <a:srgbClr val="FF6600"/>
+                </a:solidFill>
+              </a:rPr>
+              <a:t>Optional</a:t>
+            </a:r>
+            <a:r>
+              <a:rPr lang="en-US" dirty="0" smtClean="0">
+                <a:solidFill>
+                  <a:srgbClr val="FF6600"/>
+                </a:solidFill>
+              </a:rPr>
+              <a:t> </a:t>
+            </a:r>
+            <a:r>
+              <a:rPr lang="en-US" dirty="0" smtClean="0"/>
+              <a:t>comma separated list of variable names</a:t>
+            </a:r>
+          </a:p>
+          <a:p>
+            <a:pPr lvl="1"/>
+            <a:r>
+              <a:rPr lang="en-US" dirty="0" smtClean="0"/>
+              <a:t>Body</a:t>
+            </a:r>
+          </a:p>
+          <a:p>
+            <a:pPr lvl="2"/>
+            <a:r>
+              <a:rPr lang="en-US" dirty="0" smtClean="0"/>
+              <a:t>One or more statements</a:t>
+            </a:r>
+            <a:endParaRPr lang="en-US" dirty="0" smtClean="0"/>
+          </a:p>
+          <a:p>
+            <a:pPr marL="0" indent="0">
+              <a:buNone/>
+            </a:pPr>
+            <a:endParaRPr lang="en-US" dirty="0"/>
+          </a:p>
+        </p:txBody>
+      </p:sp>
+    </p:spTree>
+    <p:extLst>
+      <p:ext uri="{BB962C8B-B14F-4D97-AF65-F5344CB8AC3E}">
+        <p14:creationId xmlns:p14="http://schemas.microsoft.com/office/powerpoint/2010/main" val="1249783917"/>
+      </p:ext>
+    </p:extLst>
+  </p:cSld>
+  <p:clrMapOvr>
+    <a:masterClrMapping/>
+  </p:clrMapOvr>
+</p:sld>
+</file>
+
+<file path=ppt/slides/slide41.xml><?xml version="1.0" encoding="utf-8"?>
+<p:sld xmlns:a="http://schemas.openxmlformats.org/drawingml/2006/main" xmlns:r="http://schemas.openxmlformats.org/officeDocument/2006/relationships" xmlns:p="http://schemas.openxmlformats.org/presentationml/2006/main">
+  <p:cSld>
+    <p:spTree>
+      <p:nvGrpSpPr>
+        <p:cNvPr id="1" name=""/>
+        <p:cNvGrpSpPr/>
+        <p:nvPr/>
+      </p:nvGrpSpPr>
+      <p:grpSpPr>
+        <a:xfrm>
+          <a:off x="0" y="0"/>
+          <a:ext cx="0" cy="0"/>
+          <a:chOff x="0" y="0"/>
+          <a:chExt cx="0" cy="0"/>
+        </a:xfrm>
+      </p:grpSpPr>
+      <p:sp>
+        <p:nvSpPr>
+          <p:cNvPr id="2" name="Title 1"/>
+          <p:cNvSpPr>
+            <a:spLocks noGrp="1"/>
+          </p:cNvSpPr>
+          <p:nvPr>
+            <p:ph type="title"/>
+          </p:nvPr>
+        </p:nvSpPr>
+        <p:spPr/>
+        <p:txBody>
+          <a:bodyPr/>
+          <a:lstStyle/>
+          <a:p>
+            <a:r>
+              <a:rPr lang="en-US" dirty="0" smtClean="0"/>
+              <a:t>Function Syntax</a:t>
+            </a:r>
+            <a:endParaRPr lang="en-US" dirty="0"/>
+          </a:p>
+        </p:txBody>
+      </p:sp>
+      <p:sp>
+        <p:nvSpPr>
+          <p:cNvPr id="3" name="Content Placeholder 2"/>
+          <p:cNvSpPr>
+            <a:spLocks noGrp="1"/>
+          </p:cNvSpPr>
+          <p:nvPr>
+            <p:ph idx="1"/>
+          </p:nvPr>
+        </p:nvSpPr>
+        <p:spPr/>
+        <p:txBody>
+          <a:bodyPr>
+            <a:normAutofit/>
+          </a:bodyPr>
+          <a:lstStyle/>
+          <a:p>
+            <a:r>
+              <a:rPr lang="en-US" dirty="0" smtClean="0"/>
+              <a:t>Named Function</a:t>
+            </a:r>
+          </a:p>
+          <a:p>
+            <a:pPr lvl="1"/>
+            <a:r>
+              <a:rPr lang="en-US" dirty="0" smtClean="0"/>
+              <a:t>Expanded</a:t>
+            </a:r>
+          </a:p>
+          <a:p>
+            <a:pPr marL="400050" lvl="1" indent="0">
+              <a:buNone/>
+            </a:pPr>
+            <a:r>
+              <a:rPr lang="en-US" i="1" dirty="0" smtClean="0">
+                <a:solidFill>
+                  <a:schemeClr val="accent3">
+                    <a:lumMod val="75000"/>
+                  </a:schemeClr>
+                </a:solidFill>
+              </a:rPr>
+              <a:t>function</a:t>
+            </a:r>
+            <a:r>
+              <a:rPr lang="en-US" dirty="0" smtClean="0"/>
+              <a:t> </a:t>
+            </a:r>
+            <a:r>
+              <a:rPr lang="en-US" b="1" dirty="0" smtClean="0">
+                <a:solidFill>
+                  <a:schemeClr val="accent4">
+                    <a:lumMod val="75000"/>
+                  </a:schemeClr>
+                </a:solidFill>
+              </a:rPr>
+              <a:t>name</a:t>
+            </a:r>
+            <a:r>
+              <a:rPr lang="en-US" dirty="0" smtClean="0"/>
+              <a:t>([</a:t>
+            </a:r>
+            <a:r>
+              <a:rPr lang="en-US" dirty="0" smtClean="0">
+                <a:solidFill>
+                  <a:schemeClr val="accent6">
+                    <a:lumMod val="75000"/>
+                  </a:schemeClr>
+                </a:solidFill>
+              </a:rPr>
+              <a:t>arg0</a:t>
+            </a:r>
+            <a:r>
+              <a:rPr lang="en-US" dirty="0" smtClean="0"/>
+              <a:t>, </a:t>
+            </a:r>
+            <a:r>
+              <a:rPr lang="en-US" dirty="0" smtClean="0">
+                <a:solidFill>
+                  <a:srgbClr val="E46C0A"/>
+                </a:solidFill>
+              </a:rPr>
+              <a:t>arg1</a:t>
+            </a:r>
+            <a:r>
+              <a:rPr lang="en-US" dirty="0" smtClean="0"/>
+              <a:t>, </a:t>
+            </a:r>
+            <a:r>
+              <a:rPr lang="is-IS" dirty="0" smtClean="0"/>
+              <a:t>…, </a:t>
+            </a:r>
+            <a:r>
+              <a:rPr lang="is-IS" dirty="0" smtClean="0">
+                <a:solidFill>
+                  <a:srgbClr val="E46C0A"/>
+                </a:solidFill>
+              </a:rPr>
+              <a:t>argN</a:t>
+            </a:r>
+            <a:r>
+              <a:rPr lang="is-IS" dirty="0" smtClean="0"/>
+              <a:t>]){</a:t>
+            </a:r>
+          </a:p>
+          <a:p>
+            <a:pPr marL="400050" lvl="1" indent="0">
+              <a:buNone/>
+            </a:pPr>
+            <a:r>
+              <a:rPr lang="is-IS" dirty="0" smtClean="0"/>
+              <a:t>	</a:t>
+            </a:r>
+            <a:r>
+              <a:rPr lang="is-IS" dirty="0" smtClean="0">
+                <a:solidFill>
+                  <a:srgbClr val="800000"/>
+                </a:solidFill>
+              </a:rPr>
+              <a:t>statement0</a:t>
+            </a:r>
+            <a:r>
+              <a:rPr lang="is-IS" dirty="0" smtClean="0"/>
+              <a:t>;</a:t>
+            </a:r>
+          </a:p>
+          <a:p>
+            <a:pPr marL="400050" lvl="1" indent="0">
+              <a:buNone/>
+            </a:pPr>
+            <a:r>
+              <a:rPr lang="is-IS" dirty="0" smtClean="0"/>
+              <a:t>	</a:t>
+            </a:r>
+            <a:r>
+              <a:rPr lang="is-IS" dirty="0" smtClean="0">
+                <a:solidFill>
+                  <a:srgbClr val="800000"/>
+                </a:solidFill>
+              </a:rPr>
+              <a:t>statement1</a:t>
+            </a:r>
+            <a:r>
+              <a:rPr lang="is-IS" dirty="0" smtClean="0"/>
+              <a:t>;</a:t>
+            </a:r>
+          </a:p>
+          <a:p>
+            <a:pPr marL="400050" lvl="1" indent="0">
+              <a:buNone/>
+            </a:pPr>
+            <a:r>
+              <a:rPr lang="is-IS" dirty="0" smtClean="0"/>
+              <a:t>	...</a:t>
+            </a:r>
+          </a:p>
+          <a:p>
+            <a:pPr marL="400050" lvl="1" indent="0">
+              <a:buNone/>
+            </a:pPr>
+            <a:r>
+              <a:rPr lang="is-IS" dirty="0" smtClean="0"/>
+              <a:t>	</a:t>
+            </a:r>
+            <a:r>
+              <a:rPr lang="is-IS" dirty="0" smtClean="0">
+                <a:solidFill>
+                  <a:srgbClr val="800000"/>
+                </a:solidFill>
+              </a:rPr>
+              <a:t>statementN</a:t>
+            </a:r>
+            <a:r>
+              <a:rPr lang="is-IS" dirty="0" smtClean="0"/>
+              <a:t>;</a:t>
+            </a:r>
+          </a:p>
+          <a:p>
+            <a:pPr marL="400050" lvl="1" indent="0">
+              <a:buNone/>
+            </a:pPr>
+            <a:r>
+              <a:rPr lang="is-IS" dirty="0" smtClean="0"/>
+              <a:t>}</a:t>
+            </a:r>
+          </a:p>
+          <a:p>
+            <a:pPr marL="0" indent="0">
+              <a:buNone/>
+            </a:pPr>
+            <a:endParaRPr lang="en-US" dirty="0"/>
+          </a:p>
+        </p:txBody>
+      </p:sp>
+    </p:spTree>
+    <p:extLst>
+      <p:ext uri="{BB962C8B-B14F-4D97-AF65-F5344CB8AC3E}">
+        <p14:creationId xmlns:p14="http://schemas.microsoft.com/office/powerpoint/2010/main" val="239385725"/>
+      </p:ext>
+    </p:extLst>
+  </p:cSld>
+  <p:clrMapOvr>
+    <a:masterClrMapping/>
+  </p:clrMapOvr>
+</p:sld>
+</file>
+
+<file path=ppt/slides/slide42.xml><?xml version="1.0" encoding="utf-8"?>
+<p:sld xmlns:a="http://schemas.openxmlformats.org/drawingml/2006/main" xmlns:r="http://schemas.openxmlformats.org/officeDocument/2006/relationships" xmlns:p="http://schemas.openxmlformats.org/presentationml/2006/main">
+  <p:cSld>
+    <p:spTree>
+      <p:nvGrpSpPr>
+        <p:cNvPr id="1" name=""/>
+        <p:cNvGrpSpPr/>
+        <p:nvPr/>
+      </p:nvGrpSpPr>
+      <p:grpSpPr>
+        <a:xfrm>
+          <a:off x="0" y="0"/>
+          <a:ext cx="0" cy="0"/>
+          <a:chOff x="0" y="0"/>
+          <a:chExt cx="0" cy="0"/>
+        </a:xfrm>
+      </p:grpSpPr>
+      <p:sp>
+        <p:nvSpPr>
+          <p:cNvPr id="2" name="Title 1"/>
+          <p:cNvSpPr>
+            <a:spLocks noGrp="1"/>
+          </p:cNvSpPr>
+          <p:nvPr>
+            <p:ph type="title"/>
+          </p:nvPr>
+        </p:nvSpPr>
+        <p:spPr/>
+        <p:txBody>
+          <a:bodyPr/>
+          <a:lstStyle/>
+          <a:p>
+            <a:r>
+              <a:rPr lang="en-US" dirty="0" smtClean="0"/>
+              <a:t>Function Syntax</a:t>
+            </a:r>
+            <a:endParaRPr lang="en-US" dirty="0"/>
+          </a:p>
+        </p:txBody>
+      </p:sp>
+      <p:sp>
+        <p:nvSpPr>
+          <p:cNvPr id="3" name="Content Placeholder 2"/>
+          <p:cNvSpPr>
+            <a:spLocks noGrp="1"/>
+          </p:cNvSpPr>
+          <p:nvPr>
+            <p:ph idx="1"/>
+          </p:nvPr>
+        </p:nvSpPr>
+        <p:spPr/>
+        <p:txBody>
+          <a:bodyPr>
+            <a:normAutofit fontScale="77500" lnSpcReduction="20000"/>
+          </a:bodyPr>
+          <a:lstStyle/>
+          <a:p>
+            <a:r>
+              <a:rPr lang="en-US" dirty="0" smtClean="0"/>
+              <a:t>Anonymous </a:t>
+            </a:r>
+            <a:r>
+              <a:rPr lang="en-US" dirty="0" smtClean="0"/>
+              <a:t>Function</a:t>
+            </a:r>
+          </a:p>
+          <a:p>
+            <a:pPr lvl="1"/>
+            <a:r>
+              <a:rPr lang="en-US" dirty="0" smtClean="0"/>
+              <a:t>Compact Syntax</a:t>
+            </a:r>
+          </a:p>
+          <a:p>
+            <a:pPr marL="400050" lvl="1" indent="0">
+              <a:buNone/>
+            </a:pPr>
+            <a:r>
+              <a:rPr lang="en-US" i="1" dirty="0" err="1">
+                <a:solidFill>
+                  <a:srgbClr val="3366FF"/>
+                </a:solidFill>
+              </a:rPr>
+              <a:t>var</a:t>
+            </a:r>
+            <a:r>
+              <a:rPr lang="en-US" dirty="0"/>
+              <a:t> </a:t>
+            </a:r>
+            <a:r>
+              <a:rPr lang="en-US" b="1" dirty="0">
+                <a:solidFill>
+                  <a:schemeClr val="accent4">
+                    <a:lumMod val="75000"/>
+                  </a:schemeClr>
+                </a:solidFill>
+              </a:rPr>
+              <a:t>name</a:t>
+            </a:r>
+            <a:r>
+              <a:rPr lang="en-US" b="1" dirty="0">
+                <a:solidFill>
+                  <a:srgbClr val="000000"/>
+                </a:solidFill>
+              </a:rPr>
+              <a:t> = </a:t>
+            </a:r>
+            <a:r>
+              <a:rPr lang="en-US" i="1" dirty="0">
+                <a:solidFill>
+                  <a:schemeClr val="accent3">
+                    <a:lumMod val="75000"/>
+                  </a:schemeClr>
+                </a:solidFill>
+              </a:rPr>
+              <a:t>function</a:t>
+            </a:r>
+            <a:r>
+              <a:rPr lang="en-US" dirty="0"/>
+              <a:t>(</a:t>
+            </a:r>
+            <a:r>
+              <a:rPr lang="en-US" dirty="0" smtClean="0"/>
+              <a:t>[</a:t>
+            </a:r>
+            <a:r>
+              <a:rPr lang="en-US" dirty="0" smtClean="0">
+                <a:solidFill>
+                  <a:schemeClr val="accent6">
+                    <a:lumMod val="75000"/>
+                  </a:schemeClr>
+                </a:solidFill>
+              </a:rPr>
+              <a:t>argument list</a:t>
+            </a:r>
+            <a:r>
+              <a:rPr lang="is-IS" dirty="0" smtClean="0"/>
+              <a:t>]</a:t>
+            </a:r>
+            <a:r>
+              <a:rPr lang="is-IS" dirty="0"/>
+              <a:t>){</a:t>
+            </a:r>
+          </a:p>
+          <a:p>
+            <a:pPr marL="400050" lvl="1" indent="0">
+              <a:buNone/>
+            </a:pPr>
+            <a:r>
+              <a:rPr lang="is-IS" dirty="0"/>
+              <a:t>	</a:t>
+            </a:r>
+            <a:r>
+              <a:rPr lang="is-IS" dirty="0" smtClean="0">
+                <a:solidFill>
+                  <a:srgbClr val="800000"/>
+                </a:solidFill>
+              </a:rPr>
+              <a:t>body</a:t>
+            </a:r>
+            <a:endParaRPr lang="is-IS" dirty="0"/>
+          </a:p>
+          <a:p>
+            <a:pPr marL="400050" lvl="1" indent="0">
+              <a:buNone/>
+            </a:pPr>
+            <a:r>
+              <a:rPr lang="is-IS" dirty="0" smtClean="0"/>
+              <a:t>}</a:t>
+            </a:r>
+          </a:p>
+          <a:p>
+            <a:pPr marL="457200" lvl="1" indent="0">
+              <a:buNone/>
+            </a:pPr>
+            <a:endParaRPr lang="en-US" dirty="0" smtClean="0"/>
+          </a:p>
+          <a:p>
+            <a:pPr lvl="1"/>
+            <a:r>
+              <a:rPr lang="en-US" dirty="0" smtClean="0"/>
+              <a:t>Expanded</a:t>
+            </a:r>
+            <a:endParaRPr lang="en-US" dirty="0" smtClean="0"/>
+          </a:p>
+          <a:p>
+            <a:pPr marL="400050" lvl="1" indent="0">
+              <a:buNone/>
+            </a:pPr>
+            <a:r>
+              <a:rPr lang="en-US" i="1" dirty="0" err="1" smtClean="0">
+                <a:solidFill>
+                  <a:srgbClr val="3366FF"/>
+                </a:solidFill>
+              </a:rPr>
+              <a:t>var</a:t>
+            </a:r>
+            <a:r>
+              <a:rPr lang="en-US" dirty="0" smtClean="0"/>
+              <a:t> </a:t>
+            </a:r>
+            <a:r>
+              <a:rPr lang="en-US" b="1" dirty="0" smtClean="0">
+                <a:solidFill>
+                  <a:schemeClr val="accent4">
+                    <a:lumMod val="75000"/>
+                  </a:schemeClr>
+                </a:solidFill>
+              </a:rPr>
+              <a:t>name</a:t>
+            </a:r>
+            <a:r>
+              <a:rPr lang="en-US" b="1" dirty="0" smtClean="0">
+                <a:solidFill>
+                  <a:srgbClr val="000000"/>
+                </a:solidFill>
+              </a:rPr>
+              <a:t> = </a:t>
+            </a:r>
+            <a:r>
+              <a:rPr lang="en-US" i="1" dirty="0" smtClean="0">
+                <a:solidFill>
+                  <a:schemeClr val="accent3">
+                    <a:lumMod val="75000"/>
+                  </a:schemeClr>
+                </a:solidFill>
+              </a:rPr>
+              <a:t>function</a:t>
+            </a:r>
+            <a:r>
+              <a:rPr lang="en-US" dirty="0" smtClean="0"/>
+              <a:t>([</a:t>
+            </a:r>
+            <a:r>
+              <a:rPr lang="en-US" dirty="0" smtClean="0">
+                <a:solidFill>
+                  <a:schemeClr val="accent6">
+                    <a:lumMod val="75000"/>
+                  </a:schemeClr>
+                </a:solidFill>
+              </a:rPr>
+              <a:t>arg0</a:t>
+            </a:r>
+            <a:r>
+              <a:rPr lang="en-US" dirty="0" smtClean="0"/>
+              <a:t>, </a:t>
+            </a:r>
+            <a:r>
+              <a:rPr lang="en-US" dirty="0" smtClean="0">
+                <a:solidFill>
+                  <a:srgbClr val="E46C0A"/>
+                </a:solidFill>
+              </a:rPr>
+              <a:t>arg1</a:t>
+            </a:r>
+            <a:r>
+              <a:rPr lang="en-US" dirty="0" smtClean="0"/>
+              <a:t>, </a:t>
+            </a:r>
+            <a:r>
+              <a:rPr lang="is-IS" dirty="0" smtClean="0"/>
+              <a:t>…, </a:t>
+            </a:r>
+            <a:r>
+              <a:rPr lang="is-IS" dirty="0" smtClean="0">
+                <a:solidFill>
+                  <a:srgbClr val="E46C0A"/>
+                </a:solidFill>
+              </a:rPr>
+              <a:t>argN</a:t>
+            </a:r>
+            <a:r>
+              <a:rPr lang="is-IS" dirty="0" smtClean="0"/>
+              <a:t>]){</a:t>
+            </a:r>
+          </a:p>
+          <a:p>
+            <a:pPr marL="400050" lvl="1" indent="0">
+              <a:buNone/>
+            </a:pPr>
+            <a:r>
+              <a:rPr lang="is-IS" dirty="0" smtClean="0"/>
+              <a:t>	</a:t>
+            </a:r>
+            <a:r>
+              <a:rPr lang="is-IS" dirty="0" smtClean="0">
+                <a:solidFill>
+                  <a:srgbClr val="800000"/>
+                </a:solidFill>
+              </a:rPr>
+              <a:t>statement0</a:t>
+            </a:r>
+            <a:r>
+              <a:rPr lang="is-IS" dirty="0" smtClean="0"/>
+              <a:t>;</a:t>
+            </a:r>
+          </a:p>
+          <a:p>
+            <a:pPr marL="400050" lvl="1" indent="0">
+              <a:buNone/>
+            </a:pPr>
+            <a:r>
+              <a:rPr lang="is-IS" dirty="0" smtClean="0"/>
+              <a:t>	</a:t>
+            </a:r>
+            <a:r>
+              <a:rPr lang="is-IS" dirty="0" smtClean="0">
+                <a:solidFill>
+                  <a:srgbClr val="800000"/>
+                </a:solidFill>
+              </a:rPr>
+              <a:t>statement1</a:t>
+            </a:r>
+            <a:r>
+              <a:rPr lang="is-IS" dirty="0" smtClean="0"/>
+              <a:t>;</a:t>
+            </a:r>
+          </a:p>
+          <a:p>
+            <a:pPr marL="400050" lvl="1" indent="0">
+              <a:buNone/>
+            </a:pPr>
+            <a:r>
+              <a:rPr lang="is-IS" dirty="0" smtClean="0"/>
+              <a:t>	...</a:t>
+            </a:r>
+          </a:p>
+          <a:p>
+            <a:pPr marL="400050" lvl="1" indent="0">
+              <a:buNone/>
+            </a:pPr>
+            <a:r>
+              <a:rPr lang="is-IS" dirty="0" smtClean="0"/>
+              <a:t>	</a:t>
+            </a:r>
+            <a:r>
+              <a:rPr lang="is-IS" dirty="0" smtClean="0">
+                <a:solidFill>
+                  <a:srgbClr val="800000"/>
+                </a:solidFill>
+              </a:rPr>
+              <a:t>statementN</a:t>
+            </a:r>
+            <a:r>
+              <a:rPr lang="is-IS" dirty="0" smtClean="0"/>
+              <a:t>;</a:t>
+            </a:r>
+          </a:p>
+          <a:p>
+            <a:pPr marL="400050" lvl="1" indent="0">
+              <a:buNone/>
+            </a:pPr>
+            <a:r>
+              <a:rPr lang="is-IS" dirty="0" smtClean="0"/>
+              <a:t>}</a:t>
+            </a:r>
+          </a:p>
+          <a:p>
+            <a:pPr marL="0" indent="0">
+              <a:buNone/>
+            </a:pPr>
+            <a:endParaRPr lang="en-US" dirty="0"/>
+          </a:p>
+        </p:txBody>
+      </p:sp>
+    </p:spTree>
+    <p:extLst>
+      <p:ext uri="{BB962C8B-B14F-4D97-AF65-F5344CB8AC3E}">
+        <p14:creationId xmlns:p14="http://schemas.microsoft.com/office/powerpoint/2010/main" val="1302169421"/>
+      </p:ext>
+    </p:extLst>
+  </p:cSld>
+  <p:clrMapOvr>
+    <a:masterClrMapping/>
+  </p:clrMapOvr>
+</p:sld>
+</file>
+
+<file path=ppt/slides/slide43.xml><?xml version="1.0" encoding="utf-8"?>
+<p:sld xmlns:a="http://schemas.openxmlformats.org/drawingml/2006/main" xmlns:r="http://schemas.openxmlformats.org/officeDocument/2006/relationships" xmlns:p="http://schemas.openxmlformats.org/presentationml/2006/main">
+  <p:cSld>
+    <p:spTree>
+      <p:nvGrpSpPr>
+        <p:cNvPr id="1" name=""/>
+        <p:cNvGrpSpPr/>
+        <p:nvPr/>
+      </p:nvGrpSpPr>
+      <p:grpSpPr>
+        <a:xfrm>
+          <a:off x="0" y="0"/>
+          <a:ext cx="0" cy="0"/>
+          <a:chOff x="0" y="0"/>
+          <a:chExt cx="0" cy="0"/>
+        </a:xfrm>
+      </p:grpSpPr>
+      <p:sp>
+        <p:nvSpPr>
+          <p:cNvPr id="2" name="Title 1"/>
+          <p:cNvSpPr>
+            <a:spLocks noGrp="1"/>
+          </p:cNvSpPr>
+          <p:nvPr>
+            <p:ph type="title"/>
+          </p:nvPr>
+        </p:nvSpPr>
+        <p:spPr/>
+        <p:txBody>
+          <a:bodyPr/>
+          <a:lstStyle/>
+          <a:p>
+            <a:r>
+              <a:rPr lang="en-US" dirty="0" smtClean="0"/>
+              <a:t>My Data Type Tree</a:t>
+            </a:r>
+            <a:endParaRPr lang="en-US" dirty="0"/>
+          </a:p>
+        </p:txBody>
+      </p:sp>
+      <p:graphicFrame>
+        <p:nvGraphicFramePr>
+          <p:cNvPr id="4" name="Content Placeholder 3"/>
+          <p:cNvGraphicFramePr>
+            <a:graphicFrameLocks noGrp="1"/>
+          </p:cNvGraphicFramePr>
+          <p:nvPr>
+            <p:ph idx="1"/>
+            <p:extLst>
+              <p:ext uri="{D42A27DB-BD31-4B8C-83A1-F6EECF244321}">
+                <p14:modId xmlns:p14="http://schemas.microsoft.com/office/powerpoint/2010/main" val="4089697194"/>
+              </p:ext>
+            </p:extLst>
+          </p:nvPr>
+        </p:nvGraphicFramePr>
+        <p:xfrm>
+          <a:off x="457200" y="1600200"/>
+          <a:ext cx="8229600" cy="4525963"/>
+        </p:xfrm>
+        <a:graphic>
+          <a:graphicData uri="http://schemas.openxmlformats.org/drawingml/2006/diagram">
+            <dgm:relIds xmlns:dgm="http://schemas.openxmlformats.org/drawingml/2006/diagram" xmlns:r="http://schemas.openxmlformats.org/officeDocument/2006/relationships" r:dm="rId2" r:lo="rId3" r:qs="rId4" r:cs="rId5"/>
+          </a:graphicData>
+        </a:graphic>
+      </p:graphicFrame>
+    </p:spTree>
+    <p:extLst>
+      <p:ext uri="{BB962C8B-B14F-4D97-AF65-F5344CB8AC3E}">
+        <p14:creationId xmlns:p14="http://schemas.microsoft.com/office/powerpoint/2010/main" val="1825734548"/>
+      </p:ext>
+    </p:extLst>
+  </p:cSld>
+  <p:clrMapOvr>
+    <a:masterClrMapping/>
+  </p:clrMapOvr>
+</p:sld>
+</file>
+
+<file path=ppt/slides/slide44.xml><?xml version="1.0" encoding="utf-8"?>
+<p:sld xmlns:a="http://schemas.openxmlformats.org/drawingml/2006/main" xmlns:r="http://schemas.openxmlformats.org/officeDocument/2006/relationships" xmlns:p="http://schemas.openxmlformats.org/presentationml/2006/main">
+  <p:cSld>
+    <p:spTree>
+      <p:nvGrpSpPr>
+        <p:cNvPr id="1" name=""/>
+        <p:cNvGrpSpPr/>
+        <p:nvPr/>
+      </p:nvGrpSpPr>
+      <p:grpSpPr>
+        <a:xfrm>
+          <a:off x="0" y="0"/>
+          <a:ext cx="0" cy="0"/>
+          <a:chOff x="0" y="0"/>
+          <a:chExt cx="0" cy="0"/>
+        </a:xfrm>
+      </p:grpSpPr>
+      <p:sp>
+        <p:nvSpPr>
+          <p:cNvPr id="2" name="Title 1"/>
+          <p:cNvSpPr>
+            <a:spLocks noGrp="1"/>
+          </p:cNvSpPr>
+          <p:nvPr>
+            <p:ph type="title"/>
+          </p:nvPr>
+        </p:nvSpPr>
+        <p:spPr/>
+        <p:txBody>
+          <a:bodyPr/>
+          <a:lstStyle/>
+          <a:p>
+            <a:r>
+              <a:rPr lang="en-US" dirty="0" smtClean="0"/>
+              <a:t>Using Functions</a:t>
+            </a:r>
+            <a:endParaRPr lang="en-US" dirty="0"/>
+          </a:p>
+        </p:txBody>
+      </p:sp>
+      <p:sp>
+        <p:nvSpPr>
+          <p:cNvPr id="3" name="Content Placeholder 2"/>
+          <p:cNvSpPr>
+            <a:spLocks noGrp="1"/>
+          </p:cNvSpPr>
+          <p:nvPr>
+            <p:ph idx="1"/>
+          </p:nvPr>
+        </p:nvSpPr>
+        <p:spPr/>
+        <p:txBody>
+          <a:bodyPr>
+            <a:normAutofit fontScale="92500" lnSpcReduction="10000"/>
+          </a:bodyPr>
+          <a:lstStyle/>
+          <a:p>
+            <a:r>
+              <a:rPr lang="en-US" dirty="0" smtClean="0"/>
+              <a:t>Function Name followed by ‘(‘ and ‘)’</a:t>
+            </a:r>
+          </a:p>
+          <a:p>
+            <a:r>
+              <a:rPr lang="en-US" dirty="0" smtClean="0"/>
+              <a:t>If functions doesn’t require arguments/parameters, leave the parameter list empty</a:t>
+            </a:r>
+          </a:p>
+          <a:p>
+            <a:r>
+              <a:rPr lang="en-US" dirty="0" smtClean="0"/>
+              <a:t>Definition:</a:t>
+            </a:r>
+          </a:p>
+          <a:p>
+            <a:pPr marL="400050" lvl="1" indent="0">
+              <a:buNone/>
+            </a:pPr>
+            <a:r>
+              <a:rPr lang="en-US" i="1" dirty="0" smtClean="0">
+                <a:solidFill>
+                  <a:schemeClr val="accent3">
+                    <a:lumMod val="75000"/>
+                  </a:schemeClr>
+                </a:solidFill>
+              </a:rPr>
+              <a:t>function</a:t>
+            </a:r>
+            <a:r>
+              <a:rPr lang="en-US" b="1" dirty="0" smtClean="0">
+                <a:solidFill>
+                  <a:srgbClr val="000000"/>
+                </a:solidFill>
+              </a:rPr>
+              <a:t> </a:t>
+            </a:r>
+            <a:r>
+              <a:rPr lang="en-US" b="1" dirty="0" smtClean="0">
+                <a:solidFill>
+                  <a:schemeClr val="accent4">
+                    <a:lumMod val="75000"/>
+                  </a:schemeClr>
+                </a:solidFill>
+              </a:rPr>
+              <a:t>name</a:t>
+            </a:r>
+            <a:r>
+              <a:rPr lang="en-US" b="1" dirty="0" smtClean="0">
+                <a:solidFill>
+                  <a:srgbClr val="000000"/>
+                </a:solidFill>
+              </a:rPr>
+              <a:t> </a:t>
+            </a:r>
+            <a:r>
+              <a:rPr lang="en-US" dirty="0" smtClean="0"/>
+              <a:t>(</a:t>
+            </a:r>
+            <a:r>
+              <a:rPr lang="en-US" dirty="0"/>
+              <a:t>[</a:t>
+            </a:r>
+            <a:r>
+              <a:rPr lang="en-US" dirty="0">
+                <a:solidFill>
+                  <a:schemeClr val="accent6">
+                    <a:lumMod val="75000"/>
+                  </a:schemeClr>
+                </a:solidFill>
+              </a:rPr>
+              <a:t>argument list</a:t>
+            </a:r>
+            <a:r>
+              <a:rPr lang="is-IS" dirty="0"/>
+              <a:t>]){</a:t>
+            </a:r>
+          </a:p>
+          <a:p>
+            <a:pPr marL="400050" lvl="1" indent="0">
+              <a:buNone/>
+            </a:pPr>
+            <a:r>
+              <a:rPr lang="is-IS" dirty="0"/>
+              <a:t>	</a:t>
+            </a:r>
+            <a:r>
+              <a:rPr lang="is-IS" dirty="0">
+                <a:solidFill>
+                  <a:srgbClr val="800000"/>
+                </a:solidFill>
+              </a:rPr>
+              <a:t>body</a:t>
+            </a:r>
+            <a:endParaRPr lang="is-IS" dirty="0"/>
+          </a:p>
+          <a:p>
+            <a:pPr marL="400050" lvl="1" indent="0">
+              <a:buNone/>
+            </a:pPr>
+            <a:r>
+              <a:rPr lang="is-IS" dirty="0" smtClean="0"/>
+              <a:t>}</a:t>
+            </a:r>
+            <a:endParaRPr lang="en-US" dirty="0" smtClean="0"/>
+          </a:p>
+          <a:p>
+            <a:r>
+              <a:rPr lang="en-US" dirty="0" smtClean="0"/>
+              <a:t>Usage:</a:t>
+            </a:r>
+          </a:p>
+          <a:p>
+            <a:pPr marL="457200" lvl="1" indent="0">
+              <a:buNone/>
+            </a:pPr>
+            <a:r>
+              <a:rPr lang="en-US" dirty="0" smtClean="0"/>
+              <a:t>name([</a:t>
+            </a:r>
+            <a:r>
+              <a:rPr lang="is-IS" dirty="0" smtClean="0"/>
+              <a:t>…]</a:t>
+            </a:r>
+            <a:r>
+              <a:rPr lang="en-US" dirty="0" smtClean="0"/>
+              <a:t>)</a:t>
+            </a:r>
+            <a:endParaRPr lang="en-US" dirty="0"/>
+          </a:p>
+        </p:txBody>
+      </p:sp>
+    </p:spTree>
+    <p:extLst>
+      <p:ext uri="{BB962C8B-B14F-4D97-AF65-F5344CB8AC3E}">
+        <p14:creationId xmlns:p14="http://schemas.microsoft.com/office/powerpoint/2010/main" val="1426491689"/>
+      </p:ext>
+    </p:extLst>
+  </p:cSld>
+  <p:clrMapOvr>
+    <a:masterClrMapping/>
+  </p:clrMapOvr>
+</p:sld>
+</file>
+
+<file path=ppt/slides/slide45.xml><?xml version="1.0" encoding="utf-8"?>
+<p:sld xmlns:a="http://schemas.openxmlformats.org/drawingml/2006/main" xmlns:r="http://schemas.openxmlformats.org/officeDocument/2006/relationships" xmlns:p="http://schemas.openxmlformats.org/presentationml/2006/main">
+  <p:cSld>
+    <p:spTree>
+      <p:nvGrpSpPr>
+        <p:cNvPr id="1" name=""/>
+        <p:cNvGrpSpPr/>
+        <p:nvPr/>
+      </p:nvGrpSpPr>
+      <p:grpSpPr>
+        <a:xfrm>
+          <a:off x="0" y="0"/>
+          <a:ext cx="0" cy="0"/>
+          <a:chOff x="0" y="0"/>
+          <a:chExt cx="0" cy="0"/>
+        </a:xfrm>
+      </p:grpSpPr>
+      <p:sp>
+        <p:nvSpPr>
+          <p:cNvPr id="2" name="Title 1"/>
+          <p:cNvSpPr>
+            <a:spLocks noGrp="1"/>
+          </p:cNvSpPr>
+          <p:nvPr>
+            <p:ph type="title"/>
+          </p:nvPr>
+        </p:nvSpPr>
+        <p:spPr/>
+        <p:txBody>
+          <a:bodyPr/>
+          <a:lstStyle/>
+          <a:p>
+            <a:r>
+              <a:rPr lang="en-US" smtClean="0"/>
+              <a:t>Example-01</a:t>
+            </a:r>
+            <a:endParaRPr lang="en-US" dirty="0"/>
+          </a:p>
+        </p:txBody>
+      </p:sp>
+      <p:sp>
+        <p:nvSpPr>
+          <p:cNvPr id="3" name="Content Placeholder 2"/>
+          <p:cNvSpPr>
+            <a:spLocks noGrp="1"/>
+          </p:cNvSpPr>
+          <p:nvPr>
+            <p:ph idx="1"/>
+          </p:nvPr>
+        </p:nvSpPr>
+        <p:spPr/>
+        <p:txBody>
+          <a:bodyPr>
+            <a:normAutofit/>
+          </a:bodyPr>
+          <a:lstStyle/>
+          <a:p>
+            <a:pPr marL="914400" lvl="2" indent="0">
+              <a:buNone/>
+            </a:pPr>
+            <a:endParaRPr lang="en-US" dirty="0" smtClean="0"/>
+          </a:p>
+          <a:p>
+            <a:pPr marL="914400" lvl="2" indent="0">
+              <a:buNone/>
+            </a:pPr>
+            <a:endParaRPr lang="en-US" dirty="0" smtClean="0"/>
+          </a:p>
+          <a:p>
+            <a:pPr marL="0" indent="0">
+              <a:buNone/>
+            </a:pPr>
+            <a:endParaRPr lang="en-US" dirty="0" smtClean="0"/>
+          </a:p>
+          <a:p>
+            <a:pPr marL="0" indent="0">
+              <a:buNone/>
+            </a:pPr>
+            <a:endParaRPr lang="en-US" dirty="0"/>
+          </a:p>
+          <a:p>
+            <a:pPr marL="0" indent="0">
+              <a:buNone/>
+            </a:pPr>
+            <a:endParaRPr lang="en-US" dirty="0" smtClean="0"/>
+          </a:p>
+          <a:p>
+            <a:pPr marL="0" indent="0">
+              <a:buNone/>
+            </a:pPr>
+            <a:endParaRPr lang="en-US" dirty="0"/>
+          </a:p>
+          <a:p>
+            <a:pPr marL="0" indent="0">
+              <a:buNone/>
+            </a:pPr>
+            <a:endParaRPr lang="en-US" dirty="0"/>
+          </a:p>
+        </p:txBody>
+      </p:sp>
+      <p:pic>
+        <p:nvPicPr>
+          <p:cNvPr id="10" name="Picture 9"/>
+          <p:cNvPicPr>
+            <a:picLocks noChangeAspect="1"/>
+          </p:cNvPicPr>
+          <p:nvPr/>
+        </p:nvPicPr>
+        <p:blipFill>
+          <a:blip r:embed="rId2"/>
+          <a:stretch>
+            <a:fillRect/>
+          </a:stretch>
+        </p:blipFill>
+        <p:spPr>
+          <a:xfrm>
+            <a:off x="342900" y="1417638"/>
+            <a:ext cx="8445500" cy="4876800"/>
+          </a:xfrm>
+          <a:prstGeom prst="rect">
+            <a:avLst/>
+          </a:prstGeom>
+        </p:spPr>
+      </p:pic>
+    </p:spTree>
+    <p:extLst>
+      <p:ext uri="{BB962C8B-B14F-4D97-AF65-F5344CB8AC3E}">
+        <p14:creationId xmlns:p14="http://schemas.microsoft.com/office/powerpoint/2010/main" val="2060027935"/>
+      </p:ext>
+    </p:extLst>
+  </p:cSld>
+  <p:clrMapOvr>
+    <a:masterClrMapping/>
+  </p:clrMapOvr>
 </p:sld>
 </file>
 

--- a/docs/learn-computer-programming.pptx
+++ b/docs/learn-computer-programming.pptx
@@ -50,6 +50,8 @@
     <p:sldId id="298" r:id="rId44"/>
     <p:sldId id="300" r:id="rId45"/>
     <p:sldId id="299" r:id="rId46"/>
+    <p:sldId id="303" r:id="rId47"/>
+    <p:sldId id="302" r:id="rId48"/>
   </p:sldIdLst>
   <p:sldSz cx="9144000" cy="6858000" type="screen4x3"/>
   <p:notesSz cx="6858000" cy="9144000"/>
@@ -3596,42 +3598,42 @@
     </dgm:pt>
   </dgm:ptLst>
   <dgm:cxnLst>
-    <dgm:cxn modelId="{0A19088C-A894-A349-B6F2-D0CA96CD47FA}" srcId="{960CE163-DF35-2B44-83E7-B9153BC66084}" destId="{1AD1EA1C-020E-5744-81BA-AEEC1A7A11F3}" srcOrd="2" destOrd="0" parTransId="{12CF4121-F3B4-5C45-B72F-C1FB37DD3C0D}" sibTransId="{E7356A86-2BC1-2844-87C1-0F4142A0BACE}"/>
-    <dgm:cxn modelId="{A5EF75CA-949B-FB42-A967-633DBF9C5416}" srcId="{67DF074B-DE05-B24C-9E35-CDBF726DC2DD}" destId="{2CF1C699-9046-8C42-87E6-2861BF37D660}" srcOrd="1" destOrd="0" parTransId="{F9A1264F-2EB8-8148-8E8F-B74886C30473}" sibTransId="{2B88B2F7-3FE5-E743-A3EF-F1DB3821C219}"/>
-    <dgm:cxn modelId="{1BB5FA34-3C64-DD46-93EA-B2497E30C558}" type="presOf" srcId="{0C3731E6-7189-414B-8AA4-AA411ADE82DC}" destId="{F42357F4-6E12-A041-A7D6-81713E5E517B}" srcOrd="0" destOrd="0" presId="urn:microsoft.com/office/officeart/2005/8/layout/hierarchy1"/>
-    <dgm:cxn modelId="{4143E40A-3339-5746-9665-4720B7275017}" type="presOf" srcId="{4261D7F4-A7D0-3F49-B78A-20CFB380B683}" destId="{C2C1A37D-940A-6743-AC99-D92FAAA879A9}" srcOrd="0" destOrd="0" presId="urn:microsoft.com/office/officeart/2005/8/layout/hierarchy1"/>
-    <dgm:cxn modelId="{62868263-8B87-BF41-9DB1-C409701EE1E3}" type="presOf" srcId="{184A7FBE-4658-3046-B4A7-4EBDDC670AD1}" destId="{2E4A94D1-71F0-A046-B95F-18095848F38A}" srcOrd="0" destOrd="0" presId="urn:microsoft.com/office/officeart/2005/8/layout/hierarchy1"/>
-    <dgm:cxn modelId="{56B8DE62-0A59-E34F-BA89-ACA8FE07FD37}" type="presOf" srcId="{A215CF19-F4EB-414A-A10F-B2A96141FE91}" destId="{0B86410B-498D-AB4D-9967-4C4AEDB1DF45}" srcOrd="0" destOrd="0" presId="urn:microsoft.com/office/officeart/2005/8/layout/hierarchy1"/>
-    <dgm:cxn modelId="{4CC6FB2A-BDF9-2948-B3E8-8BFD444DE0F5}" srcId="{67DF074B-DE05-B24C-9E35-CDBF726DC2DD}" destId="{632DBD1E-A080-C14D-89CD-94A8C0F3CF25}" srcOrd="0" destOrd="0" parTransId="{563BE0E2-35F1-EA43-92A4-487E8781D214}" sibTransId="{BC85FB81-59E3-3246-A1DB-AA9BCA174B1A}"/>
-    <dgm:cxn modelId="{7E833AC7-C906-EC48-8CF2-050B2E9E6DD6}" type="presOf" srcId="{632DBD1E-A080-C14D-89CD-94A8C0F3CF25}" destId="{2246CDBD-2CA8-A34C-A89B-E32ACB07E97A}" srcOrd="0" destOrd="0" presId="urn:microsoft.com/office/officeart/2005/8/layout/hierarchy1"/>
-    <dgm:cxn modelId="{48C3CFE4-65EB-9D4E-A0CE-F9F821B5D78C}" srcId="{FE86CB60-E462-414C-BF0E-606A57D7AD93}" destId="{9C7D04B1-85B2-3F41-9343-3724449F75B3}" srcOrd="0" destOrd="0" parTransId="{184A7FBE-4658-3046-B4A7-4EBDDC670AD1}" sibTransId="{5D03D28D-4580-AA4E-B725-784F886C6797}"/>
-    <dgm:cxn modelId="{5125BE48-CBDA-9E46-A5EC-A00E5922E856}" type="presOf" srcId="{8C382D6E-A069-234E-96CC-A5A865E2BBBD}" destId="{C6BA431E-FA40-1D4E-A3D8-2A8BD37A2453}" srcOrd="0" destOrd="0" presId="urn:microsoft.com/office/officeart/2005/8/layout/hierarchy1"/>
-    <dgm:cxn modelId="{FFC55F0E-24F0-0940-B0B5-F6820B65D7C7}" type="presOf" srcId="{E5C8F682-32CD-424A-896C-91EAD3E64C45}" destId="{76B33B1D-4CA5-544F-BF28-B308B507EF10}" srcOrd="0" destOrd="0" presId="urn:microsoft.com/office/officeart/2005/8/layout/hierarchy1"/>
-    <dgm:cxn modelId="{BE4A5523-AA4B-D244-80FB-A948E67617FE}" srcId="{AE7EA77A-1D8E-3F42-95E1-4EB11A443A81}" destId="{4261D7F4-A7D0-3F49-B78A-20CFB380B683}" srcOrd="0" destOrd="0" parTransId="{8C382D6E-A069-234E-96CC-A5A865E2BBBD}" sibTransId="{BFE6C573-BEC1-BB44-914C-4A90CDE91A1A}"/>
-    <dgm:cxn modelId="{BD876DF4-FBEE-9943-863F-7B7F61CBAEA9}" srcId="{960CE163-DF35-2B44-83E7-B9153BC66084}" destId="{FE86CB60-E462-414C-BF0E-606A57D7AD93}" srcOrd="3" destOrd="0" parTransId="{70F0D127-9705-B346-8456-2EA73B6E30CF}" sibTransId="{B2965BF0-14E0-474E-A2AB-CCA4521513DD}"/>
-    <dgm:cxn modelId="{7B0EFE83-8F7C-2148-A812-1F8ACB477747}" type="presOf" srcId="{F9A1264F-2EB8-8148-8E8F-B74886C30473}" destId="{9541F663-17CE-1449-B545-4E9F3C558C3A}" srcOrd="0" destOrd="0" presId="urn:microsoft.com/office/officeart/2005/8/layout/hierarchy1"/>
-    <dgm:cxn modelId="{1FDA42F0-000F-6E4D-ACBD-DD297AF16C8B}" type="presOf" srcId="{960CE163-DF35-2B44-83E7-B9153BC66084}" destId="{923B0C63-79B7-9B4A-94B9-19130FBE5D7B}" srcOrd="0" destOrd="0" presId="urn:microsoft.com/office/officeart/2005/8/layout/hierarchy1"/>
-    <dgm:cxn modelId="{C885BB5D-362B-1847-87CF-E1B639313EA0}" srcId="{FE86CB60-E462-414C-BF0E-606A57D7AD93}" destId="{E5C8F682-32CD-424A-896C-91EAD3E64C45}" srcOrd="2" destOrd="0" parTransId="{E3372A67-8AD5-414E-9A1F-4D9E3CFF6332}" sibTransId="{B77BD5BE-E444-A847-B5CA-1B150064119C}"/>
-    <dgm:cxn modelId="{68A68B6C-C4A2-404D-9619-7E596F60AE28}" srcId="{FE86CB60-E462-414C-BF0E-606A57D7AD93}" destId="{67DF074B-DE05-B24C-9E35-CDBF726DC2DD}" srcOrd="1" destOrd="0" parTransId="{0C3731E6-7189-414B-8AA4-AA411ADE82DC}" sibTransId="{4A343348-5A18-A64D-B967-67FF94A2182D}"/>
-    <dgm:cxn modelId="{E1A0809A-BAEA-BF42-92A8-DDEE32055693}" type="presOf" srcId="{9C7D04B1-85B2-3F41-9343-3724449F75B3}" destId="{AD6B8219-1F5B-DA4F-B261-22B5D0551A94}" srcOrd="0" destOrd="0" presId="urn:microsoft.com/office/officeart/2005/8/layout/hierarchy1"/>
-    <dgm:cxn modelId="{74C3DF55-2571-4A42-A3D4-79D2D7286452}" type="presOf" srcId="{12CF4121-F3B4-5C45-B72F-C1FB37DD3C0D}" destId="{800FD04D-B3AC-0B4A-955F-2E2198D77D53}" srcOrd="0" destOrd="0" presId="urn:microsoft.com/office/officeart/2005/8/layout/hierarchy1"/>
-    <dgm:cxn modelId="{7DFEC403-3D07-E147-94A7-6948508849D0}" type="presOf" srcId="{563BE0E2-35F1-EA43-92A4-487E8781D214}" destId="{1F5FFC55-2839-634C-8F0C-96EACF5BE3CB}" srcOrd="0" destOrd="0" presId="urn:microsoft.com/office/officeart/2005/8/layout/hierarchy1"/>
-    <dgm:cxn modelId="{D2D6BF3A-81D0-9346-B33A-086AABA7D7D7}" type="presOf" srcId="{D0F565E7-5D70-054E-90E0-C19FE13B6790}" destId="{6B84F89A-BB62-184B-ACA8-8A1AAAE34DE1}" srcOrd="0" destOrd="0" presId="urn:microsoft.com/office/officeart/2005/8/layout/hierarchy1"/>
-    <dgm:cxn modelId="{FE6DB9C5-C848-C041-9BAC-D3D409ECA3D7}" type="presOf" srcId="{67DF074B-DE05-B24C-9E35-CDBF726DC2DD}" destId="{EBC8209D-BB74-B44A-A57A-C51ABEDBBAE8}" srcOrd="0" destOrd="0" presId="urn:microsoft.com/office/officeart/2005/8/layout/hierarchy1"/>
-    <dgm:cxn modelId="{09A4557F-E6E3-CA46-A390-4566B55E38CE}" srcId="{AE7EA77A-1D8E-3F42-95E1-4EB11A443A81}" destId="{A215CF19-F4EB-414A-A10F-B2A96141FE91}" srcOrd="1" destOrd="0" parTransId="{4810192D-B607-5A42-8DCE-8CFCF1A82427}" sibTransId="{466C1D3C-619E-C448-BF54-2F35FBFACADE}"/>
-    <dgm:cxn modelId="{8BD052AF-949A-F948-A12A-2F16C08A8BAA}" type="presOf" srcId="{4810192D-B607-5A42-8DCE-8CFCF1A82427}" destId="{28156514-4C64-AE45-A406-98283D6076D6}" srcOrd="0" destOrd="0" presId="urn:microsoft.com/office/officeart/2005/8/layout/hierarchy1"/>
-    <dgm:cxn modelId="{629969CD-5D04-2A43-B3AF-FE8A98094A86}" type="presOf" srcId="{6C0275DE-9DFE-0E43-8DDA-D28DD222D71F}" destId="{8CFA3E84-678E-C345-8D46-63E85CF195E2}" srcOrd="0" destOrd="0" presId="urn:microsoft.com/office/officeart/2005/8/layout/hierarchy1"/>
     <dgm:cxn modelId="{250B2BE2-FEC5-CD47-89C4-F8108BC7D53A}" type="presOf" srcId="{FE86CB60-E462-414C-BF0E-606A57D7AD93}" destId="{6603764C-B415-664F-8885-A7DAA8CAF3E7}" srcOrd="0" destOrd="0" presId="urn:microsoft.com/office/officeart/2005/8/layout/hierarchy1"/>
     <dgm:cxn modelId="{1D703EA7-18EF-A644-AD84-6BA0E7A84E48}" srcId="{960CE163-DF35-2B44-83E7-B9153BC66084}" destId="{AE7EA77A-1D8E-3F42-95E1-4EB11A443A81}" srcOrd="0" destOrd="0" parTransId="{D0F565E7-5D70-054E-90E0-C19FE13B6790}" sibTransId="{A9860EA9-F28C-E04C-8CCC-2E75895ED615}"/>
+    <dgm:cxn modelId="{BD876DF4-FBEE-9943-863F-7B7F61CBAEA9}" srcId="{960CE163-DF35-2B44-83E7-B9153BC66084}" destId="{FE86CB60-E462-414C-BF0E-606A57D7AD93}" srcOrd="3" destOrd="0" parTransId="{70F0D127-9705-B346-8456-2EA73B6E30CF}" sibTransId="{B2965BF0-14E0-474E-A2AB-CCA4521513DD}"/>
+    <dgm:cxn modelId="{BDB62AEF-004A-3E4A-BA04-15FFC883C6DC}" type="presOf" srcId="{1AD1EA1C-020E-5744-81BA-AEEC1A7A11F3}" destId="{D86CCABB-994E-2B44-9B36-549A167DC946}" srcOrd="0" destOrd="0" presId="urn:microsoft.com/office/officeart/2005/8/layout/hierarchy1"/>
+    <dgm:cxn modelId="{E1A0809A-BAEA-BF42-92A8-DDEE32055693}" type="presOf" srcId="{9C7D04B1-85B2-3F41-9343-3724449F75B3}" destId="{AD6B8219-1F5B-DA4F-B261-22B5D0551A94}" srcOrd="0" destOrd="0" presId="urn:microsoft.com/office/officeart/2005/8/layout/hierarchy1"/>
+    <dgm:cxn modelId="{56B8DE62-0A59-E34F-BA89-ACA8FE07FD37}" type="presOf" srcId="{A215CF19-F4EB-414A-A10F-B2A96141FE91}" destId="{0B86410B-498D-AB4D-9967-4C4AEDB1DF45}" srcOrd="0" destOrd="0" presId="urn:microsoft.com/office/officeart/2005/8/layout/hierarchy1"/>
+    <dgm:cxn modelId="{D2D6BF3A-81D0-9346-B33A-086AABA7D7D7}" type="presOf" srcId="{D0F565E7-5D70-054E-90E0-C19FE13B6790}" destId="{6B84F89A-BB62-184B-ACA8-8A1AAAE34DE1}" srcOrd="0" destOrd="0" presId="urn:microsoft.com/office/officeart/2005/8/layout/hierarchy1"/>
+    <dgm:cxn modelId="{62868263-8B87-BF41-9DB1-C409701EE1E3}" type="presOf" srcId="{184A7FBE-4658-3046-B4A7-4EBDDC670AD1}" destId="{2E4A94D1-71F0-A046-B95F-18095848F38A}" srcOrd="0" destOrd="0" presId="urn:microsoft.com/office/officeart/2005/8/layout/hierarchy1"/>
+    <dgm:cxn modelId="{1BB5FA34-3C64-DD46-93EA-B2497E30C558}" type="presOf" srcId="{0C3731E6-7189-414B-8AA4-AA411ADE82DC}" destId="{F42357F4-6E12-A041-A7D6-81713E5E517B}" srcOrd="0" destOrd="0" presId="urn:microsoft.com/office/officeart/2005/8/layout/hierarchy1"/>
+    <dgm:cxn modelId="{4CC6FB2A-BDF9-2948-B3E8-8BFD444DE0F5}" srcId="{67DF074B-DE05-B24C-9E35-CDBF726DC2DD}" destId="{632DBD1E-A080-C14D-89CD-94A8C0F3CF25}" srcOrd="0" destOrd="0" parTransId="{563BE0E2-35F1-EA43-92A4-487E8781D214}" sibTransId="{BC85FB81-59E3-3246-A1DB-AA9BCA174B1A}"/>
+    <dgm:cxn modelId="{48C3CFE4-65EB-9D4E-A0CE-F9F821B5D78C}" srcId="{FE86CB60-E462-414C-BF0E-606A57D7AD93}" destId="{9C7D04B1-85B2-3F41-9343-3724449F75B3}" srcOrd="0" destOrd="0" parTransId="{184A7FBE-4658-3046-B4A7-4EBDDC670AD1}" sibTransId="{5D03D28D-4580-AA4E-B725-784F886C6797}"/>
+    <dgm:cxn modelId="{89EEE784-3EED-8F43-8217-BBD1C237CA84}" type="presOf" srcId="{2CF1C699-9046-8C42-87E6-2861BF37D660}" destId="{9152FE1E-3F9F-1945-845B-196FD4FE9E7F}" srcOrd="0" destOrd="0" presId="urn:microsoft.com/office/officeart/2005/8/layout/hierarchy1"/>
+    <dgm:cxn modelId="{68A68B6C-C4A2-404D-9619-7E596F60AE28}" srcId="{FE86CB60-E462-414C-BF0E-606A57D7AD93}" destId="{67DF074B-DE05-B24C-9E35-CDBF726DC2DD}" srcOrd="1" destOrd="0" parTransId="{0C3731E6-7189-414B-8AA4-AA411ADE82DC}" sibTransId="{4A343348-5A18-A64D-B967-67FF94A2182D}"/>
+    <dgm:cxn modelId="{80E2C3F7-058F-1C40-8356-C15390BA6FDF}" type="presOf" srcId="{70F0D127-9705-B346-8456-2EA73B6E30CF}" destId="{201C7CC6-525A-FE42-B4FF-8C5914387024}" srcOrd="0" destOrd="0" presId="urn:microsoft.com/office/officeart/2005/8/layout/hierarchy1"/>
+    <dgm:cxn modelId="{8BD052AF-949A-F948-A12A-2F16C08A8BAA}" type="presOf" srcId="{4810192D-B607-5A42-8DCE-8CFCF1A82427}" destId="{28156514-4C64-AE45-A406-98283D6076D6}" srcOrd="0" destOrd="0" presId="urn:microsoft.com/office/officeart/2005/8/layout/hierarchy1"/>
+    <dgm:cxn modelId="{A5EF75CA-949B-FB42-A967-633DBF9C5416}" srcId="{67DF074B-DE05-B24C-9E35-CDBF726DC2DD}" destId="{2CF1C699-9046-8C42-87E6-2861BF37D660}" srcOrd="1" destOrd="0" parTransId="{F9A1264F-2EB8-8148-8E8F-B74886C30473}" sibTransId="{2B88B2F7-3FE5-E743-A3EF-F1DB3821C219}"/>
+    <dgm:cxn modelId="{FFC55F0E-24F0-0940-B0B5-F6820B65D7C7}" type="presOf" srcId="{E5C8F682-32CD-424A-896C-91EAD3E64C45}" destId="{76B33B1D-4CA5-544F-BF28-B308B507EF10}" srcOrd="0" destOrd="0" presId="urn:microsoft.com/office/officeart/2005/8/layout/hierarchy1"/>
+    <dgm:cxn modelId="{F97734D8-6CBC-804D-B286-FA60DFC694E9}" type="presOf" srcId="{84B85FB8-CE49-454E-AFD0-26748DF588CB}" destId="{39E9CE6E-1476-7F49-AD48-00E9588CC1FC}" srcOrd="0" destOrd="0" presId="urn:microsoft.com/office/officeart/2005/8/layout/hierarchy1"/>
+    <dgm:cxn modelId="{1FDA42F0-000F-6E4D-ACBD-DD297AF16C8B}" type="presOf" srcId="{960CE163-DF35-2B44-83E7-B9153BC66084}" destId="{923B0C63-79B7-9B4A-94B9-19130FBE5D7B}" srcOrd="0" destOrd="0" presId="urn:microsoft.com/office/officeart/2005/8/layout/hierarchy1"/>
+    <dgm:cxn modelId="{E7733746-4C87-234A-9D3E-4005D8B583BC}" srcId="{84B85FB8-CE49-454E-AFD0-26748DF588CB}" destId="{960CE163-DF35-2B44-83E7-B9153BC66084}" srcOrd="0" destOrd="0" parTransId="{15F9C8B3-0868-F148-A166-96327192876A}" sibTransId="{AE4D7356-6DD9-B04F-A5BC-257D53ADE85C}"/>
+    <dgm:cxn modelId="{7DFEC403-3D07-E147-94A7-6948508849D0}" type="presOf" srcId="{563BE0E2-35F1-EA43-92A4-487E8781D214}" destId="{1F5FFC55-2839-634C-8F0C-96EACF5BE3CB}" srcOrd="0" destOrd="0" presId="urn:microsoft.com/office/officeart/2005/8/layout/hierarchy1"/>
+    <dgm:cxn modelId="{74C3DF55-2571-4A42-A3D4-79D2D7286452}" type="presOf" srcId="{12CF4121-F3B4-5C45-B72F-C1FB37DD3C0D}" destId="{800FD04D-B3AC-0B4A-955F-2E2198D77D53}" srcOrd="0" destOrd="0" presId="urn:microsoft.com/office/officeart/2005/8/layout/hierarchy1"/>
+    <dgm:cxn modelId="{C885BB5D-362B-1847-87CF-E1B639313EA0}" srcId="{FE86CB60-E462-414C-BF0E-606A57D7AD93}" destId="{E5C8F682-32CD-424A-896C-91EAD3E64C45}" srcOrd="2" destOrd="0" parTransId="{E3372A67-8AD5-414E-9A1F-4D9E3CFF6332}" sibTransId="{B77BD5BE-E444-A847-B5CA-1B150064119C}"/>
+    <dgm:cxn modelId="{BE4A5523-AA4B-D244-80FB-A948E67617FE}" srcId="{AE7EA77A-1D8E-3F42-95E1-4EB11A443A81}" destId="{4261D7F4-A7D0-3F49-B78A-20CFB380B683}" srcOrd="0" destOrd="0" parTransId="{8C382D6E-A069-234E-96CC-A5A865E2BBBD}" sibTransId="{BFE6C573-BEC1-BB44-914C-4A90CDE91A1A}"/>
+    <dgm:cxn modelId="{FBC04F02-4804-8C4A-8D64-8D7E596D7783}" type="presOf" srcId="{AE7EA77A-1D8E-3F42-95E1-4EB11A443A81}" destId="{BBF408DD-FB71-6449-9993-DDA736E8D58A}" srcOrd="0" destOrd="0" presId="urn:microsoft.com/office/officeart/2005/8/layout/hierarchy1"/>
+    <dgm:cxn modelId="{7E833AC7-C906-EC48-8CF2-050B2E9E6DD6}" type="presOf" srcId="{632DBD1E-A080-C14D-89CD-94A8C0F3CF25}" destId="{2246CDBD-2CA8-A34C-A89B-E32ACB07E97A}" srcOrd="0" destOrd="0" presId="urn:microsoft.com/office/officeart/2005/8/layout/hierarchy1"/>
+    <dgm:cxn modelId="{09A4557F-E6E3-CA46-A390-4566B55E38CE}" srcId="{AE7EA77A-1D8E-3F42-95E1-4EB11A443A81}" destId="{A215CF19-F4EB-414A-A10F-B2A96141FE91}" srcOrd="1" destOrd="0" parTransId="{4810192D-B607-5A42-8DCE-8CFCF1A82427}" sibTransId="{466C1D3C-619E-C448-BF54-2F35FBFACADE}"/>
+    <dgm:cxn modelId="{FE6DB9C5-C848-C041-9BAC-D3D409ECA3D7}" type="presOf" srcId="{67DF074B-DE05-B24C-9E35-CDBF726DC2DD}" destId="{EBC8209D-BB74-B44A-A57A-C51ABEDBBAE8}" srcOrd="0" destOrd="0" presId="urn:microsoft.com/office/officeart/2005/8/layout/hierarchy1"/>
+    <dgm:cxn modelId="{629969CD-5D04-2A43-B3AF-FE8A98094A86}" type="presOf" srcId="{6C0275DE-9DFE-0E43-8DDA-D28DD222D71F}" destId="{8CFA3E84-678E-C345-8D46-63E85CF195E2}" srcOrd="0" destOrd="0" presId="urn:microsoft.com/office/officeart/2005/8/layout/hierarchy1"/>
+    <dgm:cxn modelId="{517E7342-1ED5-B24E-84A1-2A79CCE5BC2A}" type="presOf" srcId="{4D875376-E6B9-804F-AC85-A1D4337BBC8A}" destId="{0FEFC8CB-58CB-4A43-9867-EED6738F0C0F}" srcOrd="0" destOrd="0" presId="urn:microsoft.com/office/officeart/2005/8/layout/hierarchy1"/>
+    <dgm:cxn modelId="{0A19088C-A894-A349-B6F2-D0CA96CD47FA}" srcId="{960CE163-DF35-2B44-83E7-B9153BC66084}" destId="{1AD1EA1C-020E-5744-81BA-AEEC1A7A11F3}" srcOrd="2" destOrd="0" parTransId="{12CF4121-F3B4-5C45-B72F-C1FB37DD3C0D}" sibTransId="{E7356A86-2BC1-2844-87C1-0F4142A0BACE}"/>
+    <dgm:cxn modelId="{FB5948D5-A112-7E4F-A7A4-599731141072}" type="presOf" srcId="{E3372A67-8AD5-414E-9A1F-4D9E3CFF6332}" destId="{BA61A876-7050-3746-8DAE-0686A0FD0957}" srcOrd="0" destOrd="0" presId="urn:microsoft.com/office/officeart/2005/8/layout/hierarchy1"/>
+    <dgm:cxn modelId="{7B0EFE83-8F7C-2148-A812-1F8ACB477747}" type="presOf" srcId="{F9A1264F-2EB8-8148-8E8F-B74886C30473}" destId="{9541F663-17CE-1449-B545-4E9F3C558C3A}" srcOrd="0" destOrd="0" presId="urn:microsoft.com/office/officeart/2005/8/layout/hierarchy1"/>
+    <dgm:cxn modelId="{5125BE48-CBDA-9E46-A5EC-A00E5922E856}" type="presOf" srcId="{8C382D6E-A069-234E-96CC-A5A865E2BBBD}" destId="{C6BA431E-FA40-1D4E-A3D8-2A8BD37A2453}" srcOrd="0" destOrd="0" presId="urn:microsoft.com/office/officeart/2005/8/layout/hierarchy1"/>
     <dgm:cxn modelId="{8FC20289-4F63-9E49-BD79-567030E07E0D}" srcId="{960CE163-DF35-2B44-83E7-B9153BC66084}" destId="{4D875376-E6B9-804F-AC85-A1D4337BBC8A}" srcOrd="1" destOrd="0" parTransId="{6C0275DE-9DFE-0E43-8DDA-D28DD222D71F}" sibTransId="{5CBDE70F-8F73-B144-BE9A-D54839868342}"/>
-    <dgm:cxn modelId="{E7733746-4C87-234A-9D3E-4005D8B583BC}" srcId="{84B85FB8-CE49-454E-AFD0-26748DF588CB}" destId="{960CE163-DF35-2B44-83E7-B9153BC66084}" srcOrd="0" destOrd="0" parTransId="{15F9C8B3-0868-F148-A166-96327192876A}" sibTransId="{AE4D7356-6DD9-B04F-A5BC-257D53ADE85C}"/>
-    <dgm:cxn modelId="{89EEE784-3EED-8F43-8217-BBD1C237CA84}" type="presOf" srcId="{2CF1C699-9046-8C42-87E6-2861BF37D660}" destId="{9152FE1E-3F9F-1945-845B-196FD4FE9E7F}" srcOrd="0" destOrd="0" presId="urn:microsoft.com/office/officeart/2005/8/layout/hierarchy1"/>
-    <dgm:cxn modelId="{517E7342-1ED5-B24E-84A1-2A79CCE5BC2A}" type="presOf" srcId="{4D875376-E6B9-804F-AC85-A1D4337BBC8A}" destId="{0FEFC8CB-58CB-4A43-9867-EED6738F0C0F}" srcOrd="0" destOrd="0" presId="urn:microsoft.com/office/officeart/2005/8/layout/hierarchy1"/>
-    <dgm:cxn modelId="{FB5948D5-A112-7E4F-A7A4-599731141072}" type="presOf" srcId="{E3372A67-8AD5-414E-9A1F-4D9E3CFF6332}" destId="{BA61A876-7050-3746-8DAE-0686A0FD0957}" srcOrd="0" destOrd="0" presId="urn:microsoft.com/office/officeart/2005/8/layout/hierarchy1"/>
-    <dgm:cxn modelId="{BDB62AEF-004A-3E4A-BA04-15FFC883C6DC}" type="presOf" srcId="{1AD1EA1C-020E-5744-81BA-AEEC1A7A11F3}" destId="{D86CCABB-994E-2B44-9B36-549A167DC946}" srcOrd="0" destOrd="0" presId="urn:microsoft.com/office/officeart/2005/8/layout/hierarchy1"/>
-    <dgm:cxn modelId="{80E2C3F7-058F-1C40-8356-C15390BA6FDF}" type="presOf" srcId="{70F0D127-9705-B346-8456-2EA73B6E30CF}" destId="{201C7CC6-525A-FE42-B4FF-8C5914387024}" srcOrd="0" destOrd="0" presId="urn:microsoft.com/office/officeart/2005/8/layout/hierarchy1"/>
-    <dgm:cxn modelId="{FBC04F02-4804-8C4A-8D64-8D7E596D7783}" type="presOf" srcId="{AE7EA77A-1D8E-3F42-95E1-4EB11A443A81}" destId="{BBF408DD-FB71-6449-9993-DDA736E8D58A}" srcOrd="0" destOrd="0" presId="urn:microsoft.com/office/officeart/2005/8/layout/hierarchy1"/>
-    <dgm:cxn modelId="{F97734D8-6CBC-804D-B286-FA60DFC694E9}" type="presOf" srcId="{84B85FB8-CE49-454E-AFD0-26748DF588CB}" destId="{39E9CE6E-1476-7F49-AD48-00E9588CC1FC}" srcOrd="0" destOrd="0" presId="urn:microsoft.com/office/officeart/2005/8/layout/hierarchy1"/>
+    <dgm:cxn modelId="{4143E40A-3339-5746-9665-4720B7275017}" type="presOf" srcId="{4261D7F4-A7D0-3F49-B78A-20CFB380B683}" destId="{C2C1A37D-940A-6743-AC99-D92FAAA879A9}" srcOrd="0" destOrd="0" presId="urn:microsoft.com/office/officeart/2005/8/layout/hierarchy1"/>
     <dgm:cxn modelId="{DF469E1B-C306-5F4B-B680-7ACFEA169B9B}" type="presParOf" srcId="{39E9CE6E-1476-7F49-AD48-00E9588CC1FC}" destId="{AFBF1B26-876E-5B4F-868D-ECF533517B41}" srcOrd="0" destOrd="0" presId="urn:microsoft.com/office/officeart/2005/8/layout/hierarchy1"/>
     <dgm:cxn modelId="{9BD7EE58-09E0-D144-8D85-070D725F1603}" type="presParOf" srcId="{AFBF1B26-876E-5B4F-868D-ECF533517B41}" destId="{80FDFEA5-D276-C44B-902D-D2E8A937A02A}" srcOrd="0" destOrd="0" presId="urn:microsoft.com/office/officeart/2005/8/layout/hierarchy1"/>
     <dgm:cxn modelId="{8C3AC7B7-A647-D047-8BDB-5F00B4604513}" type="presParOf" srcId="{80FDFEA5-D276-C44B-902D-D2E8A937A02A}" destId="{DE9E6D4B-E798-AA47-81C3-1E545DF4DB5B}" srcOrd="0" destOrd="0" presId="urn:microsoft.com/office/officeart/2005/8/layout/hierarchy1"/>
@@ -11967,7 +11969,7 @@
           <a:p>
             <a:fld id="{6483C26A-63A4-F547-BB74-146C3D288EFD}" type="datetimeFigureOut">
               <a:rPr lang="en-US" smtClean="0"/>
-              <a:t>2/8/16</a:t>
+              <a:t>2/11/16</a:t>
             </a:fld>
             <a:endParaRPr lang="en-US"/>
           </a:p>
@@ -12137,7 +12139,7 @@
           <a:p>
             <a:fld id="{6483C26A-63A4-F547-BB74-146C3D288EFD}" type="datetimeFigureOut">
               <a:rPr lang="en-US" smtClean="0"/>
-              <a:t>2/8/16</a:t>
+              <a:t>2/11/16</a:t>
             </a:fld>
             <a:endParaRPr lang="en-US"/>
           </a:p>
@@ -12317,7 +12319,7 @@
           <a:p>
             <a:fld id="{6483C26A-63A4-F547-BB74-146C3D288EFD}" type="datetimeFigureOut">
               <a:rPr lang="en-US" smtClean="0"/>
-              <a:t>2/8/16</a:t>
+              <a:t>2/11/16</a:t>
             </a:fld>
             <a:endParaRPr lang="en-US"/>
           </a:p>
@@ -12487,7 +12489,7 @@
           <a:p>
             <a:fld id="{6483C26A-63A4-F547-BB74-146C3D288EFD}" type="datetimeFigureOut">
               <a:rPr lang="en-US" smtClean="0"/>
-              <a:t>2/8/16</a:t>
+              <a:t>2/11/16</a:t>
             </a:fld>
             <a:endParaRPr lang="en-US"/>
           </a:p>
@@ -12733,7 +12735,7 @@
           <a:p>
             <a:fld id="{6483C26A-63A4-F547-BB74-146C3D288EFD}" type="datetimeFigureOut">
               <a:rPr lang="en-US" smtClean="0"/>
-              <a:t>2/8/16</a:t>
+              <a:t>2/11/16</a:t>
             </a:fld>
             <a:endParaRPr lang="en-US"/>
           </a:p>
@@ -13021,7 +13023,7 @@
           <a:p>
             <a:fld id="{6483C26A-63A4-F547-BB74-146C3D288EFD}" type="datetimeFigureOut">
               <a:rPr lang="en-US" smtClean="0"/>
-              <a:t>2/8/16</a:t>
+              <a:t>2/11/16</a:t>
             </a:fld>
             <a:endParaRPr lang="en-US"/>
           </a:p>
@@ -13443,7 +13445,7 @@
           <a:p>
             <a:fld id="{6483C26A-63A4-F547-BB74-146C3D288EFD}" type="datetimeFigureOut">
               <a:rPr lang="en-US" smtClean="0"/>
-              <a:t>2/8/16</a:t>
+              <a:t>2/11/16</a:t>
             </a:fld>
             <a:endParaRPr lang="en-US"/>
           </a:p>
@@ -13561,7 +13563,7 @@
           <a:p>
             <a:fld id="{6483C26A-63A4-F547-BB74-146C3D288EFD}" type="datetimeFigureOut">
               <a:rPr lang="en-US" smtClean="0"/>
-              <a:t>2/8/16</a:t>
+              <a:t>2/11/16</a:t>
             </a:fld>
             <a:endParaRPr lang="en-US"/>
           </a:p>
@@ -13656,7 +13658,7 @@
           <a:p>
             <a:fld id="{6483C26A-63A4-F547-BB74-146C3D288EFD}" type="datetimeFigureOut">
               <a:rPr lang="en-US" smtClean="0"/>
-              <a:t>2/8/16</a:t>
+              <a:t>2/11/16</a:t>
             </a:fld>
             <a:endParaRPr lang="en-US"/>
           </a:p>
@@ -13933,7 +13935,7 @@
           <a:p>
             <a:fld id="{6483C26A-63A4-F547-BB74-146C3D288EFD}" type="datetimeFigureOut">
               <a:rPr lang="en-US" smtClean="0"/>
-              <a:t>2/8/16</a:t>
+              <a:t>2/11/16</a:t>
             </a:fld>
             <a:endParaRPr lang="en-US"/>
           </a:p>
@@ -14186,7 +14188,7 @@
           <a:p>
             <a:fld id="{6483C26A-63A4-F547-BB74-146C3D288EFD}" type="datetimeFigureOut">
               <a:rPr lang="en-US" smtClean="0"/>
-              <a:t>2/8/16</a:t>
+              <a:t>2/11/16</a:t>
             </a:fld>
             <a:endParaRPr lang="en-US"/>
           </a:p>
@@ -14399,7 +14401,7 @@
           <a:p>
             <a:fld id="{6483C26A-63A4-F547-BB74-146C3D288EFD}" type="datetimeFigureOut">
               <a:rPr lang="en-US" smtClean="0"/>
-              <a:t>2/8/16</a:t>
+              <a:t>2/11/16</a:t>
             </a:fld>
             <a:endParaRPr lang="en-US"/>
           </a:p>
@@ -21850,7 +21852,6 @@
               <a:rPr lang="en-US" dirty="0" smtClean="0"/>
               <a:t>One or more statements</a:t>
             </a:r>
-            <a:endParaRPr lang="en-US" dirty="0" smtClean="0"/>
           </a:p>
           <a:p>
             <a:pPr marL="0" indent="0">
@@ -22178,11 +22179,7 @@
           <a:p>
             <a:r>
               <a:rPr lang="en-US" dirty="0" smtClean="0"/>
-              <a:t>Anonymous </a:t>
-            </a:r>
-            <a:r>
-              <a:rPr lang="en-US" dirty="0" smtClean="0"/>
-              <a:t>Function</a:t>
+              <a:t>Anonymous Function</a:t>
             </a:r>
           </a:p>
           <a:p>
@@ -22302,7 +22299,6 @@
               <a:rPr lang="en-US" dirty="0" smtClean="0"/>
               <a:t>Expanded</a:t>
             </a:r>
-            <a:endParaRPr lang="en-US" dirty="0" smtClean="0"/>
           </a:p>
           <a:p>
             <a:pPr marL="400050" lvl="1" indent="0">
@@ -22907,6 +22903,185 @@
     <p:extLst>
       <p:ext uri="{BB962C8B-B14F-4D97-AF65-F5344CB8AC3E}">
         <p14:creationId xmlns:p14="http://schemas.microsoft.com/office/powerpoint/2010/main" val="2060027935"/>
+      </p:ext>
+    </p:extLst>
+  </p:cSld>
+  <p:clrMapOvr>
+    <a:masterClrMapping/>
+  </p:clrMapOvr>
+</p:sld>
+</file>
+
+<file path=ppt/slides/slide46.xml><?xml version="1.0" encoding="utf-8"?>
+<p:sld xmlns:a="http://schemas.openxmlformats.org/drawingml/2006/main" xmlns:r="http://schemas.openxmlformats.org/officeDocument/2006/relationships" xmlns:p="http://schemas.openxmlformats.org/presentationml/2006/main">
+  <p:cSld>
+    <p:spTree>
+      <p:nvGrpSpPr>
+        <p:cNvPr id="1" name=""/>
+        <p:cNvGrpSpPr/>
+        <p:nvPr/>
+      </p:nvGrpSpPr>
+      <p:grpSpPr>
+        <a:xfrm>
+          <a:off x="0" y="0"/>
+          <a:ext cx="0" cy="0"/>
+          <a:chOff x="0" y="0"/>
+          <a:chExt cx="0" cy="0"/>
+        </a:xfrm>
+      </p:grpSpPr>
+      <p:sp>
+        <p:nvSpPr>
+          <p:cNvPr id="2" name="Title 1"/>
+          <p:cNvSpPr>
+            <a:spLocks noGrp="1"/>
+          </p:cNvSpPr>
+          <p:nvPr>
+            <p:ph type="ctrTitle"/>
+          </p:nvPr>
+        </p:nvSpPr>
+        <p:spPr/>
+        <p:txBody>
+          <a:bodyPr/>
+          <a:lstStyle/>
+          <a:p>
+            <a:r>
+              <a:rPr lang="en-US" dirty="0" smtClean="0"/>
+              <a:t>Chapter 5 – JavaScript</a:t>
+            </a:r>
+            <a:endParaRPr lang="en-US" dirty="0"/>
+          </a:p>
+        </p:txBody>
+      </p:sp>
+      <p:sp>
+        <p:nvSpPr>
+          <p:cNvPr id="3" name="Subtitle 2"/>
+          <p:cNvSpPr>
+            <a:spLocks noGrp="1"/>
+          </p:cNvSpPr>
+          <p:nvPr>
+            <p:ph type="subTitle" idx="1"/>
+          </p:nvPr>
+        </p:nvSpPr>
+        <p:spPr/>
+        <p:txBody>
+          <a:bodyPr/>
+          <a:lstStyle/>
+          <a:p>
+            <a:r>
+              <a:rPr lang="en-US" dirty="0" smtClean="0"/>
+              <a:t>#</a:t>
+            </a:r>
+            <a:r>
+              <a:rPr lang="en-US" dirty="0" smtClean="0"/>
+              <a:t>33 </a:t>
+            </a:r>
+            <a:r>
+              <a:rPr lang="en-US" dirty="0" smtClean="0"/>
+              <a:t>– Section </a:t>
+            </a:r>
+            <a:r>
+              <a:rPr lang="en-US" dirty="0" smtClean="0"/>
+              <a:t>9</a:t>
+            </a:r>
+            <a:endParaRPr lang="en-US" dirty="0" smtClean="0"/>
+          </a:p>
+          <a:p>
+            <a:r>
+              <a:rPr lang="en-US" dirty="0" smtClean="0"/>
+              <a:t>Functions : More On Usage</a:t>
+            </a:r>
+            <a:endParaRPr lang="en-US" dirty="0"/>
+          </a:p>
+        </p:txBody>
+      </p:sp>
+    </p:spTree>
+    <p:extLst>
+      <p:ext uri="{BB962C8B-B14F-4D97-AF65-F5344CB8AC3E}">
+        <p14:creationId xmlns:p14="http://schemas.microsoft.com/office/powerpoint/2010/main" val="1575188702"/>
+      </p:ext>
+    </p:extLst>
+  </p:cSld>
+  <p:clrMapOvr>
+    <a:masterClrMapping/>
+  </p:clrMapOvr>
+  <p:timing>
+    <p:tnLst>
+      <p:par>
+        <p:cTn xmlns:p14="http://schemas.microsoft.com/office/powerpoint/2010/main" id="1" dur="indefinite" restart="never" nodeType="tmRoot"/>
+      </p:par>
+    </p:tnLst>
+  </p:timing>
+</p:sld>
+</file>
+
+<file path=ppt/slides/slide47.xml><?xml version="1.0" encoding="utf-8"?>
+<p:sld xmlns:a="http://schemas.openxmlformats.org/drawingml/2006/main" xmlns:r="http://schemas.openxmlformats.org/officeDocument/2006/relationships" xmlns:p="http://schemas.openxmlformats.org/presentationml/2006/main">
+  <p:cSld>
+    <p:spTree>
+      <p:nvGrpSpPr>
+        <p:cNvPr id="1" name=""/>
+        <p:cNvGrpSpPr/>
+        <p:nvPr/>
+      </p:nvGrpSpPr>
+      <p:grpSpPr>
+        <a:xfrm>
+          <a:off x="0" y="0"/>
+          <a:ext cx="0" cy="0"/>
+          <a:chOff x="0" y="0"/>
+          <a:chExt cx="0" cy="0"/>
+        </a:xfrm>
+      </p:grpSpPr>
+      <p:sp>
+        <p:nvSpPr>
+          <p:cNvPr id="2" name="Title 1"/>
+          <p:cNvSpPr>
+            <a:spLocks noGrp="1"/>
+          </p:cNvSpPr>
+          <p:nvPr>
+            <p:ph type="title"/>
+          </p:nvPr>
+        </p:nvSpPr>
+        <p:spPr/>
+        <p:txBody>
+          <a:bodyPr/>
+          <a:lstStyle/>
+          <a:p>
+            <a:r>
+              <a:rPr lang="en-US" dirty="0" smtClean="0"/>
+              <a:t>Your Awesome Program</a:t>
+            </a:r>
+            <a:endParaRPr lang="en-US" dirty="0"/>
+          </a:p>
+        </p:txBody>
+      </p:sp>
+      <p:pic>
+        <p:nvPicPr>
+          <p:cNvPr id="4" name="Picture 3"/>
+          <p:cNvPicPr>
+            <a:picLocks noChangeAspect="1"/>
+          </p:cNvPicPr>
+          <p:nvPr/>
+        </p:nvPicPr>
+        <p:blipFill>
+          <a:blip r:embed="rId2"/>
+          <a:stretch>
+            <a:fillRect/>
+          </a:stretch>
+        </p:blipFill>
+        <p:spPr>
+          <a:xfrm>
+            <a:off x="3191288" y="1726888"/>
+            <a:ext cx="2761424" cy="5131111"/>
+          </a:xfrm>
+          <a:prstGeom prst="rect">
+            <a:avLst/>
+          </a:prstGeom>
+        </p:spPr>
+      </p:pic>
+    </p:spTree>
+    <p:extLst>
+      <p:ext uri="{BB962C8B-B14F-4D97-AF65-F5344CB8AC3E}">
+        <p14:creationId xmlns:p14="http://schemas.microsoft.com/office/powerpoint/2010/main" val="146739861"/>
       </p:ext>
     </p:extLst>
   </p:cSld>

--- a/docs/learn-computer-programming.pptx
+++ b/docs/learn-computer-programming.pptx
@@ -51,7 +51,12 @@
     <p:sldId id="300" r:id="rId45"/>
     <p:sldId id="299" r:id="rId46"/>
     <p:sldId id="303" r:id="rId47"/>
-    <p:sldId id="302" r:id="rId48"/>
+    <p:sldId id="304" r:id="rId48"/>
+    <p:sldId id="302" r:id="rId49"/>
+    <p:sldId id="305" r:id="rId50"/>
+    <p:sldId id="306" r:id="rId51"/>
+    <p:sldId id="307" r:id="rId52"/>
+    <p:sldId id="308" r:id="rId53"/>
   </p:sldIdLst>
   <p:sldSz cx="9144000" cy="6858000" type="screen4x3"/>
   <p:notesSz cx="6858000" cy="9144000"/>
@@ -3724,2423 +3729,6 @@
       <dsp:cNvGrpSpPr/>
     </dsp:nvGrpSpPr>
     <dsp:grpSpPr/>
-    <dsp:sp modelId="{BA61A876-7050-3746-8DAE-0686A0FD0957}">
-      <dsp:nvSpPr>
-        <dsp:cNvPr id="0" name=""/>
-        <dsp:cNvSpPr/>
-      </dsp:nvSpPr>
-      <dsp:spPr>
-        <a:xfrm>
-          <a:off x="5946368" y="2016410"/>
-          <a:ext cx="1520547" cy="361821"/>
-        </a:xfrm>
-        <a:custGeom>
-          <a:avLst/>
-          <a:gdLst/>
-          <a:ahLst/>
-          <a:cxnLst/>
-          <a:rect l="0" t="0" r="0" b="0"/>
-          <a:pathLst>
-            <a:path>
-              <a:moveTo>
-                <a:pt x="0" y="0"/>
-              </a:moveTo>
-              <a:lnTo>
-                <a:pt x="0" y="246570"/>
-              </a:lnTo>
-              <a:lnTo>
-                <a:pt x="1520547" y="246570"/>
-              </a:lnTo>
-              <a:lnTo>
-                <a:pt x="1520547" y="361821"/>
-              </a:lnTo>
-            </a:path>
-          </a:pathLst>
-        </a:custGeom>
-        <a:noFill/>
-        <a:ln w="9525" cap="flat" cmpd="sng" algn="ctr">
-          <a:solidFill>
-            <a:schemeClr val="accent1">
-              <a:shade val="80000"/>
-              <a:hueOff val="0"/>
-              <a:satOff val="0"/>
-              <a:lumOff val="0"/>
-              <a:alphaOff val="0"/>
-            </a:schemeClr>
-          </a:solidFill>
-          <a:prstDash val="solid"/>
-        </a:ln>
-        <a:effectLst/>
-      </dsp:spPr>
-      <dsp:style>
-        <a:lnRef idx="1">
-          <a:scrgbClr r="0" g="0" b="0"/>
-        </a:lnRef>
-        <a:fillRef idx="0">
-          <a:scrgbClr r="0" g="0" b="0"/>
-        </a:fillRef>
-        <a:effectRef idx="0">
-          <a:scrgbClr r="0" g="0" b="0"/>
-        </a:effectRef>
-        <a:fontRef idx="minor"/>
-      </dsp:style>
-    </dsp:sp>
-    <dsp:sp modelId="{9541F663-17CE-1449-B545-4E9F3C558C3A}">
-      <dsp:nvSpPr>
-        <dsp:cNvPr id="0" name=""/>
-        <dsp:cNvSpPr/>
-      </dsp:nvSpPr>
-      <dsp:spPr>
-        <a:xfrm>
-          <a:off x="5946368" y="3168225"/>
-          <a:ext cx="760273" cy="361821"/>
-        </a:xfrm>
-        <a:custGeom>
-          <a:avLst/>
-          <a:gdLst/>
-          <a:ahLst/>
-          <a:cxnLst/>
-          <a:rect l="0" t="0" r="0" b="0"/>
-          <a:pathLst>
-            <a:path>
-              <a:moveTo>
-                <a:pt x="0" y="0"/>
-              </a:moveTo>
-              <a:lnTo>
-                <a:pt x="0" y="246570"/>
-              </a:lnTo>
-              <a:lnTo>
-                <a:pt x="760273" y="246570"/>
-              </a:lnTo>
-              <a:lnTo>
-                <a:pt x="760273" y="361821"/>
-              </a:lnTo>
-            </a:path>
-          </a:pathLst>
-        </a:custGeom>
-        <a:noFill/>
-        <a:ln w="9525" cap="flat" cmpd="sng" algn="ctr">
-          <a:solidFill>
-            <a:schemeClr val="accent1">
-              <a:shade val="80000"/>
-              <a:hueOff val="0"/>
-              <a:satOff val="0"/>
-              <a:lumOff val="0"/>
-              <a:alphaOff val="0"/>
-            </a:schemeClr>
-          </a:solidFill>
-          <a:prstDash val="solid"/>
-        </a:ln>
-        <a:effectLst/>
-      </dsp:spPr>
-      <dsp:style>
-        <a:lnRef idx="1">
-          <a:scrgbClr r="0" g="0" b="0"/>
-        </a:lnRef>
-        <a:fillRef idx="0">
-          <a:scrgbClr r="0" g="0" b="0"/>
-        </a:fillRef>
-        <a:effectRef idx="0">
-          <a:scrgbClr r="0" g="0" b="0"/>
-        </a:effectRef>
-        <a:fontRef idx="minor"/>
-      </dsp:style>
-    </dsp:sp>
-    <dsp:sp modelId="{1F5FFC55-2839-634C-8F0C-96EACF5BE3CB}">
-      <dsp:nvSpPr>
-        <dsp:cNvPr id="0" name=""/>
-        <dsp:cNvSpPr/>
-      </dsp:nvSpPr>
-      <dsp:spPr>
-        <a:xfrm>
-          <a:off x="5186094" y="3168225"/>
-          <a:ext cx="760273" cy="361821"/>
-        </a:xfrm>
-        <a:custGeom>
-          <a:avLst/>
-          <a:gdLst/>
-          <a:ahLst/>
-          <a:cxnLst/>
-          <a:rect l="0" t="0" r="0" b="0"/>
-          <a:pathLst>
-            <a:path>
-              <a:moveTo>
-                <a:pt x="760273" y="0"/>
-              </a:moveTo>
-              <a:lnTo>
-                <a:pt x="760273" y="246570"/>
-              </a:lnTo>
-              <a:lnTo>
-                <a:pt x="0" y="246570"/>
-              </a:lnTo>
-              <a:lnTo>
-                <a:pt x="0" y="361821"/>
-              </a:lnTo>
-            </a:path>
-          </a:pathLst>
-        </a:custGeom>
-        <a:noFill/>
-        <a:ln w="9525" cap="flat" cmpd="sng" algn="ctr">
-          <a:solidFill>
-            <a:schemeClr val="accent1">
-              <a:shade val="80000"/>
-              <a:hueOff val="0"/>
-              <a:satOff val="0"/>
-              <a:lumOff val="0"/>
-              <a:alphaOff val="0"/>
-            </a:schemeClr>
-          </a:solidFill>
-          <a:prstDash val="solid"/>
-        </a:ln>
-        <a:effectLst/>
-      </dsp:spPr>
-      <dsp:style>
-        <a:lnRef idx="1">
-          <a:scrgbClr r="0" g="0" b="0"/>
-        </a:lnRef>
-        <a:fillRef idx="0">
-          <a:scrgbClr r="0" g="0" b="0"/>
-        </a:fillRef>
-        <a:effectRef idx="0">
-          <a:scrgbClr r="0" g="0" b="0"/>
-        </a:effectRef>
-        <a:fontRef idx="minor"/>
-      </dsp:style>
-    </dsp:sp>
-    <dsp:sp modelId="{F42357F4-6E12-A041-A7D6-81713E5E517B}">
-      <dsp:nvSpPr>
-        <dsp:cNvPr id="0" name=""/>
-        <dsp:cNvSpPr/>
-      </dsp:nvSpPr>
-      <dsp:spPr>
-        <a:xfrm>
-          <a:off x="5900648" y="2016410"/>
-          <a:ext cx="91440" cy="361821"/>
-        </a:xfrm>
-        <a:custGeom>
-          <a:avLst/>
-          <a:gdLst/>
-          <a:ahLst/>
-          <a:cxnLst/>
-          <a:rect l="0" t="0" r="0" b="0"/>
-          <a:pathLst>
-            <a:path>
-              <a:moveTo>
-                <a:pt x="45720" y="0"/>
-              </a:moveTo>
-              <a:lnTo>
-                <a:pt x="45720" y="361821"/>
-              </a:lnTo>
-            </a:path>
-          </a:pathLst>
-        </a:custGeom>
-        <a:noFill/>
-        <a:ln w="9525" cap="flat" cmpd="sng" algn="ctr">
-          <a:solidFill>
-            <a:schemeClr val="accent1">
-              <a:shade val="80000"/>
-              <a:hueOff val="0"/>
-              <a:satOff val="0"/>
-              <a:lumOff val="0"/>
-              <a:alphaOff val="0"/>
-            </a:schemeClr>
-          </a:solidFill>
-          <a:prstDash val="solid"/>
-        </a:ln>
-        <a:effectLst/>
-      </dsp:spPr>
-      <dsp:style>
-        <a:lnRef idx="1">
-          <a:scrgbClr r="0" g="0" b="0"/>
-        </a:lnRef>
-        <a:fillRef idx="0">
-          <a:scrgbClr r="0" g="0" b="0"/>
-        </a:fillRef>
-        <a:effectRef idx="0">
-          <a:scrgbClr r="0" g="0" b="0"/>
-        </a:effectRef>
-        <a:fontRef idx="minor"/>
-      </dsp:style>
-    </dsp:sp>
-    <dsp:sp modelId="{2E4A94D1-71F0-A046-B95F-18095848F38A}">
-      <dsp:nvSpPr>
-        <dsp:cNvPr id="0" name=""/>
-        <dsp:cNvSpPr/>
-      </dsp:nvSpPr>
-      <dsp:spPr>
-        <a:xfrm>
-          <a:off x="4425821" y="2016410"/>
-          <a:ext cx="1520547" cy="361821"/>
-        </a:xfrm>
-        <a:custGeom>
-          <a:avLst/>
-          <a:gdLst/>
-          <a:ahLst/>
-          <a:cxnLst/>
-          <a:rect l="0" t="0" r="0" b="0"/>
-          <a:pathLst>
-            <a:path>
-              <a:moveTo>
-                <a:pt x="1520547" y="0"/>
-              </a:moveTo>
-              <a:lnTo>
-                <a:pt x="1520547" y="246570"/>
-              </a:lnTo>
-              <a:lnTo>
-                <a:pt x="0" y="246570"/>
-              </a:lnTo>
-              <a:lnTo>
-                <a:pt x="0" y="361821"/>
-              </a:lnTo>
-            </a:path>
-          </a:pathLst>
-        </a:custGeom>
-        <a:noFill/>
-        <a:ln w="9525" cap="flat" cmpd="sng" algn="ctr">
-          <a:solidFill>
-            <a:schemeClr val="accent1">
-              <a:shade val="80000"/>
-              <a:hueOff val="0"/>
-              <a:satOff val="0"/>
-              <a:lumOff val="0"/>
-              <a:alphaOff val="0"/>
-            </a:schemeClr>
-          </a:solidFill>
-          <a:prstDash val="solid"/>
-        </a:ln>
-        <a:effectLst/>
-      </dsp:spPr>
-      <dsp:style>
-        <a:lnRef idx="1">
-          <a:scrgbClr r="0" g="0" b="0"/>
-        </a:lnRef>
-        <a:fillRef idx="0">
-          <a:scrgbClr r="0" g="0" b="0"/>
-        </a:fillRef>
-        <a:effectRef idx="0">
-          <a:scrgbClr r="0" g="0" b="0"/>
-        </a:effectRef>
-        <a:fontRef idx="minor"/>
-      </dsp:style>
-    </dsp:sp>
-    <dsp:sp modelId="{201C7CC6-525A-FE42-B4FF-8C5914387024}">
-      <dsp:nvSpPr>
-        <dsp:cNvPr id="0" name=""/>
-        <dsp:cNvSpPr/>
-      </dsp:nvSpPr>
-      <dsp:spPr>
-        <a:xfrm>
-          <a:off x="3665547" y="864596"/>
-          <a:ext cx="2280820" cy="361821"/>
-        </a:xfrm>
-        <a:custGeom>
-          <a:avLst/>
-          <a:gdLst/>
-          <a:ahLst/>
-          <a:cxnLst/>
-          <a:rect l="0" t="0" r="0" b="0"/>
-          <a:pathLst>
-            <a:path>
-              <a:moveTo>
-                <a:pt x="0" y="0"/>
-              </a:moveTo>
-              <a:lnTo>
-                <a:pt x="0" y="246570"/>
-              </a:lnTo>
-              <a:lnTo>
-                <a:pt x="2280820" y="246570"/>
-              </a:lnTo>
-              <a:lnTo>
-                <a:pt x="2280820" y="361821"/>
-              </a:lnTo>
-            </a:path>
-          </a:pathLst>
-        </a:custGeom>
-        <a:noFill/>
-        <a:ln w="9525" cap="flat" cmpd="sng" algn="ctr">
-          <a:solidFill>
-            <a:schemeClr val="accent1">
-              <a:shade val="60000"/>
-              <a:hueOff val="0"/>
-              <a:satOff val="0"/>
-              <a:lumOff val="0"/>
-              <a:alphaOff val="0"/>
-            </a:schemeClr>
-          </a:solidFill>
-          <a:prstDash val="solid"/>
-        </a:ln>
-        <a:effectLst/>
-      </dsp:spPr>
-      <dsp:style>
-        <a:lnRef idx="1">
-          <a:scrgbClr r="0" g="0" b="0"/>
-        </a:lnRef>
-        <a:fillRef idx="0">
-          <a:scrgbClr r="0" g="0" b="0"/>
-        </a:fillRef>
-        <a:effectRef idx="0">
-          <a:scrgbClr r="0" g="0" b="0"/>
-        </a:effectRef>
-        <a:fontRef idx="minor"/>
-      </dsp:style>
-    </dsp:sp>
-    <dsp:sp modelId="{800FD04D-B3AC-0B4A-955F-2E2198D77D53}">
-      <dsp:nvSpPr>
-        <dsp:cNvPr id="0" name=""/>
-        <dsp:cNvSpPr/>
-      </dsp:nvSpPr>
-      <dsp:spPr>
-        <a:xfrm>
-          <a:off x="3665547" y="864596"/>
-          <a:ext cx="760273" cy="361821"/>
-        </a:xfrm>
-        <a:custGeom>
-          <a:avLst/>
-          <a:gdLst/>
-          <a:ahLst/>
-          <a:cxnLst/>
-          <a:rect l="0" t="0" r="0" b="0"/>
-          <a:pathLst>
-            <a:path>
-              <a:moveTo>
-                <a:pt x="0" y="0"/>
-              </a:moveTo>
-              <a:lnTo>
-                <a:pt x="0" y="246570"/>
-              </a:lnTo>
-              <a:lnTo>
-                <a:pt x="760273" y="246570"/>
-              </a:lnTo>
-              <a:lnTo>
-                <a:pt x="760273" y="361821"/>
-              </a:lnTo>
-            </a:path>
-          </a:pathLst>
-        </a:custGeom>
-        <a:noFill/>
-        <a:ln w="9525" cap="flat" cmpd="sng" algn="ctr">
-          <a:solidFill>
-            <a:schemeClr val="accent1">
-              <a:shade val="60000"/>
-              <a:hueOff val="0"/>
-              <a:satOff val="0"/>
-              <a:lumOff val="0"/>
-              <a:alphaOff val="0"/>
-            </a:schemeClr>
-          </a:solidFill>
-          <a:prstDash val="solid"/>
-        </a:ln>
-        <a:effectLst/>
-      </dsp:spPr>
-      <dsp:style>
-        <a:lnRef idx="1">
-          <a:scrgbClr r="0" g="0" b="0"/>
-        </a:lnRef>
-        <a:fillRef idx="0">
-          <a:scrgbClr r="0" g="0" b="0"/>
-        </a:fillRef>
-        <a:effectRef idx="0">
-          <a:scrgbClr r="0" g="0" b="0"/>
-        </a:effectRef>
-        <a:fontRef idx="minor"/>
-      </dsp:style>
-    </dsp:sp>
-    <dsp:sp modelId="{8CFA3E84-678E-C345-8D46-63E85CF195E2}">
-      <dsp:nvSpPr>
-        <dsp:cNvPr id="0" name=""/>
-        <dsp:cNvSpPr/>
-      </dsp:nvSpPr>
-      <dsp:spPr>
-        <a:xfrm>
-          <a:off x="2905273" y="864596"/>
-          <a:ext cx="760273" cy="361821"/>
-        </a:xfrm>
-        <a:custGeom>
-          <a:avLst/>
-          <a:gdLst/>
-          <a:ahLst/>
-          <a:cxnLst/>
-          <a:rect l="0" t="0" r="0" b="0"/>
-          <a:pathLst>
-            <a:path>
-              <a:moveTo>
-                <a:pt x="760273" y="0"/>
-              </a:moveTo>
-              <a:lnTo>
-                <a:pt x="760273" y="246570"/>
-              </a:lnTo>
-              <a:lnTo>
-                <a:pt x="0" y="246570"/>
-              </a:lnTo>
-              <a:lnTo>
-                <a:pt x="0" y="361821"/>
-              </a:lnTo>
-            </a:path>
-          </a:pathLst>
-        </a:custGeom>
-        <a:noFill/>
-        <a:ln w="9525" cap="flat" cmpd="sng" algn="ctr">
-          <a:solidFill>
-            <a:schemeClr val="accent1">
-              <a:shade val="60000"/>
-              <a:hueOff val="0"/>
-              <a:satOff val="0"/>
-              <a:lumOff val="0"/>
-              <a:alphaOff val="0"/>
-            </a:schemeClr>
-          </a:solidFill>
-          <a:prstDash val="solid"/>
-        </a:ln>
-        <a:effectLst/>
-      </dsp:spPr>
-      <dsp:style>
-        <a:lnRef idx="1">
-          <a:scrgbClr r="0" g="0" b="0"/>
-        </a:lnRef>
-        <a:fillRef idx="0">
-          <a:scrgbClr r="0" g="0" b="0"/>
-        </a:fillRef>
-        <a:effectRef idx="0">
-          <a:scrgbClr r="0" g="0" b="0"/>
-        </a:effectRef>
-        <a:fontRef idx="minor"/>
-      </dsp:style>
-    </dsp:sp>
-    <dsp:sp modelId="{28156514-4C64-AE45-A406-98283D6076D6}">
-      <dsp:nvSpPr>
-        <dsp:cNvPr id="0" name=""/>
-        <dsp:cNvSpPr/>
-      </dsp:nvSpPr>
-      <dsp:spPr>
-        <a:xfrm>
-          <a:off x="1384726" y="2016410"/>
-          <a:ext cx="760273" cy="361821"/>
-        </a:xfrm>
-        <a:custGeom>
-          <a:avLst/>
-          <a:gdLst/>
-          <a:ahLst/>
-          <a:cxnLst/>
-          <a:rect l="0" t="0" r="0" b="0"/>
-          <a:pathLst>
-            <a:path>
-              <a:moveTo>
-                <a:pt x="0" y="0"/>
-              </a:moveTo>
-              <a:lnTo>
-                <a:pt x="0" y="246570"/>
-              </a:lnTo>
-              <a:lnTo>
-                <a:pt x="760273" y="246570"/>
-              </a:lnTo>
-              <a:lnTo>
-                <a:pt x="760273" y="361821"/>
-              </a:lnTo>
-            </a:path>
-          </a:pathLst>
-        </a:custGeom>
-        <a:noFill/>
-        <a:ln w="9525" cap="flat" cmpd="sng" algn="ctr">
-          <a:solidFill>
-            <a:schemeClr val="accent1">
-              <a:shade val="80000"/>
-              <a:hueOff val="0"/>
-              <a:satOff val="0"/>
-              <a:lumOff val="0"/>
-              <a:alphaOff val="0"/>
-            </a:schemeClr>
-          </a:solidFill>
-          <a:prstDash val="solid"/>
-        </a:ln>
-        <a:effectLst/>
-      </dsp:spPr>
-      <dsp:style>
-        <a:lnRef idx="1">
-          <a:scrgbClr r="0" g="0" b="0"/>
-        </a:lnRef>
-        <a:fillRef idx="0">
-          <a:scrgbClr r="0" g="0" b="0"/>
-        </a:fillRef>
-        <a:effectRef idx="0">
-          <a:scrgbClr r="0" g="0" b="0"/>
-        </a:effectRef>
-        <a:fontRef idx="minor"/>
-      </dsp:style>
-    </dsp:sp>
-    <dsp:sp modelId="{C6BA431E-FA40-1D4E-A3D8-2A8BD37A2453}">
-      <dsp:nvSpPr>
-        <dsp:cNvPr id="0" name=""/>
-        <dsp:cNvSpPr/>
-      </dsp:nvSpPr>
-      <dsp:spPr>
-        <a:xfrm>
-          <a:off x="624453" y="2016410"/>
-          <a:ext cx="760273" cy="361821"/>
-        </a:xfrm>
-        <a:custGeom>
-          <a:avLst/>
-          <a:gdLst/>
-          <a:ahLst/>
-          <a:cxnLst/>
-          <a:rect l="0" t="0" r="0" b="0"/>
-          <a:pathLst>
-            <a:path>
-              <a:moveTo>
-                <a:pt x="760273" y="0"/>
-              </a:moveTo>
-              <a:lnTo>
-                <a:pt x="760273" y="246570"/>
-              </a:lnTo>
-              <a:lnTo>
-                <a:pt x="0" y="246570"/>
-              </a:lnTo>
-              <a:lnTo>
-                <a:pt x="0" y="361821"/>
-              </a:lnTo>
-            </a:path>
-          </a:pathLst>
-        </a:custGeom>
-        <a:noFill/>
-        <a:ln w="9525" cap="flat" cmpd="sng" algn="ctr">
-          <a:solidFill>
-            <a:schemeClr val="accent1">
-              <a:shade val="80000"/>
-              <a:hueOff val="0"/>
-              <a:satOff val="0"/>
-              <a:lumOff val="0"/>
-              <a:alphaOff val="0"/>
-            </a:schemeClr>
-          </a:solidFill>
-          <a:prstDash val="solid"/>
-        </a:ln>
-        <a:effectLst/>
-      </dsp:spPr>
-      <dsp:style>
-        <a:lnRef idx="1">
-          <a:scrgbClr r="0" g="0" b="0"/>
-        </a:lnRef>
-        <a:fillRef idx="0">
-          <a:scrgbClr r="0" g="0" b="0"/>
-        </a:fillRef>
-        <a:effectRef idx="0">
-          <a:scrgbClr r="0" g="0" b="0"/>
-        </a:effectRef>
-        <a:fontRef idx="minor"/>
-      </dsp:style>
-    </dsp:sp>
-    <dsp:sp modelId="{6B84F89A-BB62-184B-ACA8-8A1AAAE34DE1}">
-      <dsp:nvSpPr>
-        <dsp:cNvPr id="0" name=""/>
-        <dsp:cNvSpPr/>
-      </dsp:nvSpPr>
-      <dsp:spPr>
-        <a:xfrm>
-          <a:off x="1384726" y="864596"/>
-          <a:ext cx="2280820" cy="361821"/>
-        </a:xfrm>
-        <a:custGeom>
-          <a:avLst/>
-          <a:gdLst/>
-          <a:ahLst/>
-          <a:cxnLst/>
-          <a:rect l="0" t="0" r="0" b="0"/>
-          <a:pathLst>
-            <a:path>
-              <a:moveTo>
-                <a:pt x="2280820" y="0"/>
-              </a:moveTo>
-              <a:lnTo>
-                <a:pt x="2280820" y="246570"/>
-              </a:lnTo>
-              <a:lnTo>
-                <a:pt x="0" y="246570"/>
-              </a:lnTo>
-              <a:lnTo>
-                <a:pt x="0" y="361821"/>
-              </a:lnTo>
-            </a:path>
-          </a:pathLst>
-        </a:custGeom>
-        <a:noFill/>
-        <a:ln w="9525" cap="flat" cmpd="sng" algn="ctr">
-          <a:solidFill>
-            <a:schemeClr val="accent1">
-              <a:shade val="60000"/>
-              <a:hueOff val="0"/>
-              <a:satOff val="0"/>
-              <a:lumOff val="0"/>
-              <a:alphaOff val="0"/>
-            </a:schemeClr>
-          </a:solidFill>
-          <a:prstDash val="solid"/>
-        </a:ln>
-        <a:effectLst/>
-      </dsp:spPr>
-      <dsp:style>
-        <a:lnRef idx="1">
-          <a:scrgbClr r="0" g="0" b="0"/>
-        </a:lnRef>
-        <a:fillRef idx="0">
-          <a:scrgbClr r="0" g="0" b="0"/>
-        </a:fillRef>
-        <a:effectRef idx="0">
-          <a:scrgbClr r="0" g="0" b="0"/>
-        </a:effectRef>
-        <a:fontRef idx="minor"/>
-      </dsp:style>
-    </dsp:sp>
-    <dsp:sp modelId="{DE9E6D4B-E798-AA47-81C3-1E545DF4DB5B}">
-      <dsp:nvSpPr>
-        <dsp:cNvPr id="0" name=""/>
-        <dsp:cNvSpPr/>
-      </dsp:nvSpPr>
-      <dsp:spPr>
-        <a:xfrm>
-          <a:off x="3043505" y="74603"/>
-          <a:ext cx="1244084" cy="789993"/>
-        </a:xfrm>
-        <a:prstGeom prst="roundRect">
-          <a:avLst>
-            <a:gd name="adj" fmla="val 10000"/>
-          </a:avLst>
-        </a:prstGeom>
-        <a:gradFill rotWithShape="0">
-          <a:gsLst>
-            <a:gs pos="0">
-              <a:schemeClr val="accent1">
-                <a:hueOff val="0"/>
-                <a:satOff val="0"/>
-                <a:lumOff val="0"/>
-                <a:alphaOff val="0"/>
-                <a:tint val="100000"/>
-                <a:shade val="100000"/>
-                <a:satMod val="130000"/>
-              </a:schemeClr>
-            </a:gs>
-            <a:gs pos="100000">
-              <a:schemeClr val="accent1">
-                <a:hueOff val="0"/>
-                <a:satOff val="0"/>
-                <a:lumOff val="0"/>
-                <a:alphaOff val="0"/>
-                <a:tint val="50000"/>
-                <a:shade val="100000"/>
-                <a:satMod val="350000"/>
-              </a:schemeClr>
-            </a:gs>
-          </a:gsLst>
-          <a:lin ang="16200000" scaled="0"/>
-        </a:gradFill>
-        <a:ln>
-          <a:noFill/>
-        </a:ln>
-        <a:effectLst>
-          <a:outerShdw blurRad="40000" dist="23000" dir="5400000" rotWithShape="0">
-            <a:srgbClr val="000000">
-              <a:alpha val="35000"/>
-            </a:srgbClr>
-          </a:outerShdw>
-        </a:effectLst>
-      </dsp:spPr>
-      <dsp:style>
-        <a:lnRef idx="0">
-          <a:scrgbClr r="0" g="0" b="0"/>
-        </a:lnRef>
-        <a:fillRef idx="3">
-          <a:scrgbClr r="0" g="0" b="0"/>
-        </a:fillRef>
-        <a:effectRef idx="2">
-          <a:scrgbClr r="0" g="0" b="0"/>
-        </a:effectRef>
-        <a:fontRef idx="minor">
-          <a:schemeClr val="lt1"/>
-        </a:fontRef>
-      </dsp:style>
-    </dsp:sp>
-    <dsp:sp modelId="{923B0C63-79B7-9B4A-94B9-19130FBE5D7B}">
-      <dsp:nvSpPr>
-        <dsp:cNvPr id="0" name=""/>
-        <dsp:cNvSpPr/>
-      </dsp:nvSpPr>
-      <dsp:spPr>
-        <a:xfrm>
-          <a:off x="3181736" y="205923"/>
-          <a:ext cx="1244084" cy="789993"/>
-        </a:xfrm>
-        <a:prstGeom prst="roundRect">
-          <a:avLst>
-            <a:gd name="adj" fmla="val 10000"/>
-          </a:avLst>
-        </a:prstGeom>
-        <a:solidFill>
-          <a:schemeClr val="lt1">
-            <a:alpha val="90000"/>
-            <a:hueOff val="0"/>
-            <a:satOff val="0"/>
-            <a:lumOff val="0"/>
-            <a:alphaOff val="0"/>
-          </a:schemeClr>
-        </a:solidFill>
-        <a:ln w="9525" cap="flat" cmpd="sng" algn="ctr">
-          <a:solidFill>
-            <a:schemeClr val="accent1">
-              <a:hueOff val="0"/>
-              <a:satOff val="0"/>
-              <a:lumOff val="0"/>
-              <a:alphaOff val="0"/>
-            </a:schemeClr>
-          </a:solidFill>
-          <a:prstDash val="solid"/>
-        </a:ln>
-        <a:effectLst/>
-      </dsp:spPr>
-      <dsp:style>
-        <a:lnRef idx="1">
-          <a:scrgbClr r="0" g="0" b="0"/>
-        </a:lnRef>
-        <a:fillRef idx="1">
-          <a:scrgbClr r="0" g="0" b="0"/>
-        </a:fillRef>
-        <a:effectRef idx="0">
-          <a:scrgbClr r="0" g="0" b="0"/>
-        </a:effectRef>
-        <a:fontRef idx="minor"/>
-      </dsp:style>
-      <dsp:txBody>
-        <a:bodyPr spcFirstLastPara="0" vert="horz" wrap="square" lIns="76200" tIns="76200" rIns="76200" bIns="76200" numCol="1" spcCol="1270" anchor="ctr" anchorCtr="0">
-          <a:noAutofit/>
-        </a:bodyPr>
-        <a:lstStyle/>
-        <a:p>
-          <a:pPr lvl="0" algn="ctr" defTabSz="889000">
-            <a:lnSpc>
-              <a:spcPct val="90000"/>
-            </a:lnSpc>
-            <a:spcBef>
-              <a:spcPct val="0"/>
-            </a:spcBef>
-            <a:spcAft>
-              <a:spcPct val="35000"/>
-            </a:spcAft>
-          </a:pPr>
-          <a:r>
-            <a:rPr lang="en-US" sz="2000" kern="1200" dirty="0" smtClean="0"/>
-            <a:t>Data Type</a:t>
-          </a:r>
-          <a:endParaRPr lang="en-US" sz="2000" kern="1200" dirty="0"/>
-        </a:p>
-      </dsp:txBody>
-      <dsp:txXfrm>
-        <a:off x="3204874" y="229061"/>
-        <a:ext cx="1197808" cy="743717"/>
-      </dsp:txXfrm>
-    </dsp:sp>
-    <dsp:sp modelId="{3D0C8496-FBEF-B442-BAA7-CC30894D9EC3}">
-      <dsp:nvSpPr>
-        <dsp:cNvPr id="0" name=""/>
-        <dsp:cNvSpPr/>
-      </dsp:nvSpPr>
-      <dsp:spPr>
-        <a:xfrm>
-          <a:off x="762684" y="1226417"/>
-          <a:ext cx="1244084" cy="789993"/>
-        </a:xfrm>
-        <a:prstGeom prst="roundRect">
-          <a:avLst>
-            <a:gd name="adj" fmla="val 10000"/>
-          </a:avLst>
-        </a:prstGeom>
-        <a:gradFill rotWithShape="0">
-          <a:gsLst>
-            <a:gs pos="0">
-              <a:schemeClr val="accent1">
-                <a:hueOff val="0"/>
-                <a:satOff val="0"/>
-                <a:lumOff val="0"/>
-                <a:alphaOff val="0"/>
-                <a:tint val="100000"/>
-                <a:shade val="100000"/>
-                <a:satMod val="130000"/>
-              </a:schemeClr>
-            </a:gs>
-            <a:gs pos="100000">
-              <a:schemeClr val="accent1">
-                <a:hueOff val="0"/>
-                <a:satOff val="0"/>
-                <a:lumOff val="0"/>
-                <a:alphaOff val="0"/>
-                <a:tint val="50000"/>
-                <a:shade val="100000"/>
-                <a:satMod val="350000"/>
-              </a:schemeClr>
-            </a:gs>
-          </a:gsLst>
-          <a:lin ang="16200000" scaled="0"/>
-        </a:gradFill>
-        <a:ln>
-          <a:noFill/>
-        </a:ln>
-        <a:effectLst>
-          <a:outerShdw blurRad="40000" dist="23000" dir="5400000" rotWithShape="0">
-            <a:srgbClr val="000000">
-              <a:alpha val="35000"/>
-            </a:srgbClr>
-          </a:outerShdw>
-        </a:effectLst>
-      </dsp:spPr>
-      <dsp:style>
-        <a:lnRef idx="0">
-          <a:scrgbClr r="0" g="0" b="0"/>
-        </a:lnRef>
-        <a:fillRef idx="3">
-          <a:scrgbClr r="0" g="0" b="0"/>
-        </a:fillRef>
-        <a:effectRef idx="2">
-          <a:scrgbClr r="0" g="0" b="0"/>
-        </a:effectRef>
-        <a:fontRef idx="minor">
-          <a:schemeClr val="lt1"/>
-        </a:fontRef>
-      </dsp:style>
-    </dsp:sp>
-    <dsp:sp modelId="{BBF408DD-FB71-6449-9993-DDA736E8D58A}">
-      <dsp:nvSpPr>
-        <dsp:cNvPr id="0" name=""/>
-        <dsp:cNvSpPr/>
-      </dsp:nvSpPr>
-      <dsp:spPr>
-        <a:xfrm>
-          <a:off x="900916" y="1357737"/>
-          <a:ext cx="1244084" cy="789993"/>
-        </a:xfrm>
-        <a:prstGeom prst="roundRect">
-          <a:avLst>
-            <a:gd name="adj" fmla="val 10000"/>
-          </a:avLst>
-        </a:prstGeom>
-        <a:solidFill>
-          <a:schemeClr val="lt1">
-            <a:alpha val="90000"/>
-            <a:hueOff val="0"/>
-            <a:satOff val="0"/>
-            <a:lumOff val="0"/>
-            <a:alphaOff val="0"/>
-          </a:schemeClr>
-        </a:solidFill>
-        <a:ln w="9525" cap="flat" cmpd="sng" algn="ctr">
-          <a:solidFill>
-            <a:schemeClr val="accent1">
-              <a:hueOff val="0"/>
-              <a:satOff val="0"/>
-              <a:lumOff val="0"/>
-              <a:alphaOff val="0"/>
-            </a:schemeClr>
-          </a:solidFill>
-          <a:prstDash val="solid"/>
-        </a:ln>
-        <a:effectLst/>
-      </dsp:spPr>
-      <dsp:style>
-        <a:lnRef idx="1">
-          <a:scrgbClr r="0" g="0" b="0"/>
-        </a:lnRef>
-        <a:fillRef idx="1">
-          <a:scrgbClr r="0" g="0" b="0"/>
-        </a:fillRef>
-        <a:effectRef idx="0">
-          <a:scrgbClr r="0" g="0" b="0"/>
-        </a:effectRef>
-        <a:fontRef idx="minor"/>
-      </dsp:style>
-      <dsp:txBody>
-        <a:bodyPr spcFirstLastPara="0" vert="horz" wrap="square" lIns="76200" tIns="76200" rIns="76200" bIns="76200" numCol="1" spcCol="1270" anchor="ctr" anchorCtr="0">
-          <a:noAutofit/>
-        </a:bodyPr>
-        <a:lstStyle/>
-        <a:p>
-          <a:pPr lvl="0" algn="ctr" defTabSz="889000">
-            <a:lnSpc>
-              <a:spcPct val="90000"/>
-            </a:lnSpc>
-            <a:spcBef>
-              <a:spcPct val="0"/>
-            </a:spcBef>
-            <a:spcAft>
-              <a:spcPct val="35000"/>
-            </a:spcAft>
-          </a:pPr>
-          <a:r>
-            <a:rPr lang="en-US" sz="2000" kern="1200" dirty="0" smtClean="0"/>
-            <a:t>Number</a:t>
-          </a:r>
-          <a:endParaRPr lang="en-US" sz="2000" kern="1200" dirty="0"/>
-        </a:p>
-      </dsp:txBody>
-      <dsp:txXfrm>
-        <a:off x="924054" y="1380875"/>
-        <a:ext cx="1197808" cy="743717"/>
-      </dsp:txXfrm>
-    </dsp:sp>
-    <dsp:sp modelId="{4AC60A40-741B-ED47-AAD7-DE82CE34AD41}">
-      <dsp:nvSpPr>
-        <dsp:cNvPr id="0" name=""/>
-        <dsp:cNvSpPr/>
-      </dsp:nvSpPr>
-      <dsp:spPr>
-        <a:xfrm>
-          <a:off x="2411" y="2378232"/>
-          <a:ext cx="1244084" cy="789993"/>
-        </a:xfrm>
-        <a:prstGeom prst="roundRect">
-          <a:avLst>
-            <a:gd name="adj" fmla="val 10000"/>
-          </a:avLst>
-        </a:prstGeom>
-        <a:gradFill rotWithShape="0">
-          <a:gsLst>
-            <a:gs pos="0">
-              <a:schemeClr val="accent1">
-                <a:hueOff val="0"/>
-                <a:satOff val="0"/>
-                <a:lumOff val="0"/>
-                <a:alphaOff val="0"/>
-                <a:tint val="100000"/>
-                <a:shade val="100000"/>
-                <a:satMod val="130000"/>
-              </a:schemeClr>
-            </a:gs>
-            <a:gs pos="100000">
-              <a:schemeClr val="accent1">
-                <a:hueOff val="0"/>
-                <a:satOff val="0"/>
-                <a:lumOff val="0"/>
-                <a:alphaOff val="0"/>
-                <a:tint val="50000"/>
-                <a:shade val="100000"/>
-                <a:satMod val="350000"/>
-              </a:schemeClr>
-            </a:gs>
-          </a:gsLst>
-          <a:lin ang="16200000" scaled="0"/>
-        </a:gradFill>
-        <a:ln>
-          <a:noFill/>
-        </a:ln>
-        <a:effectLst>
-          <a:outerShdw blurRad="40000" dist="23000" dir="5400000" rotWithShape="0">
-            <a:srgbClr val="000000">
-              <a:alpha val="35000"/>
-            </a:srgbClr>
-          </a:outerShdw>
-        </a:effectLst>
-      </dsp:spPr>
-      <dsp:style>
-        <a:lnRef idx="0">
-          <a:scrgbClr r="0" g="0" b="0"/>
-        </a:lnRef>
-        <a:fillRef idx="3">
-          <a:scrgbClr r="0" g="0" b="0"/>
-        </a:fillRef>
-        <a:effectRef idx="2">
-          <a:scrgbClr r="0" g="0" b="0"/>
-        </a:effectRef>
-        <a:fontRef idx="minor">
-          <a:schemeClr val="lt1"/>
-        </a:fontRef>
-      </dsp:style>
-    </dsp:sp>
-    <dsp:sp modelId="{C2C1A37D-940A-6743-AC99-D92FAAA879A9}">
-      <dsp:nvSpPr>
-        <dsp:cNvPr id="0" name=""/>
-        <dsp:cNvSpPr/>
-      </dsp:nvSpPr>
-      <dsp:spPr>
-        <a:xfrm>
-          <a:off x="140642" y="2509552"/>
-          <a:ext cx="1244084" cy="789993"/>
-        </a:xfrm>
-        <a:prstGeom prst="roundRect">
-          <a:avLst>
-            <a:gd name="adj" fmla="val 10000"/>
-          </a:avLst>
-        </a:prstGeom>
-        <a:solidFill>
-          <a:schemeClr val="lt1">
-            <a:alpha val="90000"/>
-            <a:hueOff val="0"/>
-            <a:satOff val="0"/>
-            <a:lumOff val="0"/>
-            <a:alphaOff val="0"/>
-          </a:schemeClr>
-        </a:solidFill>
-        <a:ln w="9525" cap="flat" cmpd="sng" algn="ctr">
-          <a:solidFill>
-            <a:schemeClr val="accent1">
-              <a:hueOff val="0"/>
-              <a:satOff val="0"/>
-              <a:lumOff val="0"/>
-              <a:alphaOff val="0"/>
-            </a:schemeClr>
-          </a:solidFill>
-          <a:prstDash val="solid"/>
-        </a:ln>
-        <a:effectLst/>
-      </dsp:spPr>
-      <dsp:style>
-        <a:lnRef idx="1">
-          <a:scrgbClr r="0" g="0" b="0"/>
-        </a:lnRef>
-        <a:fillRef idx="1">
-          <a:scrgbClr r="0" g="0" b="0"/>
-        </a:fillRef>
-        <a:effectRef idx="0">
-          <a:scrgbClr r="0" g="0" b="0"/>
-        </a:effectRef>
-        <a:fontRef idx="minor"/>
-      </dsp:style>
-      <dsp:txBody>
-        <a:bodyPr spcFirstLastPara="0" vert="horz" wrap="square" lIns="76200" tIns="76200" rIns="76200" bIns="76200" numCol="1" spcCol="1270" anchor="ctr" anchorCtr="0">
-          <a:noAutofit/>
-        </a:bodyPr>
-        <a:lstStyle/>
-        <a:p>
-          <a:pPr lvl="0" algn="ctr" defTabSz="889000">
-            <a:lnSpc>
-              <a:spcPct val="90000"/>
-            </a:lnSpc>
-            <a:spcBef>
-              <a:spcPct val="0"/>
-            </a:spcBef>
-            <a:spcAft>
-              <a:spcPct val="35000"/>
-            </a:spcAft>
-          </a:pPr>
-          <a:r>
-            <a:rPr lang="en-US" sz="2000" kern="1200" dirty="0" smtClean="0"/>
-            <a:t>Whole</a:t>
-          </a:r>
-          <a:endParaRPr lang="en-US" sz="2000" kern="1200" dirty="0"/>
-        </a:p>
-      </dsp:txBody>
-      <dsp:txXfrm>
-        <a:off x="163780" y="2532690"/>
-        <a:ext cx="1197808" cy="743717"/>
-      </dsp:txXfrm>
-    </dsp:sp>
-    <dsp:sp modelId="{42E6176C-3E48-2248-9A2F-70DD7DB88292}">
-      <dsp:nvSpPr>
-        <dsp:cNvPr id="0" name=""/>
-        <dsp:cNvSpPr/>
-      </dsp:nvSpPr>
-      <dsp:spPr>
-        <a:xfrm>
-          <a:off x="1522958" y="2378232"/>
-          <a:ext cx="1244084" cy="789993"/>
-        </a:xfrm>
-        <a:prstGeom prst="roundRect">
-          <a:avLst>
-            <a:gd name="adj" fmla="val 10000"/>
-          </a:avLst>
-        </a:prstGeom>
-        <a:gradFill rotWithShape="0">
-          <a:gsLst>
-            <a:gs pos="0">
-              <a:schemeClr val="accent1">
-                <a:hueOff val="0"/>
-                <a:satOff val="0"/>
-                <a:lumOff val="0"/>
-                <a:alphaOff val="0"/>
-                <a:tint val="100000"/>
-                <a:shade val="100000"/>
-                <a:satMod val="130000"/>
-              </a:schemeClr>
-            </a:gs>
-            <a:gs pos="100000">
-              <a:schemeClr val="accent1">
-                <a:hueOff val="0"/>
-                <a:satOff val="0"/>
-                <a:lumOff val="0"/>
-                <a:alphaOff val="0"/>
-                <a:tint val="50000"/>
-                <a:shade val="100000"/>
-                <a:satMod val="350000"/>
-              </a:schemeClr>
-            </a:gs>
-          </a:gsLst>
-          <a:lin ang="16200000" scaled="0"/>
-        </a:gradFill>
-        <a:ln>
-          <a:noFill/>
-        </a:ln>
-        <a:effectLst>
-          <a:outerShdw blurRad="40000" dist="23000" dir="5400000" rotWithShape="0">
-            <a:srgbClr val="000000">
-              <a:alpha val="35000"/>
-            </a:srgbClr>
-          </a:outerShdw>
-        </a:effectLst>
-      </dsp:spPr>
-      <dsp:style>
-        <a:lnRef idx="0">
-          <a:scrgbClr r="0" g="0" b="0"/>
-        </a:lnRef>
-        <a:fillRef idx="3">
-          <a:scrgbClr r="0" g="0" b="0"/>
-        </a:fillRef>
-        <a:effectRef idx="2">
-          <a:scrgbClr r="0" g="0" b="0"/>
-        </a:effectRef>
-        <a:fontRef idx="minor">
-          <a:schemeClr val="lt1"/>
-        </a:fontRef>
-      </dsp:style>
-    </dsp:sp>
-    <dsp:sp modelId="{0B86410B-498D-AB4D-9967-4C4AEDB1DF45}">
-      <dsp:nvSpPr>
-        <dsp:cNvPr id="0" name=""/>
-        <dsp:cNvSpPr/>
-      </dsp:nvSpPr>
-      <dsp:spPr>
-        <a:xfrm>
-          <a:off x="1661189" y="2509552"/>
-          <a:ext cx="1244084" cy="789993"/>
-        </a:xfrm>
-        <a:prstGeom prst="roundRect">
-          <a:avLst>
-            <a:gd name="adj" fmla="val 10000"/>
-          </a:avLst>
-        </a:prstGeom>
-        <a:solidFill>
-          <a:schemeClr val="lt1">
-            <a:alpha val="90000"/>
-            <a:hueOff val="0"/>
-            <a:satOff val="0"/>
-            <a:lumOff val="0"/>
-            <a:alphaOff val="0"/>
-          </a:schemeClr>
-        </a:solidFill>
-        <a:ln w="9525" cap="flat" cmpd="sng" algn="ctr">
-          <a:solidFill>
-            <a:schemeClr val="accent1">
-              <a:hueOff val="0"/>
-              <a:satOff val="0"/>
-              <a:lumOff val="0"/>
-              <a:alphaOff val="0"/>
-            </a:schemeClr>
-          </a:solidFill>
-          <a:prstDash val="solid"/>
-        </a:ln>
-        <a:effectLst/>
-      </dsp:spPr>
-      <dsp:style>
-        <a:lnRef idx="1">
-          <a:scrgbClr r="0" g="0" b="0"/>
-        </a:lnRef>
-        <a:fillRef idx="1">
-          <a:scrgbClr r="0" g="0" b="0"/>
-        </a:fillRef>
-        <a:effectRef idx="0">
-          <a:scrgbClr r="0" g="0" b="0"/>
-        </a:effectRef>
-        <a:fontRef idx="minor"/>
-      </dsp:style>
-      <dsp:txBody>
-        <a:bodyPr spcFirstLastPara="0" vert="horz" wrap="square" lIns="76200" tIns="76200" rIns="76200" bIns="76200" numCol="1" spcCol="1270" anchor="ctr" anchorCtr="0">
-          <a:noAutofit/>
-        </a:bodyPr>
-        <a:lstStyle/>
-        <a:p>
-          <a:pPr lvl="0" algn="ctr" defTabSz="889000">
-            <a:lnSpc>
-              <a:spcPct val="90000"/>
-            </a:lnSpc>
-            <a:spcBef>
-              <a:spcPct val="0"/>
-            </a:spcBef>
-            <a:spcAft>
-              <a:spcPct val="35000"/>
-            </a:spcAft>
-          </a:pPr>
-          <a:r>
-            <a:rPr lang="en-US" sz="2000" kern="1200" dirty="0" smtClean="0"/>
-            <a:t>Float</a:t>
-          </a:r>
-          <a:endParaRPr lang="en-US" sz="2000" kern="1200" dirty="0"/>
-        </a:p>
-      </dsp:txBody>
-      <dsp:txXfrm>
-        <a:off x="1684327" y="2532690"/>
-        <a:ext cx="1197808" cy="743717"/>
-      </dsp:txXfrm>
-    </dsp:sp>
-    <dsp:sp modelId="{E4637EFB-2FAA-3446-8FC9-AD7B8E683EE6}">
-      <dsp:nvSpPr>
-        <dsp:cNvPr id="0" name=""/>
-        <dsp:cNvSpPr/>
-      </dsp:nvSpPr>
-      <dsp:spPr>
-        <a:xfrm>
-          <a:off x="2283231" y="1226417"/>
-          <a:ext cx="1244084" cy="789993"/>
-        </a:xfrm>
-        <a:prstGeom prst="roundRect">
-          <a:avLst>
-            <a:gd name="adj" fmla="val 10000"/>
-          </a:avLst>
-        </a:prstGeom>
-        <a:gradFill rotWithShape="0">
-          <a:gsLst>
-            <a:gs pos="0">
-              <a:schemeClr val="accent1">
-                <a:hueOff val="0"/>
-                <a:satOff val="0"/>
-                <a:lumOff val="0"/>
-                <a:alphaOff val="0"/>
-                <a:tint val="100000"/>
-                <a:shade val="100000"/>
-                <a:satMod val="130000"/>
-              </a:schemeClr>
-            </a:gs>
-            <a:gs pos="100000">
-              <a:schemeClr val="accent1">
-                <a:hueOff val="0"/>
-                <a:satOff val="0"/>
-                <a:lumOff val="0"/>
-                <a:alphaOff val="0"/>
-                <a:tint val="50000"/>
-                <a:shade val="100000"/>
-                <a:satMod val="350000"/>
-              </a:schemeClr>
-            </a:gs>
-          </a:gsLst>
-          <a:lin ang="16200000" scaled="0"/>
-        </a:gradFill>
-        <a:ln>
-          <a:noFill/>
-        </a:ln>
-        <a:effectLst>
-          <a:outerShdw blurRad="40000" dist="23000" dir="5400000" rotWithShape="0">
-            <a:srgbClr val="000000">
-              <a:alpha val="35000"/>
-            </a:srgbClr>
-          </a:outerShdw>
-        </a:effectLst>
-      </dsp:spPr>
-      <dsp:style>
-        <a:lnRef idx="0">
-          <a:scrgbClr r="0" g="0" b="0"/>
-        </a:lnRef>
-        <a:fillRef idx="3">
-          <a:scrgbClr r="0" g="0" b="0"/>
-        </a:fillRef>
-        <a:effectRef idx="2">
-          <a:scrgbClr r="0" g="0" b="0"/>
-        </a:effectRef>
-        <a:fontRef idx="minor">
-          <a:schemeClr val="lt1"/>
-        </a:fontRef>
-      </dsp:style>
-    </dsp:sp>
-    <dsp:sp modelId="{0FEFC8CB-58CB-4A43-9867-EED6738F0C0F}">
-      <dsp:nvSpPr>
-        <dsp:cNvPr id="0" name=""/>
-        <dsp:cNvSpPr/>
-      </dsp:nvSpPr>
-      <dsp:spPr>
-        <a:xfrm>
-          <a:off x="2421463" y="1357737"/>
-          <a:ext cx="1244084" cy="789993"/>
-        </a:xfrm>
-        <a:prstGeom prst="roundRect">
-          <a:avLst>
-            <a:gd name="adj" fmla="val 10000"/>
-          </a:avLst>
-        </a:prstGeom>
-        <a:solidFill>
-          <a:schemeClr val="lt1">
-            <a:alpha val="90000"/>
-            <a:hueOff val="0"/>
-            <a:satOff val="0"/>
-            <a:lumOff val="0"/>
-            <a:alphaOff val="0"/>
-          </a:schemeClr>
-        </a:solidFill>
-        <a:ln w="9525" cap="flat" cmpd="sng" algn="ctr">
-          <a:solidFill>
-            <a:schemeClr val="accent1">
-              <a:hueOff val="0"/>
-              <a:satOff val="0"/>
-              <a:lumOff val="0"/>
-              <a:alphaOff val="0"/>
-            </a:schemeClr>
-          </a:solidFill>
-          <a:prstDash val="solid"/>
-        </a:ln>
-        <a:effectLst/>
-      </dsp:spPr>
-      <dsp:style>
-        <a:lnRef idx="1">
-          <a:scrgbClr r="0" g="0" b="0"/>
-        </a:lnRef>
-        <a:fillRef idx="1">
-          <a:scrgbClr r="0" g="0" b="0"/>
-        </a:fillRef>
-        <a:effectRef idx="0">
-          <a:scrgbClr r="0" g="0" b="0"/>
-        </a:effectRef>
-        <a:fontRef idx="minor"/>
-      </dsp:style>
-      <dsp:txBody>
-        <a:bodyPr spcFirstLastPara="0" vert="horz" wrap="square" lIns="76200" tIns="76200" rIns="76200" bIns="76200" numCol="1" spcCol="1270" anchor="ctr" anchorCtr="0">
-          <a:noAutofit/>
-        </a:bodyPr>
-        <a:lstStyle/>
-        <a:p>
-          <a:pPr lvl="0" algn="ctr" defTabSz="889000">
-            <a:lnSpc>
-              <a:spcPct val="90000"/>
-            </a:lnSpc>
-            <a:spcBef>
-              <a:spcPct val="0"/>
-            </a:spcBef>
-            <a:spcAft>
-              <a:spcPct val="35000"/>
-            </a:spcAft>
-          </a:pPr>
-          <a:r>
-            <a:rPr lang="en-US" sz="2000" kern="1200" dirty="0" smtClean="0"/>
-            <a:t>String</a:t>
-          </a:r>
-          <a:endParaRPr lang="en-US" sz="2000" kern="1200" dirty="0"/>
-        </a:p>
-      </dsp:txBody>
-      <dsp:txXfrm>
-        <a:off x="2444601" y="1380875"/>
-        <a:ext cx="1197808" cy="743717"/>
-      </dsp:txXfrm>
-    </dsp:sp>
-    <dsp:sp modelId="{742E8093-E526-D748-A87A-DEAD1A9F1F6D}">
-      <dsp:nvSpPr>
-        <dsp:cNvPr id="0" name=""/>
-        <dsp:cNvSpPr/>
-      </dsp:nvSpPr>
-      <dsp:spPr>
-        <a:xfrm>
-          <a:off x="3803778" y="1226417"/>
-          <a:ext cx="1244084" cy="789993"/>
-        </a:xfrm>
-        <a:prstGeom prst="roundRect">
-          <a:avLst>
-            <a:gd name="adj" fmla="val 10000"/>
-          </a:avLst>
-        </a:prstGeom>
-        <a:gradFill rotWithShape="0">
-          <a:gsLst>
-            <a:gs pos="0">
-              <a:schemeClr val="accent1">
-                <a:hueOff val="0"/>
-                <a:satOff val="0"/>
-                <a:lumOff val="0"/>
-                <a:alphaOff val="0"/>
-                <a:tint val="100000"/>
-                <a:shade val="100000"/>
-                <a:satMod val="130000"/>
-              </a:schemeClr>
-            </a:gs>
-            <a:gs pos="100000">
-              <a:schemeClr val="accent1">
-                <a:hueOff val="0"/>
-                <a:satOff val="0"/>
-                <a:lumOff val="0"/>
-                <a:alphaOff val="0"/>
-                <a:tint val="50000"/>
-                <a:shade val="100000"/>
-                <a:satMod val="350000"/>
-              </a:schemeClr>
-            </a:gs>
-          </a:gsLst>
-          <a:lin ang="16200000" scaled="0"/>
-        </a:gradFill>
-        <a:ln>
-          <a:noFill/>
-        </a:ln>
-        <a:effectLst>
-          <a:outerShdw blurRad="40000" dist="23000" dir="5400000" rotWithShape="0">
-            <a:srgbClr val="000000">
-              <a:alpha val="35000"/>
-            </a:srgbClr>
-          </a:outerShdw>
-        </a:effectLst>
-      </dsp:spPr>
-      <dsp:style>
-        <a:lnRef idx="0">
-          <a:scrgbClr r="0" g="0" b="0"/>
-        </a:lnRef>
-        <a:fillRef idx="3">
-          <a:scrgbClr r="0" g="0" b="0"/>
-        </a:fillRef>
-        <a:effectRef idx="2">
-          <a:scrgbClr r="0" g="0" b="0"/>
-        </a:effectRef>
-        <a:fontRef idx="minor">
-          <a:schemeClr val="lt1"/>
-        </a:fontRef>
-      </dsp:style>
-    </dsp:sp>
-    <dsp:sp modelId="{D86CCABB-994E-2B44-9B36-549A167DC946}">
-      <dsp:nvSpPr>
-        <dsp:cNvPr id="0" name=""/>
-        <dsp:cNvSpPr/>
-      </dsp:nvSpPr>
-      <dsp:spPr>
-        <a:xfrm>
-          <a:off x="3942010" y="1357737"/>
-          <a:ext cx="1244084" cy="789993"/>
-        </a:xfrm>
-        <a:prstGeom prst="roundRect">
-          <a:avLst>
-            <a:gd name="adj" fmla="val 10000"/>
-          </a:avLst>
-        </a:prstGeom>
-        <a:solidFill>
-          <a:schemeClr val="lt1">
-            <a:alpha val="90000"/>
-            <a:hueOff val="0"/>
-            <a:satOff val="0"/>
-            <a:lumOff val="0"/>
-            <a:alphaOff val="0"/>
-          </a:schemeClr>
-        </a:solidFill>
-        <a:ln w="9525" cap="flat" cmpd="sng" algn="ctr">
-          <a:solidFill>
-            <a:schemeClr val="accent1">
-              <a:hueOff val="0"/>
-              <a:satOff val="0"/>
-              <a:lumOff val="0"/>
-              <a:alphaOff val="0"/>
-            </a:schemeClr>
-          </a:solidFill>
-          <a:prstDash val="solid"/>
-        </a:ln>
-        <a:effectLst/>
-      </dsp:spPr>
-      <dsp:style>
-        <a:lnRef idx="1">
-          <a:scrgbClr r="0" g="0" b="0"/>
-        </a:lnRef>
-        <a:fillRef idx="1">
-          <a:scrgbClr r="0" g="0" b="0"/>
-        </a:fillRef>
-        <a:effectRef idx="0">
-          <a:scrgbClr r="0" g="0" b="0"/>
-        </a:effectRef>
-        <a:fontRef idx="minor"/>
-      </dsp:style>
-      <dsp:txBody>
-        <a:bodyPr spcFirstLastPara="0" vert="horz" wrap="square" lIns="76200" tIns="76200" rIns="76200" bIns="76200" numCol="1" spcCol="1270" anchor="ctr" anchorCtr="0">
-          <a:noAutofit/>
-        </a:bodyPr>
-        <a:lstStyle/>
-        <a:p>
-          <a:pPr lvl="0" algn="ctr" defTabSz="889000">
-            <a:lnSpc>
-              <a:spcPct val="90000"/>
-            </a:lnSpc>
-            <a:spcBef>
-              <a:spcPct val="0"/>
-            </a:spcBef>
-            <a:spcAft>
-              <a:spcPct val="35000"/>
-            </a:spcAft>
-          </a:pPr>
-          <a:r>
-            <a:rPr lang="en-US" sz="2000" kern="1200" dirty="0" smtClean="0"/>
-            <a:t>Boolean</a:t>
-          </a:r>
-          <a:endParaRPr lang="en-US" sz="2000" kern="1200" dirty="0"/>
-        </a:p>
-      </dsp:txBody>
-      <dsp:txXfrm>
-        <a:off x="3965148" y="1380875"/>
-        <a:ext cx="1197808" cy="743717"/>
-      </dsp:txXfrm>
-    </dsp:sp>
-    <dsp:sp modelId="{419941D0-E8C4-AB44-9E78-DAAEB48DEBBF}">
-      <dsp:nvSpPr>
-        <dsp:cNvPr id="0" name=""/>
-        <dsp:cNvSpPr/>
-      </dsp:nvSpPr>
-      <dsp:spPr>
-        <a:xfrm>
-          <a:off x="5324326" y="1226417"/>
-          <a:ext cx="1244084" cy="789993"/>
-        </a:xfrm>
-        <a:prstGeom prst="roundRect">
-          <a:avLst>
-            <a:gd name="adj" fmla="val 10000"/>
-          </a:avLst>
-        </a:prstGeom>
-        <a:gradFill rotWithShape="0">
-          <a:gsLst>
-            <a:gs pos="0">
-              <a:schemeClr val="accent1">
-                <a:hueOff val="0"/>
-                <a:satOff val="0"/>
-                <a:lumOff val="0"/>
-                <a:alphaOff val="0"/>
-                <a:tint val="100000"/>
-                <a:shade val="100000"/>
-                <a:satMod val="130000"/>
-              </a:schemeClr>
-            </a:gs>
-            <a:gs pos="100000">
-              <a:schemeClr val="accent1">
-                <a:hueOff val="0"/>
-                <a:satOff val="0"/>
-                <a:lumOff val="0"/>
-                <a:alphaOff val="0"/>
-                <a:tint val="50000"/>
-                <a:shade val="100000"/>
-                <a:satMod val="350000"/>
-              </a:schemeClr>
-            </a:gs>
-          </a:gsLst>
-          <a:lin ang="16200000" scaled="0"/>
-        </a:gradFill>
-        <a:ln>
-          <a:noFill/>
-        </a:ln>
-        <a:effectLst>
-          <a:outerShdw blurRad="40000" dist="23000" dir="5400000" rotWithShape="0">
-            <a:srgbClr val="000000">
-              <a:alpha val="35000"/>
-            </a:srgbClr>
-          </a:outerShdw>
-        </a:effectLst>
-      </dsp:spPr>
-      <dsp:style>
-        <a:lnRef idx="0">
-          <a:scrgbClr r="0" g="0" b="0"/>
-        </a:lnRef>
-        <a:fillRef idx="3">
-          <a:scrgbClr r="0" g="0" b="0"/>
-        </a:fillRef>
-        <a:effectRef idx="2">
-          <a:scrgbClr r="0" g="0" b="0"/>
-        </a:effectRef>
-        <a:fontRef idx="minor">
-          <a:schemeClr val="lt1"/>
-        </a:fontRef>
-      </dsp:style>
-    </dsp:sp>
-    <dsp:sp modelId="{6603764C-B415-664F-8885-A7DAA8CAF3E7}">
-      <dsp:nvSpPr>
-        <dsp:cNvPr id="0" name=""/>
-        <dsp:cNvSpPr/>
-      </dsp:nvSpPr>
-      <dsp:spPr>
-        <a:xfrm>
-          <a:off x="5462557" y="1357737"/>
-          <a:ext cx="1244084" cy="789993"/>
-        </a:xfrm>
-        <a:prstGeom prst="roundRect">
-          <a:avLst>
-            <a:gd name="adj" fmla="val 10000"/>
-          </a:avLst>
-        </a:prstGeom>
-        <a:solidFill>
-          <a:schemeClr val="lt1">
-            <a:alpha val="90000"/>
-            <a:hueOff val="0"/>
-            <a:satOff val="0"/>
-            <a:lumOff val="0"/>
-            <a:alphaOff val="0"/>
-          </a:schemeClr>
-        </a:solidFill>
-        <a:ln w="9525" cap="flat" cmpd="sng" algn="ctr">
-          <a:solidFill>
-            <a:schemeClr val="accent1">
-              <a:hueOff val="0"/>
-              <a:satOff val="0"/>
-              <a:lumOff val="0"/>
-              <a:alphaOff val="0"/>
-            </a:schemeClr>
-          </a:solidFill>
-          <a:prstDash val="solid"/>
-        </a:ln>
-        <a:effectLst/>
-      </dsp:spPr>
-      <dsp:style>
-        <a:lnRef idx="1">
-          <a:scrgbClr r="0" g="0" b="0"/>
-        </a:lnRef>
-        <a:fillRef idx="1">
-          <a:scrgbClr r="0" g="0" b="0"/>
-        </a:fillRef>
-        <a:effectRef idx="0">
-          <a:scrgbClr r="0" g="0" b="0"/>
-        </a:effectRef>
-        <a:fontRef idx="minor"/>
-      </dsp:style>
-      <dsp:txBody>
-        <a:bodyPr spcFirstLastPara="0" vert="horz" wrap="square" lIns="76200" tIns="76200" rIns="76200" bIns="76200" numCol="1" spcCol="1270" anchor="ctr" anchorCtr="0">
-          <a:noAutofit/>
-        </a:bodyPr>
-        <a:lstStyle/>
-        <a:p>
-          <a:pPr lvl="0" algn="ctr" defTabSz="889000">
-            <a:lnSpc>
-              <a:spcPct val="90000"/>
-            </a:lnSpc>
-            <a:spcBef>
-              <a:spcPct val="0"/>
-            </a:spcBef>
-            <a:spcAft>
-              <a:spcPct val="35000"/>
-            </a:spcAft>
-          </a:pPr>
-          <a:r>
-            <a:rPr lang="en-US" sz="2000" kern="1200" dirty="0" smtClean="0"/>
-            <a:t>Object</a:t>
-          </a:r>
-          <a:endParaRPr lang="en-US" sz="2000" kern="1200" dirty="0"/>
-        </a:p>
-      </dsp:txBody>
-      <dsp:txXfrm>
-        <a:off x="5485695" y="1380875"/>
-        <a:ext cx="1197808" cy="743717"/>
-      </dsp:txXfrm>
-    </dsp:sp>
-    <dsp:sp modelId="{BED1AD82-3EAF-DA47-9563-265E07F41880}">
-      <dsp:nvSpPr>
-        <dsp:cNvPr id="0" name=""/>
-        <dsp:cNvSpPr/>
-      </dsp:nvSpPr>
-      <dsp:spPr>
-        <a:xfrm>
-          <a:off x="3803778" y="2378232"/>
-          <a:ext cx="1244084" cy="789993"/>
-        </a:xfrm>
-        <a:prstGeom prst="roundRect">
-          <a:avLst>
-            <a:gd name="adj" fmla="val 10000"/>
-          </a:avLst>
-        </a:prstGeom>
-        <a:gradFill rotWithShape="0">
-          <a:gsLst>
-            <a:gs pos="0">
-              <a:schemeClr val="accent1">
-                <a:hueOff val="0"/>
-                <a:satOff val="0"/>
-                <a:lumOff val="0"/>
-                <a:alphaOff val="0"/>
-                <a:tint val="100000"/>
-                <a:shade val="100000"/>
-                <a:satMod val="130000"/>
-              </a:schemeClr>
-            </a:gs>
-            <a:gs pos="100000">
-              <a:schemeClr val="accent1">
-                <a:hueOff val="0"/>
-                <a:satOff val="0"/>
-                <a:lumOff val="0"/>
-                <a:alphaOff val="0"/>
-                <a:tint val="50000"/>
-                <a:shade val="100000"/>
-                <a:satMod val="350000"/>
-              </a:schemeClr>
-            </a:gs>
-          </a:gsLst>
-          <a:lin ang="16200000" scaled="0"/>
-        </a:gradFill>
-        <a:ln>
-          <a:noFill/>
-        </a:ln>
-        <a:effectLst>
-          <a:outerShdw blurRad="40000" dist="23000" dir="5400000" rotWithShape="0">
-            <a:srgbClr val="000000">
-              <a:alpha val="35000"/>
-            </a:srgbClr>
-          </a:outerShdw>
-        </a:effectLst>
-      </dsp:spPr>
-      <dsp:style>
-        <a:lnRef idx="0">
-          <a:scrgbClr r="0" g="0" b="0"/>
-        </a:lnRef>
-        <a:fillRef idx="3">
-          <a:scrgbClr r="0" g="0" b="0"/>
-        </a:fillRef>
-        <a:effectRef idx="2">
-          <a:scrgbClr r="0" g="0" b="0"/>
-        </a:effectRef>
-        <a:fontRef idx="minor">
-          <a:schemeClr val="lt1"/>
-        </a:fontRef>
-      </dsp:style>
-    </dsp:sp>
-    <dsp:sp modelId="{AD6B8219-1F5B-DA4F-B261-22B5D0551A94}">
-      <dsp:nvSpPr>
-        <dsp:cNvPr id="0" name=""/>
-        <dsp:cNvSpPr/>
-      </dsp:nvSpPr>
-      <dsp:spPr>
-        <a:xfrm>
-          <a:off x="3942010" y="2509552"/>
-          <a:ext cx="1244084" cy="789993"/>
-        </a:xfrm>
-        <a:prstGeom prst="roundRect">
-          <a:avLst>
-            <a:gd name="adj" fmla="val 10000"/>
-          </a:avLst>
-        </a:prstGeom>
-        <a:solidFill>
-          <a:schemeClr val="lt1">
-            <a:alpha val="90000"/>
-            <a:hueOff val="0"/>
-            <a:satOff val="0"/>
-            <a:lumOff val="0"/>
-            <a:alphaOff val="0"/>
-          </a:schemeClr>
-        </a:solidFill>
-        <a:ln w="9525" cap="flat" cmpd="sng" algn="ctr">
-          <a:solidFill>
-            <a:schemeClr val="accent1">
-              <a:hueOff val="0"/>
-              <a:satOff val="0"/>
-              <a:lumOff val="0"/>
-              <a:alphaOff val="0"/>
-            </a:schemeClr>
-          </a:solidFill>
-          <a:prstDash val="solid"/>
-        </a:ln>
-        <a:effectLst/>
-      </dsp:spPr>
-      <dsp:style>
-        <a:lnRef idx="1">
-          <a:scrgbClr r="0" g="0" b="0"/>
-        </a:lnRef>
-        <a:fillRef idx="1">
-          <a:scrgbClr r="0" g="0" b="0"/>
-        </a:fillRef>
-        <a:effectRef idx="0">
-          <a:scrgbClr r="0" g="0" b="0"/>
-        </a:effectRef>
-        <a:fontRef idx="minor"/>
-      </dsp:style>
-      <dsp:txBody>
-        <a:bodyPr spcFirstLastPara="0" vert="horz" wrap="square" lIns="76200" tIns="76200" rIns="76200" bIns="76200" numCol="1" spcCol="1270" anchor="ctr" anchorCtr="0">
-          <a:noAutofit/>
-        </a:bodyPr>
-        <a:lstStyle/>
-        <a:p>
-          <a:pPr lvl="0" algn="ctr" defTabSz="889000">
-            <a:lnSpc>
-              <a:spcPct val="90000"/>
-            </a:lnSpc>
-            <a:spcBef>
-              <a:spcPct val="0"/>
-            </a:spcBef>
-            <a:spcAft>
-              <a:spcPct val="35000"/>
-            </a:spcAft>
-          </a:pPr>
-          <a:r>
-            <a:rPr lang="en-US" sz="2000" kern="1200" dirty="0" smtClean="0"/>
-            <a:t>Date</a:t>
-          </a:r>
-          <a:endParaRPr lang="en-US" sz="2000" kern="1200" dirty="0"/>
-        </a:p>
-      </dsp:txBody>
-      <dsp:txXfrm>
-        <a:off x="3965148" y="2532690"/>
-        <a:ext cx="1197808" cy="743717"/>
-      </dsp:txXfrm>
-    </dsp:sp>
-    <dsp:sp modelId="{E43BE145-21E5-5543-9A7D-46DE44FE97A7}">
-      <dsp:nvSpPr>
-        <dsp:cNvPr id="0" name=""/>
-        <dsp:cNvSpPr/>
-      </dsp:nvSpPr>
-      <dsp:spPr>
-        <a:xfrm>
-          <a:off x="5324326" y="2378232"/>
-          <a:ext cx="1244084" cy="789993"/>
-        </a:xfrm>
-        <a:prstGeom prst="roundRect">
-          <a:avLst>
-            <a:gd name="adj" fmla="val 10000"/>
-          </a:avLst>
-        </a:prstGeom>
-        <a:gradFill rotWithShape="0">
-          <a:gsLst>
-            <a:gs pos="0">
-              <a:schemeClr val="accent1">
-                <a:hueOff val="0"/>
-                <a:satOff val="0"/>
-                <a:lumOff val="0"/>
-                <a:alphaOff val="0"/>
-                <a:tint val="100000"/>
-                <a:shade val="100000"/>
-                <a:satMod val="130000"/>
-              </a:schemeClr>
-            </a:gs>
-            <a:gs pos="100000">
-              <a:schemeClr val="accent1">
-                <a:hueOff val="0"/>
-                <a:satOff val="0"/>
-                <a:lumOff val="0"/>
-                <a:alphaOff val="0"/>
-                <a:tint val="50000"/>
-                <a:shade val="100000"/>
-                <a:satMod val="350000"/>
-              </a:schemeClr>
-            </a:gs>
-          </a:gsLst>
-          <a:lin ang="16200000" scaled="0"/>
-        </a:gradFill>
-        <a:ln>
-          <a:noFill/>
-        </a:ln>
-        <a:effectLst>
-          <a:outerShdw blurRad="40000" dist="23000" dir="5400000" rotWithShape="0">
-            <a:srgbClr val="000000">
-              <a:alpha val="35000"/>
-            </a:srgbClr>
-          </a:outerShdw>
-        </a:effectLst>
-      </dsp:spPr>
-      <dsp:style>
-        <a:lnRef idx="0">
-          <a:scrgbClr r="0" g="0" b="0"/>
-        </a:lnRef>
-        <a:fillRef idx="3">
-          <a:scrgbClr r="0" g="0" b="0"/>
-        </a:fillRef>
-        <a:effectRef idx="2">
-          <a:scrgbClr r="0" g="0" b="0"/>
-        </a:effectRef>
-        <a:fontRef idx="minor">
-          <a:schemeClr val="lt1"/>
-        </a:fontRef>
-      </dsp:style>
-    </dsp:sp>
-    <dsp:sp modelId="{EBC8209D-BB74-B44A-A57A-C51ABEDBBAE8}">
-      <dsp:nvSpPr>
-        <dsp:cNvPr id="0" name=""/>
-        <dsp:cNvSpPr/>
-      </dsp:nvSpPr>
-      <dsp:spPr>
-        <a:xfrm>
-          <a:off x="5462557" y="2509552"/>
-          <a:ext cx="1244084" cy="789993"/>
-        </a:xfrm>
-        <a:prstGeom prst="roundRect">
-          <a:avLst>
-            <a:gd name="adj" fmla="val 10000"/>
-          </a:avLst>
-        </a:prstGeom>
-        <a:solidFill>
-          <a:schemeClr val="lt1">
-            <a:alpha val="90000"/>
-            <a:hueOff val="0"/>
-            <a:satOff val="0"/>
-            <a:lumOff val="0"/>
-            <a:alphaOff val="0"/>
-          </a:schemeClr>
-        </a:solidFill>
-        <a:ln w="9525" cap="flat" cmpd="sng" algn="ctr">
-          <a:solidFill>
-            <a:schemeClr val="accent1">
-              <a:hueOff val="0"/>
-              <a:satOff val="0"/>
-              <a:lumOff val="0"/>
-              <a:alphaOff val="0"/>
-            </a:schemeClr>
-          </a:solidFill>
-          <a:prstDash val="solid"/>
-        </a:ln>
-        <a:effectLst/>
-      </dsp:spPr>
-      <dsp:style>
-        <a:lnRef idx="1">
-          <a:scrgbClr r="0" g="0" b="0"/>
-        </a:lnRef>
-        <a:fillRef idx="1">
-          <a:scrgbClr r="0" g="0" b="0"/>
-        </a:fillRef>
-        <a:effectRef idx="0">
-          <a:scrgbClr r="0" g="0" b="0"/>
-        </a:effectRef>
-        <a:fontRef idx="minor"/>
-      </dsp:style>
-      <dsp:txBody>
-        <a:bodyPr spcFirstLastPara="0" vert="horz" wrap="square" lIns="76200" tIns="76200" rIns="76200" bIns="76200" numCol="1" spcCol="1270" anchor="ctr" anchorCtr="0">
-          <a:noAutofit/>
-        </a:bodyPr>
-        <a:lstStyle/>
-        <a:p>
-          <a:pPr lvl="0" algn="ctr" defTabSz="889000">
-            <a:lnSpc>
-              <a:spcPct val="90000"/>
-            </a:lnSpc>
-            <a:spcBef>
-              <a:spcPct val="0"/>
-            </a:spcBef>
-            <a:spcAft>
-              <a:spcPct val="35000"/>
-            </a:spcAft>
-          </a:pPr>
-          <a:r>
-            <a:rPr lang="en-US" sz="2000" kern="1200" dirty="0" smtClean="0"/>
-            <a:t>Container</a:t>
-          </a:r>
-          <a:endParaRPr lang="en-US" sz="2000" kern="1200" dirty="0"/>
-        </a:p>
-      </dsp:txBody>
-      <dsp:txXfrm>
-        <a:off x="5485695" y="2532690"/>
-        <a:ext cx="1197808" cy="743717"/>
-      </dsp:txXfrm>
-    </dsp:sp>
-    <dsp:sp modelId="{6DF542D9-B5F6-214E-9CDE-F0A47E3A8ABC}">
-      <dsp:nvSpPr>
-        <dsp:cNvPr id="0" name=""/>
-        <dsp:cNvSpPr/>
-      </dsp:nvSpPr>
-      <dsp:spPr>
-        <a:xfrm>
-          <a:off x="4564052" y="3530046"/>
-          <a:ext cx="1244084" cy="789993"/>
-        </a:xfrm>
-        <a:prstGeom prst="roundRect">
-          <a:avLst>
-            <a:gd name="adj" fmla="val 10000"/>
-          </a:avLst>
-        </a:prstGeom>
-        <a:gradFill rotWithShape="0">
-          <a:gsLst>
-            <a:gs pos="0">
-              <a:schemeClr val="accent1">
-                <a:hueOff val="0"/>
-                <a:satOff val="0"/>
-                <a:lumOff val="0"/>
-                <a:alphaOff val="0"/>
-                <a:tint val="100000"/>
-                <a:shade val="100000"/>
-                <a:satMod val="130000"/>
-              </a:schemeClr>
-            </a:gs>
-            <a:gs pos="100000">
-              <a:schemeClr val="accent1">
-                <a:hueOff val="0"/>
-                <a:satOff val="0"/>
-                <a:lumOff val="0"/>
-                <a:alphaOff val="0"/>
-                <a:tint val="50000"/>
-                <a:shade val="100000"/>
-                <a:satMod val="350000"/>
-              </a:schemeClr>
-            </a:gs>
-          </a:gsLst>
-          <a:lin ang="16200000" scaled="0"/>
-        </a:gradFill>
-        <a:ln>
-          <a:noFill/>
-        </a:ln>
-        <a:effectLst>
-          <a:outerShdw blurRad="40000" dist="23000" dir="5400000" rotWithShape="0">
-            <a:srgbClr val="000000">
-              <a:alpha val="35000"/>
-            </a:srgbClr>
-          </a:outerShdw>
-        </a:effectLst>
-      </dsp:spPr>
-      <dsp:style>
-        <a:lnRef idx="0">
-          <a:scrgbClr r="0" g="0" b="0"/>
-        </a:lnRef>
-        <a:fillRef idx="3">
-          <a:scrgbClr r="0" g="0" b="0"/>
-        </a:fillRef>
-        <a:effectRef idx="2">
-          <a:scrgbClr r="0" g="0" b="0"/>
-        </a:effectRef>
-        <a:fontRef idx="minor">
-          <a:schemeClr val="lt1"/>
-        </a:fontRef>
-      </dsp:style>
-    </dsp:sp>
-    <dsp:sp modelId="{2246CDBD-2CA8-A34C-A89B-E32ACB07E97A}">
-      <dsp:nvSpPr>
-        <dsp:cNvPr id="0" name=""/>
-        <dsp:cNvSpPr/>
-      </dsp:nvSpPr>
-      <dsp:spPr>
-        <a:xfrm>
-          <a:off x="4702284" y="3661366"/>
-          <a:ext cx="1244084" cy="789993"/>
-        </a:xfrm>
-        <a:prstGeom prst="roundRect">
-          <a:avLst>
-            <a:gd name="adj" fmla="val 10000"/>
-          </a:avLst>
-        </a:prstGeom>
-        <a:solidFill>
-          <a:schemeClr val="lt1">
-            <a:alpha val="90000"/>
-            <a:hueOff val="0"/>
-            <a:satOff val="0"/>
-            <a:lumOff val="0"/>
-            <a:alphaOff val="0"/>
-          </a:schemeClr>
-        </a:solidFill>
-        <a:ln w="9525" cap="flat" cmpd="sng" algn="ctr">
-          <a:solidFill>
-            <a:schemeClr val="accent1">
-              <a:hueOff val="0"/>
-              <a:satOff val="0"/>
-              <a:lumOff val="0"/>
-              <a:alphaOff val="0"/>
-            </a:schemeClr>
-          </a:solidFill>
-          <a:prstDash val="solid"/>
-        </a:ln>
-        <a:effectLst/>
-      </dsp:spPr>
-      <dsp:style>
-        <a:lnRef idx="1">
-          <a:scrgbClr r="0" g="0" b="0"/>
-        </a:lnRef>
-        <a:fillRef idx="1">
-          <a:scrgbClr r="0" g="0" b="0"/>
-        </a:fillRef>
-        <a:effectRef idx="0">
-          <a:scrgbClr r="0" g="0" b="0"/>
-        </a:effectRef>
-        <a:fontRef idx="minor"/>
-      </dsp:style>
-      <dsp:txBody>
-        <a:bodyPr spcFirstLastPara="0" vert="horz" wrap="square" lIns="76200" tIns="76200" rIns="76200" bIns="76200" numCol="1" spcCol="1270" anchor="ctr" anchorCtr="0">
-          <a:noAutofit/>
-        </a:bodyPr>
-        <a:lstStyle/>
-        <a:p>
-          <a:pPr lvl="0" algn="ctr" defTabSz="889000">
-            <a:lnSpc>
-              <a:spcPct val="90000"/>
-            </a:lnSpc>
-            <a:spcBef>
-              <a:spcPct val="0"/>
-            </a:spcBef>
-            <a:spcAft>
-              <a:spcPct val="35000"/>
-            </a:spcAft>
-          </a:pPr>
-          <a:r>
-            <a:rPr lang="en-US" sz="2000" kern="1200" dirty="0" smtClean="0"/>
-            <a:t>Array</a:t>
-          </a:r>
-          <a:endParaRPr lang="en-US" sz="2000" kern="1200" dirty="0"/>
-        </a:p>
-      </dsp:txBody>
-      <dsp:txXfrm>
-        <a:off x="4725422" y="3684504"/>
-        <a:ext cx="1197808" cy="743717"/>
-      </dsp:txXfrm>
-    </dsp:sp>
-    <dsp:sp modelId="{7591B2A4-9F4B-F245-820A-E182736ED0B3}">
-      <dsp:nvSpPr>
-        <dsp:cNvPr id="0" name=""/>
-        <dsp:cNvSpPr/>
-      </dsp:nvSpPr>
-      <dsp:spPr>
-        <a:xfrm>
-          <a:off x="6084599" y="3530046"/>
-          <a:ext cx="1244084" cy="789993"/>
-        </a:xfrm>
-        <a:prstGeom prst="roundRect">
-          <a:avLst>
-            <a:gd name="adj" fmla="val 10000"/>
-          </a:avLst>
-        </a:prstGeom>
-        <a:gradFill rotWithShape="0">
-          <a:gsLst>
-            <a:gs pos="0">
-              <a:schemeClr val="accent1">
-                <a:hueOff val="0"/>
-                <a:satOff val="0"/>
-                <a:lumOff val="0"/>
-                <a:alphaOff val="0"/>
-                <a:tint val="100000"/>
-                <a:shade val="100000"/>
-                <a:satMod val="130000"/>
-              </a:schemeClr>
-            </a:gs>
-            <a:gs pos="100000">
-              <a:schemeClr val="accent1">
-                <a:hueOff val="0"/>
-                <a:satOff val="0"/>
-                <a:lumOff val="0"/>
-                <a:alphaOff val="0"/>
-                <a:tint val="50000"/>
-                <a:shade val="100000"/>
-                <a:satMod val="350000"/>
-              </a:schemeClr>
-            </a:gs>
-          </a:gsLst>
-          <a:lin ang="16200000" scaled="0"/>
-        </a:gradFill>
-        <a:ln>
-          <a:noFill/>
-        </a:ln>
-        <a:effectLst>
-          <a:outerShdw blurRad="40000" dist="23000" dir="5400000" rotWithShape="0">
-            <a:srgbClr val="000000">
-              <a:alpha val="35000"/>
-            </a:srgbClr>
-          </a:outerShdw>
-        </a:effectLst>
-      </dsp:spPr>
-      <dsp:style>
-        <a:lnRef idx="0">
-          <a:scrgbClr r="0" g="0" b="0"/>
-        </a:lnRef>
-        <a:fillRef idx="3">
-          <a:scrgbClr r="0" g="0" b="0"/>
-        </a:fillRef>
-        <a:effectRef idx="2">
-          <a:scrgbClr r="0" g="0" b="0"/>
-        </a:effectRef>
-        <a:fontRef idx="minor">
-          <a:schemeClr val="lt1"/>
-        </a:fontRef>
-      </dsp:style>
-    </dsp:sp>
-    <dsp:sp modelId="{9152FE1E-3F9F-1945-845B-196FD4FE9E7F}">
-      <dsp:nvSpPr>
-        <dsp:cNvPr id="0" name=""/>
-        <dsp:cNvSpPr/>
-      </dsp:nvSpPr>
-      <dsp:spPr>
-        <a:xfrm>
-          <a:off x="6222831" y="3661366"/>
-          <a:ext cx="1244084" cy="789993"/>
-        </a:xfrm>
-        <a:prstGeom prst="roundRect">
-          <a:avLst>
-            <a:gd name="adj" fmla="val 10000"/>
-          </a:avLst>
-        </a:prstGeom>
-        <a:solidFill>
-          <a:schemeClr val="lt1">
-            <a:alpha val="90000"/>
-            <a:hueOff val="0"/>
-            <a:satOff val="0"/>
-            <a:lumOff val="0"/>
-            <a:alphaOff val="0"/>
-          </a:schemeClr>
-        </a:solidFill>
-        <a:ln w="9525" cap="flat" cmpd="sng" algn="ctr">
-          <a:solidFill>
-            <a:schemeClr val="accent1">
-              <a:hueOff val="0"/>
-              <a:satOff val="0"/>
-              <a:lumOff val="0"/>
-              <a:alphaOff val="0"/>
-            </a:schemeClr>
-          </a:solidFill>
-          <a:prstDash val="solid"/>
-        </a:ln>
-        <a:effectLst/>
-      </dsp:spPr>
-      <dsp:style>
-        <a:lnRef idx="1">
-          <a:scrgbClr r="0" g="0" b="0"/>
-        </a:lnRef>
-        <a:fillRef idx="1">
-          <a:scrgbClr r="0" g="0" b="0"/>
-        </a:fillRef>
-        <a:effectRef idx="0">
-          <a:scrgbClr r="0" g="0" b="0"/>
-        </a:effectRef>
-        <a:fontRef idx="minor"/>
-      </dsp:style>
-      <dsp:txBody>
-        <a:bodyPr spcFirstLastPara="0" vert="horz" wrap="square" lIns="76200" tIns="76200" rIns="76200" bIns="76200" numCol="1" spcCol="1270" anchor="ctr" anchorCtr="0">
-          <a:noAutofit/>
-        </a:bodyPr>
-        <a:lstStyle/>
-        <a:p>
-          <a:pPr lvl="0" algn="ctr" defTabSz="889000">
-            <a:lnSpc>
-              <a:spcPct val="90000"/>
-            </a:lnSpc>
-            <a:spcBef>
-              <a:spcPct val="0"/>
-            </a:spcBef>
-            <a:spcAft>
-              <a:spcPct val="35000"/>
-            </a:spcAft>
-          </a:pPr>
-          <a:r>
-            <a:rPr lang="en-US" sz="2000" kern="1200" dirty="0" smtClean="0"/>
-            <a:t>Hash</a:t>
-          </a:r>
-          <a:endParaRPr lang="en-US" sz="2000" kern="1200" dirty="0"/>
-        </a:p>
-      </dsp:txBody>
-      <dsp:txXfrm>
-        <a:off x="6245969" y="3684504"/>
-        <a:ext cx="1197808" cy="743717"/>
-      </dsp:txXfrm>
-    </dsp:sp>
-    <dsp:sp modelId="{05D36543-49E4-934D-B25C-1B6526CA4C89}">
-      <dsp:nvSpPr>
-        <dsp:cNvPr id="0" name=""/>
-        <dsp:cNvSpPr/>
-      </dsp:nvSpPr>
-      <dsp:spPr>
-        <a:xfrm>
-          <a:off x="6844873" y="2378232"/>
-          <a:ext cx="1244084" cy="789993"/>
-        </a:xfrm>
-        <a:prstGeom prst="roundRect">
-          <a:avLst>
-            <a:gd name="adj" fmla="val 10000"/>
-          </a:avLst>
-        </a:prstGeom>
-        <a:gradFill rotWithShape="0">
-          <a:gsLst>
-            <a:gs pos="0">
-              <a:schemeClr val="accent1">
-                <a:hueOff val="0"/>
-                <a:satOff val="0"/>
-                <a:lumOff val="0"/>
-                <a:alphaOff val="0"/>
-                <a:tint val="100000"/>
-                <a:shade val="100000"/>
-                <a:satMod val="130000"/>
-              </a:schemeClr>
-            </a:gs>
-            <a:gs pos="100000">
-              <a:schemeClr val="accent1">
-                <a:hueOff val="0"/>
-                <a:satOff val="0"/>
-                <a:lumOff val="0"/>
-                <a:alphaOff val="0"/>
-                <a:tint val="50000"/>
-                <a:shade val="100000"/>
-                <a:satMod val="350000"/>
-              </a:schemeClr>
-            </a:gs>
-          </a:gsLst>
-          <a:lin ang="16200000" scaled="0"/>
-        </a:gradFill>
-        <a:ln>
-          <a:noFill/>
-        </a:ln>
-        <a:effectLst>
-          <a:outerShdw blurRad="40000" dist="23000" dir="5400000" rotWithShape="0">
-            <a:srgbClr val="000000">
-              <a:alpha val="35000"/>
-            </a:srgbClr>
-          </a:outerShdw>
-        </a:effectLst>
-      </dsp:spPr>
-      <dsp:style>
-        <a:lnRef idx="0">
-          <a:scrgbClr r="0" g="0" b="0"/>
-        </a:lnRef>
-        <a:fillRef idx="3">
-          <a:scrgbClr r="0" g="0" b="0"/>
-        </a:fillRef>
-        <a:effectRef idx="2">
-          <a:scrgbClr r="0" g="0" b="0"/>
-        </a:effectRef>
-        <a:fontRef idx="minor">
-          <a:schemeClr val="lt1"/>
-        </a:fontRef>
-      </dsp:style>
-    </dsp:sp>
-    <dsp:sp modelId="{76B33B1D-4CA5-544F-BF28-B308B507EF10}">
-      <dsp:nvSpPr>
-        <dsp:cNvPr id="0" name=""/>
-        <dsp:cNvSpPr/>
-      </dsp:nvSpPr>
-      <dsp:spPr>
-        <a:xfrm>
-          <a:off x="6983104" y="2509552"/>
-          <a:ext cx="1244084" cy="789993"/>
-        </a:xfrm>
-        <a:prstGeom prst="roundRect">
-          <a:avLst>
-            <a:gd name="adj" fmla="val 10000"/>
-          </a:avLst>
-        </a:prstGeom>
-        <a:solidFill>
-          <a:schemeClr val="lt1">
-            <a:alpha val="90000"/>
-            <a:hueOff val="0"/>
-            <a:satOff val="0"/>
-            <a:lumOff val="0"/>
-            <a:alphaOff val="0"/>
-          </a:schemeClr>
-        </a:solidFill>
-        <a:ln w="9525" cap="flat" cmpd="sng" algn="ctr">
-          <a:solidFill>
-            <a:schemeClr val="accent1">
-              <a:hueOff val="0"/>
-              <a:satOff val="0"/>
-              <a:lumOff val="0"/>
-              <a:alphaOff val="0"/>
-            </a:schemeClr>
-          </a:solidFill>
-          <a:prstDash val="solid"/>
-        </a:ln>
-        <a:effectLst/>
-      </dsp:spPr>
-      <dsp:style>
-        <a:lnRef idx="1">
-          <a:scrgbClr r="0" g="0" b="0"/>
-        </a:lnRef>
-        <a:fillRef idx="1">
-          <a:scrgbClr r="0" g="0" b="0"/>
-        </a:fillRef>
-        <a:effectRef idx="0">
-          <a:scrgbClr r="0" g="0" b="0"/>
-        </a:effectRef>
-        <a:fontRef idx="minor"/>
-      </dsp:style>
-      <dsp:txBody>
-        <a:bodyPr spcFirstLastPara="0" vert="horz" wrap="square" lIns="76200" tIns="76200" rIns="76200" bIns="76200" numCol="1" spcCol="1270" anchor="ctr" anchorCtr="0">
-          <a:noAutofit/>
-        </a:bodyPr>
-        <a:lstStyle/>
-        <a:p>
-          <a:pPr lvl="0" algn="ctr" defTabSz="889000">
-            <a:lnSpc>
-              <a:spcPct val="90000"/>
-            </a:lnSpc>
-            <a:spcBef>
-              <a:spcPct val="0"/>
-            </a:spcBef>
-            <a:spcAft>
-              <a:spcPct val="35000"/>
-            </a:spcAft>
-          </a:pPr>
-          <a:r>
-            <a:rPr lang="en-US" sz="2000" kern="1200" dirty="0" smtClean="0"/>
-            <a:t>Function</a:t>
-          </a:r>
-          <a:endParaRPr lang="en-US" sz="2000" kern="1200" dirty="0"/>
-        </a:p>
-      </dsp:txBody>
-      <dsp:txXfrm>
-        <a:off x="7006242" y="2532690"/>
-        <a:ext cx="1197808" cy="743717"/>
-      </dsp:txXfrm>
-    </dsp:sp>
   </dsp:spTree>
 </dsp:drawing>
 </file>
@@ -6153,2443 +3741,6 @@
       <dsp:cNvGrpSpPr/>
     </dsp:nvGrpSpPr>
     <dsp:grpSpPr/>
-    <dsp:sp modelId="{BA61A876-7050-3746-8DAE-0686A0FD0957}">
-      <dsp:nvSpPr>
-        <dsp:cNvPr id="0" name=""/>
-        <dsp:cNvSpPr/>
-      </dsp:nvSpPr>
-      <dsp:spPr>
-        <a:xfrm>
-          <a:off x="5946368" y="2016410"/>
-          <a:ext cx="1520547" cy="361821"/>
-        </a:xfrm>
-        <a:custGeom>
-          <a:avLst/>
-          <a:gdLst/>
-          <a:ahLst/>
-          <a:cxnLst/>
-          <a:rect l="0" t="0" r="0" b="0"/>
-          <a:pathLst>
-            <a:path>
-              <a:moveTo>
-                <a:pt x="0" y="0"/>
-              </a:moveTo>
-              <a:lnTo>
-                <a:pt x="0" y="246570"/>
-              </a:lnTo>
-              <a:lnTo>
-                <a:pt x="1520547" y="246570"/>
-              </a:lnTo>
-              <a:lnTo>
-                <a:pt x="1520547" y="361821"/>
-              </a:lnTo>
-            </a:path>
-          </a:pathLst>
-        </a:custGeom>
-        <a:noFill/>
-        <a:ln w="9525" cap="flat" cmpd="sng" algn="ctr">
-          <a:solidFill>
-            <a:schemeClr val="accent1">
-              <a:shade val="80000"/>
-              <a:hueOff val="0"/>
-              <a:satOff val="0"/>
-              <a:lumOff val="0"/>
-              <a:alphaOff val="0"/>
-            </a:schemeClr>
-          </a:solidFill>
-          <a:prstDash val="solid"/>
-        </a:ln>
-        <a:effectLst/>
-      </dsp:spPr>
-      <dsp:style>
-        <a:lnRef idx="1">
-          <a:scrgbClr r="0" g="0" b="0"/>
-        </a:lnRef>
-        <a:fillRef idx="0">
-          <a:scrgbClr r="0" g="0" b="0"/>
-        </a:fillRef>
-        <a:effectRef idx="0">
-          <a:scrgbClr r="0" g="0" b="0"/>
-        </a:effectRef>
-        <a:fontRef idx="minor"/>
-      </dsp:style>
-    </dsp:sp>
-    <dsp:sp modelId="{9541F663-17CE-1449-B545-4E9F3C558C3A}">
-      <dsp:nvSpPr>
-        <dsp:cNvPr id="0" name=""/>
-        <dsp:cNvSpPr/>
-      </dsp:nvSpPr>
-      <dsp:spPr>
-        <a:xfrm>
-          <a:off x="5946368" y="3168225"/>
-          <a:ext cx="760273" cy="361821"/>
-        </a:xfrm>
-        <a:custGeom>
-          <a:avLst/>
-          <a:gdLst/>
-          <a:ahLst/>
-          <a:cxnLst/>
-          <a:rect l="0" t="0" r="0" b="0"/>
-          <a:pathLst>
-            <a:path>
-              <a:moveTo>
-                <a:pt x="0" y="0"/>
-              </a:moveTo>
-              <a:lnTo>
-                <a:pt x="0" y="246570"/>
-              </a:lnTo>
-              <a:lnTo>
-                <a:pt x="760273" y="246570"/>
-              </a:lnTo>
-              <a:lnTo>
-                <a:pt x="760273" y="361821"/>
-              </a:lnTo>
-            </a:path>
-          </a:pathLst>
-        </a:custGeom>
-        <a:noFill/>
-        <a:ln w="9525" cap="flat" cmpd="sng" algn="ctr">
-          <a:solidFill>
-            <a:schemeClr val="accent1">
-              <a:shade val="80000"/>
-              <a:hueOff val="0"/>
-              <a:satOff val="0"/>
-              <a:lumOff val="0"/>
-              <a:alphaOff val="0"/>
-            </a:schemeClr>
-          </a:solidFill>
-          <a:prstDash val="solid"/>
-        </a:ln>
-        <a:effectLst/>
-      </dsp:spPr>
-      <dsp:style>
-        <a:lnRef idx="1">
-          <a:scrgbClr r="0" g="0" b="0"/>
-        </a:lnRef>
-        <a:fillRef idx="0">
-          <a:scrgbClr r="0" g="0" b="0"/>
-        </a:fillRef>
-        <a:effectRef idx="0">
-          <a:scrgbClr r="0" g="0" b="0"/>
-        </a:effectRef>
-        <a:fontRef idx="minor"/>
-      </dsp:style>
-    </dsp:sp>
-    <dsp:sp modelId="{1F5FFC55-2839-634C-8F0C-96EACF5BE3CB}">
-      <dsp:nvSpPr>
-        <dsp:cNvPr id="0" name=""/>
-        <dsp:cNvSpPr/>
-      </dsp:nvSpPr>
-      <dsp:spPr>
-        <a:xfrm>
-          <a:off x="5186094" y="3168225"/>
-          <a:ext cx="760273" cy="361821"/>
-        </a:xfrm>
-        <a:custGeom>
-          <a:avLst/>
-          <a:gdLst/>
-          <a:ahLst/>
-          <a:cxnLst/>
-          <a:rect l="0" t="0" r="0" b="0"/>
-          <a:pathLst>
-            <a:path>
-              <a:moveTo>
-                <a:pt x="760273" y="0"/>
-              </a:moveTo>
-              <a:lnTo>
-                <a:pt x="760273" y="246570"/>
-              </a:lnTo>
-              <a:lnTo>
-                <a:pt x="0" y="246570"/>
-              </a:lnTo>
-              <a:lnTo>
-                <a:pt x="0" y="361821"/>
-              </a:lnTo>
-            </a:path>
-          </a:pathLst>
-        </a:custGeom>
-        <a:noFill/>
-        <a:ln w="9525" cap="flat" cmpd="sng" algn="ctr">
-          <a:solidFill>
-            <a:schemeClr val="accent1">
-              <a:shade val="80000"/>
-              <a:hueOff val="0"/>
-              <a:satOff val="0"/>
-              <a:lumOff val="0"/>
-              <a:alphaOff val="0"/>
-            </a:schemeClr>
-          </a:solidFill>
-          <a:prstDash val="solid"/>
-        </a:ln>
-        <a:effectLst/>
-      </dsp:spPr>
-      <dsp:style>
-        <a:lnRef idx="1">
-          <a:scrgbClr r="0" g="0" b="0"/>
-        </a:lnRef>
-        <a:fillRef idx="0">
-          <a:scrgbClr r="0" g="0" b="0"/>
-        </a:fillRef>
-        <a:effectRef idx="0">
-          <a:scrgbClr r="0" g="0" b="0"/>
-        </a:effectRef>
-        <a:fontRef idx="minor"/>
-      </dsp:style>
-    </dsp:sp>
-    <dsp:sp modelId="{F42357F4-6E12-A041-A7D6-81713E5E517B}">
-      <dsp:nvSpPr>
-        <dsp:cNvPr id="0" name=""/>
-        <dsp:cNvSpPr/>
-      </dsp:nvSpPr>
-      <dsp:spPr>
-        <a:xfrm>
-          <a:off x="5900648" y="2016410"/>
-          <a:ext cx="91440" cy="361821"/>
-        </a:xfrm>
-        <a:custGeom>
-          <a:avLst/>
-          <a:gdLst/>
-          <a:ahLst/>
-          <a:cxnLst/>
-          <a:rect l="0" t="0" r="0" b="0"/>
-          <a:pathLst>
-            <a:path>
-              <a:moveTo>
-                <a:pt x="45720" y="0"/>
-              </a:moveTo>
-              <a:lnTo>
-                <a:pt x="45720" y="361821"/>
-              </a:lnTo>
-            </a:path>
-          </a:pathLst>
-        </a:custGeom>
-        <a:noFill/>
-        <a:ln w="9525" cap="flat" cmpd="sng" algn="ctr">
-          <a:solidFill>
-            <a:schemeClr val="accent1">
-              <a:shade val="80000"/>
-              <a:hueOff val="0"/>
-              <a:satOff val="0"/>
-              <a:lumOff val="0"/>
-              <a:alphaOff val="0"/>
-            </a:schemeClr>
-          </a:solidFill>
-          <a:prstDash val="solid"/>
-        </a:ln>
-        <a:effectLst/>
-      </dsp:spPr>
-      <dsp:style>
-        <a:lnRef idx="1">
-          <a:scrgbClr r="0" g="0" b="0"/>
-        </a:lnRef>
-        <a:fillRef idx="0">
-          <a:scrgbClr r="0" g="0" b="0"/>
-        </a:fillRef>
-        <a:effectRef idx="0">
-          <a:scrgbClr r="0" g="0" b="0"/>
-        </a:effectRef>
-        <a:fontRef idx="minor"/>
-      </dsp:style>
-    </dsp:sp>
-    <dsp:sp modelId="{2E4A94D1-71F0-A046-B95F-18095848F38A}">
-      <dsp:nvSpPr>
-        <dsp:cNvPr id="0" name=""/>
-        <dsp:cNvSpPr/>
-      </dsp:nvSpPr>
-      <dsp:spPr>
-        <a:xfrm>
-          <a:off x="4425821" y="2016410"/>
-          <a:ext cx="1520547" cy="361821"/>
-        </a:xfrm>
-        <a:custGeom>
-          <a:avLst/>
-          <a:gdLst/>
-          <a:ahLst/>
-          <a:cxnLst/>
-          <a:rect l="0" t="0" r="0" b="0"/>
-          <a:pathLst>
-            <a:path>
-              <a:moveTo>
-                <a:pt x="1520547" y="0"/>
-              </a:moveTo>
-              <a:lnTo>
-                <a:pt x="1520547" y="246570"/>
-              </a:lnTo>
-              <a:lnTo>
-                <a:pt x="0" y="246570"/>
-              </a:lnTo>
-              <a:lnTo>
-                <a:pt x="0" y="361821"/>
-              </a:lnTo>
-            </a:path>
-          </a:pathLst>
-        </a:custGeom>
-        <a:noFill/>
-        <a:ln w="9525" cap="flat" cmpd="sng" algn="ctr">
-          <a:solidFill>
-            <a:schemeClr val="accent1">
-              <a:shade val="80000"/>
-              <a:hueOff val="0"/>
-              <a:satOff val="0"/>
-              <a:lumOff val="0"/>
-              <a:alphaOff val="0"/>
-            </a:schemeClr>
-          </a:solidFill>
-          <a:prstDash val="solid"/>
-        </a:ln>
-        <a:effectLst/>
-      </dsp:spPr>
-      <dsp:style>
-        <a:lnRef idx="1">
-          <a:scrgbClr r="0" g="0" b="0"/>
-        </a:lnRef>
-        <a:fillRef idx="0">
-          <a:scrgbClr r="0" g="0" b="0"/>
-        </a:fillRef>
-        <a:effectRef idx="0">
-          <a:scrgbClr r="0" g="0" b="0"/>
-        </a:effectRef>
-        <a:fontRef idx="minor"/>
-      </dsp:style>
-    </dsp:sp>
-    <dsp:sp modelId="{201C7CC6-525A-FE42-B4FF-8C5914387024}">
-      <dsp:nvSpPr>
-        <dsp:cNvPr id="0" name=""/>
-        <dsp:cNvSpPr/>
-      </dsp:nvSpPr>
-      <dsp:spPr>
-        <a:xfrm>
-          <a:off x="3665547" y="864596"/>
-          <a:ext cx="2280820" cy="361821"/>
-        </a:xfrm>
-        <a:custGeom>
-          <a:avLst/>
-          <a:gdLst/>
-          <a:ahLst/>
-          <a:cxnLst/>
-          <a:rect l="0" t="0" r="0" b="0"/>
-          <a:pathLst>
-            <a:path>
-              <a:moveTo>
-                <a:pt x="0" y="0"/>
-              </a:moveTo>
-              <a:lnTo>
-                <a:pt x="0" y="246570"/>
-              </a:lnTo>
-              <a:lnTo>
-                <a:pt x="2280820" y="246570"/>
-              </a:lnTo>
-              <a:lnTo>
-                <a:pt x="2280820" y="361821"/>
-              </a:lnTo>
-            </a:path>
-          </a:pathLst>
-        </a:custGeom>
-        <a:noFill/>
-        <a:ln w="9525" cap="flat" cmpd="sng" algn="ctr">
-          <a:solidFill>
-            <a:schemeClr val="accent1">
-              <a:shade val="60000"/>
-              <a:hueOff val="0"/>
-              <a:satOff val="0"/>
-              <a:lumOff val="0"/>
-              <a:alphaOff val="0"/>
-            </a:schemeClr>
-          </a:solidFill>
-          <a:prstDash val="solid"/>
-        </a:ln>
-        <a:effectLst/>
-      </dsp:spPr>
-      <dsp:style>
-        <a:lnRef idx="1">
-          <a:scrgbClr r="0" g="0" b="0"/>
-        </a:lnRef>
-        <a:fillRef idx="0">
-          <a:scrgbClr r="0" g="0" b="0"/>
-        </a:fillRef>
-        <a:effectRef idx="0">
-          <a:scrgbClr r="0" g="0" b="0"/>
-        </a:effectRef>
-        <a:fontRef idx="minor"/>
-      </dsp:style>
-    </dsp:sp>
-    <dsp:sp modelId="{800FD04D-B3AC-0B4A-955F-2E2198D77D53}">
-      <dsp:nvSpPr>
-        <dsp:cNvPr id="0" name=""/>
-        <dsp:cNvSpPr/>
-      </dsp:nvSpPr>
-      <dsp:spPr>
-        <a:xfrm>
-          <a:off x="3665547" y="864596"/>
-          <a:ext cx="760273" cy="361821"/>
-        </a:xfrm>
-        <a:custGeom>
-          <a:avLst/>
-          <a:gdLst/>
-          <a:ahLst/>
-          <a:cxnLst/>
-          <a:rect l="0" t="0" r="0" b="0"/>
-          <a:pathLst>
-            <a:path>
-              <a:moveTo>
-                <a:pt x="0" y="0"/>
-              </a:moveTo>
-              <a:lnTo>
-                <a:pt x="0" y="246570"/>
-              </a:lnTo>
-              <a:lnTo>
-                <a:pt x="760273" y="246570"/>
-              </a:lnTo>
-              <a:lnTo>
-                <a:pt x="760273" y="361821"/>
-              </a:lnTo>
-            </a:path>
-          </a:pathLst>
-        </a:custGeom>
-        <a:noFill/>
-        <a:ln w="9525" cap="flat" cmpd="sng" algn="ctr">
-          <a:solidFill>
-            <a:schemeClr val="accent1">
-              <a:shade val="60000"/>
-              <a:hueOff val="0"/>
-              <a:satOff val="0"/>
-              <a:lumOff val="0"/>
-              <a:alphaOff val="0"/>
-            </a:schemeClr>
-          </a:solidFill>
-          <a:prstDash val="solid"/>
-        </a:ln>
-        <a:effectLst/>
-      </dsp:spPr>
-      <dsp:style>
-        <a:lnRef idx="1">
-          <a:scrgbClr r="0" g="0" b="0"/>
-        </a:lnRef>
-        <a:fillRef idx="0">
-          <a:scrgbClr r="0" g="0" b="0"/>
-        </a:fillRef>
-        <a:effectRef idx="0">
-          <a:scrgbClr r="0" g="0" b="0"/>
-        </a:effectRef>
-        <a:fontRef idx="minor"/>
-      </dsp:style>
-    </dsp:sp>
-    <dsp:sp modelId="{8CFA3E84-678E-C345-8D46-63E85CF195E2}">
-      <dsp:nvSpPr>
-        <dsp:cNvPr id="0" name=""/>
-        <dsp:cNvSpPr/>
-      </dsp:nvSpPr>
-      <dsp:spPr>
-        <a:xfrm>
-          <a:off x="2905273" y="864596"/>
-          <a:ext cx="760273" cy="361821"/>
-        </a:xfrm>
-        <a:custGeom>
-          <a:avLst/>
-          <a:gdLst/>
-          <a:ahLst/>
-          <a:cxnLst/>
-          <a:rect l="0" t="0" r="0" b="0"/>
-          <a:pathLst>
-            <a:path>
-              <a:moveTo>
-                <a:pt x="760273" y="0"/>
-              </a:moveTo>
-              <a:lnTo>
-                <a:pt x="760273" y="246570"/>
-              </a:lnTo>
-              <a:lnTo>
-                <a:pt x="0" y="246570"/>
-              </a:lnTo>
-              <a:lnTo>
-                <a:pt x="0" y="361821"/>
-              </a:lnTo>
-            </a:path>
-          </a:pathLst>
-        </a:custGeom>
-        <a:noFill/>
-        <a:ln w="9525" cap="flat" cmpd="sng" algn="ctr">
-          <a:solidFill>
-            <a:schemeClr val="accent1">
-              <a:shade val="60000"/>
-              <a:hueOff val="0"/>
-              <a:satOff val="0"/>
-              <a:lumOff val="0"/>
-              <a:alphaOff val="0"/>
-            </a:schemeClr>
-          </a:solidFill>
-          <a:prstDash val="solid"/>
-        </a:ln>
-        <a:effectLst/>
-      </dsp:spPr>
-      <dsp:style>
-        <a:lnRef idx="1">
-          <a:scrgbClr r="0" g="0" b="0"/>
-        </a:lnRef>
-        <a:fillRef idx="0">
-          <a:scrgbClr r="0" g="0" b="0"/>
-        </a:fillRef>
-        <a:effectRef idx="0">
-          <a:scrgbClr r="0" g="0" b="0"/>
-        </a:effectRef>
-        <a:fontRef idx="minor"/>
-      </dsp:style>
-    </dsp:sp>
-    <dsp:sp modelId="{28156514-4C64-AE45-A406-98283D6076D6}">
-      <dsp:nvSpPr>
-        <dsp:cNvPr id="0" name=""/>
-        <dsp:cNvSpPr/>
-      </dsp:nvSpPr>
-      <dsp:spPr>
-        <a:xfrm>
-          <a:off x="1384726" y="2016410"/>
-          <a:ext cx="760273" cy="361821"/>
-        </a:xfrm>
-        <a:custGeom>
-          <a:avLst/>
-          <a:gdLst/>
-          <a:ahLst/>
-          <a:cxnLst/>
-          <a:rect l="0" t="0" r="0" b="0"/>
-          <a:pathLst>
-            <a:path>
-              <a:moveTo>
-                <a:pt x="0" y="0"/>
-              </a:moveTo>
-              <a:lnTo>
-                <a:pt x="0" y="246570"/>
-              </a:lnTo>
-              <a:lnTo>
-                <a:pt x="760273" y="246570"/>
-              </a:lnTo>
-              <a:lnTo>
-                <a:pt x="760273" y="361821"/>
-              </a:lnTo>
-            </a:path>
-          </a:pathLst>
-        </a:custGeom>
-        <a:noFill/>
-        <a:ln w="9525" cap="flat" cmpd="sng" algn="ctr">
-          <a:solidFill>
-            <a:schemeClr val="accent1">
-              <a:shade val="80000"/>
-              <a:hueOff val="0"/>
-              <a:satOff val="0"/>
-              <a:lumOff val="0"/>
-              <a:alphaOff val="0"/>
-            </a:schemeClr>
-          </a:solidFill>
-          <a:prstDash val="solid"/>
-        </a:ln>
-        <a:effectLst/>
-      </dsp:spPr>
-      <dsp:style>
-        <a:lnRef idx="1">
-          <a:scrgbClr r="0" g="0" b="0"/>
-        </a:lnRef>
-        <a:fillRef idx="0">
-          <a:scrgbClr r="0" g="0" b="0"/>
-        </a:fillRef>
-        <a:effectRef idx="0">
-          <a:scrgbClr r="0" g="0" b="0"/>
-        </a:effectRef>
-        <a:fontRef idx="minor"/>
-      </dsp:style>
-    </dsp:sp>
-    <dsp:sp modelId="{C6BA431E-FA40-1D4E-A3D8-2A8BD37A2453}">
-      <dsp:nvSpPr>
-        <dsp:cNvPr id="0" name=""/>
-        <dsp:cNvSpPr/>
-      </dsp:nvSpPr>
-      <dsp:spPr>
-        <a:xfrm>
-          <a:off x="624453" y="2016410"/>
-          <a:ext cx="760273" cy="361821"/>
-        </a:xfrm>
-        <a:custGeom>
-          <a:avLst/>
-          <a:gdLst/>
-          <a:ahLst/>
-          <a:cxnLst/>
-          <a:rect l="0" t="0" r="0" b="0"/>
-          <a:pathLst>
-            <a:path>
-              <a:moveTo>
-                <a:pt x="760273" y="0"/>
-              </a:moveTo>
-              <a:lnTo>
-                <a:pt x="760273" y="246570"/>
-              </a:lnTo>
-              <a:lnTo>
-                <a:pt x="0" y="246570"/>
-              </a:lnTo>
-              <a:lnTo>
-                <a:pt x="0" y="361821"/>
-              </a:lnTo>
-            </a:path>
-          </a:pathLst>
-        </a:custGeom>
-        <a:noFill/>
-        <a:ln w="9525" cap="flat" cmpd="sng" algn="ctr">
-          <a:solidFill>
-            <a:schemeClr val="accent1">
-              <a:shade val="80000"/>
-              <a:hueOff val="0"/>
-              <a:satOff val="0"/>
-              <a:lumOff val="0"/>
-              <a:alphaOff val="0"/>
-            </a:schemeClr>
-          </a:solidFill>
-          <a:prstDash val="solid"/>
-        </a:ln>
-        <a:effectLst/>
-      </dsp:spPr>
-      <dsp:style>
-        <a:lnRef idx="1">
-          <a:scrgbClr r="0" g="0" b="0"/>
-        </a:lnRef>
-        <a:fillRef idx="0">
-          <a:scrgbClr r="0" g="0" b="0"/>
-        </a:fillRef>
-        <a:effectRef idx="0">
-          <a:scrgbClr r="0" g="0" b="0"/>
-        </a:effectRef>
-        <a:fontRef idx="minor"/>
-      </dsp:style>
-    </dsp:sp>
-    <dsp:sp modelId="{6B84F89A-BB62-184B-ACA8-8A1AAAE34DE1}">
-      <dsp:nvSpPr>
-        <dsp:cNvPr id="0" name=""/>
-        <dsp:cNvSpPr/>
-      </dsp:nvSpPr>
-      <dsp:spPr>
-        <a:xfrm>
-          <a:off x="1384726" y="864596"/>
-          <a:ext cx="2280820" cy="361821"/>
-        </a:xfrm>
-        <a:custGeom>
-          <a:avLst/>
-          <a:gdLst/>
-          <a:ahLst/>
-          <a:cxnLst/>
-          <a:rect l="0" t="0" r="0" b="0"/>
-          <a:pathLst>
-            <a:path>
-              <a:moveTo>
-                <a:pt x="2280820" y="0"/>
-              </a:moveTo>
-              <a:lnTo>
-                <a:pt x="2280820" y="246570"/>
-              </a:lnTo>
-              <a:lnTo>
-                <a:pt x="0" y="246570"/>
-              </a:lnTo>
-              <a:lnTo>
-                <a:pt x="0" y="361821"/>
-              </a:lnTo>
-            </a:path>
-          </a:pathLst>
-        </a:custGeom>
-        <a:noFill/>
-        <a:ln w="9525" cap="flat" cmpd="sng" algn="ctr">
-          <a:solidFill>
-            <a:schemeClr val="accent1">
-              <a:shade val="60000"/>
-              <a:hueOff val="0"/>
-              <a:satOff val="0"/>
-              <a:lumOff val="0"/>
-              <a:alphaOff val="0"/>
-            </a:schemeClr>
-          </a:solidFill>
-          <a:prstDash val="solid"/>
-        </a:ln>
-        <a:effectLst/>
-      </dsp:spPr>
-      <dsp:style>
-        <a:lnRef idx="1">
-          <a:scrgbClr r="0" g="0" b="0"/>
-        </a:lnRef>
-        <a:fillRef idx="0">
-          <a:scrgbClr r="0" g="0" b="0"/>
-        </a:fillRef>
-        <a:effectRef idx="0">
-          <a:scrgbClr r="0" g="0" b="0"/>
-        </a:effectRef>
-        <a:fontRef idx="minor"/>
-      </dsp:style>
-    </dsp:sp>
-    <dsp:sp modelId="{DE9E6D4B-E798-AA47-81C3-1E545DF4DB5B}">
-      <dsp:nvSpPr>
-        <dsp:cNvPr id="0" name=""/>
-        <dsp:cNvSpPr/>
-      </dsp:nvSpPr>
-      <dsp:spPr>
-        <a:xfrm>
-          <a:off x="3043505" y="74603"/>
-          <a:ext cx="1244084" cy="789993"/>
-        </a:xfrm>
-        <a:prstGeom prst="roundRect">
-          <a:avLst>
-            <a:gd name="adj" fmla="val 10000"/>
-          </a:avLst>
-        </a:prstGeom>
-        <a:gradFill rotWithShape="0">
-          <a:gsLst>
-            <a:gs pos="0">
-              <a:schemeClr val="accent1">
-                <a:hueOff val="0"/>
-                <a:satOff val="0"/>
-                <a:lumOff val="0"/>
-                <a:alphaOff val="0"/>
-                <a:tint val="100000"/>
-                <a:shade val="100000"/>
-                <a:satMod val="130000"/>
-              </a:schemeClr>
-            </a:gs>
-            <a:gs pos="100000">
-              <a:schemeClr val="accent1">
-                <a:hueOff val="0"/>
-                <a:satOff val="0"/>
-                <a:lumOff val="0"/>
-                <a:alphaOff val="0"/>
-                <a:tint val="50000"/>
-                <a:shade val="100000"/>
-                <a:satMod val="350000"/>
-              </a:schemeClr>
-            </a:gs>
-          </a:gsLst>
-          <a:lin ang="16200000" scaled="0"/>
-        </a:gradFill>
-        <a:ln>
-          <a:noFill/>
-        </a:ln>
-        <a:effectLst>
-          <a:outerShdw blurRad="40000" dist="23000" dir="5400000" rotWithShape="0">
-            <a:srgbClr val="000000">
-              <a:alpha val="35000"/>
-            </a:srgbClr>
-          </a:outerShdw>
-        </a:effectLst>
-      </dsp:spPr>
-      <dsp:style>
-        <a:lnRef idx="0">
-          <a:scrgbClr r="0" g="0" b="0"/>
-        </a:lnRef>
-        <a:fillRef idx="3">
-          <a:scrgbClr r="0" g="0" b="0"/>
-        </a:fillRef>
-        <a:effectRef idx="2">
-          <a:scrgbClr r="0" g="0" b="0"/>
-        </a:effectRef>
-        <a:fontRef idx="minor">
-          <a:schemeClr val="lt1"/>
-        </a:fontRef>
-      </dsp:style>
-    </dsp:sp>
-    <dsp:sp modelId="{923B0C63-79B7-9B4A-94B9-19130FBE5D7B}">
-      <dsp:nvSpPr>
-        <dsp:cNvPr id="0" name=""/>
-        <dsp:cNvSpPr/>
-      </dsp:nvSpPr>
-      <dsp:spPr>
-        <a:xfrm>
-          <a:off x="3181736" y="205923"/>
-          <a:ext cx="1244084" cy="789993"/>
-        </a:xfrm>
-        <a:prstGeom prst="roundRect">
-          <a:avLst>
-            <a:gd name="adj" fmla="val 10000"/>
-          </a:avLst>
-        </a:prstGeom>
-        <a:solidFill>
-          <a:schemeClr val="lt1">
-            <a:alpha val="90000"/>
-            <a:hueOff val="0"/>
-            <a:satOff val="0"/>
-            <a:lumOff val="0"/>
-            <a:alphaOff val="0"/>
-          </a:schemeClr>
-        </a:solidFill>
-        <a:ln w="9525" cap="flat" cmpd="sng" algn="ctr">
-          <a:solidFill>
-            <a:schemeClr val="accent1">
-              <a:hueOff val="0"/>
-              <a:satOff val="0"/>
-              <a:lumOff val="0"/>
-              <a:alphaOff val="0"/>
-            </a:schemeClr>
-          </a:solidFill>
-          <a:prstDash val="solid"/>
-        </a:ln>
-        <a:effectLst/>
-      </dsp:spPr>
-      <dsp:style>
-        <a:lnRef idx="1">
-          <a:scrgbClr r="0" g="0" b="0"/>
-        </a:lnRef>
-        <a:fillRef idx="1">
-          <a:scrgbClr r="0" g="0" b="0"/>
-        </a:fillRef>
-        <a:effectRef idx="0">
-          <a:scrgbClr r="0" g="0" b="0"/>
-        </a:effectRef>
-        <a:fontRef idx="minor"/>
-      </dsp:style>
-      <dsp:txBody>
-        <a:bodyPr spcFirstLastPara="0" vert="horz" wrap="square" lIns="76200" tIns="76200" rIns="76200" bIns="76200" numCol="1" spcCol="1270" anchor="ctr" anchorCtr="0">
-          <a:noAutofit/>
-        </a:bodyPr>
-        <a:lstStyle/>
-        <a:p>
-          <a:pPr lvl="0" algn="ctr" defTabSz="889000">
-            <a:lnSpc>
-              <a:spcPct val="90000"/>
-            </a:lnSpc>
-            <a:spcBef>
-              <a:spcPct val="0"/>
-            </a:spcBef>
-            <a:spcAft>
-              <a:spcPct val="35000"/>
-            </a:spcAft>
-          </a:pPr>
-          <a:r>
-            <a:rPr lang="en-US" sz="2000" kern="1200" dirty="0" smtClean="0"/>
-            <a:t>Data Type</a:t>
-          </a:r>
-          <a:endParaRPr lang="en-US" sz="2000" kern="1200" dirty="0"/>
-        </a:p>
-      </dsp:txBody>
-      <dsp:txXfrm>
-        <a:off x="3204874" y="229061"/>
-        <a:ext cx="1197808" cy="743717"/>
-      </dsp:txXfrm>
-    </dsp:sp>
-    <dsp:sp modelId="{3D0C8496-FBEF-B442-BAA7-CC30894D9EC3}">
-      <dsp:nvSpPr>
-        <dsp:cNvPr id="0" name=""/>
-        <dsp:cNvSpPr/>
-      </dsp:nvSpPr>
-      <dsp:spPr>
-        <a:xfrm>
-          <a:off x="762684" y="1226417"/>
-          <a:ext cx="1244084" cy="789993"/>
-        </a:xfrm>
-        <a:prstGeom prst="roundRect">
-          <a:avLst>
-            <a:gd name="adj" fmla="val 10000"/>
-          </a:avLst>
-        </a:prstGeom>
-        <a:gradFill rotWithShape="0">
-          <a:gsLst>
-            <a:gs pos="0">
-              <a:schemeClr val="accent1">
-                <a:hueOff val="0"/>
-                <a:satOff val="0"/>
-                <a:lumOff val="0"/>
-                <a:alphaOff val="0"/>
-                <a:tint val="100000"/>
-                <a:shade val="100000"/>
-                <a:satMod val="130000"/>
-              </a:schemeClr>
-            </a:gs>
-            <a:gs pos="100000">
-              <a:schemeClr val="accent1">
-                <a:hueOff val="0"/>
-                <a:satOff val="0"/>
-                <a:lumOff val="0"/>
-                <a:alphaOff val="0"/>
-                <a:tint val="50000"/>
-                <a:shade val="100000"/>
-                <a:satMod val="350000"/>
-              </a:schemeClr>
-            </a:gs>
-          </a:gsLst>
-          <a:lin ang="16200000" scaled="0"/>
-        </a:gradFill>
-        <a:ln>
-          <a:noFill/>
-        </a:ln>
-        <a:effectLst>
-          <a:outerShdw blurRad="40000" dist="23000" dir="5400000" rotWithShape="0">
-            <a:srgbClr val="000000">
-              <a:alpha val="35000"/>
-            </a:srgbClr>
-          </a:outerShdw>
-        </a:effectLst>
-      </dsp:spPr>
-      <dsp:style>
-        <a:lnRef idx="0">
-          <a:scrgbClr r="0" g="0" b="0"/>
-        </a:lnRef>
-        <a:fillRef idx="3">
-          <a:scrgbClr r="0" g="0" b="0"/>
-        </a:fillRef>
-        <a:effectRef idx="2">
-          <a:scrgbClr r="0" g="0" b="0"/>
-        </a:effectRef>
-        <a:fontRef idx="minor">
-          <a:schemeClr val="lt1"/>
-        </a:fontRef>
-      </dsp:style>
-    </dsp:sp>
-    <dsp:sp modelId="{BBF408DD-FB71-6449-9993-DDA736E8D58A}">
-      <dsp:nvSpPr>
-        <dsp:cNvPr id="0" name=""/>
-        <dsp:cNvSpPr/>
-      </dsp:nvSpPr>
-      <dsp:spPr>
-        <a:xfrm>
-          <a:off x="900916" y="1357737"/>
-          <a:ext cx="1244084" cy="789993"/>
-        </a:xfrm>
-        <a:prstGeom prst="roundRect">
-          <a:avLst>
-            <a:gd name="adj" fmla="val 10000"/>
-          </a:avLst>
-        </a:prstGeom>
-        <a:solidFill>
-          <a:schemeClr val="lt1">
-            <a:alpha val="90000"/>
-            <a:hueOff val="0"/>
-            <a:satOff val="0"/>
-            <a:lumOff val="0"/>
-            <a:alphaOff val="0"/>
-          </a:schemeClr>
-        </a:solidFill>
-        <a:ln w="9525" cap="flat" cmpd="sng" algn="ctr">
-          <a:solidFill>
-            <a:schemeClr val="accent1">
-              <a:hueOff val="0"/>
-              <a:satOff val="0"/>
-              <a:lumOff val="0"/>
-              <a:alphaOff val="0"/>
-            </a:schemeClr>
-          </a:solidFill>
-          <a:prstDash val="solid"/>
-        </a:ln>
-        <a:effectLst/>
-      </dsp:spPr>
-      <dsp:style>
-        <a:lnRef idx="1">
-          <a:scrgbClr r="0" g="0" b="0"/>
-        </a:lnRef>
-        <a:fillRef idx="1">
-          <a:scrgbClr r="0" g="0" b="0"/>
-        </a:fillRef>
-        <a:effectRef idx="0">
-          <a:scrgbClr r="0" g="0" b="0"/>
-        </a:effectRef>
-        <a:fontRef idx="minor"/>
-      </dsp:style>
-      <dsp:txBody>
-        <a:bodyPr spcFirstLastPara="0" vert="horz" wrap="square" lIns="76200" tIns="76200" rIns="76200" bIns="76200" numCol="1" spcCol="1270" anchor="ctr" anchorCtr="0">
-          <a:noAutofit/>
-        </a:bodyPr>
-        <a:lstStyle/>
-        <a:p>
-          <a:pPr lvl="0" algn="ctr" defTabSz="889000">
-            <a:lnSpc>
-              <a:spcPct val="90000"/>
-            </a:lnSpc>
-            <a:spcBef>
-              <a:spcPct val="0"/>
-            </a:spcBef>
-            <a:spcAft>
-              <a:spcPct val="35000"/>
-            </a:spcAft>
-          </a:pPr>
-          <a:r>
-            <a:rPr lang="en-US" sz="2000" kern="1200" dirty="0" smtClean="0"/>
-            <a:t>Number</a:t>
-          </a:r>
-          <a:endParaRPr lang="en-US" sz="2000" kern="1200" dirty="0"/>
-        </a:p>
-      </dsp:txBody>
-      <dsp:txXfrm>
-        <a:off x="924054" y="1380875"/>
-        <a:ext cx="1197808" cy="743717"/>
-      </dsp:txXfrm>
-    </dsp:sp>
-    <dsp:sp modelId="{4AC60A40-741B-ED47-AAD7-DE82CE34AD41}">
-      <dsp:nvSpPr>
-        <dsp:cNvPr id="0" name=""/>
-        <dsp:cNvSpPr/>
-      </dsp:nvSpPr>
-      <dsp:spPr>
-        <a:xfrm>
-          <a:off x="2411" y="2378232"/>
-          <a:ext cx="1244084" cy="789993"/>
-        </a:xfrm>
-        <a:prstGeom prst="roundRect">
-          <a:avLst>
-            <a:gd name="adj" fmla="val 10000"/>
-          </a:avLst>
-        </a:prstGeom>
-        <a:gradFill rotWithShape="0">
-          <a:gsLst>
-            <a:gs pos="0">
-              <a:schemeClr val="accent1">
-                <a:hueOff val="0"/>
-                <a:satOff val="0"/>
-                <a:lumOff val="0"/>
-                <a:alphaOff val="0"/>
-                <a:tint val="100000"/>
-                <a:shade val="100000"/>
-                <a:satMod val="130000"/>
-              </a:schemeClr>
-            </a:gs>
-            <a:gs pos="100000">
-              <a:schemeClr val="accent1">
-                <a:hueOff val="0"/>
-                <a:satOff val="0"/>
-                <a:lumOff val="0"/>
-                <a:alphaOff val="0"/>
-                <a:tint val="50000"/>
-                <a:shade val="100000"/>
-                <a:satMod val="350000"/>
-              </a:schemeClr>
-            </a:gs>
-          </a:gsLst>
-          <a:lin ang="16200000" scaled="0"/>
-        </a:gradFill>
-        <a:ln>
-          <a:noFill/>
-        </a:ln>
-        <a:effectLst>
-          <a:outerShdw blurRad="40000" dist="23000" dir="5400000" rotWithShape="0">
-            <a:srgbClr val="000000">
-              <a:alpha val="35000"/>
-            </a:srgbClr>
-          </a:outerShdw>
-        </a:effectLst>
-      </dsp:spPr>
-      <dsp:style>
-        <a:lnRef idx="0">
-          <a:scrgbClr r="0" g="0" b="0"/>
-        </a:lnRef>
-        <a:fillRef idx="3">
-          <a:scrgbClr r="0" g="0" b="0"/>
-        </a:fillRef>
-        <a:effectRef idx="2">
-          <a:scrgbClr r="0" g="0" b="0"/>
-        </a:effectRef>
-        <a:fontRef idx="minor">
-          <a:schemeClr val="lt1"/>
-        </a:fontRef>
-      </dsp:style>
-    </dsp:sp>
-    <dsp:sp modelId="{C2C1A37D-940A-6743-AC99-D92FAAA879A9}">
-      <dsp:nvSpPr>
-        <dsp:cNvPr id="0" name=""/>
-        <dsp:cNvSpPr/>
-      </dsp:nvSpPr>
-      <dsp:spPr>
-        <a:xfrm>
-          <a:off x="140642" y="2509552"/>
-          <a:ext cx="1244084" cy="789993"/>
-        </a:xfrm>
-        <a:prstGeom prst="roundRect">
-          <a:avLst>
-            <a:gd name="adj" fmla="val 10000"/>
-          </a:avLst>
-        </a:prstGeom>
-        <a:solidFill>
-          <a:schemeClr val="lt1">
-            <a:alpha val="90000"/>
-            <a:hueOff val="0"/>
-            <a:satOff val="0"/>
-            <a:lumOff val="0"/>
-            <a:alphaOff val="0"/>
-          </a:schemeClr>
-        </a:solidFill>
-        <a:ln w="9525" cap="flat" cmpd="sng" algn="ctr">
-          <a:solidFill>
-            <a:schemeClr val="accent1">
-              <a:hueOff val="0"/>
-              <a:satOff val="0"/>
-              <a:lumOff val="0"/>
-              <a:alphaOff val="0"/>
-            </a:schemeClr>
-          </a:solidFill>
-          <a:prstDash val="solid"/>
-        </a:ln>
-        <a:effectLst/>
-      </dsp:spPr>
-      <dsp:style>
-        <a:lnRef idx="1">
-          <a:scrgbClr r="0" g="0" b="0"/>
-        </a:lnRef>
-        <a:fillRef idx="1">
-          <a:scrgbClr r="0" g="0" b="0"/>
-        </a:fillRef>
-        <a:effectRef idx="0">
-          <a:scrgbClr r="0" g="0" b="0"/>
-        </a:effectRef>
-        <a:fontRef idx="minor"/>
-      </dsp:style>
-      <dsp:txBody>
-        <a:bodyPr spcFirstLastPara="0" vert="horz" wrap="square" lIns="76200" tIns="76200" rIns="76200" bIns="76200" numCol="1" spcCol="1270" anchor="ctr" anchorCtr="0">
-          <a:noAutofit/>
-        </a:bodyPr>
-        <a:lstStyle/>
-        <a:p>
-          <a:pPr lvl="0" algn="ctr" defTabSz="889000">
-            <a:lnSpc>
-              <a:spcPct val="90000"/>
-            </a:lnSpc>
-            <a:spcBef>
-              <a:spcPct val="0"/>
-            </a:spcBef>
-            <a:spcAft>
-              <a:spcPct val="35000"/>
-            </a:spcAft>
-          </a:pPr>
-          <a:r>
-            <a:rPr lang="en-US" sz="2000" kern="1200" dirty="0" smtClean="0"/>
-            <a:t>Whole</a:t>
-          </a:r>
-          <a:endParaRPr lang="en-US" sz="2000" kern="1200" dirty="0"/>
-        </a:p>
-      </dsp:txBody>
-      <dsp:txXfrm>
-        <a:off x="163780" y="2532690"/>
-        <a:ext cx="1197808" cy="743717"/>
-      </dsp:txXfrm>
-    </dsp:sp>
-    <dsp:sp modelId="{42E6176C-3E48-2248-9A2F-70DD7DB88292}">
-      <dsp:nvSpPr>
-        <dsp:cNvPr id="0" name=""/>
-        <dsp:cNvSpPr/>
-      </dsp:nvSpPr>
-      <dsp:spPr>
-        <a:xfrm>
-          <a:off x="1522958" y="2378232"/>
-          <a:ext cx="1244084" cy="789993"/>
-        </a:xfrm>
-        <a:prstGeom prst="roundRect">
-          <a:avLst>
-            <a:gd name="adj" fmla="val 10000"/>
-          </a:avLst>
-        </a:prstGeom>
-        <a:gradFill rotWithShape="0">
-          <a:gsLst>
-            <a:gs pos="0">
-              <a:schemeClr val="accent1">
-                <a:hueOff val="0"/>
-                <a:satOff val="0"/>
-                <a:lumOff val="0"/>
-                <a:alphaOff val="0"/>
-                <a:tint val="100000"/>
-                <a:shade val="100000"/>
-                <a:satMod val="130000"/>
-              </a:schemeClr>
-            </a:gs>
-            <a:gs pos="100000">
-              <a:schemeClr val="accent1">
-                <a:hueOff val="0"/>
-                <a:satOff val="0"/>
-                <a:lumOff val="0"/>
-                <a:alphaOff val="0"/>
-                <a:tint val="50000"/>
-                <a:shade val="100000"/>
-                <a:satMod val="350000"/>
-              </a:schemeClr>
-            </a:gs>
-          </a:gsLst>
-          <a:lin ang="16200000" scaled="0"/>
-        </a:gradFill>
-        <a:ln>
-          <a:noFill/>
-        </a:ln>
-        <a:effectLst>
-          <a:outerShdw blurRad="40000" dist="23000" dir="5400000" rotWithShape="0">
-            <a:srgbClr val="000000">
-              <a:alpha val="35000"/>
-            </a:srgbClr>
-          </a:outerShdw>
-        </a:effectLst>
-      </dsp:spPr>
-      <dsp:style>
-        <a:lnRef idx="0">
-          <a:scrgbClr r="0" g="0" b="0"/>
-        </a:lnRef>
-        <a:fillRef idx="3">
-          <a:scrgbClr r="0" g="0" b="0"/>
-        </a:fillRef>
-        <a:effectRef idx="2">
-          <a:scrgbClr r="0" g="0" b="0"/>
-        </a:effectRef>
-        <a:fontRef idx="minor">
-          <a:schemeClr val="lt1"/>
-        </a:fontRef>
-      </dsp:style>
-    </dsp:sp>
-    <dsp:sp modelId="{0B86410B-498D-AB4D-9967-4C4AEDB1DF45}">
-      <dsp:nvSpPr>
-        <dsp:cNvPr id="0" name=""/>
-        <dsp:cNvSpPr/>
-      </dsp:nvSpPr>
-      <dsp:spPr>
-        <a:xfrm>
-          <a:off x="1661189" y="2509552"/>
-          <a:ext cx="1244084" cy="789993"/>
-        </a:xfrm>
-        <a:prstGeom prst="roundRect">
-          <a:avLst>
-            <a:gd name="adj" fmla="val 10000"/>
-          </a:avLst>
-        </a:prstGeom>
-        <a:solidFill>
-          <a:schemeClr val="lt1">
-            <a:alpha val="90000"/>
-            <a:hueOff val="0"/>
-            <a:satOff val="0"/>
-            <a:lumOff val="0"/>
-            <a:alphaOff val="0"/>
-          </a:schemeClr>
-        </a:solidFill>
-        <a:ln w="9525" cap="flat" cmpd="sng" algn="ctr">
-          <a:solidFill>
-            <a:schemeClr val="accent1">
-              <a:hueOff val="0"/>
-              <a:satOff val="0"/>
-              <a:lumOff val="0"/>
-              <a:alphaOff val="0"/>
-            </a:schemeClr>
-          </a:solidFill>
-          <a:prstDash val="solid"/>
-        </a:ln>
-        <a:effectLst/>
-      </dsp:spPr>
-      <dsp:style>
-        <a:lnRef idx="1">
-          <a:scrgbClr r="0" g="0" b="0"/>
-        </a:lnRef>
-        <a:fillRef idx="1">
-          <a:scrgbClr r="0" g="0" b="0"/>
-        </a:fillRef>
-        <a:effectRef idx="0">
-          <a:scrgbClr r="0" g="0" b="0"/>
-        </a:effectRef>
-        <a:fontRef idx="minor"/>
-      </dsp:style>
-      <dsp:txBody>
-        <a:bodyPr spcFirstLastPara="0" vert="horz" wrap="square" lIns="76200" tIns="76200" rIns="76200" bIns="76200" numCol="1" spcCol="1270" anchor="ctr" anchorCtr="0">
-          <a:noAutofit/>
-        </a:bodyPr>
-        <a:lstStyle/>
-        <a:p>
-          <a:pPr lvl="0" algn="ctr" defTabSz="889000">
-            <a:lnSpc>
-              <a:spcPct val="90000"/>
-            </a:lnSpc>
-            <a:spcBef>
-              <a:spcPct val="0"/>
-            </a:spcBef>
-            <a:spcAft>
-              <a:spcPct val="35000"/>
-            </a:spcAft>
-          </a:pPr>
-          <a:r>
-            <a:rPr lang="en-US" sz="2000" kern="1200" dirty="0" smtClean="0"/>
-            <a:t>Float</a:t>
-          </a:r>
-          <a:endParaRPr lang="en-US" sz="2000" kern="1200" dirty="0"/>
-        </a:p>
-      </dsp:txBody>
-      <dsp:txXfrm>
-        <a:off x="1684327" y="2532690"/>
-        <a:ext cx="1197808" cy="743717"/>
-      </dsp:txXfrm>
-    </dsp:sp>
-    <dsp:sp modelId="{E4637EFB-2FAA-3446-8FC9-AD7B8E683EE6}">
-      <dsp:nvSpPr>
-        <dsp:cNvPr id="0" name=""/>
-        <dsp:cNvSpPr/>
-      </dsp:nvSpPr>
-      <dsp:spPr>
-        <a:xfrm>
-          <a:off x="2283231" y="1226417"/>
-          <a:ext cx="1244084" cy="789993"/>
-        </a:xfrm>
-        <a:prstGeom prst="roundRect">
-          <a:avLst>
-            <a:gd name="adj" fmla="val 10000"/>
-          </a:avLst>
-        </a:prstGeom>
-        <a:gradFill rotWithShape="0">
-          <a:gsLst>
-            <a:gs pos="0">
-              <a:schemeClr val="accent1">
-                <a:hueOff val="0"/>
-                <a:satOff val="0"/>
-                <a:lumOff val="0"/>
-                <a:alphaOff val="0"/>
-                <a:tint val="100000"/>
-                <a:shade val="100000"/>
-                <a:satMod val="130000"/>
-              </a:schemeClr>
-            </a:gs>
-            <a:gs pos="100000">
-              <a:schemeClr val="accent1">
-                <a:hueOff val="0"/>
-                <a:satOff val="0"/>
-                <a:lumOff val="0"/>
-                <a:alphaOff val="0"/>
-                <a:tint val="50000"/>
-                <a:shade val="100000"/>
-                <a:satMod val="350000"/>
-              </a:schemeClr>
-            </a:gs>
-          </a:gsLst>
-          <a:lin ang="16200000" scaled="0"/>
-        </a:gradFill>
-        <a:ln>
-          <a:noFill/>
-        </a:ln>
-        <a:effectLst>
-          <a:outerShdw blurRad="40000" dist="23000" dir="5400000" rotWithShape="0">
-            <a:srgbClr val="000000">
-              <a:alpha val="35000"/>
-            </a:srgbClr>
-          </a:outerShdw>
-        </a:effectLst>
-      </dsp:spPr>
-      <dsp:style>
-        <a:lnRef idx="0">
-          <a:scrgbClr r="0" g="0" b="0"/>
-        </a:lnRef>
-        <a:fillRef idx="3">
-          <a:scrgbClr r="0" g="0" b="0"/>
-        </a:fillRef>
-        <a:effectRef idx="2">
-          <a:scrgbClr r="0" g="0" b="0"/>
-        </a:effectRef>
-        <a:fontRef idx="minor">
-          <a:schemeClr val="lt1"/>
-        </a:fontRef>
-      </dsp:style>
-    </dsp:sp>
-    <dsp:sp modelId="{0FEFC8CB-58CB-4A43-9867-EED6738F0C0F}">
-      <dsp:nvSpPr>
-        <dsp:cNvPr id="0" name=""/>
-        <dsp:cNvSpPr/>
-      </dsp:nvSpPr>
-      <dsp:spPr>
-        <a:xfrm>
-          <a:off x="2421463" y="1357737"/>
-          <a:ext cx="1244084" cy="789993"/>
-        </a:xfrm>
-        <a:prstGeom prst="roundRect">
-          <a:avLst>
-            <a:gd name="adj" fmla="val 10000"/>
-          </a:avLst>
-        </a:prstGeom>
-        <a:solidFill>
-          <a:schemeClr val="lt1">
-            <a:alpha val="90000"/>
-            <a:hueOff val="0"/>
-            <a:satOff val="0"/>
-            <a:lumOff val="0"/>
-            <a:alphaOff val="0"/>
-          </a:schemeClr>
-        </a:solidFill>
-        <a:ln w="9525" cap="flat" cmpd="sng" algn="ctr">
-          <a:solidFill>
-            <a:schemeClr val="accent1">
-              <a:hueOff val="0"/>
-              <a:satOff val="0"/>
-              <a:lumOff val="0"/>
-              <a:alphaOff val="0"/>
-            </a:schemeClr>
-          </a:solidFill>
-          <a:prstDash val="solid"/>
-        </a:ln>
-        <a:effectLst/>
-      </dsp:spPr>
-      <dsp:style>
-        <a:lnRef idx="1">
-          <a:scrgbClr r="0" g="0" b="0"/>
-        </a:lnRef>
-        <a:fillRef idx="1">
-          <a:scrgbClr r="0" g="0" b="0"/>
-        </a:fillRef>
-        <a:effectRef idx="0">
-          <a:scrgbClr r="0" g="0" b="0"/>
-        </a:effectRef>
-        <a:fontRef idx="minor"/>
-      </dsp:style>
-      <dsp:txBody>
-        <a:bodyPr spcFirstLastPara="0" vert="horz" wrap="square" lIns="76200" tIns="76200" rIns="76200" bIns="76200" numCol="1" spcCol="1270" anchor="ctr" anchorCtr="0">
-          <a:noAutofit/>
-        </a:bodyPr>
-        <a:lstStyle/>
-        <a:p>
-          <a:pPr lvl="0" algn="ctr" defTabSz="889000">
-            <a:lnSpc>
-              <a:spcPct val="90000"/>
-            </a:lnSpc>
-            <a:spcBef>
-              <a:spcPct val="0"/>
-            </a:spcBef>
-            <a:spcAft>
-              <a:spcPct val="35000"/>
-            </a:spcAft>
-          </a:pPr>
-          <a:r>
-            <a:rPr lang="en-US" sz="2000" kern="1200" dirty="0" smtClean="0"/>
-            <a:t>String</a:t>
-          </a:r>
-          <a:endParaRPr lang="en-US" sz="2000" kern="1200" dirty="0"/>
-        </a:p>
-      </dsp:txBody>
-      <dsp:txXfrm>
-        <a:off x="2444601" y="1380875"/>
-        <a:ext cx="1197808" cy="743717"/>
-      </dsp:txXfrm>
-    </dsp:sp>
-    <dsp:sp modelId="{742E8093-E526-D748-A87A-DEAD1A9F1F6D}">
-      <dsp:nvSpPr>
-        <dsp:cNvPr id="0" name=""/>
-        <dsp:cNvSpPr/>
-      </dsp:nvSpPr>
-      <dsp:spPr>
-        <a:xfrm>
-          <a:off x="3803778" y="1226417"/>
-          <a:ext cx="1244084" cy="789993"/>
-        </a:xfrm>
-        <a:prstGeom prst="roundRect">
-          <a:avLst>
-            <a:gd name="adj" fmla="val 10000"/>
-          </a:avLst>
-        </a:prstGeom>
-        <a:gradFill rotWithShape="0">
-          <a:gsLst>
-            <a:gs pos="0">
-              <a:schemeClr val="accent1">
-                <a:hueOff val="0"/>
-                <a:satOff val="0"/>
-                <a:lumOff val="0"/>
-                <a:alphaOff val="0"/>
-                <a:tint val="100000"/>
-                <a:shade val="100000"/>
-                <a:satMod val="130000"/>
-              </a:schemeClr>
-            </a:gs>
-            <a:gs pos="100000">
-              <a:schemeClr val="accent1">
-                <a:hueOff val="0"/>
-                <a:satOff val="0"/>
-                <a:lumOff val="0"/>
-                <a:alphaOff val="0"/>
-                <a:tint val="50000"/>
-                <a:shade val="100000"/>
-                <a:satMod val="350000"/>
-              </a:schemeClr>
-            </a:gs>
-          </a:gsLst>
-          <a:lin ang="16200000" scaled="0"/>
-        </a:gradFill>
-        <a:ln>
-          <a:noFill/>
-        </a:ln>
-        <a:effectLst>
-          <a:outerShdw blurRad="40000" dist="23000" dir="5400000" rotWithShape="0">
-            <a:srgbClr val="000000">
-              <a:alpha val="35000"/>
-            </a:srgbClr>
-          </a:outerShdw>
-        </a:effectLst>
-      </dsp:spPr>
-      <dsp:style>
-        <a:lnRef idx="0">
-          <a:scrgbClr r="0" g="0" b="0"/>
-        </a:lnRef>
-        <a:fillRef idx="3">
-          <a:scrgbClr r="0" g="0" b="0"/>
-        </a:fillRef>
-        <a:effectRef idx="2">
-          <a:scrgbClr r="0" g="0" b="0"/>
-        </a:effectRef>
-        <a:fontRef idx="minor">
-          <a:schemeClr val="lt1"/>
-        </a:fontRef>
-      </dsp:style>
-    </dsp:sp>
-    <dsp:sp modelId="{D86CCABB-994E-2B44-9B36-549A167DC946}">
-      <dsp:nvSpPr>
-        <dsp:cNvPr id="0" name=""/>
-        <dsp:cNvSpPr/>
-      </dsp:nvSpPr>
-      <dsp:spPr>
-        <a:xfrm>
-          <a:off x="3942010" y="1357737"/>
-          <a:ext cx="1244084" cy="789993"/>
-        </a:xfrm>
-        <a:prstGeom prst="roundRect">
-          <a:avLst>
-            <a:gd name="adj" fmla="val 10000"/>
-          </a:avLst>
-        </a:prstGeom>
-        <a:solidFill>
-          <a:schemeClr val="lt1">
-            <a:alpha val="90000"/>
-            <a:hueOff val="0"/>
-            <a:satOff val="0"/>
-            <a:lumOff val="0"/>
-            <a:alphaOff val="0"/>
-          </a:schemeClr>
-        </a:solidFill>
-        <a:ln w="9525" cap="flat" cmpd="sng" algn="ctr">
-          <a:solidFill>
-            <a:schemeClr val="accent1">
-              <a:hueOff val="0"/>
-              <a:satOff val="0"/>
-              <a:lumOff val="0"/>
-              <a:alphaOff val="0"/>
-            </a:schemeClr>
-          </a:solidFill>
-          <a:prstDash val="solid"/>
-        </a:ln>
-        <a:effectLst/>
-      </dsp:spPr>
-      <dsp:style>
-        <a:lnRef idx="1">
-          <a:scrgbClr r="0" g="0" b="0"/>
-        </a:lnRef>
-        <a:fillRef idx="1">
-          <a:scrgbClr r="0" g="0" b="0"/>
-        </a:fillRef>
-        <a:effectRef idx="0">
-          <a:scrgbClr r="0" g="0" b="0"/>
-        </a:effectRef>
-        <a:fontRef idx="minor"/>
-      </dsp:style>
-      <dsp:txBody>
-        <a:bodyPr spcFirstLastPara="0" vert="horz" wrap="square" lIns="76200" tIns="76200" rIns="76200" bIns="76200" numCol="1" spcCol="1270" anchor="ctr" anchorCtr="0">
-          <a:noAutofit/>
-        </a:bodyPr>
-        <a:lstStyle/>
-        <a:p>
-          <a:pPr lvl="0" algn="ctr" defTabSz="889000">
-            <a:lnSpc>
-              <a:spcPct val="90000"/>
-            </a:lnSpc>
-            <a:spcBef>
-              <a:spcPct val="0"/>
-            </a:spcBef>
-            <a:spcAft>
-              <a:spcPct val="35000"/>
-            </a:spcAft>
-          </a:pPr>
-          <a:r>
-            <a:rPr lang="en-US" sz="2000" kern="1200" dirty="0" smtClean="0"/>
-            <a:t>Boolean</a:t>
-          </a:r>
-          <a:endParaRPr lang="en-US" sz="2000" kern="1200" dirty="0"/>
-        </a:p>
-      </dsp:txBody>
-      <dsp:txXfrm>
-        <a:off x="3965148" y="1380875"/>
-        <a:ext cx="1197808" cy="743717"/>
-      </dsp:txXfrm>
-    </dsp:sp>
-    <dsp:sp modelId="{419941D0-E8C4-AB44-9E78-DAAEB48DEBBF}">
-      <dsp:nvSpPr>
-        <dsp:cNvPr id="0" name=""/>
-        <dsp:cNvSpPr/>
-      </dsp:nvSpPr>
-      <dsp:spPr>
-        <a:xfrm>
-          <a:off x="5324326" y="1226417"/>
-          <a:ext cx="1244084" cy="789993"/>
-        </a:xfrm>
-        <a:prstGeom prst="roundRect">
-          <a:avLst>
-            <a:gd name="adj" fmla="val 10000"/>
-          </a:avLst>
-        </a:prstGeom>
-        <a:gradFill rotWithShape="0">
-          <a:gsLst>
-            <a:gs pos="0">
-              <a:schemeClr val="accent1">
-                <a:hueOff val="0"/>
-                <a:satOff val="0"/>
-                <a:lumOff val="0"/>
-                <a:alphaOff val="0"/>
-                <a:tint val="100000"/>
-                <a:shade val="100000"/>
-                <a:satMod val="130000"/>
-              </a:schemeClr>
-            </a:gs>
-            <a:gs pos="100000">
-              <a:schemeClr val="accent1">
-                <a:hueOff val="0"/>
-                <a:satOff val="0"/>
-                <a:lumOff val="0"/>
-                <a:alphaOff val="0"/>
-                <a:tint val="50000"/>
-                <a:shade val="100000"/>
-                <a:satMod val="350000"/>
-              </a:schemeClr>
-            </a:gs>
-          </a:gsLst>
-          <a:lin ang="16200000" scaled="0"/>
-        </a:gradFill>
-        <a:ln>
-          <a:noFill/>
-        </a:ln>
-        <a:effectLst>
-          <a:outerShdw blurRad="40000" dist="23000" dir="5400000" rotWithShape="0">
-            <a:srgbClr val="000000">
-              <a:alpha val="35000"/>
-            </a:srgbClr>
-          </a:outerShdw>
-        </a:effectLst>
-      </dsp:spPr>
-      <dsp:style>
-        <a:lnRef idx="0">
-          <a:scrgbClr r="0" g="0" b="0"/>
-        </a:lnRef>
-        <a:fillRef idx="3">
-          <a:scrgbClr r="0" g="0" b="0"/>
-        </a:fillRef>
-        <a:effectRef idx="2">
-          <a:scrgbClr r="0" g="0" b="0"/>
-        </a:effectRef>
-        <a:fontRef idx="minor">
-          <a:schemeClr val="lt1"/>
-        </a:fontRef>
-      </dsp:style>
-    </dsp:sp>
-    <dsp:sp modelId="{6603764C-B415-664F-8885-A7DAA8CAF3E7}">
-      <dsp:nvSpPr>
-        <dsp:cNvPr id="0" name=""/>
-        <dsp:cNvSpPr/>
-      </dsp:nvSpPr>
-      <dsp:spPr>
-        <a:xfrm>
-          <a:off x="5462557" y="1357737"/>
-          <a:ext cx="1244084" cy="789993"/>
-        </a:xfrm>
-        <a:prstGeom prst="roundRect">
-          <a:avLst>
-            <a:gd name="adj" fmla="val 10000"/>
-          </a:avLst>
-        </a:prstGeom>
-        <a:solidFill>
-          <a:schemeClr val="lt1">
-            <a:alpha val="90000"/>
-            <a:hueOff val="0"/>
-            <a:satOff val="0"/>
-            <a:lumOff val="0"/>
-            <a:alphaOff val="0"/>
-          </a:schemeClr>
-        </a:solidFill>
-        <a:ln w="9525" cap="flat" cmpd="sng" algn="ctr">
-          <a:solidFill>
-            <a:schemeClr val="accent1">
-              <a:hueOff val="0"/>
-              <a:satOff val="0"/>
-              <a:lumOff val="0"/>
-              <a:alphaOff val="0"/>
-            </a:schemeClr>
-          </a:solidFill>
-          <a:prstDash val="solid"/>
-        </a:ln>
-        <a:effectLst/>
-      </dsp:spPr>
-      <dsp:style>
-        <a:lnRef idx="1">
-          <a:scrgbClr r="0" g="0" b="0"/>
-        </a:lnRef>
-        <a:fillRef idx="1">
-          <a:scrgbClr r="0" g="0" b="0"/>
-        </a:fillRef>
-        <a:effectRef idx="0">
-          <a:scrgbClr r="0" g="0" b="0"/>
-        </a:effectRef>
-        <a:fontRef idx="minor"/>
-      </dsp:style>
-      <dsp:txBody>
-        <a:bodyPr spcFirstLastPara="0" vert="horz" wrap="square" lIns="76200" tIns="76200" rIns="76200" bIns="76200" numCol="1" spcCol="1270" anchor="ctr" anchorCtr="0">
-          <a:noAutofit/>
-        </a:bodyPr>
-        <a:lstStyle/>
-        <a:p>
-          <a:pPr lvl="0" algn="ctr" defTabSz="889000">
-            <a:lnSpc>
-              <a:spcPct val="90000"/>
-            </a:lnSpc>
-            <a:spcBef>
-              <a:spcPct val="0"/>
-            </a:spcBef>
-            <a:spcAft>
-              <a:spcPct val="35000"/>
-            </a:spcAft>
-          </a:pPr>
-          <a:r>
-            <a:rPr lang="en-US" sz="2000" kern="1200" dirty="0" smtClean="0"/>
-            <a:t>Object</a:t>
-          </a:r>
-          <a:endParaRPr lang="en-US" sz="2000" kern="1200" dirty="0"/>
-        </a:p>
-      </dsp:txBody>
-      <dsp:txXfrm>
-        <a:off x="5485695" y="1380875"/>
-        <a:ext cx="1197808" cy="743717"/>
-      </dsp:txXfrm>
-    </dsp:sp>
-    <dsp:sp modelId="{BED1AD82-3EAF-DA47-9563-265E07F41880}">
-      <dsp:nvSpPr>
-        <dsp:cNvPr id="0" name=""/>
-        <dsp:cNvSpPr/>
-      </dsp:nvSpPr>
-      <dsp:spPr>
-        <a:xfrm>
-          <a:off x="3803778" y="2378232"/>
-          <a:ext cx="1244084" cy="789993"/>
-        </a:xfrm>
-        <a:prstGeom prst="roundRect">
-          <a:avLst>
-            <a:gd name="adj" fmla="val 10000"/>
-          </a:avLst>
-        </a:prstGeom>
-        <a:gradFill rotWithShape="0">
-          <a:gsLst>
-            <a:gs pos="0">
-              <a:schemeClr val="accent1">
-                <a:hueOff val="0"/>
-                <a:satOff val="0"/>
-                <a:lumOff val="0"/>
-                <a:alphaOff val="0"/>
-                <a:tint val="100000"/>
-                <a:shade val="100000"/>
-                <a:satMod val="130000"/>
-              </a:schemeClr>
-            </a:gs>
-            <a:gs pos="100000">
-              <a:schemeClr val="accent1">
-                <a:hueOff val="0"/>
-                <a:satOff val="0"/>
-                <a:lumOff val="0"/>
-                <a:alphaOff val="0"/>
-                <a:tint val="50000"/>
-                <a:shade val="100000"/>
-                <a:satMod val="350000"/>
-              </a:schemeClr>
-            </a:gs>
-          </a:gsLst>
-          <a:lin ang="16200000" scaled="0"/>
-        </a:gradFill>
-        <a:ln>
-          <a:noFill/>
-        </a:ln>
-        <a:effectLst>
-          <a:outerShdw blurRad="40000" dist="23000" dir="5400000" rotWithShape="0">
-            <a:srgbClr val="000000">
-              <a:alpha val="35000"/>
-            </a:srgbClr>
-          </a:outerShdw>
-        </a:effectLst>
-      </dsp:spPr>
-      <dsp:style>
-        <a:lnRef idx="0">
-          <a:scrgbClr r="0" g="0" b="0"/>
-        </a:lnRef>
-        <a:fillRef idx="3">
-          <a:scrgbClr r="0" g="0" b="0"/>
-        </a:fillRef>
-        <a:effectRef idx="2">
-          <a:scrgbClr r="0" g="0" b="0"/>
-        </a:effectRef>
-        <a:fontRef idx="minor">
-          <a:schemeClr val="lt1"/>
-        </a:fontRef>
-      </dsp:style>
-    </dsp:sp>
-    <dsp:sp modelId="{AD6B8219-1F5B-DA4F-B261-22B5D0551A94}">
-      <dsp:nvSpPr>
-        <dsp:cNvPr id="0" name=""/>
-        <dsp:cNvSpPr/>
-      </dsp:nvSpPr>
-      <dsp:spPr>
-        <a:xfrm>
-          <a:off x="3942010" y="2509552"/>
-          <a:ext cx="1244084" cy="789993"/>
-        </a:xfrm>
-        <a:prstGeom prst="roundRect">
-          <a:avLst>
-            <a:gd name="adj" fmla="val 10000"/>
-          </a:avLst>
-        </a:prstGeom>
-        <a:solidFill>
-          <a:schemeClr val="lt1">
-            <a:alpha val="90000"/>
-            <a:hueOff val="0"/>
-            <a:satOff val="0"/>
-            <a:lumOff val="0"/>
-            <a:alphaOff val="0"/>
-          </a:schemeClr>
-        </a:solidFill>
-        <a:ln w="9525" cap="flat" cmpd="sng" algn="ctr">
-          <a:solidFill>
-            <a:schemeClr val="accent1">
-              <a:hueOff val="0"/>
-              <a:satOff val="0"/>
-              <a:lumOff val="0"/>
-              <a:alphaOff val="0"/>
-            </a:schemeClr>
-          </a:solidFill>
-          <a:prstDash val="solid"/>
-        </a:ln>
-        <a:effectLst/>
-      </dsp:spPr>
-      <dsp:style>
-        <a:lnRef idx="1">
-          <a:scrgbClr r="0" g="0" b="0"/>
-        </a:lnRef>
-        <a:fillRef idx="1">
-          <a:scrgbClr r="0" g="0" b="0"/>
-        </a:fillRef>
-        <a:effectRef idx="0">
-          <a:scrgbClr r="0" g="0" b="0"/>
-        </a:effectRef>
-        <a:fontRef idx="minor"/>
-      </dsp:style>
-      <dsp:txBody>
-        <a:bodyPr spcFirstLastPara="0" vert="horz" wrap="square" lIns="76200" tIns="76200" rIns="76200" bIns="76200" numCol="1" spcCol="1270" anchor="ctr" anchorCtr="0">
-          <a:noAutofit/>
-        </a:bodyPr>
-        <a:lstStyle/>
-        <a:p>
-          <a:pPr lvl="0" algn="ctr" defTabSz="889000">
-            <a:lnSpc>
-              <a:spcPct val="90000"/>
-            </a:lnSpc>
-            <a:spcBef>
-              <a:spcPct val="0"/>
-            </a:spcBef>
-            <a:spcAft>
-              <a:spcPct val="35000"/>
-            </a:spcAft>
-          </a:pPr>
-          <a:r>
-            <a:rPr lang="en-US" sz="2000" kern="1200" dirty="0" smtClean="0"/>
-            <a:t>Date</a:t>
-          </a:r>
-          <a:endParaRPr lang="en-US" sz="2000" kern="1200" dirty="0"/>
-        </a:p>
-      </dsp:txBody>
-      <dsp:txXfrm>
-        <a:off x="3965148" y="2532690"/>
-        <a:ext cx="1197808" cy="743717"/>
-      </dsp:txXfrm>
-    </dsp:sp>
-    <dsp:sp modelId="{E43BE145-21E5-5543-9A7D-46DE44FE97A7}">
-      <dsp:nvSpPr>
-        <dsp:cNvPr id="0" name=""/>
-        <dsp:cNvSpPr/>
-      </dsp:nvSpPr>
-      <dsp:spPr>
-        <a:xfrm>
-          <a:off x="5324326" y="2378232"/>
-          <a:ext cx="1244084" cy="789993"/>
-        </a:xfrm>
-        <a:prstGeom prst="roundRect">
-          <a:avLst>
-            <a:gd name="adj" fmla="val 10000"/>
-          </a:avLst>
-        </a:prstGeom>
-        <a:gradFill rotWithShape="0">
-          <a:gsLst>
-            <a:gs pos="0">
-              <a:schemeClr val="accent1">
-                <a:hueOff val="0"/>
-                <a:satOff val="0"/>
-                <a:lumOff val="0"/>
-                <a:alphaOff val="0"/>
-                <a:tint val="100000"/>
-                <a:shade val="100000"/>
-                <a:satMod val="130000"/>
-              </a:schemeClr>
-            </a:gs>
-            <a:gs pos="100000">
-              <a:schemeClr val="accent1">
-                <a:hueOff val="0"/>
-                <a:satOff val="0"/>
-                <a:lumOff val="0"/>
-                <a:alphaOff val="0"/>
-                <a:tint val="50000"/>
-                <a:shade val="100000"/>
-                <a:satMod val="350000"/>
-              </a:schemeClr>
-            </a:gs>
-          </a:gsLst>
-          <a:lin ang="16200000" scaled="0"/>
-        </a:gradFill>
-        <a:ln>
-          <a:noFill/>
-        </a:ln>
-        <a:effectLst>
-          <a:outerShdw blurRad="40000" dist="23000" dir="5400000" rotWithShape="0">
-            <a:srgbClr val="000000">
-              <a:alpha val="35000"/>
-            </a:srgbClr>
-          </a:outerShdw>
-        </a:effectLst>
-      </dsp:spPr>
-      <dsp:style>
-        <a:lnRef idx="0">
-          <a:scrgbClr r="0" g="0" b="0"/>
-        </a:lnRef>
-        <a:fillRef idx="3">
-          <a:scrgbClr r="0" g="0" b="0"/>
-        </a:fillRef>
-        <a:effectRef idx="2">
-          <a:scrgbClr r="0" g="0" b="0"/>
-        </a:effectRef>
-        <a:fontRef idx="minor">
-          <a:schemeClr val="lt1"/>
-        </a:fontRef>
-      </dsp:style>
-    </dsp:sp>
-    <dsp:sp modelId="{EBC8209D-BB74-B44A-A57A-C51ABEDBBAE8}">
-      <dsp:nvSpPr>
-        <dsp:cNvPr id="0" name=""/>
-        <dsp:cNvSpPr/>
-      </dsp:nvSpPr>
-      <dsp:spPr>
-        <a:xfrm>
-          <a:off x="5462557" y="2509552"/>
-          <a:ext cx="1244084" cy="789993"/>
-        </a:xfrm>
-        <a:prstGeom prst="roundRect">
-          <a:avLst>
-            <a:gd name="adj" fmla="val 10000"/>
-          </a:avLst>
-        </a:prstGeom>
-        <a:solidFill>
-          <a:schemeClr val="lt1">
-            <a:alpha val="90000"/>
-            <a:hueOff val="0"/>
-            <a:satOff val="0"/>
-            <a:lumOff val="0"/>
-            <a:alphaOff val="0"/>
-          </a:schemeClr>
-        </a:solidFill>
-        <a:ln w="9525" cap="flat" cmpd="sng" algn="ctr">
-          <a:solidFill>
-            <a:schemeClr val="accent1">
-              <a:hueOff val="0"/>
-              <a:satOff val="0"/>
-              <a:lumOff val="0"/>
-              <a:alphaOff val="0"/>
-            </a:schemeClr>
-          </a:solidFill>
-          <a:prstDash val="solid"/>
-        </a:ln>
-        <a:effectLst/>
-      </dsp:spPr>
-      <dsp:style>
-        <a:lnRef idx="1">
-          <a:scrgbClr r="0" g="0" b="0"/>
-        </a:lnRef>
-        <a:fillRef idx="1">
-          <a:scrgbClr r="0" g="0" b="0"/>
-        </a:fillRef>
-        <a:effectRef idx="0">
-          <a:scrgbClr r="0" g="0" b="0"/>
-        </a:effectRef>
-        <a:fontRef idx="minor"/>
-      </dsp:style>
-      <dsp:txBody>
-        <a:bodyPr spcFirstLastPara="0" vert="horz" wrap="square" lIns="76200" tIns="76200" rIns="76200" bIns="76200" numCol="1" spcCol="1270" anchor="ctr" anchorCtr="0">
-          <a:noAutofit/>
-        </a:bodyPr>
-        <a:lstStyle/>
-        <a:p>
-          <a:pPr lvl="0" algn="ctr" defTabSz="889000">
-            <a:lnSpc>
-              <a:spcPct val="90000"/>
-            </a:lnSpc>
-            <a:spcBef>
-              <a:spcPct val="0"/>
-            </a:spcBef>
-            <a:spcAft>
-              <a:spcPct val="35000"/>
-            </a:spcAft>
-          </a:pPr>
-          <a:r>
-            <a:rPr lang="en-US" sz="2000" kern="1200" dirty="0" smtClean="0"/>
-            <a:t>Container</a:t>
-          </a:r>
-          <a:endParaRPr lang="en-US" sz="2000" kern="1200" dirty="0"/>
-        </a:p>
-      </dsp:txBody>
-      <dsp:txXfrm>
-        <a:off x="5485695" y="2532690"/>
-        <a:ext cx="1197808" cy="743717"/>
-      </dsp:txXfrm>
-    </dsp:sp>
-    <dsp:sp modelId="{6DF542D9-B5F6-214E-9CDE-F0A47E3A8ABC}">
-      <dsp:nvSpPr>
-        <dsp:cNvPr id="0" name=""/>
-        <dsp:cNvSpPr/>
-      </dsp:nvSpPr>
-      <dsp:spPr>
-        <a:xfrm>
-          <a:off x="4564052" y="3530046"/>
-          <a:ext cx="1244084" cy="789993"/>
-        </a:xfrm>
-        <a:prstGeom prst="roundRect">
-          <a:avLst>
-            <a:gd name="adj" fmla="val 10000"/>
-          </a:avLst>
-        </a:prstGeom>
-        <a:gradFill rotWithShape="0">
-          <a:gsLst>
-            <a:gs pos="0">
-              <a:schemeClr val="accent1">
-                <a:hueOff val="0"/>
-                <a:satOff val="0"/>
-                <a:lumOff val="0"/>
-                <a:alphaOff val="0"/>
-                <a:tint val="100000"/>
-                <a:shade val="100000"/>
-                <a:satMod val="130000"/>
-              </a:schemeClr>
-            </a:gs>
-            <a:gs pos="100000">
-              <a:schemeClr val="accent1">
-                <a:hueOff val="0"/>
-                <a:satOff val="0"/>
-                <a:lumOff val="0"/>
-                <a:alphaOff val="0"/>
-                <a:tint val="50000"/>
-                <a:shade val="100000"/>
-                <a:satMod val="350000"/>
-              </a:schemeClr>
-            </a:gs>
-          </a:gsLst>
-          <a:lin ang="16200000" scaled="0"/>
-        </a:gradFill>
-        <a:ln>
-          <a:noFill/>
-        </a:ln>
-        <a:effectLst>
-          <a:outerShdw blurRad="40000" dist="23000" dir="5400000" rotWithShape="0">
-            <a:srgbClr val="000000">
-              <a:alpha val="35000"/>
-            </a:srgbClr>
-          </a:outerShdw>
-        </a:effectLst>
-      </dsp:spPr>
-      <dsp:style>
-        <a:lnRef idx="0">
-          <a:scrgbClr r="0" g="0" b="0"/>
-        </a:lnRef>
-        <a:fillRef idx="3">
-          <a:scrgbClr r="0" g="0" b="0"/>
-        </a:fillRef>
-        <a:effectRef idx="2">
-          <a:scrgbClr r="0" g="0" b="0"/>
-        </a:effectRef>
-        <a:fontRef idx="minor">
-          <a:schemeClr val="lt1"/>
-        </a:fontRef>
-      </dsp:style>
-    </dsp:sp>
-    <dsp:sp modelId="{2246CDBD-2CA8-A34C-A89B-E32ACB07E97A}">
-      <dsp:nvSpPr>
-        <dsp:cNvPr id="0" name=""/>
-        <dsp:cNvSpPr/>
-      </dsp:nvSpPr>
-      <dsp:spPr>
-        <a:xfrm>
-          <a:off x="4702284" y="3661366"/>
-          <a:ext cx="1244084" cy="789993"/>
-        </a:xfrm>
-        <a:prstGeom prst="roundRect">
-          <a:avLst>
-            <a:gd name="adj" fmla="val 10000"/>
-          </a:avLst>
-        </a:prstGeom>
-        <a:solidFill>
-          <a:schemeClr val="lt1">
-            <a:alpha val="90000"/>
-            <a:hueOff val="0"/>
-            <a:satOff val="0"/>
-            <a:lumOff val="0"/>
-            <a:alphaOff val="0"/>
-          </a:schemeClr>
-        </a:solidFill>
-        <a:ln w="9525" cap="flat" cmpd="sng" algn="ctr">
-          <a:solidFill>
-            <a:schemeClr val="accent1">
-              <a:hueOff val="0"/>
-              <a:satOff val="0"/>
-              <a:lumOff val="0"/>
-              <a:alphaOff val="0"/>
-            </a:schemeClr>
-          </a:solidFill>
-          <a:prstDash val="solid"/>
-        </a:ln>
-        <a:effectLst/>
-      </dsp:spPr>
-      <dsp:style>
-        <a:lnRef idx="1">
-          <a:scrgbClr r="0" g="0" b="0"/>
-        </a:lnRef>
-        <a:fillRef idx="1">
-          <a:scrgbClr r="0" g="0" b="0"/>
-        </a:fillRef>
-        <a:effectRef idx="0">
-          <a:scrgbClr r="0" g="0" b="0"/>
-        </a:effectRef>
-        <a:fontRef idx="minor"/>
-      </dsp:style>
-      <dsp:txBody>
-        <a:bodyPr spcFirstLastPara="0" vert="horz" wrap="square" lIns="76200" tIns="76200" rIns="76200" bIns="76200" numCol="1" spcCol="1270" anchor="ctr" anchorCtr="0">
-          <a:noAutofit/>
-        </a:bodyPr>
-        <a:lstStyle/>
-        <a:p>
-          <a:pPr lvl="0" algn="ctr" defTabSz="889000">
-            <a:lnSpc>
-              <a:spcPct val="90000"/>
-            </a:lnSpc>
-            <a:spcBef>
-              <a:spcPct val="0"/>
-            </a:spcBef>
-            <a:spcAft>
-              <a:spcPct val="35000"/>
-            </a:spcAft>
-          </a:pPr>
-          <a:r>
-            <a:rPr lang="en-US" sz="2000" kern="1200" dirty="0" smtClean="0"/>
-            <a:t>Array</a:t>
-          </a:r>
-          <a:endParaRPr lang="en-US" sz="2000" kern="1200" dirty="0"/>
-        </a:p>
-      </dsp:txBody>
-      <dsp:txXfrm>
-        <a:off x="4725422" y="3684504"/>
-        <a:ext cx="1197808" cy="743717"/>
-      </dsp:txXfrm>
-    </dsp:sp>
-    <dsp:sp modelId="{7591B2A4-9F4B-F245-820A-E182736ED0B3}">
-      <dsp:nvSpPr>
-        <dsp:cNvPr id="0" name=""/>
-        <dsp:cNvSpPr/>
-      </dsp:nvSpPr>
-      <dsp:spPr>
-        <a:xfrm>
-          <a:off x="6084599" y="3530046"/>
-          <a:ext cx="1244084" cy="789993"/>
-        </a:xfrm>
-        <a:prstGeom prst="roundRect">
-          <a:avLst>
-            <a:gd name="adj" fmla="val 10000"/>
-          </a:avLst>
-        </a:prstGeom>
-        <a:gradFill rotWithShape="0">
-          <a:gsLst>
-            <a:gs pos="0">
-              <a:schemeClr val="accent1">
-                <a:hueOff val="0"/>
-                <a:satOff val="0"/>
-                <a:lumOff val="0"/>
-                <a:alphaOff val="0"/>
-                <a:tint val="100000"/>
-                <a:shade val="100000"/>
-                <a:satMod val="130000"/>
-              </a:schemeClr>
-            </a:gs>
-            <a:gs pos="100000">
-              <a:schemeClr val="accent1">
-                <a:hueOff val="0"/>
-                <a:satOff val="0"/>
-                <a:lumOff val="0"/>
-                <a:alphaOff val="0"/>
-                <a:tint val="50000"/>
-                <a:shade val="100000"/>
-                <a:satMod val="350000"/>
-              </a:schemeClr>
-            </a:gs>
-          </a:gsLst>
-          <a:lin ang="16200000" scaled="0"/>
-        </a:gradFill>
-        <a:ln>
-          <a:noFill/>
-        </a:ln>
-        <a:effectLst>
-          <a:outerShdw blurRad="40000" dist="23000" dir="5400000" rotWithShape="0">
-            <a:srgbClr val="000000">
-              <a:alpha val="35000"/>
-            </a:srgbClr>
-          </a:outerShdw>
-        </a:effectLst>
-      </dsp:spPr>
-      <dsp:style>
-        <a:lnRef idx="0">
-          <a:scrgbClr r="0" g="0" b="0"/>
-        </a:lnRef>
-        <a:fillRef idx="3">
-          <a:scrgbClr r="0" g="0" b="0"/>
-        </a:fillRef>
-        <a:effectRef idx="2">
-          <a:scrgbClr r="0" g="0" b="0"/>
-        </a:effectRef>
-        <a:fontRef idx="minor">
-          <a:schemeClr val="lt1"/>
-        </a:fontRef>
-      </dsp:style>
-    </dsp:sp>
-    <dsp:sp modelId="{9152FE1E-3F9F-1945-845B-196FD4FE9E7F}">
-      <dsp:nvSpPr>
-        <dsp:cNvPr id="0" name=""/>
-        <dsp:cNvSpPr/>
-      </dsp:nvSpPr>
-      <dsp:spPr>
-        <a:xfrm>
-          <a:off x="6222831" y="3661366"/>
-          <a:ext cx="1244084" cy="789993"/>
-        </a:xfrm>
-        <a:prstGeom prst="roundRect">
-          <a:avLst>
-            <a:gd name="adj" fmla="val 10000"/>
-          </a:avLst>
-        </a:prstGeom>
-        <a:solidFill>
-          <a:schemeClr val="lt1">
-            <a:alpha val="90000"/>
-            <a:hueOff val="0"/>
-            <a:satOff val="0"/>
-            <a:lumOff val="0"/>
-            <a:alphaOff val="0"/>
-          </a:schemeClr>
-        </a:solidFill>
-        <a:ln w="9525" cap="flat" cmpd="sng" algn="ctr">
-          <a:solidFill>
-            <a:schemeClr val="accent1">
-              <a:hueOff val="0"/>
-              <a:satOff val="0"/>
-              <a:lumOff val="0"/>
-              <a:alphaOff val="0"/>
-            </a:schemeClr>
-          </a:solidFill>
-          <a:prstDash val="solid"/>
-        </a:ln>
-        <a:effectLst/>
-      </dsp:spPr>
-      <dsp:style>
-        <a:lnRef idx="1">
-          <a:scrgbClr r="0" g="0" b="0"/>
-        </a:lnRef>
-        <a:fillRef idx="1">
-          <a:scrgbClr r="0" g="0" b="0"/>
-        </a:fillRef>
-        <a:effectRef idx="0">
-          <a:scrgbClr r="0" g="0" b="0"/>
-        </a:effectRef>
-        <a:fontRef idx="minor"/>
-      </dsp:style>
-      <dsp:txBody>
-        <a:bodyPr spcFirstLastPara="0" vert="horz" wrap="square" lIns="76200" tIns="76200" rIns="76200" bIns="76200" numCol="1" spcCol="1270" anchor="ctr" anchorCtr="0">
-          <a:noAutofit/>
-        </a:bodyPr>
-        <a:lstStyle/>
-        <a:p>
-          <a:pPr lvl="0" algn="ctr" defTabSz="889000">
-            <a:lnSpc>
-              <a:spcPct val="90000"/>
-            </a:lnSpc>
-            <a:spcBef>
-              <a:spcPct val="0"/>
-            </a:spcBef>
-            <a:spcAft>
-              <a:spcPct val="35000"/>
-            </a:spcAft>
-          </a:pPr>
-          <a:r>
-            <a:rPr lang="en-US" sz="2000" kern="1200" dirty="0" smtClean="0"/>
-            <a:t>Hash</a:t>
-          </a:r>
-          <a:endParaRPr lang="en-US" sz="2000" kern="1200" dirty="0"/>
-        </a:p>
-      </dsp:txBody>
-      <dsp:txXfrm>
-        <a:off x="6245969" y="3684504"/>
-        <a:ext cx="1197808" cy="743717"/>
-      </dsp:txXfrm>
-    </dsp:sp>
-    <dsp:sp modelId="{05D36543-49E4-934D-B25C-1B6526CA4C89}">
-      <dsp:nvSpPr>
-        <dsp:cNvPr id="0" name=""/>
-        <dsp:cNvSpPr/>
-      </dsp:nvSpPr>
-      <dsp:spPr>
-        <a:xfrm>
-          <a:off x="6844873" y="2378232"/>
-          <a:ext cx="1244084" cy="789993"/>
-        </a:xfrm>
-        <a:prstGeom prst="roundRect">
-          <a:avLst>
-            <a:gd name="adj" fmla="val 10000"/>
-          </a:avLst>
-        </a:prstGeom>
-        <a:gradFill rotWithShape="0">
-          <a:gsLst>
-            <a:gs pos="0">
-              <a:schemeClr val="accent1">
-                <a:hueOff val="0"/>
-                <a:satOff val="0"/>
-                <a:lumOff val="0"/>
-                <a:alphaOff val="0"/>
-                <a:tint val="100000"/>
-                <a:shade val="100000"/>
-                <a:satMod val="130000"/>
-              </a:schemeClr>
-            </a:gs>
-            <a:gs pos="100000">
-              <a:schemeClr val="accent1">
-                <a:hueOff val="0"/>
-                <a:satOff val="0"/>
-                <a:lumOff val="0"/>
-                <a:alphaOff val="0"/>
-                <a:tint val="50000"/>
-                <a:shade val="100000"/>
-                <a:satMod val="350000"/>
-              </a:schemeClr>
-            </a:gs>
-          </a:gsLst>
-          <a:lin ang="16200000" scaled="0"/>
-        </a:gradFill>
-        <a:ln>
-          <a:noFill/>
-        </a:ln>
-        <a:effectLst>
-          <a:outerShdw blurRad="40000" dist="23000" dir="5400000" rotWithShape="0">
-            <a:srgbClr val="000000">
-              <a:alpha val="35000"/>
-            </a:srgbClr>
-          </a:outerShdw>
-        </a:effectLst>
-      </dsp:spPr>
-      <dsp:style>
-        <a:lnRef idx="0">
-          <a:scrgbClr r="0" g="0" b="0"/>
-        </a:lnRef>
-        <a:fillRef idx="3">
-          <a:scrgbClr r="0" g="0" b="0"/>
-        </a:fillRef>
-        <a:effectRef idx="2">
-          <a:scrgbClr r="0" g="0" b="0"/>
-        </a:effectRef>
-        <a:fontRef idx="minor">
-          <a:schemeClr val="lt1"/>
-        </a:fontRef>
-      </dsp:style>
-    </dsp:sp>
-    <dsp:sp modelId="{76B33B1D-4CA5-544F-BF28-B308B507EF10}">
-      <dsp:nvSpPr>
-        <dsp:cNvPr id="0" name=""/>
-        <dsp:cNvSpPr/>
-      </dsp:nvSpPr>
-      <dsp:spPr>
-        <a:xfrm>
-          <a:off x="6983104" y="2509552"/>
-          <a:ext cx="1244084" cy="789993"/>
-        </a:xfrm>
-        <a:prstGeom prst="roundRect">
-          <a:avLst>
-            <a:gd name="adj" fmla="val 10000"/>
-          </a:avLst>
-        </a:prstGeom>
-        <a:gradFill rotWithShape="1">
-          <a:gsLst>
-            <a:gs pos="0">
-              <a:schemeClr val="accent2">
-                <a:tint val="50000"/>
-                <a:satMod val="300000"/>
-              </a:schemeClr>
-            </a:gs>
-            <a:gs pos="35000">
-              <a:schemeClr val="accent2">
-                <a:tint val="37000"/>
-                <a:satMod val="300000"/>
-              </a:schemeClr>
-            </a:gs>
-            <a:gs pos="100000">
-              <a:schemeClr val="accent2">
-                <a:tint val="15000"/>
-                <a:satMod val="350000"/>
-              </a:schemeClr>
-            </a:gs>
-          </a:gsLst>
-          <a:lin ang="16200000" scaled="1"/>
-        </a:gradFill>
-        <a:ln w="9525" cap="flat" cmpd="sng" algn="ctr">
-          <a:solidFill>
-            <a:schemeClr val="accent2">
-              <a:shade val="95000"/>
-              <a:satMod val="105000"/>
-            </a:schemeClr>
-          </a:solidFill>
-          <a:prstDash val="solid"/>
-        </a:ln>
-        <a:effectLst>
-          <a:outerShdw blurRad="40000" dist="20000" dir="5400000" rotWithShape="0">
-            <a:srgbClr val="000000">
-              <a:alpha val="38000"/>
-            </a:srgbClr>
-          </a:outerShdw>
-        </a:effectLst>
-      </dsp:spPr>
-      <dsp:style>
-        <a:lnRef idx="1">
-          <a:schemeClr val="accent2"/>
-        </a:lnRef>
-        <a:fillRef idx="2">
-          <a:schemeClr val="accent2"/>
-        </a:fillRef>
-        <a:effectRef idx="1">
-          <a:schemeClr val="accent2"/>
-        </a:effectRef>
-        <a:fontRef idx="minor">
-          <a:schemeClr val="dk1"/>
-        </a:fontRef>
-      </dsp:style>
-      <dsp:txBody>
-        <a:bodyPr spcFirstLastPara="0" vert="horz" wrap="square" lIns="76200" tIns="76200" rIns="76200" bIns="76200" numCol="1" spcCol="1270" anchor="ctr" anchorCtr="0">
-          <a:noAutofit/>
-        </a:bodyPr>
-        <a:lstStyle/>
-        <a:p>
-          <a:pPr lvl="0" algn="ctr" defTabSz="889000">
-            <a:lnSpc>
-              <a:spcPct val="90000"/>
-            </a:lnSpc>
-            <a:spcBef>
-              <a:spcPct val="0"/>
-            </a:spcBef>
-            <a:spcAft>
-              <a:spcPct val="35000"/>
-            </a:spcAft>
-          </a:pPr>
-          <a:r>
-            <a:rPr lang="en-US" sz="2000" kern="1200" dirty="0" smtClean="0"/>
-            <a:t>Function</a:t>
-          </a:r>
-          <a:endParaRPr lang="en-US" sz="2000" kern="1200" dirty="0"/>
-        </a:p>
-      </dsp:txBody>
-      <dsp:txXfrm>
-        <a:off x="7006242" y="2532690"/>
-        <a:ext cx="1197808" cy="743717"/>
-      </dsp:txXfrm>
-    </dsp:sp>
   </dsp:spTree>
 </dsp:drawing>
 </file>
@@ -22969,21 +18120,8 @@
           <a:p>
             <a:r>
               <a:rPr lang="en-US" dirty="0" smtClean="0"/>
-              <a:t>#</a:t>
-            </a:r>
-            <a:r>
-              <a:rPr lang="en-US" dirty="0" smtClean="0"/>
-              <a:t>33 </a:t>
-            </a:r>
-            <a:r>
-              <a:rPr lang="en-US" dirty="0" smtClean="0"/>
-              <a:t>– Section </a:t>
-            </a:r>
-            <a:r>
-              <a:rPr lang="en-US" dirty="0" smtClean="0"/>
-              <a:t>9</a:t>
-            </a:r>
-            <a:endParaRPr lang="en-US" dirty="0" smtClean="0"/>
+              <a:t>#33 – Section 9</a:t>
+            </a:r>
           </a:p>
           <a:p>
             <a:r>
@@ -23048,6 +18186,143 @@
           <a:p>
             <a:r>
               <a:rPr lang="en-US" dirty="0" smtClean="0"/>
+              <a:t>C05S08 : Example-01.js</a:t>
+            </a:r>
+            <a:endParaRPr lang="en-US" dirty="0"/>
+          </a:p>
+        </p:txBody>
+      </p:sp>
+      <p:sp>
+        <p:nvSpPr>
+          <p:cNvPr id="3" name="Content Placeholder 2"/>
+          <p:cNvSpPr>
+            <a:spLocks noGrp="1"/>
+          </p:cNvSpPr>
+          <p:nvPr>
+            <p:ph idx="1"/>
+          </p:nvPr>
+        </p:nvSpPr>
+        <p:spPr/>
+        <p:txBody>
+          <a:bodyPr>
+            <a:normAutofit/>
+          </a:bodyPr>
+          <a:lstStyle/>
+          <a:p>
+            <a:pPr marL="914400" lvl="2" indent="0">
+              <a:buNone/>
+            </a:pPr>
+            <a:endParaRPr lang="en-US" dirty="0" smtClean="0"/>
+          </a:p>
+          <a:p>
+            <a:pPr marL="914400" lvl="2" indent="0">
+              <a:buNone/>
+            </a:pPr>
+            <a:endParaRPr lang="en-US" dirty="0" smtClean="0"/>
+          </a:p>
+          <a:p>
+            <a:pPr marL="0" indent="0">
+              <a:buNone/>
+            </a:pPr>
+            <a:endParaRPr lang="en-US" dirty="0" smtClean="0"/>
+          </a:p>
+          <a:p>
+            <a:pPr marL="0" indent="0">
+              <a:buNone/>
+            </a:pPr>
+            <a:endParaRPr lang="en-US" dirty="0"/>
+          </a:p>
+          <a:p>
+            <a:pPr marL="0" indent="0">
+              <a:buNone/>
+            </a:pPr>
+            <a:endParaRPr lang="en-US" dirty="0" smtClean="0"/>
+          </a:p>
+          <a:p>
+            <a:pPr marL="0" indent="0">
+              <a:buNone/>
+            </a:pPr>
+            <a:endParaRPr lang="en-US" dirty="0"/>
+          </a:p>
+          <a:p>
+            <a:pPr marL="0" indent="0">
+              <a:buNone/>
+            </a:pPr>
+            <a:endParaRPr lang="en-US" dirty="0"/>
+          </a:p>
+        </p:txBody>
+      </p:sp>
+      <p:pic>
+        <p:nvPicPr>
+          <p:cNvPr id="6" name="Picture 5"/>
+          <p:cNvPicPr>
+            <a:picLocks noChangeAspect="1"/>
+          </p:cNvPicPr>
+          <p:nvPr/>
+        </p:nvPicPr>
+        <p:blipFill>
+          <a:blip r:embed="rId2"/>
+          <a:stretch>
+            <a:fillRect/>
+          </a:stretch>
+        </p:blipFill>
+        <p:spPr>
+          <a:xfrm>
+            <a:off x="651839" y="1809506"/>
+            <a:ext cx="7825001" cy="3878731"/>
+          </a:xfrm>
+          <a:prstGeom prst="rect">
+            <a:avLst/>
+          </a:prstGeom>
+        </p:spPr>
+      </p:pic>
+    </p:spTree>
+    <p:extLst>
+      <p:ext uri="{BB962C8B-B14F-4D97-AF65-F5344CB8AC3E}">
+        <p14:creationId xmlns:p14="http://schemas.microsoft.com/office/powerpoint/2010/main" val="3558234663"/>
+      </p:ext>
+    </p:extLst>
+  </p:cSld>
+  <p:clrMapOvr>
+    <a:masterClrMapping/>
+  </p:clrMapOvr>
+</p:sld>
+</file>
+
+<file path=ppt/slides/slide48.xml><?xml version="1.0" encoding="utf-8"?>
+<p:sld xmlns:a="http://schemas.openxmlformats.org/drawingml/2006/main" xmlns:r="http://schemas.openxmlformats.org/officeDocument/2006/relationships" xmlns:p="http://schemas.openxmlformats.org/presentationml/2006/main">
+  <p:cSld>
+    <p:spTree>
+      <p:nvGrpSpPr>
+        <p:cNvPr id="1" name=""/>
+        <p:cNvGrpSpPr/>
+        <p:nvPr/>
+      </p:nvGrpSpPr>
+      <p:grpSpPr>
+        <a:xfrm>
+          <a:off x="0" y="0"/>
+          <a:ext cx="0" cy="0"/>
+          <a:chOff x="0" y="0"/>
+          <a:chExt cx="0" cy="0"/>
+        </a:xfrm>
+      </p:grpSpPr>
+      <p:sp>
+        <p:nvSpPr>
+          <p:cNvPr id="2" name="Title 1"/>
+          <p:cNvSpPr>
+            <a:spLocks noGrp="1"/>
+          </p:cNvSpPr>
+          <p:nvPr>
+            <p:ph type="title"/>
+          </p:nvPr>
+        </p:nvSpPr>
+        <p:spPr/>
+        <p:txBody>
+          <a:bodyPr/>
+          <a:lstStyle/>
+          <a:p>
+            <a:r>
+              <a:rPr lang="en-US" dirty="0" smtClean="0"/>
               <a:t>Your Awesome Program</a:t>
             </a:r>
             <a:endParaRPr lang="en-US" dirty="0"/>
@@ -23078,10 +18353,489 @@
           </a:prstGeom>
         </p:spPr>
       </p:pic>
+      <p:sp>
+        <p:nvSpPr>
+          <p:cNvPr id="3" name="Line Callout 1 2"/>
+          <p:cNvSpPr/>
+          <p:nvPr/>
+        </p:nvSpPr>
+        <p:spPr>
+          <a:xfrm>
+            <a:off x="5136037" y="1551005"/>
+            <a:ext cx="994615" cy="342795"/>
+          </a:xfrm>
+          <a:prstGeom prst="borderCallout1">
+            <a:avLst/>
+          </a:prstGeom>
+        </p:spPr>
+        <p:style>
+          <a:lnRef idx="1">
+            <a:schemeClr val="accent1"/>
+          </a:lnRef>
+          <a:fillRef idx="3">
+            <a:schemeClr val="accent1"/>
+          </a:fillRef>
+          <a:effectRef idx="2">
+            <a:schemeClr val="accent1"/>
+          </a:effectRef>
+          <a:fontRef idx="minor">
+            <a:schemeClr val="lt1"/>
+          </a:fontRef>
+        </p:style>
+        <p:txBody>
+          <a:bodyPr rtlCol="0" anchor="ctr"/>
+          <a:lstStyle/>
+          <a:p>
+            <a:pPr algn="ctr"/>
+            <a:r>
+              <a:rPr lang="en-US" dirty="0" smtClean="0"/>
+              <a:t>START</a:t>
+            </a:r>
+            <a:endParaRPr lang="en-US" dirty="0"/>
+          </a:p>
+        </p:txBody>
+      </p:sp>
+      <p:sp>
+        <p:nvSpPr>
+          <p:cNvPr id="5" name="Line Callout 1 4"/>
+          <p:cNvSpPr/>
+          <p:nvPr/>
+        </p:nvSpPr>
+        <p:spPr>
+          <a:xfrm>
+            <a:off x="5785744" y="5788843"/>
+            <a:ext cx="994615" cy="342795"/>
+          </a:xfrm>
+          <a:prstGeom prst="borderCallout1">
+            <a:avLst/>
+          </a:prstGeom>
+        </p:spPr>
+        <p:style>
+          <a:lnRef idx="1">
+            <a:schemeClr val="accent1"/>
+          </a:lnRef>
+          <a:fillRef idx="3">
+            <a:schemeClr val="accent1"/>
+          </a:fillRef>
+          <a:effectRef idx="2">
+            <a:schemeClr val="accent1"/>
+          </a:effectRef>
+          <a:fontRef idx="minor">
+            <a:schemeClr val="lt1"/>
+          </a:fontRef>
+        </p:style>
+        <p:txBody>
+          <a:bodyPr rtlCol="0" anchor="ctr"/>
+          <a:lstStyle/>
+          <a:p>
+            <a:pPr algn="ctr"/>
+            <a:r>
+              <a:rPr lang="en-US" dirty="0" smtClean="0"/>
+              <a:t>END</a:t>
+            </a:r>
+            <a:endParaRPr lang="en-US" dirty="0"/>
+          </a:p>
+        </p:txBody>
+      </p:sp>
     </p:spTree>
     <p:extLst>
       <p:ext uri="{BB962C8B-B14F-4D97-AF65-F5344CB8AC3E}">
         <p14:creationId xmlns:p14="http://schemas.microsoft.com/office/powerpoint/2010/main" val="146739861"/>
+      </p:ext>
+    </p:extLst>
+  </p:cSld>
+  <p:clrMapOvr>
+    <a:masterClrMapping/>
+  </p:clrMapOvr>
+</p:sld>
+</file>
+
+<file path=ppt/slides/slide49.xml><?xml version="1.0" encoding="utf-8"?>
+<p:sld xmlns:a="http://schemas.openxmlformats.org/drawingml/2006/main" xmlns:r="http://schemas.openxmlformats.org/officeDocument/2006/relationships" xmlns:p="http://schemas.openxmlformats.org/presentationml/2006/main">
+  <p:cSld>
+    <p:spTree>
+      <p:nvGrpSpPr>
+        <p:cNvPr id="1" name=""/>
+        <p:cNvGrpSpPr/>
+        <p:nvPr/>
+      </p:nvGrpSpPr>
+      <p:grpSpPr>
+        <a:xfrm>
+          <a:off x="0" y="0"/>
+          <a:ext cx="0" cy="0"/>
+          <a:chOff x="0" y="0"/>
+          <a:chExt cx="0" cy="0"/>
+        </a:xfrm>
+      </p:grpSpPr>
+      <p:sp>
+        <p:nvSpPr>
+          <p:cNvPr id="2" name="Title 1"/>
+          <p:cNvSpPr>
+            <a:spLocks noGrp="1"/>
+          </p:cNvSpPr>
+          <p:nvPr>
+            <p:ph type="title"/>
+          </p:nvPr>
+        </p:nvSpPr>
+        <p:spPr/>
+        <p:txBody>
+          <a:bodyPr/>
+          <a:lstStyle/>
+          <a:p>
+            <a:r>
+              <a:rPr lang="en-US" dirty="0" smtClean="0"/>
+              <a:t>Your Awesome Program</a:t>
+            </a:r>
+            <a:endParaRPr lang="en-US" dirty="0"/>
+          </a:p>
+        </p:txBody>
+      </p:sp>
+      <p:pic>
+        <p:nvPicPr>
+          <p:cNvPr id="4" name="Picture 3"/>
+          <p:cNvPicPr>
+            <a:picLocks noChangeAspect="1"/>
+          </p:cNvPicPr>
+          <p:nvPr/>
+        </p:nvPicPr>
+        <p:blipFill>
+          <a:blip r:embed="rId2"/>
+          <a:stretch>
+            <a:fillRect/>
+          </a:stretch>
+        </p:blipFill>
+        <p:spPr>
+          <a:xfrm>
+            <a:off x="3191288" y="1726888"/>
+            <a:ext cx="2761424" cy="5131111"/>
+          </a:xfrm>
+          <a:prstGeom prst="rect">
+            <a:avLst/>
+          </a:prstGeom>
+        </p:spPr>
+      </p:pic>
+      <p:sp>
+        <p:nvSpPr>
+          <p:cNvPr id="3" name="Line Callout 1 2"/>
+          <p:cNvSpPr/>
+          <p:nvPr/>
+        </p:nvSpPr>
+        <p:spPr>
+          <a:xfrm>
+            <a:off x="5136037" y="1551005"/>
+            <a:ext cx="994615" cy="342795"/>
+          </a:xfrm>
+          <a:prstGeom prst="borderCallout1">
+            <a:avLst>
+              <a:gd name="adj1" fmla="val 18750"/>
+              <a:gd name="adj2" fmla="val -8333"/>
+              <a:gd name="adj3" fmla="val 92828"/>
+              <a:gd name="adj4" fmla="val -40593"/>
+            </a:avLst>
+          </a:prstGeom>
+        </p:spPr>
+        <p:style>
+          <a:lnRef idx="1">
+            <a:schemeClr val="accent1"/>
+          </a:lnRef>
+          <a:fillRef idx="3">
+            <a:schemeClr val="accent1"/>
+          </a:fillRef>
+          <a:effectRef idx="2">
+            <a:schemeClr val="accent1"/>
+          </a:effectRef>
+          <a:fontRef idx="minor">
+            <a:schemeClr val="lt1"/>
+          </a:fontRef>
+        </p:style>
+        <p:txBody>
+          <a:bodyPr rtlCol="0" anchor="ctr"/>
+          <a:lstStyle/>
+          <a:p>
+            <a:pPr algn="ctr"/>
+            <a:r>
+              <a:rPr lang="en-US" dirty="0" smtClean="0"/>
+              <a:t>START</a:t>
+            </a:r>
+            <a:endParaRPr lang="en-US" dirty="0"/>
+          </a:p>
+        </p:txBody>
+      </p:sp>
+      <p:sp>
+        <p:nvSpPr>
+          <p:cNvPr id="5" name="Line Callout 1 4"/>
+          <p:cNvSpPr/>
+          <p:nvPr/>
+        </p:nvSpPr>
+        <p:spPr>
+          <a:xfrm>
+            <a:off x="5785744" y="5788843"/>
+            <a:ext cx="994615" cy="342795"/>
+          </a:xfrm>
+          <a:prstGeom prst="borderCallout1">
+            <a:avLst/>
+          </a:prstGeom>
+        </p:spPr>
+        <p:style>
+          <a:lnRef idx="1">
+            <a:schemeClr val="accent1"/>
+          </a:lnRef>
+          <a:fillRef idx="3">
+            <a:schemeClr val="accent1"/>
+          </a:fillRef>
+          <a:effectRef idx="2">
+            <a:schemeClr val="accent1"/>
+          </a:effectRef>
+          <a:fontRef idx="minor">
+            <a:schemeClr val="lt1"/>
+          </a:fontRef>
+        </p:style>
+        <p:txBody>
+          <a:bodyPr rtlCol="0" anchor="ctr"/>
+          <a:lstStyle/>
+          <a:p>
+            <a:pPr algn="ctr"/>
+            <a:r>
+              <a:rPr lang="en-US" dirty="0" smtClean="0"/>
+              <a:t>END</a:t>
+            </a:r>
+            <a:endParaRPr lang="en-US" dirty="0"/>
+          </a:p>
+        </p:txBody>
+      </p:sp>
+      <p:sp>
+        <p:nvSpPr>
+          <p:cNvPr id="6" name="Trapezoid 5"/>
+          <p:cNvSpPr/>
+          <p:nvPr/>
+        </p:nvSpPr>
+        <p:spPr>
+          <a:xfrm>
+            <a:off x="4197614" y="2275932"/>
+            <a:ext cx="550691" cy="84293"/>
+          </a:xfrm>
+          <a:prstGeom prst="trapezoid">
+            <a:avLst/>
+          </a:prstGeom>
+          <a:solidFill>
+            <a:schemeClr val="accent5">
+              <a:lumMod val="40000"/>
+              <a:lumOff val="60000"/>
+              <a:alpha val="40000"/>
+            </a:schemeClr>
+          </a:solidFill>
+        </p:spPr>
+        <p:style>
+          <a:lnRef idx="1">
+            <a:schemeClr val="accent5"/>
+          </a:lnRef>
+          <a:fillRef idx="2">
+            <a:schemeClr val="accent5"/>
+          </a:fillRef>
+          <a:effectRef idx="1">
+            <a:schemeClr val="accent5"/>
+          </a:effectRef>
+          <a:fontRef idx="minor">
+            <a:schemeClr val="dk1"/>
+          </a:fontRef>
+        </p:style>
+        <p:txBody>
+          <a:bodyPr rtlCol="0" anchor="ctr"/>
+          <a:lstStyle/>
+          <a:p>
+            <a:pPr algn="ctr"/>
+            <a:endParaRPr lang="en-US"/>
+          </a:p>
+        </p:txBody>
+      </p:sp>
+      <p:sp>
+        <p:nvSpPr>
+          <p:cNvPr id="7" name="Trapezoid 6"/>
+          <p:cNvSpPr/>
+          <p:nvPr/>
+        </p:nvSpPr>
+        <p:spPr>
+          <a:xfrm>
+            <a:off x="4119623" y="3052105"/>
+            <a:ext cx="707353" cy="128580"/>
+          </a:xfrm>
+          <a:prstGeom prst="trapezoid">
+            <a:avLst/>
+          </a:prstGeom>
+          <a:solidFill>
+            <a:schemeClr val="accent5">
+              <a:lumMod val="40000"/>
+              <a:lumOff val="60000"/>
+              <a:alpha val="40000"/>
+            </a:schemeClr>
+          </a:solidFill>
+        </p:spPr>
+        <p:style>
+          <a:lnRef idx="1">
+            <a:schemeClr val="accent5"/>
+          </a:lnRef>
+          <a:fillRef idx="2">
+            <a:schemeClr val="accent5"/>
+          </a:fillRef>
+          <a:effectRef idx="1">
+            <a:schemeClr val="accent5"/>
+          </a:effectRef>
+          <a:fontRef idx="minor">
+            <a:schemeClr val="dk1"/>
+          </a:fontRef>
+        </p:style>
+        <p:txBody>
+          <a:bodyPr rtlCol="0" anchor="ctr"/>
+          <a:lstStyle/>
+          <a:p>
+            <a:pPr algn="ctr"/>
+            <a:endParaRPr lang="en-US"/>
+          </a:p>
+        </p:txBody>
+      </p:sp>
+      <p:sp>
+        <p:nvSpPr>
+          <p:cNvPr id="8" name="Trapezoid 7"/>
+          <p:cNvSpPr/>
+          <p:nvPr/>
+        </p:nvSpPr>
+        <p:spPr>
+          <a:xfrm>
+            <a:off x="4248187" y="1950668"/>
+            <a:ext cx="460783" cy="45719"/>
+          </a:xfrm>
+          <a:prstGeom prst="trapezoid">
+            <a:avLst/>
+          </a:prstGeom>
+          <a:solidFill>
+            <a:schemeClr val="accent5">
+              <a:lumMod val="40000"/>
+              <a:lumOff val="60000"/>
+              <a:alpha val="40000"/>
+            </a:schemeClr>
+          </a:solidFill>
+        </p:spPr>
+        <p:style>
+          <a:lnRef idx="1">
+            <a:schemeClr val="accent5"/>
+          </a:lnRef>
+          <a:fillRef idx="2">
+            <a:schemeClr val="accent5"/>
+          </a:fillRef>
+          <a:effectRef idx="1">
+            <a:schemeClr val="accent5"/>
+          </a:effectRef>
+          <a:fontRef idx="minor">
+            <a:schemeClr val="dk1"/>
+          </a:fontRef>
+        </p:style>
+        <p:txBody>
+          <a:bodyPr rtlCol="0" anchor="ctr"/>
+          <a:lstStyle/>
+          <a:p>
+            <a:pPr algn="ctr"/>
+            <a:endParaRPr lang="en-US"/>
+          </a:p>
+        </p:txBody>
+      </p:sp>
+      <p:sp>
+        <p:nvSpPr>
+          <p:cNvPr id="9" name="Trapezoid 8"/>
+          <p:cNvSpPr/>
+          <p:nvPr/>
+        </p:nvSpPr>
+        <p:spPr>
+          <a:xfrm>
+            <a:off x="3918346" y="4643117"/>
+            <a:ext cx="1155879" cy="363931"/>
+          </a:xfrm>
+          <a:prstGeom prst="trapezoid">
+            <a:avLst>
+              <a:gd name="adj" fmla="val 17280"/>
+            </a:avLst>
+          </a:prstGeom>
+          <a:solidFill>
+            <a:schemeClr val="accent5">
+              <a:lumMod val="40000"/>
+              <a:lumOff val="60000"/>
+              <a:alpha val="40000"/>
+            </a:schemeClr>
+          </a:solidFill>
+        </p:spPr>
+        <p:style>
+          <a:lnRef idx="1">
+            <a:schemeClr val="accent5"/>
+          </a:lnRef>
+          <a:fillRef idx="2">
+            <a:schemeClr val="accent5"/>
+          </a:fillRef>
+          <a:effectRef idx="1">
+            <a:schemeClr val="accent5"/>
+          </a:effectRef>
+          <a:fontRef idx="minor">
+            <a:schemeClr val="dk1"/>
+          </a:fontRef>
+        </p:style>
+        <p:txBody>
+          <a:bodyPr rtlCol="0" anchor="ctr"/>
+          <a:lstStyle/>
+          <a:p>
+            <a:pPr algn="ctr"/>
+            <a:endParaRPr lang="en-US"/>
+          </a:p>
+        </p:txBody>
+      </p:sp>
+      <p:sp>
+        <p:nvSpPr>
+          <p:cNvPr id="11" name="Line Callout 1 10"/>
+          <p:cNvSpPr/>
+          <p:nvPr/>
+        </p:nvSpPr>
+        <p:spPr>
+          <a:xfrm>
+            <a:off x="5785744" y="3180685"/>
+            <a:ext cx="1373240" cy="342795"/>
+          </a:xfrm>
+          <a:prstGeom prst="borderCallout1">
+            <a:avLst>
+              <a:gd name="adj1" fmla="val 18750"/>
+              <a:gd name="adj2" fmla="val -8333"/>
+              <a:gd name="adj3" fmla="val -15368"/>
+              <a:gd name="adj4" fmla="val -68602"/>
+            </a:avLst>
+          </a:prstGeom>
+        </p:spPr>
+        <p:style>
+          <a:lnRef idx="1">
+            <a:schemeClr val="accent1"/>
+          </a:lnRef>
+          <a:fillRef idx="3">
+            <a:schemeClr val="accent1"/>
+          </a:fillRef>
+          <a:effectRef idx="2">
+            <a:schemeClr val="accent1"/>
+          </a:effectRef>
+          <a:fontRef idx="minor">
+            <a:schemeClr val="lt1"/>
+          </a:fontRef>
+        </p:style>
+        <p:txBody>
+          <a:bodyPr rtlCol="0" anchor="ctr"/>
+          <a:lstStyle/>
+          <a:p>
+            <a:pPr algn="ctr"/>
+            <a:r>
+              <a:rPr lang="en-US" dirty="0" smtClean="0"/>
+              <a:t>Repetition</a:t>
+            </a:r>
+            <a:endParaRPr lang="en-US" dirty="0"/>
+          </a:p>
+        </p:txBody>
+      </p:sp>
+    </p:spTree>
+    <p:extLst>
+      <p:ext uri="{BB962C8B-B14F-4D97-AF65-F5344CB8AC3E}">
+        <p14:creationId xmlns:p14="http://schemas.microsoft.com/office/powerpoint/2010/main" val="2334814548"/>
       </p:ext>
     </p:extLst>
   </p:cSld>
@@ -23177,6 +18931,1100 @@
       </p:par>
     </p:tnLst>
   </p:timing>
+</p:sld>
+</file>
+
+<file path=ppt/slides/slide50.xml><?xml version="1.0" encoding="utf-8"?>
+<p:sld xmlns:a="http://schemas.openxmlformats.org/drawingml/2006/main" xmlns:r="http://schemas.openxmlformats.org/officeDocument/2006/relationships" xmlns:p="http://schemas.openxmlformats.org/presentationml/2006/main">
+  <p:cSld>
+    <p:spTree>
+      <p:nvGrpSpPr>
+        <p:cNvPr id="1" name=""/>
+        <p:cNvGrpSpPr/>
+        <p:nvPr/>
+      </p:nvGrpSpPr>
+      <p:grpSpPr>
+        <a:xfrm>
+          <a:off x="0" y="0"/>
+          <a:ext cx="0" cy="0"/>
+          <a:chOff x="0" y="0"/>
+          <a:chExt cx="0" cy="0"/>
+        </a:xfrm>
+      </p:grpSpPr>
+      <p:sp>
+        <p:nvSpPr>
+          <p:cNvPr id="2" name="Title 1"/>
+          <p:cNvSpPr>
+            <a:spLocks noGrp="1"/>
+          </p:cNvSpPr>
+          <p:nvPr>
+            <p:ph type="title"/>
+          </p:nvPr>
+        </p:nvSpPr>
+        <p:spPr/>
+        <p:txBody>
+          <a:bodyPr/>
+          <a:lstStyle/>
+          <a:p>
+            <a:r>
+              <a:rPr lang="en-US" dirty="0" smtClean="0"/>
+              <a:t>Introduce Function(s)</a:t>
+            </a:r>
+            <a:endParaRPr lang="en-US" dirty="0"/>
+          </a:p>
+        </p:txBody>
+      </p:sp>
+      <p:pic>
+        <p:nvPicPr>
+          <p:cNvPr id="4" name="Picture 3"/>
+          <p:cNvPicPr>
+            <a:picLocks noChangeAspect="1"/>
+          </p:cNvPicPr>
+          <p:nvPr/>
+        </p:nvPicPr>
+        <p:blipFill>
+          <a:blip r:embed="rId2"/>
+          <a:stretch>
+            <a:fillRect/>
+          </a:stretch>
+        </p:blipFill>
+        <p:spPr>
+          <a:xfrm>
+            <a:off x="3191288" y="1726888"/>
+            <a:ext cx="2761424" cy="5131111"/>
+          </a:xfrm>
+          <a:prstGeom prst="rect">
+            <a:avLst/>
+          </a:prstGeom>
+        </p:spPr>
+      </p:pic>
+      <p:sp>
+        <p:nvSpPr>
+          <p:cNvPr id="3" name="Line Callout 1 2"/>
+          <p:cNvSpPr/>
+          <p:nvPr/>
+        </p:nvSpPr>
+        <p:spPr>
+          <a:xfrm>
+            <a:off x="5136037" y="1551005"/>
+            <a:ext cx="994615" cy="342795"/>
+          </a:xfrm>
+          <a:prstGeom prst="borderCallout1">
+            <a:avLst>
+              <a:gd name="adj1" fmla="val 18750"/>
+              <a:gd name="adj2" fmla="val -8333"/>
+              <a:gd name="adj3" fmla="val 92828"/>
+              <a:gd name="adj4" fmla="val -40593"/>
+            </a:avLst>
+          </a:prstGeom>
+        </p:spPr>
+        <p:style>
+          <a:lnRef idx="1">
+            <a:schemeClr val="accent1"/>
+          </a:lnRef>
+          <a:fillRef idx="3">
+            <a:schemeClr val="accent1"/>
+          </a:fillRef>
+          <a:effectRef idx="2">
+            <a:schemeClr val="accent1"/>
+          </a:effectRef>
+          <a:fontRef idx="minor">
+            <a:schemeClr val="lt1"/>
+          </a:fontRef>
+        </p:style>
+        <p:txBody>
+          <a:bodyPr rtlCol="0" anchor="ctr"/>
+          <a:lstStyle/>
+          <a:p>
+            <a:pPr algn="ctr"/>
+            <a:r>
+              <a:rPr lang="en-US" dirty="0" smtClean="0"/>
+              <a:t>START</a:t>
+            </a:r>
+            <a:endParaRPr lang="en-US" dirty="0"/>
+          </a:p>
+        </p:txBody>
+      </p:sp>
+      <p:sp>
+        <p:nvSpPr>
+          <p:cNvPr id="5" name="Line Callout 1 4"/>
+          <p:cNvSpPr/>
+          <p:nvPr/>
+        </p:nvSpPr>
+        <p:spPr>
+          <a:xfrm>
+            <a:off x="5785744" y="5788843"/>
+            <a:ext cx="994615" cy="342795"/>
+          </a:xfrm>
+          <a:prstGeom prst="borderCallout1">
+            <a:avLst/>
+          </a:prstGeom>
+        </p:spPr>
+        <p:style>
+          <a:lnRef idx="1">
+            <a:schemeClr val="accent1"/>
+          </a:lnRef>
+          <a:fillRef idx="3">
+            <a:schemeClr val="accent1"/>
+          </a:fillRef>
+          <a:effectRef idx="2">
+            <a:schemeClr val="accent1"/>
+          </a:effectRef>
+          <a:fontRef idx="minor">
+            <a:schemeClr val="lt1"/>
+          </a:fontRef>
+        </p:style>
+        <p:txBody>
+          <a:bodyPr rtlCol="0" anchor="ctr"/>
+          <a:lstStyle/>
+          <a:p>
+            <a:pPr algn="ctr"/>
+            <a:r>
+              <a:rPr lang="en-US" dirty="0" smtClean="0"/>
+              <a:t>END</a:t>
+            </a:r>
+            <a:endParaRPr lang="en-US" dirty="0"/>
+          </a:p>
+        </p:txBody>
+      </p:sp>
+      <p:sp>
+        <p:nvSpPr>
+          <p:cNvPr id="6" name="Trapezoid 5"/>
+          <p:cNvSpPr/>
+          <p:nvPr/>
+        </p:nvSpPr>
+        <p:spPr>
+          <a:xfrm>
+            <a:off x="4197614" y="2275932"/>
+            <a:ext cx="550691" cy="84293"/>
+          </a:xfrm>
+          <a:prstGeom prst="trapezoid">
+            <a:avLst/>
+          </a:prstGeom>
+          <a:solidFill>
+            <a:schemeClr val="accent5">
+              <a:lumMod val="40000"/>
+              <a:lumOff val="60000"/>
+              <a:alpha val="40000"/>
+            </a:schemeClr>
+          </a:solidFill>
+        </p:spPr>
+        <p:style>
+          <a:lnRef idx="1">
+            <a:schemeClr val="accent5"/>
+          </a:lnRef>
+          <a:fillRef idx="2">
+            <a:schemeClr val="accent5"/>
+          </a:fillRef>
+          <a:effectRef idx="1">
+            <a:schemeClr val="accent5"/>
+          </a:effectRef>
+          <a:fontRef idx="minor">
+            <a:schemeClr val="dk1"/>
+          </a:fontRef>
+        </p:style>
+        <p:txBody>
+          <a:bodyPr rtlCol="0" anchor="ctr"/>
+          <a:lstStyle/>
+          <a:p>
+            <a:pPr algn="ctr"/>
+            <a:endParaRPr lang="en-US"/>
+          </a:p>
+        </p:txBody>
+      </p:sp>
+      <p:sp>
+        <p:nvSpPr>
+          <p:cNvPr id="7" name="Trapezoid 6"/>
+          <p:cNvSpPr/>
+          <p:nvPr/>
+        </p:nvSpPr>
+        <p:spPr>
+          <a:xfrm>
+            <a:off x="4119623" y="3052105"/>
+            <a:ext cx="707353" cy="128580"/>
+          </a:xfrm>
+          <a:prstGeom prst="trapezoid">
+            <a:avLst/>
+          </a:prstGeom>
+          <a:solidFill>
+            <a:schemeClr val="accent5">
+              <a:lumMod val="40000"/>
+              <a:lumOff val="60000"/>
+              <a:alpha val="40000"/>
+            </a:schemeClr>
+          </a:solidFill>
+        </p:spPr>
+        <p:style>
+          <a:lnRef idx="1">
+            <a:schemeClr val="accent5"/>
+          </a:lnRef>
+          <a:fillRef idx="2">
+            <a:schemeClr val="accent5"/>
+          </a:fillRef>
+          <a:effectRef idx="1">
+            <a:schemeClr val="accent5"/>
+          </a:effectRef>
+          <a:fontRef idx="minor">
+            <a:schemeClr val="dk1"/>
+          </a:fontRef>
+        </p:style>
+        <p:txBody>
+          <a:bodyPr rtlCol="0" anchor="ctr"/>
+          <a:lstStyle/>
+          <a:p>
+            <a:pPr algn="ctr"/>
+            <a:endParaRPr lang="en-US"/>
+          </a:p>
+        </p:txBody>
+      </p:sp>
+      <p:sp>
+        <p:nvSpPr>
+          <p:cNvPr id="8" name="Trapezoid 7"/>
+          <p:cNvSpPr/>
+          <p:nvPr/>
+        </p:nvSpPr>
+        <p:spPr>
+          <a:xfrm>
+            <a:off x="4248187" y="1950668"/>
+            <a:ext cx="460783" cy="45719"/>
+          </a:xfrm>
+          <a:prstGeom prst="trapezoid">
+            <a:avLst/>
+          </a:prstGeom>
+          <a:solidFill>
+            <a:schemeClr val="accent5">
+              <a:lumMod val="40000"/>
+              <a:lumOff val="60000"/>
+              <a:alpha val="40000"/>
+            </a:schemeClr>
+          </a:solidFill>
+        </p:spPr>
+        <p:style>
+          <a:lnRef idx="1">
+            <a:schemeClr val="accent5"/>
+          </a:lnRef>
+          <a:fillRef idx="2">
+            <a:schemeClr val="accent5"/>
+          </a:fillRef>
+          <a:effectRef idx="1">
+            <a:schemeClr val="accent5"/>
+          </a:effectRef>
+          <a:fontRef idx="minor">
+            <a:schemeClr val="dk1"/>
+          </a:fontRef>
+        </p:style>
+        <p:txBody>
+          <a:bodyPr rtlCol="0" anchor="ctr"/>
+          <a:lstStyle/>
+          <a:p>
+            <a:pPr algn="ctr"/>
+            <a:endParaRPr lang="en-US"/>
+          </a:p>
+        </p:txBody>
+      </p:sp>
+      <p:sp>
+        <p:nvSpPr>
+          <p:cNvPr id="9" name="Trapezoid 8"/>
+          <p:cNvSpPr/>
+          <p:nvPr/>
+        </p:nvSpPr>
+        <p:spPr>
+          <a:xfrm>
+            <a:off x="3918346" y="4643117"/>
+            <a:ext cx="1155879" cy="363931"/>
+          </a:xfrm>
+          <a:prstGeom prst="trapezoid">
+            <a:avLst>
+              <a:gd name="adj" fmla="val 17280"/>
+            </a:avLst>
+          </a:prstGeom>
+          <a:solidFill>
+            <a:schemeClr val="accent5">
+              <a:lumMod val="40000"/>
+              <a:lumOff val="60000"/>
+              <a:alpha val="40000"/>
+            </a:schemeClr>
+          </a:solidFill>
+        </p:spPr>
+        <p:style>
+          <a:lnRef idx="1">
+            <a:schemeClr val="accent5"/>
+          </a:lnRef>
+          <a:fillRef idx="2">
+            <a:schemeClr val="accent5"/>
+          </a:fillRef>
+          <a:effectRef idx="1">
+            <a:schemeClr val="accent5"/>
+          </a:effectRef>
+          <a:fontRef idx="minor">
+            <a:schemeClr val="dk1"/>
+          </a:fontRef>
+        </p:style>
+        <p:txBody>
+          <a:bodyPr rtlCol="0" anchor="ctr"/>
+          <a:lstStyle/>
+          <a:p>
+            <a:pPr algn="ctr"/>
+            <a:endParaRPr lang="en-US"/>
+          </a:p>
+        </p:txBody>
+      </p:sp>
+      <p:sp>
+        <p:nvSpPr>
+          <p:cNvPr id="11" name="Line Callout 1 10"/>
+          <p:cNvSpPr/>
+          <p:nvPr/>
+        </p:nvSpPr>
+        <p:spPr>
+          <a:xfrm>
+            <a:off x="5785744" y="3180685"/>
+            <a:ext cx="1373240" cy="342795"/>
+          </a:xfrm>
+          <a:prstGeom prst="borderCallout1">
+            <a:avLst>
+              <a:gd name="adj1" fmla="val 18750"/>
+              <a:gd name="adj2" fmla="val -8333"/>
+              <a:gd name="adj3" fmla="val -15368"/>
+              <a:gd name="adj4" fmla="val -68602"/>
+            </a:avLst>
+          </a:prstGeom>
+        </p:spPr>
+        <p:style>
+          <a:lnRef idx="1">
+            <a:schemeClr val="accent5"/>
+          </a:lnRef>
+          <a:fillRef idx="3">
+            <a:schemeClr val="accent5"/>
+          </a:fillRef>
+          <a:effectRef idx="2">
+            <a:schemeClr val="accent5"/>
+          </a:effectRef>
+          <a:fontRef idx="minor">
+            <a:schemeClr val="lt1"/>
+          </a:fontRef>
+        </p:style>
+        <p:txBody>
+          <a:bodyPr rtlCol="0" anchor="ctr"/>
+          <a:lstStyle/>
+          <a:p>
+            <a:pPr algn="ctr"/>
+            <a:r>
+              <a:rPr lang="en-US" dirty="0" smtClean="0"/>
+              <a:t>Repetition</a:t>
+            </a:r>
+            <a:endParaRPr lang="en-US" dirty="0"/>
+          </a:p>
+        </p:txBody>
+      </p:sp>
+      <p:sp>
+        <p:nvSpPr>
+          <p:cNvPr id="10" name="Rectangle 9"/>
+          <p:cNvSpPr/>
+          <p:nvPr/>
+        </p:nvSpPr>
+        <p:spPr>
+          <a:xfrm>
+            <a:off x="1899322" y="2768316"/>
+            <a:ext cx="966520" cy="567578"/>
+          </a:xfrm>
+          <a:prstGeom prst="rect">
+            <a:avLst/>
+          </a:prstGeom>
+        </p:spPr>
+        <p:style>
+          <a:lnRef idx="3">
+            <a:schemeClr val="lt1"/>
+          </a:lnRef>
+          <a:fillRef idx="1">
+            <a:schemeClr val="accent5"/>
+          </a:fillRef>
+          <a:effectRef idx="1">
+            <a:schemeClr val="accent5"/>
+          </a:effectRef>
+          <a:fontRef idx="minor">
+            <a:schemeClr val="lt1"/>
+          </a:fontRef>
+        </p:style>
+        <p:txBody>
+          <a:bodyPr rtlCol="0" anchor="ctr"/>
+          <a:lstStyle/>
+          <a:p>
+            <a:pPr algn="ctr"/>
+            <a:r>
+              <a:rPr lang="en-US" dirty="0" smtClean="0"/>
+              <a:t>foo()</a:t>
+            </a:r>
+            <a:endParaRPr lang="en-US" dirty="0"/>
+          </a:p>
+        </p:txBody>
+      </p:sp>
+      <p:cxnSp>
+        <p:nvCxnSpPr>
+          <p:cNvPr id="13" name="Straight Arrow Connector 12"/>
+          <p:cNvCxnSpPr>
+            <a:stCxn id="10" idx="3"/>
+          </p:cNvCxnSpPr>
+          <p:nvPr/>
+        </p:nvCxnSpPr>
+        <p:spPr>
+          <a:xfrm>
+            <a:off x="2865842" y="3052105"/>
+            <a:ext cx="1202529" cy="55525"/>
+          </a:xfrm>
+          <a:prstGeom prst="straightConnector1">
+            <a:avLst/>
+          </a:prstGeom>
+          <a:ln>
+            <a:tailEnd type="arrow"/>
+          </a:ln>
+        </p:spPr>
+        <p:style>
+          <a:lnRef idx="2">
+            <a:schemeClr val="accent1"/>
+          </a:lnRef>
+          <a:fillRef idx="0">
+            <a:schemeClr val="accent1"/>
+          </a:fillRef>
+          <a:effectRef idx="1">
+            <a:schemeClr val="accent1"/>
+          </a:effectRef>
+          <a:fontRef idx="minor">
+            <a:schemeClr val="tx1"/>
+          </a:fontRef>
+        </p:style>
+      </p:cxnSp>
+    </p:spTree>
+    <p:extLst>
+      <p:ext uri="{BB962C8B-B14F-4D97-AF65-F5344CB8AC3E}">
+        <p14:creationId xmlns:p14="http://schemas.microsoft.com/office/powerpoint/2010/main" val="1633895532"/>
+      </p:ext>
+    </p:extLst>
+  </p:cSld>
+  <p:clrMapOvr>
+    <a:masterClrMapping/>
+  </p:clrMapOvr>
+</p:sld>
+</file>
+
+<file path=ppt/slides/slide51.xml><?xml version="1.0" encoding="utf-8"?>
+<p:sld xmlns:a="http://schemas.openxmlformats.org/drawingml/2006/main" xmlns:r="http://schemas.openxmlformats.org/officeDocument/2006/relationships" xmlns:p="http://schemas.openxmlformats.org/presentationml/2006/main">
+  <p:cSld>
+    <p:spTree>
+      <p:nvGrpSpPr>
+        <p:cNvPr id="1" name=""/>
+        <p:cNvGrpSpPr/>
+        <p:nvPr/>
+      </p:nvGrpSpPr>
+      <p:grpSpPr>
+        <a:xfrm>
+          <a:off x="0" y="0"/>
+          <a:ext cx="0" cy="0"/>
+          <a:chOff x="0" y="0"/>
+          <a:chExt cx="0" cy="0"/>
+        </a:xfrm>
+      </p:grpSpPr>
+      <p:sp>
+        <p:nvSpPr>
+          <p:cNvPr id="2" name="Title 1"/>
+          <p:cNvSpPr>
+            <a:spLocks noGrp="1"/>
+          </p:cNvSpPr>
+          <p:nvPr>
+            <p:ph type="title"/>
+          </p:nvPr>
+        </p:nvSpPr>
+        <p:spPr/>
+        <p:txBody>
+          <a:bodyPr/>
+          <a:lstStyle/>
+          <a:p>
+            <a:r>
+              <a:rPr lang="en-US" dirty="0" smtClean="0"/>
+              <a:t>Introduce Function(s)</a:t>
+            </a:r>
+            <a:endParaRPr lang="en-US" dirty="0"/>
+          </a:p>
+        </p:txBody>
+      </p:sp>
+      <p:pic>
+        <p:nvPicPr>
+          <p:cNvPr id="4" name="Picture 3"/>
+          <p:cNvPicPr>
+            <a:picLocks noChangeAspect="1"/>
+          </p:cNvPicPr>
+          <p:nvPr/>
+        </p:nvPicPr>
+        <p:blipFill>
+          <a:blip r:embed="rId2"/>
+          <a:stretch>
+            <a:fillRect/>
+          </a:stretch>
+        </p:blipFill>
+        <p:spPr>
+          <a:xfrm>
+            <a:off x="3191288" y="1726888"/>
+            <a:ext cx="2761424" cy="5131111"/>
+          </a:xfrm>
+          <a:prstGeom prst="rect">
+            <a:avLst/>
+          </a:prstGeom>
+        </p:spPr>
+      </p:pic>
+      <p:sp>
+        <p:nvSpPr>
+          <p:cNvPr id="3" name="Line Callout 1 2"/>
+          <p:cNvSpPr/>
+          <p:nvPr/>
+        </p:nvSpPr>
+        <p:spPr>
+          <a:xfrm>
+            <a:off x="5136037" y="1551005"/>
+            <a:ext cx="994615" cy="342795"/>
+          </a:xfrm>
+          <a:prstGeom prst="borderCallout1">
+            <a:avLst>
+              <a:gd name="adj1" fmla="val 18750"/>
+              <a:gd name="adj2" fmla="val -8333"/>
+              <a:gd name="adj3" fmla="val 92828"/>
+              <a:gd name="adj4" fmla="val -40593"/>
+            </a:avLst>
+          </a:prstGeom>
+        </p:spPr>
+        <p:style>
+          <a:lnRef idx="1">
+            <a:schemeClr val="accent1"/>
+          </a:lnRef>
+          <a:fillRef idx="3">
+            <a:schemeClr val="accent1"/>
+          </a:fillRef>
+          <a:effectRef idx="2">
+            <a:schemeClr val="accent1"/>
+          </a:effectRef>
+          <a:fontRef idx="minor">
+            <a:schemeClr val="lt1"/>
+          </a:fontRef>
+        </p:style>
+        <p:txBody>
+          <a:bodyPr rtlCol="0" anchor="ctr"/>
+          <a:lstStyle/>
+          <a:p>
+            <a:pPr algn="ctr"/>
+            <a:r>
+              <a:rPr lang="en-US" dirty="0" smtClean="0"/>
+              <a:t>START</a:t>
+            </a:r>
+            <a:endParaRPr lang="en-US" dirty="0"/>
+          </a:p>
+        </p:txBody>
+      </p:sp>
+      <p:sp>
+        <p:nvSpPr>
+          <p:cNvPr id="5" name="Line Callout 1 4"/>
+          <p:cNvSpPr/>
+          <p:nvPr/>
+        </p:nvSpPr>
+        <p:spPr>
+          <a:xfrm>
+            <a:off x="5785744" y="5788843"/>
+            <a:ext cx="994615" cy="342795"/>
+          </a:xfrm>
+          <a:prstGeom prst="borderCallout1">
+            <a:avLst/>
+          </a:prstGeom>
+        </p:spPr>
+        <p:style>
+          <a:lnRef idx="1">
+            <a:schemeClr val="accent1"/>
+          </a:lnRef>
+          <a:fillRef idx="3">
+            <a:schemeClr val="accent1"/>
+          </a:fillRef>
+          <a:effectRef idx="2">
+            <a:schemeClr val="accent1"/>
+          </a:effectRef>
+          <a:fontRef idx="minor">
+            <a:schemeClr val="lt1"/>
+          </a:fontRef>
+        </p:style>
+        <p:txBody>
+          <a:bodyPr rtlCol="0" anchor="ctr"/>
+          <a:lstStyle/>
+          <a:p>
+            <a:pPr algn="ctr"/>
+            <a:r>
+              <a:rPr lang="en-US" dirty="0" smtClean="0"/>
+              <a:t>END</a:t>
+            </a:r>
+            <a:endParaRPr lang="en-US" dirty="0"/>
+          </a:p>
+        </p:txBody>
+      </p:sp>
+      <p:sp>
+        <p:nvSpPr>
+          <p:cNvPr id="6" name="Trapezoid 5"/>
+          <p:cNvSpPr/>
+          <p:nvPr/>
+        </p:nvSpPr>
+        <p:spPr>
+          <a:xfrm>
+            <a:off x="4197614" y="2275932"/>
+            <a:ext cx="550691" cy="84293"/>
+          </a:xfrm>
+          <a:prstGeom prst="trapezoid">
+            <a:avLst/>
+          </a:prstGeom>
+        </p:spPr>
+        <p:style>
+          <a:lnRef idx="3">
+            <a:schemeClr val="lt1"/>
+          </a:lnRef>
+          <a:fillRef idx="1">
+            <a:schemeClr val="accent5"/>
+          </a:fillRef>
+          <a:effectRef idx="1">
+            <a:schemeClr val="accent5"/>
+          </a:effectRef>
+          <a:fontRef idx="minor">
+            <a:schemeClr val="lt1"/>
+          </a:fontRef>
+        </p:style>
+        <p:txBody>
+          <a:bodyPr rtlCol="0" anchor="ctr"/>
+          <a:lstStyle/>
+          <a:p>
+            <a:pPr algn="ctr"/>
+            <a:endParaRPr lang="en-US"/>
+          </a:p>
+        </p:txBody>
+      </p:sp>
+      <p:sp>
+        <p:nvSpPr>
+          <p:cNvPr id="7" name="Trapezoid 6"/>
+          <p:cNvSpPr/>
+          <p:nvPr/>
+        </p:nvSpPr>
+        <p:spPr>
+          <a:xfrm>
+            <a:off x="4119623" y="3052105"/>
+            <a:ext cx="707353" cy="128580"/>
+          </a:xfrm>
+          <a:prstGeom prst="trapezoid">
+            <a:avLst/>
+          </a:prstGeom>
+        </p:spPr>
+        <p:style>
+          <a:lnRef idx="3">
+            <a:schemeClr val="lt1"/>
+          </a:lnRef>
+          <a:fillRef idx="1">
+            <a:schemeClr val="accent5"/>
+          </a:fillRef>
+          <a:effectRef idx="1">
+            <a:schemeClr val="accent5"/>
+          </a:effectRef>
+          <a:fontRef idx="minor">
+            <a:schemeClr val="lt1"/>
+          </a:fontRef>
+        </p:style>
+        <p:txBody>
+          <a:bodyPr rtlCol="0" anchor="ctr"/>
+          <a:lstStyle/>
+          <a:p>
+            <a:pPr algn="ctr"/>
+            <a:endParaRPr lang="en-US"/>
+          </a:p>
+        </p:txBody>
+      </p:sp>
+      <p:sp>
+        <p:nvSpPr>
+          <p:cNvPr id="8" name="Trapezoid 7"/>
+          <p:cNvSpPr/>
+          <p:nvPr/>
+        </p:nvSpPr>
+        <p:spPr>
+          <a:xfrm>
+            <a:off x="4248187" y="1950668"/>
+            <a:ext cx="460783" cy="45719"/>
+          </a:xfrm>
+          <a:prstGeom prst="trapezoid">
+            <a:avLst/>
+          </a:prstGeom>
+        </p:spPr>
+        <p:style>
+          <a:lnRef idx="3">
+            <a:schemeClr val="lt1"/>
+          </a:lnRef>
+          <a:fillRef idx="1">
+            <a:schemeClr val="accent5"/>
+          </a:fillRef>
+          <a:effectRef idx="1">
+            <a:schemeClr val="accent5"/>
+          </a:effectRef>
+          <a:fontRef idx="minor">
+            <a:schemeClr val="lt1"/>
+          </a:fontRef>
+        </p:style>
+        <p:txBody>
+          <a:bodyPr rtlCol="0" anchor="ctr"/>
+          <a:lstStyle/>
+          <a:p>
+            <a:pPr algn="ctr"/>
+            <a:endParaRPr lang="en-US"/>
+          </a:p>
+        </p:txBody>
+      </p:sp>
+      <p:sp>
+        <p:nvSpPr>
+          <p:cNvPr id="9" name="Trapezoid 8"/>
+          <p:cNvSpPr/>
+          <p:nvPr/>
+        </p:nvSpPr>
+        <p:spPr>
+          <a:xfrm>
+            <a:off x="3918346" y="4643117"/>
+            <a:ext cx="1155879" cy="363931"/>
+          </a:xfrm>
+          <a:prstGeom prst="trapezoid">
+            <a:avLst>
+              <a:gd name="adj" fmla="val 17280"/>
+            </a:avLst>
+          </a:prstGeom>
+        </p:spPr>
+        <p:style>
+          <a:lnRef idx="3">
+            <a:schemeClr val="lt1"/>
+          </a:lnRef>
+          <a:fillRef idx="1">
+            <a:schemeClr val="accent5"/>
+          </a:fillRef>
+          <a:effectRef idx="1">
+            <a:schemeClr val="accent5"/>
+          </a:effectRef>
+          <a:fontRef idx="minor">
+            <a:schemeClr val="lt1"/>
+          </a:fontRef>
+        </p:style>
+        <p:txBody>
+          <a:bodyPr rtlCol="0" anchor="ctr"/>
+          <a:lstStyle/>
+          <a:p>
+            <a:pPr algn="ctr"/>
+            <a:endParaRPr lang="en-US"/>
+          </a:p>
+        </p:txBody>
+      </p:sp>
+      <p:sp>
+        <p:nvSpPr>
+          <p:cNvPr id="11" name="Line Callout 1 10"/>
+          <p:cNvSpPr/>
+          <p:nvPr/>
+        </p:nvSpPr>
+        <p:spPr>
+          <a:xfrm>
+            <a:off x="5785744" y="3180685"/>
+            <a:ext cx="1373240" cy="342795"/>
+          </a:xfrm>
+          <a:prstGeom prst="borderCallout1">
+            <a:avLst>
+              <a:gd name="adj1" fmla="val 18750"/>
+              <a:gd name="adj2" fmla="val -8333"/>
+              <a:gd name="adj3" fmla="val -15368"/>
+              <a:gd name="adj4" fmla="val -68602"/>
+            </a:avLst>
+          </a:prstGeom>
+        </p:spPr>
+        <p:style>
+          <a:lnRef idx="1">
+            <a:schemeClr val="accent5"/>
+          </a:lnRef>
+          <a:fillRef idx="3">
+            <a:schemeClr val="accent5"/>
+          </a:fillRef>
+          <a:effectRef idx="2">
+            <a:schemeClr val="accent5"/>
+          </a:effectRef>
+          <a:fontRef idx="minor">
+            <a:schemeClr val="lt1"/>
+          </a:fontRef>
+        </p:style>
+        <p:txBody>
+          <a:bodyPr rtlCol="0" anchor="ctr"/>
+          <a:lstStyle/>
+          <a:p>
+            <a:pPr algn="ctr"/>
+            <a:r>
+              <a:rPr lang="en-US" dirty="0" smtClean="0"/>
+              <a:t>Repetition</a:t>
+            </a:r>
+            <a:endParaRPr lang="en-US" dirty="0"/>
+          </a:p>
+        </p:txBody>
+      </p:sp>
+      <p:sp>
+        <p:nvSpPr>
+          <p:cNvPr id="10" name="Rectangle 9"/>
+          <p:cNvSpPr/>
+          <p:nvPr/>
+        </p:nvSpPr>
+        <p:spPr>
+          <a:xfrm>
+            <a:off x="1899322" y="2768316"/>
+            <a:ext cx="966520" cy="567578"/>
+          </a:xfrm>
+          <a:prstGeom prst="rect">
+            <a:avLst/>
+          </a:prstGeom>
+        </p:spPr>
+        <p:style>
+          <a:lnRef idx="3">
+            <a:schemeClr val="lt1"/>
+          </a:lnRef>
+          <a:fillRef idx="1">
+            <a:schemeClr val="accent5"/>
+          </a:fillRef>
+          <a:effectRef idx="1">
+            <a:schemeClr val="accent5"/>
+          </a:effectRef>
+          <a:fontRef idx="minor">
+            <a:schemeClr val="lt1"/>
+          </a:fontRef>
+        </p:style>
+        <p:txBody>
+          <a:bodyPr rtlCol="0" anchor="ctr"/>
+          <a:lstStyle/>
+          <a:p>
+            <a:pPr algn="ctr"/>
+            <a:r>
+              <a:rPr lang="en-US" dirty="0" smtClean="0"/>
+              <a:t>foo()</a:t>
+            </a:r>
+            <a:endParaRPr lang="en-US" dirty="0"/>
+          </a:p>
+        </p:txBody>
+      </p:sp>
+      <p:cxnSp>
+        <p:nvCxnSpPr>
+          <p:cNvPr id="13" name="Straight Arrow Connector 12"/>
+          <p:cNvCxnSpPr>
+            <a:stCxn id="10" idx="3"/>
+          </p:cNvCxnSpPr>
+          <p:nvPr/>
+        </p:nvCxnSpPr>
+        <p:spPr>
+          <a:xfrm>
+            <a:off x="2865842" y="3052105"/>
+            <a:ext cx="1202529" cy="55525"/>
+          </a:xfrm>
+          <a:prstGeom prst="straightConnector1">
+            <a:avLst/>
+          </a:prstGeom>
+          <a:ln>
+            <a:tailEnd type="arrow"/>
+          </a:ln>
+        </p:spPr>
+        <p:style>
+          <a:lnRef idx="2">
+            <a:schemeClr val="accent1"/>
+          </a:lnRef>
+          <a:fillRef idx="0">
+            <a:schemeClr val="accent1"/>
+          </a:fillRef>
+          <a:effectRef idx="1">
+            <a:schemeClr val="accent1"/>
+          </a:effectRef>
+          <a:fontRef idx="minor">
+            <a:schemeClr val="tx1"/>
+          </a:fontRef>
+        </p:style>
+      </p:cxnSp>
+      <p:cxnSp>
+        <p:nvCxnSpPr>
+          <p:cNvPr id="14" name="Straight Arrow Connector 13"/>
+          <p:cNvCxnSpPr>
+            <a:stCxn id="10" idx="3"/>
+          </p:cNvCxnSpPr>
+          <p:nvPr/>
+        </p:nvCxnSpPr>
+        <p:spPr>
+          <a:xfrm>
+            <a:off x="2865842" y="3052105"/>
+            <a:ext cx="1052504" cy="1758259"/>
+          </a:xfrm>
+          <a:prstGeom prst="straightConnector1">
+            <a:avLst/>
+          </a:prstGeom>
+          <a:ln>
+            <a:tailEnd type="arrow"/>
+          </a:ln>
+        </p:spPr>
+        <p:style>
+          <a:lnRef idx="2">
+            <a:schemeClr val="accent1"/>
+          </a:lnRef>
+          <a:fillRef idx="0">
+            <a:schemeClr val="accent1"/>
+          </a:fillRef>
+          <a:effectRef idx="1">
+            <a:schemeClr val="accent1"/>
+          </a:effectRef>
+          <a:fontRef idx="minor">
+            <a:schemeClr val="tx1"/>
+          </a:fontRef>
+        </p:style>
+      </p:cxnSp>
+      <p:cxnSp>
+        <p:nvCxnSpPr>
+          <p:cNvPr id="15" name="Straight Arrow Connector 14"/>
+          <p:cNvCxnSpPr>
+            <a:stCxn id="10" idx="3"/>
+            <a:endCxn id="6" idx="1"/>
+          </p:cNvCxnSpPr>
+          <p:nvPr/>
+        </p:nvCxnSpPr>
+        <p:spPr>
+          <a:xfrm flipV="1">
+            <a:off x="2865842" y="2318079"/>
+            <a:ext cx="1342309" cy="734026"/>
+          </a:xfrm>
+          <a:prstGeom prst="straightConnector1">
+            <a:avLst/>
+          </a:prstGeom>
+          <a:ln>
+            <a:tailEnd type="arrow"/>
+          </a:ln>
+        </p:spPr>
+        <p:style>
+          <a:lnRef idx="2">
+            <a:schemeClr val="accent1"/>
+          </a:lnRef>
+          <a:fillRef idx="0">
+            <a:schemeClr val="accent1"/>
+          </a:fillRef>
+          <a:effectRef idx="1">
+            <a:schemeClr val="accent1"/>
+          </a:effectRef>
+          <a:fontRef idx="minor">
+            <a:schemeClr val="tx1"/>
+          </a:fontRef>
+        </p:style>
+      </p:cxnSp>
+      <p:cxnSp>
+        <p:nvCxnSpPr>
+          <p:cNvPr id="17" name="Straight Arrow Connector 16"/>
+          <p:cNvCxnSpPr>
+            <a:stCxn id="10" idx="3"/>
+          </p:cNvCxnSpPr>
+          <p:nvPr/>
+        </p:nvCxnSpPr>
+        <p:spPr>
+          <a:xfrm flipV="1">
+            <a:off x="2865842" y="1950669"/>
+            <a:ext cx="1382345" cy="1101436"/>
+          </a:xfrm>
+          <a:prstGeom prst="straightConnector1">
+            <a:avLst/>
+          </a:prstGeom>
+          <a:ln>
+            <a:tailEnd type="arrow"/>
+          </a:ln>
+        </p:spPr>
+        <p:style>
+          <a:lnRef idx="2">
+            <a:schemeClr val="accent1"/>
+          </a:lnRef>
+          <a:fillRef idx="0">
+            <a:schemeClr val="accent1"/>
+          </a:fillRef>
+          <a:effectRef idx="1">
+            <a:schemeClr val="accent1"/>
+          </a:effectRef>
+          <a:fontRef idx="minor">
+            <a:schemeClr val="tx1"/>
+          </a:fontRef>
+        </p:style>
+      </p:cxnSp>
+    </p:spTree>
+    <p:extLst>
+      <p:ext uri="{BB962C8B-B14F-4D97-AF65-F5344CB8AC3E}">
+        <p14:creationId xmlns:p14="http://schemas.microsoft.com/office/powerpoint/2010/main" val="3148391278"/>
+      </p:ext>
+    </p:extLst>
+  </p:cSld>
+  <p:clrMapOvr>
+    <a:masterClrMapping/>
+  </p:clrMapOvr>
+</p:sld>
+</file>
+
+<file path=ppt/slides/slide52.xml><?xml version="1.0" encoding="utf-8"?>
+<p:sld xmlns:a="http://schemas.openxmlformats.org/drawingml/2006/main" xmlns:r="http://schemas.openxmlformats.org/officeDocument/2006/relationships" xmlns:p="http://schemas.openxmlformats.org/presentationml/2006/main">
+  <p:cSld>
+    <p:spTree>
+      <p:nvGrpSpPr>
+        <p:cNvPr id="1" name=""/>
+        <p:cNvGrpSpPr/>
+        <p:nvPr/>
+      </p:nvGrpSpPr>
+      <p:grpSpPr>
+        <a:xfrm>
+          <a:off x="0" y="0"/>
+          <a:ext cx="0" cy="0"/>
+          <a:chOff x="0" y="0"/>
+          <a:chExt cx="0" cy="0"/>
+        </a:xfrm>
+      </p:grpSpPr>
+      <p:sp>
+        <p:nvSpPr>
+          <p:cNvPr id="2" name="Title 1"/>
+          <p:cNvSpPr>
+            <a:spLocks noGrp="1"/>
+          </p:cNvSpPr>
+          <p:nvPr>
+            <p:ph type="title"/>
+          </p:nvPr>
+        </p:nvSpPr>
+        <p:spPr/>
+        <p:txBody>
+          <a:bodyPr/>
+          <a:lstStyle/>
+          <a:p>
+            <a:r>
+              <a:rPr lang="en-US" dirty="0" smtClean="0"/>
+              <a:t>C05S09 : Example-01.js</a:t>
+            </a:r>
+            <a:endParaRPr lang="en-US" dirty="0"/>
+          </a:p>
+        </p:txBody>
+      </p:sp>
+      <p:sp>
+        <p:nvSpPr>
+          <p:cNvPr id="3" name="Content Placeholder 2"/>
+          <p:cNvSpPr>
+            <a:spLocks noGrp="1"/>
+          </p:cNvSpPr>
+          <p:nvPr>
+            <p:ph idx="1"/>
+          </p:nvPr>
+        </p:nvSpPr>
+        <p:spPr/>
+        <p:txBody>
+          <a:bodyPr/>
+          <a:lstStyle/>
+          <a:p>
+            <a:endParaRPr lang="en-US" dirty="0"/>
+          </a:p>
+        </p:txBody>
+      </p:sp>
+    </p:spTree>
+    <p:extLst>
+      <p:ext uri="{BB962C8B-B14F-4D97-AF65-F5344CB8AC3E}">
+        <p14:creationId xmlns:p14="http://schemas.microsoft.com/office/powerpoint/2010/main" val="2348492612"/>
+      </p:ext>
+    </p:extLst>
+  </p:cSld>
+  <p:clrMapOvr>
+    <a:masterClrMapping/>
+  </p:clrMapOvr>
 </p:sld>
 </file>
 

--- a/docs/learn-computer-programming.pptx
+++ b/docs/learn-computer-programming.pptx
@@ -57,6 +57,14 @@
     <p:sldId id="306" r:id="rId51"/>
     <p:sldId id="307" r:id="rId52"/>
     <p:sldId id="308" r:id="rId53"/>
+    <p:sldId id="310" r:id="rId54"/>
+    <p:sldId id="312" r:id="rId55"/>
+    <p:sldId id="313" r:id="rId56"/>
+    <p:sldId id="314" r:id="rId57"/>
+    <p:sldId id="315" r:id="rId58"/>
+    <p:sldId id="311" r:id="rId59"/>
+    <p:sldId id="309" r:id="rId60"/>
+    <p:sldId id="316" r:id="rId61"/>
   </p:sldIdLst>
   <p:sldSz cx="9144000" cy="6858000" type="screen4x3"/>
   <p:notesSz cx="6858000" cy="9144000"/>
@@ -3603,42 +3611,42 @@
     </dgm:pt>
   </dgm:ptLst>
   <dgm:cxnLst>
+    <dgm:cxn modelId="{0A19088C-A894-A349-B6F2-D0CA96CD47FA}" srcId="{960CE163-DF35-2B44-83E7-B9153BC66084}" destId="{1AD1EA1C-020E-5744-81BA-AEEC1A7A11F3}" srcOrd="2" destOrd="0" parTransId="{12CF4121-F3B4-5C45-B72F-C1FB37DD3C0D}" sibTransId="{E7356A86-2BC1-2844-87C1-0F4142A0BACE}"/>
+    <dgm:cxn modelId="{A5EF75CA-949B-FB42-A967-633DBF9C5416}" srcId="{67DF074B-DE05-B24C-9E35-CDBF726DC2DD}" destId="{2CF1C699-9046-8C42-87E6-2861BF37D660}" srcOrd="1" destOrd="0" parTransId="{F9A1264F-2EB8-8148-8E8F-B74886C30473}" sibTransId="{2B88B2F7-3FE5-E743-A3EF-F1DB3821C219}"/>
+    <dgm:cxn modelId="{1BB5FA34-3C64-DD46-93EA-B2497E30C558}" type="presOf" srcId="{0C3731E6-7189-414B-8AA4-AA411ADE82DC}" destId="{F42357F4-6E12-A041-A7D6-81713E5E517B}" srcOrd="0" destOrd="0" presId="urn:microsoft.com/office/officeart/2005/8/layout/hierarchy1"/>
+    <dgm:cxn modelId="{4143E40A-3339-5746-9665-4720B7275017}" type="presOf" srcId="{4261D7F4-A7D0-3F49-B78A-20CFB380B683}" destId="{C2C1A37D-940A-6743-AC99-D92FAAA879A9}" srcOrd="0" destOrd="0" presId="urn:microsoft.com/office/officeart/2005/8/layout/hierarchy1"/>
+    <dgm:cxn modelId="{62868263-8B87-BF41-9DB1-C409701EE1E3}" type="presOf" srcId="{184A7FBE-4658-3046-B4A7-4EBDDC670AD1}" destId="{2E4A94D1-71F0-A046-B95F-18095848F38A}" srcOrd="0" destOrd="0" presId="urn:microsoft.com/office/officeart/2005/8/layout/hierarchy1"/>
+    <dgm:cxn modelId="{56B8DE62-0A59-E34F-BA89-ACA8FE07FD37}" type="presOf" srcId="{A215CF19-F4EB-414A-A10F-B2A96141FE91}" destId="{0B86410B-498D-AB4D-9967-4C4AEDB1DF45}" srcOrd="0" destOrd="0" presId="urn:microsoft.com/office/officeart/2005/8/layout/hierarchy1"/>
+    <dgm:cxn modelId="{4CC6FB2A-BDF9-2948-B3E8-8BFD444DE0F5}" srcId="{67DF074B-DE05-B24C-9E35-CDBF726DC2DD}" destId="{632DBD1E-A080-C14D-89CD-94A8C0F3CF25}" srcOrd="0" destOrd="0" parTransId="{563BE0E2-35F1-EA43-92A4-487E8781D214}" sibTransId="{BC85FB81-59E3-3246-A1DB-AA9BCA174B1A}"/>
+    <dgm:cxn modelId="{7E833AC7-C906-EC48-8CF2-050B2E9E6DD6}" type="presOf" srcId="{632DBD1E-A080-C14D-89CD-94A8C0F3CF25}" destId="{2246CDBD-2CA8-A34C-A89B-E32ACB07E97A}" srcOrd="0" destOrd="0" presId="urn:microsoft.com/office/officeart/2005/8/layout/hierarchy1"/>
+    <dgm:cxn modelId="{48C3CFE4-65EB-9D4E-A0CE-F9F821B5D78C}" srcId="{FE86CB60-E462-414C-BF0E-606A57D7AD93}" destId="{9C7D04B1-85B2-3F41-9343-3724449F75B3}" srcOrd="0" destOrd="0" parTransId="{184A7FBE-4658-3046-B4A7-4EBDDC670AD1}" sibTransId="{5D03D28D-4580-AA4E-B725-784F886C6797}"/>
+    <dgm:cxn modelId="{5125BE48-CBDA-9E46-A5EC-A00E5922E856}" type="presOf" srcId="{8C382D6E-A069-234E-96CC-A5A865E2BBBD}" destId="{C6BA431E-FA40-1D4E-A3D8-2A8BD37A2453}" srcOrd="0" destOrd="0" presId="urn:microsoft.com/office/officeart/2005/8/layout/hierarchy1"/>
+    <dgm:cxn modelId="{FFC55F0E-24F0-0940-B0B5-F6820B65D7C7}" type="presOf" srcId="{E5C8F682-32CD-424A-896C-91EAD3E64C45}" destId="{76B33B1D-4CA5-544F-BF28-B308B507EF10}" srcOrd="0" destOrd="0" presId="urn:microsoft.com/office/officeart/2005/8/layout/hierarchy1"/>
+    <dgm:cxn modelId="{BE4A5523-AA4B-D244-80FB-A948E67617FE}" srcId="{AE7EA77A-1D8E-3F42-95E1-4EB11A443A81}" destId="{4261D7F4-A7D0-3F49-B78A-20CFB380B683}" srcOrd="0" destOrd="0" parTransId="{8C382D6E-A069-234E-96CC-A5A865E2BBBD}" sibTransId="{BFE6C573-BEC1-BB44-914C-4A90CDE91A1A}"/>
+    <dgm:cxn modelId="{BD876DF4-FBEE-9943-863F-7B7F61CBAEA9}" srcId="{960CE163-DF35-2B44-83E7-B9153BC66084}" destId="{FE86CB60-E462-414C-BF0E-606A57D7AD93}" srcOrd="3" destOrd="0" parTransId="{70F0D127-9705-B346-8456-2EA73B6E30CF}" sibTransId="{B2965BF0-14E0-474E-A2AB-CCA4521513DD}"/>
+    <dgm:cxn modelId="{7B0EFE83-8F7C-2148-A812-1F8ACB477747}" type="presOf" srcId="{F9A1264F-2EB8-8148-8E8F-B74886C30473}" destId="{9541F663-17CE-1449-B545-4E9F3C558C3A}" srcOrd="0" destOrd="0" presId="urn:microsoft.com/office/officeart/2005/8/layout/hierarchy1"/>
+    <dgm:cxn modelId="{1FDA42F0-000F-6E4D-ACBD-DD297AF16C8B}" type="presOf" srcId="{960CE163-DF35-2B44-83E7-B9153BC66084}" destId="{923B0C63-79B7-9B4A-94B9-19130FBE5D7B}" srcOrd="0" destOrd="0" presId="urn:microsoft.com/office/officeart/2005/8/layout/hierarchy1"/>
+    <dgm:cxn modelId="{C885BB5D-362B-1847-87CF-E1B639313EA0}" srcId="{FE86CB60-E462-414C-BF0E-606A57D7AD93}" destId="{E5C8F682-32CD-424A-896C-91EAD3E64C45}" srcOrd="2" destOrd="0" parTransId="{E3372A67-8AD5-414E-9A1F-4D9E3CFF6332}" sibTransId="{B77BD5BE-E444-A847-B5CA-1B150064119C}"/>
+    <dgm:cxn modelId="{68A68B6C-C4A2-404D-9619-7E596F60AE28}" srcId="{FE86CB60-E462-414C-BF0E-606A57D7AD93}" destId="{67DF074B-DE05-B24C-9E35-CDBF726DC2DD}" srcOrd="1" destOrd="0" parTransId="{0C3731E6-7189-414B-8AA4-AA411ADE82DC}" sibTransId="{4A343348-5A18-A64D-B967-67FF94A2182D}"/>
+    <dgm:cxn modelId="{E1A0809A-BAEA-BF42-92A8-DDEE32055693}" type="presOf" srcId="{9C7D04B1-85B2-3F41-9343-3724449F75B3}" destId="{AD6B8219-1F5B-DA4F-B261-22B5D0551A94}" srcOrd="0" destOrd="0" presId="urn:microsoft.com/office/officeart/2005/8/layout/hierarchy1"/>
+    <dgm:cxn modelId="{74C3DF55-2571-4A42-A3D4-79D2D7286452}" type="presOf" srcId="{12CF4121-F3B4-5C45-B72F-C1FB37DD3C0D}" destId="{800FD04D-B3AC-0B4A-955F-2E2198D77D53}" srcOrd="0" destOrd="0" presId="urn:microsoft.com/office/officeart/2005/8/layout/hierarchy1"/>
+    <dgm:cxn modelId="{7DFEC403-3D07-E147-94A7-6948508849D0}" type="presOf" srcId="{563BE0E2-35F1-EA43-92A4-487E8781D214}" destId="{1F5FFC55-2839-634C-8F0C-96EACF5BE3CB}" srcOrd="0" destOrd="0" presId="urn:microsoft.com/office/officeart/2005/8/layout/hierarchy1"/>
+    <dgm:cxn modelId="{D2D6BF3A-81D0-9346-B33A-086AABA7D7D7}" type="presOf" srcId="{D0F565E7-5D70-054E-90E0-C19FE13B6790}" destId="{6B84F89A-BB62-184B-ACA8-8A1AAAE34DE1}" srcOrd="0" destOrd="0" presId="urn:microsoft.com/office/officeart/2005/8/layout/hierarchy1"/>
+    <dgm:cxn modelId="{FE6DB9C5-C848-C041-9BAC-D3D409ECA3D7}" type="presOf" srcId="{67DF074B-DE05-B24C-9E35-CDBF726DC2DD}" destId="{EBC8209D-BB74-B44A-A57A-C51ABEDBBAE8}" srcOrd="0" destOrd="0" presId="urn:microsoft.com/office/officeart/2005/8/layout/hierarchy1"/>
+    <dgm:cxn modelId="{09A4557F-E6E3-CA46-A390-4566B55E38CE}" srcId="{AE7EA77A-1D8E-3F42-95E1-4EB11A443A81}" destId="{A215CF19-F4EB-414A-A10F-B2A96141FE91}" srcOrd="1" destOrd="0" parTransId="{4810192D-B607-5A42-8DCE-8CFCF1A82427}" sibTransId="{466C1D3C-619E-C448-BF54-2F35FBFACADE}"/>
+    <dgm:cxn modelId="{8BD052AF-949A-F948-A12A-2F16C08A8BAA}" type="presOf" srcId="{4810192D-B607-5A42-8DCE-8CFCF1A82427}" destId="{28156514-4C64-AE45-A406-98283D6076D6}" srcOrd="0" destOrd="0" presId="urn:microsoft.com/office/officeart/2005/8/layout/hierarchy1"/>
+    <dgm:cxn modelId="{629969CD-5D04-2A43-B3AF-FE8A98094A86}" type="presOf" srcId="{6C0275DE-9DFE-0E43-8DDA-D28DD222D71F}" destId="{8CFA3E84-678E-C345-8D46-63E85CF195E2}" srcOrd="0" destOrd="0" presId="urn:microsoft.com/office/officeart/2005/8/layout/hierarchy1"/>
     <dgm:cxn modelId="{250B2BE2-FEC5-CD47-89C4-F8108BC7D53A}" type="presOf" srcId="{FE86CB60-E462-414C-BF0E-606A57D7AD93}" destId="{6603764C-B415-664F-8885-A7DAA8CAF3E7}" srcOrd="0" destOrd="0" presId="urn:microsoft.com/office/officeart/2005/8/layout/hierarchy1"/>
     <dgm:cxn modelId="{1D703EA7-18EF-A644-AD84-6BA0E7A84E48}" srcId="{960CE163-DF35-2B44-83E7-B9153BC66084}" destId="{AE7EA77A-1D8E-3F42-95E1-4EB11A443A81}" srcOrd="0" destOrd="0" parTransId="{D0F565E7-5D70-054E-90E0-C19FE13B6790}" sibTransId="{A9860EA9-F28C-E04C-8CCC-2E75895ED615}"/>
-    <dgm:cxn modelId="{BD876DF4-FBEE-9943-863F-7B7F61CBAEA9}" srcId="{960CE163-DF35-2B44-83E7-B9153BC66084}" destId="{FE86CB60-E462-414C-BF0E-606A57D7AD93}" srcOrd="3" destOrd="0" parTransId="{70F0D127-9705-B346-8456-2EA73B6E30CF}" sibTransId="{B2965BF0-14E0-474E-A2AB-CCA4521513DD}"/>
+    <dgm:cxn modelId="{8FC20289-4F63-9E49-BD79-567030E07E0D}" srcId="{960CE163-DF35-2B44-83E7-B9153BC66084}" destId="{4D875376-E6B9-804F-AC85-A1D4337BBC8A}" srcOrd="1" destOrd="0" parTransId="{6C0275DE-9DFE-0E43-8DDA-D28DD222D71F}" sibTransId="{5CBDE70F-8F73-B144-BE9A-D54839868342}"/>
+    <dgm:cxn modelId="{E7733746-4C87-234A-9D3E-4005D8B583BC}" srcId="{84B85FB8-CE49-454E-AFD0-26748DF588CB}" destId="{960CE163-DF35-2B44-83E7-B9153BC66084}" srcOrd="0" destOrd="0" parTransId="{15F9C8B3-0868-F148-A166-96327192876A}" sibTransId="{AE4D7356-6DD9-B04F-A5BC-257D53ADE85C}"/>
+    <dgm:cxn modelId="{89EEE784-3EED-8F43-8217-BBD1C237CA84}" type="presOf" srcId="{2CF1C699-9046-8C42-87E6-2861BF37D660}" destId="{9152FE1E-3F9F-1945-845B-196FD4FE9E7F}" srcOrd="0" destOrd="0" presId="urn:microsoft.com/office/officeart/2005/8/layout/hierarchy1"/>
+    <dgm:cxn modelId="{517E7342-1ED5-B24E-84A1-2A79CCE5BC2A}" type="presOf" srcId="{4D875376-E6B9-804F-AC85-A1D4337BBC8A}" destId="{0FEFC8CB-58CB-4A43-9867-EED6738F0C0F}" srcOrd="0" destOrd="0" presId="urn:microsoft.com/office/officeart/2005/8/layout/hierarchy1"/>
+    <dgm:cxn modelId="{FB5948D5-A112-7E4F-A7A4-599731141072}" type="presOf" srcId="{E3372A67-8AD5-414E-9A1F-4D9E3CFF6332}" destId="{BA61A876-7050-3746-8DAE-0686A0FD0957}" srcOrd="0" destOrd="0" presId="urn:microsoft.com/office/officeart/2005/8/layout/hierarchy1"/>
     <dgm:cxn modelId="{BDB62AEF-004A-3E4A-BA04-15FFC883C6DC}" type="presOf" srcId="{1AD1EA1C-020E-5744-81BA-AEEC1A7A11F3}" destId="{D86CCABB-994E-2B44-9B36-549A167DC946}" srcOrd="0" destOrd="0" presId="urn:microsoft.com/office/officeart/2005/8/layout/hierarchy1"/>
-    <dgm:cxn modelId="{E1A0809A-BAEA-BF42-92A8-DDEE32055693}" type="presOf" srcId="{9C7D04B1-85B2-3F41-9343-3724449F75B3}" destId="{AD6B8219-1F5B-DA4F-B261-22B5D0551A94}" srcOrd="0" destOrd="0" presId="urn:microsoft.com/office/officeart/2005/8/layout/hierarchy1"/>
-    <dgm:cxn modelId="{56B8DE62-0A59-E34F-BA89-ACA8FE07FD37}" type="presOf" srcId="{A215CF19-F4EB-414A-A10F-B2A96141FE91}" destId="{0B86410B-498D-AB4D-9967-4C4AEDB1DF45}" srcOrd="0" destOrd="0" presId="urn:microsoft.com/office/officeart/2005/8/layout/hierarchy1"/>
-    <dgm:cxn modelId="{D2D6BF3A-81D0-9346-B33A-086AABA7D7D7}" type="presOf" srcId="{D0F565E7-5D70-054E-90E0-C19FE13B6790}" destId="{6B84F89A-BB62-184B-ACA8-8A1AAAE34DE1}" srcOrd="0" destOrd="0" presId="urn:microsoft.com/office/officeart/2005/8/layout/hierarchy1"/>
-    <dgm:cxn modelId="{62868263-8B87-BF41-9DB1-C409701EE1E3}" type="presOf" srcId="{184A7FBE-4658-3046-B4A7-4EBDDC670AD1}" destId="{2E4A94D1-71F0-A046-B95F-18095848F38A}" srcOrd="0" destOrd="0" presId="urn:microsoft.com/office/officeart/2005/8/layout/hierarchy1"/>
-    <dgm:cxn modelId="{1BB5FA34-3C64-DD46-93EA-B2497E30C558}" type="presOf" srcId="{0C3731E6-7189-414B-8AA4-AA411ADE82DC}" destId="{F42357F4-6E12-A041-A7D6-81713E5E517B}" srcOrd="0" destOrd="0" presId="urn:microsoft.com/office/officeart/2005/8/layout/hierarchy1"/>
-    <dgm:cxn modelId="{4CC6FB2A-BDF9-2948-B3E8-8BFD444DE0F5}" srcId="{67DF074B-DE05-B24C-9E35-CDBF726DC2DD}" destId="{632DBD1E-A080-C14D-89CD-94A8C0F3CF25}" srcOrd="0" destOrd="0" parTransId="{563BE0E2-35F1-EA43-92A4-487E8781D214}" sibTransId="{BC85FB81-59E3-3246-A1DB-AA9BCA174B1A}"/>
-    <dgm:cxn modelId="{48C3CFE4-65EB-9D4E-A0CE-F9F821B5D78C}" srcId="{FE86CB60-E462-414C-BF0E-606A57D7AD93}" destId="{9C7D04B1-85B2-3F41-9343-3724449F75B3}" srcOrd="0" destOrd="0" parTransId="{184A7FBE-4658-3046-B4A7-4EBDDC670AD1}" sibTransId="{5D03D28D-4580-AA4E-B725-784F886C6797}"/>
-    <dgm:cxn modelId="{89EEE784-3EED-8F43-8217-BBD1C237CA84}" type="presOf" srcId="{2CF1C699-9046-8C42-87E6-2861BF37D660}" destId="{9152FE1E-3F9F-1945-845B-196FD4FE9E7F}" srcOrd="0" destOrd="0" presId="urn:microsoft.com/office/officeart/2005/8/layout/hierarchy1"/>
-    <dgm:cxn modelId="{68A68B6C-C4A2-404D-9619-7E596F60AE28}" srcId="{FE86CB60-E462-414C-BF0E-606A57D7AD93}" destId="{67DF074B-DE05-B24C-9E35-CDBF726DC2DD}" srcOrd="1" destOrd="0" parTransId="{0C3731E6-7189-414B-8AA4-AA411ADE82DC}" sibTransId="{4A343348-5A18-A64D-B967-67FF94A2182D}"/>
     <dgm:cxn modelId="{80E2C3F7-058F-1C40-8356-C15390BA6FDF}" type="presOf" srcId="{70F0D127-9705-B346-8456-2EA73B6E30CF}" destId="{201C7CC6-525A-FE42-B4FF-8C5914387024}" srcOrd="0" destOrd="0" presId="urn:microsoft.com/office/officeart/2005/8/layout/hierarchy1"/>
-    <dgm:cxn modelId="{8BD052AF-949A-F948-A12A-2F16C08A8BAA}" type="presOf" srcId="{4810192D-B607-5A42-8DCE-8CFCF1A82427}" destId="{28156514-4C64-AE45-A406-98283D6076D6}" srcOrd="0" destOrd="0" presId="urn:microsoft.com/office/officeart/2005/8/layout/hierarchy1"/>
-    <dgm:cxn modelId="{A5EF75CA-949B-FB42-A967-633DBF9C5416}" srcId="{67DF074B-DE05-B24C-9E35-CDBF726DC2DD}" destId="{2CF1C699-9046-8C42-87E6-2861BF37D660}" srcOrd="1" destOrd="0" parTransId="{F9A1264F-2EB8-8148-8E8F-B74886C30473}" sibTransId="{2B88B2F7-3FE5-E743-A3EF-F1DB3821C219}"/>
-    <dgm:cxn modelId="{FFC55F0E-24F0-0940-B0B5-F6820B65D7C7}" type="presOf" srcId="{E5C8F682-32CD-424A-896C-91EAD3E64C45}" destId="{76B33B1D-4CA5-544F-BF28-B308B507EF10}" srcOrd="0" destOrd="0" presId="urn:microsoft.com/office/officeart/2005/8/layout/hierarchy1"/>
+    <dgm:cxn modelId="{FBC04F02-4804-8C4A-8D64-8D7E596D7783}" type="presOf" srcId="{AE7EA77A-1D8E-3F42-95E1-4EB11A443A81}" destId="{BBF408DD-FB71-6449-9993-DDA736E8D58A}" srcOrd="0" destOrd="0" presId="urn:microsoft.com/office/officeart/2005/8/layout/hierarchy1"/>
     <dgm:cxn modelId="{F97734D8-6CBC-804D-B286-FA60DFC694E9}" type="presOf" srcId="{84B85FB8-CE49-454E-AFD0-26748DF588CB}" destId="{39E9CE6E-1476-7F49-AD48-00E9588CC1FC}" srcOrd="0" destOrd="0" presId="urn:microsoft.com/office/officeart/2005/8/layout/hierarchy1"/>
-    <dgm:cxn modelId="{1FDA42F0-000F-6E4D-ACBD-DD297AF16C8B}" type="presOf" srcId="{960CE163-DF35-2B44-83E7-B9153BC66084}" destId="{923B0C63-79B7-9B4A-94B9-19130FBE5D7B}" srcOrd="0" destOrd="0" presId="urn:microsoft.com/office/officeart/2005/8/layout/hierarchy1"/>
-    <dgm:cxn modelId="{E7733746-4C87-234A-9D3E-4005D8B583BC}" srcId="{84B85FB8-CE49-454E-AFD0-26748DF588CB}" destId="{960CE163-DF35-2B44-83E7-B9153BC66084}" srcOrd="0" destOrd="0" parTransId="{15F9C8B3-0868-F148-A166-96327192876A}" sibTransId="{AE4D7356-6DD9-B04F-A5BC-257D53ADE85C}"/>
-    <dgm:cxn modelId="{7DFEC403-3D07-E147-94A7-6948508849D0}" type="presOf" srcId="{563BE0E2-35F1-EA43-92A4-487E8781D214}" destId="{1F5FFC55-2839-634C-8F0C-96EACF5BE3CB}" srcOrd="0" destOrd="0" presId="urn:microsoft.com/office/officeart/2005/8/layout/hierarchy1"/>
-    <dgm:cxn modelId="{74C3DF55-2571-4A42-A3D4-79D2D7286452}" type="presOf" srcId="{12CF4121-F3B4-5C45-B72F-C1FB37DD3C0D}" destId="{800FD04D-B3AC-0B4A-955F-2E2198D77D53}" srcOrd="0" destOrd="0" presId="urn:microsoft.com/office/officeart/2005/8/layout/hierarchy1"/>
-    <dgm:cxn modelId="{C885BB5D-362B-1847-87CF-E1B639313EA0}" srcId="{FE86CB60-E462-414C-BF0E-606A57D7AD93}" destId="{E5C8F682-32CD-424A-896C-91EAD3E64C45}" srcOrd="2" destOrd="0" parTransId="{E3372A67-8AD5-414E-9A1F-4D9E3CFF6332}" sibTransId="{B77BD5BE-E444-A847-B5CA-1B150064119C}"/>
-    <dgm:cxn modelId="{BE4A5523-AA4B-D244-80FB-A948E67617FE}" srcId="{AE7EA77A-1D8E-3F42-95E1-4EB11A443A81}" destId="{4261D7F4-A7D0-3F49-B78A-20CFB380B683}" srcOrd="0" destOrd="0" parTransId="{8C382D6E-A069-234E-96CC-A5A865E2BBBD}" sibTransId="{BFE6C573-BEC1-BB44-914C-4A90CDE91A1A}"/>
-    <dgm:cxn modelId="{FBC04F02-4804-8C4A-8D64-8D7E596D7783}" type="presOf" srcId="{AE7EA77A-1D8E-3F42-95E1-4EB11A443A81}" destId="{BBF408DD-FB71-6449-9993-DDA736E8D58A}" srcOrd="0" destOrd="0" presId="urn:microsoft.com/office/officeart/2005/8/layout/hierarchy1"/>
-    <dgm:cxn modelId="{7E833AC7-C906-EC48-8CF2-050B2E9E6DD6}" type="presOf" srcId="{632DBD1E-A080-C14D-89CD-94A8C0F3CF25}" destId="{2246CDBD-2CA8-A34C-A89B-E32ACB07E97A}" srcOrd="0" destOrd="0" presId="urn:microsoft.com/office/officeart/2005/8/layout/hierarchy1"/>
-    <dgm:cxn modelId="{09A4557F-E6E3-CA46-A390-4566B55E38CE}" srcId="{AE7EA77A-1D8E-3F42-95E1-4EB11A443A81}" destId="{A215CF19-F4EB-414A-A10F-B2A96141FE91}" srcOrd="1" destOrd="0" parTransId="{4810192D-B607-5A42-8DCE-8CFCF1A82427}" sibTransId="{466C1D3C-619E-C448-BF54-2F35FBFACADE}"/>
-    <dgm:cxn modelId="{FE6DB9C5-C848-C041-9BAC-D3D409ECA3D7}" type="presOf" srcId="{67DF074B-DE05-B24C-9E35-CDBF726DC2DD}" destId="{EBC8209D-BB74-B44A-A57A-C51ABEDBBAE8}" srcOrd="0" destOrd="0" presId="urn:microsoft.com/office/officeart/2005/8/layout/hierarchy1"/>
-    <dgm:cxn modelId="{629969CD-5D04-2A43-B3AF-FE8A98094A86}" type="presOf" srcId="{6C0275DE-9DFE-0E43-8DDA-D28DD222D71F}" destId="{8CFA3E84-678E-C345-8D46-63E85CF195E2}" srcOrd="0" destOrd="0" presId="urn:microsoft.com/office/officeart/2005/8/layout/hierarchy1"/>
-    <dgm:cxn modelId="{517E7342-1ED5-B24E-84A1-2A79CCE5BC2A}" type="presOf" srcId="{4D875376-E6B9-804F-AC85-A1D4337BBC8A}" destId="{0FEFC8CB-58CB-4A43-9867-EED6738F0C0F}" srcOrd="0" destOrd="0" presId="urn:microsoft.com/office/officeart/2005/8/layout/hierarchy1"/>
-    <dgm:cxn modelId="{0A19088C-A894-A349-B6F2-D0CA96CD47FA}" srcId="{960CE163-DF35-2B44-83E7-B9153BC66084}" destId="{1AD1EA1C-020E-5744-81BA-AEEC1A7A11F3}" srcOrd="2" destOrd="0" parTransId="{12CF4121-F3B4-5C45-B72F-C1FB37DD3C0D}" sibTransId="{E7356A86-2BC1-2844-87C1-0F4142A0BACE}"/>
-    <dgm:cxn modelId="{FB5948D5-A112-7E4F-A7A4-599731141072}" type="presOf" srcId="{E3372A67-8AD5-414E-9A1F-4D9E3CFF6332}" destId="{BA61A876-7050-3746-8DAE-0686A0FD0957}" srcOrd="0" destOrd="0" presId="urn:microsoft.com/office/officeart/2005/8/layout/hierarchy1"/>
-    <dgm:cxn modelId="{7B0EFE83-8F7C-2148-A812-1F8ACB477747}" type="presOf" srcId="{F9A1264F-2EB8-8148-8E8F-B74886C30473}" destId="{9541F663-17CE-1449-B545-4E9F3C558C3A}" srcOrd="0" destOrd="0" presId="urn:microsoft.com/office/officeart/2005/8/layout/hierarchy1"/>
-    <dgm:cxn modelId="{5125BE48-CBDA-9E46-A5EC-A00E5922E856}" type="presOf" srcId="{8C382D6E-A069-234E-96CC-A5A865E2BBBD}" destId="{C6BA431E-FA40-1D4E-A3D8-2A8BD37A2453}" srcOrd="0" destOrd="0" presId="urn:microsoft.com/office/officeart/2005/8/layout/hierarchy1"/>
-    <dgm:cxn modelId="{8FC20289-4F63-9E49-BD79-567030E07E0D}" srcId="{960CE163-DF35-2B44-83E7-B9153BC66084}" destId="{4D875376-E6B9-804F-AC85-A1D4337BBC8A}" srcOrd="1" destOrd="0" parTransId="{6C0275DE-9DFE-0E43-8DDA-D28DD222D71F}" sibTransId="{5CBDE70F-8F73-B144-BE9A-D54839868342}"/>
-    <dgm:cxn modelId="{4143E40A-3339-5746-9665-4720B7275017}" type="presOf" srcId="{4261D7F4-A7D0-3F49-B78A-20CFB380B683}" destId="{C2C1A37D-940A-6743-AC99-D92FAAA879A9}" srcOrd="0" destOrd="0" presId="urn:microsoft.com/office/officeart/2005/8/layout/hierarchy1"/>
     <dgm:cxn modelId="{DF469E1B-C306-5F4B-B680-7ACFEA169B9B}" type="presParOf" srcId="{39E9CE6E-1476-7F49-AD48-00E9588CC1FC}" destId="{AFBF1B26-876E-5B4F-868D-ECF533517B41}" srcOrd="0" destOrd="0" presId="urn:microsoft.com/office/officeart/2005/8/layout/hierarchy1"/>
     <dgm:cxn modelId="{9BD7EE58-09E0-D144-8D85-070D725F1603}" type="presParOf" srcId="{AFBF1B26-876E-5B4F-868D-ECF533517B41}" destId="{80FDFEA5-D276-C44B-902D-D2E8A937A02A}" srcOrd="0" destOrd="0" presId="urn:microsoft.com/office/officeart/2005/8/layout/hierarchy1"/>
     <dgm:cxn modelId="{8C3AC7B7-A647-D047-8BDB-5F00B4604513}" type="presParOf" srcId="{80FDFEA5-D276-C44B-902D-D2E8A937A02A}" destId="{DE9E6D4B-E798-AA47-81C3-1E545DF4DB5B}" srcOrd="0" destOrd="0" presId="urn:microsoft.com/office/officeart/2005/8/layout/hierarchy1"/>
@@ -3729,6 +3737,2423 @@
       <dsp:cNvGrpSpPr/>
     </dsp:nvGrpSpPr>
     <dsp:grpSpPr/>
+    <dsp:sp modelId="{BA61A876-7050-3746-8DAE-0686A0FD0957}">
+      <dsp:nvSpPr>
+        <dsp:cNvPr id="0" name=""/>
+        <dsp:cNvSpPr/>
+      </dsp:nvSpPr>
+      <dsp:spPr>
+        <a:xfrm>
+          <a:off x="5946368" y="2016410"/>
+          <a:ext cx="1520547" cy="361821"/>
+        </a:xfrm>
+        <a:custGeom>
+          <a:avLst/>
+          <a:gdLst/>
+          <a:ahLst/>
+          <a:cxnLst/>
+          <a:rect l="0" t="0" r="0" b="0"/>
+          <a:pathLst>
+            <a:path>
+              <a:moveTo>
+                <a:pt x="0" y="0"/>
+              </a:moveTo>
+              <a:lnTo>
+                <a:pt x="0" y="246570"/>
+              </a:lnTo>
+              <a:lnTo>
+                <a:pt x="1520547" y="246570"/>
+              </a:lnTo>
+              <a:lnTo>
+                <a:pt x="1520547" y="361821"/>
+              </a:lnTo>
+            </a:path>
+          </a:pathLst>
+        </a:custGeom>
+        <a:noFill/>
+        <a:ln w="9525" cap="flat" cmpd="sng" algn="ctr">
+          <a:solidFill>
+            <a:schemeClr val="accent1">
+              <a:shade val="80000"/>
+              <a:hueOff val="0"/>
+              <a:satOff val="0"/>
+              <a:lumOff val="0"/>
+              <a:alphaOff val="0"/>
+            </a:schemeClr>
+          </a:solidFill>
+          <a:prstDash val="solid"/>
+        </a:ln>
+        <a:effectLst/>
+      </dsp:spPr>
+      <dsp:style>
+        <a:lnRef idx="1">
+          <a:scrgbClr r="0" g="0" b="0"/>
+        </a:lnRef>
+        <a:fillRef idx="0">
+          <a:scrgbClr r="0" g="0" b="0"/>
+        </a:fillRef>
+        <a:effectRef idx="0">
+          <a:scrgbClr r="0" g="0" b="0"/>
+        </a:effectRef>
+        <a:fontRef idx="minor"/>
+      </dsp:style>
+    </dsp:sp>
+    <dsp:sp modelId="{9541F663-17CE-1449-B545-4E9F3C558C3A}">
+      <dsp:nvSpPr>
+        <dsp:cNvPr id="0" name=""/>
+        <dsp:cNvSpPr/>
+      </dsp:nvSpPr>
+      <dsp:spPr>
+        <a:xfrm>
+          <a:off x="5946368" y="3168225"/>
+          <a:ext cx="760273" cy="361821"/>
+        </a:xfrm>
+        <a:custGeom>
+          <a:avLst/>
+          <a:gdLst/>
+          <a:ahLst/>
+          <a:cxnLst/>
+          <a:rect l="0" t="0" r="0" b="0"/>
+          <a:pathLst>
+            <a:path>
+              <a:moveTo>
+                <a:pt x="0" y="0"/>
+              </a:moveTo>
+              <a:lnTo>
+                <a:pt x="0" y="246570"/>
+              </a:lnTo>
+              <a:lnTo>
+                <a:pt x="760273" y="246570"/>
+              </a:lnTo>
+              <a:lnTo>
+                <a:pt x="760273" y="361821"/>
+              </a:lnTo>
+            </a:path>
+          </a:pathLst>
+        </a:custGeom>
+        <a:noFill/>
+        <a:ln w="9525" cap="flat" cmpd="sng" algn="ctr">
+          <a:solidFill>
+            <a:schemeClr val="accent1">
+              <a:shade val="80000"/>
+              <a:hueOff val="0"/>
+              <a:satOff val="0"/>
+              <a:lumOff val="0"/>
+              <a:alphaOff val="0"/>
+            </a:schemeClr>
+          </a:solidFill>
+          <a:prstDash val="solid"/>
+        </a:ln>
+        <a:effectLst/>
+      </dsp:spPr>
+      <dsp:style>
+        <a:lnRef idx="1">
+          <a:scrgbClr r="0" g="0" b="0"/>
+        </a:lnRef>
+        <a:fillRef idx="0">
+          <a:scrgbClr r="0" g="0" b="0"/>
+        </a:fillRef>
+        <a:effectRef idx="0">
+          <a:scrgbClr r="0" g="0" b="0"/>
+        </a:effectRef>
+        <a:fontRef idx="minor"/>
+      </dsp:style>
+    </dsp:sp>
+    <dsp:sp modelId="{1F5FFC55-2839-634C-8F0C-96EACF5BE3CB}">
+      <dsp:nvSpPr>
+        <dsp:cNvPr id="0" name=""/>
+        <dsp:cNvSpPr/>
+      </dsp:nvSpPr>
+      <dsp:spPr>
+        <a:xfrm>
+          <a:off x="5186094" y="3168225"/>
+          <a:ext cx="760273" cy="361821"/>
+        </a:xfrm>
+        <a:custGeom>
+          <a:avLst/>
+          <a:gdLst/>
+          <a:ahLst/>
+          <a:cxnLst/>
+          <a:rect l="0" t="0" r="0" b="0"/>
+          <a:pathLst>
+            <a:path>
+              <a:moveTo>
+                <a:pt x="760273" y="0"/>
+              </a:moveTo>
+              <a:lnTo>
+                <a:pt x="760273" y="246570"/>
+              </a:lnTo>
+              <a:lnTo>
+                <a:pt x="0" y="246570"/>
+              </a:lnTo>
+              <a:lnTo>
+                <a:pt x="0" y="361821"/>
+              </a:lnTo>
+            </a:path>
+          </a:pathLst>
+        </a:custGeom>
+        <a:noFill/>
+        <a:ln w="9525" cap="flat" cmpd="sng" algn="ctr">
+          <a:solidFill>
+            <a:schemeClr val="accent1">
+              <a:shade val="80000"/>
+              <a:hueOff val="0"/>
+              <a:satOff val="0"/>
+              <a:lumOff val="0"/>
+              <a:alphaOff val="0"/>
+            </a:schemeClr>
+          </a:solidFill>
+          <a:prstDash val="solid"/>
+        </a:ln>
+        <a:effectLst/>
+      </dsp:spPr>
+      <dsp:style>
+        <a:lnRef idx="1">
+          <a:scrgbClr r="0" g="0" b="0"/>
+        </a:lnRef>
+        <a:fillRef idx="0">
+          <a:scrgbClr r="0" g="0" b="0"/>
+        </a:fillRef>
+        <a:effectRef idx="0">
+          <a:scrgbClr r="0" g="0" b="0"/>
+        </a:effectRef>
+        <a:fontRef idx="minor"/>
+      </dsp:style>
+    </dsp:sp>
+    <dsp:sp modelId="{F42357F4-6E12-A041-A7D6-81713E5E517B}">
+      <dsp:nvSpPr>
+        <dsp:cNvPr id="0" name=""/>
+        <dsp:cNvSpPr/>
+      </dsp:nvSpPr>
+      <dsp:spPr>
+        <a:xfrm>
+          <a:off x="5900648" y="2016410"/>
+          <a:ext cx="91440" cy="361821"/>
+        </a:xfrm>
+        <a:custGeom>
+          <a:avLst/>
+          <a:gdLst/>
+          <a:ahLst/>
+          <a:cxnLst/>
+          <a:rect l="0" t="0" r="0" b="0"/>
+          <a:pathLst>
+            <a:path>
+              <a:moveTo>
+                <a:pt x="45720" y="0"/>
+              </a:moveTo>
+              <a:lnTo>
+                <a:pt x="45720" y="361821"/>
+              </a:lnTo>
+            </a:path>
+          </a:pathLst>
+        </a:custGeom>
+        <a:noFill/>
+        <a:ln w="9525" cap="flat" cmpd="sng" algn="ctr">
+          <a:solidFill>
+            <a:schemeClr val="accent1">
+              <a:shade val="80000"/>
+              <a:hueOff val="0"/>
+              <a:satOff val="0"/>
+              <a:lumOff val="0"/>
+              <a:alphaOff val="0"/>
+            </a:schemeClr>
+          </a:solidFill>
+          <a:prstDash val="solid"/>
+        </a:ln>
+        <a:effectLst/>
+      </dsp:spPr>
+      <dsp:style>
+        <a:lnRef idx="1">
+          <a:scrgbClr r="0" g="0" b="0"/>
+        </a:lnRef>
+        <a:fillRef idx="0">
+          <a:scrgbClr r="0" g="0" b="0"/>
+        </a:fillRef>
+        <a:effectRef idx="0">
+          <a:scrgbClr r="0" g="0" b="0"/>
+        </a:effectRef>
+        <a:fontRef idx="minor"/>
+      </dsp:style>
+    </dsp:sp>
+    <dsp:sp modelId="{2E4A94D1-71F0-A046-B95F-18095848F38A}">
+      <dsp:nvSpPr>
+        <dsp:cNvPr id="0" name=""/>
+        <dsp:cNvSpPr/>
+      </dsp:nvSpPr>
+      <dsp:spPr>
+        <a:xfrm>
+          <a:off x="4425821" y="2016410"/>
+          <a:ext cx="1520547" cy="361821"/>
+        </a:xfrm>
+        <a:custGeom>
+          <a:avLst/>
+          <a:gdLst/>
+          <a:ahLst/>
+          <a:cxnLst/>
+          <a:rect l="0" t="0" r="0" b="0"/>
+          <a:pathLst>
+            <a:path>
+              <a:moveTo>
+                <a:pt x="1520547" y="0"/>
+              </a:moveTo>
+              <a:lnTo>
+                <a:pt x="1520547" y="246570"/>
+              </a:lnTo>
+              <a:lnTo>
+                <a:pt x="0" y="246570"/>
+              </a:lnTo>
+              <a:lnTo>
+                <a:pt x="0" y="361821"/>
+              </a:lnTo>
+            </a:path>
+          </a:pathLst>
+        </a:custGeom>
+        <a:noFill/>
+        <a:ln w="9525" cap="flat" cmpd="sng" algn="ctr">
+          <a:solidFill>
+            <a:schemeClr val="accent1">
+              <a:shade val="80000"/>
+              <a:hueOff val="0"/>
+              <a:satOff val="0"/>
+              <a:lumOff val="0"/>
+              <a:alphaOff val="0"/>
+            </a:schemeClr>
+          </a:solidFill>
+          <a:prstDash val="solid"/>
+        </a:ln>
+        <a:effectLst/>
+      </dsp:spPr>
+      <dsp:style>
+        <a:lnRef idx="1">
+          <a:scrgbClr r="0" g="0" b="0"/>
+        </a:lnRef>
+        <a:fillRef idx="0">
+          <a:scrgbClr r="0" g="0" b="0"/>
+        </a:fillRef>
+        <a:effectRef idx="0">
+          <a:scrgbClr r="0" g="0" b="0"/>
+        </a:effectRef>
+        <a:fontRef idx="minor"/>
+      </dsp:style>
+    </dsp:sp>
+    <dsp:sp modelId="{201C7CC6-525A-FE42-B4FF-8C5914387024}">
+      <dsp:nvSpPr>
+        <dsp:cNvPr id="0" name=""/>
+        <dsp:cNvSpPr/>
+      </dsp:nvSpPr>
+      <dsp:spPr>
+        <a:xfrm>
+          <a:off x="3665547" y="864596"/>
+          <a:ext cx="2280820" cy="361821"/>
+        </a:xfrm>
+        <a:custGeom>
+          <a:avLst/>
+          <a:gdLst/>
+          <a:ahLst/>
+          <a:cxnLst/>
+          <a:rect l="0" t="0" r="0" b="0"/>
+          <a:pathLst>
+            <a:path>
+              <a:moveTo>
+                <a:pt x="0" y="0"/>
+              </a:moveTo>
+              <a:lnTo>
+                <a:pt x="0" y="246570"/>
+              </a:lnTo>
+              <a:lnTo>
+                <a:pt x="2280820" y="246570"/>
+              </a:lnTo>
+              <a:lnTo>
+                <a:pt x="2280820" y="361821"/>
+              </a:lnTo>
+            </a:path>
+          </a:pathLst>
+        </a:custGeom>
+        <a:noFill/>
+        <a:ln w="9525" cap="flat" cmpd="sng" algn="ctr">
+          <a:solidFill>
+            <a:schemeClr val="accent1">
+              <a:shade val="60000"/>
+              <a:hueOff val="0"/>
+              <a:satOff val="0"/>
+              <a:lumOff val="0"/>
+              <a:alphaOff val="0"/>
+            </a:schemeClr>
+          </a:solidFill>
+          <a:prstDash val="solid"/>
+        </a:ln>
+        <a:effectLst/>
+      </dsp:spPr>
+      <dsp:style>
+        <a:lnRef idx="1">
+          <a:scrgbClr r="0" g="0" b="0"/>
+        </a:lnRef>
+        <a:fillRef idx="0">
+          <a:scrgbClr r="0" g="0" b="0"/>
+        </a:fillRef>
+        <a:effectRef idx="0">
+          <a:scrgbClr r="0" g="0" b="0"/>
+        </a:effectRef>
+        <a:fontRef idx="minor"/>
+      </dsp:style>
+    </dsp:sp>
+    <dsp:sp modelId="{800FD04D-B3AC-0B4A-955F-2E2198D77D53}">
+      <dsp:nvSpPr>
+        <dsp:cNvPr id="0" name=""/>
+        <dsp:cNvSpPr/>
+      </dsp:nvSpPr>
+      <dsp:spPr>
+        <a:xfrm>
+          <a:off x="3665547" y="864596"/>
+          <a:ext cx="760273" cy="361821"/>
+        </a:xfrm>
+        <a:custGeom>
+          <a:avLst/>
+          <a:gdLst/>
+          <a:ahLst/>
+          <a:cxnLst/>
+          <a:rect l="0" t="0" r="0" b="0"/>
+          <a:pathLst>
+            <a:path>
+              <a:moveTo>
+                <a:pt x="0" y="0"/>
+              </a:moveTo>
+              <a:lnTo>
+                <a:pt x="0" y="246570"/>
+              </a:lnTo>
+              <a:lnTo>
+                <a:pt x="760273" y="246570"/>
+              </a:lnTo>
+              <a:lnTo>
+                <a:pt x="760273" y="361821"/>
+              </a:lnTo>
+            </a:path>
+          </a:pathLst>
+        </a:custGeom>
+        <a:noFill/>
+        <a:ln w="9525" cap="flat" cmpd="sng" algn="ctr">
+          <a:solidFill>
+            <a:schemeClr val="accent1">
+              <a:shade val="60000"/>
+              <a:hueOff val="0"/>
+              <a:satOff val="0"/>
+              <a:lumOff val="0"/>
+              <a:alphaOff val="0"/>
+            </a:schemeClr>
+          </a:solidFill>
+          <a:prstDash val="solid"/>
+        </a:ln>
+        <a:effectLst/>
+      </dsp:spPr>
+      <dsp:style>
+        <a:lnRef idx="1">
+          <a:scrgbClr r="0" g="0" b="0"/>
+        </a:lnRef>
+        <a:fillRef idx="0">
+          <a:scrgbClr r="0" g="0" b="0"/>
+        </a:fillRef>
+        <a:effectRef idx="0">
+          <a:scrgbClr r="0" g="0" b="0"/>
+        </a:effectRef>
+        <a:fontRef idx="minor"/>
+      </dsp:style>
+    </dsp:sp>
+    <dsp:sp modelId="{8CFA3E84-678E-C345-8D46-63E85CF195E2}">
+      <dsp:nvSpPr>
+        <dsp:cNvPr id="0" name=""/>
+        <dsp:cNvSpPr/>
+      </dsp:nvSpPr>
+      <dsp:spPr>
+        <a:xfrm>
+          <a:off x="2905273" y="864596"/>
+          <a:ext cx="760273" cy="361821"/>
+        </a:xfrm>
+        <a:custGeom>
+          <a:avLst/>
+          <a:gdLst/>
+          <a:ahLst/>
+          <a:cxnLst/>
+          <a:rect l="0" t="0" r="0" b="0"/>
+          <a:pathLst>
+            <a:path>
+              <a:moveTo>
+                <a:pt x="760273" y="0"/>
+              </a:moveTo>
+              <a:lnTo>
+                <a:pt x="760273" y="246570"/>
+              </a:lnTo>
+              <a:lnTo>
+                <a:pt x="0" y="246570"/>
+              </a:lnTo>
+              <a:lnTo>
+                <a:pt x="0" y="361821"/>
+              </a:lnTo>
+            </a:path>
+          </a:pathLst>
+        </a:custGeom>
+        <a:noFill/>
+        <a:ln w="9525" cap="flat" cmpd="sng" algn="ctr">
+          <a:solidFill>
+            <a:schemeClr val="accent1">
+              <a:shade val="60000"/>
+              <a:hueOff val="0"/>
+              <a:satOff val="0"/>
+              <a:lumOff val="0"/>
+              <a:alphaOff val="0"/>
+            </a:schemeClr>
+          </a:solidFill>
+          <a:prstDash val="solid"/>
+        </a:ln>
+        <a:effectLst/>
+      </dsp:spPr>
+      <dsp:style>
+        <a:lnRef idx="1">
+          <a:scrgbClr r="0" g="0" b="0"/>
+        </a:lnRef>
+        <a:fillRef idx="0">
+          <a:scrgbClr r="0" g="0" b="0"/>
+        </a:fillRef>
+        <a:effectRef idx="0">
+          <a:scrgbClr r="0" g="0" b="0"/>
+        </a:effectRef>
+        <a:fontRef idx="minor"/>
+      </dsp:style>
+    </dsp:sp>
+    <dsp:sp modelId="{28156514-4C64-AE45-A406-98283D6076D6}">
+      <dsp:nvSpPr>
+        <dsp:cNvPr id="0" name=""/>
+        <dsp:cNvSpPr/>
+      </dsp:nvSpPr>
+      <dsp:spPr>
+        <a:xfrm>
+          <a:off x="1384726" y="2016410"/>
+          <a:ext cx="760273" cy="361821"/>
+        </a:xfrm>
+        <a:custGeom>
+          <a:avLst/>
+          <a:gdLst/>
+          <a:ahLst/>
+          <a:cxnLst/>
+          <a:rect l="0" t="0" r="0" b="0"/>
+          <a:pathLst>
+            <a:path>
+              <a:moveTo>
+                <a:pt x="0" y="0"/>
+              </a:moveTo>
+              <a:lnTo>
+                <a:pt x="0" y="246570"/>
+              </a:lnTo>
+              <a:lnTo>
+                <a:pt x="760273" y="246570"/>
+              </a:lnTo>
+              <a:lnTo>
+                <a:pt x="760273" y="361821"/>
+              </a:lnTo>
+            </a:path>
+          </a:pathLst>
+        </a:custGeom>
+        <a:noFill/>
+        <a:ln w="9525" cap="flat" cmpd="sng" algn="ctr">
+          <a:solidFill>
+            <a:schemeClr val="accent1">
+              <a:shade val="80000"/>
+              <a:hueOff val="0"/>
+              <a:satOff val="0"/>
+              <a:lumOff val="0"/>
+              <a:alphaOff val="0"/>
+            </a:schemeClr>
+          </a:solidFill>
+          <a:prstDash val="solid"/>
+        </a:ln>
+        <a:effectLst/>
+      </dsp:spPr>
+      <dsp:style>
+        <a:lnRef idx="1">
+          <a:scrgbClr r="0" g="0" b="0"/>
+        </a:lnRef>
+        <a:fillRef idx="0">
+          <a:scrgbClr r="0" g="0" b="0"/>
+        </a:fillRef>
+        <a:effectRef idx="0">
+          <a:scrgbClr r="0" g="0" b="0"/>
+        </a:effectRef>
+        <a:fontRef idx="minor"/>
+      </dsp:style>
+    </dsp:sp>
+    <dsp:sp modelId="{C6BA431E-FA40-1D4E-A3D8-2A8BD37A2453}">
+      <dsp:nvSpPr>
+        <dsp:cNvPr id="0" name=""/>
+        <dsp:cNvSpPr/>
+      </dsp:nvSpPr>
+      <dsp:spPr>
+        <a:xfrm>
+          <a:off x="624453" y="2016410"/>
+          <a:ext cx="760273" cy="361821"/>
+        </a:xfrm>
+        <a:custGeom>
+          <a:avLst/>
+          <a:gdLst/>
+          <a:ahLst/>
+          <a:cxnLst/>
+          <a:rect l="0" t="0" r="0" b="0"/>
+          <a:pathLst>
+            <a:path>
+              <a:moveTo>
+                <a:pt x="760273" y="0"/>
+              </a:moveTo>
+              <a:lnTo>
+                <a:pt x="760273" y="246570"/>
+              </a:lnTo>
+              <a:lnTo>
+                <a:pt x="0" y="246570"/>
+              </a:lnTo>
+              <a:lnTo>
+                <a:pt x="0" y="361821"/>
+              </a:lnTo>
+            </a:path>
+          </a:pathLst>
+        </a:custGeom>
+        <a:noFill/>
+        <a:ln w="9525" cap="flat" cmpd="sng" algn="ctr">
+          <a:solidFill>
+            <a:schemeClr val="accent1">
+              <a:shade val="80000"/>
+              <a:hueOff val="0"/>
+              <a:satOff val="0"/>
+              <a:lumOff val="0"/>
+              <a:alphaOff val="0"/>
+            </a:schemeClr>
+          </a:solidFill>
+          <a:prstDash val="solid"/>
+        </a:ln>
+        <a:effectLst/>
+      </dsp:spPr>
+      <dsp:style>
+        <a:lnRef idx="1">
+          <a:scrgbClr r="0" g="0" b="0"/>
+        </a:lnRef>
+        <a:fillRef idx="0">
+          <a:scrgbClr r="0" g="0" b="0"/>
+        </a:fillRef>
+        <a:effectRef idx="0">
+          <a:scrgbClr r="0" g="0" b="0"/>
+        </a:effectRef>
+        <a:fontRef idx="minor"/>
+      </dsp:style>
+    </dsp:sp>
+    <dsp:sp modelId="{6B84F89A-BB62-184B-ACA8-8A1AAAE34DE1}">
+      <dsp:nvSpPr>
+        <dsp:cNvPr id="0" name=""/>
+        <dsp:cNvSpPr/>
+      </dsp:nvSpPr>
+      <dsp:spPr>
+        <a:xfrm>
+          <a:off x="1384726" y="864596"/>
+          <a:ext cx="2280820" cy="361821"/>
+        </a:xfrm>
+        <a:custGeom>
+          <a:avLst/>
+          <a:gdLst/>
+          <a:ahLst/>
+          <a:cxnLst/>
+          <a:rect l="0" t="0" r="0" b="0"/>
+          <a:pathLst>
+            <a:path>
+              <a:moveTo>
+                <a:pt x="2280820" y="0"/>
+              </a:moveTo>
+              <a:lnTo>
+                <a:pt x="2280820" y="246570"/>
+              </a:lnTo>
+              <a:lnTo>
+                <a:pt x="0" y="246570"/>
+              </a:lnTo>
+              <a:lnTo>
+                <a:pt x="0" y="361821"/>
+              </a:lnTo>
+            </a:path>
+          </a:pathLst>
+        </a:custGeom>
+        <a:noFill/>
+        <a:ln w="9525" cap="flat" cmpd="sng" algn="ctr">
+          <a:solidFill>
+            <a:schemeClr val="accent1">
+              <a:shade val="60000"/>
+              <a:hueOff val="0"/>
+              <a:satOff val="0"/>
+              <a:lumOff val="0"/>
+              <a:alphaOff val="0"/>
+            </a:schemeClr>
+          </a:solidFill>
+          <a:prstDash val="solid"/>
+        </a:ln>
+        <a:effectLst/>
+      </dsp:spPr>
+      <dsp:style>
+        <a:lnRef idx="1">
+          <a:scrgbClr r="0" g="0" b="0"/>
+        </a:lnRef>
+        <a:fillRef idx="0">
+          <a:scrgbClr r="0" g="0" b="0"/>
+        </a:fillRef>
+        <a:effectRef idx="0">
+          <a:scrgbClr r="0" g="0" b="0"/>
+        </a:effectRef>
+        <a:fontRef idx="minor"/>
+      </dsp:style>
+    </dsp:sp>
+    <dsp:sp modelId="{DE9E6D4B-E798-AA47-81C3-1E545DF4DB5B}">
+      <dsp:nvSpPr>
+        <dsp:cNvPr id="0" name=""/>
+        <dsp:cNvSpPr/>
+      </dsp:nvSpPr>
+      <dsp:spPr>
+        <a:xfrm>
+          <a:off x="3043505" y="74603"/>
+          <a:ext cx="1244084" cy="789993"/>
+        </a:xfrm>
+        <a:prstGeom prst="roundRect">
+          <a:avLst>
+            <a:gd name="adj" fmla="val 10000"/>
+          </a:avLst>
+        </a:prstGeom>
+        <a:gradFill rotWithShape="0">
+          <a:gsLst>
+            <a:gs pos="0">
+              <a:schemeClr val="accent1">
+                <a:hueOff val="0"/>
+                <a:satOff val="0"/>
+                <a:lumOff val="0"/>
+                <a:alphaOff val="0"/>
+                <a:tint val="100000"/>
+                <a:shade val="100000"/>
+                <a:satMod val="130000"/>
+              </a:schemeClr>
+            </a:gs>
+            <a:gs pos="100000">
+              <a:schemeClr val="accent1">
+                <a:hueOff val="0"/>
+                <a:satOff val="0"/>
+                <a:lumOff val="0"/>
+                <a:alphaOff val="0"/>
+                <a:tint val="50000"/>
+                <a:shade val="100000"/>
+                <a:satMod val="350000"/>
+              </a:schemeClr>
+            </a:gs>
+          </a:gsLst>
+          <a:lin ang="16200000" scaled="0"/>
+        </a:gradFill>
+        <a:ln>
+          <a:noFill/>
+        </a:ln>
+        <a:effectLst>
+          <a:outerShdw blurRad="40000" dist="23000" dir="5400000" rotWithShape="0">
+            <a:srgbClr val="000000">
+              <a:alpha val="35000"/>
+            </a:srgbClr>
+          </a:outerShdw>
+        </a:effectLst>
+      </dsp:spPr>
+      <dsp:style>
+        <a:lnRef idx="0">
+          <a:scrgbClr r="0" g="0" b="0"/>
+        </a:lnRef>
+        <a:fillRef idx="3">
+          <a:scrgbClr r="0" g="0" b="0"/>
+        </a:fillRef>
+        <a:effectRef idx="2">
+          <a:scrgbClr r="0" g="0" b="0"/>
+        </a:effectRef>
+        <a:fontRef idx="minor">
+          <a:schemeClr val="lt1"/>
+        </a:fontRef>
+      </dsp:style>
+    </dsp:sp>
+    <dsp:sp modelId="{923B0C63-79B7-9B4A-94B9-19130FBE5D7B}">
+      <dsp:nvSpPr>
+        <dsp:cNvPr id="0" name=""/>
+        <dsp:cNvSpPr/>
+      </dsp:nvSpPr>
+      <dsp:spPr>
+        <a:xfrm>
+          <a:off x="3181736" y="205923"/>
+          <a:ext cx="1244084" cy="789993"/>
+        </a:xfrm>
+        <a:prstGeom prst="roundRect">
+          <a:avLst>
+            <a:gd name="adj" fmla="val 10000"/>
+          </a:avLst>
+        </a:prstGeom>
+        <a:solidFill>
+          <a:schemeClr val="lt1">
+            <a:alpha val="90000"/>
+            <a:hueOff val="0"/>
+            <a:satOff val="0"/>
+            <a:lumOff val="0"/>
+            <a:alphaOff val="0"/>
+          </a:schemeClr>
+        </a:solidFill>
+        <a:ln w="9525" cap="flat" cmpd="sng" algn="ctr">
+          <a:solidFill>
+            <a:schemeClr val="accent1">
+              <a:hueOff val="0"/>
+              <a:satOff val="0"/>
+              <a:lumOff val="0"/>
+              <a:alphaOff val="0"/>
+            </a:schemeClr>
+          </a:solidFill>
+          <a:prstDash val="solid"/>
+        </a:ln>
+        <a:effectLst/>
+      </dsp:spPr>
+      <dsp:style>
+        <a:lnRef idx="1">
+          <a:scrgbClr r="0" g="0" b="0"/>
+        </a:lnRef>
+        <a:fillRef idx="1">
+          <a:scrgbClr r="0" g="0" b="0"/>
+        </a:fillRef>
+        <a:effectRef idx="0">
+          <a:scrgbClr r="0" g="0" b="0"/>
+        </a:effectRef>
+        <a:fontRef idx="minor"/>
+      </dsp:style>
+      <dsp:txBody>
+        <a:bodyPr spcFirstLastPara="0" vert="horz" wrap="square" lIns="76200" tIns="76200" rIns="76200" bIns="76200" numCol="1" spcCol="1270" anchor="ctr" anchorCtr="0">
+          <a:noAutofit/>
+        </a:bodyPr>
+        <a:lstStyle/>
+        <a:p>
+          <a:pPr lvl="0" algn="ctr" defTabSz="889000">
+            <a:lnSpc>
+              <a:spcPct val="90000"/>
+            </a:lnSpc>
+            <a:spcBef>
+              <a:spcPct val="0"/>
+            </a:spcBef>
+            <a:spcAft>
+              <a:spcPct val="35000"/>
+            </a:spcAft>
+          </a:pPr>
+          <a:r>
+            <a:rPr lang="en-US" sz="2000" kern="1200" dirty="0" smtClean="0"/>
+            <a:t>Data Type</a:t>
+          </a:r>
+          <a:endParaRPr lang="en-US" sz="2000" kern="1200" dirty="0"/>
+        </a:p>
+      </dsp:txBody>
+      <dsp:txXfrm>
+        <a:off x="3204874" y="229061"/>
+        <a:ext cx="1197808" cy="743717"/>
+      </dsp:txXfrm>
+    </dsp:sp>
+    <dsp:sp modelId="{3D0C8496-FBEF-B442-BAA7-CC30894D9EC3}">
+      <dsp:nvSpPr>
+        <dsp:cNvPr id="0" name=""/>
+        <dsp:cNvSpPr/>
+      </dsp:nvSpPr>
+      <dsp:spPr>
+        <a:xfrm>
+          <a:off x="762684" y="1226417"/>
+          <a:ext cx="1244084" cy="789993"/>
+        </a:xfrm>
+        <a:prstGeom prst="roundRect">
+          <a:avLst>
+            <a:gd name="adj" fmla="val 10000"/>
+          </a:avLst>
+        </a:prstGeom>
+        <a:gradFill rotWithShape="0">
+          <a:gsLst>
+            <a:gs pos="0">
+              <a:schemeClr val="accent1">
+                <a:hueOff val="0"/>
+                <a:satOff val="0"/>
+                <a:lumOff val="0"/>
+                <a:alphaOff val="0"/>
+                <a:tint val="100000"/>
+                <a:shade val="100000"/>
+                <a:satMod val="130000"/>
+              </a:schemeClr>
+            </a:gs>
+            <a:gs pos="100000">
+              <a:schemeClr val="accent1">
+                <a:hueOff val="0"/>
+                <a:satOff val="0"/>
+                <a:lumOff val="0"/>
+                <a:alphaOff val="0"/>
+                <a:tint val="50000"/>
+                <a:shade val="100000"/>
+                <a:satMod val="350000"/>
+              </a:schemeClr>
+            </a:gs>
+          </a:gsLst>
+          <a:lin ang="16200000" scaled="0"/>
+        </a:gradFill>
+        <a:ln>
+          <a:noFill/>
+        </a:ln>
+        <a:effectLst>
+          <a:outerShdw blurRad="40000" dist="23000" dir="5400000" rotWithShape="0">
+            <a:srgbClr val="000000">
+              <a:alpha val="35000"/>
+            </a:srgbClr>
+          </a:outerShdw>
+        </a:effectLst>
+      </dsp:spPr>
+      <dsp:style>
+        <a:lnRef idx="0">
+          <a:scrgbClr r="0" g="0" b="0"/>
+        </a:lnRef>
+        <a:fillRef idx="3">
+          <a:scrgbClr r="0" g="0" b="0"/>
+        </a:fillRef>
+        <a:effectRef idx="2">
+          <a:scrgbClr r="0" g="0" b="0"/>
+        </a:effectRef>
+        <a:fontRef idx="minor">
+          <a:schemeClr val="lt1"/>
+        </a:fontRef>
+      </dsp:style>
+    </dsp:sp>
+    <dsp:sp modelId="{BBF408DD-FB71-6449-9993-DDA736E8D58A}">
+      <dsp:nvSpPr>
+        <dsp:cNvPr id="0" name=""/>
+        <dsp:cNvSpPr/>
+      </dsp:nvSpPr>
+      <dsp:spPr>
+        <a:xfrm>
+          <a:off x="900916" y="1357737"/>
+          <a:ext cx="1244084" cy="789993"/>
+        </a:xfrm>
+        <a:prstGeom prst="roundRect">
+          <a:avLst>
+            <a:gd name="adj" fmla="val 10000"/>
+          </a:avLst>
+        </a:prstGeom>
+        <a:solidFill>
+          <a:schemeClr val="lt1">
+            <a:alpha val="90000"/>
+            <a:hueOff val="0"/>
+            <a:satOff val="0"/>
+            <a:lumOff val="0"/>
+            <a:alphaOff val="0"/>
+          </a:schemeClr>
+        </a:solidFill>
+        <a:ln w="9525" cap="flat" cmpd="sng" algn="ctr">
+          <a:solidFill>
+            <a:schemeClr val="accent1">
+              <a:hueOff val="0"/>
+              <a:satOff val="0"/>
+              <a:lumOff val="0"/>
+              <a:alphaOff val="0"/>
+            </a:schemeClr>
+          </a:solidFill>
+          <a:prstDash val="solid"/>
+        </a:ln>
+        <a:effectLst/>
+      </dsp:spPr>
+      <dsp:style>
+        <a:lnRef idx="1">
+          <a:scrgbClr r="0" g="0" b="0"/>
+        </a:lnRef>
+        <a:fillRef idx="1">
+          <a:scrgbClr r="0" g="0" b="0"/>
+        </a:fillRef>
+        <a:effectRef idx="0">
+          <a:scrgbClr r="0" g="0" b="0"/>
+        </a:effectRef>
+        <a:fontRef idx="minor"/>
+      </dsp:style>
+      <dsp:txBody>
+        <a:bodyPr spcFirstLastPara="0" vert="horz" wrap="square" lIns="76200" tIns="76200" rIns="76200" bIns="76200" numCol="1" spcCol="1270" anchor="ctr" anchorCtr="0">
+          <a:noAutofit/>
+        </a:bodyPr>
+        <a:lstStyle/>
+        <a:p>
+          <a:pPr lvl="0" algn="ctr" defTabSz="889000">
+            <a:lnSpc>
+              <a:spcPct val="90000"/>
+            </a:lnSpc>
+            <a:spcBef>
+              <a:spcPct val="0"/>
+            </a:spcBef>
+            <a:spcAft>
+              <a:spcPct val="35000"/>
+            </a:spcAft>
+          </a:pPr>
+          <a:r>
+            <a:rPr lang="en-US" sz="2000" kern="1200" dirty="0" smtClean="0"/>
+            <a:t>Number</a:t>
+          </a:r>
+          <a:endParaRPr lang="en-US" sz="2000" kern="1200" dirty="0"/>
+        </a:p>
+      </dsp:txBody>
+      <dsp:txXfrm>
+        <a:off x="924054" y="1380875"/>
+        <a:ext cx="1197808" cy="743717"/>
+      </dsp:txXfrm>
+    </dsp:sp>
+    <dsp:sp modelId="{4AC60A40-741B-ED47-AAD7-DE82CE34AD41}">
+      <dsp:nvSpPr>
+        <dsp:cNvPr id="0" name=""/>
+        <dsp:cNvSpPr/>
+      </dsp:nvSpPr>
+      <dsp:spPr>
+        <a:xfrm>
+          <a:off x="2411" y="2378232"/>
+          <a:ext cx="1244084" cy="789993"/>
+        </a:xfrm>
+        <a:prstGeom prst="roundRect">
+          <a:avLst>
+            <a:gd name="adj" fmla="val 10000"/>
+          </a:avLst>
+        </a:prstGeom>
+        <a:gradFill rotWithShape="0">
+          <a:gsLst>
+            <a:gs pos="0">
+              <a:schemeClr val="accent1">
+                <a:hueOff val="0"/>
+                <a:satOff val="0"/>
+                <a:lumOff val="0"/>
+                <a:alphaOff val="0"/>
+                <a:tint val="100000"/>
+                <a:shade val="100000"/>
+                <a:satMod val="130000"/>
+              </a:schemeClr>
+            </a:gs>
+            <a:gs pos="100000">
+              <a:schemeClr val="accent1">
+                <a:hueOff val="0"/>
+                <a:satOff val="0"/>
+                <a:lumOff val="0"/>
+                <a:alphaOff val="0"/>
+                <a:tint val="50000"/>
+                <a:shade val="100000"/>
+                <a:satMod val="350000"/>
+              </a:schemeClr>
+            </a:gs>
+          </a:gsLst>
+          <a:lin ang="16200000" scaled="0"/>
+        </a:gradFill>
+        <a:ln>
+          <a:noFill/>
+        </a:ln>
+        <a:effectLst>
+          <a:outerShdw blurRad="40000" dist="23000" dir="5400000" rotWithShape="0">
+            <a:srgbClr val="000000">
+              <a:alpha val="35000"/>
+            </a:srgbClr>
+          </a:outerShdw>
+        </a:effectLst>
+      </dsp:spPr>
+      <dsp:style>
+        <a:lnRef idx="0">
+          <a:scrgbClr r="0" g="0" b="0"/>
+        </a:lnRef>
+        <a:fillRef idx="3">
+          <a:scrgbClr r="0" g="0" b="0"/>
+        </a:fillRef>
+        <a:effectRef idx="2">
+          <a:scrgbClr r="0" g="0" b="0"/>
+        </a:effectRef>
+        <a:fontRef idx="minor">
+          <a:schemeClr val="lt1"/>
+        </a:fontRef>
+      </dsp:style>
+    </dsp:sp>
+    <dsp:sp modelId="{C2C1A37D-940A-6743-AC99-D92FAAA879A9}">
+      <dsp:nvSpPr>
+        <dsp:cNvPr id="0" name=""/>
+        <dsp:cNvSpPr/>
+      </dsp:nvSpPr>
+      <dsp:spPr>
+        <a:xfrm>
+          <a:off x="140642" y="2509552"/>
+          <a:ext cx="1244084" cy="789993"/>
+        </a:xfrm>
+        <a:prstGeom prst="roundRect">
+          <a:avLst>
+            <a:gd name="adj" fmla="val 10000"/>
+          </a:avLst>
+        </a:prstGeom>
+        <a:solidFill>
+          <a:schemeClr val="lt1">
+            <a:alpha val="90000"/>
+            <a:hueOff val="0"/>
+            <a:satOff val="0"/>
+            <a:lumOff val="0"/>
+            <a:alphaOff val="0"/>
+          </a:schemeClr>
+        </a:solidFill>
+        <a:ln w="9525" cap="flat" cmpd="sng" algn="ctr">
+          <a:solidFill>
+            <a:schemeClr val="accent1">
+              <a:hueOff val="0"/>
+              <a:satOff val="0"/>
+              <a:lumOff val="0"/>
+              <a:alphaOff val="0"/>
+            </a:schemeClr>
+          </a:solidFill>
+          <a:prstDash val="solid"/>
+        </a:ln>
+        <a:effectLst/>
+      </dsp:spPr>
+      <dsp:style>
+        <a:lnRef idx="1">
+          <a:scrgbClr r="0" g="0" b="0"/>
+        </a:lnRef>
+        <a:fillRef idx="1">
+          <a:scrgbClr r="0" g="0" b="0"/>
+        </a:fillRef>
+        <a:effectRef idx="0">
+          <a:scrgbClr r="0" g="0" b="0"/>
+        </a:effectRef>
+        <a:fontRef idx="minor"/>
+      </dsp:style>
+      <dsp:txBody>
+        <a:bodyPr spcFirstLastPara="0" vert="horz" wrap="square" lIns="76200" tIns="76200" rIns="76200" bIns="76200" numCol="1" spcCol="1270" anchor="ctr" anchorCtr="0">
+          <a:noAutofit/>
+        </a:bodyPr>
+        <a:lstStyle/>
+        <a:p>
+          <a:pPr lvl="0" algn="ctr" defTabSz="889000">
+            <a:lnSpc>
+              <a:spcPct val="90000"/>
+            </a:lnSpc>
+            <a:spcBef>
+              <a:spcPct val="0"/>
+            </a:spcBef>
+            <a:spcAft>
+              <a:spcPct val="35000"/>
+            </a:spcAft>
+          </a:pPr>
+          <a:r>
+            <a:rPr lang="en-US" sz="2000" kern="1200" dirty="0" smtClean="0"/>
+            <a:t>Whole</a:t>
+          </a:r>
+          <a:endParaRPr lang="en-US" sz="2000" kern="1200" dirty="0"/>
+        </a:p>
+      </dsp:txBody>
+      <dsp:txXfrm>
+        <a:off x="163780" y="2532690"/>
+        <a:ext cx="1197808" cy="743717"/>
+      </dsp:txXfrm>
+    </dsp:sp>
+    <dsp:sp modelId="{42E6176C-3E48-2248-9A2F-70DD7DB88292}">
+      <dsp:nvSpPr>
+        <dsp:cNvPr id="0" name=""/>
+        <dsp:cNvSpPr/>
+      </dsp:nvSpPr>
+      <dsp:spPr>
+        <a:xfrm>
+          <a:off x="1522958" y="2378232"/>
+          <a:ext cx="1244084" cy="789993"/>
+        </a:xfrm>
+        <a:prstGeom prst="roundRect">
+          <a:avLst>
+            <a:gd name="adj" fmla="val 10000"/>
+          </a:avLst>
+        </a:prstGeom>
+        <a:gradFill rotWithShape="0">
+          <a:gsLst>
+            <a:gs pos="0">
+              <a:schemeClr val="accent1">
+                <a:hueOff val="0"/>
+                <a:satOff val="0"/>
+                <a:lumOff val="0"/>
+                <a:alphaOff val="0"/>
+                <a:tint val="100000"/>
+                <a:shade val="100000"/>
+                <a:satMod val="130000"/>
+              </a:schemeClr>
+            </a:gs>
+            <a:gs pos="100000">
+              <a:schemeClr val="accent1">
+                <a:hueOff val="0"/>
+                <a:satOff val="0"/>
+                <a:lumOff val="0"/>
+                <a:alphaOff val="0"/>
+                <a:tint val="50000"/>
+                <a:shade val="100000"/>
+                <a:satMod val="350000"/>
+              </a:schemeClr>
+            </a:gs>
+          </a:gsLst>
+          <a:lin ang="16200000" scaled="0"/>
+        </a:gradFill>
+        <a:ln>
+          <a:noFill/>
+        </a:ln>
+        <a:effectLst>
+          <a:outerShdw blurRad="40000" dist="23000" dir="5400000" rotWithShape="0">
+            <a:srgbClr val="000000">
+              <a:alpha val="35000"/>
+            </a:srgbClr>
+          </a:outerShdw>
+        </a:effectLst>
+      </dsp:spPr>
+      <dsp:style>
+        <a:lnRef idx="0">
+          <a:scrgbClr r="0" g="0" b="0"/>
+        </a:lnRef>
+        <a:fillRef idx="3">
+          <a:scrgbClr r="0" g="0" b="0"/>
+        </a:fillRef>
+        <a:effectRef idx="2">
+          <a:scrgbClr r="0" g="0" b="0"/>
+        </a:effectRef>
+        <a:fontRef idx="minor">
+          <a:schemeClr val="lt1"/>
+        </a:fontRef>
+      </dsp:style>
+    </dsp:sp>
+    <dsp:sp modelId="{0B86410B-498D-AB4D-9967-4C4AEDB1DF45}">
+      <dsp:nvSpPr>
+        <dsp:cNvPr id="0" name=""/>
+        <dsp:cNvSpPr/>
+      </dsp:nvSpPr>
+      <dsp:spPr>
+        <a:xfrm>
+          <a:off x="1661189" y="2509552"/>
+          <a:ext cx="1244084" cy="789993"/>
+        </a:xfrm>
+        <a:prstGeom prst="roundRect">
+          <a:avLst>
+            <a:gd name="adj" fmla="val 10000"/>
+          </a:avLst>
+        </a:prstGeom>
+        <a:solidFill>
+          <a:schemeClr val="lt1">
+            <a:alpha val="90000"/>
+            <a:hueOff val="0"/>
+            <a:satOff val="0"/>
+            <a:lumOff val="0"/>
+            <a:alphaOff val="0"/>
+          </a:schemeClr>
+        </a:solidFill>
+        <a:ln w="9525" cap="flat" cmpd="sng" algn="ctr">
+          <a:solidFill>
+            <a:schemeClr val="accent1">
+              <a:hueOff val="0"/>
+              <a:satOff val="0"/>
+              <a:lumOff val="0"/>
+              <a:alphaOff val="0"/>
+            </a:schemeClr>
+          </a:solidFill>
+          <a:prstDash val="solid"/>
+        </a:ln>
+        <a:effectLst/>
+      </dsp:spPr>
+      <dsp:style>
+        <a:lnRef idx="1">
+          <a:scrgbClr r="0" g="0" b="0"/>
+        </a:lnRef>
+        <a:fillRef idx="1">
+          <a:scrgbClr r="0" g="0" b="0"/>
+        </a:fillRef>
+        <a:effectRef idx="0">
+          <a:scrgbClr r="0" g="0" b="0"/>
+        </a:effectRef>
+        <a:fontRef idx="minor"/>
+      </dsp:style>
+      <dsp:txBody>
+        <a:bodyPr spcFirstLastPara="0" vert="horz" wrap="square" lIns="76200" tIns="76200" rIns="76200" bIns="76200" numCol="1" spcCol="1270" anchor="ctr" anchorCtr="0">
+          <a:noAutofit/>
+        </a:bodyPr>
+        <a:lstStyle/>
+        <a:p>
+          <a:pPr lvl="0" algn="ctr" defTabSz="889000">
+            <a:lnSpc>
+              <a:spcPct val="90000"/>
+            </a:lnSpc>
+            <a:spcBef>
+              <a:spcPct val="0"/>
+            </a:spcBef>
+            <a:spcAft>
+              <a:spcPct val="35000"/>
+            </a:spcAft>
+          </a:pPr>
+          <a:r>
+            <a:rPr lang="en-US" sz="2000" kern="1200" dirty="0" smtClean="0"/>
+            <a:t>Float</a:t>
+          </a:r>
+          <a:endParaRPr lang="en-US" sz="2000" kern="1200" dirty="0"/>
+        </a:p>
+      </dsp:txBody>
+      <dsp:txXfrm>
+        <a:off x="1684327" y="2532690"/>
+        <a:ext cx="1197808" cy="743717"/>
+      </dsp:txXfrm>
+    </dsp:sp>
+    <dsp:sp modelId="{E4637EFB-2FAA-3446-8FC9-AD7B8E683EE6}">
+      <dsp:nvSpPr>
+        <dsp:cNvPr id="0" name=""/>
+        <dsp:cNvSpPr/>
+      </dsp:nvSpPr>
+      <dsp:spPr>
+        <a:xfrm>
+          <a:off x="2283231" y="1226417"/>
+          <a:ext cx="1244084" cy="789993"/>
+        </a:xfrm>
+        <a:prstGeom prst="roundRect">
+          <a:avLst>
+            <a:gd name="adj" fmla="val 10000"/>
+          </a:avLst>
+        </a:prstGeom>
+        <a:gradFill rotWithShape="0">
+          <a:gsLst>
+            <a:gs pos="0">
+              <a:schemeClr val="accent1">
+                <a:hueOff val="0"/>
+                <a:satOff val="0"/>
+                <a:lumOff val="0"/>
+                <a:alphaOff val="0"/>
+                <a:tint val="100000"/>
+                <a:shade val="100000"/>
+                <a:satMod val="130000"/>
+              </a:schemeClr>
+            </a:gs>
+            <a:gs pos="100000">
+              <a:schemeClr val="accent1">
+                <a:hueOff val="0"/>
+                <a:satOff val="0"/>
+                <a:lumOff val="0"/>
+                <a:alphaOff val="0"/>
+                <a:tint val="50000"/>
+                <a:shade val="100000"/>
+                <a:satMod val="350000"/>
+              </a:schemeClr>
+            </a:gs>
+          </a:gsLst>
+          <a:lin ang="16200000" scaled="0"/>
+        </a:gradFill>
+        <a:ln>
+          <a:noFill/>
+        </a:ln>
+        <a:effectLst>
+          <a:outerShdw blurRad="40000" dist="23000" dir="5400000" rotWithShape="0">
+            <a:srgbClr val="000000">
+              <a:alpha val="35000"/>
+            </a:srgbClr>
+          </a:outerShdw>
+        </a:effectLst>
+      </dsp:spPr>
+      <dsp:style>
+        <a:lnRef idx="0">
+          <a:scrgbClr r="0" g="0" b="0"/>
+        </a:lnRef>
+        <a:fillRef idx="3">
+          <a:scrgbClr r="0" g="0" b="0"/>
+        </a:fillRef>
+        <a:effectRef idx="2">
+          <a:scrgbClr r="0" g="0" b="0"/>
+        </a:effectRef>
+        <a:fontRef idx="minor">
+          <a:schemeClr val="lt1"/>
+        </a:fontRef>
+      </dsp:style>
+    </dsp:sp>
+    <dsp:sp modelId="{0FEFC8CB-58CB-4A43-9867-EED6738F0C0F}">
+      <dsp:nvSpPr>
+        <dsp:cNvPr id="0" name=""/>
+        <dsp:cNvSpPr/>
+      </dsp:nvSpPr>
+      <dsp:spPr>
+        <a:xfrm>
+          <a:off x="2421463" y="1357737"/>
+          <a:ext cx="1244084" cy="789993"/>
+        </a:xfrm>
+        <a:prstGeom prst="roundRect">
+          <a:avLst>
+            <a:gd name="adj" fmla="val 10000"/>
+          </a:avLst>
+        </a:prstGeom>
+        <a:solidFill>
+          <a:schemeClr val="lt1">
+            <a:alpha val="90000"/>
+            <a:hueOff val="0"/>
+            <a:satOff val="0"/>
+            <a:lumOff val="0"/>
+            <a:alphaOff val="0"/>
+          </a:schemeClr>
+        </a:solidFill>
+        <a:ln w="9525" cap="flat" cmpd="sng" algn="ctr">
+          <a:solidFill>
+            <a:schemeClr val="accent1">
+              <a:hueOff val="0"/>
+              <a:satOff val="0"/>
+              <a:lumOff val="0"/>
+              <a:alphaOff val="0"/>
+            </a:schemeClr>
+          </a:solidFill>
+          <a:prstDash val="solid"/>
+        </a:ln>
+        <a:effectLst/>
+      </dsp:spPr>
+      <dsp:style>
+        <a:lnRef idx="1">
+          <a:scrgbClr r="0" g="0" b="0"/>
+        </a:lnRef>
+        <a:fillRef idx="1">
+          <a:scrgbClr r="0" g="0" b="0"/>
+        </a:fillRef>
+        <a:effectRef idx="0">
+          <a:scrgbClr r="0" g="0" b="0"/>
+        </a:effectRef>
+        <a:fontRef idx="minor"/>
+      </dsp:style>
+      <dsp:txBody>
+        <a:bodyPr spcFirstLastPara="0" vert="horz" wrap="square" lIns="76200" tIns="76200" rIns="76200" bIns="76200" numCol="1" spcCol="1270" anchor="ctr" anchorCtr="0">
+          <a:noAutofit/>
+        </a:bodyPr>
+        <a:lstStyle/>
+        <a:p>
+          <a:pPr lvl="0" algn="ctr" defTabSz="889000">
+            <a:lnSpc>
+              <a:spcPct val="90000"/>
+            </a:lnSpc>
+            <a:spcBef>
+              <a:spcPct val="0"/>
+            </a:spcBef>
+            <a:spcAft>
+              <a:spcPct val="35000"/>
+            </a:spcAft>
+          </a:pPr>
+          <a:r>
+            <a:rPr lang="en-US" sz="2000" kern="1200" dirty="0" smtClean="0"/>
+            <a:t>String</a:t>
+          </a:r>
+          <a:endParaRPr lang="en-US" sz="2000" kern="1200" dirty="0"/>
+        </a:p>
+      </dsp:txBody>
+      <dsp:txXfrm>
+        <a:off x="2444601" y="1380875"/>
+        <a:ext cx="1197808" cy="743717"/>
+      </dsp:txXfrm>
+    </dsp:sp>
+    <dsp:sp modelId="{742E8093-E526-D748-A87A-DEAD1A9F1F6D}">
+      <dsp:nvSpPr>
+        <dsp:cNvPr id="0" name=""/>
+        <dsp:cNvSpPr/>
+      </dsp:nvSpPr>
+      <dsp:spPr>
+        <a:xfrm>
+          <a:off x="3803778" y="1226417"/>
+          <a:ext cx="1244084" cy="789993"/>
+        </a:xfrm>
+        <a:prstGeom prst="roundRect">
+          <a:avLst>
+            <a:gd name="adj" fmla="val 10000"/>
+          </a:avLst>
+        </a:prstGeom>
+        <a:gradFill rotWithShape="0">
+          <a:gsLst>
+            <a:gs pos="0">
+              <a:schemeClr val="accent1">
+                <a:hueOff val="0"/>
+                <a:satOff val="0"/>
+                <a:lumOff val="0"/>
+                <a:alphaOff val="0"/>
+                <a:tint val="100000"/>
+                <a:shade val="100000"/>
+                <a:satMod val="130000"/>
+              </a:schemeClr>
+            </a:gs>
+            <a:gs pos="100000">
+              <a:schemeClr val="accent1">
+                <a:hueOff val="0"/>
+                <a:satOff val="0"/>
+                <a:lumOff val="0"/>
+                <a:alphaOff val="0"/>
+                <a:tint val="50000"/>
+                <a:shade val="100000"/>
+                <a:satMod val="350000"/>
+              </a:schemeClr>
+            </a:gs>
+          </a:gsLst>
+          <a:lin ang="16200000" scaled="0"/>
+        </a:gradFill>
+        <a:ln>
+          <a:noFill/>
+        </a:ln>
+        <a:effectLst>
+          <a:outerShdw blurRad="40000" dist="23000" dir="5400000" rotWithShape="0">
+            <a:srgbClr val="000000">
+              <a:alpha val="35000"/>
+            </a:srgbClr>
+          </a:outerShdw>
+        </a:effectLst>
+      </dsp:spPr>
+      <dsp:style>
+        <a:lnRef idx="0">
+          <a:scrgbClr r="0" g="0" b="0"/>
+        </a:lnRef>
+        <a:fillRef idx="3">
+          <a:scrgbClr r="0" g="0" b="0"/>
+        </a:fillRef>
+        <a:effectRef idx="2">
+          <a:scrgbClr r="0" g="0" b="0"/>
+        </a:effectRef>
+        <a:fontRef idx="minor">
+          <a:schemeClr val="lt1"/>
+        </a:fontRef>
+      </dsp:style>
+    </dsp:sp>
+    <dsp:sp modelId="{D86CCABB-994E-2B44-9B36-549A167DC946}">
+      <dsp:nvSpPr>
+        <dsp:cNvPr id="0" name=""/>
+        <dsp:cNvSpPr/>
+      </dsp:nvSpPr>
+      <dsp:spPr>
+        <a:xfrm>
+          <a:off x="3942010" y="1357737"/>
+          <a:ext cx="1244084" cy="789993"/>
+        </a:xfrm>
+        <a:prstGeom prst="roundRect">
+          <a:avLst>
+            <a:gd name="adj" fmla="val 10000"/>
+          </a:avLst>
+        </a:prstGeom>
+        <a:solidFill>
+          <a:schemeClr val="lt1">
+            <a:alpha val="90000"/>
+            <a:hueOff val="0"/>
+            <a:satOff val="0"/>
+            <a:lumOff val="0"/>
+            <a:alphaOff val="0"/>
+          </a:schemeClr>
+        </a:solidFill>
+        <a:ln w="9525" cap="flat" cmpd="sng" algn="ctr">
+          <a:solidFill>
+            <a:schemeClr val="accent1">
+              <a:hueOff val="0"/>
+              <a:satOff val="0"/>
+              <a:lumOff val="0"/>
+              <a:alphaOff val="0"/>
+            </a:schemeClr>
+          </a:solidFill>
+          <a:prstDash val="solid"/>
+        </a:ln>
+        <a:effectLst/>
+      </dsp:spPr>
+      <dsp:style>
+        <a:lnRef idx="1">
+          <a:scrgbClr r="0" g="0" b="0"/>
+        </a:lnRef>
+        <a:fillRef idx="1">
+          <a:scrgbClr r="0" g="0" b="0"/>
+        </a:fillRef>
+        <a:effectRef idx="0">
+          <a:scrgbClr r="0" g="0" b="0"/>
+        </a:effectRef>
+        <a:fontRef idx="minor"/>
+      </dsp:style>
+      <dsp:txBody>
+        <a:bodyPr spcFirstLastPara="0" vert="horz" wrap="square" lIns="76200" tIns="76200" rIns="76200" bIns="76200" numCol="1" spcCol="1270" anchor="ctr" anchorCtr="0">
+          <a:noAutofit/>
+        </a:bodyPr>
+        <a:lstStyle/>
+        <a:p>
+          <a:pPr lvl="0" algn="ctr" defTabSz="889000">
+            <a:lnSpc>
+              <a:spcPct val="90000"/>
+            </a:lnSpc>
+            <a:spcBef>
+              <a:spcPct val="0"/>
+            </a:spcBef>
+            <a:spcAft>
+              <a:spcPct val="35000"/>
+            </a:spcAft>
+          </a:pPr>
+          <a:r>
+            <a:rPr lang="en-US" sz="2000" kern="1200" dirty="0" smtClean="0"/>
+            <a:t>Boolean</a:t>
+          </a:r>
+          <a:endParaRPr lang="en-US" sz="2000" kern="1200" dirty="0"/>
+        </a:p>
+      </dsp:txBody>
+      <dsp:txXfrm>
+        <a:off x="3965148" y="1380875"/>
+        <a:ext cx="1197808" cy="743717"/>
+      </dsp:txXfrm>
+    </dsp:sp>
+    <dsp:sp modelId="{419941D0-E8C4-AB44-9E78-DAAEB48DEBBF}">
+      <dsp:nvSpPr>
+        <dsp:cNvPr id="0" name=""/>
+        <dsp:cNvSpPr/>
+      </dsp:nvSpPr>
+      <dsp:spPr>
+        <a:xfrm>
+          <a:off x="5324326" y="1226417"/>
+          <a:ext cx="1244084" cy="789993"/>
+        </a:xfrm>
+        <a:prstGeom prst="roundRect">
+          <a:avLst>
+            <a:gd name="adj" fmla="val 10000"/>
+          </a:avLst>
+        </a:prstGeom>
+        <a:gradFill rotWithShape="0">
+          <a:gsLst>
+            <a:gs pos="0">
+              <a:schemeClr val="accent1">
+                <a:hueOff val="0"/>
+                <a:satOff val="0"/>
+                <a:lumOff val="0"/>
+                <a:alphaOff val="0"/>
+                <a:tint val="100000"/>
+                <a:shade val="100000"/>
+                <a:satMod val="130000"/>
+              </a:schemeClr>
+            </a:gs>
+            <a:gs pos="100000">
+              <a:schemeClr val="accent1">
+                <a:hueOff val="0"/>
+                <a:satOff val="0"/>
+                <a:lumOff val="0"/>
+                <a:alphaOff val="0"/>
+                <a:tint val="50000"/>
+                <a:shade val="100000"/>
+                <a:satMod val="350000"/>
+              </a:schemeClr>
+            </a:gs>
+          </a:gsLst>
+          <a:lin ang="16200000" scaled="0"/>
+        </a:gradFill>
+        <a:ln>
+          <a:noFill/>
+        </a:ln>
+        <a:effectLst>
+          <a:outerShdw blurRad="40000" dist="23000" dir="5400000" rotWithShape="0">
+            <a:srgbClr val="000000">
+              <a:alpha val="35000"/>
+            </a:srgbClr>
+          </a:outerShdw>
+        </a:effectLst>
+      </dsp:spPr>
+      <dsp:style>
+        <a:lnRef idx="0">
+          <a:scrgbClr r="0" g="0" b="0"/>
+        </a:lnRef>
+        <a:fillRef idx="3">
+          <a:scrgbClr r="0" g="0" b="0"/>
+        </a:fillRef>
+        <a:effectRef idx="2">
+          <a:scrgbClr r="0" g="0" b="0"/>
+        </a:effectRef>
+        <a:fontRef idx="minor">
+          <a:schemeClr val="lt1"/>
+        </a:fontRef>
+      </dsp:style>
+    </dsp:sp>
+    <dsp:sp modelId="{6603764C-B415-664F-8885-A7DAA8CAF3E7}">
+      <dsp:nvSpPr>
+        <dsp:cNvPr id="0" name=""/>
+        <dsp:cNvSpPr/>
+      </dsp:nvSpPr>
+      <dsp:spPr>
+        <a:xfrm>
+          <a:off x="5462557" y="1357737"/>
+          <a:ext cx="1244084" cy="789993"/>
+        </a:xfrm>
+        <a:prstGeom prst="roundRect">
+          <a:avLst>
+            <a:gd name="adj" fmla="val 10000"/>
+          </a:avLst>
+        </a:prstGeom>
+        <a:solidFill>
+          <a:schemeClr val="lt1">
+            <a:alpha val="90000"/>
+            <a:hueOff val="0"/>
+            <a:satOff val="0"/>
+            <a:lumOff val="0"/>
+            <a:alphaOff val="0"/>
+          </a:schemeClr>
+        </a:solidFill>
+        <a:ln w="9525" cap="flat" cmpd="sng" algn="ctr">
+          <a:solidFill>
+            <a:schemeClr val="accent1">
+              <a:hueOff val="0"/>
+              <a:satOff val="0"/>
+              <a:lumOff val="0"/>
+              <a:alphaOff val="0"/>
+            </a:schemeClr>
+          </a:solidFill>
+          <a:prstDash val="solid"/>
+        </a:ln>
+        <a:effectLst/>
+      </dsp:spPr>
+      <dsp:style>
+        <a:lnRef idx="1">
+          <a:scrgbClr r="0" g="0" b="0"/>
+        </a:lnRef>
+        <a:fillRef idx="1">
+          <a:scrgbClr r="0" g="0" b="0"/>
+        </a:fillRef>
+        <a:effectRef idx="0">
+          <a:scrgbClr r="0" g="0" b="0"/>
+        </a:effectRef>
+        <a:fontRef idx="minor"/>
+      </dsp:style>
+      <dsp:txBody>
+        <a:bodyPr spcFirstLastPara="0" vert="horz" wrap="square" lIns="76200" tIns="76200" rIns="76200" bIns="76200" numCol="1" spcCol="1270" anchor="ctr" anchorCtr="0">
+          <a:noAutofit/>
+        </a:bodyPr>
+        <a:lstStyle/>
+        <a:p>
+          <a:pPr lvl="0" algn="ctr" defTabSz="889000">
+            <a:lnSpc>
+              <a:spcPct val="90000"/>
+            </a:lnSpc>
+            <a:spcBef>
+              <a:spcPct val="0"/>
+            </a:spcBef>
+            <a:spcAft>
+              <a:spcPct val="35000"/>
+            </a:spcAft>
+          </a:pPr>
+          <a:r>
+            <a:rPr lang="en-US" sz="2000" kern="1200" dirty="0" smtClean="0"/>
+            <a:t>Object</a:t>
+          </a:r>
+          <a:endParaRPr lang="en-US" sz="2000" kern="1200" dirty="0"/>
+        </a:p>
+      </dsp:txBody>
+      <dsp:txXfrm>
+        <a:off x="5485695" y="1380875"/>
+        <a:ext cx="1197808" cy="743717"/>
+      </dsp:txXfrm>
+    </dsp:sp>
+    <dsp:sp modelId="{BED1AD82-3EAF-DA47-9563-265E07F41880}">
+      <dsp:nvSpPr>
+        <dsp:cNvPr id="0" name=""/>
+        <dsp:cNvSpPr/>
+      </dsp:nvSpPr>
+      <dsp:spPr>
+        <a:xfrm>
+          <a:off x="3803778" y="2378232"/>
+          <a:ext cx="1244084" cy="789993"/>
+        </a:xfrm>
+        <a:prstGeom prst="roundRect">
+          <a:avLst>
+            <a:gd name="adj" fmla="val 10000"/>
+          </a:avLst>
+        </a:prstGeom>
+        <a:gradFill rotWithShape="0">
+          <a:gsLst>
+            <a:gs pos="0">
+              <a:schemeClr val="accent1">
+                <a:hueOff val="0"/>
+                <a:satOff val="0"/>
+                <a:lumOff val="0"/>
+                <a:alphaOff val="0"/>
+                <a:tint val="100000"/>
+                <a:shade val="100000"/>
+                <a:satMod val="130000"/>
+              </a:schemeClr>
+            </a:gs>
+            <a:gs pos="100000">
+              <a:schemeClr val="accent1">
+                <a:hueOff val="0"/>
+                <a:satOff val="0"/>
+                <a:lumOff val="0"/>
+                <a:alphaOff val="0"/>
+                <a:tint val="50000"/>
+                <a:shade val="100000"/>
+                <a:satMod val="350000"/>
+              </a:schemeClr>
+            </a:gs>
+          </a:gsLst>
+          <a:lin ang="16200000" scaled="0"/>
+        </a:gradFill>
+        <a:ln>
+          <a:noFill/>
+        </a:ln>
+        <a:effectLst>
+          <a:outerShdw blurRad="40000" dist="23000" dir="5400000" rotWithShape="0">
+            <a:srgbClr val="000000">
+              <a:alpha val="35000"/>
+            </a:srgbClr>
+          </a:outerShdw>
+        </a:effectLst>
+      </dsp:spPr>
+      <dsp:style>
+        <a:lnRef idx="0">
+          <a:scrgbClr r="0" g="0" b="0"/>
+        </a:lnRef>
+        <a:fillRef idx="3">
+          <a:scrgbClr r="0" g="0" b="0"/>
+        </a:fillRef>
+        <a:effectRef idx="2">
+          <a:scrgbClr r="0" g="0" b="0"/>
+        </a:effectRef>
+        <a:fontRef idx="minor">
+          <a:schemeClr val="lt1"/>
+        </a:fontRef>
+      </dsp:style>
+    </dsp:sp>
+    <dsp:sp modelId="{AD6B8219-1F5B-DA4F-B261-22B5D0551A94}">
+      <dsp:nvSpPr>
+        <dsp:cNvPr id="0" name=""/>
+        <dsp:cNvSpPr/>
+      </dsp:nvSpPr>
+      <dsp:spPr>
+        <a:xfrm>
+          <a:off x="3942010" y="2509552"/>
+          <a:ext cx="1244084" cy="789993"/>
+        </a:xfrm>
+        <a:prstGeom prst="roundRect">
+          <a:avLst>
+            <a:gd name="adj" fmla="val 10000"/>
+          </a:avLst>
+        </a:prstGeom>
+        <a:solidFill>
+          <a:schemeClr val="lt1">
+            <a:alpha val="90000"/>
+            <a:hueOff val="0"/>
+            <a:satOff val="0"/>
+            <a:lumOff val="0"/>
+            <a:alphaOff val="0"/>
+          </a:schemeClr>
+        </a:solidFill>
+        <a:ln w="9525" cap="flat" cmpd="sng" algn="ctr">
+          <a:solidFill>
+            <a:schemeClr val="accent1">
+              <a:hueOff val="0"/>
+              <a:satOff val="0"/>
+              <a:lumOff val="0"/>
+              <a:alphaOff val="0"/>
+            </a:schemeClr>
+          </a:solidFill>
+          <a:prstDash val="solid"/>
+        </a:ln>
+        <a:effectLst/>
+      </dsp:spPr>
+      <dsp:style>
+        <a:lnRef idx="1">
+          <a:scrgbClr r="0" g="0" b="0"/>
+        </a:lnRef>
+        <a:fillRef idx="1">
+          <a:scrgbClr r="0" g="0" b="0"/>
+        </a:fillRef>
+        <a:effectRef idx="0">
+          <a:scrgbClr r="0" g="0" b="0"/>
+        </a:effectRef>
+        <a:fontRef idx="minor"/>
+      </dsp:style>
+      <dsp:txBody>
+        <a:bodyPr spcFirstLastPara="0" vert="horz" wrap="square" lIns="76200" tIns="76200" rIns="76200" bIns="76200" numCol="1" spcCol="1270" anchor="ctr" anchorCtr="0">
+          <a:noAutofit/>
+        </a:bodyPr>
+        <a:lstStyle/>
+        <a:p>
+          <a:pPr lvl="0" algn="ctr" defTabSz="889000">
+            <a:lnSpc>
+              <a:spcPct val="90000"/>
+            </a:lnSpc>
+            <a:spcBef>
+              <a:spcPct val="0"/>
+            </a:spcBef>
+            <a:spcAft>
+              <a:spcPct val="35000"/>
+            </a:spcAft>
+          </a:pPr>
+          <a:r>
+            <a:rPr lang="en-US" sz="2000" kern="1200" dirty="0" smtClean="0"/>
+            <a:t>Date</a:t>
+          </a:r>
+          <a:endParaRPr lang="en-US" sz="2000" kern="1200" dirty="0"/>
+        </a:p>
+      </dsp:txBody>
+      <dsp:txXfrm>
+        <a:off x="3965148" y="2532690"/>
+        <a:ext cx="1197808" cy="743717"/>
+      </dsp:txXfrm>
+    </dsp:sp>
+    <dsp:sp modelId="{E43BE145-21E5-5543-9A7D-46DE44FE97A7}">
+      <dsp:nvSpPr>
+        <dsp:cNvPr id="0" name=""/>
+        <dsp:cNvSpPr/>
+      </dsp:nvSpPr>
+      <dsp:spPr>
+        <a:xfrm>
+          <a:off x="5324326" y="2378232"/>
+          <a:ext cx="1244084" cy="789993"/>
+        </a:xfrm>
+        <a:prstGeom prst="roundRect">
+          <a:avLst>
+            <a:gd name="adj" fmla="val 10000"/>
+          </a:avLst>
+        </a:prstGeom>
+        <a:gradFill rotWithShape="0">
+          <a:gsLst>
+            <a:gs pos="0">
+              <a:schemeClr val="accent1">
+                <a:hueOff val="0"/>
+                <a:satOff val="0"/>
+                <a:lumOff val="0"/>
+                <a:alphaOff val="0"/>
+                <a:tint val="100000"/>
+                <a:shade val="100000"/>
+                <a:satMod val="130000"/>
+              </a:schemeClr>
+            </a:gs>
+            <a:gs pos="100000">
+              <a:schemeClr val="accent1">
+                <a:hueOff val="0"/>
+                <a:satOff val="0"/>
+                <a:lumOff val="0"/>
+                <a:alphaOff val="0"/>
+                <a:tint val="50000"/>
+                <a:shade val="100000"/>
+                <a:satMod val="350000"/>
+              </a:schemeClr>
+            </a:gs>
+          </a:gsLst>
+          <a:lin ang="16200000" scaled="0"/>
+        </a:gradFill>
+        <a:ln>
+          <a:noFill/>
+        </a:ln>
+        <a:effectLst>
+          <a:outerShdw blurRad="40000" dist="23000" dir="5400000" rotWithShape="0">
+            <a:srgbClr val="000000">
+              <a:alpha val="35000"/>
+            </a:srgbClr>
+          </a:outerShdw>
+        </a:effectLst>
+      </dsp:spPr>
+      <dsp:style>
+        <a:lnRef idx="0">
+          <a:scrgbClr r="0" g="0" b="0"/>
+        </a:lnRef>
+        <a:fillRef idx="3">
+          <a:scrgbClr r="0" g="0" b="0"/>
+        </a:fillRef>
+        <a:effectRef idx="2">
+          <a:scrgbClr r="0" g="0" b="0"/>
+        </a:effectRef>
+        <a:fontRef idx="minor">
+          <a:schemeClr val="lt1"/>
+        </a:fontRef>
+      </dsp:style>
+    </dsp:sp>
+    <dsp:sp modelId="{EBC8209D-BB74-B44A-A57A-C51ABEDBBAE8}">
+      <dsp:nvSpPr>
+        <dsp:cNvPr id="0" name=""/>
+        <dsp:cNvSpPr/>
+      </dsp:nvSpPr>
+      <dsp:spPr>
+        <a:xfrm>
+          <a:off x="5462557" y="2509552"/>
+          <a:ext cx="1244084" cy="789993"/>
+        </a:xfrm>
+        <a:prstGeom prst="roundRect">
+          <a:avLst>
+            <a:gd name="adj" fmla="val 10000"/>
+          </a:avLst>
+        </a:prstGeom>
+        <a:solidFill>
+          <a:schemeClr val="lt1">
+            <a:alpha val="90000"/>
+            <a:hueOff val="0"/>
+            <a:satOff val="0"/>
+            <a:lumOff val="0"/>
+            <a:alphaOff val="0"/>
+          </a:schemeClr>
+        </a:solidFill>
+        <a:ln w="9525" cap="flat" cmpd="sng" algn="ctr">
+          <a:solidFill>
+            <a:schemeClr val="accent1">
+              <a:hueOff val="0"/>
+              <a:satOff val="0"/>
+              <a:lumOff val="0"/>
+              <a:alphaOff val="0"/>
+            </a:schemeClr>
+          </a:solidFill>
+          <a:prstDash val="solid"/>
+        </a:ln>
+        <a:effectLst/>
+      </dsp:spPr>
+      <dsp:style>
+        <a:lnRef idx="1">
+          <a:scrgbClr r="0" g="0" b="0"/>
+        </a:lnRef>
+        <a:fillRef idx="1">
+          <a:scrgbClr r="0" g="0" b="0"/>
+        </a:fillRef>
+        <a:effectRef idx="0">
+          <a:scrgbClr r="0" g="0" b="0"/>
+        </a:effectRef>
+        <a:fontRef idx="minor"/>
+      </dsp:style>
+      <dsp:txBody>
+        <a:bodyPr spcFirstLastPara="0" vert="horz" wrap="square" lIns="76200" tIns="76200" rIns="76200" bIns="76200" numCol="1" spcCol="1270" anchor="ctr" anchorCtr="0">
+          <a:noAutofit/>
+        </a:bodyPr>
+        <a:lstStyle/>
+        <a:p>
+          <a:pPr lvl="0" algn="ctr" defTabSz="889000">
+            <a:lnSpc>
+              <a:spcPct val="90000"/>
+            </a:lnSpc>
+            <a:spcBef>
+              <a:spcPct val="0"/>
+            </a:spcBef>
+            <a:spcAft>
+              <a:spcPct val="35000"/>
+            </a:spcAft>
+          </a:pPr>
+          <a:r>
+            <a:rPr lang="en-US" sz="2000" kern="1200" dirty="0" smtClean="0"/>
+            <a:t>Container</a:t>
+          </a:r>
+          <a:endParaRPr lang="en-US" sz="2000" kern="1200" dirty="0"/>
+        </a:p>
+      </dsp:txBody>
+      <dsp:txXfrm>
+        <a:off x="5485695" y="2532690"/>
+        <a:ext cx="1197808" cy="743717"/>
+      </dsp:txXfrm>
+    </dsp:sp>
+    <dsp:sp modelId="{6DF542D9-B5F6-214E-9CDE-F0A47E3A8ABC}">
+      <dsp:nvSpPr>
+        <dsp:cNvPr id="0" name=""/>
+        <dsp:cNvSpPr/>
+      </dsp:nvSpPr>
+      <dsp:spPr>
+        <a:xfrm>
+          <a:off x="4564052" y="3530046"/>
+          <a:ext cx="1244084" cy="789993"/>
+        </a:xfrm>
+        <a:prstGeom prst="roundRect">
+          <a:avLst>
+            <a:gd name="adj" fmla="val 10000"/>
+          </a:avLst>
+        </a:prstGeom>
+        <a:gradFill rotWithShape="0">
+          <a:gsLst>
+            <a:gs pos="0">
+              <a:schemeClr val="accent1">
+                <a:hueOff val="0"/>
+                <a:satOff val="0"/>
+                <a:lumOff val="0"/>
+                <a:alphaOff val="0"/>
+                <a:tint val="100000"/>
+                <a:shade val="100000"/>
+                <a:satMod val="130000"/>
+              </a:schemeClr>
+            </a:gs>
+            <a:gs pos="100000">
+              <a:schemeClr val="accent1">
+                <a:hueOff val="0"/>
+                <a:satOff val="0"/>
+                <a:lumOff val="0"/>
+                <a:alphaOff val="0"/>
+                <a:tint val="50000"/>
+                <a:shade val="100000"/>
+                <a:satMod val="350000"/>
+              </a:schemeClr>
+            </a:gs>
+          </a:gsLst>
+          <a:lin ang="16200000" scaled="0"/>
+        </a:gradFill>
+        <a:ln>
+          <a:noFill/>
+        </a:ln>
+        <a:effectLst>
+          <a:outerShdw blurRad="40000" dist="23000" dir="5400000" rotWithShape="0">
+            <a:srgbClr val="000000">
+              <a:alpha val="35000"/>
+            </a:srgbClr>
+          </a:outerShdw>
+        </a:effectLst>
+      </dsp:spPr>
+      <dsp:style>
+        <a:lnRef idx="0">
+          <a:scrgbClr r="0" g="0" b="0"/>
+        </a:lnRef>
+        <a:fillRef idx="3">
+          <a:scrgbClr r="0" g="0" b="0"/>
+        </a:fillRef>
+        <a:effectRef idx="2">
+          <a:scrgbClr r="0" g="0" b="0"/>
+        </a:effectRef>
+        <a:fontRef idx="minor">
+          <a:schemeClr val="lt1"/>
+        </a:fontRef>
+      </dsp:style>
+    </dsp:sp>
+    <dsp:sp modelId="{2246CDBD-2CA8-A34C-A89B-E32ACB07E97A}">
+      <dsp:nvSpPr>
+        <dsp:cNvPr id="0" name=""/>
+        <dsp:cNvSpPr/>
+      </dsp:nvSpPr>
+      <dsp:spPr>
+        <a:xfrm>
+          <a:off x="4702284" y="3661366"/>
+          <a:ext cx="1244084" cy="789993"/>
+        </a:xfrm>
+        <a:prstGeom prst="roundRect">
+          <a:avLst>
+            <a:gd name="adj" fmla="val 10000"/>
+          </a:avLst>
+        </a:prstGeom>
+        <a:solidFill>
+          <a:schemeClr val="lt1">
+            <a:alpha val="90000"/>
+            <a:hueOff val="0"/>
+            <a:satOff val="0"/>
+            <a:lumOff val="0"/>
+            <a:alphaOff val="0"/>
+          </a:schemeClr>
+        </a:solidFill>
+        <a:ln w="9525" cap="flat" cmpd="sng" algn="ctr">
+          <a:solidFill>
+            <a:schemeClr val="accent1">
+              <a:hueOff val="0"/>
+              <a:satOff val="0"/>
+              <a:lumOff val="0"/>
+              <a:alphaOff val="0"/>
+            </a:schemeClr>
+          </a:solidFill>
+          <a:prstDash val="solid"/>
+        </a:ln>
+        <a:effectLst/>
+      </dsp:spPr>
+      <dsp:style>
+        <a:lnRef idx="1">
+          <a:scrgbClr r="0" g="0" b="0"/>
+        </a:lnRef>
+        <a:fillRef idx="1">
+          <a:scrgbClr r="0" g="0" b="0"/>
+        </a:fillRef>
+        <a:effectRef idx="0">
+          <a:scrgbClr r="0" g="0" b="0"/>
+        </a:effectRef>
+        <a:fontRef idx="minor"/>
+      </dsp:style>
+      <dsp:txBody>
+        <a:bodyPr spcFirstLastPara="0" vert="horz" wrap="square" lIns="76200" tIns="76200" rIns="76200" bIns="76200" numCol="1" spcCol="1270" anchor="ctr" anchorCtr="0">
+          <a:noAutofit/>
+        </a:bodyPr>
+        <a:lstStyle/>
+        <a:p>
+          <a:pPr lvl="0" algn="ctr" defTabSz="889000">
+            <a:lnSpc>
+              <a:spcPct val="90000"/>
+            </a:lnSpc>
+            <a:spcBef>
+              <a:spcPct val="0"/>
+            </a:spcBef>
+            <a:spcAft>
+              <a:spcPct val="35000"/>
+            </a:spcAft>
+          </a:pPr>
+          <a:r>
+            <a:rPr lang="en-US" sz="2000" kern="1200" dirty="0" smtClean="0"/>
+            <a:t>Array</a:t>
+          </a:r>
+          <a:endParaRPr lang="en-US" sz="2000" kern="1200" dirty="0"/>
+        </a:p>
+      </dsp:txBody>
+      <dsp:txXfrm>
+        <a:off x="4725422" y="3684504"/>
+        <a:ext cx="1197808" cy="743717"/>
+      </dsp:txXfrm>
+    </dsp:sp>
+    <dsp:sp modelId="{7591B2A4-9F4B-F245-820A-E182736ED0B3}">
+      <dsp:nvSpPr>
+        <dsp:cNvPr id="0" name=""/>
+        <dsp:cNvSpPr/>
+      </dsp:nvSpPr>
+      <dsp:spPr>
+        <a:xfrm>
+          <a:off x="6084599" y="3530046"/>
+          <a:ext cx="1244084" cy="789993"/>
+        </a:xfrm>
+        <a:prstGeom prst="roundRect">
+          <a:avLst>
+            <a:gd name="adj" fmla="val 10000"/>
+          </a:avLst>
+        </a:prstGeom>
+        <a:gradFill rotWithShape="0">
+          <a:gsLst>
+            <a:gs pos="0">
+              <a:schemeClr val="accent1">
+                <a:hueOff val="0"/>
+                <a:satOff val="0"/>
+                <a:lumOff val="0"/>
+                <a:alphaOff val="0"/>
+                <a:tint val="100000"/>
+                <a:shade val="100000"/>
+                <a:satMod val="130000"/>
+              </a:schemeClr>
+            </a:gs>
+            <a:gs pos="100000">
+              <a:schemeClr val="accent1">
+                <a:hueOff val="0"/>
+                <a:satOff val="0"/>
+                <a:lumOff val="0"/>
+                <a:alphaOff val="0"/>
+                <a:tint val="50000"/>
+                <a:shade val="100000"/>
+                <a:satMod val="350000"/>
+              </a:schemeClr>
+            </a:gs>
+          </a:gsLst>
+          <a:lin ang="16200000" scaled="0"/>
+        </a:gradFill>
+        <a:ln>
+          <a:noFill/>
+        </a:ln>
+        <a:effectLst>
+          <a:outerShdw blurRad="40000" dist="23000" dir="5400000" rotWithShape="0">
+            <a:srgbClr val="000000">
+              <a:alpha val="35000"/>
+            </a:srgbClr>
+          </a:outerShdw>
+        </a:effectLst>
+      </dsp:spPr>
+      <dsp:style>
+        <a:lnRef idx="0">
+          <a:scrgbClr r="0" g="0" b="0"/>
+        </a:lnRef>
+        <a:fillRef idx="3">
+          <a:scrgbClr r="0" g="0" b="0"/>
+        </a:fillRef>
+        <a:effectRef idx="2">
+          <a:scrgbClr r="0" g="0" b="0"/>
+        </a:effectRef>
+        <a:fontRef idx="minor">
+          <a:schemeClr val="lt1"/>
+        </a:fontRef>
+      </dsp:style>
+    </dsp:sp>
+    <dsp:sp modelId="{9152FE1E-3F9F-1945-845B-196FD4FE9E7F}">
+      <dsp:nvSpPr>
+        <dsp:cNvPr id="0" name=""/>
+        <dsp:cNvSpPr/>
+      </dsp:nvSpPr>
+      <dsp:spPr>
+        <a:xfrm>
+          <a:off x="6222831" y="3661366"/>
+          <a:ext cx="1244084" cy="789993"/>
+        </a:xfrm>
+        <a:prstGeom prst="roundRect">
+          <a:avLst>
+            <a:gd name="adj" fmla="val 10000"/>
+          </a:avLst>
+        </a:prstGeom>
+        <a:solidFill>
+          <a:schemeClr val="lt1">
+            <a:alpha val="90000"/>
+            <a:hueOff val="0"/>
+            <a:satOff val="0"/>
+            <a:lumOff val="0"/>
+            <a:alphaOff val="0"/>
+          </a:schemeClr>
+        </a:solidFill>
+        <a:ln w="9525" cap="flat" cmpd="sng" algn="ctr">
+          <a:solidFill>
+            <a:schemeClr val="accent1">
+              <a:hueOff val="0"/>
+              <a:satOff val="0"/>
+              <a:lumOff val="0"/>
+              <a:alphaOff val="0"/>
+            </a:schemeClr>
+          </a:solidFill>
+          <a:prstDash val="solid"/>
+        </a:ln>
+        <a:effectLst/>
+      </dsp:spPr>
+      <dsp:style>
+        <a:lnRef idx="1">
+          <a:scrgbClr r="0" g="0" b="0"/>
+        </a:lnRef>
+        <a:fillRef idx="1">
+          <a:scrgbClr r="0" g="0" b="0"/>
+        </a:fillRef>
+        <a:effectRef idx="0">
+          <a:scrgbClr r="0" g="0" b="0"/>
+        </a:effectRef>
+        <a:fontRef idx="minor"/>
+      </dsp:style>
+      <dsp:txBody>
+        <a:bodyPr spcFirstLastPara="0" vert="horz" wrap="square" lIns="76200" tIns="76200" rIns="76200" bIns="76200" numCol="1" spcCol="1270" anchor="ctr" anchorCtr="0">
+          <a:noAutofit/>
+        </a:bodyPr>
+        <a:lstStyle/>
+        <a:p>
+          <a:pPr lvl="0" algn="ctr" defTabSz="889000">
+            <a:lnSpc>
+              <a:spcPct val="90000"/>
+            </a:lnSpc>
+            <a:spcBef>
+              <a:spcPct val="0"/>
+            </a:spcBef>
+            <a:spcAft>
+              <a:spcPct val="35000"/>
+            </a:spcAft>
+          </a:pPr>
+          <a:r>
+            <a:rPr lang="en-US" sz="2000" kern="1200" dirty="0" smtClean="0"/>
+            <a:t>Hash</a:t>
+          </a:r>
+          <a:endParaRPr lang="en-US" sz="2000" kern="1200" dirty="0"/>
+        </a:p>
+      </dsp:txBody>
+      <dsp:txXfrm>
+        <a:off x="6245969" y="3684504"/>
+        <a:ext cx="1197808" cy="743717"/>
+      </dsp:txXfrm>
+    </dsp:sp>
+    <dsp:sp modelId="{05D36543-49E4-934D-B25C-1B6526CA4C89}">
+      <dsp:nvSpPr>
+        <dsp:cNvPr id="0" name=""/>
+        <dsp:cNvSpPr/>
+      </dsp:nvSpPr>
+      <dsp:spPr>
+        <a:xfrm>
+          <a:off x="6844873" y="2378232"/>
+          <a:ext cx="1244084" cy="789993"/>
+        </a:xfrm>
+        <a:prstGeom prst="roundRect">
+          <a:avLst>
+            <a:gd name="adj" fmla="val 10000"/>
+          </a:avLst>
+        </a:prstGeom>
+        <a:gradFill rotWithShape="0">
+          <a:gsLst>
+            <a:gs pos="0">
+              <a:schemeClr val="accent1">
+                <a:hueOff val="0"/>
+                <a:satOff val="0"/>
+                <a:lumOff val="0"/>
+                <a:alphaOff val="0"/>
+                <a:tint val="100000"/>
+                <a:shade val="100000"/>
+                <a:satMod val="130000"/>
+              </a:schemeClr>
+            </a:gs>
+            <a:gs pos="100000">
+              <a:schemeClr val="accent1">
+                <a:hueOff val="0"/>
+                <a:satOff val="0"/>
+                <a:lumOff val="0"/>
+                <a:alphaOff val="0"/>
+                <a:tint val="50000"/>
+                <a:shade val="100000"/>
+                <a:satMod val="350000"/>
+              </a:schemeClr>
+            </a:gs>
+          </a:gsLst>
+          <a:lin ang="16200000" scaled="0"/>
+        </a:gradFill>
+        <a:ln>
+          <a:noFill/>
+        </a:ln>
+        <a:effectLst>
+          <a:outerShdw blurRad="40000" dist="23000" dir="5400000" rotWithShape="0">
+            <a:srgbClr val="000000">
+              <a:alpha val="35000"/>
+            </a:srgbClr>
+          </a:outerShdw>
+        </a:effectLst>
+      </dsp:spPr>
+      <dsp:style>
+        <a:lnRef idx="0">
+          <a:scrgbClr r="0" g="0" b="0"/>
+        </a:lnRef>
+        <a:fillRef idx="3">
+          <a:scrgbClr r="0" g="0" b="0"/>
+        </a:fillRef>
+        <a:effectRef idx="2">
+          <a:scrgbClr r="0" g="0" b="0"/>
+        </a:effectRef>
+        <a:fontRef idx="minor">
+          <a:schemeClr val="lt1"/>
+        </a:fontRef>
+      </dsp:style>
+    </dsp:sp>
+    <dsp:sp modelId="{76B33B1D-4CA5-544F-BF28-B308B507EF10}">
+      <dsp:nvSpPr>
+        <dsp:cNvPr id="0" name=""/>
+        <dsp:cNvSpPr/>
+      </dsp:nvSpPr>
+      <dsp:spPr>
+        <a:xfrm>
+          <a:off x="6983104" y="2509552"/>
+          <a:ext cx="1244084" cy="789993"/>
+        </a:xfrm>
+        <a:prstGeom prst="roundRect">
+          <a:avLst>
+            <a:gd name="adj" fmla="val 10000"/>
+          </a:avLst>
+        </a:prstGeom>
+        <a:solidFill>
+          <a:schemeClr val="lt1">
+            <a:alpha val="90000"/>
+            <a:hueOff val="0"/>
+            <a:satOff val="0"/>
+            <a:lumOff val="0"/>
+            <a:alphaOff val="0"/>
+          </a:schemeClr>
+        </a:solidFill>
+        <a:ln w="9525" cap="flat" cmpd="sng" algn="ctr">
+          <a:solidFill>
+            <a:schemeClr val="accent1">
+              <a:hueOff val="0"/>
+              <a:satOff val="0"/>
+              <a:lumOff val="0"/>
+              <a:alphaOff val="0"/>
+            </a:schemeClr>
+          </a:solidFill>
+          <a:prstDash val="solid"/>
+        </a:ln>
+        <a:effectLst/>
+      </dsp:spPr>
+      <dsp:style>
+        <a:lnRef idx="1">
+          <a:scrgbClr r="0" g="0" b="0"/>
+        </a:lnRef>
+        <a:fillRef idx="1">
+          <a:scrgbClr r="0" g="0" b="0"/>
+        </a:fillRef>
+        <a:effectRef idx="0">
+          <a:scrgbClr r="0" g="0" b="0"/>
+        </a:effectRef>
+        <a:fontRef idx="minor"/>
+      </dsp:style>
+      <dsp:txBody>
+        <a:bodyPr spcFirstLastPara="0" vert="horz" wrap="square" lIns="76200" tIns="76200" rIns="76200" bIns="76200" numCol="1" spcCol="1270" anchor="ctr" anchorCtr="0">
+          <a:noAutofit/>
+        </a:bodyPr>
+        <a:lstStyle/>
+        <a:p>
+          <a:pPr lvl="0" algn="ctr" defTabSz="889000">
+            <a:lnSpc>
+              <a:spcPct val="90000"/>
+            </a:lnSpc>
+            <a:spcBef>
+              <a:spcPct val="0"/>
+            </a:spcBef>
+            <a:spcAft>
+              <a:spcPct val="35000"/>
+            </a:spcAft>
+          </a:pPr>
+          <a:r>
+            <a:rPr lang="en-US" sz="2000" kern="1200" dirty="0" smtClean="0"/>
+            <a:t>Function</a:t>
+          </a:r>
+          <a:endParaRPr lang="en-US" sz="2000" kern="1200" dirty="0"/>
+        </a:p>
+      </dsp:txBody>
+      <dsp:txXfrm>
+        <a:off x="7006242" y="2532690"/>
+        <a:ext cx="1197808" cy="743717"/>
+      </dsp:txXfrm>
+    </dsp:sp>
   </dsp:spTree>
 </dsp:drawing>
 </file>
@@ -3741,6 +6166,2443 @@
       <dsp:cNvGrpSpPr/>
     </dsp:nvGrpSpPr>
     <dsp:grpSpPr/>
+    <dsp:sp modelId="{BA61A876-7050-3746-8DAE-0686A0FD0957}">
+      <dsp:nvSpPr>
+        <dsp:cNvPr id="0" name=""/>
+        <dsp:cNvSpPr/>
+      </dsp:nvSpPr>
+      <dsp:spPr>
+        <a:xfrm>
+          <a:off x="5946368" y="2016410"/>
+          <a:ext cx="1520547" cy="361821"/>
+        </a:xfrm>
+        <a:custGeom>
+          <a:avLst/>
+          <a:gdLst/>
+          <a:ahLst/>
+          <a:cxnLst/>
+          <a:rect l="0" t="0" r="0" b="0"/>
+          <a:pathLst>
+            <a:path>
+              <a:moveTo>
+                <a:pt x="0" y="0"/>
+              </a:moveTo>
+              <a:lnTo>
+                <a:pt x="0" y="246570"/>
+              </a:lnTo>
+              <a:lnTo>
+                <a:pt x="1520547" y="246570"/>
+              </a:lnTo>
+              <a:lnTo>
+                <a:pt x="1520547" y="361821"/>
+              </a:lnTo>
+            </a:path>
+          </a:pathLst>
+        </a:custGeom>
+        <a:noFill/>
+        <a:ln w="9525" cap="flat" cmpd="sng" algn="ctr">
+          <a:solidFill>
+            <a:schemeClr val="accent1">
+              <a:shade val="80000"/>
+              <a:hueOff val="0"/>
+              <a:satOff val="0"/>
+              <a:lumOff val="0"/>
+              <a:alphaOff val="0"/>
+            </a:schemeClr>
+          </a:solidFill>
+          <a:prstDash val="solid"/>
+        </a:ln>
+        <a:effectLst/>
+      </dsp:spPr>
+      <dsp:style>
+        <a:lnRef idx="1">
+          <a:scrgbClr r="0" g="0" b="0"/>
+        </a:lnRef>
+        <a:fillRef idx="0">
+          <a:scrgbClr r="0" g="0" b="0"/>
+        </a:fillRef>
+        <a:effectRef idx="0">
+          <a:scrgbClr r="0" g="0" b="0"/>
+        </a:effectRef>
+        <a:fontRef idx="minor"/>
+      </dsp:style>
+    </dsp:sp>
+    <dsp:sp modelId="{9541F663-17CE-1449-B545-4E9F3C558C3A}">
+      <dsp:nvSpPr>
+        <dsp:cNvPr id="0" name=""/>
+        <dsp:cNvSpPr/>
+      </dsp:nvSpPr>
+      <dsp:spPr>
+        <a:xfrm>
+          <a:off x="5946368" y="3168225"/>
+          <a:ext cx="760273" cy="361821"/>
+        </a:xfrm>
+        <a:custGeom>
+          <a:avLst/>
+          <a:gdLst/>
+          <a:ahLst/>
+          <a:cxnLst/>
+          <a:rect l="0" t="0" r="0" b="0"/>
+          <a:pathLst>
+            <a:path>
+              <a:moveTo>
+                <a:pt x="0" y="0"/>
+              </a:moveTo>
+              <a:lnTo>
+                <a:pt x="0" y="246570"/>
+              </a:lnTo>
+              <a:lnTo>
+                <a:pt x="760273" y="246570"/>
+              </a:lnTo>
+              <a:lnTo>
+                <a:pt x="760273" y="361821"/>
+              </a:lnTo>
+            </a:path>
+          </a:pathLst>
+        </a:custGeom>
+        <a:noFill/>
+        <a:ln w="9525" cap="flat" cmpd="sng" algn="ctr">
+          <a:solidFill>
+            <a:schemeClr val="accent1">
+              <a:shade val="80000"/>
+              <a:hueOff val="0"/>
+              <a:satOff val="0"/>
+              <a:lumOff val="0"/>
+              <a:alphaOff val="0"/>
+            </a:schemeClr>
+          </a:solidFill>
+          <a:prstDash val="solid"/>
+        </a:ln>
+        <a:effectLst/>
+      </dsp:spPr>
+      <dsp:style>
+        <a:lnRef idx="1">
+          <a:scrgbClr r="0" g="0" b="0"/>
+        </a:lnRef>
+        <a:fillRef idx="0">
+          <a:scrgbClr r="0" g="0" b="0"/>
+        </a:fillRef>
+        <a:effectRef idx="0">
+          <a:scrgbClr r="0" g="0" b="0"/>
+        </a:effectRef>
+        <a:fontRef idx="minor"/>
+      </dsp:style>
+    </dsp:sp>
+    <dsp:sp modelId="{1F5FFC55-2839-634C-8F0C-96EACF5BE3CB}">
+      <dsp:nvSpPr>
+        <dsp:cNvPr id="0" name=""/>
+        <dsp:cNvSpPr/>
+      </dsp:nvSpPr>
+      <dsp:spPr>
+        <a:xfrm>
+          <a:off x="5186094" y="3168225"/>
+          <a:ext cx="760273" cy="361821"/>
+        </a:xfrm>
+        <a:custGeom>
+          <a:avLst/>
+          <a:gdLst/>
+          <a:ahLst/>
+          <a:cxnLst/>
+          <a:rect l="0" t="0" r="0" b="0"/>
+          <a:pathLst>
+            <a:path>
+              <a:moveTo>
+                <a:pt x="760273" y="0"/>
+              </a:moveTo>
+              <a:lnTo>
+                <a:pt x="760273" y="246570"/>
+              </a:lnTo>
+              <a:lnTo>
+                <a:pt x="0" y="246570"/>
+              </a:lnTo>
+              <a:lnTo>
+                <a:pt x="0" y="361821"/>
+              </a:lnTo>
+            </a:path>
+          </a:pathLst>
+        </a:custGeom>
+        <a:noFill/>
+        <a:ln w="9525" cap="flat" cmpd="sng" algn="ctr">
+          <a:solidFill>
+            <a:schemeClr val="accent1">
+              <a:shade val="80000"/>
+              <a:hueOff val="0"/>
+              <a:satOff val="0"/>
+              <a:lumOff val="0"/>
+              <a:alphaOff val="0"/>
+            </a:schemeClr>
+          </a:solidFill>
+          <a:prstDash val="solid"/>
+        </a:ln>
+        <a:effectLst/>
+      </dsp:spPr>
+      <dsp:style>
+        <a:lnRef idx="1">
+          <a:scrgbClr r="0" g="0" b="0"/>
+        </a:lnRef>
+        <a:fillRef idx="0">
+          <a:scrgbClr r="0" g="0" b="0"/>
+        </a:fillRef>
+        <a:effectRef idx="0">
+          <a:scrgbClr r="0" g="0" b="0"/>
+        </a:effectRef>
+        <a:fontRef idx="minor"/>
+      </dsp:style>
+    </dsp:sp>
+    <dsp:sp modelId="{F42357F4-6E12-A041-A7D6-81713E5E517B}">
+      <dsp:nvSpPr>
+        <dsp:cNvPr id="0" name=""/>
+        <dsp:cNvSpPr/>
+      </dsp:nvSpPr>
+      <dsp:spPr>
+        <a:xfrm>
+          <a:off x="5900648" y="2016410"/>
+          <a:ext cx="91440" cy="361821"/>
+        </a:xfrm>
+        <a:custGeom>
+          <a:avLst/>
+          <a:gdLst/>
+          <a:ahLst/>
+          <a:cxnLst/>
+          <a:rect l="0" t="0" r="0" b="0"/>
+          <a:pathLst>
+            <a:path>
+              <a:moveTo>
+                <a:pt x="45720" y="0"/>
+              </a:moveTo>
+              <a:lnTo>
+                <a:pt x="45720" y="361821"/>
+              </a:lnTo>
+            </a:path>
+          </a:pathLst>
+        </a:custGeom>
+        <a:noFill/>
+        <a:ln w="9525" cap="flat" cmpd="sng" algn="ctr">
+          <a:solidFill>
+            <a:schemeClr val="accent1">
+              <a:shade val="80000"/>
+              <a:hueOff val="0"/>
+              <a:satOff val="0"/>
+              <a:lumOff val="0"/>
+              <a:alphaOff val="0"/>
+            </a:schemeClr>
+          </a:solidFill>
+          <a:prstDash val="solid"/>
+        </a:ln>
+        <a:effectLst/>
+      </dsp:spPr>
+      <dsp:style>
+        <a:lnRef idx="1">
+          <a:scrgbClr r="0" g="0" b="0"/>
+        </a:lnRef>
+        <a:fillRef idx="0">
+          <a:scrgbClr r="0" g="0" b="0"/>
+        </a:fillRef>
+        <a:effectRef idx="0">
+          <a:scrgbClr r="0" g="0" b="0"/>
+        </a:effectRef>
+        <a:fontRef idx="minor"/>
+      </dsp:style>
+    </dsp:sp>
+    <dsp:sp modelId="{2E4A94D1-71F0-A046-B95F-18095848F38A}">
+      <dsp:nvSpPr>
+        <dsp:cNvPr id="0" name=""/>
+        <dsp:cNvSpPr/>
+      </dsp:nvSpPr>
+      <dsp:spPr>
+        <a:xfrm>
+          <a:off x="4425821" y="2016410"/>
+          <a:ext cx="1520547" cy="361821"/>
+        </a:xfrm>
+        <a:custGeom>
+          <a:avLst/>
+          <a:gdLst/>
+          <a:ahLst/>
+          <a:cxnLst/>
+          <a:rect l="0" t="0" r="0" b="0"/>
+          <a:pathLst>
+            <a:path>
+              <a:moveTo>
+                <a:pt x="1520547" y="0"/>
+              </a:moveTo>
+              <a:lnTo>
+                <a:pt x="1520547" y="246570"/>
+              </a:lnTo>
+              <a:lnTo>
+                <a:pt x="0" y="246570"/>
+              </a:lnTo>
+              <a:lnTo>
+                <a:pt x="0" y="361821"/>
+              </a:lnTo>
+            </a:path>
+          </a:pathLst>
+        </a:custGeom>
+        <a:noFill/>
+        <a:ln w="9525" cap="flat" cmpd="sng" algn="ctr">
+          <a:solidFill>
+            <a:schemeClr val="accent1">
+              <a:shade val="80000"/>
+              <a:hueOff val="0"/>
+              <a:satOff val="0"/>
+              <a:lumOff val="0"/>
+              <a:alphaOff val="0"/>
+            </a:schemeClr>
+          </a:solidFill>
+          <a:prstDash val="solid"/>
+        </a:ln>
+        <a:effectLst/>
+      </dsp:spPr>
+      <dsp:style>
+        <a:lnRef idx="1">
+          <a:scrgbClr r="0" g="0" b="0"/>
+        </a:lnRef>
+        <a:fillRef idx="0">
+          <a:scrgbClr r="0" g="0" b="0"/>
+        </a:fillRef>
+        <a:effectRef idx="0">
+          <a:scrgbClr r="0" g="0" b="0"/>
+        </a:effectRef>
+        <a:fontRef idx="minor"/>
+      </dsp:style>
+    </dsp:sp>
+    <dsp:sp modelId="{201C7CC6-525A-FE42-B4FF-8C5914387024}">
+      <dsp:nvSpPr>
+        <dsp:cNvPr id="0" name=""/>
+        <dsp:cNvSpPr/>
+      </dsp:nvSpPr>
+      <dsp:spPr>
+        <a:xfrm>
+          <a:off x="3665547" y="864596"/>
+          <a:ext cx="2280820" cy="361821"/>
+        </a:xfrm>
+        <a:custGeom>
+          <a:avLst/>
+          <a:gdLst/>
+          <a:ahLst/>
+          <a:cxnLst/>
+          <a:rect l="0" t="0" r="0" b="0"/>
+          <a:pathLst>
+            <a:path>
+              <a:moveTo>
+                <a:pt x="0" y="0"/>
+              </a:moveTo>
+              <a:lnTo>
+                <a:pt x="0" y="246570"/>
+              </a:lnTo>
+              <a:lnTo>
+                <a:pt x="2280820" y="246570"/>
+              </a:lnTo>
+              <a:lnTo>
+                <a:pt x="2280820" y="361821"/>
+              </a:lnTo>
+            </a:path>
+          </a:pathLst>
+        </a:custGeom>
+        <a:noFill/>
+        <a:ln w="9525" cap="flat" cmpd="sng" algn="ctr">
+          <a:solidFill>
+            <a:schemeClr val="accent1">
+              <a:shade val="60000"/>
+              <a:hueOff val="0"/>
+              <a:satOff val="0"/>
+              <a:lumOff val="0"/>
+              <a:alphaOff val="0"/>
+            </a:schemeClr>
+          </a:solidFill>
+          <a:prstDash val="solid"/>
+        </a:ln>
+        <a:effectLst/>
+      </dsp:spPr>
+      <dsp:style>
+        <a:lnRef idx="1">
+          <a:scrgbClr r="0" g="0" b="0"/>
+        </a:lnRef>
+        <a:fillRef idx="0">
+          <a:scrgbClr r="0" g="0" b="0"/>
+        </a:fillRef>
+        <a:effectRef idx="0">
+          <a:scrgbClr r="0" g="0" b="0"/>
+        </a:effectRef>
+        <a:fontRef idx="minor"/>
+      </dsp:style>
+    </dsp:sp>
+    <dsp:sp modelId="{800FD04D-B3AC-0B4A-955F-2E2198D77D53}">
+      <dsp:nvSpPr>
+        <dsp:cNvPr id="0" name=""/>
+        <dsp:cNvSpPr/>
+      </dsp:nvSpPr>
+      <dsp:spPr>
+        <a:xfrm>
+          <a:off x="3665547" y="864596"/>
+          <a:ext cx="760273" cy="361821"/>
+        </a:xfrm>
+        <a:custGeom>
+          <a:avLst/>
+          <a:gdLst/>
+          <a:ahLst/>
+          <a:cxnLst/>
+          <a:rect l="0" t="0" r="0" b="0"/>
+          <a:pathLst>
+            <a:path>
+              <a:moveTo>
+                <a:pt x="0" y="0"/>
+              </a:moveTo>
+              <a:lnTo>
+                <a:pt x="0" y="246570"/>
+              </a:lnTo>
+              <a:lnTo>
+                <a:pt x="760273" y="246570"/>
+              </a:lnTo>
+              <a:lnTo>
+                <a:pt x="760273" y="361821"/>
+              </a:lnTo>
+            </a:path>
+          </a:pathLst>
+        </a:custGeom>
+        <a:noFill/>
+        <a:ln w="9525" cap="flat" cmpd="sng" algn="ctr">
+          <a:solidFill>
+            <a:schemeClr val="accent1">
+              <a:shade val="60000"/>
+              <a:hueOff val="0"/>
+              <a:satOff val="0"/>
+              <a:lumOff val="0"/>
+              <a:alphaOff val="0"/>
+            </a:schemeClr>
+          </a:solidFill>
+          <a:prstDash val="solid"/>
+        </a:ln>
+        <a:effectLst/>
+      </dsp:spPr>
+      <dsp:style>
+        <a:lnRef idx="1">
+          <a:scrgbClr r="0" g="0" b="0"/>
+        </a:lnRef>
+        <a:fillRef idx="0">
+          <a:scrgbClr r="0" g="0" b="0"/>
+        </a:fillRef>
+        <a:effectRef idx="0">
+          <a:scrgbClr r="0" g="0" b="0"/>
+        </a:effectRef>
+        <a:fontRef idx="minor"/>
+      </dsp:style>
+    </dsp:sp>
+    <dsp:sp modelId="{8CFA3E84-678E-C345-8D46-63E85CF195E2}">
+      <dsp:nvSpPr>
+        <dsp:cNvPr id="0" name=""/>
+        <dsp:cNvSpPr/>
+      </dsp:nvSpPr>
+      <dsp:spPr>
+        <a:xfrm>
+          <a:off x="2905273" y="864596"/>
+          <a:ext cx="760273" cy="361821"/>
+        </a:xfrm>
+        <a:custGeom>
+          <a:avLst/>
+          <a:gdLst/>
+          <a:ahLst/>
+          <a:cxnLst/>
+          <a:rect l="0" t="0" r="0" b="0"/>
+          <a:pathLst>
+            <a:path>
+              <a:moveTo>
+                <a:pt x="760273" y="0"/>
+              </a:moveTo>
+              <a:lnTo>
+                <a:pt x="760273" y="246570"/>
+              </a:lnTo>
+              <a:lnTo>
+                <a:pt x="0" y="246570"/>
+              </a:lnTo>
+              <a:lnTo>
+                <a:pt x="0" y="361821"/>
+              </a:lnTo>
+            </a:path>
+          </a:pathLst>
+        </a:custGeom>
+        <a:noFill/>
+        <a:ln w="9525" cap="flat" cmpd="sng" algn="ctr">
+          <a:solidFill>
+            <a:schemeClr val="accent1">
+              <a:shade val="60000"/>
+              <a:hueOff val="0"/>
+              <a:satOff val="0"/>
+              <a:lumOff val="0"/>
+              <a:alphaOff val="0"/>
+            </a:schemeClr>
+          </a:solidFill>
+          <a:prstDash val="solid"/>
+        </a:ln>
+        <a:effectLst/>
+      </dsp:spPr>
+      <dsp:style>
+        <a:lnRef idx="1">
+          <a:scrgbClr r="0" g="0" b="0"/>
+        </a:lnRef>
+        <a:fillRef idx="0">
+          <a:scrgbClr r="0" g="0" b="0"/>
+        </a:fillRef>
+        <a:effectRef idx="0">
+          <a:scrgbClr r="0" g="0" b="0"/>
+        </a:effectRef>
+        <a:fontRef idx="minor"/>
+      </dsp:style>
+    </dsp:sp>
+    <dsp:sp modelId="{28156514-4C64-AE45-A406-98283D6076D6}">
+      <dsp:nvSpPr>
+        <dsp:cNvPr id="0" name=""/>
+        <dsp:cNvSpPr/>
+      </dsp:nvSpPr>
+      <dsp:spPr>
+        <a:xfrm>
+          <a:off x="1384726" y="2016410"/>
+          <a:ext cx="760273" cy="361821"/>
+        </a:xfrm>
+        <a:custGeom>
+          <a:avLst/>
+          <a:gdLst/>
+          <a:ahLst/>
+          <a:cxnLst/>
+          <a:rect l="0" t="0" r="0" b="0"/>
+          <a:pathLst>
+            <a:path>
+              <a:moveTo>
+                <a:pt x="0" y="0"/>
+              </a:moveTo>
+              <a:lnTo>
+                <a:pt x="0" y="246570"/>
+              </a:lnTo>
+              <a:lnTo>
+                <a:pt x="760273" y="246570"/>
+              </a:lnTo>
+              <a:lnTo>
+                <a:pt x="760273" y="361821"/>
+              </a:lnTo>
+            </a:path>
+          </a:pathLst>
+        </a:custGeom>
+        <a:noFill/>
+        <a:ln w="9525" cap="flat" cmpd="sng" algn="ctr">
+          <a:solidFill>
+            <a:schemeClr val="accent1">
+              <a:shade val="80000"/>
+              <a:hueOff val="0"/>
+              <a:satOff val="0"/>
+              <a:lumOff val="0"/>
+              <a:alphaOff val="0"/>
+            </a:schemeClr>
+          </a:solidFill>
+          <a:prstDash val="solid"/>
+        </a:ln>
+        <a:effectLst/>
+      </dsp:spPr>
+      <dsp:style>
+        <a:lnRef idx="1">
+          <a:scrgbClr r="0" g="0" b="0"/>
+        </a:lnRef>
+        <a:fillRef idx="0">
+          <a:scrgbClr r="0" g="0" b="0"/>
+        </a:fillRef>
+        <a:effectRef idx="0">
+          <a:scrgbClr r="0" g="0" b="0"/>
+        </a:effectRef>
+        <a:fontRef idx="minor"/>
+      </dsp:style>
+    </dsp:sp>
+    <dsp:sp modelId="{C6BA431E-FA40-1D4E-A3D8-2A8BD37A2453}">
+      <dsp:nvSpPr>
+        <dsp:cNvPr id="0" name=""/>
+        <dsp:cNvSpPr/>
+      </dsp:nvSpPr>
+      <dsp:spPr>
+        <a:xfrm>
+          <a:off x="624453" y="2016410"/>
+          <a:ext cx="760273" cy="361821"/>
+        </a:xfrm>
+        <a:custGeom>
+          <a:avLst/>
+          <a:gdLst/>
+          <a:ahLst/>
+          <a:cxnLst/>
+          <a:rect l="0" t="0" r="0" b="0"/>
+          <a:pathLst>
+            <a:path>
+              <a:moveTo>
+                <a:pt x="760273" y="0"/>
+              </a:moveTo>
+              <a:lnTo>
+                <a:pt x="760273" y="246570"/>
+              </a:lnTo>
+              <a:lnTo>
+                <a:pt x="0" y="246570"/>
+              </a:lnTo>
+              <a:lnTo>
+                <a:pt x="0" y="361821"/>
+              </a:lnTo>
+            </a:path>
+          </a:pathLst>
+        </a:custGeom>
+        <a:noFill/>
+        <a:ln w="9525" cap="flat" cmpd="sng" algn="ctr">
+          <a:solidFill>
+            <a:schemeClr val="accent1">
+              <a:shade val="80000"/>
+              <a:hueOff val="0"/>
+              <a:satOff val="0"/>
+              <a:lumOff val="0"/>
+              <a:alphaOff val="0"/>
+            </a:schemeClr>
+          </a:solidFill>
+          <a:prstDash val="solid"/>
+        </a:ln>
+        <a:effectLst/>
+      </dsp:spPr>
+      <dsp:style>
+        <a:lnRef idx="1">
+          <a:scrgbClr r="0" g="0" b="0"/>
+        </a:lnRef>
+        <a:fillRef idx="0">
+          <a:scrgbClr r="0" g="0" b="0"/>
+        </a:fillRef>
+        <a:effectRef idx="0">
+          <a:scrgbClr r="0" g="0" b="0"/>
+        </a:effectRef>
+        <a:fontRef idx="minor"/>
+      </dsp:style>
+    </dsp:sp>
+    <dsp:sp modelId="{6B84F89A-BB62-184B-ACA8-8A1AAAE34DE1}">
+      <dsp:nvSpPr>
+        <dsp:cNvPr id="0" name=""/>
+        <dsp:cNvSpPr/>
+      </dsp:nvSpPr>
+      <dsp:spPr>
+        <a:xfrm>
+          <a:off x="1384726" y="864596"/>
+          <a:ext cx="2280820" cy="361821"/>
+        </a:xfrm>
+        <a:custGeom>
+          <a:avLst/>
+          <a:gdLst/>
+          <a:ahLst/>
+          <a:cxnLst/>
+          <a:rect l="0" t="0" r="0" b="0"/>
+          <a:pathLst>
+            <a:path>
+              <a:moveTo>
+                <a:pt x="2280820" y="0"/>
+              </a:moveTo>
+              <a:lnTo>
+                <a:pt x="2280820" y="246570"/>
+              </a:lnTo>
+              <a:lnTo>
+                <a:pt x="0" y="246570"/>
+              </a:lnTo>
+              <a:lnTo>
+                <a:pt x="0" y="361821"/>
+              </a:lnTo>
+            </a:path>
+          </a:pathLst>
+        </a:custGeom>
+        <a:noFill/>
+        <a:ln w="9525" cap="flat" cmpd="sng" algn="ctr">
+          <a:solidFill>
+            <a:schemeClr val="accent1">
+              <a:shade val="60000"/>
+              <a:hueOff val="0"/>
+              <a:satOff val="0"/>
+              <a:lumOff val="0"/>
+              <a:alphaOff val="0"/>
+            </a:schemeClr>
+          </a:solidFill>
+          <a:prstDash val="solid"/>
+        </a:ln>
+        <a:effectLst/>
+      </dsp:spPr>
+      <dsp:style>
+        <a:lnRef idx="1">
+          <a:scrgbClr r="0" g="0" b="0"/>
+        </a:lnRef>
+        <a:fillRef idx="0">
+          <a:scrgbClr r="0" g="0" b="0"/>
+        </a:fillRef>
+        <a:effectRef idx="0">
+          <a:scrgbClr r="0" g="0" b="0"/>
+        </a:effectRef>
+        <a:fontRef idx="minor"/>
+      </dsp:style>
+    </dsp:sp>
+    <dsp:sp modelId="{DE9E6D4B-E798-AA47-81C3-1E545DF4DB5B}">
+      <dsp:nvSpPr>
+        <dsp:cNvPr id="0" name=""/>
+        <dsp:cNvSpPr/>
+      </dsp:nvSpPr>
+      <dsp:spPr>
+        <a:xfrm>
+          <a:off x="3043505" y="74603"/>
+          <a:ext cx="1244084" cy="789993"/>
+        </a:xfrm>
+        <a:prstGeom prst="roundRect">
+          <a:avLst>
+            <a:gd name="adj" fmla="val 10000"/>
+          </a:avLst>
+        </a:prstGeom>
+        <a:gradFill rotWithShape="0">
+          <a:gsLst>
+            <a:gs pos="0">
+              <a:schemeClr val="accent1">
+                <a:hueOff val="0"/>
+                <a:satOff val="0"/>
+                <a:lumOff val="0"/>
+                <a:alphaOff val="0"/>
+                <a:tint val="100000"/>
+                <a:shade val="100000"/>
+                <a:satMod val="130000"/>
+              </a:schemeClr>
+            </a:gs>
+            <a:gs pos="100000">
+              <a:schemeClr val="accent1">
+                <a:hueOff val="0"/>
+                <a:satOff val="0"/>
+                <a:lumOff val="0"/>
+                <a:alphaOff val="0"/>
+                <a:tint val="50000"/>
+                <a:shade val="100000"/>
+                <a:satMod val="350000"/>
+              </a:schemeClr>
+            </a:gs>
+          </a:gsLst>
+          <a:lin ang="16200000" scaled="0"/>
+        </a:gradFill>
+        <a:ln>
+          <a:noFill/>
+        </a:ln>
+        <a:effectLst>
+          <a:outerShdw blurRad="40000" dist="23000" dir="5400000" rotWithShape="0">
+            <a:srgbClr val="000000">
+              <a:alpha val="35000"/>
+            </a:srgbClr>
+          </a:outerShdw>
+        </a:effectLst>
+      </dsp:spPr>
+      <dsp:style>
+        <a:lnRef idx="0">
+          <a:scrgbClr r="0" g="0" b="0"/>
+        </a:lnRef>
+        <a:fillRef idx="3">
+          <a:scrgbClr r="0" g="0" b="0"/>
+        </a:fillRef>
+        <a:effectRef idx="2">
+          <a:scrgbClr r="0" g="0" b="0"/>
+        </a:effectRef>
+        <a:fontRef idx="minor">
+          <a:schemeClr val="lt1"/>
+        </a:fontRef>
+      </dsp:style>
+    </dsp:sp>
+    <dsp:sp modelId="{923B0C63-79B7-9B4A-94B9-19130FBE5D7B}">
+      <dsp:nvSpPr>
+        <dsp:cNvPr id="0" name=""/>
+        <dsp:cNvSpPr/>
+      </dsp:nvSpPr>
+      <dsp:spPr>
+        <a:xfrm>
+          <a:off x="3181736" y="205923"/>
+          <a:ext cx="1244084" cy="789993"/>
+        </a:xfrm>
+        <a:prstGeom prst="roundRect">
+          <a:avLst>
+            <a:gd name="adj" fmla="val 10000"/>
+          </a:avLst>
+        </a:prstGeom>
+        <a:solidFill>
+          <a:schemeClr val="lt1">
+            <a:alpha val="90000"/>
+            <a:hueOff val="0"/>
+            <a:satOff val="0"/>
+            <a:lumOff val="0"/>
+            <a:alphaOff val="0"/>
+          </a:schemeClr>
+        </a:solidFill>
+        <a:ln w="9525" cap="flat" cmpd="sng" algn="ctr">
+          <a:solidFill>
+            <a:schemeClr val="accent1">
+              <a:hueOff val="0"/>
+              <a:satOff val="0"/>
+              <a:lumOff val="0"/>
+              <a:alphaOff val="0"/>
+            </a:schemeClr>
+          </a:solidFill>
+          <a:prstDash val="solid"/>
+        </a:ln>
+        <a:effectLst/>
+      </dsp:spPr>
+      <dsp:style>
+        <a:lnRef idx="1">
+          <a:scrgbClr r="0" g="0" b="0"/>
+        </a:lnRef>
+        <a:fillRef idx="1">
+          <a:scrgbClr r="0" g="0" b="0"/>
+        </a:fillRef>
+        <a:effectRef idx="0">
+          <a:scrgbClr r="0" g="0" b="0"/>
+        </a:effectRef>
+        <a:fontRef idx="minor"/>
+      </dsp:style>
+      <dsp:txBody>
+        <a:bodyPr spcFirstLastPara="0" vert="horz" wrap="square" lIns="76200" tIns="76200" rIns="76200" bIns="76200" numCol="1" spcCol="1270" anchor="ctr" anchorCtr="0">
+          <a:noAutofit/>
+        </a:bodyPr>
+        <a:lstStyle/>
+        <a:p>
+          <a:pPr lvl="0" algn="ctr" defTabSz="889000">
+            <a:lnSpc>
+              <a:spcPct val="90000"/>
+            </a:lnSpc>
+            <a:spcBef>
+              <a:spcPct val="0"/>
+            </a:spcBef>
+            <a:spcAft>
+              <a:spcPct val="35000"/>
+            </a:spcAft>
+          </a:pPr>
+          <a:r>
+            <a:rPr lang="en-US" sz="2000" kern="1200" dirty="0" smtClean="0"/>
+            <a:t>Data Type</a:t>
+          </a:r>
+          <a:endParaRPr lang="en-US" sz="2000" kern="1200" dirty="0"/>
+        </a:p>
+      </dsp:txBody>
+      <dsp:txXfrm>
+        <a:off x="3204874" y="229061"/>
+        <a:ext cx="1197808" cy="743717"/>
+      </dsp:txXfrm>
+    </dsp:sp>
+    <dsp:sp modelId="{3D0C8496-FBEF-B442-BAA7-CC30894D9EC3}">
+      <dsp:nvSpPr>
+        <dsp:cNvPr id="0" name=""/>
+        <dsp:cNvSpPr/>
+      </dsp:nvSpPr>
+      <dsp:spPr>
+        <a:xfrm>
+          <a:off x="762684" y="1226417"/>
+          <a:ext cx="1244084" cy="789993"/>
+        </a:xfrm>
+        <a:prstGeom prst="roundRect">
+          <a:avLst>
+            <a:gd name="adj" fmla="val 10000"/>
+          </a:avLst>
+        </a:prstGeom>
+        <a:gradFill rotWithShape="0">
+          <a:gsLst>
+            <a:gs pos="0">
+              <a:schemeClr val="accent1">
+                <a:hueOff val="0"/>
+                <a:satOff val="0"/>
+                <a:lumOff val="0"/>
+                <a:alphaOff val="0"/>
+                <a:tint val="100000"/>
+                <a:shade val="100000"/>
+                <a:satMod val="130000"/>
+              </a:schemeClr>
+            </a:gs>
+            <a:gs pos="100000">
+              <a:schemeClr val="accent1">
+                <a:hueOff val="0"/>
+                <a:satOff val="0"/>
+                <a:lumOff val="0"/>
+                <a:alphaOff val="0"/>
+                <a:tint val="50000"/>
+                <a:shade val="100000"/>
+                <a:satMod val="350000"/>
+              </a:schemeClr>
+            </a:gs>
+          </a:gsLst>
+          <a:lin ang="16200000" scaled="0"/>
+        </a:gradFill>
+        <a:ln>
+          <a:noFill/>
+        </a:ln>
+        <a:effectLst>
+          <a:outerShdw blurRad="40000" dist="23000" dir="5400000" rotWithShape="0">
+            <a:srgbClr val="000000">
+              <a:alpha val="35000"/>
+            </a:srgbClr>
+          </a:outerShdw>
+        </a:effectLst>
+      </dsp:spPr>
+      <dsp:style>
+        <a:lnRef idx="0">
+          <a:scrgbClr r="0" g="0" b="0"/>
+        </a:lnRef>
+        <a:fillRef idx="3">
+          <a:scrgbClr r="0" g="0" b="0"/>
+        </a:fillRef>
+        <a:effectRef idx="2">
+          <a:scrgbClr r="0" g="0" b="0"/>
+        </a:effectRef>
+        <a:fontRef idx="minor">
+          <a:schemeClr val="lt1"/>
+        </a:fontRef>
+      </dsp:style>
+    </dsp:sp>
+    <dsp:sp modelId="{BBF408DD-FB71-6449-9993-DDA736E8D58A}">
+      <dsp:nvSpPr>
+        <dsp:cNvPr id="0" name=""/>
+        <dsp:cNvSpPr/>
+      </dsp:nvSpPr>
+      <dsp:spPr>
+        <a:xfrm>
+          <a:off x="900916" y="1357737"/>
+          <a:ext cx="1244084" cy="789993"/>
+        </a:xfrm>
+        <a:prstGeom prst="roundRect">
+          <a:avLst>
+            <a:gd name="adj" fmla="val 10000"/>
+          </a:avLst>
+        </a:prstGeom>
+        <a:solidFill>
+          <a:schemeClr val="lt1">
+            <a:alpha val="90000"/>
+            <a:hueOff val="0"/>
+            <a:satOff val="0"/>
+            <a:lumOff val="0"/>
+            <a:alphaOff val="0"/>
+          </a:schemeClr>
+        </a:solidFill>
+        <a:ln w="9525" cap="flat" cmpd="sng" algn="ctr">
+          <a:solidFill>
+            <a:schemeClr val="accent1">
+              <a:hueOff val="0"/>
+              <a:satOff val="0"/>
+              <a:lumOff val="0"/>
+              <a:alphaOff val="0"/>
+            </a:schemeClr>
+          </a:solidFill>
+          <a:prstDash val="solid"/>
+        </a:ln>
+        <a:effectLst/>
+      </dsp:spPr>
+      <dsp:style>
+        <a:lnRef idx="1">
+          <a:scrgbClr r="0" g="0" b="0"/>
+        </a:lnRef>
+        <a:fillRef idx="1">
+          <a:scrgbClr r="0" g="0" b="0"/>
+        </a:fillRef>
+        <a:effectRef idx="0">
+          <a:scrgbClr r="0" g="0" b="0"/>
+        </a:effectRef>
+        <a:fontRef idx="minor"/>
+      </dsp:style>
+      <dsp:txBody>
+        <a:bodyPr spcFirstLastPara="0" vert="horz" wrap="square" lIns="76200" tIns="76200" rIns="76200" bIns="76200" numCol="1" spcCol="1270" anchor="ctr" anchorCtr="0">
+          <a:noAutofit/>
+        </a:bodyPr>
+        <a:lstStyle/>
+        <a:p>
+          <a:pPr lvl="0" algn="ctr" defTabSz="889000">
+            <a:lnSpc>
+              <a:spcPct val="90000"/>
+            </a:lnSpc>
+            <a:spcBef>
+              <a:spcPct val="0"/>
+            </a:spcBef>
+            <a:spcAft>
+              <a:spcPct val="35000"/>
+            </a:spcAft>
+          </a:pPr>
+          <a:r>
+            <a:rPr lang="en-US" sz="2000" kern="1200" dirty="0" smtClean="0"/>
+            <a:t>Number</a:t>
+          </a:r>
+          <a:endParaRPr lang="en-US" sz="2000" kern="1200" dirty="0"/>
+        </a:p>
+      </dsp:txBody>
+      <dsp:txXfrm>
+        <a:off x="924054" y="1380875"/>
+        <a:ext cx="1197808" cy="743717"/>
+      </dsp:txXfrm>
+    </dsp:sp>
+    <dsp:sp modelId="{4AC60A40-741B-ED47-AAD7-DE82CE34AD41}">
+      <dsp:nvSpPr>
+        <dsp:cNvPr id="0" name=""/>
+        <dsp:cNvSpPr/>
+      </dsp:nvSpPr>
+      <dsp:spPr>
+        <a:xfrm>
+          <a:off x="2411" y="2378232"/>
+          <a:ext cx="1244084" cy="789993"/>
+        </a:xfrm>
+        <a:prstGeom prst="roundRect">
+          <a:avLst>
+            <a:gd name="adj" fmla="val 10000"/>
+          </a:avLst>
+        </a:prstGeom>
+        <a:gradFill rotWithShape="0">
+          <a:gsLst>
+            <a:gs pos="0">
+              <a:schemeClr val="accent1">
+                <a:hueOff val="0"/>
+                <a:satOff val="0"/>
+                <a:lumOff val="0"/>
+                <a:alphaOff val="0"/>
+                <a:tint val="100000"/>
+                <a:shade val="100000"/>
+                <a:satMod val="130000"/>
+              </a:schemeClr>
+            </a:gs>
+            <a:gs pos="100000">
+              <a:schemeClr val="accent1">
+                <a:hueOff val="0"/>
+                <a:satOff val="0"/>
+                <a:lumOff val="0"/>
+                <a:alphaOff val="0"/>
+                <a:tint val="50000"/>
+                <a:shade val="100000"/>
+                <a:satMod val="350000"/>
+              </a:schemeClr>
+            </a:gs>
+          </a:gsLst>
+          <a:lin ang="16200000" scaled="0"/>
+        </a:gradFill>
+        <a:ln>
+          <a:noFill/>
+        </a:ln>
+        <a:effectLst>
+          <a:outerShdw blurRad="40000" dist="23000" dir="5400000" rotWithShape="0">
+            <a:srgbClr val="000000">
+              <a:alpha val="35000"/>
+            </a:srgbClr>
+          </a:outerShdw>
+        </a:effectLst>
+      </dsp:spPr>
+      <dsp:style>
+        <a:lnRef idx="0">
+          <a:scrgbClr r="0" g="0" b="0"/>
+        </a:lnRef>
+        <a:fillRef idx="3">
+          <a:scrgbClr r="0" g="0" b="0"/>
+        </a:fillRef>
+        <a:effectRef idx="2">
+          <a:scrgbClr r="0" g="0" b="0"/>
+        </a:effectRef>
+        <a:fontRef idx="minor">
+          <a:schemeClr val="lt1"/>
+        </a:fontRef>
+      </dsp:style>
+    </dsp:sp>
+    <dsp:sp modelId="{C2C1A37D-940A-6743-AC99-D92FAAA879A9}">
+      <dsp:nvSpPr>
+        <dsp:cNvPr id="0" name=""/>
+        <dsp:cNvSpPr/>
+      </dsp:nvSpPr>
+      <dsp:spPr>
+        <a:xfrm>
+          <a:off x="140642" y="2509552"/>
+          <a:ext cx="1244084" cy="789993"/>
+        </a:xfrm>
+        <a:prstGeom prst="roundRect">
+          <a:avLst>
+            <a:gd name="adj" fmla="val 10000"/>
+          </a:avLst>
+        </a:prstGeom>
+        <a:solidFill>
+          <a:schemeClr val="lt1">
+            <a:alpha val="90000"/>
+            <a:hueOff val="0"/>
+            <a:satOff val="0"/>
+            <a:lumOff val="0"/>
+            <a:alphaOff val="0"/>
+          </a:schemeClr>
+        </a:solidFill>
+        <a:ln w="9525" cap="flat" cmpd="sng" algn="ctr">
+          <a:solidFill>
+            <a:schemeClr val="accent1">
+              <a:hueOff val="0"/>
+              <a:satOff val="0"/>
+              <a:lumOff val="0"/>
+              <a:alphaOff val="0"/>
+            </a:schemeClr>
+          </a:solidFill>
+          <a:prstDash val="solid"/>
+        </a:ln>
+        <a:effectLst/>
+      </dsp:spPr>
+      <dsp:style>
+        <a:lnRef idx="1">
+          <a:scrgbClr r="0" g="0" b="0"/>
+        </a:lnRef>
+        <a:fillRef idx="1">
+          <a:scrgbClr r="0" g="0" b="0"/>
+        </a:fillRef>
+        <a:effectRef idx="0">
+          <a:scrgbClr r="0" g="0" b="0"/>
+        </a:effectRef>
+        <a:fontRef idx="minor"/>
+      </dsp:style>
+      <dsp:txBody>
+        <a:bodyPr spcFirstLastPara="0" vert="horz" wrap="square" lIns="76200" tIns="76200" rIns="76200" bIns="76200" numCol="1" spcCol="1270" anchor="ctr" anchorCtr="0">
+          <a:noAutofit/>
+        </a:bodyPr>
+        <a:lstStyle/>
+        <a:p>
+          <a:pPr lvl="0" algn="ctr" defTabSz="889000">
+            <a:lnSpc>
+              <a:spcPct val="90000"/>
+            </a:lnSpc>
+            <a:spcBef>
+              <a:spcPct val="0"/>
+            </a:spcBef>
+            <a:spcAft>
+              <a:spcPct val="35000"/>
+            </a:spcAft>
+          </a:pPr>
+          <a:r>
+            <a:rPr lang="en-US" sz="2000" kern="1200" dirty="0" smtClean="0"/>
+            <a:t>Whole</a:t>
+          </a:r>
+          <a:endParaRPr lang="en-US" sz="2000" kern="1200" dirty="0"/>
+        </a:p>
+      </dsp:txBody>
+      <dsp:txXfrm>
+        <a:off x="163780" y="2532690"/>
+        <a:ext cx="1197808" cy="743717"/>
+      </dsp:txXfrm>
+    </dsp:sp>
+    <dsp:sp modelId="{42E6176C-3E48-2248-9A2F-70DD7DB88292}">
+      <dsp:nvSpPr>
+        <dsp:cNvPr id="0" name=""/>
+        <dsp:cNvSpPr/>
+      </dsp:nvSpPr>
+      <dsp:spPr>
+        <a:xfrm>
+          <a:off x="1522958" y="2378232"/>
+          <a:ext cx="1244084" cy="789993"/>
+        </a:xfrm>
+        <a:prstGeom prst="roundRect">
+          <a:avLst>
+            <a:gd name="adj" fmla="val 10000"/>
+          </a:avLst>
+        </a:prstGeom>
+        <a:gradFill rotWithShape="0">
+          <a:gsLst>
+            <a:gs pos="0">
+              <a:schemeClr val="accent1">
+                <a:hueOff val="0"/>
+                <a:satOff val="0"/>
+                <a:lumOff val="0"/>
+                <a:alphaOff val="0"/>
+                <a:tint val="100000"/>
+                <a:shade val="100000"/>
+                <a:satMod val="130000"/>
+              </a:schemeClr>
+            </a:gs>
+            <a:gs pos="100000">
+              <a:schemeClr val="accent1">
+                <a:hueOff val="0"/>
+                <a:satOff val="0"/>
+                <a:lumOff val="0"/>
+                <a:alphaOff val="0"/>
+                <a:tint val="50000"/>
+                <a:shade val="100000"/>
+                <a:satMod val="350000"/>
+              </a:schemeClr>
+            </a:gs>
+          </a:gsLst>
+          <a:lin ang="16200000" scaled="0"/>
+        </a:gradFill>
+        <a:ln>
+          <a:noFill/>
+        </a:ln>
+        <a:effectLst>
+          <a:outerShdw blurRad="40000" dist="23000" dir="5400000" rotWithShape="0">
+            <a:srgbClr val="000000">
+              <a:alpha val="35000"/>
+            </a:srgbClr>
+          </a:outerShdw>
+        </a:effectLst>
+      </dsp:spPr>
+      <dsp:style>
+        <a:lnRef idx="0">
+          <a:scrgbClr r="0" g="0" b="0"/>
+        </a:lnRef>
+        <a:fillRef idx="3">
+          <a:scrgbClr r="0" g="0" b="0"/>
+        </a:fillRef>
+        <a:effectRef idx="2">
+          <a:scrgbClr r="0" g="0" b="0"/>
+        </a:effectRef>
+        <a:fontRef idx="minor">
+          <a:schemeClr val="lt1"/>
+        </a:fontRef>
+      </dsp:style>
+    </dsp:sp>
+    <dsp:sp modelId="{0B86410B-498D-AB4D-9967-4C4AEDB1DF45}">
+      <dsp:nvSpPr>
+        <dsp:cNvPr id="0" name=""/>
+        <dsp:cNvSpPr/>
+      </dsp:nvSpPr>
+      <dsp:spPr>
+        <a:xfrm>
+          <a:off x="1661189" y="2509552"/>
+          <a:ext cx="1244084" cy="789993"/>
+        </a:xfrm>
+        <a:prstGeom prst="roundRect">
+          <a:avLst>
+            <a:gd name="adj" fmla="val 10000"/>
+          </a:avLst>
+        </a:prstGeom>
+        <a:solidFill>
+          <a:schemeClr val="lt1">
+            <a:alpha val="90000"/>
+            <a:hueOff val="0"/>
+            <a:satOff val="0"/>
+            <a:lumOff val="0"/>
+            <a:alphaOff val="0"/>
+          </a:schemeClr>
+        </a:solidFill>
+        <a:ln w="9525" cap="flat" cmpd="sng" algn="ctr">
+          <a:solidFill>
+            <a:schemeClr val="accent1">
+              <a:hueOff val="0"/>
+              <a:satOff val="0"/>
+              <a:lumOff val="0"/>
+              <a:alphaOff val="0"/>
+            </a:schemeClr>
+          </a:solidFill>
+          <a:prstDash val="solid"/>
+        </a:ln>
+        <a:effectLst/>
+      </dsp:spPr>
+      <dsp:style>
+        <a:lnRef idx="1">
+          <a:scrgbClr r="0" g="0" b="0"/>
+        </a:lnRef>
+        <a:fillRef idx="1">
+          <a:scrgbClr r="0" g="0" b="0"/>
+        </a:fillRef>
+        <a:effectRef idx="0">
+          <a:scrgbClr r="0" g="0" b="0"/>
+        </a:effectRef>
+        <a:fontRef idx="minor"/>
+      </dsp:style>
+      <dsp:txBody>
+        <a:bodyPr spcFirstLastPara="0" vert="horz" wrap="square" lIns="76200" tIns="76200" rIns="76200" bIns="76200" numCol="1" spcCol="1270" anchor="ctr" anchorCtr="0">
+          <a:noAutofit/>
+        </a:bodyPr>
+        <a:lstStyle/>
+        <a:p>
+          <a:pPr lvl="0" algn="ctr" defTabSz="889000">
+            <a:lnSpc>
+              <a:spcPct val="90000"/>
+            </a:lnSpc>
+            <a:spcBef>
+              <a:spcPct val="0"/>
+            </a:spcBef>
+            <a:spcAft>
+              <a:spcPct val="35000"/>
+            </a:spcAft>
+          </a:pPr>
+          <a:r>
+            <a:rPr lang="en-US" sz="2000" kern="1200" dirty="0" smtClean="0"/>
+            <a:t>Float</a:t>
+          </a:r>
+          <a:endParaRPr lang="en-US" sz="2000" kern="1200" dirty="0"/>
+        </a:p>
+      </dsp:txBody>
+      <dsp:txXfrm>
+        <a:off x="1684327" y="2532690"/>
+        <a:ext cx="1197808" cy="743717"/>
+      </dsp:txXfrm>
+    </dsp:sp>
+    <dsp:sp modelId="{E4637EFB-2FAA-3446-8FC9-AD7B8E683EE6}">
+      <dsp:nvSpPr>
+        <dsp:cNvPr id="0" name=""/>
+        <dsp:cNvSpPr/>
+      </dsp:nvSpPr>
+      <dsp:spPr>
+        <a:xfrm>
+          <a:off x="2283231" y="1226417"/>
+          <a:ext cx="1244084" cy="789993"/>
+        </a:xfrm>
+        <a:prstGeom prst="roundRect">
+          <a:avLst>
+            <a:gd name="adj" fmla="val 10000"/>
+          </a:avLst>
+        </a:prstGeom>
+        <a:gradFill rotWithShape="0">
+          <a:gsLst>
+            <a:gs pos="0">
+              <a:schemeClr val="accent1">
+                <a:hueOff val="0"/>
+                <a:satOff val="0"/>
+                <a:lumOff val="0"/>
+                <a:alphaOff val="0"/>
+                <a:tint val="100000"/>
+                <a:shade val="100000"/>
+                <a:satMod val="130000"/>
+              </a:schemeClr>
+            </a:gs>
+            <a:gs pos="100000">
+              <a:schemeClr val="accent1">
+                <a:hueOff val="0"/>
+                <a:satOff val="0"/>
+                <a:lumOff val="0"/>
+                <a:alphaOff val="0"/>
+                <a:tint val="50000"/>
+                <a:shade val="100000"/>
+                <a:satMod val="350000"/>
+              </a:schemeClr>
+            </a:gs>
+          </a:gsLst>
+          <a:lin ang="16200000" scaled="0"/>
+        </a:gradFill>
+        <a:ln>
+          <a:noFill/>
+        </a:ln>
+        <a:effectLst>
+          <a:outerShdw blurRad="40000" dist="23000" dir="5400000" rotWithShape="0">
+            <a:srgbClr val="000000">
+              <a:alpha val="35000"/>
+            </a:srgbClr>
+          </a:outerShdw>
+        </a:effectLst>
+      </dsp:spPr>
+      <dsp:style>
+        <a:lnRef idx="0">
+          <a:scrgbClr r="0" g="0" b="0"/>
+        </a:lnRef>
+        <a:fillRef idx="3">
+          <a:scrgbClr r="0" g="0" b="0"/>
+        </a:fillRef>
+        <a:effectRef idx="2">
+          <a:scrgbClr r="0" g="0" b="0"/>
+        </a:effectRef>
+        <a:fontRef idx="minor">
+          <a:schemeClr val="lt1"/>
+        </a:fontRef>
+      </dsp:style>
+    </dsp:sp>
+    <dsp:sp modelId="{0FEFC8CB-58CB-4A43-9867-EED6738F0C0F}">
+      <dsp:nvSpPr>
+        <dsp:cNvPr id="0" name=""/>
+        <dsp:cNvSpPr/>
+      </dsp:nvSpPr>
+      <dsp:spPr>
+        <a:xfrm>
+          <a:off x="2421463" y="1357737"/>
+          <a:ext cx="1244084" cy="789993"/>
+        </a:xfrm>
+        <a:prstGeom prst="roundRect">
+          <a:avLst>
+            <a:gd name="adj" fmla="val 10000"/>
+          </a:avLst>
+        </a:prstGeom>
+        <a:solidFill>
+          <a:schemeClr val="lt1">
+            <a:alpha val="90000"/>
+            <a:hueOff val="0"/>
+            <a:satOff val="0"/>
+            <a:lumOff val="0"/>
+            <a:alphaOff val="0"/>
+          </a:schemeClr>
+        </a:solidFill>
+        <a:ln w="9525" cap="flat" cmpd="sng" algn="ctr">
+          <a:solidFill>
+            <a:schemeClr val="accent1">
+              <a:hueOff val="0"/>
+              <a:satOff val="0"/>
+              <a:lumOff val="0"/>
+              <a:alphaOff val="0"/>
+            </a:schemeClr>
+          </a:solidFill>
+          <a:prstDash val="solid"/>
+        </a:ln>
+        <a:effectLst/>
+      </dsp:spPr>
+      <dsp:style>
+        <a:lnRef idx="1">
+          <a:scrgbClr r="0" g="0" b="0"/>
+        </a:lnRef>
+        <a:fillRef idx="1">
+          <a:scrgbClr r="0" g="0" b="0"/>
+        </a:fillRef>
+        <a:effectRef idx="0">
+          <a:scrgbClr r="0" g="0" b="0"/>
+        </a:effectRef>
+        <a:fontRef idx="minor"/>
+      </dsp:style>
+      <dsp:txBody>
+        <a:bodyPr spcFirstLastPara="0" vert="horz" wrap="square" lIns="76200" tIns="76200" rIns="76200" bIns="76200" numCol="1" spcCol="1270" anchor="ctr" anchorCtr="0">
+          <a:noAutofit/>
+        </a:bodyPr>
+        <a:lstStyle/>
+        <a:p>
+          <a:pPr lvl="0" algn="ctr" defTabSz="889000">
+            <a:lnSpc>
+              <a:spcPct val="90000"/>
+            </a:lnSpc>
+            <a:spcBef>
+              <a:spcPct val="0"/>
+            </a:spcBef>
+            <a:spcAft>
+              <a:spcPct val="35000"/>
+            </a:spcAft>
+          </a:pPr>
+          <a:r>
+            <a:rPr lang="en-US" sz="2000" kern="1200" dirty="0" smtClean="0"/>
+            <a:t>String</a:t>
+          </a:r>
+          <a:endParaRPr lang="en-US" sz="2000" kern="1200" dirty="0"/>
+        </a:p>
+      </dsp:txBody>
+      <dsp:txXfrm>
+        <a:off x="2444601" y="1380875"/>
+        <a:ext cx="1197808" cy="743717"/>
+      </dsp:txXfrm>
+    </dsp:sp>
+    <dsp:sp modelId="{742E8093-E526-D748-A87A-DEAD1A9F1F6D}">
+      <dsp:nvSpPr>
+        <dsp:cNvPr id="0" name=""/>
+        <dsp:cNvSpPr/>
+      </dsp:nvSpPr>
+      <dsp:spPr>
+        <a:xfrm>
+          <a:off x="3803778" y="1226417"/>
+          <a:ext cx="1244084" cy="789993"/>
+        </a:xfrm>
+        <a:prstGeom prst="roundRect">
+          <a:avLst>
+            <a:gd name="adj" fmla="val 10000"/>
+          </a:avLst>
+        </a:prstGeom>
+        <a:gradFill rotWithShape="0">
+          <a:gsLst>
+            <a:gs pos="0">
+              <a:schemeClr val="accent1">
+                <a:hueOff val="0"/>
+                <a:satOff val="0"/>
+                <a:lumOff val="0"/>
+                <a:alphaOff val="0"/>
+                <a:tint val="100000"/>
+                <a:shade val="100000"/>
+                <a:satMod val="130000"/>
+              </a:schemeClr>
+            </a:gs>
+            <a:gs pos="100000">
+              <a:schemeClr val="accent1">
+                <a:hueOff val="0"/>
+                <a:satOff val="0"/>
+                <a:lumOff val="0"/>
+                <a:alphaOff val="0"/>
+                <a:tint val="50000"/>
+                <a:shade val="100000"/>
+                <a:satMod val="350000"/>
+              </a:schemeClr>
+            </a:gs>
+          </a:gsLst>
+          <a:lin ang="16200000" scaled="0"/>
+        </a:gradFill>
+        <a:ln>
+          <a:noFill/>
+        </a:ln>
+        <a:effectLst>
+          <a:outerShdw blurRad="40000" dist="23000" dir="5400000" rotWithShape="0">
+            <a:srgbClr val="000000">
+              <a:alpha val="35000"/>
+            </a:srgbClr>
+          </a:outerShdw>
+        </a:effectLst>
+      </dsp:spPr>
+      <dsp:style>
+        <a:lnRef idx="0">
+          <a:scrgbClr r="0" g="0" b="0"/>
+        </a:lnRef>
+        <a:fillRef idx="3">
+          <a:scrgbClr r="0" g="0" b="0"/>
+        </a:fillRef>
+        <a:effectRef idx="2">
+          <a:scrgbClr r="0" g="0" b="0"/>
+        </a:effectRef>
+        <a:fontRef idx="minor">
+          <a:schemeClr val="lt1"/>
+        </a:fontRef>
+      </dsp:style>
+    </dsp:sp>
+    <dsp:sp modelId="{D86CCABB-994E-2B44-9B36-549A167DC946}">
+      <dsp:nvSpPr>
+        <dsp:cNvPr id="0" name=""/>
+        <dsp:cNvSpPr/>
+      </dsp:nvSpPr>
+      <dsp:spPr>
+        <a:xfrm>
+          <a:off x="3942010" y="1357737"/>
+          <a:ext cx="1244084" cy="789993"/>
+        </a:xfrm>
+        <a:prstGeom prst="roundRect">
+          <a:avLst>
+            <a:gd name="adj" fmla="val 10000"/>
+          </a:avLst>
+        </a:prstGeom>
+        <a:solidFill>
+          <a:schemeClr val="lt1">
+            <a:alpha val="90000"/>
+            <a:hueOff val="0"/>
+            <a:satOff val="0"/>
+            <a:lumOff val="0"/>
+            <a:alphaOff val="0"/>
+          </a:schemeClr>
+        </a:solidFill>
+        <a:ln w="9525" cap="flat" cmpd="sng" algn="ctr">
+          <a:solidFill>
+            <a:schemeClr val="accent1">
+              <a:hueOff val="0"/>
+              <a:satOff val="0"/>
+              <a:lumOff val="0"/>
+              <a:alphaOff val="0"/>
+            </a:schemeClr>
+          </a:solidFill>
+          <a:prstDash val="solid"/>
+        </a:ln>
+        <a:effectLst/>
+      </dsp:spPr>
+      <dsp:style>
+        <a:lnRef idx="1">
+          <a:scrgbClr r="0" g="0" b="0"/>
+        </a:lnRef>
+        <a:fillRef idx="1">
+          <a:scrgbClr r="0" g="0" b="0"/>
+        </a:fillRef>
+        <a:effectRef idx="0">
+          <a:scrgbClr r="0" g="0" b="0"/>
+        </a:effectRef>
+        <a:fontRef idx="minor"/>
+      </dsp:style>
+      <dsp:txBody>
+        <a:bodyPr spcFirstLastPara="0" vert="horz" wrap="square" lIns="76200" tIns="76200" rIns="76200" bIns="76200" numCol="1" spcCol="1270" anchor="ctr" anchorCtr="0">
+          <a:noAutofit/>
+        </a:bodyPr>
+        <a:lstStyle/>
+        <a:p>
+          <a:pPr lvl="0" algn="ctr" defTabSz="889000">
+            <a:lnSpc>
+              <a:spcPct val="90000"/>
+            </a:lnSpc>
+            <a:spcBef>
+              <a:spcPct val="0"/>
+            </a:spcBef>
+            <a:spcAft>
+              <a:spcPct val="35000"/>
+            </a:spcAft>
+          </a:pPr>
+          <a:r>
+            <a:rPr lang="en-US" sz="2000" kern="1200" dirty="0" smtClean="0"/>
+            <a:t>Boolean</a:t>
+          </a:r>
+          <a:endParaRPr lang="en-US" sz="2000" kern="1200" dirty="0"/>
+        </a:p>
+      </dsp:txBody>
+      <dsp:txXfrm>
+        <a:off x="3965148" y="1380875"/>
+        <a:ext cx="1197808" cy="743717"/>
+      </dsp:txXfrm>
+    </dsp:sp>
+    <dsp:sp modelId="{419941D0-E8C4-AB44-9E78-DAAEB48DEBBF}">
+      <dsp:nvSpPr>
+        <dsp:cNvPr id="0" name=""/>
+        <dsp:cNvSpPr/>
+      </dsp:nvSpPr>
+      <dsp:spPr>
+        <a:xfrm>
+          <a:off x="5324326" y="1226417"/>
+          <a:ext cx="1244084" cy="789993"/>
+        </a:xfrm>
+        <a:prstGeom prst="roundRect">
+          <a:avLst>
+            <a:gd name="adj" fmla="val 10000"/>
+          </a:avLst>
+        </a:prstGeom>
+        <a:gradFill rotWithShape="0">
+          <a:gsLst>
+            <a:gs pos="0">
+              <a:schemeClr val="accent1">
+                <a:hueOff val="0"/>
+                <a:satOff val="0"/>
+                <a:lumOff val="0"/>
+                <a:alphaOff val="0"/>
+                <a:tint val="100000"/>
+                <a:shade val="100000"/>
+                <a:satMod val="130000"/>
+              </a:schemeClr>
+            </a:gs>
+            <a:gs pos="100000">
+              <a:schemeClr val="accent1">
+                <a:hueOff val="0"/>
+                <a:satOff val="0"/>
+                <a:lumOff val="0"/>
+                <a:alphaOff val="0"/>
+                <a:tint val="50000"/>
+                <a:shade val="100000"/>
+                <a:satMod val="350000"/>
+              </a:schemeClr>
+            </a:gs>
+          </a:gsLst>
+          <a:lin ang="16200000" scaled="0"/>
+        </a:gradFill>
+        <a:ln>
+          <a:noFill/>
+        </a:ln>
+        <a:effectLst>
+          <a:outerShdw blurRad="40000" dist="23000" dir="5400000" rotWithShape="0">
+            <a:srgbClr val="000000">
+              <a:alpha val="35000"/>
+            </a:srgbClr>
+          </a:outerShdw>
+        </a:effectLst>
+      </dsp:spPr>
+      <dsp:style>
+        <a:lnRef idx="0">
+          <a:scrgbClr r="0" g="0" b="0"/>
+        </a:lnRef>
+        <a:fillRef idx="3">
+          <a:scrgbClr r="0" g="0" b="0"/>
+        </a:fillRef>
+        <a:effectRef idx="2">
+          <a:scrgbClr r="0" g="0" b="0"/>
+        </a:effectRef>
+        <a:fontRef idx="minor">
+          <a:schemeClr val="lt1"/>
+        </a:fontRef>
+      </dsp:style>
+    </dsp:sp>
+    <dsp:sp modelId="{6603764C-B415-664F-8885-A7DAA8CAF3E7}">
+      <dsp:nvSpPr>
+        <dsp:cNvPr id="0" name=""/>
+        <dsp:cNvSpPr/>
+      </dsp:nvSpPr>
+      <dsp:spPr>
+        <a:xfrm>
+          <a:off x="5462557" y="1357737"/>
+          <a:ext cx="1244084" cy="789993"/>
+        </a:xfrm>
+        <a:prstGeom prst="roundRect">
+          <a:avLst>
+            <a:gd name="adj" fmla="val 10000"/>
+          </a:avLst>
+        </a:prstGeom>
+        <a:solidFill>
+          <a:schemeClr val="lt1">
+            <a:alpha val="90000"/>
+            <a:hueOff val="0"/>
+            <a:satOff val="0"/>
+            <a:lumOff val="0"/>
+            <a:alphaOff val="0"/>
+          </a:schemeClr>
+        </a:solidFill>
+        <a:ln w="9525" cap="flat" cmpd="sng" algn="ctr">
+          <a:solidFill>
+            <a:schemeClr val="accent1">
+              <a:hueOff val="0"/>
+              <a:satOff val="0"/>
+              <a:lumOff val="0"/>
+              <a:alphaOff val="0"/>
+            </a:schemeClr>
+          </a:solidFill>
+          <a:prstDash val="solid"/>
+        </a:ln>
+        <a:effectLst/>
+      </dsp:spPr>
+      <dsp:style>
+        <a:lnRef idx="1">
+          <a:scrgbClr r="0" g="0" b="0"/>
+        </a:lnRef>
+        <a:fillRef idx="1">
+          <a:scrgbClr r="0" g="0" b="0"/>
+        </a:fillRef>
+        <a:effectRef idx="0">
+          <a:scrgbClr r="0" g="0" b="0"/>
+        </a:effectRef>
+        <a:fontRef idx="minor"/>
+      </dsp:style>
+      <dsp:txBody>
+        <a:bodyPr spcFirstLastPara="0" vert="horz" wrap="square" lIns="76200" tIns="76200" rIns="76200" bIns="76200" numCol="1" spcCol="1270" anchor="ctr" anchorCtr="0">
+          <a:noAutofit/>
+        </a:bodyPr>
+        <a:lstStyle/>
+        <a:p>
+          <a:pPr lvl="0" algn="ctr" defTabSz="889000">
+            <a:lnSpc>
+              <a:spcPct val="90000"/>
+            </a:lnSpc>
+            <a:spcBef>
+              <a:spcPct val="0"/>
+            </a:spcBef>
+            <a:spcAft>
+              <a:spcPct val="35000"/>
+            </a:spcAft>
+          </a:pPr>
+          <a:r>
+            <a:rPr lang="en-US" sz="2000" kern="1200" dirty="0" smtClean="0"/>
+            <a:t>Object</a:t>
+          </a:r>
+          <a:endParaRPr lang="en-US" sz="2000" kern="1200" dirty="0"/>
+        </a:p>
+      </dsp:txBody>
+      <dsp:txXfrm>
+        <a:off x="5485695" y="1380875"/>
+        <a:ext cx="1197808" cy="743717"/>
+      </dsp:txXfrm>
+    </dsp:sp>
+    <dsp:sp modelId="{BED1AD82-3EAF-DA47-9563-265E07F41880}">
+      <dsp:nvSpPr>
+        <dsp:cNvPr id="0" name=""/>
+        <dsp:cNvSpPr/>
+      </dsp:nvSpPr>
+      <dsp:spPr>
+        <a:xfrm>
+          <a:off x="3803778" y="2378232"/>
+          <a:ext cx="1244084" cy="789993"/>
+        </a:xfrm>
+        <a:prstGeom prst="roundRect">
+          <a:avLst>
+            <a:gd name="adj" fmla="val 10000"/>
+          </a:avLst>
+        </a:prstGeom>
+        <a:gradFill rotWithShape="0">
+          <a:gsLst>
+            <a:gs pos="0">
+              <a:schemeClr val="accent1">
+                <a:hueOff val="0"/>
+                <a:satOff val="0"/>
+                <a:lumOff val="0"/>
+                <a:alphaOff val="0"/>
+                <a:tint val="100000"/>
+                <a:shade val="100000"/>
+                <a:satMod val="130000"/>
+              </a:schemeClr>
+            </a:gs>
+            <a:gs pos="100000">
+              <a:schemeClr val="accent1">
+                <a:hueOff val="0"/>
+                <a:satOff val="0"/>
+                <a:lumOff val="0"/>
+                <a:alphaOff val="0"/>
+                <a:tint val="50000"/>
+                <a:shade val="100000"/>
+                <a:satMod val="350000"/>
+              </a:schemeClr>
+            </a:gs>
+          </a:gsLst>
+          <a:lin ang="16200000" scaled="0"/>
+        </a:gradFill>
+        <a:ln>
+          <a:noFill/>
+        </a:ln>
+        <a:effectLst>
+          <a:outerShdw blurRad="40000" dist="23000" dir="5400000" rotWithShape="0">
+            <a:srgbClr val="000000">
+              <a:alpha val="35000"/>
+            </a:srgbClr>
+          </a:outerShdw>
+        </a:effectLst>
+      </dsp:spPr>
+      <dsp:style>
+        <a:lnRef idx="0">
+          <a:scrgbClr r="0" g="0" b="0"/>
+        </a:lnRef>
+        <a:fillRef idx="3">
+          <a:scrgbClr r="0" g="0" b="0"/>
+        </a:fillRef>
+        <a:effectRef idx="2">
+          <a:scrgbClr r="0" g="0" b="0"/>
+        </a:effectRef>
+        <a:fontRef idx="minor">
+          <a:schemeClr val="lt1"/>
+        </a:fontRef>
+      </dsp:style>
+    </dsp:sp>
+    <dsp:sp modelId="{AD6B8219-1F5B-DA4F-B261-22B5D0551A94}">
+      <dsp:nvSpPr>
+        <dsp:cNvPr id="0" name=""/>
+        <dsp:cNvSpPr/>
+      </dsp:nvSpPr>
+      <dsp:spPr>
+        <a:xfrm>
+          <a:off x="3942010" y="2509552"/>
+          <a:ext cx="1244084" cy="789993"/>
+        </a:xfrm>
+        <a:prstGeom prst="roundRect">
+          <a:avLst>
+            <a:gd name="adj" fmla="val 10000"/>
+          </a:avLst>
+        </a:prstGeom>
+        <a:solidFill>
+          <a:schemeClr val="lt1">
+            <a:alpha val="90000"/>
+            <a:hueOff val="0"/>
+            <a:satOff val="0"/>
+            <a:lumOff val="0"/>
+            <a:alphaOff val="0"/>
+          </a:schemeClr>
+        </a:solidFill>
+        <a:ln w="9525" cap="flat" cmpd="sng" algn="ctr">
+          <a:solidFill>
+            <a:schemeClr val="accent1">
+              <a:hueOff val="0"/>
+              <a:satOff val="0"/>
+              <a:lumOff val="0"/>
+              <a:alphaOff val="0"/>
+            </a:schemeClr>
+          </a:solidFill>
+          <a:prstDash val="solid"/>
+        </a:ln>
+        <a:effectLst/>
+      </dsp:spPr>
+      <dsp:style>
+        <a:lnRef idx="1">
+          <a:scrgbClr r="0" g="0" b="0"/>
+        </a:lnRef>
+        <a:fillRef idx="1">
+          <a:scrgbClr r="0" g="0" b="0"/>
+        </a:fillRef>
+        <a:effectRef idx="0">
+          <a:scrgbClr r="0" g="0" b="0"/>
+        </a:effectRef>
+        <a:fontRef idx="minor"/>
+      </dsp:style>
+      <dsp:txBody>
+        <a:bodyPr spcFirstLastPara="0" vert="horz" wrap="square" lIns="76200" tIns="76200" rIns="76200" bIns="76200" numCol="1" spcCol="1270" anchor="ctr" anchorCtr="0">
+          <a:noAutofit/>
+        </a:bodyPr>
+        <a:lstStyle/>
+        <a:p>
+          <a:pPr lvl="0" algn="ctr" defTabSz="889000">
+            <a:lnSpc>
+              <a:spcPct val="90000"/>
+            </a:lnSpc>
+            <a:spcBef>
+              <a:spcPct val="0"/>
+            </a:spcBef>
+            <a:spcAft>
+              <a:spcPct val="35000"/>
+            </a:spcAft>
+          </a:pPr>
+          <a:r>
+            <a:rPr lang="en-US" sz="2000" kern="1200" dirty="0" smtClean="0"/>
+            <a:t>Date</a:t>
+          </a:r>
+          <a:endParaRPr lang="en-US" sz="2000" kern="1200" dirty="0"/>
+        </a:p>
+      </dsp:txBody>
+      <dsp:txXfrm>
+        <a:off x="3965148" y="2532690"/>
+        <a:ext cx="1197808" cy="743717"/>
+      </dsp:txXfrm>
+    </dsp:sp>
+    <dsp:sp modelId="{E43BE145-21E5-5543-9A7D-46DE44FE97A7}">
+      <dsp:nvSpPr>
+        <dsp:cNvPr id="0" name=""/>
+        <dsp:cNvSpPr/>
+      </dsp:nvSpPr>
+      <dsp:spPr>
+        <a:xfrm>
+          <a:off x="5324326" y="2378232"/>
+          <a:ext cx="1244084" cy="789993"/>
+        </a:xfrm>
+        <a:prstGeom prst="roundRect">
+          <a:avLst>
+            <a:gd name="adj" fmla="val 10000"/>
+          </a:avLst>
+        </a:prstGeom>
+        <a:gradFill rotWithShape="0">
+          <a:gsLst>
+            <a:gs pos="0">
+              <a:schemeClr val="accent1">
+                <a:hueOff val="0"/>
+                <a:satOff val="0"/>
+                <a:lumOff val="0"/>
+                <a:alphaOff val="0"/>
+                <a:tint val="100000"/>
+                <a:shade val="100000"/>
+                <a:satMod val="130000"/>
+              </a:schemeClr>
+            </a:gs>
+            <a:gs pos="100000">
+              <a:schemeClr val="accent1">
+                <a:hueOff val="0"/>
+                <a:satOff val="0"/>
+                <a:lumOff val="0"/>
+                <a:alphaOff val="0"/>
+                <a:tint val="50000"/>
+                <a:shade val="100000"/>
+                <a:satMod val="350000"/>
+              </a:schemeClr>
+            </a:gs>
+          </a:gsLst>
+          <a:lin ang="16200000" scaled="0"/>
+        </a:gradFill>
+        <a:ln>
+          <a:noFill/>
+        </a:ln>
+        <a:effectLst>
+          <a:outerShdw blurRad="40000" dist="23000" dir="5400000" rotWithShape="0">
+            <a:srgbClr val="000000">
+              <a:alpha val="35000"/>
+            </a:srgbClr>
+          </a:outerShdw>
+        </a:effectLst>
+      </dsp:spPr>
+      <dsp:style>
+        <a:lnRef idx="0">
+          <a:scrgbClr r="0" g="0" b="0"/>
+        </a:lnRef>
+        <a:fillRef idx="3">
+          <a:scrgbClr r="0" g="0" b="0"/>
+        </a:fillRef>
+        <a:effectRef idx="2">
+          <a:scrgbClr r="0" g="0" b="0"/>
+        </a:effectRef>
+        <a:fontRef idx="minor">
+          <a:schemeClr val="lt1"/>
+        </a:fontRef>
+      </dsp:style>
+    </dsp:sp>
+    <dsp:sp modelId="{EBC8209D-BB74-B44A-A57A-C51ABEDBBAE8}">
+      <dsp:nvSpPr>
+        <dsp:cNvPr id="0" name=""/>
+        <dsp:cNvSpPr/>
+      </dsp:nvSpPr>
+      <dsp:spPr>
+        <a:xfrm>
+          <a:off x="5462557" y="2509552"/>
+          <a:ext cx="1244084" cy="789993"/>
+        </a:xfrm>
+        <a:prstGeom prst="roundRect">
+          <a:avLst>
+            <a:gd name="adj" fmla="val 10000"/>
+          </a:avLst>
+        </a:prstGeom>
+        <a:solidFill>
+          <a:schemeClr val="lt1">
+            <a:alpha val="90000"/>
+            <a:hueOff val="0"/>
+            <a:satOff val="0"/>
+            <a:lumOff val="0"/>
+            <a:alphaOff val="0"/>
+          </a:schemeClr>
+        </a:solidFill>
+        <a:ln w="9525" cap="flat" cmpd="sng" algn="ctr">
+          <a:solidFill>
+            <a:schemeClr val="accent1">
+              <a:hueOff val="0"/>
+              <a:satOff val="0"/>
+              <a:lumOff val="0"/>
+              <a:alphaOff val="0"/>
+            </a:schemeClr>
+          </a:solidFill>
+          <a:prstDash val="solid"/>
+        </a:ln>
+        <a:effectLst/>
+      </dsp:spPr>
+      <dsp:style>
+        <a:lnRef idx="1">
+          <a:scrgbClr r="0" g="0" b="0"/>
+        </a:lnRef>
+        <a:fillRef idx="1">
+          <a:scrgbClr r="0" g="0" b="0"/>
+        </a:fillRef>
+        <a:effectRef idx="0">
+          <a:scrgbClr r="0" g="0" b="0"/>
+        </a:effectRef>
+        <a:fontRef idx="minor"/>
+      </dsp:style>
+      <dsp:txBody>
+        <a:bodyPr spcFirstLastPara="0" vert="horz" wrap="square" lIns="76200" tIns="76200" rIns="76200" bIns="76200" numCol="1" spcCol="1270" anchor="ctr" anchorCtr="0">
+          <a:noAutofit/>
+        </a:bodyPr>
+        <a:lstStyle/>
+        <a:p>
+          <a:pPr lvl="0" algn="ctr" defTabSz="889000">
+            <a:lnSpc>
+              <a:spcPct val="90000"/>
+            </a:lnSpc>
+            <a:spcBef>
+              <a:spcPct val="0"/>
+            </a:spcBef>
+            <a:spcAft>
+              <a:spcPct val="35000"/>
+            </a:spcAft>
+          </a:pPr>
+          <a:r>
+            <a:rPr lang="en-US" sz="2000" kern="1200" dirty="0" smtClean="0"/>
+            <a:t>Container</a:t>
+          </a:r>
+          <a:endParaRPr lang="en-US" sz="2000" kern="1200" dirty="0"/>
+        </a:p>
+      </dsp:txBody>
+      <dsp:txXfrm>
+        <a:off x="5485695" y="2532690"/>
+        <a:ext cx="1197808" cy="743717"/>
+      </dsp:txXfrm>
+    </dsp:sp>
+    <dsp:sp modelId="{6DF542D9-B5F6-214E-9CDE-F0A47E3A8ABC}">
+      <dsp:nvSpPr>
+        <dsp:cNvPr id="0" name=""/>
+        <dsp:cNvSpPr/>
+      </dsp:nvSpPr>
+      <dsp:spPr>
+        <a:xfrm>
+          <a:off x="4564052" y="3530046"/>
+          <a:ext cx="1244084" cy="789993"/>
+        </a:xfrm>
+        <a:prstGeom prst="roundRect">
+          <a:avLst>
+            <a:gd name="adj" fmla="val 10000"/>
+          </a:avLst>
+        </a:prstGeom>
+        <a:gradFill rotWithShape="0">
+          <a:gsLst>
+            <a:gs pos="0">
+              <a:schemeClr val="accent1">
+                <a:hueOff val="0"/>
+                <a:satOff val="0"/>
+                <a:lumOff val="0"/>
+                <a:alphaOff val="0"/>
+                <a:tint val="100000"/>
+                <a:shade val="100000"/>
+                <a:satMod val="130000"/>
+              </a:schemeClr>
+            </a:gs>
+            <a:gs pos="100000">
+              <a:schemeClr val="accent1">
+                <a:hueOff val="0"/>
+                <a:satOff val="0"/>
+                <a:lumOff val="0"/>
+                <a:alphaOff val="0"/>
+                <a:tint val="50000"/>
+                <a:shade val="100000"/>
+                <a:satMod val="350000"/>
+              </a:schemeClr>
+            </a:gs>
+          </a:gsLst>
+          <a:lin ang="16200000" scaled="0"/>
+        </a:gradFill>
+        <a:ln>
+          <a:noFill/>
+        </a:ln>
+        <a:effectLst>
+          <a:outerShdw blurRad="40000" dist="23000" dir="5400000" rotWithShape="0">
+            <a:srgbClr val="000000">
+              <a:alpha val="35000"/>
+            </a:srgbClr>
+          </a:outerShdw>
+        </a:effectLst>
+      </dsp:spPr>
+      <dsp:style>
+        <a:lnRef idx="0">
+          <a:scrgbClr r="0" g="0" b="0"/>
+        </a:lnRef>
+        <a:fillRef idx="3">
+          <a:scrgbClr r="0" g="0" b="0"/>
+        </a:fillRef>
+        <a:effectRef idx="2">
+          <a:scrgbClr r="0" g="0" b="0"/>
+        </a:effectRef>
+        <a:fontRef idx="minor">
+          <a:schemeClr val="lt1"/>
+        </a:fontRef>
+      </dsp:style>
+    </dsp:sp>
+    <dsp:sp modelId="{2246CDBD-2CA8-A34C-A89B-E32ACB07E97A}">
+      <dsp:nvSpPr>
+        <dsp:cNvPr id="0" name=""/>
+        <dsp:cNvSpPr/>
+      </dsp:nvSpPr>
+      <dsp:spPr>
+        <a:xfrm>
+          <a:off x="4702284" y="3661366"/>
+          <a:ext cx="1244084" cy="789993"/>
+        </a:xfrm>
+        <a:prstGeom prst="roundRect">
+          <a:avLst>
+            <a:gd name="adj" fmla="val 10000"/>
+          </a:avLst>
+        </a:prstGeom>
+        <a:solidFill>
+          <a:schemeClr val="lt1">
+            <a:alpha val="90000"/>
+            <a:hueOff val="0"/>
+            <a:satOff val="0"/>
+            <a:lumOff val="0"/>
+            <a:alphaOff val="0"/>
+          </a:schemeClr>
+        </a:solidFill>
+        <a:ln w="9525" cap="flat" cmpd="sng" algn="ctr">
+          <a:solidFill>
+            <a:schemeClr val="accent1">
+              <a:hueOff val="0"/>
+              <a:satOff val="0"/>
+              <a:lumOff val="0"/>
+              <a:alphaOff val="0"/>
+            </a:schemeClr>
+          </a:solidFill>
+          <a:prstDash val="solid"/>
+        </a:ln>
+        <a:effectLst/>
+      </dsp:spPr>
+      <dsp:style>
+        <a:lnRef idx="1">
+          <a:scrgbClr r="0" g="0" b="0"/>
+        </a:lnRef>
+        <a:fillRef idx="1">
+          <a:scrgbClr r="0" g="0" b="0"/>
+        </a:fillRef>
+        <a:effectRef idx="0">
+          <a:scrgbClr r="0" g="0" b="0"/>
+        </a:effectRef>
+        <a:fontRef idx="minor"/>
+      </dsp:style>
+      <dsp:txBody>
+        <a:bodyPr spcFirstLastPara="0" vert="horz" wrap="square" lIns="76200" tIns="76200" rIns="76200" bIns="76200" numCol="1" spcCol="1270" anchor="ctr" anchorCtr="0">
+          <a:noAutofit/>
+        </a:bodyPr>
+        <a:lstStyle/>
+        <a:p>
+          <a:pPr lvl="0" algn="ctr" defTabSz="889000">
+            <a:lnSpc>
+              <a:spcPct val="90000"/>
+            </a:lnSpc>
+            <a:spcBef>
+              <a:spcPct val="0"/>
+            </a:spcBef>
+            <a:spcAft>
+              <a:spcPct val="35000"/>
+            </a:spcAft>
+          </a:pPr>
+          <a:r>
+            <a:rPr lang="en-US" sz="2000" kern="1200" dirty="0" smtClean="0"/>
+            <a:t>Array</a:t>
+          </a:r>
+          <a:endParaRPr lang="en-US" sz="2000" kern="1200" dirty="0"/>
+        </a:p>
+      </dsp:txBody>
+      <dsp:txXfrm>
+        <a:off x="4725422" y="3684504"/>
+        <a:ext cx="1197808" cy="743717"/>
+      </dsp:txXfrm>
+    </dsp:sp>
+    <dsp:sp modelId="{7591B2A4-9F4B-F245-820A-E182736ED0B3}">
+      <dsp:nvSpPr>
+        <dsp:cNvPr id="0" name=""/>
+        <dsp:cNvSpPr/>
+      </dsp:nvSpPr>
+      <dsp:spPr>
+        <a:xfrm>
+          <a:off x="6084599" y="3530046"/>
+          <a:ext cx="1244084" cy="789993"/>
+        </a:xfrm>
+        <a:prstGeom prst="roundRect">
+          <a:avLst>
+            <a:gd name="adj" fmla="val 10000"/>
+          </a:avLst>
+        </a:prstGeom>
+        <a:gradFill rotWithShape="0">
+          <a:gsLst>
+            <a:gs pos="0">
+              <a:schemeClr val="accent1">
+                <a:hueOff val="0"/>
+                <a:satOff val="0"/>
+                <a:lumOff val="0"/>
+                <a:alphaOff val="0"/>
+                <a:tint val="100000"/>
+                <a:shade val="100000"/>
+                <a:satMod val="130000"/>
+              </a:schemeClr>
+            </a:gs>
+            <a:gs pos="100000">
+              <a:schemeClr val="accent1">
+                <a:hueOff val="0"/>
+                <a:satOff val="0"/>
+                <a:lumOff val="0"/>
+                <a:alphaOff val="0"/>
+                <a:tint val="50000"/>
+                <a:shade val="100000"/>
+                <a:satMod val="350000"/>
+              </a:schemeClr>
+            </a:gs>
+          </a:gsLst>
+          <a:lin ang="16200000" scaled="0"/>
+        </a:gradFill>
+        <a:ln>
+          <a:noFill/>
+        </a:ln>
+        <a:effectLst>
+          <a:outerShdw blurRad="40000" dist="23000" dir="5400000" rotWithShape="0">
+            <a:srgbClr val="000000">
+              <a:alpha val="35000"/>
+            </a:srgbClr>
+          </a:outerShdw>
+        </a:effectLst>
+      </dsp:spPr>
+      <dsp:style>
+        <a:lnRef idx="0">
+          <a:scrgbClr r="0" g="0" b="0"/>
+        </a:lnRef>
+        <a:fillRef idx="3">
+          <a:scrgbClr r="0" g="0" b="0"/>
+        </a:fillRef>
+        <a:effectRef idx="2">
+          <a:scrgbClr r="0" g="0" b="0"/>
+        </a:effectRef>
+        <a:fontRef idx="minor">
+          <a:schemeClr val="lt1"/>
+        </a:fontRef>
+      </dsp:style>
+    </dsp:sp>
+    <dsp:sp modelId="{9152FE1E-3F9F-1945-845B-196FD4FE9E7F}">
+      <dsp:nvSpPr>
+        <dsp:cNvPr id="0" name=""/>
+        <dsp:cNvSpPr/>
+      </dsp:nvSpPr>
+      <dsp:spPr>
+        <a:xfrm>
+          <a:off x="6222831" y="3661366"/>
+          <a:ext cx="1244084" cy="789993"/>
+        </a:xfrm>
+        <a:prstGeom prst="roundRect">
+          <a:avLst>
+            <a:gd name="adj" fmla="val 10000"/>
+          </a:avLst>
+        </a:prstGeom>
+        <a:solidFill>
+          <a:schemeClr val="lt1">
+            <a:alpha val="90000"/>
+            <a:hueOff val="0"/>
+            <a:satOff val="0"/>
+            <a:lumOff val="0"/>
+            <a:alphaOff val="0"/>
+          </a:schemeClr>
+        </a:solidFill>
+        <a:ln w="9525" cap="flat" cmpd="sng" algn="ctr">
+          <a:solidFill>
+            <a:schemeClr val="accent1">
+              <a:hueOff val="0"/>
+              <a:satOff val="0"/>
+              <a:lumOff val="0"/>
+              <a:alphaOff val="0"/>
+            </a:schemeClr>
+          </a:solidFill>
+          <a:prstDash val="solid"/>
+        </a:ln>
+        <a:effectLst/>
+      </dsp:spPr>
+      <dsp:style>
+        <a:lnRef idx="1">
+          <a:scrgbClr r="0" g="0" b="0"/>
+        </a:lnRef>
+        <a:fillRef idx="1">
+          <a:scrgbClr r="0" g="0" b="0"/>
+        </a:fillRef>
+        <a:effectRef idx="0">
+          <a:scrgbClr r="0" g="0" b="0"/>
+        </a:effectRef>
+        <a:fontRef idx="minor"/>
+      </dsp:style>
+      <dsp:txBody>
+        <a:bodyPr spcFirstLastPara="0" vert="horz" wrap="square" lIns="76200" tIns="76200" rIns="76200" bIns="76200" numCol="1" spcCol="1270" anchor="ctr" anchorCtr="0">
+          <a:noAutofit/>
+        </a:bodyPr>
+        <a:lstStyle/>
+        <a:p>
+          <a:pPr lvl="0" algn="ctr" defTabSz="889000">
+            <a:lnSpc>
+              <a:spcPct val="90000"/>
+            </a:lnSpc>
+            <a:spcBef>
+              <a:spcPct val="0"/>
+            </a:spcBef>
+            <a:spcAft>
+              <a:spcPct val="35000"/>
+            </a:spcAft>
+          </a:pPr>
+          <a:r>
+            <a:rPr lang="en-US" sz="2000" kern="1200" dirty="0" smtClean="0"/>
+            <a:t>Hash</a:t>
+          </a:r>
+          <a:endParaRPr lang="en-US" sz="2000" kern="1200" dirty="0"/>
+        </a:p>
+      </dsp:txBody>
+      <dsp:txXfrm>
+        <a:off x="6245969" y="3684504"/>
+        <a:ext cx="1197808" cy="743717"/>
+      </dsp:txXfrm>
+    </dsp:sp>
+    <dsp:sp modelId="{05D36543-49E4-934D-B25C-1B6526CA4C89}">
+      <dsp:nvSpPr>
+        <dsp:cNvPr id="0" name=""/>
+        <dsp:cNvSpPr/>
+      </dsp:nvSpPr>
+      <dsp:spPr>
+        <a:xfrm>
+          <a:off x="6844873" y="2378232"/>
+          <a:ext cx="1244084" cy="789993"/>
+        </a:xfrm>
+        <a:prstGeom prst="roundRect">
+          <a:avLst>
+            <a:gd name="adj" fmla="val 10000"/>
+          </a:avLst>
+        </a:prstGeom>
+        <a:gradFill rotWithShape="0">
+          <a:gsLst>
+            <a:gs pos="0">
+              <a:schemeClr val="accent1">
+                <a:hueOff val="0"/>
+                <a:satOff val="0"/>
+                <a:lumOff val="0"/>
+                <a:alphaOff val="0"/>
+                <a:tint val="100000"/>
+                <a:shade val="100000"/>
+                <a:satMod val="130000"/>
+              </a:schemeClr>
+            </a:gs>
+            <a:gs pos="100000">
+              <a:schemeClr val="accent1">
+                <a:hueOff val="0"/>
+                <a:satOff val="0"/>
+                <a:lumOff val="0"/>
+                <a:alphaOff val="0"/>
+                <a:tint val="50000"/>
+                <a:shade val="100000"/>
+                <a:satMod val="350000"/>
+              </a:schemeClr>
+            </a:gs>
+          </a:gsLst>
+          <a:lin ang="16200000" scaled="0"/>
+        </a:gradFill>
+        <a:ln>
+          <a:noFill/>
+        </a:ln>
+        <a:effectLst>
+          <a:outerShdw blurRad="40000" dist="23000" dir="5400000" rotWithShape="0">
+            <a:srgbClr val="000000">
+              <a:alpha val="35000"/>
+            </a:srgbClr>
+          </a:outerShdw>
+        </a:effectLst>
+      </dsp:spPr>
+      <dsp:style>
+        <a:lnRef idx="0">
+          <a:scrgbClr r="0" g="0" b="0"/>
+        </a:lnRef>
+        <a:fillRef idx="3">
+          <a:scrgbClr r="0" g="0" b="0"/>
+        </a:fillRef>
+        <a:effectRef idx="2">
+          <a:scrgbClr r="0" g="0" b="0"/>
+        </a:effectRef>
+        <a:fontRef idx="minor">
+          <a:schemeClr val="lt1"/>
+        </a:fontRef>
+      </dsp:style>
+    </dsp:sp>
+    <dsp:sp modelId="{76B33B1D-4CA5-544F-BF28-B308B507EF10}">
+      <dsp:nvSpPr>
+        <dsp:cNvPr id="0" name=""/>
+        <dsp:cNvSpPr/>
+      </dsp:nvSpPr>
+      <dsp:spPr>
+        <a:xfrm>
+          <a:off x="6983104" y="2509552"/>
+          <a:ext cx="1244084" cy="789993"/>
+        </a:xfrm>
+        <a:prstGeom prst="roundRect">
+          <a:avLst>
+            <a:gd name="adj" fmla="val 10000"/>
+          </a:avLst>
+        </a:prstGeom>
+        <a:gradFill rotWithShape="1">
+          <a:gsLst>
+            <a:gs pos="0">
+              <a:schemeClr val="accent2">
+                <a:tint val="50000"/>
+                <a:satMod val="300000"/>
+              </a:schemeClr>
+            </a:gs>
+            <a:gs pos="35000">
+              <a:schemeClr val="accent2">
+                <a:tint val="37000"/>
+                <a:satMod val="300000"/>
+              </a:schemeClr>
+            </a:gs>
+            <a:gs pos="100000">
+              <a:schemeClr val="accent2">
+                <a:tint val="15000"/>
+                <a:satMod val="350000"/>
+              </a:schemeClr>
+            </a:gs>
+          </a:gsLst>
+          <a:lin ang="16200000" scaled="1"/>
+        </a:gradFill>
+        <a:ln w="9525" cap="flat" cmpd="sng" algn="ctr">
+          <a:solidFill>
+            <a:schemeClr val="accent2">
+              <a:shade val="95000"/>
+              <a:satMod val="105000"/>
+            </a:schemeClr>
+          </a:solidFill>
+          <a:prstDash val="solid"/>
+        </a:ln>
+        <a:effectLst>
+          <a:outerShdw blurRad="40000" dist="20000" dir="5400000" rotWithShape="0">
+            <a:srgbClr val="000000">
+              <a:alpha val="38000"/>
+            </a:srgbClr>
+          </a:outerShdw>
+        </a:effectLst>
+      </dsp:spPr>
+      <dsp:style>
+        <a:lnRef idx="1">
+          <a:schemeClr val="accent2"/>
+        </a:lnRef>
+        <a:fillRef idx="2">
+          <a:schemeClr val="accent2"/>
+        </a:fillRef>
+        <a:effectRef idx="1">
+          <a:schemeClr val="accent2"/>
+        </a:effectRef>
+        <a:fontRef idx="minor">
+          <a:schemeClr val="dk1"/>
+        </a:fontRef>
+      </dsp:style>
+      <dsp:txBody>
+        <a:bodyPr spcFirstLastPara="0" vert="horz" wrap="square" lIns="76200" tIns="76200" rIns="76200" bIns="76200" numCol="1" spcCol="1270" anchor="ctr" anchorCtr="0">
+          <a:noAutofit/>
+        </a:bodyPr>
+        <a:lstStyle/>
+        <a:p>
+          <a:pPr lvl="0" algn="ctr" defTabSz="889000">
+            <a:lnSpc>
+              <a:spcPct val="90000"/>
+            </a:lnSpc>
+            <a:spcBef>
+              <a:spcPct val="0"/>
+            </a:spcBef>
+            <a:spcAft>
+              <a:spcPct val="35000"/>
+            </a:spcAft>
+          </a:pPr>
+          <a:r>
+            <a:rPr lang="en-US" sz="2000" kern="1200" dirty="0" smtClean="0"/>
+            <a:t>Function</a:t>
+          </a:r>
+          <a:endParaRPr lang="en-US" sz="2000" kern="1200" dirty="0"/>
+        </a:p>
+      </dsp:txBody>
+      <dsp:txXfrm>
+        <a:off x="7006242" y="2532690"/>
+        <a:ext cx="1197808" cy="743717"/>
+      </dsp:txXfrm>
+    </dsp:sp>
   </dsp:spTree>
 </dsp:drawing>
 </file>
@@ -7120,7 +11982,7 @@
           <a:p>
             <a:fld id="{6483C26A-63A4-F547-BB74-146C3D288EFD}" type="datetimeFigureOut">
               <a:rPr lang="en-US" smtClean="0"/>
-              <a:t>2/11/16</a:t>
+              <a:t>2/14/16</a:t>
             </a:fld>
             <a:endParaRPr lang="en-US"/>
           </a:p>
@@ -7290,7 +12152,7 @@
           <a:p>
             <a:fld id="{6483C26A-63A4-F547-BB74-146C3D288EFD}" type="datetimeFigureOut">
               <a:rPr lang="en-US" smtClean="0"/>
-              <a:t>2/11/16</a:t>
+              <a:t>2/14/16</a:t>
             </a:fld>
             <a:endParaRPr lang="en-US"/>
           </a:p>
@@ -7470,7 +12332,7 @@
           <a:p>
             <a:fld id="{6483C26A-63A4-F547-BB74-146C3D288EFD}" type="datetimeFigureOut">
               <a:rPr lang="en-US" smtClean="0"/>
-              <a:t>2/11/16</a:t>
+              <a:t>2/14/16</a:t>
             </a:fld>
             <a:endParaRPr lang="en-US"/>
           </a:p>
@@ -7640,7 +12502,7 @@
           <a:p>
             <a:fld id="{6483C26A-63A4-F547-BB74-146C3D288EFD}" type="datetimeFigureOut">
               <a:rPr lang="en-US" smtClean="0"/>
-              <a:t>2/11/16</a:t>
+              <a:t>2/14/16</a:t>
             </a:fld>
             <a:endParaRPr lang="en-US"/>
           </a:p>
@@ -7886,7 +12748,7 @@
           <a:p>
             <a:fld id="{6483C26A-63A4-F547-BB74-146C3D288EFD}" type="datetimeFigureOut">
               <a:rPr lang="en-US" smtClean="0"/>
-              <a:t>2/11/16</a:t>
+              <a:t>2/14/16</a:t>
             </a:fld>
             <a:endParaRPr lang="en-US"/>
           </a:p>
@@ -8174,7 +13036,7 @@
           <a:p>
             <a:fld id="{6483C26A-63A4-F547-BB74-146C3D288EFD}" type="datetimeFigureOut">
               <a:rPr lang="en-US" smtClean="0"/>
-              <a:t>2/11/16</a:t>
+              <a:t>2/14/16</a:t>
             </a:fld>
             <a:endParaRPr lang="en-US"/>
           </a:p>
@@ -8596,7 +13458,7 @@
           <a:p>
             <a:fld id="{6483C26A-63A4-F547-BB74-146C3D288EFD}" type="datetimeFigureOut">
               <a:rPr lang="en-US" smtClean="0"/>
-              <a:t>2/11/16</a:t>
+              <a:t>2/14/16</a:t>
             </a:fld>
             <a:endParaRPr lang="en-US"/>
           </a:p>
@@ -8714,7 +13576,7 @@
           <a:p>
             <a:fld id="{6483C26A-63A4-F547-BB74-146C3D288EFD}" type="datetimeFigureOut">
               <a:rPr lang="en-US" smtClean="0"/>
-              <a:t>2/11/16</a:t>
+              <a:t>2/14/16</a:t>
             </a:fld>
             <a:endParaRPr lang="en-US"/>
           </a:p>
@@ -8809,7 +13671,7 @@
           <a:p>
             <a:fld id="{6483C26A-63A4-F547-BB74-146C3D288EFD}" type="datetimeFigureOut">
               <a:rPr lang="en-US" smtClean="0"/>
-              <a:t>2/11/16</a:t>
+              <a:t>2/14/16</a:t>
             </a:fld>
             <a:endParaRPr lang="en-US"/>
           </a:p>
@@ -9086,7 +13948,7 @@
           <a:p>
             <a:fld id="{6483C26A-63A4-F547-BB74-146C3D288EFD}" type="datetimeFigureOut">
               <a:rPr lang="en-US" smtClean="0"/>
-              <a:t>2/11/16</a:t>
+              <a:t>2/14/16</a:t>
             </a:fld>
             <a:endParaRPr lang="en-US"/>
           </a:p>
@@ -9339,7 +14201,7 @@
           <a:p>
             <a:fld id="{6483C26A-63A4-F547-BB74-146C3D288EFD}" type="datetimeFigureOut">
               <a:rPr lang="en-US" smtClean="0"/>
-              <a:t>2/11/16</a:t>
+              <a:t>2/14/16</a:t>
             </a:fld>
             <a:endParaRPr lang="en-US"/>
           </a:p>
@@ -9552,7 +14414,7 @@
           <a:p>
             <a:fld id="{6483C26A-63A4-F547-BB74-146C3D288EFD}" type="datetimeFigureOut">
               <a:rPr lang="en-US" smtClean="0"/>
-              <a:t>2/11/16</a:t>
+              <a:t>2/14/16</a:t>
             </a:fld>
             <a:endParaRPr lang="en-US"/>
           </a:p>
@@ -19980,6 +24842,112 @@
             <a:spLocks noGrp="1"/>
           </p:cNvSpPr>
           <p:nvPr>
+            <p:ph type="ctrTitle"/>
+          </p:nvPr>
+        </p:nvSpPr>
+        <p:spPr/>
+        <p:txBody>
+          <a:bodyPr/>
+          <a:lstStyle/>
+          <a:p>
+            <a:r>
+              <a:rPr lang="en-US" dirty="0" smtClean="0"/>
+              <a:t>Chapter 5 – JavaScript</a:t>
+            </a:r>
+            <a:endParaRPr lang="en-US" dirty="0"/>
+          </a:p>
+        </p:txBody>
+      </p:sp>
+      <p:sp>
+        <p:nvSpPr>
+          <p:cNvPr id="3" name="Subtitle 2"/>
+          <p:cNvSpPr>
+            <a:spLocks noGrp="1"/>
+          </p:cNvSpPr>
+          <p:nvPr>
+            <p:ph type="subTitle" idx="1"/>
+          </p:nvPr>
+        </p:nvSpPr>
+        <p:spPr/>
+        <p:txBody>
+          <a:bodyPr/>
+          <a:lstStyle/>
+          <a:p>
+            <a:r>
+              <a:rPr lang="en-US" dirty="0" smtClean="0"/>
+              <a:t>#</a:t>
+            </a:r>
+            <a:r>
+              <a:rPr lang="en-US" dirty="0" smtClean="0"/>
+              <a:t>34 </a:t>
+            </a:r>
+            <a:r>
+              <a:rPr lang="en-US" dirty="0" smtClean="0"/>
+              <a:t>– Section </a:t>
+            </a:r>
+            <a:r>
+              <a:rPr lang="en-US" dirty="0" smtClean="0"/>
+              <a:t>10</a:t>
+            </a:r>
+            <a:endParaRPr lang="en-US" dirty="0" smtClean="0"/>
+          </a:p>
+          <a:p>
+            <a:r>
+              <a:rPr lang="en-US" dirty="0" smtClean="0"/>
+              <a:t>Containers</a:t>
+            </a:r>
+            <a:r>
+              <a:rPr lang="en-US" dirty="0" smtClean="0"/>
+              <a:t>: Arrays</a:t>
+            </a:r>
+            <a:endParaRPr lang="en-US" dirty="0"/>
+          </a:p>
+        </p:txBody>
+      </p:sp>
+    </p:spTree>
+    <p:extLst>
+      <p:ext uri="{BB962C8B-B14F-4D97-AF65-F5344CB8AC3E}">
+        <p14:creationId xmlns:p14="http://schemas.microsoft.com/office/powerpoint/2010/main" val="2981384903"/>
+      </p:ext>
+    </p:extLst>
+  </p:cSld>
+  <p:clrMapOvr>
+    <a:masterClrMapping/>
+  </p:clrMapOvr>
+  <p:timing>
+    <p:tnLst>
+      <p:par>
+        <p:cTn xmlns:p14="http://schemas.microsoft.com/office/powerpoint/2010/main" id="1" dur="indefinite" restart="never" nodeType="tmRoot"/>
+      </p:par>
+    </p:tnLst>
+  </p:timing>
+</p:sld>
+</file>
+
+<file path=ppt/slides/slide53.xml><?xml version="1.0" encoding="utf-8"?>
+<p:sld xmlns:a="http://schemas.openxmlformats.org/drawingml/2006/main" xmlns:r="http://schemas.openxmlformats.org/officeDocument/2006/relationships" xmlns:p="http://schemas.openxmlformats.org/presentationml/2006/main">
+  <p:cSld>
+    <p:spTree>
+      <p:nvGrpSpPr>
+        <p:cNvPr id="1" name=""/>
+        <p:cNvGrpSpPr/>
+        <p:nvPr/>
+      </p:nvGrpSpPr>
+      <p:grpSpPr>
+        <a:xfrm>
+          <a:off x="0" y="0"/>
+          <a:ext cx="0" cy="0"/>
+          <a:chOff x="0" y="0"/>
+          <a:chExt cx="0" cy="0"/>
+        </a:xfrm>
+      </p:grpSpPr>
+      <p:sp>
+        <p:nvSpPr>
+          <p:cNvPr id="2" name="Title 1"/>
+          <p:cNvSpPr>
+            <a:spLocks noGrp="1"/>
+          </p:cNvSpPr>
+          <p:nvPr>
             <p:ph type="title"/>
           </p:nvPr>
         </p:nvSpPr>
@@ -19990,7 +24958,7 @@
           <a:p>
             <a:r>
               <a:rPr lang="en-US" dirty="0" smtClean="0"/>
-              <a:t>C05S09 : Example-01.js</a:t>
+              <a:t>Problem</a:t>
             </a:r>
             <a:endParaRPr lang="en-US" dirty="0"/>
           </a:p>
@@ -20008,9 +24976,193 @@
         </p:nvSpPr>
         <p:spPr/>
         <p:txBody>
-          <a:bodyPr/>
+          <a:bodyPr>
+            <a:normAutofit/>
+          </a:bodyPr>
           <a:lstStyle/>
           <a:p>
+            <a:r>
+              <a:rPr lang="en-US" dirty="0" smtClean="0"/>
+              <a:t>Record Temperature reading at 8am, 12pm, and 6pm for a week</a:t>
+            </a:r>
+          </a:p>
+          <a:p>
+            <a:pPr lvl="2"/>
+            <a:r>
+              <a:rPr lang="en-US" dirty="0" smtClean="0"/>
+              <a:t>Day 1: 80</a:t>
+            </a:r>
+            <a:r>
+              <a:rPr lang="en-US" dirty="0"/>
+              <a:t>°, 83°, </a:t>
+            </a:r>
+            <a:r>
+              <a:rPr lang="en-US" dirty="0" smtClean="0"/>
+              <a:t>and 76°</a:t>
+            </a:r>
+          </a:p>
+          <a:p>
+            <a:pPr lvl="2"/>
+            <a:r>
+              <a:rPr lang="en-US" dirty="0"/>
+              <a:t>Day </a:t>
+            </a:r>
+            <a:r>
+              <a:rPr lang="en-US" dirty="0" smtClean="0"/>
+              <a:t>2: 79°</a:t>
+            </a:r>
+            <a:r>
+              <a:rPr lang="en-US" dirty="0"/>
+              <a:t>, 83°, and </a:t>
+            </a:r>
+            <a:r>
+              <a:rPr lang="en-US" dirty="0" smtClean="0"/>
+              <a:t>79°</a:t>
+            </a:r>
+            <a:endParaRPr lang="en-US" dirty="0"/>
+          </a:p>
+          <a:p>
+            <a:pPr lvl="2"/>
+            <a:r>
+              <a:rPr lang="en-US" dirty="0"/>
+              <a:t>Day </a:t>
+            </a:r>
+            <a:r>
+              <a:rPr lang="en-US" dirty="0" smtClean="0"/>
+              <a:t>3: </a:t>
+            </a:r>
+            <a:r>
+              <a:rPr lang="en-US" dirty="0"/>
+              <a:t>80°, </a:t>
+            </a:r>
+            <a:r>
+              <a:rPr lang="en-US" dirty="0" smtClean="0"/>
+              <a:t>85°</a:t>
+            </a:r>
+            <a:r>
+              <a:rPr lang="en-US" dirty="0"/>
+              <a:t>, and </a:t>
+            </a:r>
+            <a:r>
+              <a:rPr lang="en-US" dirty="0" smtClean="0"/>
+              <a:t>80°</a:t>
+            </a:r>
+            <a:endParaRPr lang="en-US" dirty="0"/>
+          </a:p>
+          <a:p>
+            <a:pPr lvl="2"/>
+            <a:r>
+              <a:rPr lang="en-US" dirty="0"/>
+              <a:t>Day </a:t>
+            </a:r>
+            <a:r>
+              <a:rPr lang="en-US" dirty="0" smtClean="0"/>
+              <a:t>4: 81°</a:t>
+            </a:r>
+            <a:r>
+              <a:rPr lang="en-US" dirty="0"/>
+              <a:t>, </a:t>
+            </a:r>
+            <a:r>
+              <a:rPr lang="en-US" dirty="0" smtClean="0"/>
+              <a:t>87°</a:t>
+            </a:r>
+            <a:r>
+              <a:rPr lang="en-US" dirty="0"/>
+              <a:t>, and </a:t>
+            </a:r>
+            <a:r>
+              <a:rPr lang="en-US" dirty="0" smtClean="0"/>
+              <a:t>79°</a:t>
+            </a:r>
+            <a:endParaRPr lang="en-US" dirty="0"/>
+          </a:p>
+          <a:p>
+            <a:pPr lvl="2"/>
+            <a:r>
+              <a:rPr lang="en-US" dirty="0"/>
+              <a:t>Day </a:t>
+            </a:r>
+            <a:r>
+              <a:rPr lang="en-US" dirty="0" smtClean="0"/>
+              <a:t>5: 72°</a:t>
+            </a:r>
+            <a:r>
+              <a:rPr lang="en-US" dirty="0"/>
+              <a:t>, </a:t>
+            </a:r>
+            <a:r>
+              <a:rPr lang="en-US" dirty="0" smtClean="0"/>
+              <a:t>79°</a:t>
+            </a:r>
+            <a:r>
+              <a:rPr lang="en-US" dirty="0"/>
+              <a:t>, and </a:t>
+            </a:r>
+            <a:r>
+              <a:rPr lang="en-US" dirty="0" smtClean="0"/>
+              <a:t>75°</a:t>
+            </a:r>
+            <a:endParaRPr lang="en-US" dirty="0"/>
+          </a:p>
+          <a:p>
+            <a:pPr lvl="2"/>
+            <a:r>
+              <a:rPr lang="en-US" dirty="0"/>
+              <a:t>Day </a:t>
+            </a:r>
+            <a:r>
+              <a:rPr lang="en-US" dirty="0" smtClean="0"/>
+              <a:t>6: 75°</a:t>
+            </a:r>
+            <a:r>
+              <a:rPr lang="en-US" dirty="0"/>
+              <a:t>, </a:t>
+            </a:r>
+            <a:r>
+              <a:rPr lang="en-US" dirty="0" smtClean="0"/>
+              <a:t>79°</a:t>
+            </a:r>
+            <a:r>
+              <a:rPr lang="en-US" dirty="0"/>
+              <a:t>, and </a:t>
+            </a:r>
+            <a:r>
+              <a:rPr lang="en-US" dirty="0" smtClean="0"/>
+              <a:t>72°</a:t>
+            </a:r>
+            <a:endParaRPr lang="en-US" dirty="0"/>
+          </a:p>
+          <a:p>
+            <a:pPr lvl="2"/>
+            <a:r>
+              <a:rPr lang="en-US" dirty="0"/>
+              <a:t>Day </a:t>
+            </a:r>
+            <a:r>
+              <a:rPr lang="en-US" dirty="0" smtClean="0"/>
+              <a:t>7: 81°</a:t>
+            </a:r>
+            <a:r>
+              <a:rPr lang="en-US" dirty="0"/>
+              <a:t>, </a:t>
+            </a:r>
+            <a:r>
+              <a:rPr lang="en-US" dirty="0" smtClean="0"/>
+              <a:t>88°</a:t>
+            </a:r>
+            <a:r>
+              <a:rPr lang="en-US" dirty="0"/>
+              <a:t>, and </a:t>
+            </a:r>
+            <a:r>
+              <a:rPr lang="en-US" dirty="0" smtClean="0"/>
+              <a:t>77°</a:t>
+            </a:r>
+            <a:endParaRPr lang="en-US" dirty="0"/>
+          </a:p>
+          <a:p>
+            <a:pPr lvl="2"/>
             <a:endParaRPr lang="en-US" dirty="0"/>
           </a:p>
         </p:txBody>
@@ -20018,7 +25170,2009 @@
     </p:spTree>
     <p:extLst>
       <p:ext uri="{BB962C8B-B14F-4D97-AF65-F5344CB8AC3E}">
-        <p14:creationId xmlns:p14="http://schemas.microsoft.com/office/powerpoint/2010/main" val="2348492612"/>
+        <p14:creationId xmlns:p14="http://schemas.microsoft.com/office/powerpoint/2010/main" val="2311018835"/>
+      </p:ext>
+    </p:extLst>
+  </p:cSld>
+  <p:clrMapOvr>
+    <a:masterClrMapping/>
+  </p:clrMapOvr>
+</p:sld>
+</file>
+
+<file path=ppt/slides/slide54.xml><?xml version="1.0" encoding="utf-8"?>
+<p:sld xmlns:a="http://schemas.openxmlformats.org/drawingml/2006/main" xmlns:r="http://schemas.openxmlformats.org/officeDocument/2006/relationships" xmlns:p="http://schemas.openxmlformats.org/presentationml/2006/main">
+  <p:cSld>
+    <p:spTree>
+      <p:nvGrpSpPr>
+        <p:cNvPr id="1" name=""/>
+        <p:cNvGrpSpPr/>
+        <p:nvPr/>
+      </p:nvGrpSpPr>
+      <p:grpSpPr>
+        <a:xfrm>
+          <a:off x="0" y="0"/>
+          <a:ext cx="0" cy="0"/>
+          <a:chOff x="0" y="0"/>
+          <a:chExt cx="0" cy="0"/>
+        </a:xfrm>
+      </p:grpSpPr>
+      <p:sp>
+        <p:nvSpPr>
+          <p:cNvPr id="2" name="Title 1"/>
+          <p:cNvSpPr>
+            <a:spLocks noGrp="1"/>
+          </p:cNvSpPr>
+          <p:nvPr>
+            <p:ph type="title"/>
+          </p:nvPr>
+        </p:nvSpPr>
+        <p:spPr/>
+        <p:txBody>
+          <a:bodyPr/>
+          <a:lstStyle/>
+          <a:p>
+            <a:r>
+              <a:rPr lang="en-US" dirty="0" smtClean="0"/>
+              <a:t>Definition: </a:t>
+            </a:r>
+            <a:r>
+              <a:rPr lang="en-US" dirty="0" smtClean="0"/>
+              <a:t>Array</a:t>
+            </a:r>
+            <a:endParaRPr lang="en-US" dirty="0"/>
+          </a:p>
+        </p:txBody>
+      </p:sp>
+      <p:sp>
+        <p:nvSpPr>
+          <p:cNvPr id="3" name="Content Placeholder 2"/>
+          <p:cNvSpPr>
+            <a:spLocks noGrp="1"/>
+          </p:cNvSpPr>
+          <p:nvPr>
+            <p:ph idx="1"/>
+          </p:nvPr>
+        </p:nvSpPr>
+        <p:spPr/>
+        <p:txBody>
+          <a:bodyPr>
+            <a:normAutofit/>
+          </a:bodyPr>
+          <a:lstStyle/>
+          <a:p>
+            <a:r>
+              <a:rPr lang="en-US" dirty="0" smtClean="0"/>
+              <a:t>What is  a </a:t>
+            </a:r>
+            <a:r>
+              <a:rPr lang="en-US" dirty="0" smtClean="0"/>
+              <a:t>‘array’</a:t>
+            </a:r>
+            <a:r>
+              <a:rPr lang="en-US" dirty="0" smtClean="0"/>
+              <a:t>?</a:t>
+            </a:r>
+          </a:p>
+          <a:p>
+            <a:pPr lvl="1"/>
+            <a:r>
+              <a:rPr lang="en-US" dirty="0" err="1"/>
+              <a:t>Verrol’s</a:t>
+            </a:r>
+            <a:r>
+              <a:rPr lang="en-US" dirty="0"/>
+              <a:t> definition:</a:t>
+            </a:r>
+          </a:p>
+          <a:p>
+            <a:pPr lvl="2"/>
+            <a:r>
+              <a:rPr lang="en-US" dirty="0" smtClean="0"/>
+              <a:t>An ‘array’ </a:t>
+            </a:r>
+            <a:r>
+              <a:rPr lang="en-US" dirty="0"/>
+              <a:t>is </a:t>
+            </a:r>
+            <a:r>
+              <a:rPr lang="en-US" dirty="0" smtClean="0"/>
+              <a:t>a </a:t>
+            </a:r>
+            <a:r>
+              <a:rPr lang="en-US" b="1" i="1" dirty="0" smtClean="0">
+                <a:solidFill>
+                  <a:srgbClr val="008000"/>
+                </a:solidFill>
+              </a:rPr>
+              <a:t>name </a:t>
+            </a:r>
+            <a:r>
+              <a:rPr lang="en-US" dirty="0" smtClean="0"/>
+              <a:t>given to a </a:t>
+            </a:r>
+            <a:r>
+              <a:rPr lang="en-US" b="1" i="1" dirty="0" smtClean="0">
+                <a:solidFill>
+                  <a:srgbClr val="3366FF"/>
+                </a:solidFill>
+              </a:rPr>
+              <a:t>collect/set</a:t>
+            </a:r>
+            <a:r>
+              <a:rPr lang="en-US" dirty="0" smtClean="0">
+                <a:solidFill>
+                  <a:srgbClr val="3366FF"/>
+                </a:solidFill>
+              </a:rPr>
+              <a:t> </a:t>
+            </a:r>
+            <a:r>
+              <a:rPr lang="en-US" dirty="0"/>
+              <a:t>of </a:t>
+            </a:r>
+            <a:r>
+              <a:rPr lang="en-US" b="1" i="1" dirty="0" smtClean="0">
+                <a:solidFill>
+                  <a:schemeClr val="bg2">
+                    <a:lumMod val="50000"/>
+                  </a:schemeClr>
+                </a:solidFill>
+              </a:rPr>
+              <a:t>values</a:t>
+            </a:r>
+            <a:endParaRPr lang="en-US" b="1" i="1" dirty="0" smtClean="0">
+              <a:solidFill>
+                <a:schemeClr val="bg2">
+                  <a:lumMod val="50000"/>
+                </a:schemeClr>
+              </a:solidFill>
+            </a:endParaRPr>
+          </a:p>
+          <a:p>
+            <a:r>
+              <a:rPr lang="en-US" dirty="0" smtClean="0"/>
+              <a:t>What are the benefits of </a:t>
+            </a:r>
+            <a:r>
+              <a:rPr lang="en-US" dirty="0" smtClean="0"/>
+              <a:t>arrays?</a:t>
+            </a:r>
+            <a:endParaRPr lang="en-US" dirty="0" smtClean="0"/>
+          </a:p>
+          <a:p>
+            <a:pPr lvl="1"/>
+            <a:r>
+              <a:rPr lang="en-US" dirty="0" smtClean="0"/>
+              <a:t>Grouping of related values</a:t>
+            </a:r>
+            <a:endParaRPr lang="en-US" dirty="0"/>
+          </a:p>
+        </p:txBody>
+      </p:sp>
+    </p:spTree>
+    <p:extLst>
+      <p:ext uri="{BB962C8B-B14F-4D97-AF65-F5344CB8AC3E}">
+        <p14:creationId xmlns:p14="http://schemas.microsoft.com/office/powerpoint/2010/main" val="605611383"/>
+      </p:ext>
+    </p:extLst>
+  </p:cSld>
+  <p:clrMapOvr>
+    <a:masterClrMapping/>
+  </p:clrMapOvr>
+</p:sld>
+</file>
+
+<file path=ppt/slides/slide55.xml><?xml version="1.0" encoding="utf-8"?>
+<p:sld xmlns:a="http://schemas.openxmlformats.org/drawingml/2006/main" xmlns:r="http://schemas.openxmlformats.org/officeDocument/2006/relationships" xmlns:p="http://schemas.openxmlformats.org/presentationml/2006/main">
+  <p:cSld>
+    <p:spTree>
+      <p:nvGrpSpPr>
+        <p:cNvPr id="1" name=""/>
+        <p:cNvGrpSpPr/>
+        <p:nvPr/>
+      </p:nvGrpSpPr>
+      <p:grpSpPr>
+        <a:xfrm>
+          <a:off x="0" y="0"/>
+          <a:ext cx="0" cy="0"/>
+          <a:chOff x="0" y="0"/>
+          <a:chExt cx="0" cy="0"/>
+        </a:xfrm>
+      </p:grpSpPr>
+      <p:sp>
+        <p:nvSpPr>
+          <p:cNvPr id="2" name="Title 1"/>
+          <p:cNvSpPr>
+            <a:spLocks noGrp="1"/>
+          </p:cNvSpPr>
+          <p:nvPr>
+            <p:ph type="title"/>
+          </p:nvPr>
+        </p:nvSpPr>
+        <p:spPr/>
+        <p:txBody>
+          <a:bodyPr/>
+          <a:lstStyle/>
+          <a:p>
+            <a:r>
+              <a:rPr lang="en-US" dirty="0" smtClean="0"/>
+              <a:t>Why Arrays?</a:t>
+            </a:r>
+            <a:endParaRPr lang="en-US" dirty="0"/>
+          </a:p>
+        </p:txBody>
+      </p:sp>
+      <p:sp>
+        <p:nvSpPr>
+          <p:cNvPr id="3" name="Content Placeholder 2"/>
+          <p:cNvSpPr>
+            <a:spLocks noGrp="1"/>
+          </p:cNvSpPr>
+          <p:nvPr>
+            <p:ph idx="1"/>
+          </p:nvPr>
+        </p:nvSpPr>
+        <p:spPr/>
+        <p:txBody>
+          <a:bodyPr>
+            <a:normAutofit/>
+          </a:bodyPr>
+          <a:lstStyle/>
+          <a:p>
+            <a:r>
+              <a:rPr lang="en-US" dirty="0" smtClean="0"/>
+              <a:t>Record Temperature reading at 8am, 12pm, and 6pm for a week</a:t>
+            </a:r>
+          </a:p>
+          <a:p>
+            <a:pPr lvl="2"/>
+            <a:r>
+              <a:rPr lang="en-US" dirty="0" smtClean="0"/>
+              <a:t>Day 1: 80</a:t>
+            </a:r>
+            <a:r>
+              <a:rPr lang="en-US" dirty="0"/>
+              <a:t>°, 83°, </a:t>
+            </a:r>
+            <a:r>
+              <a:rPr lang="en-US" dirty="0" smtClean="0"/>
+              <a:t>and 76°</a:t>
+            </a:r>
+          </a:p>
+          <a:p>
+            <a:pPr lvl="2"/>
+            <a:r>
+              <a:rPr lang="en-US" dirty="0"/>
+              <a:t>Day </a:t>
+            </a:r>
+            <a:r>
+              <a:rPr lang="en-US" dirty="0" smtClean="0"/>
+              <a:t>2: 79°</a:t>
+            </a:r>
+            <a:r>
+              <a:rPr lang="en-US" dirty="0"/>
+              <a:t>, 83°, and </a:t>
+            </a:r>
+            <a:r>
+              <a:rPr lang="en-US" dirty="0" smtClean="0"/>
+              <a:t>79°</a:t>
+            </a:r>
+            <a:endParaRPr lang="en-US" dirty="0"/>
+          </a:p>
+          <a:p>
+            <a:pPr lvl="2"/>
+            <a:r>
+              <a:rPr lang="en-US" dirty="0"/>
+              <a:t>Day </a:t>
+            </a:r>
+            <a:r>
+              <a:rPr lang="en-US" dirty="0" smtClean="0"/>
+              <a:t>3: </a:t>
+            </a:r>
+            <a:r>
+              <a:rPr lang="en-US" dirty="0"/>
+              <a:t>80°, </a:t>
+            </a:r>
+            <a:r>
+              <a:rPr lang="en-US" dirty="0" smtClean="0"/>
+              <a:t>85°</a:t>
+            </a:r>
+            <a:r>
+              <a:rPr lang="en-US" dirty="0"/>
+              <a:t>, and </a:t>
+            </a:r>
+            <a:r>
+              <a:rPr lang="en-US" dirty="0" smtClean="0"/>
+              <a:t>80°</a:t>
+            </a:r>
+            <a:endParaRPr lang="en-US" dirty="0"/>
+          </a:p>
+          <a:p>
+            <a:pPr lvl="2"/>
+            <a:r>
+              <a:rPr lang="en-US" dirty="0"/>
+              <a:t>Day </a:t>
+            </a:r>
+            <a:r>
+              <a:rPr lang="en-US" dirty="0" smtClean="0"/>
+              <a:t>4: 81°</a:t>
+            </a:r>
+            <a:r>
+              <a:rPr lang="en-US" dirty="0"/>
+              <a:t>, </a:t>
+            </a:r>
+            <a:r>
+              <a:rPr lang="en-US" dirty="0" smtClean="0"/>
+              <a:t>87°</a:t>
+            </a:r>
+            <a:r>
+              <a:rPr lang="en-US" dirty="0"/>
+              <a:t>, and </a:t>
+            </a:r>
+            <a:r>
+              <a:rPr lang="en-US" dirty="0" smtClean="0"/>
+              <a:t>79°</a:t>
+            </a:r>
+            <a:endParaRPr lang="en-US" dirty="0"/>
+          </a:p>
+          <a:p>
+            <a:pPr lvl="2"/>
+            <a:r>
+              <a:rPr lang="en-US" dirty="0"/>
+              <a:t>Day </a:t>
+            </a:r>
+            <a:r>
+              <a:rPr lang="en-US" dirty="0" smtClean="0"/>
+              <a:t>5: 72°</a:t>
+            </a:r>
+            <a:r>
+              <a:rPr lang="en-US" dirty="0"/>
+              <a:t>, </a:t>
+            </a:r>
+            <a:r>
+              <a:rPr lang="en-US" dirty="0" smtClean="0"/>
+              <a:t>79°</a:t>
+            </a:r>
+            <a:r>
+              <a:rPr lang="en-US" dirty="0"/>
+              <a:t>, and </a:t>
+            </a:r>
+            <a:r>
+              <a:rPr lang="en-US" dirty="0" smtClean="0"/>
+              <a:t>75°</a:t>
+            </a:r>
+            <a:endParaRPr lang="en-US" dirty="0"/>
+          </a:p>
+          <a:p>
+            <a:pPr lvl="2"/>
+            <a:r>
+              <a:rPr lang="en-US" dirty="0"/>
+              <a:t>Day </a:t>
+            </a:r>
+            <a:r>
+              <a:rPr lang="en-US" dirty="0" smtClean="0"/>
+              <a:t>6: 75°</a:t>
+            </a:r>
+            <a:r>
+              <a:rPr lang="en-US" dirty="0"/>
+              <a:t>, </a:t>
+            </a:r>
+            <a:r>
+              <a:rPr lang="en-US" dirty="0" smtClean="0"/>
+              <a:t>79°</a:t>
+            </a:r>
+            <a:r>
+              <a:rPr lang="en-US" dirty="0"/>
+              <a:t>, and </a:t>
+            </a:r>
+            <a:r>
+              <a:rPr lang="en-US" dirty="0" smtClean="0"/>
+              <a:t>72°</a:t>
+            </a:r>
+            <a:endParaRPr lang="en-US" dirty="0"/>
+          </a:p>
+          <a:p>
+            <a:pPr lvl="2"/>
+            <a:r>
+              <a:rPr lang="en-US" dirty="0"/>
+              <a:t>Day </a:t>
+            </a:r>
+            <a:r>
+              <a:rPr lang="en-US" dirty="0" smtClean="0"/>
+              <a:t>7: 81°</a:t>
+            </a:r>
+            <a:r>
+              <a:rPr lang="en-US" dirty="0"/>
+              <a:t>, </a:t>
+            </a:r>
+            <a:r>
+              <a:rPr lang="en-US" dirty="0" smtClean="0"/>
+              <a:t>88°</a:t>
+            </a:r>
+            <a:r>
+              <a:rPr lang="en-US" dirty="0"/>
+              <a:t>, and </a:t>
+            </a:r>
+            <a:r>
+              <a:rPr lang="en-US" dirty="0" smtClean="0"/>
+              <a:t>77°</a:t>
+            </a:r>
+            <a:endParaRPr lang="en-US" dirty="0"/>
+          </a:p>
+          <a:p>
+            <a:pPr lvl="2"/>
+            <a:endParaRPr lang="en-US" dirty="0"/>
+          </a:p>
+        </p:txBody>
+      </p:sp>
+    </p:spTree>
+    <p:extLst>
+      <p:ext uri="{BB962C8B-B14F-4D97-AF65-F5344CB8AC3E}">
+        <p14:creationId xmlns:p14="http://schemas.microsoft.com/office/powerpoint/2010/main" val="4203380297"/>
+      </p:ext>
+    </p:extLst>
+  </p:cSld>
+  <p:clrMapOvr>
+    <a:masterClrMapping/>
+  </p:clrMapOvr>
+</p:sld>
+</file>
+
+<file path=ppt/slides/slide56.xml><?xml version="1.0" encoding="utf-8"?>
+<p:sld xmlns:a="http://schemas.openxmlformats.org/drawingml/2006/main" xmlns:r="http://schemas.openxmlformats.org/officeDocument/2006/relationships" xmlns:p="http://schemas.openxmlformats.org/presentationml/2006/main">
+  <p:cSld>
+    <p:spTree>
+      <p:nvGrpSpPr>
+        <p:cNvPr id="1" name=""/>
+        <p:cNvGrpSpPr/>
+        <p:nvPr/>
+      </p:nvGrpSpPr>
+      <p:grpSpPr>
+        <a:xfrm>
+          <a:off x="0" y="0"/>
+          <a:ext cx="0" cy="0"/>
+          <a:chOff x="0" y="0"/>
+          <a:chExt cx="0" cy="0"/>
+        </a:xfrm>
+      </p:grpSpPr>
+      <p:sp>
+        <p:nvSpPr>
+          <p:cNvPr id="2" name="Title 1"/>
+          <p:cNvSpPr>
+            <a:spLocks noGrp="1"/>
+          </p:cNvSpPr>
+          <p:nvPr>
+            <p:ph type="title"/>
+          </p:nvPr>
+        </p:nvSpPr>
+        <p:spPr/>
+        <p:txBody>
+          <a:bodyPr/>
+          <a:lstStyle/>
+          <a:p>
+            <a:r>
+              <a:rPr lang="en-US" dirty="0" smtClean="0"/>
+              <a:t>Why Arrays?</a:t>
+            </a:r>
+            <a:endParaRPr lang="en-US" dirty="0"/>
+          </a:p>
+        </p:txBody>
+      </p:sp>
+      <p:sp>
+        <p:nvSpPr>
+          <p:cNvPr id="11" name="Line Callout 1 10"/>
+          <p:cNvSpPr/>
+          <p:nvPr/>
+        </p:nvSpPr>
+        <p:spPr>
+          <a:xfrm>
+            <a:off x="6878020" y="3697099"/>
+            <a:ext cx="1792566" cy="382131"/>
+          </a:xfrm>
+          <a:prstGeom prst="borderCallout1">
+            <a:avLst>
+              <a:gd name="adj1" fmla="val 49142"/>
+              <a:gd name="adj2" fmla="val 179"/>
+              <a:gd name="adj3" fmla="val 50924"/>
+              <a:gd name="adj4" fmla="val -39130"/>
+            </a:avLst>
+          </a:prstGeom>
+        </p:spPr>
+        <p:style>
+          <a:lnRef idx="2">
+            <a:schemeClr val="accent2">
+              <a:shade val="50000"/>
+            </a:schemeClr>
+          </a:lnRef>
+          <a:fillRef idx="1">
+            <a:schemeClr val="accent2"/>
+          </a:fillRef>
+          <a:effectRef idx="0">
+            <a:schemeClr val="accent2"/>
+          </a:effectRef>
+          <a:fontRef idx="minor">
+            <a:schemeClr val="lt1"/>
+          </a:fontRef>
+        </p:style>
+        <p:txBody>
+          <a:bodyPr rtlCol="0" anchor="ctr"/>
+          <a:lstStyle/>
+          <a:p>
+            <a:pPr algn="ctr"/>
+            <a:r>
+              <a:rPr lang="en-US" dirty="0" smtClean="0"/>
+              <a:t>Daily Grouping</a:t>
+            </a:r>
+            <a:endParaRPr lang="en-US" dirty="0"/>
+          </a:p>
+        </p:txBody>
+      </p:sp>
+      <p:sp>
+        <p:nvSpPr>
+          <p:cNvPr id="15" name="Rounded Rectangle 14"/>
+          <p:cNvSpPr/>
+          <p:nvPr/>
+        </p:nvSpPr>
+        <p:spPr>
+          <a:xfrm>
+            <a:off x="3131985" y="2130494"/>
+            <a:ext cx="3034420" cy="382131"/>
+          </a:xfrm>
+          <a:prstGeom prst="roundRect">
+            <a:avLst/>
+          </a:prstGeom>
+          <a:solidFill>
+            <a:schemeClr val="accent2">
+              <a:alpha val="30000"/>
+            </a:schemeClr>
+          </a:solidFill>
+        </p:spPr>
+        <p:style>
+          <a:lnRef idx="2">
+            <a:schemeClr val="accent2">
+              <a:shade val="50000"/>
+            </a:schemeClr>
+          </a:lnRef>
+          <a:fillRef idx="1">
+            <a:schemeClr val="accent2"/>
+          </a:fillRef>
+          <a:effectRef idx="0">
+            <a:schemeClr val="accent2"/>
+          </a:effectRef>
+          <a:fontRef idx="minor">
+            <a:schemeClr val="lt1"/>
+          </a:fontRef>
+        </p:style>
+        <p:txBody>
+          <a:bodyPr rtlCol="0" anchor="ctr"/>
+          <a:lstStyle/>
+          <a:p>
+            <a:pPr algn="ctr"/>
+            <a:r>
+              <a:rPr lang="en-US" dirty="0" smtClean="0">
+                <a:solidFill>
+                  <a:schemeClr val="tx1"/>
+                </a:solidFill>
+              </a:rPr>
+              <a:t>Day 1: 76</a:t>
+            </a:r>
+            <a:r>
+              <a:rPr lang="en-US" dirty="0">
+                <a:solidFill>
+                  <a:schemeClr val="tx1"/>
+                </a:solidFill>
+              </a:rPr>
+              <a:t>°</a:t>
+            </a:r>
+            <a:r>
+              <a:rPr lang="en-US" dirty="0" smtClean="0">
+                <a:solidFill>
+                  <a:schemeClr val="tx1"/>
+                </a:solidFill>
+              </a:rPr>
+              <a:t>, 81</a:t>
+            </a:r>
+            <a:r>
+              <a:rPr lang="en-US" dirty="0">
+                <a:solidFill>
+                  <a:schemeClr val="tx1"/>
+                </a:solidFill>
+              </a:rPr>
+              <a:t>°</a:t>
+            </a:r>
+            <a:r>
+              <a:rPr lang="en-US" dirty="0" smtClean="0">
+                <a:solidFill>
+                  <a:schemeClr val="tx1"/>
+                </a:solidFill>
+              </a:rPr>
+              <a:t>, 79</a:t>
+            </a:r>
+            <a:r>
+              <a:rPr lang="en-US" dirty="0">
+                <a:solidFill>
+                  <a:schemeClr val="tx1"/>
+                </a:solidFill>
+              </a:rPr>
+              <a:t>°</a:t>
+            </a:r>
+          </a:p>
+        </p:txBody>
+      </p:sp>
+      <p:sp>
+        <p:nvSpPr>
+          <p:cNvPr id="22" name="Rounded Rectangle 21"/>
+          <p:cNvSpPr/>
+          <p:nvPr/>
+        </p:nvSpPr>
+        <p:spPr>
+          <a:xfrm>
+            <a:off x="3131985" y="2652696"/>
+            <a:ext cx="3034420" cy="382131"/>
+          </a:xfrm>
+          <a:prstGeom prst="roundRect">
+            <a:avLst/>
+          </a:prstGeom>
+          <a:solidFill>
+            <a:schemeClr val="accent2">
+              <a:alpha val="30000"/>
+            </a:schemeClr>
+          </a:solidFill>
+        </p:spPr>
+        <p:style>
+          <a:lnRef idx="2">
+            <a:schemeClr val="accent2">
+              <a:shade val="50000"/>
+            </a:schemeClr>
+          </a:lnRef>
+          <a:fillRef idx="1">
+            <a:schemeClr val="accent2"/>
+          </a:fillRef>
+          <a:effectRef idx="0">
+            <a:schemeClr val="accent2"/>
+          </a:effectRef>
+          <a:fontRef idx="minor">
+            <a:schemeClr val="lt1"/>
+          </a:fontRef>
+        </p:style>
+        <p:txBody>
+          <a:bodyPr rtlCol="0" anchor="ctr"/>
+          <a:lstStyle/>
+          <a:p>
+            <a:pPr algn="ctr"/>
+            <a:r>
+              <a:rPr lang="en-US" dirty="0" smtClean="0">
+                <a:solidFill>
+                  <a:schemeClr val="tx1"/>
+                </a:solidFill>
+              </a:rPr>
+              <a:t>Day 2: 79°, 83°, 80°</a:t>
+            </a:r>
+            <a:endParaRPr lang="en-US" dirty="0">
+              <a:solidFill>
+                <a:schemeClr val="tx1"/>
+              </a:solidFill>
+            </a:endParaRPr>
+          </a:p>
+        </p:txBody>
+      </p:sp>
+      <p:sp>
+        <p:nvSpPr>
+          <p:cNvPr id="24" name="Rounded Rectangle 23"/>
+          <p:cNvSpPr/>
+          <p:nvPr/>
+        </p:nvSpPr>
+        <p:spPr>
+          <a:xfrm>
+            <a:off x="3131985" y="3174898"/>
+            <a:ext cx="3034420" cy="382131"/>
+          </a:xfrm>
+          <a:prstGeom prst="roundRect">
+            <a:avLst/>
+          </a:prstGeom>
+          <a:solidFill>
+            <a:schemeClr val="accent2">
+              <a:alpha val="30000"/>
+            </a:schemeClr>
+          </a:solidFill>
+        </p:spPr>
+        <p:style>
+          <a:lnRef idx="2">
+            <a:schemeClr val="accent2">
+              <a:shade val="50000"/>
+            </a:schemeClr>
+          </a:lnRef>
+          <a:fillRef idx="1">
+            <a:schemeClr val="accent2"/>
+          </a:fillRef>
+          <a:effectRef idx="0">
+            <a:schemeClr val="accent2"/>
+          </a:effectRef>
+          <a:fontRef idx="minor">
+            <a:schemeClr val="lt1"/>
+          </a:fontRef>
+        </p:style>
+        <p:txBody>
+          <a:bodyPr rtlCol="0" anchor="ctr"/>
+          <a:lstStyle/>
+          <a:p>
+            <a:pPr algn="ctr"/>
+            <a:r>
+              <a:rPr lang="en-US" dirty="0" smtClean="0">
+                <a:solidFill>
+                  <a:schemeClr val="tx1"/>
+                </a:solidFill>
+              </a:rPr>
+              <a:t>Day 3: 80°, 85°, 80°</a:t>
+            </a:r>
+            <a:endParaRPr lang="en-US" dirty="0">
+              <a:solidFill>
+                <a:schemeClr val="tx1"/>
+              </a:solidFill>
+            </a:endParaRPr>
+          </a:p>
+        </p:txBody>
+      </p:sp>
+      <p:sp>
+        <p:nvSpPr>
+          <p:cNvPr id="25" name="Rounded Rectangle 24"/>
+          <p:cNvSpPr/>
+          <p:nvPr/>
+        </p:nvSpPr>
+        <p:spPr>
+          <a:xfrm>
+            <a:off x="3131985" y="3697100"/>
+            <a:ext cx="3034420" cy="382131"/>
+          </a:xfrm>
+          <a:prstGeom prst="roundRect">
+            <a:avLst/>
+          </a:prstGeom>
+          <a:solidFill>
+            <a:schemeClr val="accent2">
+              <a:alpha val="30000"/>
+            </a:schemeClr>
+          </a:solidFill>
+        </p:spPr>
+        <p:style>
+          <a:lnRef idx="2">
+            <a:schemeClr val="accent2">
+              <a:shade val="50000"/>
+            </a:schemeClr>
+          </a:lnRef>
+          <a:fillRef idx="1">
+            <a:schemeClr val="accent2"/>
+          </a:fillRef>
+          <a:effectRef idx="0">
+            <a:schemeClr val="accent2"/>
+          </a:effectRef>
+          <a:fontRef idx="minor">
+            <a:schemeClr val="lt1"/>
+          </a:fontRef>
+        </p:style>
+        <p:txBody>
+          <a:bodyPr rtlCol="0" anchor="ctr"/>
+          <a:lstStyle/>
+          <a:p>
+            <a:pPr algn="ctr"/>
+            <a:r>
+              <a:rPr lang="en-US" dirty="0" smtClean="0">
+                <a:solidFill>
+                  <a:schemeClr val="tx1"/>
+                </a:solidFill>
+              </a:rPr>
+              <a:t>Day 4: 81°, 87°, 79</a:t>
+            </a:r>
+            <a:r>
+              <a:rPr lang="en-US" dirty="0">
+                <a:solidFill>
+                  <a:schemeClr val="tx1"/>
+                </a:solidFill>
+              </a:rPr>
+              <a:t>°</a:t>
+            </a:r>
+          </a:p>
+        </p:txBody>
+      </p:sp>
+      <p:sp>
+        <p:nvSpPr>
+          <p:cNvPr id="26" name="Rounded Rectangle 25"/>
+          <p:cNvSpPr/>
+          <p:nvPr/>
+        </p:nvSpPr>
+        <p:spPr>
+          <a:xfrm>
+            <a:off x="3131985" y="4219302"/>
+            <a:ext cx="3034420" cy="382131"/>
+          </a:xfrm>
+          <a:prstGeom prst="roundRect">
+            <a:avLst/>
+          </a:prstGeom>
+          <a:solidFill>
+            <a:schemeClr val="accent2">
+              <a:alpha val="30000"/>
+            </a:schemeClr>
+          </a:solidFill>
+        </p:spPr>
+        <p:style>
+          <a:lnRef idx="2">
+            <a:schemeClr val="accent2">
+              <a:shade val="50000"/>
+            </a:schemeClr>
+          </a:lnRef>
+          <a:fillRef idx="1">
+            <a:schemeClr val="accent2"/>
+          </a:fillRef>
+          <a:effectRef idx="0">
+            <a:schemeClr val="accent2"/>
+          </a:effectRef>
+          <a:fontRef idx="minor">
+            <a:schemeClr val="lt1"/>
+          </a:fontRef>
+        </p:style>
+        <p:txBody>
+          <a:bodyPr rtlCol="0" anchor="ctr"/>
+          <a:lstStyle/>
+          <a:p>
+            <a:pPr algn="ctr"/>
+            <a:r>
+              <a:rPr lang="en-US" dirty="0" smtClean="0">
+                <a:solidFill>
+                  <a:schemeClr val="tx1"/>
+                </a:solidFill>
+              </a:rPr>
+              <a:t>Day 5: 72°, 79°, 75°</a:t>
+            </a:r>
+            <a:endParaRPr lang="en-US" dirty="0">
+              <a:solidFill>
+                <a:schemeClr val="tx1"/>
+              </a:solidFill>
+            </a:endParaRPr>
+          </a:p>
+        </p:txBody>
+      </p:sp>
+      <p:sp>
+        <p:nvSpPr>
+          <p:cNvPr id="27" name="Rounded Rectangle 26"/>
+          <p:cNvSpPr/>
+          <p:nvPr/>
+        </p:nvSpPr>
+        <p:spPr>
+          <a:xfrm>
+            <a:off x="3131985" y="4741504"/>
+            <a:ext cx="3034420" cy="382131"/>
+          </a:xfrm>
+          <a:prstGeom prst="roundRect">
+            <a:avLst/>
+          </a:prstGeom>
+          <a:solidFill>
+            <a:schemeClr val="accent2">
+              <a:alpha val="30000"/>
+            </a:schemeClr>
+          </a:solidFill>
+        </p:spPr>
+        <p:style>
+          <a:lnRef idx="2">
+            <a:schemeClr val="accent2">
+              <a:shade val="50000"/>
+            </a:schemeClr>
+          </a:lnRef>
+          <a:fillRef idx="1">
+            <a:schemeClr val="accent2"/>
+          </a:fillRef>
+          <a:effectRef idx="0">
+            <a:schemeClr val="accent2"/>
+          </a:effectRef>
+          <a:fontRef idx="minor">
+            <a:schemeClr val="lt1"/>
+          </a:fontRef>
+        </p:style>
+        <p:txBody>
+          <a:bodyPr rtlCol="0" anchor="ctr"/>
+          <a:lstStyle/>
+          <a:p>
+            <a:pPr algn="ctr"/>
+            <a:r>
+              <a:rPr lang="en-US" dirty="0" smtClean="0">
+                <a:solidFill>
+                  <a:schemeClr val="tx1"/>
+                </a:solidFill>
+              </a:rPr>
+              <a:t>Day 6: 75°, 79°, 72°</a:t>
+            </a:r>
+            <a:endParaRPr lang="en-US" dirty="0">
+              <a:solidFill>
+                <a:schemeClr val="tx1"/>
+              </a:solidFill>
+            </a:endParaRPr>
+          </a:p>
+        </p:txBody>
+      </p:sp>
+      <p:sp>
+        <p:nvSpPr>
+          <p:cNvPr id="28" name="Rounded Rectangle 27"/>
+          <p:cNvSpPr/>
+          <p:nvPr/>
+        </p:nvSpPr>
+        <p:spPr>
+          <a:xfrm>
+            <a:off x="3131985" y="5263705"/>
+            <a:ext cx="3034420" cy="382131"/>
+          </a:xfrm>
+          <a:prstGeom prst="roundRect">
+            <a:avLst/>
+          </a:prstGeom>
+          <a:solidFill>
+            <a:schemeClr val="accent2">
+              <a:alpha val="30000"/>
+            </a:schemeClr>
+          </a:solidFill>
+        </p:spPr>
+        <p:style>
+          <a:lnRef idx="2">
+            <a:schemeClr val="accent2">
+              <a:shade val="50000"/>
+            </a:schemeClr>
+          </a:lnRef>
+          <a:fillRef idx="1">
+            <a:schemeClr val="accent2"/>
+          </a:fillRef>
+          <a:effectRef idx="0">
+            <a:schemeClr val="accent2"/>
+          </a:effectRef>
+          <a:fontRef idx="minor">
+            <a:schemeClr val="lt1"/>
+          </a:fontRef>
+        </p:style>
+        <p:txBody>
+          <a:bodyPr rtlCol="0" anchor="ctr"/>
+          <a:lstStyle/>
+          <a:p>
+            <a:pPr algn="ctr"/>
+            <a:r>
+              <a:rPr lang="en-US" dirty="0" smtClean="0">
+                <a:solidFill>
+                  <a:schemeClr val="tx1"/>
+                </a:solidFill>
+              </a:rPr>
+              <a:t>Day 7: 81°, 88°, 77°</a:t>
+            </a:r>
+            <a:endParaRPr lang="en-US" dirty="0">
+              <a:solidFill>
+                <a:schemeClr val="tx1"/>
+              </a:solidFill>
+            </a:endParaRPr>
+          </a:p>
+        </p:txBody>
+      </p:sp>
+    </p:spTree>
+    <p:extLst>
+      <p:ext uri="{BB962C8B-B14F-4D97-AF65-F5344CB8AC3E}">
+        <p14:creationId xmlns:p14="http://schemas.microsoft.com/office/powerpoint/2010/main" val="1729254100"/>
+      </p:ext>
+    </p:extLst>
+  </p:cSld>
+  <p:clrMapOvr>
+    <a:masterClrMapping/>
+  </p:clrMapOvr>
+</p:sld>
+</file>
+
+<file path=ppt/slides/slide57.xml><?xml version="1.0" encoding="utf-8"?>
+<p:sld xmlns:a="http://schemas.openxmlformats.org/drawingml/2006/main" xmlns:r="http://schemas.openxmlformats.org/officeDocument/2006/relationships" xmlns:p="http://schemas.openxmlformats.org/presentationml/2006/main">
+  <p:cSld>
+    <p:spTree>
+      <p:nvGrpSpPr>
+        <p:cNvPr id="1" name=""/>
+        <p:cNvGrpSpPr/>
+        <p:nvPr/>
+      </p:nvGrpSpPr>
+      <p:grpSpPr>
+        <a:xfrm>
+          <a:off x="0" y="0"/>
+          <a:ext cx="0" cy="0"/>
+          <a:chOff x="0" y="0"/>
+          <a:chExt cx="0" cy="0"/>
+        </a:xfrm>
+      </p:grpSpPr>
+      <p:sp>
+        <p:nvSpPr>
+          <p:cNvPr id="2" name="Title 1"/>
+          <p:cNvSpPr>
+            <a:spLocks noGrp="1"/>
+          </p:cNvSpPr>
+          <p:nvPr>
+            <p:ph type="title"/>
+          </p:nvPr>
+        </p:nvSpPr>
+        <p:spPr/>
+        <p:txBody>
+          <a:bodyPr/>
+          <a:lstStyle/>
+          <a:p>
+            <a:r>
+              <a:rPr lang="en-US" dirty="0" smtClean="0"/>
+              <a:t>Why Arrays?</a:t>
+            </a:r>
+            <a:endParaRPr lang="en-US" dirty="0"/>
+          </a:p>
+        </p:txBody>
+      </p:sp>
+      <p:sp>
+        <p:nvSpPr>
+          <p:cNvPr id="11" name="Line Callout 1 10"/>
+          <p:cNvSpPr/>
+          <p:nvPr/>
+        </p:nvSpPr>
+        <p:spPr>
+          <a:xfrm>
+            <a:off x="6878020" y="3697099"/>
+            <a:ext cx="1792566" cy="382131"/>
+          </a:xfrm>
+          <a:prstGeom prst="borderCallout1">
+            <a:avLst>
+              <a:gd name="adj1" fmla="val 49142"/>
+              <a:gd name="adj2" fmla="val 179"/>
+              <a:gd name="adj3" fmla="val 50924"/>
+              <a:gd name="adj4" fmla="val -25024"/>
+            </a:avLst>
+          </a:prstGeom>
+        </p:spPr>
+        <p:style>
+          <a:lnRef idx="2">
+            <a:schemeClr val="accent3">
+              <a:shade val="50000"/>
+            </a:schemeClr>
+          </a:lnRef>
+          <a:fillRef idx="1">
+            <a:schemeClr val="accent3"/>
+          </a:fillRef>
+          <a:effectRef idx="0">
+            <a:schemeClr val="accent3"/>
+          </a:effectRef>
+          <a:fontRef idx="minor">
+            <a:schemeClr val="lt1"/>
+          </a:fontRef>
+        </p:style>
+        <p:txBody>
+          <a:bodyPr rtlCol="0" anchor="ctr"/>
+          <a:lstStyle/>
+          <a:p>
+            <a:pPr algn="ctr"/>
+            <a:r>
+              <a:rPr lang="en-US" dirty="0" smtClean="0"/>
+              <a:t>Weekly Grouping</a:t>
+            </a:r>
+            <a:endParaRPr lang="en-US" dirty="0"/>
+          </a:p>
+        </p:txBody>
+      </p:sp>
+      <p:sp>
+        <p:nvSpPr>
+          <p:cNvPr id="15" name="Rounded Rectangle 14"/>
+          <p:cNvSpPr/>
+          <p:nvPr/>
+        </p:nvSpPr>
+        <p:spPr>
+          <a:xfrm>
+            <a:off x="3131985" y="2130494"/>
+            <a:ext cx="3034420" cy="382131"/>
+          </a:xfrm>
+          <a:prstGeom prst="roundRect">
+            <a:avLst/>
+          </a:prstGeom>
+          <a:solidFill>
+            <a:schemeClr val="accent2">
+              <a:alpha val="30000"/>
+            </a:schemeClr>
+          </a:solidFill>
+        </p:spPr>
+        <p:style>
+          <a:lnRef idx="2">
+            <a:schemeClr val="accent2">
+              <a:shade val="50000"/>
+            </a:schemeClr>
+          </a:lnRef>
+          <a:fillRef idx="1">
+            <a:schemeClr val="accent2"/>
+          </a:fillRef>
+          <a:effectRef idx="0">
+            <a:schemeClr val="accent2"/>
+          </a:effectRef>
+          <a:fontRef idx="minor">
+            <a:schemeClr val="lt1"/>
+          </a:fontRef>
+        </p:style>
+        <p:txBody>
+          <a:bodyPr rtlCol="0" anchor="ctr"/>
+          <a:lstStyle/>
+          <a:p>
+            <a:pPr algn="ctr"/>
+            <a:r>
+              <a:rPr lang="en-US" dirty="0" smtClean="0">
+                <a:solidFill>
+                  <a:schemeClr val="tx1"/>
+                </a:solidFill>
+              </a:rPr>
+              <a:t>Day 1: 76</a:t>
+            </a:r>
+            <a:r>
+              <a:rPr lang="en-US" dirty="0">
+                <a:solidFill>
+                  <a:schemeClr val="tx1"/>
+                </a:solidFill>
+              </a:rPr>
+              <a:t>°</a:t>
+            </a:r>
+            <a:r>
+              <a:rPr lang="en-US" dirty="0" smtClean="0">
+                <a:solidFill>
+                  <a:schemeClr val="tx1"/>
+                </a:solidFill>
+              </a:rPr>
+              <a:t>, 81</a:t>
+            </a:r>
+            <a:r>
+              <a:rPr lang="en-US" dirty="0">
+                <a:solidFill>
+                  <a:schemeClr val="tx1"/>
+                </a:solidFill>
+              </a:rPr>
+              <a:t>°</a:t>
+            </a:r>
+            <a:r>
+              <a:rPr lang="en-US" dirty="0" smtClean="0">
+                <a:solidFill>
+                  <a:schemeClr val="tx1"/>
+                </a:solidFill>
+              </a:rPr>
+              <a:t>, 79</a:t>
+            </a:r>
+            <a:r>
+              <a:rPr lang="en-US" dirty="0">
+                <a:solidFill>
+                  <a:schemeClr val="tx1"/>
+                </a:solidFill>
+              </a:rPr>
+              <a:t>°</a:t>
+            </a:r>
+          </a:p>
+        </p:txBody>
+      </p:sp>
+      <p:sp>
+        <p:nvSpPr>
+          <p:cNvPr id="22" name="Rounded Rectangle 21"/>
+          <p:cNvSpPr/>
+          <p:nvPr/>
+        </p:nvSpPr>
+        <p:spPr>
+          <a:xfrm>
+            <a:off x="3131985" y="2652696"/>
+            <a:ext cx="3034420" cy="382131"/>
+          </a:xfrm>
+          <a:prstGeom prst="roundRect">
+            <a:avLst/>
+          </a:prstGeom>
+          <a:solidFill>
+            <a:schemeClr val="accent2">
+              <a:alpha val="30000"/>
+            </a:schemeClr>
+          </a:solidFill>
+        </p:spPr>
+        <p:style>
+          <a:lnRef idx="2">
+            <a:schemeClr val="accent2">
+              <a:shade val="50000"/>
+            </a:schemeClr>
+          </a:lnRef>
+          <a:fillRef idx="1">
+            <a:schemeClr val="accent2"/>
+          </a:fillRef>
+          <a:effectRef idx="0">
+            <a:schemeClr val="accent2"/>
+          </a:effectRef>
+          <a:fontRef idx="minor">
+            <a:schemeClr val="lt1"/>
+          </a:fontRef>
+        </p:style>
+        <p:txBody>
+          <a:bodyPr rtlCol="0" anchor="ctr"/>
+          <a:lstStyle/>
+          <a:p>
+            <a:pPr algn="ctr"/>
+            <a:r>
+              <a:rPr lang="en-US" dirty="0" smtClean="0">
+                <a:solidFill>
+                  <a:schemeClr val="tx1"/>
+                </a:solidFill>
+              </a:rPr>
+              <a:t>Day 2: 79°, 83°, 80°</a:t>
+            </a:r>
+            <a:endParaRPr lang="en-US" dirty="0">
+              <a:solidFill>
+                <a:schemeClr val="tx1"/>
+              </a:solidFill>
+            </a:endParaRPr>
+          </a:p>
+        </p:txBody>
+      </p:sp>
+      <p:sp>
+        <p:nvSpPr>
+          <p:cNvPr id="24" name="Rounded Rectangle 23"/>
+          <p:cNvSpPr/>
+          <p:nvPr/>
+        </p:nvSpPr>
+        <p:spPr>
+          <a:xfrm>
+            <a:off x="3131985" y="3174898"/>
+            <a:ext cx="3034420" cy="382131"/>
+          </a:xfrm>
+          <a:prstGeom prst="roundRect">
+            <a:avLst/>
+          </a:prstGeom>
+          <a:solidFill>
+            <a:schemeClr val="accent2">
+              <a:alpha val="30000"/>
+            </a:schemeClr>
+          </a:solidFill>
+        </p:spPr>
+        <p:style>
+          <a:lnRef idx="2">
+            <a:schemeClr val="accent2">
+              <a:shade val="50000"/>
+            </a:schemeClr>
+          </a:lnRef>
+          <a:fillRef idx="1">
+            <a:schemeClr val="accent2"/>
+          </a:fillRef>
+          <a:effectRef idx="0">
+            <a:schemeClr val="accent2"/>
+          </a:effectRef>
+          <a:fontRef idx="minor">
+            <a:schemeClr val="lt1"/>
+          </a:fontRef>
+        </p:style>
+        <p:txBody>
+          <a:bodyPr rtlCol="0" anchor="ctr"/>
+          <a:lstStyle/>
+          <a:p>
+            <a:pPr algn="ctr"/>
+            <a:r>
+              <a:rPr lang="en-US" dirty="0" smtClean="0">
+                <a:solidFill>
+                  <a:schemeClr val="tx1"/>
+                </a:solidFill>
+              </a:rPr>
+              <a:t>Day 3: 80°, 85°, 80°</a:t>
+            </a:r>
+            <a:endParaRPr lang="en-US" dirty="0">
+              <a:solidFill>
+                <a:schemeClr val="tx1"/>
+              </a:solidFill>
+            </a:endParaRPr>
+          </a:p>
+        </p:txBody>
+      </p:sp>
+      <p:sp>
+        <p:nvSpPr>
+          <p:cNvPr id="25" name="Rounded Rectangle 24"/>
+          <p:cNvSpPr/>
+          <p:nvPr/>
+        </p:nvSpPr>
+        <p:spPr>
+          <a:xfrm>
+            <a:off x="3131985" y="3697100"/>
+            <a:ext cx="3034420" cy="382131"/>
+          </a:xfrm>
+          <a:prstGeom prst="roundRect">
+            <a:avLst/>
+          </a:prstGeom>
+          <a:solidFill>
+            <a:schemeClr val="accent2">
+              <a:alpha val="30000"/>
+            </a:schemeClr>
+          </a:solidFill>
+        </p:spPr>
+        <p:style>
+          <a:lnRef idx="2">
+            <a:schemeClr val="accent2">
+              <a:shade val="50000"/>
+            </a:schemeClr>
+          </a:lnRef>
+          <a:fillRef idx="1">
+            <a:schemeClr val="accent2"/>
+          </a:fillRef>
+          <a:effectRef idx="0">
+            <a:schemeClr val="accent2"/>
+          </a:effectRef>
+          <a:fontRef idx="minor">
+            <a:schemeClr val="lt1"/>
+          </a:fontRef>
+        </p:style>
+        <p:txBody>
+          <a:bodyPr rtlCol="0" anchor="ctr"/>
+          <a:lstStyle/>
+          <a:p>
+            <a:pPr algn="ctr"/>
+            <a:r>
+              <a:rPr lang="en-US" dirty="0" smtClean="0">
+                <a:solidFill>
+                  <a:schemeClr val="tx1"/>
+                </a:solidFill>
+              </a:rPr>
+              <a:t>Day 4: 81°, 87°, 79</a:t>
+            </a:r>
+            <a:r>
+              <a:rPr lang="en-US" dirty="0">
+                <a:solidFill>
+                  <a:schemeClr val="tx1"/>
+                </a:solidFill>
+              </a:rPr>
+              <a:t>°</a:t>
+            </a:r>
+          </a:p>
+        </p:txBody>
+      </p:sp>
+      <p:sp>
+        <p:nvSpPr>
+          <p:cNvPr id="26" name="Rounded Rectangle 25"/>
+          <p:cNvSpPr/>
+          <p:nvPr/>
+        </p:nvSpPr>
+        <p:spPr>
+          <a:xfrm>
+            <a:off x="3131985" y="4219302"/>
+            <a:ext cx="3034420" cy="382131"/>
+          </a:xfrm>
+          <a:prstGeom prst="roundRect">
+            <a:avLst/>
+          </a:prstGeom>
+          <a:solidFill>
+            <a:schemeClr val="accent2">
+              <a:alpha val="30000"/>
+            </a:schemeClr>
+          </a:solidFill>
+        </p:spPr>
+        <p:style>
+          <a:lnRef idx="2">
+            <a:schemeClr val="accent2">
+              <a:shade val="50000"/>
+            </a:schemeClr>
+          </a:lnRef>
+          <a:fillRef idx="1">
+            <a:schemeClr val="accent2"/>
+          </a:fillRef>
+          <a:effectRef idx="0">
+            <a:schemeClr val="accent2"/>
+          </a:effectRef>
+          <a:fontRef idx="minor">
+            <a:schemeClr val="lt1"/>
+          </a:fontRef>
+        </p:style>
+        <p:txBody>
+          <a:bodyPr rtlCol="0" anchor="ctr"/>
+          <a:lstStyle/>
+          <a:p>
+            <a:pPr algn="ctr"/>
+            <a:r>
+              <a:rPr lang="en-US" dirty="0" smtClean="0">
+                <a:solidFill>
+                  <a:schemeClr val="tx1"/>
+                </a:solidFill>
+              </a:rPr>
+              <a:t>Day 5: 72°, 79°, 75°</a:t>
+            </a:r>
+            <a:endParaRPr lang="en-US" dirty="0">
+              <a:solidFill>
+                <a:schemeClr val="tx1"/>
+              </a:solidFill>
+            </a:endParaRPr>
+          </a:p>
+        </p:txBody>
+      </p:sp>
+      <p:sp>
+        <p:nvSpPr>
+          <p:cNvPr id="27" name="Rounded Rectangle 26"/>
+          <p:cNvSpPr/>
+          <p:nvPr/>
+        </p:nvSpPr>
+        <p:spPr>
+          <a:xfrm>
+            <a:off x="3131985" y="4741504"/>
+            <a:ext cx="3034420" cy="382131"/>
+          </a:xfrm>
+          <a:prstGeom prst="roundRect">
+            <a:avLst/>
+          </a:prstGeom>
+          <a:solidFill>
+            <a:schemeClr val="accent2">
+              <a:alpha val="30000"/>
+            </a:schemeClr>
+          </a:solidFill>
+        </p:spPr>
+        <p:style>
+          <a:lnRef idx="2">
+            <a:schemeClr val="accent2">
+              <a:shade val="50000"/>
+            </a:schemeClr>
+          </a:lnRef>
+          <a:fillRef idx="1">
+            <a:schemeClr val="accent2"/>
+          </a:fillRef>
+          <a:effectRef idx="0">
+            <a:schemeClr val="accent2"/>
+          </a:effectRef>
+          <a:fontRef idx="minor">
+            <a:schemeClr val="lt1"/>
+          </a:fontRef>
+        </p:style>
+        <p:txBody>
+          <a:bodyPr rtlCol="0" anchor="ctr"/>
+          <a:lstStyle/>
+          <a:p>
+            <a:pPr algn="ctr"/>
+            <a:r>
+              <a:rPr lang="en-US" dirty="0" smtClean="0">
+                <a:solidFill>
+                  <a:schemeClr val="tx1"/>
+                </a:solidFill>
+              </a:rPr>
+              <a:t>Day 6: 75°, 79°, 72°</a:t>
+            </a:r>
+            <a:endParaRPr lang="en-US" dirty="0">
+              <a:solidFill>
+                <a:schemeClr val="tx1"/>
+              </a:solidFill>
+            </a:endParaRPr>
+          </a:p>
+        </p:txBody>
+      </p:sp>
+      <p:sp>
+        <p:nvSpPr>
+          <p:cNvPr id="28" name="Rounded Rectangle 27"/>
+          <p:cNvSpPr/>
+          <p:nvPr/>
+        </p:nvSpPr>
+        <p:spPr>
+          <a:xfrm>
+            <a:off x="3131985" y="5263705"/>
+            <a:ext cx="3034420" cy="382131"/>
+          </a:xfrm>
+          <a:prstGeom prst="roundRect">
+            <a:avLst/>
+          </a:prstGeom>
+          <a:solidFill>
+            <a:schemeClr val="accent2">
+              <a:alpha val="30000"/>
+            </a:schemeClr>
+          </a:solidFill>
+        </p:spPr>
+        <p:style>
+          <a:lnRef idx="2">
+            <a:schemeClr val="accent2">
+              <a:shade val="50000"/>
+            </a:schemeClr>
+          </a:lnRef>
+          <a:fillRef idx="1">
+            <a:schemeClr val="accent2"/>
+          </a:fillRef>
+          <a:effectRef idx="0">
+            <a:schemeClr val="accent2"/>
+          </a:effectRef>
+          <a:fontRef idx="minor">
+            <a:schemeClr val="lt1"/>
+          </a:fontRef>
+        </p:style>
+        <p:txBody>
+          <a:bodyPr rtlCol="0" anchor="ctr"/>
+          <a:lstStyle/>
+          <a:p>
+            <a:pPr algn="ctr"/>
+            <a:r>
+              <a:rPr lang="en-US" dirty="0" smtClean="0">
+                <a:solidFill>
+                  <a:schemeClr val="tx1"/>
+                </a:solidFill>
+              </a:rPr>
+              <a:t>Day 7: 81°, 88°, 77°</a:t>
+            </a:r>
+            <a:endParaRPr lang="en-US" dirty="0">
+              <a:solidFill>
+                <a:schemeClr val="tx1"/>
+              </a:solidFill>
+            </a:endParaRPr>
+          </a:p>
+        </p:txBody>
+      </p:sp>
+      <p:sp>
+        <p:nvSpPr>
+          <p:cNvPr id="3" name="Rectangle 2"/>
+          <p:cNvSpPr/>
+          <p:nvPr/>
+        </p:nvSpPr>
+        <p:spPr>
+          <a:xfrm>
+            <a:off x="2893938" y="1882561"/>
+            <a:ext cx="3528918" cy="3995524"/>
+          </a:xfrm>
+          <a:prstGeom prst="rect">
+            <a:avLst/>
+          </a:prstGeom>
+          <a:solidFill>
+            <a:schemeClr val="accent3">
+              <a:alpha val="18000"/>
+            </a:schemeClr>
+          </a:solidFill>
+        </p:spPr>
+        <p:style>
+          <a:lnRef idx="2">
+            <a:schemeClr val="accent3">
+              <a:shade val="50000"/>
+            </a:schemeClr>
+          </a:lnRef>
+          <a:fillRef idx="1">
+            <a:schemeClr val="accent3"/>
+          </a:fillRef>
+          <a:effectRef idx="0">
+            <a:schemeClr val="accent3"/>
+          </a:effectRef>
+          <a:fontRef idx="minor">
+            <a:schemeClr val="lt1"/>
+          </a:fontRef>
+        </p:style>
+        <p:txBody>
+          <a:bodyPr rtlCol="0" anchor="ctr"/>
+          <a:lstStyle/>
+          <a:p>
+            <a:pPr algn="ctr"/>
+            <a:endParaRPr lang="en-US"/>
+          </a:p>
+        </p:txBody>
+      </p:sp>
+    </p:spTree>
+    <p:extLst>
+      <p:ext uri="{BB962C8B-B14F-4D97-AF65-F5344CB8AC3E}">
+        <p14:creationId xmlns:p14="http://schemas.microsoft.com/office/powerpoint/2010/main" val="2425446487"/>
+      </p:ext>
+    </p:extLst>
+  </p:cSld>
+  <p:clrMapOvr>
+    <a:masterClrMapping/>
+  </p:clrMapOvr>
+</p:sld>
+</file>
+
+<file path=ppt/slides/slide58.xml><?xml version="1.0" encoding="utf-8"?>
+<p:sld xmlns:a="http://schemas.openxmlformats.org/drawingml/2006/main" xmlns:r="http://schemas.openxmlformats.org/officeDocument/2006/relationships" xmlns:p="http://schemas.openxmlformats.org/presentationml/2006/main">
+  <p:cSld>
+    <p:spTree>
+      <p:nvGrpSpPr>
+        <p:cNvPr id="1" name=""/>
+        <p:cNvGrpSpPr/>
+        <p:nvPr/>
+      </p:nvGrpSpPr>
+      <p:grpSpPr>
+        <a:xfrm>
+          <a:off x="0" y="0"/>
+          <a:ext cx="0" cy="0"/>
+          <a:chOff x="0" y="0"/>
+          <a:chExt cx="0" cy="0"/>
+        </a:xfrm>
+      </p:grpSpPr>
+      <p:sp>
+        <p:nvSpPr>
+          <p:cNvPr id="2" name="Title 1"/>
+          <p:cNvSpPr>
+            <a:spLocks noGrp="1"/>
+          </p:cNvSpPr>
+          <p:nvPr>
+            <p:ph type="title"/>
+          </p:nvPr>
+        </p:nvSpPr>
+        <p:spPr/>
+        <p:txBody>
+          <a:bodyPr/>
+          <a:lstStyle/>
+          <a:p>
+            <a:r>
+              <a:rPr lang="en-US" dirty="0" smtClean="0"/>
+              <a:t>Array Syntax</a:t>
+            </a:r>
+            <a:endParaRPr lang="en-US" dirty="0"/>
+          </a:p>
+        </p:txBody>
+      </p:sp>
+      <p:sp>
+        <p:nvSpPr>
+          <p:cNvPr id="3" name="Content Placeholder 2"/>
+          <p:cNvSpPr>
+            <a:spLocks noGrp="1"/>
+          </p:cNvSpPr>
+          <p:nvPr>
+            <p:ph idx="1"/>
+          </p:nvPr>
+        </p:nvSpPr>
+        <p:spPr/>
+        <p:txBody>
+          <a:bodyPr>
+            <a:normAutofit/>
+          </a:bodyPr>
+          <a:lstStyle/>
+          <a:p>
+            <a:r>
+              <a:rPr lang="en-US" dirty="0" smtClean="0"/>
+              <a:t>Simple</a:t>
+            </a:r>
+            <a:r>
+              <a:rPr lang="en-US" dirty="0"/>
+              <a:t>/</a:t>
+            </a:r>
+            <a:r>
+              <a:rPr lang="en-US" dirty="0" smtClean="0"/>
+              <a:t>Compact </a:t>
+            </a:r>
+            <a:r>
+              <a:rPr lang="en-US" dirty="0" smtClean="0"/>
+              <a:t>Syntax</a:t>
+            </a:r>
+          </a:p>
+          <a:p>
+            <a:pPr marL="400050" lvl="1" indent="0">
+              <a:buNone/>
+            </a:pPr>
+            <a:r>
+              <a:rPr lang="en-US" dirty="0" smtClean="0"/>
+              <a:t>[</a:t>
+            </a:r>
+            <a:r>
+              <a:rPr lang="en-US" dirty="0">
+                <a:solidFill>
+                  <a:schemeClr val="accent6">
+                    <a:lumMod val="75000"/>
+                  </a:schemeClr>
+                </a:solidFill>
+              </a:rPr>
+              <a:t>element0</a:t>
+            </a:r>
+            <a:r>
+              <a:rPr lang="en-US" dirty="0">
+                <a:solidFill>
+                  <a:srgbClr val="000000"/>
+                </a:solidFill>
+              </a:rPr>
+              <a:t>,</a:t>
+            </a:r>
+            <a:r>
+              <a:rPr lang="en-US" dirty="0">
+                <a:solidFill>
+                  <a:schemeClr val="accent6">
+                    <a:lumMod val="75000"/>
+                  </a:schemeClr>
+                </a:solidFill>
+              </a:rPr>
+              <a:t> element1</a:t>
+            </a:r>
+            <a:r>
+              <a:rPr lang="en-US" dirty="0">
+                <a:solidFill>
+                  <a:srgbClr val="000000"/>
+                </a:solidFill>
+              </a:rPr>
+              <a:t>,</a:t>
+            </a:r>
+            <a:r>
+              <a:rPr lang="en-US" dirty="0">
+                <a:solidFill>
+                  <a:schemeClr val="accent6">
+                    <a:lumMod val="75000"/>
+                  </a:schemeClr>
+                </a:solidFill>
+              </a:rPr>
+              <a:t> element2</a:t>
+            </a:r>
+            <a:r>
+              <a:rPr lang="en-US" dirty="0">
+                <a:solidFill>
+                  <a:srgbClr val="000000"/>
+                </a:solidFill>
+              </a:rPr>
+              <a:t>,</a:t>
+            </a:r>
+            <a:r>
+              <a:rPr lang="en-US" dirty="0">
+                <a:solidFill>
+                  <a:schemeClr val="accent6">
+                    <a:lumMod val="75000"/>
+                  </a:schemeClr>
+                </a:solidFill>
+              </a:rPr>
+              <a:t> </a:t>
+            </a:r>
+            <a:r>
+              <a:rPr lang="is-IS" dirty="0">
+                <a:solidFill>
+                  <a:schemeClr val="accent6">
+                    <a:lumMod val="75000"/>
+                  </a:schemeClr>
+                </a:solidFill>
+              </a:rPr>
+              <a:t>…</a:t>
+            </a:r>
+            <a:r>
+              <a:rPr lang="is-IS" dirty="0">
+                <a:solidFill>
+                  <a:srgbClr val="000000"/>
+                </a:solidFill>
+              </a:rPr>
+              <a:t>,</a:t>
+            </a:r>
+            <a:r>
+              <a:rPr lang="is-IS" dirty="0">
+                <a:solidFill>
+                  <a:schemeClr val="accent6">
+                    <a:lumMod val="75000"/>
+                  </a:schemeClr>
+                </a:solidFill>
+              </a:rPr>
+              <a:t> elementN</a:t>
+            </a:r>
+            <a:r>
+              <a:rPr lang="is-IS" dirty="0" smtClean="0"/>
+              <a:t>]</a:t>
+            </a:r>
+          </a:p>
+          <a:p>
+            <a:pPr marL="457200" indent="-457200"/>
+            <a:r>
+              <a:rPr lang="is-IS" dirty="0" smtClean="0"/>
+              <a:t>Formal Syntax</a:t>
+            </a:r>
+          </a:p>
+          <a:p>
+            <a:pPr marL="0" indent="0">
+              <a:buNone/>
+            </a:pPr>
+            <a:r>
+              <a:rPr lang="is-IS" dirty="0"/>
+              <a:t>	</a:t>
+            </a:r>
+            <a:r>
+              <a:rPr lang="is-IS" i="1" dirty="0" smtClean="0">
+                <a:solidFill>
+                  <a:srgbClr val="008000"/>
+                </a:solidFill>
+              </a:rPr>
+              <a:t>new</a:t>
+            </a:r>
+            <a:r>
+              <a:rPr lang="is-IS" dirty="0" smtClean="0">
+                <a:solidFill>
+                  <a:srgbClr val="008000"/>
+                </a:solidFill>
+              </a:rPr>
+              <a:t> </a:t>
+            </a:r>
+            <a:r>
+              <a:rPr lang="is-IS" i="1" dirty="0" smtClean="0">
+                <a:solidFill>
+                  <a:srgbClr val="0000FF"/>
+                </a:solidFill>
+              </a:rPr>
+              <a:t>Array</a:t>
+            </a:r>
+            <a:r>
+              <a:rPr lang="is-IS" dirty="0" smtClean="0"/>
+              <a:t>(</a:t>
+            </a:r>
+            <a:r>
+              <a:rPr lang="en-US" dirty="0">
+                <a:solidFill>
+                  <a:schemeClr val="accent6">
+                    <a:lumMod val="75000"/>
+                  </a:schemeClr>
+                </a:solidFill>
+              </a:rPr>
+              <a:t>element0</a:t>
+            </a:r>
+            <a:r>
+              <a:rPr lang="en-US" dirty="0">
+                <a:solidFill>
+                  <a:srgbClr val="000000"/>
+                </a:solidFill>
+              </a:rPr>
+              <a:t>,</a:t>
+            </a:r>
+            <a:r>
+              <a:rPr lang="en-US" dirty="0">
+                <a:solidFill>
+                  <a:schemeClr val="accent6">
+                    <a:lumMod val="75000"/>
+                  </a:schemeClr>
+                </a:solidFill>
+              </a:rPr>
+              <a:t> element1</a:t>
+            </a:r>
+            <a:r>
+              <a:rPr lang="en-US" dirty="0">
+                <a:solidFill>
+                  <a:srgbClr val="000000"/>
+                </a:solidFill>
+              </a:rPr>
+              <a:t>,</a:t>
+            </a:r>
+            <a:r>
+              <a:rPr lang="en-US" dirty="0">
+                <a:solidFill>
+                  <a:schemeClr val="accent6">
+                    <a:lumMod val="75000"/>
+                  </a:schemeClr>
+                </a:solidFill>
+              </a:rPr>
+              <a:t> element2</a:t>
+            </a:r>
+            <a:r>
+              <a:rPr lang="en-US" dirty="0">
+                <a:solidFill>
+                  <a:srgbClr val="000000"/>
+                </a:solidFill>
+              </a:rPr>
+              <a:t>,</a:t>
+            </a:r>
+            <a:r>
+              <a:rPr lang="en-US" dirty="0">
+                <a:solidFill>
+                  <a:schemeClr val="accent6">
+                    <a:lumMod val="75000"/>
+                  </a:schemeClr>
+                </a:solidFill>
+              </a:rPr>
+              <a:t> </a:t>
+            </a:r>
+            <a:r>
+              <a:rPr lang="is-IS" dirty="0">
+                <a:solidFill>
+                  <a:schemeClr val="accent6">
+                    <a:lumMod val="75000"/>
+                  </a:schemeClr>
+                </a:solidFill>
+              </a:rPr>
+              <a:t>…</a:t>
+            </a:r>
+            <a:r>
+              <a:rPr lang="is-IS" dirty="0">
+                <a:solidFill>
+                  <a:srgbClr val="000000"/>
+                </a:solidFill>
+              </a:rPr>
+              <a:t>,</a:t>
+            </a:r>
+            <a:r>
+              <a:rPr lang="is-IS" dirty="0">
+                <a:solidFill>
+                  <a:schemeClr val="accent6">
+                    <a:lumMod val="75000"/>
+                  </a:schemeClr>
+                </a:solidFill>
+              </a:rPr>
+              <a:t> elementN</a:t>
+            </a:r>
+            <a:r>
+              <a:rPr lang="is-IS" dirty="0" smtClean="0"/>
+              <a:t>)</a:t>
+            </a:r>
+            <a:endParaRPr lang="en-US" dirty="0"/>
+          </a:p>
+        </p:txBody>
+      </p:sp>
+    </p:spTree>
+    <p:extLst>
+      <p:ext uri="{BB962C8B-B14F-4D97-AF65-F5344CB8AC3E}">
+        <p14:creationId xmlns:p14="http://schemas.microsoft.com/office/powerpoint/2010/main" val="162034613"/>
+      </p:ext>
+    </p:extLst>
+  </p:cSld>
+  <p:clrMapOvr>
+    <a:masterClrMapping/>
+  </p:clrMapOvr>
+</p:sld>
+</file>
+
+<file path=ppt/slides/slide59.xml><?xml version="1.0" encoding="utf-8"?>
+<p:sld xmlns:a="http://schemas.openxmlformats.org/drawingml/2006/main" xmlns:r="http://schemas.openxmlformats.org/officeDocument/2006/relationships" xmlns:p="http://schemas.openxmlformats.org/presentationml/2006/main">
+  <p:cSld>
+    <p:spTree>
+      <p:nvGrpSpPr>
+        <p:cNvPr id="1" name=""/>
+        <p:cNvGrpSpPr/>
+        <p:nvPr/>
+      </p:nvGrpSpPr>
+      <p:grpSpPr>
+        <a:xfrm>
+          <a:off x="0" y="0"/>
+          <a:ext cx="0" cy="0"/>
+          <a:chOff x="0" y="0"/>
+          <a:chExt cx="0" cy="0"/>
+        </a:xfrm>
+      </p:grpSpPr>
+      <p:sp>
+        <p:nvSpPr>
+          <p:cNvPr id="2" name="Title 1"/>
+          <p:cNvSpPr>
+            <a:spLocks noGrp="1"/>
+          </p:cNvSpPr>
+          <p:nvPr>
+            <p:ph type="title"/>
+          </p:nvPr>
+        </p:nvSpPr>
+        <p:spPr/>
+        <p:txBody>
+          <a:bodyPr/>
+          <a:lstStyle/>
+          <a:p>
+            <a:r>
+              <a:rPr lang="en-US" i="1" u="sng" dirty="0" smtClean="0"/>
+              <a:t>Basic</a:t>
+            </a:r>
+            <a:r>
+              <a:rPr lang="en-US" dirty="0" smtClean="0"/>
+              <a:t> Array Usage</a:t>
+            </a:r>
+            <a:endParaRPr lang="en-US" dirty="0"/>
+          </a:p>
+        </p:txBody>
+      </p:sp>
+      <p:pic>
+        <p:nvPicPr>
+          <p:cNvPr id="7" name="Picture 6"/>
+          <p:cNvPicPr>
+            <a:picLocks noChangeAspect="1"/>
+          </p:cNvPicPr>
+          <p:nvPr/>
+        </p:nvPicPr>
+        <p:blipFill>
+          <a:blip r:embed="rId2"/>
+          <a:stretch>
+            <a:fillRect/>
+          </a:stretch>
+        </p:blipFill>
+        <p:spPr>
+          <a:xfrm>
+            <a:off x="3289300" y="1417638"/>
+            <a:ext cx="2565400" cy="1955800"/>
+          </a:xfrm>
+          <a:prstGeom prst="rect">
+            <a:avLst/>
+          </a:prstGeom>
+        </p:spPr>
+      </p:pic>
+      <p:pic>
+        <p:nvPicPr>
+          <p:cNvPr id="10" name="Picture 9"/>
+          <p:cNvPicPr>
+            <a:picLocks noChangeAspect="1"/>
+          </p:cNvPicPr>
+          <p:nvPr/>
+        </p:nvPicPr>
+        <p:blipFill>
+          <a:blip r:embed="rId3"/>
+          <a:stretch>
+            <a:fillRect/>
+          </a:stretch>
+        </p:blipFill>
+        <p:spPr>
+          <a:xfrm>
+            <a:off x="1931635" y="3860800"/>
+            <a:ext cx="5346700" cy="876300"/>
+          </a:xfrm>
+          <a:prstGeom prst="rect">
+            <a:avLst/>
+          </a:prstGeom>
+        </p:spPr>
+      </p:pic>
+    </p:spTree>
+    <p:extLst>
+      <p:ext uri="{BB962C8B-B14F-4D97-AF65-F5344CB8AC3E}">
+        <p14:creationId xmlns:p14="http://schemas.microsoft.com/office/powerpoint/2010/main" val="155084807"/>
       </p:ext>
     </p:extLst>
   </p:cSld>
@@ -20171,6 +27325,119 @@
       </p:par>
     </p:tnLst>
   </p:timing>
+</p:sld>
+</file>
+
+<file path=ppt/slides/slide60.xml><?xml version="1.0" encoding="utf-8"?>
+<p:sld xmlns:a="http://schemas.openxmlformats.org/drawingml/2006/main" xmlns:r="http://schemas.openxmlformats.org/officeDocument/2006/relationships" xmlns:p="http://schemas.openxmlformats.org/presentationml/2006/main">
+  <p:cSld>
+    <p:spTree>
+      <p:nvGrpSpPr>
+        <p:cNvPr id="1" name=""/>
+        <p:cNvGrpSpPr/>
+        <p:nvPr/>
+      </p:nvGrpSpPr>
+      <p:grpSpPr>
+        <a:xfrm>
+          <a:off x="0" y="0"/>
+          <a:ext cx="0" cy="0"/>
+          <a:chOff x="0" y="0"/>
+          <a:chExt cx="0" cy="0"/>
+        </a:xfrm>
+      </p:grpSpPr>
+      <p:sp>
+        <p:nvSpPr>
+          <p:cNvPr id="2" name="Title 1"/>
+          <p:cNvSpPr>
+            <a:spLocks noGrp="1"/>
+          </p:cNvSpPr>
+          <p:nvPr>
+            <p:ph type="title"/>
+          </p:nvPr>
+        </p:nvSpPr>
+        <p:spPr/>
+        <p:txBody>
+          <a:bodyPr/>
+          <a:lstStyle/>
+          <a:p>
+            <a:r>
+              <a:rPr lang="en-US" dirty="0" smtClean="0"/>
+              <a:t>Conclusion</a:t>
+            </a:r>
+            <a:endParaRPr lang="en-US" dirty="0"/>
+          </a:p>
+        </p:txBody>
+      </p:sp>
+      <p:sp>
+        <p:nvSpPr>
+          <p:cNvPr id="3" name="Content Placeholder 2"/>
+          <p:cNvSpPr>
+            <a:spLocks noGrp="1"/>
+          </p:cNvSpPr>
+          <p:nvPr>
+            <p:ph idx="1"/>
+          </p:nvPr>
+        </p:nvSpPr>
+        <p:spPr/>
+        <p:txBody>
+          <a:bodyPr/>
+          <a:lstStyle/>
+          <a:p>
+            <a:r>
+              <a:rPr lang="en-US" dirty="0" smtClean="0"/>
+              <a:t>What have we learned?</a:t>
+            </a:r>
+          </a:p>
+          <a:p>
+            <a:pPr lvl="1"/>
+            <a:r>
+              <a:rPr lang="en-US" dirty="0" smtClean="0"/>
+              <a:t>Arrays are useful for group related values</a:t>
+            </a:r>
+          </a:p>
+          <a:p>
+            <a:pPr lvl="1"/>
+            <a:r>
+              <a:rPr lang="en-US" dirty="0" smtClean="0"/>
+              <a:t>Creating an array is </a:t>
+            </a:r>
+            <a:r>
+              <a:rPr lang="en-US" i="1" u="sng" dirty="0" smtClean="0"/>
+              <a:t>fairly</a:t>
+            </a:r>
+            <a:r>
+              <a:rPr lang="en-US" dirty="0" smtClean="0"/>
+              <a:t> simple</a:t>
+            </a:r>
+          </a:p>
+          <a:p>
+            <a:pPr lvl="1"/>
+            <a:r>
+              <a:rPr lang="en-US" dirty="0" smtClean="0"/>
+              <a:t>JavaScript’s </a:t>
+            </a:r>
+            <a:r>
+              <a:rPr lang="en-US" smtClean="0"/>
+              <a:t>console.log</a:t>
+            </a:r>
+            <a:r>
+              <a:rPr lang="en-US" dirty="0" smtClean="0"/>
+              <a:t>() function knows how to print an array</a:t>
+            </a:r>
+            <a:endParaRPr lang="en-US" dirty="0"/>
+          </a:p>
+        </p:txBody>
+      </p:sp>
+    </p:spTree>
+    <p:extLst>
+      <p:ext uri="{BB962C8B-B14F-4D97-AF65-F5344CB8AC3E}">
+        <p14:creationId xmlns:p14="http://schemas.microsoft.com/office/powerpoint/2010/main" val="1051472918"/>
+      </p:ext>
+    </p:extLst>
+  </p:cSld>
+  <p:clrMapOvr>
+    <a:masterClrMapping/>
+  </p:clrMapOvr>
 </p:sld>
 </file>
 

--- a/docs/learn-computer-programming.pptx
+++ b/docs/learn-computer-programming.pptx
@@ -65,6 +65,14 @@
     <p:sldId id="311" r:id="rId59"/>
     <p:sldId id="309" r:id="rId60"/>
     <p:sldId id="316" r:id="rId61"/>
+    <p:sldId id="317" r:id="rId62"/>
+    <p:sldId id="321" r:id="rId63"/>
+    <p:sldId id="318" r:id="rId64"/>
+    <p:sldId id="319" r:id="rId65"/>
+    <p:sldId id="320" r:id="rId66"/>
+    <p:sldId id="323" r:id="rId67"/>
+    <p:sldId id="322" r:id="rId68"/>
+    <p:sldId id="324" r:id="rId69"/>
   </p:sldIdLst>
   <p:sldSz cx="9144000" cy="6858000" type="screen4x3"/>
   <p:notesSz cx="6858000" cy="9144000"/>
@@ -3611,42 +3619,42 @@
     </dgm:pt>
   </dgm:ptLst>
   <dgm:cxnLst>
-    <dgm:cxn modelId="{0A19088C-A894-A349-B6F2-D0CA96CD47FA}" srcId="{960CE163-DF35-2B44-83E7-B9153BC66084}" destId="{1AD1EA1C-020E-5744-81BA-AEEC1A7A11F3}" srcOrd="2" destOrd="0" parTransId="{12CF4121-F3B4-5C45-B72F-C1FB37DD3C0D}" sibTransId="{E7356A86-2BC1-2844-87C1-0F4142A0BACE}"/>
-    <dgm:cxn modelId="{A5EF75CA-949B-FB42-A967-633DBF9C5416}" srcId="{67DF074B-DE05-B24C-9E35-CDBF726DC2DD}" destId="{2CF1C699-9046-8C42-87E6-2861BF37D660}" srcOrd="1" destOrd="0" parTransId="{F9A1264F-2EB8-8148-8E8F-B74886C30473}" sibTransId="{2B88B2F7-3FE5-E743-A3EF-F1DB3821C219}"/>
-    <dgm:cxn modelId="{1BB5FA34-3C64-DD46-93EA-B2497E30C558}" type="presOf" srcId="{0C3731E6-7189-414B-8AA4-AA411ADE82DC}" destId="{F42357F4-6E12-A041-A7D6-81713E5E517B}" srcOrd="0" destOrd="0" presId="urn:microsoft.com/office/officeart/2005/8/layout/hierarchy1"/>
-    <dgm:cxn modelId="{4143E40A-3339-5746-9665-4720B7275017}" type="presOf" srcId="{4261D7F4-A7D0-3F49-B78A-20CFB380B683}" destId="{C2C1A37D-940A-6743-AC99-D92FAAA879A9}" srcOrd="0" destOrd="0" presId="urn:microsoft.com/office/officeart/2005/8/layout/hierarchy1"/>
-    <dgm:cxn modelId="{62868263-8B87-BF41-9DB1-C409701EE1E3}" type="presOf" srcId="{184A7FBE-4658-3046-B4A7-4EBDDC670AD1}" destId="{2E4A94D1-71F0-A046-B95F-18095848F38A}" srcOrd="0" destOrd="0" presId="urn:microsoft.com/office/officeart/2005/8/layout/hierarchy1"/>
-    <dgm:cxn modelId="{56B8DE62-0A59-E34F-BA89-ACA8FE07FD37}" type="presOf" srcId="{A215CF19-F4EB-414A-A10F-B2A96141FE91}" destId="{0B86410B-498D-AB4D-9967-4C4AEDB1DF45}" srcOrd="0" destOrd="0" presId="urn:microsoft.com/office/officeart/2005/8/layout/hierarchy1"/>
-    <dgm:cxn modelId="{4CC6FB2A-BDF9-2948-B3E8-8BFD444DE0F5}" srcId="{67DF074B-DE05-B24C-9E35-CDBF726DC2DD}" destId="{632DBD1E-A080-C14D-89CD-94A8C0F3CF25}" srcOrd="0" destOrd="0" parTransId="{563BE0E2-35F1-EA43-92A4-487E8781D214}" sibTransId="{BC85FB81-59E3-3246-A1DB-AA9BCA174B1A}"/>
-    <dgm:cxn modelId="{7E833AC7-C906-EC48-8CF2-050B2E9E6DD6}" type="presOf" srcId="{632DBD1E-A080-C14D-89CD-94A8C0F3CF25}" destId="{2246CDBD-2CA8-A34C-A89B-E32ACB07E97A}" srcOrd="0" destOrd="0" presId="urn:microsoft.com/office/officeart/2005/8/layout/hierarchy1"/>
-    <dgm:cxn modelId="{48C3CFE4-65EB-9D4E-A0CE-F9F821B5D78C}" srcId="{FE86CB60-E462-414C-BF0E-606A57D7AD93}" destId="{9C7D04B1-85B2-3F41-9343-3724449F75B3}" srcOrd="0" destOrd="0" parTransId="{184A7FBE-4658-3046-B4A7-4EBDDC670AD1}" sibTransId="{5D03D28D-4580-AA4E-B725-784F886C6797}"/>
-    <dgm:cxn modelId="{5125BE48-CBDA-9E46-A5EC-A00E5922E856}" type="presOf" srcId="{8C382D6E-A069-234E-96CC-A5A865E2BBBD}" destId="{C6BA431E-FA40-1D4E-A3D8-2A8BD37A2453}" srcOrd="0" destOrd="0" presId="urn:microsoft.com/office/officeart/2005/8/layout/hierarchy1"/>
-    <dgm:cxn modelId="{FFC55F0E-24F0-0940-B0B5-F6820B65D7C7}" type="presOf" srcId="{E5C8F682-32CD-424A-896C-91EAD3E64C45}" destId="{76B33B1D-4CA5-544F-BF28-B308B507EF10}" srcOrd="0" destOrd="0" presId="urn:microsoft.com/office/officeart/2005/8/layout/hierarchy1"/>
-    <dgm:cxn modelId="{BE4A5523-AA4B-D244-80FB-A948E67617FE}" srcId="{AE7EA77A-1D8E-3F42-95E1-4EB11A443A81}" destId="{4261D7F4-A7D0-3F49-B78A-20CFB380B683}" srcOrd="0" destOrd="0" parTransId="{8C382D6E-A069-234E-96CC-A5A865E2BBBD}" sibTransId="{BFE6C573-BEC1-BB44-914C-4A90CDE91A1A}"/>
-    <dgm:cxn modelId="{BD876DF4-FBEE-9943-863F-7B7F61CBAEA9}" srcId="{960CE163-DF35-2B44-83E7-B9153BC66084}" destId="{FE86CB60-E462-414C-BF0E-606A57D7AD93}" srcOrd="3" destOrd="0" parTransId="{70F0D127-9705-B346-8456-2EA73B6E30CF}" sibTransId="{B2965BF0-14E0-474E-A2AB-CCA4521513DD}"/>
-    <dgm:cxn modelId="{7B0EFE83-8F7C-2148-A812-1F8ACB477747}" type="presOf" srcId="{F9A1264F-2EB8-8148-8E8F-B74886C30473}" destId="{9541F663-17CE-1449-B545-4E9F3C558C3A}" srcOrd="0" destOrd="0" presId="urn:microsoft.com/office/officeart/2005/8/layout/hierarchy1"/>
-    <dgm:cxn modelId="{1FDA42F0-000F-6E4D-ACBD-DD297AF16C8B}" type="presOf" srcId="{960CE163-DF35-2B44-83E7-B9153BC66084}" destId="{923B0C63-79B7-9B4A-94B9-19130FBE5D7B}" srcOrd="0" destOrd="0" presId="urn:microsoft.com/office/officeart/2005/8/layout/hierarchy1"/>
-    <dgm:cxn modelId="{C885BB5D-362B-1847-87CF-E1B639313EA0}" srcId="{FE86CB60-E462-414C-BF0E-606A57D7AD93}" destId="{E5C8F682-32CD-424A-896C-91EAD3E64C45}" srcOrd="2" destOrd="0" parTransId="{E3372A67-8AD5-414E-9A1F-4D9E3CFF6332}" sibTransId="{B77BD5BE-E444-A847-B5CA-1B150064119C}"/>
-    <dgm:cxn modelId="{68A68B6C-C4A2-404D-9619-7E596F60AE28}" srcId="{FE86CB60-E462-414C-BF0E-606A57D7AD93}" destId="{67DF074B-DE05-B24C-9E35-CDBF726DC2DD}" srcOrd="1" destOrd="0" parTransId="{0C3731E6-7189-414B-8AA4-AA411ADE82DC}" sibTransId="{4A343348-5A18-A64D-B967-67FF94A2182D}"/>
-    <dgm:cxn modelId="{E1A0809A-BAEA-BF42-92A8-DDEE32055693}" type="presOf" srcId="{9C7D04B1-85B2-3F41-9343-3724449F75B3}" destId="{AD6B8219-1F5B-DA4F-B261-22B5D0551A94}" srcOrd="0" destOrd="0" presId="urn:microsoft.com/office/officeart/2005/8/layout/hierarchy1"/>
-    <dgm:cxn modelId="{74C3DF55-2571-4A42-A3D4-79D2D7286452}" type="presOf" srcId="{12CF4121-F3B4-5C45-B72F-C1FB37DD3C0D}" destId="{800FD04D-B3AC-0B4A-955F-2E2198D77D53}" srcOrd="0" destOrd="0" presId="urn:microsoft.com/office/officeart/2005/8/layout/hierarchy1"/>
-    <dgm:cxn modelId="{7DFEC403-3D07-E147-94A7-6948508849D0}" type="presOf" srcId="{563BE0E2-35F1-EA43-92A4-487E8781D214}" destId="{1F5FFC55-2839-634C-8F0C-96EACF5BE3CB}" srcOrd="0" destOrd="0" presId="urn:microsoft.com/office/officeart/2005/8/layout/hierarchy1"/>
-    <dgm:cxn modelId="{D2D6BF3A-81D0-9346-B33A-086AABA7D7D7}" type="presOf" srcId="{D0F565E7-5D70-054E-90E0-C19FE13B6790}" destId="{6B84F89A-BB62-184B-ACA8-8A1AAAE34DE1}" srcOrd="0" destOrd="0" presId="urn:microsoft.com/office/officeart/2005/8/layout/hierarchy1"/>
-    <dgm:cxn modelId="{FE6DB9C5-C848-C041-9BAC-D3D409ECA3D7}" type="presOf" srcId="{67DF074B-DE05-B24C-9E35-CDBF726DC2DD}" destId="{EBC8209D-BB74-B44A-A57A-C51ABEDBBAE8}" srcOrd="0" destOrd="0" presId="urn:microsoft.com/office/officeart/2005/8/layout/hierarchy1"/>
-    <dgm:cxn modelId="{09A4557F-E6E3-CA46-A390-4566B55E38CE}" srcId="{AE7EA77A-1D8E-3F42-95E1-4EB11A443A81}" destId="{A215CF19-F4EB-414A-A10F-B2A96141FE91}" srcOrd="1" destOrd="0" parTransId="{4810192D-B607-5A42-8DCE-8CFCF1A82427}" sibTransId="{466C1D3C-619E-C448-BF54-2F35FBFACADE}"/>
-    <dgm:cxn modelId="{8BD052AF-949A-F948-A12A-2F16C08A8BAA}" type="presOf" srcId="{4810192D-B607-5A42-8DCE-8CFCF1A82427}" destId="{28156514-4C64-AE45-A406-98283D6076D6}" srcOrd="0" destOrd="0" presId="urn:microsoft.com/office/officeart/2005/8/layout/hierarchy1"/>
-    <dgm:cxn modelId="{629969CD-5D04-2A43-B3AF-FE8A98094A86}" type="presOf" srcId="{6C0275DE-9DFE-0E43-8DDA-D28DD222D71F}" destId="{8CFA3E84-678E-C345-8D46-63E85CF195E2}" srcOrd="0" destOrd="0" presId="urn:microsoft.com/office/officeart/2005/8/layout/hierarchy1"/>
     <dgm:cxn modelId="{250B2BE2-FEC5-CD47-89C4-F8108BC7D53A}" type="presOf" srcId="{FE86CB60-E462-414C-BF0E-606A57D7AD93}" destId="{6603764C-B415-664F-8885-A7DAA8CAF3E7}" srcOrd="0" destOrd="0" presId="urn:microsoft.com/office/officeart/2005/8/layout/hierarchy1"/>
     <dgm:cxn modelId="{1D703EA7-18EF-A644-AD84-6BA0E7A84E48}" srcId="{960CE163-DF35-2B44-83E7-B9153BC66084}" destId="{AE7EA77A-1D8E-3F42-95E1-4EB11A443A81}" srcOrd="0" destOrd="0" parTransId="{D0F565E7-5D70-054E-90E0-C19FE13B6790}" sibTransId="{A9860EA9-F28C-E04C-8CCC-2E75895ED615}"/>
+    <dgm:cxn modelId="{BD876DF4-FBEE-9943-863F-7B7F61CBAEA9}" srcId="{960CE163-DF35-2B44-83E7-B9153BC66084}" destId="{FE86CB60-E462-414C-BF0E-606A57D7AD93}" srcOrd="3" destOrd="0" parTransId="{70F0D127-9705-B346-8456-2EA73B6E30CF}" sibTransId="{B2965BF0-14E0-474E-A2AB-CCA4521513DD}"/>
+    <dgm:cxn modelId="{BDB62AEF-004A-3E4A-BA04-15FFC883C6DC}" type="presOf" srcId="{1AD1EA1C-020E-5744-81BA-AEEC1A7A11F3}" destId="{D86CCABB-994E-2B44-9B36-549A167DC946}" srcOrd="0" destOrd="0" presId="urn:microsoft.com/office/officeart/2005/8/layout/hierarchy1"/>
+    <dgm:cxn modelId="{E1A0809A-BAEA-BF42-92A8-DDEE32055693}" type="presOf" srcId="{9C7D04B1-85B2-3F41-9343-3724449F75B3}" destId="{AD6B8219-1F5B-DA4F-B261-22B5D0551A94}" srcOrd="0" destOrd="0" presId="urn:microsoft.com/office/officeart/2005/8/layout/hierarchy1"/>
+    <dgm:cxn modelId="{56B8DE62-0A59-E34F-BA89-ACA8FE07FD37}" type="presOf" srcId="{A215CF19-F4EB-414A-A10F-B2A96141FE91}" destId="{0B86410B-498D-AB4D-9967-4C4AEDB1DF45}" srcOrd="0" destOrd="0" presId="urn:microsoft.com/office/officeart/2005/8/layout/hierarchy1"/>
+    <dgm:cxn modelId="{D2D6BF3A-81D0-9346-B33A-086AABA7D7D7}" type="presOf" srcId="{D0F565E7-5D70-054E-90E0-C19FE13B6790}" destId="{6B84F89A-BB62-184B-ACA8-8A1AAAE34DE1}" srcOrd="0" destOrd="0" presId="urn:microsoft.com/office/officeart/2005/8/layout/hierarchy1"/>
+    <dgm:cxn modelId="{62868263-8B87-BF41-9DB1-C409701EE1E3}" type="presOf" srcId="{184A7FBE-4658-3046-B4A7-4EBDDC670AD1}" destId="{2E4A94D1-71F0-A046-B95F-18095848F38A}" srcOrd="0" destOrd="0" presId="urn:microsoft.com/office/officeart/2005/8/layout/hierarchy1"/>
+    <dgm:cxn modelId="{1BB5FA34-3C64-DD46-93EA-B2497E30C558}" type="presOf" srcId="{0C3731E6-7189-414B-8AA4-AA411ADE82DC}" destId="{F42357F4-6E12-A041-A7D6-81713E5E517B}" srcOrd="0" destOrd="0" presId="urn:microsoft.com/office/officeart/2005/8/layout/hierarchy1"/>
+    <dgm:cxn modelId="{4CC6FB2A-BDF9-2948-B3E8-8BFD444DE0F5}" srcId="{67DF074B-DE05-B24C-9E35-CDBF726DC2DD}" destId="{632DBD1E-A080-C14D-89CD-94A8C0F3CF25}" srcOrd="0" destOrd="0" parTransId="{563BE0E2-35F1-EA43-92A4-487E8781D214}" sibTransId="{BC85FB81-59E3-3246-A1DB-AA9BCA174B1A}"/>
+    <dgm:cxn modelId="{48C3CFE4-65EB-9D4E-A0CE-F9F821B5D78C}" srcId="{FE86CB60-E462-414C-BF0E-606A57D7AD93}" destId="{9C7D04B1-85B2-3F41-9343-3724449F75B3}" srcOrd="0" destOrd="0" parTransId="{184A7FBE-4658-3046-B4A7-4EBDDC670AD1}" sibTransId="{5D03D28D-4580-AA4E-B725-784F886C6797}"/>
+    <dgm:cxn modelId="{89EEE784-3EED-8F43-8217-BBD1C237CA84}" type="presOf" srcId="{2CF1C699-9046-8C42-87E6-2861BF37D660}" destId="{9152FE1E-3F9F-1945-845B-196FD4FE9E7F}" srcOrd="0" destOrd="0" presId="urn:microsoft.com/office/officeart/2005/8/layout/hierarchy1"/>
+    <dgm:cxn modelId="{68A68B6C-C4A2-404D-9619-7E596F60AE28}" srcId="{FE86CB60-E462-414C-BF0E-606A57D7AD93}" destId="{67DF074B-DE05-B24C-9E35-CDBF726DC2DD}" srcOrd="1" destOrd="0" parTransId="{0C3731E6-7189-414B-8AA4-AA411ADE82DC}" sibTransId="{4A343348-5A18-A64D-B967-67FF94A2182D}"/>
+    <dgm:cxn modelId="{80E2C3F7-058F-1C40-8356-C15390BA6FDF}" type="presOf" srcId="{70F0D127-9705-B346-8456-2EA73B6E30CF}" destId="{201C7CC6-525A-FE42-B4FF-8C5914387024}" srcOrd="0" destOrd="0" presId="urn:microsoft.com/office/officeart/2005/8/layout/hierarchy1"/>
+    <dgm:cxn modelId="{8BD052AF-949A-F948-A12A-2F16C08A8BAA}" type="presOf" srcId="{4810192D-B607-5A42-8DCE-8CFCF1A82427}" destId="{28156514-4C64-AE45-A406-98283D6076D6}" srcOrd="0" destOrd="0" presId="urn:microsoft.com/office/officeart/2005/8/layout/hierarchy1"/>
+    <dgm:cxn modelId="{A5EF75CA-949B-FB42-A967-633DBF9C5416}" srcId="{67DF074B-DE05-B24C-9E35-CDBF726DC2DD}" destId="{2CF1C699-9046-8C42-87E6-2861BF37D660}" srcOrd="1" destOrd="0" parTransId="{F9A1264F-2EB8-8148-8E8F-B74886C30473}" sibTransId="{2B88B2F7-3FE5-E743-A3EF-F1DB3821C219}"/>
+    <dgm:cxn modelId="{FFC55F0E-24F0-0940-B0B5-F6820B65D7C7}" type="presOf" srcId="{E5C8F682-32CD-424A-896C-91EAD3E64C45}" destId="{76B33B1D-4CA5-544F-BF28-B308B507EF10}" srcOrd="0" destOrd="0" presId="urn:microsoft.com/office/officeart/2005/8/layout/hierarchy1"/>
+    <dgm:cxn modelId="{F97734D8-6CBC-804D-B286-FA60DFC694E9}" type="presOf" srcId="{84B85FB8-CE49-454E-AFD0-26748DF588CB}" destId="{39E9CE6E-1476-7F49-AD48-00E9588CC1FC}" srcOrd="0" destOrd="0" presId="urn:microsoft.com/office/officeart/2005/8/layout/hierarchy1"/>
+    <dgm:cxn modelId="{1FDA42F0-000F-6E4D-ACBD-DD297AF16C8B}" type="presOf" srcId="{960CE163-DF35-2B44-83E7-B9153BC66084}" destId="{923B0C63-79B7-9B4A-94B9-19130FBE5D7B}" srcOrd="0" destOrd="0" presId="urn:microsoft.com/office/officeart/2005/8/layout/hierarchy1"/>
+    <dgm:cxn modelId="{E7733746-4C87-234A-9D3E-4005D8B583BC}" srcId="{84B85FB8-CE49-454E-AFD0-26748DF588CB}" destId="{960CE163-DF35-2B44-83E7-B9153BC66084}" srcOrd="0" destOrd="0" parTransId="{15F9C8B3-0868-F148-A166-96327192876A}" sibTransId="{AE4D7356-6DD9-B04F-A5BC-257D53ADE85C}"/>
+    <dgm:cxn modelId="{7DFEC403-3D07-E147-94A7-6948508849D0}" type="presOf" srcId="{563BE0E2-35F1-EA43-92A4-487E8781D214}" destId="{1F5FFC55-2839-634C-8F0C-96EACF5BE3CB}" srcOrd="0" destOrd="0" presId="urn:microsoft.com/office/officeart/2005/8/layout/hierarchy1"/>
+    <dgm:cxn modelId="{74C3DF55-2571-4A42-A3D4-79D2D7286452}" type="presOf" srcId="{12CF4121-F3B4-5C45-B72F-C1FB37DD3C0D}" destId="{800FD04D-B3AC-0B4A-955F-2E2198D77D53}" srcOrd="0" destOrd="0" presId="urn:microsoft.com/office/officeart/2005/8/layout/hierarchy1"/>
+    <dgm:cxn modelId="{C885BB5D-362B-1847-87CF-E1B639313EA0}" srcId="{FE86CB60-E462-414C-BF0E-606A57D7AD93}" destId="{E5C8F682-32CD-424A-896C-91EAD3E64C45}" srcOrd="2" destOrd="0" parTransId="{E3372A67-8AD5-414E-9A1F-4D9E3CFF6332}" sibTransId="{B77BD5BE-E444-A847-B5CA-1B150064119C}"/>
+    <dgm:cxn modelId="{BE4A5523-AA4B-D244-80FB-A948E67617FE}" srcId="{AE7EA77A-1D8E-3F42-95E1-4EB11A443A81}" destId="{4261D7F4-A7D0-3F49-B78A-20CFB380B683}" srcOrd="0" destOrd="0" parTransId="{8C382D6E-A069-234E-96CC-A5A865E2BBBD}" sibTransId="{BFE6C573-BEC1-BB44-914C-4A90CDE91A1A}"/>
+    <dgm:cxn modelId="{FBC04F02-4804-8C4A-8D64-8D7E596D7783}" type="presOf" srcId="{AE7EA77A-1D8E-3F42-95E1-4EB11A443A81}" destId="{BBF408DD-FB71-6449-9993-DDA736E8D58A}" srcOrd="0" destOrd="0" presId="urn:microsoft.com/office/officeart/2005/8/layout/hierarchy1"/>
+    <dgm:cxn modelId="{7E833AC7-C906-EC48-8CF2-050B2E9E6DD6}" type="presOf" srcId="{632DBD1E-A080-C14D-89CD-94A8C0F3CF25}" destId="{2246CDBD-2CA8-A34C-A89B-E32ACB07E97A}" srcOrd="0" destOrd="0" presId="urn:microsoft.com/office/officeart/2005/8/layout/hierarchy1"/>
+    <dgm:cxn modelId="{09A4557F-E6E3-CA46-A390-4566B55E38CE}" srcId="{AE7EA77A-1D8E-3F42-95E1-4EB11A443A81}" destId="{A215CF19-F4EB-414A-A10F-B2A96141FE91}" srcOrd="1" destOrd="0" parTransId="{4810192D-B607-5A42-8DCE-8CFCF1A82427}" sibTransId="{466C1D3C-619E-C448-BF54-2F35FBFACADE}"/>
+    <dgm:cxn modelId="{FE6DB9C5-C848-C041-9BAC-D3D409ECA3D7}" type="presOf" srcId="{67DF074B-DE05-B24C-9E35-CDBF726DC2DD}" destId="{EBC8209D-BB74-B44A-A57A-C51ABEDBBAE8}" srcOrd="0" destOrd="0" presId="urn:microsoft.com/office/officeart/2005/8/layout/hierarchy1"/>
+    <dgm:cxn modelId="{629969CD-5D04-2A43-B3AF-FE8A98094A86}" type="presOf" srcId="{6C0275DE-9DFE-0E43-8DDA-D28DD222D71F}" destId="{8CFA3E84-678E-C345-8D46-63E85CF195E2}" srcOrd="0" destOrd="0" presId="urn:microsoft.com/office/officeart/2005/8/layout/hierarchy1"/>
+    <dgm:cxn modelId="{517E7342-1ED5-B24E-84A1-2A79CCE5BC2A}" type="presOf" srcId="{4D875376-E6B9-804F-AC85-A1D4337BBC8A}" destId="{0FEFC8CB-58CB-4A43-9867-EED6738F0C0F}" srcOrd="0" destOrd="0" presId="urn:microsoft.com/office/officeart/2005/8/layout/hierarchy1"/>
+    <dgm:cxn modelId="{0A19088C-A894-A349-B6F2-D0CA96CD47FA}" srcId="{960CE163-DF35-2B44-83E7-B9153BC66084}" destId="{1AD1EA1C-020E-5744-81BA-AEEC1A7A11F3}" srcOrd="2" destOrd="0" parTransId="{12CF4121-F3B4-5C45-B72F-C1FB37DD3C0D}" sibTransId="{E7356A86-2BC1-2844-87C1-0F4142A0BACE}"/>
+    <dgm:cxn modelId="{FB5948D5-A112-7E4F-A7A4-599731141072}" type="presOf" srcId="{E3372A67-8AD5-414E-9A1F-4D9E3CFF6332}" destId="{BA61A876-7050-3746-8DAE-0686A0FD0957}" srcOrd="0" destOrd="0" presId="urn:microsoft.com/office/officeart/2005/8/layout/hierarchy1"/>
+    <dgm:cxn modelId="{7B0EFE83-8F7C-2148-A812-1F8ACB477747}" type="presOf" srcId="{F9A1264F-2EB8-8148-8E8F-B74886C30473}" destId="{9541F663-17CE-1449-B545-4E9F3C558C3A}" srcOrd="0" destOrd="0" presId="urn:microsoft.com/office/officeart/2005/8/layout/hierarchy1"/>
+    <dgm:cxn modelId="{5125BE48-CBDA-9E46-A5EC-A00E5922E856}" type="presOf" srcId="{8C382D6E-A069-234E-96CC-A5A865E2BBBD}" destId="{C6BA431E-FA40-1D4E-A3D8-2A8BD37A2453}" srcOrd="0" destOrd="0" presId="urn:microsoft.com/office/officeart/2005/8/layout/hierarchy1"/>
     <dgm:cxn modelId="{8FC20289-4F63-9E49-BD79-567030E07E0D}" srcId="{960CE163-DF35-2B44-83E7-B9153BC66084}" destId="{4D875376-E6B9-804F-AC85-A1D4337BBC8A}" srcOrd="1" destOrd="0" parTransId="{6C0275DE-9DFE-0E43-8DDA-D28DD222D71F}" sibTransId="{5CBDE70F-8F73-B144-BE9A-D54839868342}"/>
-    <dgm:cxn modelId="{E7733746-4C87-234A-9D3E-4005D8B583BC}" srcId="{84B85FB8-CE49-454E-AFD0-26748DF588CB}" destId="{960CE163-DF35-2B44-83E7-B9153BC66084}" srcOrd="0" destOrd="0" parTransId="{15F9C8B3-0868-F148-A166-96327192876A}" sibTransId="{AE4D7356-6DD9-B04F-A5BC-257D53ADE85C}"/>
-    <dgm:cxn modelId="{89EEE784-3EED-8F43-8217-BBD1C237CA84}" type="presOf" srcId="{2CF1C699-9046-8C42-87E6-2861BF37D660}" destId="{9152FE1E-3F9F-1945-845B-196FD4FE9E7F}" srcOrd="0" destOrd="0" presId="urn:microsoft.com/office/officeart/2005/8/layout/hierarchy1"/>
-    <dgm:cxn modelId="{517E7342-1ED5-B24E-84A1-2A79CCE5BC2A}" type="presOf" srcId="{4D875376-E6B9-804F-AC85-A1D4337BBC8A}" destId="{0FEFC8CB-58CB-4A43-9867-EED6738F0C0F}" srcOrd="0" destOrd="0" presId="urn:microsoft.com/office/officeart/2005/8/layout/hierarchy1"/>
-    <dgm:cxn modelId="{FB5948D5-A112-7E4F-A7A4-599731141072}" type="presOf" srcId="{E3372A67-8AD5-414E-9A1F-4D9E3CFF6332}" destId="{BA61A876-7050-3746-8DAE-0686A0FD0957}" srcOrd="0" destOrd="0" presId="urn:microsoft.com/office/officeart/2005/8/layout/hierarchy1"/>
-    <dgm:cxn modelId="{BDB62AEF-004A-3E4A-BA04-15FFC883C6DC}" type="presOf" srcId="{1AD1EA1C-020E-5744-81BA-AEEC1A7A11F3}" destId="{D86CCABB-994E-2B44-9B36-549A167DC946}" srcOrd="0" destOrd="0" presId="urn:microsoft.com/office/officeart/2005/8/layout/hierarchy1"/>
-    <dgm:cxn modelId="{80E2C3F7-058F-1C40-8356-C15390BA6FDF}" type="presOf" srcId="{70F0D127-9705-B346-8456-2EA73B6E30CF}" destId="{201C7CC6-525A-FE42-B4FF-8C5914387024}" srcOrd="0" destOrd="0" presId="urn:microsoft.com/office/officeart/2005/8/layout/hierarchy1"/>
-    <dgm:cxn modelId="{FBC04F02-4804-8C4A-8D64-8D7E596D7783}" type="presOf" srcId="{AE7EA77A-1D8E-3F42-95E1-4EB11A443A81}" destId="{BBF408DD-FB71-6449-9993-DDA736E8D58A}" srcOrd="0" destOrd="0" presId="urn:microsoft.com/office/officeart/2005/8/layout/hierarchy1"/>
-    <dgm:cxn modelId="{F97734D8-6CBC-804D-B286-FA60DFC694E9}" type="presOf" srcId="{84B85FB8-CE49-454E-AFD0-26748DF588CB}" destId="{39E9CE6E-1476-7F49-AD48-00E9588CC1FC}" srcOrd="0" destOrd="0" presId="urn:microsoft.com/office/officeart/2005/8/layout/hierarchy1"/>
+    <dgm:cxn modelId="{4143E40A-3339-5746-9665-4720B7275017}" type="presOf" srcId="{4261D7F4-A7D0-3F49-B78A-20CFB380B683}" destId="{C2C1A37D-940A-6743-AC99-D92FAAA879A9}" srcOrd="0" destOrd="0" presId="urn:microsoft.com/office/officeart/2005/8/layout/hierarchy1"/>
     <dgm:cxn modelId="{DF469E1B-C306-5F4B-B680-7ACFEA169B9B}" type="presParOf" srcId="{39E9CE6E-1476-7F49-AD48-00E9588CC1FC}" destId="{AFBF1B26-876E-5B4F-868D-ECF533517B41}" srcOrd="0" destOrd="0" presId="urn:microsoft.com/office/officeart/2005/8/layout/hierarchy1"/>
     <dgm:cxn modelId="{9BD7EE58-09E0-D144-8D85-070D725F1603}" type="presParOf" srcId="{AFBF1B26-876E-5B4F-868D-ECF533517B41}" destId="{80FDFEA5-D276-C44B-902D-D2E8A937A02A}" srcOrd="0" destOrd="0" presId="urn:microsoft.com/office/officeart/2005/8/layout/hierarchy1"/>
     <dgm:cxn modelId="{8C3AC7B7-A647-D047-8BDB-5F00B4604513}" type="presParOf" srcId="{80FDFEA5-D276-C44B-902D-D2E8A937A02A}" destId="{DE9E6D4B-E798-AA47-81C3-1E545DF4DB5B}" srcOrd="0" destOrd="0" presId="urn:microsoft.com/office/officeart/2005/8/layout/hierarchy1"/>
@@ -11982,7 +11990,7 @@
           <a:p>
             <a:fld id="{6483C26A-63A4-F547-BB74-146C3D288EFD}" type="datetimeFigureOut">
               <a:rPr lang="en-US" smtClean="0"/>
-              <a:t>2/14/16</a:t>
+              <a:t>2/15/16</a:t>
             </a:fld>
             <a:endParaRPr lang="en-US"/>
           </a:p>
@@ -12152,7 +12160,7 @@
           <a:p>
             <a:fld id="{6483C26A-63A4-F547-BB74-146C3D288EFD}" type="datetimeFigureOut">
               <a:rPr lang="en-US" smtClean="0"/>
-              <a:t>2/14/16</a:t>
+              <a:t>2/15/16</a:t>
             </a:fld>
             <a:endParaRPr lang="en-US"/>
           </a:p>
@@ -12332,7 +12340,7 @@
           <a:p>
             <a:fld id="{6483C26A-63A4-F547-BB74-146C3D288EFD}" type="datetimeFigureOut">
               <a:rPr lang="en-US" smtClean="0"/>
-              <a:t>2/14/16</a:t>
+              <a:t>2/15/16</a:t>
             </a:fld>
             <a:endParaRPr lang="en-US"/>
           </a:p>
@@ -12502,7 +12510,7 @@
           <a:p>
             <a:fld id="{6483C26A-63A4-F547-BB74-146C3D288EFD}" type="datetimeFigureOut">
               <a:rPr lang="en-US" smtClean="0"/>
-              <a:t>2/14/16</a:t>
+              <a:t>2/15/16</a:t>
             </a:fld>
             <a:endParaRPr lang="en-US"/>
           </a:p>
@@ -12748,7 +12756,7 @@
           <a:p>
             <a:fld id="{6483C26A-63A4-F547-BB74-146C3D288EFD}" type="datetimeFigureOut">
               <a:rPr lang="en-US" smtClean="0"/>
-              <a:t>2/14/16</a:t>
+              <a:t>2/15/16</a:t>
             </a:fld>
             <a:endParaRPr lang="en-US"/>
           </a:p>
@@ -13036,7 +13044,7 @@
           <a:p>
             <a:fld id="{6483C26A-63A4-F547-BB74-146C3D288EFD}" type="datetimeFigureOut">
               <a:rPr lang="en-US" smtClean="0"/>
-              <a:t>2/14/16</a:t>
+              <a:t>2/15/16</a:t>
             </a:fld>
             <a:endParaRPr lang="en-US"/>
           </a:p>
@@ -13458,7 +13466,7 @@
           <a:p>
             <a:fld id="{6483C26A-63A4-F547-BB74-146C3D288EFD}" type="datetimeFigureOut">
               <a:rPr lang="en-US" smtClean="0"/>
-              <a:t>2/14/16</a:t>
+              <a:t>2/15/16</a:t>
             </a:fld>
             <a:endParaRPr lang="en-US"/>
           </a:p>
@@ -13576,7 +13584,7 @@
           <a:p>
             <a:fld id="{6483C26A-63A4-F547-BB74-146C3D288EFD}" type="datetimeFigureOut">
               <a:rPr lang="en-US" smtClean="0"/>
-              <a:t>2/14/16</a:t>
+              <a:t>2/15/16</a:t>
             </a:fld>
             <a:endParaRPr lang="en-US"/>
           </a:p>
@@ -13671,7 +13679,7 @@
           <a:p>
             <a:fld id="{6483C26A-63A4-F547-BB74-146C3D288EFD}" type="datetimeFigureOut">
               <a:rPr lang="en-US" smtClean="0"/>
-              <a:t>2/14/16</a:t>
+              <a:t>2/15/16</a:t>
             </a:fld>
             <a:endParaRPr lang="en-US"/>
           </a:p>
@@ -13948,7 +13956,7 @@
           <a:p>
             <a:fld id="{6483C26A-63A4-F547-BB74-146C3D288EFD}" type="datetimeFigureOut">
               <a:rPr lang="en-US" smtClean="0"/>
-              <a:t>2/14/16</a:t>
+              <a:t>2/15/16</a:t>
             </a:fld>
             <a:endParaRPr lang="en-US"/>
           </a:p>
@@ -14201,7 +14209,7 @@
           <a:p>
             <a:fld id="{6483C26A-63A4-F547-BB74-146C3D288EFD}" type="datetimeFigureOut">
               <a:rPr lang="en-US" smtClean="0"/>
-              <a:t>2/14/16</a:t>
+              <a:t>2/15/16</a:t>
             </a:fld>
             <a:endParaRPr lang="en-US"/>
           </a:p>
@@ -14414,7 +14422,7 @@
           <a:p>
             <a:fld id="{6483C26A-63A4-F547-BB74-146C3D288EFD}" type="datetimeFigureOut">
               <a:rPr lang="en-US" smtClean="0"/>
-              <a:t>2/14/16</a:t>
+              <a:t>2/15/16</a:t>
             </a:fld>
             <a:endParaRPr lang="en-US"/>
           </a:p>
@@ -24875,30 +24883,13 @@
           <a:p>
             <a:r>
               <a:rPr lang="en-US" dirty="0" smtClean="0"/>
-              <a:t>#</a:t>
-            </a:r>
-            <a:r>
-              <a:rPr lang="en-US" dirty="0" smtClean="0"/>
-              <a:t>34 </a:t>
-            </a:r>
-            <a:r>
-              <a:rPr lang="en-US" dirty="0" smtClean="0"/>
-              <a:t>– Section </a:t>
-            </a:r>
-            <a:r>
-              <a:rPr lang="en-US" dirty="0" smtClean="0"/>
-              <a:t>10</a:t>
-            </a:r>
-            <a:endParaRPr lang="en-US" dirty="0" smtClean="0"/>
-          </a:p>
-          <a:p>
-            <a:r>
-              <a:rPr lang="en-US" dirty="0" smtClean="0"/>
-              <a:t>Containers</a:t>
-            </a:r>
-            <a:r>
-              <a:rPr lang="en-US" dirty="0" smtClean="0"/>
-              <a:t>: Arrays</a:t>
+              <a:t>#34 – Section 10</a:t>
+            </a:r>
+          </a:p>
+          <a:p>
+            <a:r>
+              <a:rPr lang="en-US" dirty="0" smtClean="0"/>
+              <a:t>Containers: Arrays</a:t>
             </a:r>
             <a:endParaRPr lang="en-US" dirty="0"/>
           </a:p>
@@ -25214,11 +25205,7 @@
           <a:p>
             <a:r>
               <a:rPr lang="en-US" dirty="0" smtClean="0"/>
-              <a:t>Definition: </a:t>
-            </a:r>
-            <a:r>
-              <a:rPr lang="en-US" dirty="0" smtClean="0"/>
-              <a:t>Array</a:t>
+              <a:t>Definition: Array</a:t>
             </a:r>
             <a:endParaRPr lang="en-US" dirty="0"/>
           </a:p>
@@ -25243,15 +25230,7 @@
           <a:p>
             <a:r>
               <a:rPr lang="en-US" dirty="0" smtClean="0"/>
-              <a:t>What is  a </a:t>
-            </a:r>
-            <a:r>
-              <a:rPr lang="en-US" dirty="0" smtClean="0"/>
-              <a:t>‘array’</a:t>
-            </a:r>
-            <a:r>
-              <a:rPr lang="en-US" dirty="0" smtClean="0"/>
-              <a:t>?</a:t>
+              <a:t>What is  a ‘array’?</a:t>
             </a:r>
           </a:p>
           <a:p>
@@ -25321,24 +25300,12 @@
               </a:rPr>
               <a:t>values</a:t>
             </a:r>
-            <a:endParaRPr lang="en-US" b="1" i="1" dirty="0" smtClean="0">
-              <a:solidFill>
-                <a:schemeClr val="bg2">
-                  <a:lumMod val="50000"/>
-                </a:schemeClr>
-              </a:solidFill>
-            </a:endParaRPr>
-          </a:p>
-          <a:p>
-            <a:r>
-              <a:rPr lang="en-US" dirty="0" smtClean="0"/>
-              <a:t>What are the benefits of </a:t>
-            </a:r>
-            <a:r>
-              <a:rPr lang="en-US" dirty="0" smtClean="0"/>
-              <a:t>arrays?</a:t>
-            </a:r>
-            <a:endParaRPr lang="en-US" dirty="0" smtClean="0"/>
+          </a:p>
+          <a:p>
+            <a:r>
+              <a:rPr lang="en-US" dirty="0" smtClean="0"/>
+              <a:t>What are the benefits of arrays?</a:t>
+            </a:r>
           </a:p>
           <a:p>
             <a:pPr lvl="1"/>
@@ -26809,11 +26776,7 @@
             </a:r>
             <a:r>
               <a:rPr lang="en-US" dirty="0" smtClean="0"/>
-              <a:t>Compact </a:t>
-            </a:r>
-            <a:r>
-              <a:rPr lang="en-US" dirty="0" smtClean="0"/>
-              <a:t>Syntax</a:t>
+              <a:t>Compact Syntax</a:t>
             </a:r>
           </a:p>
           <a:p>
@@ -27432,6 +27395,3837 @@
     <p:extLst>
       <p:ext uri="{BB962C8B-B14F-4D97-AF65-F5344CB8AC3E}">
         <p14:creationId xmlns:p14="http://schemas.microsoft.com/office/powerpoint/2010/main" val="1051472918"/>
+      </p:ext>
+    </p:extLst>
+  </p:cSld>
+  <p:clrMapOvr>
+    <a:masterClrMapping/>
+  </p:clrMapOvr>
+</p:sld>
+</file>
+
+<file path=ppt/slides/slide61.xml><?xml version="1.0" encoding="utf-8"?>
+<p:sld xmlns:a="http://schemas.openxmlformats.org/drawingml/2006/main" xmlns:r="http://schemas.openxmlformats.org/officeDocument/2006/relationships" xmlns:p="http://schemas.openxmlformats.org/presentationml/2006/main">
+  <p:cSld>
+    <p:spTree>
+      <p:nvGrpSpPr>
+        <p:cNvPr id="1" name=""/>
+        <p:cNvGrpSpPr/>
+        <p:nvPr/>
+      </p:nvGrpSpPr>
+      <p:grpSpPr>
+        <a:xfrm>
+          <a:off x="0" y="0"/>
+          <a:ext cx="0" cy="0"/>
+          <a:chOff x="0" y="0"/>
+          <a:chExt cx="0" cy="0"/>
+        </a:xfrm>
+      </p:grpSpPr>
+      <p:sp>
+        <p:nvSpPr>
+          <p:cNvPr id="2" name="Title 1"/>
+          <p:cNvSpPr>
+            <a:spLocks noGrp="1"/>
+          </p:cNvSpPr>
+          <p:nvPr>
+            <p:ph type="ctrTitle"/>
+          </p:nvPr>
+        </p:nvSpPr>
+        <p:spPr/>
+        <p:txBody>
+          <a:bodyPr/>
+          <a:lstStyle/>
+          <a:p>
+            <a:r>
+              <a:rPr lang="en-US" dirty="0" smtClean="0"/>
+              <a:t>Chapter 5 – JavaScript</a:t>
+            </a:r>
+            <a:endParaRPr lang="en-US" dirty="0"/>
+          </a:p>
+        </p:txBody>
+      </p:sp>
+      <p:sp>
+        <p:nvSpPr>
+          <p:cNvPr id="3" name="Subtitle 2"/>
+          <p:cNvSpPr>
+            <a:spLocks noGrp="1"/>
+          </p:cNvSpPr>
+          <p:nvPr>
+            <p:ph type="subTitle" idx="1"/>
+          </p:nvPr>
+        </p:nvSpPr>
+        <p:spPr/>
+        <p:txBody>
+          <a:bodyPr/>
+          <a:lstStyle/>
+          <a:p>
+            <a:r>
+              <a:rPr lang="en-US" dirty="0" smtClean="0"/>
+              <a:t>#</a:t>
+            </a:r>
+            <a:r>
+              <a:rPr lang="en-US" dirty="0" smtClean="0"/>
+              <a:t>35 </a:t>
+            </a:r>
+            <a:r>
+              <a:rPr lang="en-US" dirty="0" smtClean="0"/>
+              <a:t>– Section </a:t>
+            </a:r>
+            <a:r>
+              <a:rPr lang="en-US" dirty="0" smtClean="0"/>
+              <a:t>11</a:t>
+            </a:r>
+            <a:endParaRPr lang="en-US" dirty="0"/>
+          </a:p>
+          <a:p>
+            <a:r>
+              <a:rPr lang="en-US" dirty="0" smtClean="0"/>
+              <a:t>Arrays: </a:t>
+            </a:r>
+            <a:r>
+              <a:rPr lang="en-US" smtClean="0"/>
+              <a:t>More On Usage</a:t>
+            </a:r>
+            <a:endParaRPr lang="en-US" dirty="0" smtClean="0"/>
+          </a:p>
+        </p:txBody>
+      </p:sp>
+    </p:spTree>
+    <p:extLst>
+      <p:ext uri="{BB962C8B-B14F-4D97-AF65-F5344CB8AC3E}">
+        <p14:creationId xmlns:p14="http://schemas.microsoft.com/office/powerpoint/2010/main" val="2858298945"/>
+      </p:ext>
+    </p:extLst>
+  </p:cSld>
+  <p:clrMapOvr>
+    <a:masterClrMapping/>
+  </p:clrMapOvr>
+  <p:timing>
+    <p:tnLst>
+      <p:par>
+        <p:cTn xmlns:p14="http://schemas.microsoft.com/office/powerpoint/2010/main" id="1" dur="indefinite" restart="never" nodeType="tmRoot"/>
+      </p:par>
+    </p:tnLst>
+  </p:timing>
+</p:sld>
+</file>
+
+<file path=ppt/slides/slide62.xml><?xml version="1.0" encoding="utf-8"?>
+<p:sld xmlns:a="http://schemas.openxmlformats.org/drawingml/2006/main" xmlns:r="http://schemas.openxmlformats.org/officeDocument/2006/relationships" xmlns:p="http://schemas.openxmlformats.org/presentationml/2006/main">
+  <p:cSld>
+    <p:spTree>
+      <p:nvGrpSpPr>
+        <p:cNvPr id="1" name=""/>
+        <p:cNvGrpSpPr/>
+        <p:nvPr/>
+      </p:nvGrpSpPr>
+      <p:grpSpPr>
+        <a:xfrm>
+          <a:off x="0" y="0"/>
+          <a:ext cx="0" cy="0"/>
+          <a:chOff x="0" y="0"/>
+          <a:chExt cx="0" cy="0"/>
+        </a:xfrm>
+      </p:grpSpPr>
+      <p:sp>
+        <p:nvSpPr>
+          <p:cNvPr id="2" name="Title 1"/>
+          <p:cNvSpPr>
+            <a:spLocks noGrp="1"/>
+          </p:cNvSpPr>
+          <p:nvPr>
+            <p:ph type="title"/>
+          </p:nvPr>
+        </p:nvSpPr>
+        <p:spPr/>
+        <p:txBody>
+          <a:bodyPr/>
+          <a:lstStyle/>
+          <a:p>
+            <a:r>
+              <a:rPr lang="en-US" dirty="0" smtClean="0"/>
+              <a:t>Topics</a:t>
+            </a:r>
+            <a:endParaRPr lang="en-US" dirty="0"/>
+          </a:p>
+        </p:txBody>
+      </p:sp>
+      <p:sp>
+        <p:nvSpPr>
+          <p:cNvPr id="3" name="Content Placeholder 2"/>
+          <p:cNvSpPr>
+            <a:spLocks noGrp="1"/>
+          </p:cNvSpPr>
+          <p:nvPr>
+            <p:ph idx="1"/>
+          </p:nvPr>
+        </p:nvSpPr>
+        <p:spPr/>
+        <p:txBody>
+          <a:bodyPr>
+            <a:normAutofit/>
+          </a:bodyPr>
+          <a:lstStyle/>
+          <a:p>
+            <a:pPr marL="514350" indent="-514350">
+              <a:buFont typeface="+mj-lt"/>
+              <a:buAutoNum type="arabicPeriod"/>
+            </a:pPr>
+            <a:r>
+              <a:rPr lang="en-US" dirty="0" smtClean="0"/>
+              <a:t>How to access elements of an array?</a:t>
+            </a:r>
+          </a:p>
+          <a:p>
+            <a:pPr marL="514350" indent="-514350">
+              <a:buFont typeface="+mj-lt"/>
+              <a:buAutoNum type="arabicPeriod"/>
+            </a:pPr>
+            <a:r>
+              <a:rPr lang="en-US" dirty="0" smtClean="0"/>
+              <a:t>How to count the elements in an array?</a:t>
+            </a:r>
+          </a:p>
+          <a:p>
+            <a:pPr marL="514350" indent="-514350">
+              <a:buFont typeface="+mj-lt"/>
+              <a:buAutoNum type="arabicPeriod"/>
+            </a:pPr>
+            <a:r>
+              <a:rPr lang="en-US" strike="sngStrike" dirty="0" smtClean="0"/>
+              <a:t>How to modify an array, add/remove elements?</a:t>
+            </a:r>
+          </a:p>
+        </p:txBody>
+      </p:sp>
+    </p:spTree>
+    <p:extLst>
+      <p:ext uri="{BB962C8B-B14F-4D97-AF65-F5344CB8AC3E}">
+        <p14:creationId xmlns:p14="http://schemas.microsoft.com/office/powerpoint/2010/main" val="1993805345"/>
+      </p:ext>
+    </p:extLst>
+  </p:cSld>
+  <p:clrMapOvr>
+    <a:masterClrMapping/>
+  </p:clrMapOvr>
+</p:sld>
+</file>
+
+<file path=ppt/slides/slide63.xml><?xml version="1.0" encoding="utf-8"?>
+<p:sld xmlns:a="http://schemas.openxmlformats.org/drawingml/2006/main" xmlns:r="http://schemas.openxmlformats.org/officeDocument/2006/relationships" xmlns:p="http://schemas.openxmlformats.org/presentationml/2006/main">
+  <p:cSld>
+    <p:spTree>
+      <p:nvGrpSpPr>
+        <p:cNvPr id="1" name=""/>
+        <p:cNvGrpSpPr/>
+        <p:nvPr/>
+      </p:nvGrpSpPr>
+      <p:grpSpPr>
+        <a:xfrm>
+          <a:off x="0" y="0"/>
+          <a:ext cx="0" cy="0"/>
+          <a:chOff x="0" y="0"/>
+          <a:chExt cx="0" cy="0"/>
+        </a:xfrm>
+      </p:grpSpPr>
+      <p:sp>
+        <p:nvSpPr>
+          <p:cNvPr id="2" name="Title 1"/>
+          <p:cNvSpPr>
+            <a:spLocks noGrp="1"/>
+          </p:cNvSpPr>
+          <p:nvPr>
+            <p:ph type="title"/>
+          </p:nvPr>
+        </p:nvSpPr>
+        <p:spPr/>
+        <p:txBody>
+          <a:bodyPr/>
+          <a:lstStyle/>
+          <a:p>
+            <a:r>
+              <a:rPr lang="en-US" dirty="0" smtClean="0"/>
+              <a:t>Why Arrays?</a:t>
+            </a:r>
+            <a:endParaRPr lang="en-US" dirty="0"/>
+          </a:p>
+        </p:txBody>
+      </p:sp>
+      <p:sp>
+        <p:nvSpPr>
+          <p:cNvPr id="3" name="Content Placeholder 2"/>
+          <p:cNvSpPr>
+            <a:spLocks noGrp="1"/>
+          </p:cNvSpPr>
+          <p:nvPr>
+            <p:ph idx="1"/>
+          </p:nvPr>
+        </p:nvSpPr>
+        <p:spPr/>
+        <p:txBody>
+          <a:bodyPr>
+            <a:normAutofit/>
+          </a:bodyPr>
+          <a:lstStyle/>
+          <a:p>
+            <a:r>
+              <a:rPr lang="en-US" dirty="0" smtClean="0"/>
+              <a:t>Record Temperature reading at 8am, 12pm, and 6pm for a week</a:t>
+            </a:r>
+          </a:p>
+          <a:p>
+            <a:pPr lvl="2"/>
+            <a:r>
+              <a:rPr lang="en-US" dirty="0" smtClean="0"/>
+              <a:t>Day 1: 80</a:t>
+            </a:r>
+            <a:r>
+              <a:rPr lang="en-US" dirty="0"/>
+              <a:t>°, 83°, </a:t>
+            </a:r>
+            <a:r>
+              <a:rPr lang="en-US" dirty="0" smtClean="0"/>
+              <a:t>and 76°</a:t>
+            </a:r>
+          </a:p>
+          <a:p>
+            <a:pPr lvl="2"/>
+            <a:r>
+              <a:rPr lang="en-US" dirty="0"/>
+              <a:t>Day </a:t>
+            </a:r>
+            <a:r>
+              <a:rPr lang="en-US" dirty="0" smtClean="0"/>
+              <a:t>2: 79°</a:t>
+            </a:r>
+            <a:r>
+              <a:rPr lang="en-US" dirty="0"/>
+              <a:t>, 83°, and </a:t>
+            </a:r>
+            <a:r>
+              <a:rPr lang="en-US" dirty="0" smtClean="0"/>
+              <a:t>79°</a:t>
+            </a:r>
+            <a:endParaRPr lang="en-US" dirty="0"/>
+          </a:p>
+          <a:p>
+            <a:pPr lvl="2"/>
+            <a:r>
+              <a:rPr lang="en-US" dirty="0"/>
+              <a:t>Day </a:t>
+            </a:r>
+            <a:r>
+              <a:rPr lang="en-US" dirty="0" smtClean="0"/>
+              <a:t>3: </a:t>
+            </a:r>
+            <a:r>
+              <a:rPr lang="en-US" dirty="0"/>
+              <a:t>80°, </a:t>
+            </a:r>
+            <a:r>
+              <a:rPr lang="en-US" dirty="0" smtClean="0"/>
+              <a:t>85°</a:t>
+            </a:r>
+            <a:r>
+              <a:rPr lang="en-US" dirty="0"/>
+              <a:t>, and </a:t>
+            </a:r>
+            <a:r>
+              <a:rPr lang="en-US" dirty="0" smtClean="0"/>
+              <a:t>80°</a:t>
+            </a:r>
+            <a:endParaRPr lang="en-US" dirty="0"/>
+          </a:p>
+          <a:p>
+            <a:pPr lvl="2"/>
+            <a:r>
+              <a:rPr lang="en-US" dirty="0"/>
+              <a:t>Day </a:t>
+            </a:r>
+            <a:r>
+              <a:rPr lang="en-US" dirty="0" smtClean="0"/>
+              <a:t>4: 81°</a:t>
+            </a:r>
+            <a:r>
+              <a:rPr lang="en-US" dirty="0"/>
+              <a:t>, </a:t>
+            </a:r>
+            <a:r>
+              <a:rPr lang="en-US" dirty="0" smtClean="0"/>
+              <a:t>87°</a:t>
+            </a:r>
+            <a:r>
+              <a:rPr lang="en-US" dirty="0"/>
+              <a:t>, and </a:t>
+            </a:r>
+            <a:r>
+              <a:rPr lang="en-US" dirty="0" smtClean="0"/>
+              <a:t>79°</a:t>
+            </a:r>
+            <a:endParaRPr lang="en-US" dirty="0"/>
+          </a:p>
+          <a:p>
+            <a:pPr lvl="2"/>
+            <a:r>
+              <a:rPr lang="en-US" dirty="0"/>
+              <a:t>Day </a:t>
+            </a:r>
+            <a:r>
+              <a:rPr lang="en-US" dirty="0" smtClean="0"/>
+              <a:t>5: 72°</a:t>
+            </a:r>
+            <a:r>
+              <a:rPr lang="en-US" dirty="0"/>
+              <a:t>, </a:t>
+            </a:r>
+            <a:r>
+              <a:rPr lang="en-US" dirty="0" smtClean="0"/>
+              <a:t>79°</a:t>
+            </a:r>
+            <a:r>
+              <a:rPr lang="en-US" dirty="0"/>
+              <a:t>, and </a:t>
+            </a:r>
+            <a:r>
+              <a:rPr lang="en-US" dirty="0" smtClean="0"/>
+              <a:t>75°</a:t>
+            </a:r>
+            <a:endParaRPr lang="en-US" dirty="0"/>
+          </a:p>
+          <a:p>
+            <a:pPr lvl="2"/>
+            <a:r>
+              <a:rPr lang="en-US" dirty="0"/>
+              <a:t>Day </a:t>
+            </a:r>
+            <a:r>
+              <a:rPr lang="en-US" dirty="0" smtClean="0"/>
+              <a:t>6: 75°</a:t>
+            </a:r>
+            <a:r>
+              <a:rPr lang="en-US" dirty="0"/>
+              <a:t>, </a:t>
+            </a:r>
+            <a:r>
+              <a:rPr lang="en-US" dirty="0" smtClean="0"/>
+              <a:t>79°</a:t>
+            </a:r>
+            <a:r>
+              <a:rPr lang="en-US" dirty="0"/>
+              <a:t>, and </a:t>
+            </a:r>
+            <a:r>
+              <a:rPr lang="en-US" dirty="0" smtClean="0"/>
+              <a:t>72°</a:t>
+            </a:r>
+            <a:endParaRPr lang="en-US" dirty="0"/>
+          </a:p>
+          <a:p>
+            <a:pPr lvl="2"/>
+            <a:r>
+              <a:rPr lang="en-US" dirty="0"/>
+              <a:t>Day </a:t>
+            </a:r>
+            <a:r>
+              <a:rPr lang="en-US" dirty="0" smtClean="0"/>
+              <a:t>7: 81°</a:t>
+            </a:r>
+            <a:r>
+              <a:rPr lang="en-US" dirty="0"/>
+              <a:t>, </a:t>
+            </a:r>
+            <a:r>
+              <a:rPr lang="en-US" dirty="0" smtClean="0"/>
+              <a:t>88°</a:t>
+            </a:r>
+            <a:r>
+              <a:rPr lang="en-US" dirty="0"/>
+              <a:t>, and </a:t>
+            </a:r>
+            <a:r>
+              <a:rPr lang="en-US" dirty="0" smtClean="0"/>
+              <a:t>77°</a:t>
+            </a:r>
+            <a:endParaRPr lang="en-US" dirty="0"/>
+          </a:p>
+          <a:p>
+            <a:pPr lvl="2"/>
+            <a:endParaRPr lang="en-US" dirty="0"/>
+          </a:p>
+        </p:txBody>
+      </p:sp>
+    </p:spTree>
+    <p:extLst>
+      <p:ext uri="{BB962C8B-B14F-4D97-AF65-F5344CB8AC3E}">
+        <p14:creationId xmlns:p14="http://schemas.microsoft.com/office/powerpoint/2010/main" val="1489239203"/>
+      </p:ext>
+    </p:extLst>
+  </p:cSld>
+  <p:clrMapOvr>
+    <a:masterClrMapping/>
+  </p:clrMapOvr>
+</p:sld>
+</file>
+
+<file path=ppt/slides/slide64.xml><?xml version="1.0" encoding="utf-8"?>
+<p:sld xmlns:a="http://schemas.openxmlformats.org/drawingml/2006/main" xmlns:r="http://schemas.openxmlformats.org/officeDocument/2006/relationships" xmlns:p="http://schemas.openxmlformats.org/presentationml/2006/main">
+  <p:cSld>
+    <p:spTree>
+      <p:nvGrpSpPr>
+        <p:cNvPr id="1" name=""/>
+        <p:cNvGrpSpPr/>
+        <p:nvPr/>
+      </p:nvGrpSpPr>
+      <p:grpSpPr>
+        <a:xfrm>
+          <a:off x="0" y="0"/>
+          <a:ext cx="0" cy="0"/>
+          <a:chOff x="0" y="0"/>
+          <a:chExt cx="0" cy="0"/>
+        </a:xfrm>
+      </p:grpSpPr>
+      <p:sp>
+        <p:nvSpPr>
+          <p:cNvPr id="2" name="Title 1"/>
+          <p:cNvSpPr>
+            <a:spLocks noGrp="1"/>
+          </p:cNvSpPr>
+          <p:nvPr>
+            <p:ph type="title"/>
+          </p:nvPr>
+        </p:nvSpPr>
+        <p:spPr/>
+        <p:txBody>
+          <a:bodyPr/>
+          <a:lstStyle/>
+          <a:p>
+            <a:r>
+              <a:rPr lang="en-US" dirty="0" smtClean="0"/>
+              <a:t>Why Arrays?</a:t>
+            </a:r>
+            <a:endParaRPr lang="en-US" dirty="0"/>
+          </a:p>
+        </p:txBody>
+      </p:sp>
+      <p:sp>
+        <p:nvSpPr>
+          <p:cNvPr id="11" name="Line Callout 1 10"/>
+          <p:cNvSpPr/>
+          <p:nvPr/>
+        </p:nvSpPr>
+        <p:spPr>
+          <a:xfrm>
+            <a:off x="6878020" y="3697099"/>
+            <a:ext cx="1792566" cy="382131"/>
+          </a:xfrm>
+          <a:prstGeom prst="borderCallout1">
+            <a:avLst>
+              <a:gd name="adj1" fmla="val 49142"/>
+              <a:gd name="adj2" fmla="val 179"/>
+              <a:gd name="adj3" fmla="val 50924"/>
+              <a:gd name="adj4" fmla="val -39130"/>
+            </a:avLst>
+          </a:prstGeom>
+        </p:spPr>
+        <p:style>
+          <a:lnRef idx="2">
+            <a:schemeClr val="accent2">
+              <a:shade val="50000"/>
+            </a:schemeClr>
+          </a:lnRef>
+          <a:fillRef idx="1">
+            <a:schemeClr val="accent2"/>
+          </a:fillRef>
+          <a:effectRef idx="0">
+            <a:schemeClr val="accent2"/>
+          </a:effectRef>
+          <a:fontRef idx="minor">
+            <a:schemeClr val="lt1"/>
+          </a:fontRef>
+        </p:style>
+        <p:txBody>
+          <a:bodyPr rtlCol="0" anchor="ctr"/>
+          <a:lstStyle/>
+          <a:p>
+            <a:pPr algn="ctr"/>
+            <a:r>
+              <a:rPr lang="en-US" dirty="0" smtClean="0"/>
+              <a:t>Daily Grouping</a:t>
+            </a:r>
+            <a:endParaRPr lang="en-US" dirty="0"/>
+          </a:p>
+        </p:txBody>
+      </p:sp>
+      <p:sp>
+        <p:nvSpPr>
+          <p:cNvPr id="15" name="Rounded Rectangle 14"/>
+          <p:cNvSpPr/>
+          <p:nvPr/>
+        </p:nvSpPr>
+        <p:spPr>
+          <a:xfrm>
+            <a:off x="3131985" y="2130494"/>
+            <a:ext cx="3034420" cy="382131"/>
+          </a:xfrm>
+          <a:prstGeom prst="roundRect">
+            <a:avLst/>
+          </a:prstGeom>
+          <a:solidFill>
+            <a:schemeClr val="accent2">
+              <a:alpha val="30000"/>
+            </a:schemeClr>
+          </a:solidFill>
+        </p:spPr>
+        <p:style>
+          <a:lnRef idx="2">
+            <a:schemeClr val="accent2">
+              <a:shade val="50000"/>
+            </a:schemeClr>
+          </a:lnRef>
+          <a:fillRef idx="1">
+            <a:schemeClr val="accent2"/>
+          </a:fillRef>
+          <a:effectRef idx="0">
+            <a:schemeClr val="accent2"/>
+          </a:effectRef>
+          <a:fontRef idx="minor">
+            <a:schemeClr val="lt1"/>
+          </a:fontRef>
+        </p:style>
+        <p:txBody>
+          <a:bodyPr rtlCol="0" anchor="ctr"/>
+          <a:lstStyle/>
+          <a:p>
+            <a:pPr algn="ctr"/>
+            <a:r>
+              <a:rPr lang="en-US" dirty="0" smtClean="0">
+                <a:solidFill>
+                  <a:schemeClr val="tx1"/>
+                </a:solidFill>
+              </a:rPr>
+              <a:t>Day 1: 76</a:t>
+            </a:r>
+            <a:r>
+              <a:rPr lang="en-US" dirty="0">
+                <a:solidFill>
+                  <a:schemeClr val="tx1"/>
+                </a:solidFill>
+              </a:rPr>
+              <a:t>°</a:t>
+            </a:r>
+            <a:r>
+              <a:rPr lang="en-US" dirty="0" smtClean="0">
+                <a:solidFill>
+                  <a:schemeClr val="tx1"/>
+                </a:solidFill>
+              </a:rPr>
+              <a:t>, 81</a:t>
+            </a:r>
+            <a:r>
+              <a:rPr lang="en-US" dirty="0">
+                <a:solidFill>
+                  <a:schemeClr val="tx1"/>
+                </a:solidFill>
+              </a:rPr>
+              <a:t>°</a:t>
+            </a:r>
+            <a:r>
+              <a:rPr lang="en-US" dirty="0" smtClean="0">
+                <a:solidFill>
+                  <a:schemeClr val="tx1"/>
+                </a:solidFill>
+              </a:rPr>
+              <a:t>, 79</a:t>
+            </a:r>
+            <a:r>
+              <a:rPr lang="en-US" dirty="0">
+                <a:solidFill>
+                  <a:schemeClr val="tx1"/>
+                </a:solidFill>
+              </a:rPr>
+              <a:t>°</a:t>
+            </a:r>
+          </a:p>
+        </p:txBody>
+      </p:sp>
+      <p:sp>
+        <p:nvSpPr>
+          <p:cNvPr id="22" name="Rounded Rectangle 21"/>
+          <p:cNvSpPr/>
+          <p:nvPr/>
+        </p:nvSpPr>
+        <p:spPr>
+          <a:xfrm>
+            <a:off x="3131985" y="2652696"/>
+            <a:ext cx="3034420" cy="382131"/>
+          </a:xfrm>
+          <a:prstGeom prst="roundRect">
+            <a:avLst/>
+          </a:prstGeom>
+          <a:solidFill>
+            <a:schemeClr val="accent2">
+              <a:alpha val="30000"/>
+            </a:schemeClr>
+          </a:solidFill>
+        </p:spPr>
+        <p:style>
+          <a:lnRef idx="2">
+            <a:schemeClr val="accent2">
+              <a:shade val="50000"/>
+            </a:schemeClr>
+          </a:lnRef>
+          <a:fillRef idx="1">
+            <a:schemeClr val="accent2"/>
+          </a:fillRef>
+          <a:effectRef idx="0">
+            <a:schemeClr val="accent2"/>
+          </a:effectRef>
+          <a:fontRef idx="minor">
+            <a:schemeClr val="lt1"/>
+          </a:fontRef>
+        </p:style>
+        <p:txBody>
+          <a:bodyPr rtlCol="0" anchor="ctr"/>
+          <a:lstStyle/>
+          <a:p>
+            <a:pPr algn="ctr"/>
+            <a:r>
+              <a:rPr lang="en-US" dirty="0" smtClean="0">
+                <a:solidFill>
+                  <a:schemeClr val="tx1"/>
+                </a:solidFill>
+              </a:rPr>
+              <a:t>Day 2: 79°, 83°, 80°</a:t>
+            </a:r>
+            <a:endParaRPr lang="en-US" dirty="0">
+              <a:solidFill>
+                <a:schemeClr val="tx1"/>
+              </a:solidFill>
+            </a:endParaRPr>
+          </a:p>
+        </p:txBody>
+      </p:sp>
+      <p:sp>
+        <p:nvSpPr>
+          <p:cNvPr id="24" name="Rounded Rectangle 23"/>
+          <p:cNvSpPr/>
+          <p:nvPr/>
+        </p:nvSpPr>
+        <p:spPr>
+          <a:xfrm>
+            <a:off x="3131985" y="3174898"/>
+            <a:ext cx="3034420" cy="382131"/>
+          </a:xfrm>
+          <a:prstGeom prst="roundRect">
+            <a:avLst/>
+          </a:prstGeom>
+          <a:solidFill>
+            <a:schemeClr val="accent2">
+              <a:alpha val="30000"/>
+            </a:schemeClr>
+          </a:solidFill>
+        </p:spPr>
+        <p:style>
+          <a:lnRef idx="2">
+            <a:schemeClr val="accent2">
+              <a:shade val="50000"/>
+            </a:schemeClr>
+          </a:lnRef>
+          <a:fillRef idx="1">
+            <a:schemeClr val="accent2"/>
+          </a:fillRef>
+          <a:effectRef idx="0">
+            <a:schemeClr val="accent2"/>
+          </a:effectRef>
+          <a:fontRef idx="minor">
+            <a:schemeClr val="lt1"/>
+          </a:fontRef>
+        </p:style>
+        <p:txBody>
+          <a:bodyPr rtlCol="0" anchor="ctr"/>
+          <a:lstStyle/>
+          <a:p>
+            <a:pPr algn="ctr"/>
+            <a:r>
+              <a:rPr lang="en-US" dirty="0" smtClean="0">
+                <a:solidFill>
+                  <a:schemeClr val="tx1"/>
+                </a:solidFill>
+              </a:rPr>
+              <a:t>Day 3: 80°, 85°, 80°</a:t>
+            </a:r>
+            <a:endParaRPr lang="en-US" dirty="0">
+              <a:solidFill>
+                <a:schemeClr val="tx1"/>
+              </a:solidFill>
+            </a:endParaRPr>
+          </a:p>
+        </p:txBody>
+      </p:sp>
+      <p:sp>
+        <p:nvSpPr>
+          <p:cNvPr id="25" name="Rounded Rectangle 24"/>
+          <p:cNvSpPr/>
+          <p:nvPr/>
+        </p:nvSpPr>
+        <p:spPr>
+          <a:xfrm>
+            <a:off x="3131985" y="3697100"/>
+            <a:ext cx="3034420" cy="382131"/>
+          </a:xfrm>
+          <a:prstGeom prst="roundRect">
+            <a:avLst/>
+          </a:prstGeom>
+          <a:solidFill>
+            <a:schemeClr val="accent2">
+              <a:alpha val="30000"/>
+            </a:schemeClr>
+          </a:solidFill>
+        </p:spPr>
+        <p:style>
+          <a:lnRef idx="2">
+            <a:schemeClr val="accent2">
+              <a:shade val="50000"/>
+            </a:schemeClr>
+          </a:lnRef>
+          <a:fillRef idx="1">
+            <a:schemeClr val="accent2"/>
+          </a:fillRef>
+          <a:effectRef idx="0">
+            <a:schemeClr val="accent2"/>
+          </a:effectRef>
+          <a:fontRef idx="minor">
+            <a:schemeClr val="lt1"/>
+          </a:fontRef>
+        </p:style>
+        <p:txBody>
+          <a:bodyPr rtlCol="0" anchor="ctr"/>
+          <a:lstStyle/>
+          <a:p>
+            <a:pPr algn="ctr"/>
+            <a:r>
+              <a:rPr lang="en-US" dirty="0" smtClean="0">
+                <a:solidFill>
+                  <a:schemeClr val="tx1"/>
+                </a:solidFill>
+              </a:rPr>
+              <a:t>Day 4: 81°, 87°, 79</a:t>
+            </a:r>
+            <a:r>
+              <a:rPr lang="en-US" dirty="0">
+                <a:solidFill>
+                  <a:schemeClr val="tx1"/>
+                </a:solidFill>
+              </a:rPr>
+              <a:t>°</a:t>
+            </a:r>
+          </a:p>
+        </p:txBody>
+      </p:sp>
+      <p:sp>
+        <p:nvSpPr>
+          <p:cNvPr id="26" name="Rounded Rectangle 25"/>
+          <p:cNvSpPr/>
+          <p:nvPr/>
+        </p:nvSpPr>
+        <p:spPr>
+          <a:xfrm>
+            <a:off x="3131985" y="4219302"/>
+            <a:ext cx="3034420" cy="382131"/>
+          </a:xfrm>
+          <a:prstGeom prst="roundRect">
+            <a:avLst/>
+          </a:prstGeom>
+          <a:solidFill>
+            <a:schemeClr val="accent2">
+              <a:alpha val="30000"/>
+            </a:schemeClr>
+          </a:solidFill>
+        </p:spPr>
+        <p:style>
+          <a:lnRef idx="2">
+            <a:schemeClr val="accent2">
+              <a:shade val="50000"/>
+            </a:schemeClr>
+          </a:lnRef>
+          <a:fillRef idx="1">
+            <a:schemeClr val="accent2"/>
+          </a:fillRef>
+          <a:effectRef idx="0">
+            <a:schemeClr val="accent2"/>
+          </a:effectRef>
+          <a:fontRef idx="minor">
+            <a:schemeClr val="lt1"/>
+          </a:fontRef>
+        </p:style>
+        <p:txBody>
+          <a:bodyPr rtlCol="0" anchor="ctr"/>
+          <a:lstStyle/>
+          <a:p>
+            <a:pPr algn="ctr"/>
+            <a:r>
+              <a:rPr lang="en-US" dirty="0" smtClean="0">
+                <a:solidFill>
+                  <a:schemeClr val="tx1"/>
+                </a:solidFill>
+              </a:rPr>
+              <a:t>Day 5: 72°, 79°, 75°</a:t>
+            </a:r>
+            <a:endParaRPr lang="en-US" dirty="0">
+              <a:solidFill>
+                <a:schemeClr val="tx1"/>
+              </a:solidFill>
+            </a:endParaRPr>
+          </a:p>
+        </p:txBody>
+      </p:sp>
+      <p:sp>
+        <p:nvSpPr>
+          <p:cNvPr id="27" name="Rounded Rectangle 26"/>
+          <p:cNvSpPr/>
+          <p:nvPr/>
+        </p:nvSpPr>
+        <p:spPr>
+          <a:xfrm>
+            <a:off x="3131985" y="4741504"/>
+            <a:ext cx="3034420" cy="382131"/>
+          </a:xfrm>
+          <a:prstGeom prst="roundRect">
+            <a:avLst/>
+          </a:prstGeom>
+          <a:solidFill>
+            <a:schemeClr val="accent2">
+              <a:alpha val="30000"/>
+            </a:schemeClr>
+          </a:solidFill>
+        </p:spPr>
+        <p:style>
+          <a:lnRef idx="2">
+            <a:schemeClr val="accent2">
+              <a:shade val="50000"/>
+            </a:schemeClr>
+          </a:lnRef>
+          <a:fillRef idx="1">
+            <a:schemeClr val="accent2"/>
+          </a:fillRef>
+          <a:effectRef idx="0">
+            <a:schemeClr val="accent2"/>
+          </a:effectRef>
+          <a:fontRef idx="minor">
+            <a:schemeClr val="lt1"/>
+          </a:fontRef>
+        </p:style>
+        <p:txBody>
+          <a:bodyPr rtlCol="0" anchor="ctr"/>
+          <a:lstStyle/>
+          <a:p>
+            <a:pPr algn="ctr"/>
+            <a:r>
+              <a:rPr lang="en-US" dirty="0" smtClean="0">
+                <a:solidFill>
+                  <a:schemeClr val="tx1"/>
+                </a:solidFill>
+              </a:rPr>
+              <a:t>Day 6: 75°, 79°, 72°</a:t>
+            </a:r>
+            <a:endParaRPr lang="en-US" dirty="0">
+              <a:solidFill>
+                <a:schemeClr val="tx1"/>
+              </a:solidFill>
+            </a:endParaRPr>
+          </a:p>
+        </p:txBody>
+      </p:sp>
+      <p:sp>
+        <p:nvSpPr>
+          <p:cNvPr id="28" name="Rounded Rectangle 27"/>
+          <p:cNvSpPr/>
+          <p:nvPr/>
+        </p:nvSpPr>
+        <p:spPr>
+          <a:xfrm>
+            <a:off x="3131985" y="5263705"/>
+            <a:ext cx="3034420" cy="382131"/>
+          </a:xfrm>
+          <a:prstGeom prst="roundRect">
+            <a:avLst/>
+          </a:prstGeom>
+          <a:solidFill>
+            <a:schemeClr val="accent2">
+              <a:alpha val="30000"/>
+            </a:schemeClr>
+          </a:solidFill>
+        </p:spPr>
+        <p:style>
+          <a:lnRef idx="2">
+            <a:schemeClr val="accent2">
+              <a:shade val="50000"/>
+            </a:schemeClr>
+          </a:lnRef>
+          <a:fillRef idx="1">
+            <a:schemeClr val="accent2"/>
+          </a:fillRef>
+          <a:effectRef idx="0">
+            <a:schemeClr val="accent2"/>
+          </a:effectRef>
+          <a:fontRef idx="minor">
+            <a:schemeClr val="lt1"/>
+          </a:fontRef>
+        </p:style>
+        <p:txBody>
+          <a:bodyPr rtlCol="0" anchor="ctr"/>
+          <a:lstStyle/>
+          <a:p>
+            <a:pPr algn="ctr"/>
+            <a:r>
+              <a:rPr lang="en-US" dirty="0" smtClean="0">
+                <a:solidFill>
+                  <a:schemeClr val="tx1"/>
+                </a:solidFill>
+              </a:rPr>
+              <a:t>Day 7: 81°, 88°, 77°</a:t>
+            </a:r>
+            <a:endParaRPr lang="en-US" dirty="0">
+              <a:solidFill>
+                <a:schemeClr val="tx1"/>
+              </a:solidFill>
+            </a:endParaRPr>
+          </a:p>
+        </p:txBody>
+      </p:sp>
+    </p:spTree>
+    <p:extLst>
+      <p:ext uri="{BB962C8B-B14F-4D97-AF65-F5344CB8AC3E}">
+        <p14:creationId xmlns:p14="http://schemas.microsoft.com/office/powerpoint/2010/main" val="3854572962"/>
+      </p:ext>
+    </p:extLst>
+  </p:cSld>
+  <p:clrMapOvr>
+    <a:masterClrMapping/>
+  </p:clrMapOvr>
+</p:sld>
+</file>
+
+<file path=ppt/slides/slide65.xml><?xml version="1.0" encoding="utf-8"?>
+<p:sld xmlns:a="http://schemas.openxmlformats.org/drawingml/2006/main" xmlns:r="http://schemas.openxmlformats.org/officeDocument/2006/relationships" xmlns:p="http://schemas.openxmlformats.org/presentationml/2006/main">
+  <p:cSld>
+    <p:spTree>
+      <p:nvGrpSpPr>
+        <p:cNvPr id="1" name=""/>
+        <p:cNvGrpSpPr/>
+        <p:nvPr/>
+      </p:nvGrpSpPr>
+      <p:grpSpPr>
+        <a:xfrm>
+          <a:off x="0" y="0"/>
+          <a:ext cx="0" cy="0"/>
+          <a:chOff x="0" y="0"/>
+          <a:chExt cx="0" cy="0"/>
+        </a:xfrm>
+      </p:grpSpPr>
+      <p:sp>
+        <p:nvSpPr>
+          <p:cNvPr id="2" name="Title 1"/>
+          <p:cNvSpPr>
+            <a:spLocks noGrp="1"/>
+          </p:cNvSpPr>
+          <p:nvPr>
+            <p:ph type="title"/>
+          </p:nvPr>
+        </p:nvSpPr>
+        <p:spPr/>
+        <p:txBody>
+          <a:bodyPr/>
+          <a:lstStyle/>
+          <a:p>
+            <a:r>
+              <a:rPr lang="en-US" i="1" u="sng" dirty="0" smtClean="0"/>
+              <a:t>Basic</a:t>
+            </a:r>
+            <a:r>
+              <a:rPr lang="en-US" dirty="0" smtClean="0"/>
+              <a:t> Array Usage</a:t>
+            </a:r>
+            <a:endParaRPr lang="en-US" dirty="0"/>
+          </a:p>
+        </p:txBody>
+      </p:sp>
+      <p:pic>
+        <p:nvPicPr>
+          <p:cNvPr id="7" name="Picture 6"/>
+          <p:cNvPicPr>
+            <a:picLocks noChangeAspect="1"/>
+          </p:cNvPicPr>
+          <p:nvPr/>
+        </p:nvPicPr>
+        <p:blipFill>
+          <a:blip r:embed="rId2"/>
+          <a:stretch>
+            <a:fillRect/>
+          </a:stretch>
+        </p:blipFill>
+        <p:spPr>
+          <a:xfrm>
+            <a:off x="4712935" y="1417638"/>
+            <a:ext cx="2565400" cy="1955800"/>
+          </a:xfrm>
+          <a:prstGeom prst="rect">
+            <a:avLst/>
+          </a:prstGeom>
+        </p:spPr>
+      </p:pic>
+      <p:pic>
+        <p:nvPicPr>
+          <p:cNvPr id="10" name="Picture 9"/>
+          <p:cNvPicPr>
+            <a:picLocks noChangeAspect="1"/>
+          </p:cNvPicPr>
+          <p:nvPr/>
+        </p:nvPicPr>
+        <p:blipFill>
+          <a:blip r:embed="rId3"/>
+          <a:stretch>
+            <a:fillRect/>
+          </a:stretch>
+        </p:blipFill>
+        <p:spPr>
+          <a:xfrm>
+            <a:off x="1931635" y="3860800"/>
+            <a:ext cx="5346700" cy="876300"/>
+          </a:xfrm>
+          <a:prstGeom prst="rect">
+            <a:avLst/>
+          </a:prstGeom>
+        </p:spPr>
+      </p:pic>
+      <p:sp>
+        <p:nvSpPr>
+          <p:cNvPr id="5" name="Rounded Rectangle 4"/>
+          <p:cNvSpPr/>
+          <p:nvPr/>
+        </p:nvSpPr>
+        <p:spPr>
+          <a:xfrm>
+            <a:off x="1931635" y="1417638"/>
+            <a:ext cx="1704683" cy="253551"/>
+          </a:xfrm>
+          <a:prstGeom prst="roundRect">
+            <a:avLst/>
+          </a:prstGeom>
+          <a:solidFill>
+            <a:schemeClr val="accent2">
+              <a:alpha val="30000"/>
+            </a:schemeClr>
+          </a:solidFill>
+        </p:spPr>
+        <p:style>
+          <a:lnRef idx="2">
+            <a:schemeClr val="accent2">
+              <a:shade val="50000"/>
+            </a:schemeClr>
+          </a:lnRef>
+          <a:fillRef idx="1">
+            <a:schemeClr val="accent2"/>
+          </a:fillRef>
+          <a:effectRef idx="0">
+            <a:schemeClr val="accent2"/>
+          </a:effectRef>
+          <a:fontRef idx="minor">
+            <a:schemeClr val="lt1"/>
+          </a:fontRef>
+        </p:style>
+        <p:txBody>
+          <a:bodyPr rtlCol="0" anchor="ctr"/>
+          <a:lstStyle/>
+          <a:p>
+            <a:pPr algn="ctr"/>
+            <a:r>
+              <a:rPr lang="en-US" sz="1400" dirty="0" smtClean="0">
+                <a:solidFill>
+                  <a:schemeClr val="tx1"/>
+                </a:solidFill>
+              </a:rPr>
+              <a:t>Day 1: 76</a:t>
+            </a:r>
+            <a:r>
+              <a:rPr lang="en-US" sz="1400" dirty="0">
+                <a:solidFill>
+                  <a:schemeClr val="tx1"/>
+                </a:solidFill>
+              </a:rPr>
+              <a:t>°</a:t>
+            </a:r>
+            <a:r>
+              <a:rPr lang="en-US" sz="1400" dirty="0" smtClean="0">
+                <a:solidFill>
+                  <a:schemeClr val="tx1"/>
+                </a:solidFill>
+              </a:rPr>
+              <a:t>, 81</a:t>
+            </a:r>
+            <a:r>
+              <a:rPr lang="en-US" sz="1400" dirty="0">
+                <a:solidFill>
+                  <a:schemeClr val="tx1"/>
+                </a:solidFill>
+              </a:rPr>
+              <a:t>°</a:t>
+            </a:r>
+            <a:r>
+              <a:rPr lang="en-US" sz="1400" dirty="0" smtClean="0">
+                <a:solidFill>
+                  <a:schemeClr val="tx1"/>
+                </a:solidFill>
+              </a:rPr>
+              <a:t>, 79</a:t>
+            </a:r>
+            <a:r>
+              <a:rPr lang="en-US" sz="1400" dirty="0">
+                <a:solidFill>
+                  <a:schemeClr val="tx1"/>
+                </a:solidFill>
+              </a:rPr>
+              <a:t>°</a:t>
+            </a:r>
+          </a:p>
+        </p:txBody>
+      </p:sp>
+      <p:sp>
+        <p:nvSpPr>
+          <p:cNvPr id="6" name="Rounded Rectangle 5"/>
+          <p:cNvSpPr/>
+          <p:nvPr/>
+        </p:nvSpPr>
+        <p:spPr>
+          <a:xfrm>
+            <a:off x="1931635" y="1701346"/>
+            <a:ext cx="1704683" cy="253551"/>
+          </a:xfrm>
+          <a:prstGeom prst="roundRect">
+            <a:avLst/>
+          </a:prstGeom>
+          <a:solidFill>
+            <a:schemeClr val="accent2">
+              <a:alpha val="30000"/>
+            </a:schemeClr>
+          </a:solidFill>
+        </p:spPr>
+        <p:style>
+          <a:lnRef idx="2">
+            <a:schemeClr val="accent2">
+              <a:shade val="50000"/>
+            </a:schemeClr>
+          </a:lnRef>
+          <a:fillRef idx="1">
+            <a:schemeClr val="accent2"/>
+          </a:fillRef>
+          <a:effectRef idx="0">
+            <a:schemeClr val="accent2"/>
+          </a:effectRef>
+          <a:fontRef idx="minor">
+            <a:schemeClr val="lt1"/>
+          </a:fontRef>
+        </p:style>
+        <p:txBody>
+          <a:bodyPr rtlCol="0" anchor="ctr"/>
+          <a:lstStyle/>
+          <a:p>
+            <a:pPr algn="ctr"/>
+            <a:r>
+              <a:rPr lang="en-US" sz="1400" dirty="0" smtClean="0">
+                <a:solidFill>
+                  <a:schemeClr val="tx1"/>
+                </a:solidFill>
+              </a:rPr>
+              <a:t>Day 2: 79°, 83°, 80°</a:t>
+            </a:r>
+            <a:endParaRPr lang="en-US" sz="1400" dirty="0">
+              <a:solidFill>
+                <a:schemeClr val="tx1"/>
+              </a:solidFill>
+            </a:endParaRPr>
+          </a:p>
+        </p:txBody>
+      </p:sp>
+      <p:sp>
+        <p:nvSpPr>
+          <p:cNvPr id="8" name="Rounded Rectangle 7"/>
+          <p:cNvSpPr/>
+          <p:nvPr/>
+        </p:nvSpPr>
+        <p:spPr>
+          <a:xfrm>
+            <a:off x="1931635" y="1985054"/>
+            <a:ext cx="1704683" cy="253551"/>
+          </a:xfrm>
+          <a:prstGeom prst="roundRect">
+            <a:avLst/>
+          </a:prstGeom>
+          <a:solidFill>
+            <a:schemeClr val="accent2">
+              <a:alpha val="30000"/>
+            </a:schemeClr>
+          </a:solidFill>
+        </p:spPr>
+        <p:style>
+          <a:lnRef idx="2">
+            <a:schemeClr val="accent2">
+              <a:shade val="50000"/>
+            </a:schemeClr>
+          </a:lnRef>
+          <a:fillRef idx="1">
+            <a:schemeClr val="accent2"/>
+          </a:fillRef>
+          <a:effectRef idx="0">
+            <a:schemeClr val="accent2"/>
+          </a:effectRef>
+          <a:fontRef idx="minor">
+            <a:schemeClr val="lt1"/>
+          </a:fontRef>
+        </p:style>
+        <p:txBody>
+          <a:bodyPr rtlCol="0" anchor="ctr"/>
+          <a:lstStyle/>
+          <a:p>
+            <a:pPr algn="ctr"/>
+            <a:r>
+              <a:rPr lang="en-US" sz="1400" dirty="0" smtClean="0">
+                <a:solidFill>
+                  <a:schemeClr val="tx1"/>
+                </a:solidFill>
+              </a:rPr>
+              <a:t>Day 3: 80°, 85°, 80°</a:t>
+            </a:r>
+            <a:endParaRPr lang="en-US" sz="1400" dirty="0">
+              <a:solidFill>
+                <a:schemeClr val="tx1"/>
+              </a:solidFill>
+            </a:endParaRPr>
+          </a:p>
+        </p:txBody>
+      </p:sp>
+      <p:sp>
+        <p:nvSpPr>
+          <p:cNvPr id="9" name="Rounded Rectangle 8"/>
+          <p:cNvSpPr/>
+          <p:nvPr/>
+        </p:nvSpPr>
+        <p:spPr>
+          <a:xfrm>
+            <a:off x="1931635" y="2268762"/>
+            <a:ext cx="1704683" cy="253551"/>
+          </a:xfrm>
+          <a:prstGeom prst="roundRect">
+            <a:avLst/>
+          </a:prstGeom>
+          <a:solidFill>
+            <a:schemeClr val="accent2">
+              <a:alpha val="30000"/>
+            </a:schemeClr>
+          </a:solidFill>
+        </p:spPr>
+        <p:style>
+          <a:lnRef idx="2">
+            <a:schemeClr val="accent2">
+              <a:shade val="50000"/>
+            </a:schemeClr>
+          </a:lnRef>
+          <a:fillRef idx="1">
+            <a:schemeClr val="accent2"/>
+          </a:fillRef>
+          <a:effectRef idx="0">
+            <a:schemeClr val="accent2"/>
+          </a:effectRef>
+          <a:fontRef idx="minor">
+            <a:schemeClr val="lt1"/>
+          </a:fontRef>
+        </p:style>
+        <p:txBody>
+          <a:bodyPr rtlCol="0" anchor="ctr"/>
+          <a:lstStyle/>
+          <a:p>
+            <a:pPr algn="ctr"/>
+            <a:r>
+              <a:rPr lang="en-US" sz="1400" dirty="0" smtClean="0">
+                <a:solidFill>
+                  <a:schemeClr val="tx1"/>
+                </a:solidFill>
+              </a:rPr>
+              <a:t>Day 4: 81°, 87°, 79</a:t>
+            </a:r>
+            <a:r>
+              <a:rPr lang="en-US" sz="1400" dirty="0">
+                <a:solidFill>
+                  <a:schemeClr val="tx1"/>
+                </a:solidFill>
+              </a:rPr>
+              <a:t>°</a:t>
+            </a:r>
+          </a:p>
+        </p:txBody>
+      </p:sp>
+      <p:sp>
+        <p:nvSpPr>
+          <p:cNvPr id="11" name="Rounded Rectangle 10"/>
+          <p:cNvSpPr/>
+          <p:nvPr/>
+        </p:nvSpPr>
+        <p:spPr>
+          <a:xfrm>
+            <a:off x="1931635" y="2552470"/>
+            <a:ext cx="1704683" cy="253551"/>
+          </a:xfrm>
+          <a:prstGeom prst="roundRect">
+            <a:avLst/>
+          </a:prstGeom>
+          <a:solidFill>
+            <a:schemeClr val="accent2">
+              <a:alpha val="30000"/>
+            </a:schemeClr>
+          </a:solidFill>
+        </p:spPr>
+        <p:style>
+          <a:lnRef idx="2">
+            <a:schemeClr val="accent2">
+              <a:shade val="50000"/>
+            </a:schemeClr>
+          </a:lnRef>
+          <a:fillRef idx="1">
+            <a:schemeClr val="accent2"/>
+          </a:fillRef>
+          <a:effectRef idx="0">
+            <a:schemeClr val="accent2"/>
+          </a:effectRef>
+          <a:fontRef idx="minor">
+            <a:schemeClr val="lt1"/>
+          </a:fontRef>
+        </p:style>
+        <p:txBody>
+          <a:bodyPr rtlCol="0" anchor="ctr"/>
+          <a:lstStyle/>
+          <a:p>
+            <a:pPr algn="ctr"/>
+            <a:r>
+              <a:rPr lang="en-US" sz="1400" dirty="0" smtClean="0">
+                <a:solidFill>
+                  <a:schemeClr val="tx1"/>
+                </a:solidFill>
+              </a:rPr>
+              <a:t>Day 5: 72°, 79°, 75°</a:t>
+            </a:r>
+            <a:endParaRPr lang="en-US" sz="1400" dirty="0">
+              <a:solidFill>
+                <a:schemeClr val="tx1"/>
+              </a:solidFill>
+            </a:endParaRPr>
+          </a:p>
+        </p:txBody>
+      </p:sp>
+      <p:sp>
+        <p:nvSpPr>
+          <p:cNvPr id="12" name="Rounded Rectangle 11"/>
+          <p:cNvSpPr/>
+          <p:nvPr/>
+        </p:nvSpPr>
+        <p:spPr>
+          <a:xfrm>
+            <a:off x="1931635" y="2836178"/>
+            <a:ext cx="1704683" cy="253551"/>
+          </a:xfrm>
+          <a:prstGeom prst="roundRect">
+            <a:avLst/>
+          </a:prstGeom>
+          <a:solidFill>
+            <a:schemeClr val="accent2">
+              <a:alpha val="30000"/>
+            </a:schemeClr>
+          </a:solidFill>
+        </p:spPr>
+        <p:style>
+          <a:lnRef idx="2">
+            <a:schemeClr val="accent2">
+              <a:shade val="50000"/>
+            </a:schemeClr>
+          </a:lnRef>
+          <a:fillRef idx="1">
+            <a:schemeClr val="accent2"/>
+          </a:fillRef>
+          <a:effectRef idx="0">
+            <a:schemeClr val="accent2"/>
+          </a:effectRef>
+          <a:fontRef idx="minor">
+            <a:schemeClr val="lt1"/>
+          </a:fontRef>
+        </p:style>
+        <p:txBody>
+          <a:bodyPr rtlCol="0" anchor="ctr"/>
+          <a:lstStyle/>
+          <a:p>
+            <a:pPr algn="ctr"/>
+            <a:r>
+              <a:rPr lang="en-US" sz="1400" dirty="0" smtClean="0">
+                <a:solidFill>
+                  <a:schemeClr val="tx1"/>
+                </a:solidFill>
+              </a:rPr>
+              <a:t>Day 6: 75°, 79°, 72°</a:t>
+            </a:r>
+            <a:endParaRPr lang="en-US" sz="1400" dirty="0">
+              <a:solidFill>
+                <a:schemeClr val="tx1"/>
+              </a:solidFill>
+            </a:endParaRPr>
+          </a:p>
+        </p:txBody>
+      </p:sp>
+      <p:sp>
+        <p:nvSpPr>
+          <p:cNvPr id="13" name="Rounded Rectangle 12"/>
+          <p:cNvSpPr/>
+          <p:nvPr/>
+        </p:nvSpPr>
+        <p:spPr>
+          <a:xfrm>
+            <a:off x="1931635" y="3119887"/>
+            <a:ext cx="1704683" cy="253551"/>
+          </a:xfrm>
+          <a:prstGeom prst="roundRect">
+            <a:avLst/>
+          </a:prstGeom>
+          <a:solidFill>
+            <a:schemeClr val="accent2">
+              <a:alpha val="30000"/>
+            </a:schemeClr>
+          </a:solidFill>
+        </p:spPr>
+        <p:style>
+          <a:lnRef idx="2">
+            <a:schemeClr val="accent2">
+              <a:shade val="50000"/>
+            </a:schemeClr>
+          </a:lnRef>
+          <a:fillRef idx="1">
+            <a:schemeClr val="accent2"/>
+          </a:fillRef>
+          <a:effectRef idx="0">
+            <a:schemeClr val="accent2"/>
+          </a:effectRef>
+          <a:fontRef idx="minor">
+            <a:schemeClr val="lt1"/>
+          </a:fontRef>
+        </p:style>
+        <p:txBody>
+          <a:bodyPr rtlCol="0" anchor="ctr"/>
+          <a:lstStyle/>
+          <a:p>
+            <a:pPr algn="ctr"/>
+            <a:r>
+              <a:rPr lang="en-US" sz="1400" dirty="0" smtClean="0">
+                <a:solidFill>
+                  <a:schemeClr val="tx1"/>
+                </a:solidFill>
+              </a:rPr>
+              <a:t>Day 7: 81°, 88°, 77°</a:t>
+            </a:r>
+            <a:endParaRPr lang="en-US" sz="1400" dirty="0">
+              <a:solidFill>
+                <a:schemeClr val="tx1"/>
+              </a:solidFill>
+            </a:endParaRPr>
+          </a:p>
+        </p:txBody>
+      </p:sp>
+    </p:spTree>
+    <p:extLst>
+      <p:ext uri="{BB962C8B-B14F-4D97-AF65-F5344CB8AC3E}">
+        <p14:creationId xmlns:p14="http://schemas.microsoft.com/office/powerpoint/2010/main" val="2784101889"/>
+      </p:ext>
+    </p:extLst>
+  </p:cSld>
+  <p:clrMapOvr>
+    <a:masterClrMapping/>
+  </p:clrMapOvr>
+</p:sld>
+</file>
+
+<file path=ppt/slides/slide66.xml><?xml version="1.0" encoding="utf-8"?>
+<p:sld xmlns:a="http://schemas.openxmlformats.org/drawingml/2006/main" xmlns:r="http://schemas.openxmlformats.org/officeDocument/2006/relationships" xmlns:p="http://schemas.openxmlformats.org/presentationml/2006/main">
+  <p:cSld>
+    <p:spTree>
+      <p:nvGrpSpPr>
+        <p:cNvPr id="1" name=""/>
+        <p:cNvGrpSpPr/>
+        <p:nvPr/>
+      </p:nvGrpSpPr>
+      <p:grpSpPr>
+        <a:xfrm>
+          <a:off x="0" y="0"/>
+          <a:ext cx="0" cy="0"/>
+          <a:chOff x="0" y="0"/>
+          <a:chExt cx="0" cy="0"/>
+        </a:xfrm>
+      </p:grpSpPr>
+      <p:sp>
+        <p:nvSpPr>
+          <p:cNvPr id="2" name="Title 1"/>
+          <p:cNvSpPr>
+            <a:spLocks noGrp="1"/>
+          </p:cNvSpPr>
+          <p:nvPr>
+            <p:ph type="title"/>
+          </p:nvPr>
+        </p:nvSpPr>
+        <p:spPr/>
+        <p:txBody>
+          <a:bodyPr/>
+          <a:lstStyle/>
+          <a:p>
+            <a:r>
+              <a:rPr lang="en-US" dirty="0" smtClean="0"/>
+              <a:t>An Array Illustrated</a:t>
+            </a:r>
+            <a:endParaRPr lang="en-US" dirty="0"/>
+          </a:p>
+        </p:txBody>
+      </p:sp>
+      <p:sp>
+        <p:nvSpPr>
+          <p:cNvPr id="4" name="Rectangle 3"/>
+          <p:cNvSpPr/>
+          <p:nvPr/>
+        </p:nvSpPr>
+        <p:spPr>
+          <a:xfrm>
+            <a:off x="2537703" y="2490246"/>
+            <a:ext cx="2278038" cy="429898"/>
+          </a:xfrm>
+          <a:prstGeom prst="rect">
+            <a:avLst/>
+          </a:prstGeom>
+        </p:spPr>
+        <p:style>
+          <a:lnRef idx="2">
+            <a:schemeClr val="accent2">
+              <a:shade val="50000"/>
+            </a:schemeClr>
+          </a:lnRef>
+          <a:fillRef idx="1">
+            <a:schemeClr val="accent2"/>
+          </a:fillRef>
+          <a:effectRef idx="0">
+            <a:schemeClr val="accent2"/>
+          </a:effectRef>
+          <a:fontRef idx="minor">
+            <a:schemeClr val="lt1"/>
+          </a:fontRef>
+        </p:style>
+        <p:txBody>
+          <a:bodyPr rtlCol="0" anchor="ctr"/>
+          <a:lstStyle/>
+          <a:p>
+            <a:pPr algn="ctr"/>
+            <a:endParaRPr lang="en-US"/>
+          </a:p>
+        </p:txBody>
+      </p:sp>
+      <p:sp>
+        <p:nvSpPr>
+          <p:cNvPr id="5" name="Rounded Rectangle 4"/>
+          <p:cNvSpPr/>
+          <p:nvPr/>
+        </p:nvSpPr>
+        <p:spPr>
+          <a:xfrm>
+            <a:off x="2642432" y="1675398"/>
+            <a:ext cx="292203" cy="297838"/>
+          </a:xfrm>
+          <a:prstGeom prst="roundRect">
+            <a:avLst/>
+          </a:prstGeom>
+          <a:scene3d>
+            <a:camera prst="orthographicFront"/>
+            <a:lightRig rig="threePt" dir="t"/>
+          </a:scene3d>
+          <a:sp3d>
+            <a:bevelT w="152400" h="50800" prst="softRound"/>
+          </a:sp3d>
+        </p:spPr>
+        <p:style>
+          <a:lnRef idx="1">
+            <a:schemeClr val="accent1"/>
+          </a:lnRef>
+          <a:fillRef idx="3">
+            <a:schemeClr val="accent1"/>
+          </a:fillRef>
+          <a:effectRef idx="2">
+            <a:schemeClr val="accent1"/>
+          </a:effectRef>
+          <a:fontRef idx="minor">
+            <a:schemeClr val="lt1"/>
+          </a:fontRef>
+        </p:style>
+        <p:txBody>
+          <a:bodyPr rtlCol="0" anchor="ctr"/>
+          <a:lstStyle/>
+          <a:p>
+            <a:pPr algn="ctr"/>
+            <a:endParaRPr lang="en-US"/>
+          </a:p>
+        </p:txBody>
+      </p:sp>
+      <p:sp>
+        <p:nvSpPr>
+          <p:cNvPr id="6" name="Rounded Rectangle 5"/>
+          <p:cNvSpPr/>
+          <p:nvPr/>
+        </p:nvSpPr>
+        <p:spPr>
+          <a:xfrm>
+            <a:off x="2997127" y="1675398"/>
+            <a:ext cx="292203" cy="297838"/>
+          </a:xfrm>
+          <a:prstGeom prst="roundRect">
+            <a:avLst/>
+          </a:prstGeom>
+          <a:scene3d>
+            <a:camera prst="orthographicFront"/>
+            <a:lightRig rig="threePt" dir="t"/>
+          </a:scene3d>
+          <a:sp3d>
+            <a:bevelT w="152400" h="50800" prst="softRound"/>
+          </a:sp3d>
+        </p:spPr>
+        <p:style>
+          <a:lnRef idx="1">
+            <a:schemeClr val="accent1"/>
+          </a:lnRef>
+          <a:fillRef idx="3">
+            <a:schemeClr val="accent1"/>
+          </a:fillRef>
+          <a:effectRef idx="2">
+            <a:schemeClr val="accent1"/>
+          </a:effectRef>
+          <a:fontRef idx="minor">
+            <a:schemeClr val="lt1"/>
+          </a:fontRef>
+        </p:style>
+        <p:txBody>
+          <a:bodyPr rtlCol="0" anchor="ctr"/>
+          <a:lstStyle/>
+          <a:p>
+            <a:pPr algn="ctr"/>
+            <a:endParaRPr lang="en-US"/>
+          </a:p>
+        </p:txBody>
+      </p:sp>
+      <p:sp>
+        <p:nvSpPr>
+          <p:cNvPr id="7" name="Rounded Rectangle 6"/>
+          <p:cNvSpPr/>
+          <p:nvPr/>
+        </p:nvSpPr>
+        <p:spPr>
+          <a:xfrm>
+            <a:off x="3351822" y="1675398"/>
+            <a:ext cx="292203" cy="297838"/>
+          </a:xfrm>
+          <a:prstGeom prst="roundRect">
+            <a:avLst/>
+          </a:prstGeom>
+          <a:scene3d>
+            <a:camera prst="orthographicFront"/>
+            <a:lightRig rig="threePt" dir="t"/>
+          </a:scene3d>
+          <a:sp3d>
+            <a:bevelT w="152400" h="50800" prst="softRound"/>
+          </a:sp3d>
+        </p:spPr>
+        <p:style>
+          <a:lnRef idx="1">
+            <a:schemeClr val="accent1"/>
+          </a:lnRef>
+          <a:fillRef idx="3">
+            <a:schemeClr val="accent1"/>
+          </a:fillRef>
+          <a:effectRef idx="2">
+            <a:schemeClr val="accent1"/>
+          </a:effectRef>
+          <a:fontRef idx="minor">
+            <a:schemeClr val="lt1"/>
+          </a:fontRef>
+        </p:style>
+        <p:txBody>
+          <a:bodyPr rtlCol="0" anchor="ctr"/>
+          <a:lstStyle/>
+          <a:p>
+            <a:pPr algn="ctr"/>
+            <a:endParaRPr lang="en-US"/>
+          </a:p>
+        </p:txBody>
+      </p:sp>
+      <p:sp>
+        <p:nvSpPr>
+          <p:cNvPr id="8" name="Rounded Rectangle 7"/>
+          <p:cNvSpPr/>
+          <p:nvPr/>
+        </p:nvSpPr>
+        <p:spPr>
+          <a:xfrm>
+            <a:off x="3706517" y="1675398"/>
+            <a:ext cx="292203" cy="297838"/>
+          </a:xfrm>
+          <a:prstGeom prst="roundRect">
+            <a:avLst/>
+          </a:prstGeom>
+          <a:scene3d>
+            <a:camera prst="orthographicFront"/>
+            <a:lightRig rig="threePt" dir="t"/>
+          </a:scene3d>
+          <a:sp3d>
+            <a:bevelT w="152400" h="50800" prst="softRound"/>
+          </a:sp3d>
+        </p:spPr>
+        <p:style>
+          <a:lnRef idx="1">
+            <a:schemeClr val="accent1"/>
+          </a:lnRef>
+          <a:fillRef idx="3">
+            <a:schemeClr val="accent1"/>
+          </a:fillRef>
+          <a:effectRef idx="2">
+            <a:schemeClr val="accent1"/>
+          </a:effectRef>
+          <a:fontRef idx="minor">
+            <a:schemeClr val="lt1"/>
+          </a:fontRef>
+        </p:style>
+        <p:txBody>
+          <a:bodyPr rtlCol="0" anchor="ctr"/>
+          <a:lstStyle/>
+          <a:p>
+            <a:pPr algn="ctr"/>
+            <a:endParaRPr lang="en-US"/>
+          </a:p>
+        </p:txBody>
+      </p:sp>
+      <p:sp>
+        <p:nvSpPr>
+          <p:cNvPr id="9" name="Rounded Rectangle 8"/>
+          <p:cNvSpPr/>
+          <p:nvPr/>
+        </p:nvSpPr>
+        <p:spPr>
+          <a:xfrm>
+            <a:off x="4061212" y="1675398"/>
+            <a:ext cx="292203" cy="297838"/>
+          </a:xfrm>
+          <a:prstGeom prst="roundRect">
+            <a:avLst/>
+          </a:prstGeom>
+          <a:scene3d>
+            <a:camera prst="orthographicFront"/>
+            <a:lightRig rig="threePt" dir="t"/>
+          </a:scene3d>
+          <a:sp3d>
+            <a:bevelT w="152400" h="50800" prst="softRound"/>
+          </a:sp3d>
+        </p:spPr>
+        <p:style>
+          <a:lnRef idx="1">
+            <a:schemeClr val="accent1"/>
+          </a:lnRef>
+          <a:fillRef idx="3">
+            <a:schemeClr val="accent1"/>
+          </a:fillRef>
+          <a:effectRef idx="2">
+            <a:schemeClr val="accent1"/>
+          </a:effectRef>
+          <a:fontRef idx="minor">
+            <a:schemeClr val="lt1"/>
+          </a:fontRef>
+        </p:style>
+        <p:txBody>
+          <a:bodyPr rtlCol="0" anchor="ctr"/>
+          <a:lstStyle/>
+          <a:p>
+            <a:pPr algn="ctr"/>
+            <a:endParaRPr lang="en-US"/>
+          </a:p>
+        </p:txBody>
+      </p:sp>
+      <p:sp>
+        <p:nvSpPr>
+          <p:cNvPr id="10" name="Rounded Rectangle 9"/>
+          <p:cNvSpPr/>
+          <p:nvPr/>
+        </p:nvSpPr>
+        <p:spPr>
+          <a:xfrm>
+            <a:off x="4415907" y="1675398"/>
+            <a:ext cx="292203" cy="297838"/>
+          </a:xfrm>
+          <a:prstGeom prst="roundRect">
+            <a:avLst/>
+          </a:prstGeom>
+          <a:scene3d>
+            <a:camera prst="orthographicFront"/>
+            <a:lightRig rig="threePt" dir="t"/>
+          </a:scene3d>
+          <a:sp3d>
+            <a:bevelT w="152400" h="50800" prst="softRound"/>
+          </a:sp3d>
+        </p:spPr>
+        <p:style>
+          <a:lnRef idx="1">
+            <a:schemeClr val="accent1"/>
+          </a:lnRef>
+          <a:fillRef idx="3">
+            <a:schemeClr val="accent1"/>
+          </a:fillRef>
+          <a:effectRef idx="2">
+            <a:schemeClr val="accent1"/>
+          </a:effectRef>
+          <a:fontRef idx="minor">
+            <a:schemeClr val="lt1"/>
+          </a:fontRef>
+        </p:style>
+        <p:txBody>
+          <a:bodyPr rtlCol="0" anchor="ctr"/>
+          <a:lstStyle/>
+          <a:p>
+            <a:pPr algn="ctr"/>
+            <a:endParaRPr lang="en-US"/>
+          </a:p>
+        </p:txBody>
+      </p:sp>
+      <p:sp>
+        <p:nvSpPr>
+          <p:cNvPr id="11" name="Line Callout 1 10"/>
+          <p:cNvSpPr/>
+          <p:nvPr/>
+        </p:nvSpPr>
+        <p:spPr>
+          <a:xfrm>
+            <a:off x="5585585" y="1664158"/>
+            <a:ext cx="1702646" cy="297838"/>
+          </a:xfrm>
+          <a:prstGeom prst="borderCallout1">
+            <a:avLst>
+              <a:gd name="adj1" fmla="val 64033"/>
+              <a:gd name="adj2" fmla="val -7673"/>
+              <a:gd name="adj3" fmla="val 63929"/>
+              <a:gd name="adj4" fmla="val -38333"/>
+            </a:avLst>
+          </a:prstGeom>
+        </p:spPr>
+        <p:style>
+          <a:lnRef idx="1">
+            <a:schemeClr val="accent5"/>
+          </a:lnRef>
+          <a:fillRef idx="2">
+            <a:schemeClr val="accent5"/>
+          </a:fillRef>
+          <a:effectRef idx="1">
+            <a:schemeClr val="accent5"/>
+          </a:effectRef>
+          <a:fontRef idx="minor">
+            <a:schemeClr val="dk1"/>
+          </a:fontRef>
+        </p:style>
+        <p:txBody>
+          <a:bodyPr rtlCol="0" anchor="ctr"/>
+          <a:lstStyle/>
+          <a:p>
+            <a:pPr algn="ctr"/>
+            <a:r>
+              <a:rPr lang="en-US" sz="1200" dirty="0" smtClean="0"/>
+              <a:t>Individual values</a:t>
+            </a:r>
+            <a:endParaRPr lang="en-US" sz="1200" dirty="0"/>
+          </a:p>
+        </p:txBody>
+      </p:sp>
+      <p:sp>
+        <p:nvSpPr>
+          <p:cNvPr id="12" name="Line Callout 1 11"/>
+          <p:cNvSpPr/>
+          <p:nvPr/>
+        </p:nvSpPr>
+        <p:spPr>
+          <a:xfrm>
+            <a:off x="5585585" y="2543632"/>
+            <a:ext cx="1702646" cy="297838"/>
+          </a:xfrm>
+          <a:prstGeom prst="borderCallout1">
+            <a:avLst>
+              <a:gd name="adj1" fmla="val 65920"/>
+              <a:gd name="adj2" fmla="val -6353"/>
+              <a:gd name="adj3" fmla="val 63929"/>
+              <a:gd name="adj4" fmla="val -38333"/>
+            </a:avLst>
+          </a:prstGeom>
+        </p:spPr>
+        <p:style>
+          <a:lnRef idx="1">
+            <a:schemeClr val="accent5"/>
+          </a:lnRef>
+          <a:fillRef idx="2">
+            <a:schemeClr val="accent5"/>
+          </a:fillRef>
+          <a:effectRef idx="1">
+            <a:schemeClr val="accent5"/>
+          </a:effectRef>
+          <a:fontRef idx="minor">
+            <a:schemeClr val="dk1"/>
+          </a:fontRef>
+        </p:style>
+        <p:txBody>
+          <a:bodyPr rtlCol="0" anchor="ctr"/>
+          <a:lstStyle/>
+          <a:p>
+            <a:pPr algn="ctr"/>
+            <a:r>
+              <a:rPr lang="en-US" sz="1200" dirty="0" smtClean="0"/>
+              <a:t>Array: named grouping</a:t>
+            </a:r>
+            <a:endParaRPr lang="en-US" sz="1200" dirty="0"/>
+          </a:p>
+        </p:txBody>
+      </p:sp>
+      <p:sp>
+        <p:nvSpPr>
+          <p:cNvPr id="13" name="Rounded Rectangle 12"/>
+          <p:cNvSpPr/>
+          <p:nvPr/>
+        </p:nvSpPr>
+        <p:spPr>
+          <a:xfrm>
+            <a:off x="2642432" y="2561161"/>
+            <a:ext cx="292203" cy="297838"/>
+          </a:xfrm>
+          <a:prstGeom prst="roundRect">
+            <a:avLst/>
+          </a:prstGeom>
+          <a:scene3d>
+            <a:camera prst="orthographicFront"/>
+            <a:lightRig rig="threePt" dir="t"/>
+          </a:scene3d>
+          <a:sp3d>
+            <a:bevelT w="152400" h="50800" prst="softRound"/>
+          </a:sp3d>
+        </p:spPr>
+        <p:style>
+          <a:lnRef idx="1">
+            <a:schemeClr val="accent1"/>
+          </a:lnRef>
+          <a:fillRef idx="3">
+            <a:schemeClr val="accent1"/>
+          </a:fillRef>
+          <a:effectRef idx="2">
+            <a:schemeClr val="accent1"/>
+          </a:effectRef>
+          <a:fontRef idx="minor">
+            <a:schemeClr val="lt1"/>
+          </a:fontRef>
+        </p:style>
+        <p:txBody>
+          <a:bodyPr rtlCol="0" anchor="ctr"/>
+          <a:lstStyle/>
+          <a:p>
+            <a:pPr algn="ctr"/>
+            <a:endParaRPr lang="en-US"/>
+          </a:p>
+        </p:txBody>
+      </p:sp>
+      <p:sp>
+        <p:nvSpPr>
+          <p:cNvPr id="14" name="Rounded Rectangle 13"/>
+          <p:cNvSpPr/>
+          <p:nvPr/>
+        </p:nvSpPr>
+        <p:spPr>
+          <a:xfrm>
+            <a:off x="2997127" y="2561161"/>
+            <a:ext cx="292203" cy="297838"/>
+          </a:xfrm>
+          <a:prstGeom prst="roundRect">
+            <a:avLst/>
+          </a:prstGeom>
+          <a:scene3d>
+            <a:camera prst="orthographicFront"/>
+            <a:lightRig rig="threePt" dir="t"/>
+          </a:scene3d>
+          <a:sp3d>
+            <a:bevelT w="152400" h="50800" prst="softRound"/>
+          </a:sp3d>
+        </p:spPr>
+        <p:style>
+          <a:lnRef idx="1">
+            <a:schemeClr val="accent1"/>
+          </a:lnRef>
+          <a:fillRef idx="3">
+            <a:schemeClr val="accent1"/>
+          </a:fillRef>
+          <a:effectRef idx="2">
+            <a:schemeClr val="accent1"/>
+          </a:effectRef>
+          <a:fontRef idx="minor">
+            <a:schemeClr val="lt1"/>
+          </a:fontRef>
+        </p:style>
+        <p:txBody>
+          <a:bodyPr rtlCol="0" anchor="ctr"/>
+          <a:lstStyle/>
+          <a:p>
+            <a:pPr algn="ctr"/>
+            <a:endParaRPr lang="en-US"/>
+          </a:p>
+        </p:txBody>
+      </p:sp>
+      <p:sp>
+        <p:nvSpPr>
+          <p:cNvPr id="15" name="Rounded Rectangle 14"/>
+          <p:cNvSpPr/>
+          <p:nvPr/>
+        </p:nvSpPr>
+        <p:spPr>
+          <a:xfrm>
+            <a:off x="3351822" y="2561161"/>
+            <a:ext cx="292203" cy="297838"/>
+          </a:xfrm>
+          <a:prstGeom prst="roundRect">
+            <a:avLst/>
+          </a:prstGeom>
+          <a:scene3d>
+            <a:camera prst="orthographicFront"/>
+            <a:lightRig rig="threePt" dir="t"/>
+          </a:scene3d>
+          <a:sp3d>
+            <a:bevelT w="152400" h="50800" prst="softRound"/>
+          </a:sp3d>
+        </p:spPr>
+        <p:style>
+          <a:lnRef idx="1">
+            <a:schemeClr val="accent1"/>
+          </a:lnRef>
+          <a:fillRef idx="3">
+            <a:schemeClr val="accent1"/>
+          </a:fillRef>
+          <a:effectRef idx="2">
+            <a:schemeClr val="accent1"/>
+          </a:effectRef>
+          <a:fontRef idx="minor">
+            <a:schemeClr val="lt1"/>
+          </a:fontRef>
+        </p:style>
+        <p:txBody>
+          <a:bodyPr rtlCol="0" anchor="ctr"/>
+          <a:lstStyle/>
+          <a:p>
+            <a:pPr algn="ctr"/>
+            <a:endParaRPr lang="en-US"/>
+          </a:p>
+        </p:txBody>
+      </p:sp>
+      <p:sp>
+        <p:nvSpPr>
+          <p:cNvPr id="16" name="Rounded Rectangle 15"/>
+          <p:cNvSpPr/>
+          <p:nvPr/>
+        </p:nvSpPr>
+        <p:spPr>
+          <a:xfrm>
+            <a:off x="3706517" y="2561161"/>
+            <a:ext cx="292203" cy="297838"/>
+          </a:xfrm>
+          <a:prstGeom prst="roundRect">
+            <a:avLst/>
+          </a:prstGeom>
+          <a:scene3d>
+            <a:camera prst="orthographicFront"/>
+            <a:lightRig rig="threePt" dir="t"/>
+          </a:scene3d>
+          <a:sp3d>
+            <a:bevelT w="152400" h="50800" prst="softRound"/>
+          </a:sp3d>
+        </p:spPr>
+        <p:style>
+          <a:lnRef idx="1">
+            <a:schemeClr val="accent1"/>
+          </a:lnRef>
+          <a:fillRef idx="3">
+            <a:schemeClr val="accent1"/>
+          </a:fillRef>
+          <a:effectRef idx="2">
+            <a:schemeClr val="accent1"/>
+          </a:effectRef>
+          <a:fontRef idx="minor">
+            <a:schemeClr val="lt1"/>
+          </a:fontRef>
+        </p:style>
+        <p:txBody>
+          <a:bodyPr rtlCol="0" anchor="ctr"/>
+          <a:lstStyle/>
+          <a:p>
+            <a:pPr algn="ctr"/>
+            <a:endParaRPr lang="en-US"/>
+          </a:p>
+        </p:txBody>
+      </p:sp>
+      <p:sp>
+        <p:nvSpPr>
+          <p:cNvPr id="17" name="Rounded Rectangle 16"/>
+          <p:cNvSpPr/>
+          <p:nvPr/>
+        </p:nvSpPr>
+        <p:spPr>
+          <a:xfrm>
+            <a:off x="4061212" y="2561161"/>
+            <a:ext cx="292203" cy="297838"/>
+          </a:xfrm>
+          <a:prstGeom prst="roundRect">
+            <a:avLst/>
+          </a:prstGeom>
+          <a:scene3d>
+            <a:camera prst="orthographicFront"/>
+            <a:lightRig rig="threePt" dir="t"/>
+          </a:scene3d>
+          <a:sp3d>
+            <a:bevelT w="152400" h="50800" prst="softRound"/>
+          </a:sp3d>
+        </p:spPr>
+        <p:style>
+          <a:lnRef idx="1">
+            <a:schemeClr val="accent1"/>
+          </a:lnRef>
+          <a:fillRef idx="3">
+            <a:schemeClr val="accent1"/>
+          </a:fillRef>
+          <a:effectRef idx="2">
+            <a:schemeClr val="accent1"/>
+          </a:effectRef>
+          <a:fontRef idx="minor">
+            <a:schemeClr val="lt1"/>
+          </a:fontRef>
+        </p:style>
+        <p:txBody>
+          <a:bodyPr rtlCol="0" anchor="ctr"/>
+          <a:lstStyle/>
+          <a:p>
+            <a:pPr algn="ctr"/>
+            <a:endParaRPr lang="en-US"/>
+          </a:p>
+        </p:txBody>
+      </p:sp>
+      <p:sp>
+        <p:nvSpPr>
+          <p:cNvPr id="18" name="Rounded Rectangle 17"/>
+          <p:cNvSpPr/>
+          <p:nvPr/>
+        </p:nvSpPr>
+        <p:spPr>
+          <a:xfrm>
+            <a:off x="4415907" y="2561161"/>
+            <a:ext cx="292203" cy="297838"/>
+          </a:xfrm>
+          <a:prstGeom prst="roundRect">
+            <a:avLst/>
+          </a:prstGeom>
+          <a:scene3d>
+            <a:camera prst="orthographicFront"/>
+            <a:lightRig rig="threePt" dir="t"/>
+          </a:scene3d>
+          <a:sp3d>
+            <a:bevelT w="152400" h="50800" prst="softRound"/>
+          </a:sp3d>
+        </p:spPr>
+        <p:style>
+          <a:lnRef idx="1">
+            <a:schemeClr val="accent1"/>
+          </a:lnRef>
+          <a:fillRef idx="3">
+            <a:schemeClr val="accent1"/>
+          </a:fillRef>
+          <a:effectRef idx="2">
+            <a:schemeClr val="accent1"/>
+          </a:effectRef>
+          <a:fontRef idx="minor">
+            <a:schemeClr val="lt1"/>
+          </a:fontRef>
+        </p:style>
+        <p:txBody>
+          <a:bodyPr rtlCol="0" anchor="ctr"/>
+          <a:lstStyle/>
+          <a:p>
+            <a:pPr algn="ctr"/>
+            <a:endParaRPr lang="en-US"/>
+          </a:p>
+        </p:txBody>
+      </p:sp>
+      <p:sp>
+        <p:nvSpPr>
+          <p:cNvPr id="19" name="Rectangle 18"/>
+          <p:cNvSpPr/>
+          <p:nvPr/>
+        </p:nvSpPr>
+        <p:spPr>
+          <a:xfrm>
+            <a:off x="2537703" y="3597204"/>
+            <a:ext cx="2278038" cy="696158"/>
+          </a:xfrm>
+          <a:prstGeom prst="rect">
+            <a:avLst/>
+          </a:prstGeom>
+        </p:spPr>
+        <p:style>
+          <a:lnRef idx="2">
+            <a:schemeClr val="accent2">
+              <a:shade val="50000"/>
+            </a:schemeClr>
+          </a:lnRef>
+          <a:fillRef idx="1">
+            <a:schemeClr val="accent2"/>
+          </a:fillRef>
+          <a:effectRef idx="0">
+            <a:schemeClr val="accent2"/>
+          </a:effectRef>
+          <a:fontRef idx="minor">
+            <a:schemeClr val="lt1"/>
+          </a:fontRef>
+        </p:style>
+        <p:txBody>
+          <a:bodyPr rtlCol="0" anchor="ctr"/>
+          <a:lstStyle/>
+          <a:p>
+            <a:pPr algn="ctr"/>
+            <a:endParaRPr lang="en-US"/>
+          </a:p>
+        </p:txBody>
+      </p:sp>
+      <p:sp>
+        <p:nvSpPr>
+          <p:cNvPr id="20" name="Rounded Rectangle 19"/>
+          <p:cNvSpPr/>
+          <p:nvPr/>
+        </p:nvSpPr>
+        <p:spPr>
+          <a:xfrm>
+            <a:off x="2642432" y="3668119"/>
+            <a:ext cx="292203" cy="297838"/>
+          </a:xfrm>
+          <a:prstGeom prst="roundRect">
+            <a:avLst/>
+          </a:prstGeom>
+          <a:scene3d>
+            <a:camera prst="orthographicFront"/>
+            <a:lightRig rig="threePt" dir="t"/>
+          </a:scene3d>
+          <a:sp3d>
+            <a:bevelT w="152400" h="50800" prst="softRound"/>
+          </a:sp3d>
+        </p:spPr>
+        <p:style>
+          <a:lnRef idx="1">
+            <a:schemeClr val="accent1"/>
+          </a:lnRef>
+          <a:fillRef idx="3">
+            <a:schemeClr val="accent1"/>
+          </a:fillRef>
+          <a:effectRef idx="2">
+            <a:schemeClr val="accent1"/>
+          </a:effectRef>
+          <a:fontRef idx="minor">
+            <a:schemeClr val="lt1"/>
+          </a:fontRef>
+        </p:style>
+        <p:txBody>
+          <a:bodyPr rtlCol="0" anchor="ctr"/>
+          <a:lstStyle/>
+          <a:p>
+            <a:pPr algn="ctr"/>
+            <a:endParaRPr lang="en-US"/>
+          </a:p>
+        </p:txBody>
+      </p:sp>
+      <p:sp>
+        <p:nvSpPr>
+          <p:cNvPr id="21" name="Rounded Rectangle 20"/>
+          <p:cNvSpPr/>
+          <p:nvPr/>
+        </p:nvSpPr>
+        <p:spPr>
+          <a:xfrm>
+            <a:off x="2997127" y="3668119"/>
+            <a:ext cx="292203" cy="297838"/>
+          </a:xfrm>
+          <a:prstGeom prst="roundRect">
+            <a:avLst/>
+          </a:prstGeom>
+          <a:scene3d>
+            <a:camera prst="orthographicFront"/>
+            <a:lightRig rig="threePt" dir="t"/>
+          </a:scene3d>
+          <a:sp3d>
+            <a:bevelT w="152400" h="50800" prst="softRound"/>
+          </a:sp3d>
+        </p:spPr>
+        <p:style>
+          <a:lnRef idx="1">
+            <a:schemeClr val="accent1"/>
+          </a:lnRef>
+          <a:fillRef idx="3">
+            <a:schemeClr val="accent1"/>
+          </a:fillRef>
+          <a:effectRef idx="2">
+            <a:schemeClr val="accent1"/>
+          </a:effectRef>
+          <a:fontRef idx="minor">
+            <a:schemeClr val="lt1"/>
+          </a:fontRef>
+        </p:style>
+        <p:txBody>
+          <a:bodyPr rtlCol="0" anchor="ctr"/>
+          <a:lstStyle/>
+          <a:p>
+            <a:pPr algn="ctr"/>
+            <a:endParaRPr lang="en-US"/>
+          </a:p>
+        </p:txBody>
+      </p:sp>
+      <p:sp>
+        <p:nvSpPr>
+          <p:cNvPr id="22" name="Rounded Rectangle 21"/>
+          <p:cNvSpPr/>
+          <p:nvPr/>
+        </p:nvSpPr>
+        <p:spPr>
+          <a:xfrm>
+            <a:off x="3351822" y="3668119"/>
+            <a:ext cx="292203" cy="297838"/>
+          </a:xfrm>
+          <a:prstGeom prst="roundRect">
+            <a:avLst/>
+          </a:prstGeom>
+          <a:scene3d>
+            <a:camera prst="orthographicFront"/>
+            <a:lightRig rig="threePt" dir="t"/>
+          </a:scene3d>
+          <a:sp3d>
+            <a:bevelT w="152400" h="50800" prst="softRound"/>
+          </a:sp3d>
+        </p:spPr>
+        <p:style>
+          <a:lnRef idx="1">
+            <a:schemeClr val="accent1"/>
+          </a:lnRef>
+          <a:fillRef idx="3">
+            <a:schemeClr val="accent1"/>
+          </a:fillRef>
+          <a:effectRef idx="2">
+            <a:schemeClr val="accent1"/>
+          </a:effectRef>
+          <a:fontRef idx="minor">
+            <a:schemeClr val="lt1"/>
+          </a:fontRef>
+        </p:style>
+        <p:txBody>
+          <a:bodyPr rtlCol="0" anchor="ctr"/>
+          <a:lstStyle/>
+          <a:p>
+            <a:pPr algn="ctr"/>
+            <a:endParaRPr lang="en-US"/>
+          </a:p>
+        </p:txBody>
+      </p:sp>
+      <p:sp>
+        <p:nvSpPr>
+          <p:cNvPr id="23" name="Rounded Rectangle 22"/>
+          <p:cNvSpPr/>
+          <p:nvPr/>
+        </p:nvSpPr>
+        <p:spPr>
+          <a:xfrm>
+            <a:off x="3706517" y="3668119"/>
+            <a:ext cx="292203" cy="297838"/>
+          </a:xfrm>
+          <a:prstGeom prst="roundRect">
+            <a:avLst/>
+          </a:prstGeom>
+          <a:scene3d>
+            <a:camera prst="orthographicFront"/>
+            <a:lightRig rig="threePt" dir="t"/>
+          </a:scene3d>
+          <a:sp3d>
+            <a:bevelT w="152400" h="50800" prst="softRound"/>
+          </a:sp3d>
+        </p:spPr>
+        <p:style>
+          <a:lnRef idx="1">
+            <a:schemeClr val="accent1"/>
+          </a:lnRef>
+          <a:fillRef idx="3">
+            <a:schemeClr val="accent1"/>
+          </a:fillRef>
+          <a:effectRef idx="2">
+            <a:schemeClr val="accent1"/>
+          </a:effectRef>
+          <a:fontRef idx="minor">
+            <a:schemeClr val="lt1"/>
+          </a:fontRef>
+        </p:style>
+        <p:txBody>
+          <a:bodyPr rtlCol="0" anchor="ctr"/>
+          <a:lstStyle/>
+          <a:p>
+            <a:pPr algn="ctr"/>
+            <a:endParaRPr lang="en-US"/>
+          </a:p>
+        </p:txBody>
+      </p:sp>
+      <p:sp>
+        <p:nvSpPr>
+          <p:cNvPr id="24" name="Rounded Rectangle 23"/>
+          <p:cNvSpPr/>
+          <p:nvPr/>
+        </p:nvSpPr>
+        <p:spPr>
+          <a:xfrm>
+            <a:off x="4061212" y="3668119"/>
+            <a:ext cx="292203" cy="297838"/>
+          </a:xfrm>
+          <a:prstGeom prst="roundRect">
+            <a:avLst/>
+          </a:prstGeom>
+          <a:scene3d>
+            <a:camera prst="orthographicFront"/>
+            <a:lightRig rig="threePt" dir="t"/>
+          </a:scene3d>
+          <a:sp3d>
+            <a:bevelT w="152400" h="50800" prst="softRound"/>
+          </a:sp3d>
+        </p:spPr>
+        <p:style>
+          <a:lnRef idx="1">
+            <a:schemeClr val="accent1"/>
+          </a:lnRef>
+          <a:fillRef idx="3">
+            <a:schemeClr val="accent1"/>
+          </a:fillRef>
+          <a:effectRef idx="2">
+            <a:schemeClr val="accent1"/>
+          </a:effectRef>
+          <a:fontRef idx="minor">
+            <a:schemeClr val="lt1"/>
+          </a:fontRef>
+        </p:style>
+        <p:txBody>
+          <a:bodyPr rtlCol="0" anchor="ctr"/>
+          <a:lstStyle/>
+          <a:p>
+            <a:pPr algn="ctr"/>
+            <a:endParaRPr lang="en-US"/>
+          </a:p>
+        </p:txBody>
+      </p:sp>
+      <p:sp>
+        <p:nvSpPr>
+          <p:cNvPr id="25" name="Rounded Rectangle 24"/>
+          <p:cNvSpPr/>
+          <p:nvPr/>
+        </p:nvSpPr>
+        <p:spPr>
+          <a:xfrm>
+            <a:off x="4415907" y="3668119"/>
+            <a:ext cx="292203" cy="297838"/>
+          </a:xfrm>
+          <a:prstGeom prst="roundRect">
+            <a:avLst/>
+          </a:prstGeom>
+          <a:scene3d>
+            <a:camera prst="orthographicFront"/>
+            <a:lightRig rig="threePt" dir="t"/>
+          </a:scene3d>
+          <a:sp3d>
+            <a:bevelT w="152400" h="50800" prst="softRound"/>
+          </a:sp3d>
+        </p:spPr>
+        <p:style>
+          <a:lnRef idx="1">
+            <a:schemeClr val="accent1"/>
+          </a:lnRef>
+          <a:fillRef idx="3">
+            <a:schemeClr val="accent1"/>
+          </a:fillRef>
+          <a:effectRef idx="2">
+            <a:schemeClr val="accent1"/>
+          </a:effectRef>
+          <a:fontRef idx="minor">
+            <a:schemeClr val="lt1"/>
+          </a:fontRef>
+        </p:style>
+        <p:txBody>
+          <a:bodyPr rtlCol="0" anchor="ctr"/>
+          <a:lstStyle/>
+          <a:p>
+            <a:pPr algn="ctr"/>
+            <a:endParaRPr lang="en-US"/>
+          </a:p>
+        </p:txBody>
+      </p:sp>
+      <p:sp>
+        <p:nvSpPr>
+          <p:cNvPr id="26" name="TextBox 25"/>
+          <p:cNvSpPr txBox="1"/>
+          <p:nvPr/>
+        </p:nvSpPr>
+        <p:spPr>
+          <a:xfrm>
+            <a:off x="2642432" y="4047141"/>
+            <a:ext cx="292203" cy="246221"/>
+          </a:xfrm>
+          <a:prstGeom prst="rect">
+            <a:avLst/>
+          </a:prstGeom>
+          <a:noFill/>
+        </p:spPr>
+        <p:txBody>
+          <a:bodyPr wrap="square" rtlCol="0">
+            <a:spAutoFit/>
+          </a:bodyPr>
+          <a:lstStyle/>
+          <a:p>
+            <a:r>
+              <a:rPr lang="en-US" sz="1000" dirty="0" smtClean="0"/>
+              <a:t>0</a:t>
+            </a:r>
+            <a:endParaRPr lang="en-US" sz="1000" dirty="0"/>
+          </a:p>
+        </p:txBody>
+      </p:sp>
+      <p:sp>
+        <p:nvSpPr>
+          <p:cNvPr id="27" name="TextBox 26"/>
+          <p:cNvSpPr txBox="1"/>
+          <p:nvPr/>
+        </p:nvSpPr>
+        <p:spPr>
+          <a:xfrm>
+            <a:off x="2997127" y="4047141"/>
+            <a:ext cx="292203" cy="246221"/>
+          </a:xfrm>
+          <a:prstGeom prst="rect">
+            <a:avLst/>
+          </a:prstGeom>
+          <a:noFill/>
+        </p:spPr>
+        <p:txBody>
+          <a:bodyPr wrap="square" rtlCol="0">
+            <a:spAutoFit/>
+          </a:bodyPr>
+          <a:lstStyle/>
+          <a:p>
+            <a:r>
+              <a:rPr lang="en-US" sz="1000" dirty="0" smtClean="0"/>
+              <a:t>1</a:t>
+            </a:r>
+            <a:endParaRPr lang="en-US" sz="1000" dirty="0"/>
+          </a:p>
+        </p:txBody>
+      </p:sp>
+      <p:sp>
+        <p:nvSpPr>
+          <p:cNvPr id="28" name="TextBox 27"/>
+          <p:cNvSpPr txBox="1"/>
+          <p:nvPr/>
+        </p:nvSpPr>
+        <p:spPr>
+          <a:xfrm>
+            <a:off x="3351822" y="4047141"/>
+            <a:ext cx="292203" cy="246221"/>
+          </a:xfrm>
+          <a:prstGeom prst="rect">
+            <a:avLst/>
+          </a:prstGeom>
+          <a:noFill/>
+        </p:spPr>
+        <p:txBody>
+          <a:bodyPr wrap="square" rtlCol="0">
+            <a:spAutoFit/>
+          </a:bodyPr>
+          <a:lstStyle/>
+          <a:p>
+            <a:r>
+              <a:rPr lang="en-US" sz="1000" dirty="0" smtClean="0"/>
+              <a:t>2</a:t>
+            </a:r>
+            <a:endParaRPr lang="en-US" sz="1000" dirty="0"/>
+          </a:p>
+        </p:txBody>
+      </p:sp>
+      <p:sp>
+        <p:nvSpPr>
+          <p:cNvPr id="29" name="TextBox 28"/>
+          <p:cNvSpPr txBox="1"/>
+          <p:nvPr/>
+        </p:nvSpPr>
+        <p:spPr>
+          <a:xfrm>
+            <a:off x="3706517" y="4047141"/>
+            <a:ext cx="292203" cy="246221"/>
+          </a:xfrm>
+          <a:prstGeom prst="rect">
+            <a:avLst/>
+          </a:prstGeom>
+          <a:noFill/>
+        </p:spPr>
+        <p:txBody>
+          <a:bodyPr wrap="square" rtlCol="0">
+            <a:spAutoFit/>
+          </a:bodyPr>
+          <a:lstStyle/>
+          <a:p>
+            <a:r>
+              <a:rPr lang="en-US" sz="1000" dirty="0" smtClean="0"/>
+              <a:t>3</a:t>
+            </a:r>
+            <a:endParaRPr lang="en-US" sz="1000" dirty="0"/>
+          </a:p>
+        </p:txBody>
+      </p:sp>
+      <p:sp>
+        <p:nvSpPr>
+          <p:cNvPr id="30" name="TextBox 29"/>
+          <p:cNvSpPr txBox="1"/>
+          <p:nvPr/>
+        </p:nvSpPr>
+        <p:spPr>
+          <a:xfrm>
+            <a:off x="4061212" y="4047141"/>
+            <a:ext cx="292203" cy="246221"/>
+          </a:xfrm>
+          <a:prstGeom prst="rect">
+            <a:avLst/>
+          </a:prstGeom>
+          <a:noFill/>
+        </p:spPr>
+        <p:txBody>
+          <a:bodyPr wrap="square" rtlCol="0">
+            <a:spAutoFit/>
+          </a:bodyPr>
+          <a:lstStyle/>
+          <a:p>
+            <a:r>
+              <a:rPr lang="en-US" sz="1000" dirty="0" smtClean="0"/>
+              <a:t>4</a:t>
+            </a:r>
+            <a:endParaRPr lang="en-US" sz="1000" dirty="0"/>
+          </a:p>
+        </p:txBody>
+      </p:sp>
+      <p:sp>
+        <p:nvSpPr>
+          <p:cNvPr id="31" name="TextBox 30"/>
+          <p:cNvSpPr txBox="1"/>
+          <p:nvPr/>
+        </p:nvSpPr>
+        <p:spPr>
+          <a:xfrm>
+            <a:off x="4415907" y="4047141"/>
+            <a:ext cx="292203" cy="246221"/>
+          </a:xfrm>
+          <a:prstGeom prst="rect">
+            <a:avLst/>
+          </a:prstGeom>
+          <a:noFill/>
+        </p:spPr>
+        <p:txBody>
+          <a:bodyPr wrap="square" rtlCol="0">
+            <a:spAutoFit/>
+          </a:bodyPr>
+          <a:lstStyle/>
+          <a:p>
+            <a:r>
+              <a:rPr lang="en-US" sz="1000" dirty="0" smtClean="0"/>
+              <a:t>5</a:t>
+            </a:r>
+            <a:endParaRPr lang="en-US" sz="1000" dirty="0"/>
+          </a:p>
+        </p:txBody>
+      </p:sp>
+      <p:sp>
+        <p:nvSpPr>
+          <p:cNvPr id="32" name="Line Callout 1 31"/>
+          <p:cNvSpPr/>
+          <p:nvPr/>
+        </p:nvSpPr>
+        <p:spPr>
+          <a:xfrm>
+            <a:off x="5585585" y="3965957"/>
+            <a:ext cx="1702646" cy="297838"/>
+          </a:xfrm>
+          <a:prstGeom prst="borderCallout1">
+            <a:avLst>
+              <a:gd name="adj1" fmla="val 79127"/>
+              <a:gd name="adj2" fmla="val -6023"/>
+              <a:gd name="adj3" fmla="val 79023"/>
+              <a:gd name="adj4" fmla="val -36683"/>
+            </a:avLst>
+          </a:prstGeom>
+        </p:spPr>
+        <p:style>
+          <a:lnRef idx="1">
+            <a:schemeClr val="accent5"/>
+          </a:lnRef>
+          <a:fillRef idx="2">
+            <a:schemeClr val="accent5"/>
+          </a:fillRef>
+          <a:effectRef idx="1">
+            <a:schemeClr val="accent5"/>
+          </a:effectRef>
+          <a:fontRef idx="minor">
+            <a:schemeClr val="dk1"/>
+          </a:fontRef>
+        </p:style>
+        <p:txBody>
+          <a:bodyPr rtlCol="0" anchor="ctr"/>
+          <a:lstStyle/>
+          <a:p>
+            <a:pPr algn="ctr"/>
+            <a:r>
+              <a:rPr lang="en-US" sz="1200" dirty="0" smtClean="0"/>
+              <a:t>Index: element address</a:t>
+            </a:r>
+            <a:endParaRPr lang="en-US" sz="1200" dirty="0"/>
+          </a:p>
+        </p:txBody>
+      </p:sp>
+      <p:sp>
+        <p:nvSpPr>
+          <p:cNvPr id="33" name="Rectangle 32"/>
+          <p:cNvSpPr/>
+          <p:nvPr/>
+        </p:nvSpPr>
+        <p:spPr>
+          <a:xfrm>
+            <a:off x="1904945" y="4845423"/>
+            <a:ext cx="2910796" cy="696158"/>
+          </a:xfrm>
+          <a:prstGeom prst="rect">
+            <a:avLst/>
+          </a:prstGeom>
+        </p:spPr>
+        <p:style>
+          <a:lnRef idx="2">
+            <a:schemeClr val="accent2">
+              <a:shade val="50000"/>
+            </a:schemeClr>
+          </a:lnRef>
+          <a:fillRef idx="1">
+            <a:schemeClr val="accent2"/>
+          </a:fillRef>
+          <a:effectRef idx="0">
+            <a:schemeClr val="accent2"/>
+          </a:effectRef>
+          <a:fontRef idx="minor">
+            <a:schemeClr val="lt1"/>
+          </a:fontRef>
+        </p:style>
+        <p:txBody>
+          <a:bodyPr rtlCol="0" anchor="ctr"/>
+          <a:lstStyle/>
+          <a:p>
+            <a:pPr algn="ctr"/>
+            <a:endParaRPr lang="en-US"/>
+          </a:p>
+        </p:txBody>
+      </p:sp>
+      <p:sp>
+        <p:nvSpPr>
+          <p:cNvPr id="34" name="Rounded Rectangle 33"/>
+          <p:cNvSpPr/>
+          <p:nvPr/>
+        </p:nvSpPr>
+        <p:spPr>
+          <a:xfrm>
+            <a:off x="2642432" y="4916338"/>
+            <a:ext cx="292203" cy="297838"/>
+          </a:xfrm>
+          <a:prstGeom prst="roundRect">
+            <a:avLst/>
+          </a:prstGeom>
+          <a:scene3d>
+            <a:camera prst="orthographicFront"/>
+            <a:lightRig rig="threePt" dir="t"/>
+          </a:scene3d>
+          <a:sp3d>
+            <a:bevelT w="152400" h="50800" prst="softRound"/>
+          </a:sp3d>
+        </p:spPr>
+        <p:style>
+          <a:lnRef idx="1">
+            <a:schemeClr val="accent1"/>
+          </a:lnRef>
+          <a:fillRef idx="3">
+            <a:schemeClr val="accent1"/>
+          </a:fillRef>
+          <a:effectRef idx="2">
+            <a:schemeClr val="accent1"/>
+          </a:effectRef>
+          <a:fontRef idx="minor">
+            <a:schemeClr val="lt1"/>
+          </a:fontRef>
+        </p:style>
+        <p:txBody>
+          <a:bodyPr rtlCol="0" anchor="ctr"/>
+          <a:lstStyle/>
+          <a:p>
+            <a:pPr algn="ctr"/>
+            <a:endParaRPr lang="en-US"/>
+          </a:p>
+        </p:txBody>
+      </p:sp>
+      <p:sp>
+        <p:nvSpPr>
+          <p:cNvPr id="35" name="Rounded Rectangle 34"/>
+          <p:cNvSpPr/>
+          <p:nvPr/>
+        </p:nvSpPr>
+        <p:spPr>
+          <a:xfrm>
+            <a:off x="2997127" y="4916338"/>
+            <a:ext cx="292203" cy="297838"/>
+          </a:xfrm>
+          <a:prstGeom prst="roundRect">
+            <a:avLst/>
+          </a:prstGeom>
+          <a:scene3d>
+            <a:camera prst="orthographicFront"/>
+            <a:lightRig rig="threePt" dir="t"/>
+          </a:scene3d>
+          <a:sp3d>
+            <a:bevelT w="152400" h="50800" prst="softRound"/>
+          </a:sp3d>
+        </p:spPr>
+        <p:style>
+          <a:lnRef idx="1">
+            <a:schemeClr val="accent1"/>
+          </a:lnRef>
+          <a:fillRef idx="3">
+            <a:schemeClr val="accent1"/>
+          </a:fillRef>
+          <a:effectRef idx="2">
+            <a:schemeClr val="accent1"/>
+          </a:effectRef>
+          <a:fontRef idx="minor">
+            <a:schemeClr val="lt1"/>
+          </a:fontRef>
+        </p:style>
+        <p:txBody>
+          <a:bodyPr rtlCol="0" anchor="ctr"/>
+          <a:lstStyle/>
+          <a:p>
+            <a:pPr algn="ctr"/>
+            <a:endParaRPr lang="en-US"/>
+          </a:p>
+        </p:txBody>
+      </p:sp>
+      <p:sp>
+        <p:nvSpPr>
+          <p:cNvPr id="36" name="Rounded Rectangle 35"/>
+          <p:cNvSpPr/>
+          <p:nvPr/>
+        </p:nvSpPr>
+        <p:spPr>
+          <a:xfrm>
+            <a:off x="3351822" y="4916338"/>
+            <a:ext cx="292203" cy="297838"/>
+          </a:xfrm>
+          <a:prstGeom prst="roundRect">
+            <a:avLst/>
+          </a:prstGeom>
+          <a:scene3d>
+            <a:camera prst="orthographicFront"/>
+            <a:lightRig rig="threePt" dir="t"/>
+          </a:scene3d>
+          <a:sp3d>
+            <a:bevelT w="152400" h="50800" prst="softRound"/>
+          </a:sp3d>
+        </p:spPr>
+        <p:style>
+          <a:lnRef idx="1">
+            <a:schemeClr val="accent1"/>
+          </a:lnRef>
+          <a:fillRef idx="3">
+            <a:schemeClr val="accent1"/>
+          </a:fillRef>
+          <a:effectRef idx="2">
+            <a:schemeClr val="accent1"/>
+          </a:effectRef>
+          <a:fontRef idx="minor">
+            <a:schemeClr val="lt1"/>
+          </a:fontRef>
+        </p:style>
+        <p:txBody>
+          <a:bodyPr rtlCol="0" anchor="ctr"/>
+          <a:lstStyle/>
+          <a:p>
+            <a:pPr algn="ctr"/>
+            <a:endParaRPr lang="en-US"/>
+          </a:p>
+        </p:txBody>
+      </p:sp>
+      <p:sp>
+        <p:nvSpPr>
+          <p:cNvPr id="37" name="Rounded Rectangle 36"/>
+          <p:cNvSpPr/>
+          <p:nvPr/>
+        </p:nvSpPr>
+        <p:spPr>
+          <a:xfrm>
+            <a:off x="3706517" y="4916338"/>
+            <a:ext cx="292203" cy="297838"/>
+          </a:xfrm>
+          <a:prstGeom prst="roundRect">
+            <a:avLst/>
+          </a:prstGeom>
+          <a:scene3d>
+            <a:camera prst="orthographicFront"/>
+            <a:lightRig rig="threePt" dir="t"/>
+          </a:scene3d>
+          <a:sp3d>
+            <a:bevelT w="152400" h="50800" prst="softRound"/>
+          </a:sp3d>
+        </p:spPr>
+        <p:style>
+          <a:lnRef idx="1">
+            <a:schemeClr val="accent1"/>
+          </a:lnRef>
+          <a:fillRef idx="3">
+            <a:schemeClr val="accent1"/>
+          </a:fillRef>
+          <a:effectRef idx="2">
+            <a:schemeClr val="accent1"/>
+          </a:effectRef>
+          <a:fontRef idx="minor">
+            <a:schemeClr val="lt1"/>
+          </a:fontRef>
+        </p:style>
+        <p:txBody>
+          <a:bodyPr rtlCol="0" anchor="ctr"/>
+          <a:lstStyle/>
+          <a:p>
+            <a:pPr algn="ctr"/>
+            <a:endParaRPr lang="en-US"/>
+          </a:p>
+        </p:txBody>
+      </p:sp>
+      <p:sp>
+        <p:nvSpPr>
+          <p:cNvPr id="38" name="Rounded Rectangle 37"/>
+          <p:cNvSpPr/>
+          <p:nvPr/>
+        </p:nvSpPr>
+        <p:spPr>
+          <a:xfrm>
+            <a:off x="4061212" y="4916338"/>
+            <a:ext cx="292203" cy="297838"/>
+          </a:xfrm>
+          <a:prstGeom prst="roundRect">
+            <a:avLst/>
+          </a:prstGeom>
+          <a:scene3d>
+            <a:camera prst="orthographicFront"/>
+            <a:lightRig rig="threePt" dir="t"/>
+          </a:scene3d>
+          <a:sp3d>
+            <a:bevelT w="152400" h="50800" prst="softRound"/>
+          </a:sp3d>
+        </p:spPr>
+        <p:style>
+          <a:lnRef idx="1">
+            <a:schemeClr val="accent1"/>
+          </a:lnRef>
+          <a:fillRef idx="3">
+            <a:schemeClr val="accent1"/>
+          </a:fillRef>
+          <a:effectRef idx="2">
+            <a:schemeClr val="accent1"/>
+          </a:effectRef>
+          <a:fontRef idx="minor">
+            <a:schemeClr val="lt1"/>
+          </a:fontRef>
+        </p:style>
+        <p:txBody>
+          <a:bodyPr rtlCol="0" anchor="ctr"/>
+          <a:lstStyle/>
+          <a:p>
+            <a:pPr algn="ctr"/>
+            <a:endParaRPr lang="en-US"/>
+          </a:p>
+        </p:txBody>
+      </p:sp>
+      <p:sp>
+        <p:nvSpPr>
+          <p:cNvPr id="39" name="Rounded Rectangle 38"/>
+          <p:cNvSpPr/>
+          <p:nvPr/>
+        </p:nvSpPr>
+        <p:spPr>
+          <a:xfrm>
+            <a:off x="4415907" y="4916338"/>
+            <a:ext cx="292203" cy="297838"/>
+          </a:xfrm>
+          <a:prstGeom prst="roundRect">
+            <a:avLst/>
+          </a:prstGeom>
+          <a:scene3d>
+            <a:camera prst="orthographicFront"/>
+            <a:lightRig rig="threePt" dir="t"/>
+          </a:scene3d>
+          <a:sp3d>
+            <a:bevelT w="152400" h="50800" prst="softRound"/>
+          </a:sp3d>
+        </p:spPr>
+        <p:style>
+          <a:lnRef idx="1">
+            <a:schemeClr val="accent1"/>
+          </a:lnRef>
+          <a:fillRef idx="3">
+            <a:schemeClr val="accent1"/>
+          </a:fillRef>
+          <a:effectRef idx="2">
+            <a:schemeClr val="accent1"/>
+          </a:effectRef>
+          <a:fontRef idx="minor">
+            <a:schemeClr val="lt1"/>
+          </a:fontRef>
+        </p:style>
+        <p:txBody>
+          <a:bodyPr rtlCol="0" anchor="ctr"/>
+          <a:lstStyle/>
+          <a:p>
+            <a:pPr algn="ctr"/>
+            <a:endParaRPr lang="en-US"/>
+          </a:p>
+        </p:txBody>
+      </p:sp>
+      <p:sp>
+        <p:nvSpPr>
+          <p:cNvPr id="40" name="TextBox 39"/>
+          <p:cNvSpPr txBox="1"/>
+          <p:nvPr/>
+        </p:nvSpPr>
+        <p:spPr>
+          <a:xfrm>
+            <a:off x="2642432" y="5295360"/>
+            <a:ext cx="292203" cy="246221"/>
+          </a:xfrm>
+          <a:prstGeom prst="rect">
+            <a:avLst/>
+          </a:prstGeom>
+          <a:noFill/>
+        </p:spPr>
+        <p:txBody>
+          <a:bodyPr wrap="square" rtlCol="0">
+            <a:spAutoFit/>
+          </a:bodyPr>
+          <a:lstStyle/>
+          <a:p>
+            <a:r>
+              <a:rPr lang="en-US" sz="1000" dirty="0" smtClean="0"/>
+              <a:t>0</a:t>
+            </a:r>
+            <a:endParaRPr lang="en-US" sz="1000" dirty="0"/>
+          </a:p>
+        </p:txBody>
+      </p:sp>
+      <p:sp>
+        <p:nvSpPr>
+          <p:cNvPr id="41" name="TextBox 40"/>
+          <p:cNvSpPr txBox="1"/>
+          <p:nvPr/>
+        </p:nvSpPr>
+        <p:spPr>
+          <a:xfrm>
+            <a:off x="2997127" y="5295360"/>
+            <a:ext cx="292203" cy="246221"/>
+          </a:xfrm>
+          <a:prstGeom prst="rect">
+            <a:avLst/>
+          </a:prstGeom>
+          <a:noFill/>
+        </p:spPr>
+        <p:txBody>
+          <a:bodyPr wrap="square" rtlCol="0">
+            <a:spAutoFit/>
+          </a:bodyPr>
+          <a:lstStyle/>
+          <a:p>
+            <a:r>
+              <a:rPr lang="en-US" sz="1000" dirty="0" smtClean="0"/>
+              <a:t>1</a:t>
+            </a:r>
+            <a:endParaRPr lang="en-US" sz="1000" dirty="0"/>
+          </a:p>
+        </p:txBody>
+      </p:sp>
+      <p:sp>
+        <p:nvSpPr>
+          <p:cNvPr id="42" name="TextBox 41"/>
+          <p:cNvSpPr txBox="1"/>
+          <p:nvPr/>
+        </p:nvSpPr>
+        <p:spPr>
+          <a:xfrm>
+            <a:off x="3351822" y="5295360"/>
+            <a:ext cx="292203" cy="246221"/>
+          </a:xfrm>
+          <a:prstGeom prst="rect">
+            <a:avLst/>
+          </a:prstGeom>
+          <a:noFill/>
+        </p:spPr>
+        <p:txBody>
+          <a:bodyPr wrap="square" rtlCol="0">
+            <a:spAutoFit/>
+          </a:bodyPr>
+          <a:lstStyle/>
+          <a:p>
+            <a:r>
+              <a:rPr lang="en-US" sz="1000" dirty="0" smtClean="0"/>
+              <a:t>2</a:t>
+            </a:r>
+            <a:endParaRPr lang="en-US" sz="1000" dirty="0"/>
+          </a:p>
+        </p:txBody>
+      </p:sp>
+      <p:sp>
+        <p:nvSpPr>
+          <p:cNvPr id="43" name="TextBox 42"/>
+          <p:cNvSpPr txBox="1"/>
+          <p:nvPr/>
+        </p:nvSpPr>
+        <p:spPr>
+          <a:xfrm>
+            <a:off x="3706517" y="5295360"/>
+            <a:ext cx="292203" cy="246221"/>
+          </a:xfrm>
+          <a:prstGeom prst="rect">
+            <a:avLst/>
+          </a:prstGeom>
+          <a:noFill/>
+        </p:spPr>
+        <p:txBody>
+          <a:bodyPr wrap="square" rtlCol="0">
+            <a:spAutoFit/>
+          </a:bodyPr>
+          <a:lstStyle/>
+          <a:p>
+            <a:r>
+              <a:rPr lang="en-US" sz="1000" dirty="0" smtClean="0"/>
+              <a:t>3</a:t>
+            </a:r>
+            <a:endParaRPr lang="en-US" sz="1000" dirty="0"/>
+          </a:p>
+        </p:txBody>
+      </p:sp>
+      <p:sp>
+        <p:nvSpPr>
+          <p:cNvPr id="44" name="TextBox 43"/>
+          <p:cNvSpPr txBox="1"/>
+          <p:nvPr/>
+        </p:nvSpPr>
+        <p:spPr>
+          <a:xfrm>
+            <a:off x="4061212" y="5295360"/>
+            <a:ext cx="292203" cy="246221"/>
+          </a:xfrm>
+          <a:prstGeom prst="rect">
+            <a:avLst/>
+          </a:prstGeom>
+          <a:noFill/>
+        </p:spPr>
+        <p:txBody>
+          <a:bodyPr wrap="square" rtlCol="0">
+            <a:spAutoFit/>
+          </a:bodyPr>
+          <a:lstStyle/>
+          <a:p>
+            <a:r>
+              <a:rPr lang="en-US" sz="1000" dirty="0" smtClean="0"/>
+              <a:t>4</a:t>
+            </a:r>
+            <a:endParaRPr lang="en-US" sz="1000" dirty="0"/>
+          </a:p>
+        </p:txBody>
+      </p:sp>
+      <p:sp>
+        <p:nvSpPr>
+          <p:cNvPr id="45" name="TextBox 44"/>
+          <p:cNvSpPr txBox="1"/>
+          <p:nvPr/>
+        </p:nvSpPr>
+        <p:spPr>
+          <a:xfrm>
+            <a:off x="4415907" y="5295360"/>
+            <a:ext cx="292203" cy="246221"/>
+          </a:xfrm>
+          <a:prstGeom prst="rect">
+            <a:avLst/>
+          </a:prstGeom>
+          <a:noFill/>
+        </p:spPr>
+        <p:txBody>
+          <a:bodyPr wrap="square" rtlCol="0">
+            <a:spAutoFit/>
+          </a:bodyPr>
+          <a:lstStyle/>
+          <a:p>
+            <a:r>
+              <a:rPr lang="en-US" sz="1000" dirty="0" smtClean="0"/>
+              <a:t>5</a:t>
+            </a:r>
+            <a:endParaRPr lang="en-US" sz="1000" dirty="0"/>
+          </a:p>
+        </p:txBody>
+      </p:sp>
+      <p:sp>
+        <p:nvSpPr>
+          <p:cNvPr id="46" name="Decagon 45"/>
+          <p:cNvSpPr/>
+          <p:nvPr/>
+        </p:nvSpPr>
+        <p:spPr>
+          <a:xfrm>
+            <a:off x="2090382" y="4950854"/>
+            <a:ext cx="286584" cy="263322"/>
+          </a:xfrm>
+          <a:prstGeom prst="decagon">
+            <a:avLst/>
+          </a:prstGeom>
+        </p:spPr>
+        <p:style>
+          <a:lnRef idx="1">
+            <a:schemeClr val="accent1"/>
+          </a:lnRef>
+          <a:fillRef idx="3">
+            <a:schemeClr val="accent1"/>
+          </a:fillRef>
+          <a:effectRef idx="2">
+            <a:schemeClr val="accent1"/>
+          </a:effectRef>
+          <a:fontRef idx="minor">
+            <a:schemeClr val="lt1"/>
+          </a:fontRef>
+        </p:style>
+        <p:txBody>
+          <a:bodyPr rtlCol="0" anchor="ctr"/>
+          <a:lstStyle/>
+          <a:p>
+            <a:pPr algn="ctr"/>
+            <a:r>
+              <a:rPr lang="en-US" sz="1100" dirty="0" smtClean="0"/>
+              <a:t>6</a:t>
+            </a:r>
+            <a:endParaRPr lang="en-US" sz="1100" dirty="0"/>
+          </a:p>
+        </p:txBody>
+      </p:sp>
+      <p:cxnSp>
+        <p:nvCxnSpPr>
+          <p:cNvPr id="48" name="Straight Connector 47"/>
+          <p:cNvCxnSpPr/>
+          <p:nvPr/>
+        </p:nvCxnSpPr>
+        <p:spPr>
+          <a:xfrm flipH="1">
+            <a:off x="2541099" y="4845423"/>
+            <a:ext cx="16858" cy="696158"/>
+          </a:xfrm>
+          <a:prstGeom prst="line">
+            <a:avLst/>
+          </a:prstGeom>
+          <a:ln>
+            <a:solidFill>
+              <a:srgbClr val="008000"/>
+            </a:solidFill>
+          </a:ln>
+        </p:spPr>
+        <p:style>
+          <a:lnRef idx="2">
+            <a:schemeClr val="accent1"/>
+          </a:lnRef>
+          <a:fillRef idx="0">
+            <a:schemeClr val="accent1"/>
+          </a:fillRef>
+          <a:effectRef idx="1">
+            <a:schemeClr val="accent1"/>
+          </a:effectRef>
+          <a:fontRef idx="minor">
+            <a:schemeClr val="tx1"/>
+          </a:fontRef>
+        </p:style>
+      </p:cxnSp>
+      <p:sp>
+        <p:nvSpPr>
+          <p:cNvPr id="49" name="TextBox 48"/>
+          <p:cNvSpPr txBox="1"/>
+          <p:nvPr/>
+        </p:nvSpPr>
+        <p:spPr>
+          <a:xfrm>
+            <a:off x="1904946" y="5295360"/>
+            <a:ext cx="632758" cy="246221"/>
+          </a:xfrm>
+          <a:prstGeom prst="rect">
+            <a:avLst/>
+          </a:prstGeom>
+          <a:noFill/>
+        </p:spPr>
+        <p:txBody>
+          <a:bodyPr wrap="square" rtlCol="0">
+            <a:spAutoFit/>
+          </a:bodyPr>
+          <a:lstStyle/>
+          <a:p>
+            <a:pPr algn="ctr"/>
+            <a:r>
+              <a:rPr lang="en-US" sz="1000" dirty="0" smtClean="0"/>
+              <a:t>length</a:t>
+            </a:r>
+            <a:endParaRPr lang="en-US" sz="1000" dirty="0"/>
+          </a:p>
+        </p:txBody>
+      </p:sp>
+      <p:sp>
+        <p:nvSpPr>
+          <p:cNvPr id="50" name="TextBox 49"/>
+          <p:cNvSpPr txBox="1"/>
+          <p:nvPr/>
+        </p:nvSpPr>
+        <p:spPr>
+          <a:xfrm>
+            <a:off x="3178167" y="2920146"/>
+            <a:ext cx="1056700" cy="369332"/>
+          </a:xfrm>
+          <a:prstGeom prst="rect">
+            <a:avLst/>
+          </a:prstGeom>
+          <a:noFill/>
+        </p:spPr>
+        <p:txBody>
+          <a:bodyPr wrap="none" rtlCol="0">
+            <a:spAutoFit/>
+          </a:bodyPr>
+          <a:lstStyle/>
+          <a:p>
+            <a:r>
+              <a:rPr lang="en-US" dirty="0" smtClean="0"/>
+              <a:t>Elements</a:t>
+            </a:r>
+            <a:endParaRPr lang="en-US" dirty="0"/>
+          </a:p>
+        </p:txBody>
+      </p:sp>
+      <p:cxnSp>
+        <p:nvCxnSpPr>
+          <p:cNvPr id="52" name="Elbow Connector 51"/>
+          <p:cNvCxnSpPr>
+            <a:endCxn id="13" idx="2"/>
+          </p:cNvCxnSpPr>
+          <p:nvPr/>
+        </p:nvCxnSpPr>
+        <p:spPr>
+          <a:xfrm rot="10800000">
+            <a:off x="2788535" y="2859000"/>
+            <a:ext cx="389633" cy="245811"/>
+          </a:xfrm>
+          <a:prstGeom prst="bentConnector2">
+            <a:avLst/>
+          </a:prstGeom>
+          <a:ln>
+            <a:tailEnd type="arrow"/>
+          </a:ln>
+        </p:spPr>
+        <p:style>
+          <a:lnRef idx="2">
+            <a:schemeClr val="accent1"/>
+          </a:lnRef>
+          <a:fillRef idx="0">
+            <a:schemeClr val="accent1"/>
+          </a:fillRef>
+          <a:effectRef idx="1">
+            <a:schemeClr val="accent1"/>
+          </a:effectRef>
+          <a:fontRef idx="minor">
+            <a:schemeClr val="tx1"/>
+          </a:fontRef>
+        </p:style>
+      </p:cxnSp>
+      <p:cxnSp>
+        <p:nvCxnSpPr>
+          <p:cNvPr id="54" name="Elbow Connector 53"/>
+          <p:cNvCxnSpPr>
+            <a:endCxn id="18" idx="2"/>
+          </p:cNvCxnSpPr>
+          <p:nvPr/>
+        </p:nvCxnSpPr>
+        <p:spPr>
+          <a:xfrm flipV="1">
+            <a:off x="4234867" y="2858999"/>
+            <a:ext cx="327142" cy="245811"/>
+          </a:xfrm>
+          <a:prstGeom prst="bentConnector2">
+            <a:avLst/>
+          </a:prstGeom>
+          <a:ln>
+            <a:tailEnd type="arrow"/>
+          </a:ln>
+        </p:spPr>
+        <p:style>
+          <a:lnRef idx="2">
+            <a:schemeClr val="accent1"/>
+          </a:lnRef>
+          <a:fillRef idx="0">
+            <a:schemeClr val="accent1"/>
+          </a:fillRef>
+          <a:effectRef idx="1">
+            <a:schemeClr val="accent1"/>
+          </a:effectRef>
+          <a:fontRef idx="minor">
+            <a:schemeClr val="tx1"/>
+          </a:fontRef>
+        </p:style>
+      </p:cxnSp>
+    </p:spTree>
+    <p:extLst>
+      <p:ext uri="{BB962C8B-B14F-4D97-AF65-F5344CB8AC3E}">
+        <p14:creationId xmlns:p14="http://schemas.microsoft.com/office/powerpoint/2010/main" val="2486701017"/>
+      </p:ext>
+    </p:extLst>
+  </p:cSld>
+  <p:clrMapOvr>
+    <a:masterClrMapping/>
+  </p:clrMapOvr>
+</p:sld>
+</file>
+
+<file path=ppt/slides/slide67.xml><?xml version="1.0" encoding="utf-8"?>
+<p:sld xmlns:a="http://schemas.openxmlformats.org/drawingml/2006/main" xmlns:r="http://schemas.openxmlformats.org/officeDocument/2006/relationships" xmlns:p="http://schemas.openxmlformats.org/presentationml/2006/main">
+  <p:cSld>
+    <p:spTree>
+      <p:nvGrpSpPr>
+        <p:cNvPr id="1" name=""/>
+        <p:cNvGrpSpPr/>
+        <p:nvPr/>
+      </p:nvGrpSpPr>
+      <p:grpSpPr>
+        <a:xfrm>
+          <a:off x="0" y="0"/>
+          <a:ext cx="0" cy="0"/>
+          <a:chOff x="0" y="0"/>
+          <a:chExt cx="0" cy="0"/>
+        </a:xfrm>
+      </p:grpSpPr>
+      <p:sp>
+        <p:nvSpPr>
+          <p:cNvPr id="2" name="Title 1"/>
+          <p:cNvSpPr>
+            <a:spLocks noGrp="1"/>
+          </p:cNvSpPr>
+          <p:nvPr>
+            <p:ph type="title"/>
+          </p:nvPr>
+        </p:nvSpPr>
+        <p:spPr/>
+        <p:txBody>
+          <a:bodyPr/>
+          <a:lstStyle/>
+          <a:p>
+            <a:r>
+              <a:rPr lang="en-US" dirty="0" smtClean="0"/>
+              <a:t>Access Elements of An array</a:t>
+            </a:r>
+            <a:endParaRPr lang="en-US" dirty="0"/>
+          </a:p>
+        </p:txBody>
+      </p:sp>
+      <p:sp>
+        <p:nvSpPr>
+          <p:cNvPr id="3" name="Content Placeholder 2"/>
+          <p:cNvSpPr>
+            <a:spLocks noGrp="1"/>
+          </p:cNvSpPr>
+          <p:nvPr>
+            <p:ph idx="1"/>
+          </p:nvPr>
+        </p:nvSpPr>
+        <p:spPr/>
+        <p:txBody>
+          <a:bodyPr/>
+          <a:lstStyle/>
+          <a:p>
+            <a:r>
+              <a:rPr lang="en-US" dirty="0" smtClean="0"/>
+              <a:t>Use the ‘[]’, the array ‘</a:t>
+            </a:r>
+            <a:r>
+              <a:rPr lang="en-US" b="1" i="1" dirty="0" smtClean="0">
+                <a:solidFill>
+                  <a:srgbClr val="0000FF"/>
+                </a:solidFill>
+              </a:rPr>
+              <a:t>index operator</a:t>
+            </a:r>
+            <a:r>
+              <a:rPr lang="en-US" dirty="0" smtClean="0"/>
+              <a:t>’</a:t>
+            </a:r>
+          </a:p>
+          <a:p>
+            <a:pPr lvl="1"/>
+            <a:r>
+              <a:rPr lang="en-US" dirty="0" smtClean="0"/>
+              <a:t>Access an element:</a:t>
+            </a:r>
+          </a:p>
+          <a:p>
+            <a:pPr marL="914400" lvl="2" indent="0">
+              <a:buNone/>
+            </a:pPr>
+            <a:r>
+              <a:rPr lang="en-US" i="1" dirty="0" smtClean="0">
+                <a:solidFill>
+                  <a:srgbClr val="008000"/>
+                </a:solidFill>
+              </a:rPr>
+              <a:t>array</a:t>
+            </a:r>
+            <a:r>
+              <a:rPr lang="en-US" dirty="0" smtClean="0"/>
+              <a:t>[</a:t>
+            </a:r>
+            <a:r>
+              <a:rPr lang="en-US" i="1" dirty="0" smtClean="0">
+                <a:solidFill>
+                  <a:srgbClr val="FF6600"/>
+                </a:solidFill>
+              </a:rPr>
+              <a:t>index</a:t>
+            </a:r>
+            <a:r>
+              <a:rPr lang="en-US" dirty="0" smtClean="0"/>
+              <a:t>]</a:t>
+            </a:r>
+          </a:p>
+          <a:p>
+            <a:pPr marL="1371600" lvl="3" indent="0">
+              <a:buNone/>
+            </a:pPr>
+            <a:r>
+              <a:rPr lang="en-US" dirty="0" smtClean="0"/>
+              <a:t>* Index: an integer value</a:t>
+            </a:r>
+          </a:p>
+          <a:p>
+            <a:pPr lvl="1"/>
+            <a:r>
+              <a:rPr lang="en-US" dirty="0" smtClean="0"/>
+              <a:t>Length or count of array elements:</a:t>
+            </a:r>
+          </a:p>
+          <a:p>
+            <a:pPr marL="914400" lvl="2" indent="0">
+              <a:buNone/>
+            </a:pPr>
+            <a:r>
+              <a:rPr lang="en-US" i="1" dirty="0" err="1" smtClean="0">
+                <a:solidFill>
+                  <a:srgbClr val="008000"/>
+                </a:solidFill>
+              </a:rPr>
+              <a:t>array</a:t>
+            </a:r>
+            <a:r>
+              <a:rPr lang="en-US" dirty="0" err="1" smtClean="0"/>
+              <a:t>.</a:t>
+            </a:r>
+            <a:r>
+              <a:rPr lang="en-US" i="1" dirty="0" err="1" smtClean="0">
+                <a:solidFill>
+                  <a:srgbClr val="FF6600"/>
+                </a:solidFill>
+              </a:rPr>
+              <a:t>length</a:t>
+            </a:r>
+            <a:endParaRPr lang="en-US" dirty="0"/>
+          </a:p>
+          <a:p>
+            <a:pPr marL="1371600" lvl="3" indent="0">
+              <a:buNone/>
+            </a:pPr>
+            <a:r>
+              <a:rPr lang="en-US" dirty="0" smtClean="0"/>
+              <a:t>* Return an integer value</a:t>
+            </a:r>
+          </a:p>
+          <a:p>
+            <a:pPr marL="457200" lvl="1" indent="0">
+              <a:buNone/>
+            </a:pPr>
+            <a:endParaRPr lang="en-US" dirty="0"/>
+          </a:p>
+        </p:txBody>
+      </p:sp>
+    </p:spTree>
+    <p:extLst>
+      <p:ext uri="{BB962C8B-B14F-4D97-AF65-F5344CB8AC3E}">
+        <p14:creationId xmlns:p14="http://schemas.microsoft.com/office/powerpoint/2010/main" val="3718751595"/>
+      </p:ext>
+    </p:extLst>
+  </p:cSld>
+  <p:clrMapOvr>
+    <a:masterClrMapping/>
+  </p:clrMapOvr>
+</p:sld>
+</file>
+
+<file path=ppt/slides/slide68.xml><?xml version="1.0" encoding="utf-8"?>
+<p:sld xmlns:a="http://schemas.openxmlformats.org/drawingml/2006/main" xmlns:r="http://schemas.openxmlformats.org/officeDocument/2006/relationships" xmlns:p="http://schemas.openxmlformats.org/presentationml/2006/main">
+  <p:cSld>
+    <p:spTree>
+      <p:nvGrpSpPr>
+        <p:cNvPr id="1" name=""/>
+        <p:cNvGrpSpPr/>
+        <p:nvPr/>
+      </p:nvGrpSpPr>
+      <p:grpSpPr>
+        <a:xfrm>
+          <a:off x="0" y="0"/>
+          <a:ext cx="0" cy="0"/>
+          <a:chOff x="0" y="0"/>
+          <a:chExt cx="0" cy="0"/>
+        </a:xfrm>
+      </p:grpSpPr>
+      <p:sp>
+        <p:nvSpPr>
+          <p:cNvPr id="2" name="Title 1"/>
+          <p:cNvSpPr>
+            <a:spLocks noGrp="1"/>
+          </p:cNvSpPr>
+          <p:nvPr>
+            <p:ph type="title"/>
+          </p:nvPr>
+        </p:nvSpPr>
+        <p:spPr/>
+        <p:txBody>
+          <a:bodyPr/>
+          <a:lstStyle/>
+          <a:p>
+            <a:r>
+              <a:rPr lang="en-US" dirty="0" smtClean="0"/>
+              <a:t>Conclusion</a:t>
+            </a:r>
+            <a:endParaRPr lang="en-US" dirty="0"/>
+          </a:p>
+        </p:txBody>
+      </p:sp>
+      <p:sp>
+        <p:nvSpPr>
+          <p:cNvPr id="3" name="Content Placeholder 2"/>
+          <p:cNvSpPr>
+            <a:spLocks noGrp="1"/>
+          </p:cNvSpPr>
+          <p:nvPr>
+            <p:ph idx="1"/>
+          </p:nvPr>
+        </p:nvSpPr>
+        <p:spPr/>
+        <p:txBody>
+          <a:bodyPr>
+            <a:normAutofit/>
+          </a:bodyPr>
+          <a:lstStyle/>
+          <a:p>
+            <a:pPr marL="514350" indent="-514350">
+              <a:buFont typeface="+mj-lt"/>
+              <a:buAutoNum type="arabicPeriod"/>
+            </a:pPr>
+            <a:r>
+              <a:rPr lang="en-US" dirty="0" smtClean="0"/>
+              <a:t>How to access elements of an array using ‘[]’, the array index operator</a:t>
+            </a:r>
+          </a:p>
+          <a:p>
+            <a:pPr marL="514350" indent="-514350">
+              <a:buFont typeface="+mj-lt"/>
+              <a:buAutoNum type="arabicPeriod"/>
+            </a:pPr>
+            <a:r>
+              <a:rPr lang="en-US" dirty="0" smtClean="0"/>
+              <a:t>How to get the length of an array using the ‘length’ property</a:t>
+            </a:r>
+          </a:p>
+          <a:p>
+            <a:pPr marL="514350" indent="-514350">
+              <a:buFont typeface="+mj-lt"/>
+              <a:buAutoNum type="arabicPeriod"/>
+            </a:pPr>
+            <a:endParaRPr lang="en-US" dirty="0"/>
+          </a:p>
+          <a:p>
+            <a:pPr marL="0" indent="0">
+              <a:buNone/>
+            </a:pPr>
+            <a:r>
+              <a:rPr lang="en-US" dirty="0" smtClean="0"/>
+              <a:t>Resources:</a:t>
+            </a:r>
+          </a:p>
+          <a:p>
+            <a:pPr marL="514350" indent="-514350">
+              <a:buFont typeface="+mj-lt"/>
+              <a:buAutoNum type="arabicPeriod"/>
+            </a:pPr>
+            <a:r>
+              <a:rPr lang="en-US" sz="1600" dirty="0" smtClean="0"/>
+              <a:t>Mozilla Developer Network – Array Documentation</a:t>
+            </a:r>
+          </a:p>
+          <a:p>
+            <a:pPr marL="914400" lvl="1" indent="-514350"/>
+            <a:r>
+              <a:rPr lang="en-US" sz="1200" dirty="0" smtClean="0"/>
+              <a:t>https</a:t>
+            </a:r>
+            <a:r>
+              <a:rPr lang="en-US" sz="1200" dirty="0"/>
+              <a:t>://</a:t>
+            </a:r>
+            <a:r>
+              <a:rPr lang="en-US" sz="1200" dirty="0" err="1"/>
+              <a:t>developer.mozilla.org</a:t>
+            </a:r>
+            <a:r>
+              <a:rPr lang="en-US" sz="1200" dirty="0"/>
+              <a:t>/en-US/docs/Web/JavaScript/Reference/</a:t>
+            </a:r>
+            <a:r>
+              <a:rPr lang="en-US" sz="1200" dirty="0" err="1"/>
+              <a:t>Global_Objects</a:t>
+            </a:r>
+            <a:r>
+              <a:rPr lang="en-US" sz="1200" dirty="0"/>
+              <a:t>/Array</a:t>
+            </a:r>
+            <a:endParaRPr lang="en-US" sz="1200" dirty="0" smtClean="0"/>
+          </a:p>
+        </p:txBody>
+      </p:sp>
+    </p:spTree>
+    <p:extLst>
+      <p:ext uri="{BB962C8B-B14F-4D97-AF65-F5344CB8AC3E}">
+        <p14:creationId xmlns:p14="http://schemas.microsoft.com/office/powerpoint/2010/main" val="3039996554"/>
       </p:ext>
     </p:extLst>
   </p:cSld>

--- a/docs/learn-computer-programming.pptx
+++ b/docs/learn-computer-programming.pptx
@@ -80,6 +80,13 @@
     <p:sldId id="329" r:id="rId74"/>
     <p:sldId id="330" r:id="rId75"/>
     <p:sldId id="331" r:id="rId76"/>
+    <p:sldId id="332" r:id="rId77"/>
+    <p:sldId id="333" r:id="rId78"/>
+    <p:sldId id="335" r:id="rId79"/>
+    <p:sldId id="334" r:id="rId80"/>
+    <p:sldId id="338" r:id="rId81"/>
+    <p:sldId id="337" r:id="rId82"/>
+    <p:sldId id="336" r:id="rId83"/>
   </p:sldIdLst>
   <p:sldSz cx="9144000" cy="6858000" type="screen4x3"/>
   <p:notesSz cx="6858000" cy="9144000"/>
@@ -7143,7 +7150,7 @@
           <a:p>
             <a:fld id="{6483C26A-63A4-F547-BB74-146C3D288EFD}" type="datetimeFigureOut">
               <a:rPr lang="en-US" smtClean="0"/>
-              <a:t>2/17/16</a:t>
+              <a:t>2/20/16</a:t>
             </a:fld>
             <a:endParaRPr lang="en-US"/>
           </a:p>
@@ -7313,7 +7320,7 @@
           <a:p>
             <a:fld id="{6483C26A-63A4-F547-BB74-146C3D288EFD}" type="datetimeFigureOut">
               <a:rPr lang="en-US" smtClean="0"/>
-              <a:t>2/17/16</a:t>
+              <a:t>2/20/16</a:t>
             </a:fld>
             <a:endParaRPr lang="en-US"/>
           </a:p>
@@ -7493,7 +7500,7 @@
           <a:p>
             <a:fld id="{6483C26A-63A4-F547-BB74-146C3D288EFD}" type="datetimeFigureOut">
               <a:rPr lang="en-US" smtClean="0"/>
-              <a:t>2/17/16</a:t>
+              <a:t>2/20/16</a:t>
             </a:fld>
             <a:endParaRPr lang="en-US"/>
           </a:p>
@@ -7663,7 +7670,7 @@
           <a:p>
             <a:fld id="{6483C26A-63A4-F547-BB74-146C3D288EFD}" type="datetimeFigureOut">
               <a:rPr lang="en-US" smtClean="0"/>
-              <a:t>2/17/16</a:t>
+              <a:t>2/20/16</a:t>
             </a:fld>
             <a:endParaRPr lang="en-US"/>
           </a:p>
@@ -7909,7 +7916,7 @@
           <a:p>
             <a:fld id="{6483C26A-63A4-F547-BB74-146C3D288EFD}" type="datetimeFigureOut">
               <a:rPr lang="en-US" smtClean="0"/>
-              <a:t>2/17/16</a:t>
+              <a:t>2/20/16</a:t>
             </a:fld>
             <a:endParaRPr lang="en-US"/>
           </a:p>
@@ -8197,7 +8204,7 @@
           <a:p>
             <a:fld id="{6483C26A-63A4-F547-BB74-146C3D288EFD}" type="datetimeFigureOut">
               <a:rPr lang="en-US" smtClean="0"/>
-              <a:t>2/17/16</a:t>
+              <a:t>2/20/16</a:t>
             </a:fld>
             <a:endParaRPr lang="en-US"/>
           </a:p>
@@ -8619,7 +8626,7 @@
           <a:p>
             <a:fld id="{6483C26A-63A4-F547-BB74-146C3D288EFD}" type="datetimeFigureOut">
               <a:rPr lang="en-US" smtClean="0"/>
-              <a:t>2/17/16</a:t>
+              <a:t>2/20/16</a:t>
             </a:fld>
             <a:endParaRPr lang="en-US"/>
           </a:p>
@@ -8737,7 +8744,7 @@
           <a:p>
             <a:fld id="{6483C26A-63A4-F547-BB74-146C3D288EFD}" type="datetimeFigureOut">
               <a:rPr lang="en-US" smtClean="0"/>
-              <a:t>2/17/16</a:t>
+              <a:t>2/20/16</a:t>
             </a:fld>
             <a:endParaRPr lang="en-US"/>
           </a:p>
@@ -8832,7 +8839,7 @@
           <a:p>
             <a:fld id="{6483C26A-63A4-F547-BB74-146C3D288EFD}" type="datetimeFigureOut">
               <a:rPr lang="en-US" smtClean="0"/>
-              <a:t>2/17/16</a:t>
+              <a:t>2/20/16</a:t>
             </a:fld>
             <a:endParaRPr lang="en-US"/>
           </a:p>
@@ -9109,7 +9116,7 @@
           <a:p>
             <a:fld id="{6483C26A-63A4-F547-BB74-146C3D288EFD}" type="datetimeFigureOut">
               <a:rPr lang="en-US" smtClean="0"/>
-              <a:t>2/17/16</a:t>
+              <a:t>2/20/16</a:t>
             </a:fld>
             <a:endParaRPr lang="en-US"/>
           </a:p>
@@ -9362,7 +9369,7 @@
           <a:p>
             <a:fld id="{6483C26A-63A4-F547-BB74-146C3D288EFD}" type="datetimeFigureOut">
               <a:rPr lang="en-US" smtClean="0"/>
-              <a:t>2/17/16</a:t>
+              <a:t>2/20/16</a:t>
             </a:fld>
             <a:endParaRPr lang="en-US"/>
           </a:p>
@@ -9575,7 +9582,7 @@
           <a:p>
             <a:fld id="{6483C26A-63A4-F547-BB74-146C3D288EFD}" type="datetimeFigureOut">
               <a:rPr lang="en-US" smtClean="0"/>
-              <a:t>2/17/16</a:t>
+              <a:t>2/20/16</a:t>
             </a:fld>
             <a:endParaRPr lang="en-US"/>
           </a:p>
@@ -35765,6 +35772,2127 @@
 </p:sld>
 </file>
 
+<file path=ppt/slides/slide76.xml><?xml version="1.0" encoding="utf-8"?>
+<p:sld xmlns:a="http://schemas.openxmlformats.org/drawingml/2006/main" xmlns:r="http://schemas.openxmlformats.org/officeDocument/2006/relationships" xmlns:p="http://schemas.openxmlformats.org/presentationml/2006/main">
+  <p:cSld>
+    <p:spTree>
+      <p:nvGrpSpPr>
+        <p:cNvPr id="1" name=""/>
+        <p:cNvGrpSpPr/>
+        <p:nvPr/>
+      </p:nvGrpSpPr>
+      <p:grpSpPr>
+        <a:xfrm>
+          <a:off x="0" y="0"/>
+          <a:ext cx="0" cy="0"/>
+          <a:chOff x="0" y="0"/>
+          <a:chExt cx="0" cy="0"/>
+        </a:xfrm>
+      </p:grpSpPr>
+      <p:sp>
+        <p:nvSpPr>
+          <p:cNvPr id="2" name="Title 1"/>
+          <p:cNvSpPr>
+            <a:spLocks noGrp="1"/>
+          </p:cNvSpPr>
+          <p:nvPr>
+            <p:ph type="ctrTitle"/>
+          </p:nvPr>
+        </p:nvSpPr>
+        <p:spPr/>
+        <p:txBody>
+          <a:bodyPr/>
+          <a:lstStyle/>
+          <a:p>
+            <a:r>
+              <a:rPr lang="en-US" dirty="0" smtClean="0"/>
+              <a:t>Chapter 5 – JavaScript</a:t>
+            </a:r>
+            <a:endParaRPr lang="en-US" dirty="0"/>
+          </a:p>
+        </p:txBody>
+      </p:sp>
+      <p:sp>
+        <p:nvSpPr>
+          <p:cNvPr id="3" name="Subtitle 2"/>
+          <p:cNvSpPr>
+            <a:spLocks noGrp="1"/>
+          </p:cNvSpPr>
+          <p:nvPr>
+            <p:ph type="subTitle" idx="1"/>
+          </p:nvPr>
+        </p:nvSpPr>
+        <p:spPr/>
+        <p:txBody>
+          <a:bodyPr/>
+          <a:lstStyle/>
+          <a:p>
+            <a:r>
+              <a:rPr lang="en-US" dirty="0" smtClean="0"/>
+              <a:t>#37 – Section 13</a:t>
+            </a:r>
+            <a:endParaRPr lang="en-US" dirty="0"/>
+          </a:p>
+          <a:p>
+            <a:r>
+              <a:rPr lang="en-US" dirty="0" smtClean="0"/>
+              <a:t>Arrays: Advance Usage</a:t>
+            </a:r>
+          </a:p>
+        </p:txBody>
+      </p:sp>
+    </p:spTree>
+    <p:extLst>
+      <p:ext uri="{BB962C8B-B14F-4D97-AF65-F5344CB8AC3E}">
+        <p14:creationId xmlns:p14="http://schemas.microsoft.com/office/powerpoint/2010/main" val="2110504391"/>
+      </p:ext>
+    </p:extLst>
+  </p:cSld>
+  <p:clrMapOvr>
+    <a:masterClrMapping/>
+  </p:clrMapOvr>
+  <p:timing>
+    <p:tnLst>
+      <p:par>
+        <p:cTn xmlns:p14="http://schemas.microsoft.com/office/powerpoint/2010/main" id="1" dur="indefinite" restart="never" nodeType="tmRoot"/>
+      </p:par>
+    </p:tnLst>
+  </p:timing>
+</p:sld>
+</file>
+
+<file path=ppt/slides/slide77.xml><?xml version="1.0" encoding="utf-8"?>
+<p:sld xmlns:a="http://schemas.openxmlformats.org/drawingml/2006/main" xmlns:r="http://schemas.openxmlformats.org/officeDocument/2006/relationships" xmlns:p="http://schemas.openxmlformats.org/presentationml/2006/main">
+  <p:cSld>
+    <p:spTree>
+      <p:nvGrpSpPr>
+        <p:cNvPr id="1" name=""/>
+        <p:cNvGrpSpPr/>
+        <p:nvPr/>
+      </p:nvGrpSpPr>
+      <p:grpSpPr>
+        <a:xfrm>
+          <a:off x="0" y="0"/>
+          <a:ext cx="0" cy="0"/>
+          <a:chOff x="0" y="0"/>
+          <a:chExt cx="0" cy="0"/>
+        </a:xfrm>
+      </p:grpSpPr>
+      <p:sp>
+        <p:nvSpPr>
+          <p:cNvPr id="2" name="Title 1"/>
+          <p:cNvSpPr>
+            <a:spLocks noGrp="1"/>
+          </p:cNvSpPr>
+          <p:nvPr>
+            <p:ph type="title"/>
+          </p:nvPr>
+        </p:nvSpPr>
+        <p:spPr/>
+        <p:txBody>
+          <a:bodyPr/>
+          <a:lstStyle/>
+          <a:p>
+            <a:r>
+              <a:rPr lang="en-US" dirty="0" smtClean="0"/>
+              <a:t>Topics</a:t>
+            </a:r>
+            <a:endParaRPr lang="en-US" dirty="0"/>
+          </a:p>
+        </p:txBody>
+      </p:sp>
+      <p:sp>
+        <p:nvSpPr>
+          <p:cNvPr id="3" name="Content Placeholder 2"/>
+          <p:cNvSpPr>
+            <a:spLocks noGrp="1"/>
+          </p:cNvSpPr>
+          <p:nvPr>
+            <p:ph idx="1"/>
+          </p:nvPr>
+        </p:nvSpPr>
+        <p:spPr/>
+        <p:txBody>
+          <a:bodyPr>
+            <a:normAutofit/>
+          </a:bodyPr>
+          <a:lstStyle/>
+          <a:p>
+            <a:pPr marL="514350" indent="-514350">
+              <a:buFont typeface="+mj-lt"/>
+              <a:buAutoNum type="arabicPeriod"/>
+            </a:pPr>
+            <a:r>
+              <a:rPr lang="en-US" dirty="0" smtClean="0"/>
+              <a:t>What are some of the other Array operations available?</a:t>
+            </a:r>
+          </a:p>
+          <a:p>
+            <a:pPr marL="914400" lvl="1" indent="-514350">
+              <a:buFont typeface="+mj-lt"/>
+              <a:buAutoNum type="arabicPeriod"/>
+            </a:pPr>
+            <a:r>
+              <a:rPr lang="en-US" dirty="0" err="1" smtClean="0"/>
+              <a:t>forEach</a:t>
+            </a:r>
+            <a:r>
+              <a:rPr lang="en-US" dirty="0" smtClean="0"/>
+              <a:t>()</a:t>
+            </a:r>
+          </a:p>
+          <a:p>
+            <a:pPr marL="914400" lvl="1" indent="-514350">
+              <a:buFont typeface="+mj-lt"/>
+              <a:buAutoNum type="arabicPeriod"/>
+            </a:pPr>
+            <a:r>
+              <a:rPr lang="en-US" dirty="0" smtClean="0"/>
+              <a:t>every()</a:t>
+            </a:r>
+          </a:p>
+          <a:p>
+            <a:pPr marL="914400" lvl="1" indent="-514350">
+              <a:buFont typeface="+mj-lt"/>
+              <a:buAutoNum type="arabicPeriod"/>
+            </a:pPr>
+            <a:r>
+              <a:rPr lang="en-US" dirty="0" smtClean="0"/>
+              <a:t>map()</a:t>
+            </a:r>
+          </a:p>
+          <a:p>
+            <a:pPr marL="914400" lvl="1" indent="-514350">
+              <a:buFont typeface="+mj-lt"/>
+              <a:buAutoNum type="arabicPeriod"/>
+            </a:pPr>
+            <a:r>
+              <a:rPr lang="en-US" dirty="0"/>
+              <a:t>f</a:t>
+            </a:r>
+            <a:r>
+              <a:rPr lang="en-US" dirty="0" smtClean="0"/>
+              <a:t>ilter()</a:t>
+            </a:r>
+          </a:p>
+          <a:p>
+            <a:pPr marL="914400" lvl="1" indent="-514350">
+              <a:buFont typeface="+mj-lt"/>
+              <a:buAutoNum type="arabicPeriod"/>
+            </a:pPr>
+            <a:r>
+              <a:rPr lang="en-US" smtClean="0"/>
+              <a:t>And more</a:t>
+            </a:r>
+            <a:endParaRPr lang="en-US" dirty="0" smtClean="0"/>
+          </a:p>
+        </p:txBody>
+      </p:sp>
+    </p:spTree>
+    <p:extLst>
+      <p:ext uri="{BB962C8B-B14F-4D97-AF65-F5344CB8AC3E}">
+        <p14:creationId xmlns:p14="http://schemas.microsoft.com/office/powerpoint/2010/main" val="2902047586"/>
+      </p:ext>
+    </p:extLst>
+  </p:cSld>
+  <p:clrMapOvr>
+    <a:masterClrMapping/>
+  </p:clrMapOvr>
+</p:sld>
+</file>
+
+<file path=ppt/slides/slide78.xml><?xml version="1.0" encoding="utf-8"?>
+<p:sld xmlns:a="http://schemas.openxmlformats.org/drawingml/2006/main" xmlns:r="http://schemas.openxmlformats.org/officeDocument/2006/relationships" xmlns:p="http://schemas.openxmlformats.org/presentationml/2006/main">
+  <p:cSld>
+    <p:spTree>
+      <p:nvGrpSpPr>
+        <p:cNvPr id="1" name=""/>
+        <p:cNvGrpSpPr/>
+        <p:nvPr/>
+      </p:nvGrpSpPr>
+      <p:grpSpPr>
+        <a:xfrm>
+          <a:off x="0" y="0"/>
+          <a:ext cx="0" cy="0"/>
+          <a:chOff x="0" y="0"/>
+          <a:chExt cx="0" cy="0"/>
+        </a:xfrm>
+      </p:grpSpPr>
+      <p:sp>
+        <p:nvSpPr>
+          <p:cNvPr id="2" name="Title 1"/>
+          <p:cNvSpPr>
+            <a:spLocks noGrp="1"/>
+          </p:cNvSpPr>
+          <p:nvPr>
+            <p:ph type="title"/>
+          </p:nvPr>
+        </p:nvSpPr>
+        <p:spPr/>
+        <p:txBody>
+          <a:bodyPr/>
+          <a:lstStyle/>
+          <a:p>
+            <a:r>
+              <a:rPr lang="en-US" dirty="0" err="1" smtClean="0"/>
+              <a:t>forEach</a:t>
+            </a:r>
+            <a:r>
+              <a:rPr lang="en-US" dirty="0" smtClean="0"/>
+              <a:t>()</a:t>
+            </a:r>
+            <a:endParaRPr lang="en-US" dirty="0"/>
+          </a:p>
+        </p:txBody>
+      </p:sp>
+      <p:sp>
+        <p:nvSpPr>
+          <p:cNvPr id="19" name="Rectangle 18"/>
+          <p:cNvSpPr/>
+          <p:nvPr/>
+        </p:nvSpPr>
+        <p:spPr>
+          <a:xfrm>
+            <a:off x="3306683" y="2240244"/>
+            <a:ext cx="2278038" cy="696158"/>
+          </a:xfrm>
+          <a:prstGeom prst="rect">
+            <a:avLst/>
+          </a:prstGeom>
+        </p:spPr>
+        <p:style>
+          <a:lnRef idx="2">
+            <a:schemeClr val="accent2">
+              <a:shade val="50000"/>
+            </a:schemeClr>
+          </a:lnRef>
+          <a:fillRef idx="1">
+            <a:schemeClr val="accent2"/>
+          </a:fillRef>
+          <a:effectRef idx="0">
+            <a:schemeClr val="accent2"/>
+          </a:effectRef>
+          <a:fontRef idx="minor">
+            <a:schemeClr val="lt1"/>
+          </a:fontRef>
+        </p:style>
+        <p:txBody>
+          <a:bodyPr rtlCol="0" anchor="ctr"/>
+          <a:lstStyle/>
+          <a:p>
+            <a:pPr algn="ctr"/>
+            <a:endParaRPr lang="en-US"/>
+          </a:p>
+        </p:txBody>
+      </p:sp>
+      <p:sp>
+        <p:nvSpPr>
+          <p:cNvPr id="20" name="Rounded Rectangle 19"/>
+          <p:cNvSpPr/>
+          <p:nvPr/>
+        </p:nvSpPr>
+        <p:spPr>
+          <a:xfrm>
+            <a:off x="3372079" y="2311159"/>
+            <a:ext cx="292203" cy="297838"/>
+          </a:xfrm>
+          <a:prstGeom prst="roundRect">
+            <a:avLst/>
+          </a:prstGeom>
+          <a:scene3d>
+            <a:camera prst="orthographicFront"/>
+            <a:lightRig rig="threePt" dir="t"/>
+          </a:scene3d>
+          <a:sp3d>
+            <a:bevelT w="152400" h="50800" prst="softRound"/>
+          </a:sp3d>
+        </p:spPr>
+        <p:style>
+          <a:lnRef idx="1">
+            <a:schemeClr val="accent1"/>
+          </a:lnRef>
+          <a:fillRef idx="3">
+            <a:schemeClr val="accent1"/>
+          </a:fillRef>
+          <a:effectRef idx="2">
+            <a:schemeClr val="accent1"/>
+          </a:effectRef>
+          <a:fontRef idx="minor">
+            <a:schemeClr val="lt1"/>
+          </a:fontRef>
+        </p:style>
+        <p:txBody>
+          <a:bodyPr rtlCol="0" anchor="ctr"/>
+          <a:lstStyle/>
+          <a:p>
+            <a:pPr algn="ctr"/>
+            <a:endParaRPr lang="en-US"/>
+          </a:p>
+        </p:txBody>
+      </p:sp>
+      <p:sp>
+        <p:nvSpPr>
+          <p:cNvPr id="21" name="Rounded Rectangle 20"/>
+          <p:cNvSpPr/>
+          <p:nvPr/>
+        </p:nvSpPr>
+        <p:spPr>
+          <a:xfrm>
+            <a:off x="3994853" y="2311159"/>
+            <a:ext cx="292203" cy="297838"/>
+          </a:xfrm>
+          <a:prstGeom prst="roundRect">
+            <a:avLst/>
+          </a:prstGeom>
+          <a:scene3d>
+            <a:camera prst="orthographicFront"/>
+            <a:lightRig rig="threePt" dir="t"/>
+          </a:scene3d>
+          <a:sp3d>
+            <a:bevelT w="152400" h="50800" prst="softRound"/>
+          </a:sp3d>
+        </p:spPr>
+        <p:style>
+          <a:lnRef idx="1">
+            <a:schemeClr val="accent1"/>
+          </a:lnRef>
+          <a:fillRef idx="3">
+            <a:schemeClr val="accent1"/>
+          </a:fillRef>
+          <a:effectRef idx="2">
+            <a:schemeClr val="accent1"/>
+          </a:effectRef>
+          <a:fontRef idx="minor">
+            <a:schemeClr val="lt1"/>
+          </a:fontRef>
+        </p:style>
+        <p:txBody>
+          <a:bodyPr rtlCol="0" anchor="ctr"/>
+          <a:lstStyle/>
+          <a:p>
+            <a:pPr algn="ctr"/>
+            <a:endParaRPr lang="en-US"/>
+          </a:p>
+        </p:txBody>
+      </p:sp>
+      <p:sp>
+        <p:nvSpPr>
+          <p:cNvPr id="22" name="Rounded Rectangle 21"/>
+          <p:cNvSpPr/>
+          <p:nvPr/>
+        </p:nvSpPr>
+        <p:spPr>
+          <a:xfrm>
+            <a:off x="4617627" y="2311159"/>
+            <a:ext cx="292203" cy="297838"/>
+          </a:xfrm>
+          <a:prstGeom prst="roundRect">
+            <a:avLst/>
+          </a:prstGeom>
+          <a:scene3d>
+            <a:camera prst="orthographicFront"/>
+            <a:lightRig rig="threePt" dir="t"/>
+          </a:scene3d>
+          <a:sp3d>
+            <a:bevelT w="152400" h="50800" prst="softRound"/>
+          </a:sp3d>
+        </p:spPr>
+        <p:style>
+          <a:lnRef idx="1">
+            <a:schemeClr val="accent1"/>
+          </a:lnRef>
+          <a:fillRef idx="3">
+            <a:schemeClr val="accent1"/>
+          </a:fillRef>
+          <a:effectRef idx="2">
+            <a:schemeClr val="accent1"/>
+          </a:effectRef>
+          <a:fontRef idx="minor">
+            <a:schemeClr val="lt1"/>
+          </a:fontRef>
+        </p:style>
+        <p:txBody>
+          <a:bodyPr rtlCol="0" anchor="ctr"/>
+          <a:lstStyle/>
+          <a:p>
+            <a:pPr algn="ctr"/>
+            <a:endParaRPr lang="en-US"/>
+          </a:p>
+        </p:txBody>
+      </p:sp>
+      <p:sp>
+        <p:nvSpPr>
+          <p:cNvPr id="24" name="Rounded Rectangle 23"/>
+          <p:cNvSpPr/>
+          <p:nvPr/>
+        </p:nvSpPr>
+        <p:spPr>
+          <a:xfrm>
+            <a:off x="5240400" y="2311159"/>
+            <a:ext cx="292203" cy="297838"/>
+          </a:xfrm>
+          <a:prstGeom prst="roundRect">
+            <a:avLst/>
+          </a:prstGeom>
+          <a:scene3d>
+            <a:camera prst="orthographicFront"/>
+            <a:lightRig rig="threePt" dir="t"/>
+          </a:scene3d>
+          <a:sp3d>
+            <a:bevelT w="152400" h="50800" prst="softRound"/>
+          </a:sp3d>
+        </p:spPr>
+        <p:style>
+          <a:lnRef idx="1">
+            <a:schemeClr val="accent1"/>
+          </a:lnRef>
+          <a:fillRef idx="3">
+            <a:schemeClr val="accent1"/>
+          </a:fillRef>
+          <a:effectRef idx="2">
+            <a:schemeClr val="accent1"/>
+          </a:effectRef>
+          <a:fontRef idx="minor">
+            <a:schemeClr val="lt1"/>
+          </a:fontRef>
+        </p:style>
+        <p:txBody>
+          <a:bodyPr rtlCol="0" anchor="ctr"/>
+          <a:lstStyle/>
+          <a:p>
+            <a:pPr algn="ctr"/>
+            <a:endParaRPr lang="en-US"/>
+          </a:p>
+        </p:txBody>
+      </p:sp>
+      <p:sp>
+        <p:nvSpPr>
+          <p:cNvPr id="26" name="TextBox 25"/>
+          <p:cNvSpPr txBox="1"/>
+          <p:nvPr/>
+        </p:nvSpPr>
+        <p:spPr>
+          <a:xfrm>
+            <a:off x="3372079" y="2690181"/>
+            <a:ext cx="292203" cy="246221"/>
+          </a:xfrm>
+          <a:prstGeom prst="rect">
+            <a:avLst/>
+          </a:prstGeom>
+          <a:noFill/>
+        </p:spPr>
+        <p:txBody>
+          <a:bodyPr wrap="square" rtlCol="0">
+            <a:spAutoFit/>
+          </a:bodyPr>
+          <a:lstStyle/>
+          <a:p>
+            <a:r>
+              <a:rPr lang="en-US" sz="1000" dirty="0" smtClean="0"/>
+              <a:t>0</a:t>
+            </a:r>
+            <a:endParaRPr lang="en-US" sz="1000" dirty="0"/>
+          </a:p>
+        </p:txBody>
+      </p:sp>
+      <p:sp>
+        <p:nvSpPr>
+          <p:cNvPr id="27" name="TextBox 26"/>
+          <p:cNvSpPr txBox="1"/>
+          <p:nvPr/>
+        </p:nvSpPr>
+        <p:spPr>
+          <a:xfrm>
+            <a:off x="3994853" y="2690181"/>
+            <a:ext cx="292203" cy="246221"/>
+          </a:xfrm>
+          <a:prstGeom prst="rect">
+            <a:avLst/>
+          </a:prstGeom>
+          <a:noFill/>
+        </p:spPr>
+        <p:txBody>
+          <a:bodyPr wrap="square" rtlCol="0">
+            <a:spAutoFit/>
+          </a:bodyPr>
+          <a:lstStyle/>
+          <a:p>
+            <a:r>
+              <a:rPr lang="en-US" sz="1000" dirty="0" smtClean="0"/>
+              <a:t>1</a:t>
+            </a:r>
+            <a:endParaRPr lang="en-US" sz="1000" dirty="0"/>
+          </a:p>
+        </p:txBody>
+      </p:sp>
+      <p:sp>
+        <p:nvSpPr>
+          <p:cNvPr id="28" name="TextBox 27"/>
+          <p:cNvSpPr txBox="1"/>
+          <p:nvPr/>
+        </p:nvSpPr>
+        <p:spPr>
+          <a:xfrm>
+            <a:off x="4617627" y="2690181"/>
+            <a:ext cx="292203" cy="246221"/>
+          </a:xfrm>
+          <a:prstGeom prst="rect">
+            <a:avLst/>
+          </a:prstGeom>
+          <a:noFill/>
+        </p:spPr>
+        <p:txBody>
+          <a:bodyPr wrap="square" rtlCol="0">
+            <a:spAutoFit/>
+          </a:bodyPr>
+          <a:lstStyle/>
+          <a:p>
+            <a:r>
+              <a:rPr lang="en-US" sz="1000" dirty="0" smtClean="0"/>
+              <a:t>2</a:t>
+            </a:r>
+            <a:endParaRPr lang="en-US" sz="1000" dirty="0"/>
+          </a:p>
+        </p:txBody>
+      </p:sp>
+      <p:sp>
+        <p:nvSpPr>
+          <p:cNvPr id="30" name="TextBox 29"/>
+          <p:cNvSpPr txBox="1"/>
+          <p:nvPr/>
+        </p:nvSpPr>
+        <p:spPr>
+          <a:xfrm>
+            <a:off x="5240400" y="2690181"/>
+            <a:ext cx="292203" cy="246221"/>
+          </a:xfrm>
+          <a:prstGeom prst="rect">
+            <a:avLst/>
+          </a:prstGeom>
+          <a:noFill/>
+        </p:spPr>
+        <p:txBody>
+          <a:bodyPr wrap="square" rtlCol="0">
+            <a:spAutoFit/>
+          </a:bodyPr>
+          <a:lstStyle/>
+          <a:p>
+            <a:r>
+              <a:rPr lang="en-US" sz="1000" dirty="0"/>
+              <a:t>3</a:t>
+            </a:r>
+            <a:endParaRPr lang="en-US" sz="1000" dirty="0"/>
+          </a:p>
+        </p:txBody>
+      </p:sp>
+      <p:cxnSp>
+        <p:nvCxnSpPr>
+          <p:cNvPr id="56" name="Straight Arrow Connector 55"/>
+          <p:cNvCxnSpPr/>
+          <p:nvPr/>
+        </p:nvCxnSpPr>
+        <p:spPr>
+          <a:xfrm>
+            <a:off x="3571203" y="3731404"/>
+            <a:ext cx="0" cy="404610"/>
+          </a:xfrm>
+          <a:prstGeom prst="straightConnector1">
+            <a:avLst/>
+          </a:prstGeom>
+          <a:ln>
+            <a:solidFill>
+              <a:schemeClr val="accent3">
+                <a:lumMod val="75000"/>
+              </a:schemeClr>
+            </a:solidFill>
+            <a:tailEnd type="arrow"/>
+          </a:ln>
+        </p:spPr>
+        <p:style>
+          <a:lnRef idx="2">
+            <a:schemeClr val="accent1"/>
+          </a:lnRef>
+          <a:fillRef idx="0">
+            <a:schemeClr val="accent1"/>
+          </a:fillRef>
+          <a:effectRef idx="1">
+            <a:schemeClr val="accent1"/>
+          </a:effectRef>
+          <a:fontRef idx="minor">
+            <a:schemeClr val="tx1"/>
+          </a:fontRef>
+        </p:style>
+      </p:cxnSp>
+      <p:cxnSp>
+        <p:nvCxnSpPr>
+          <p:cNvPr id="6" name="Straight Arrow Connector 5"/>
+          <p:cNvCxnSpPr>
+            <a:endCxn id="37" idx="0"/>
+          </p:cNvCxnSpPr>
+          <p:nvPr/>
+        </p:nvCxnSpPr>
+        <p:spPr>
+          <a:xfrm>
+            <a:off x="3551395" y="2978380"/>
+            <a:ext cx="3062" cy="449566"/>
+          </a:xfrm>
+          <a:prstGeom prst="straightConnector1">
+            <a:avLst/>
+          </a:prstGeom>
+          <a:ln>
+            <a:solidFill>
+              <a:schemeClr val="bg2">
+                <a:lumMod val="50000"/>
+              </a:schemeClr>
+            </a:solidFill>
+            <a:tailEnd type="arrow"/>
+          </a:ln>
+        </p:spPr>
+        <p:style>
+          <a:lnRef idx="2">
+            <a:schemeClr val="accent1"/>
+          </a:lnRef>
+          <a:fillRef idx="0">
+            <a:schemeClr val="accent1"/>
+          </a:fillRef>
+          <a:effectRef idx="1">
+            <a:schemeClr val="accent1"/>
+          </a:effectRef>
+          <a:fontRef idx="minor">
+            <a:schemeClr val="tx1"/>
+          </a:fontRef>
+        </p:style>
+      </p:cxnSp>
+      <p:cxnSp>
+        <p:nvCxnSpPr>
+          <p:cNvPr id="34" name="Straight Arrow Connector 33"/>
+          <p:cNvCxnSpPr>
+            <a:endCxn id="38" idx="0"/>
+          </p:cNvCxnSpPr>
+          <p:nvPr/>
+        </p:nvCxnSpPr>
+        <p:spPr>
+          <a:xfrm>
+            <a:off x="4153046" y="2978380"/>
+            <a:ext cx="0" cy="449566"/>
+          </a:xfrm>
+          <a:prstGeom prst="straightConnector1">
+            <a:avLst/>
+          </a:prstGeom>
+          <a:ln>
+            <a:solidFill>
+              <a:schemeClr val="bg2">
+                <a:lumMod val="50000"/>
+              </a:schemeClr>
+            </a:solidFill>
+            <a:tailEnd type="arrow"/>
+          </a:ln>
+        </p:spPr>
+        <p:style>
+          <a:lnRef idx="2">
+            <a:schemeClr val="accent1"/>
+          </a:lnRef>
+          <a:fillRef idx="0">
+            <a:schemeClr val="accent1"/>
+          </a:fillRef>
+          <a:effectRef idx="1">
+            <a:schemeClr val="accent1"/>
+          </a:effectRef>
+          <a:fontRef idx="minor">
+            <a:schemeClr val="tx1"/>
+          </a:fontRef>
+        </p:style>
+      </p:cxnSp>
+      <p:cxnSp>
+        <p:nvCxnSpPr>
+          <p:cNvPr id="35" name="Straight Arrow Connector 34"/>
+          <p:cNvCxnSpPr>
+            <a:endCxn id="39" idx="0"/>
+          </p:cNvCxnSpPr>
+          <p:nvPr/>
+        </p:nvCxnSpPr>
+        <p:spPr>
+          <a:xfrm>
+            <a:off x="4751635" y="2978380"/>
+            <a:ext cx="0" cy="449566"/>
+          </a:xfrm>
+          <a:prstGeom prst="straightConnector1">
+            <a:avLst/>
+          </a:prstGeom>
+          <a:ln>
+            <a:solidFill>
+              <a:schemeClr val="bg2">
+                <a:lumMod val="50000"/>
+              </a:schemeClr>
+            </a:solidFill>
+            <a:tailEnd type="arrow"/>
+          </a:ln>
+        </p:spPr>
+        <p:style>
+          <a:lnRef idx="2">
+            <a:schemeClr val="accent1"/>
+          </a:lnRef>
+          <a:fillRef idx="0">
+            <a:schemeClr val="accent1"/>
+          </a:fillRef>
+          <a:effectRef idx="1">
+            <a:schemeClr val="accent1"/>
+          </a:effectRef>
+          <a:fontRef idx="minor">
+            <a:schemeClr val="tx1"/>
+          </a:fontRef>
+        </p:style>
+      </p:cxnSp>
+      <p:cxnSp>
+        <p:nvCxnSpPr>
+          <p:cNvPr id="36" name="Straight Arrow Connector 35"/>
+          <p:cNvCxnSpPr>
+            <a:endCxn id="40" idx="0"/>
+          </p:cNvCxnSpPr>
+          <p:nvPr/>
+        </p:nvCxnSpPr>
+        <p:spPr>
+          <a:xfrm>
+            <a:off x="5350225" y="2978380"/>
+            <a:ext cx="0" cy="449566"/>
+          </a:xfrm>
+          <a:prstGeom prst="straightConnector1">
+            <a:avLst/>
+          </a:prstGeom>
+          <a:ln>
+            <a:solidFill>
+              <a:schemeClr val="bg2">
+                <a:lumMod val="50000"/>
+              </a:schemeClr>
+            </a:solidFill>
+            <a:tailEnd type="arrow"/>
+          </a:ln>
+        </p:spPr>
+        <p:style>
+          <a:lnRef idx="2">
+            <a:schemeClr val="accent1"/>
+          </a:lnRef>
+          <a:fillRef idx="0">
+            <a:schemeClr val="accent1"/>
+          </a:fillRef>
+          <a:effectRef idx="1">
+            <a:schemeClr val="accent1"/>
+          </a:effectRef>
+          <a:fontRef idx="minor">
+            <a:schemeClr val="tx1"/>
+          </a:fontRef>
+        </p:style>
+      </p:cxnSp>
+      <p:sp>
+        <p:nvSpPr>
+          <p:cNvPr id="42" name="Rounded Rectangle 41"/>
+          <p:cNvSpPr/>
+          <p:nvPr/>
+        </p:nvSpPr>
+        <p:spPr>
+          <a:xfrm>
+            <a:off x="3425101" y="4164112"/>
+            <a:ext cx="292203" cy="297838"/>
+          </a:xfrm>
+          <a:prstGeom prst="roundRect">
+            <a:avLst/>
+          </a:prstGeom>
+        </p:spPr>
+        <p:style>
+          <a:lnRef idx="1">
+            <a:schemeClr val="accent2"/>
+          </a:lnRef>
+          <a:fillRef idx="2">
+            <a:schemeClr val="accent2"/>
+          </a:fillRef>
+          <a:effectRef idx="1">
+            <a:schemeClr val="accent2"/>
+          </a:effectRef>
+          <a:fontRef idx="minor">
+            <a:schemeClr val="dk1"/>
+          </a:fontRef>
+        </p:style>
+        <p:txBody>
+          <a:bodyPr rtlCol="0" anchor="ctr"/>
+          <a:lstStyle/>
+          <a:p>
+            <a:pPr algn="ctr"/>
+            <a:endParaRPr lang="en-US"/>
+          </a:p>
+        </p:txBody>
+      </p:sp>
+      <p:sp>
+        <p:nvSpPr>
+          <p:cNvPr id="37" name="Predefined Process 36"/>
+          <p:cNvSpPr/>
+          <p:nvPr/>
+        </p:nvSpPr>
+        <p:spPr>
+          <a:xfrm>
+            <a:off x="3372079" y="3427946"/>
+            <a:ext cx="364756" cy="274690"/>
+          </a:xfrm>
+          <a:prstGeom prst="flowChartPredefinedProcess">
+            <a:avLst/>
+          </a:prstGeom>
+        </p:spPr>
+        <p:style>
+          <a:lnRef idx="1">
+            <a:schemeClr val="accent6"/>
+          </a:lnRef>
+          <a:fillRef idx="2">
+            <a:schemeClr val="accent6"/>
+          </a:fillRef>
+          <a:effectRef idx="1">
+            <a:schemeClr val="accent6"/>
+          </a:effectRef>
+          <a:fontRef idx="minor">
+            <a:schemeClr val="dk1"/>
+          </a:fontRef>
+        </p:style>
+        <p:txBody>
+          <a:bodyPr rtlCol="0" anchor="ctr"/>
+          <a:lstStyle/>
+          <a:p>
+            <a:pPr algn="ctr"/>
+            <a:r>
+              <a:rPr lang="en-US" sz="600" dirty="0" smtClean="0"/>
+              <a:t>()</a:t>
+            </a:r>
+            <a:endParaRPr lang="en-US" sz="600" dirty="0"/>
+          </a:p>
+        </p:txBody>
+      </p:sp>
+      <p:sp>
+        <p:nvSpPr>
+          <p:cNvPr id="38" name="Predefined Process 37"/>
+          <p:cNvSpPr/>
+          <p:nvPr/>
+        </p:nvSpPr>
+        <p:spPr>
+          <a:xfrm>
+            <a:off x="3970668" y="3427946"/>
+            <a:ext cx="364756" cy="274690"/>
+          </a:xfrm>
+          <a:prstGeom prst="flowChartPredefinedProcess">
+            <a:avLst/>
+          </a:prstGeom>
+        </p:spPr>
+        <p:style>
+          <a:lnRef idx="1">
+            <a:schemeClr val="accent6"/>
+          </a:lnRef>
+          <a:fillRef idx="2">
+            <a:schemeClr val="accent6"/>
+          </a:fillRef>
+          <a:effectRef idx="1">
+            <a:schemeClr val="accent6"/>
+          </a:effectRef>
+          <a:fontRef idx="minor">
+            <a:schemeClr val="dk1"/>
+          </a:fontRef>
+        </p:style>
+        <p:txBody>
+          <a:bodyPr rtlCol="0" anchor="ctr"/>
+          <a:lstStyle/>
+          <a:p>
+            <a:pPr algn="ctr"/>
+            <a:r>
+              <a:rPr lang="en-US" sz="600" dirty="0" smtClean="0"/>
+              <a:t>()</a:t>
+            </a:r>
+            <a:endParaRPr lang="en-US" sz="600" dirty="0"/>
+          </a:p>
+        </p:txBody>
+      </p:sp>
+      <p:sp>
+        <p:nvSpPr>
+          <p:cNvPr id="39" name="Predefined Process 38"/>
+          <p:cNvSpPr/>
+          <p:nvPr/>
+        </p:nvSpPr>
+        <p:spPr>
+          <a:xfrm>
+            <a:off x="4569257" y="3427946"/>
+            <a:ext cx="364756" cy="274690"/>
+          </a:xfrm>
+          <a:prstGeom prst="flowChartPredefinedProcess">
+            <a:avLst/>
+          </a:prstGeom>
+        </p:spPr>
+        <p:style>
+          <a:lnRef idx="1">
+            <a:schemeClr val="accent6"/>
+          </a:lnRef>
+          <a:fillRef idx="2">
+            <a:schemeClr val="accent6"/>
+          </a:fillRef>
+          <a:effectRef idx="1">
+            <a:schemeClr val="accent6"/>
+          </a:effectRef>
+          <a:fontRef idx="minor">
+            <a:schemeClr val="dk1"/>
+          </a:fontRef>
+        </p:style>
+        <p:txBody>
+          <a:bodyPr rtlCol="0" anchor="ctr"/>
+          <a:lstStyle/>
+          <a:p>
+            <a:pPr algn="ctr"/>
+            <a:r>
+              <a:rPr lang="en-US" sz="600" dirty="0" smtClean="0"/>
+              <a:t>()</a:t>
+            </a:r>
+            <a:endParaRPr lang="en-US" sz="600" dirty="0"/>
+          </a:p>
+        </p:txBody>
+      </p:sp>
+      <p:sp>
+        <p:nvSpPr>
+          <p:cNvPr id="40" name="Predefined Process 39"/>
+          <p:cNvSpPr/>
+          <p:nvPr/>
+        </p:nvSpPr>
+        <p:spPr>
+          <a:xfrm>
+            <a:off x="5167847" y="3427946"/>
+            <a:ext cx="364756" cy="274690"/>
+          </a:xfrm>
+          <a:prstGeom prst="flowChartPredefinedProcess">
+            <a:avLst/>
+          </a:prstGeom>
+        </p:spPr>
+        <p:style>
+          <a:lnRef idx="1">
+            <a:schemeClr val="accent6"/>
+          </a:lnRef>
+          <a:fillRef idx="2">
+            <a:schemeClr val="accent6"/>
+          </a:fillRef>
+          <a:effectRef idx="1">
+            <a:schemeClr val="accent6"/>
+          </a:effectRef>
+          <a:fontRef idx="minor">
+            <a:schemeClr val="dk1"/>
+          </a:fontRef>
+        </p:style>
+        <p:txBody>
+          <a:bodyPr rtlCol="0" anchor="ctr"/>
+          <a:lstStyle/>
+          <a:p>
+            <a:pPr algn="ctr"/>
+            <a:r>
+              <a:rPr lang="en-US" sz="600" dirty="0" smtClean="0"/>
+              <a:t>()</a:t>
+            </a:r>
+            <a:endParaRPr lang="en-US" sz="600" dirty="0"/>
+          </a:p>
+        </p:txBody>
+      </p:sp>
+      <p:cxnSp>
+        <p:nvCxnSpPr>
+          <p:cNvPr id="41" name="Straight Arrow Connector 40"/>
+          <p:cNvCxnSpPr/>
+          <p:nvPr/>
+        </p:nvCxnSpPr>
+        <p:spPr>
+          <a:xfrm>
+            <a:off x="4153046" y="3734885"/>
+            <a:ext cx="0" cy="404610"/>
+          </a:xfrm>
+          <a:prstGeom prst="straightConnector1">
+            <a:avLst/>
+          </a:prstGeom>
+          <a:ln>
+            <a:solidFill>
+              <a:schemeClr val="accent3">
+                <a:lumMod val="75000"/>
+              </a:schemeClr>
+            </a:solidFill>
+            <a:tailEnd type="arrow"/>
+          </a:ln>
+        </p:spPr>
+        <p:style>
+          <a:lnRef idx="2">
+            <a:schemeClr val="accent1"/>
+          </a:lnRef>
+          <a:fillRef idx="0">
+            <a:schemeClr val="accent1"/>
+          </a:fillRef>
+          <a:effectRef idx="1">
+            <a:schemeClr val="accent1"/>
+          </a:effectRef>
+          <a:fontRef idx="minor">
+            <a:schemeClr val="tx1"/>
+          </a:fontRef>
+        </p:style>
+      </p:cxnSp>
+      <p:sp>
+        <p:nvSpPr>
+          <p:cNvPr id="43" name="Rounded Rectangle 42"/>
+          <p:cNvSpPr/>
+          <p:nvPr/>
+        </p:nvSpPr>
+        <p:spPr>
+          <a:xfrm>
+            <a:off x="4006944" y="4167593"/>
+            <a:ext cx="292203" cy="297838"/>
+          </a:xfrm>
+          <a:prstGeom prst="roundRect">
+            <a:avLst/>
+          </a:prstGeom>
+        </p:spPr>
+        <p:style>
+          <a:lnRef idx="1">
+            <a:schemeClr val="accent3"/>
+          </a:lnRef>
+          <a:fillRef idx="2">
+            <a:schemeClr val="accent3"/>
+          </a:fillRef>
+          <a:effectRef idx="1">
+            <a:schemeClr val="accent3"/>
+          </a:effectRef>
+          <a:fontRef idx="minor">
+            <a:schemeClr val="dk1"/>
+          </a:fontRef>
+        </p:style>
+        <p:txBody>
+          <a:bodyPr rtlCol="0" anchor="ctr"/>
+          <a:lstStyle/>
+          <a:p>
+            <a:pPr algn="ctr"/>
+            <a:endParaRPr lang="en-US"/>
+          </a:p>
+        </p:txBody>
+      </p:sp>
+      <p:cxnSp>
+        <p:nvCxnSpPr>
+          <p:cNvPr id="44" name="Straight Arrow Connector 43"/>
+          <p:cNvCxnSpPr/>
+          <p:nvPr/>
+        </p:nvCxnSpPr>
+        <p:spPr>
+          <a:xfrm>
+            <a:off x="4763729" y="3731404"/>
+            <a:ext cx="0" cy="404610"/>
+          </a:xfrm>
+          <a:prstGeom prst="straightConnector1">
+            <a:avLst/>
+          </a:prstGeom>
+          <a:ln>
+            <a:solidFill>
+              <a:schemeClr val="accent3">
+                <a:lumMod val="75000"/>
+              </a:schemeClr>
+            </a:solidFill>
+            <a:tailEnd type="arrow"/>
+          </a:ln>
+        </p:spPr>
+        <p:style>
+          <a:lnRef idx="2">
+            <a:schemeClr val="accent1"/>
+          </a:lnRef>
+          <a:fillRef idx="0">
+            <a:schemeClr val="accent1"/>
+          </a:fillRef>
+          <a:effectRef idx="1">
+            <a:schemeClr val="accent1"/>
+          </a:effectRef>
+          <a:fontRef idx="minor">
+            <a:schemeClr val="tx1"/>
+          </a:fontRef>
+        </p:style>
+      </p:cxnSp>
+      <p:sp>
+        <p:nvSpPr>
+          <p:cNvPr id="45" name="Rounded Rectangle 44"/>
+          <p:cNvSpPr/>
+          <p:nvPr/>
+        </p:nvSpPr>
+        <p:spPr>
+          <a:xfrm>
+            <a:off x="4617627" y="4164112"/>
+            <a:ext cx="292203" cy="297838"/>
+          </a:xfrm>
+          <a:prstGeom prst="roundRect">
+            <a:avLst/>
+          </a:prstGeom>
+        </p:spPr>
+        <p:style>
+          <a:lnRef idx="1">
+            <a:schemeClr val="accent4"/>
+          </a:lnRef>
+          <a:fillRef idx="2">
+            <a:schemeClr val="accent4"/>
+          </a:fillRef>
+          <a:effectRef idx="1">
+            <a:schemeClr val="accent4"/>
+          </a:effectRef>
+          <a:fontRef idx="minor">
+            <a:schemeClr val="dk1"/>
+          </a:fontRef>
+        </p:style>
+        <p:txBody>
+          <a:bodyPr rtlCol="0" anchor="ctr"/>
+          <a:lstStyle/>
+          <a:p>
+            <a:pPr algn="ctr"/>
+            <a:endParaRPr lang="en-US"/>
+          </a:p>
+        </p:txBody>
+      </p:sp>
+      <p:cxnSp>
+        <p:nvCxnSpPr>
+          <p:cNvPr id="46" name="Straight Arrow Connector 45"/>
+          <p:cNvCxnSpPr/>
+          <p:nvPr/>
+        </p:nvCxnSpPr>
+        <p:spPr>
+          <a:xfrm>
+            <a:off x="5350225" y="3734885"/>
+            <a:ext cx="0" cy="404610"/>
+          </a:xfrm>
+          <a:prstGeom prst="straightConnector1">
+            <a:avLst/>
+          </a:prstGeom>
+          <a:ln>
+            <a:solidFill>
+              <a:schemeClr val="accent3">
+                <a:lumMod val="75000"/>
+              </a:schemeClr>
+            </a:solidFill>
+            <a:tailEnd type="arrow"/>
+          </a:ln>
+        </p:spPr>
+        <p:style>
+          <a:lnRef idx="2">
+            <a:schemeClr val="accent1"/>
+          </a:lnRef>
+          <a:fillRef idx="0">
+            <a:schemeClr val="accent1"/>
+          </a:fillRef>
+          <a:effectRef idx="1">
+            <a:schemeClr val="accent1"/>
+          </a:effectRef>
+          <a:fontRef idx="minor">
+            <a:schemeClr val="tx1"/>
+          </a:fontRef>
+        </p:style>
+      </p:cxnSp>
+      <p:sp>
+        <p:nvSpPr>
+          <p:cNvPr id="47" name="Rounded Rectangle 46"/>
+          <p:cNvSpPr/>
+          <p:nvPr/>
+        </p:nvSpPr>
+        <p:spPr>
+          <a:xfrm>
+            <a:off x="5204123" y="4167593"/>
+            <a:ext cx="292203" cy="297838"/>
+          </a:xfrm>
+          <a:prstGeom prst="roundRect">
+            <a:avLst/>
+          </a:prstGeom>
+        </p:spPr>
+        <p:style>
+          <a:lnRef idx="1">
+            <a:schemeClr val="accent5"/>
+          </a:lnRef>
+          <a:fillRef idx="2">
+            <a:schemeClr val="accent5"/>
+          </a:fillRef>
+          <a:effectRef idx="1">
+            <a:schemeClr val="accent5"/>
+          </a:effectRef>
+          <a:fontRef idx="minor">
+            <a:schemeClr val="dk1"/>
+          </a:fontRef>
+        </p:style>
+        <p:txBody>
+          <a:bodyPr rtlCol="0" anchor="ctr"/>
+          <a:lstStyle/>
+          <a:p>
+            <a:pPr algn="ctr"/>
+            <a:endParaRPr lang="en-US"/>
+          </a:p>
+        </p:txBody>
+      </p:sp>
+    </p:spTree>
+    <p:extLst>
+      <p:ext uri="{BB962C8B-B14F-4D97-AF65-F5344CB8AC3E}">
+        <p14:creationId xmlns:p14="http://schemas.microsoft.com/office/powerpoint/2010/main" val="3380543562"/>
+      </p:ext>
+    </p:extLst>
+  </p:cSld>
+  <p:clrMapOvr>
+    <a:masterClrMapping/>
+  </p:clrMapOvr>
+</p:sld>
+</file>
+
+<file path=ppt/slides/slide79.xml><?xml version="1.0" encoding="utf-8"?>
+<p:sld xmlns:a="http://schemas.openxmlformats.org/drawingml/2006/main" xmlns:r="http://schemas.openxmlformats.org/officeDocument/2006/relationships" xmlns:p="http://schemas.openxmlformats.org/presentationml/2006/main">
+  <p:cSld>
+    <p:spTree>
+      <p:nvGrpSpPr>
+        <p:cNvPr id="1" name=""/>
+        <p:cNvGrpSpPr/>
+        <p:nvPr/>
+      </p:nvGrpSpPr>
+      <p:grpSpPr>
+        <a:xfrm>
+          <a:off x="0" y="0"/>
+          <a:ext cx="0" cy="0"/>
+          <a:chOff x="0" y="0"/>
+          <a:chExt cx="0" cy="0"/>
+        </a:xfrm>
+      </p:grpSpPr>
+      <p:sp>
+        <p:nvSpPr>
+          <p:cNvPr id="2" name="Title 1"/>
+          <p:cNvSpPr>
+            <a:spLocks noGrp="1"/>
+          </p:cNvSpPr>
+          <p:nvPr>
+            <p:ph type="title"/>
+          </p:nvPr>
+        </p:nvSpPr>
+        <p:spPr/>
+        <p:txBody>
+          <a:bodyPr/>
+          <a:lstStyle/>
+          <a:p>
+            <a:r>
+              <a:rPr lang="en-US" dirty="0" smtClean="0"/>
+              <a:t>Print Temperature Taken per Day</a:t>
+            </a:r>
+            <a:endParaRPr lang="en-US" dirty="0"/>
+          </a:p>
+        </p:txBody>
+      </p:sp>
+      <p:sp>
+        <p:nvSpPr>
+          <p:cNvPr id="19" name="Rectangle 18"/>
+          <p:cNvSpPr/>
+          <p:nvPr/>
+        </p:nvSpPr>
+        <p:spPr>
+          <a:xfrm>
+            <a:off x="3306683" y="1644589"/>
+            <a:ext cx="2278038" cy="696158"/>
+          </a:xfrm>
+          <a:prstGeom prst="rect">
+            <a:avLst/>
+          </a:prstGeom>
+        </p:spPr>
+        <p:style>
+          <a:lnRef idx="2">
+            <a:schemeClr val="accent2">
+              <a:shade val="50000"/>
+            </a:schemeClr>
+          </a:lnRef>
+          <a:fillRef idx="1">
+            <a:schemeClr val="accent2"/>
+          </a:fillRef>
+          <a:effectRef idx="0">
+            <a:schemeClr val="accent2"/>
+          </a:effectRef>
+          <a:fontRef idx="minor">
+            <a:schemeClr val="lt1"/>
+          </a:fontRef>
+        </p:style>
+        <p:txBody>
+          <a:bodyPr rtlCol="0" anchor="ctr"/>
+          <a:lstStyle/>
+          <a:p>
+            <a:pPr algn="ctr"/>
+            <a:endParaRPr lang="en-US"/>
+          </a:p>
+        </p:txBody>
+      </p:sp>
+      <p:sp>
+        <p:nvSpPr>
+          <p:cNvPr id="20" name="Rounded Rectangle 19"/>
+          <p:cNvSpPr/>
+          <p:nvPr/>
+        </p:nvSpPr>
+        <p:spPr>
+          <a:xfrm>
+            <a:off x="3411412" y="1715504"/>
+            <a:ext cx="603668" cy="297838"/>
+          </a:xfrm>
+          <a:prstGeom prst="roundRect">
+            <a:avLst/>
+          </a:prstGeom>
+          <a:scene3d>
+            <a:camera prst="orthographicFront"/>
+            <a:lightRig rig="threePt" dir="t"/>
+          </a:scene3d>
+          <a:sp3d>
+            <a:bevelT w="152400" h="50800" prst="softRound"/>
+          </a:sp3d>
+        </p:spPr>
+        <p:style>
+          <a:lnRef idx="1">
+            <a:schemeClr val="accent1"/>
+          </a:lnRef>
+          <a:fillRef idx="3">
+            <a:schemeClr val="accent1"/>
+          </a:fillRef>
+          <a:effectRef idx="2">
+            <a:schemeClr val="accent1"/>
+          </a:effectRef>
+          <a:fontRef idx="minor">
+            <a:schemeClr val="lt1"/>
+          </a:fontRef>
+        </p:style>
+        <p:txBody>
+          <a:bodyPr rtlCol="0" anchor="ctr"/>
+          <a:lstStyle/>
+          <a:p>
+            <a:pPr algn="ctr"/>
+            <a:r>
+              <a:rPr lang="en-US" sz="1050" dirty="0" smtClean="0"/>
+              <a:t>76</a:t>
+            </a:r>
+            <a:endParaRPr lang="en-US" sz="1050" dirty="0"/>
+          </a:p>
+        </p:txBody>
+      </p:sp>
+      <p:sp>
+        <p:nvSpPr>
+          <p:cNvPr id="22" name="Rounded Rectangle 21"/>
+          <p:cNvSpPr/>
+          <p:nvPr/>
+        </p:nvSpPr>
+        <p:spPr>
+          <a:xfrm>
+            <a:off x="4120802" y="1715504"/>
+            <a:ext cx="603668" cy="297838"/>
+          </a:xfrm>
+          <a:prstGeom prst="roundRect">
+            <a:avLst/>
+          </a:prstGeom>
+          <a:scene3d>
+            <a:camera prst="orthographicFront"/>
+            <a:lightRig rig="threePt" dir="t"/>
+          </a:scene3d>
+          <a:sp3d>
+            <a:bevelT w="152400" h="50800" prst="softRound"/>
+          </a:sp3d>
+        </p:spPr>
+        <p:style>
+          <a:lnRef idx="1">
+            <a:schemeClr val="accent1"/>
+          </a:lnRef>
+          <a:fillRef idx="3">
+            <a:schemeClr val="accent1"/>
+          </a:fillRef>
+          <a:effectRef idx="2">
+            <a:schemeClr val="accent1"/>
+          </a:effectRef>
+          <a:fontRef idx="minor">
+            <a:schemeClr val="lt1"/>
+          </a:fontRef>
+        </p:style>
+        <p:txBody>
+          <a:bodyPr rtlCol="0" anchor="ctr"/>
+          <a:lstStyle/>
+          <a:p>
+            <a:pPr algn="ctr"/>
+            <a:r>
+              <a:rPr lang="en-US" sz="1050" dirty="0" smtClean="0"/>
+              <a:t>81</a:t>
+            </a:r>
+            <a:endParaRPr lang="en-US" sz="1050" dirty="0"/>
+          </a:p>
+        </p:txBody>
+      </p:sp>
+      <p:sp>
+        <p:nvSpPr>
+          <p:cNvPr id="24" name="Rounded Rectangle 23"/>
+          <p:cNvSpPr/>
+          <p:nvPr/>
+        </p:nvSpPr>
+        <p:spPr>
+          <a:xfrm>
+            <a:off x="4830192" y="1715504"/>
+            <a:ext cx="603668" cy="297838"/>
+          </a:xfrm>
+          <a:prstGeom prst="roundRect">
+            <a:avLst/>
+          </a:prstGeom>
+          <a:scene3d>
+            <a:camera prst="orthographicFront"/>
+            <a:lightRig rig="threePt" dir="t"/>
+          </a:scene3d>
+          <a:sp3d>
+            <a:bevelT w="152400" h="50800" prst="softRound"/>
+          </a:sp3d>
+        </p:spPr>
+        <p:style>
+          <a:lnRef idx="1">
+            <a:schemeClr val="accent1"/>
+          </a:lnRef>
+          <a:fillRef idx="3">
+            <a:schemeClr val="accent1"/>
+          </a:fillRef>
+          <a:effectRef idx="2">
+            <a:schemeClr val="accent1"/>
+          </a:effectRef>
+          <a:fontRef idx="minor">
+            <a:schemeClr val="lt1"/>
+          </a:fontRef>
+        </p:style>
+        <p:txBody>
+          <a:bodyPr rtlCol="0" anchor="ctr"/>
+          <a:lstStyle/>
+          <a:p>
+            <a:pPr algn="ctr"/>
+            <a:r>
+              <a:rPr lang="en-US" sz="1050" dirty="0" smtClean="0"/>
+              <a:t>79</a:t>
+            </a:r>
+            <a:endParaRPr lang="en-US" sz="1050" dirty="0"/>
+          </a:p>
+        </p:txBody>
+      </p:sp>
+      <p:sp>
+        <p:nvSpPr>
+          <p:cNvPr id="26" name="TextBox 25"/>
+          <p:cNvSpPr txBox="1"/>
+          <p:nvPr/>
+        </p:nvSpPr>
+        <p:spPr>
+          <a:xfrm>
+            <a:off x="3603147" y="2055189"/>
+            <a:ext cx="292203" cy="246221"/>
+          </a:xfrm>
+          <a:prstGeom prst="rect">
+            <a:avLst/>
+          </a:prstGeom>
+          <a:noFill/>
+        </p:spPr>
+        <p:txBody>
+          <a:bodyPr wrap="square" rtlCol="0">
+            <a:spAutoFit/>
+          </a:bodyPr>
+          <a:lstStyle/>
+          <a:p>
+            <a:r>
+              <a:rPr lang="en-US" sz="1000" dirty="0" smtClean="0"/>
+              <a:t>0</a:t>
+            </a:r>
+            <a:endParaRPr lang="en-US" sz="1000" dirty="0"/>
+          </a:p>
+        </p:txBody>
+      </p:sp>
+      <p:sp>
+        <p:nvSpPr>
+          <p:cNvPr id="28" name="TextBox 27"/>
+          <p:cNvSpPr txBox="1"/>
+          <p:nvPr/>
+        </p:nvSpPr>
+        <p:spPr>
+          <a:xfrm>
+            <a:off x="4323277" y="2091326"/>
+            <a:ext cx="292203" cy="246221"/>
+          </a:xfrm>
+          <a:prstGeom prst="rect">
+            <a:avLst/>
+          </a:prstGeom>
+          <a:noFill/>
+        </p:spPr>
+        <p:txBody>
+          <a:bodyPr wrap="square" rtlCol="0">
+            <a:spAutoFit/>
+          </a:bodyPr>
+          <a:lstStyle/>
+          <a:p>
+            <a:r>
+              <a:rPr lang="en-US" sz="1000" dirty="0"/>
+              <a:t>1</a:t>
+            </a:r>
+            <a:endParaRPr lang="en-US" sz="1000" dirty="0"/>
+          </a:p>
+        </p:txBody>
+      </p:sp>
+      <p:sp>
+        <p:nvSpPr>
+          <p:cNvPr id="30" name="TextBox 29"/>
+          <p:cNvSpPr txBox="1"/>
+          <p:nvPr/>
+        </p:nvSpPr>
+        <p:spPr>
+          <a:xfrm>
+            <a:off x="5012413" y="2092926"/>
+            <a:ext cx="292203" cy="246221"/>
+          </a:xfrm>
+          <a:prstGeom prst="rect">
+            <a:avLst/>
+          </a:prstGeom>
+          <a:noFill/>
+        </p:spPr>
+        <p:txBody>
+          <a:bodyPr wrap="square" rtlCol="0">
+            <a:spAutoFit/>
+          </a:bodyPr>
+          <a:lstStyle/>
+          <a:p>
+            <a:r>
+              <a:rPr lang="en-US" sz="1000" dirty="0" smtClean="0"/>
+              <a:t>2</a:t>
+            </a:r>
+            <a:endParaRPr lang="en-US" sz="1000" dirty="0"/>
+          </a:p>
+        </p:txBody>
+      </p:sp>
+      <p:cxnSp>
+        <p:nvCxnSpPr>
+          <p:cNvPr id="6" name="Straight Arrow Connector 5"/>
+          <p:cNvCxnSpPr>
+            <a:endCxn id="39" idx="0"/>
+          </p:cNvCxnSpPr>
+          <p:nvPr/>
+        </p:nvCxnSpPr>
+        <p:spPr>
+          <a:xfrm>
+            <a:off x="3725594" y="2364730"/>
+            <a:ext cx="0" cy="232188"/>
+          </a:xfrm>
+          <a:prstGeom prst="straightConnector1">
+            <a:avLst/>
+          </a:prstGeom>
+          <a:ln>
+            <a:solidFill>
+              <a:schemeClr val="bg2">
+                <a:lumMod val="50000"/>
+              </a:schemeClr>
+            </a:solidFill>
+            <a:tailEnd type="arrow"/>
+          </a:ln>
+        </p:spPr>
+        <p:style>
+          <a:lnRef idx="2">
+            <a:schemeClr val="accent1"/>
+          </a:lnRef>
+          <a:fillRef idx="0">
+            <a:schemeClr val="accent1"/>
+          </a:fillRef>
+          <a:effectRef idx="1">
+            <a:schemeClr val="accent1"/>
+          </a:effectRef>
+          <a:fontRef idx="minor">
+            <a:schemeClr val="tx1"/>
+          </a:fontRef>
+        </p:style>
+      </p:cxnSp>
+      <p:sp>
+        <p:nvSpPr>
+          <p:cNvPr id="42" name="Rounded Rectangle 41"/>
+          <p:cNvSpPr/>
+          <p:nvPr/>
+        </p:nvSpPr>
+        <p:spPr>
+          <a:xfrm>
+            <a:off x="5384106" y="3689319"/>
+            <a:ext cx="1697027" cy="297838"/>
+          </a:xfrm>
+          <a:prstGeom prst="roundRect">
+            <a:avLst/>
+          </a:prstGeom>
+        </p:spPr>
+        <p:style>
+          <a:lnRef idx="1">
+            <a:schemeClr val="accent2"/>
+          </a:lnRef>
+          <a:fillRef idx="2">
+            <a:schemeClr val="accent2"/>
+          </a:fillRef>
+          <a:effectRef idx="1">
+            <a:schemeClr val="accent2"/>
+          </a:effectRef>
+          <a:fontRef idx="minor">
+            <a:schemeClr val="dk1"/>
+          </a:fontRef>
+        </p:style>
+        <p:txBody>
+          <a:bodyPr rtlCol="0" anchor="ctr"/>
+          <a:lstStyle/>
+          <a:p>
+            <a:pPr algn="ctr"/>
+            <a:r>
+              <a:rPr lang="en-US" sz="1100" dirty="0" smtClean="0"/>
+              <a:t>It was 78 </a:t>
+            </a:r>
+            <a:r>
+              <a:rPr lang="en-US" sz="1100" dirty="0" err="1" smtClean="0"/>
+              <a:t>deg</a:t>
+            </a:r>
+            <a:r>
+              <a:rPr lang="en-US" sz="1100" dirty="0" smtClean="0"/>
+              <a:t> at 8am </a:t>
+            </a:r>
+            <a:endParaRPr lang="en-US" sz="1100" dirty="0"/>
+          </a:p>
+        </p:txBody>
+      </p:sp>
+      <p:sp>
+        <p:nvSpPr>
+          <p:cNvPr id="39" name="Predefined Process 38"/>
+          <p:cNvSpPr/>
+          <p:nvPr/>
+        </p:nvSpPr>
+        <p:spPr>
+          <a:xfrm>
+            <a:off x="3483964" y="2596918"/>
+            <a:ext cx="483259" cy="314697"/>
+          </a:xfrm>
+          <a:prstGeom prst="flowChartPredefinedProcess">
+            <a:avLst/>
+          </a:prstGeom>
+        </p:spPr>
+        <p:style>
+          <a:lnRef idx="1">
+            <a:schemeClr val="accent6"/>
+          </a:lnRef>
+          <a:fillRef idx="2">
+            <a:schemeClr val="accent6"/>
+          </a:fillRef>
+          <a:effectRef idx="1">
+            <a:schemeClr val="accent6"/>
+          </a:effectRef>
+          <a:fontRef idx="minor">
+            <a:schemeClr val="dk1"/>
+          </a:fontRef>
+        </p:style>
+        <p:txBody>
+          <a:bodyPr rtlCol="0" anchor="ctr"/>
+          <a:lstStyle/>
+          <a:p>
+            <a:pPr algn="ctr"/>
+            <a:r>
+              <a:rPr lang="en-US" sz="1050" dirty="0" smtClean="0"/>
+              <a:t>(</a:t>
+            </a:r>
+            <a:r>
+              <a:rPr lang="is-IS" sz="1050" dirty="0" smtClean="0"/>
+              <a:t>…</a:t>
+            </a:r>
+            <a:r>
+              <a:rPr lang="en-US" sz="1050" dirty="0" smtClean="0"/>
+              <a:t>)</a:t>
+            </a:r>
+            <a:endParaRPr lang="en-US" sz="1050" dirty="0"/>
+          </a:p>
+        </p:txBody>
+      </p:sp>
+      <p:cxnSp>
+        <p:nvCxnSpPr>
+          <p:cNvPr id="48" name="Straight Arrow Connector 47"/>
+          <p:cNvCxnSpPr/>
+          <p:nvPr/>
+        </p:nvCxnSpPr>
+        <p:spPr>
+          <a:xfrm flipH="1">
+            <a:off x="4451369" y="2364730"/>
+            <a:ext cx="2" cy="209235"/>
+          </a:xfrm>
+          <a:prstGeom prst="straightConnector1">
+            <a:avLst/>
+          </a:prstGeom>
+          <a:ln>
+            <a:solidFill>
+              <a:schemeClr val="bg2">
+                <a:lumMod val="50000"/>
+              </a:schemeClr>
+            </a:solidFill>
+            <a:tailEnd type="arrow"/>
+          </a:ln>
+        </p:spPr>
+        <p:style>
+          <a:lnRef idx="2">
+            <a:schemeClr val="accent1"/>
+          </a:lnRef>
+          <a:fillRef idx="0">
+            <a:schemeClr val="accent1"/>
+          </a:fillRef>
+          <a:effectRef idx="1">
+            <a:schemeClr val="accent1"/>
+          </a:effectRef>
+          <a:fontRef idx="minor">
+            <a:schemeClr val="tx1"/>
+          </a:fontRef>
+        </p:style>
+      </p:cxnSp>
+      <p:sp>
+        <p:nvSpPr>
+          <p:cNvPr id="49" name="Rounded Rectangle 48"/>
+          <p:cNvSpPr/>
+          <p:nvPr/>
+        </p:nvSpPr>
+        <p:spPr>
+          <a:xfrm>
+            <a:off x="5384106" y="3319097"/>
+            <a:ext cx="1697027" cy="297838"/>
+          </a:xfrm>
+          <a:prstGeom prst="roundRect">
+            <a:avLst/>
+          </a:prstGeom>
+        </p:spPr>
+        <p:style>
+          <a:lnRef idx="1">
+            <a:schemeClr val="accent2"/>
+          </a:lnRef>
+          <a:fillRef idx="2">
+            <a:schemeClr val="accent2"/>
+          </a:fillRef>
+          <a:effectRef idx="1">
+            <a:schemeClr val="accent2"/>
+          </a:effectRef>
+          <a:fontRef idx="minor">
+            <a:schemeClr val="dk1"/>
+          </a:fontRef>
+        </p:style>
+        <p:txBody>
+          <a:bodyPr rtlCol="0" anchor="ctr"/>
+          <a:lstStyle/>
+          <a:p>
+            <a:pPr algn="ctr"/>
+            <a:r>
+              <a:rPr lang="en-US" sz="1100" dirty="0" smtClean="0"/>
+              <a:t>It was 81 </a:t>
+            </a:r>
+            <a:r>
+              <a:rPr lang="en-US" sz="1100" dirty="0" err="1" smtClean="0"/>
+              <a:t>deg</a:t>
+            </a:r>
+            <a:r>
+              <a:rPr lang="en-US" sz="1100" dirty="0" smtClean="0"/>
+              <a:t> at 12pm </a:t>
+            </a:r>
+            <a:endParaRPr lang="en-US" sz="1100" dirty="0"/>
+          </a:p>
+        </p:txBody>
+      </p:sp>
+      <p:sp>
+        <p:nvSpPr>
+          <p:cNvPr id="51" name="Predefined Process 50"/>
+          <p:cNvSpPr/>
+          <p:nvPr/>
+        </p:nvSpPr>
+        <p:spPr>
+          <a:xfrm>
+            <a:off x="4198501" y="2596918"/>
+            <a:ext cx="483259" cy="314697"/>
+          </a:xfrm>
+          <a:prstGeom prst="flowChartPredefinedProcess">
+            <a:avLst/>
+          </a:prstGeom>
+        </p:spPr>
+        <p:style>
+          <a:lnRef idx="1">
+            <a:schemeClr val="accent6"/>
+          </a:lnRef>
+          <a:fillRef idx="2">
+            <a:schemeClr val="accent6"/>
+          </a:fillRef>
+          <a:effectRef idx="1">
+            <a:schemeClr val="accent6"/>
+          </a:effectRef>
+          <a:fontRef idx="minor">
+            <a:schemeClr val="dk1"/>
+          </a:fontRef>
+        </p:style>
+        <p:txBody>
+          <a:bodyPr rtlCol="0" anchor="ctr"/>
+          <a:lstStyle/>
+          <a:p>
+            <a:pPr algn="ctr"/>
+            <a:r>
+              <a:rPr lang="en-US" sz="1050" dirty="0" smtClean="0"/>
+              <a:t>(</a:t>
+            </a:r>
+            <a:r>
+              <a:rPr lang="is-IS" sz="1050" dirty="0" smtClean="0"/>
+              <a:t>…</a:t>
+            </a:r>
+            <a:r>
+              <a:rPr lang="en-US" sz="1050" dirty="0" smtClean="0"/>
+              <a:t>)</a:t>
+            </a:r>
+            <a:endParaRPr lang="en-US" sz="1050" dirty="0"/>
+          </a:p>
+        </p:txBody>
+      </p:sp>
+      <p:cxnSp>
+        <p:nvCxnSpPr>
+          <p:cNvPr id="53" name="Straight Arrow Connector 52"/>
+          <p:cNvCxnSpPr/>
+          <p:nvPr/>
+        </p:nvCxnSpPr>
+        <p:spPr>
+          <a:xfrm>
+            <a:off x="5142476" y="2364730"/>
+            <a:ext cx="2" cy="209235"/>
+          </a:xfrm>
+          <a:prstGeom prst="straightConnector1">
+            <a:avLst/>
+          </a:prstGeom>
+          <a:ln>
+            <a:solidFill>
+              <a:schemeClr val="bg2">
+                <a:lumMod val="50000"/>
+              </a:schemeClr>
+            </a:solidFill>
+            <a:tailEnd type="arrow"/>
+          </a:ln>
+        </p:spPr>
+        <p:style>
+          <a:lnRef idx="2">
+            <a:schemeClr val="accent1"/>
+          </a:lnRef>
+          <a:fillRef idx="0">
+            <a:schemeClr val="accent1"/>
+          </a:fillRef>
+          <a:effectRef idx="1">
+            <a:schemeClr val="accent1"/>
+          </a:effectRef>
+          <a:fontRef idx="minor">
+            <a:schemeClr val="tx1"/>
+          </a:fontRef>
+        </p:style>
+      </p:cxnSp>
+      <p:sp>
+        <p:nvSpPr>
+          <p:cNvPr id="54" name="Rounded Rectangle 53"/>
+          <p:cNvSpPr/>
+          <p:nvPr/>
+        </p:nvSpPr>
+        <p:spPr>
+          <a:xfrm>
+            <a:off x="5384106" y="2954433"/>
+            <a:ext cx="1697027" cy="297838"/>
+          </a:xfrm>
+          <a:prstGeom prst="roundRect">
+            <a:avLst/>
+          </a:prstGeom>
+        </p:spPr>
+        <p:style>
+          <a:lnRef idx="1">
+            <a:schemeClr val="accent2"/>
+          </a:lnRef>
+          <a:fillRef idx="2">
+            <a:schemeClr val="accent2"/>
+          </a:fillRef>
+          <a:effectRef idx="1">
+            <a:schemeClr val="accent2"/>
+          </a:effectRef>
+          <a:fontRef idx="minor">
+            <a:schemeClr val="dk1"/>
+          </a:fontRef>
+        </p:style>
+        <p:txBody>
+          <a:bodyPr rtlCol="0" anchor="ctr"/>
+          <a:lstStyle/>
+          <a:p>
+            <a:pPr algn="ctr"/>
+            <a:r>
+              <a:rPr lang="en-US" sz="1100" dirty="0" smtClean="0"/>
+              <a:t>It was 79 </a:t>
+            </a:r>
+            <a:r>
+              <a:rPr lang="en-US" sz="1100" dirty="0" err="1" smtClean="0"/>
+              <a:t>deg</a:t>
+            </a:r>
+            <a:r>
+              <a:rPr lang="en-US" sz="1100" dirty="0" smtClean="0"/>
+              <a:t> at 6pm </a:t>
+            </a:r>
+            <a:endParaRPr lang="en-US" sz="1100" dirty="0"/>
+          </a:p>
+        </p:txBody>
+      </p:sp>
+      <p:sp>
+        <p:nvSpPr>
+          <p:cNvPr id="57" name="Predefined Process 56"/>
+          <p:cNvSpPr/>
+          <p:nvPr/>
+        </p:nvSpPr>
+        <p:spPr>
+          <a:xfrm>
+            <a:off x="4900847" y="2594433"/>
+            <a:ext cx="483259" cy="314697"/>
+          </a:xfrm>
+          <a:prstGeom prst="flowChartPredefinedProcess">
+            <a:avLst/>
+          </a:prstGeom>
+        </p:spPr>
+        <p:style>
+          <a:lnRef idx="1">
+            <a:schemeClr val="accent6"/>
+          </a:lnRef>
+          <a:fillRef idx="2">
+            <a:schemeClr val="accent6"/>
+          </a:fillRef>
+          <a:effectRef idx="1">
+            <a:schemeClr val="accent6"/>
+          </a:effectRef>
+          <a:fontRef idx="minor">
+            <a:schemeClr val="dk1"/>
+          </a:fontRef>
+        </p:style>
+        <p:txBody>
+          <a:bodyPr rtlCol="0" anchor="ctr"/>
+          <a:lstStyle/>
+          <a:p>
+            <a:pPr algn="ctr"/>
+            <a:r>
+              <a:rPr lang="en-US" sz="1050" dirty="0" smtClean="0"/>
+              <a:t>(</a:t>
+            </a:r>
+            <a:r>
+              <a:rPr lang="is-IS" sz="1050" dirty="0" smtClean="0"/>
+              <a:t>…</a:t>
+            </a:r>
+            <a:r>
+              <a:rPr lang="en-US" sz="1050" dirty="0" smtClean="0"/>
+              <a:t>)</a:t>
+            </a:r>
+            <a:endParaRPr lang="en-US" sz="1050" dirty="0"/>
+          </a:p>
+        </p:txBody>
+      </p:sp>
+      <p:cxnSp>
+        <p:nvCxnSpPr>
+          <p:cNvPr id="59" name="Elbow Connector 58"/>
+          <p:cNvCxnSpPr>
+            <a:stCxn id="57" idx="2"/>
+            <a:endCxn id="54" idx="1"/>
+          </p:cNvCxnSpPr>
+          <p:nvPr/>
+        </p:nvCxnSpPr>
+        <p:spPr>
+          <a:xfrm rot="16200000" flipH="1">
+            <a:off x="5166180" y="2885426"/>
+            <a:ext cx="194222" cy="241629"/>
+          </a:xfrm>
+          <a:prstGeom prst="bentConnector2">
+            <a:avLst/>
+          </a:prstGeom>
+          <a:ln>
+            <a:solidFill>
+              <a:srgbClr val="948A54"/>
+            </a:solidFill>
+            <a:tailEnd type="arrow"/>
+          </a:ln>
+        </p:spPr>
+        <p:style>
+          <a:lnRef idx="2">
+            <a:schemeClr val="accent1"/>
+          </a:lnRef>
+          <a:fillRef idx="0">
+            <a:schemeClr val="accent1"/>
+          </a:fillRef>
+          <a:effectRef idx="1">
+            <a:schemeClr val="accent1"/>
+          </a:effectRef>
+          <a:fontRef idx="minor">
+            <a:schemeClr val="tx1"/>
+          </a:fontRef>
+        </p:style>
+      </p:cxnSp>
+      <p:cxnSp>
+        <p:nvCxnSpPr>
+          <p:cNvPr id="62" name="Elbow Connector 61"/>
+          <p:cNvCxnSpPr>
+            <a:stCxn id="51" idx="2"/>
+            <a:endCxn id="49" idx="1"/>
+          </p:cNvCxnSpPr>
+          <p:nvPr/>
+        </p:nvCxnSpPr>
+        <p:spPr>
+          <a:xfrm rot="16200000" flipH="1">
+            <a:off x="4633918" y="2717827"/>
+            <a:ext cx="556401" cy="943975"/>
+          </a:xfrm>
+          <a:prstGeom prst="bentConnector2">
+            <a:avLst/>
+          </a:prstGeom>
+          <a:ln>
+            <a:solidFill>
+              <a:srgbClr val="948A54"/>
+            </a:solidFill>
+            <a:tailEnd type="arrow"/>
+          </a:ln>
+        </p:spPr>
+        <p:style>
+          <a:lnRef idx="2">
+            <a:schemeClr val="accent1"/>
+          </a:lnRef>
+          <a:fillRef idx="0">
+            <a:schemeClr val="accent1"/>
+          </a:fillRef>
+          <a:effectRef idx="1">
+            <a:schemeClr val="accent1"/>
+          </a:effectRef>
+          <a:fontRef idx="minor">
+            <a:schemeClr val="tx1"/>
+          </a:fontRef>
+        </p:style>
+      </p:cxnSp>
+      <p:cxnSp>
+        <p:nvCxnSpPr>
+          <p:cNvPr id="66" name="Elbow Connector 65"/>
+          <p:cNvCxnSpPr>
+            <a:stCxn id="39" idx="2"/>
+            <a:endCxn id="42" idx="1"/>
+          </p:cNvCxnSpPr>
+          <p:nvPr/>
+        </p:nvCxnSpPr>
+        <p:spPr>
+          <a:xfrm rot="16200000" flipH="1">
+            <a:off x="4091539" y="2545670"/>
+            <a:ext cx="926623" cy="1658512"/>
+          </a:xfrm>
+          <a:prstGeom prst="bentConnector2">
+            <a:avLst/>
+          </a:prstGeom>
+          <a:ln>
+            <a:solidFill>
+              <a:srgbClr val="948A54"/>
+            </a:solidFill>
+            <a:tailEnd type="arrow"/>
+          </a:ln>
+        </p:spPr>
+        <p:style>
+          <a:lnRef idx="2">
+            <a:schemeClr val="accent1"/>
+          </a:lnRef>
+          <a:fillRef idx="0">
+            <a:schemeClr val="accent1"/>
+          </a:fillRef>
+          <a:effectRef idx="1">
+            <a:schemeClr val="accent1"/>
+          </a:effectRef>
+          <a:fontRef idx="minor">
+            <a:schemeClr val="tx1"/>
+          </a:fontRef>
+        </p:style>
+      </p:cxnSp>
+    </p:spTree>
+    <p:extLst>
+      <p:ext uri="{BB962C8B-B14F-4D97-AF65-F5344CB8AC3E}">
+        <p14:creationId xmlns:p14="http://schemas.microsoft.com/office/powerpoint/2010/main" val="2714916313"/>
+      </p:ext>
+    </p:extLst>
+  </p:cSld>
+  <p:clrMapOvr>
+    <a:masterClrMapping/>
+  </p:clrMapOvr>
+</p:sld>
+</file>
+
 <file path=ppt/slides/slide8.xml><?xml version="1.0" encoding="utf-8"?>
 <p:sld xmlns:a="http://schemas.openxmlformats.org/drawingml/2006/main" xmlns:r="http://schemas.openxmlformats.org/officeDocument/2006/relationships" xmlns:p="http://schemas.openxmlformats.org/presentationml/2006/main">
   <p:cSld>
@@ -36178,6 +38306,1775 @@
       </p:par>
     </p:tnLst>
   </p:timing>
+</p:sld>
+</file>
+
+<file path=ppt/slides/slide80.xml><?xml version="1.0" encoding="utf-8"?>
+<p:sld xmlns:a="http://schemas.openxmlformats.org/drawingml/2006/main" xmlns:r="http://schemas.openxmlformats.org/officeDocument/2006/relationships" xmlns:p="http://schemas.openxmlformats.org/presentationml/2006/main">
+  <p:cSld>
+    <p:spTree>
+      <p:nvGrpSpPr>
+        <p:cNvPr id="1" name=""/>
+        <p:cNvGrpSpPr/>
+        <p:nvPr/>
+      </p:nvGrpSpPr>
+      <p:grpSpPr>
+        <a:xfrm>
+          <a:off x="0" y="0"/>
+          <a:ext cx="0" cy="0"/>
+          <a:chOff x="0" y="0"/>
+          <a:chExt cx="0" cy="0"/>
+        </a:xfrm>
+      </p:grpSpPr>
+      <p:sp>
+        <p:nvSpPr>
+          <p:cNvPr id="2" name="Title 1"/>
+          <p:cNvSpPr>
+            <a:spLocks noGrp="1"/>
+          </p:cNvSpPr>
+          <p:nvPr>
+            <p:ph type="title"/>
+          </p:nvPr>
+        </p:nvSpPr>
+        <p:spPr/>
+        <p:txBody>
+          <a:bodyPr/>
+          <a:lstStyle/>
+          <a:p>
+            <a:r>
+              <a:rPr lang="en-US" dirty="0"/>
+              <a:t>r</a:t>
+            </a:r>
+            <a:r>
+              <a:rPr lang="en-US" dirty="0" smtClean="0"/>
+              <a:t>educe()</a:t>
+            </a:r>
+            <a:endParaRPr lang="en-US" dirty="0"/>
+          </a:p>
+        </p:txBody>
+      </p:sp>
+      <p:sp>
+        <p:nvSpPr>
+          <p:cNvPr id="19" name="Rectangle 18"/>
+          <p:cNvSpPr/>
+          <p:nvPr/>
+        </p:nvSpPr>
+        <p:spPr>
+          <a:xfrm>
+            <a:off x="3306683" y="2240244"/>
+            <a:ext cx="2278038" cy="696158"/>
+          </a:xfrm>
+          <a:prstGeom prst="rect">
+            <a:avLst/>
+          </a:prstGeom>
+        </p:spPr>
+        <p:style>
+          <a:lnRef idx="2">
+            <a:schemeClr val="accent2">
+              <a:shade val="50000"/>
+            </a:schemeClr>
+          </a:lnRef>
+          <a:fillRef idx="1">
+            <a:schemeClr val="accent2"/>
+          </a:fillRef>
+          <a:effectRef idx="0">
+            <a:schemeClr val="accent2"/>
+          </a:effectRef>
+          <a:fontRef idx="minor">
+            <a:schemeClr val="lt1"/>
+          </a:fontRef>
+        </p:style>
+        <p:txBody>
+          <a:bodyPr rtlCol="0" anchor="ctr"/>
+          <a:lstStyle/>
+          <a:p>
+            <a:pPr algn="ctr"/>
+            <a:endParaRPr lang="en-US"/>
+          </a:p>
+        </p:txBody>
+      </p:sp>
+      <p:sp>
+        <p:nvSpPr>
+          <p:cNvPr id="20" name="Rounded Rectangle 19"/>
+          <p:cNvSpPr/>
+          <p:nvPr/>
+        </p:nvSpPr>
+        <p:spPr>
+          <a:xfrm>
+            <a:off x="3411412" y="2311159"/>
+            <a:ext cx="292203" cy="297838"/>
+          </a:xfrm>
+          <a:prstGeom prst="roundRect">
+            <a:avLst/>
+          </a:prstGeom>
+          <a:scene3d>
+            <a:camera prst="orthographicFront"/>
+            <a:lightRig rig="threePt" dir="t"/>
+          </a:scene3d>
+          <a:sp3d>
+            <a:bevelT w="152400" h="50800" prst="softRound"/>
+          </a:sp3d>
+        </p:spPr>
+        <p:style>
+          <a:lnRef idx="1">
+            <a:schemeClr val="accent1"/>
+          </a:lnRef>
+          <a:fillRef idx="3">
+            <a:schemeClr val="accent1"/>
+          </a:fillRef>
+          <a:effectRef idx="2">
+            <a:schemeClr val="accent1"/>
+          </a:effectRef>
+          <a:fontRef idx="minor">
+            <a:schemeClr val="lt1"/>
+          </a:fontRef>
+        </p:style>
+        <p:txBody>
+          <a:bodyPr rtlCol="0" anchor="ctr"/>
+          <a:lstStyle/>
+          <a:p>
+            <a:pPr algn="ctr"/>
+            <a:endParaRPr lang="en-US"/>
+          </a:p>
+        </p:txBody>
+      </p:sp>
+      <p:sp>
+        <p:nvSpPr>
+          <p:cNvPr id="21" name="Rounded Rectangle 20"/>
+          <p:cNvSpPr/>
+          <p:nvPr/>
+        </p:nvSpPr>
+        <p:spPr>
+          <a:xfrm>
+            <a:off x="3766107" y="2311159"/>
+            <a:ext cx="292203" cy="297838"/>
+          </a:xfrm>
+          <a:prstGeom prst="roundRect">
+            <a:avLst/>
+          </a:prstGeom>
+          <a:scene3d>
+            <a:camera prst="orthographicFront"/>
+            <a:lightRig rig="threePt" dir="t"/>
+          </a:scene3d>
+          <a:sp3d>
+            <a:bevelT w="152400" h="50800" prst="softRound"/>
+          </a:sp3d>
+        </p:spPr>
+        <p:style>
+          <a:lnRef idx="1">
+            <a:schemeClr val="accent1"/>
+          </a:lnRef>
+          <a:fillRef idx="3">
+            <a:schemeClr val="accent1"/>
+          </a:fillRef>
+          <a:effectRef idx="2">
+            <a:schemeClr val="accent1"/>
+          </a:effectRef>
+          <a:fontRef idx="minor">
+            <a:schemeClr val="lt1"/>
+          </a:fontRef>
+        </p:style>
+        <p:txBody>
+          <a:bodyPr rtlCol="0" anchor="ctr"/>
+          <a:lstStyle/>
+          <a:p>
+            <a:pPr algn="ctr"/>
+            <a:endParaRPr lang="en-US"/>
+          </a:p>
+        </p:txBody>
+      </p:sp>
+      <p:sp>
+        <p:nvSpPr>
+          <p:cNvPr id="22" name="Rounded Rectangle 21"/>
+          <p:cNvSpPr/>
+          <p:nvPr/>
+        </p:nvSpPr>
+        <p:spPr>
+          <a:xfrm>
+            <a:off x="4120802" y="2311159"/>
+            <a:ext cx="292203" cy="297838"/>
+          </a:xfrm>
+          <a:prstGeom prst="roundRect">
+            <a:avLst/>
+          </a:prstGeom>
+          <a:scene3d>
+            <a:camera prst="orthographicFront"/>
+            <a:lightRig rig="threePt" dir="t"/>
+          </a:scene3d>
+          <a:sp3d>
+            <a:bevelT w="152400" h="50800" prst="softRound"/>
+          </a:sp3d>
+        </p:spPr>
+        <p:style>
+          <a:lnRef idx="1">
+            <a:schemeClr val="accent1"/>
+          </a:lnRef>
+          <a:fillRef idx="3">
+            <a:schemeClr val="accent1"/>
+          </a:fillRef>
+          <a:effectRef idx="2">
+            <a:schemeClr val="accent1"/>
+          </a:effectRef>
+          <a:fontRef idx="minor">
+            <a:schemeClr val="lt1"/>
+          </a:fontRef>
+        </p:style>
+        <p:txBody>
+          <a:bodyPr rtlCol="0" anchor="ctr"/>
+          <a:lstStyle/>
+          <a:p>
+            <a:pPr algn="ctr"/>
+            <a:endParaRPr lang="en-US"/>
+          </a:p>
+        </p:txBody>
+      </p:sp>
+      <p:sp>
+        <p:nvSpPr>
+          <p:cNvPr id="23" name="Rounded Rectangle 22"/>
+          <p:cNvSpPr/>
+          <p:nvPr/>
+        </p:nvSpPr>
+        <p:spPr>
+          <a:xfrm>
+            <a:off x="4475497" y="2311159"/>
+            <a:ext cx="292203" cy="297838"/>
+          </a:xfrm>
+          <a:prstGeom prst="roundRect">
+            <a:avLst/>
+          </a:prstGeom>
+          <a:scene3d>
+            <a:camera prst="orthographicFront"/>
+            <a:lightRig rig="threePt" dir="t"/>
+          </a:scene3d>
+          <a:sp3d>
+            <a:bevelT w="152400" h="50800" prst="softRound"/>
+          </a:sp3d>
+        </p:spPr>
+        <p:style>
+          <a:lnRef idx="1">
+            <a:schemeClr val="accent1"/>
+          </a:lnRef>
+          <a:fillRef idx="3">
+            <a:schemeClr val="accent1"/>
+          </a:fillRef>
+          <a:effectRef idx="2">
+            <a:schemeClr val="accent1"/>
+          </a:effectRef>
+          <a:fontRef idx="minor">
+            <a:schemeClr val="lt1"/>
+          </a:fontRef>
+        </p:style>
+        <p:txBody>
+          <a:bodyPr rtlCol="0" anchor="ctr"/>
+          <a:lstStyle/>
+          <a:p>
+            <a:pPr algn="ctr"/>
+            <a:endParaRPr lang="en-US"/>
+          </a:p>
+        </p:txBody>
+      </p:sp>
+      <p:sp>
+        <p:nvSpPr>
+          <p:cNvPr id="24" name="Rounded Rectangle 23"/>
+          <p:cNvSpPr/>
+          <p:nvPr/>
+        </p:nvSpPr>
+        <p:spPr>
+          <a:xfrm>
+            <a:off x="4830192" y="2311159"/>
+            <a:ext cx="292203" cy="297838"/>
+          </a:xfrm>
+          <a:prstGeom prst="roundRect">
+            <a:avLst/>
+          </a:prstGeom>
+          <a:scene3d>
+            <a:camera prst="orthographicFront"/>
+            <a:lightRig rig="threePt" dir="t"/>
+          </a:scene3d>
+          <a:sp3d>
+            <a:bevelT w="152400" h="50800" prst="softRound"/>
+          </a:sp3d>
+        </p:spPr>
+        <p:style>
+          <a:lnRef idx="1">
+            <a:schemeClr val="accent1"/>
+          </a:lnRef>
+          <a:fillRef idx="3">
+            <a:schemeClr val="accent1"/>
+          </a:fillRef>
+          <a:effectRef idx="2">
+            <a:schemeClr val="accent1"/>
+          </a:effectRef>
+          <a:fontRef idx="minor">
+            <a:schemeClr val="lt1"/>
+          </a:fontRef>
+        </p:style>
+        <p:txBody>
+          <a:bodyPr rtlCol="0" anchor="ctr"/>
+          <a:lstStyle/>
+          <a:p>
+            <a:pPr algn="ctr"/>
+            <a:endParaRPr lang="en-US"/>
+          </a:p>
+        </p:txBody>
+      </p:sp>
+      <p:sp>
+        <p:nvSpPr>
+          <p:cNvPr id="25" name="Rounded Rectangle 24"/>
+          <p:cNvSpPr/>
+          <p:nvPr/>
+        </p:nvSpPr>
+        <p:spPr>
+          <a:xfrm>
+            <a:off x="5184887" y="2311159"/>
+            <a:ext cx="292203" cy="297838"/>
+          </a:xfrm>
+          <a:prstGeom prst="roundRect">
+            <a:avLst/>
+          </a:prstGeom>
+          <a:scene3d>
+            <a:camera prst="orthographicFront"/>
+            <a:lightRig rig="threePt" dir="t"/>
+          </a:scene3d>
+          <a:sp3d>
+            <a:bevelT w="152400" h="50800" prst="softRound"/>
+          </a:sp3d>
+        </p:spPr>
+        <p:style>
+          <a:lnRef idx="1">
+            <a:schemeClr val="accent1"/>
+          </a:lnRef>
+          <a:fillRef idx="3">
+            <a:schemeClr val="accent1"/>
+          </a:fillRef>
+          <a:effectRef idx="2">
+            <a:schemeClr val="accent1"/>
+          </a:effectRef>
+          <a:fontRef idx="minor">
+            <a:schemeClr val="lt1"/>
+          </a:fontRef>
+        </p:style>
+        <p:txBody>
+          <a:bodyPr rtlCol="0" anchor="ctr"/>
+          <a:lstStyle/>
+          <a:p>
+            <a:pPr algn="ctr"/>
+            <a:endParaRPr lang="en-US"/>
+          </a:p>
+        </p:txBody>
+      </p:sp>
+      <p:sp>
+        <p:nvSpPr>
+          <p:cNvPr id="26" name="TextBox 25"/>
+          <p:cNvSpPr txBox="1"/>
+          <p:nvPr/>
+        </p:nvSpPr>
+        <p:spPr>
+          <a:xfrm>
+            <a:off x="3411412" y="2690181"/>
+            <a:ext cx="292203" cy="246221"/>
+          </a:xfrm>
+          <a:prstGeom prst="rect">
+            <a:avLst/>
+          </a:prstGeom>
+          <a:noFill/>
+        </p:spPr>
+        <p:txBody>
+          <a:bodyPr wrap="square" rtlCol="0">
+            <a:spAutoFit/>
+          </a:bodyPr>
+          <a:lstStyle/>
+          <a:p>
+            <a:r>
+              <a:rPr lang="en-US" sz="1000" dirty="0" smtClean="0"/>
+              <a:t>0</a:t>
+            </a:r>
+            <a:endParaRPr lang="en-US" sz="1000" dirty="0"/>
+          </a:p>
+        </p:txBody>
+      </p:sp>
+      <p:sp>
+        <p:nvSpPr>
+          <p:cNvPr id="27" name="TextBox 26"/>
+          <p:cNvSpPr txBox="1"/>
+          <p:nvPr/>
+        </p:nvSpPr>
+        <p:spPr>
+          <a:xfrm>
+            <a:off x="3766107" y="2690181"/>
+            <a:ext cx="292203" cy="246221"/>
+          </a:xfrm>
+          <a:prstGeom prst="rect">
+            <a:avLst/>
+          </a:prstGeom>
+          <a:noFill/>
+        </p:spPr>
+        <p:txBody>
+          <a:bodyPr wrap="square" rtlCol="0">
+            <a:spAutoFit/>
+          </a:bodyPr>
+          <a:lstStyle/>
+          <a:p>
+            <a:r>
+              <a:rPr lang="en-US" sz="1000" dirty="0" smtClean="0"/>
+              <a:t>1</a:t>
+            </a:r>
+            <a:endParaRPr lang="en-US" sz="1000" dirty="0"/>
+          </a:p>
+        </p:txBody>
+      </p:sp>
+      <p:sp>
+        <p:nvSpPr>
+          <p:cNvPr id="28" name="TextBox 27"/>
+          <p:cNvSpPr txBox="1"/>
+          <p:nvPr/>
+        </p:nvSpPr>
+        <p:spPr>
+          <a:xfrm>
+            <a:off x="4120802" y="2690181"/>
+            <a:ext cx="292203" cy="246221"/>
+          </a:xfrm>
+          <a:prstGeom prst="rect">
+            <a:avLst/>
+          </a:prstGeom>
+          <a:noFill/>
+        </p:spPr>
+        <p:txBody>
+          <a:bodyPr wrap="square" rtlCol="0">
+            <a:spAutoFit/>
+          </a:bodyPr>
+          <a:lstStyle/>
+          <a:p>
+            <a:r>
+              <a:rPr lang="en-US" sz="1000" dirty="0" smtClean="0"/>
+              <a:t>2</a:t>
+            </a:r>
+            <a:endParaRPr lang="en-US" sz="1000" dirty="0"/>
+          </a:p>
+        </p:txBody>
+      </p:sp>
+      <p:sp>
+        <p:nvSpPr>
+          <p:cNvPr id="29" name="TextBox 28"/>
+          <p:cNvSpPr txBox="1"/>
+          <p:nvPr/>
+        </p:nvSpPr>
+        <p:spPr>
+          <a:xfrm>
+            <a:off x="4475497" y="2690181"/>
+            <a:ext cx="292203" cy="246221"/>
+          </a:xfrm>
+          <a:prstGeom prst="rect">
+            <a:avLst/>
+          </a:prstGeom>
+          <a:noFill/>
+        </p:spPr>
+        <p:txBody>
+          <a:bodyPr wrap="square" rtlCol="0">
+            <a:spAutoFit/>
+          </a:bodyPr>
+          <a:lstStyle/>
+          <a:p>
+            <a:r>
+              <a:rPr lang="en-US" sz="1000" dirty="0" smtClean="0"/>
+              <a:t>3</a:t>
+            </a:r>
+            <a:endParaRPr lang="en-US" sz="1000" dirty="0"/>
+          </a:p>
+        </p:txBody>
+      </p:sp>
+      <p:sp>
+        <p:nvSpPr>
+          <p:cNvPr id="30" name="TextBox 29"/>
+          <p:cNvSpPr txBox="1"/>
+          <p:nvPr/>
+        </p:nvSpPr>
+        <p:spPr>
+          <a:xfrm>
+            <a:off x="4830192" y="2690181"/>
+            <a:ext cx="292203" cy="246221"/>
+          </a:xfrm>
+          <a:prstGeom prst="rect">
+            <a:avLst/>
+          </a:prstGeom>
+          <a:noFill/>
+        </p:spPr>
+        <p:txBody>
+          <a:bodyPr wrap="square" rtlCol="0">
+            <a:spAutoFit/>
+          </a:bodyPr>
+          <a:lstStyle/>
+          <a:p>
+            <a:r>
+              <a:rPr lang="en-US" sz="1000" dirty="0" smtClean="0"/>
+              <a:t>4</a:t>
+            </a:r>
+            <a:endParaRPr lang="en-US" sz="1000" dirty="0"/>
+          </a:p>
+        </p:txBody>
+      </p:sp>
+      <p:sp>
+        <p:nvSpPr>
+          <p:cNvPr id="31" name="TextBox 30"/>
+          <p:cNvSpPr txBox="1"/>
+          <p:nvPr/>
+        </p:nvSpPr>
+        <p:spPr>
+          <a:xfrm>
+            <a:off x="5184887" y="2690181"/>
+            <a:ext cx="292203" cy="246221"/>
+          </a:xfrm>
+          <a:prstGeom prst="rect">
+            <a:avLst/>
+          </a:prstGeom>
+          <a:noFill/>
+        </p:spPr>
+        <p:txBody>
+          <a:bodyPr wrap="square" rtlCol="0">
+            <a:spAutoFit/>
+          </a:bodyPr>
+          <a:lstStyle/>
+          <a:p>
+            <a:r>
+              <a:rPr lang="en-US" sz="1000" dirty="0" smtClean="0"/>
+              <a:t>5</a:t>
+            </a:r>
+            <a:endParaRPr lang="en-US" sz="1000" dirty="0"/>
+          </a:p>
+        </p:txBody>
+      </p:sp>
+      <p:cxnSp>
+        <p:nvCxnSpPr>
+          <p:cNvPr id="56" name="Straight Arrow Connector 55"/>
+          <p:cNvCxnSpPr/>
+          <p:nvPr/>
+        </p:nvCxnSpPr>
+        <p:spPr>
+          <a:xfrm>
+            <a:off x="4413005" y="4029242"/>
+            <a:ext cx="0" cy="404610"/>
+          </a:xfrm>
+          <a:prstGeom prst="straightConnector1">
+            <a:avLst/>
+          </a:prstGeom>
+          <a:ln>
+            <a:solidFill>
+              <a:schemeClr val="accent3">
+                <a:lumMod val="75000"/>
+              </a:schemeClr>
+            </a:solidFill>
+            <a:tailEnd type="arrow"/>
+          </a:ln>
+        </p:spPr>
+        <p:style>
+          <a:lnRef idx="2">
+            <a:schemeClr val="accent1"/>
+          </a:lnRef>
+          <a:fillRef idx="0">
+            <a:schemeClr val="accent1"/>
+          </a:fillRef>
+          <a:effectRef idx="1">
+            <a:schemeClr val="accent1"/>
+          </a:effectRef>
+          <a:fontRef idx="minor">
+            <a:schemeClr val="tx1"/>
+          </a:fontRef>
+        </p:style>
+      </p:cxnSp>
+      <p:sp>
+        <p:nvSpPr>
+          <p:cNvPr id="4" name="Manual Operation 3"/>
+          <p:cNvSpPr/>
+          <p:nvPr/>
+        </p:nvSpPr>
+        <p:spPr>
+          <a:xfrm>
+            <a:off x="3906091" y="3545958"/>
+            <a:ext cx="1061368" cy="427089"/>
+          </a:xfrm>
+          <a:prstGeom prst="flowChartManualOperation">
+            <a:avLst/>
+          </a:prstGeom>
+        </p:spPr>
+        <p:style>
+          <a:lnRef idx="1">
+            <a:schemeClr val="accent6"/>
+          </a:lnRef>
+          <a:fillRef idx="2">
+            <a:schemeClr val="accent6"/>
+          </a:fillRef>
+          <a:effectRef idx="1">
+            <a:schemeClr val="accent6"/>
+          </a:effectRef>
+          <a:fontRef idx="minor">
+            <a:schemeClr val="dk1"/>
+          </a:fontRef>
+        </p:style>
+        <p:txBody>
+          <a:bodyPr rtlCol="0" anchor="ctr"/>
+          <a:lstStyle/>
+          <a:p>
+            <a:pPr algn="ctr"/>
+            <a:r>
+              <a:rPr lang="en-US" sz="900" dirty="0" smtClean="0"/>
+              <a:t>Reduce()</a:t>
+            </a:r>
+            <a:endParaRPr lang="en-US" sz="900" dirty="0"/>
+          </a:p>
+        </p:txBody>
+      </p:sp>
+      <p:cxnSp>
+        <p:nvCxnSpPr>
+          <p:cNvPr id="6" name="Straight Arrow Connector 5"/>
+          <p:cNvCxnSpPr/>
+          <p:nvPr/>
+        </p:nvCxnSpPr>
+        <p:spPr>
+          <a:xfrm>
+            <a:off x="3551395" y="2978380"/>
+            <a:ext cx="618123" cy="466425"/>
+          </a:xfrm>
+          <a:prstGeom prst="straightConnector1">
+            <a:avLst/>
+          </a:prstGeom>
+          <a:ln>
+            <a:solidFill>
+              <a:schemeClr val="bg2">
+                <a:lumMod val="50000"/>
+              </a:schemeClr>
+            </a:solidFill>
+            <a:tailEnd type="arrow"/>
+          </a:ln>
+        </p:spPr>
+        <p:style>
+          <a:lnRef idx="2">
+            <a:schemeClr val="accent1"/>
+          </a:lnRef>
+          <a:fillRef idx="0">
+            <a:schemeClr val="accent1"/>
+          </a:fillRef>
+          <a:effectRef idx="1">
+            <a:schemeClr val="accent1"/>
+          </a:effectRef>
+          <a:fontRef idx="minor">
+            <a:schemeClr val="tx1"/>
+          </a:fontRef>
+        </p:style>
+      </p:cxnSp>
+      <p:cxnSp>
+        <p:nvCxnSpPr>
+          <p:cNvPr id="32" name="Straight Arrow Connector 31"/>
+          <p:cNvCxnSpPr/>
+          <p:nvPr/>
+        </p:nvCxnSpPr>
+        <p:spPr>
+          <a:xfrm>
+            <a:off x="3906090" y="2978380"/>
+            <a:ext cx="354695" cy="466425"/>
+          </a:xfrm>
+          <a:prstGeom prst="straightConnector1">
+            <a:avLst/>
+          </a:prstGeom>
+          <a:ln>
+            <a:solidFill>
+              <a:schemeClr val="bg2">
+                <a:lumMod val="50000"/>
+              </a:schemeClr>
+            </a:solidFill>
+            <a:tailEnd type="arrow"/>
+          </a:ln>
+        </p:spPr>
+        <p:style>
+          <a:lnRef idx="2">
+            <a:schemeClr val="accent1"/>
+          </a:lnRef>
+          <a:fillRef idx="0">
+            <a:schemeClr val="accent1"/>
+          </a:fillRef>
+          <a:effectRef idx="1">
+            <a:schemeClr val="accent1"/>
+          </a:effectRef>
+          <a:fontRef idx="minor">
+            <a:schemeClr val="tx1"/>
+          </a:fontRef>
+        </p:style>
+      </p:cxnSp>
+      <p:cxnSp>
+        <p:nvCxnSpPr>
+          <p:cNvPr id="33" name="Straight Arrow Connector 32"/>
+          <p:cNvCxnSpPr/>
+          <p:nvPr/>
+        </p:nvCxnSpPr>
+        <p:spPr>
+          <a:xfrm>
+            <a:off x="4260785" y="2978380"/>
+            <a:ext cx="111028" cy="466425"/>
+          </a:xfrm>
+          <a:prstGeom prst="straightConnector1">
+            <a:avLst/>
+          </a:prstGeom>
+          <a:ln>
+            <a:solidFill>
+              <a:schemeClr val="bg2">
+                <a:lumMod val="50000"/>
+              </a:schemeClr>
+            </a:solidFill>
+            <a:tailEnd type="arrow"/>
+          </a:ln>
+        </p:spPr>
+        <p:style>
+          <a:lnRef idx="2">
+            <a:schemeClr val="accent1"/>
+          </a:lnRef>
+          <a:fillRef idx="0">
+            <a:schemeClr val="accent1"/>
+          </a:fillRef>
+          <a:effectRef idx="1">
+            <a:schemeClr val="accent1"/>
+          </a:effectRef>
+          <a:fontRef idx="minor">
+            <a:schemeClr val="tx1"/>
+          </a:fontRef>
+        </p:style>
+      </p:cxnSp>
+      <p:cxnSp>
+        <p:nvCxnSpPr>
+          <p:cNvPr id="34" name="Straight Arrow Connector 33"/>
+          <p:cNvCxnSpPr/>
+          <p:nvPr/>
+        </p:nvCxnSpPr>
+        <p:spPr>
+          <a:xfrm flipH="1">
+            <a:off x="4475497" y="2978380"/>
+            <a:ext cx="139983" cy="466425"/>
+          </a:xfrm>
+          <a:prstGeom prst="straightConnector1">
+            <a:avLst/>
+          </a:prstGeom>
+          <a:ln>
+            <a:solidFill>
+              <a:schemeClr val="bg2">
+                <a:lumMod val="50000"/>
+              </a:schemeClr>
+            </a:solidFill>
+            <a:tailEnd type="arrow"/>
+          </a:ln>
+        </p:spPr>
+        <p:style>
+          <a:lnRef idx="2">
+            <a:schemeClr val="accent1"/>
+          </a:lnRef>
+          <a:fillRef idx="0">
+            <a:schemeClr val="accent1"/>
+          </a:fillRef>
+          <a:effectRef idx="1">
+            <a:schemeClr val="accent1"/>
+          </a:effectRef>
+          <a:fontRef idx="minor">
+            <a:schemeClr val="tx1"/>
+          </a:fontRef>
+        </p:style>
+      </p:cxnSp>
+      <p:cxnSp>
+        <p:nvCxnSpPr>
+          <p:cNvPr id="35" name="Straight Arrow Connector 34"/>
+          <p:cNvCxnSpPr/>
+          <p:nvPr/>
+        </p:nvCxnSpPr>
+        <p:spPr>
+          <a:xfrm flipH="1">
+            <a:off x="4615480" y="2978380"/>
+            <a:ext cx="351979" cy="466425"/>
+          </a:xfrm>
+          <a:prstGeom prst="straightConnector1">
+            <a:avLst/>
+          </a:prstGeom>
+          <a:ln>
+            <a:solidFill>
+              <a:schemeClr val="bg2">
+                <a:lumMod val="50000"/>
+              </a:schemeClr>
+            </a:solidFill>
+            <a:tailEnd type="arrow"/>
+          </a:ln>
+        </p:spPr>
+        <p:style>
+          <a:lnRef idx="2">
+            <a:schemeClr val="accent1"/>
+          </a:lnRef>
+          <a:fillRef idx="0">
+            <a:schemeClr val="accent1"/>
+          </a:fillRef>
+          <a:effectRef idx="1">
+            <a:schemeClr val="accent1"/>
+          </a:effectRef>
+          <a:fontRef idx="minor">
+            <a:schemeClr val="tx1"/>
+          </a:fontRef>
+        </p:style>
+      </p:cxnSp>
+      <p:cxnSp>
+        <p:nvCxnSpPr>
+          <p:cNvPr id="36" name="Straight Arrow Connector 35"/>
+          <p:cNvCxnSpPr/>
+          <p:nvPr/>
+        </p:nvCxnSpPr>
+        <p:spPr>
+          <a:xfrm flipH="1">
+            <a:off x="4696189" y="2936402"/>
+            <a:ext cx="608427" cy="508403"/>
+          </a:xfrm>
+          <a:prstGeom prst="straightConnector1">
+            <a:avLst/>
+          </a:prstGeom>
+          <a:ln>
+            <a:solidFill>
+              <a:schemeClr val="bg2">
+                <a:lumMod val="50000"/>
+              </a:schemeClr>
+            </a:solidFill>
+            <a:tailEnd type="arrow"/>
+          </a:ln>
+        </p:spPr>
+        <p:style>
+          <a:lnRef idx="2">
+            <a:schemeClr val="accent1"/>
+          </a:lnRef>
+          <a:fillRef idx="0">
+            <a:schemeClr val="accent1"/>
+          </a:fillRef>
+          <a:effectRef idx="1">
+            <a:schemeClr val="accent1"/>
+          </a:effectRef>
+          <a:fontRef idx="minor">
+            <a:schemeClr val="tx1"/>
+          </a:fontRef>
+        </p:style>
+      </p:cxnSp>
+      <p:sp>
+        <p:nvSpPr>
+          <p:cNvPr id="42" name="Rounded Rectangle 41"/>
+          <p:cNvSpPr/>
+          <p:nvPr/>
+        </p:nvSpPr>
+        <p:spPr>
+          <a:xfrm>
+            <a:off x="4266903" y="4497848"/>
+            <a:ext cx="292203" cy="297838"/>
+          </a:xfrm>
+          <a:prstGeom prst="roundRect">
+            <a:avLst/>
+          </a:prstGeom>
+        </p:spPr>
+        <p:style>
+          <a:lnRef idx="1">
+            <a:schemeClr val="accent2"/>
+          </a:lnRef>
+          <a:fillRef idx="2">
+            <a:schemeClr val="accent2"/>
+          </a:fillRef>
+          <a:effectRef idx="1">
+            <a:schemeClr val="accent2"/>
+          </a:effectRef>
+          <a:fontRef idx="minor">
+            <a:schemeClr val="dk1"/>
+          </a:fontRef>
+        </p:style>
+        <p:txBody>
+          <a:bodyPr rtlCol="0" anchor="ctr"/>
+          <a:lstStyle/>
+          <a:p>
+            <a:pPr algn="ctr"/>
+            <a:endParaRPr lang="en-US"/>
+          </a:p>
+        </p:txBody>
+      </p:sp>
+    </p:spTree>
+    <p:extLst>
+      <p:ext uri="{BB962C8B-B14F-4D97-AF65-F5344CB8AC3E}">
+        <p14:creationId xmlns:p14="http://schemas.microsoft.com/office/powerpoint/2010/main" val="2007915763"/>
+      </p:ext>
+    </p:extLst>
+  </p:cSld>
+  <p:clrMapOvr>
+    <a:masterClrMapping/>
+  </p:clrMapOvr>
+</p:sld>
+</file>
+
+<file path=ppt/slides/slide81.xml><?xml version="1.0" encoding="utf-8"?>
+<p:sld xmlns:a="http://schemas.openxmlformats.org/drawingml/2006/main" xmlns:r="http://schemas.openxmlformats.org/officeDocument/2006/relationships" xmlns:p="http://schemas.openxmlformats.org/presentationml/2006/main">
+  <p:cSld>
+    <p:spTree>
+      <p:nvGrpSpPr>
+        <p:cNvPr id="1" name=""/>
+        <p:cNvGrpSpPr/>
+        <p:nvPr/>
+      </p:nvGrpSpPr>
+      <p:grpSpPr>
+        <a:xfrm>
+          <a:off x="0" y="0"/>
+          <a:ext cx="0" cy="0"/>
+          <a:chOff x="0" y="0"/>
+          <a:chExt cx="0" cy="0"/>
+        </a:xfrm>
+      </p:grpSpPr>
+      <p:sp>
+        <p:nvSpPr>
+          <p:cNvPr id="2" name="Title 1"/>
+          <p:cNvSpPr>
+            <a:spLocks noGrp="1"/>
+          </p:cNvSpPr>
+          <p:nvPr>
+            <p:ph type="title"/>
+          </p:nvPr>
+        </p:nvSpPr>
+        <p:spPr/>
+        <p:txBody>
+          <a:bodyPr/>
+          <a:lstStyle/>
+          <a:p>
+            <a:r>
+              <a:rPr lang="en-US" dirty="0" smtClean="0"/>
+              <a:t>Average Daily Temperature</a:t>
+            </a:r>
+            <a:endParaRPr lang="en-US" dirty="0"/>
+          </a:p>
+        </p:txBody>
+      </p:sp>
+      <p:sp>
+        <p:nvSpPr>
+          <p:cNvPr id="19" name="Rectangle 18"/>
+          <p:cNvSpPr/>
+          <p:nvPr/>
+        </p:nvSpPr>
+        <p:spPr>
+          <a:xfrm>
+            <a:off x="3306683" y="2521244"/>
+            <a:ext cx="2278038" cy="696158"/>
+          </a:xfrm>
+          <a:prstGeom prst="rect">
+            <a:avLst/>
+          </a:prstGeom>
+        </p:spPr>
+        <p:style>
+          <a:lnRef idx="2">
+            <a:schemeClr val="accent2">
+              <a:shade val="50000"/>
+            </a:schemeClr>
+          </a:lnRef>
+          <a:fillRef idx="1">
+            <a:schemeClr val="accent2"/>
+          </a:fillRef>
+          <a:effectRef idx="0">
+            <a:schemeClr val="accent2"/>
+          </a:effectRef>
+          <a:fontRef idx="minor">
+            <a:schemeClr val="lt1"/>
+          </a:fontRef>
+        </p:style>
+        <p:txBody>
+          <a:bodyPr rtlCol="0" anchor="ctr"/>
+          <a:lstStyle/>
+          <a:p>
+            <a:pPr algn="ctr"/>
+            <a:endParaRPr lang="en-US"/>
+          </a:p>
+        </p:txBody>
+      </p:sp>
+      <p:sp>
+        <p:nvSpPr>
+          <p:cNvPr id="20" name="Rounded Rectangle 19"/>
+          <p:cNvSpPr/>
+          <p:nvPr/>
+        </p:nvSpPr>
+        <p:spPr>
+          <a:xfrm>
+            <a:off x="3411412" y="2592159"/>
+            <a:ext cx="603668" cy="297838"/>
+          </a:xfrm>
+          <a:prstGeom prst="roundRect">
+            <a:avLst/>
+          </a:prstGeom>
+          <a:scene3d>
+            <a:camera prst="orthographicFront"/>
+            <a:lightRig rig="threePt" dir="t"/>
+          </a:scene3d>
+          <a:sp3d>
+            <a:bevelT w="152400" h="50800" prst="softRound"/>
+          </a:sp3d>
+        </p:spPr>
+        <p:style>
+          <a:lnRef idx="1">
+            <a:schemeClr val="accent1"/>
+          </a:lnRef>
+          <a:fillRef idx="3">
+            <a:schemeClr val="accent1"/>
+          </a:fillRef>
+          <a:effectRef idx="2">
+            <a:schemeClr val="accent1"/>
+          </a:effectRef>
+          <a:fontRef idx="minor">
+            <a:schemeClr val="lt1"/>
+          </a:fontRef>
+        </p:style>
+        <p:txBody>
+          <a:bodyPr rtlCol="0" anchor="ctr"/>
+          <a:lstStyle/>
+          <a:p>
+            <a:pPr algn="ctr"/>
+            <a:r>
+              <a:rPr lang="en-US" sz="1050" dirty="0" smtClean="0"/>
+              <a:t>76</a:t>
+            </a:r>
+            <a:endParaRPr lang="en-US" sz="1050" dirty="0"/>
+          </a:p>
+        </p:txBody>
+      </p:sp>
+      <p:sp>
+        <p:nvSpPr>
+          <p:cNvPr id="22" name="Rounded Rectangle 21"/>
+          <p:cNvSpPr/>
+          <p:nvPr/>
+        </p:nvSpPr>
+        <p:spPr>
+          <a:xfrm>
+            <a:off x="4120802" y="2592159"/>
+            <a:ext cx="603668" cy="297838"/>
+          </a:xfrm>
+          <a:prstGeom prst="roundRect">
+            <a:avLst/>
+          </a:prstGeom>
+          <a:scene3d>
+            <a:camera prst="orthographicFront"/>
+            <a:lightRig rig="threePt" dir="t"/>
+          </a:scene3d>
+          <a:sp3d>
+            <a:bevelT w="152400" h="50800" prst="softRound"/>
+          </a:sp3d>
+        </p:spPr>
+        <p:style>
+          <a:lnRef idx="1">
+            <a:schemeClr val="accent1"/>
+          </a:lnRef>
+          <a:fillRef idx="3">
+            <a:schemeClr val="accent1"/>
+          </a:fillRef>
+          <a:effectRef idx="2">
+            <a:schemeClr val="accent1"/>
+          </a:effectRef>
+          <a:fontRef idx="minor">
+            <a:schemeClr val="lt1"/>
+          </a:fontRef>
+        </p:style>
+        <p:txBody>
+          <a:bodyPr rtlCol="0" anchor="ctr"/>
+          <a:lstStyle/>
+          <a:p>
+            <a:pPr algn="ctr"/>
+            <a:r>
+              <a:rPr lang="en-US" sz="1050" dirty="0" smtClean="0"/>
+              <a:t>81</a:t>
+            </a:r>
+            <a:endParaRPr lang="en-US" sz="1050" dirty="0"/>
+          </a:p>
+        </p:txBody>
+      </p:sp>
+      <p:sp>
+        <p:nvSpPr>
+          <p:cNvPr id="24" name="Rounded Rectangle 23"/>
+          <p:cNvSpPr/>
+          <p:nvPr/>
+        </p:nvSpPr>
+        <p:spPr>
+          <a:xfrm>
+            <a:off x="4830192" y="2592159"/>
+            <a:ext cx="603668" cy="297838"/>
+          </a:xfrm>
+          <a:prstGeom prst="roundRect">
+            <a:avLst/>
+          </a:prstGeom>
+          <a:scene3d>
+            <a:camera prst="orthographicFront"/>
+            <a:lightRig rig="threePt" dir="t"/>
+          </a:scene3d>
+          <a:sp3d>
+            <a:bevelT w="152400" h="50800" prst="softRound"/>
+          </a:sp3d>
+        </p:spPr>
+        <p:style>
+          <a:lnRef idx="1">
+            <a:schemeClr val="accent1"/>
+          </a:lnRef>
+          <a:fillRef idx="3">
+            <a:schemeClr val="accent1"/>
+          </a:fillRef>
+          <a:effectRef idx="2">
+            <a:schemeClr val="accent1"/>
+          </a:effectRef>
+          <a:fontRef idx="minor">
+            <a:schemeClr val="lt1"/>
+          </a:fontRef>
+        </p:style>
+        <p:txBody>
+          <a:bodyPr rtlCol="0" anchor="ctr"/>
+          <a:lstStyle/>
+          <a:p>
+            <a:pPr algn="ctr"/>
+            <a:r>
+              <a:rPr lang="en-US" sz="1050" dirty="0" smtClean="0"/>
+              <a:t>79</a:t>
+            </a:r>
+            <a:endParaRPr lang="en-US" sz="1050" dirty="0"/>
+          </a:p>
+        </p:txBody>
+      </p:sp>
+      <p:sp>
+        <p:nvSpPr>
+          <p:cNvPr id="26" name="TextBox 25"/>
+          <p:cNvSpPr txBox="1"/>
+          <p:nvPr/>
+        </p:nvSpPr>
+        <p:spPr>
+          <a:xfrm>
+            <a:off x="3603147" y="2931844"/>
+            <a:ext cx="292203" cy="246221"/>
+          </a:xfrm>
+          <a:prstGeom prst="rect">
+            <a:avLst/>
+          </a:prstGeom>
+          <a:noFill/>
+        </p:spPr>
+        <p:txBody>
+          <a:bodyPr wrap="square" rtlCol="0">
+            <a:spAutoFit/>
+          </a:bodyPr>
+          <a:lstStyle/>
+          <a:p>
+            <a:r>
+              <a:rPr lang="en-US" sz="1000" dirty="0" smtClean="0"/>
+              <a:t>0</a:t>
+            </a:r>
+            <a:endParaRPr lang="en-US" sz="1000" dirty="0"/>
+          </a:p>
+        </p:txBody>
+      </p:sp>
+      <p:sp>
+        <p:nvSpPr>
+          <p:cNvPr id="28" name="TextBox 27"/>
+          <p:cNvSpPr txBox="1"/>
+          <p:nvPr/>
+        </p:nvSpPr>
+        <p:spPr>
+          <a:xfrm>
+            <a:off x="4323277" y="2967981"/>
+            <a:ext cx="292203" cy="246221"/>
+          </a:xfrm>
+          <a:prstGeom prst="rect">
+            <a:avLst/>
+          </a:prstGeom>
+          <a:noFill/>
+        </p:spPr>
+        <p:txBody>
+          <a:bodyPr wrap="square" rtlCol="0">
+            <a:spAutoFit/>
+          </a:bodyPr>
+          <a:lstStyle/>
+          <a:p>
+            <a:r>
+              <a:rPr lang="en-US" sz="1000" dirty="0"/>
+              <a:t>1</a:t>
+            </a:r>
+            <a:endParaRPr lang="en-US" sz="1000" dirty="0"/>
+          </a:p>
+        </p:txBody>
+      </p:sp>
+      <p:sp>
+        <p:nvSpPr>
+          <p:cNvPr id="30" name="TextBox 29"/>
+          <p:cNvSpPr txBox="1"/>
+          <p:nvPr/>
+        </p:nvSpPr>
+        <p:spPr>
+          <a:xfrm>
+            <a:off x="5012413" y="2969581"/>
+            <a:ext cx="292203" cy="246221"/>
+          </a:xfrm>
+          <a:prstGeom prst="rect">
+            <a:avLst/>
+          </a:prstGeom>
+          <a:noFill/>
+        </p:spPr>
+        <p:txBody>
+          <a:bodyPr wrap="square" rtlCol="0">
+            <a:spAutoFit/>
+          </a:bodyPr>
+          <a:lstStyle/>
+          <a:p>
+            <a:r>
+              <a:rPr lang="en-US" sz="1000" dirty="0" smtClean="0"/>
+              <a:t>2</a:t>
+            </a:r>
+            <a:endParaRPr lang="en-US" sz="1000" dirty="0"/>
+          </a:p>
+        </p:txBody>
+      </p:sp>
+      <p:cxnSp>
+        <p:nvCxnSpPr>
+          <p:cNvPr id="56" name="Straight Arrow Connector 55"/>
+          <p:cNvCxnSpPr/>
+          <p:nvPr/>
+        </p:nvCxnSpPr>
+        <p:spPr>
+          <a:xfrm>
+            <a:off x="4413005" y="4310242"/>
+            <a:ext cx="0" cy="404610"/>
+          </a:xfrm>
+          <a:prstGeom prst="straightConnector1">
+            <a:avLst/>
+          </a:prstGeom>
+          <a:ln>
+            <a:solidFill>
+              <a:schemeClr val="accent3">
+                <a:lumMod val="75000"/>
+              </a:schemeClr>
+            </a:solidFill>
+            <a:tailEnd type="arrow"/>
+          </a:ln>
+        </p:spPr>
+        <p:style>
+          <a:lnRef idx="2">
+            <a:schemeClr val="accent1"/>
+          </a:lnRef>
+          <a:fillRef idx="0">
+            <a:schemeClr val="accent1"/>
+          </a:fillRef>
+          <a:effectRef idx="1">
+            <a:schemeClr val="accent1"/>
+          </a:effectRef>
+          <a:fontRef idx="minor">
+            <a:schemeClr val="tx1"/>
+          </a:fontRef>
+        </p:style>
+      </p:cxnSp>
+      <p:sp>
+        <p:nvSpPr>
+          <p:cNvPr id="4" name="Manual Operation 3"/>
+          <p:cNvSpPr/>
+          <p:nvPr/>
+        </p:nvSpPr>
+        <p:spPr>
+          <a:xfrm>
+            <a:off x="3906091" y="3826958"/>
+            <a:ext cx="1061368" cy="427089"/>
+          </a:xfrm>
+          <a:prstGeom prst="flowChartManualOperation">
+            <a:avLst/>
+          </a:prstGeom>
+        </p:spPr>
+        <p:style>
+          <a:lnRef idx="1">
+            <a:schemeClr val="accent6"/>
+          </a:lnRef>
+          <a:fillRef idx="2">
+            <a:schemeClr val="accent6"/>
+          </a:fillRef>
+          <a:effectRef idx="1">
+            <a:schemeClr val="accent6"/>
+          </a:effectRef>
+          <a:fontRef idx="minor">
+            <a:schemeClr val="dk1"/>
+          </a:fontRef>
+        </p:style>
+        <p:txBody>
+          <a:bodyPr rtlCol="0" anchor="ctr"/>
+          <a:lstStyle/>
+          <a:p>
+            <a:pPr algn="ctr"/>
+            <a:r>
+              <a:rPr lang="en-US" sz="900" dirty="0" smtClean="0"/>
+              <a:t>sum()</a:t>
+            </a:r>
+            <a:endParaRPr lang="en-US" sz="900" dirty="0"/>
+          </a:p>
+        </p:txBody>
+      </p:sp>
+      <p:cxnSp>
+        <p:nvCxnSpPr>
+          <p:cNvPr id="6" name="Straight Arrow Connector 5"/>
+          <p:cNvCxnSpPr/>
+          <p:nvPr/>
+        </p:nvCxnSpPr>
+        <p:spPr>
+          <a:xfrm>
+            <a:off x="3551395" y="3259380"/>
+            <a:ext cx="618123" cy="466425"/>
+          </a:xfrm>
+          <a:prstGeom prst="straightConnector1">
+            <a:avLst/>
+          </a:prstGeom>
+          <a:ln>
+            <a:solidFill>
+              <a:schemeClr val="bg2">
+                <a:lumMod val="50000"/>
+              </a:schemeClr>
+            </a:solidFill>
+            <a:tailEnd type="arrow"/>
+          </a:ln>
+        </p:spPr>
+        <p:style>
+          <a:lnRef idx="2">
+            <a:schemeClr val="accent1"/>
+          </a:lnRef>
+          <a:fillRef idx="0">
+            <a:schemeClr val="accent1"/>
+          </a:fillRef>
+          <a:effectRef idx="1">
+            <a:schemeClr val="accent1"/>
+          </a:effectRef>
+          <a:fontRef idx="minor">
+            <a:schemeClr val="tx1"/>
+          </a:fontRef>
+        </p:style>
+      </p:cxnSp>
+      <p:cxnSp>
+        <p:nvCxnSpPr>
+          <p:cNvPr id="32" name="Straight Arrow Connector 31"/>
+          <p:cNvCxnSpPr/>
+          <p:nvPr/>
+        </p:nvCxnSpPr>
+        <p:spPr>
+          <a:xfrm>
+            <a:off x="3906090" y="3259380"/>
+            <a:ext cx="354695" cy="466425"/>
+          </a:xfrm>
+          <a:prstGeom prst="straightConnector1">
+            <a:avLst/>
+          </a:prstGeom>
+          <a:ln>
+            <a:solidFill>
+              <a:schemeClr val="bg2">
+                <a:lumMod val="50000"/>
+              </a:schemeClr>
+            </a:solidFill>
+            <a:tailEnd type="arrow"/>
+          </a:ln>
+        </p:spPr>
+        <p:style>
+          <a:lnRef idx="2">
+            <a:schemeClr val="accent1"/>
+          </a:lnRef>
+          <a:fillRef idx="0">
+            <a:schemeClr val="accent1"/>
+          </a:fillRef>
+          <a:effectRef idx="1">
+            <a:schemeClr val="accent1"/>
+          </a:effectRef>
+          <a:fontRef idx="minor">
+            <a:schemeClr val="tx1"/>
+          </a:fontRef>
+        </p:style>
+      </p:cxnSp>
+      <p:cxnSp>
+        <p:nvCxnSpPr>
+          <p:cNvPr id="33" name="Straight Arrow Connector 32"/>
+          <p:cNvCxnSpPr/>
+          <p:nvPr/>
+        </p:nvCxnSpPr>
+        <p:spPr>
+          <a:xfrm>
+            <a:off x="4260785" y="3259380"/>
+            <a:ext cx="111028" cy="466425"/>
+          </a:xfrm>
+          <a:prstGeom prst="straightConnector1">
+            <a:avLst/>
+          </a:prstGeom>
+          <a:ln>
+            <a:solidFill>
+              <a:schemeClr val="bg2">
+                <a:lumMod val="50000"/>
+              </a:schemeClr>
+            </a:solidFill>
+            <a:tailEnd type="arrow"/>
+          </a:ln>
+        </p:spPr>
+        <p:style>
+          <a:lnRef idx="2">
+            <a:schemeClr val="accent1"/>
+          </a:lnRef>
+          <a:fillRef idx="0">
+            <a:schemeClr val="accent1"/>
+          </a:fillRef>
+          <a:effectRef idx="1">
+            <a:schemeClr val="accent1"/>
+          </a:effectRef>
+          <a:fontRef idx="minor">
+            <a:schemeClr val="tx1"/>
+          </a:fontRef>
+        </p:style>
+      </p:cxnSp>
+      <p:cxnSp>
+        <p:nvCxnSpPr>
+          <p:cNvPr id="34" name="Straight Arrow Connector 33"/>
+          <p:cNvCxnSpPr/>
+          <p:nvPr/>
+        </p:nvCxnSpPr>
+        <p:spPr>
+          <a:xfrm flipH="1">
+            <a:off x="4475497" y="3259380"/>
+            <a:ext cx="139983" cy="466425"/>
+          </a:xfrm>
+          <a:prstGeom prst="straightConnector1">
+            <a:avLst/>
+          </a:prstGeom>
+          <a:ln>
+            <a:solidFill>
+              <a:schemeClr val="bg2">
+                <a:lumMod val="50000"/>
+              </a:schemeClr>
+            </a:solidFill>
+            <a:tailEnd type="arrow"/>
+          </a:ln>
+        </p:spPr>
+        <p:style>
+          <a:lnRef idx="2">
+            <a:schemeClr val="accent1"/>
+          </a:lnRef>
+          <a:fillRef idx="0">
+            <a:schemeClr val="accent1"/>
+          </a:fillRef>
+          <a:effectRef idx="1">
+            <a:schemeClr val="accent1"/>
+          </a:effectRef>
+          <a:fontRef idx="minor">
+            <a:schemeClr val="tx1"/>
+          </a:fontRef>
+        </p:style>
+      </p:cxnSp>
+      <p:cxnSp>
+        <p:nvCxnSpPr>
+          <p:cNvPr id="35" name="Straight Arrow Connector 34"/>
+          <p:cNvCxnSpPr/>
+          <p:nvPr/>
+        </p:nvCxnSpPr>
+        <p:spPr>
+          <a:xfrm flipH="1">
+            <a:off x="4615480" y="3259380"/>
+            <a:ext cx="351979" cy="466425"/>
+          </a:xfrm>
+          <a:prstGeom prst="straightConnector1">
+            <a:avLst/>
+          </a:prstGeom>
+          <a:ln>
+            <a:solidFill>
+              <a:schemeClr val="bg2">
+                <a:lumMod val="50000"/>
+              </a:schemeClr>
+            </a:solidFill>
+            <a:tailEnd type="arrow"/>
+          </a:ln>
+        </p:spPr>
+        <p:style>
+          <a:lnRef idx="2">
+            <a:schemeClr val="accent1"/>
+          </a:lnRef>
+          <a:fillRef idx="0">
+            <a:schemeClr val="accent1"/>
+          </a:fillRef>
+          <a:effectRef idx="1">
+            <a:schemeClr val="accent1"/>
+          </a:effectRef>
+          <a:fontRef idx="minor">
+            <a:schemeClr val="tx1"/>
+          </a:fontRef>
+        </p:style>
+      </p:cxnSp>
+      <p:cxnSp>
+        <p:nvCxnSpPr>
+          <p:cNvPr id="36" name="Straight Arrow Connector 35"/>
+          <p:cNvCxnSpPr/>
+          <p:nvPr/>
+        </p:nvCxnSpPr>
+        <p:spPr>
+          <a:xfrm flipH="1">
+            <a:off x="4696189" y="3217402"/>
+            <a:ext cx="608427" cy="508403"/>
+          </a:xfrm>
+          <a:prstGeom prst="straightConnector1">
+            <a:avLst/>
+          </a:prstGeom>
+          <a:ln>
+            <a:solidFill>
+              <a:schemeClr val="bg2">
+                <a:lumMod val="50000"/>
+              </a:schemeClr>
+            </a:solidFill>
+            <a:tailEnd type="arrow"/>
+          </a:ln>
+        </p:spPr>
+        <p:style>
+          <a:lnRef idx="2">
+            <a:schemeClr val="accent1"/>
+          </a:lnRef>
+          <a:fillRef idx="0">
+            <a:schemeClr val="accent1"/>
+          </a:fillRef>
+          <a:effectRef idx="1">
+            <a:schemeClr val="accent1"/>
+          </a:effectRef>
+          <a:fontRef idx="minor">
+            <a:schemeClr val="tx1"/>
+          </a:fontRef>
+        </p:style>
+      </p:cxnSp>
+      <p:sp>
+        <p:nvSpPr>
+          <p:cNvPr id="42" name="Rounded Rectangle 41"/>
+          <p:cNvSpPr/>
+          <p:nvPr/>
+        </p:nvSpPr>
+        <p:spPr>
+          <a:xfrm>
+            <a:off x="4169519" y="4778848"/>
+            <a:ext cx="526670" cy="297838"/>
+          </a:xfrm>
+          <a:prstGeom prst="roundRect">
+            <a:avLst/>
+          </a:prstGeom>
+        </p:spPr>
+        <p:style>
+          <a:lnRef idx="1">
+            <a:schemeClr val="accent2"/>
+          </a:lnRef>
+          <a:fillRef idx="2">
+            <a:schemeClr val="accent2"/>
+          </a:fillRef>
+          <a:effectRef idx="1">
+            <a:schemeClr val="accent2"/>
+          </a:effectRef>
+          <a:fontRef idx="minor">
+            <a:schemeClr val="dk1"/>
+          </a:fontRef>
+        </p:style>
+        <p:txBody>
+          <a:bodyPr rtlCol="0" anchor="ctr"/>
+          <a:lstStyle/>
+          <a:p>
+            <a:pPr algn="ctr"/>
+            <a:r>
+              <a:rPr lang="en-US" sz="1100" dirty="0" smtClean="0"/>
+              <a:t>236</a:t>
+            </a:r>
+            <a:endParaRPr lang="en-US" sz="1100" dirty="0"/>
+          </a:p>
+        </p:txBody>
+      </p:sp>
+      <p:sp>
+        <p:nvSpPr>
+          <p:cNvPr id="38" name="TextBox 37"/>
+          <p:cNvSpPr txBox="1"/>
+          <p:nvPr/>
+        </p:nvSpPr>
+        <p:spPr>
+          <a:xfrm>
+            <a:off x="2877080" y="1815126"/>
+            <a:ext cx="3423421" cy="369332"/>
+          </a:xfrm>
+          <a:prstGeom prst="rect">
+            <a:avLst/>
+          </a:prstGeom>
+          <a:noFill/>
+        </p:spPr>
+        <p:txBody>
+          <a:bodyPr wrap="none" rtlCol="0">
+            <a:spAutoFit/>
+          </a:bodyPr>
+          <a:lstStyle/>
+          <a:p>
+            <a:r>
+              <a:rPr lang="en-US" dirty="0" smtClean="0"/>
+              <a:t>(76 + 81 + 79)/3 =&gt; 236/3 =&gt; 78.67</a:t>
+            </a:r>
+            <a:endParaRPr lang="en-US" dirty="0"/>
+          </a:p>
+        </p:txBody>
+      </p:sp>
+    </p:spTree>
+    <p:extLst>
+      <p:ext uri="{BB962C8B-B14F-4D97-AF65-F5344CB8AC3E}">
+        <p14:creationId xmlns:p14="http://schemas.microsoft.com/office/powerpoint/2010/main" val="1531004752"/>
+      </p:ext>
+    </p:extLst>
+  </p:cSld>
+  <p:clrMapOvr>
+    <a:masterClrMapping/>
+  </p:clrMapOvr>
+</p:sld>
+</file>
+
+<file path=ppt/slides/slide82.xml><?xml version="1.0" encoding="utf-8"?>
+<p:sld xmlns:a="http://schemas.openxmlformats.org/drawingml/2006/main" xmlns:r="http://schemas.openxmlformats.org/officeDocument/2006/relationships" xmlns:p="http://schemas.openxmlformats.org/presentationml/2006/main">
+  <p:cSld>
+    <p:spTree>
+      <p:nvGrpSpPr>
+        <p:cNvPr id="1" name=""/>
+        <p:cNvGrpSpPr/>
+        <p:nvPr/>
+      </p:nvGrpSpPr>
+      <p:grpSpPr>
+        <a:xfrm>
+          <a:off x="0" y="0"/>
+          <a:ext cx="0" cy="0"/>
+          <a:chOff x="0" y="0"/>
+          <a:chExt cx="0" cy="0"/>
+        </a:xfrm>
+      </p:grpSpPr>
+      <p:sp>
+        <p:nvSpPr>
+          <p:cNvPr id="2" name="Title 1"/>
+          <p:cNvSpPr>
+            <a:spLocks noGrp="1"/>
+          </p:cNvSpPr>
+          <p:nvPr>
+            <p:ph type="title"/>
+          </p:nvPr>
+        </p:nvSpPr>
+        <p:spPr/>
+        <p:txBody>
+          <a:bodyPr/>
+          <a:lstStyle/>
+          <a:p>
+            <a:r>
+              <a:rPr lang="en-US" dirty="0" smtClean="0"/>
+              <a:t>Conclusion</a:t>
+            </a:r>
+            <a:endParaRPr lang="en-US" dirty="0"/>
+          </a:p>
+        </p:txBody>
+      </p:sp>
+      <p:sp>
+        <p:nvSpPr>
+          <p:cNvPr id="3" name="Content Placeholder 2"/>
+          <p:cNvSpPr>
+            <a:spLocks noGrp="1"/>
+          </p:cNvSpPr>
+          <p:nvPr>
+            <p:ph idx="1"/>
+          </p:nvPr>
+        </p:nvSpPr>
+        <p:spPr/>
+        <p:txBody>
+          <a:bodyPr>
+            <a:normAutofit/>
+          </a:bodyPr>
+          <a:lstStyle/>
+          <a:p>
+            <a:pPr marL="514350" indent="-514350">
+              <a:buFont typeface="+mj-lt"/>
+              <a:buAutoNum type="arabicPeriod"/>
+            </a:pPr>
+            <a:r>
+              <a:rPr lang="en-US" dirty="0" smtClean="0"/>
+              <a:t>Array are very cool</a:t>
+            </a:r>
+          </a:p>
+          <a:p>
+            <a:pPr marL="514350" indent="-514350">
+              <a:buFont typeface="+mj-lt"/>
+              <a:buAutoNum type="arabicPeriod"/>
+            </a:pPr>
+            <a:r>
+              <a:rPr lang="en-US" dirty="0" smtClean="0"/>
+              <a:t>Fairly easy to use</a:t>
+            </a:r>
+          </a:p>
+          <a:p>
+            <a:pPr marL="514350" indent="-514350">
+              <a:buFont typeface="+mj-lt"/>
+              <a:buAutoNum type="arabicPeriod"/>
+            </a:pPr>
+            <a:r>
+              <a:rPr lang="en-US" dirty="0" smtClean="0"/>
+              <a:t>Flexible</a:t>
+            </a:r>
+          </a:p>
+          <a:p>
+            <a:pPr marL="514350" indent="-514350">
+              <a:buFont typeface="+mj-lt"/>
+              <a:buAutoNum type="arabicPeriod"/>
+            </a:pPr>
+            <a:r>
+              <a:rPr lang="en-US" dirty="0" smtClean="0"/>
+              <a:t>Provides a number of useful methods out of the box</a:t>
+            </a:r>
+            <a:endParaRPr lang="en-US" dirty="0" smtClean="0"/>
+          </a:p>
+          <a:p>
+            <a:pPr marL="514350" indent="-514350">
+              <a:buFont typeface="+mj-lt"/>
+              <a:buAutoNum type="arabicPeriod"/>
+            </a:pPr>
+            <a:endParaRPr lang="en-US" dirty="0"/>
+          </a:p>
+          <a:p>
+            <a:pPr marL="0" indent="0">
+              <a:buNone/>
+            </a:pPr>
+            <a:r>
+              <a:rPr lang="en-US" dirty="0" smtClean="0"/>
+              <a:t>Resources:</a:t>
+            </a:r>
+          </a:p>
+          <a:p>
+            <a:pPr marL="514350" indent="-514350">
+              <a:buFont typeface="+mj-lt"/>
+              <a:buAutoNum type="arabicPeriod"/>
+            </a:pPr>
+            <a:r>
+              <a:rPr lang="en-US" sz="1600" dirty="0" smtClean="0"/>
+              <a:t>Mozilla Developer Network – Array Documentation</a:t>
+            </a:r>
+          </a:p>
+          <a:p>
+            <a:pPr marL="914400" lvl="1" indent="-514350"/>
+            <a:r>
+              <a:rPr lang="en-US" sz="1200" dirty="0" smtClean="0"/>
+              <a:t>https</a:t>
+            </a:r>
+            <a:r>
+              <a:rPr lang="en-US" sz="1200" dirty="0"/>
+              <a:t>://</a:t>
+            </a:r>
+            <a:r>
+              <a:rPr lang="en-US" sz="1200" dirty="0" err="1"/>
+              <a:t>developer.mozilla.org</a:t>
+            </a:r>
+            <a:r>
+              <a:rPr lang="en-US" sz="1200" dirty="0"/>
+              <a:t>/en-US/docs/Web/JavaScript/Reference/</a:t>
+            </a:r>
+            <a:r>
+              <a:rPr lang="en-US" sz="1200" dirty="0" err="1"/>
+              <a:t>Global_Objects</a:t>
+            </a:r>
+            <a:r>
+              <a:rPr lang="en-US" sz="1200" dirty="0"/>
+              <a:t>/Array</a:t>
+            </a:r>
+            <a:endParaRPr lang="en-US" sz="1200" dirty="0" smtClean="0"/>
+          </a:p>
+        </p:txBody>
+      </p:sp>
+    </p:spTree>
+    <p:extLst>
+      <p:ext uri="{BB962C8B-B14F-4D97-AF65-F5344CB8AC3E}">
+        <p14:creationId xmlns:p14="http://schemas.microsoft.com/office/powerpoint/2010/main" val="2368369695"/>
+      </p:ext>
+    </p:extLst>
+  </p:cSld>
+  <p:clrMapOvr>
+    <a:masterClrMapping/>
+  </p:clrMapOvr>
 </p:sld>
 </file>
 

--- a/docs/learn-computer-programming.pptx
+++ b/docs/learn-computer-programming.pptx
@@ -3921,6 +3921,13 @@
     <dgm:pt modelId="{201C7CC6-525A-FE42-B4FF-8C5914387024}" type="pres">
       <dgm:prSet presAssocID="{70F0D127-9705-B346-8456-2EA73B6E30CF}" presName="Name10" presStyleLbl="parChTrans1D2" presStyleIdx="3" presStyleCnt="4"/>
       <dgm:spPr/>
+      <dgm:t>
+        <a:bodyPr/>
+        <a:lstStyle/>
+        <a:p>
+          <a:endParaRPr lang="en-US"/>
+        </a:p>
+      </dgm:t>
     </dgm:pt>
     <dgm:pt modelId="{BD934BBA-EA07-8840-90B2-9D9E5B1347F2}" type="pres">
       <dgm:prSet presAssocID="{FE86CB60-E462-414C-BF0E-606A57D7AD93}" presName="hierRoot2" presStyleCnt="0"/>
@@ -3956,6 +3963,13 @@
     <dgm:pt modelId="{2E4A94D1-71F0-A046-B95F-18095848F38A}" type="pres">
       <dgm:prSet presAssocID="{184A7FBE-4658-3046-B4A7-4EBDDC670AD1}" presName="Name17" presStyleLbl="parChTrans1D3" presStyleIdx="2" presStyleCnt="5"/>
       <dgm:spPr/>
+      <dgm:t>
+        <a:bodyPr/>
+        <a:lstStyle/>
+        <a:p>
+          <a:endParaRPr lang="en-US"/>
+        </a:p>
+      </dgm:t>
     </dgm:pt>
     <dgm:pt modelId="{ED5C0E39-415F-9345-8AFB-31BAA119B473}" type="pres">
       <dgm:prSet presAssocID="{9C7D04B1-85B2-3F41-9343-3724449F75B3}" presName="hierRoot3" presStyleCnt="0"/>
@@ -3991,6 +4005,13 @@
     <dgm:pt modelId="{F42357F4-6E12-A041-A7D6-81713E5E517B}" type="pres">
       <dgm:prSet presAssocID="{0C3731E6-7189-414B-8AA4-AA411ADE82DC}" presName="Name17" presStyleLbl="parChTrans1D3" presStyleIdx="3" presStyleCnt="5"/>
       <dgm:spPr/>
+      <dgm:t>
+        <a:bodyPr/>
+        <a:lstStyle/>
+        <a:p>
+          <a:endParaRPr lang="en-US"/>
+        </a:p>
+      </dgm:t>
     </dgm:pt>
     <dgm:pt modelId="{A9A1551E-CC31-A64A-B373-6E945A4DD457}" type="pres">
       <dgm:prSet presAssocID="{67DF074B-DE05-B24C-9E35-CDBF726DC2DD}" presName="hierRoot3" presStyleCnt="0"/>
@@ -4026,6 +4047,13 @@
     <dgm:pt modelId="{1F5FFC55-2839-634C-8F0C-96EACF5BE3CB}" type="pres">
       <dgm:prSet presAssocID="{563BE0E2-35F1-EA43-92A4-487E8781D214}" presName="Name23" presStyleLbl="parChTrans1D4" presStyleIdx="0" presStyleCnt="2"/>
       <dgm:spPr/>
+      <dgm:t>
+        <a:bodyPr/>
+        <a:lstStyle/>
+        <a:p>
+          <a:endParaRPr lang="en-US"/>
+        </a:p>
+      </dgm:t>
     </dgm:pt>
     <dgm:pt modelId="{85A5D7ED-B644-F14F-8652-BFCF9A5C48F9}" type="pres">
       <dgm:prSet presAssocID="{632DBD1E-A080-C14D-89CD-94A8C0F3CF25}" presName="hierRoot4" presStyleCnt="0"/>
@@ -4061,6 +4089,13 @@
     <dgm:pt modelId="{9541F663-17CE-1449-B545-4E9F3C558C3A}" type="pres">
       <dgm:prSet presAssocID="{F9A1264F-2EB8-8148-8E8F-B74886C30473}" presName="Name23" presStyleLbl="parChTrans1D4" presStyleIdx="1" presStyleCnt="2"/>
       <dgm:spPr/>
+      <dgm:t>
+        <a:bodyPr/>
+        <a:lstStyle/>
+        <a:p>
+          <a:endParaRPr lang="en-US"/>
+        </a:p>
+      </dgm:t>
     </dgm:pt>
     <dgm:pt modelId="{83EE79AE-9386-864F-93A5-0F883745028F}" type="pres">
       <dgm:prSet presAssocID="{2CF1C699-9046-8C42-87E6-2861BF37D660}" presName="hierRoot4" presStyleCnt="0"/>
@@ -4096,6 +4131,13 @@
     <dgm:pt modelId="{BA61A876-7050-3746-8DAE-0686A0FD0957}" type="pres">
       <dgm:prSet presAssocID="{E3372A67-8AD5-414E-9A1F-4D9E3CFF6332}" presName="Name17" presStyleLbl="parChTrans1D3" presStyleIdx="4" presStyleCnt="5"/>
       <dgm:spPr/>
+      <dgm:t>
+        <a:bodyPr/>
+        <a:lstStyle/>
+        <a:p>
+          <a:endParaRPr lang="en-US"/>
+        </a:p>
+      </dgm:t>
     </dgm:pt>
     <dgm:pt modelId="{7E1C010A-E642-0444-8F19-1706B4B1F542}" type="pres">
       <dgm:prSet presAssocID="{E5C8F682-32CD-424A-896C-91EAD3E64C45}" presName="hierRoot3" presStyleCnt="0"/>
@@ -4130,42 +4172,42 @@
     </dgm:pt>
   </dgm:ptLst>
   <dgm:cxnLst>
+    <dgm:cxn modelId="{8FC20289-4F63-9E49-BD79-567030E07E0D}" srcId="{960CE163-DF35-2B44-83E7-B9153BC66084}" destId="{4D875376-E6B9-804F-AC85-A1D4337BBC8A}" srcOrd="1" destOrd="0" parTransId="{6C0275DE-9DFE-0E43-8DDA-D28DD222D71F}" sibTransId="{5CBDE70F-8F73-B144-BE9A-D54839868342}"/>
+    <dgm:cxn modelId="{6D36957F-2BF7-BF4E-823B-0AEB53A6D11B}" type="presOf" srcId="{960CE163-DF35-2B44-83E7-B9153BC66084}" destId="{923B0C63-79B7-9B4A-94B9-19130FBE5D7B}" srcOrd="0" destOrd="0" presId="urn:microsoft.com/office/officeart/2005/8/layout/hierarchy1"/>
+    <dgm:cxn modelId="{8D905AE7-B183-4C4A-B73B-578DC06779C6}" type="presOf" srcId="{6C0275DE-9DFE-0E43-8DDA-D28DD222D71F}" destId="{8CFA3E84-678E-C345-8D46-63E85CF195E2}" srcOrd="0" destOrd="0" presId="urn:microsoft.com/office/officeart/2005/8/layout/hierarchy1"/>
+    <dgm:cxn modelId="{C68BF670-8B34-3C4D-9D1C-D21DB540C6F0}" type="presOf" srcId="{4810192D-B607-5A42-8DCE-8CFCF1A82427}" destId="{28156514-4C64-AE45-A406-98283D6076D6}" srcOrd="0" destOrd="0" presId="urn:microsoft.com/office/officeart/2005/8/layout/hierarchy1"/>
+    <dgm:cxn modelId="{2F905694-9AC7-9A41-9289-1BA80DD7DCA9}" type="presOf" srcId="{D0F565E7-5D70-054E-90E0-C19FE13B6790}" destId="{6B84F89A-BB62-184B-ACA8-8A1AAAE34DE1}" srcOrd="0" destOrd="0" presId="urn:microsoft.com/office/officeart/2005/8/layout/hierarchy1"/>
+    <dgm:cxn modelId="{7107EE87-4D9F-D744-A73B-1F14A2E869D1}" type="presOf" srcId="{67DF074B-DE05-B24C-9E35-CDBF726DC2DD}" destId="{EBC8209D-BB74-B44A-A57A-C51ABEDBBAE8}" srcOrd="0" destOrd="0" presId="urn:microsoft.com/office/officeart/2005/8/layout/hierarchy1"/>
+    <dgm:cxn modelId="{A5EF75CA-949B-FB42-A967-633DBF9C5416}" srcId="{67DF074B-DE05-B24C-9E35-CDBF726DC2DD}" destId="{2CF1C699-9046-8C42-87E6-2861BF37D660}" srcOrd="1" destOrd="0" parTransId="{F9A1264F-2EB8-8148-8E8F-B74886C30473}" sibTransId="{2B88B2F7-3FE5-E743-A3EF-F1DB3821C219}"/>
+    <dgm:cxn modelId="{1D703EA7-18EF-A644-AD84-6BA0E7A84E48}" srcId="{960CE163-DF35-2B44-83E7-B9153BC66084}" destId="{AE7EA77A-1D8E-3F42-95E1-4EB11A443A81}" srcOrd="0" destOrd="0" parTransId="{D0F565E7-5D70-054E-90E0-C19FE13B6790}" sibTransId="{A9860EA9-F28C-E04C-8CCC-2E75895ED615}"/>
+    <dgm:cxn modelId="{440F4B02-6F42-4E42-88BB-9508A048AC5F}" type="presOf" srcId="{1AD1EA1C-020E-5744-81BA-AEEC1A7A11F3}" destId="{D86CCABB-994E-2B44-9B36-549A167DC946}" srcOrd="0" destOrd="0" presId="urn:microsoft.com/office/officeart/2005/8/layout/hierarchy1"/>
+    <dgm:cxn modelId="{484EBA04-EC51-674F-A8AE-34673650413A}" type="presOf" srcId="{4D875376-E6B9-804F-AC85-A1D4337BBC8A}" destId="{0FEFC8CB-58CB-4A43-9867-EED6738F0C0F}" srcOrd="0" destOrd="0" presId="urn:microsoft.com/office/officeart/2005/8/layout/hierarchy1"/>
+    <dgm:cxn modelId="{C6A9EB81-781E-B140-AA2A-8482FFB562A9}" type="presOf" srcId="{9C7D04B1-85B2-3F41-9343-3724449F75B3}" destId="{AD6B8219-1F5B-DA4F-B261-22B5D0551A94}" srcOrd="0" destOrd="0" presId="urn:microsoft.com/office/officeart/2005/8/layout/hierarchy1"/>
+    <dgm:cxn modelId="{4CC6FB2A-BDF9-2948-B3E8-8BFD444DE0F5}" srcId="{67DF074B-DE05-B24C-9E35-CDBF726DC2DD}" destId="{632DBD1E-A080-C14D-89CD-94A8C0F3CF25}" srcOrd="0" destOrd="0" parTransId="{563BE0E2-35F1-EA43-92A4-487E8781D214}" sibTransId="{BC85FB81-59E3-3246-A1DB-AA9BCA174B1A}"/>
+    <dgm:cxn modelId="{B162FBEE-7666-CF40-9F98-71979078B4C4}" type="presOf" srcId="{184A7FBE-4658-3046-B4A7-4EBDDC670AD1}" destId="{2E4A94D1-71F0-A046-B95F-18095848F38A}" srcOrd="0" destOrd="0" presId="urn:microsoft.com/office/officeart/2005/8/layout/hierarchy1"/>
+    <dgm:cxn modelId="{83E49D5E-8454-9E42-BE7E-222314DE437A}" type="presOf" srcId="{A215CF19-F4EB-414A-A10F-B2A96141FE91}" destId="{0B86410B-498D-AB4D-9967-4C4AEDB1DF45}" srcOrd="0" destOrd="0" presId="urn:microsoft.com/office/officeart/2005/8/layout/hierarchy1"/>
+    <dgm:cxn modelId="{09A4557F-E6E3-CA46-A390-4566B55E38CE}" srcId="{AE7EA77A-1D8E-3F42-95E1-4EB11A443A81}" destId="{A215CF19-F4EB-414A-A10F-B2A96141FE91}" srcOrd="1" destOrd="0" parTransId="{4810192D-B607-5A42-8DCE-8CFCF1A82427}" sibTransId="{466C1D3C-619E-C448-BF54-2F35FBFACADE}"/>
+    <dgm:cxn modelId="{0B16FAA0-F0DC-E14D-A933-D97947E06F4E}" type="presOf" srcId="{0C3731E6-7189-414B-8AA4-AA411ADE82DC}" destId="{F42357F4-6E12-A041-A7D6-81713E5E517B}" srcOrd="0" destOrd="0" presId="urn:microsoft.com/office/officeart/2005/8/layout/hierarchy1"/>
+    <dgm:cxn modelId="{FC2A4C8E-B168-2C44-A952-F595C96EAE55}" type="presOf" srcId="{12CF4121-F3B4-5C45-B72F-C1FB37DD3C0D}" destId="{800FD04D-B3AC-0B4A-955F-2E2198D77D53}" srcOrd="0" destOrd="0" presId="urn:microsoft.com/office/officeart/2005/8/layout/hierarchy1"/>
+    <dgm:cxn modelId="{C885BB5D-362B-1847-87CF-E1B639313EA0}" srcId="{FE86CB60-E462-414C-BF0E-606A57D7AD93}" destId="{E5C8F682-32CD-424A-896C-91EAD3E64C45}" srcOrd="2" destOrd="0" parTransId="{E3372A67-8AD5-414E-9A1F-4D9E3CFF6332}" sibTransId="{B77BD5BE-E444-A847-B5CA-1B150064119C}"/>
+    <dgm:cxn modelId="{BE4A5523-AA4B-D244-80FB-A948E67617FE}" srcId="{AE7EA77A-1D8E-3F42-95E1-4EB11A443A81}" destId="{4261D7F4-A7D0-3F49-B78A-20CFB380B683}" srcOrd="0" destOrd="0" parTransId="{8C382D6E-A069-234E-96CC-A5A865E2BBBD}" sibTransId="{BFE6C573-BEC1-BB44-914C-4A90CDE91A1A}"/>
+    <dgm:cxn modelId="{27CEB2DD-056E-0241-AE0E-32A24CF29BE1}" type="presOf" srcId="{E3372A67-8AD5-414E-9A1F-4D9E3CFF6332}" destId="{BA61A876-7050-3746-8DAE-0686A0FD0957}" srcOrd="0" destOrd="0" presId="urn:microsoft.com/office/officeart/2005/8/layout/hierarchy1"/>
     <dgm:cxn modelId="{866811E1-FA95-DF48-AF32-8FBF0514841B}" type="presOf" srcId="{4261D7F4-A7D0-3F49-B78A-20CFB380B683}" destId="{C2C1A37D-940A-6743-AC99-D92FAAA879A9}" srcOrd="0" destOrd="0" presId="urn:microsoft.com/office/officeart/2005/8/layout/hierarchy1"/>
-    <dgm:cxn modelId="{6D36957F-2BF7-BF4E-823B-0AEB53A6D11B}" type="presOf" srcId="{960CE163-DF35-2B44-83E7-B9153BC66084}" destId="{923B0C63-79B7-9B4A-94B9-19130FBE5D7B}" srcOrd="0" destOrd="0" presId="urn:microsoft.com/office/officeart/2005/8/layout/hierarchy1"/>
+    <dgm:cxn modelId="{68A68B6C-C4A2-404D-9619-7E596F60AE28}" srcId="{FE86CB60-E462-414C-BF0E-606A57D7AD93}" destId="{67DF074B-DE05-B24C-9E35-CDBF726DC2DD}" srcOrd="1" destOrd="0" parTransId="{0C3731E6-7189-414B-8AA4-AA411ADE82DC}" sibTransId="{4A343348-5A18-A64D-B967-67FF94A2182D}"/>
+    <dgm:cxn modelId="{EBA0C76A-39FE-554F-88D0-6528D4CD0E35}" type="presOf" srcId="{8C382D6E-A069-234E-96CC-A5A865E2BBBD}" destId="{C6BA431E-FA40-1D4E-A3D8-2A8BD37A2453}" srcOrd="0" destOrd="0" presId="urn:microsoft.com/office/officeart/2005/8/layout/hierarchy1"/>
+    <dgm:cxn modelId="{BD876DF4-FBEE-9943-863F-7B7F61CBAEA9}" srcId="{960CE163-DF35-2B44-83E7-B9153BC66084}" destId="{FE86CB60-E462-414C-BF0E-606A57D7AD93}" srcOrd="3" destOrd="0" parTransId="{70F0D127-9705-B346-8456-2EA73B6E30CF}" sibTransId="{B2965BF0-14E0-474E-A2AB-CCA4521513DD}"/>
+    <dgm:cxn modelId="{48C3CFE4-65EB-9D4E-A0CE-F9F821B5D78C}" srcId="{FE86CB60-E462-414C-BF0E-606A57D7AD93}" destId="{9C7D04B1-85B2-3F41-9343-3724449F75B3}" srcOrd="0" destOrd="0" parTransId="{184A7FBE-4658-3046-B4A7-4EBDDC670AD1}" sibTransId="{5D03D28D-4580-AA4E-B725-784F886C6797}"/>
+    <dgm:cxn modelId="{83178590-C5E9-EC43-8EDA-B3858F48D21D}" type="presOf" srcId="{2CF1C699-9046-8C42-87E6-2861BF37D660}" destId="{9152FE1E-3F9F-1945-845B-196FD4FE9E7F}" srcOrd="0" destOrd="0" presId="urn:microsoft.com/office/officeart/2005/8/layout/hierarchy1"/>
+    <dgm:cxn modelId="{D9D8F9C0-8903-7948-A11A-2122148A6AB2}" type="presOf" srcId="{84B85FB8-CE49-454E-AFD0-26748DF588CB}" destId="{39E9CE6E-1476-7F49-AD48-00E9588CC1FC}" srcOrd="0" destOrd="0" presId="urn:microsoft.com/office/officeart/2005/8/layout/hierarchy1"/>
+    <dgm:cxn modelId="{4C996260-0FB8-064C-9305-699F6EBB6836}" type="presOf" srcId="{F9A1264F-2EB8-8148-8E8F-B74886C30473}" destId="{9541F663-17CE-1449-B545-4E9F3C558C3A}" srcOrd="0" destOrd="0" presId="urn:microsoft.com/office/officeart/2005/8/layout/hierarchy1"/>
+    <dgm:cxn modelId="{D3398545-283D-7F4A-AD76-F118478DEE25}" type="presOf" srcId="{70F0D127-9705-B346-8456-2EA73B6E30CF}" destId="{201C7CC6-525A-FE42-B4FF-8C5914387024}" srcOrd="0" destOrd="0" presId="urn:microsoft.com/office/officeart/2005/8/layout/hierarchy1"/>
+    <dgm:cxn modelId="{EFDA5F81-CFAE-4744-A386-B9CAB38A2A6F}" type="presOf" srcId="{563BE0E2-35F1-EA43-92A4-487E8781D214}" destId="{1F5FFC55-2839-634C-8F0C-96EACF5BE3CB}" srcOrd="0" destOrd="0" presId="urn:microsoft.com/office/officeart/2005/8/layout/hierarchy1"/>
+    <dgm:cxn modelId="{E7733746-4C87-234A-9D3E-4005D8B583BC}" srcId="{84B85FB8-CE49-454E-AFD0-26748DF588CB}" destId="{960CE163-DF35-2B44-83E7-B9153BC66084}" srcOrd="0" destOrd="0" parTransId="{15F9C8B3-0868-F148-A166-96327192876A}" sibTransId="{AE4D7356-6DD9-B04F-A5BC-257D53ADE85C}"/>
     <dgm:cxn modelId="{0A19088C-A894-A349-B6F2-D0CA96CD47FA}" srcId="{960CE163-DF35-2B44-83E7-B9153BC66084}" destId="{1AD1EA1C-020E-5744-81BA-AEEC1A7A11F3}" srcOrd="2" destOrd="0" parTransId="{12CF4121-F3B4-5C45-B72F-C1FB37DD3C0D}" sibTransId="{E7356A86-2BC1-2844-87C1-0F4142A0BACE}"/>
+    <dgm:cxn modelId="{39E71571-F376-1B4E-9008-3C634EFD7392}" type="presOf" srcId="{E5C8F682-32CD-424A-896C-91EAD3E64C45}" destId="{76B33B1D-4CA5-544F-BF28-B308B507EF10}" srcOrd="0" destOrd="0" presId="urn:microsoft.com/office/officeart/2005/8/layout/hierarchy1"/>
+    <dgm:cxn modelId="{07847B2C-2197-1D42-89B1-97821FC791F1}" type="presOf" srcId="{FE86CB60-E462-414C-BF0E-606A57D7AD93}" destId="{6603764C-B415-664F-8885-A7DAA8CAF3E7}" srcOrd="0" destOrd="0" presId="urn:microsoft.com/office/officeart/2005/8/layout/hierarchy1"/>
     <dgm:cxn modelId="{697D1675-B656-B84B-AFCA-1CEE639973FF}" type="presOf" srcId="{AE7EA77A-1D8E-3F42-95E1-4EB11A443A81}" destId="{BBF408DD-FB71-6449-9993-DDA736E8D58A}" srcOrd="0" destOrd="0" presId="urn:microsoft.com/office/officeart/2005/8/layout/hierarchy1"/>
     <dgm:cxn modelId="{E157C69F-A525-6547-98DF-51E7622A78B4}" type="presOf" srcId="{632DBD1E-A080-C14D-89CD-94A8C0F3CF25}" destId="{2246CDBD-2CA8-A34C-A89B-E32ACB07E97A}" srcOrd="0" destOrd="0" presId="urn:microsoft.com/office/officeart/2005/8/layout/hierarchy1"/>
-    <dgm:cxn modelId="{39E71571-F376-1B4E-9008-3C634EFD7392}" type="presOf" srcId="{E5C8F682-32CD-424A-896C-91EAD3E64C45}" destId="{76B33B1D-4CA5-544F-BF28-B308B507EF10}" srcOrd="0" destOrd="0" presId="urn:microsoft.com/office/officeart/2005/8/layout/hierarchy1"/>
-    <dgm:cxn modelId="{A5EF75CA-949B-FB42-A967-633DBF9C5416}" srcId="{67DF074B-DE05-B24C-9E35-CDBF726DC2DD}" destId="{2CF1C699-9046-8C42-87E6-2861BF37D660}" srcOrd="1" destOrd="0" parTransId="{F9A1264F-2EB8-8148-8E8F-B74886C30473}" sibTransId="{2B88B2F7-3FE5-E743-A3EF-F1DB3821C219}"/>
-    <dgm:cxn modelId="{27CEB2DD-056E-0241-AE0E-32A24CF29BE1}" type="presOf" srcId="{E3372A67-8AD5-414E-9A1F-4D9E3CFF6332}" destId="{BA61A876-7050-3746-8DAE-0686A0FD0957}" srcOrd="0" destOrd="0" presId="urn:microsoft.com/office/officeart/2005/8/layout/hierarchy1"/>
-    <dgm:cxn modelId="{8D905AE7-B183-4C4A-B73B-578DC06779C6}" type="presOf" srcId="{6C0275DE-9DFE-0E43-8DDA-D28DD222D71F}" destId="{8CFA3E84-678E-C345-8D46-63E85CF195E2}" srcOrd="0" destOrd="0" presId="urn:microsoft.com/office/officeart/2005/8/layout/hierarchy1"/>
-    <dgm:cxn modelId="{4CC6FB2A-BDF9-2948-B3E8-8BFD444DE0F5}" srcId="{67DF074B-DE05-B24C-9E35-CDBF726DC2DD}" destId="{632DBD1E-A080-C14D-89CD-94A8C0F3CF25}" srcOrd="0" destOrd="0" parTransId="{563BE0E2-35F1-EA43-92A4-487E8781D214}" sibTransId="{BC85FB81-59E3-3246-A1DB-AA9BCA174B1A}"/>
-    <dgm:cxn modelId="{48C3CFE4-65EB-9D4E-A0CE-F9F821B5D78C}" srcId="{FE86CB60-E462-414C-BF0E-606A57D7AD93}" destId="{9C7D04B1-85B2-3F41-9343-3724449F75B3}" srcOrd="0" destOrd="0" parTransId="{184A7FBE-4658-3046-B4A7-4EBDDC670AD1}" sibTransId="{5D03D28D-4580-AA4E-B725-784F886C6797}"/>
-    <dgm:cxn modelId="{C68BF670-8B34-3C4D-9D1C-D21DB540C6F0}" type="presOf" srcId="{4810192D-B607-5A42-8DCE-8CFCF1A82427}" destId="{28156514-4C64-AE45-A406-98283D6076D6}" srcOrd="0" destOrd="0" presId="urn:microsoft.com/office/officeart/2005/8/layout/hierarchy1"/>
-    <dgm:cxn modelId="{BE4A5523-AA4B-D244-80FB-A948E67617FE}" srcId="{AE7EA77A-1D8E-3F42-95E1-4EB11A443A81}" destId="{4261D7F4-A7D0-3F49-B78A-20CFB380B683}" srcOrd="0" destOrd="0" parTransId="{8C382D6E-A069-234E-96CC-A5A865E2BBBD}" sibTransId="{BFE6C573-BEC1-BB44-914C-4A90CDE91A1A}"/>
-    <dgm:cxn modelId="{BD876DF4-FBEE-9943-863F-7B7F61CBAEA9}" srcId="{960CE163-DF35-2B44-83E7-B9153BC66084}" destId="{FE86CB60-E462-414C-BF0E-606A57D7AD93}" srcOrd="3" destOrd="0" parTransId="{70F0D127-9705-B346-8456-2EA73B6E30CF}" sibTransId="{B2965BF0-14E0-474E-A2AB-CCA4521513DD}"/>
-    <dgm:cxn modelId="{07847B2C-2197-1D42-89B1-97821FC791F1}" type="presOf" srcId="{FE86CB60-E462-414C-BF0E-606A57D7AD93}" destId="{6603764C-B415-664F-8885-A7DAA8CAF3E7}" srcOrd="0" destOrd="0" presId="urn:microsoft.com/office/officeart/2005/8/layout/hierarchy1"/>
-    <dgm:cxn modelId="{4C996260-0FB8-064C-9305-699F6EBB6836}" type="presOf" srcId="{F9A1264F-2EB8-8148-8E8F-B74886C30473}" destId="{9541F663-17CE-1449-B545-4E9F3C558C3A}" srcOrd="0" destOrd="0" presId="urn:microsoft.com/office/officeart/2005/8/layout/hierarchy1"/>
-    <dgm:cxn modelId="{C885BB5D-362B-1847-87CF-E1B639313EA0}" srcId="{FE86CB60-E462-414C-BF0E-606A57D7AD93}" destId="{E5C8F682-32CD-424A-896C-91EAD3E64C45}" srcOrd="2" destOrd="0" parTransId="{E3372A67-8AD5-414E-9A1F-4D9E3CFF6332}" sibTransId="{B77BD5BE-E444-A847-B5CA-1B150064119C}"/>
-    <dgm:cxn modelId="{68A68B6C-C4A2-404D-9619-7E596F60AE28}" srcId="{FE86CB60-E462-414C-BF0E-606A57D7AD93}" destId="{67DF074B-DE05-B24C-9E35-CDBF726DC2DD}" srcOrd="1" destOrd="0" parTransId="{0C3731E6-7189-414B-8AA4-AA411ADE82DC}" sibTransId="{4A343348-5A18-A64D-B967-67FF94A2182D}"/>
-    <dgm:cxn modelId="{B162FBEE-7666-CF40-9F98-71979078B4C4}" type="presOf" srcId="{184A7FBE-4658-3046-B4A7-4EBDDC670AD1}" destId="{2E4A94D1-71F0-A046-B95F-18095848F38A}" srcOrd="0" destOrd="0" presId="urn:microsoft.com/office/officeart/2005/8/layout/hierarchy1"/>
-    <dgm:cxn modelId="{83E49D5E-8454-9E42-BE7E-222314DE437A}" type="presOf" srcId="{A215CF19-F4EB-414A-A10F-B2A96141FE91}" destId="{0B86410B-498D-AB4D-9967-4C4AEDB1DF45}" srcOrd="0" destOrd="0" presId="urn:microsoft.com/office/officeart/2005/8/layout/hierarchy1"/>
-    <dgm:cxn modelId="{D9D8F9C0-8903-7948-A11A-2122148A6AB2}" type="presOf" srcId="{84B85FB8-CE49-454E-AFD0-26748DF588CB}" destId="{39E9CE6E-1476-7F49-AD48-00E9588CC1FC}" srcOrd="0" destOrd="0" presId="urn:microsoft.com/office/officeart/2005/8/layout/hierarchy1"/>
-    <dgm:cxn modelId="{83178590-C5E9-EC43-8EDA-B3858F48D21D}" type="presOf" srcId="{2CF1C699-9046-8C42-87E6-2861BF37D660}" destId="{9152FE1E-3F9F-1945-845B-196FD4FE9E7F}" srcOrd="0" destOrd="0" presId="urn:microsoft.com/office/officeart/2005/8/layout/hierarchy1"/>
-    <dgm:cxn modelId="{FC2A4C8E-B168-2C44-A952-F595C96EAE55}" type="presOf" srcId="{12CF4121-F3B4-5C45-B72F-C1FB37DD3C0D}" destId="{800FD04D-B3AC-0B4A-955F-2E2198D77D53}" srcOrd="0" destOrd="0" presId="urn:microsoft.com/office/officeart/2005/8/layout/hierarchy1"/>
-    <dgm:cxn modelId="{D3398545-283D-7F4A-AD76-F118478DEE25}" type="presOf" srcId="{70F0D127-9705-B346-8456-2EA73B6E30CF}" destId="{201C7CC6-525A-FE42-B4FF-8C5914387024}" srcOrd="0" destOrd="0" presId="urn:microsoft.com/office/officeart/2005/8/layout/hierarchy1"/>
-    <dgm:cxn modelId="{09A4557F-E6E3-CA46-A390-4566B55E38CE}" srcId="{AE7EA77A-1D8E-3F42-95E1-4EB11A443A81}" destId="{A215CF19-F4EB-414A-A10F-B2A96141FE91}" srcOrd="1" destOrd="0" parTransId="{4810192D-B607-5A42-8DCE-8CFCF1A82427}" sibTransId="{466C1D3C-619E-C448-BF54-2F35FBFACADE}"/>
-    <dgm:cxn modelId="{440F4B02-6F42-4E42-88BB-9508A048AC5F}" type="presOf" srcId="{1AD1EA1C-020E-5744-81BA-AEEC1A7A11F3}" destId="{D86CCABB-994E-2B44-9B36-549A167DC946}" srcOrd="0" destOrd="0" presId="urn:microsoft.com/office/officeart/2005/8/layout/hierarchy1"/>
-    <dgm:cxn modelId="{1D703EA7-18EF-A644-AD84-6BA0E7A84E48}" srcId="{960CE163-DF35-2B44-83E7-B9153BC66084}" destId="{AE7EA77A-1D8E-3F42-95E1-4EB11A443A81}" srcOrd="0" destOrd="0" parTransId="{D0F565E7-5D70-054E-90E0-C19FE13B6790}" sibTransId="{A9860EA9-F28C-E04C-8CCC-2E75895ED615}"/>
-    <dgm:cxn modelId="{484EBA04-EC51-674F-A8AE-34673650413A}" type="presOf" srcId="{4D875376-E6B9-804F-AC85-A1D4337BBC8A}" destId="{0FEFC8CB-58CB-4A43-9867-EED6738F0C0F}" srcOrd="0" destOrd="0" presId="urn:microsoft.com/office/officeart/2005/8/layout/hierarchy1"/>
-    <dgm:cxn modelId="{0B16FAA0-F0DC-E14D-A933-D97947E06F4E}" type="presOf" srcId="{0C3731E6-7189-414B-8AA4-AA411ADE82DC}" destId="{F42357F4-6E12-A041-A7D6-81713E5E517B}" srcOrd="0" destOrd="0" presId="urn:microsoft.com/office/officeart/2005/8/layout/hierarchy1"/>
-    <dgm:cxn modelId="{8FC20289-4F63-9E49-BD79-567030E07E0D}" srcId="{960CE163-DF35-2B44-83E7-B9153BC66084}" destId="{4D875376-E6B9-804F-AC85-A1D4337BBC8A}" srcOrd="1" destOrd="0" parTransId="{6C0275DE-9DFE-0E43-8DDA-D28DD222D71F}" sibTransId="{5CBDE70F-8F73-B144-BE9A-D54839868342}"/>
-    <dgm:cxn modelId="{7107EE87-4D9F-D744-A73B-1F14A2E869D1}" type="presOf" srcId="{67DF074B-DE05-B24C-9E35-CDBF726DC2DD}" destId="{EBC8209D-BB74-B44A-A57A-C51ABEDBBAE8}" srcOrd="0" destOrd="0" presId="urn:microsoft.com/office/officeart/2005/8/layout/hierarchy1"/>
-    <dgm:cxn modelId="{EBA0C76A-39FE-554F-88D0-6528D4CD0E35}" type="presOf" srcId="{8C382D6E-A069-234E-96CC-A5A865E2BBBD}" destId="{C6BA431E-FA40-1D4E-A3D8-2A8BD37A2453}" srcOrd="0" destOrd="0" presId="urn:microsoft.com/office/officeart/2005/8/layout/hierarchy1"/>
-    <dgm:cxn modelId="{E7733746-4C87-234A-9D3E-4005D8B583BC}" srcId="{84B85FB8-CE49-454E-AFD0-26748DF588CB}" destId="{960CE163-DF35-2B44-83E7-B9153BC66084}" srcOrd="0" destOrd="0" parTransId="{15F9C8B3-0868-F148-A166-96327192876A}" sibTransId="{AE4D7356-6DD9-B04F-A5BC-257D53ADE85C}"/>
-    <dgm:cxn modelId="{C6A9EB81-781E-B140-AA2A-8482FFB562A9}" type="presOf" srcId="{9C7D04B1-85B2-3F41-9343-3724449F75B3}" destId="{AD6B8219-1F5B-DA4F-B261-22B5D0551A94}" srcOrd="0" destOrd="0" presId="urn:microsoft.com/office/officeart/2005/8/layout/hierarchy1"/>
-    <dgm:cxn modelId="{2F905694-9AC7-9A41-9289-1BA80DD7DCA9}" type="presOf" srcId="{D0F565E7-5D70-054E-90E0-C19FE13B6790}" destId="{6B84F89A-BB62-184B-ACA8-8A1AAAE34DE1}" srcOrd="0" destOrd="0" presId="urn:microsoft.com/office/officeart/2005/8/layout/hierarchy1"/>
-    <dgm:cxn modelId="{EFDA5F81-CFAE-4744-A386-B9CAB38A2A6F}" type="presOf" srcId="{563BE0E2-35F1-EA43-92A4-487E8781D214}" destId="{1F5FFC55-2839-634C-8F0C-96EACF5BE3CB}" srcOrd="0" destOrd="0" presId="urn:microsoft.com/office/officeart/2005/8/layout/hierarchy1"/>
     <dgm:cxn modelId="{A07086BC-4D12-9B4A-BF1C-A82AB28D854E}" type="presParOf" srcId="{39E9CE6E-1476-7F49-AD48-00E9588CC1FC}" destId="{AFBF1B26-876E-5B4F-868D-ECF533517B41}" srcOrd="0" destOrd="0" presId="urn:microsoft.com/office/officeart/2005/8/layout/hierarchy1"/>
     <dgm:cxn modelId="{BCCE215E-EBE3-1343-9575-41A6F40123E5}" type="presParOf" srcId="{AFBF1B26-876E-5B4F-868D-ECF533517B41}" destId="{80FDFEA5-D276-C44B-902D-D2E8A937A02A}" srcOrd="0" destOrd="0" presId="urn:microsoft.com/office/officeart/2005/8/layout/hierarchy1"/>
     <dgm:cxn modelId="{55A596F9-C968-9948-B40F-70229FAF54D0}" type="presParOf" srcId="{80FDFEA5-D276-C44B-902D-D2E8A937A02A}" destId="{DE9E6D4B-E798-AA47-81C3-1E545DF4DB5B}" srcOrd="0" destOrd="0" presId="urn:microsoft.com/office/officeart/2005/8/layout/hierarchy1"/>
@@ -5235,42 +5277,42 @@
     </dgm:pt>
   </dgm:ptLst>
   <dgm:cxnLst>
-    <dgm:cxn modelId="{0A19088C-A894-A349-B6F2-D0CA96CD47FA}" srcId="{960CE163-DF35-2B44-83E7-B9153BC66084}" destId="{1AD1EA1C-020E-5744-81BA-AEEC1A7A11F3}" srcOrd="2" destOrd="0" parTransId="{12CF4121-F3B4-5C45-B72F-C1FB37DD3C0D}" sibTransId="{E7356A86-2BC1-2844-87C1-0F4142A0BACE}"/>
-    <dgm:cxn modelId="{A5EF75CA-949B-FB42-A967-633DBF9C5416}" srcId="{67DF074B-DE05-B24C-9E35-CDBF726DC2DD}" destId="{2CF1C699-9046-8C42-87E6-2861BF37D660}" srcOrd="1" destOrd="0" parTransId="{F9A1264F-2EB8-8148-8E8F-B74886C30473}" sibTransId="{2B88B2F7-3FE5-E743-A3EF-F1DB3821C219}"/>
-    <dgm:cxn modelId="{1BB5FA34-3C64-DD46-93EA-B2497E30C558}" type="presOf" srcId="{0C3731E6-7189-414B-8AA4-AA411ADE82DC}" destId="{F42357F4-6E12-A041-A7D6-81713E5E517B}" srcOrd="0" destOrd="0" presId="urn:microsoft.com/office/officeart/2005/8/layout/hierarchy1"/>
-    <dgm:cxn modelId="{4143E40A-3339-5746-9665-4720B7275017}" type="presOf" srcId="{4261D7F4-A7D0-3F49-B78A-20CFB380B683}" destId="{C2C1A37D-940A-6743-AC99-D92FAAA879A9}" srcOrd="0" destOrd="0" presId="urn:microsoft.com/office/officeart/2005/8/layout/hierarchy1"/>
-    <dgm:cxn modelId="{62868263-8B87-BF41-9DB1-C409701EE1E3}" type="presOf" srcId="{184A7FBE-4658-3046-B4A7-4EBDDC670AD1}" destId="{2E4A94D1-71F0-A046-B95F-18095848F38A}" srcOrd="0" destOrd="0" presId="urn:microsoft.com/office/officeart/2005/8/layout/hierarchy1"/>
-    <dgm:cxn modelId="{56B8DE62-0A59-E34F-BA89-ACA8FE07FD37}" type="presOf" srcId="{A215CF19-F4EB-414A-A10F-B2A96141FE91}" destId="{0B86410B-498D-AB4D-9967-4C4AEDB1DF45}" srcOrd="0" destOrd="0" presId="urn:microsoft.com/office/officeart/2005/8/layout/hierarchy1"/>
-    <dgm:cxn modelId="{4CC6FB2A-BDF9-2948-B3E8-8BFD444DE0F5}" srcId="{67DF074B-DE05-B24C-9E35-CDBF726DC2DD}" destId="{632DBD1E-A080-C14D-89CD-94A8C0F3CF25}" srcOrd="0" destOrd="0" parTransId="{563BE0E2-35F1-EA43-92A4-487E8781D214}" sibTransId="{BC85FB81-59E3-3246-A1DB-AA9BCA174B1A}"/>
-    <dgm:cxn modelId="{7E833AC7-C906-EC48-8CF2-050B2E9E6DD6}" type="presOf" srcId="{632DBD1E-A080-C14D-89CD-94A8C0F3CF25}" destId="{2246CDBD-2CA8-A34C-A89B-E32ACB07E97A}" srcOrd="0" destOrd="0" presId="urn:microsoft.com/office/officeart/2005/8/layout/hierarchy1"/>
-    <dgm:cxn modelId="{48C3CFE4-65EB-9D4E-A0CE-F9F821B5D78C}" srcId="{FE86CB60-E462-414C-BF0E-606A57D7AD93}" destId="{9C7D04B1-85B2-3F41-9343-3724449F75B3}" srcOrd="0" destOrd="0" parTransId="{184A7FBE-4658-3046-B4A7-4EBDDC670AD1}" sibTransId="{5D03D28D-4580-AA4E-B725-784F886C6797}"/>
-    <dgm:cxn modelId="{5125BE48-CBDA-9E46-A5EC-A00E5922E856}" type="presOf" srcId="{8C382D6E-A069-234E-96CC-A5A865E2BBBD}" destId="{C6BA431E-FA40-1D4E-A3D8-2A8BD37A2453}" srcOrd="0" destOrd="0" presId="urn:microsoft.com/office/officeart/2005/8/layout/hierarchy1"/>
-    <dgm:cxn modelId="{FFC55F0E-24F0-0940-B0B5-F6820B65D7C7}" type="presOf" srcId="{E5C8F682-32CD-424A-896C-91EAD3E64C45}" destId="{76B33B1D-4CA5-544F-BF28-B308B507EF10}" srcOrd="0" destOrd="0" presId="urn:microsoft.com/office/officeart/2005/8/layout/hierarchy1"/>
-    <dgm:cxn modelId="{BE4A5523-AA4B-D244-80FB-A948E67617FE}" srcId="{AE7EA77A-1D8E-3F42-95E1-4EB11A443A81}" destId="{4261D7F4-A7D0-3F49-B78A-20CFB380B683}" srcOrd="0" destOrd="0" parTransId="{8C382D6E-A069-234E-96CC-A5A865E2BBBD}" sibTransId="{BFE6C573-BEC1-BB44-914C-4A90CDE91A1A}"/>
-    <dgm:cxn modelId="{BD876DF4-FBEE-9943-863F-7B7F61CBAEA9}" srcId="{960CE163-DF35-2B44-83E7-B9153BC66084}" destId="{FE86CB60-E462-414C-BF0E-606A57D7AD93}" srcOrd="3" destOrd="0" parTransId="{70F0D127-9705-B346-8456-2EA73B6E30CF}" sibTransId="{B2965BF0-14E0-474E-A2AB-CCA4521513DD}"/>
-    <dgm:cxn modelId="{7B0EFE83-8F7C-2148-A812-1F8ACB477747}" type="presOf" srcId="{F9A1264F-2EB8-8148-8E8F-B74886C30473}" destId="{9541F663-17CE-1449-B545-4E9F3C558C3A}" srcOrd="0" destOrd="0" presId="urn:microsoft.com/office/officeart/2005/8/layout/hierarchy1"/>
-    <dgm:cxn modelId="{1FDA42F0-000F-6E4D-ACBD-DD297AF16C8B}" type="presOf" srcId="{960CE163-DF35-2B44-83E7-B9153BC66084}" destId="{923B0C63-79B7-9B4A-94B9-19130FBE5D7B}" srcOrd="0" destOrd="0" presId="urn:microsoft.com/office/officeart/2005/8/layout/hierarchy1"/>
-    <dgm:cxn modelId="{C885BB5D-362B-1847-87CF-E1B639313EA0}" srcId="{FE86CB60-E462-414C-BF0E-606A57D7AD93}" destId="{E5C8F682-32CD-424A-896C-91EAD3E64C45}" srcOrd="2" destOrd="0" parTransId="{E3372A67-8AD5-414E-9A1F-4D9E3CFF6332}" sibTransId="{B77BD5BE-E444-A847-B5CA-1B150064119C}"/>
-    <dgm:cxn modelId="{68A68B6C-C4A2-404D-9619-7E596F60AE28}" srcId="{FE86CB60-E462-414C-BF0E-606A57D7AD93}" destId="{67DF074B-DE05-B24C-9E35-CDBF726DC2DD}" srcOrd="1" destOrd="0" parTransId="{0C3731E6-7189-414B-8AA4-AA411ADE82DC}" sibTransId="{4A343348-5A18-A64D-B967-67FF94A2182D}"/>
-    <dgm:cxn modelId="{E1A0809A-BAEA-BF42-92A8-DDEE32055693}" type="presOf" srcId="{9C7D04B1-85B2-3F41-9343-3724449F75B3}" destId="{AD6B8219-1F5B-DA4F-B261-22B5D0551A94}" srcOrd="0" destOrd="0" presId="urn:microsoft.com/office/officeart/2005/8/layout/hierarchy1"/>
-    <dgm:cxn modelId="{74C3DF55-2571-4A42-A3D4-79D2D7286452}" type="presOf" srcId="{12CF4121-F3B4-5C45-B72F-C1FB37DD3C0D}" destId="{800FD04D-B3AC-0B4A-955F-2E2198D77D53}" srcOrd="0" destOrd="0" presId="urn:microsoft.com/office/officeart/2005/8/layout/hierarchy1"/>
-    <dgm:cxn modelId="{7DFEC403-3D07-E147-94A7-6948508849D0}" type="presOf" srcId="{563BE0E2-35F1-EA43-92A4-487E8781D214}" destId="{1F5FFC55-2839-634C-8F0C-96EACF5BE3CB}" srcOrd="0" destOrd="0" presId="urn:microsoft.com/office/officeart/2005/8/layout/hierarchy1"/>
-    <dgm:cxn modelId="{D2D6BF3A-81D0-9346-B33A-086AABA7D7D7}" type="presOf" srcId="{D0F565E7-5D70-054E-90E0-C19FE13B6790}" destId="{6B84F89A-BB62-184B-ACA8-8A1AAAE34DE1}" srcOrd="0" destOrd="0" presId="urn:microsoft.com/office/officeart/2005/8/layout/hierarchy1"/>
-    <dgm:cxn modelId="{FE6DB9C5-C848-C041-9BAC-D3D409ECA3D7}" type="presOf" srcId="{67DF074B-DE05-B24C-9E35-CDBF726DC2DD}" destId="{EBC8209D-BB74-B44A-A57A-C51ABEDBBAE8}" srcOrd="0" destOrd="0" presId="urn:microsoft.com/office/officeart/2005/8/layout/hierarchy1"/>
-    <dgm:cxn modelId="{09A4557F-E6E3-CA46-A390-4566B55E38CE}" srcId="{AE7EA77A-1D8E-3F42-95E1-4EB11A443A81}" destId="{A215CF19-F4EB-414A-A10F-B2A96141FE91}" srcOrd="1" destOrd="0" parTransId="{4810192D-B607-5A42-8DCE-8CFCF1A82427}" sibTransId="{466C1D3C-619E-C448-BF54-2F35FBFACADE}"/>
-    <dgm:cxn modelId="{8BD052AF-949A-F948-A12A-2F16C08A8BAA}" type="presOf" srcId="{4810192D-B607-5A42-8DCE-8CFCF1A82427}" destId="{28156514-4C64-AE45-A406-98283D6076D6}" srcOrd="0" destOrd="0" presId="urn:microsoft.com/office/officeart/2005/8/layout/hierarchy1"/>
-    <dgm:cxn modelId="{629969CD-5D04-2A43-B3AF-FE8A98094A86}" type="presOf" srcId="{6C0275DE-9DFE-0E43-8DDA-D28DD222D71F}" destId="{8CFA3E84-678E-C345-8D46-63E85CF195E2}" srcOrd="0" destOrd="0" presId="urn:microsoft.com/office/officeart/2005/8/layout/hierarchy1"/>
     <dgm:cxn modelId="{250B2BE2-FEC5-CD47-89C4-F8108BC7D53A}" type="presOf" srcId="{FE86CB60-E462-414C-BF0E-606A57D7AD93}" destId="{6603764C-B415-664F-8885-A7DAA8CAF3E7}" srcOrd="0" destOrd="0" presId="urn:microsoft.com/office/officeart/2005/8/layout/hierarchy1"/>
     <dgm:cxn modelId="{1D703EA7-18EF-A644-AD84-6BA0E7A84E48}" srcId="{960CE163-DF35-2B44-83E7-B9153BC66084}" destId="{AE7EA77A-1D8E-3F42-95E1-4EB11A443A81}" srcOrd="0" destOrd="0" parTransId="{D0F565E7-5D70-054E-90E0-C19FE13B6790}" sibTransId="{A9860EA9-F28C-E04C-8CCC-2E75895ED615}"/>
+    <dgm:cxn modelId="{BD876DF4-FBEE-9943-863F-7B7F61CBAEA9}" srcId="{960CE163-DF35-2B44-83E7-B9153BC66084}" destId="{FE86CB60-E462-414C-BF0E-606A57D7AD93}" srcOrd="3" destOrd="0" parTransId="{70F0D127-9705-B346-8456-2EA73B6E30CF}" sibTransId="{B2965BF0-14E0-474E-A2AB-CCA4521513DD}"/>
+    <dgm:cxn modelId="{BDB62AEF-004A-3E4A-BA04-15FFC883C6DC}" type="presOf" srcId="{1AD1EA1C-020E-5744-81BA-AEEC1A7A11F3}" destId="{D86CCABB-994E-2B44-9B36-549A167DC946}" srcOrd="0" destOrd="0" presId="urn:microsoft.com/office/officeart/2005/8/layout/hierarchy1"/>
+    <dgm:cxn modelId="{E1A0809A-BAEA-BF42-92A8-DDEE32055693}" type="presOf" srcId="{9C7D04B1-85B2-3F41-9343-3724449F75B3}" destId="{AD6B8219-1F5B-DA4F-B261-22B5D0551A94}" srcOrd="0" destOrd="0" presId="urn:microsoft.com/office/officeart/2005/8/layout/hierarchy1"/>
+    <dgm:cxn modelId="{56B8DE62-0A59-E34F-BA89-ACA8FE07FD37}" type="presOf" srcId="{A215CF19-F4EB-414A-A10F-B2A96141FE91}" destId="{0B86410B-498D-AB4D-9967-4C4AEDB1DF45}" srcOrd="0" destOrd="0" presId="urn:microsoft.com/office/officeart/2005/8/layout/hierarchy1"/>
+    <dgm:cxn modelId="{D2D6BF3A-81D0-9346-B33A-086AABA7D7D7}" type="presOf" srcId="{D0F565E7-5D70-054E-90E0-C19FE13B6790}" destId="{6B84F89A-BB62-184B-ACA8-8A1AAAE34DE1}" srcOrd="0" destOrd="0" presId="urn:microsoft.com/office/officeart/2005/8/layout/hierarchy1"/>
+    <dgm:cxn modelId="{62868263-8B87-BF41-9DB1-C409701EE1E3}" type="presOf" srcId="{184A7FBE-4658-3046-B4A7-4EBDDC670AD1}" destId="{2E4A94D1-71F0-A046-B95F-18095848F38A}" srcOrd="0" destOrd="0" presId="urn:microsoft.com/office/officeart/2005/8/layout/hierarchy1"/>
+    <dgm:cxn modelId="{1BB5FA34-3C64-DD46-93EA-B2497E30C558}" type="presOf" srcId="{0C3731E6-7189-414B-8AA4-AA411ADE82DC}" destId="{F42357F4-6E12-A041-A7D6-81713E5E517B}" srcOrd="0" destOrd="0" presId="urn:microsoft.com/office/officeart/2005/8/layout/hierarchy1"/>
+    <dgm:cxn modelId="{4CC6FB2A-BDF9-2948-B3E8-8BFD444DE0F5}" srcId="{67DF074B-DE05-B24C-9E35-CDBF726DC2DD}" destId="{632DBD1E-A080-C14D-89CD-94A8C0F3CF25}" srcOrd="0" destOrd="0" parTransId="{563BE0E2-35F1-EA43-92A4-487E8781D214}" sibTransId="{BC85FB81-59E3-3246-A1DB-AA9BCA174B1A}"/>
+    <dgm:cxn modelId="{48C3CFE4-65EB-9D4E-A0CE-F9F821B5D78C}" srcId="{FE86CB60-E462-414C-BF0E-606A57D7AD93}" destId="{9C7D04B1-85B2-3F41-9343-3724449F75B3}" srcOrd="0" destOrd="0" parTransId="{184A7FBE-4658-3046-B4A7-4EBDDC670AD1}" sibTransId="{5D03D28D-4580-AA4E-B725-784F886C6797}"/>
+    <dgm:cxn modelId="{89EEE784-3EED-8F43-8217-BBD1C237CA84}" type="presOf" srcId="{2CF1C699-9046-8C42-87E6-2861BF37D660}" destId="{9152FE1E-3F9F-1945-845B-196FD4FE9E7F}" srcOrd="0" destOrd="0" presId="urn:microsoft.com/office/officeart/2005/8/layout/hierarchy1"/>
+    <dgm:cxn modelId="{68A68B6C-C4A2-404D-9619-7E596F60AE28}" srcId="{FE86CB60-E462-414C-BF0E-606A57D7AD93}" destId="{67DF074B-DE05-B24C-9E35-CDBF726DC2DD}" srcOrd="1" destOrd="0" parTransId="{0C3731E6-7189-414B-8AA4-AA411ADE82DC}" sibTransId="{4A343348-5A18-A64D-B967-67FF94A2182D}"/>
+    <dgm:cxn modelId="{80E2C3F7-058F-1C40-8356-C15390BA6FDF}" type="presOf" srcId="{70F0D127-9705-B346-8456-2EA73B6E30CF}" destId="{201C7CC6-525A-FE42-B4FF-8C5914387024}" srcOrd="0" destOrd="0" presId="urn:microsoft.com/office/officeart/2005/8/layout/hierarchy1"/>
+    <dgm:cxn modelId="{8BD052AF-949A-F948-A12A-2F16C08A8BAA}" type="presOf" srcId="{4810192D-B607-5A42-8DCE-8CFCF1A82427}" destId="{28156514-4C64-AE45-A406-98283D6076D6}" srcOrd="0" destOrd="0" presId="urn:microsoft.com/office/officeart/2005/8/layout/hierarchy1"/>
+    <dgm:cxn modelId="{A5EF75CA-949B-FB42-A967-633DBF9C5416}" srcId="{67DF074B-DE05-B24C-9E35-CDBF726DC2DD}" destId="{2CF1C699-9046-8C42-87E6-2861BF37D660}" srcOrd="1" destOrd="0" parTransId="{F9A1264F-2EB8-8148-8E8F-B74886C30473}" sibTransId="{2B88B2F7-3FE5-E743-A3EF-F1DB3821C219}"/>
+    <dgm:cxn modelId="{FFC55F0E-24F0-0940-B0B5-F6820B65D7C7}" type="presOf" srcId="{E5C8F682-32CD-424A-896C-91EAD3E64C45}" destId="{76B33B1D-4CA5-544F-BF28-B308B507EF10}" srcOrd="0" destOrd="0" presId="urn:microsoft.com/office/officeart/2005/8/layout/hierarchy1"/>
+    <dgm:cxn modelId="{F97734D8-6CBC-804D-B286-FA60DFC694E9}" type="presOf" srcId="{84B85FB8-CE49-454E-AFD0-26748DF588CB}" destId="{39E9CE6E-1476-7F49-AD48-00E9588CC1FC}" srcOrd="0" destOrd="0" presId="urn:microsoft.com/office/officeart/2005/8/layout/hierarchy1"/>
+    <dgm:cxn modelId="{1FDA42F0-000F-6E4D-ACBD-DD297AF16C8B}" type="presOf" srcId="{960CE163-DF35-2B44-83E7-B9153BC66084}" destId="{923B0C63-79B7-9B4A-94B9-19130FBE5D7B}" srcOrd="0" destOrd="0" presId="urn:microsoft.com/office/officeart/2005/8/layout/hierarchy1"/>
+    <dgm:cxn modelId="{E7733746-4C87-234A-9D3E-4005D8B583BC}" srcId="{84B85FB8-CE49-454E-AFD0-26748DF588CB}" destId="{960CE163-DF35-2B44-83E7-B9153BC66084}" srcOrd="0" destOrd="0" parTransId="{15F9C8B3-0868-F148-A166-96327192876A}" sibTransId="{AE4D7356-6DD9-B04F-A5BC-257D53ADE85C}"/>
+    <dgm:cxn modelId="{7DFEC403-3D07-E147-94A7-6948508849D0}" type="presOf" srcId="{563BE0E2-35F1-EA43-92A4-487E8781D214}" destId="{1F5FFC55-2839-634C-8F0C-96EACF5BE3CB}" srcOrd="0" destOrd="0" presId="urn:microsoft.com/office/officeart/2005/8/layout/hierarchy1"/>
+    <dgm:cxn modelId="{74C3DF55-2571-4A42-A3D4-79D2D7286452}" type="presOf" srcId="{12CF4121-F3B4-5C45-B72F-C1FB37DD3C0D}" destId="{800FD04D-B3AC-0B4A-955F-2E2198D77D53}" srcOrd="0" destOrd="0" presId="urn:microsoft.com/office/officeart/2005/8/layout/hierarchy1"/>
+    <dgm:cxn modelId="{C885BB5D-362B-1847-87CF-E1B639313EA0}" srcId="{FE86CB60-E462-414C-BF0E-606A57D7AD93}" destId="{E5C8F682-32CD-424A-896C-91EAD3E64C45}" srcOrd="2" destOrd="0" parTransId="{E3372A67-8AD5-414E-9A1F-4D9E3CFF6332}" sibTransId="{B77BD5BE-E444-A847-B5CA-1B150064119C}"/>
+    <dgm:cxn modelId="{BE4A5523-AA4B-D244-80FB-A948E67617FE}" srcId="{AE7EA77A-1D8E-3F42-95E1-4EB11A443A81}" destId="{4261D7F4-A7D0-3F49-B78A-20CFB380B683}" srcOrd="0" destOrd="0" parTransId="{8C382D6E-A069-234E-96CC-A5A865E2BBBD}" sibTransId="{BFE6C573-BEC1-BB44-914C-4A90CDE91A1A}"/>
+    <dgm:cxn modelId="{FBC04F02-4804-8C4A-8D64-8D7E596D7783}" type="presOf" srcId="{AE7EA77A-1D8E-3F42-95E1-4EB11A443A81}" destId="{BBF408DD-FB71-6449-9993-DDA736E8D58A}" srcOrd="0" destOrd="0" presId="urn:microsoft.com/office/officeart/2005/8/layout/hierarchy1"/>
+    <dgm:cxn modelId="{7E833AC7-C906-EC48-8CF2-050B2E9E6DD6}" type="presOf" srcId="{632DBD1E-A080-C14D-89CD-94A8C0F3CF25}" destId="{2246CDBD-2CA8-A34C-A89B-E32ACB07E97A}" srcOrd="0" destOrd="0" presId="urn:microsoft.com/office/officeart/2005/8/layout/hierarchy1"/>
+    <dgm:cxn modelId="{09A4557F-E6E3-CA46-A390-4566B55E38CE}" srcId="{AE7EA77A-1D8E-3F42-95E1-4EB11A443A81}" destId="{A215CF19-F4EB-414A-A10F-B2A96141FE91}" srcOrd="1" destOrd="0" parTransId="{4810192D-B607-5A42-8DCE-8CFCF1A82427}" sibTransId="{466C1D3C-619E-C448-BF54-2F35FBFACADE}"/>
+    <dgm:cxn modelId="{FE6DB9C5-C848-C041-9BAC-D3D409ECA3D7}" type="presOf" srcId="{67DF074B-DE05-B24C-9E35-CDBF726DC2DD}" destId="{EBC8209D-BB74-B44A-A57A-C51ABEDBBAE8}" srcOrd="0" destOrd="0" presId="urn:microsoft.com/office/officeart/2005/8/layout/hierarchy1"/>
+    <dgm:cxn modelId="{629969CD-5D04-2A43-B3AF-FE8A98094A86}" type="presOf" srcId="{6C0275DE-9DFE-0E43-8DDA-D28DD222D71F}" destId="{8CFA3E84-678E-C345-8D46-63E85CF195E2}" srcOrd="0" destOrd="0" presId="urn:microsoft.com/office/officeart/2005/8/layout/hierarchy1"/>
+    <dgm:cxn modelId="{517E7342-1ED5-B24E-84A1-2A79CCE5BC2A}" type="presOf" srcId="{4D875376-E6B9-804F-AC85-A1D4337BBC8A}" destId="{0FEFC8CB-58CB-4A43-9867-EED6738F0C0F}" srcOrd="0" destOrd="0" presId="urn:microsoft.com/office/officeart/2005/8/layout/hierarchy1"/>
+    <dgm:cxn modelId="{0A19088C-A894-A349-B6F2-D0CA96CD47FA}" srcId="{960CE163-DF35-2B44-83E7-B9153BC66084}" destId="{1AD1EA1C-020E-5744-81BA-AEEC1A7A11F3}" srcOrd="2" destOrd="0" parTransId="{12CF4121-F3B4-5C45-B72F-C1FB37DD3C0D}" sibTransId="{E7356A86-2BC1-2844-87C1-0F4142A0BACE}"/>
+    <dgm:cxn modelId="{FB5948D5-A112-7E4F-A7A4-599731141072}" type="presOf" srcId="{E3372A67-8AD5-414E-9A1F-4D9E3CFF6332}" destId="{BA61A876-7050-3746-8DAE-0686A0FD0957}" srcOrd="0" destOrd="0" presId="urn:microsoft.com/office/officeart/2005/8/layout/hierarchy1"/>
+    <dgm:cxn modelId="{7B0EFE83-8F7C-2148-A812-1F8ACB477747}" type="presOf" srcId="{F9A1264F-2EB8-8148-8E8F-B74886C30473}" destId="{9541F663-17CE-1449-B545-4E9F3C558C3A}" srcOrd="0" destOrd="0" presId="urn:microsoft.com/office/officeart/2005/8/layout/hierarchy1"/>
+    <dgm:cxn modelId="{5125BE48-CBDA-9E46-A5EC-A00E5922E856}" type="presOf" srcId="{8C382D6E-A069-234E-96CC-A5A865E2BBBD}" destId="{C6BA431E-FA40-1D4E-A3D8-2A8BD37A2453}" srcOrd="0" destOrd="0" presId="urn:microsoft.com/office/officeart/2005/8/layout/hierarchy1"/>
     <dgm:cxn modelId="{8FC20289-4F63-9E49-BD79-567030E07E0D}" srcId="{960CE163-DF35-2B44-83E7-B9153BC66084}" destId="{4D875376-E6B9-804F-AC85-A1D4337BBC8A}" srcOrd="1" destOrd="0" parTransId="{6C0275DE-9DFE-0E43-8DDA-D28DD222D71F}" sibTransId="{5CBDE70F-8F73-B144-BE9A-D54839868342}"/>
-    <dgm:cxn modelId="{E7733746-4C87-234A-9D3E-4005D8B583BC}" srcId="{84B85FB8-CE49-454E-AFD0-26748DF588CB}" destId="{960CE163-DF35-2B44-83E7-B9153BC66084}" srcOrd="0" destOrd="0" parTransId="{15F9C8B3-0868-F148-A166-96327192876A}" sibTransId="{AE4D7356-6DD9-B04F-A5BC-257D53ADE85C}"/>
-    <dgm:cxn modelId="{89EEE784-3EED-8F43-8217-BBD1C237CA84}" type="presOf" srcId="{2CF1C699-9046-8C42-87E6-2861BF37D660}" destId="{9152FE1E-3F9F-1945-845B-196FD4FE9E7F}" srcOrd="0" destOrd="0" presId="urn:microsoft.com/office/officeart/2005/8/layout/hierarchy1"/>
-    <dgm:cxn modelId="{517E7342-1ED5-B24E-84A1-2A79CCE5BC2A}" type="presOf" srcId="{4D875376-E6B9-804F-AC85-A1D4337BBC8A}" destId="{0FEFC8CB-58CB-4A43-9867-EED6738F0C0F}" srcOrd="0" destOrd="0" presId="urn:microsoft.com/office/officeart/2005/8/layout/hierarchy1"/>
-    <dgm:cxn modelId="{FB5948D5-A112-7E4F-A7A4-599731141072}" type="presOf" srcId="{E3372A67-8AD5-414E-9A1F-4D9E3CFF6332}" destId="{BA61A876-7050-3746-8DAE-0686A0FD0957}" srcOrd="0" destOrd="0" presId="urn:microsoft.com/office/officeart/2005/8/layout/hierarchy1"/>
-    <dgm:cxn modelId="{BDB62AEF-004A-3E4A-BA04-15FFC883C6DC}" type="presOf" srcId="{1AD1EA1C-020E-5744-81BA-AEEC1A7A11F3}" destId="{D86CCABB-994E-2B44-9B36-549A167DC946}" srcOrd="0" destOrd="0" presId="urn:microsoft.com/office/officeart/2005/8/layout/hierarchy1"/>
-    <dgm:cxn modelId="{80E2C3F7-058F-1C40-8356-C15390BA6FDF}" type="presOf" srcId="{70F0D127-9705-B346-8456-2EA73B6E30CF}" destId="{201C7CC6-525A-FE42-B4FF-8C5914387024}" srcOrd="0" destOrd="0" presId="urn:microsoft.com/office/officeart/2005/8/layout/hierarchy1"/>
-    <dgm:cxn modelId="{FBC04F02-4804-8C4A-8D64-8D7E596D7783}" type="presOf" srcId="{AE7EA77A-1D8E-3F42-95E1-4EB11A443A81}" destId="{BBF408DD-FB71-6449-9993-DDA736E8D58A}" srcOrd="0" destOrd="0" presId="urn:microsoft.com/office/officeart/2005/8/layout/hierarchy1"/>
-    <dgm:cxn modelId="{F97734D8-6CBC-804D-B286-FA60DFC694E9}" type="presOf" srcId="{84B85FB8-CE49-454E-AFD0-26748DF588CB}" destId="{39E9CE6E-1476-7F49-AD48-00E9588CC1FC}" srcOrd="0" destOrd="0" presId="urn:microsoft.com/office/officeart/2005/8/layout/hierarchy1"/>
+    <dgm:cxn modelId="{4143E40A-3339-5746-9665-4720B7275017}" type="presOf" srcId="{4261D7F4-A7D0-3F49-B78A-20CFB380B683}" destId="{C2C1A37D-940A-6743-AC99-D92FAAA879A9}" srcOrd="0" destOrd="0" presId="urn:microsoft.com/office/officeart/2005/8/layout/hierarchy1"/>
     <dgm:cxn modelId="{DF469E1B-C306-5F4B-B680-7ACFEA169B9B}" type="presParOf" srcId="{39E9CE6E-1476-7F49-AD48-00E9588CC1FC}" destId="{AFBF1B26-876E-5B4F-868D-ECF533517B41}" srcOrd="0" destOrd="0" presId="urn:microsoft.com/office/officeart/2005/8/layout/hierarchy1"/>
     <dgm:cxn modelId="{9BD7EE58-09E0-D144-8D85-070D725F1603}" type="presParOf" srcId="{AFBF1B26-876E-5B4F-868D-ECF533517B41}" destId="{80FDFEA5-D276-C44B-902D-D2E8A937A02A}" srcOrd="0" destOrd="0" presId="urn:microsoft.com/office/officeart/2005/8/layout/hierarchy1"/>
     <dgm:cxn modelId="{8C3AC7B7-A647-D047-8BDB-5F00B4604513}" type="presParOf" srcId="{80FDFEA5-D276-C44B-902D-D2E8A937A02A}" destId="{DE9E6D4B-E798-AA47-81C3-1E545DF4DB5B}" srcOrd="0" destOrd="0" presId="urn:microsoft.com/office/officeart/2005/8/layout/hierarchy1"/>
@@ -5526,6 +5568,13 @@
         </dgm:presLayoutVars>
       </dgm:prSet>
       <dgm:spPr/>
+      <dgm:t>
+        <a:bodyPr/>
+        <a:lstStyle/>
+        <a:p>
+          <a:endParaRPr lang="en-US"/>
+        </a:p>
+      </dgm:t>
     </dgm:pt>
     <dgm:pt modelId="{7E1D62BE-C50D-7C4B-B567-894F4A6A47EA}" type="pres">
       <dgm:prSet presAssocID="{AFE0BF63-6AD6-7B47-A707-EFF0308A9789}" presName="hierRoot1" presStyleCnt="0"/>
@@ -5546,6 +5595,13 @@
         </dgm:presLayoutVars>
       </dgm:prSet>
       <dgm:spPr/>
+      <dgm:t>
+        <a:bodyPr/>
+        <a:lstStyle/>
+        <a:p>
+          <a:endParaRPr lang="en-US"/>
+        </a:p>
+      </dgm:t>
     </dgm:pt>
     <dgm:pt modelId="{0EA7EB9B-52AB-0040-927A-0C505C096254}" type="pres">
       <dgm:prSet presAssocID="{AFE0BF63-6AD6-7B47-A707-EFF0308A9789}" presName="hierChild2" presStyleCnt="0"/>
@@ -5554,6 +5610,13 @@
     <dgm:pt modelId="{8FDB1F34-B825-DC46-9AFA-225E07D727BF}" type="pres">
       <dgm:prSet presAssocID="{A1518930-AD5E-644F-A92E-9D017A6BB90F}" presName="Name10" presStyleLbl="parChTrans1D2" presStyleIdx="0" presStyleCnt="3"/>
       <dgm:spPr/>
+      <dgm:t>
+        <a:bodyPr/>
+        <a:lstStyle/>
+        <a:p>
+          <a:endParaRPr lang="en-US"/>
+        </a:p>
+      </dgm:t>
     </dgm:pt>
     <dgm:pt modelId="{4153252D-36F3-4748-8466-258CA02B416A}" type="pres">
       <dgm:prSet presAssocID="{B7653973-D49C-7B4C-83D1-4283EEE156D6}" presName="hierRoot2" presStyleCnt="0"/>
@@ -5574,6 +5637,13 @@
         </dgm:presLayoutVars>
       </dgm:prSet>
       <dgm:spPr/>
+      <dgm:t>
+        <a:bodyPr/>
+        <a:lstStyle/>
+        <a:p>
+          <a:endParaRPr lang="en-US"/>
+        </a:p>
+      </dgm:t>
     </dgm:pt>
     <dgm:pt modelId="{6FE233EC-C7AD-3242-BD01-E8F472C9BA55}" type="pres">
       <dgm:prSet presAssocID="{B7653973-D49C-7B4C-83D1-4283EEE156D6}" presName="hierChild3" presStyleCnt="0"/>
@@ -5582,6 +5652,13 @@
     <dgm:pt modelId="{8BF31CB5-B47B-174E-B65F-3A712FD96A4A}" type="pres">
       <dgm:prSet presAssocID="{3CCBE6F7-E7FC-1F47-BCF6-68E8E2D52C40}" presName="Name10" presStyleLbl="parChTrans1D2" presStyleIdx="1" presStyleCnt="3"/>
       <dgm:spPr/>
+      <dgm:t>
+        <a:bodyPr/>
+        <a:lstStyle/>
+        <a:p>
+          <a:endParaRPr lang="en-US"/>
+        </a:p>
+      </dgm:t>
     </dgm:pt>
     <dgm:pt modelId="{51CCAFAC-D181-814B-8EFA-F0A78F6E2CD0}" type="pres">
       <dgm:prSet presAssocID="{E03DBFA5-2BF1-3E4B-ADF4-65409B355171}" presName="hierRoot2" presStyleCnt="0"/>
@@ -5617,6 +5694,13 @@
     <dgm:pt modelId="{6A1C51CE-8B85-714F-AB05-6029DB2A227F}" type="pres">
       <dgm:prSet presAssocID="{C043BD83-4B95-FA42-8910-BFCE8A711ED4}" presName="Name10" presStyleLbl="parChTrans1D2" presStyleIdx="2" presStyleCnt="3"/>
       <dgm:spPr/>
+      <dgm:t>
+        <a:bodyPr/>
+        <a:lstStyle/>
+        <a:p>
+          <a:endParaRPr lang="en-US"/>
+        </a:p>
+      </dgm:t>
     </dgm:pt>
     <dgm:pt modelId="{44233A65-DC03-FB42-AB14-23117557E191}" type="pres">
       <dgm:prSet presAssocID="{DA245E03-5CA3-D74F-8E6E-C02674746416}" presName="hierRoot2" presStyleCnt="0"/>
@@ -5637,6 +5721,13 @@
         </dgm:presLayoutVars>
       </dgm:prSet>
       <dgm:spPr/>
+      <dgm:t>
+        <a:bodyPr/>
+        <a:lstStyle/>
+        <a:p>
+          <a:endParaRPr lang="en-US"/>
+        </a:p>
+      </dgm:t>
     </dgm:pt>
     <dgm:pt modelId="{635EE5E5-AB3C-714A-ABF1-3A9385B0B65B}" type="pres">
       <dgm:prSet presAssocID="{DA245E03-5CA3-D74F-8E6E-C02674746416}" presName="hierChild3" presStyleCnt="0"/>
@@ -5644,18 +5735,18 @@
     </dgm:pt>
   </dgm:ptLst>
   <dgm:cxnLst>
-    <dgm:cxn modelId="{DB3562D2-46B2-FC40-8023-FF4E84BE0EDD}" type="presOf" srcId="{DDBB0BD6-72A4-1A49-96F4-101AC088E3A9}" destId="{9826EB60-F762-3C4B-BB42-023C93E94658}" srcOrd="0" destOrd="0" presId="urn:microsoft.com/office/officeart/2005/8/layout/hierarchy1"/>
-    <dgm:cxn modelId="{64DB2F07-B11A-EE41-B5D9-FA871EBF3DF5}" type="presOf" srcId="{E03DBFA5-2BF1-3E4B-ADF4-65409B355171}" destId="{AAD4844B-E0A8-BE4E-9F97-853BA9C0EAB1}" srcOrd="0" destOrd="0" presId="urn:microsoft.com/office/officeart/2005/8/layout/hierarchy1"/>
-    <dgm:cxn modelId="{269E6B81-514E-344A-8717-54AB9BC33B62}" type="presOf" srcId="{AFE0BF63-6AD6-7B47-A707-EFF0308A9789}" destId="{5EB3D2BB-E21D-3146-B21B-70DA44BF6C00}" srcOrd="0" destOrd="0" presId="urn:microsoft.com/office/officeart/2005/8/layout/hierarchy1"/>
-    <dgm:cxn modelId="{D39972F1-BB84-3946-B467-80B3E2E438CC}" srcId="{AFE0BF63-6AD6-7B47-A707-EFF0308A9789}" destId="{DA245E03-5CA3-D74F-8E6E-C02674746416}" srcOrd="2" destOrd="0" parTransId="{C043BD83-4B95-FA42-8910-BFCE8A711ED4}" sibTransId="{7CD25AC2-2E4A-0C4A-8106-787B023869EE}"/>
-    <dgm:cxn modelId="{554D9D1F-426A-1C47-9565-BB256D505D2D}" type="presOf" srcId="{C043BD83-4B95-FA42-8910-BFCE8A711ED4}" destId="{6A1C51CE-8B85-714F-AB05-6029DB2A227F}" srcOrd="0" destOrd="0" presId="urn:microsoft.com/office/officeart/2005/8/layout/hierarchy1"/>
-    <dgm:cxn modelId="{2D47E17A-C5B8-D64F-81AC-2D862EC96213}" type="presOf" srcId="{B7653973-D49C-7B4C-83D1-4283EEE156D6}" destId="{6786A0B3-E715-D444-B7D8-118552E8E98F}" srcOrd="0" destOrd="0" presId="urn:microsoft.com/office/officeart/2005/8/layout/hierarchy1"/>
+    <dgm:cxn modelId="{5D460F40-F847-CA46-8232-F5B1581678F7}" type="presOf" srcId="{DA245E03-5CA3-D74F-8E6E-C02674746416}" destId="{ED876AE6-7C55-A345-AD48-BB0567142D5B}" srcOrd="0" destOrd="0" presId="urn:microsoft.com/office/officeart/2005/8/layout/hierarchy1"/>
     <dgm:cxn modelId="{E0C09678-CCE3-2E4A-A084-A3ED6A1004DC}" type="presOf" srcId="{A1518930-AD5E-644F-A92E-9D017A6BB90F}" destId="{8FDB1F34-B825-DC46-9AFA-225E07D727BF}" srcOrd="0" destOrd="0" presId="urn:microsoft.com/office/officeart/2005/8/layout/hierarchy1"/>
-    <dgm:cxn modelId="{C3890604-8C15-DD4F-A538-06AB8547E9F2}" srcId="{AFE0BF63-6AD6-7B47-A707-EFF0308A9789}" destId="{E03DBFA5-2BF1-3E4B-ADF4-65409B355171}" srcOrd="1" destOrd="0" parTransId="{3CCBE6F7-E7FC-1F47-BCF6-68E8E2D52C40}" sibTransId="{418DC5EC-4591-844B-BBD1-354622345FBF}"/>
     <dgm:cxn modelId="{79825742-964B-974A-BB15-D47CA876D43E}" srcId="{AFE0BF63-6AD6-7B47-A707-EFF0308A9789}" destId="{B7653973-D49C-7B4C-83D1-4283EEE156D6}" srcOrd="0" destOrd="0" parTransId="{A1518930-AD5E-644F-A92E-9D017A6BB90F}" sibTransId="{E6236A15-E5B1-464E-8C1E-7B8119B272F6}"/>
     <dgm:cxn modelId="{4C8A7221-CD58-6644-ACE1-9886E18EB644}" srcId="{DDBB0BD6-72A4-1A49-96F4-101AC088E3A9}" destId="{AFE0BF63-6AD6-7B47-A707-EFF0308A9789}" srcOrd="0" destOrd="0" parTransId="{23E36E11-7FEF-6944-A0A6-7861A191D2F6}" sibTransId="{CCF7C1F9-2447-F341-9567-A17167B0B758}"/>
-    <dgm:cxn modelId="{5D460F40-F847-CA46-8232-F5B1581678F7}" type="presOf" srcId="{DA245E03-5CA3-D74F-8E6E-C02674746416}" destId="{ED876AE6-7C55-A345-AD48-BB0567142D5B}" srcOrd="0" destOrd="0" presId="urn:microsoft.com/office/officeart/2005/8/layout/hierarchy1"/>
+    <dgm:cxn modelId="{D39972F1-BB84-3946-B467-80B3E2E438CC}" srcId="{AFE0BF63-6AD6-7B47-A707-EFF0308A9789}" destId="{DA245E03-5CA3-D74F-8E6E-C02674746416}" srcOrd="2" destOrd="0" parTransId="{C043BD83-4B95-FA42-8910-BFCE8A711ED4}" sibTransId="{7CD25AC2-2E4A-0C4A-8106-787B023869EE}"/>
+    <dgm:cxn modelId="{C3890604-8C15-DD4F-A538-06AB8547E9F2}" srcId="{AFE0BF63-6AD6-7B47-A707-EFF0308A9789}" destId="{E03DBFA5-2BF1-3E4B-ADF4-65409B355171}" srcOrd="1" destOrd="0" parTransId="{3CCBE6F7-E7FC-1F47-BCF6-68E8E2D52C40}" sibTransId="{418DC5EC-4591-844B-BBD1-354622345FBF}"/>
     <dgm:cxn modelId="{CC3E5E2C-D7B8-5442-8122-93529D3CB5D6}" type="presOf" srcId="{3CCBE6F7-E7FC-1F47-BCF6-68E8E2D52C40}" destId="{8BF31CB5-B47B-174E-B65F-3A712FD96A4A}" srcOrd="0" destOrd="0" presId="urn:microsoft.com/office/officeart/2005/8/layout/hierarchy1"/>
+    <dgm:cxn modelId="{DB3562D2-46B2-FC40-8023-FF4E84BE0EDD}" type="presOf" srcId="{DDBB0BD6-72A4-1A49-96F4-101AC088E3A9}" destId="{9826EB60-F762-3C4B-BB42-023C93E94658}" srcOrd="0" destOrd="0" presId="urn:microsoft.com/office/officeart/2005/8/layout/hierarchy1"/>
+    <dgm:cxn modelId="{2D47E17A-C5B8-D64F-81AC-2D862EC96213}" type="presOf" srcId="{B7653973-D49C-7B4C-83D1-4283EEE156D6}" destId="{6786A0B3-E715-D444-B7D8-118552E8E98F}" srcOrd="0" destOrd="0" presId="urn:microsoft.com/office/officeart/2005/8/layout/hierarchy1"/>
+    <dgm:cxn modelId="{269E6B81-514E-344A-8717-54AB9BC33B62}" type="presOf" srcId="{AFE0BF63-6AD6-7B47-A707-EFF0308A9789}" destId="{5EB3D2BB-E21D-3146-B21B-70DA44BF6C00}" srcOrd="0" destOrd="0" presId="urn:microsoft.com/office/officeart/2005/8/layout/hierarchy1"/>
+    <dgm:cxn modelId="{64DB2F07-B11A-EE41-B5D9-FA871EBF3DF5}" type="presOf" srcId="{E03DBFA5-2BF1-3E4B-ADF4-65409B355171}" destId="{AAD4844B-E0A8-BE4E-9F97-853BA9C0EAB1}" srcOrd="0" destOrd="0" presId="urn:microsoft.com/office/officeart/2005/8/layout/hierarchy1"/>
+    <dgm:cxn modelId="{554D9D1F-426A-1C47-9565-BB256D505D2D}" type="presOf" srcId="{C043BD83-4B95-FA42-8910-BFCE8A711ED4}" destId="{6A1C51CE-8B85-714F-AB05-6029DB2A227F}" srcOrd="0" destOrd="0" presId="urn:microsoft.com/office/officeart/2005/8/layout/hierarchy1"/>
     <dgm:cxn modelId="{5018C015-BD4D-5147-8A70-B9907818E17A}" type="presParOf" srcId="{9826EB60-F762-3C4B-BB42-023C93E94658}" destId="{7E1D62BE-C50D-7C4B-B567-894F4A6A47EA}" srcOrd="0" destOrd="0" presId="urn:microsoft.com/office/officeart/2005/8/layout/hierarchy1"/>
     <dgm:cxn modelId="{9D57E206-0005-9040-99E9-F80CC20DCD03}" type="presParOf" srcId="{7E1D62BE-C50D-7C4B-B567-894F4A6A47EA}" destId="{B50AEEDA-EAA2-4647-81A5-1888C9070BE5}" srcOrd="0" destOrd="0" presId="urn:microsoft.com/office/officeart/2005/8/layout/hierarchy1"/>
     <dgm:cxn modelId="{2516AF97-93A1-074D-BC79-DEAD7C8AADCC}" type="presParOf" srcId="{B50AEEDA-EAA2-4647-81A5-1888C9070BE5}" destId="{FE36A13A-ABCC-9345-9413-0EFC78BB8C25}" srcOrd="0" destOrd="0" presId="urn:microsoft.com/office/officeart/2005/8/layout/hierarchy1"/>
@@ -5937,6 +6028,13 @@
         </dgm:presLayoutVars>
       </dgm:prSet>
       <dgm:spPr/>
+      <dgm:t>
+        <a:bodyPr/>
+        <a:lstStyle/>
+        <a:p>
+          <a:endParaRPr lang="en-US"/>
+        </a:p>
+      </dgm:t>
     </dgm:pt>
     <dgm:pt modelId="{7E1D62BE-C50D-7C4B-B567-894F4A6A47EA}" type="pres">
       <dgm:prSet presAssocID="{AFE0BF63-6AD6-7B47-A707-EFF0308A9789}" presName="hierRoot1" presStyleCnt="0"/>
@@ -5957,6 +6055,13 @@
         </dgm:presLayoutVars>
       </dgm:prSet>
       <dgm:spPr/>
+      <dgm:t>
+        <a:bodyPr/>
+        <a:lstStyle/>
+        <a:p>
+          <a:endParaRPr lang="en-US"/>
+        </a:p>
+      </dgm:t>
     </dgm:pt>
     <dgm:pt modelId="{0EA7EB9B-52AB-0040-927A-0C505C096254}" type="pres">
       <dgm:prSet presAssocID="{AFE0BF63-6AD6-7B47-A707-EFF0308A9789}" presName="hierChild2" presStyleCnt="0"/>
@@ -5965,6 +6070,13 @@
     <dgm:pt modelId="{8FDB1F34-B825-DC46-9AFA-225E07D727BF}" type="pres">
       <dgm:prSet presAssocID="{A1518930-AD5E-644F-A92E-9D017A6BB90F}" presName="Name10" presStyleLbl="parChTrans1D2" presStyleIdx="0" presStyleCnt="5"/>
       <dgm:spPr/>
+      <dgm:t>
+        <a:bodyPr/>
+        <a:lstStyle/>
+        <a:p>
+          <a:endParaRPr lang="en-US"/>
+        </a:p>
+      </dgm:t>
     </dgm:pt>
     <dgm:pt modelId="{4153252D-36F3-4748-8466-258CA02B416A}" type="pres">
       <dgm:prSet presAssocID="{B7653973-D49C-7B4C-83D1-4283EEE156D6}" presName="hierRoot2" presStyleCnt="0"/>
@@ -5985,6 +6097,13 @@
         </dgm:presLayoutVars>
       </dgm:prSet>
       <dgm:spPr/>
+      <dgm:t>
+        <a:bodyPr/>
+        <a:lstStyle/>
+        <a:p>
+          <a:endParaRPr lang="en-US"/>
+        </a:p>
+      </dgm:t>
     </dgm:pt>
     <dgm:pt modelId="{6FE233EC-C7AD-3242-BD01-E8F472C9BA55}" type="pres">
       <dgm:prSet presAssocID="{B7653973-D49C-7B4C-83D1-4283EEE156D6}" presName="hierChild3" presStyleCnt="0"/>
@@ -5993,6 +6112,13 @@
     <dgm:pt modelId="{6F232BB9-0815-E348-9ACA-BBA1D2F6663E}" type="pres">
       <dgm:prSet presAssocID="{39123283-88A1-034F-9DE6-C32900A40568}" presName="Name10" presStyleLbl="parChTrans1D2" presStyleIdx="1" presStyleCnt="5"/>
       <dgm:spPr/>
+      <dgm:t>
+        <a:bodyPr/>
+        <a:lstStyle/>
+        <a:p>
+          <a:endParaRPr lang="en-US"/>
+        </a:p>
+      </dgm:t>
     </dgm:pt>
     <dgm:pt modelId="{5F586AB5-16D6-BC41-A08D-5C4AE7E752C1}" type="pres">
       <dgm:prSet presAssocID="{E18B05CB-7BD1-E44B-BD40-EA7DA4541957}" presName="hierRoot2" presStyleCnt="0"/>
@@ -6013,6 +6139,13 @@
         </dgm:presLayoutVars>
       </dgm:prSet>
       <dgm:spPr/>
+      <dgm:t>
+        <a:bodyPr/>
+        <a:lstStyle/>
+        <a:p>
+          <a:endParaRPr lang="en-US"/>
+        </a:p>
+      </dgm:t>
     </dgm:pt>
     <dgm:pt modelId="{9143B43E-24A8-E14D-AF11-A8FE2824AB70}" type="pres">
       <dgm:prSet presAssocID="{E18B05CB-7BD1-E44B-BD40-EA7DA4541957}" presName="hierChild3" presStyleCnt="0"/>
@@ -6021,6 +6154,13 @@
     <dgm:pt modelId="{8BF31CB5-B47B-174E-B65F-3A712FD96A4A}" type="pres">
       <dgm:prSet presAssocID="{3CCBE6F7-E7FC-1F47-BCF6-68E8E2D52C40}" presName="Name10" presStyleLbl="parChTrans1D2" presStyleIdx="2" presStyleCnt="5"/>
       <dgm:spPr/>
+      <dgm:t>
+        <a:bodyPr/>
+        <a:lstStyle/>
+        <a:p>
+          <a:endParaRPr lang="en-US"/>
+        </a:p>
+      </dgm:t>
     </dgm:pt>
     <dgm:pt modelId="{51CCAFAC-D181-814B-8EFA-F0A78F6E2CD0}" type="pres">
       <dgm:prSet presAssocID="{E03DBFA5-2BF1-3E4B-ADF4-65409B355171}" presName="hierRoot2" presStyleCnt="0"/>
@@ -6056,6 +6196,13 @@
     <dgm:pt modelId="{6A1C51CE-8B85-714F-AB05-6029DB2A227F}" type="pres">
       <dgm:prSet presAssocID="{C043BD83-4B95-FA42-8910-BFCE8A711ED4}" presName="Name10" presStyleLbl="parChTrans1D2" presStyleIdx="3" presStyleCnt="5"/>
       <dgm:spPr/>
+      <dgm:t>
+        <a:bodyPr/>
+        <a:lstStyle/>
+        <a:p>
+          <a:endParaRPr lang="en-US"/>
+        </a:p>
+      </dgm:t>
     </dgm:pt>
     <dgm:pt modelId="{44233A65-DC03-FB42-AB14-23117557E191}" type="pres">
       <dgm:prSet presAssocID="{DA245E03-5CA3-D74F-8E6E-C02674746416}" presName="hierRoot2" presStyleCnt="0"/>
@@ -6076,6 +6223,13 @@
         </dgm:presLayoutVars>
       </dgm:prSet>
       <dgm:spPr/>
+      <dgm:t>
+        <a:bodyPr/>
+        <a:lstStyle/>
+        <a:p>
+          <a:endParaRPr lang="en-US"/>
+        </a:p>
+      </dgm:t>
     </dgm:pt>
     <dgm:pt modelId="{635EE5E5-AB3C-714A-ABF1-3A9385B0B65B}" type="pres">
       <dgm:prSet presAssocID="{DA245E03-5CA3-D74F-8E6E-C02674746416}" presName="hierChild3" presStyleCnt="0"/>
@@ -6084,6 +6238,13 @@
     <dgm:pt modelId="{18FEBDC0-ED3C-FC43-A68C-5FAB2B655233}" type="pres">
       <dgm:prSet presAssocID="{C2A9FC4E-27E2-9049-88F1-78353E998057}" presName="Name10" presStyleLbl="parChTrans1D2" presStyleIdx="4" presStyleCnt="5"/>
       <dgm:spPr/>
+      <dgm:t>
+        <a:bodyPr/>
+        <a:lstStyle/>
+        <a:p>
+          <a:endParaRPr lang="en-US"/>
+        </a:p>
+      </dgm:t>
     </dgm:pt>
     <dgm:pt modelId="{AD11CEDF-A837-8E44-8A20-C9CBDCE6689E}" type="pres">
       <dgm:prSet presAssocID="{D4925F4D-FF3D-3243-80C3-D054CE0D15F4}" presName="hierRoot2" presStyleCnt="0"/>
@@ -6104,6 +6265,13 @@
         </dgm:presLayoutVars>
       </dgm:prSet>
       <dgm:spPr/>
+      <dgm:t>
+        <a:bodyPr/>
+        <a:lstStyle/>
+        <a:p>
+          <a:endParaRPr lang="en-US"/>
+        </a:p>
+      </dgm:t>
     </dgm:pt>
     <dgm:pt modelId="{86391D4E-B17D-4242-BD41-6505E52C6258}" type="pres">
       <dgm:prSet presAssocID="{D4925F4D-FF3D-3243-80C3-D054CE0D15F4}" presName="hierChild3" presStyleCnt="0"/>
@@ -6183,2423 +6351,6 @@
       <dsp:cNvGrpSpPr/>
     </dsp:nvGrpSpPr>
     <dsp:grpSpPr/>
-    <dsp:sp modelId="{BA61A876-7050-3746-8DAE-0686A0FD0957}">
-      <dsp:nvSpPr>
-        <dsp:cNvPr id="0" name=""/>
-        <dsp:cNvSpPr/>
-      </dsp:nvSpPr>
-      <dsp:spPr>
-        <a:xfrm>
-          <a:off x="5946368" y="2016410"/>
-          <a:ext cx="1520547" cy="361821"/>
-        </a:xfrm>
-        <a:custGeom>
-          <a:avLst/>
-          <a:gdLst/>
-          <a:ahLst/>
-          <a:cxnLst/>
-          <a:rect l="0" t="0" r="0" b="0"/>
-          <a:pathLst>
-            <a:path>
-              <a:moveTo>
-                <a:pt x="0" y="0"/>
-              </a:moveTo>
-              <a:lnTo>
-                <a:pt x="0" y="246570"/>
-              </a:lnTo>
-              <a:lnTo>
-                <a:pt x="1520547" y="246570"/>
-              </a:lnTo>
-              <a:lnTo>
-                <a:pt x="1520547" y="361821"/>
-              </a:lnTo>
-            </a:path>
-          </a:pathLst>
-        </a:custGeom>
-        <a:noFill/>
-        <a:ln w="9525" cap="flat" cmpd="sng" algn="ctr">
-          <a:solidFill>
-            <a:schemeClr val="accent1">
-              <a:shade val="80000"/>
-              <a:hueOff val="0"/>
-              <a:satOff val="0"/>
-              <a:lumOff val="0"/>
-              <a:alphaOff val="0"/>
-            </a:schemeClr>
-          </a:solidFill>
-          <a:prstDash val="solid"/>
-        </a:ln>
-        <a:effectLst/>
-      </dsp:spPr>
-      <dsp:style>
-        <a:lnRef idx="1">
-          <a:scrgbClr r="0" g="0" b="0"/>
-        </a:lnRef>
-        <a:fillRef idx="0">
-          <a:scrgbClr r="0" g="0" b="0"/>
-        </a:fillRef>
-        <a:effectRef idx="0">
-          <a:scrgbClr r="0" g="0" b="0"/>
-        </a:effectRef>
-        <a:fontRef idx="minor"/>
-      </dsp:style>
-    </dsp:sp>
-    <dsp:sp modelId="{9541F663-17CE-1449-B545-4E9F3C558C3A}">
-      <dsp:nvSpPr>
-        <dsp:cNvPr id="0" name=""/>
-        <dsp:cNvSpPr/>
-      </dsp:nvSpPr>
-      <dsp:spPr>
-        <a:xfrm>
-          <a:off x="5946368" y="3168225"/>
-          <a:ext cx="760273" cy="361821"/>
-        </a:xfrm>
-        <a:custGeom>
-          <a:avLst/>
-          <a:gdLst/>
-          <a:ahLst/>
-          <a:cxnLst/>
-          <a:rect l="0" t="0" r="0" b="0"/>
-          <a:pathLst>
-            <a:path>
-              <a:moveTo>
-                <a:pt x="0" y="0"/>
-              </a:moveTo>
-              <a:lnTo>
-                <a:pt x="0" y="246570"/>
-              </a:lnTo>
-              <a:lnTo>
-                <a:pt x="760273" y="246570"/>
-              </a:lnTo>
-              <a:lnTo>
-                <a:pt x="760273" y="361821"/>
-              </a:lnTo>
-            </a:path>
-          </a:pathLst>
-        </a:custGeom>
-        <a:noFill/>
-        <a:ln w="9525" cap="flat" cmpd="sng" algn="ctr">
-          <a:solidFill>
-            <a:schemeClr val="accent1">
-              <a:shade val="80000"/>
-              <a:hueOff val="0"/>
-              <a:satOff val="0"/>
-              <a:lumOff val="0"/>
-              <a:alphaOff val="0"/>
-            </a:schemeClr>
-          </a:solidFill>
-          <a:prstDash val="solid"/>
-        </a:ln>
-        <a:effectLst/>
-      </dsp:spPr>
-      <dsp:style>
-        <a:lnRef idx="1">
-          <a:scrgbClr r="0" g="0" b="0"/>
-        </a:lnRef>
-        <a:fillRef idx="0">
-          <a:scrgbClr r="0" g="0" b="0"/>
-        </a:fillRef>
-        <a:effectRef idx="0">
-          <a:scrgbClr r="0" g="0" b="0"/>
-        </a:effectRef>
-        <a:fontRef idx="minor"/>
-      </dsp:style>
-    </dsp:sp>
-    <dsp:sp modelId="{1F5FFC55-2839-634C-8F0C-96EACF5BE3CB}">
-      <dsp:nvSpPr>
-        <dsp:cNvPr id="0" name=""/>
-        <dsp:cNvSpPr/>
-      </dsp:nvSpPr>
-      <dsp:spPr>
-        <a:xfrm>
-          <a:off x="5186094" y="3168225"/>
-          <a:ext cx="760273" cy="361821"/>
-        </a:xfrm>
-        <a:custGeom>
-          <a:avLst/>
-          <a:gdLst/>
-          <a:ahLst/>
-          <a:cxnLst/>
-          <a:rect l="0" t="0" r="0" b="0"/>
-          <a:pathLst>
-            <a:path>
-              <a:moveTo>
-                <a:pt x="760273" y="0"/>
-              </a:moveTo>
-              <a:lnTo>
-                <a:pt x="760273" y="246570"/>
-              </a:lnTo>
-              <a:lnTo>
-                <a:pt x="0" y="246570"/>
-              </a:lnTo>
-              <a:lnTo>
-                <a:pt x="0" y="361821"/>
-              </a:lnTo>
-            </a:path>
-          </a:pathLst>
-        </a:custGeom>
-        <a:noFill/>
-        <a:ln w="9525" cap="flat" cmpd="sng" algn="ctr">
-          <a:solidFill>
-            <a:schemeClr val="accent1">
-              <a:shade val="80000"/>
-              <a:hueOff val="0"/>
-              <a:satOff val="0"/>
-              <a:lumOff val="0"/>
-              <a:alphaOff val="0"/>
-            </a:schemeClr>
-          </a:solidFill>
-          <a:prstDash val="solid"/>
-        </a:ln>
-        <a:effectLst/>
-      </dsp:spPr>
-      <dsp:style>
-        <a:lnRef idx="1">
-          <a:scrgbClr r="0" g="0" b="0"/>
-        </a:lnRef>
-        <a:fillRef idx="0">
-          <a:scrgbClr r="0" g="0" b="0"/>
-        </a:fillRef>
-        <a:effectRef idx="0">
-          <a:scrgbClr r="0" g="0" b="0"/>
-        </a:effectRef>
-        <a:fontRef idx="minor"/>
-      </dsp:style>
-    </dsp:sp>
-    <dsp:sp modelId="{F42357F4-6E12-A041-A7D6-81713E5E517B}">
-      <dsp:nvSpPr>
-        <dsp:cNvPr id="0" name=""/>
-        <dsp:cNvSpPr/>
-      </dsp:nvSpPr>
-      <dsp:spPr>
-        <a:xfrm>
-          <a:off x="5900648" y="2016410"/>
-          <a:ext cx="91440" cy="361821"/>
-        </a:xfrm>
-        <a:custGeom>
-          <a:avLst/>
-          <a:gdLst/>
-          <a:ahLst/>
-          <a:cxnLst/>
-          <a:rect l="0" t="0" r="0" b="0"/>
-          <a:pathLst>
-            <a:path>
-              <a:moveTo>
-                <a:pt x="45720" y="0"/>
-              </a:moveTo>
-              <a:lnTo>
-                <a:pt x="45720" y="361821"/>
-              </a:lnTo>
-            </a:path>
-          </a:pathLst>
-        </a:custGeom>
-        <a:noFill/>
-        <a:ln w="9525" cap="flat" cmpd="sng" algn="ctr">
-          <a:solidFill>
-            <a:schemeClr val="accent1">
-              <a:shade val="80000"/>
-              <a:hueOff val="0"/>
-              <a:satOff val="0"/>
-              <a:lumOff val="0"/>
-              <a:alphaOff val="0"/>
-            </a:schemeClr>
-          </a:solidFill>
-          <a:prstDash val="solid"/>
-        </a:ln>
-        <a:effectLst/>
-      </dsp:spPr>
-      <dsp:style>
-        <a:lnRef idx="1">
-          <a:scrgbClr r="0" g="0" b="0"/>
-        </a:lnRef>
-        <a:fillRef idx="0">
-          <a:scrgbClr r="0" g="0" b="0"/>
-        </a:fillRef>
-        <a:effectRef idx="0">
-          <a:scrgbClr r="0" g="0" b="0"/>
-        </a:effectRef>
-        <a:fontRef idx="minor"/>
-      </dsp:style>
-    </dsp:sp>
-    <dsp:sp modelId="{2E4A94D1-71F0-A046-B95F-18095848F38A}">
-      <dsp:nvSpPr>
-        <dsp:cNvPr id="0" name=""/>
-        <dsp:cNvSpPr/>
-      </dsp:nvSpPr>
-      <dsp:spPr>
-        <a:xfrm>
-          <a:off x="4425821" y="2016410"/>
-          <a:ext cx="1520547" cy="361821"/>
-        </a:xfrm>
-        <a:custGeom>
-          <a:avLst/>
-          <a:gdLst/>
-          <a:ahLst/>
-          <a:cxnLst/>
-          <a:rect l="0" t="0" r="0" b="0"/>
-          <a:pathLst>
-            <a:path>
-              <a:moveTo>
-                <a:pt x="1520547" y="0"/>
-              </a:moveTo>
-              <a:lnTo>
-                <a:pt x="1520547" y="246570"/>
-              </a:lnTo>
-              <a:lnTo>
-                <a:pt x="0" y="246570"/>
-              </a:lnTo>
-              <a:lnTo>
-                <a:pt x="0" y="361821"/>
-              </a:lnTo>
-            </a:path>
-          </a:pathLst>
-        </a:custGeom>
-        <a:noFill/>
-        <a:ln w="9525" cap="flat" cmpd="sng" algn="ctr">
-          <a:solidFill>
-            <a:schemeClr val="accent1">
-              <a:shade val="80000"/>
-              <a:hueOff val="0"/>
-              <a:satOff val="0"/>
-              <a:lumOff val="0"/>
-              <a:alphaOff val="0"/>
-            </a:schemeClr>
-          </a:solidFill>
-          <a:prstDash val="solid"/>
-        </a:ln>
-        <a:effectLst/>
-      </dsp:spPr>
-      <dsp:style>
-        <a:lnRef idx="1">
-          <a:scrgbClr r="0" g="0" b="0"/>
-        </a:lnRef>
-        <a:fillRef idx="0">
-          <a:scrgbClr r="0" g="0" b="0"/>
-        </a:fillRef>
-        <a:effectRef idx="0">
-          <a:scrgbClr r="0" g="0" b="0"/>
-        </a:effectRef>
-        <a:fontRef idx="minor"/>
-      </dsp:style>
-    </dsp:sp>
-    <dsp:sp modelId="{201C7CC6-525A-FE42-B4FF-8C5914387024}">
-      <dsp:nvSpPr>
-        <dsp:cNvPr id="0" name=""/>
-        <dsp:cNvSpPr/>
-      </dsp:nvSpPr>
-      <dsp:spPr>
-        <a:xfrm>
-          <a:off x="3665547" y="864596"/>
-          <a:ext cx="2280820" cy="361821"/>
-        </a:xfrm>
-        <a:custGeom>
-          <a:avLst/>
-          <a:gdLst/>
-          <a:ahLst/>
-          <a:cxnLst/>
-          <a:rect l="0" t="0" r="0" b="0"/>
-          <a:pathLst>
-            <a:path>
-              <a:moveTo>
-                <a:pt x="0" y="0"/>
-              </a:moveTo>
-              <a:lnTo>
-                <a:pt x="0" y="246570"/>
-              </a:lnTo>
-              <a:lnTo>
-                <a:pt x="2280820" y="246570"/>
-              </a:lnTo>
-              <a:lnTo>
-                <a:pt x="2280820" y="361821"/>
-              </a:lnTo>
-            </a:path>
-          </a:pathLst>
-        </a:custGeom>
-        <a:noFill/>
-        <a:ln w="9525" cap="flat" cmpd="sng" algn="ctr">
-          <a:solidFill>
-            <a:schemeClr val="accent1">
-              <a:shade val="60000"/>
-              <a:hueOff val="0"/>
-              <a:satOff val="0"/>
-              <a:lumOff val="0"/>
-              <a:alphaOff val="0"/>
-            </a:schemeClr>
-          </a:solidFill>
-          <a:prstDash val="solid"/>
-        </a:ln>
-        <a:effectLst/>
-      </dsp:spPr>
-      <dsp:style>
-        <a:lnRef idx="1">
-          <a:scrgbClr r="0" g="0" b="0"/>
-        </a:lnRef>
-        <a:fillRef idx="0">
-          <a:scrgbClr r="0" g="0" b="0"/>
-        </a:fillRef>
-        <a:effectRef idx="0">
-          <a:scrgbClr r="0" g="0" b="0"/>
-        </a:effectRef>
-        <a:fontRef idx="minor"/>
-      </dsp:style>
-    </dsp:sp>
-    <dsp:sp modelId="{800FD04D-B3AC-0B4A-955F-2E2198D77D53}">
-      <dsp:nvSpPr>
-        <dsp:cNvPr id="0" name=""/>
-        <dsp:cNvSpPr/>
-      </dsp:nvSpPr>
-      <dsp:spPr>
-        <a:xfrm>
-          <a:off x="3665547" y="864596"/>
-          <a:ext cx="760273" cy="361821"/>
-        </a:xfrm>
-        <a:custGeom>
-          <a:avLst/>
-          <a:gdLst/>
-          <a:ahLst/>
-          <a:cxnLst/>
-          <a:rect l="0" t="0" r="0" b="0"/>
-          <a:pathLst>
-            <a:path>
-              <a:moveTo>
-                <a:pt x="0" y="0"/>
-              </a:moveTo>
-              <a:lnTo>
-                <a:pt x="0" y="246570"/>
-              </a:lnTo>
-              <a:lnTo>
-                <a:pt x="760273" y="246570"/>
-              </a:lnTo>
-              <a:lnTo>
-                <a:pt x="760273" y="361821"/>
-              </a:lnTo>
-            </a:path>
-          </a:pathLst>
-        </a:custGeom>
-        <a:noFill/>
-        <a:ln w="9525" cap="flat" cmpd="sng" algn="ctr">
-          <a:solidFill>
-            <a:schemeClr val="accent1">
-              <a:shade val="60000"/>
-              <a:hueOff val="0"/>
-              <a:satOff val="0"/>
-              <a:lumOff val="0"/>
-              <a:alphaOff val="0"/>
-            </a:schemeClr>
-          </a:solidFill>
-          <a:prstDash val="solid"/>
-        </a:ln>
-        <a:effectLst/>
-      </dsp:spPr>
-      <dsp:style>
-        <a:lnRef idx="1">
-          <a:scrgbClr r="0" g="0" b="0"/>
-        </a:lnRef>
-        <a:fillRef idx="0">
-          <a:scrgbClr r="0" g="0" b="0"/>
-        </a:fillRef>
-        <a:effectRef idx="0">
-          <a:scrgbClr r="0" g="0" b="0"/>
-        </a:effectRef>
-        <a:fontRef idx="minor"/>
-      </dsp:style>
-    </dsp:sp>
-    <dsp:sp modelId="{8CFA3E84-678E-C345-8D46-63E85CF195E2}">
-      <dsp:nvSpPr>
-        <dsp:cNvPr id="0" name=""/>
-        <dsp:cNvSpPr/>
-      </dsp:nvSpPr>
-      <dsp:spPr>
-        <a:xfrm>
-          <a:off x="2905273" y="864596"/>
-          <a:ext cx="760273" cy="361821"/>
-        </a:xfrm>
-        <a:custGeom>
-          <a:avLst/>
-          <a:gdLst/>
-          <a:ahLst/>
-          <a:cxnLst/>
-          <a:rect l="0" t="0" r="0" b="0"/>
-          <a:pathLst>
-            <a:path>
-              <a:moveTo>
-                <a:pt x="760273" y="0"/>
-              </a:moveTo>
-              <a:lnTo>
-                <a:pt x="760273" y="246570"/>
-              </a:lnTo>
-              <a:lnTo>
-                <a:pt x="0" y="246570"/>
-              </a:lnTo>
-              <a:lnTo>
-                <a:pt x="0" y="361821"/>
-              </a:lnTo>
-            </a:path>
-          </a:pathLst>
-        </a:custGeom>
-        <a:noFill/>
-        <a:ln w="9525" cap="flat" cmpd="sng" algn="ctr">
-          <a:solidFill>
-            <a:schemeClr val="accent1">
-              <a:shade val="60000"/>
-              <a:hueOff val="0"/>
-              <a:satOff val="0"/>
-              <a:lumOff val="0"/>
-              <a:alphaOff val="0"/>
-            </a:schemeClr>
-          </a:solidFill>
-          <a:prstDash val="solid"/>
-        </a:ln>
-        <a:effectLst/>
-      </dsp:spPr>
-      <dsp:style>
-        <a:lnRef idx="1">
-          <a:scrgbClr r="0" g="0" b="0"/>
-        </a:lnRef>
-        <a:fillRef idx="0">
-          <a:scrgbClr r="0" g="0" b="0"/>
-        </a:fillRef>
-        <a:effectRef idx="0">
-          <a:scrgbClr r="0" g="0" b="0"/>
-        </a:effectRef>
-        <a:fontRef idx="minor"/>
-      </dsp:style>
-    </dsp:sp>
-    <dsp:sp modelId="{28156514-4C64-AE45-A406-98283D6076D6}">
-      <dsp:nvSpPr>
-        <dsp:cNvPr id="0" name=""/>
-        <dsp:cNvSpPr/>
-      </dsp:nvSpPr>
-      <dsp:spPr>
-        <a:xfrm>
-          <a:off x="1384726" y="2016410"/>
-          <a:ext cx="760273" cy="361821"/>
-        </a:xfrm>
-        <a:custGeom>
-          <a:avLst/>
-          <a:gdLst/>
-          <a:ahLst/>
-          <a:cxnLst/>
-          <a:rect l="0" t="0" r="0" b="0"/>
-          <a:pathLst>
-            <a:path>
-              <a:moveTo>
-                <a:pt x="0" y="0"/>
-              </a:moveTo>
-              <a:lnTo>
-                <a:pt x="0" y="246570"/>
-              </a:lnTo>
-              <a:lnTo>
-                <a:pt x="760273" y="246570"/>
-              </a:lnTo>
-              <a:lnTo>
-                <a:pt x="760273" y="361821"/>
-              </a:lnTo>
-            </a:path>
-          </a:pathLst>
-        </a:custGeom>
-        <a:noFill/>
-        <a:ln w="9525" cap="flat" cmpd="sng" algn="ctr">
-          <a:solidFill>
-            <a:schemeClr val="accent1">
-              <a:shade val="80000"/>
-              <a:hueOff val="0"/>
-              <a:satOff val="0"/>
-              <a:lumOff val="0"/>
-              <a:alphaOff val="0"/>
-            </a:schemeClr>
-          </a:solidFill>
-          <a:prstDash val="solid"/>
-        </a:ln>
-        <a:effectLst/>
-      </dsp:spPr>
-      <dsp:style>
-        <a:lnRef idx="1">
-          <a:scrgbClr r="0" g="0" b="0"/>
-        </a:lnRef>
-        <a:fillRef idx="0">
-          <a:scrgbClr r="0" g="0" b="0"/>
-        </a:fillRef>
-        <a:effectRef idx="0">
-          <a:scrgbClr r="0" g="0" b="0"/>
-        </a:effectRef>
-        <a:fontRef idx="minor"/>
-      </dsp:style>
-    </dsp:sp>
-    <dsp:sp modelId="{C6BA431E-FA40-1D4E-A3D8-2A8BD37A2453}">
-      <dsp:nvSpPr>
-        <dsp:cNvPr id="0" name=""/>
-        <dsp:cNvSpPr/>
-      </dsp:nvSpPr>
-      <dsp:spPr>
-        <a:xfrm>
-          <a:off x="624453" y="2016410"/>
-          <a:ext cx="760273" cy="361821"/>
-        </a:xfrm>
-        <a:custGeom>
-          <a:avLst/>
-          <a:gdLst/>
-          <a:ahLst/>
-          <a:cxnLst/>
-          <a:rect l="0" t="0" r="0" b="0"/>
-          <a:pathLst>
-            <a:path>
-              <a:moveTo>
-                <a:pt x="760273" y="0"/>
-              </a:moveTo>
-              <a:lnTo>
-                <a:pt x="760273" y="246570"/>
-              </a:lnTo>
-              <a:lnTo>
-                <a:pt x="0" y="246570"/>
-              </a:lnTo>
-              <a:lnTo>
-                <a:pt x="0" y="361821"/>
-              </a:lnTo>
-            </a:path>
-          </a:pathLst>
-        </a:custGeom>
-        <a:noFill/>
-        <a:ln w="9525" cap="flat" cmpd="sng" algn="ctr">
-          <a:solidFill>
-            <a:schemeClr val="accent1">
-              <a:shade val="80000"/>
-              <a:hueOff val="0"/>
-              <a:satOff val="0"/>
-              <a:lumOff val="0"/>
-              <a:alphaOff val="0"/>
-            </a:schemeClr>
-          </a:solidFill>
-          <a:prstDash val="solid"/>
-        </a:ln>
-        <a:effectLst/>
-      </dsp:spPr>
-      <dsp:style>
-        <a:lnRef idx="1">
-          <a:scrgbClr r="0" g="0" b="0"/>
-        </a:lnRef>
-        <a:fillRef idx="0">
-          <a:scrgbClr r="0" g="0" b="0"/>
-        </a:fillRef>
-        <a:effectRef idx="0">
-          <a:scrgbClr r="0" g="0" b="0"/>
-        </a:effectRef>
-        <a:fontRef idx="minor"/>
-      </dsp:style>
-    </dsp:sp>
-    <dsp:sp modelId="{6B84F89A-BB62-184B-ACA8-8A1AAAE34DE1}">
-      <dsp:nvSpPr>
-        <dsp:cNvPr id="0" name=""/>
-        <dsp:cNvSpPr/>
-      </dsp:nvSpPr>
-      <dsp:spPr>
-        <a:xfrm>
-          <a:off x="1384726" y="864596"/>
-          <a:ext cx="2280820" cy="361821"/>
-        </a:xfrm>
-        <a:custGeom>
-          <a:avLst/>
-          <a:gdLst/>
-          <a:ahLst/>
-          <a:cxnLst/>
-          <a:rect l="0" t="0" r="0" b="0"/>
-          <a:pathLst>
-            <a:path>
-              <a:moveTo>
-                <a:pt x="2280820" y="0"/>
-              </a:moveTo>
-              <a:lnTo>
-                <a:pt x="2280820" y="246570"/>
-              </a:lnTo>
-              <a:lnTo>
-                <a:pt x="0" y="246570"/>
-              </a:lnTo>
-              <a:lnTo>
-                <a:pt x="0" y="361821"/>
-              </a:lnTo>
-            </a:path>
-          </a:pathLst>
-        </a:custGeom>
-        <a:noFill/>
-        <a:ln w="9525" cap="flat" cmpd="sng" algn="ctr">
-          <a:solidFill>
-            <a:schemeClr val="accent1">
-              <a:shade val="60000"/>
-              <a:hueOff val="0"/>
-              <a:satOff val="0"/>
-              <a:lumOff val="0"/>
-              <a:alphaOff val="0"/>
-            </a:schemeClr>
-          </a:solidFill>
-          <a:prstDash val="solid"/>
-        </a:ln>
-        <a:effectLst/>
-      </dsp:spPr>
-      <dsp:style>
-        <a:lnRef idx="1">
-          <a:scrgbClr r="0" g="0" b="0"/>
-        </a:lnRef>
-        <a:fillRef idx="0">
-          <a:scrgbClr r="0" g="0" b="0"/>
-        </a:fillRef>
-        <a:effectRef idx="0">
-          <a:scrgbClr r="0" g="0" b="0"/>
-        </a:effectRef>
-        <a:fontRef idx="minor"/>
-      </dsp:style>
-    </dsp:sp>
-    <dsp:sp modelId="{DE9E6D4B-E798-AA47-81C3-1E545DF4DB5B}">
-      <dsp:nvSpPr>
-        <dsp:cNvPr id="0" name=""/>
-        <dsp:cNvSpPr/>
-      </dsp:nvSpPr>
-      <dsp:spPr>
-        <a:xfrm>
-          <a:off x="3043505" y="74603"/>
-          <a:ext cx="1244084" cy="789993"/>
-        </a:xfrm>
-        <a:prstGeom prst="roundRect">
-          <a:avLst>
-            <a:gd name="adj" fmla="val 10000"/>
-          </a:avLst>
-        </a:prstGeom>
-        <a:gradFill rotWithShape="0">
-          <a:gsLst>
-            <a:gs pos="0">
-              <a:schemeClr val="accent1">
-                <a:hueOff val="0"/>
-                <a:satOff val="0"/>
-                <a:lumOff val="0"/>
-                <a:alphaOff val="0"/>
-                <a:tint val="100000"/>
-                <a:shade val="100000"/>
-                <a:satMod val="130000"/>
-              </a:schemeClr>
-            </a:gs>
-            <a:gs pos="100000">
-              <a:schemeClr val="accent1">
-                <a:hueOff val="0"/>
-                <a:satOff val="0"/>
-                <a:lumOff val="0"/>
-                <a:alphaOff val="0"/>
-                <a:tint val="50000"/>
-                <a:shade val="100000"/>
-                <a:satMod val="350000"/>
-              </a:schemeClr>
-            </a:gs>
-          </a:gsLst>
-          <a:lin ang="16200000" scaled="0"/>
-        </a:gradFill>
-        <a:ln>
-          <a:noFill/>
-        </a:ln>
-        <a:effectLst>
-          <a:outerShdw blurRad="40000" dist="23000" dir="5400000" rotWithShape="0">
-            <a:srgbClr val="000000">
-              <a:alpha val="35000"/>
-            </a:srgbClr>
-          </a:outerShdw>
-        </a:effectLst>
-      </dsp:spPr>
-      <dsp:style>
-        <a:lnRef idx="0">
-          <a:scrgbClr r="0" g="0" b="0"/>
-        </a:lnRef>
-        <a:fillRef idx="3">
-          <a:scrgbClr r="0" g="0" b="0"/>
-        </a:fillRef>
-        <a:effectRef idx="2">
-          <a:scrgbClr r="0" g="0" b="0"/>
-        </a:effectRef>
-        <a:fontRef idx="minor">
-          <a:schemeClr val="lt1"/>
-        </a:fontRef>
-      </dsp:style>
-    </dsp:sp>
-    <dsp:sp modelId="{923B0C63-79B7-9B4A-94B9-19130FBE5D7B}">
-      <dsp:nvSpPr>
-        <dsp:cNvPr id="0" name=""/>
-        <dsp:cNvSpPr/>
-      </dsp:nvSpPr>
-      <dsp:spPr>
-        <a:xfrm>
-          <a:off x="3181736" y="205923"/>
-          <a:ext cx="1244084" cy="789993"/>
-        </a:xfrm>
-        <a:prstGeom prst="roundRect">
-          <a:avLst>
-            <a:gd name="adj" fmla="val 10000"/>
-          </a:avLst>
-        </a:prstGeom>
-        <a:solidFill>
-          <a:schemeClr val="lt1">
-            <a:alpha val="90000"/>
-            <a:hueOff val="0"/>
-            <a:satOff val="0"/>
-            <a:lumOff val="0"/>
-            <a:alphaOff val="0"/>
-          </a:schemeClr>
-        </a:solidFill>
-        <a:ln w="9525" cap="flat" cmpd="sng" algn="ctr">
-          <a:solidFill>
-            <a:schemeClr val="accent1">
-              <a:hueOff val="0"/>
-              <a:satOff val="0"/>
-              <a:lumOff val="0"/>
-              <a:alphaOff val="0"/>
-            </a:schemeClr>
-          </a:solidFill>
-          <a:prstDash val="solid"/>
-        </a:ln>
-        <a:effectLst/>
-      </dsp:spPr>
-      <dsp:style>
-        <a:lnRef idx="1">
-          <a:scrgbClr r="0" g="0" b="0"/>
-        </a:lnRef>
-        <a:fillRef idx="1">
-          <a:scrgbClr r="0" g="0" b="0"/>
-        </a:fillRef>
-        <a:effectRef idx="0">
-          <a:scrgbClr r="0" g="0" b="0"/>
-        </a:effectRef>
-        <a:fontRef idx="minor"/>
-      </dsp:style>
-      <dsp:txBody>
-        <a:bodyPr spcFirstLastPara="0" vert="horz" wrap="square" lIns="76200" tIns="76200" rIns="76200" bIns="76200" numCol="1" spcCol="1270" anchor="ctr" anchorCtr="0">
-          <a:noAutofit/>
-        </a:bodyPr>
-        <a:lstStyle/>
-        <a:p>
-          <a:pPr lvl="0" algn="ctr" defTabSz="889000">
-            <a:lnSpc>
-              <a:spcPct val="90000"/>
-            </a:lnSpc>
-            <a:spcBef>
-              <a:spcPct val="0"/>
-            </a:spcBef>
-            <a:spcAft>
-              <a:spcPct val="35000"/>
-            </a:spcAft>
-          </a:pPr>
-          <a:r>
-            <a:rPr lang="en-US" sz="2000" kern="1200" smtClean="0"/>
-            <a:t>Data Type</a:t>
-          </a:r>
-          <a:endParaRPr lang="en-US" sz="2000" kern="1200" dirty="0"/>
-        </a:p>
-      </dsp:txBody>
-      <dsp:txXfrm>
-        <a:off x="3204874" y="229061"/>
-        <a:ext cx="1197808" cy="743717"/>
-      </dsp:txXfrm>
-    </dsp:sp>
-    <dsp:sp modelId="{3D0C8496-FBEF-B442-BAA7-CC30894D9EC3}">
-      <dsp:nvSpPr>
-        <dsp:cNvPr id="0" name=""/>
-        <dsp:cNvSpPr/>
-      </dsp:nvSpPr>
-      <dsp:spPr>
-        <a:xfrm>
-          <a:off x="762684" y="1226417"/>
-          <a:ext cx="1244084" cy="789993"/>
-        </a:xfrm>
-        <a:prstGeom prst="roundRect">
-          <a:avLst>
-            <a:gd name="adj" fmla="val 10000"/>
-          </a:avLst>
-        </a:prstGeom>
-        <a:gradFill rotWithShape="0">
-          <a:gsLst>
-            <a:gs pos="0">
-              <a:schemeClr val="accent1">
-                <a:hueOff val="0"/>
-                <a:satOff val="0"/>
-                <a:lumOff val="0"/>
-                <a:alphaOff val="0"/>
-                <a:tint val="100000"/>
-                <a:shade val="100000"/>
-                <a:satMod val="130000"/>
-              </a:schemeClr>
-            </a:gs>
-            <a:gs pos="100000">
-              <a:schemeClr val="accent1">
-                <a:hueOff val="0"/>
-                <a:satOff val="0"/>
-                <a:lumOff val="0"/>
-                <a:alphaOff val="0"/>
-                <a:tint val="50000"/>
-                <a:shade val="100000"/>
-                <a:satMod val="350000"/>
-              </a:schemeClr>
-            </a:gs>
-          </a:gsLst>
-          <a:lin ang="16200000" scaled="0"/>
-        </a:gradFill>
-        <a:ln>
-          <a:noFill/>
-        </a:ln>
-        <a:effectLst>
-          <a:outerShdw blurRad="40000" dist="23000" dir="5400000" rotWithShape="0">
-            <a:srgbClr val="000000">
-              <a:alpha val="35000"/>
-            </a:srgbClr>
-          </a:outerShdw>
-        </a:effectLst>
-      </dsp:spPr>
-      <dsp:style>
-        <a:lnRef idx="0">
-          <a:scrgbClr r="0" g="0" b="0"/>
-        </a:lnRef>
-        <a:fillRef idx="3">
-          <a:scrgbClr r="0" g="0" b="0"/>
-        </a:fillRef>
-        <a:effectRef idx="2">
-          <a:scrgbClr r="0" g="0" b="0"/>
-        </a:effectRef>
-        <a:fontRef idx="minor">
-          <a:schemeClr val="lt1"/>
-        </a:fontRef>
-      </dsp:style>
-    </dsp:sp>
-    <dsp:sp modelId="{BBF408DD-FB71-6449-9993-DDA736E8D58A}">
-      <dsp:nvSpPr>
-        <dsp:cNvPr id="0" name=""/>
-        <dsp:cNvSpPr/>
-      </dsp:nvSpPr>
-      <dsp:spPr>
-        <a:xfrm>
-          <a:off x="900916" y="1357737"/>
-          <a:ext cx="1244084" cy="789993"/>
-        </a:xfrm>
-        <a:prstGeom prst="roundRect">
-          <a:avLst>
-            <a:gd name="adj" fmla="val 10000"/>
-          </a:avLst>
-        </a:prstGeom>
-        <a:solidFill>
-          <a:schemeClr val="lt1">
-            <a:alpha val="90000"/>
-            <a:hueOff val="0"/>
-            <a:satOff val="0"/>
-            <a:lumOff val="0"/>
-            <a:alphaOff val="0"/>
-          </a:schemeClr>
-        </a:solidFill>
-        <a:ln w="9525" cap="flat" cmpd="sng" algn="ctr">
-          <a:solidFill>
-            <a:schemeClr val="accent1">
-              <a:hueOff val="0"/>
-              <a:satOff val="0"/>
-              <a:lumOff val="0"/>
-              <a:alphaOff val="0"/>
-            </a:schemeClr>
-          </a:solidFill>
-          <a:prstDash val="solid"/>
-        </a:ln>
-        <a:effectLst/>
-      </dsp:spPr>
-      <dsp:style>
-        <a:lnRef idx="1">
-          <a:scrgbClr r="0" g="0" b="0"/>
-        </a:lnRef>
-        <a:fillRef idx="1">
-          <a:scrgbClr r="0" g="0" b="0"/>
-        </a:fillRef>
-        <a:effectRef idx="0">
-          <a:scrgbClr r="0" g="0" b="0"/>
-        </a:effectRef>
-        <a:fontRef idx="minor"/>
-      </dsp:style>
-      <dsp:txBody>
-        <a:bodyPr spcFirstLastPara="0" vert="horz" wrap="square" lIns="76200" tIns="76200" rIns="76200" bIns="76200" numCol="1" spcCol="1270" anchor="ctr" anchorCtr="0">
-          <a:noAutofit/>
-        </a:bodyPr>
-        <a:lstStyle/>
-        <a:p>
-          <a:pPr lvl="0" algn="ctr" defTabSz="889000">
-            <a:lnSpc>
-              <a:spcPct val="90000"/>
-            </a:lnSpc>
-            <a:spcBef>
-              <a:spcPct val="0"/>
-            </a:spcBef>
-            <a:spcAft>
-              <a:spcPct val="35000"/>
-            </a:spcAft>
-          </a:pPr>
-          <a:r>
-            <a:rPr lang="en-US" sz="2000" kern="1200" dirty="0" smtClean="0"/>
-            <a:t>Number</a:t>
-          </a:r>
-          <a:endParaRPr lang="en-US" sz="2000" kern="1200" dirty="0"/>
-        </a:p>
-      </dsp:txBody>
-      <dsp:txXfrm>
-        <a:off x="924054" y="1380875"/>
-        <a:ext cx="1197808" cy="743717"/>
-      </dsp:txXfrm>
-    </dsp:sp>
-    <dsp:sp modelId="{4AC60A40-741B-ED47-AAD7-DE82CE34AD41}">
-      <dsp:nvSpPr>
-        <dsp:cNvPr id="0" name=""/>
-        <dsp:cNvSpPr/>
-      </dsp:nvSpPr>
-      <dsp:spPr>
-        <a:xfrm>
-          <a:off x="2411" y="2378232"/>
-          <a:ext cx="1244084" cy="789993"/>
-        </a:xfrm>
-        <a:prstGeom prst="roundRect">
-          <a:avLst>
-            <a:gd name="adj" fmla="val 10000"/>
-          </a:avLst>
-        </a:prstGeom>
-        <a:gradFill rotWithShape="0">
-          <a:gsLst>
-            <a:gs pos="0">
-              <a:schemeClr val="accent1">
-                <a:hueOff val="0"/>
-                <a:satOff val="0"/>
-                <a:lumOff val="0"/>
-                <a:alphaOff val="0"/>
-                <a:tint val="100000"/>
-                <a:shade val="100000"/>
-                <a:satMod val="130000"/>
-              </a:schemeClr>
-            </a:gs>
-            <a:gs pos="100000">
-              <a:schemeClr val="accent1">
-                <a:hueOff val="0"/>
-                <a:satOff val="0"/>
-                <a:lumOff val="0"/>
-                <a:alphaOff val="0"/>
-                <a:tint val="50000"/>
-                <a:shade val="100000"/>
-                <a:satMod val="350000"/>
-              </a:schemeClr>
-            </a:gs>
-          </a:gsLst>
-          <a:lin ang="16200000" scaled="0"/>
-        </a:gradFill>
-        <a:ln>
-          <a:noFill/>
-        </a:ln>
-        <a:effectLst>
-          <a:outerShdw blurRad="40000" dist="23000" dir="5400000" rotWithShape="0">
-            <a:srgbClr val="000000">
-              <a:alpha val="35000"/>
-            </a:srgbClr>
-          </a:outerShdw>
-        </a:effectLst>
-      </dsp:spPr>
-      <dsp:style>
-        <a:lnRef idx="0">
-          <a:scrgbClr r="0" g="0" b="0"/>
-        </a:lnRef>
-        <a:fillRef idx="3">
-          <a:scrgbClr r="0" g="0" b="0"/>
-        </a:fillRef>
-        <a:effectRef idx="2">
-          <a:scrgbClr r="0" g="0" b="0"/>
-        </a:effectRef>
-        <a:fontRef idx="minor">
-          <a:schemeClr val="lt1"/>
-        </a:fontRef>
-      </dsp:style>
-    </dsp:sp>
-    <dsp:sp modelId="{C2C1A37D-940A-6743-AC99-D92FAAA879A9}">
-      <dsp:nvSpPr>
-        <dsp:cNvPr id="0" name=""/>
-        <dsp:cNvSpPr/>
-      </dsp:nvSpPr>
-      <dsp:spPr>
-        <a:xfrm>
-          <a:off x="140642" y="2509552"/>
-          <a:ext cx="1244084" cy="789993"/>
-        </a:xfrm>
-        <a:prstGeom prst="roundRect">
-          <a:avLst>
-            <a:gd name="adj" fmla="val 10000"/>
-          </a:avLst>
-        </a:prstGeom>
-        <a:solidFill>
-          <a:schemeClr val="lt1">
-            <a:alpha val="90000"/>
-            <a:hueOff val="0"/>
-            <a:satOff val="0"/>
-            <a:lumOff val="0"/>
-            <a:alphaOff val="0"/>
-          </a:schemeClr>
-        </a:solidFill>
-        <a:ln w="9525" cap="flat" cmpd="sng" algn="ctr">
-          <a:solidFill>
-            <a:schemeClr val="accent1">
-              <a:hueOff val="0"/>
-              <a:satOff val="0"/>
-              <a:lumOff val="0"/>
-              <a:alphaOff val="0"/>
-            </a:schemeClr>
-          </a:solidFill>
-          <a:prstDash val="solid"/>
-        </a:ln>
-        <a:effectLst/>
-      </dsp:spPr>
-      <dsp:style>
-        <a:lnRef idx="1">
-          <a:scrgbClr r="0" g="0" b="0"/>
-        </a:lnRef>
-        <a:fillRef idx="1">
-          <a:scrgbClr r="0" g="0" b="0"/>
-        </a:fillRef>
-        <a:effectRef idx="0">
-          <a:scrgbClr r="0" g="0" b="0"/>
-        </a:effectRef>
-        <a:fontRef idx="minor"/>
-      </dsp:style>
-      <dsp:txBody>
-        <a:bodyPr spcFirstLastPara="0" vert="horz" wrap="square" lIns="76200" tIns="76200" rIns="76200" bIns="76200" numCol="1" spcCol="1270" anchor="ctr" anchorCtr="0">
-          <a:noAutofit/>
-        </a:bodyPr>
-        <a:lstStyle/>
-        <a:p>
-          <a:pPr lvl="0" algn="ctr" defTabSz="889000">
-            <a:lnSpc>
-              <a:spcPct val="90000"/>
-            </a:lnSpc>
-            <a:spcBef>
-              <a:spcPct val="0"/>
-            </a:spcBef>
-            <a:spcAft>
-              <a:spcPct val="35000"/>
-            </a:spcAft>
-          </a:pPr>
-          <a:r>
-            <a:rPr lang="en-US" sz="2000" kern="1200" dirty="0" smtClean="0"/>
-            <a:t>Whole</a:t>
-          </a:r>
-          <a:endParaRPr lang="en-US" sz="2000" kern="1200" dirty="0"/>
-        </a:p>
-      </dsp:txBody>
-      <dsp:txXfrm>
-        <a:off x="163780" y="2532690"/>
-        <a:ext cx="1197808" cy="743717"/>
-      </dsp:txXfrm>
-    </dsp:sp>
-    <dsp:sp modelId="{42E6176C-3E48-2248-9A2F-70DD7DB88292}">
-      <dsp:nvSpPr>
-        <dsp:cNvPr id="0" name=""/>
-        <dsp:cNvSpPr/>
-      </dsp:nvSpPr>
-      <dsp:spPr>
-        <a:xfrm>
-          <a:off x="1522958" y="2378232"/>
-          <a:ext cx="1244084" cy="789993"/>
-        </a:xfrm>
-        <a:prstGeom prst="roundRect">
-          <a:avLst>
-            <a:gd name="adj" fmla="val 10000"/>
-          </a:avLst>
-        </a:prstGeom>
-        <a:gradFill rotWithShape="0">
-          <a:gsLst>
-            <a:gs pos="0">
-              <a:schemeClr val="accent1">
-                <a:hueOff val="0"/>
-                <a:satOff val="0"/>
-                <a:lumOff val="0"/>
-                <a:alphaOff val="0"/>
-                <a:tint val="100000"/>
-                <a:shade val="100000"/>
-                <a:satMod val="130000"/>
-              </a:schemeClr>
-            </a:gs>
-            <a:gs pos="100000">
-              <a:schemeClr val="accent1">
-                <a:hueOff val="0"/>
-                <a:satOff val="0"/>
-                <a:lumOff val="0"/>
-                <a:alphaOff val="0"/>
-                <a:tint val="50000"/>
-                <a:shade val="100000"/>
-                <a:satMod val="350000"/>
-              </a:schemeClr>
-            </a:gs>
-          </a:gsLst>
-          <a:lin ang="16200000" scaled="0"/>
-        </a:gradFill>
-        <a:ln>
-          <a:noFill/>
-        </a:ln>
-        <a:effectLst>
-          <a:outerShdw blurRad="40000" dist="23000" dir="5400000" rotWithShape="0">
-            <a:srgbClr val="000000">
-              <a:alpha val="35000"/>
-            </a:srgbClr>
-          </a:outerShdw>
-        </a:effectLst>
-      </dsp:spPr>
-      <dsp:style>
-        <a:lnRef idx="0">
-          <a:scrgbClr r="0" g="0" b="0"/>
-        </a:lnRef>
-        <a:fillRef idx="3">
-          <a:scrgbClr r="0" g="0" b="0"/>
-        </a:fillRef>
-        <a:effectRef idx="2">
-          <a:scrgbClr r="0" g="0" b="0"/>
-        </a:effectRef>
-        <a:fontRef idx="minor">
-          <a:schemeClr val="lt1"/>
-        </a:fontRef>
-      </dsp:style>
-    </dsp:sp>
-    <dsp:sp modelId="{0B86410B-498D-AB4D-9967-4C4AEDB1DF45}">
-      <dsp:nvSpPr>
-        <dsp:cNvPr id="0" name=""/>
-        <dsp:cNvSpPr/>
-      </dsp:nvSpPr>
-      <dsp:spPr>
-        <a:xfrm>
-          <a:off x="1661189" y="2509552"/>
-          <a:ext cx="1244084" cy="789993"/>
-        </a:xfrm>
-        <a:prstGeom prst="roundRect">
-          <a:avLst>
-            <a:gd name="adj" fmla="val 10000"/>
-          </a:avLst>
-        </a:prstGeom>
-        <a:solidFill>
-          <a:schemeClr val="lt1">
-            <a:alpha val="90000"/>
-            <a:hueOff val="0"/>
-            <a:satOff val="0"/>
-            <a:lumOff val="0"/>
-            <a:alphaOff val="0"/>
-          </a:schemeClr>
-        </a:solidFill>
-        <a:ln w="9525" cap="flat" cmpd="sng" algn="ctr">
-          <a:solidFill>
-            <a:schemeClr val="accent1">
-              <a:hueOff val="0"/>
-              <a:satOff val="0"/>
-              <a:lumOff val="0"/>
-              <a:alphaOff val="0"/>
-            </a:schemeClr>
-          </a:solidFill>
-          <a:prstDash val="solid"/>
-        </a:ln>
-        <a:effectLst/>
-      </dsp:spPr>
-      <dsp:style>
-        <a:lnRef idx="1">
-          <a:scrgbClr r="0" g="0" b="0"/>
-        </a:lnRef>
-        <a:fillRef idx="1">
-          <a:scrgbClr r="0" g="0" b="0"/>
-        </a:fillRef>
-        <a:effectRef idx="0">
-          <a:scrgbClr r="0" g="0" b="0"/>
-        </a:effectRef>
-        <a:fontRef idx="minor"/>
-      </dsp:style>
-      <dsp:txBody>
-        <a:bodyPr spcFirstLastPara="0" vert="horz" wrap="square" lIns="76200" tIns="76200" rIns="76200" bIns="76200" numCol="1" spcCol="1270" anchor="ctr" anchorCtr="0">
-          <a:noAutofit/>
-        </a:bodyPr>
-        <a:lstStyle/>
-        <a:p>
-          <a:pPr lvl="0" algn="ctr" defTabSz="889000">
-            <a:lnSpc>
-              <a:spcPct val="90000"/>
-            </a:lnSpc>
-            <a:spcBef>
-              <a:spcPct val="0"/>
-            </a:spcBef>
-            <a:spcAft>
-              <a:spcPct val="35000"/>
-            </a:spcAft>
-          </a:pPr>
-          <a:r>
-            <a:rPr lang="en-US" sz="2000" kern="1200" dirty="0" smtClean="0"/>
-            <a:t>Float</a:t>
-          </a:r>
-          <a:endParaRPr lang="en-US" sz="2000" kern="1200" dirty="0"/>
-        </a:p>
-      </dsp:txBody>
-      <dsp:txXfrm>
-        <a:off x="1684327" y="2532690"/>
-        <a:ext cx="1197808" cy="743717"/>
-      </dsp:txXfrm>
-    </dsp:sp>
-    <dsp:sp modelId="{E4637EFB-2FAA-3446-8FC9-AD7B8E683EE6}">
-      <dsp:nvSpPr>
-        <dsp:cNvPr id="0" name=""/>
-        <dsp:cNvSpPr/>
-      </dsp:nvSpPr>
-      <dsp:spPr>
-        <a:xfrm>
-          <a:off x="2283231" y="1226417"/>
-          <a:ext cx="1244084" cy="789993"/>
-        </a:xfrm>
-        <a:prstGeom prst="roundRect">
-          <a:avLst>
-            <a:gd name="adj" fmla="val 10000"/>
-          </a:avLst>
-        </a:prstGeom>
-        <a:gradFill rotWithShape="0">
-          <a:gsLst>
-            <a:gs pos="0">
-              <a:schemeClr val="accent1">
-                <a:hueOff val="0"/>
-                <a:satOff val="0"/>
-                <a:lumOff val="0"/>
-                <a:alphaOff val="0"/>
-                <a:tint val="100000"/>
-                <a:shade val="100000"/>
-                <a:satMod val="130000"/>
-              </a:schemeClr>
-            </a:gs>
-            <a:gs pos="100000">
-              <a:schemeClr val="accent1">
-                <a:hueOff val="0"/>
-                <a:satOff val="0"/>
-                <a:lumOff val="0"/>
-                <a:alphaOff val="0"/>
-                <a:tint val="50000"/>
-                <a:shade val="100000"/>
-                <a:satMod val="350000"/>
-              </a:schemeClr>
-            </a:gs>
-          </a:gsLst>
-          <a:lin ang="16200000" scaled="0"/>
-        </a:gradFill>
-        <a:ln>
-          <a:noFill/>
-        </a:ln>
-        <a:effectLst>
-          <a:outerShdw blurRad="40000" dist="23000" dir="5400000" rotWithShape="0">
-            <a:srgbClr val="000000">
-              <a:alpha val="35000"/>
-            </a:srgbClr>
-          </a:outerShdw>
-        </a:effectLst>
-      </dsp:spPr>
-      <dsp:style>
-        <a:lnRef idx="0">
-          <a:scrgbClr r="0" g="0" b="0"/>
-        </a:lnRef>
-        <a:fillRef idx="3">
-          <a:scrgbClr r="0" g="0" b="0"/>
-        </a:fillRef>
-        <a:effectRef idx="2">
-          <a:scrgbClr r="0" g="0" b="0"/>
-        </a:effectRef>
-        <a:fontRef idx="minor">
-          <a:schemeClr val="lt1"/>
-        </a:fontRef>
-      </dsp:style>
-    </dsp:sp>
-    <dsp:sp modelId="{0FEFC8CB-58CB-4A43-9867-EED6738F0C0F}">
-      <dsp:nvSpPr>
-        <dsp:cNvPr id="0" name=""/>
-        <dsp:cNvSpPr/>
-      </dsp:nvSpPr>
-      <dsp:spPr>
-        <a:xfrm>
-          <a:off x="2421463" y="1357737"/>
-          <a:ext cx="1244084" cy="789993"/>
-        </a:xfrm>
-        <a:prstGeom prst="roundRect">
-          <a:avLst>
-            <a:gd name="adj" fmla="val 10000"/>
-          </a:avLst>
-        </a:prstGeom>
-        <a:solidFill>
-          <a:schemeClr val="lt1">
-            <a:alpha val="90000"/>
-            <a:hueOff val="0"/>
-            <a:satOff val="0"/>
-            <a:lumOff val="0"/>
-            <a:alphaOff val="0"/>
-          </a:schemeClr>
-        </a:solidFill>
-        <a:ln w="9525" cap="flat" cmpd="sng" algn="ctr">
-          <a:solidFill>
-            <a:schemeClr val="accent1">
-              <a:hueOff val="0"/>
-              <a:satOff val="0"/>
-              <a:lumOff val="0"/>
-              <a:alphaOff val="0"/>
-            </a:schemeClr>
-          </a:solidFill>
-          <a:prstDash val="solid"/>
-        </a:ln>
-        <a:effectLst/>
-      </dsp:spPr>
-      <dsp:style>
-        <a:lnRef idx="1">
-          <a:scrgbClr r="0" g="0" b="0"/>
-        </a:lnRef>
-        <a:fillRef idx="1">
-          <a:scrgbClr r="0" g="0" b="0"/>
-        </a:fillRef>
-        <a:effectRef idx="0">
-          <a:scrgbClr r="0" g="0" b="0"/>
-        </a:effectRef>
-        <a:fontRef idx="minor"/>
-      </dsp:style>
-      <dsp:txBody>
-        <a:bodyPr spcFirstLastPara="0" vert="horz" wrap="square" lIns="76200" tIns="76200" rIns="76200" bIns="76200" numCol="1" spcCol="1270" anchor="ctr" anchorCtr="0">
-          <a:noAutofit/>
-        </a:bodyPr>
-        <a:lstStyle/>
-        <a:p>
-          <a:pPr lvl="0" algn="ctr" defTabSz="889000">
-            <a:lnSpc>
-              <a:spcPct val="90000"/>
-            </a:lnSpc>
-            <a:spcBef>
-              <a:spcPct val="0"/>
-            </a:spcBef>
-            <a:spcAft>
-              <a:spcPct val="35000"/>
-            </a:spcAft>
-          </a:pPr>
-          <a:r>
-            <a:rPr lang="en-US" sz="2000" kern="1200" dirty="0" smtClean="0"/>
-            <a:t>String</a:t>
-          </a:r>
-          <a:endParaRPr lang="en-US" sz="2000" kern="1200" dirty="0"/>
-        </a:p>
-      </dsp:txBody>
-      <dsp:txXfrm>
-        <a:off x="2444601" y="1380875"/>
-        <a:ext cx="1197808" cy="743717"/>
-      </dsp:txXfrm>
-    </dsp:sp>
-    <dsp:sp modelId="{742E8093-E526-D748-A87A-DEAD1A9F1F6D}">
-      <dsp:nvSpPr>
-        <dsp:cNvPr id="0" name=""/>
-        <dsp:cNvSpPr/>
-      </dsp:nvSpPr>
-      <dsp:spPr>
-        <a:xfrm>
-          <a:off x="3803778" y="1226417"/>
-          <a:ext cx="1244084" cy="789993"/>
-        </a:xfrm>
-        <a:prstGeom prst="roundRect">
-          <a:avLst>
-            <a:gd name="adj" fmla="val 10000"/>
-          </a:avLst>
-        </a:prstGeom>
-        <a:gradFill rotWithShape="0">
-          <a:gsLst>
-            <a:gs pos="0">
-              <a:schemeClr val="accent1">
-                <a:hueOff val="0"/>
-                <a:satOff val="0"/>
-                <a:lumOff val="0"/>
-                <a:alphaOff val="0"/>
-                <a:tint val="100000"/>
-                <a:shade val="100000"/>
-                <a:satMod val="130000"/>
-              </a:schemeClr>
-            </a:gs>
-            <a:gs pos="100000">
-              <a:schemeClr val="accent1">
-                <a:hueOff val="0"/>
-                <a:satOff val="0"/>
-                <a:lumOff val="0"/>
-                <a:alphaOff val="0"/>
-                <a:tint val="50000"/>
-                <a:shade val="100000"/>
-                <a:satMod val="350000"/>
-              </a:schemeClr>
-            </a:gs>
-          </a:gsLst>
-          <a:lin ang="16200000" scaled="0"/>
-        </a:gradFill>
-        <a:ln>
-          <a:noFill/>
-        </a:ln>
-        <a:effectLst>
-          <a:outerShdw blurRad="40000" dist="23000" dir="5400000" rotWithShape="0">
-            <a:srgbClr val="000000">
-              <a:alpha val="35000"/>
-            </a:srgbClr>
-          </a:outerShdw>
-        </a:effectLst>
-      </dsp:spPr>
-      <dsp:style>
-        <a:lnRef idx="0">
-          <a:scrgbClr r="0" g="0" b="0"/>
-        </a:lnRef>
-        <a:fillRef idx="3">
-          <a:scrgbClr r="0" g="0" b="0"/>
-        </a:fillRef>
-        <a:effectRef idx="2">
-          <a:scrgbClr r="0" g="0" b="0"/>
-        </a:effectRef>
-        <a:fontRef idx="minor">
-          <a:schemeClr val="lt1"/>
-        </a:fontRef>
-      </dsp:style>
-    </dsp:sp>
-    <dsp:sp modelId="{D86CCABB-994E-2B44-9B36-549A167DC946}">
-      <dsp:nvSpPr>
-        <dsp:cNvPr id="0" name=""/>
-        <dsp:cNvSpPr/>
-      </dsp:nvSpPr>
-      <dsp:spPr>
-        <a:xfrm>
-          <a:off x="3942010" y="1357737"/>
-          <a:ext cx="1244084" cy="789993"/>
-        </a:xfrm>
-        <a:prstGeom prst="roundRect">
-          <a:avLst>
-            <a:gd name="adj" fmla="val 10000"/>
-          </a:avLst>
-        </a:prstGeom>
-        <a:solidFill>
-          <a:schemeClr val="lt1">
-            <a:alpha val="90000"/>
-            <a:hueOff val="0"/>
-            <a:satOff val="0"/>
-            <a:lumOff val="0"/>
-            <a:alphaOff val="0"/>
-          </a:schemeClr>
-        </a:solidFill>
-        <a:ln w="9525" cap="flat" cmpd="sng" algn="ctr">
-          <a:solidFill>
-            <a:schemeClr val="accent1">
-              <a:hueOff val="0"/>
-              <a:satOff val="0"/>
-              <a:lumOff val="0"/>
-              <a:alphaOff val="0"/>
-            </a:schemeClr>
-          </a:solidFill>
-          <a:prstDash val="solid"/>
-        </a:ln>
-        <a:effectLst/>
-      </dsp:spPr>
-      <dsp:style>
-        <a:lnRef idx="1">
-          <a:scrgbClr r="0" g="0" b="0"/>
-        </a:lnRef>
-        <a:fillRef idx="1">
-          <a:scrgbClr r="0" g="0" b="0"/>
-        </a:fillRef>
-        <a:effectRef idx="0">
-          <a:scrgbClr r="0" g="0" b="0"/>
-        </a:effectRef>
-        <a:fontRef idx="minor"/>
-      </dsp:style>
-      <dsp:txBody>
-        <a:bodyPr spcFirstLastPara="0" vert="horz" wrap="square" lIns="76200" tIns="76200" rIns="76200" bIns="76200" numCol="1" spcCol="1270" anchor="ctr" anchorCtr="0">
-          <a:noAutofit/>
-        </a:bodyPr>
-        <a:lstStyle/>
-        <a:p>
-          <a:pPr lvl="0" algn="ctr" defTabSz="889000">
-            <a:lnSpc>
-              <a:spcPct val="90000"/>
-            </a:lnSpc>
-            <a:spcBef>
-              <a:spcPct val="0"/>
-            </a:spcBef>
-            <a:spcAft>
-              <a:spcPct val="35000"/>
-            </a:spcAft>
-          </a:pPr>
-          <a:r>
-            <a:rPr lang="en-US" sz="2000" kern="1200" dirty="0" smtClean="0"/>
-            <a:t>Boolean</a:t>
-          </a:r>
-          <a:endParaRPr lang="en-US" sz="2000" kern="1200" dirty="0"/>
-        </a:p>
-      </dsp:txBody>
-      <dsp:txXfrm>
-        <a:off x="3965148" y="1380875"/>
-        <a:ext cx="1197808" cy="743717"/>
-      </dsp:txXfrm>
-    </dsp:sp>
-    <dsp:sp modelId="{419941D0-E8C4-AB44-9E78-DAAEB48DEBBF}">
-      <dsp:nvSpPr>
-        <dsp:cNvPr id="0" name=""/>
-        <dsp:cNvSpPr/>
-      </dsp:nvSpPr>
-      <dsp:spPr>
-        <a:xfrm>
-          <a:off x="5324326" y="1226417"/>
-          <a:ext cx="1244084" cy="789993"/>
-        </a:xfrm>
-        <a:prstGeom prst="roundRect">
-          <a:avLst>
-            <a:gd name="adj" fmla="val 10000"/>
-          </a:avLst>
-        </a:prstGeom>
-        <a:gradFill rotWithShape="0">
-          <a:gsLst>
-            <a:gs pos="0">
-              <a:schemeClr val="accent1">
-                <a:hueOff val="0"/>
-                <a:satOff val="0"/>
-                <a:lumOff val="0"/>
-                <a:alphaOff val="0"/>
-                <a:tint val="100000"/>
-                <a:shade val="100000"/>
-                <a:satMod val="130000"/>
-              </a:schemeClr>
-            </a:gs>
-            <a:gs pos="100000">
-              <a:schemeClr val="accent1">
-                <a:hueOff val="0"/>
-                <a:satOff val="0"/>
-                <a:lumOff val="0"/>
-                <a:alphaOff val="0"/>
-                <a:tint val="50000"/>
-                <a:shade val="100000"/>
-                <a:satMod val="350000"/>
-              </a:schemeClr>
-            </a:gs>
-          </a:gsLst>
-          <a:lin ang="16200000" scaled="0"/>
-        </a:gradFill>
-        <a:ln>
-          <a:noFill/>
-        </a:ln>
-        <a:effectLst>
-          <a:outerShdw blurRad="40000" dist="23000" dir="5400000" rotWithShape="0">
-            <a:srgbClr val="000000">
-              <a:alpha val="35000"/>
-            </a:srgbClr>
-          </a:outerShdw>
-        </a:effectLst>
-      </dsp:spPr>
-      <dsp:style>
-        <a:lnRef idx="0">
-          <a:scrgbClr r="0" g="0" b="0"/>
-        </a:lnRef>
-        <a:fillRef idx="3">
-          <a:scrgbClr r="0" g="0" b="0"/>
-        </a:fillRef>
-        <a:effectRef idx="2">
-          <a:scrgbClr r="0" g="0" b="0"/>
-        </a:effectRef>
-        <a:fontRef idx="minor">
-          <a:schemeClr val="lt1"/>
-        </a:fontRef>
-      </dsp:style>
-    </dsp:sp>
-    <dsp:sp modelId="{6603764C-B415-664F-8885-A7DAA8CAF3E7}">
-      <dsp:nvSpPr>
-        <dsp:cNvPr id="0" name=""/>
-        <dsp:cNvSpPr/>
-      </dsp:nvSpPr>
-      <dsp:spPr>
-        <a:xfrm>
-          <a:off x="5462557" y="1357737"/>
-          <a:ext cx="1244084" cy="789993"/>
-        </a:xfrm>
-        <a:prstGeom prst="roundRect">
-          <a:avLst>
-            <a:gd name="adj" fmla="val 10000"/>
-          </a:avLst>
-        </a:prstGeom>
-        <a:solidFill>
-          <a:schemeClr val="lt1">
-            <a:alpha val="90000"/>
-            <a:hueOff val="0"/>
-            <a:satOff val="0"/>
-            <a:lumOff val="0"/>
-            <a:alphaOff val="0"/>
-          </a:schemeClr>
-        </a:solidFill>
-        <a:ln w="9525" cap="flat" cmpd="sng" algn="ctr">
-          <a:solidFill>
-            <a:schemeClr val="accent1">
-              <a:hueOff val="0"/>
-              <a:satOff val="0"/>
-              <a:lumOff val="0"/>
-              <a:alphaOff val="0"/>
-            </a:schemeClr>
-          </a:solidFill>
-          <a:prstDash val="solid"/>
-        </a:ln>
-        <a:effectLst/>
-      </dsp:spPr>
-      <dsp:style>
-        <a:lnRef idx="1">
-          <a:scrgbClr r="0" g="0" b="0"/>
-        </a:lnRef>
-        <a:fillRef idx="1">
-          <a:scrgbClr r="0" g="0" b="0"/>
-        </a:fillRef>
-        <a:effectRef idx="0">
-          <a:scrgbClr r="0" g="0" b="0"/>
-        </a:effectRef>
-        <a:fontRef idx="minor"/>
-      </dsp:style>
-      <dsp:txBody>
-        <a:bodyPr spcFirstLastPara="0" vert="horz" wrap="square" lIns="76200" tIns="76200" rIns="76200" bIns="76200" numCol="1" spcCol="1270" anchor="ctr" anchorCtr="0">
-          <a:noAutofit/>
-        </a:bodyPr>
-        <a:lstStyle/>
-        <a:p>
-          <a:pPr lvl="0" algn="ctr" defTabSz="889000">
-            <a:lnSpc>
-              <a:spcPct val="90000"/>
-            </a:lnSpc>
-            <a:spcBef>
-              <a:spcPct val="0"/>
-            </a:spcBef>
-            <a:spcAft>
-              <a:spcPct val="35000"/>
-            </a:spcAft>
-          </a:pPr>
-          <a:r>
-            <a:rPr lang="en-US" sz="2000" kern="1200" dirty="0" smtClean="0"/>
-            <a:t>Object</a:t>
-          </a:r>
-          <a:endParaRPr lang="en-US" sz="2000" kern="1200" dirty="0"/>
-        </a:p>
-      </dsp:txBody>
-      <dsp:txXfrm>
-        <a:off x="5485695" y="1380875"/>
-        <a:ext cx="1197808" cy="743717"/>
-      </dsp:txXfrm>
-    </dsp:sp>
-    <dsp:sp modelId="{BED1AD82-3EAF-DA47-9563-265E07F41880}">
-      <dsp:nvSpPr>
-        <dsp:cNvPr id="0" name=""/>
-        <dsp:cNvSpPr/>
-      </dsp:nvSpPr>
-      <dsp:spPr>
-        <a:xfrm>
-          <a:off x="3803778" y="2378232"/>
-          <a:ext cx="1244084" cy="789993"/>
-        </a:xfrm>
-        <a:prstGeom prst="roundRect">
-          <a:avLst>
-            <a:gd name="adj" fmla="val 10000"/>
-          </a:avLst>
-        </a:prstGeom>
-        <a:gradFill rotWithShape="0">
-          <a:gsLst>
-            <a:gs pos="0">
-              <a:schemeClr val="accent1">
-                <a:hueOff val="0"/>
-                <a:satOff val="0"/>
-                <a:lumOff val="0"/>
-                <a:alphaOff val="0"/>
-                <a:tint val="100000"/>
-                <a:shade val="100000"/>
-                <a:satMod val="130000"/>
-              </a:schemeClr>
-            </a:gs>
-            <a:gs pos="100000">
-              <a:schemeClr val="accent1">
-                <a:hueOff val="0"/>
-                <a:satOff val="0"/>
-                <a:lumOff val="0"/>
-                <a:alphaOff val="0"/>
-                <a:tint val="50000"/>
-                <a:shade val="100000"/>
-                <a:satMod val="350000"/>
-              </a:schemeClr>
-            </a:gs>
-          </a:gsLst>
-          <a:lin ang="16200000" scaled="0"/>
-        </a:gradFill>
-        <a:ln>
-          <a:noFill/>
-        </a:ln>
-        <a:effectLst>
-          <a:outerShdw blurRad="40000" dist="23000" dir="5400000" rotWithShape="0">
-            <a:srgbClr val="000000">
-              <a:alpha val="35000"/>
-            </a:srgbClr>
-          </a:outerShdw>
-        </a:effectLst>
-      </dsp:spPr>
-      <dsp:style>
-        <a:lnRef idx="0">
-          <a:scrgbClr r="0" g="0" b="0"/>
-        </a:lnRef>
-        <a:fillRef idx="3">
-          <a:scrgbClr r="0" g="0" b="0"/>
-        </a:fillRef>
-        <a:effectRef idx="2">
-          <a:scrgbClr r="0" g="0" b="0"/>
-        </a:effectRef>
-        <a:fontRef idx="minor">
-          <a:schemeClr val="lt1"/>
-        </a:fontRef>
-      </dsp:style>
-    </dsp:sp>
-    <dsp:sp modelId="{AD6B8219-1F5B-DA4F-B261-22B5D0551A94}">
-      <dsp:nvSpPr>
-        <dsp:cNvPr id="0" name=""/>
-        <dsp:cNvSpPr/>
-      </dsp:nvSpPr>
-      <dsp:spPr>
-        <a:xfrm>
-          <a:off x="3942010" y="2509552"/>
-          <a:ext cx="1244084" cy="789993"/>
-        </a:xfrm>
-        <a:prstGeom prst="roundRect">
-          <a:avLst>
-            <a:gd name="adj" fmla="val 10000"/>
-          </a:avLst>
-        </a:prstGeom>
-        <a:solidFill>
-          <a:schemeClr val="lt1">
-            <a:alpha val="90000"/>
-            <a:hueOff val="0"/>
-            <a:satOff val="0"/>
-            <a:lumOff val="0"/>
-            <a:alphaOff val="0"/>
-          </a:schemeClr>
-        </a:solidFill>
-        <a:ln w="9525" cap="flat" cmpd="sng" algn="ctr">
-          <a:solidFill>
-            <a:schemeClr val="accent1">
-              <a:hueOff val="0"/>
-              <a:satOff val="0"/>
-              <a:lumOff val="0"/>
-              <a:alphaOff val="0"/>
-            </a:schemeClr>
-          </a:solidFill>
-          <a:prstDash val="solid"/>
-        </a:ln>
-        <a:effectLst/>
-      </dsp:spPr>
-      <dsp:style>
-        <a:lnRef idx="1">
-          <a:scrgbClr r="0" g="0" b="0"/>
-        </a:lnRef>
-        <a:fillRef idx="1">
-          <a:scrgbClr r="0" g="0" b="0"/>
-        </a:fillRef>
-        <a:effectRef idx="0">
-          <a:scrgbClr r="0" g="0" b="0"/>
-        </a:effectRef>
-        <a:fontRef idx="minor"/>
-      </dsp:style>
-      <dsp:txBody>
-        <a:bodyPr spcFirstLastPara="0" vert="horz" wrap="square" lIns="76200" tIns="76200" rIns="76200" bIns="76200" numCol="1" spcCol="1270" anchor="ctr" anchorCtr="0">
-          <a:noAutofit/>
-        </a:bodyPr>
-        <a:lstStyle/>
-        <a:p>
-          <a:pPr lvl="0" algn="ctr" defTabSz="889000">
-            <a:lnSpc>
-              <a:spcPct val="90000"/>
-            </a:lnSpc>
-            <a:spcBef>
-              <a:spcPct val="0"/>
-            </a:spcBef>
-            <a:spcAft>
-              <a:spcPct val="35000"/>
-            </a:spcAft>
-          </a:pPr>
-          <a:r>
-            <a:rPr lang="en-US" sz="2000" kern="1200" dirty="0" smtClean="0"/>
-            <a:t>Date</a:t>
-          </a:r>
-          <a:endParaRPr lang="en-US" sz="2000" kern="1200" dirty="0"/>
-        </a:p>
-      </dsp:txBody>
-      <dsp:txXfrm>
-        <a:off x="3965148" y="2532690"/>
-        <a:ext cx="1197808" cy="743717"/>
-      </dsp:txXfrm>
-    </dsp:sp>
-    <dsp:sp modelId="{E43BE145-21E5-5543-9A7D-46DE44FE97A7}">
-      <dsp:nvSpPr>
-        <dsp:cNvPr id="0" name=""/>
-        <dsp:cNvSpPr/>
-      </dsp:nvSpPr>
-      <dsp:spPr>
-        <a:xfrm>
-          <a:off x="5324326" y="2378232"/>
-          <a:ext cx="1244084" cy="789993"/>
-        </a:xfrm>
-        <a:prstGeom prst="roundRect">
-          <a:avLst>
-            <a:gd name="adj" fmla="val 10000"/>
-          </a:avLst>
-        </a:prstGeom>
-        <a:gradFill rotWithShape="0">
-          <a:gsLst>
-            <a:gs pos="0">
-              <a:schemeClr val="accent1">
-                <a:hueOff val="0"/>
-                <a:satOff val="0"/>
-                <a:lumOff val="0"/>
-                <a:alphaOff val="0"/>
-                <a:tint val="100000"/>
-                <a:shade val="100000"/>
-                <a:satMod val="130000"/>
-              </a:schemeClr>
-            </a:gs>
-            <a:gs pos="100000">
-              <a:schemeClr val="accent1">
-                <a:hueOff val="0"/>
-                <a:satOff val="0"/>
-                <a:lumOff val="0"/>
-                <a:alphaOff val="0"/>
-                <a:tint val="50000"/>
-                <a:shade val="100000"/>
-                <a:satMod val="350000"/>
-              </a:schemeClr>
-            </a:gs>
-          </a:gsLst>
-          <a:lin ang="16200000" scaled="0"/>
-        </a:gradFill>
-        <a:ln>
-          <a:noFill/>
-        </a:ln>
-        <a:effectLst>
-          <a:outerShdw blurRad="40000" dist="23000" dir="5400000" rotWithShape="0">
-            <a:srgbClr val="000000">
-              <a:alpha val="35000"/>
-            </a:srgbClr>
-          </a:outerShdw>
-        </a:effectLst>
-      </dsp:spPr>
-      <dsp:style>
-        <a:lnRef idx="0">
-          <a:scrgbClr r="0" g="0" b="0"/>
-        </a:lnRef>
-        <a:fillRef idx="3">
-          <a:scrgbClr r="0" g="0" b="0"/>
-        </a:fillRef>
-        <a:effectRef idx="2">
-          <a:scrgbClr r="0" g="0" b="0"/>
-        </a:effectRef>
-        <a:fontRef idx="minor">
-          <a:schemeClr val="lt1"/>
-        </a:fontRef>
-      </dsp:style>
-    </dsp:sp>
-    <dsp:sp modelId="{EBC8209D-BB74-B44A-A57A-C51ABEDBBAE8}">
-      <dsp:nvSpPr>
-        <dsp:cNvPr id="0" name=""/>
-        <dsp:cNvSpPr/>
-      </dsp:nvSpPr>
-      <dsp:spPr>
-        <a:xfrm>
-          <a:off x="5462557" y="2509552"/>
-          <a:ext cx="1244084" cy="789993"/>
-        </a:xfrm>
-        <a:prstGeom prst="roundRect">
-          <a:avLst>
-            <a:gd name="adj" fmla="val 10000"/>
-          </a:avLst>
-        </a:prstGeom>
-        <a:solidFill>
-          <a:schemeClr val="lt1">
-            <a:alpha val="90000"/>
-            <a:hueOff val="0"/>
-            <a:satOff val="0"/>
-            <a:lumOff val="0"/>
-            <a:alphaOff val="0"/>
-          </a:schemeClr>
-        </a:solidFill>
-        <a:ln w="9525" cap="flat" cmpd="sng" algn="ctr">
-          <a:solidFill>
-            <a:schemeClr val="accent1">
-              <a:hueOff val="0"/>
-              <a:satOff val="0"/>
-              <a:lumOff val="0"/>
-              <a:alphaOff val="0"/>
-            </a:schemeClr>
-          </a:solidFill>
-          <a:prstDash val="solid"/>
-        </a:ln>
-        <a:effectLst/>
-      </dsp:spPr>
-      <dsp:style>
-        <a:lnRef idx="1">
-          <a:scrgbClr r="0" g="0" b="0"/>
-        </a:lnRef>
-        <a:fillRef idx="1">
-          <a:scrgbClr r="0" g="0" b="0"/>
-        </a:fillRef>
-        <a:effectRef idx="0">
-          <a:scrgbClr r="0" g="0" b="0"/>
-        </a:effectRef>
-        <a:fontRef idx="minor"/>
-      </dsp:style>
-      <dsp:txBody>
-        <a:bodyPr spcFirstLastPara="0" vert="horz" wrap="square" lIns="76200" tIns="76200" rIns="76200" bIns="76200" numCol="1" spcCol="1270" anchor="ctr" anchorCtr="0">
-          <a:noAutofit/>
-        </a:bodyPr>
-        <a:lstStyle/>
-        <a:p>
-          <a:pPr lvl="0" algn="ctr" defTabSz="889000">
-            <a:lnSpc>
-              <a:spcPct val="90000"/>
-            </a:lnSpc>
-            <a:spcBef>
-              <a:spcPct val="0"/>
-            </a:spcBef>
-            <a:spcAft>
-              <a:spcPct val="35000"/>
-            </a:spcAft>
-          </a:pPr>
-          <a:r>
-            <a:rPr lang="en-US" sz="2000" kern="1200" dirty="0" smtClean="0"/>
-            <a:t>Container</a:t>
-          </a:r>
-          <a:endParaRPr lang="en-US" sz="2000" kern="1200" dirty="0"/>
-        </a:p>
-      </dsp:txBody>
-      <dsp:txXfrm>
-        <a:off x="5485695" y="2532690"/>
-        <a:ext cx="1197808" cy="743717"/>
-      </dsp:txXfrm>
-    </dsp:sp>
-    <dsp:sp modelId="{6DF542D9-B5F6-214E-9CDE-F0A47E3A8ABC}">
-      <dsp:nvSpPr>
-        <dsp:cNvPr id="0" name=""/>
-        <dsp:cNvSpPr/>
-      </dsp:nvSpPr>
-      <dsp:spPr>
-        <a:xfrm>
-          <a:off x="4564052" y="3530046"/>
-          <a:ext cx="1244084" cy="789993"/>
-        </a:xfrm>
-        <a:prstGeom prst="roundRect">
-          <a:avLst>
-            <a:gd name="adj" fmla="val 10000"/>
-          </a:avLst>
-        </a:prstGeom>
-        <a:gradFill rotWithShape="0">
-          <a:gsLst>
-            <a:gs pos="0">
-              <a:schemeClr val="accent1">
-                <a:hueOff val="0"/>
-                <a:satOff val="0"/>
-                <a:lumOff val="0"/>
-                <a:alphaOff val="0"/>
-                <a:tint val="100000"/>
-                <a:shade val="100000"/>
-                <a:satMod val="130000"/>
-              </a:schemeClr>
-            </a:gs>
-            <a:gs pos="100000">
-              <a:schemeClr val="accent1">
-                <a:hueOff val="0"/>
-                <a:satOff val="0"/>
-                <a:lumOff val="0"/>
-                <a:alphaOff val="0"/>
-                <a:tint val="50000"/>
-                <a:shade val="100000"/>
-                <a:satMod val="350000"/>
-              </a:schemeClr>
-            </a:gs>
-          </a:gsLst>
-          <a:lin ang="16200000" scaled="0"/>
-        </a:gradFill>
-        <a:ln>
-          <a:noFill/>
-        </a:ln>
-        <a:effectLst>
-          <a:outerShdw blurRad="40000" dist="23000" dir="5400000" rotWithShape="0">
-            <a:srgbClr val="000000">
-              <a:alpha val="35000"/>
-            </a:srgbClr>
-          </a:outerShdw>
-        </a:effectLst>
-      </dsp:spPr>
-      <dsp:style>
-        <a:lnRef idx="0">
-          <a:scrgbClr r="0" g="0" b="0"/>
-        </a:lnRef>
-        <a:fillRef idx="3">
-          <a:scrgbClr r="0" g="0" b="0"/>
-        </a:fillRef>
-        <a:effectRef idx="2">
-          <a:scrgbClr r="0" g="0" b="0"/>
-        </a:effectRef>
-        <a:fontRef idx="minor">
-          <a:schemeClr val="lt1"/>
-        </a:fontRef>
-      </dsp:style>
-    </dsp:sp>
-    <dsp:sp modelId="{2246CDBD-2CA8-A34C-A89B-E32ACB07E97A}">
-      <dsp:nvSpPr>
-        <dsp:cNvPr id="0" name=""/>
-        <dsp:cNvSpPr/>
-      </dsp:nvSpPr>
-      <dsp:spPr>
-        <a:xfrm>
-          <a:off x="4702284" y="3661366"/>
-          <a:ext cx="1244084" cy="789993"/>
-        </a:xfrm>
-        <a:prstGeom prst="roundRect">
-          <a:avLst>
-            <a:gd name="adj" fmla="val 10000"/>
-          </a:avLst>
-        </a:prstGeom>
-        <a:solidFill>
-          <a:schemeClr val="lt1">
-            <a:alpha val="90000"/>
-            <a:hueOff val="0"/>
-            <a:satOff val="0"/>
-            <a:lumOff val="0"/>
-            <a:alphaOff val="0"/>
-          </a:schemeClr>
-        </a:solidFill>
-        <a:ln w="9525" cap="flat" cmpd="sng" algn="ctr">
-          <a:solidFill>
-            <a:schemeClr val="accent1">
-              <a:hueOff val="0"/>
-              <a:satOff val="0"/>
-              <a:lumOff val="0"/>
-              <a:alphaOff val="0"/>
-            </a:schemeClr>
-          </a:solidFill>
-          <a:prstDash val="solid"/>
-        </a:ln>
-        <a:effectLst/>
-      </dsp:spPr>
-      <dsp:style>
-        <a:lnRef idx="1">
-          <a:scrgbClr r="0" g="0" b="0"/>
-        </a:lnRef>
-        <a:fillRef idx="1">
-          <a:scrgbClr r="0" g="0" b="0"/>
-        </a:fillRef>
-        <a:effectRef idx="0">
-          <a:scrgbClr r="0" g="0" b="0"/>
-        </a:effectRef>
-        <a:fontRef idx="minor"/>
-      </dsp:style>
-      <dsp:txBody>
-        <a:bodyPr spcFirstLastPara="0" vert="horz" wrap="square" lIns="76200" tIns="76200" rIns="76200" bIns="76200" numCol="1" spcCol="1270" anchor="ctr" anchorCtr="0">
-          <a:noAutofit/>
-        </a:bodyPr>
-        <a:lstStyle/>
-        <a:p>
-          <a:pPr lvl="0" algn="ctr" defTabSz="889000">
-            <a:lnSpc>
-              <a:spcPct val="90000"/>
-            </a:lnSpc>
-            <a:spcBef>
-              <a:spcPct val="0"/>
-            </a:spcBef>
-            <a:spcAft>
-              <a:spcPct val="35000"/>
-            </a:spcAft>
-          </a:pPr>
-          <a:r>
-            <a:rPr lang="en-US" sz="2000" kern="1200" dirty="0" smtClean="0"/>
-            <a:t>Array</a:t>
-          </a:r>
-          <a:endParaRPr lang="en-US" sz="2000" kern="1200" dirty="0"/>
-        </a:p>
-      </dsp:txBody>
-      <dsp:txXfrm>
-        <a:off x="4725422" y="3684504"/>
-        <a:ext cx="1197808" cy="743717"/>
-      </dsp:txXfrm>
-    </dsp:sp>
-    <dsp:sp modelId="{7591B2A4-9F4B-F245-820A-E182736ED0B3}">
-      <dsp:nvSpPr>
-        <dsp:cNvPr id="0" name=""/>
-        <dsp:cNvSpPr/>
-      </dsp:nvSpPr>
-      <dsp:spPr>
-        <a:xfrm>
-          <a:off x="6084599" y="3530046"/>
-          <a:ext cx="1244084" cy="789993"/>
-        </a:xfrm>
-        <a:prstGeom prst="roundRect">
-          <a:avLst>
-            <a:gd name="adj" fmla="val 10000"/>
-          </a:avLst>
-        </a:prstGeom>
-        <a:gradFill rotWithShape="0">
-          <a:gsLst>
-            <a:gs pos="0">
-              <a:schemeClr val="accent1">
-                <a:hueOff val="0"/>
-                <a:satOff val="0"/>
-                <a:lumOff val="0"/>
-                <a:alphaOff val="0"/>
-                <a:tint val="100000"/>
-                <a:shade val="100000"/>
-                <a:satMod val="130000"/>
-              </a:schemeClr>
-            </a:gs>
-            <a:gs pos="100000">
-              <a:schemeClr val="accent1">
-                <a:hueOff val="0"/>
-                <a:satOff val="0"/>
-                <a:lumOff val="0"/>
-                <a:alphaOff val="0"/>
-                <a:tint val="50000"/>
-                <a:shade val="100000"/>
-                <a:satMod val="350000"/>
-              </a:schemeClr>
-            </a:gs>
-          </a:gsLst>
-          <a:lin ang="16200000" scaled="0"/>
-        </a:gradFill>
-        <a:ln>
-          <a:noFill/>
-        </a:ln>
-        <a:effectLst>
-          <a:outerShdw blurRad="40000" dist="23000" dir="5400000" rotWithShape="0">
-            <a:srgbClr val="000000">
-              <a:alpha val="35000"/>
-            </a:srgbClr>
-          </a:outerShdw>
-        </a:effectLst>
-      </dsp:spPr>
-      <dsp:style>
-        <a:lnRef idx="0">
-          <a:scrgbClr r="0" g="0" b="0"/>
-        </a:lnRef>
-        <a:fillRef idx="3">
-          <a:scrgbClr r="0" g="0" b="0"/>
-        </a:fillRef>
-        <a:effectRef idx="2">
-          <a:scrgbClr r="0" g="0" b="0"/>
-        </a:effectRef>
-        <a:fontRef idx="minor">
-          <a:schemeClr val="lt1"/>
-        </a:fontRef>
-      </dsp:style>
-    </dsp:sp>
-    <dsp:sp modelId="{9152FE1E-3F9F-1945-845B-196FD4FE9E7F}">
-      <dsp:nvSpPr>
-        <dsp:cNvPr id="0" name=""/>
-        <dsp:cNvSpPr/>
-      </dsp:nvSpPr>
-      <dsp:spPr>
-        <a:xfrm>
-          <a:off x="6222831" y="3661366"/>
-          <a:ext cx="1244084" cy="789993"/>
-        </a:xfrm>
-        <a:prstGeom prst="roundRect">
-          <a:avLst>
-            <a:gd name="adj" fmla="val 10000"/>
-          </a:avLst>
-        </a:prstGeom>
-        <a:solidFill>
-          <a:schemeClr val="lt1">
-            <a:alpha val="90000"/>
-            <a:hueOff val="0"/>
-            <a:satOff val="0"/>
-            <a:lumOff val="0"/>
-            <a:alphaOff val="0"/>
-          </a:schemeClr>
-        </a:solidFill>
-        <a:ln w="9525" cap="flat" cmpd="sng" algn="ctr">
-          <a:solidFill>
-            <a:schemeClr val="accent1">
-              <a:hueOff val="0"/>
-              <a:satOff val="0"/>
-              <a:lumOff val="0"/>
-              <a:alphaOff val="0"/>
-            </a:schemeClr>
-          </a:solidFill>
-          <a:prstDash val="solid"/>
-        </a:ln>
-        <a:effectLst/>
-      </dsp:spPr>
-      <dsp:style>
-        <a:lnRef idx="1">
-          <a:scrgbClr r="0" g="0" b="0"/>
-        </a:lnRef>
-        <a:fillRef idx="1">
-          <a:scrgbClr r="0" g="0" b="0"/>
-        </a:fillRef>
-        <a:effectRef idx="0">
-          <a:scrgbClr r="0" g="0" b="0"/>
-        </a:effectRef>
-        <a:fontRef idx="minor"/>
-      </dsp:style>
-      <dsp:txBody>
-        <a:bodyPr spcFirstLastPara="0" vert="horz" wrap="square" lIns="76200" tIns="76200" rIns="76200" bIns="76200" numCol="1" spcCol="1270" anchor="ctr" anchorCtr="0">
-          <a:noAutofit/>
-        </a:bodyPr>
-        <a:lstStyle/>
-        <a:p>
-          <a:pPr lvl="0" algn="ctr" defTabSz="889000">
-            <a:lnSpc>
-              <a:spcPct val="90000"/>
-            </a:lnSpc>
-            <a:spcBef>
-              <a:spcPct val="0"/>
-            </a:spcBef>
-            <a:spcAft>
-              <a:spcPct val="35000"/>
-            </a:spcAft>
-          </a:pPr>
-          <a:r>
-            <a:rPr lang="en-US" sz="2000" kern="1200" dirty="0" smtClean="0"/>
-            <a:t>Hash</a:t>
-          </a:r>
-          <a:endParaRPr lang="en-US" sz="2000" kern="1200" dirty="0"/>
-        </a:p>
-      </dsp:txBody>
-      <dsp:txXfrm>
-        <a:off x="6245969" y="3684504"/>
-        <a:ext cx="1197808" cy="743717"/>
-      </dsp:txXfrm>
-    </dsp:sp>
-    <dsp:sp modelId="{05D36543-49E4-934D-B25C-1B6526CA4C89}">
-      <dsp:nvSpPr>
-        <dsp:cNvPr id="0" name=""/>
-        <dsp:cNvSpPr/>
-      </dsp:nvSpPr>
-      <dsp:spPr>
-        <a:xfrm>
-          <a:off x="6844873" y="2378232"/>
-          <a:ext cx="1244084" cy="789993"/>
-        </a:xfrm>
-        <a:prstGeom prst="roundRect">
-          <a:avLst>
-            <a:gd name="adj" fmla="val 10000"/>
-          </a:avLst>
-        </a:prstGeom>
-        <a:gradFill rotWithShape="0">
-          <a:gsLst>
-            <a:gs pos="0">
-              <a:schemeClr val="accent1">
-                <a:hueOff val="0"/>
-                <a:satOff val="0"/>
-                <a:lumOff val="0"/>
-                <a:alphaOff val="0"/>
-                <a:tint val="100000"/>
-                <a:shade val="100000"/>
-                <a:satMod val="130000"/>
-              </a:schemeClr>
-            </a:gs>
-            <a:gs pos="100000">
-              <a:schemeClr val="accent1">
-                <a:hueOff val="0"/>
-                <a:satOff val="0"/>
-                <a:lumOff val="0"/>
-                <a:alphaOff val="0"/>
-                <a:tint val="50000"/>
-                <a:shade val="100000"/>
-                <a:satMod val="350000"/>
-              </a:schemeClr>
-            </a:gs>
-          </a:gsLst>
-          <a:lin ang="16200000" scaled="0"/>
-        </a:gradFill>
-        <a:ln>
-          <a:noFill/>
-        </a:ln>
-        <a:effectLst>
-          <a:outerShdw blurRad="40000" dist="23000" dir="5400000" rotWithShape="0">
-            <a:srgbClr val="000000">
-              <a:alpha val="35000"/>
-            </a:srgbClr>
-          </a:outerShdw>
-        </a:effectLst>
-      </dsp:spPr>
-      <dsp:style>
-        <a:lnRef idx="0">
-          <a:scrgbClr r="0" g="0" b="0"/>
-        </a:lnRef>
-        <a:fillRef idx="3">
-          <a:scrgbClr r="0" g="0" b="0"/>
-        </a:fillRef>
-        <a:effectRef idx="2">
-          <a:scrgbClr r="0" g="0" b="0"/>
-        </a:effectRef>
-        <a:fontRef idx="minor">
-          <a:schemeClr val="lt1"/>
-        </a:fontRef>
-      </dsp:style>
-    </dsp:sp>
-    <dsp:sp modelId="{76B33B1D-4CA5-544F-BF28-B308B507EF10}">
-      <dsp:nvSpPr>
-        <dsp:cNvPr id="0" name=""/>
-        <dsp:cNvSpPr/>
-      </dsp:nvSpPr>
-      <dsp:spPr>
-        <a:xfrm>
-          <a:off x="6983104" y="2509552"/>
-          <a:ext cx="1244084" cy="789993"/>
-        </a:xfrm>
-        <a:prstGeom prst="roundRect">
-          <a:avLst>
-            <a:gd name="adj" fmla="val 10000"/>
-          </a:avLst>
-        </a:prstGeom>
-        <a:solidFill>
-          <a:schemeClr val="lt1">
-            <a:alpha val="90000"/>
-            <a:hueOff val="0"/>
-            <a:satOff val="0"/>
-            <a:lumOff val="0"/>
-            <a:alphaOff val="0"/>
-          </a:schemeClr>
-        </a:solidFill>
-        <a:ln w="9525" cap="flat" cmpd="sng" algn="ctr">
-          <a:solidFill>
-            <a:schemeClr val="accent1">
-              <a:hueOff val="0"/>
-              <a:satOff val="0"/>
-              <a:lumOff val="0"/>
-              <a:alphaOff val="0"/>
-            </a:schemeClr>
-          </a:solidFill>
-          <a:prstDash val="solid"/>
-        </a:ln>
-        <a:effectLst/>
-      </dsp:spPr>
-      <dsp:style>
-        <a:lnRef idx="1">
-          <a:scrgbClr r="0" g="0" b="0"/>
-        </a:lnRef>
-        <a:fillRef idx="1">
-          <a:scrgbClr r="0" g="0" b="0"/>
-        </a:fillRef>
-        <a:effectRef idx="0">
-          <a:scrgbClr r="0" g="0" b="0"/>
-        </a:effectRef>
-        <a:fontRef idx="minor"/>
-      </dsp:style>
-      <dsp:txBody>
-        <a:bodyPr spcFirstLastPara="0" vert="horz" wrap="square" lIns="76200" tIns="76200" rIns="76200" bIns="76200" numCol="1" spcCol="1270" anchor="ctr" anchorCtr="0">
-          <a:noAutofit/>
-        </a:bodyPr>
-        <a:lstStyle/>
-        <a:p>
-          <a:pPr lvl="0" algn="ctr" defTabSz="889000">
-            <a:lnSpc>
-              <a:spcPct val="90000"/>
-            </a:lnSpc>
-            <a:spcBef>
-              <a:spcPct val="0"/>
-            </a:spcBef>
-            <a:spcAft>
-              <a:spcPct val="35000"/>
-            </a:spcAft>
-          </a:pPr>
-          <a:r>
-            <a:rPr lang="en-US" sz="2000" kern="1200" dirty="0" smtClean="0"/>
-            <a:t>Function</a:t>
-          </a:r>
-          <a:endParaRPr lang="en-US" sz="2000" kern="1200" dirty="0"/>
-        </a:p>
-      </dsp:txBody>
-      <dsp:txXfrm>
-        <a:off x="7006242" y="2532690"/>
-        <a:ext cx="1197808" cy="743717"/>
-      </dsp:txXfrm>
-    </dsp:sp>
   </dsp:spTree>
 </dsp:drawing>
 </file>
@@ -8612,2443 +6363,6 @@
       <dsp:cNvGrpSpPr/>
     </dsp:nvGrpSpPr>
     <dsp:grpSpPr/>
-    <dsp:sp modelId="{BA61A876-7050-3746-8DAE-0686A0FD0957}">
-      <dsp:nvSpPr>
-        <dsp:cNvPr id="0" name=""/>
-        <dsp:cNvSpPr/>
-      </dsp:nvSpPr>
-      <dsp:spPr>
-        <a:xfrm>
-          <a:off x="5946368" y="2016410"/>
-          <a:ext cx="1520547" cy="361821"/>
-        </a:xfrm>
-        <a:custGeom>
-          <a:avLst/>
-          <a:gdLst/>
-          <a:ahLst/>
-          <a:cxnLst/>
-          <a:rect l="0" t="0" r="0" b="0"/>
-          <a:pathLst>
-            <a:path>
-              <a:moveTo>
-                <a:pt x="0" y="0"/>
-              </a:moveTo>
-              <a:lnTo>
-                <a:pt x="0" y="246570"/>
-              </a:lnTo>
-              <a:lnTo>
-                <a:pt x="1520547" y="246570"/>
-              </a:lnTo>
-              <a:lnTo>
-                <a:pt x="1520547" y="361821"/>
-              </a:lnTo>
-            </a:path>
-          </a:pathLst>
-        </a:custGeom>
-        <a:noFill/>
-        <a:ln w="9525" cap="flat" cmpd="sng" algn="ctr">
-          <a:solidFill>
-            <a:schemeClr val="accent1">
-              <a:shade val="80000"/>
-              <a:hueOff val="0"/>
-              <a:satOff val="0"/>
-              <a:lumOff val="0"/>
-              <a:alphaOff val="0"/>
-            </a:schemeClr>
-          </a:solidFill>
-          <a:prstDash val="solid"/>
-        </a:ln>
-        <a:effectLst/>
-      </dsp:spPr>
-      <dsp:style>
-        <a:lnRef idx="1">
-          <a:scrgbClr r="0" g="0" b="0"/>
-        </a:lnRef>
-        <a:fillRef idx="0">
-          <a:scrgbClr r="0" g="0" b="0"/>
-        </a:fillRef>
-        <a:effectRef idx="0">
-          <a:scrgbClr r="0" g="0" b="0"/>
-        </a:effectRef>
-        <a:fontRef idx="minor"/>
-      </dsp:style>
-    </dsp:sp>
-    <dsp:sp modelId="{9541F663-17CE-1449-B545-4E9F3C558C3A}">
-      <dsp:nvSpPr>
-        <dsp:cNvPr id="0" name=""/>
-        <dsp:cNvSpPr/>
-      </dsp:nvSpPr>
-      <dsp:spPr>
-        <a:xfrm>
-          <a:off x="5946368" y="3168225"/>
-          <a:ext cx="760273" cy="361821"/>
-        </a:xfrm>
-        <a:custGeom>
-          <a:avLst/>
-          <a:gdLst/>
-          <a:ahLst/>
-          <a:cxnLst/>
-          <a:rect l="0" t="0" r="0" b="0"/>
-          <a:pathLst>
-            <a:path>
-              <a:moveTo>
-                <a:pt x="0" y="0"/>
-              </a:moveTo>
-              <a:lnTo>
-                <a:pt x="0" y="246570"/>
-              </a:lnTo>
-              <a:lnTo>
-                <a:pt x="760273" y="246570"/>
-              </a:lnTo>
-              <a:lnTo>
-                <a:pt x="760273" y="361821"/>
-              </a:lnTo>
-            </a:path>
-          </a:pathLst>
-        </a:custGeom>
-        <a:noFill/>
-        <a:ln w="9525" cap="flat" cmpd="sng" algn="ctr">
-          <a:solidFill>
-            <a:schemeClr val="accent1">
-              <a:shade val="80000"/>
-              <a:hueOff val="0"/>
-              <a:satOff val="0"/>
-              <a:lumOff val="0"/>
-              <a:alphaOff val="0"/>
-            </a:schemeClr>
-          </a:solidFill>
-          <a:prstDash val="solid"/>
-        </a:ln>
-        <a:effectLst/>
-      </dsp:spPr>
-      <dsp:style>
-        <a:lnRef idx="1">
-          <a:scrgbClr r="0" g="0" b="0"/>
-        </a:lnRef>
-        <a:fillRef idx="0">
-          <a:scrgbClr r="0" g="0" b="0"/>
-        </a:fillRef>
-        <a:effectRef idx="0">
-          <a:scrgbClr r="0" g="0" b="0"/>
-        </a:effectRef>
-        <a:fontRef idx="minor"/>
-      </dsp:style>
-    </dsp:sp>
-    <dsp:sp modelId="{1F5FFC55-2839-634C-8F0C-96EACF5BE3CB}">
-      <dsp:nvSpPr>
-        <dsp:cNvPr id="0" name=""/>
-        <dsp:cNvSpPr/>
-      </dsp:nvSpPr>
-      <dsp:spPr>
-        <a:xfrm>
-          <a:off x="5186094" y="3168225"/>
-          <a:ext cx="760273" cy="361821"/>
-        </a:xfrm>
-        <a:custGeom>
-          <a:avLst/>
-          <a:gdLst/>
-          <a:ahLst/>
-          <a:cxnLst/>
-          <a:rect l="0" t="0" r="0" b="0"/>
-          <a:pathLst>
-            <a:path>
-              <a:moveTo>
-                <a:pt x="760273" y="0"/>
-              </a:moveTo>
-              <a:lnTo>
-                <a:pt x="760273" y="246570"/>
-              </a:lnTo>
-              <a:lnTo>
-                <a:pt x="0" y="246570"/>
-              </a:lnTo>
-              <a:lnTo>
-                <a:pt x="0" y="361821"/>
-              </a:lnTo>
-            </a:path>
-          </a:pathLst>
-        </a:custGeom>
-        <a:noFill/>
-        <a:ln w="9525" cap="flat" cmpd="sng" algn="ctr">
-          <a:solidFill>
-            <a:schemeClr val="accent1">
-              <a:shade val="80000"/>
-              <a:hueOff val="0"/>
-              <a:satOff val="0"/>
-              <a:lumOff val="0"/>
-              <a:alphaOff val="0"/>
-            </a:schemeClr>
-          </a:solidFill>
-          <a:prstDash val="solid"/>
-        </a:ln>
-        <a:effectLst/>
-      </dsp:spPr>
-      <dsp:style>
-        <a:lnRef idx="1">
-          <a:scrgbClr r="0" g="0" b="0"/>
-        </a:lnRef>
-        <a:fillRef idx="0">
-          <a:scrgbClr r="0" g="0" b="0"/>
-        </a:fillRef>
-        <a:effectRef idx="0">
-          <a:scrgbClr r="0" g="0" b="0"/>
-        </a:effectRef>
-        <a:fontRef idx="minor"/>
-      </dsp:style>
-    </dsp:sp>
-    <dsp:sp modelId="{F42357F4-6E12-A041-A7D6-81713E5E517B}">
-      <dsp:nvSpPr>
-        <dsp:cNvPr id="0" name=""/>
-        <dsp:cNvSpPr/>
-      </dsp:nvSpPr>
-      <dsp:spPr>
-        <a:xfrm>
-          <a:off x="5900648" y="2016410"/>
-          <a:ext cx="91440" cy="361821"/>
-        </a:xfrm>
-        <a:custGeom>
-          <a:avLst/>
-          <a:gdLst/>
-          <a:ahLst/>
-          <a:cxnLst/>
-          <a:rect l="0" t="0" r="0" b="0"/>
-          <a:pathLst>
-            <a:path>
-              <a:moveTo>
-                <a:pt x="45720" y="0"/>
-              </a:moveTo>
-              <a:lnTo>
-                <a:pt x="45720" y="361821"/>
-              </a:lnTo>
-            </a:path>
-          </a:pathLst>
-        </a:custGeom>
-        <a:noFill/>
-        <a:ln w="9525" cap="flat" cmpd="sng" algn="ctr">
-          <a:solidFill>
-            <a:schemeClr val="accent1">
-              <a:shade val="80000"/>
-              <a:hueOff val="0"/>
-              <a:satOff val="0"/>
-              <a:lumOff val="0"/>
-              <a:alphaOff val="0"/>
-            </a:schemeClr>
-          </a:solidFill>
-          <a:prstDash val="solid"/>
-        </a:ln>
-        <a:effectLst/>
-      </dsp:spPr>
-      <dsp:style>
-        <a:lnRef idx="1">
-          <a:scrgbClr r="0" g="0" b="0"/>
-        </a:lnRef>
-        <a:fillRef idx="0">
-          <a:scrgbClr r="0" g="0" b="0"/>
-        </a:fillRef>
-        <a:effectRef idx="0">
-          <a:scrgbClr r="0" g="0" b="0"/>
-        </a:effectRef>
-        <a:fontRef idx="minor"/>
-      </dsp:style>
-    </dsp:sp>
-    <dsp:sp modelId="{2E4A94D1-71F0-A046-B95F-18095848F38A}">
-      <dsp:nvSpPr>
-        <dsp:cNvPr id="0" name=""/>
-        <dsp:cNvSpPr/>
-      </dsp:nvSpPr>
-      <dsp:spPr>
-        <a:xfrm>
-          <a:off x="4425821" y="2016410"/>
-          <a:ext cx="1520547" cy="361821"/>
-        </a:xfrm>
-        <a:custGeom>
-          <a:avLst/>
-          <a:gdLst/>
-          <a:ahLst/>
-          <a:cxnLst/>
-          <a:rect l="0" t="0" r="0" b="0"/>
-          <a:pathLst>
-            <a:path>
-              <a:moveTo>
-                <a:pt x="1520547" y="0"/>
-              </a:moveTo>
-              <a:lnTo>
-                <a:pt x="1520547" y="246570"/>
-              </a:lnTo>
-              <a:lnTo>
-                <a:pt x="0" y="246570"/>
-              </a:lnTo>
-              <a:lnTo>
-                <a:pt x="0" y="361821"/>
-              </a:lnTo>
-            </a:path>
-          </a:pathLst>
-        </a:custGeom>
-        <a:noFill/>
-        <a:ln w="9525" cap="flat" cmpd="sng" algn="ctr">
-          <a:solidFill>
-            <a:schemeClr val="accent1">
-              <a:shade val="80000"/>
-              <a:hueOff val="0"/>
-              <a:satOff val="0"/>
-              <a:lumOff val="0"/>
-              <a:alphaOff val="0"/>
-            </a:schemeClr>
-          </a:solidFill>
-          <a:prstDash val="solid"/>
-        </a:ln>
-        <a:effectLst/>
-      </dsp:spPr>
-      <dsp:style>
-        <a:lnRef idx="1">
-          <a:scrgbClr r="0" g="0" b="0"/>
-        </a:lnRef>
-        <a:fillRef idx="0">
-          <a:scrgbClr r="0" g="0" b="0"/>
-        </a:fillRef>
-        <a:effectRef idx="0">
-          <a:scrgbClr r="0" g="0" b="0"/>
-        </a:effectRef>
-        <a:fontRef idx="minor"/>
-      </dsp:style>
-    </dsp:sp>
-    <dsp:sp modelId="{201C7CC6-525A-FE42-B4FF-8C5914387024}">
-      <dsp:nvSpPr>
-        <dsp:cNvPr id="0" name=""/>
-        <dsp:cNvSpPr/>
-      </dsp:nvSpPr>
-      <dsp:spPr>
-        <a:xfrm>
-          <a:off x="3665547" y="864596"/>
-          <a:ext cx="2280820" cy="361821"/>
-        </a:xfrm>
-        <a:custGeom>
-          <a:avLst/>
-          <a:gdLst/>
-          <a:ahLst/>
-          <a:cxnLst/>
-          <a:rect l="0" t="0" r="0" b="0"/>
-          <a:pathLst>
-            <a:path>
-              <a:moveTo>
-                <a:pt x="0" y="0"/>
-              </a:moveTo>
-              <a:lnTo>
-                <a:pt x="0" y="246570"/>
-              </a:lnTo>
-              <a:lnTo>
-                <a:pt x="2280820" y="246570"/>
-              </a:lnTo>
-              <a:lnTo>
-                <a:pt x="2280820" y="361821"/>
-              </a:lnTo>
-            </a:path>
-          </a:pathLst>
-        </a:custGeom>
-        <a:noFill/>
-        <a:ln w="9525" cap="flat" cmpd="sng" algn="ctr">
-          <a:solidFill>
-            <a:schemeClr val="accent1">
-              <a:shade val="60000"/>
-              <a:hueOff val="0"/>
-              <a:satOff val="0"/>
-              <a:lumOff val="0"/>
-              <a:alphaOff val="0"/>
-            </a:schemeClr>
-          </a:solidFill>
-          <a:prstDash val="solid"/>
-        </a:ln>
-        <a:effectLst/>
-      </dsp:spPr>
-      <dsp:style>
-        <a:lnRef idx="1">
-          <a:scrgbClr r="0" g="0" b="0"/>
-        </a:lnRef>
-        <a:fillRef idx="0">
-          <a:scrgbClr r="0" g="0" b="0"/>
-        </a:fillRef>
-        <a:effectRef idx="0">
-          <a:scrgbClr r="0" g="0" b="0"/>
-        </a:effectRef>
-        <a:fontRef idx="minor"/>
-      </dsp:style>
-    </dsp:sp>
-    <dsp:sp modelId="{800FD04D-B3AC-0B4A-955F-2E2198D77D53}">
-      <dsp:nvSpPr>
-        <dsp:cNvPr id="0" name=""/>
-        <dsp:cNvSpPr/>
-      </dsp:nvSpPr>
-      <dsp:spPr>
-        <a:xfrm>
-          <a:off x="3665547" y="864596"/>
-          <a:ext cx="760273" cy="361821"/>
-        </a:xfrm>
-        <a:custGeom>
-          <a:avLst/>
-          <a:gdLst/>
-          <a:ahLst/>
-          <a:cxnLst/>
-          <a:rect l="0" t="0" r="0" b="0"/>
-          <a:pathLst>
-            <a:path>
-              <a:moveTo>
-                <a:pt x="0" y="0"/>
-              </a:moveTo>
-              <a:lnTo>
-                <a:pt x="0" y="246570"/>
-              </a:lnTo>
-              <a:lnTo>
-                <a:pt x="760273" y="246570"/>
-              </a:lnTo>
-              <a:lnTo>
-                <a:pt x="760273" y="361821"/>
-              </a:lnTo>
-            </a:path>
-          </a:pathLst>
-        </a:custGeom>
-        <a:noFill/>
-        <a:ln w="9525" cap="flat" cmpd="sng" algn="ctr">
-          <a:solidFill>
-            <a:schemeClr val="accent1">
-              <a:shade val="60000"/>
-              <a:hueOff val="0"/>
-              <a:satOff val="0"/>
-              <a:lumOff val="0"/>
-              <a:alphaOff val="0"/>
-            </a:schemeClr>
-          </a:solidFill>
-          <a:prstDash val="solid"/>
-        </a:ln>
-        <a:effectLst/>
-      </dsp:spPr>
-      <dsp:style>
-        <a:lnRef idx="1">
-          <a:scrgbClr r="0" g="0" b="0"/>
-        </a:lnRef>
-        <a:fillRef idx="0">
-          <a:scrgbClr r="0" g="0" b="0"/>
-        </a:fillRef>
-        <a:effectRef idx="0">
-          <a:scrgbClr r="0" g="0" b="0"/>
-        </a:effectRef>
-        <a:fontRef idx="minor"/>
-      </dsp:style>
-    </dsp:sp>
-    <dsp:sp modelId="{8CFA3E84-678E-C345-8D46-63E85CF195E2}">
-      <dsp:nvSpPr>
-        <dsp:cNvPr id="0" name=""/>
-        <dsp:cNvSpPr/>
-      </dsp:nvSpPr>
-      <dsp:spPr>
-        <a:xfrm>
-          <a:off x="2905273" y="864596"/>
-          <a:ext cx="760273" cy="361821"/>
-        </a:xfrm>
-        <a:custGeom>
-          <a:avLst/>
-          <a:gdLst/>
-          <a:ahLst/>
-          <a:cxnLst/>
-          <a:rect l="0" t="0" r="0" b="0"/>
-          <a:pathLst>
-            <a:path>
-              <a:moveTo>
-                <a:pt x="760273" y="0"/>
-              </a:moveTo>
-              <a:lnTo>
-                <a:pt x="760273" y="246570"/>
-              </a:lnTo>
-              <a:lnTo>
-                <a:pt x="0" y="246570"/>
-              </a:lnTo>
-              <a:lnTo>
-                <a:pt x="0" y="361821"/>
-              </a:lnTo>
-            </a:path>
-          </a:pathLst>
-        </a:custGeom>
-        <a:noFill/>
-        <a:ln w="9525" cap="flat" cmpd="sng" algn="ctr">
-          <a:solidFill>
-            <a:schemeClr val="accent1">
-              <a:shade val="60000"/>
-              <a:hueOff val="0"/>
-              <a:satOff val="0"/>
-              <a:lumOff val="0"/>
-              <a:alphaOff val="0"/>
-            </a:schemeClr>
-          </a:solidFill>
-          <a:prstDash val="solid"/>
-        </a:ln>
-        <a:effectLst/>
-      </dsp:spPr>
-      <dsp:style>
-        <a:lnRef idx="1">
-          <a:scrgbClr r="0" g="0" b="0"/>
-        </a:lnRef>
-        <a:fillRef idx="0">
-          <a:scrgbClr r="0" g="0" b="0"/>
-        </a:fillRef>
-        <a:effectRef idx="0">
-          <a:scrgbClr r="0" g="0" b="0"/>
-        </a:effectRef>
-        <a:fontRef idx="minor"/>
-      </dsp:style>
-    </dsp:sp>
-    <dsp:sp modelId="{28156514-4C64-AE45-A406-98283D6076D6}">
-      <dsp:nvSpPr>
-        <dsp:cNvPr id="0" name=""/>
-        <dsp:cNvSpPr/>
-      </dsp:nvSpPr>
-      <dsp:spPr>
-        <a:xfrm>
-          <a:off x="1384726" y="2016410"/>
-          <a:ext cx="760273" cy="361821"/>
-        </a:xfrm>
-        <a:custGeom>
-          <a:avLst/>
-          <a:gdLst/>
-          <a:ahLst/>
-          <a:cxnLst/>
-          <a:rect l="0" t="0" r="0" b="0"/>
-          <a:pathLst>
-            <a:path>
-              <a:moveTo>
-                <a:pt x="0" y="0"/>
-              </a:moveTo>
-              <a:lnTo>
-                <a:pt x="0" y="246570"/>
-              </a:lnTo>
-              <a:lnTo>
-                <a:pt x="760273" y="246570"/>
-              </a:lnTo>
-              <a:lnTo>
-                <a:pt x="760273" y="361821"/>
-              </a:lnTo>
-            </a:path>
-          </a:pathLst>
-        </a:custGeom>
-        <a:noFill/>
-        <a:ln w="9525" cap="flat" cmpd="sng" algn="ctr">
-          <a:solidFill>
-            <a:schemeClr val="accent1">
-              <a:shade val="80000"/>
-              <a:hueOff val="0"/>
-              <a:satOff val="0"/>
-              <a:lumOff val="0"/>
-              <a:alphaOff val="0"/>
-            </a:schemeClr>
-          </a:solidFill>
-          <a:prstDash val="solid"/>
-        </a:ln>
-        <a:effectLst/>
-      </dsp:spPr>
-      <dsp:style>
-        <a:lnRef idx="1">
-          <a:scrgbClr r="0" g="0" b="0"/>
-        </a:lnRef>
-        <a:fillRef idx="0">
-          <a:scrgbClr r="0" g="0" b="0"/>
-        </a:fillRef>
-        <a:effectRef idx="0">
-          <a:scrgbClr r="0" g="0" b="0"/>
-        </a:effectRef>
-        <a:fontRef idx="minor"/>
-      </dsp:style>
-    </dsp:sp>
-    <dsp:sp modelId="{C6BA431E-FA40-1D4E-A3D8-2A8BD37A2453}">
-      <dsp:nvSpPr>
-        <dsp:cNvPr id="0" name=""/>
-        <dsp:cNvSpPr/>
-      </dsp:nvSpPr>
-      <dsp:spPr>
-        <a:xfrm>
-          <a:off x="624453" y="2016410"/>
-          <a:ext cx="760273" cy="361821"/>
-        </a:xfrm>
-        <a:custGeom>
-          <a:avLst/>
-          <a:gdLst/>
-          <a:ahLst/>
-          <a:cxnLst/>
-          <a:rect l="0" t="0" r="0" b="0"/>
-          <a:pathLst>
-            <a:path>
-              <a:moveTo>
-                <a:pt x="760273" y="0"/>
-              </a:moveTo>
-              <a:lnTo>
-                <a:pt x="760273" y="246570"/>
-              </a:lnTo>
-              <a:lnTo>
-                <a:pt x="0" y="246570"/>
-              </a:lnTo>
-              <a:lnTo>
-                <a:pt x="0" y="361821"/>
-              </a:lnTo>
-            </a:path>
-          </a:pathLst>
-        </a:custGeom>
-        <a:noFill/>
-        <a:ln w="9525" cap="flat" cmpd="sng" algn="ctr">
-          <a:solidFill>
-            <a:schemeClr val="accent1">
-              <a:shade val="80000"/>
-              <a:hueOff val="0"/>
-              <a:satOff val="0"/>
-              <a:lumOff val="0"/>
-              <a:alphaOff val="0"/>
-            </a:schemeClr>
-          </a:solidFill>
-          <a:prstDash val="solid"/>
-        </a:ln>
-        <a:effectLst/>
-      </dsp:spPr>
-      <dsp:style>
-        <a:lnRef idx="1">
-          <a:scrgbClr r="0" g="0" b="0"/>
-        </a:lnRef>
-        <a:fillRef idx="0">
-          <a:scrgbClr r="0" g="0" b="0"/>
-        </a:fillRef>
-        <a:effectRef idx="0">
-          <a:scrgbClr r="0" g="0" b="0"/>
-        </a:effectRef>
-        <a:fontRef idx="minor"/>
-      </dsp:style>
-    </dsp:sp>
-    <dsp:sp modelId="{6B84F89A-BB62-184B-ACA8-8A1AAAE34DE1}">
-      <dsp:nvSpPr>
-        <dsp:cNvPr id="0" name=""/>
-        <dsp:cNvSpPr/>
-      </dsp:nvSpPr>
-      <dsp:spPr>
-        <a:xfrm>
-          <a:off x="1384726" y="864596"/>
-          <a:ext cx="2280820" cy="361821"/>
-        </a:xfrm>
-        <a:custGeom>
-          <a:avLst/>
-          <a:gdLst/>
-          <a:ahLst/>
-          <a:cxnLst/>
-          <a:rect l="0" t="0" r="0" b="0"/>
-          <a:pathLst>
-            <a:path>
-              <a:moveTo>
-                <a:pt x="2280820" y="0"/>
-              </a:moveTo>
-              <a:lnTo>
-                <a:pt x="2280820" y="246570"/>
-              </a:lnTo>
-              <a:lnTo>
-                <a:pt x="0" y="246570"/>
-              </a:lnTo>
-              <a:lnTo>
-                <a:pt x="0" y="361821"/>
-              </a:lnTo>
-            </a:path>
-          </a:pathLst>
-        </a:custGeom>
-        <a:noFill/>
-        <a:ln w="9525" cap="flat" cmpd="sng" algn="ctr">
-          <a:solidFill>
-            <a:schemeClr val="accent1">
-              <a:shade val="60000"/>
-              <a:hueOff val="0"/>
-              <a:satOff val="0"/>
-              <a:lumOff val="0"/>
-              <a:alphaOff val="0"/>
-            </a:schemeClr>
-          </a:solidFill>
-          <a:prstDash val="solid"/>
-        </a:ln>
-        <a:effectLst/>
-      </dsp:spPr>
-      <dsp:style>
-        <a:lnRef idx="1">
-          <a:scrgbClr r="0" g="0" b="0"/>
-        </a:lnRef>
-        <a:fillRef idx="0">
-          <a:scrgbClr r="0" g="0" b="0"/>
-        </a:fillRef>
-        <a:effectRef idx="0">
-          <a:scrgbClr r="0" g="0" b="0"/>
-        </a:effectRef>
-        <a:fontRef idx="minor"/>
-      </dsp:style>
-    </dsp:sp>
-    <dsp:sp modelId="{DE9E6D4B-E798-AA47-81C3-1E545DF4DB5B}">
-      <dsp:nvSpPr>
-        <dsp:cNvPr id="0" name=""/>
-        <dsp:cNvSpPr/>
-      </dsp:nvSpPr>
-      <dsp:spPr>
-        <a:xfrm>
-          <a:off x="3043505" y="74603"/>
-          <a:ext cx="1244084" cy="789993"/>
-        </a:xfrm>
-        <a:prstGeom prst="roundRect">
-          <a:avLst>
-            <a:gd name="adj" fmla="val 10000"/>
-          </a:avLst>
-        </a:prstGeom>
-        <a:gradFill rotWithShape="0">
-          <a:gsLst>
-            <a:gs pos="0">
-              <a:schemeClr val="accent1">
-                <a:hueOff val="0"/>
-                <a:satOff val="0"/>
-                <a:lumOff val="0"/>
-                <a:alphaOff val="0"/>
-                <a:tint val="100000"/>
-                <a:shade val="100000"/>
-                <a:satMod val="130000"/>
-              </a:schemeClr>
-            </a:gs>
-            <a:gs pos="100000">
-              <a:schemeClr val="accent1">
-                <a:hueOff val="0"/>
-                <a:satOff val="0"/>
-                <a:lumOff val="0"/>
-                <a:alphaOff val="0"/>
-                <a:tint val="50000"/>
-                <a:shade val="100000"/>
-                <a:satMod val="350000"/>
-              </a:schemeClr>
-            </a:gs>
-          </a:gsLst>
-          <a:lin ang="16200000" scaled="0"/>
-        </a:gradFill>
-        <a:ln>
-          <a:noFill/>
-        </a:ln>
-        <a:effectLst>
-          <a:outerShdw blurRad="40000" dist="23000" dir="5400000" rotWithShape="0">
-            <a:srgbClr val="000000">
-              <a:alpha val="35000"/>
-            </a:srgbClr>
-          </a:outerShdw>
-        </a:effectLst>
-      </dsp:spPr>
-      <dsp:style>
-        <a:lnRef idx="0">
-          <a:scrgbClr r="0" g="0" b="0"/>
-        </a:lnRef>
-        <a:fillRef idx="3">
-          <a:scrgbClr r="0" g="0" b="0"/>
-        </a:fillRef>
-        <a:effectRef idx="2">
-          <a:scrgbClr r="0" g="0" b="0"/>
-        </a:effectRef>
-        <a:fontRef idx="minor">
-          <a:schemeClr val="lt1"/>
-        </a:fontRef>
-      </dsp:style>
-    </dsp:sp>
-    <dsp:sp modelId="{923B0C63-79B7-9B4A-94B9-19130FBE5D7B}">
-      <dsp:nvSpPr>
-        <dsp:cNvPr id="0" name=""/>
-        <dsp:cNvSpPr/>
-      </dsp:nvSpPr>
-      <dsp:spPr>
-        <a:xfrm>
-          <a:off x="3181736" y="205923"/>
-          <a:ext cx="1244084" cy="789993"/>
-        </a:xfrm>
-        <a:prstGeom prst="roundRect">
-          <a:avLst>
-            <a:gd name="adj" fmla="val 10000"/>
-          </a:avLst>
-        </a:prstGeom>
-        <a:solidFill>
-          <a:schemeClr val="lt1">
-            <a:alpha val="90000"/>
-            <a:hueOff val="0"/>
-            <a:satOff val="0"/>
-            <a:lumOff val="0"/>
-            <a:alphaOff val="0"/>
-          </a:schemeClr>
-        </a:solidFill>
-        <a:ln w="9525" cap="flat" cmpd="sng" algn="ctr">
-          <a:solidFill>
-            <a:schemeClr val="accent1">
-              <a:hueOff val="0"/>
-              <a:satOff val="0"/>
-              <a:lumOff val="0"/>
-              <a:alphaOff val="0"/>
-            </a:schemeClr>
-          </a:solidFill>
-          <a:prstDash val="solid"/>
-        </a:ln>
-        <a:effectLst/>
-      </dsp:spPr>
-      <dsp:style>
-        <a:lnRef idx="1">
-          <a:scrgbClr r="0" g="0" b="0"/>
-        </a:lnRef>
-        <a:fillRef idx="1">
-          <a:scrgbClr r="0" g="0" b="0"/>
-        </a:fillRef>
-        <a:effectRef idx="0">
-          <a:scrgbClr r="0" g="0" b="0"/>
-        </a:effectRef>
-        <a:fontRef idx="minor"/>
-      </dsp:style>
-      <dsp:txBody>
-        <a:bodyPr spcFirstLastPara="0" vert="horz" wrap="square" lIns="76200" tIns="76200" rIns="76200" bIns="76200" numCol="1" spcCol="1270" anchor="ctr" anchorCtr="0">
-          <a:noAutofit/>
-        </a:bodyPr>
-        <a:lstStyle/>
-        <a:p>
-          <a:pPr lvl="0" algn="ctr" defTabSz="889000">
-            <a:lnSpc>
-              <a:spcPct val="90000"/>
-            </a:lnSpc>
-            <a:spcBef>
-              <a:spcPct val="0"/>
-            </a:spcBef>
-            <a:spcAft>
-              <a:spcPct val="35000"/>
-            </a:spcAft>
-          </a:pPr>
-          <a:r>
-            <a:rPr lang="en-US" sz="2000" kern="1200" dirty="0" smtClean="0"/>
-            <a:t>Data Type</a:t>
-          </a:r>
-          <a:endParaRPr lang="en-US" sz="2000" kern="1200" dirty="0"/>
-        </a:p>
-      </dsp:txBody>
-      <dsp:txXfrm>
-        <a:off x="3204874" y="229061"/>
-        <a:ext cx="1197808" cy="743717"/>
-      </dsp:txXfrm>
-    </dsp:sp>
-    <dsp:sp modelId="{3D0C8496-FBEF-B442-BAA7-CC30894D9EC3}">
-      <dsp:nvSpPr>
-        <dsp:cNvPr id="0" name=""/>
-        <dsp:cNvSpPr/>
-      </dsp:nvSpPr>
-      <dsp:spPr>
-        <a:xfrm>
-          <a:off x="762684" y="1226417"/>
-          <a:ext cx="1244084" cy="789993"/>
-        </a:xfrm>
-        <a:prstGeom prst="roundRect">
-          <a:avLst>
-            <a:gd name="adj" fmla="val 10000"/>
-          </a:avLst>
-        </a:prstGeom>
-        <a:gradFill rotWithShape="0">
-          <a:gsLst>
-            <a:gs pos="0">
-              <a:schemeClr val="accent1">
-                <a:hueOff val="0"/>
-                <a:satOff val="0"/>
-                <a:lumOff val="0"/>
-                <a:alphaOff val="0"/>
-                <a:tint val="100000"/>
-                <a:shade val="100000"/>
-                <a:satMod val="130000"/>
-              </a:schemeClr>
-            </a:gs>
-            <a:gs pos="100000">
-              <a:schemeClr val="accent1">
-                <a:hueOff val="0"/>
-                <a:satOff val="0"/>
-                <a:lumOff val="0"/>
-                <a:alphaOff val="0"/>
-                <a:tint val="50000"/>
-                <a:shade val="100000"/>
-                <a:satMod val="350000"/>
-              </a:schemeClr>
-            </a:gs>
-          </a:gsLst>
-          <a:lin ang="16200000" scaled="0"/>
-        </a:gradFill>
-        <a:ln>
-          <a:noFill/>
-        </a:ln>
-        <a:effectLst>
-          <a:outerShdw blurRad="40000" dist="23000" dir="5400000" rotWithShape="0">
-            <a:srgbClr val="000000">
-              <a:alpha val="35000"/>
-            </a:srgbClr>
-          </a:outerShdw>
-        </a:effectLst>
-      </dsp:spPr>
-      <dsp:style>
-        <a:lnRef idx="0">
-          <a:scrgbClr r="0" g="0" b="0"/>
-        </a:lnRef>
-        <a:fillRef idx="3">
-          <a:scrgbClr r="0" g="0" b="0"/>
-        </a:fillRef>
-        <a:effectRef idx="2">
-          <a:scrgbClr r="0" g="0" b="0"/>
-        </a:effectRef>
-        <a:fontRef idx="minor">
-          <a:schemeClr val="lt1"/>
-        </a:fontRef>
-      </dsp:style>
-    </dsp:sp>
-    <dsp:sp modelId="{BBF408DD-FB71-6449-9993-DDA736E8D58A}">
-      <dsp:nvSpPr>
-        <dsp:cNvPr id="0" name=""/>
-        <dsp:cNvSpPr/>
-      </dsp:nvSpPr>
-      <dsp:spPr>
-        <a:xfrm>
-          <a:off x="900916" y="1357737"/>
-          <a:ext cx="1244084" cy="789993"/>
-        </a:xfrm>
-        <a:prstGeom prst="roundRect">
-          <a:avLst>
-            <a:gd name="adj" fmla="val 10000"/>
-          </a:avLst>
-        </a:prstGeom>
-        <a:solidFill>
-          <a:schemeClr val="lt1">
-            <a:alpha val="90000"/>
-            <a:hueOff val="0"/>
-            <a:satOff val="0"/>
-            <a:lumOff val="0"/>
-            <a:alphaOff val="0"/>
-          </a:schemeClr>
-        </a:solidFill>
-        <a:ln w="9525" cap="flat" cmpd="sng" algn="ctr">
-          <a:solidFill>
-            <a:schemeClr val="accent1">
-              <a:hueOff val="0"/>
-              <a:satOff val="0"/>
-              <a:lumOff val="0"/>
-              <a:alphaOff val="0"/>
-            </a:schemeClr>
-          </a:solidFill>
-          <a:prstDash val="solid"/>
-        </a:ln>
-        <a:effectLst/>
-      </dsp:spPr>
-      <dsp:style>
-        <a:lnRef idx="1">
-          <a:scrgbClr r="0" g="0" b="0"/>
-        </a:lnRef>
-        <a:fillRef idx="1">
-          <a:scrgbClr r="0" g="0" b="0"/>
-        </a:fillRef>
-        <a:effectRef idx="0">
-          <a:scrgbClr r="0" g="0" b="0"/>
-        </a:effectRef>
-        <a:fontRef idx="minor"/>
-      </dsp:style>
-      <dsp:txBody>
-        <a:bodyPr spcFirstLastPara="0" vert="horz" wrap="square" lIns="76200" tIns="76200" rIns="76200" bIns="76200" numCol="1" spcCol="1270" anchor="ctr" anchorCtr="0">
-          <a:noAutofit/>
-        </a:bodyPr>
-        <a:lstStyle/>
-        <a:p>
-          <a:pPr lvl="0" algn="ctr" defTabSz="889000">
-            <a:lnSpc>
-              <a:spcPct val="90000"/>
-            </a:lnSpc>
-            <a:spcBef>
-              <a:spcPct val="0"/>
-            </a:spcBef>
-            <a:spcAft>
-              <a:spcPct val="35000"/>
-            </a:spcAft>
-          </a:pPr>
-          <a:r>
-            <a:rPr lang="en-US" sz="2000" kern="1200" dirty="0" smtClean="0"/>
-            <a:t>Number</a:t>
-          </a:r>
-          <a:endParaRPr lang="en-US" sz="2000" kern="1200" dirty="0"/>
-        </a:p>
-      </dsp:txBody>
-      <dsp:txXfrm>
-        <a:off x="924054" y="1380875"/>
-        <a:ext cx="1197808" cy="743717"/>
-      </dsp:txXfrm>
-    </dsp:sp>
-    <dsp:sp modelId="{4AC60A40-741B-ED47-AAD7-DE82CE34AD41}">
-      <dsp:nvSpPr>
-        <dsp:cNvPr id="0" name=""/>
-        <dsp:cNvSpPr/>
-      </dsp:nvSpPr>
-      <dsp:spPr>
-        <a:xfrm>
-          <a:off x="2411" y="2378232"/>
-          <a:ext cx="1244084" cy="789993"/>
-        </a:xfrm>
-        <a:prstGeom prst="roundRect">
-          <a:avLst>
-            <a:gd name="adj" fmla="val 10000"/>
-          </a:avLst>
-        </a:prstGeom>
-        <a:gradFill rotWithShape="0">
-          <a:gsLst>
-            <a:gs pos="0">
-              <a:schemeClr val="accent1">
-                <a:hueOff val="0"/>
-                <a:satOff val="0"/>
-                <a:lumOff val="0"/>
-                <a:alphaOff val="0"/>
-                <a:tint val="100000"/>
-                <a:shade val="100000"/>
-                <a:satMod val="130000"/>
-              </a:schemeClr>
-            </a:gs>
-            <a:gs pos="100000">
-              <a:schemeClr val="accent1">
-                <a:hueOff val="0"/>
-                <a:satOff val="0"/>
-                <a:lumOff val="0"/>
-                <a:alphaOff val="0"/>
-                <a:tint val="50000"/>
-                <a:shade val="100000"/>
-                <a:satMod val="350000"/>
-              </a:schemeClr>
-            </a:gs>
-          </a:gsLst>
-          <a:lin ang="16200000" scaled="0"/>
-        </a:gradFill>
-        <a:ln>
-          <a:noFill/>
-        </a:ln>
-        <a:effectLst>
-          <a:outerShdw blurRad="40000" dist="23000" dir="5400000" rotWithShape="0">
-            <a:srgbClr val="000000">
-              <a:alpha val="35000"/>
-            </a:srgbClr>
-          </a:outerShdw>
-        </a:effectLst>
-      </dsp:spPr>
-      <dsp:style>
-        <a:lnRef idx="0">
-          <a:scrgbClr r="0" g="0" b="0"/>
-        </a:lnRef>
-        <a:fillRef idx="3">
-          <a:scrgbClr r="0" g="0" b="0"/>
-        </a:fillRef>
-        <a:effectRef idx="2">
-          <a:scrgbClr r="0" g="0" b="0"/>
-        </a:effectRef>
-        <a:fontRef idx="minor">
-          <a:schemeClr val="lt1"/>
-        </a:fontRef>
-      </dsp:style>
-    </dsp:sp>
-    <dsp:sp modelId="{C2C1A37D-940A-6743-AC99-D92FAAA879A9}">
-      <dsp:nvSpPr>
-        <dsp:cNvPr id="0" name=""/>
-        <dsp:cNvSpPr/>
-      </dsp:nvSpPr>
-      <dsp:spPr>
-        <a:xfrm>
-          <a:off x="140642" y="2509552"/>
-          <a:ext cx="1244084" cy="789993"/>
-        </a:xfrm>
-        <a:prstGeom prst="roundRect">
-          <a:avLst>
-            <a:gd name="adj" fmla="val 10000"/>
-          </a:avLst>
-        </a:prstGeom>
-        <a:solidFill>
-          <a:schemeClr val="lt1">
-            <a:alpha val="90000"/>
-            <a:hueOff val="0"/>
-            <a:satOff val="0"/>
-            <a:lumOff val="0"/>
-            <a:alphaOff val="0"/>
-          </a:schemeClr>
-        </a:solidFill>
-        <a:ln w="9525" cap="flat" cmpd="sng" algn="ctr">
-          <a:solidFill>
-            <a:schemeClr val="accent1">
-              <a:hueOff val="0"/>
-              <a:satOff val="0"/>
-              <a:lumOff val="0"/>
-              <a:alphaOff val="0"/>
-            </a:schemeClr>
-          </a:solidFill>
-          <a:prstDash val="solid"/>
-        </a:ln>
-        <a:effectLst/>
-      </dsp:spPr>
-      <dsp:style>
-        <a:lnRef idx="1">
-          <a:scrgbClr r="0" g="0" b="0"/>
-        </a:lnRef>
-        <a:fillRef idx="1">
-          <a:scrgbClr r="0" g="0" b="0"/>
-        </a:fillRef>
-        <a:effectRef idx="0">
-          <a:scrgbClr r="0" g="0" b="0"/>
-        </a:effectRef>
-        <a:fontRef idx="minor"/>
-      </dsp:style>
-      <dsp:txBody>
-        <a:bodyPr spcFirstLastPara="0" vert="horz" wrap="square" lIns="76200" tIns="76200" rIns="76200" bIns="76200" numCol="1" spcCol="1270" anchor="ctr" anchorCtr="0">
-          <a:noAutofit/>
-        </a:bodyPr>
-        <a:lstStyle/>
-        <a:p>
-          <a:pPr lvl="0" algn="ctr" defTabSz="889000">
-            <a:lnSpc>
-              <a:spcPct val="90000"/>
-            </a:lnSpc>
-            <a:spcBef>
-              <a:spcPct val="0"/>
-            </a:spcBef>
-            <a:spcAft>
-              <a:spcPct val="35000"/>
-            </a:spcAft>
-          </a:pPr>
-          <a:r>
-            <a:rPr lang="en-US" sz="2000" kern="1200" dirty="0" smtClean="0"/>
-            <a:t>Whole</a:t>
-          </a:r>
-          <a:endParaRPr lang="en-US" sz="2000" kern="1200" dirty="0"/>
-        </a:p>
-      </dsp:txBody>
-      <dsp:txXfrm>
-        <a:off x="163780" y="2532690"/>
-        <a:ext cx="1197808" cy="743717"/>
-      </dsp:txXfrm>
-    </dsp:sp>
-    <dsp:sp modelId="{42E6176C-3E48-2248-9A2F-70DD7DB88292}">
-      <dsp:nvSpPr>
-        <dsp:cNvPr id="0" name=""/>
-        <dsp:cNvSpPr/>
-      </dsp:nvSpPr>
-      <dsp:spPr>
-        <a:xfrm>
-          <a:off x="1522958" y="2378232"/>
-          <a:ext cx="1244084" cy="789993"/>
-        </a:xfrm>
-        <a:prstGeom prst="roundRect">
-          <a:avLst>
-            <a:gd name="adj" fmla="val 10000"/>
-          </a:avLst>
-        </a:prstGeom>
-        <a:gradFill rotWithShape="0">
-          <a:gsLst>
-            <a:gs pos="0">
-              <a:schemeClr val="accent1">
-                <a:hueOff val="0"/>
-                <a:satOff val="0"/>
-                <a:lumOff val="0"/>
-                <a:alphaOff val="0"/>
-                <a:tint val="100000"/>
-                <a:shade val="100000"/>
-                <a:satMod val="130000"/>
-              </a:schemeClr>
-            </a:gs>
-            <a:gs pos="100000">
-              <a:schemeClr val="accent1">
-                <a:hueOff val="0"/>
-                <a:satOff val="0"/>
-                <a:lumOff val="0"/>
-                <a:alphaOff val="0"/>
-                <a:tint val="50000"/>
-                <a:shade val="100000"/>
-                <a:satMod val="350000"/>
-              </a:schemeClr>
-            </a:gs>
-          </a:gsLst>
-          <a:lin ang="16200000" scaled="0"/>
-        </a:gradFill>
-        <a:ln>
-          <a:noFill/>
-        </a:ln>
-        <a:effectLst>
-          <a:outerShdw blurRad="40000" dist="23000" dir="5400000" rotWithShape="0">
-            <a:srgbClr val="000000">
-              <a:alpha val="35000"/>
-            </a:srgbClr>
-          </a:outerShdw>
-        </a:effectLst>
-      </dsp:spPr>
-      <dsp:style>
-        <a:lnRef idx="0">
-          <a:scrgbClr r="0" g="0" b="0"/>
-        </a:lnRef>
-        <a:fillRef idx="3">
-          <a:scrgbClr r="0" g="0" b="0"/>
-        </a:fillRef>
-        <a:effectRef idx="2">
-          <a:scrgbClr r="0" g="0" b="0"/>
-        </a:effectRef>
-        <a:fontRef idx="minor">
-          <a:schemeClr val="lt1"/>
-        </a:fontRef>
-      </dsp:style>
-    </dsp:sp>
-    <dsp:sp modelId="{0B86410B-498D-AB4D-9967-4C4AEDB1DF45}">
-      <dsp:nvSpPr>
-        <dsp:cNvPr id="0" name=""/>
-        <dsp:cNvSpPr/>
-      </dsp:nvSpPr>
-      <dsp:spPr>
-        <a:xfrm>
-          <a:off x="1661189" y="2509552"/>
-          <a:ext cx="1244084" cy="789993"/>
-        </a:xfrm>
-        <a:prstGeom prst="roundRect">
-          <a:avLst>
-            <a:gd name="adj" fmla="val 10000"/>
-          </a:avLst>
-        </a:prstGeom>
-        <a:solidFill>
-          <a:schemeClr val="lt1">
-            <a:alpha val="90000"/>
-            <a:hueOff val="0"/>
-            <a:satOff val="0"/>
-            <a:lumOff val="0"/>
-            <a:alphaOff val="0"/>
-          </a:schemeClr>
-        </a:solidFill>
-        <a:ln w="9525" cap="flat" cmpd="sng" algn="ctr">
-          <a:solidFill>
-            <a:schemeClr val="accent1">
-              <a:hueOff val="0"/>
-              <a:satOff val="0"/>
-              <a:lumOff val="0"/>
-              <a:alphaOff val="0"/>
-            </a:schemeClr>
-          </a:solidFill>
-          <a:prstDash val="solid"/>
-        </a:ln>
-        <a:effectLst/>
-      </dsp:spPr>
-      <dsp:style>
-        <a:lnRef idx="1">
-          <a:scrgbClr r="0" g="0" b="0"/>
-        </a:lnRef>
-        <a:fillRef idx="1">
-          <a:scrgbClr r="0" g="0" b="0"/>
-        </a:fillRef>
-        <a:effectRef idx="0">
-          <a:scrgbClr r="0" g="0" b="0"/>
-        </a:effectRef>
-        <a:fontRef idx="minor"/>
-      </dsp:style>
-      <dsp:txBody>
-        <a:bodyPr spcFirstLastPara="0" vert="horz" wrap="square" lIns="76200" tIns="76200" rIns="76200" bIns="76200" numCol="1" spcCol="1270" anchor="ctr" anchorCtr="0">
-          <a:noAutofit/>
-        </a:bodyPr>
-        <a:lstStyle/>
-        <a:p>
-          <a:pPr lvl="0" algn="ctr" defTabSz="889000">
-            <a:lnSpc>
-              <a:spcPct val="90000"/>
-            </a:lnSpc>
-            <a:spcBef>
-              <a:spcPct val="0"/>
-            </a:spcBef>
-            <a:spcAft>
-              <a:spcPct val="35000"/>
-            </a:spcAft>
-          </a:pPr>
-          <a:r>
-            <a:rPr lang="en-US" sz="2000" kern="1200" dirty="0" smtClean="0"/>
-            <a:t>Float</a:t>
-          </a:r>
-          <a:endParaRPr lang="en-US" sz="2000" kern="1200" dirty="0"/>
-        </a:p>
-      </dsp:txBody>
-      <dsp:txXfrm>
-        <a:off x="1684327" y="2532690"/>
-        <a:ext cx="1197808" cy="743717"/>
-      </dsp:txXfrm>
-    </dsp:sp>
-    <dsp:sp modelId="{E4637EFB-2FAA-3446-8FC9-AD7B8E683EE6}">
-      <dsp:nvSpPr>
-        <dsp:cNvPr id="0" name=""/>
-        <dsp:cNvSpPr/>
-      </dsp:nvSpPr>
-      <dsp:spPr>
-        <a:xfrm>
-          <a:off x="2283231" y="1226417"/>
-          <a:ext cx="1244084" cy="789993"/>
-        </a:xfrm>
-        <a:prstGeom prst="roundRect">
-          <a:avLst>
-            <a:gd name="adj" fmla="val 10000"/>
-          </a:avLst>
-        </a:prstGeom>
-        <a:gradFill rotWithShape="0">
-          <a:gsLst>
-            <a:gs pos="0">
-              <a:schemeClr val="accent1">
-                <a:hueOff val="0"/>
-                <a:satOff val="0"/>
-                <a:lumOff val="0"/>
-                <a:alphaOff val="0"/>
-                <a:tint val="100000"/>
-                <a:shade val="100000"/>
-                <a:satMod val="130000"/>
-              </a:schemeClr>
-            </a:gs>
-            <a:gs pos="100000">
-              <a:schemeClr val="accent1">
-                <a:hueOff val="0"/>
-                <a:satOff val="0"/>
-                <a:lumOff val="0"/>
-                <a:alphaOff val="0"/>
-                <a:tint val="50000"/>
-                <a:shade val="100000"/>
-                <a:satMod val="350000"/>
-              </a:schemeClr>
-            </a:gs>
-          </a:gsLst>
-          <a:lin ang="16200000" scaled="0"/>
-        </a:gradFill>
-        <a:ln>
-          <a:noFill/>
-        </a:ln>
-        <a:effectLst>
-          <a:outerShdw blurRad="40000" dist="23000" dir="5400000" rotWithShape="0">
-            <a:srgbClr val="000000">
-              <a:alpha val="35000"/>
-            </a:srgbClr>
-          </a:outerShdw>
-        </a:effectLst>
-      </dsp:spPr>
-      <dsp:style>
-        <a:lnRef idx="0">
-          <a:scrgbClr r="0" g="0" b="0"/>
-        </a:lnRef>
-        <a:fillRef idx="3">
-          <a:scrgbClr r="0" g="0" b="0"/>
-        </a:fillRef>
-        <a:effectRef idx="2">
-          <a:scrgbClr r="0" g="0" b="0"/>
-        </a:effectRef>
-        <a:fontRef idx="minor">
-          <a:schemeClr val="lt1"/>
-        </a:fontRef>
-      </dsp:style>
-    </dsp:sp>
-    <dsp:sp modelId="{0FEFC8CB-58CB-4A43-9867-EED6738F0C0F}">
-      <dsp:nvSpPr>
-        <dsp:cNvPr id="0" name=""/>
-        <dsp:cNvSpPr/>
-      </dsp:nvSpPr>
-      <dsp:spPr>
-        <a:xfrm>
-          <a:off x="2421463" y="1357737"/>
-          <a:ext cx="1244084" cy="789993"/>
-        </a:xfrm>
-        <a:prstGeom prst="roundRect">
-          <a:avLst>
-            <a:gd name="adj" fmla="val 10000"/>
-          </a:avLst>
-        </a:prstGeom>
-        <a:solidFill>
-          <a:schemeClr val="lt1">
-            <a:alpha val="90000"/>
-            <a:hueOff val="0"/>
-            <a:satOff val="0"/>
-            <a:lumOff val="0"/>
-            <a:alphaOff val="0"/>
-          </a:schemeClr>
-        </a:solidFill>
-        <a:ln w="9525" cap="flat" cmpd="sng" algn="ctr">
-          <a:solidFill>
-            <a:schemeClr val="accent1">
-              <a:hueOff val="0"/>
-              <a:satOff val="0"/>
-              <a:lumOff val="0"/>
-              <a:alphaOff val="0"/>
-            </a:schemeClr>
-          </a:solidFill>
-          <a:prstDash val="solid"/>
-        </a:ln>
-        <a:effectLst/>
-      </dsp:spPr>
-      <dsp:style>
-        <a:lnRef idx="1">
-          <a:scrgbClr r="0" g="0" b="0"/>
-        </a:lnRef>
-        <a:fillRef idx="1">
-          <a:scrgbClr r="0" g="0" b="0"/>
-        </a:fillRef>
-        <a:effectRef idx="0">
-          <a:scrgbClr r="0" g="0" b="0"/>
-        </a:effectRef>
-        <a:fontRef idx="minor"/>
-      </dsp:style>
-      <dsp:txBody>
-        <a:bodyPr spcFirstLastPara="0" vert="horz" wrap="square" lIns="76200" tIns="76200" rIns="76200" bIns="76200" numCol="1" spcCol="1270" anchor="ctr" anchorCtr="0">
-          <a:noAutofit/>
-        </a:bodyPr>
-        <a:lstStyle/>
-        <a:p>
-          <a:pPr lvl="0" algn="ctr" defTabSz="889000">
-            <a:lnSpc>
-              <a:spcPct val="90000"/>
-            </a:lnSpc>
-            <a:spcBef>
-              <a:spcPct val="0"/>
-            </a:spcBef>
-            <a:spcAft>
-              <a:spcPct val="35000"/>
-            </a:spcAft>
-          </a:pPr>
-          <a:r>
-            <a:rPr lang="en-US" sz="2000" kern="1200" dirty="0" smtClean="0"/>
-            <a:t>String</a:t>
-          </a:r>
-          <a:endParaRPr lang="en-US" sz="2000" kern="1200" dirty="0"/>
-        </a:p>
-      </dsp:txBody>
-      <dsp:txXfrm>
-        <a:off x="2444601" y="1380875"/>
-        <a:ext cx="1197808" cy="743717"/>
-      </dsp:txXfrm>
-    </dsp:sp>
-    <dsp:sp modelId="{742E8093-E526-D748-A87A-DEAD1A9F1F6D}">
-      <dsp:nvSpPr>
-        <dsp:cNvPr id="0" name=""/>
-        <dsp:cNvSpPr/>
-      </dsp:nvSpPr>
-      <dsp:spPr>
-        <a:xfrm>
-          <a:off x="3803778" y="1226417"/>
-          <a:ext cx="1244084" cy="789993"/>
-        </a:xfrm>
-        <a:prstGeom prst="roundRect">
-          <a:avLst>
-            <a:gd name="adj" fmla="val 10000"/>
-          </a:avLst>
-        </a:prstGeom>
-        <a:gradFill rotWithShape="0">
-          <a:gsLst>
-            <a:gs pos="0">
-              <a:schemeClr val="accent1">
-                <a:hueOff val="0"/>
-                <a:satOff val="0"/>
-                <a:lumOff val="0"/>
-                <a:alphaOff val="0"/>
-                <a:tint val="100000"/>
-                <a:shade val="100000"/>
-                <a:satMod val="130000"/>
-              </a:schemeClr>
-            </a:gs>
-            <a:gs pos="100000">
-              <a:schemeClr val="accent1">
-                <a:hueOff val="0"/>
-                <a:satOff val="0"/>
-                <a:lumOff val="0"/>
-                <a:alphaOff val="0"/>
-                <a:tint val="50000"/>
-                <a:shade val="100000"/>
-                <a:satMod val="350000"/>
-              </a:schemeClr>
-            </a:gs>
-          </a:gsLst>
-          <a:lin ang="16200000" scaled="0"/>
-        </a:gradFill>
-        <a:ln>
-          <a:noFill/>
-        </a:ln>
-        <a:effectLst>
-          <a:outerShdw blurRad="40000" dist="23000" dir="5400000" rotWithShape="0">
-            <a:srgbClr val="000000">
-              <a:alpha val="35000"/>
-            </a:srgbClr>
-          </a:outerShdw>
-        </a:effectLst>
-      </dsp:spPr>
-      <dsp:style>
-        <a:lnRef idx="0">
-          <a:scrgbClr r="0" g="0" b="0"/>
-        </a:lnRef>
-        <a:fillRef idx="3">
-          <a:scrgbClr r="0" g="0" b="0"/>
-        </a:fillRef>
-        <a:effectRef idx="2">
-          <a:scrgbClr r="0" g="0" b="0"/>
-        </a:effectRef>
-        <a:fontRef idx="minor">
-          <a:schemeClr val="lt1"/>
-        </a:fontRef>
-      </dsp:style>
-    </dsp:sp>
-    <dsp:sp modelId="{D86CCABB-994E-2B44-9B36-549A167DC946}">
-      <dsp:nvSpPr>
-        <dsp:cNvPr id="0" name=""/>
-        <dsp:cNvSpPr/>
-      </dsp:nvSpPr>
-      <dsp:spPr>
-        <a:xfrm>
-          <a:off x="3942010" y="1357737"/>
-          <a:ext cx="1244084" cy="789993"/>
-        </a:xfrm>
-        <a:prstGeom prst="roundRect">
-          <a:avLst>
-            <a:gd name="adj" fmla="val 10000"/>
-          </a:avLst>
-        </a:prstGeom>
-        <a:solidFill>
-          <a:schemeClr val="lt1">
-            <a:alpha val="90000"/>
-            <a:hueOff val="0"/>
-            <a:satOff val="0"/>
-            <a:lumOff val="0"/>
-            <a:alphaOff val="0"/>
-          </a:schemeClr>
-        </a:solidFill>
-        <a:ln w="9525" cap="flat" cmpd="sng" algn="ctr">
-          <a:solidFill>
-            <a:schemeClr val="accent1">
-              <a:hueOff val="0"/>
-              <a:satOff val="0"/>
-              <a:lumOff val="0"/>
-              <a:alphaOff val="0"/>
-            </a:schemeClr>
-          </a:solidFill>
-          <a:prstDash val="solid"/>
-        </a:ln>
-        <a:effectLst/>
-      </dsp:spPr>
-      <dsp:style>
-        <a:lnRef idx="1">
-          <a:scrgbClr r="0" g="0" b="0"/>
-        </a:lnRef>
-        <a:fillRef idx="1">
-          <a:scrgbClr r="0" g="0" b="0"/>
-        </a:fillRef>
-        <a:effectRef idx="0">
-          <a:scrgbClr r="0" g="0" b="0"/>
-        </a:effectRef>
-        <a:fontRef idx="minor"/>
-      </dsp:style>
-      <dsp:txBody>
-        <a:bodyPr spcFirstLastPara="0" vert="horz" wrap="square" lIns="76200" tIns="76200" rIns="76200" bIns="76200" numCol="1" spcCol="1270" anchor="ctr" anchorCtr="0">
-          <a:noAutofit/>
-        </a:bodyPr>
-        <a:lstStyle/>
-        <a:p>
-          <a:pPr lvl="0" algn="ctr" defTabSz="889000">
-            <a:lnSpc>
-              <a:spcPct val="90000"/>
-            </a:lnSpc>
-            <a:spcBef>
-              <a:spcPct val="0"/>
-            </a:spcBef>
-            <a:spcAft>
-              <a:spcPct val="35000"/>
-            </a:spcAft>
-          </a:pPr>
-          <a:r>
-            <a:rPr lang="en-US" sz="2000" kern="1200" dirty="0" smtClean="0"/>
-            <a:t>Boolean</a:t>
-          </a:r>
-          <a:endParaRPr lang="en-US" sz="2000" kern="1200" dirty="0"/>
-        </a:p>
-      </dsp:txBody>
-      <dsp:txXfrm>
-        <a:off x="3965148" y="1380875"/>
-        <a:ext cx="1197808" cy="743717"/>
-      </dsp:txXfrm>
-    </dsp:sp>
-    <dsp:sp modelId="{419941D0-E8C4-AB44-9E78-DAAEB48DEBBF}">
-      <dsp:nvSpPr>
-        <dsp:cNvPr id="0" name=""/>
-        <dsp:cNvSpPr/>
-      </dsp:nvSpPr>
-      <dsp:spPr>
-        <a:xfrm>
-          <a:off x="5324326" y="1226417"/>
-          <a:ext cx="1244084" cy="789993"/>
-        </a:xfrm>
-        <a:prstGeom prst="roundRect">
-          <a:avLst>
-            <a:gd name="adj" fmla="val 10000"/>
-          </a:avLst>
-        </a:prstGeom>
-        <a:gradFill rotWithShape="0">
-          <a:gsLst>
-            <a:gs pos="0">
-              <a:schemeClr val="accent1">
-                <a:hueOff val="0"/>
-                <a:satOff val="0"/>
-                <a:lumOff val="0"/>
-                <a:alphaOff val="0"/>
-                <a:tint val="100000"/>
-                <a:shade val="100000"/>
-                <a:satMod val="130000"/>
-              </a:schemeClr>
-            </a:gs>
-            <a:gs pos="100000">
-              <a:schemeClr val="accent1">
-                <a:hueOff val="0"/>
-                <a:satOff val="0"/>
-                <a:lumOff val="0"/>
-                <a:alphaOff val="0"/>
-                <a:tint val="50000"/>
-                <a:shade val="100000"/>
-                <a:satMod val="350000"/>
-              </a:schemeClr>
-            </a:gs>
-          </a:gsLst>
-          <a:lin ang="16200000" scaled="0"/>
-        </a:gradFill>
-        <a:ln>
-          <a:noFill/>
-        </a:ln>
-        <a:effectLst>
-          <a:outerShdw blurRad="40000" dist="23000" dir="5400000" rotWithShape="0">
-            <a:srgbClr val="000000">
-              <a:alpha val="35000"/>
-            </a:srgbClr>
-          </a:outerShdw>
-        </a:effectLst>
-      </dsp:spPr>
-      <dsp:style>
-        <a:lnRef idx="0">
-          <a:scrgbClr r="0" g="0" b="0"/>
-        </a:lnRef>
-        <a:fillRef idx="3">
-          <a:scrgbClr r="0" g="0" b="0"/>
-        </a:fillRef>
-        <a:effectRef idx="2">
-          <a:scrgbClr r="0" g="0" b="0"/>
-        </a:effectRef>
-        <a:fontRef idx="minor">
-          <a:schemeClr val="lt1"/>
-        </a:fontRef>
-      </dsp:style>
-    </dsp:sp>
-    <dsp:sp modelId="{6603764C-B415-664F-8885-A7DAA8CAF3E7}">
-      <dsp:nvSpPr>
-        <dsp:cNvPr id="0" name=""/>
-        <dsp:cNvSpPr/>
-      </dsp:nvSpPr>
-      <dsp:spPr>
-        <a:xfrm>
-          <a:off x="5462557" y="1357737"/>
-          <a:ext cx="1244084" cy="789993"/>
-        </a:xfrm>
-        <a:prstGeom prst="roundRect">
-          <a:avLst>
-            <a:gd name="adj" fmla="val 10000"/>
-          </a:avLst>
-        </a:prstGeom>
-        <a:solidFill>
-          <a:schemeClr val="lt1">
-            <a:alpha val="90000"/>
-            <a:hueOff val="0"/>
-            <a:satOff val="0"/>
-            <a:lumOff val="0"/>
-            <a:alphaOff val="0"/>
-          </a:schemeClr>
-        </a:solidFill>
-        <a:ln w="9525" cap="flat" cmpd="sng" algn="ctr">
-          <a:solidFill>
-            <a:schemeClr val="accent1">
-              <a:hueOff val="0"/>
-              <a:satOff val="0"/>
-              <a:lumOff val="0"/>
-              <a:alphaOff val="0"/>
-            </a:schemeClr>
-          </a:solidFill>
-          <a:prstDash val="solid"/>
-        </a:ln>
-        <a:effectLst/>
-      </dsp:spPr>
-      <dsp:style>
-        <a:lnRef idx="1">
-          <a:scrgbClr r="0" g="0" b="0"/>
-        </a:lnRef>
-        <a:fillRef idx="1">
-          <a:scrgbClr r="0" g="0" b="0"/>
-        </a:fillRef>
-        <a:effectRef idx="0">
-          <a:scrgbClr r="0" g="0" b="0"/>
-        </a:effectRef>
-        <a:fontRef idx="minor"/>
-      </dsp:style>
-      <dsp:txBody>
-        <a:bodyPr spcFirstLastPara="0" vert="horz" wrap="square" lIns="76200" tIns="76200" rIns="76200" bIns="76200" numCol="1" spcCol="1270" anchor="ctr" anchorCtr="0">
-          <a:noAutofit/>
-        </a:bodyPr>
-        <a:lstStyle/>
-        <a:p>
-          <a:pPr lvl="0" algn="ctr" defTabSz="889000">
-            <a:lnSpc>
-              <a:spcPct val="90000"/>
-            </a:lnSpc>
-            <a:spcBef>
-              <a:spcPct val="0"/>
-            </a:spcBef>
-            <a:spcAft>
-              <a:spcPct val="35000"/>
-            </a:spcAft>
-          </a:pPr>
-          <a:r>
-            <a:rPr lang="en-US" sz="2000" kern="1200" dirty="0" smtClean="0"/>
-            <a:t>Object</a:t>
-          </a:r>
-          <a:endParaRPr lang="en-US" sz="2000" kern="1200" dirty="0"/>
-        </a:p>
-      </dsp:txBody>
-      <dsp:txXfrm>
-        <a:off x="5485695" y="1380875"/>
-        <a:ext cx="1197808" cy="743717"/>
-      </dsp:txXfrm>
-    </dsp:sp>
-    <dsp:sp modelId="{BED1AD82-3EAF-DA47-9563-265E07F41880}">
-      <dsp:nvSpPr>
-        <dsp:cNvPr id="0" name=""/>
-        <dsp:cNvSpPr/>
-      </dsp:nvSpPr>
-      <dsp:spPr>
-        <a:xfrm>
-          <a:off x="3803778" y="2378232"/>
-          <a:ext cx="1244084" cy="789993"/>
-        </a:xfrm>
-        <a:prstGeom prst="roundRect">
-          <a:avLst>
-            <a:gd name="adj" fmla="val 10000"/>
-          </a:avLst>
-        </a:prstGeom>
-        <a:gradFill rotWithShape="0">
-          <a:gsLst>
-            <a:gs pos="0">
-              <a:schemeClr val="accent1">
-                <a:hueOff val="0"/>
-                <a:satOff val="0"/>
-                <a:lumOff val="0"/>
-                <a:alphaOff val="0"/>
-                <a:tint val="100000"/>
-                <a:shade val="100000"/>
-                <a:satMod val="130000"/>
-              </a:schemeClr>
-            </a:gs>
-            <a:gs pos="100000">
-              <a:schemeClr val="accent1">
-                <a:hueOff val="0"/>
-                <a:satOff val="0"/>
-                <a:lumOff val="0"/>
-                <a:alphaOff val="0"/>
-                <a:tint val="50000"/>
-                <a:shade val="100000"/>
-                <a:satMod val="350000"/>
-              </a:schemeClr>
-            </a:gs>
-          </a:gsLst>
-          <a:lin ang="16200000" scaled="0"/>
-        </a:gradFill>
-        <a:ln>
-          <a:noFill/>
-        </a:ln>
-        <a:effectLst>
-          <a:outerShdw blurRad="40000" dist="23000" dir="5400000" rotWithShape="0">
-            <a:srgbClr val="000000">
-              <a:alpha val="35000"/>
-            </a:srgbClr>
-          </a:outerShdw>
-        </a:effectLst>
-      </dsp:spPr>
-      <dsp:style>
-        <a:lnRef idx="0">
-          <a:scrgbClr r="0" g="0" b="0"/>
-        </a:lnRef>
-        <a:fillRef idx="3">
-          <a:scrgbClr r="0" g="0" b="0"/>
-        </a:fillRef>
-        <a:effectRef idx="2">
-          <a:scrgbClr r="0" g="0" b="0"/>
-        </a:effectRef>
-        <a:fontRef idx="minor">
-          <a:schemeClr val="lt1"/>
-        </a:fontRef>
-      </dsp:style>
-    </dsp:sp>
-    <dsp:sp modelId="{AD6B8219-1F5B-DA4F-B261-22B5D0551A94}">
-      <dsp:nvSpPr>
-        <dsp:cNvPr id="0" name=""/>
-        <dsp:cNvSpPr/>
-      </dsp:nvSpPr>
-      <dsp:spPr>
-        <a:xfrm>
-          <a:off x="3942010" y="2509552"/>
-          <a:ext cx="1244084" cy="789993"/>
-        </a:xfrm>
-        <a:prstGeom prst="roundRect">
-          <a:avLst>
-            <a:gd name="adj" fmla="val 10000"/>
-          </a:avLst>
-        </a:prstGeom>
-        <a:solidFill>
-          <a:schemeClr val="lt1">
-            <a:alpha val="90000"/>
-            <a:hueOff val="0"/>
-            <a:satOff val="0"/>
-            <a:lumOff val="0"/>
-            <a:alphaOff val="0"/>
-          </a:schemeClr>
-        </a:solidFill>
-        <a:ln w="9525" cap="flat" cmpd="sng" algn="ctr">
-          <a:solidFill>
-            <a:schemeClr val="accent1">
-              <a:hueOff val="0"/>
-              <a:satOff val="0"/>
-              <a:lumOff val="0"/>
-              <a:alphaOff val="0"/>
-            </a:schemeClr>
-          </a:solidFill>
-          <a:prstDash val="solid"/>
-        </a:ln>
-        <a:effectLst/>
-      </dsp:spPr>
-      <dsp:style>
-        <a:lnRef idx="1">
-          <a:scrgbClr r="0" g="0" b="0"/>
-        </a:lnRef>
-        <a:fillRef idx="1">
-          <a:scrgbClr r="0" g="0" b="0"/>
-        </a:fillRef>
-        <a:effectRef idx="0">
-          <a:scrgbClr r="0" g="0" b="0"/>
-        </a:effectRef>
-        <a:fontRef idx="minor"/>
-      </dsp:style>
-      <dsp:txBody>
-        <a:bodyPr spcFirstLastPara="0" vert="horz" wrap="square" lIns="76200" tIns="76200" rIns="76200" bIns="76200" numCol="1" spcCol="1270" anchor="ctr" anchorCtr="0">
-          <a:noAutofit/>
-        </a:bodyPr>
-        <a:lstStyle/>
-        <a:p>
-          <a:pPr lvl="0" algn="ctr" defTabSz="889000">
-            <a:lnSpc>
-              <a:spcPct val="90000"/>
-            </a:lnSpc>
-            <a:spcBef>
-              <a:spcPct val="0"/>
-            </a:spcBef>
-            <a:spcAft>
-              <a:spcPct val="35000"/>
-            </a:spcAft>
-          </a:pPr>
-          <a:r>
-            <a:rPr lang="en-US" sz="2000" kern="1200" dirty="0" smtClean="0"/>
-            <a:t>Date</a:t>
-          </a:r>
-          <a:endParaRPr lang="en-US" sz="2000" kern="1200" dirty="0"/>
-        </a:p>
-      </dsp:txBody>
-      <dsp:txXfrm>
-        <a:off x="3965148" y="2532690"/>
-        <a:ext cx="1197808" cy="743717"/>
-      </dsp:txXfrm>
-    </dsp:sp>
-    <dsp:sp modelId="{E43BE145-21E5-5543-9A7D-46DE44FE97A7}">
-      <dsp:nvSpPr>
-        <dsp:cNvPr id="0" name=""/>
-        <dsp:cNvSpPr/>
-      </dsp:nvSpPr>
-      <dsp:spPr>
-        <a:xfrm>
-          <a:off x="5324326" y="2378232"/>
-          <a:ext cx="1244084" cy="789993"/>
-        </a:xfrm>
-        <a:prstGeom prst="roundRect">
-          <a:avLst>
-            <a:gd name="adj" fmla="val 10000"/>
-          </a:avLst>
-        </a:prstGeom>
-        <a:gradFill rotWithShape="0">
-          <a:gsLst>
-            <a:gs pos="0">
-              <a:schemeClr val="accent1">
-                <a:hueOff val="0"/>
-                <a:satOff val="0"/>
-                <a:lumOff val="0"/>
-                <a:alphaOff val="0"/>
-                <a:tint val="100000"/>
-                <a:shade val="100000"/>
-                <a:satMod val="130000"/>
-              </a:schemeClr>
-            </a:gs>
-            <a:gs pos="100000">
-              <a:schemeClr val="accent1">
-                <a:hueOff val="0"/>
-                <a:satOff val="0"/>
-                <a:lumOff val="0"/>
-                <a:alphaOff val="0"/>
-                <a:tint val="50000"/>
-                <a:shade val="100000"/>
-                <a:satMod val="350000"/>
-              </a:schemeClr>
-            </a:gs>
-          </a:gsLst>
-          <a:lin ang="16200000" scaled="0"/>
-        </a:gradFill>
-        <a:ln>
-          <a:noFill/>
-        </a:ln>
-        <a:effectLst>
-          <a:outerShdw blurRad="40000" dist="23000" dir="5400000" rotWithShape="0">
-            <a:srgbClr val="000000">
-              <a:alpha val="35000"/>
-            </a:srgbClr>
-          </a:outerShdw>
-        </a:effectLst>
-      </dsp:spPr>
-      <dsp:style>
-        <a:lnRef idx="0">
-          <a:scrgbClr r="0" g="0" b="0"/>
-        </a:lnRef>
-        <a:fillRef idx="3">
-          <a:scrgbClr r="0" g="0" b="0"/>
-        </a:fillRef>
-        <a:effectRef idx="2">
-          <a:scrgbClr r="0" g="0" b="0"/>
-        </a:effectRef>
-        <a:fontRef idx="minor">
-          <a:schemeClr val="lt1"/>
-        </a:fontRef>
-      </dsp:style>
-    </dsp:sp>
-    <dsp:sp modelId="{EBC8209D-BB74-B44A-A57A-C51ABEDBBAE8}">
-      <dsp:nvSpPr>
-        <dsp:cNvPr id="0" name=""/>
-        <dsp:cNvSpPr/>
-      </dsp:nvSpPr>
-      <dsp:spPr>
-        <a:xfrm>
-          <a:off x="5462557" y="2509552"/>
-          <a:ext cx="1244084" cy="789993"/>
-        </a:xfrm>
-        <a:prstGeom prst="roundRect">
-          <a:avLst>
-            <a:gd name="adj" fmla="val 10000"/>
-          </a:avLst>
-        </a:prstGeom>
-        <a:solidFill>
-          <a:schemeClr val="lt1">
-            <a:alpha val="90000"/>
-            <a:hueOff val="0"/>
-            <a:satOff val="0"/>
-            <a:lumOff val="0"/>
-            <a:alphaOff val="0"/>
-          </a:schemeClr>
-        </a:solidFill>
-        <a:ln w="9525" cap="flat" cmpd="sng" algn="ctr">
-          <a:solidFill>
-            <a:schemeClr val="accent1">
-              <a:hueOff val="0"/>
-              <a:satOff val="0"/>
-              <a:lumOff val="0"/>
-              <a:alphaOff val="0"/>
-            </a:schemeClr>
-          </a:solidFill>
-          <a:prstDash val="solid"/>
-        </a:ln>
-        <a:effectLst/>
-      </dsp:spPr>
-      <dsp:style>
-        <a:lnRef idx="1">
-          <a:scrgbClr r="0" g="0" b="0"/>
-        </a:lnRef>
-        <a:fillRef idx="1">
-          <a:scrgbClr r="0" g="0" b="0"/>
-        </a:fillRef>
-        <a:effectRef idx="0">
-          <a:scrgbClr r="0" g="0" b="0"/>
-        </a:effectRef>
-        <a:fontRef idx="minor"/>
-      </dsp:style>
-      <dsp:txBody>
-        <a:bodyPr spcFirstLastPara="0" vert="horz" wrap="square" lIns="76200" tIns="76200" rIns="76200" bIns="76200" numCol="1" spcCol="1270" anchor="ctr" anchorCtr="0">
-          <a:noAutofit/>
-        </a:bodyPr>
-        <a:lstStyle/>
-        <a:p>
-          <a:pPr lvl="0" algn="ctr" defTabSz="889000">
-            <a:lnSpc>
-              <a:spcPct val="90000"/>
-            </a:lnSpc>
-            <a:spcBef>
-              <a:spcPct val="0"/>
-            </a:spcBef>
-            <a:spcAft>
-              <a:spcPct val="35000"/>
-            </a:spcAft>
-          </a:pPr>
-          <a:r>
-            <a:rPr lang="en-US" sz="2000" kern="1200" dirty="0" smtClean="0"/>
-            <a:t>Container</a:t>
-          </a:r>
-          <a:endParaRPr lang="en-US" sz="2000" kern="1200" dirty="0"/>
-        </a:p>
-      </dsp:txBody>
-      <dsp:txXfrm>
-        <a:off x="5485695" y="2532690"/>
-        <a:ext cx="1197808" cy="743717"/>
-      </dsp:txXfrm>
-    </dsp:sp>
-    <dsp:sp modelId="{6DF542D9-B5F6-214E-9CDE-F0A47E3A8ABC}">
-      <dsp:nvSpPr>
-        <dsp:cNvPr id="0" name=""/>
-        <dsp:cNvSpPr/>
-      </dsp:nvSpPr>
-      <dsp:spPr>
-        <a:xfrm>
-          <a:off x="4564052" y="3530046"/>
-          <a:ext cx="1244084" cy="789993"/>
-        </a:xfrm>
-        <a:prstGeom prst="roundRect">
-          <a:avLst>
-            <a:gd name="adj" fmla="val 10000"/>
-          </a:avLst>
-        </a:prstGeom>
-        <a:gradFill rotWithShape="0">
-          <a:gsLst>
-            <a:gs pos="0">
-              <a:schemeClr val="accent1">
-                <a:hueOff val="0"/>
-                <a:satOff val="0"/>
-                <a:lumOff val="0"/>
-                <a:alphaOff val="0"/>
-                <a:tint val="100000"/>
-                <a:shade val="100000"/>
-                <a:satMod val="130000"/>
-              </a:schemeClr>
-            </a:gs>
-            <a:gs pos="100000">
-              <a:schemeClr val="accent1">
-                <a:hueOff val="0"/>
-                <a:satOff val="0"/>
-                <a:lumOff val="0"/>
-                <a:alphaOff val="0"/>
-                <a:tint val="50000"/>
-                <a:shade val="100000"/>
-                <a:satMod val="350000"/>
-              </a:schemeClr>
-            </a:gs>
-          </a:gsLst>
-          <a:lin ang="16200000" scaled="0"/>
-        </a:gradFill>
-        <a:ln>
-          <a:noFill/>
-        </a:ln>
-        <a:effectLst>
-          <a:outerShdw blurRad="40000" dist="23000" dir="5400000" rotWithShape="0">
-            <a:srgbClr val="000000">
-              <a:alpha val="35000"/>
-            </a:srgbClr>
-          </a:outerShdw>
-        </a:effectLst>
-      </dsp:spPr>
-      <dsp:style>
-        <a:lnRef idx="0">
-          <a:scrgbClr r="0" g="0" b="0"/>
-        </a:lnRef>
-        <a:fillRef idx="3">
-          <a:scrgbClr r="0" g="0" b="0"/>
-        </a:fillRef>
-        <a:effectRef idx="2">
-          <a:scrgbClr r="0" g="0" b="0"/>
-        </a:effectRef>
-        <a:fontRef idx="minor">
-          <a:schemeClr val="lt1"/>
-        </a:fontRef>
-      </dsp:style>
-    </dsp:sp>
-    <dsp:sp modelId="{2246CDBD-2CA8-A34C-A89B-E32ACB07E97A}">
-      <dsp:nvSpPr>
-        <dsp:cNvPr id="0" name=""/>
-        <dsp:cNvSpPr/>
-      </dsp:nvSpPr>
-      <dsp:spPr>
-        <a:xfrm>
-          <a:off x="4702284" y="3661366"/>
-          <a:ext cx="1244084" cy="789993"/>
-        </a:xfrm>
-        <a:prstGeom prst="roundRect">
-          <a:avLst>
-            <a:gd name="adj" fmla="val 10000"/>
-          </a:avLst>
-        </a:prstGeom>
-        <a:solidFill>
-          <a:schemeClr val="lt1">
-            <a:alpha val="90000"/>
-            <a:hueOff val="0"/>
-            <a:satOff val="0"/>
-            <a:lumOff val="0"/>
-            <a:alphaOff val="0"/>
-          </a:schemeClr>
-        </a:solidFill>
-        <a:ln w="9525" cap="flat" cmpd="sng" algn="ctr">
-          <a:solidFill>
-            <a:schemeClr val="accent1">
-              <a:hueOff val="0"/>
-              <a:satOff val="0"/>
-              <a:lumOff val="0"/>
-              <a:alphaOff val="0"/>
-            </a:schemeClr>
-          </a:solidFill>
-          <a:prstDash val="solid"/>
-        </a:ln>
-        <a:effectLst/>
-      </dsp:spPr>
-      <dsp:style>
-        <a:lnRef idx="1">
-          <a:scrgbClr r="0" g="0" b="0"/>
-        </a:lnRef>
-        <a:fillRef idx="1">
-          <a:scrgbClr r="0" g="0" b="0"/>
-        </a:fillRef>
-        <a:effectRef idx="0">
-          <a:scrgbClr r="0" g="0" b="0"/>
-        </a:effectRef>
-        <a:fontRef idx="minor"/>
-      </dsp:style>
-      <dsp:txBody>
-        <a:bodyPr spcFirstLastPara="0" vert="horz" wrap="square" lIns="76200" tIns="76200" rIns="76200" bIns="76200" numCol="1" spcCol="1270" anchor="ctr" anchorCtr="0">
-          <a:noAutofit/>
-        </a:bodyPr>
-        <a:lstStyle/>
-        <a:p>
-          <a:pPr lvl="0" algn="ctr" defTabSz="889000">
-            <a:lnSpc>
-              <a:spcPct val="90000"/>
-            </a:lnSpc>
-            <a:spcBef>
-              <a:spcPct val="0"/>
-            </a:spcBef>
-            <a:spcAft>
-              <a:spcPct val="35000"/>
-            </a:spcAft>
-          </a:pPr>
-          <a:r>
-            <a:rPr lang="en-US" sz="2000" kern="1200" dirty="0" smtClean="0"/>
-            <a:t>Array</a:t>
-          </a:r>
-          <a:endParaRPr lang="en-US" sz="2000" kern="1200" dirty="0"/>
-        </a:p>
-      </dsp:txBody>
-      <dsp:txXfrm>
-        <a:off x="4725422" y="3684504"/>
-        <a:ext cx="1197808" cy="743717"/>
-      </dsp:txXfrm>
-    </dsp:sp>
-    <dsp:sp modelId="{7591B2A4-9F4B-F245-820A-E182736ED0B3}">
-      <dsp:nvSpPr>
-        <dsp:cNvPr id="0" name=""/>
-        <dsp:cNvSpPr/>
-      </dsp:nvSpPr>
-      <dsp:spPr>
-        <a:xfrm>
-          <a:off x="6084599" y="3530046"/>
-          <a:ext cx="1244084" cy="789993"/>
-        </a:xfrm>
-        <a:prstGeom prst="roundRect">
-          <a:avLst>
-            <a:gd name="adj" fmla="val 10000"/>
-          </a:avLst>
-        </a:prstGeom>
-        <a:gradFill rotWithShape="0">
-          <a:gsLst>
-            <a:gs pos="0">
-              <a:schemeClr val="accent1">
-                <a:hueOff val="0"/>
-                <a:satOff val="0"/>
-                <a:lumOff val="0"/>
-                <a:alphaOff val="0"/>
-                <a:tint val="100000"/>
-                <a:shade val="100000"/>
-                <a:satMod val="130000"/>
-              </a:schemeClr>
-            </a:gs>
-            <a:gs pos="100000">
-              <a:schemeClr val="accent1">
-                <a:hueOff val="0"/>
-                <a:satOff val="0"/>
-                <a:lumOff val="0"/>
-                <a:alphaOff val="0"/>
-                <a:tint val="50000"/>
-                <a:shade val="100000"/>
-                <a:satMod val="350000"/>
-              </a:schemeClr>
-            </a:gs>
-          </a:gsLst>
-          <a:lin ang="16200000" scaled="0"/>
-        </a:gradFill>
-        <a:ln>
-          <a:noFill/>
-        </a:ln>
-        <a:effectLst>
-          <a:outerShdw blurRad="40000" dist="23000" dir="5400000" rotWithShape="0">
-            <a:srgbClr val="000000">
-              <a:alpha val="35000"/>
-            </a:srgbClr>
-          </a:outerShdw>
-        </a:effectLst>
-      </dsp:spPr>
-      <dsp:style>
-        <a:lnRef idx="0">
-          <a:scrgbClr r="0" g="0" b="0"/>
-        </a:lnRef>
-        <a:fillRef idx="3">
-          <a:scrgbClr r="0" g="0" b="0"/>
-        </a:fillRef>
-        <a:effectRef idx="2">
-          <a:scrgbClr r="0" g="0" b="0"/>
-        </a:effectRef>
-        <a:fontRef idx="minor">
-          <a:schemeClr val="lt1"/>
-        </a:fontRef>
-      </dsp:style>
-    </dsp:sp>
-    <dsp:sp modelId="{9152FE1E-3F9F-1945-845B-196FD4FE9E7F}">
-      <dsp:nvSpPr>
-        <dsp:cNvPr id="0" name=""/>
-        <dsp:cNvSpPr/>
-      </dsp:nvSpPr>
-      <dsp:spPr>
-        <a:xfrm>
-          <a:off x="6222831" y="3661366"/>
-          <a:ext cx="1244084" cy="789993"/>
-        </a:xfrm>
-        <a:prstGeom prst="roundRect">
-          <a:avLst>
-            <a:gd name="adj" fmla="val 10000"/>
-          </a:avLst>
-        </a:prstGeom>
-        <a:solidFill>
-          <a:schemeClr val="lt1">
-            <a:alpha val="90000"/>
-            <a:hueOff val="0"/>
-            <a:satOff val="0"/>
-            <a:lumOff val="0"/>
-            <a:alphaOff val="0"/>
-          </a:schemeClr>
-        </a:solidFill>
-        <a:ln w="9525" cap="flat" cmpd="sng" algn="ctr">
-          <a:solidFill>
-            <a:schemeClr val="accent1">
-              <a:hueOff val="0"/>
-              <a:satOff val="0"/>
-              <a:lumOff val="0"/>
-              <a:alphaOff val="0"/>
-            </a:schemeClr>
-          </a:solidFill>
-          <a:prstDash val="solid"/>
-        </a:ln>
-        <a:effectLst/>
-      </dsp:spPr>
-      <dsp:style>
-        <a:lnRef idx="1">
-          <a:scrgbClr r="0" g="0" b="0"/>
-        </a:lnRef>
-        <a:fillRef idx="1">
-          <a:scrgbClr r="0" g="0" b="0"/>
-        </a:fillRef>
-        <a:effectRef idx="0">
-          <a:scrgbClr r="0" g="0" b="0"/>
-        </a:effectRef>
-        <a:fontRef idx="minor"/>
-      </dsp:style>
-      <dsp:txBody>
-        <a:bodyPr spcFirstLastPara="0" vert="horz" wrap="square" lIns="76200" tIns="76200" rIns="76200" bIns="76200" numCol="1" spcCol="1270" anchor="ctr" anchorCtr="0">
-          <a:noAutofit/>
-        </a:bodyPr>
-        <a:lstStyle/>
-        <a:p>
-          <a:pPr lvl="0" algn="ctr" defTabSz="889000">
-            <a:lnSpc>
-              <a:spcPct val="90000"/>
-            </a:lnSpc>
-            <a:spcBef>
-              <a:spcPct val="0"/>
-            </a:spcBef>
-            <a:spcAft>
-              <a:spcPct val="35000"/>
-            </a:spcAft>
-          </a:pPr>
-          <a:r>
-            <a:rPr lang="en-US" sz="2000" kern="1200" dirty="0" smtClean="0"/>
-            <a:t>Hash</a:t>
-          </a:r>
-          <a:endParaRPr lang="en-US" sz="2000" kern="1200" dirty="0"/>
-        </a:p>
-      </dsp:txBody>
-      <dsp:txXfrm>
-        <a:off x="6245969" y="3684504"/>
-        <a:ext cx="1197808" cy="743717"/>
-      </dsp:txXfrm>
-    </dsp:sp>
-    <dsp:sp modelId="{05D36543-49E4-934D-B25C-1B6526CA4C89}">
-      <dsp:nvSpPr>
-        <dsp:cNvPr id="0" name=""/>
-        <dsp:cNvSpPr/>
-      </dsp:nvSpPr>
-      <dsp:spPr>
-        <a:xfrm>
-          <a:off x="6844873" y="2378232"/>
-          <a:ext cx="1244084" cy="789993"/>
-        </a:xfrm>
-        <a:prstGeom prst="roundRect">
-          <a:avLst>
-            <a:gd name="adj" fmla="val 10000"/>
-          </a:avLst>
-        </a:prstGeom>
-        <a:gradFill rotWithShape="0">
-          <a:gsLst>
-            <a:gs pos="0">
-              <a:schemeClr val="accent1">
-                <a:hueOff val="0"/>
-                <a:satOff val="0"/>
-                <a:lumOff val="0"/>
-                <a:alphaOff val="0"/>
-                <a:tint val="100000"/>
-                <a:shade val="100000"/>
-                <a:satMod val="130000"/>
-              </a:schemeClr>
-            </a:gs>
-            <a:gs pos="100000">
-              <a:schemeClr val="accent1">
-                <a:hueOff val="0"/>
-                <a:satOff val="0"/>
-                <a:lumOff val="0"/>
-                <a:alphaOff val="0"/>
-                <a:tint val="50000"/>
-                <a:shade val="100000"/>
-                <a:satMod val="350000"/>
-              </a:schemeClr>
-            </a:gs>
-          </a:gsLst>
-          <a:lin ang="16200000" scaled="0"/>
-        </a:gradFill>
-        <a:ln>
-          <a:noFill/>
-        </a:ln>
-        <a:effectLst>
-          <a:outerShdw blurRad="40000" dist="23000" dir="5400000" rotWithShape="0">
-            <a:srgbClr val="000000">
-              <a:alpha val="35000"/>
-            </a:srgbClr>
-          </a:outerShdw>
-        </a:effectLst>
-      </dsp:spPr>
-      <dsp:style>
-        <a:lnRef idx="0">
-          <a:scrgbClr r="0" g="0" b="0"/>
-        </a:lnRef>
-        <a:fillRef idx="3">
-          <a:scrgbClr r="0" g="0" b="0"/>
-        </a:fillRef>
-        <a:effectRef idx="2">
-          <a:scrgbClr r="0" g="0" b="0"/>
-        </a:effectRef>
-        <a:fontRef idx="minor">
-          <a:schemeClr val="lt1"/>
-        </a:fontRef>
-      </dsp:style>
-    </dsp:sp>
-    <dsp:sp modelId="{76B33B1D-4CA5-544F-BF28-B308B507EF10}">
-      <dsp:nvSpPr>
-        <dsp:cNvPr id="0" name=""/>
-        <dsp:cNvSpPr/>
-      </dsp:nvSpPr>
-      <dsp:spPr>
-        <a:xfrm>
-          <a:off x="6983104" y="2509552"/>
-          <a:ext cx="1244084" cy="789993"/>
-        </a:xfrm>
-        <a:prstGeom prst="roundRect">
-          <a:avLst>
-            <a:gd name="adj" fmla="val 10000"/>
-          </a:avLst>
-        </a:prstGeom>
-        <a:gradFill rotWithShape="1">
-          <a:gsLst>
-            <a:gs pos="0">
-              <a:schemeClr val="accent2">
-                <a:tint val="50000"/>
-                <a:satMod val="300000"/>
-              </a:schemeClr>
-            </a:gs>
-            <a:gs pos="35000">
-              <a:schemeClr val="accent2">
-                <a:tint val="37000"/>
-                <a:satMod val="300000"/>
-              </a:schemeClr>
-            </a:gs>
-            <a:gs pos="100000">
-              <a:schemeClr val="accent2">
-                <a:tint val="15000"/>
-                <a:satMod val="350000"/>
-              </a:schemeClr>
-            </a:gs>
-          </a:gsLst>
-          <a:lin ang="16200000" scaled="1"/>
-        </a:gradFill>
-        <a:ln w="9525" cap="flat" cmpd="sng" algn="ctr">
-          <a:solidFill>
-            <a:schemeClr val="accent2">
-              <a:shade val="95000"/>
-              <a:satMod val="105000"/>
-            </a:schemeClr>
-          </a:solidFill>
-          <a:prstDash val="solid"/>
-        </a:ln>
-        <a:effectLst>
-          <a:outerShdw blurRad="40000" dist="20000" dir="5400000" rotWithShape="0">
-            <a:srgbClr val="000000">
-              <a:alpha val="38000"/>
-            </a:srgbClr>
-          </a:outerShdw>
-        </a:effectLst>
-      </dsp:spPr>
-      <dsp:style>
-        <a:lnRef idx="1">
-          <a:schemeClr val="accent2"/>
-        </a:lnRef>
-        <a:fillRef idx="2">
-          <a:schemeClr val="accent2"/>
-        </a:fillRef>
-        <a:effectRef idx="1">
-          <a:schemeClr val="accent2"/>
-        </a:effectRef>
-        <a:fontRef idx="minor">
-          <a:schemeClr val="dk1"/>
-        </a:fontRef>
-      </dsp:style>
-      <dsp:txBody>
-        <a:bodyPr spcFirstLastPara="0" vert="horz" wrap="square" lIns="76200" tIns="76200" rIns="76200" bIns="76200" numCol="1" spcCol="1270" anchor="ctr" anchorCtr="0">
-          <a:noAutofit/>
-        </a:bodyPr>
-        <a:lstStyle/>
-        <a:p>
-          <a:pPr lvl="0" algn="ctr" defTabSz="889000">
-            <a:lnSpc>
-              <a:spcPct val="90000"/>
-            </a:lnSpc>
-            <a:spcBef>
-              <a:spcPct val="0"/>
-            </a:spcBef>
-            <a:spcAft>
-              <a:spcPct val="35000"/>
-            </a:spcAft>
-          </a:pPr>
-          <a:r>
-            <a:rPr lang="en-US" sz="2000" kern="1200" dirty="0" smtClean="0"/>
-            <a:t>Function</a:t>
-          </a:r>
-          <a:endParaRPr lang="en-US" sz="2000" kern="1200" dirty="0"/>
-        </a:p>
-      </dsp:txBody>
-      <dsp:txXfrm>
-        <a:off x="7006242" y="2532690"/>
-        <a:ext cx="1197808" cy="743717"/>
-      </dsp:txXfrm>
-    </dsp:sp>
   </dsp:spTree>
 </dsp:drawing>
 </file>
@@ -23865,7 +19179,12 @@
             <p:ph type="title"/>
           </p:nvPr>
         </p:nvSpPr>
-        <p:spPr/>
+        <p:spPr>
+          <a:xfrm>
+            <a:off x="457200" y="274638"/>
+            <a:ext cx="8229600" cy="915657"/>
+          </a:xfrm>
+        </p:spPr>
         <p:txBody>
           <a:bodyPr/>
           <a:lstStyle/>
@@ -23880,7 +19199,7 @@
       </p:sp>
       <p:pic>
         <p:nvPicPr>
-          <p:cNvPr id="7" name="Content Placeholder 6"/>
+          <p:cNvPr id="4" name="Content Placeholder 3"/>
           <p:cNvPicPr>
             <a:picLocks noGrp="1" noChangeAspect="1"/>
           </p:cNvPicPr>
@@ -23890,12 +19209,17 @@
         </p:nvPicPr>
         <p:blipFill>
           <a:blip r:embed="rId2"/>
-          <a:srcRect l="-43777" r="-43777"/>
+          <a:srcRect l="-42527" r="-42527"/>
           <a:stretch>
             <a:fillRect/>
           </a:stretch>
         </p:blipFill>
-        <p:spPr/>
+        <p:spPr>
+          <a:xfrm>
+            <a:off x="457200" y="1294600"/>
+            <a:ext cx="8229600" cy="5215208"/>
+          </a:xfrm>
+        </p:spPr>
       </p:pic>
     </p:spTree>
     <p:extLst>
@@ -23937,7 +19261,12 @@
             <p:ph type="title"/>
           </p:nvPr>
         </p:nvSpPr>
-        <p:spPr/>
+        <p:spPr>
+          <a:xfrm>
+            <a:off x="457200" y="274638"/>
+            <a:ext cx="8229600" cy="909521"/>
+          </a:xfrm>
+        </p:spPr>
         <p:txBody>
           <a:bodyPr/>
           <a:lstStyle/>
@@ -23952,7 +19281,7 @@
       </p:sp>
       <p:pic>
         <p:nvPicPr>
-          <p:cNvPr id="6" name="Content Placeholder 5"/>
+          <p:cNvPr id="4" name="Content Placeholder 3"/>
           <p:cNvPicPr>
             <a:picLocks noGrp="1" noChangeAspect="1"/>
           </p:cNvPicPr>
@@ -23962,12 +19291,17 @@
         </p:nvPicPr>
         <p:blipFill>
           <a:blip r:embed="rId2"/>
-          <a:srcRect l="-50207" r="-50207"/>
+          <a:srcRect l="-48645" r="-48645"/>
           <a:stretch>
             <a:fillRect/>
           </a:stretch>
         </p:blipFill>
-        <p:spPr/>
+        <p:spPr>
+          <a:xfrm>
+            <a:off x="457200" y="1270057"/>
+            <a:ext cx="8229600" cy="5233615"/>
+          </a:xfrm>
+        </p:spPr>
       </p:pic>
     </p:spTree>
     <p:extLst>
@@ -24045,11 +19379,7 @@
             </a:pPr>
             <a:r>
               <a:rPr lang="en-US" dirty="0" smtClean="0"/>
-              <a:t>Objects are </a:t>
-            </a:r>
-            <a:r>
-              <a:rPr lang="en-US" dirty="0" smtClean="0"/>
-              <a:t>awesome</a:t>
+              <a:t>Objects are awesome</a:t>
             </a:r>
           </a:p>
           <a:p>
@@ -24061,7 +19391,6 @@
               <a:rPr lang="en-US" dirty="0" smtClean="0"/>
               <a:t>A bit confusing</a:t>
             </a:r>
-            <a:endParaRPr lang="en-US" dirty="0" smtClean="0"/>
           </a:p>
           <a:p>
             <a:pPr marL="514350" indent="-514350">
@@ -24070,11 +19399,7 @@
             </a:pPr>
             <a:r>
               <a:rPr lang="en-US" dirty="0" smtClean="0"/>
-              <a:t>But stil</a:t>
-            </a:r>
-            <a:r>
-              <a:rPr lang="en-US" dirty="0" smtClean="0"/>
-              <a:t>l </a:t>
+              <a:t>But still </a:t>
             </a:r>
             <a:r>
               <a:rPr lang="en-US" dirty="0"/>
@@ -24084,7 +19409,6 @@
               <a:rPr lang="en-US" dirty="0" smtClean="0"/>
               <a:t>lexible</a:t>
             </a:r>
-            <a:endParaRPr lang="en-US" dirty="0" smtClean="0"/>
           </a:p>
           <a:p>
             <a:pPr marL="0" indent="0">
@@ -59445,11 +54769,7 @@
             </a:r>
             <a:r>
               <a:rPr lang="en-US" smtClean="0"/>
-              <a:t>: </a:t>
-            </a:r>
-            <a:r>
-              <a:rPr lang="en-US" smtClean="0"/>
-              <a:t>“Everything” </a:t>
+              <a:t>: “Everything” </a:t>
             </a:r>
             <a:r>
               <a:rPr lang="en-US" dirty="0" smtClean="0"/>
@@ -59596,7 +54916,12 @@
             <p:ph type="title"/>
           </p:nvPr>
         </p:nvSpPr>
-        <p:spPr/>
+        <p:spPr>
+          <a:xfrm>
+            <a:off x="457200" y="274638"/>
+            <a:ext cx="8229600" cy="903386"/>
+          </a:xfrm>
+        </p:spPr>
         <p:txBody>
           <a:bodyPr/>
           <a:lstStyle/>
@@ -59611,7 +54936,7 @@
       </p:sp>
       <p:pic>
         <p:nvPicPr>
-          <p:cNvPr id="6" name="Content Placeholder 5"/>
+          <p:cNvPr id="4" name="Content Placeholder 3"/>
           <p:cNvPicPr>
             <a:picLocks noGrp="1" noChangeAspect="1"/>
           </p:cNvPicPr>
@@ -59621,12 +54946,17 @@
         </p:nvPicPr>
         <p:blipFill>
           <a:blip r:embed="rId2"/>
-          <a:srcRect l="-28863" r="-28863"/>
+          <a:srcRect l="-38916" r="-38916"/>
           <a:stretch>
             <a:fillRect/>
           </a:stretch>
         </p:blipFill>
-        <p:spPr/>
+        <p:spPr>
+          <a:xfrm>
+            <a:off x="457200" y="1263922"/>
+            <a:ext cx="8229600" cy="5252022"/>
+          </a:xfrm>
+        </p:spPr>
       </p:pic>
     </p:spTree>
     <p:extLst>

--- a/docs/learn-computer-programming.pptx
+++ b/docs/learn-computer-programming.pptx
@@ -111,6 +111,18 @@
     <p:sldId id="364" r:id="rId105"/>
     <p:sldId id="365" r:id="rId106"/>
     <p:sldId id="366" r:id="rId107"/>
+    <p:sldId id="367" r:id="rId108"/>
+    <p:sldId id="368" r:id="rId109"/>
+    <p:sldId id="379" r:id="rId110"/>
+    <p:sldId id="378" r:id="rId111"/>
+    <p:sldId id="394" r:id="rId112"/>
+    <p:sldId id="385" r:id="rId113"/>
+    <p:sldId id="374" r:id="rId114"/>
+    <p:sldId id="384" r:id="rId115"/>
+    <p:sldId id="382" r:id="rId116"/>
+    <p:sldId id="383" r:id="rId117"/>
+    <p:sldId id="386" r:id="rId118"/>
+    <p:sldId id="377" r:id="rId119"/>
   </p:sldIdLst>
   <p:sldSz cx="9144000" cy="6858000" type="screen4x3"/>
   <p:notesSz cx="6858000" cy="9144000"/>
@@ -6375,767 +6387,6 @@
       <dsp:cNvGrpSpPr/>
     </dsp:nvGrpSpPr>
     <dsp:grpSpPr/>
-    <dsp:sp modelId="{6A1C51CE-8B85-714F-AB05-6029DB2A227F}">
-      <dsp:nvSpPr>
-        <dsp:cNvPr id="0" name=""/>
-        <dsp:cNvSpPr/>
-      </dsp:nvSpPr>
-      <dsp:spPr>
-        <a:xfrm>
-          <a:off x="3986212" y="1804245"/>
-          <a:ext cx="2828925" cy="673155"/>
-        </a:xfrm>
-        <a:custGeom>
-          <a:avLst/>
-          <a:gdLst/>
-          <a:ahLst/>
-          <a:cxnLst/>
-          <a:rect l="0" t="0" r="0" b="0"/>
-          <a:pathLst>
-            <a:path>
-              <a:moveTo>
-                <a:pt x="0" y="0"/>
-              </a:moveTo>
-              <a:lnTo>
-                <a:pt x="0" y="458735"/>
-              </a:lnTo>
-              <a:lnTo>
-                <a:pt x="2828925" y="458735"/>
-              </a:lnTo>
-              <a:lnTo>
-                <a:pt x="2828925" y="673155"/>
-              </a:lnTo>
-            </a:path>
-          </a:pathLst>
-        </a:custGeom>
-        <a:noFill/>
-        <a:ln w="9525" cap="flat" cmpd="sng" algn="ctr">
-          <a:solidFill>
-            <a:schemeClr val="accent1">
-              <a:shade val="60000"/>
-              <a:hueOff val="0"/>
-              <a:satOff val="0"/>
-              <a:lumOff val="0"/>
-              <a:alphaOff val="0"/>
-            </a:schemeClr>
-          </a:solidFill>
-          <a:prstDash val="solid"/>
-        </a:ln>
-        <a:effectLst/>
-      </dsp:spPr>
-      <dsp:style>
-        <a:lnRef idx="1">
-          <a:scrgbClr r="0" g="0" b="0"/>
-        </a:lnRef>
-        <a:fillRef idx="0">
-          <a:scrgbClr r="0" g="0" b="0"/>
-        </a:fillRef>
-        <a:effectRef idx="0">
-          <a:scrgbClr r="0" g="0" b="0"/>
-        </a:effectRef>
-        <a:fontRef idx="minor"/>
-      </dsp:style>
-    </dsp:sp>
-    <dsp:sp modelId="{8BF31CB5-B47B-174E-B65F-3A712FD96A4A}">
-      <dsp:nvSpPr>
-        <dsp:cNvPr id="0" name=""/>
-        <dsp:cNvSpPr/>
-      </dsp:nvSpPr>
-      <dsp:spPr>
-        <a:xfrm>
-          <a:off x="3940492" y="1804245"/>
-          <a:ext cx="91440" cy="673155"/>
-        </a:xfrm>
-        <a:custGeom>
-          <a:avLst/>
-          <a:gdLst/>
-          <a:ahLst/>
-          <a:cxnLst/>
-          <a:rect l="0" t="0" r="0" b="0"/>
-          <a:pathLst>
-            <a:path>
-              <a:moveTo>
-                <a:pt x="45720" y="0"/>
-              </a:moveTo>
-              <a:lnTo>
-                <a:pt x="45720" y="673155"/>
-              </a:lnTo>
-            </a:path>
-          </a:pathLst>
-        </a:custGeom>
-        <a:noFill/>
-        <a:ln w="9525" cap="flat" cmpd="sng" algn="ctr">
-          <a:solidFill>
-            <a:schemeClr val="accent1">
-              <a:shade val="60000"/>
-              <a:hueOff val="0"/>
-              <a:satOff val="0"/>
-              <a:lumOff val="0"/>
-              <a:alphaOff val="0"/>
-            </a:schemeClr>
-          </a:solidFill>
-          <a:prstDash val="solid"/>
-        </a:ln>
-        <a:effectLst/>
-      </dsp:spPr>
-      <dsp:style>
-        <a:lnRef idx="1">
-          <a:scrgbClr r="0" g="0" b="0"/>
-        </a:lnRef>
-        <a:fillRef idx="0">
-          <a:scrgbClr r="0" g="0" b="0"/>
-        </a:fillRef>
-        <a:effectRef idx="0">
-          <a:scrgbClr r="0" g="0" b="0"/>
-        </a:effectRef>
-        <a:fontRef idx="minor"/>
-      </dsp:style>
-    </dsp:sp>
-    <dsp:sp modelId="{8FDB1F34-B825-DC46-9AFA-225E07D727BF}">
-      <dsp:nvSpPr>
-        <dsp:cNvPr id="0" name=""/>
-        <dsp:cNvSpPr/>
-      </dsp:nvSpPr>
-      <dsp:spPr>
-        <a:xfrm>
-          <a:off x="1157287" y="1804245"/>
-          <a:ext cx="2828925" cy="673155"/>
-        </a:xfrm>
-        <a:custGeom>
-          <a:avLst/>
-          <a:gdLst/>
-          <a:ahLst/>
-          <a:cxnLst/>
-          <a:rect l="0" t="0" r="0" b="0"/>
-          <a:pathLst>
-            <a:path>
-              <a:moveTo>
-                <a:pt x="2828925" y="0"/>
-              </a:moveTo>
-              <a:lnTo>
-                <a:pt x="2828925" y="458735"/>
-              </a:lnTo>
-              <a:lnTo>
-                <a:pt x="0" y="458735"/>
-              </a:lnTo>
-              <a:lnTo>
-                <a:pt x="0" y="673155"/>
-              </a:lnTo>
-            </a:path>
-          </a:pathLst>
-        </a:custGeom>
-        <a:noFill/>
-        <a:ln w="9525" cap="flat" cmpd="sng" algn="ctr">
-          <a:solidFill>
-            <a:schemeClr val="accent1">
-              <a:shade val="60000"/>
-              <a:hueOff val="0"/>
-              <a:satOff val="0"/>
-              <a:lumOff val="0"/>
-              <a:alphaOff val="0"/>
-            </a:schemeClr>
-          </a:solidFill>
-          <a:prstDash val="solid"/>
-        </a:ln>
-        <a:effectLst/>
-      </dsp:spPr>
-      <dsp:style>
-        <a:lnRef idx="1">
-          <a:scrgbClr r="0" g="0" b="0"/>
-        </a:lnRef>
-        <a:fillRef idx="0">
-          <a:scrgbClr r="0" g="0" b="0"/>
-        </a:fillRef>
-        <a:effectRef idx="0">
-          <a:scrgbClr r="0" g="0" b="0"/>
-        </a:effectRef>
-        <a:fontRef idx="minor"/>
-      </dsp:style>
-    </dsp:sp>
-    <dsp:sp modelId="{FE36A13A-ABCC-9345-9413-0EFC78BB8C25}">
-      <dsp:nvSpPr>
-        <dsp:cNvPr id="0" name=""/>
-        <dsp:cNvSpPr/>
-      </dsp:nvSpPr>
-      <dsp:spPr>
-        <a:xfrm>
-          <a:off x="2828924" y="334490"/>
-          <a:ext cx="2314575" cy="1469755"/>
-        </a:xfrm>
-        <a:prstGeom prst="roundRect">
-          <a:avLst>
-            <a:gd name="adj" fmla="val 10000"/>
-          </a:avLst>
-        </a:prstGeom>
-        <a:gradFill rotWithShape="0">
-          <a:gsLst>
-            <a:gs pos="0">
-              <a:schemeClr val="accent1">
-                <a:hueOff val="0"/>
-                <a:satOff val="0"/>
-                <a:lumOff val="0"/>
-                <a:alphaOff val="0"/>
-                <a:tint val="100000"/>
-                <a:shade val="100000"/>
-                <a:satMod val="130000"/>
-              </a:schemeClr>
-            </a:gs>
-            <a:gs pos="100000">
-              <a:schemeClr val="accent1">
-                <a:hueOff val="0"/>
-                <a:satOff val="0"/>
-                <a:lumOff val="0"/>
-                <a:alphaOff val="0"/>
-                <a:tint val="50000"/>
-                <a:shade val="100000"/>
-                <a:satMod val="350000"/>
-              </a:schemeClr>
-            </a:gs>
-          </a:gsLst>
-          <a:lin ang="16200000" scaled="0"/>
-        </a:gradFill>
-        <a:ln>
-          <a:noFill/>
-        </a:ln>
-        <a:effectLst>
-          <a:outerShdw blurRad="40000" dist="23000" dir="5400000" rotWithShape="0">
-            <a:srgbClr val="000000">
-              <a:alpha val="35000"/>
-            </a:srgbClr>
-          </a:outerShdw>
-        </a:effectLst>
-      </dsp:spPr>
-      <dsp:style>
-        <a:lnRef idx="0">
-          <a:scrgbClr r="0" g="0" b="0"/>
-        </a:lnRef>
-        <a:fillRef idx="3">
-          <a:scrgbClr r="0" g="0" b="0"/>
-        </a:fillRef>
-        <a:effectRef idx="2">
-          <a:scrgbClr r="0" g="0" b="0"/>
-        </a:effectRef>
-        <a:fontRef idx="minor">
-          <a:schemeClr val="lt1"/>
-        </a:fontRef>
-      </dsp:style>
-    </dsp:sp>
-    <dsp:sp modelId="{5EB3D2BB-E21D-3146-B21B-70DA44BF6C00}">
-      <dsp:nvSpPr>
-        <dsp:cNvPr id="0" name=""/>
-        <dsp:cNvSpPr/>
-      </dsp:nvSpPr>
-      <dsp:spPr>
-        <a:xfrm>
-          <a:off x="3086099" y="578806"/>
-          <a:ext cx="2314575" cy="1469755"/>
-        </a:xfrm>
-        <a:prstGeom prst="roundRect">
-          <a:avLst>
-            <a:gd name="adj" fmla="val 10000"/>
-          </a:avLst>
-        </a:prstGeom>
-        <a:solidFill>
-          <a:schemeClr val="lt1">
-            <a:alpha val="90000"/>
-            <a:hueOff val="0"/>
-            <a:satOff val="0"/>
-            <a:lumOff val="0"/>
-            <a:alphaOff val="0"/>
-          </a:schemeClr>
-        </a:solidFill>
-        <a:ln w="9525" cap="flat" cmpd="sng" algn="ctr">
-          <a:solidFill>
-            <a:schemeClr val="accent1">
-              <a:hueOff val="0"/>
-              <a:satOff val="0"/>
-              <a:lumOff val="0"/>
-              <a:alphaOff val="0"/>
-            </a:schemeClr>
-          </a:solidFill>
-          <a:prstDash val="solid"/>
-        </a:ln>
-        <a:effectLst/>
-      </dsp:spPr>
-      <dsp:style>
-        <a:lnRef idx="1">
-          <a:scrgbClr r="0" g="0" b="0"/>
-        </a:lnRef>
-        <a:fillRef idx="1">
-          <a:scrgbClr r="0" g="0" b="0"/>
-        </a:fillRef>
-        <a:effectRef idx="0">
-          <a:scrgbClr r="0" g="0" b="0"/>
-        </a:effectRef>
-        <a:fontRef idx="minor"/>
-      </dsp:style>
-      <dsp:txBody>
-        <a:bodyPr spcFirstLastPara="0" vert="horz" wrap="square" lIns="186690" tIns="186690" rIns="186690" bIns="186690" numCol="1" spcCol="1270" anchor="ctr" anchorCtr="0">
-          <a:noAutofit/>
-        </a:bodyPr>
-        <a:lstStyle/>
-        <a:p>
-          <a:pPr lvl="0" algn="ctr" defTabSz="2178050">
-            <a:lnSpc>
-              <a:spcPct val="90000"/>
-            </a:lnSpc>
-            <a:spcBef>
-              <a:spcPct val="0"/>
-            </a:spcBef>
-            <a:spcAft>
-              <a:spcPct val="35000"/>
-            </a:spcAft>
-          </a:pPr>
-          <a:r>
-            <a:rPr lang="en-US" sz="4900" kern="1200" dirty="0" smtClean="0"/>
-            <a:t>Animal</a:t>
-          </a:r>
-          <a:endParaRPr lang="en-US" sz="4900" kern="1200" dirty="0"/>
-        </a:p>
-      </dsp:txBody>
-      <dsp:txXfrm>
-        <a:off x="3129147" y="621854"/>
-        <a:ext cx="2228479" cy="1383659"/>
-      </dsp:txXfrm>
-    </dsp:sp>
-    <dsp:sp modelId="{4EAFEFF8-DDE2-624B-8F75-083AD0B3427B}">
-      <dsp:nvSpPr>
-        <dsp:cNvPr id="0" name=""/>
-        <dsp:cNvSpPr/>
-      </dsp:nvSpPr>
-      <dsp:spPr>
-        <a:xfrm>
-          <a:off x="0" y="2477401"/>
-          <a:ext cx="2314575" cy="1469755"/>
-        </a:xfrm>
-        <a:prstGeom prst="roundRect">
-          <a:avLst>
-            <a:gd name="adj" fmla="val 10000"/>
-          </a:avLst>
-        </a:prstGeom>
-        <a:gradFill rotWithShape="0">
-          <a:gsLst>
-            <a:gs pos="0">
-              <a:schemeClr val="accent1">
-                <a:hueOff val="0"/>
-                <a:satOff val="0"/>
-                <a:lumOff val="0"/>
-                <a:alphaOff val="0"/>
-                <a:tint val="100000"/>
-                <a:shade val="100000"/>
-                <a:satMod val="130000"/>
-              </a:schemeClr>
-            </a:gs>
-            <a:gs pos="100000">
-              <a:schemeClr val="accent1">
-                <a:hueOff val="0"/>
-                <a:satOff val="0"/>
-                <a:lumOff val="0"/>
-                <a:alphaOff val="0"/>
-                <a:tint val="50000"/>
-                <a:shade val="100000"/>
-                <a:satMod val="350000"/>
-              </a:schemeClr>
-            </a:gs>
-          </a:gsLst>
-          <a:lin ang="16200000" scaled="0"/>
-        </a:gradFill>
-        <a:ln>
-          <a:noFill/>
-        </a:ln>
-        <a:effectLst>
-          <a:outerShdw blurRad="40000" dist="23000" dir="5400000" rotWithShape="0">
-            <a:srgbClr val="000000">
-              <a:alpha val="35000"/>
-            </a:srgbClr>
-          </a:outerShdw>
-        </a:effectLst>
-      </dsp:spPr>
-      <dsp:style>
-        <a:lnRef idx="0">
-          <a:scrgbClr r="0" g="0" b="0"/>
-        </a:lnRef>
-        <a:fillRef idx="3">
-          <a:scrgbClr r="0" g="0" b="0"/>
-        </a:fillRef>
-        <a:effectRef idx="2">
-          <a:scrgbClr r="0" g="0" b="0"/>
-        </a:effectRef>
-        <a:fontRef idx="minor">
-          <a:schemeClr val="lt1"/>
-        </a:fontRef>
-      </dsp:style>
-    </dsp:sp>
-    <dsp:sp modelId="{6786A0B3-E715-D444-B7D8-118552E8E98F}">
-      <dsp:nvSpPr>
-        <dsp:cNvPr id="0" name=""/>
-        <dsp:cNvSpPr/>
-      </dsp:nvSpPr>
-      <dsp:spPr>
-        <a:xfrm>
-          <a:off x="257174" y="2721717"/>
-          <a:ext cx="2314575" cy="1469755"/>
-        </a:xfrm>
-        <a:prstGeom prst="roundRect">
-          <a:avLst>
-            <a:gd name="adj" fmla="val 10000"/>
-          </a:avLst>
-        </a:prstGeom>
-        <a:solidFill>
-          <a:schemeClr val="lt1">
-            <a:alpha val="90000"/>
-            <a:hueOff val="0"/>
-            <a:satOff val="0"/>
-            <a:lumOff val="0"/>
-            <a:alphaOff val="0"/>
-          </a:schemeClr>
-        </a:solidFill>
-        <a:ln w="9525" cap="flat" cmpd="sng" algn="ctr">
-          <a:solidFill>
-            <a:schemeClr val="accent1">
-              <a:hueOff val="0"/>
-              <a:satOff val="0"/>
-              <a:lumOff val="0"/>
-              <a:alphaOff val="0"/>
-            </a:schemeClr>
-          </a:solidFill>
-          <a:prstDash val="solid"/>
-        </a:ln>
-        <a:effectLst/>
-      </dsp:spPr>
-      <dsp:style>
-        <a:lnRef idx="1">
-          <a:scrgbClr r="0" g="0" b="0"/>
-        </a:lnRef>
-        <a:fillRef idx="1">
-          <a:scrgbClr r="0" g="0" b="0"/>
-        </a:fillRef>
-        <a:effectRef idx="0">
-          <a:scrgbClr r="0" g="0" b="0"/>
-        </a:effectRef>
-        <a:fontRef idx="minor"/>
-      </dsp:style>
-      <dsp:txBody>
-        <a:bodyPr spcFirstLastPara="0" vert="horz" wrap="square" lIns="186690" tIns="186690" rIns="186690" bIns="186690" numCol="1" spcCol="1270" anchor="ctr" anchorCtr="0">
-          <a:noAutofit/>
-        </a:bodyPr>
-        <a:lstStyle/>
-        <a:p>
-          <a:pPr lvl="0" algn="ctr" defTabSz="2178050">
-            <a:lnSpc>
-              <a:spcPct val="90000"/>
-            </a:lnSpc>
-            <a:spcBef>
-              <a:spcPct val="0"/>
-            </a:spcBef>
-            <a:spcAft>
-              <a:spcPct val="35000"/>
-            </a:spcAft>
-          </a:pPr>
-          <a:r>
-            <a:rPr lang="en-US" sz="4900" kern="1200" dirty="0" smtClean="0"/>
-            <a:t>Dog</a:t>
-          </a:r>
-          <a:endParaRPr lang="en-US" sz="4900" kern="1200" dirty="0"/>
-        </a:p>
-      </dsp:txBody>
-      <dsp:txXfrm>
-        <a:off x="300222" y="2764765"/>
-        <a:ext cx="2228479" cy="1383659"/>
-      </dsp:txXfrm>
-    </dsp:sp>
-    <dsp:sp modelId="{CC5CE2E5-3730-D144-98BD-1F1345DFA00F}">
-      <dsp:nvSpPr>
-        <dsp:cNvPr id="0" name=""/>
-        <dsp:cNvSpPr/>
-      </dsp:nvSpPr>
-      <dsp:spPr>
-        <a:xfrm>
-          <a:off x="2828924" y="2477401"/>
-          <a:ext cx="2314575" cy="1469755"/>
-        </a:xfrm>
-        <a:prstGeom prst="roundRect">
-          <a:avLst>
-            <a:gd name="adj" fmla="val 10000"/>
-          </a:avLst>
-        </a:prstGeom>
-        <a:gradFill rotWithShape="0">
-          <a:gsLst>
-            <a:gs pos="0">
-              <a:schemeClr val="accent1">
-                <a:hueOff val="0"/>
-                <a:satOff val="0"/>
-                <a:lumOff val="0"/>
-                <a:alphaOff val="0"/>
-                <a:tint val="100000"/>
-                <a:shade val="100000"/>
-                <a:satMod val="130000"/>
-              </a:schemeClr>
-            </a:gs>
-            <a:gs pos="100000">
-              <a:schemeClr val="accent1">
-                <a:hueOff val="0"/>
-                <a:satOff val="0"/>
-                <a:lumOff val="0"/>
-                <a:alphaOff val="0"/>
-                <a:tint val="50000"/>
-                <a:shade val="100000"/>
-                <a:satMod val="350000"/>
-              </a:schemeClr>
-            </a:gs>
-          </a:gsLst>
-          <a:lin ang="16200000" scaled="0"/>
-        </a:gradFill>
-        <a:ln>
-          <a:noFill/>
-        </a:ln>
-        <a:effectLst>
-          <a:outerShdw blurRad="40000" dist="23000" dir="5400000" rotWithShape="0">
-            <a:srgbClr val="000000">
-              <a:alpha val="35000"/>
-            </a:srgbClr>
-          </a:outerShdw>
-        </a:effectLst>
-      </dsp:spPr>
-      <dsp:style>
-        <a:lnRef idx="0">
-          <a:scrgbClr r="0" g="0" b="0"/>
-        </a:lnRef>
-        <a:fillRef idx="3">
-          <a:scrgbClr r="0" g="0" b="0"/>
-        </a:fillRef>
-        <a:effectRef idx="2">
-          <a:scrgbClr r="0" g="0" b="0"/>
-        </a:effectRef>
-        <a:fontRef idx="minor">
-          <a:schemeClr val="lt1"/>
-        </a:fontRef>
-      </dsp:style>
-    </dsp:sp>
-    <dsp:sp modelId="{AAD4844B-E0A8-BE4E-9F97-853BA9C0EAB1}">
-      <dsp:nvSpPr>
-        <dsp:cNvPr id="0" name=""/>
-        <dsp:cNvSpPr/>
-      </dsp:nvSpPr>
-      <dsp:spPr>
-        <a:xfrm>
-          <a:off x="3086099" y="2721717"/>
-          <a:ext cx="2314575" cy="1469755"/>
-        </a:xfrm>
-        <a:prstGeom prst="roundRect">
-          <a:avLst>
-            <a:gd name="adj" fmla="val 10000"/>
-          </a:avLst>
-        </a:prstGeom>
-        <a:solidFill>
-          <a:schemeClr val="lt1">
-            <a:alpha val="90000"/>
-            <a:hueOff val="0"/>
-            <a:satOff val="0"/>
-            <a:lumOff val="0"/>
-            <a:alphaOff val="0"/>
-          </a:schemeClr>
-        </a:solidFill>
-        <a:ln w="9525" cap="flat" cmpd="sng" algn="ctr">
-          <a:solidFill>
-            <a:schemeClr val="accent1">
-              <a:hueOff val="0"/>
-              <a:satOff val="0"/>
-              <a:lumOff val="0"/>
-              <a:alphaOff val="0"/>
-            </a:schemeClr>
-          </a:solidFill>
-          <a:prstDash val="solid"/>
-        </a:ln>
-        <a:effectLst/>
-      </dsp:spPr>
-      <dsp:style>
-        <a:lnRef idx="1">
-          <a:scrgbClr r="0" g="0" b="0"/>
-        </a:lnRef>
-        <a:fillRef idx="1">
-          <a:scrgbClr r="0" g="0" b="0"/>
-        </a:fillRef>
-        <a:effectRef idx="0">
-          <a:scrgbClr r="0" g="0" b="0"/>
-        </a:effectRef>
-        <a:fontRef idx="minor"/>
-      </dsp:style>
-      <dsp:txBody>
-        <a:bodyPr spcFirstLastPara="0" vert="horz" wrap="square" lIns="186690" tIns="186690" rIns="186690" bIns="186690" numCol="1" spcCol="1270" anchor="ctr" anchorCtr="0">
-          <a:noAutofit/>
-        </a:bodyPr>
-        <a:lstStyle/>
-        <a:p>
-          <a:pPr lvl="0" algn="ctr" defTabSz="2178050">
-            <a:lnSpc>
-              <a:spcPct val="90000"/>
-            </a:lnSpc>
-            <a:spcBef>
-              <a:spcPct val="0"/>
-            </a:spcBef>
-            <a:spcAft>
-              <a:spcPct val="35000"/>
-            </a:spcAft>
-          </a:pPr>
-          <a:r>
-            <a:rPr lang="en-US" sz="4900" kern="1200" dirty="0" smtClean="0"/>
-            <a:t>Cat</a:t>
-          </a:r>
-          <a:endParaRPr lang="en-US" sz="4900" kern="1200" dirty="0"/>
-        </a:p>
-      </dsp:txBody>
-      <dsp:txXfrm>
-        <a:off x="3129147" y="2764765"/>
-        <a:ext cx="2228479" cy="1383659"/>
-      </dsp:txXfrm>
-    </dsp:sp>
-    <dsp:sp modelId="{88D95334-A307-D547-9761-9D4A138F7E94}">
-      <dsp:nvSpPr>
-        <dsp:cNvPr id="0" name=""/>
-        <dsp:cNvSpPr/>
-      </dsp:nvSpPr>
-      <dsp:spPr>
-        <a:xfrm>
-          <a:off x="5657850" y="2477401"/>
-          <a:ext cx="2314575" cy="1469755"/>
-        </a:xfrm>
-        <a:prstGeom prst="roundRect">
-          <a:avLst>
-            <a:gd name="adj" fmla="val 10000"/>
-          </a:avLst>
-        </a:prstGeom>
-        <a:gradFill rotWithShape="0">
-          <a:gsLst>
-            <a:gs pos="0">
-              <a:schemeClr val="accent1">
-                <a:hueOff val="0"/>
-                <a:satOff val="0"/>
-                <a:lumOff val="0"/>
-                <a:alphaOff val="0"/>
-                <a:tint val="100000"/>
-                <a:shade val="100000"/>
-                <a:satMod val="130000"/>
-              </a:schemeClr>
-            </a:gs>
-            <a:gs pos="100000">
-              <a:schemeClr val="accent1">
-                <a:hueOff val="0"/>
-                <a:satOff val="0"/>
-                <a:lumOff val="0"/>
-                <a:alphaOff val="0"/>
-                <a:tint val="50000"/>
-                <a:shade val="100000"/>
-                <a:satMod val="350000"/>
-              </a:schemeClr>
-            </a:gs>
-          </a:gsLst>
-          <a:lin ang="16200000" scaled="0"/>
-        </a:gradFill>
-        <a:ln>
-          <a:noFill/>
-        </a:ln>
-        <a:effectLst>
-          <a:outerShdw blurRad="40000" dist="23000" dir="5400000" rotWithShape="0">
-            <a:srgbClr val="000000">
-              <a:alpha val="35000"/>
-            </a:srgbClr>
-          </a:outerShdw>
-        </a:effectLst>
-      </dsp:spPr>
-      <dsp:style>
-        <a:lnRef idx="0">
-          <a:scrgbClr r="0" g="0" b="0"/>
-        </a:lnRef>
-        <a:fillRef idx="3">
-          <a:scrgbClr r="0" g="0" b="0"/>
-        </a:fillRef>
-        <a:effectRef idx="2">
-          <a:scrgbClr r="0" g="0" b="0"/>
-        </a:effectRef>
-        <a:fontRef idx="minor">
-          <a:schemeClr val="lt1"/>
-        </a:fontRef>
-      </dsp:style>
-    </dsp:sp>
-    <dsp:sp modelId="{ED876AE6-7C55-A345-AD48-BB0567142D5B}">
-      <dsp:nvSpPr>
-        <dsp:cNvPr id="0" name=""/>
-        <dsp:cNvSpPr/>
-      </dsp:nvSpPr>
-      <dsp:spPr>
-        <a:xfrm>
-          <a:off x="5915024" y="2721717"/>
-          <a:ext cx="2314575" cy="1469755"/>
-        </a:xfrm>
-        <a:prstGeom prst="roundRect">
-          <a:avLst>
-            <a:gd name="adj" fmla="val 10000"/>
-          </a:avLst>
-        </a:prstGeom>
-        <a:solidFill>
-          <a:schemeClr val="lt1">
-            <a:alpha val="90000"/>
-            <a:hueOff val="0"/>
-            <a:satOff val="0"/>
-            <a:lumOff val="0"/>
-            <a:alphaOff val="0"/>
-          </a:schemeClr>
-        </a:solidFill>
-        <a:ln w="9525" cap="flat" cmpd="sng" algn="ctr">
-          <a:solidFill>
-            <a:schemeClr val="accent1">
-              <a:hueOff val="0"/>
-              <a:satOff val="0"/>
-              <a:lumOff val="0"/>
-              <a:alphaOff val="0"/>
-            </a:schemeClr>
-          </a:solidFill>
-          <a:prstDash val="solid"/>
-        </a:ln>
-        <a:effectLst/>
-      </dsp:spPr>
-      <dsp:style>
-        <a:lnRef idx="1">
-          <a:scrgbClr r="0" g="0" b="0"/>
-        </a:lnRef>
-        <a:fillRef idx="1">
-          <a:scrgbClr r="0" g="0" b="0"/>
-        </a:fillRef>
-        <a:effectRef idx="0">
-          <a:scrgbClr r="0" g="0" b="0"/>
-        </a:effectRef>
-        <a:fontRef idx="minor"/>
-      </dsp:style>
-      <dsp:txBody>
-        <a:bodyPr spcFirstLastPara="0" vert="horz" wrap="square" lIns="186690" tIns="186690" rIns="186690" bIns="186690" numCol="1" spcCol="1270" anchor="ctr" anchorCtr="0">
-          <a:noAutofit/>
-        </a:bodyPr>
-        <a:lstStyle/>
-        <a:p>
-          <a:pPr lvl="0" algn="ctr" defTabSz="2178050">
-            <a:lnSpc>
-              <a:spcPct val="90000"/>
-            </a:lnSpc>
-            <a:spcBef>
-              <a:spcPct val="0"/>
-            </a:spcBef>
-            <a:spcAft>
-              <a:spcPct val="35000"/>
-            </a:spcAft>
-          </a:pPr>
-          <a:r>
-            <a:rPr lang="en-US" sz="4900" kern="1200" dirty="0" smtClean="0"/>
-            <a:t>Human</a:t>
-          </a:r>
-          <a:endParaRPr lang="en-US" sz="4900" kern="1200" dirty="0"/>
-        </a:p>
-      </dsp:txBody>
-      <dsp:txXfrm>
-        <a:off x="5958072" y="2764765"/>
-        <a:ext cx="2228479" cy="1383659"/>
-      </dsp:txXfrm>
-    </dsp:sp>
   </dsp:spTree>
 </dsp:drawing>
 </file>
@@ -7148,1181 +6399,6 @@
       <dsp:cNvGrpSpPr/>
     </dsp:nvGrpSpPr>
     <dsp:grpSpPr/>
-    <dsp:sp modelId="{18FEBDC0-ED3C-FC43-A68C-5FAB2B655233}">
-      <dsp:nvSpPr>
-        <dsp:cNvPr id="0" name=""/>
-        <dsp:cNvSpPr/>
-      </dsp:nvSpPr>
-      <dsp:spPr>
-        <a:xfrm>
-          <a:off x="4038652" y="1991323"/>
-          <a:ext cx="3350508" cy="398634"/>
-        </a:xfrm>
-        <a:custGeom>
-          <a:avLst/>
-          <a:gdLst/>
-          <a:ahLst/>
-          <a:cxnLst/>
-          <a:rect l="0" t="0" r="0" b="0"/>
-          <a:pathLst>
-            <a:path>
-              <a:moveTo>
-                <a:pt x="0" y="0"/>
-              </a:moveTo>
-              <a:lnTo>
-                <a:pt x="0" y="271657"/>
-              </a:lnTo>
-              <a:lnTo>
-                <a:pt x="3350508" y="271657"/>
-              </a:lnTo>
-              <a:lnTo>
-                <a:pt x="3350508" y="398634"/>
-              </a:lnTo>
-            </a:path>
-          </a:pathLst>
-        </a:custGeom>
-        <a:noFill/>
-        <a:ln w="9525" cap="flat" cmpd="sng" algn="ctr">
-          <a:solidFill>
-            <a:schemeClr val="accent1">
-              <a:shade val="60000"/>
-              <a:hueOff val="0"/>
-              <a:satOff val="0"/>
-              <a:lumOff val="0"/>
-              <a:alphaOff val="0"/>
-            </a:schemeClr>
-          </a:solidFill>
-          <a:prstDash val="solid"/>
-        </a:ln>
-        <a:effectLst/>
-      </dsp:spPr>
-      <dsp:style>
-        <a:lnRef idx="1">
-          <a:scrgbClr r="0" g="0" b="0"/>
-        </a:lnRef>
-        <a:fillRef idx="0">
-          <a:scrgbClr r="0" g="0" b="0"/>
-        </a:fillRef>
-        <a:effectRef idx="0">
-          <a:scrgbClr r="0" g="0" b="0"/>
-        </a:effectRef>
-        <a:fontRef idx="minor"/>
-      </dsp:style>
-    </dsp:sp>
-    <dsp:sp modelId="{6A1C51CE-8B85-714F-AB05-6029DB2A227F}">
-      <dsp:nvSpPr>
-        <dsp:cNvPr id="0" name=""/>
-        <dsp:cNvSpPr/>
-      </dsp:nvSpPr>
-      <dsp:spPr>
-        <a:xfrm>
-          <a:off x="4038652" y="1991323"/>
-          <a:ext cx="1675254" cy="398634"/>
-        </a:xfrm>
-        <a:custGeom>
-          <a:avLst/>
-          <a:gdLst/>
-          <a:ahLst/>
-          <a:cxnLst/>
-          <a:rect l="0" t="0" r="0" b="0"/>
-          <a:pathLst>
-            <a:path>
-              <a:moveTo>
-                <a:pt x="0" y="0"/>
-              </a:moveTo>
-              <a:lnTo>
-                <a:pt x="0" y="271657"/>
-              </a:lnTo>
-              <a:lnTo>
-                <a:pt x="1675254" y="271657"/>
-              </a:lnTo>
-              <a:lnTo>
-                <a:pt x="1675254" y="398634"/>
-              </a:lnTo>
-            </a:path>
-          </a:pathLst>
-        </a:custGeom>
-        <a:noFill/>
-        <a:ln w="9525" cap="flat" cmpd="sng" algn="ctr">
-          <a:solidFill>
-            <a:schemeClr val="accent1">
-              <a:shade val="60000"/>
-              <a:hueOff val="0"/>
-              <a:satOff val="0"/>
-              <a:lumOff val="0"/>
-              <a:alphaOff val="0"/>
-            </a:schemeClr>
-          </a:solidFill>
-          <a:prstDash val="solid"/>
-        </a:ln>
-        <a:effectLst/>
-      </dsp:spPr>
-      <dsp:style>
-        <a:lnRef idx="1">
-          <a:scrgbClr r="0" g="0" b="0"/>
-        </a:lnRef>
-        <a:fillRef idx="0">
-          <a:scrgbClr r="0" g="0" b="0"/>
-        </a:fillRef>
-        <a:effectRef idx="0">
-          <a:scrgbClr r="0" g="0" b="0"/>
-        </a:effectRef>
-        <a:fontRef idx="minor"/>
-      </dsp:style>
-    </dsp:sp>
-    <dsp:sp modelId="{8BF31CB5-B47B-174E-B65F-3A712FD96A4A}">
-      <dsp:nvSpPr>
-        <dsp:cNvPr id="0" name=""/>
-        <dsp:cNvSpPr/>
-      </dsp:nvSpPr>
-      <dsp:spPr>
-        <a:xfrm>
-          <a:off x="3992932" y="1991323"/>
-          <a:ext cx="91440" cy="398634"/>
-        </a:xfrm>
-        <a:custGeom>
-          <a:avLst/>
-          <a:gdLst/>
-          <a:ahLst/>
-          <a:cxnLst/>
-          <a:rect l="0" t="0" r="0" b="0"/>
-          <a:pathLst>
-            <a:path>
-              <a:moveTo>
-                <a:pt x="45720" y="0"/>
-              </a:moveTo>
-              <a:lnTo>
-                <a:pt x="45720" y="398634"/>
-              </a:lnTo>
-            </a:path>
-          </a:pathLst>
-        </a:custGeom>
-        <a:noFill/>
-        <a:ln w="9525" cap="flat" cmpd="sng" algn="ctr">
-          <a:solidFill>
-            <a:schemeClr val="accent1">
-              <a:shade val="60000"/>
-              <a:hueOff val="0"/>
-              <a:satOff val="0"/>
-              <a:lumOff val="0"/>
-              <a:alphaOff val="0"/>
-            </a:schemeClr>
-          </a:solidFill>
-          <a:prstDash val="solid"/>
-        </a:ln>
-        <a:effectLst/>
-      </dsp:spPr>
-      <dsp:style>
-        <a:lnRef idx="1">
-          <a:scrgbClr r="0" g="0" b="0"/>
-        </a:lnRef>
-        <a:fillRef idx="0">
-          <a:scrgbClr r="0" g="0" b="0"/>
-        </a:fillRef>
-        <a:effectRef idx="0">
-          <a:scrgbClr r="0" g="0" b="0"/>
-        </a:effectRef>
-        <a:fontRef idx="minor"/>
-      </dsp:style>
-    </dsp:sp>
-    <dsp:sp modelId="{6F232BB9-0815-E348-9ACA-BBA1D2F6663E}">
-      <dsp:nvSpPr>
-        <dsp:cNvPr id="0" name=""/>
-        <dsp:cNvSpPr/>
-      </dsp:nvSpPr>
-      <dsp:spPr>
-        <a:xfrm>
-          <a:off x="2363398" y="1991323"/>
-          <a:ext cx="1675254" cy="398634"/>
-        </a:xfrm>
-        <a:custGeom>
-          <a:avLst/>
-          <a:gdLst/>
-          <a:ahLst/>
-          <a:cxnLst/>
-          <a:rect l="0" t="0" r="0" b="0"/>
-          <a:pathLst>
-            <a:path>
-              <a:moveTo>
-                <a:pt x="1675254" y="0"/>
-              </a:moveTo>
-              <a:lnTo>
-                <a:pt x="1675254" y="271657"/>
-              </a:lnTo>
-              <a:lnTo>
-                <a:pt x="0" y="271657"/>
-              </a:lnTo>
-              <a:lnTo>
-                <a:pt x="0" y="398634"/>
-              </a:lnTo>
-            </a:path>
-          </a:pathLst>
-        </a:custGeom>
-        <a:noFill/>
-        <a:ln w="9525" cap="flat" cmpd="sng" algn="ctr">
-          <a:solidFill>
-            <a:schemeClr val="accent1">
-              <a:shade val="60000"/>
-              <a:hueOff val="0"/>
-              <a:satOff val="0"/>
-              <a:lumOff val="0"/>
-              <a:alphaOff val="0"/>
-            </a:schemeClr>
-          </a:solidFill>
-          <a:prstDash val="solid"/>
-        </a:ln>
-        <a:effectLst/>
-      </dsp:spPr>
-      <dsp:style>
-        <a:lnRef idx="1">
-          <a:scrgbClr r="0" g="0" b="0"/>
-        </a:lnRef>
-        <a:fillRef idx="0">
-          <a:scrgbClr r="0" g="0" b="0"/>
-        </a:fillRef>
-        <a:effectRef idx="0">
-          <a:scrgbClr r="0" g="0" b="0"/>
-        </a:effectRef>
-        <a:fontRef idx="minor"/>
-      </dsp:style>
-    </dsp:sp>
-    <dsp:sp modelId="{8FDB1F34-B825-DC46-9AFA-225E07D727BF}">
-      <dsp:nvSpPr>
-        <dsp:cNvPr id="0" name=""/>
-        <dsp:cNvSpPr/>
-      </dsp:nvSpPr>
-      <dsp:spPr>
-        <a:xfrm>
-          <a:off x="688144" y="1991323"/>
-          <a:ext cx="3350508" cy="398634"/>
-        </a:xfrm>
-        <a:custGeom>
-          <a:avLst/>
-          <a:gdLst/>
-          <a:ahLst/>
-          <a:cxnLst/>
-          <a:rect l="0" t="0" r="0" b="0"/>
-          <a:pathLst>
-            <a:path>
-              <a:moveTo>
-                <a:pt x="3350508" y="0"/>
-              </a:moveTo>
-              <a:lnTo>
-                <a:pt x="3350508" y="271657"/>
-              </a:lnTo>
-              <a:lnTo>
-                <a:pt x="0" y="271657"/>
-              </a:lnTo>
-              <a:lnTo>
-                <a:pt x="0" y="398634"/>
-              </a:lnTo>
-            </a:path>
-          </a:pathLst>
-        </a:custGeom>
-        <a:noFill/>
-        <a:ln w="9525" cap="flat" cmpd="sng" algn="ctr">
-          <a:solidFill>
-            <a:schemeClr val="accent1">
-              <a:shade val="60000"/>
-              <a:hueOff val="0"/>
-              <a:satOff val="0"/>
-              <a:lumOff val="0"/>
-              <a:alphaOff val="0"/>
-            </a:schemeClr>
-          </a:solidFill>
-          <a:prstDash val="solid"/>
-        </a:ln>
-        <a:effectLst/>
-      </dsp:spPr>
-      <dsp:style>
-        <a:lnRef idx="1">
-          <a:scrgbClr r="0" g="0" b="0"/>
-        </a:lnRef>
-        <a:fillRef idx="0">
-          <a:scrgbClr r="0" g="0" b="0"/>
-        </a:fillRef>
-        <a:effectRef idx="0">
-          <a:scrgbClr r="0" g="0" b="0"/>
-        </a:effectRef>
-        <a:fontRef idx="minor"/>
-      </dsp:style>
-    </dsp:sp>
-    <dsp:sp modelId="{FE36A13A-ABCC-9345-9413-0EFC78BB8C25}">
-      <dsp:nvSpPr>
-        <dsp:cNvPr id="0" name=""/>
-        <dsp:cNvSpPr/>
-      </dsp:nvSpPr>
-      <dsp:spPr>
-        <a:xfrm>
-          <a:off x="3353320" y="1120953"/>
-          <a:ext cx="1370662" cy="870370"/>
-        </a:xfrm>
-        <a:prstGeom prst="roundRect">
-          <a:avLst>
-            <a:gd name="adj" fmla="val 10000"/>
-          </a:avLst>
-        </a:prstGeom>
-        <a:gradFill rotWithShape="0">
-          <a:gsLst>
-            <a:gs pos="0">
-              <a:schemeClr val="accent1">
-                <a:hueOff val="0"/>
-                <a:satOff val="0"/>
-                <a:lumOff val="0"/>
-                <a:alphaOff val="0"/>
-                <a:tint val="100000"/>
-                <a:shade val="100000"/>
-                <a:satMod val="130000"/>
-              </a:schemeClr>
-            </a:gs>
-            <a:gs pos="100000">
-              <a:schemeClr val="accent1">
-                <a:hueOff val="0"/>
-                <a:satOff val="0"/>
-                <a:lumOff val="0"/>
-                <a:alphaOff val="0"/>
-                <a:tint val="50000"/>
-                <a:shade val="100000"/>
-                <a:satMod val="350000"/>
-              </a:schemeClr>
-            </a:gs>
-          </a:gsLst>
-          <a:lin ang="16200000" scaled="0"/>
-        </a:gradFill>
-        <a:ln>
-          <a:noFill/>
-        </a:ln>
-        <a:effectLst>
-          <a:outerShdw blurRad="40000" dist="23000" dir="5400000" rotWithShape="0">
-            <a:srgbClr val="000000">
-              <a:alpha val="35000"/>
-            </a:srgbClr>
-          </a:outerShdw>
-        </a:effectLst>
-      </dsp:spPr>
-      <dsp:style>
-        <a:lnRef idx="0">
-          <a:scrgbClr r="0" g="0" b="0"/>
-        </a:lnRef>
-        <a:fillRef idx="3">
-          <a:scrgbClr r="0" g="0" b="0"/>
-        </a:fillRef>
-        <a:effectRef idx="2">
-          <a:scrgbClr r="0" g="0" b="0"/>
-        </a:effectRef>
-        <a:fontRef idx="minor">
-          <a:schemeClr val="lt1"/>
-        </a:fontRef>
-      </dsp:style>
-    </dsp:sp>
-    <dsp:sp modelId="{5EB3D2BB-E21D-3146-B21B-70DA44BF6C00}">
-      <dsp:nvSpPr>
-        <dsp:cNvPr id="0" name=""/>
-        <dsp:cNvSpPr/>
-      </dsp:nvSpPr>
-      <dsp:spPr>
-        <a:xfrm>
-          <a:off x="3505616" y="1265634"/>
-          <a:ext cx="1370662" cy="870370"/>
-        </a:xfrm>
-        <a:prstGeom prst="roundRect">
-          <a:avLst>
-            <a:gd name="adj" fmla="val 10000"/>
-          </a:avLst>
-        </a:prstGeom>
-        <a:solidFill>
-          <a:schemeClr val="lt1">
-            <a:alpha val="90000"/>
-            <a:hueOff val="0"/>
-            <a:satOff val="0"/>
-            <a:lumOff val="0"/>
-            <a:alphaOff val="0"/>
-          </a:schemeClr>
-        </a:solidFill>
-        <a:ln w="9525" cap="flat" cmpd="sng" algn="ctr">
-          <a:solidFill>
-            <a:schemeClr val="accent1">
-              <a:hueOff val="0"/>
-              <a:satOff val="0"/>
-              <a:lumOff val="0"/>
-              <a:alphaOff val="0"/>
-            </a:schemeClr>
-          </a:solidFill>
-          <a:prstDash val="solid"/>
-        </a:ln>
-        <a:effectLst/>
-      </dsp:spPr>
-      <dsp:style>
-        <a:lnRef idx="1">
-          <a:scrgbClr r="0" g="0" b="0"/>
-        </a:lnRef>
-        <a:fillRef idx="1">
-          <a:scrgbClr r="0" g="0" b="0"/>
-        </a:fillRef>
-        <a:effectRef idx="0">
-          <a:scrgbClr r="0" g="0" b="0"/>
-        </a:effectRef>
-        <a:fontRef idx="minor"/>
-      </dsp:style>
-      <dsp:txBody>
-        <a:bodyPr spcFirstLastPara="0" vert="horz" wrap="square" lIns="95250" tIns="95250" rIns="95250" bIns="95250" numCol="1" spcCol="1270" anchor="ctr" anchorCtr="0">
-          <a:noAutofit/>
-        </a:bodyPr>
-        <a:lstStyle/>
-        <a:p>
-          <a:pPr lvl="0" algn="ctr" defTabSz="1111250">
-            <a:lnSpc>
-              <a:spcPct val="90000"/>
-            </a:lnSpc>
-            <a:spcBef>
-              <a:spcPct val="0"/>
-            </a:spcBef>
-            <a:spcAft>
-              <a:spcPct val="35000"/>
-            </a:spcAft>
-          </a:pPr>
-          <a:r>
-            <a:rPr lang="en-US" sz="2500" kern="1200" dirty="0" smtClean="0"/>
-            <a:t>Object</a:t>
-          </a:r>
-          <a:endParaRPr lang="en-US" sz="2500" kern="1200" dirty="0"/>
-        </a:p>
-      </dsp:txBody>
-      <dsp:txXfrm>
-        <a:off x="3531108" y="1291126"/>
-        <a:ext cx="1319678" cy="819386"/>
-      </dsp:txXfrm>
-    </dsp:sp>
-    <dsp:sp modelId="{4EAFEFF8-DDE2-624B-8F75-083AD0B3427B}">
-      <dsp:nvSpPr>
-        <dsp:cNvPr id="0" name=""/>
-        <dsp:cNvSpPr/>
-      </dsp:nvSpPr>
-      <dsp:spPr>
-        <a:xfrm>
-          <a:off x="2812" y="2389958"/>
-          <a:ext cx="1370662" cy="870370"/>
-        </a:xfrm>
-        <a:prstGeom prst="roundRect">
-          <a:avLst>
-            <a:gd name="adj" fmla="val 10000"/>
-          </a:avLst>
-        </a:prstGeom>
-        <a:gradFill rotWithShape="0">
-          <a:gsLst>
-            <a:gs pos="0">
-              <a:schemeClr val="accent1">
-                <a:hueOff val="0"/>
-                <a:satOff val="0"/>
-                <a:lumOff val="0"/>
-                <a:alphaOff val="0"/>
-                <a:tint val="100000"/>
-                <a:shade val="100000"/>
-                <a:satMod val="130000"/>
-              </a:schemeClr>
-            </a:gs>
-            <a:gs pos="100000">
-              <a:schemeClr val="accent1">
-                <a:hueOff val="0"/>
-                <a:satOff val="0"/>
-                <a:lumOff val="0"/>
-                <a:alphaOff val="0"/>
-                <a:tint val="50000"/>
-                <a:shade val="100000"/>
-                <a:satMod val="350000"/>
-              </a:schemeClr>
-            </a:gs>
-          </a:gsLst>
-          <a:lin ang="16200000" scaled="0"/>
-        </a:gradFill>
-        <a:ln>
-          <a:noFill/>
-        </a:ln>
-        <a:effectLst>
-          <a:outerShdw blurRad="40000" dist="23000" dir="5400000" rotWithShape="0">
-            <a:srgbClr val="000000">
-              <a:alpha val="35000"/>
-            </a:srgbClr>
-          </a:outerShdw>
-        </a:effectLst>
-      </dsp:spPr>
-      <dsp:style>
-        <a:lnRef idx="0">
-          <a:scrgbClr r="0" g="0" b="0"/>
-        </a:lnRef>
-        <a:fillRef idx="3">
-          <a:scrgbClr r="0" g="0" b="0"/>
-        </a:fillRef>
-        <a:effectRef idx="2">
-          <a:scrgbClr r="0" g="0" b="0"/>
-        </a:effectRef>
-        <a:fontRef idx="minor">
-          <a:schemeClr val="lt1"/>
-        </a:fontRef>
-      </dsp:style>
-    </dsp:sp>
-    <dsp:sp modelId="{6786A0B3-E715-D444-B7D8-118552E8E98F}">
-      <dsp:nvSpPr>
-        <dsp:cNvPr id="0" name=""/>
-        <dsp:cNvSpPr/>
-      </dsp:nvSpPr>
-      <dsp:spPr>
-        <a:xfrm>
-          <a:off x="155108" y="2534639"/>
-          <a:ext cx="1370662" cy="870370"/>
-        </a:xfrm>
-        <a:prstGeom prst="roundRect">
-          <a:avLst>
-            <a:gd name="adj" fmla="val 10000"/>
-          </a:avLst>
-        </a:prstGeom>
-        <a:solidFill>
-          <a:schemeClr val="lt1">
-            <a:alpha val="90000"/>
-            <a:hueOff val="0"/>
-            <a:satOff val="0"/>
-            <a:lumOff val="0"/>
-            <a:alphaOff val="0"/>
-          </a:schemeClr>
-        </a:solidFill>
-        <a:ln w="9525" cap="flat" cmpd="sng" algn="ctr">
-          <a:solidFill>
-            <a:schemeClr val="accent1">
-              <a:hueOff val="0"/>
-              <a:satOff val="0"/>
-              <a:lumOff val="0"/>
-              <a:alphaOff val="0"/>
-            </a:schemeClr>
-          </a:solidFill>
-          <a:prstDash val="solid"/>
-        </a:ln>
-        <a:effectLst/>
-      </dsp:spPr>
-      <dsp:style>
-        <a:lnRef idx="1">
-          <a:scrgbClr r="0" g="0" b="0"/>
-        </a:lnRef>
-        <a:fillRef idx="1">
-          <a:scrgbClr r="0" g="0" b="0"/>
-        </a:fillRef>
-        <a:effectRef idx="0">
-          <a:scrgbClr r="0" g="0" b="0"/>
-        </a:effectRef>
-        <a:fontRef idx="minor"/>
-      </dsp:style>
-      <dsp:txBody>
-        <a:bodyPr spcFirstLastPara="0" vert="horz" wrap="square" lIns="95250" tIns="95250" rIns="95250" bIns="95250" numCol="1" spcCol="1270" anchor="ctr" anchorCtr="0">
-          <a:noAutofit/>
-        </a:bodyPr>
-        <a:lstStyle/>
-        <a:p>
-          <a:pPr lvl="0" algn="ctr" defTabSz="1111250">
-            <a:lnSpc>
-              <a:spcPct val="90000"/>
-            </a:lnSpc>
-            <a:spcBef>
-              <a:spcPct val="0"/>
-            </a:spcBef>
-            <a:spcAft>
-              <a:spcPct val="35000"/>
-            </a:spcAft>
-          </a:pPr>
-          <a:r>
-            <a:rPr lang="en-US" sz="2500" kern="1200" dirty="0" smtClean="0"/>
-            <a:t>Number</a:t>
-          </a:r>
-          <a:endParaRPr lang="en-US" sz="2500" kern="1200" dirty="0"/>
-        </a:p>
-      </dsp:txBody>
-      <dsp:txXfrm>
-        <a:off x="180600" y="2560131"/>
-        <a:ext cx="1319678" cy="819386"/>
-      </dsp:txXfrm>
-    </dsp:sp>
-    <dsp:sp modelId="{6E1ADFB5-DBFE-CB44-86B5-9F7E97739704}">
-      <dsp:nvSpPr>
-        <dsp:cNvPr id="0" name=""/>
-        <dsp:cNvSpPr/>
-      </dsp:nvSpPr>
-      <dsp:spPr>
-        <a:xfrm>
-          <a:off x="1678066" y="2389958"/>
-          <a:ext cx="1370662" cy="870370"/>
-        </a:xfrm>
-        <a:prstGeom prst="roundRect">
-          <a:avLst>
-            <a:gd name="adj" fmla="val 10000"/>
-          </a:avLst>
-        </a:prstGeom>
-        <a:gradFill rotWithShape="0">
-          <a:gsLst>
-            <a:gs pos="0">
-              <a:schemeClr val="accent1">
-                <a:hueOff val="0"/>
-                <a:satOff val="0"/>
-                <a:lumOff val="0"/>
-                <a:alphaOff val="0"/>
-                <a:tint val="100000"/>
-                <a:shade val="100000"/>
-                <a:satMod val="130000"/>
-              </a:schemeClr>
-            </a:gs>
-            <a:gs pos="100000">
-              <a:schemeClr val="accent1">
-                <a:hueOff val="0"/>
-                <a:satOff val="0"/>
-                <a:lumOff val="0"/>
-                <a:alphaOff val="0"/>
-                <a:tint val="50000"/>
-                <a:shade val="100000"/>
-                <a:satMod val="350000"/>
-              </a:schemeClr>
-            </a:gs>
-          </a:gsLst>
-          <a:lin ang="16200000" scaled="0"/>
-        </a:gradFill>
-        <a:ln>
-          <a:noFill/>
-        </a:ln>
-        <a:effectLst>
-          <a:outerShdw blurRad="40000" dist="23000" dir="5400000" rotWithShape="0">
-            <a:srgbClr val="000000">
-              <a:alpha val="35000"/>
-            </a:srgbClr>
-          </a:outerShdw>
-        </a:effectLst>
-      </dsp:spPr>
-      <dsp:style>
-        <a:lnRef idx="0">
-          <a:scrgbClr r="0" g="0" b="0"/>
-        </a:lnRef>
-        <a:fillRef idx="3">
-          <a:scrgbClr r="0" g="0" b="0"/>
-        </a:fillRef>
-        <a:effectRef idx="2">
-          <a:scrgbClr r="0" g="0" b="0"/>
-        </a:effectRef>
-        <a:fontRef idx="minor">
-          <a:schemeClr val="lt1"/>
-        </a:fontRef>
-      </dsp:style>
-    </dsp:sp>
-    <dsp:sp modelId="{BC2ABE61-E56F-6345-AA5B-F2C7A52B2959}">
-      <dsp:nvSpPr>
-        <dsp:cNvPr id="0" name=""/>
-        <dsp:cNvSpPr/>
-      </dsp:nvSpPr>
-      <dsp:spPr>
-        <a:xfrm>
-          <a:off x="1830362" y="2534639"/>
-          <a:ext cx="1370662" cy="870370"/>
-        </a:xfrm>
-        <a:prstGeom prst="roundRect">
-          <a:avLst>
-            <a:gd name="adj" fmla="val 10000"/>
-          </a:avLst>
-        </a:prstGeom>
-        <a:solidFill>
-          <a:schemeClr val="lt1">
-            <a:alpha val="90000"/>
-            <a:hueOff val="0"/>
-            <a:satOff val="0"/>
-            <a:lumOff val="0"/>
-            <a:alphaOff val="0"/>
-          </a:schemeClr>
-        </a:solidFill>
-        <a:ln w="9525" cap="flat" cmpd="sng" algn="ctr">
-          <a:solidFill>
-            <a:schemeClr val="accent1">
-              <a:hueOff val="0"/>
-              <a:satOff val="0"/>
-              <a:lumOff val="0"/>
-              <a:alphaOff val="0"/>
-            </a:schemeClr>
-          </a:solidFill>
-          <a:prstDash val="solid"/>
-        </a:ln>
-        <a:effectLst/>
-      </dsp:spPr>
-      <dsp:style>
-        <a:lnRef idx="1">
-          <a:scrgbClr r="0" g="0" b="0"/>
-        </a:lnRef>
-        <a:fillRef idx="1">
-          <a:scrgbClr r="0" g="0" b="0"/>
-        </a:fillRef>
-        <a:effectRef idx="0">
-          <a:scrgbClr r="0" g="0" b="0"/>
-        </a:effectRef>
-        <a:fontRef idx="minor"/>
-      </dsp:style>
-      <dsp:txBody>
-        <a:bodyPr spcFirstLastPara="0" vert="horz" wrap="square" lIns="95250" tIns="95250" rIns="95250" bIns="95250" numCol="1" spcCol="1270" anchor="ctr" anchorCtr="0">
-          <a:noAutofit/>
-        </a:bodyPr>
-        <a:lstStyle/>
-        <a:p>
-          <a:pPr lvl="0" algn="ctr" defTabSz="1111250">
-            <a:lnSpc>
-              <a:spcPct val="90000"/>
-            </a:lnSpc>
-            <a:spcBef>
-              <a:spcPct val="0"/>
-            </a:spcBef>
-            <a:spcAft>
-              <a:spcPct val="35000"/>
-            </a:spcAft>
-          </a:pPr>
-          <a:r>
-            <a:rPr lang="en-US" sz="2500" kern="1200" dirty="0" smtClean="0"/>
-            <a:t>String</a:t>
-          </a:r>
-          <a:endParaRPr lang="en-US" sz="2500" kern="1200" dirty="0"/>
-        </a:p>
-      </dsp:txBody>
-      <dsp:txXfrm>
-        <a:off x="1855854" y="2560131"/>
-        <a:ext cx="1319678" cy="819386"/>
-      </dsp:txXfrm>
-    </dsp:sp>
-    <dsp:sp modelId="{CC5CE2E5-3730-D144-98BD-1F1345DFA00F}">
-      <dsp:nvSpPr>
-        <dsp:cNvPr id="0" name=""/>
-        <dsp:cNvSpPr/>
-      </dsp:nvSpPr>
-      <dsp:spPr>
-        <a:xfrm>
-          <a:off x="3353320" y="2389958"/>
-          <a:ext cx="1370662" cy="870370"/>
-        </a:xfrm>
-        <a:prstGeom prst="roundRect">
-          <a:avLst>
-            <a:gd name="adj" fmla="val 10000"/>
-          </a:avLst>
-        </a:prstGeom>
-        <a:gradFill rotWithShape="0">
-          <a:gsLst>
-            <a:gs pos="0">
-              <a:schemeClr val="accent1">
-                <a:hueOff val="0"/>
-                <a:satOff val="0"/>
-                <a:lumOff val="0"/>
-                <a:alphaOff val="0"/>
-                <a:tint val="100000"/>
-                <a:shade val="100000"/>
-                <a:satMod val="130000"/>
-              </a:schemeClr>
-            </a:gs>
-            <a:gs pos="100000">
-              <a:schemeClr val="accent1">
-                <a:hueOff val="0"/>
-                <a:satOff val="0"/>
-                <a:lumOff val="0"/>
-                <a:alphaOff val="0"/>
-                <a:tint val="50000"/>
-                <a:shade val="100000"/>
-                <a:satMod val="350000"/>
-              </a:schemeClr>
-            </a:gs>
-          </a:gsLst>
-          <a:lin ang="16200000" scaled="0"/>
-        </a:gradFill>
-        <a:ln>
-          <a:noFill/>
-        </a:ln>
-        <a:effectLst>
-          <a:outerShdw blurRad="40000" dist="23000" dir="5400000" rotWithShape="0">
-            <a:srgbClr val="000000">
-              <a:alpha val="35000"/>
-            </a:srgbClr>
-          </a:outerShdw>
-        </a:effectLst>
-      </dsp:spPr>
-      <dsp:style>
-        <a:lnRef idx="0">
-          <a:scrgbClr r="0" g="0" b="0"/>
-        </a:lnRef>
-        <a:fillRef idx="3">
-          <a:scrgbClr r="0" g="0" b="0"/>
-        </a:fillRef>
-        <a:effectRef idx="2">
-          <a:scrgbClr r="0" g="0" b="0"/>
-        </a:effectRef>
-        <a:fontRef idx="minor">
-          <a:schemeClr val="lt1"/>
-        </a:fontRef>
-      </dsp:style>
-    </dsp:sp>
-    <dsp:sp modelId="{AAD4844B-E0A8-BE4E-9F97-853BA9C0EAB1}">
-      <dsp:nvSpPr>
-        <dsp:cNvPr id="0" name=""/>
-        <dsp:cNvSpPr/>
-      </dsp:nvSpPr>
-      <dsp:spPr>
-        <a:xfrm>
-          <a:off x="3505616" y="2534639"/>
-          <a:ext cx="1370662" cy="870370"/>
-        </a:xfrm>
-        <a:prstGeom prst="roundRect">
-          <a:avLst>
-            <a:gd name="adj" fmla="val 10000"/>
-          </a:avLst>
-        </a:prstGeom>
-        <a:solidFill>
-          <a:schemeClr val="lt1">
-            <a:alpha val="90000"/>
-            <a:hueOff val="0"/>
-            <a:satOff val="0"/>
-            <a:lumOff val="0"/>
-            <a:alphaOff val="0"/>
-          </a:schemeClr>
-        </a:solidFill>
-        <a:ln w="9525" cap="flat" cmpd="sng" algn="ctr">
-          <a:solidFill>
-            <a:schemeClr val="accent1">
-              <a:hueOff val="0"/>
-              <a:satOff val="0"/>
-              <a:lumOff val="0"/>
-              <a:alphaOff val="0"/>
-            </a:schemeClr>
-          </a:solidFill>
-          <a:prstDash val="solid"/>
-        </a:ln>
-        <a:effectLst/>
-      </dsp:spPr>
-      <dsp:style>
-        <a:lnRef idx="1">
-          <a:scrgbClr r="0" g="0" b="0"/>
-        </a:lnRef>
-        <a:fillRef idx="1">
-          <a:scrgbClr r="0" g="0" b="0"/>
-        </a:fillRef>
-        <a:effectRef idx="0">
-          <a:scrgbClr r="0" g="0" b="0"/>
-        </a:effectRef>
-        <a:fontRef idx="minor"/>
-      </dsp:style>
-      <dsp:txBody>
-        <a:bodyPr spcFirstLastPara="0" vert="horz" wrap="square" lIns="95250" tIns="95250" rIns="95250" bIns="95250" numCol="1" spcCol="1270" anchor="ctr" anchorCtr="0">
-          <a:noAutofit/>
-        </a:bodyPr>
-        <a:lstStyle/>
-        <a:p>
-          <a:pPr lvl="0" algn="ctr" defTabSz="1111250">
-            <a:lnSpc>
-              <a:spcPct val="90000"/>
-            </a:lnSpc>
-            <a:spcBef>
-              <a:spcPct val="0"/>
-            </a:spcBef>
-            <a:spcAft>
-              <a:spcPct val="35000"/>
-            </a:spcAft>
-          </a:pPr>
-          <a:r>
-            <a:rPr lang="en-US" sz="2500" kern="1200" dirty="0" smtClean="0"/>
-            <a:t>Array</a:t>
-          </a:r>
-          <a:endParaRPr lang="en-US" sz="2500" kern="1200" dirty="0"/>
-        </a:p>
-      </dsp:txBody>
-      <dsp:txXfrm>
-        <a:off x="3531108" y="2560131"/>
-        <a:ext cx="1319678" cy="819386"/>
-      </dsp:txXfrm>
-    </dsp:sp>
-    <dsp:sp modelId="{88D95334-A307-D547-9761-9D4A138F7E94}">
-      <dsp:nvSpPr>
-        <dsp:cNvPr id="0" name=""/>
-        <dsp:cNvSpPr/>
-      </dsp:nvSpPr>
-      <dsp:spPr>
-        <a:xfrm>
-          <a:off x="5028574" y="2389958"/>
-          <a:ext cx="1370662" cy="870370"/>
-        </a:xfrm>
-        <a:prstGeom prst="roundRect">
-          <a:avLst>
-            <a:gd name="adj" fmla="val 10000"/>
-          </a:avLst>
-        </a:prstGeom>
-        <a:gradFill rotWithShape="0">
-          <a:gsLst>
-            <a:gs pos="0">
-              <a:schemeClr val="accent1">
-                <a:hueOff val="0"/>
-                <a:satOff val="0"/>
-                <a:lumOff val="0"/>
-                <a:alphaOff val="0"/>
-                <a:tint val="100000"/>
-                <a:shade val="100000"/>
-                <a:satMod val="130000"/>
-              </a:schemeClr>
-            </a:gs>
-            <a:gs pos="100000">
-              <a:schemeClr val="accent1">
-                <a:hueOff val="0"/>
-                <a:satOff val="0"/>
-                <a:lumOff val="0"/>
-                <a:alphaOff val="0"/>
-                <a:tint val="50000"/>
-                <a:shade val="100000"/>
-                <a:satMod val="350000"/>
-              </a:schemeClr>
-            </a:gs>
-          </a:gsLst>
-          <a:lin ang="16200000" scaled="0"/>
-        </a:gradFill>
-        <a:ln>
-          <a:noFill/>
-        </a:ln>
-        <a:effectLst>
-          <a:outerShdw blurRad="40000" dist="23000" dir="5400000" rotWithShape="0">
-            <a:srgbClr val="000000">
-              <a:alpha val="35000"/>
-            </a:srgbClr>
-          </a:outerShdw>
-        </a:effectLst>
-      </dsp:spPr>
-      <dsp:style>
-        <a:lnRef idx="0">
-          <a:scrgbClr r="0" g="0" b="0"/>
-        </a:lnRef>
-        <a:fillRef idx="3">
-          <a:scrgbClr r="0" g="0" b="0"/>
-        </a:fillRef>
-        <a:effectRef idx="2">
-          <a:scrgbClr r="0" g="0" b="0"/>
-        </a:effectRef>
-        <a:fontRef idx="minor">
-          <a:schemeClr val="lt1"/>
-        </a:fontRef>
-      </dsp:style>
-    </dsp:sp>
-    <dsp:sp modelId="{ED876AE6-7C55-A345-AD48-BB0567142D5B}">
-      <dsp:nvSpPr>
-        <dsp:cNvPr id="0" name=""/>
-        <dsp:cNvSpPr/>
-      </dsp:nvSpPr>
-      <dsp:spPr>
-        <a:xfrm>
-          <a:off x="5180870" y="2534639"/>
-          <a:ext cx="1370662" cy="870370"/>
-        </a:xfrm>
-        <a:prstGeom prst="roundRect">
-          <a:avLst>
-            <a:gd name="adj" fmla="val 10000"/>
-          </a:avLst>
-        </a:prstGeom>
-        <a:solidFill>
-          <a:schemeClr val="lt1">
-            <a:alpha val="90000"/>
-            <a:hueOff val="0"/>
-            <a:satOff val="0"/>
-            <a:lumOff val="0"/>
-            <a:alphaOff val="0"/>
-          </a:schemeClr>
-        </a:solidFill>
-        <a:ln w="9525" cap="flat" cmpd="sng" algn="ctr">
-          <a:solidFill>
-            <a:schemeClr val="accent1">
-              <a:hueOff val="0"/>
-              <a:satOff val="0"/>
-              <a:lumOff val="0"/>
-              <a:alphaOff val="0"/>
-            </a:schemeClr>
-          </a:solidFill>
-          <a:prstDash val="solid"/>
-        </a:ln>
-        <a:effectLst/>
-      </dsp:spPr>
-      <dsp:style>
-        <a:lnRef idx="1">
-          <a:scrgbClr r="0" g="0" b="0"/>
-        </a:lnRef>
-        <a:fillRef idx="1">
-          <a:scrgbClr r="0" g="0" b="0"/>
-        </a:fillRef>
-        <a:effectRef idx="0">
-          <a:scrgbClr r="0" g="0" b="0"/>
-        </a:effectRef>
-        <a:fontRef idx="minor"/>
-      </dsp:style>
-      <dsp:txBody>
-        <a:bodyPr spcFirstLastPara="0" vert="horz" wrap="square" lIns="95250" tIns="95250" rIns="95250" bIns="95250" numCol="1" spcCol="1270" anchor="ctr" anchorCtr="0">
-          <a:noAutofit/>
-        </a:bodyPr>
-        <a:lstStyle/>
-        <a:p>
-          <a:pPr lvl="0" algn="ctr" defTabSz="1111250">
-            <a:lnSpc>
-              <a:spcPct val="90000"/>
-            </a:lnSpc>
-            <a:spcBef>
-              <a:spcPct val="0"/>
-            </a:spcBef>
-            <a:spcAft>
-              <a:spcPct val="35000"/>
-            </a:spcAft>
-          </a:pPr>
-          <a:r>
-            <a:rPr lang="en-US" sz="2500" kern="1200" dirty="0" smtClean="0"/>
-            <a:t>Function</a:t>
-          </a:r>
-          <a:endParaRPr lang="en-US" sz="2500" kern="1200" dirty="0"/>
-        </a:p>
-      </dsp:txBody>
-      <dsp:txXfrm>
-        <a:off x="5206362" y="2560131"/>
-        <a:ext cx="1319678" cy="819386"/>
-      </dsp:txXfrm>
-    </dsp:sp>
-    <dsp:sp modelId="{BF75B8EA-B881-6D42-AB19-236284FDB29C}">
-      <dsp:nvSpPr>
-        <dsp:cNvPr id="0" name=""/>
-        <dsp:cNvSpPr/>
-      </dsp:nvSpPr>
-      <dsp:spPr>
-        <a:xfrm>
-          <a:off x="6703828" y="2389958"/>
-          <a:ext cx="1370662" cy="870370"/>
-        </a:xfrm>
-        <a:prstGeom prst="roundRect">
-          <a:avLst>
-            <a:gd name="adj" fmla="val 10000"/>
-          </a:avLst>
-        </a:prstGeom>
-        <a:gradFill rotWithShape="0">
-          <a:gsLst>
-            <a:gs pos="0">
-              <a:schemeClr val="accent1">
-                <a:hueOff val="0"/>
-                <a:satOff val="0"/>
-                <a:lumOff val="0"/>
-                <a:alphaOff val="0"/>
-                <a:tint val="100000"/>
-                <a:shade val="100000"/>
-                <a:satMod val="130000"/>
-              </a:schemeClr>
-            </a:gs>
-            <a:gs pos="100000">
-              <a:schemeClr val="accent1">
-                <a:hueOff val="0"/>
-                <a:satOff val="0"/>
-                <a:lumOff val="0"/>
-                <a:alphaOff val="0"/>
-                <a:tint val="50000"/>
-                <a:shade val="100000"/>
-                <a:satMod val="350000"/>
-              </a:schemeClr>
-            </a:gs>
-          </a:gsLst>
-          <a:lin ang="16200000" scaled="0"/>
-        </a:gradFill>
-        <a:ln>
-          <a:noFill/>
-        </a:ln>
-        <a:effectLst>
-          <a:outerShdw blurRad="40000" dist="23000" dir="5400000" rotWithShape="0">
-            <a:srgbClr val="000000">
-              <a:alpha val="35000"/>
-            </a:srgbClr>
-          </a:outerShdw>
-        </a:effectLst>
-      </dsp:spPr>
-      <dsp:style>
-        <a:lnRef idx="0">
-          <a:scrgbClr r="0" g="0" b="0"/>
-        </a:lnRef>
-        <a:fillRef idx="3">
-          <a:scrgbClr r="0" g="0" b="0"/>
-        </a:fillRef>
-        <a:effectRef idx="2">
-          <a:scrgbClr r="0" g="0" b="0"/>
-        </a:effectRef>
-        <a:fontRef idx="minor">
-          <a:schemeClr val="lt1"/>
-        </a:fontRef>
-      </dsp:style>
-    </dsp:sp>
-    <dsp:sp modelId="{2CE1055E-D530-B445-B679-EBF2C9DDCB8B}">
-      <dsp:nvSpPr>
-        <dsp:cNvPr id="0" name=""/>
-        <dsp:cNvSpPr/>
-      </dsp:nvSpPr>
-      <dsp:spPr>
-        <a:xfrm>
-          <a:off x="6856124" y="2534639"/>
-          <a:ext cx="1370662" cy="870370"/>
-        </a:xfrm>
-        <a:prstGeom prst="roundRect">
-          <a:avLst>
-            <a:gd name="adj" fmla="val 10000"/>
-          </a:avLst>
-        </a:prstGeom>
-        <a:solidFill>
-          <a:schemeClr val="lt1">
-            <a:alpha val="90000"/>
-            <a:hueOff val="0"/>
-            <a:satOff val="0"/>
-            <a:lumOff val="0"/>
-            <a:alphaOff val="0"/>
-          </a:schemeClr>
-        </a:solidFill>
-        <a:ln w="9525" cap="flat" cmpd="sng" algn="ctr">
-          <a:solidFill>
-            <a:schemeClr val="accent1">
-              <a:hueOff val="0"/>
-              <a:satOff val="0"/>
-              <a:lumOff val="0"/>
-              <a:alphaOff val="0"/>
-            </a:schemeClr>
-          </a:solidFill>
-          <a:prstDash val="solid"/>
-        </a:ln>
-        <a:effectLst/>
-      </dsp:spPr>
-      <dsp:style>
-        <a:lnRef idx="1">
-          <a:scrgbClr r="0" g="0" b="0"/>
-        </a:lnRef>
-        <a:fillRef idx="1">
-          <a:scrgbClr r="0" g="0" b="0"/>
-        </a:fillRef>
-        <a:effectRef idx="0">
-          <a:scrgbClr r="0" g="0" b="0"/>
-        </a:effectRef>
-        <a:fontRef idx="minor"/>
-      </dsp:style>
-      <dsp:txBody>
-        <a:bodyPr spcFirstLastPara="0" vert="horz" wrap="square" lIns="95250" tIns="95250" rIns="95250" bIns="95250" numCol="1" spcCol="1270" anchor="ctr" anchorCtr="0">
-          <a:noAutofit/>
-        </a:bodyPr>
-        <a:lstStyle/>
-        <a:p>
-          <a:pPr lvl="0" algn="ctr" defTabSz="1111250">
-            <a:lnSpc>
-              <a:spcPct val="90000"/>
-            </a:lnSpc>
-            <a:spcBef>
-              <a:spcPct val="0"/>
-            </a:spcBef>
-            <a:spcAft>
-              <a:spcPct val="35000"/>
-            </a:spcAft>
-          </a:pPr>
-          <a:r>
-            <a:rPr lang="en-US" sz="2500" kern="1200" smtClean="0"/>
-            <a:t>Date</a:t>
-          </a:r>
-          <a:endParaRPr lang="en-US" sz="2500" kern="1200" dirty="0"/>
-        </a:p>
-      </dsp:txBody>
-      <dsp:txXfrm>
-        <a:off x="6881616" y="2560131"/>
-        <a:ext cx="1319678" cy="819386"/>
-      </dsp:txXfrm>
-    </dsp:sp>
   </dsp:spTree>
 </dsp:drawing>
 </file>
@@ -14896,7 +12972,7 @@
           <a:p>
             <a:fld id="{6483C26A-63A4-F547-BB74-146C3D288EFD}" type="datetimeFigureOut">
               <a:rPr lang="en-US" smtClean="0"/>
-              <a:t>3/11/16</a:t>
+              <a:t>3/17/16</a:t>
             </a:fld>
             <a:endParaRPr lang="en-US"/>
           </a:p>
@@ -15066,7 +13142,7 @@
           <a:p>
             <a:fld id="{6483C26A-63A4-F547-BB74-146C3D288EFD}" type="datetimeFigureOut">
               <a:rPr lang="en-US" smtClean="0"/>
-              <a:t>3/11/16</a:t>
+              <a:t>3/17/16</a:t>
             </a:fld>
             <a:endParaRPr lang="en-US"/>
           </a:p>
@@ -15246,7 +13322,7 @@
           <a:p>
             <a:fld id="{6483C26A-63A4-F547-BB74-146C3D288EFD}" type="datetimeFigureOut">
               <a:rPr lang="en-US" smtClean="0"/>
-              <a:t>3/11/16</a:t>
+              <a:t>3/17/16</a:t>
             </a:fld>
             <a:endParaRPr lang="en-US"/>
           </a:p>
@@ -15416,7 +13492,7 @@
           <a:p>
             <a:fld id="{6483C26A-63A4-F547-BB74-146C3D288EFD}" type="datetimeFigureOut">
               <a:rPr lang="en-US" smtClean="0"/>
-              <a:t>3/11/16</a:t>
+              <a:t>3/17/16</a:t>
             </a:fld>
             <a:endParaRPr lang="en-US"/>
           </a:p>
@@ -15662,7 +13738,7 @@
           <a:p>
             <a:fld id="{6483C26A-63A4-F547-BB74-146C3D288EFD}" type="datetimeFigureOut">
               <a:rPr lang="en-US" smtClean="0"/>
-              <a:t>3/11/16</a:t>
+              <a:t>3/17/16</a:t>
             </a:fld>
             <a:endParaRPr lang="en-US"/>
           </a:p>
@@ -15950,7 +14026,7 @@
           <a:p>
             <a:fld id="{6483C26A-63A4-F547-BB74-146C3D288EFD}" type="datetimeFigureOut">
               <a:rPr lang="en-US" smtClean="0"/>
-              <a:t>3/11/16</a:t>
+              <a:t>3/17/16</a:t>
             </a:fld>
             <a:endParaRPr lang="en-US"/>
           </a:p>
@@ -16372,7 +14448,7 @@
           <a:p>
             <a:fld id="{6483C26A-63A4-F547-BB74-146C3D288EFD}" type="datetimeFigureOut">
               <a:rPr lang="en-US" smtClean="0"/>
-              <a:t>3/11/16</a:t>
+              <a:t>3/17/16</a:t>
             </a:fld>
             <a:endParaRPr lang="en-US"/>
           </a:p>
@@ -16490,7 +14566,7 @@
           <a:p>
             <a:fld id="{6483C26A-63A4-F547-BB74-146C3D288EFD}" type="datetimeFigureOut">
               <a:rPr lang="en-US" smtClean="0"/>
-              <a:t>3/11/16</a:t>
+              <a:t>3/17/16</a:t>
             </a:fld>
             <a:endParaRPr lang="en-US"/>
           </a:p>
@@ -16585,7 +14661,7 @@
           <a:p>
             <a:fld id="{6483C26A-63A4-F547-BB74-146C3D288EFD}" type="datetimeFigureOut">
               <a:rPr lang="en-US" smtClean="0"/>
-              <a:t>3/11/16</a:t>
+              <a:t>3/17/16</a:t>
             </a:fld>
             <a:endParaRPr lang="en-US"/>
           </a:p>
@@ -16862,7 +14938,7 @@
           <a:p>
             <a:fld id="{6483C26A-63A4-F547-BB74-146C3D288EFD}" type="datetimeFigureOut">
               <a:rPr lang="en-US" smtClean="0"/>
-              <a:t>3/11/16</a:t>
+              <a:t>3/17/16</a:t>
             </a:fld>
             <a:endParaRPr lang="en-US"/>
           </a:p>
@@ -17115,7 +15191,7 @@
           <a:p>
             <a:fld id="{6483C26A-63A4-F547-BB74-146C3D288EFD}" type="datetimeFigureOut">
               <a:rPr lang="en-US" smtClean="0"/>
-              <a:t>3/11/16</a:t>
+              <a:t>3/17/16</a:t>
             </a:fld>
             <a:endParaRPr lang="en-US"/>
           </a:p>
@@ -17328,7 +15404,7 @@
           <a:p>
             <a:fld id="{6483C26A-63A4-F547-BB74-146C3D288EFD}" type="datetimeFigureOut">
               <a:rPr lang="en-US" smtClean="0"/>
-              <a:t>3/11/16</a:t>
+              <a:t>3/17/16</a:t>
             </a:fld>
             <a:endParaRPr lang="en-US"/>
           </a:p>
@@ -19169,56 +17245,52 @@
           <a:chExt cx="0" cy="0"/>
         </a:xfrm>
       </p:grpSpPr>
-      <p:sp>
-        <p:nvSpPr>
-          <p:cNvPr id="2" name="Title 1"/>
-          <p:cNvSpPr>
-            <a:spLocks noGrp="1"/>
-          </p:cNvSpPr>
-          <p:nvPr>
-            <p:ph type="title"/>
-          </p:nvPr>
-        </p:nvSpPr>
-        <p:spPr>
-          <a:xfrm>
-            <a:off x="457200" y="274638"/>
-            <a:ext cx="8229600" cy="915657"/>
-          </a:xfrm>
-        </p:spPr>
-        <p:txBody>
-          <a:bodyPr/>
-          <a:lstStyle/>
-          <a:p>
-            <a:r>
-              <a:rPr lang="en-US" dirty="0" smtClean="0"/>
-              <a:t>Example-02</a:t>
-            </a:r>
-            <a:endParaRPr lang="en-US" dirty="0"/>
-          </a:p>
-        </p:txBody>
-      </p:sp>
       <p:pic>
         <p:nvPicPr>
-          <p:cNvPr id="4" name="Content Placeholder 3"/>
+          <p:cNvPr id="7" name="Picture 6"/>
           <p:cNvPicPr>
-            <a:picLocks noGrp="1" noChangeAspect="1"/>
+            <a:picLocks noChangeAspect="1"/>
           </p:cNvPicPr>
-          <p:nvPr>
-            <p:ph idx="1"/>
-          </p:nvPr>
+          <p:nvPr/>
         </p:nvPicPr>
         <p:blipFill>
           <a:blip r:embed="rId2"/>
-          <a:srcRect l="-42527" r="-42527"/>
           <a:stretch>
             <a:fillRect/>
           </a:stretch>
         </p:blipFill>
         <p:spPr>
           <a:xfrm>
-            <a:off x="457200" y="1294600"/>
-            <a:ext cx="8229600" cy="5215208"/>
-          </a:xfrm>
+            <a:off x="1437000" y="59266"/>
+            <a:ext cx="6270000" cy="4385860"/>
+          </a:xfrm>
+          <a:prstGeom prst="rect">
+            <a:avLst/>
+          </a:prstGeom>
+        </p:spPr>
+      </p:pic>
+      <p:pic>
+        <p:nvPicPr>
+          <p:cNvPr id="8" name="Picture 7"/>
+          <p:cNvPicPr>
+            <a:picLocks noChangeAspect="1"/>
+          </p:cNvPicPr>
+          <p:nvPr/>
+        </p:nvPicPr>
+        <p:blipFill>
+          <a:blip r:embed="rId3"/>
+          <a:stretch>
+            <a:fillRect/>
+          </a:stretch>
+        </p:blipFill>
+        <p:spPr>
+          <a:xfrm>
+            <a:off x="1797539" y="4445126"/>
+            <a:ext cx="5548922" cy="2316770"/>
+          </a:xfrm>
+          <a:prstGeom prst="rect">
+            <a:avLst/>
+          </a:prstGeom>
         </p:spPr>
       </p:pic>
     </p:spTree>
@@ -19251,37 +17323,9 @@
           <a:chExt cx="0" cy="0"/>
         </a:xfrm>
       </p:grpSpPr>
-      <p:sp>
-        <p:nvSpPr>
-          <p:cNvPr id="2" name="Title 1"/>
-          <p:cNvSpPr>
-            <a:spLocks noGrp="1"/>
-          </p:cNvSpPr>
-          <p:nvPr>
-            <p:ph type="title"/>
-          </p:nvPr>
-        </p:nvSpPr>
-        <p:spPr>
-          <a:xfrm>
-            <a:off x="457200" y="274638"/>
-            <a:ext cx="8229600" cy="909521"/>
-          </a:xfrm>
-        </p:spPr>
-        <p:txBody>
-          <a:bodyPr/>
-          <a:lstStyle/>
-          <a:p>
-            <a:r>
-              <a:rPr lang="en-US" dirty="0" smtClean="0"/>
-              <a:t>Example-03</a:t>
-            </a:r>
-            <a:endParaRPr lang="en-US" dirty="0"/>
-          </a:p>
-        </p:txBody>
-      </p:sp>
       <p:pic>
         <p:nvPicPr>
-          <p:cNvPr id="4" name="Content Placeholder 3"/>
+          <p:cNvPr id="6" name="Content Placeholder 5"/>
           <p:cNvPicPr>
             <a:picLocks noGrp="1" noChangeAspect="1"/>
           </p:cNvPicPr>
@@ -19291,16 +17335,40 @@
         </p:nvPicPr>
         <p:blipFill>
           <a:blip r:embed="rId2"/>
-          <a:srcRect l="-48645" r="-48645"/>
+          <a:srcRect l="-34013" r="-34013"/>
           <a:stretch>
             <a:fillRect/>
           </a:stretch>
         </p:blipFill>
         <p:spPr>
           <a:xfrm>
-            <a:off x="457200" y="1270057"/>
-            <a:ext cx="8229600" cy="5233615"/>
-          </a:xfrm>
+            <a:off x="145167" y="105232"/>
+            <a:ext cx="8853666" cy="4869175"/>
+          </a:xfrm>
+        </p:spPr>
+      </p:pic>
+      <p:pic>
+        <p:nvPicPr>
+          <p:cNvPr id="8" name="Picture 7"/>
+          <p:cNvPicPr>
+            <a:picLocks noChangeAspect="1"/>
+          </p:cNvPicPr>
+          <p:nvPr/>
+        </p:nvPicPr>
+        <p:blipFill>
+          <a:blip r:embed="rId3"/>
+          <a:stretch>
+            <a:fillRect/>
+          </a:stretch>
+        </p:blipFill>
+        <p:spPr>
+          <a:xfrm>
+            <a:off x="2127867" y="5064307"/>
+            <a:ext cx="4888267" cy="1717499"/>
+          </a:xfrm>
+          <a:prstGeom prst="rect">
+            <a:avLst/>
+          </a:prstGeom>
         </p:spPr>
       </p:pic>
     </p:spTree>
@@ -19480,6 +17548,281 @@
 </p:sld>
 </file>
 
+<file path=ppt/slides/slide107.xml><?xml version="1.0" encoding="utf-8"?>
+<p:sld xmlns:a="http://schemas.openxmlformats.org/drawingml/2006/main" xmlns:r="http://schemas.openxmlformats.org/officeDocument/2006/relationships" xmlns:p="http://schemas.openxmlformats.org/presentationml/2006/main">
+  <p:cSld>
+    <p:spTree>
+      <p:nvGrpSpPr>
+        <p:cNvPr id="1" name=""/>
+        <p:cNvGrpSpPr/>
+        <p:nvPr/>
+      </p:nvGrpSpPr>
+      <p:grpSpPr>
+        <a:xfrm>
+          <a:off x="0" y="0"/>
+          <a:ext cx="0" cy="0"/>
+          <a:chOff x="0" y="0"/>
+          <a:chExt cx="0" cy="0"/>
+        </a:xfrm>
+      </p:grpSpPr>
+      <p:sp>
+        <p:nvSpPr>
+          <p:cNvPr id="2" name="Title 1"/>
+          <p:cNvSpPr>
+            <a:spLocks noGrp="1"/>
+          </p:cNvSpPr>
+          <p:nvPr>
+            <p:ph type="ctrTitle"/>
+          </p:nvPr>
+        </p:nvSpPr>
+        <p:spPr/>
+        <p:txBody>
+          <a:bodyPr/>
+          <a:lstStyle/>
+          <a:p>
+            <a:r>
+              <a:rPr lang="en-US" dirty="0" smtClean="0"/>
+              <a:t>Chapter 5 – JavaScript</a:t>
+            </a:r>
+            <a:endParaRPr lang="en-US" dirty="0"/>
+          </a:p>
+        </p:txBody>
+      </p:sp>
+      <p:sp>
+        <p:nvSpPr>
+          <p:cNvPr id="3" name="Subtitle 2"/>
+          <p:cNvSpPr>
+            <a:spLocks noGrp="1"/>
+          </p:cNvSpPr>
+          <p:nvPr>
+            <p:ph type="subTitle" idx="1"/>
+          </p:nvPr>
+        </p:nvSpPr>
+        <p:spPr/>
+        <p:txBody>
+          <a:bodyPr/>
+          <a:lstStyle/>
+          <a:p>
+            <a:r>
+              <a:rPr lang="en-US" dirty="0" smtClean="0"/>
+              <a:t>#40 – Section 16</a:t>
+            </a:r>
+            <a:endParaRPr lang="en-US" dirty="0"/>
+          </a:p>
+          <a:p>
+            <a:r>
+              <a:rPr lang="en-US" dirty="0" smtClean="0"/>
+              <a:t>Control </a:t>
+            </a:r>
+            <a:r>
+              <a:rPr lang="en-US" dirty="0" smtClean="0"/>
+              <a:t>Flow – </a:t>
+            </a:r>
+            <a:r>
+              <a:rPr lang="en-US" smtClean="0"/>
+              <a:t>If Statement</a:t>
+            </a:r>
+            <a:endParaRPr lang="en-US" dirty="0" smtClean="0"/>
+          </a:p>
+        </p:txBody>
+      </p:sp>
+    </p:spTree>
+    <p:extLst>
+      <p:ext uri="{BB962C8B-B14F-4D97-AF65-F5344CB8AC3E}">
+        <p14:creationId xmlns:p14="http://schemas.microsoft.com/office/powerpoint/2010/main" val="2434395947"/>
+      </p:ext>
+    </p:extLst>
+  </p:cSld>
+  <p:clrMapOvr>
+    <a:masterClrMapping/>
+  </p:clrMapOvr>
+  <p:timing>
+    <p:tnLst>
+      <p:par>
+        <p:cTn xmlns:p14="http://schemas.microsoft.com/office/powerpoint/2010/main" id="1" dur="indefinite" restart="never" nodeType="tmRoot"/>
+      </p:par>
+    </p:tnLst>
+  </p:timing>
+</p:sld>
+</file>
+
+<file path=ppt/slides/slide108.xml><?xml version="1.0" encoding="utf-8"?>
+<p:sld xmlns:a="http://schemas.openxmlformats.org/drawingml/2006/main" xmlns:r="http://schemas.openxmlformats.org/officeDocument/2006/relationships" xmlns:p="http://schemas.openxmlformats.org/presentationml/2006/main">
+  <p:cSld>
+    <p:spTree>
+      <p:nvGrpSpPr>
+        <p:cNvPr id="1" name=""/>
+        <p:cNvGrpSpPr/>
+        <p:nvPr/>
+      </p:nvGrpSpPr>
+      <p:grpSpPr>
+        <a:xfrm>
+          <a:off x="0" y="0"/>
+          <a:ext cx="0" cy="0"/>
+          <a:chOff x="0" y="0"/>
+          <a:chExt cx="0" cy="0"/>
+        </a:xfrm>
+      </p:grpSpPr>
+      <p:sp>
+        <p:nvSpPr>
+          <p:cNvPr id="2" name="Title 1"/>
+          <p:cNvSpPr>
+            <a:spLocks noGrp="1"/>
+          </p:cNvSpPr>
+          <p:nvPr>
+            <p:ph type="title"/>
+          </p:nvPr>
+        </p:nvSpPr>
+        <p:spPr/>
+        <p:txBody>
+          <a:bodyPr/>
+          <a:lstStyle/>
+          <a:p>
+            <a:r>
+              <a:rPr lang="en-US" dirty="0" smtClean="0"/>
+              <a:t>Topics</a:t>
+            </a:r>
+            <a:endParaRPr lang="en-US" dirty="0"/>
+          </a:p>
+        </p:txBody>
+      </p:sp>
+      <p:sp>
+        <p:nvSpPr>
+          <p:cNvPr id="3" name="Content Placeholder 2"/>
+          <p:cNvSpPr>
+            <a:spLocks noGrp="1"/>
+          </p:cNvSpPr>
+          <p:nvPr>
+            <p:ph idx="1"/>
+          </p:nvPr>
+        </p:nvSpPr>
+        <p:spPr/>
+        <p:txBody>
+          <a:bodyPr>
+            <a:normAutofit/>
+          </a:bodyPr>
+          <a:lstStyle/>
+          <a:p>
+            <a:pPr marL="514350" indent="-514350">
+              <a:buFont typeface="+mj-lt"/>
+              <a:buAutoNum type="arabicPeriod"/>
+            </a:pPr>
+            <a:r>
+              <a:rPr lang="en-US" dirty="0" smtClean="0"/>
+              <a:t>What </a:t>
+            </a:r>
+            <a:r>
+              <a:rPr lang="en-US" dirty="0"/>
+              <a:t>is ‘Control Flow’?</a:t>
+            </a:r>
+          </a:p>
+          <a:p>
+            <a:pPr marL="514350" indent="-514350">
+              <a:buFont typeface="+mj-lt"/>
+              <a:buAutoNum type="arabicPeriod"/>
+            </a:pPr>
+            <a:r>
+              <a:rPr lang="en-US" dirty="0" smtClean="0"/>
+              <a:t>The </a:t>
+            </a:r>
+            <a:r>
+              <a:rPr lang="en-US" dirty="0"/>
+              <a:t>‘if’ Statement</a:t>
+            </a:r>
+          </a:p>
+          <a:p>
+            <a:pPr marL="0" indent="0">
+              <a:buNone/>
+            </a:pPr>
+            <a:endParaRPr lang="en-US" dirty="0" smtClean="0"/>
+          </a:p>
+        </p:txBody>
+      </p:sp>
+    </p:spTree>
+    <p:extLst>
+      <p:ext uri="{BB962C8B-B14F-4D97-AF65-F5344CB8AC3E}">
+        <p14:creationId xmlns:p14="http://schemas.microsoft.com/office/powerpoint/2010/main" val="3415625740"/>
+      </p:ext>
+    </p:extLst>
+  </p:cSld>
+  <p:clrMapOvr>
+    <a:masterClrMapping/>
+  </p:clrMapOvr>
+</p:sld>
+</file>
+
+<file path=ppt/slides/slide109.xml><?xml version="1.0" encoding="utf-8"?>
+<p:sld xmlns:a="http://schemas.openxmlformats.org/drawingml/2006/main" xmlns:r="http://schemas.openxmlformats.org/officeDocument/2006/relationships" xmlns:p="http://schemas.openxmlformats.org/presentationml/2006/main">
+  <p:cSld>
+    <p:spTree>
+      <p:nvGrpSpPr>
+        <p:cNvPr id="1" name=""/>
+        <p:cNvGrpSpPr/>
+        <p:nvPr/>
+      </p:nvGrpSpPr>
+      <p:grpSpPr>
+        <a:xfrm>
+          <a:off x="0" y="0"/>
+          <a:ext cx="0" cy="0"/>
+          <a:chOff x="0" y="0"/>
+          <a:chExt cx="0" cy="0"/>
+        </a:xfrm>
+      </p:grpSpPr>
+      <p:sp>
+        <p:nvSpPr>
+          <p:cNvPr id="2" name="Title 1"/>
+          <p:cNvSpPr>
+            <a:spLocks noGrp="1"/>
+          </p:cNvSpPr>
+          <p:nvPr>
+            <p:ph type="title"/>
+          </p:nvPr>
+        </p:nvSpPr>
+        <p:spPr/>
+        <p:txBody>
+          <a:bodyPr/>
+          <a:lstStyle/>
+          <a:p>
+            <a:r>
+              <a:rPr lang="en-US" dirty="0" smtClean="0"/>
+              <a:t>c05s39 – Example-03.js</a:t>
+            </a:r>
+            <a:endParaRPr lang="en-US" dirty="0"/>
+          </a:p>
+        </p:txBody>
+      </p:sp>
+      <p:pic>
+        <p:nvPicPr>
+          <p:cNvPr id="4" name="Content Placeholder 5"/>
+          <p:cNvPicPr>
+            <a:picLocks noGrp="1" noChangeAspect="1"/>
+          </p:cNvPicPr>
+          <p:nvPr>
+            <p:ph idx="1"/>
+          </p:nvPr>
+        </p:nvPicPr>
+        <p:blipFill>
+          <a:blip r:embed="rId2"/>
+          <a:srcRect l="-34013" r="-34013"/>
+          <a:stretch>
+            <a:fillRect/>
+          </a:stretch>
+        </p:blipFill>
+        <p:spPr/>
+      </p:pic>
+    </p:spTree>
+    <p:extLst>
+      <p:ext uri="{BB962C8B-B14F-4D97-AF65-F5344CB8AC3E}">
+        <p14:creationId xmlns:p14="http://schemas.microsoft.com/office/powerpoint/2010/main" val="1822631734"/>
+      </p:ext>
+    </p:extLst>
+  </p:cSld>
+  <p:clrMapOvr>
+    <a:masterClrMapping/>
+  </p:clrMapOvr>
+</p:sld>
+</file>
+
 <file path=ppt/slides/slide11.xml><?xml version="1.0" encoding="utf-8"?>
 <p:sld xmlns:a="http://schemas.openxmlformats.org/drawingml/2006/main" xmlns:r="http://schemas.openxmlformats.org/officeDocument/2006/relationships" xmlns:p="http://schemas.openxmlformats.org/presentationml/2006/main">
   <p:cSld>
@@ -19566,6 +17909,4214 @@
       </p:par>
     </p:tnLst>
   </p:timing>
+</p:sld>
+</file>
+
+<file path=ppt/slides/slide110.xml><?xml version="1.0" encoding="utf-8"?>
+<p:sld xmlns:a="http://schemas.openxmlformats.org/drawingml/2006/main" xmlns:r="http://schemas.openxmlformats.org/officeDocument/2006/relationships" xmlns:p="http://schemas.openxmlformats.org/presentationml/2006/main">
+  <p:cSld>
+    <p:spTree>
+      <p:nvGrpSpPr>
+        <p:cNvPr id="1" name=""/>
+        <p:cNvGrpSpPr/>
+        <p:nvPr/>
+      </p:nvGrpSpPr>
+      <p:grpSpPr>
+        <a:xfrm>
+          <a:off x="0" y="0"/>
+          <a:ext cx="0" cy="0"/>
+          <a:chOff x="0" y="0"/>
+          <a:chExt cx="0" cy="0"/>
+        </a:xfrm>
+      </p:grpSpPr>
+      <p:sp>
+        <p:nvSpPr>
+          <p:cNvPr id="2" name="Title 1"/>
+          <p:cNvSpPr>
+            <a:spLocks noGrp="1"/>
+          </p:cNvSpPr>
+          <p:nvPr>
+            <p:ph type="title"/>
+          </p:nvPr>
+        </p:nvSpPr>
+        <p:spPr/>
+        <p:txBody>
+          <a:bodyPr/>
+          <a:lstStyle/>
+          <a:p>
+            <a:r>
+              <a:rPr lang="en-US" dirty="0" smtClean="0"/>
+              <a:t>Our Programs So Far</a:t>
+            </a:r>
+            <a:endParaRPr lang="en-US" dirty="0"/>
+          </a:p>
+        </p:txBody>
+      </p:sp>
+      <p:sp>
+        <p:nvSpPr>
+          <p:cNvPr id="5" name="Rectangle 4"/>
+          <p:cNvSpPr/>
+          <p:nvPr/>
+        </p:nvSpPr>
+        <p:spPr>
+          <a:xfrm>
+            <a:off x="1735113" y="2443826"/>
+            <a:ext cx="1563077" cy="227949"/>
+          </a:xfrm>
+          <a:prstGeom prst="rect">
+            <a:avLst/>
+          </a:prstGeom>
+        </p:spPr>
+        <p:style>
+          <a:lnRef idx="1">
+            <a:schemeClr val="accent1"/>
+          </a:lnRef>
+          <a:fillRef idx="3">
+            <a:schemeClr val="accent1"/>
+          </a:fillRef>
+          <a:effectRef idx="2">
+            <a:schemeClr val="accent1"/>
+          </a:effectRef>
+          <a:fontRef idx="minor">
+            <a:schemeClr val="lt1"/>
+          </a:fontRef>
+        </p:style>
+        <p:txBody>
+          <a:bodyPr rtlCol="0" anchor="ctr"/>
+          <a:lstStyle/>
+          <a:p>
+            <a:pPr algn="ctr"/>
+            <a:r>
+              <a:rPr lang="en-US" sz="1600" dirty="0" smtClean="0"/>
+              <a:t>Statement 1</a:t>
+            </a:r>
+            <a:endParaRPr lang="en-US" sz="1600" dirty="0"/>
+          </a:p>
+        </p:txBody>
+      </p:sp>
+      <p:sp>
+        <p:nvSpPr>
+          <p:cNvPr id="6" name="Rectangle 5"/>
+          <p:cNvSpPr/>
+          <p:nvPr/>
+        </p:nvSpPr>
+        <p:spPr>
+          <a:xfrm>
+            <a:off x="1735113" y="2904500"/>
+            <a:ext cx="1563077" cy="227949"/>
+          </a:xfrm>
+          <a:prstGeom prst="rect">
+            <a:avLst/>
+          </a:prstGeom>
+        </p:spPr>
+        <p:style>
+          <a:lnRef idx="1">
+            <a:schemeClr val="accent1"/>
+          </a:lnRef>
+          <a:fillRef idx="3">
+            <a:schemeClr val="accent1"/>
+          </a:fillRef>
+          <a:effectRef idx="2">
+            <a:schemeClr val="accent1"/>
+          </a:effectRef>
+          <a:fontRef idx="minor">
+            <a:schemeClr val="lt1"/>
+          </a:fontRef>
+        </p:style>
+        <p:txBody>
+          <a:bodyPr rtlCol="0" anchor="ctr"/>
+          <a:lstStyle/>
+          <a:p>
+            <a:pPr algn="ctr"/>
+            <a:r>
+              <a:rPr lang="en-US" sz="1600" dirty="0" smtClean="0"/>
+              <a:t>Statement 2</a:t>
+            </a:r>
+            <a:endParaRPr lang="en-US" sz="1600" dirty="0"/>
+          </a:p>
+        </p:txBody>
+      </p:sp>
+      <p:sp>
+        <p:nvSpPr>
+          <p:cNvPr id="7" name="Rectangle 6"/>
+          <p:cNvSpPr/>
+          <p:nvPr/>
+        </p:nvSpPr>
+        <p:spPr>
+          <a:xfrm>
+            <a:off x="1735113" y="3365174"/>
+            <a:ext cx="1563077" cy="227949"/>
+          </a:xfrm>
+          <a:prstGeom prst="rect">
+            <a:avLst/>
+          </a:prstGeom>
+        </p:spPr>
+        <p:style>
+          <a:lnRef idx="1">
+            <a:schemeClr val="accent1"/>
+          </a:lnRef>
+          <a:fillRef idx="3">
+            <a:schemeClr val="accent1"/>
+          </a:fillRef>
+          <a:effectRef idx="2">
+            <a:schemeClr val="accent1"/>
+          </a:effectRef>
+          <a:fontRef idx="minor">
+            <a:schemeClr val="lt1"/>
+          </a:fontRef>
+        </p:style>
+        <p:txBody>
+          <a:bodyPr rtlCol="0" anchor="ctr"/>
+          <a:lstStyle/>
+          <a:p>
+            <a:pPr algn="ctr"/>
+            <a:r>
+              <a:rPr lang="en-US" sz="1600" dirty="0" smtClean="0"/>
+              <a:t>Statement 3</a:t>
+            </a:r>
+            <a:endParaRPr lang="en-US" sz="1600" dirty="0"/>
+          </a:p>
+        </p:txBody>
+      </p:sp>
+      <p:sp>
+        <p:nvSpPr>
+          <p:cNvPr id="8" name="Rectangle 7"/>
+          <p:cNvSpPr/>
+          <p:nvPr/>
+        </p:nvSpPr>
+        <p:spPr>
+          <a:xfrm>
+            <a:off x="1735113" y="3825848"/>
+            <a:ext cx="1563077" cy="227949"/>
+          </a:xfrm>
+          <a:prstGeom prst="rect">
+            <a:avLst/>
+          </a:prstGeom>
+        </p:spPr>
+        <p:style>
+          <a:lnRef idx="1">
+            <a:schemeClr val="accent1"/>
+          </a:lnRef>
+          <a:fillRef idx="3">
+            <a:schemeClr val="accent1"/>
+          </a:fillRef>
+          <a:effectRef idx="2">
+            <a:schemeClr val="accent1"/>
+          </a:effectRef>
+          <a:fontRef idx="minor">
+            <a:schemeClr val="lt1"/>
+          </a:fontRef>
+        </p:style>
+        <p:txBody>
+          <a:bodyPr rtlCol="0" anchor="ctr"/>
+          <a:lstStyle/>
+          <a:p>
+            <a:pPr algn="ctr"/>
+            <a:r>
+              <a:rPr lang="en-US" sz="1600" dirty="0" smtClean="0"/>
+              <a:t>Statement </a:t>
+            </a:r>
+            <a:r>
+              <a:rPr lang="is-IS" sz="1600" dirty="0" smtClean="0"/>
+              <a:t>…</a:t>
+            </a:r>
+            <a:endParaRPr lang="en-US" sz="1600" dirty="0"/>
+          </a:p>
+        </p:txBody>
+      </p:sp>
+      <p:sp>
+        <p:nvSpPr>
+          <p:cNvPr id="9" name="Rectangle 8"/>
+          <p:cNvSpPr/>
+          <p:nvPr/>
+        </p:nvSpPr>
+        <p:spPr>
+          <a:xfrm>
+            <a:off x="1735113" y="4286522"/>
+            <a:ext cx="1563077" cy="227949"/>
+          </a:xfrm>
+          <a:prstGeom prst="rect">
+            <a:avLst/>
+          </a:prstGeom>
+        </p:spPr>
+        <p:style>
+          <a:lnRef idx="1">
+            <a:schemeClr val="accent1"/>
+          </a:lnRef>
+          <a:fillRef idx="3">
+            <a:schemeClr val="accent1"/>
+          </a:fillRef>
+          <a:effectRef idx="2">
+            <a:schemeClr val="accent1"/>
+          </a:effectRef>
+          <a:fontRef idx="minor">
+            <a:schemeClr val="lt1"/>
+          </a:fontRef>
+        </p:style>
+        <p:txBody>
+          <a:bodyPr rtlCol="0" anchor="ctr"/>
+          <a:lstStyle/>
+          <a:p>
+            <a:pPr algn="ctr"/>
+            <a:r>
+              <a:rPr lang="en-US" sz="1600" dirty="0" smtClean="0"/>
+              <a:t>Statement N</a:t>
+            </a:r>
+            <a:endParaRPr lang="en-US" sz="1600" dirty="0"/>
+          </a:p>
+        </p:txBody>
+      </p:sp>
+      <p:sp>
+        <p:nvSpPr>
+          <p:cNvPr id="10" name="Rectangle 9"/>
+          <p:cNvSpPr/>
+          <p:nvPr/>
+        </p:nvSpPr>
+        <p:spPr>
+          <a:xfrm>
+            <a:off x="1735113" y="4747196"/>
+            <a:ext cx="1563077" cy="227949"/>
+          </a:xfrm>
+          <a:prstGeom prst="rect">
+            <a:avLst/>
+          </a:prstGeom>
+        </p:spPr>
+        <p:style>
+          <a:lnRef idx="1">
+            <a:schemeClr val="accent1"/>
+          </a:lnRef>
+          <a:fillRef idx="3">
+            <a:schemeClr val="accent1"/>
+          </a:fillRef>
+          <a:effectRef idx="2">
+            <a:schemeClr val="accent1"/>
+          </a:effectRef>
+          <a:fontRef idx="minor">
+            <a:schemeClr val="lt1"/>
+          </a:fontRef>
+        </p:style>
+        <p:txBody>
+          <a:bodyPr rtlCol="0" anchor="ctr"/>
+          <a:lstStyle/>
+          <a:p>
+            <a:pPr algn="ctr"/>
+            <a:r>
+              <a:rPr lang="en-US" sz="1600" dirty="0" smtClean="0"/>
+              <a:t>End</a:t>
+            </a:r>
+            <a:endParaRPr lang="en-US" sz="1600" dirty="0"/>
+          </a:p>
+        </p:txBody>
+      </p:sp>
+      <p:sp>
+        <p:nvSpPr>
+          <p:cNvPr id="11" name="Rectangle 10"/>
+          <p:cNvSpPr/>
+          <p:nvPr/>
+        </p:nvSpPr>
+        <p:spPr>
+          <a:xfrm>
+            <a:off x="1735113" y="1983152"/>
+            <a:ext cx="1563077" cy="227949"/>
+          </a:xfrm>
+          <a:prstGeom prst="rect">
+            <a:avLst/>
+          </a:prstGeom>
+        </p:spPr>
+        <p:style>
+          <a:lnRef idx="1">
+            <a:schemeClr val="accent1"/>
+          </a:lnRef>
+          <a:fillRef idx="3">
+            <a:schemeClr val="accent1"/>
+          </a:fillRef>
+          <a:effectRef idx="2">
+            <a:schemeClr val="accent1"/>
+          </a:effectRef>
+          <a:fontRef idx="minor">
+            <a:schemeClr val="lt1"/>
+          </a:fontRef>
+        </p:style>
+        <p:txBody>
+          <a:bodyPr rtlCol="0" anchor="ctr"/>
+          <a:lstStyle/>
+          <a:p>
+            <a:pPr algn="ctr"/>
+            <a:r>
+              <a:rPr lang="en-US" sz="1600" dirty="0" smtClean="0"/>
+              <a:t>Start</a:t>
+            </a:r>
+            <a:endParaRPr lang="en-US" sz="1600" dirty="0"/>
+          </a:p>
+        </p:txBody>
+      </p:sp>
+      <p:sp>
+        <p:nvSpPr>
+          <p:cNvPr id="4" name="Rectangle 3"/>
+          <p:cNvSpPr/>
+          <p:nvPr/>
+        </p:nvSpPr>
+        <p:spPr>
+          <a:xfrm>
+            <a:off x="5632268" y="4747196"/>
+            <a:ext cx="257685" cy="227949"/>
+          </a:xfrm>
+          <a:prstGeom prst="rect">
+            <a:avLst/>
+          </a:prstGeom>
+        </p:spPr>
+        <p:style>
+          <a:lnRef idx="1">
+            <a:schemeClr val="accent1"/>
+          </a:lnRef>
+          <a:fillRef idx="3">
+            <a:schemeClr val="accent1"/>
+          </a:fillRef>
+          <a:effectRef idx="2">
+            <a:schemeClr val="accent1"/>
+          </a:effectRef>
+          <a:fontRef idx="minor">
+            <a:schemeClr val="lt1"/>
+          </a:fontRef>
+        </p:style>
+        <p:txBody>
+          <a:bodyPr rtlCol="0" anchor="ctr"/>
+          <a:lstStyle/>
+          <a:p>
+            <a:pPr algn="ctr"/>
+            <a:endParaRPr lang="en-US"/>
+          </a:p>
+        </p:txBody>
+      </p:sp>
+      <p:sp>
+        <p:nvSpPr>
+          <p:cNvPr id="12" name="Isosceles Triangle 11"/>
+          <p:cNvSpPr/>
+          <p:nvPr/>
+        </p:nvSpPr>
+        <p:spPr>
+          <a:xfrm rot="10800000">
+            <a:off x="5632268" y="1983152"/>
+            <a:ext cx="257685" cy="227949"/>
+          </a:xfrm>
+          <a:prstGeom prst="triangle">
+            <a:avLst/>
+          </a:prstGeom>
+        </p:spPr>
+        <p:style>
+          <a:lnRef idx="1">
+            <a:schemeClr val="accent1"/>
+          </a:lnRef>
+          <a:fillRef idx="3">
+            <a:schemeClr val="accent1"/>
+          </a:fillRef>
+          <a:effectRef idx="2">
+            <a:schemeClr val="accent1"/>
+          </a:effectRef>
+          <a:fontRef idx="minor">
+            <a:schemeClr val="lt1"/>
+          </a:fontRef>
+        </p:style>
+        <p:txBody>
+          <a:bodyPr rtlCol="0" anchor="ctr"/>
+          <a:lstStyle/>
+          <a:p>
+            <a:pPr algn="ctr"/>
+            <a:endParaRPr lang="en-US"/>
+          </a:p>
+        </p:txBody>
+      </p:sp>
+      <p:cxnSp>
+        <p:nvCxnSpPr>
+          <p:cNvPr id="18" name="Straight Arrow Connector 17"/>
+          <p:cNvCxnSpPr>
+            <a:stCxn id="11" idx="2"/>
+            <a:endCxn id="5" idx="0"/>
+          </p:cNvCxnSpPr>
+          <p:nvPr/>
+        </p:nvCxnSpPr>
+        <p:spPr>
+          <a:xfrm>
+            <a:off x="2516652" y="2211101"/>
+            <a:ext cx="0" cy="232725"/>
+          </a:xfrm>
+          <a:prstGeom prst="straightConnector1">
+            <a:avLst/>
+          </a:prstGeom>
+          <a:ln>
+            <a:tailEnd type="arrow"/>
+          </a:ln>
+        </p:spPr>
+        <p:style>
+          <a:lnRef idx="2">
+            <a:schemeClr val="accent1"/>
+          </a:lnRef>
+          <a:fillRef idx="0">
+            <a:schemeClr val="accent1"/>
+          </a:fillRef>
+          <a:effectRef idx="1">
+            <a:schemeClr val="accent1"/>
+          </a:effectRef>
+          <a:fontRef idx="minor">
+            <a:schemeClr val="tx1"/>
+          </a:fontRef>
+        </p:style>
+      </p:cxnSp>
+      <p:cxnSp>
+        <p:nvCxnSpPr>
+          <p:cNvPr id="19" name="Straight Arrow Connector 18"/>
+          <p:cNvCxnSpPr>
+            <a:stCxn id="5" idx="2"/>
+            <a:endCxn id="6" idx="0"/>
+          </p:cNvCxnSpPr>
+          <p:nvPr/>
+        </p:nvCxnSpPr>
+        <p:spPr>
+          <a:xfrm>
+            <a:off x="2516652" y="2671775"/>
+            <a:ext cx="0" cy="232725"/>
+          </a:xfrm>
+          <a:prstGeom prst="straightConnector1">
+            <a:avLst/>
+          </a:prstGeom>
+          <a:ln>
+            <a:tailEnd type="arrow"/>
+          </a:ln>
+        </p:spPr>
+        <p:style>
+          <a:lnRef idx="2">
+            <a:schemeClr val="accent1"/>
+          </a:lnRef>
+          <a:fillRef idx="0">
+            <a:schemeClr val="accent1"/>
+          </a:fillRef>
+          <a:effectRef idx="1">
+            <a:schemeClr val="accent1"/>
+          </a:effectRef>
+          <a:fontRef idx="minor">
+            <a:schemeClr val="tx1"/>
+          </a:fontRef>
+        </p:style>
+      </p:cxnSp>
+      <p:cxnSp>
+        <p:nvCxnSpPr>
+          <p:cNvPr id="22" name="Straight Arrow Connector 21"/>
+          <p:cNvCxnSpPr>
+            <a:stCxn id="6" idx="2"/>
+            <a:endCxn id="7" idx="0"/>
+          </p:cNvCxnSpPr>
+          <p:nvPr/>
+        </p:nvCxnSpPr>
+        <p:spPr>
+          <a:xfrm>
+            <a:off x="2516652" y="3132449"/>
+            <a:ext cx="0" cy="232725"/>
+          </a:xfrm>
+          <a:prstGeom prst="straightConnector1">
+            <a:avLst/>
+          </a:prstGeom>
+          <a:ln>
+            <a:tailEnd type="arrow"/>
+          </a:ln>
+        </p:spPr>
+        <p:style>
+          <a:lnRef idx="2">
+            <a:schemeClr val="accent1"/>
+          </a:lnRef>
+          <a:fillRef idx="0">
+            <a:schemeClr val="accent1"/>
+          </a:fillRef>
+          <a:effectRef idx="1">
+            <a:schemeClr val="accent1"/>
+          </a:effectRef>
+          <a:fontRef idx="minor">
+            <a:schemeClr val="tx1"/>
+          </a:fontRef>
+        </p:style>
+      </p:cxnSp>
+      <p:cxnSp>
+        <p:nvCxnSpPr>
+          <p:cNvPr id="25" name="Straight Arrow Connector 24"/>
+          <p:cNvCxnSpPr>
+            <a:stCxn id="7" idx="2"/>
+            <a:endCxn id="8" idx="0"/>
+          </p:cNvCxnSpPr>
+          <p:nvPr/>
+        </p:nvCxnSpPr>
+        <p:spPr>
+          <a:xfrm>
+            <a:off x="2516652" y="3593123"/>
+            <a:ext cx="0" cy="232725"/>
+          </a:xfrm>
+          <a:prstGeom prst="straightConnector1">
+            <a:avLst/>
+          </a:prstGeom>
+          <a:ln>
+            <a:tailEnd type="arrow"/>
+          </a:ln>
+        </p:spPr>
+        <p:style>
+          <a:lnRef idx="2">
+            <a:schemeClr val="accent1"/>
+          </a:lnRef>
+          <a:fillRef idx="0">
+            <a:schemeClr val="accent1"/>
+          </a:fillRef>
+          <a:effectRef idx="1">
+            <a:schemeClr val="accent1"/>
+          </a:effectRef>
+          <a:fontRef idx="minor">
+            <a:schemeClr val="tx1"/>
+          </a:fontRef>
+        </p:style>
+      </p:cxnSp>
+      <p:cxnSp>
+        <p:nvCxnSpPr>
+          <p:cNvPr id="28" name="Straight Arrow Connector 27"/>
+          <p:cNvCxnSpPr>
+            <a:stCxn id="8" idx="2"/>
+            <a:endCxn id="9" idx="0"/>
+          </p:cNvCxnSpPr>
+          <p:nvPr/>
+        </p:nvCxnSpPr>
+        <p:spPr>
+          <a:xfrm>
+            <a:off x="2516652" y="4053797"/>
+            <a:ext cx="0" cy="232725"/>
+          </a:xfrm>
+          <a:prstGeom prst="straightConnector1">
+            <a:avLst/>
+          </a:prstGeom>
+          <a:ln>
+            <a:tailEnd type="arrow"/>
+          </a:ln>
+        </p:spPr>
+        <p:style>
+          <a:lnRef idx="2">
+            <a:schemeClr val="accent1"/>
+          </a:lnRef>
+          <a:fillRef idx="0">
+            <a:schemeClr val="accent1"/>
+          </a:fillRef>
+          <a:effectRef idx="1">
+            <a:schemeClr val="accent1"/>
+          </a:effectRef>
+          <a:fontRef idx="minor">
+            <a:schemeClr val="tx1"/>
+          </a:fontRef>
+        </p:style>
+      </p:cxnSp>
+      <p:cxnSp>
+        <p:nvCxnSpPr>
+          <p:cNvPr id="31" name="Straight Arrow Connector 30"/>
+          <p:cNvCxnSpPr>
+            <a:stCxn id="9" idx="2"/>
+            <a:endCxn id="10" idx="0"/>
+          </p:cNvCxnSpPr>
+          <p:nvPr/>
+        </p:nvCxnSpPr>
+        <p:spPr>
+          <a:xfrm>
+            <a:off x="2516652" y="4514471"/>
+            <a:ext cx="0" cy="232725"/>
+          </a:xfrm>
+          <a:prstGeom prst="straightConnector1">
+            <a:avLst/>
+          </a:prstGeom>
+          <a:ln>
+            <a:tailEnd type="arrow"/>
+          </a:ln>
+        </p:spPr>
+        <p:style>
+          <a:lnRef idx="2">
+            <a:schemeClr val="accent1"/>
+          </a:lnRef>
+          <a:fillRef idx="0">
+            <a:schemeClr val="accent1"/>
+          </a:fillRef>
+          <a:effectRef idx="1">
+            <a:schemeClr val="accent1"/>
+          </a:effectRef>
+          <a:fontRef idx="minor">
+            <a:schemeClr val="tx1"/>
+          </a:fontRef>
+        </p:style>
+      </p:cxnSp>
+      <p:cxnSp>
+        <p:nvCxnSpPr>
+          <p:cNvPr id="34" name="Straight Arrow Connector 33"/>
+          <p:cNvCxnSpPr>
+            <a:stCxn id="12" idx="0"/>
+            <a:endCxn id="4" idx="0"/>
+          </p:cNvCxnSpPr>
+          <p:nvPr/>
+        </p:nvCxnSpPr>
+        <p:spPr>
+          <a:xfrm>
+            <a:off x="5761110" y="2211101"/>
+            <a:ext cx="1" cy="2536095"/>
+          </a:xfrm>
+          <a:prstGeom prst="straightConnector1">
+            <a:avLst/>
+          </a:prstGeom>
+          <a:ln>
+            <a:tailEnd type="arrow"/>
+          </a:ln>
+        </p:spPr>
+        <p:style>
+          <a:lnRef idx="2">
+            <a:schemeClr val="accent1"/>
+          </a:lnRef>
+          <a:fillRef idx="0">
+            <a:schemeClr val="accent1"/>
+          </a:fillRef>
+          <a:effectRef idx="1">
+            <a:schemeClr val="accent1"/>
+          </a:effectRef>
+          <a:fontRef idx="minor">
+            <a:schemeClr val="tx1"/>
+          </a:fontRef>
+        </p:style>
+      </p:cxnSp>
+    </p:spTree>
+    <p:extLst>
+      <p:ext uri="{BB962C8B-B14F-4D97-AF65-F5344CB8AC3E}">
+        <p14:creationId xmlns:p14="http://schemas.microsoft.com/office/powerpoint/2010/main" val="3601774891"/>
+      </p:ext>
+    </p:extLst>
+  </p:cSld>
+  <p:clrMapOvr>
+    <a:masterClrMapping/>
+  </p:clrMapOvr>
+</p:sld>
+</file>
+
+<file path=ppt/slides/slide111.xml><?xml version="1.0" encoding="utf-8"?>
+<p:sld xmlns:a="http://schemas.openxmlformats.org/drawingml/2006/main" xmlns:r="http://schemas.openxmlformats.org/officeDocument/2006/relationships" xmlns:p="http://schemas.openxmlformats.org/presentationml/2006/main">
+  <p:cSld>
+    <p:spTree>
+      <p:nvGrpSpPr>
+        <p:cNvPr id="1" name=""/>
+        <p:cNvGrpSpPr/>
+        <p:nvPr/>
+      </p:nvGrpSpPr>
+      <p:grpSpPr>
+        <a:xfrm>
+          <a:off x="0" y="0"/>
+          <a:ext cx="0" cy="0"/>
+          <a:chOff x="0" y="0"/>
+          <a:chExt cx="0" cy="0"/>
+        </a:xfrm>
+      </p:grpSpPr>
+      <p:sp>
+        <p:nvSpPr>
+          <p:cNvPr id="2" name="Title 1"/>
+          <p:cNvSpPr>
+            <a:spLocks noGrp="1"/>
+          </p:cNvSpPr>
+          <p:nvPr>
+            <p:ph type="title"/>
+          </p:nvPr>
+        </p:nvSpPr>
+        <p:spPr/>
+        <p:txBody>
+          <a:bodyPr/>
+          <a:lstStyle/>
+          <a:p>
+            <a:r>
+              <a:rPr lang="en-US" dirty="0" smtClean="0"/>
+              <a:t>What “if”?</a:t>
+            </a:r>
+            <a:endParaRPr lang="en-US" dirty="0"/>
+          </a:p>
+        </p:txBody>
+      </p:sp>
+      <p:sp>
+        <p:nvSpPr>
+          <p:cNvPr id="4" name="Rectangle 3"/>
+          <p:cNvSpPr/>
+          <p:nvPr/>
+        </p:nvSpPr>
+        <p:spPr>
+          <a:xfrm>
+            <a:off x="2221001" y="5195089"/>
+            <a:ext cx="257685" cy="227949"/>
+          </a:xfrm>
+          <a:prstGeom prst="rect">
+            <a:avLst/>
+          </a:prstGeom>
+        </p:spPr>
+        <p:style>
+          <a:lnRef idx="1">
+            <a:schemeClr val="dk1"/>
+          </a:lnRef>
+          <a:fillRef idx="2">
+            <a:schemeClr val="dk1"/>
+          </a:fillRef>
+          <a:effectRef idx="1">
+            <a:schemeClr val="dk1"/>
+          </a:effectRef>
+          <a:fontRef idx="minor">
+            <a:schemeClr val="dk1"/>
+          </a:fontRef>
+        </p:style>
+        <p:txBody>
+          <a:bodyPr rtlCol="0" anchor="ctr"/>
+          <a:lstStyle/>
+          <a:p>
+            <a:pPr algn="ctr"/>
+            <a:endParaRPr lang="en-US"/>
+          </a:p>
+        </p:txBody>
+      </p:sp>
+      <p:sp>
+        <p:nvSpPr>
+          <p:cNvPr id="12" name="Isosceles Triangle 11"/>
+          <p:cNvSpPr/>
+          <p:nvPr/>
+        </p:nvSpPr>
+        <p:spPr>
+          <a:xfrm rot="10800000">
+            <a:off x="2221001" y="2431045"/>
+            <a:ext cx="257685" cy="227949"/>
+          </a:xfrm>
+          <a:prstGeom prst="triangle">
+            <a:avLst/>
+          </a:prstGeom>
+        </p:spPr>
+        <p:style>
+          <a:lnRef idx="1">
+            <a:schemeClr val="dk1"/>
+          </a:lnRef>
+          <a:fillRef idx="2">
+            <a:schemeClr val="dk1"/>
+          </a:fillRef>
+          <a:effectRef idx="1">
+            <a:schemeClr val="dk1"/>
+          </a:effectRef>
+          <a:fontRef idx="minor">
+            <a:schemeClr val="dk1"/>
+          </a:fontRef>
+        </p:style>
+        <p:txBody>
+          <a:bodyPr rtlCol="0" anchor="ctr"/>
+          <a:lstStyle/>
+          <a:p>
+            <a:pPr algn="ctr"/>
+            <a:endParaRPr lang="en-US"/>
+          </a:p>
+        </p:txBody>
+      </p:sp>
+      <p:cxnSp>
+        <p:nvCxnSpPr>
+          <p:cNvPr id="34" name="Straight Arrow Connector 33"/>
+          <p:cNvCxnSpPr>
+            <a:stCxn id="12" idx="0"/>
+            <a:endCxn id="4" idx="0"/>
+          </p:cNvCxnSpPr>
+          <p:nvPr/>
+        </p:nvCxnSpPr>
+        <p:spPr>
+          <a:xfrm>
+            <a:off x="2349843" y="2658994"/>
+            <a:ext cx="1" cy="2536095"/>
+          </a:xfrm>
+          <a:prstGeom prst="straightConnector1">
+            <a:avLst/>
+          </a:prstGeom>
+          <a:ln>
+            <a:tailEnd type="arrow"/>
+          </a:ln>
+        </p:spPr>
+        <p:style>
+          <a:lnRef idx="2">
+            <a:schemeClr val="accent1"/>
+          </a:lnRef>
+          <a:fillRef idx="0">
+            <a:schemeClr val="accent1"/>
+          </a:fillRef>
+          <a:effectRef idx="1">
+            <a:schemeClr val="accent1"/>
+          </a:effectRef>
+          <a:fontRef idx="minor">
+            <a:schemeClr val="tx1"/>
+          </a:fontRef>
+        </p:style>
+      </p:cxnSp>
+      <p:sp>
+        <p:nvSpPr>
+          <p:cNvPr id="20" name="Rectangle 19"/>
+          <p:cNvSpPr/>
+          <p:nvPr/>
+        </p:nvSpPr>
+        <p:spPr>
+          <a:xfrm>
+            <a:off x="6465692" y="5191259"/>
+            <a:ext cx="257685" cy="227949"/>
+          </a:xfrm>
+          <a:prstGeom prst="rect">
+            <a:avLst/>
+          </a:prstGeom>
+        </p:spPr>
+        <p:style>
+          <a:lnRef idx="1">
+            <a:schemeClr val="dk1"/>
+          </a:lnRef>
+          <a:fillRef idx="2">
+            <a:schemeClr val="dk1"/>
+          </a:fillRef>
+          <a:effectRef idx="1">
+            <a:schemeClr val="dk1"/>
+          </a:effectRef>
+          <a:fontRef idx="minor">
+            <a:schemeClr val="dk1"/>
+          </a:fontRef>
+        </p:style>
+        <p:txBody>
+          <a:bodyPr rtlCol="0" anchor="ctr"/>
+          <a:lstStyle/>
+          <a:p>
+            <a:pPr algn="ctr"/>
+            <a:endParaRPr lang="en-US"/>
+          </a:p>
+        </p:txBody>
+      </p:sp>
+      <p:sp>
+        <p:nvSpPr>
+          <p:cNvPr id="21" name="Isosceles Triangle 20"/>
+          <p:cNvSpPr/>
+          <p:nvPr/>
+        </p:nvSpPr>
+        <p:spPr>
+          <a:xfrm rot="10800000">
+            <a:off x="6465692" y="2427215"/>
+            <a:ext cx="257685" cy="227949"/>
+          </a:xfrm>
+          <a:prstGeom prst="triangle">
+            <a:avLst/>
+          </a:prstGeom>
+        </p:spPr>
+        <p:style>
+          <a:lnRef idx="1">
+            <a:schemeClr val="dk1"/>
+          </a:lnRef>
+          <a:fillRef idx="2">
+            <a:schemeClr val="dk1"/>
+          </a:fillRef>
+          <a:effectRef idx="1">
+            <a:schemeClr val="dk1"/>
+          </a:effectRef>
+          <a:fontRef idx="minor">
+            <a:schemeClr val="dk1"/>
+          </a:fontRef>
+        </p:style>
+        <p:txBody>
+          <a:bodyPr rtlCol="0" anchor="ctr"/>
+          <a:lstStyle/>
+          <a:p>
+            <a:pPr algn="ctr"/>
+            <a:endParaRPr lang="en-US"/>
+          </a:p>
+        </p:txBody>
+      </p:sp>
+      <p:cxnSp>
+        <p:nvCxnSpPr>
+          <p:cNvPr id="23" name="Straight Arrow Connector 22"/>
+          <p:cNvCxnSpPr>
+            <a:stCxn id="21" idx="0"/>
+            <a:endCxn id="13" idx="0"/>
+          </p:cNvCxnSpPr>
+          <p:nvPr/>
+        </p:nvCxnSpPr>
+        <p:spPr>
+          <a:xfrm>
+            <a:off x="6594534" y="2655164"/>
+            <a:ext cx="1" cy="608943"/>
+          </a:xfrm>
+          <a:prstGeom prst="straightConnector1">
+            <a:avLst/>
+          </a:prstGeom>
+          <a:ln>
+            <a:tailEnd type="arrow"/>
+          </a:ln>
+        </p:spPr>
+        <p:style>
+          <a:lnRef idx="2">
+            <a:schemeClr val="accent1"/>
+          </a:lnRef>
+          <a:fillRef idx="0">
+            <a:schemeClr val="accent1"/>
+          </a:fillRef>
+          <a:effectRef idx="1">
+            <a:schemeClr val="accent1"/>
+          </a:effectRef>
+          <a:fontRef idx="minor">
+            <a:schemeClr val="tx1"/>
+          </a:fontRef>
+        </p:style>
+      </p:cxnSp>
+      <p:sp>
+        <p:nvSpPr>
+          <p:cNvPr id="3" name="TextBox 2"/>
+          <p:cNvSpPr txBox="1"/>
+          <p:nvPr/>
+        </p:nvSpPr>
+        <p:spPr>
+          <a:xfrm>
+            <a:off x="1590662" y="1962384"/>
+            <a:ext cx="1518364" cy="369332"/>
+          </a:xfrm>
+          <a:prstGeom prst="rect">
+            <a:avLst/>
+          </a:prstGeom>
+          <a:noFill/>
+        </p:spPr>
+        <p:txBody>
+          <a:bodyPr wrap="none" rtlCol="0">
+            <a:spAutoFit/>
+          </a:bodyPr>
+          <a:lstStyle/>
+          <a:p>
+            <a:r>
+              <a:rPr lang="en-US" dirty="0" smtClean="0"/>
+              <a:t>Instead of this</a:t>
+            </a:r>
+            <a:endParaRPr lang="en-US" dirty="0"/>
+          </a:p>
+        </p:txBody>
+      </p:sp>
+      <p:sp>
+        <p:nvSpPr>
+          <p:cNvPr id="24" name="TextBox 23"/>
+          <p:cNvSpPr txBox="1"/>
+          <p:nvPr/>
+        </p:nvSpPr>
+        <p:spPr>
+          <a:xfrm>
+            <a:off x="5864256" y="1962384"/>
+            <a:ext cx="1460556" cy="369332"/>
+          </a:xfrm>
+          <a:prstGeom prst="rect">
+            <a:avLst/>
+          </a:prstGeom>
+          <a:noFill/>
+        </p:spPr>
+        <p:txBody>
+          <a:bodyPr wrap="none" rtlCol="0">
+            <a:spAutoFit/>
+          </a:bodyPr>
+          <a:lstStyle/>
+          <a:p>
+            <a:r>
+              <a:rPr lang="en-US" dirty="0" smtClean="0"/>
+              <a:t>You want this</a:t>
+            </a:r>
+            <a:endParaRPr lang="en-US" dirty="0"/>
+          </a:p>
+        </p:txBody>
+      </p:sp>
+      <p:sp>
+        <p:nvSpPr>
+          <p:cNvPr id="13" name="Diamond 12"/>
+          <p:cNvSpPr/>
+          <p:nvPr/>
+        </p:nvSpPr>
+        <p:spPr>
+          <a:xfrm>
+            <a:off x="6465692" y="3264107"/>
+            <a:ext cx="257686" cy="233151"/>
+          </a:xfrm>
+          <a:prstGeom prst="diamond">
+            <a:avLst/>
+          </a:prstGeom>
+        </p:spPr>
+        <p:style>
+          <a:lnRef idx="1">
+            <a:schemeClr val="accent1"/>
+          </a:lnRef>
+          <a:fillRef idx="3">
+            <a:schemeClr val="accent1"/>
+          </a:fillRef>
+          <a:effectRef idx="2">
+            <a:schemeClr val="accent1"/>
+          </a:effectRef>
+          <a:fontRef idx="minor">
+            <a:schemeClr val="lt1"/>
+          </a:fontRef>
+        </p:style>
+        <p:txBody>
+          <a:bodyPr rtlCol="0" anchor="ctr"/>
+          <a:lstStyle/>
+          <a:p>
+            <a:pPr algn="ctr"/>
+            <a:endParaRPr lang="en-US"/>
+          </a:p>
+        </p:txBody>
+      </p:sp>
+      <p:cxnSp>
+        <p:nvCxnSpPr>
+          <p:cNvPr id="32" name="Elbow Connector 31"/>
+          <p:cNvCxnSpPr>
+            <a:stCxn id="13" idx="1"/>
+            <a:endCxn id="20" idx="0"/>
+          </p:cNvCxnSpPr>
+          <p:nvPr/>
+        </p:nvCxnSpPr>
+        <p:spPr>
+          <a:xfrm rot="10800000" flipH="1" flipV="1">
+            <a:off x="6465691" y="3380683"/>
+            <a:ext cx="128843" cy="1810576"/>
+          </a:xfrm>
+          <a:prstGeom prst="bentConnector4">
+            <a:avLst>
+              <a:gd name="adj1" fmla="val -177425"/>
+              <a:gd name="adj2" fmla="val 53219"/>
+            </a:avLst>
+          </a:prstGeom>
+          <a:ln>
+            <a:tailEnd type="arrow"/>
+          </a:ln>
+        </p:spPr>
+        <p:style>
+          <a:lnRef idx="2">
+            <a:schemeClr val="accent1"/>
+          </a:lnRef>
+          <a:fillRef idx="0">
+            <a:schemeClr val="accent1"/>
+          </a:fillRef>
+          <a:effectRef idx="1">
+            <a:schemeClr val="accent1"/>
+          </a:effectRef>
+          <a:fontRef idx="minor">
+            <a:schemeClr val="tx1"/>
+          </a:fontRef>
+        </p:style>
+      </p:cxnSp>
+      <p:sp>
+        <p:nvSpPr>
+          <p:cNvPr id="33" name="TextBox 32"/>
+          <p:cNvSpPr txBox="1"/>
+          <p:nvPr/>
+        </p:nvSpPr>
+        <p:spPr>
+          <a:xfrm>
+            <a:off x="5864256" y="3029758"/>
+            <a:ext cx="578591" cy="369332"/>
+          </a:xfrm>
+          <a:prstGeom prst="rect">
+            <a:avLst/>
+          </a:prstGeom>
+          <a:noFill/>
+        </p:spPr>
+        <p:txBody>
+          <a:bodyPr wrap="none" rtlCol="0">
+            <a:spAutoFit/>
+          </a:bodyPr>
+          <a:lstStyle/>
+          <a:p>
+            <a:r>
+              <a:rPr lang="en-US" dirty="0" smtClean="0"/>
+              <a:t>true</a:t>
+            </a:r>
+            <a:endParaRPr lang="en-US" dirty="0"/>
+          </a:p>
+        </p:txBody>
+      </p:sp>
+      <p:cxnSp>
+        <p:nvCxnSpPr>
+          <p:cNvPr id="36" name="Elbow Connector 35"/>
+          <p:cNvCxnSpPr>
+            <a:stCxn id="13" idx="3"/>
+            <a:endCxn id="20" idx="0"/>
+          </p:cNvCxnSpPr>
+          <p:nvPr/>
+        </p:nvCxnSpPr>
+        <p:spPr>
+          <a:xfrm flipH="1">
+            <a:off x="6594535" y="3380683"/>
+            <a:ext cx="128843" cy="1810576"/>
+          </a:xfrm>
+          <a:prstGeom prst="bentConnector4">
+            <a:avLst>
+              <a:gd name="adj1" fmla="val -177425"/>
+              <a:gd name="adj2" fmla="val 53219"/>
+            </a:avLst>
+          </a:prstGeom>
+          <a:ln>
+            <a:tailEnd type="arrow"/>
+          </a:ln>
+        </p:spPr>
+        <p:style>
+          <a:lnRef idx="2">
+            <a:schemeClr val="accent1"/>
+          </a:lnRef>
+          <a:fillRef idx="0">
+            <a:schemeClr val="accent1"/>
+          </a:fillRef>
+          <a:effectRef idx="1">
+            <a:schemeClr val="accent1"/>
+          </a:effectRef>
+          <a:fontRef idx="minor">
+            <a:schemeClr val="tx1"/>
+          </a:fontRef>
+        </p:style>
+      </p:cxnSp>
+      <p:sp>
+        <p:nvSpPr>
+          <p:cNvPr id="38" name="TextBox 37"/>
+          <p:cNvSpPr txBox="1"/>
+          <p:nvPr/>
+        </p:nvSpPr>
+        <p:spPr>
+          <a:xfrm>
+            <a:off x="6701023" y="3029758"/>
+            <a:ext cx="623789" cy="369332"/>
+          </a:xfrm>
+          <a:prstGeom prst="rect">
+            <a:avLst/>
+          </a:prstGeom>
+          <a:noFill/>
+        </p:spPr>
+        <p:txBody>
+          <a:bodyPr wrap="none" rtlCol="0">
+            <a:spAutoFit/>
+          </a:bodyPr>
+          <a:lstStyle/>
+          <a:p>
+            <a:r>
+              <a:rPr lang="en-US" dirty="0" smtClean="0"/>
+              <a:t>false</a:t>
+            </a:r>
+            <a:endParaRPr lang="en-US" dirty="0"/>
+          </a:p>
+        </p:txBody>
+      </p:sp>
+      <p:sp>
+        <p:nvSpPr>
+          <p:cNvPr id="39" name="Right Arrow 38"/>
+          <p:cNvSpPr/>
+          <p:nvPr/>
+        </p:nvSpPr>
+        <p:spPr>
+          <a:xfrm>
+            <a:off x="3754846" y="3497258"/>
+            <a:ext cx="1276156" cy="478572"/>
+          </a:xfrm>
+          <a:prstGeom prst="rightArrow">
+            <a:avLst/>
+          </a:prstGeom>
+        </p:spPr>
+        <p:style>
+          <a:lnRef idx="1">
+            <a:schemeClr val="accent4"/>
+          </a:lnRef>
+          <a:fillRef idx="2">
+            <a:schemeClr val="accent4"/>
+          </a:fillRef>
+          <a:effectRef idx="1">
+            <a:schemeClr val="accent4"/>
+          </a:effectRef>
+          <a:fontRef idx="minor">
+            <a:schemeClr val="dk1"/>
+          </a:fontRef>
+        </p:style>
+        <p:txBody>
+          <a:bodyPr rtlCol="0" anchor="ctr"/>
+          <a:lstStyle/>
+          <a:p>
+            <a:pPr algn="ctr"/>
+            <a:endParaRPr lang="en-US"/>
+          </a:p>
+        </p:txBody>
+      </p:sp>
+    </p:spTree>
+    <p:extLst>
+      <p:ext uri="{BB962C8B-B14F-4D97-AF65-F5344CB8AC3E}">
+        <p14:creationId xmlns:p14="http://schemas.microsoft.com/office/powerpoint/2010/main" val="2573285156"/>
+      </p:ext>
+    </p:extLst>
+  </p:cSld>
+  <p:clrMapOvr>
+    <a:masterClrMapping/>
+  </p:clrMapOvr>
+</p:sld>
+</file>
+
+<file path=ppt/slides/slide112.xml><?xml version="1.0" encoding="utf-8"?>
+<p:sld xmlns:a="http://schemas.openxmlformats.org/drawingml/2006/main" xmlns:r="http://schemas.openxmlformats.org/officeDocument/2006/relationships" xmlns:p="http://schemas.openxmlformats.org/presentationml/2006/main">
+  <p:cSld>
+    <p:spTree>
+      <p:nvGrpSpPr>
+        <p:cNvPr id="1" name=""/>
+        <p:cNvGrpSpPr/>
+        <p:nvPr/>
+      </p:nvGrpSpPr>
+      <p:grpSpPr>
+        <a:xfrm>
+          <a:off x="0" y="0"/>
+          <a:ext cx="0" cy="0"/>
+          <a:chOff x="0" y="0"/>
+          <a:chExt cx="0" cy="0"/>
+        </a:xfrm>
+      </p:grpSpPr>
+      <p:sp>
+        <p:nvSpPr>
+          <p:cNvPr id="2" name="Title 1"/>
+          <p:cNvSpPr>
+            <a:spLocks noGrp="1"/>
+          </p:cNvSpPr>
+          <p:nvPr>
+            <p:ph type="title"/>
+          </p:nvPr>
+        </p:nvSpPr>
+        <p:spPr/>
+        <p:txBody>
+          <a:bodyPr/>
+          <a:lstStyle/>
+          <a:p>
+            <a:r>
+              <a:rPr lang="en-US" dirty="0" smtClean="0"/>
+              <a:t>Changing the Flow</a:t>
+            </a:r>
+            <a:endParaRPr lang="en-US" dirty="0"/>
+          </a:p>
+        </p:txBody>
+      </p:sp>
+      <p:sp>
+        <p:nvSpPr>
+          <p:cNvPr id="3" name="Content Placeholder 2"/>
+          <p:cNvSpPr>
+            <a:spLocks noGrp="1"/>
+          </p:cNvSpPr>
+          <p:nvPr>
+            <p:ph idx="1"/>
+          </p:nvPr>
+        </p:nvSpPr>
+        <p:spPr/>
+        <p:txBody>
+          <a:bodyPr/>
+          <a:lstStyle/>
+          <a:p>
+            <a:r>
+              <a:rPr lang="en-US" dirty="0" smtClean="0"/>
+              <a:t>What if we wanted a program that prints an appropriate greeting based on the time of day?</a:t>
+            </a:r>
+          </a:p>
+          <a:p>
+            <a:r>
+              <a:rPr lang="en-US" dirty="0" smtClean="0"/>
+              <a:t>A program like that might look this in pseudo code (not quite code):</a:t>
+            </a:r>
+          </a:p>
+          <a:p>
+            <a:pPr marL="0" indent="0">
+              <a:buNone/>
+            </a:pPr>
+            <a:r>
+              <a:rPr lang="en-US" dirty="0"/>
+              <a:t>	</a:t>
+            </a:r>
+          </a:p>
+        </p:txBody>
+      </p:sp>
+      <p:pic>
+        <p:nvPicPr>
+          <p:cNvPr id="5" name="Picture 4"/>
+          <p:cNvPicPr>
+            <a:picLocks noChangeAspect="1"/>
+          </p:cNvPicPr>
+          <p:nvPr/>
+        </p:nvPicPr>
+        <p:blipFill>
+          <a:blip r:embed="rId2"/>
+          <a:stretch>
+            <a:fillRect/>
+          </a:stretch>
+        </p:blipFill>
+        <p:spPr>
+          <a:xfrm>
+            <a:off x="2548758" y="4437263"/>
+            <a:ext cx="4046485" cy="1577875"/>
+          </a:xfrm>
+          <a:prstGeom prst="rect">
+            <a:avLst/>
+          </a:prstGeom>
+        </p:spPr>
+      </p:pic>
+    </p:spTree>
+    <p:extLst>
+      <p:ext uri="{BB962C8B-B14F-4D97-AF65-F5344CB8AC3E}">
+        <p14:creationId xmlns:p14="http://schemas.microsoft.com/office/powerpoint/2010/main" val="1515451421"/>
+      </p:ext>
+    </p:extLst>
+  </p:cSld>
+  <p:clrMapOvr>
+    <a:masterClrMapping/>
+  </p:clrMapOvr>
+</p:sld>
+</file>
+
+<file path=ppt/slides/slide113.xml><?xml version="1.0" encoding="utf-8"?>
+<p:sld xmlns:a="http://schemas.openxmlformats.org/drawingml/2006/main" xmlns:r="http://schemas.openxmlformats.org/officeDocument/2006/relationships" xmlns:p="http://schemas.openxmlformats.org/presentationml/2006/main">
+  <p:cSld>
+    <p:spTree>
+      <p:nvGrpSpPr>
+        <p:cNvPr id="1" name=""/>
+        <p:cNvGrpSpPr/>
+        <p:nvPr/>
+      </p:nvGrpSpPr>
+      <p:grpSpPr>
+        <a:xfrm>
+          <a:off x="0" y="0"/>
+          <a:ext cx="0" cy="0"/>
+          <a:chOff x="0" y="0"/>
+          <a:chExt cx="0" cy="0"/>
+        </a:xfrm>
+      </p:grpSpPr>
+      <p:sp>
+        <p:nvSpPr>
+          <p:cNvPr id="2" name="Title 1"/>
+          <p:cNvSpPr>
+            <a:spLocks noGrp="1"/>
+          </p:cNvSpPr>
+          <p:nvPr>
+            <p:ph type="title"/>
+          </p:nvPr>
+        </p:nvSpPr>
+        <p:spPr/>
+        <p:txBody>
+          <a:bodyPr/>
+          <a:lstStyle/>
+          <a:p>
+            <a:r>
+              <a:rPr lang="en-US" dirty="0" smtClean="0"/>
+              <a:t>Definition: Control Flow</a:t>
+            </a:r>
+            <a:endParaRPr lang="en-US" dirty="0"/>
+          </a:p>
+        </p:txBody>
+      </p:sp>
+      <p:sp>
+        <p:nvSpPr>
+          <p:cNvPr id="3" name="Content Placeholder 2"/>
+          <p:cNvSpPr>
+            <a:spLocks noGrp="1"/>
+          </p:cNvSpPr>
+          <p:nvPr>
+            <p:ph idx="1"/>
+          </p:nvPr>
+        </p:nvSpPr>
+        <p:spPr/>
+        <p:txBody>
+          <a:bodyPr>
+            <a:normAutofit/>
+          </a:bodyPr>
+          <a:lstStyle/>
+          <a:p>
+            <a:r>
+              <a:rPr lang="en-US" dirty="0" smtClean="0"/>
+              <a:t>What is ‘Control Flow’?</a:t>
+            </a:r>
+          </a:p>
+          <a:p>
+            <a:pPr lvl="1"/>
+            <a:r>
+              <a:rPr lang="en-US" dirty="0" err="1"/>
+              <a:t>Verrol’s</a:t>
+            </a:r>
+            <a:r>
+              <a:rPr lang="en-US" dirty="0"/>
+              <a:t> definition:</a:t>
+            </a:r>
+          </a:p>
+          <a:p>
+            <a:pPr lvl="2"/>
+            <a:r>
+              <a:rPr lang="en-US" dirty="0"/>
+              <a:t>A</a:t>
+            </a:r>
+            <a:r>
+              <a:rPr lang="en-US" dirty="0" smtClean="0"/>
+              <a:t> </a:t>
+            </a:r>
+            <a:r>
+              <a:rPr lang="en-US" b="1" i="1" dirty="0" smtClean="0">
+                <a:solidFill>
+                  <a:srgbClr val="3366FF"/>
+                </a:solidFill>
+              </a:rPr>
+              <a:t>mechanism/way</a:t>
+            </a:r>
+            <a:r>
+              <a:rPr lang="en-US" dirty="0" smtClean="0"/>
+              <a:t> to </a:t>
+            </a:r>
+            <a:r>
+              <a:rPr lang="en-US" b="1" i="1" dirty="0" smtClean="0">
+                <a:solidFill>
+                  <a:srgbClr val="008000"/>
+                </a:solidFill>
+              </a:rPr>
+              <a:t>alter/change </a:t>
+            </a:r>
+            <a:r>
+              <a:rPr lang="en-US" dirty="0" smtClean="0"/>
+              <a:t>the </a:t>
+            </a:r>
+            <a:r>
+              <a:rPr lang="en-US" b="1" i="1" dirty="0" smtClean="0">
+                <a:solidFill>
+                  <a:schemeClr val="accent2"/>
+                </a:solidFill>
+              </a:rPr>
+              <a:t>order</a:t>
+            </a:r>
+            <a:r>
+              <a:rPr lang="en-US" dirty="0" smtClean="0">
+                <a:solidFill>
+                  <a:schemeClr val="accent2"/>
+                </a:solidFill>
+              </a:rPr>
+              <a:t> </a:t>
+            </a:r>
+            <a:r>
+              <a:rPr lang="en-US" dirty="0" smtClean="0"/>
+              <a:t>in which </a:t>
+            </a:r>
+            <a:r>
+              <a:rPr lang="en-US" b="1" i="1" dirty="0" smtClean="0">
+                <a:solidFill>
+                  <a:srgbClr val="FF6600"/>
+                </a:solidFill>
+              </a:rPr>
+              <a:t>statements</a:t>
+            </a:r>
+            <a:r>
+              <a:rPr lang="en-US" dirty="0" smtClean="0">
+                <a:solidFill>
+                  <a:srgbClr val="FF6600"/>
+                </a:solidFill>
+              </a:rPr>
+              <a:t> </a:t>
+            </a:r>
+            <a:r>
+              <a:rPr lang="en-US" i="1" dirty="0" smtClean="0"/>
+              <a:t>are</a:t>
+            </a:r>
+            <a:r>
+              <a:rPr lang="en-US" b="1" i="1" dirty="0" smtClean="0"/>
+              <a:t> </a:t>
+            </a:r>
+            <a:r>
+              <a:rPr lang="en-US" b="1" i="1" dirty="0" smtClean="0">
+                <a:solidFill>
+                  <a:schemeClr val="bg2">
+                    <a:lumMod val="50000"/>
+                  </a:schemeClr>
+                </a:solidFill>
+              </a:rPr>
+              <a:t>executed </a:t>
+            </a:r>
+            <a:endParaRPr lang="en-US" dirty="0" smtClean="0"/>
+          </a:p>
+          <a:p>
+            <a:pPr lvl="1"/>
+            <a:r>
+              <a:rPr lang="en-US" dirty="0" smtClean="0"/>
+              <a:t>Control Flow allows </a:t>
+            </a:r>
+            <a:r>
+              <a:rPr lang="en-US" dirty="0" smtClean="0"/>
+              <a:t>some of </a:t>
+            </a:r>
+            <a:r>
+              <a:rPr lang="en-US" dirty="0" smtClean="0"/>
+              <a:t>the following to occur for one statement or </a:t>
+            </a:r>
+            <a:r>
+              <a:rPr lang="en-US" dirty="0" smtClean="0"/>
+              <a:t>a statement block:</a:t>
+            </a:r>
+            <a:endParaRPr lang="en-US" dirty="0" smtClean="0"/>
+          </a:p>
+          <a:p>
+            <a:pPr lvl="2"/>
+            <a:r>
+              <a:rPr lang="en-US" i="1" dirty="0" smtClean="0">
+                <a:solidFill>
+                  <a:srgbClr val="C0504D"/>
+                </a:solidFill>
+              </a:rPr>
+              <a:t>Skipped</a:t>
+            </a:r>
+            <a:endParaRPr lang="en-US" dirty="0" smtClean="0"/>
+          </a:p>
+          <a:p>
+            <a:pPr lvl="2"/>
+            <a:r>
+              <a:rPr lang="en-US" dirty="0" smtClean="0"/>
+              <a:t>Execute </a:t>
+            </a:r>
+            <a:r>
+              <a:rPr lang="en-US" i="1" dirty="0" smtClean="0">
+                <a:solidFill>
+                  <a:schemeClr val="accent2"/>
+                </a:solidFill>
+              </a:rPr>
+              <a:t>only </a:t>
+            </a:r>
+            <a:r>
+              <a:rPr lang="en-US" i="1" dirty="0" smtClean="0">
+                <a:solidFill>
+                  <a:schemeClr val="accent2"/>
+                </a:solidFill>
+              </a:rPr>
+              <a:t>once</a:t>
+            </a:r>
+          </a:p>
+          <a:p>
+            <a:pPr lvl="2"/>
+            <a:r>
+              <a:rPr lang="en-US" dirty="0" smtClean="0"/>
+              <a:t>Execute </a:t>
+            </a:r>
+            <a:r>
+              <a:rPr lang="en-US" i="1" dirty="0" smtClean="0">
+                <a:solidFill>
+                  <a:srgbClr val="C0504D"/>
+                </a:solidFill>
+              </a:rPr>
+              <a:t>multiple times</a:t>
+            </a:r>
+            <a:endParaRPr lang="en-US" i="1" dirty="0">
+              <a:solidFill>
+                <a:srgbClr val="C0504D"/>
+              </a:solidFill>
+            </a:endParaRPr>
+          </a:p>
+        </p:txBody>
+      </p:sp>
+    </p:spTree>
+    <p:extLst>
+      <p:ext uri="{BB962C8B-B14F-4D97-AF65-F5344CB8AC3E}">
+        <p14:creationId xmlns:p14="http://schemas.microsoft.com/office/powerpoint/2010/main" val="3461486998"/>
+      </p:ext>
+    </p:extLst>
+  </p:cSld>
+  <p:clrMapOvr>
+    <a:masterClrMapping/>
+  </p:clrMapOvr>
+</p:sld>
+</file>
+
+<file path=ppt/slides/slide114.xml><?xml version="1.0" encoding="utf-8"?>
+<p:sld xmlns:a="http://schemas.openxmlformats.org/drawingml/2006/main" xmlns:r="http://schemas.openxmlformats.org/officeDocument/2006/relationships" xmlns:p="http://schemas.openxmlformats.org/presentationml/2006/main">
+  <p:cSld>
+    <p:spTree>
+      <p:nvGrpSpPr>
+        <p:cNvPr id="1" name=""/>
+        <p:cNvGrpSpPr/>
+        <p:nvPr/>
+      </p:nvGrpSpPr>
+      <p:grpSpPr>
+        <a:xfrm>
+          <a:off x="0" y="0"/>
+          <a:ext cx="0" cy="0"/>
+          <a:chOff x="0" y="0"/>
+          <a:chExt cx="0" cy="0"/>
+        </a:xfrm>
+      </p:grpSpPr>
+      <p:cxnSp>
+        <p:nvCxnSpPr>
+          <p:cNvPr id="42" name="Straight Arrow Connector 41"/>
+          <p:cNvCxnSpPr>
+            <a:stCxn id="11" idx="2"/>
+            <a:endCxn id="5" idx="0"/>
+          </p:cNvCxnSpPr>
+          <p:nvPr/>
+        </p:nvCxnSpPr>
+        <p:spPr>
+          <a:xfrm>
+            <a:off x="4581770" y="2135215"/>
+            <a:ext cx="1" cy="254341"/>
+          </a:xfrm>
+          <a:prstGeom prst="straightConnector1">
+            <a:avLst/>
+          </a:prstGeom>
+          <a:ln>
+            <a:tailEnd type="arrow"/>
+          </a:ln>
+        </p:spPr>
+        <p:style>
+          <a:lnRef idx="2">
+            <a:schemeClr val="accent1"/>
+          </a:lnRef>
+          <a:fillRef idx="0">
+            <a:schemeClr val="accent1"/>
+          </a:fillRef>
+          <a:effectRef idx="1">
+            <a:schemeClr val="accent1"/>
+          </a:effectRef>
+          <a:fontRef idx="minor">
+            <a:schemeClr val="tx1"/>
+          </a:fontRef>
+        </p:style>
+      </p:cxnSp>
+      <p:sp>
+        <p:nvSpPr>
+          <p:cNvPr id="2" name="Title 1"/>
+          <p:cNvSpPr>
+            <a:spLocks noGrp="1"/>
+          </p:cNvSpPr>
+          <p:nvPr>
+            <p:ph type="title"/>
+          </p:nvPr>
+        </p:nvSpPr>
+        <p:spPr/>
+        <p:txBody>
+          <a:bodyPr/>
+          <a:lstStyle/>
+          <a:p>
+            <a:r>
+              <a:rPr lang="en-US" dirty="0" smtClean="0"/>
+              <a:t>Skip</a:t>
+            </a:r>
+            <a:endParaRPr lang="en-US" dirty="0"/>
+          </a:p>
+        </p:txBody>
+      </p:sp>
+      <p:sp>
+        <p:nvSpPr>
+          <p:cNvPr id="5" name="Rectangle 4"/>
+          <p:cNvSpPr/>
+          <p:nvPr/>
+        </p:nvSpPr>
+        <p:spPr>
+          <a:xfrm>
+            <a:off x="3800232" y="2389556"/>
+            <a:ext cx="1563077" cy="227949"/>
+          </a:xfrm>
+          <a:prstGeom prst="rect">
+            <a:avLst/>
+          </a:prstGeom>
+        </p:spPr>
+        <p:style>
+          <a:lnRef idx="1">
+            <a:schemeClr val="dk1"/>
+          </a:lnRef>
+          <a:fillRef idx="2">
+            <a:schemeClr val="dk1"/>
+          </a:fillRef>
+          <a:effectRef idx="1">
+            <a:schemeClr val="dk1"/>
+          </a:effectRef>
+          <a:fontRef idx="minor">
+            <a:schemeClr val="dk1"/>
+          </a:fontRef>
+        </p:style>
+        <p:txBody>
+          <a:bodyPr rtlCol="0" anchor="ctr"/>
+          <a:lstStyle/>
+          <a:p>
+            <a:pPr algn="ctr"/>
+            <a:r>
+              <a:rPr lang="en-US" sz="1600" dirty="0" smtClean="0"/>
+              <a:t>Statement 1</a:t>
+            </a:r>
+            <a:endParaRPr lang="en-US" sz="1600" dirty="0"/>
+          </a:p>
+        </p:txBody>
+      </p:sp>
+      <p:sp>
+        <p:nvSpPr>
+          <p:cNvPr id="6" name="Rectangle 5"/>
+          <p:cNvSpPr/>
+          <p:nvPr/>
+        </p:nvSpPr>
+        <p:spPr>
+          <a:xfrm>
+            <a:off x="2774463" y="3305911"/>
+            <a:ext cx="1563077" cy="227949"/>
+          </a:xfrm>
+          <a:prstGeom prst="rect">
+            <a:avLst/>
+          </a:prstGeom>
+        </p:spPr>
+        <p:style>
+          <a:lnRef idx="1">
+            <a:schemeClr val="accent2"/>
+          </a:lnRef>
+          <a:fillRef idx="2">
+            <a:schemeClr val="accent2"/>
+          </a:fillRef>
+          <a:effectRef idx="1">
+            <a:schemeClr val="accent2"/>
+          </a:effectRef>
+          <a:fontRef idx="minor">
+            <a:schemeClr val="dk1"/>
+          </a:fontRef>
+        </p:style>
+        <p:txBody>
+          <a:bodyPr rtlCol="0" anchor="ctr"/>
+          <a:lstStyle/>
+          <a:p>
+            <a:pPr algn="ctr"/>
+            <a:r>
+              <a:rPr lang="en-US" sz="1600" dirty="0" smtClean="0"/>
+              <a:t>Statement 2</a:t>
+            </a:r>
+            <a:endParaRPr lang="en-US" sz="1600" dirty="0"/>
+          </a:p>
+        </p:txBody>
+      </p:sp>
+      <p:sp>
+        <p:nvSpPr>
+          <p:cNvPr id="7" name="Rectangle 6"/>
+          <p:cNvSpPr/>
+          <p:nvPr/>
+        </p:nvSpPr>
+        <p:spPr>
+          <a:xfrm>
+            <a:off x="3800232" y="3866015"/>
+            <a:ext cx="1563077" cy="227949"/>
+          </a:xfrm>
+          <a:prstGeom prst="rect">
+            <a:avLst/>
+          </a:prstGeom>
+        </p:spPr>
+        <p:style>
+          <a:lnRef idx="1">
+            <a:schemeClr val="dk1"/>
+          </a:lnRef>
+          <a:fillRef idx="2">
+            <a:schemeClr val="dk1"/>
+          </a:fillRef>
+          <a:effectRef idx="1">
+            <a:schemeClr val="dk1"/>
+          </a:effectRef>
+          <a:fontRef idx="minor">
+            <a:schemeClr val="dk1"/>
+          </a:fontRef>
+        </p:style>
+        <p:txBody>
+          <a:bodyPr rtlCol="0" anchor="ctr"/>
+          <a:lstStyle/>
+          <a:p>
+            <a:pPr algn="ctr"/>
+            <a:r>
+              <a:rPr lang="en-US" sz="1600" dirty="0" smtClean="0"/>
+              <a:t>Statement 3</a:t>
+            </a:r>
+            <a:endParaRPr lang="en-US" sz="1600" dirty="0"/>
+          </a:p>
+        </p:txBody>
+      </p:sp>
+      <p:sp>
+        <p:nvSpPr>
+          <p:cNvPr id="8" name="Rectangle 7"/>
+          <p:cNvSpPr/>
+          <p:nvPr/>
+        </p:nvSpPr>
+        <p:spPr>
+          <a:xfrm>
+            <a:off x="3800232" y="4327120"/>
+            <a:ext cx="1563077" cy="227949"/>
+          </a:xfrm>
+          <a:prstGeom prst="rect">
+            <a:avLst/>
+          </a:prstGeom>
+        </p:spPr>
+        <p:style>
+          <a:lnRef idx="1">
+            <a:schemeClr val="dk1"/>
+          </a:lnRef>
+          <a:fillRef idx="2">
+            <a:schemeClr val="dk1"/>
+          </a:fillRef>
+          <a:effectRef idx="1">
+            <a:schemeClr val="dk1"/>
+          </a:effectRef>
+          <a:fontRef idx="minor">
+            <a:schemeClr val="dk1"/>
+          </a:fontRef>
+        </p:style>
+        <p:txBody>
+          <a:bodyPr rtlCol="0" anchor="ctr"/>
+          <a:lstStyle/>
+          <a:p>
+            <a:pPr algn="ctr"/>
+            <a:r>
+              <a:rPr lang="en-US" sz="1600" dirty="0" smtClean="0"/>
+              <a:t>Statement </a:t>
+            </a:r>
+            <a:r>
+              <a:rPr lang="is-IS" sz="1600" dirty="0" smtClean="0"/>
+              <a:t>…</a:t>
+            </a:r>
+            <a:endParaRPr lang="en-US" sz="1600" dirty="0"/>
+          </a:p>
+        </p:txBody>
+      </p:sp>
+      <p:sp>
+        <p:nvSpPr>
+          <p:cNvPr id="9" name="Rectangle 8"/>
+          <p:cNvSpPr/>
+          <p:nvPr/>
+        </p:nvSpPr>
+        <p:spPr>
+          <a:xfrm>
+            <a:off x="3800232" y="4798648"/>
+            <a:ext cx="1563077" cy="227949"/>
+          </a:xfrm>
+          <a:prstGeom prst="rect">
+            <a:avLst/>
+          </a:prstGeom>
+        </p:spPr>
+        <p:style>
+          <a:lnRef idx="1">
+            <a:schemeClr val="dk1"/>
+          </a:lnRef>
+          <a:fillRef idx="2">
+            <a:schemeClr val="dk1"/>
+          </a:fillRef>
+          <a:effectRef idx="1">
+            <a:schemeClr val="dk1"/>
+          </a:effectRef>
+          <a:fontRef idx="minor">
+            <a:schemeClr val="dk1"/>
+          </a:fontRef>
+        </p:style>
+        <p:txBody>
+          <a:bodyPr rtlCol="0" anchor="ctr"/>
+          <a:lstStyle/>
+          <a:p>
+            <a:pPr algn="ctr"/>
+            <a:r>
+              <a:rPr lang="en-US" sz="1600" dirty="0" smtClean="0"/>
+              <a:t>Statement N</a:t>
+            </a:r>
+            <a:endParaRPr lang="en-US" sz="1600" dirty="0"/>
+          </a:p>
+        </p:txBody>
+      </p:sp>
+      <p:sp>
+        <p:nvSpPr>
+          <p:cNvPr id="10" name="Rectangle 9"/>
+          <p:cNvSpPr/>
+          <p:nvPr/>
+        </p:nvSpPr>
+        <p:spPr>
+          <a:xfrm>
+            <a:off x="3800232" y="5270176"/>
+            <a:ext cx="1563077" cy="227949"/>
+          </a:xfrm>
+          <a:prstGeom prst="rect">
+            <a:avLst/>
+          </a:prstGeom>
+        </p:spPr>
+        <p:style>
+          <a:lnRef idx="3">
+            <a:schemeClr val="lt1"/>
+          </a:lnRef>
+          <a:fillRef idx="1">
+            <a:schemeClr val="accent1"/>
+          </a:fillRef>
+          <a:effectRef idx="1">
+            <a:schemeClr val="accent1"/>
+          </a:effectRef>
+          <a:fontRef idx="minor">
+            <a:schemeClr val="lt1"/>
+          </a:fontRef>
+        </p:style>
+        <p:txBody>
+          <a:bodyPr rtlCol="0" anchor="ctr"/>
+          <a:lstStyle/>
+          <a:p>
+            <a:pPr algn="ctr"/>
+            <a:r>
+              <a:rPr lang="en-US" sz="1600" dirty="0" smtClean="0"/>
+              <a:t>End</a:t>
+            </a:r>
+            <a:endParaRPr lang="en-US" sz="1600" dirty="0"/>
+          </a:p>
+        </p:txBody>
+      </p:sp>
+      <p:sp>
+        <p:nvSpPr>
+          <p:cNvPr id="11" name="Rectangle 10"/>
+          <p:cNvSpPr/>
+          <p:nvPr/>
+        </p:nvSpPr>
+        <p:spPr>
+          <a:xfrm>
+            <a:off x="3800231" y="1907266"/>
+            <a:ext cx="1563077" cy="227949"/>
+          </a:xfrm>
+          <a:prstGeom prst="rect">
+            <a:avLst/>
+          </a:prstGeom>
+        </p:spPr>
+        <p:style>
+          <a:lnRef idx="3">
+            <a:schemeClr val="lt1"/>
+          </a:lnRef>
+          <a:fillRef idx="1">
+            <a:schemeClr val="accent1"/>
+          </a:fillRef>
+          <a:effectRef idx="1">
+            <a:schemeClr val="accent1"/>
+          </a:effectRef>
+          <a:fontRef idx="minor">
+            <a:schemeClr val="lt1"/>
+          </a:fontRef>
+        </p:style>
+        <p:txBody>
+          <a:bodyPr rtlCol="0" anchor="ctr"/>
+          <a:lstStyle/>
+          <a:p>
+            <a:pPr algn="ctr"/>
+            <a:r>
+              <a:rPr lang="en-US" sz="1600" dirty="0" smtClean="0"/>
+              <a:t>Start</a:t>
+            </a:r>
+            <a:endParaRPr lang="en-US" sz="1600" dirty="0"/>
+          </a:p>
+        </p:txBody>
+      </p:sp>
+      <p:sp>
+        <p:nvSpPr>
+          <p:cNvPr id="16" name="Decision 15"/>
+          <p:cNvSpPr/>
+          <p:nvPr/>
+        </p:nvSpPr>
+        <p:spPr>
+          <a:xfrm>
+            <a:off x="4418950" y="2859132"/>
+            <a:ext cx="325641" cy="189521"/>
+          </a:xfrm>
+          <a:prstGeom prst="flowChartDecision">
+            <a:avLst/>
+          </a:prstGeom>
+        </p:spPr>
+        <p:style>
+          <a:lnRef idx="1">
+            <a:schemeClr val="accent1"/>
+          </a:lnRef>
+          <a:fillRef idx="3">
+            <a:schemeClr val="accent1"/>
+          </a:fillRef>
+          <a:effectRef idx="2">
+            <a:schemeClr val="accent1"/>
+          </a:effectRef>
+          <a:fontRef idx="minor">
+            <a:schemeClr val="lt1"/>
+          </a:fontRef>
+        </p:style>
+        <p:txBody>
+          <a:bodyPr rtlCol="0" anchor="ctr"/>
+          <a:lstStyle/>
+          <a:p>
+            <a:pPr algn="ctr"/>
+            <a:endParaRPr lang="en-US"/>
+          </a:p>
+        </p:txBody>
+      </p:sp>
+      <p:cxnSp>
+        <p:nvCxnSpPr>
+          <p:cNvPr id="26" name="Straight Arrow Connector 25"/>
+          <p:cNvCxnSpPr/>
+          <p:nvPr/>
+        </p:nvCxnSpPr>
+        <p:spPr>
+          <a:xfrm>
+            <a:off x="4581770" y="2617505"/>
+            <a:ext cx="0" cy="241627"/>
+          </a:xfrm>
+          <a:prstGeom prst="straightConnector1">
+            <a:avLst/>
+          </a:prstGeom>
+          <a:ln>
+            <a:tailEnd type="arrow"/>
+          </a:ln>
+        </p:spPr>
+        <p:style>
+          <a:lnRef idx="2">
+            <a:schemeClr val="accent1"/>
+          </a:lnRef>
+          <a:fillRef idx="0">
+            <a:schemeClr val="accent1"/>
+          </a:fillRef>
+          <a:effectRef idx="1">
+            <a:schemeClr val="accent1"/>
+          </a:effectRef>
+          <a:fontRef idx="minor">
+            <a:schemeClr val="tx1"/>
+          </a:fontRef>
+        </p:style>
+      </p:cxnSp>
+      <p:cxnSp>
+        <p:nvCxnSpPr>
+          <p:cNvPr id="33" name="Elbow Connector 32"/>
+          <p:cNvCxnSpPr>
+            <a:stCxn id="6" idx="2"/>
+            <a:endCxn id="7" idx="1"/>
+          </p:cNvCxnSpPr>
+          <p:nvPr/>
+        </p:nvCxnSpPr>
+        <p:spPr>
+          <a:xfrm rot="16200000" flipH="1">
+            <a:off x="3455052" y="3634810"/>
+            <a:ext cx="446130" cy="244230"/>
+          </a:xfrm>
+          <a:prstGeom prst="bentConnector2">
+            <a:avLst/>
+          </a:prstGeom>
+          <a:ln>
+            <a:solidFill>
+              <a:srgbClr val="800000"/>
+            </a:solidFill>
+            <a:tailEnd type="arrow"/>
+          </a:ln>
+        </p:spPr>
+        <p:style>
+          <a:lnRef idx="2">
+            <a:schemeClr val="accent1"/>
+          </a:lnRef>
+          <a:fillRef idx="0">
+            <a:schemeClr val="accent1"/>
+          </a:fillRef>
+          <a:effectRef idx="1">
+            <a:schemeClr val="accent1"/>
+          </a:effectRef>
+          <a:fontRef idx="minor">
+            <a:schemeClr val="tx1"/>
+          </a:fontRef>
+        </p:style>
+      </p:cxnSp>
+      <p:cxnSp>
+        <p:nvCxnSpPr>
+          <p:cNvPr id="43" name="Straight Arrow Connector 42"/>
+          <p:cNvCxnSpPr/>
+          <p:nvPr/>
+        </p:nvCxnSpPr>
+        <p:spPr>
+          <a:xfrm>
+            <a:off x="4581770" y="4555069"/>
+            <a:ext cx="0" cy="243579"/>
+          </a:xfrm>
+          <a:prstGeom prst="straightConnector1">
+            <a:avLst/>
+          </a:prstGeom>
+          <a:ln>
+            <a:tailEnd type="arrow"/>
+          </a:ln>
+        </p:spPr>
+        <p:style>
+          <a:lnRef idx="2">
+            <a:schemeClr val="accent1"/>
+          </a:lnRef>
+          <a:fillRef idx="0">
+            <a:schemeClr val="accent1"/>
+          </a:fillRef>
+          <a:effectRef idx="1">
+            <a:schemeClr val="accent1"/>
+          </a:effectRef>
+          <a:fontRef idx="minor">
+            <a:schemeClr val="tx1"/>
+          </a:fontRef>
+        </p:style>
+      </p:cxnSp>
+      <p:cxnSp>
+        <p:nvCxnSpPr>
+          <p:cNvPr id="46" name="Straight Arrow Connector 45"/>
+          <p:cNvCxnSpPr/>
+          <p:nvPr/>
+        </p:nvCxnSpPr>
+        <p:spPr>
+          <a:xfrm>
+            <a:off x="4581770" y="5026597"/>
+            <a:ext cx="0" cy="243579"/>
+          </a:xfrm>
+          <a:prstGeom prst="straightConnector1">
+            <a:avLst/>
+          </a:prstGeom>
+          <a:ln>
+            <a:tailEnd type="arrow"/>
+          </a:ln>
+        </p:spPr>
+        <p:style>
+          <a:lnRef idx="2">
+            <a:schemeClr val="accent1"/>
+          </a:lnRef>
+          <a:fillRef idx="0">
+            <a:schemeClr val="accent1"/>
+          </a:fillRef>
+          <a:effectRef idx="1">
+            <a:schemeClr val="accent1"/>
+          </a:effectRef>
+          <a:fontRef idx="minor">
+            <a:schemeClr val="tx1"/>
+          </a:fontRef>
+        </p:style>
+      </p:cxnSp>
+      <p:cxnSp>
+        <p:nvCxnSpPr>
+          <p:cNvPr id="59" name="Elbow Connector 58"/>
+          <p:cNvCxnSpPr>
+            <a:stCxn id="16" idx="1"/>
+            <a:endCxn id="6" idx="0"/>
+          </p:cNvCxnSpPr>
+          <p:nvPr/>
+        </p:nvCxnSpPr>
+        <p:spPr>
+          <a:xfrm rot="10800000" flipV="1">
+            <a:off x="3556002" y="2953893"/>
+            <a:ext cx="862948" cy="352018"/>
+          </a:xfrm>
+          <a:prstGeom prst="bentConnector2">
+            <a:avLst/>
+          </a:prstGeom>
+          <a:ln>
+            <a:solidFill>
+              <a:srgbClr val="800000"/>
+            </a:solidFill>
+            <a:tailEnd type="arrow"/>
+          </a:ln>
+        </p:spPr>
+        <p:style>
+          <a:lnRef idx="2">
+            <a:schemeClr val="accent1"/>
+          </a:lnRef>
+          <a:fillRef idx="0">
+            <a:schemeClr val="accent1"/>
+          </a:fillRef>
+          <a:effectRef idx="1">
+            <a:schemeClr val="accent1"/>
+          </a:effectRef>
+          <a:fontRef idx="minor">
+            <a:schemeClr val="tx1"/>
+          </a:fontRef>
+        </p:style>
+      </p:cxnSp>
+      <p:cxnSp>
+        <p:nvCxnSpPr>
+          <p:cNvPr id="24" name="Straight Arrow Connector 23"/>
+          <p:cNvCxnSpPr>
+            <a:stCxn id="16" idx="2"/>
+            <a:endCxn id="7" idx="0"/>
+          </p:cNvCxnSpPr>
+          <p:nvPr/>
+        </p:nvCxnSpPr>
+        <p:spPr>
+          <a:xfrm>
+            <a:off x="4581771" y="3048653"/>
+            <a:ext cx="0" cy="817362"/>
+          </a:xfrm>
+          <a:prstGeom prst="straightConnector1">
+            <a:avLst/>
+          </a:prstGeom>
+          <a:ln>
+            <a:solidFill>
+              <a:srgbClr val="008000"/>
+            </a:solidFill>
+            <a:tailEnd type="arrow"/>
+          </a:ln>
+        </p:spPr>
+        <p:style>
+          <a:lnRef idx="2">
+            <a:schemeClr val="accent1"/>
+          </a:lnRef>
+          <a:fillRef idx="0">
+            <a:schemeClr val="accent1"/>
+          </a:fillRef>
+          <a:effectRef idx="1">
+            <a:schemeClr val="accent1"/>
+          </a:effectRef>
+          <a:fontRef idx="minor">
+            <a:schemeClr val="tx1"/>
+          </a:fontRef>
+        </p:style>
+      </p:cxnSp>
+      <p:cxnSp>
+        <p:nvCxnSpPr>
+          <p:cNvPr id="27" name="Straight Arrow Connector 26"/>
+          <p:cNvCxnSpPr>
+            <a:stCxn id="7" idx="2"/>
+            <a:endCxn id="8" idx="0"/>
+          </p:cNvCxnSpPr>
+          <p:nvPr/>
+        </p:nvCxnSpPr>
+        <p:spPr>
+          <a:xfrm>
+            <a:off x="4581771" y="4093964"/>
+            <a:ext cx="0" cy="233156"/>
+          </a:xfrm>
+          <a:prstGeom prst="straightConnector1">
+            <a:avLst/>
+          </a:prstGeom>
+          <a:ln>
+            <a:tailEnd type="arrow"/>
+          </a:ln>
+        </p:spPr>
+        <p:style>
+          <a:lnRef idx="2">
+            <a:schemeClr val="accent1"/>
+          </a:lnRef>
+          <a:fillRef idx="0">
+            <a:schemeClr val="accent1"/>
+          </a:fillRef>
+          <a:effectRef idx="1">
+            <a:schemeClr val="accent1"/>
+          </a:effectRef>
+          <a:fontRef idx="minor">
+            <a:schemeClr val="tx1"/>
+          </a:fontRef>
+        </p:style>
+      </p:cxnSp>
+    </p:spTree>
+    <p:extLst>
+      <p:ext uri="{BB962C8B-B14F-4D97-AF65-F5344CB8AC3E}">
+        <p14:creationId xmlns:p14="http://schemas.microsoft.com/office/powerpoint/2010/main" val="865353717"/>
+      </p:ext>
+    </p:extLst>
+  </p:cSld>
+  <p:clrMapOvr>
+    <a:masterClrMapping/>
+  </p:clrMapOvr>
+</p:sld>
+</file>
+
+<file path=ppt/slides/slide115.xml><?xml version="1.0" encoding="utf-8"?>
+<p:sld xmlns:a="http://schemas.openxmlformats.org/drawingml/2006/main" xmlns:r="http://schemas.openxmlformats.org/officeDocument/2006/relationships" xmlns:p="http://schemas.openxmlformats.org/presentationml/2006/main">
+  <p:cSld>
+    <p:spTree>
+      <p:nvGrpSpPr>
+        <p:cNvPr id="1" name=""/>
+        <p:cNvGrpSpPr/>
+        <p:nvPr/>
+      </p:nvGrpSpPr>
+      <p:grpSpPr>
+        <a:xfrm>
+          <a:off x="0" y="0"/>
+          <a:ext cx="0" cy="0"/>
+          <a:chOff x="0" y="0"/>
+          <a:chExt cx="0" cy="0"/>
+        </a:xfrm>
+      </p:grpSpPr>
+      <p:sp>
+        <p:nvSpPr>
+          <p:cNvPr id="2" name="Title 1"/>
+          <p:cNvSpPr>
+            <a:spLocks noGrp="1"/>
+          </p:cNvSpPr>
+          <p:nvPr>
+            <p:ph type="title"/>
+          </p:nvPr>
+        </p:nvSpPr>
+        <p:spPr/>
+        <p:txBody>
+          <a:bodyPr/>
+          <a:lstStyle/>
+          <a:p>
+            <a:r>
+              <a:rPr lang="en-US" dirty="0" smtClean="0"/>
+              <a:t>Choosing One of Two Paths</a:t>
+            </a:r>
+            <a:endParaRPr lang="en-US" dirty="0"/>
+          </a:p>
+        </p:txBody>
+      </p:sp>
+      <p:sp>
+        <p:nvSpPr>
+          <p:cNvPr id="5" name="Rectangle 4"/>
+          <p:cNvSpPr/>
+          <p:nvPr/>
+        </p:nvSpPr>
+        <p:spPr>
+          <a:xfrm>
+            <a:off x="3790462" y="2389556"/>
+            <a:ext cx="1563077" cy="227949"/>
+          </a:xfrm>
+          <a:prstGeom prst="rect">
+            <a:avLst/>
+          </a:prstGeom>
+        </p:spPr>
+        <p:style>
+          <a:lnRef idx="1">
+            <a:schemeClr val="dk1"/>
+          </a:lnRef>
+          <a:fillRef idx="2">
+            <a:schemeClr val="dk1"/>
+          </a:fillRef>
+          <a:effectRef idx="1">
+            <a:schemeClr val="dk1"/>
+          </a:effectRef>
+          <a:fontRef idx="minor">
+            <a:schemeClr val="dk1"/>
+          </a:fontRef>
+        </p:style>
+        <p:txBody>
+          <a:bodyPr rtlCol="0" anchor="ctr"/>
+          <a:lstStyle/>
+          <a:p>
+            <a:pPr algn="ctr"/>
+            <a:r>
+              <a:rPr lang="en-US" sz="1600" dirty="0" smtClean="0"/>
+              <a:t>Statement 1</a:t>
+            </a:r>
+            <a:endParaRPr lang="en-US" sz="1600" dirty="0"/>
+          </a:p>
+        </p:txBody>
+      </p:sp>
+      <p:sp>
+        <p:nvSpPr>
+          <p:cNvPr id="6" name="Rectangle 5"/>
+          <p:cNvSpPr/>
+          <p:nvPr/>
+        </p:nvSpPr>
+        <p:spPr>
+          <a:xfrm>
+            <a:off x="2637694" y="3305912"/>
+            <a:ext cx="1563077" cy="227949"/>
+          </a:xfrm>
+          <a:prstGeom prst="rect">
+            <a:avLst/>
+          </a:prstGeom>
+        </p:spPr>
+        <p:style>
+          <a:lnRef idx="1">
+            <a:schemeClr val="accent2"/>
+          </a:lnRef>
+          <a:fillRef idx="2">
+            <a:schemeClr val="accent2"/>
+          </a:fillRef>
+          <a:effectRef idx="1">
+            <a:schemeClr val="accent2"/>
+          </a:effectRef>
+          <a:fontRef idx="minor">
+            <a:schemeClr val="dk1"/>
+          </a:fontRef>
+        </p:style>
+        <p:txBody>
+          <a:bodyPr rtlCol="0" anchor="ctr"/>
+          <a:lstStyle/>
+          <a:p>
+            <a:pPr algn="ctr"/>
+            <a:r>
+              <a:rPr lang="en-US" sz="1600" dirty="0" smtClean="0"/>
+              <a:t>Statement 2</a:t>
+            </a:r>
+            <a:endParaRPr lang="en-US" sz="1600" dirty="0"/>
+          </a:p>
+        </p:txBody>
+      </p:sp>
+      <p:sp>
+        <p:nvSpPr>
+          <p:cNvPr id="7" name="Rectangle 6"/>
+          <p:cNvSpPr/>
+          <p:nvPr/>
+        </p:nvSpPr>
+        <p:spPr>
+          <a:xfrm>
+            <a:off x="4923693" y="3305912"/>
+            <a:ext cx="1563077" cy="227949"/>
+          </a:xfrm>
+          <a:prstGeom prst="rect">
+            <a:avLst/>
+          </a:prstGeom>
+        </p:spPr>
+        <p:style>
+          <a:lnRef idx="1">
+            <a:schemeClr val="accent2"/>
+          </a:lnRef>
+          <a:fillRef idx="2">
+            <a:schemeClr val="accent2"/>
+          </a:fillRef>
+          <a:effectRef idx="1">
+            <a:schemeClr val="accent2"/>
+          </a:effectRef>
+          <a:fontRef idx="minor">
+            <a:schemeClr val="dk1"/>
+          </a:fontRef>
+        </p:style>
+        <p:txBody>
+          <a:bodyPr rtlCol="0" anchor="ctr"/>
+          <a:lstStyle/>
+          <a:p>
+            <a:pPr algn="ctr"/>
+            <a:r>
+              <a:rPr lang="en-US" sz="1600" dirty="0" smtClean="0"/>
+              <a:t>Statement 3</a:t>
+            </a:r>
+            <a:endParaRPr lang="en-US" sz="1600" dirty="0"/>
+          </a:p>
+        </p:txBody>
+      </p:sp>
+      <p:sp>
+        <p:nvSpPr>
+          <p:cNvPr id="8" name="Rectangle 7"/>
+          <p:cNvSpPr/>
+          <p:nvPr/>
+        </p:nvSpPr>
+        <p:spPr>
+          <a:xfrm>
+            <a:off x="3790462" y="3849078"/>
+            <a:ext cx="1563077" cy="227949"/>
+          </a:xfrm>
+          <a:prstGeom prst="rect">
+            <a:avLst/>
+          </a:prstGeom>
+        </p:spPr>
+        <p:style>
+          <a:lnRef idx="1">
+            <a:schemeClr val="dk1"/>
+          </a:lnRef>
+          <a:fillRef idx="2">
+            <a:schemeClr val="dk1"/>
+          </a:fillRef>
+          <a:effectRef idx="1">
+            <a:schemeClr val="dk1"/>
+          </a:effectRef>
+          <a:fontRef idx="minor">
+            <a:schemeClr val="dk1"/>
+          </a:fontRef>
+        </p:style>
+        <p:txBody>
+          <a:bodyPr rtlCol="0" anchor="ctr"/>
+          <a:lstStyle/>
+          <a:p>
+            <a:pPr algn="ctr"/>
+            <a:r>
+              <a:rPr lang="en-US" sz="1600" dirty="0" smtClean="0"/>
+              <a:t>Statement </a:t>
+            </a:r>
+            <a:r>
+              <a:rPr lang="is-IS" sz="1600" dirty="0" smtClean="0"/>
+              <a:t>…</a:t>
+            </a:r>
+            <a:endParaRPr lang="en-US" sz="1600" dirty="0"/>
+          </a:p>
+        </p:txBody>
+      </p:sp>
+      <p:sp>
+        <p:nvSpPr>
+          <p:cNvPr id="9" name="Rectangle 8"/>
+          <p:cNvSpPr/>
+          <p:nvPr/>
+        </p:nvSpPr>
+        <p:spPr>
+          <a:xfrm>
+            <a:off x="3790462" y="4320606"/>
+            <a:ext cx="1563077" cy="227949"/>
+          </a:xfrm>
+          <a:prstGeom prst="rect">
+            <a:avLst/>
+          </a:prstGeom>
+        </p:spPr>
+        <p:style>
+          <a:lnRef idx="1">
+            <a:schemeClr val="dk1"/>
+          </a:lnRef>
+          <a:fillRef idx="2">
+            <a:schemeClr val="dk1"/>
+          </a:fillRef>
+          <a:effectRef idx="1">
+            <a:schemeClr val="dk1"/>
+          </a:effectRef>
+          <a:fontRef idx="minor">
+            <a:schemeClr val="dk1"/>
+          </a:fontRef>
+        </p:style>
+        <p:txBody>
+          <a:bodyPr rtlCol="0" anchor="ctr"/>
+          <a:lstStyle/>
+          <a:p>
+            <a:pPr algn="ctr"/>
+            <a:r>
+              <a:rPr lang="en-US" sz="1600" dirty="0" smtClean="0"/>
+              <a:t>Statement N</a:t>
+            </a:r>
+            <a:endParaRPr lang="en-US" sz="1600" dirty="0"/>
+          </a:p>
+        </p:txBody>
+      </p:sp>
+      <p:sp>
+        <p:nvSpPr>
+          <p:cNvPr id="10" name="Rectangle 9"/>
+          <p:cNvSpPr/>
+          <p:nvPr/>
+        </p:nvSpPr>
+        <p:spPr>
+          <a:xfrm>
+            <a:off x="3790462" y="4792134"/>
+            <a:ext cx="1563077" cy="227949"/>
+          </a:xfrm>
+          <a:prstGeom prst="rect">
+            <a:avLst/>
+          </a:prstGeom>
+        </p:spPr>
+        <p:style>
+          <a:lnRef idx="3">
+            <a:schemeClr val="lt1"/>
+          </a:lnRef>
+          <a:fillRef idx="1">
+            <a:schemeClr val="accent1"/>
+          </a:fillRef>
+          <a:effectRef idx="1">
+            <a:schemeClr val="accent1"/>
+          </a:effectRef>
+          <a:fontRef idx="minor">
+            <a:schemeClr val="lt1"/>
+          </a:fontRef>
+        </p:style>
+        <p:txBody>
+          <a:bodyPr rtlCol="0" anchor="ctr"/>
+          <a:lstStyle/>
+          <a:p>
+            <a:pPr algn="ctr"/>
+            <a:r>
+              <a:rPr lang="en-US" sz="1600" dirty="0" smtClean="0"/>
+              <a:t>End</a:t>
+            </a:r>
+            <a:endParaRPr lang="en-US" sz="1600" dirty="0"/>
+          </a:p>
+        </p:txBody>
+      </p:sp>
+      <p:sp>
+        <p:nvSpPr>
+          <p:cNvPr id="11" name="Rectangle 10"/>
+          <p:cNvSpPr/>
+          <p:nvPr/>
+        </p:nvSpPr>
+        <p:spPr>
+          <a:xfrm>
+            <a:off x="3790462" y="1983152"/>
+            <a:ext cx="1563077" cy="227949"/>
+          </a:xfrm>
+          <a:prstGeom prst="rect">
+            <a:avLst/>
+          </a:prstGeom>
+        </p:spPr>
+        <p:style>
+          <a:lnRef idx="3">
+            <a:schemeClr val="lt1"/>
+          </a:lnRef>
+          <a:fillRef idx="1">
+            <a:schemeClr val="accent1"/>
+          </a:fillRef>
+          <a:effectRef idx="1">
+            <a:schemeClr val="accent1"/>
+          </a:effectRef>
+          <a:fontRef idx="minor">
+            <a:schemeClr val="lt1"/>
+          </a:fontRef>
+        </p:style>
+        <p:txBody>
+          <a:bodyPr rtlCol="0" anchor="ctr"/>
+          <a:lstStyle/>
+          <a:p>
+            <a:pPr algn="ctr"/>
+            <a:r>
+              <a:rPr lang="en-US" sz="1600" dirty="0" smtClean="0"/>
+              <a:t>Start</a:t>
+            </a:r>
+            <a:endParaRPr lang="en-US" sz="1600" dirty="0"/>
+          </a:p>
+        </p:txBody>
+      </p:sp>
+      <p:cxnSp>
+        <p:nvCxnSpPr>
+          <p:cNvPr id="4" name="Straight Arrow Connector 3"/>
+          <p:cNvCxnSpPr>
+            <a:stCxn id="16" idx="1"/>
+            <a:endCxn id="6" idx="0"/>
+          </p:cNvCxnSpPr>
+          <p:nvPr/>
+        </p:nvCxnSpPr>
+        <p:spPr>
+          <a:xfrm flipH="1">
+            <a:off x="3419233" y="2953893"/>
+            <a:ext cx="989947" cy="352019"/>
+          </a:xfrm>
+          <a:prstGeom prst="straightConnector1">
+            <a:avLst/>
+          </a:prstGeom>
+          <a:ln>
+            <a:solidFill>
+              <a:schemeClr val="accent3">
+                <a:lumMod val="75000"/>
+              </a:schemeClr>
+            </a:solidFill>
+            <a:tailEnd type="arrow"/>
+          </a:ln>
+        </p:spPr>
+        <p:style>
+          <a:lnRef idx="2">
+            <a:schemeClr val="accent1"/>
+          </a:lnRef>
+          <a:fillRef idx="0">
+            <a:schemeClr val="accent1"/>
+          </a:fillRef>
+          <a:effectRef idx="1">
+            <a:schemeClr val="accent1"/>
+          </a:effectRef>
+          <a:fontRef idx="minor">
+            <a:schemeClr val="tx1"/>
+          </a:fontRef>
+        </p:style>
+      </p:cxnSp>
+      <p:cxnSp>
+        <p:nvCxnSpPr>
+          <p:cNvPr id="13" name="Straight Arrow Connector 12"/>
+          <p:cNvCxnSpPr>
+            <a:stCxn id="16" idx="3"/>
+            <a:endCxn id="7" idx="0"/>
+          </p:cNvCxnSpPr>
+          <p:nvPr/>
+        </p:nvCxnSpPr>
+        <p:spPr>
+          <a:xfrm>
+            <a:off x="4734821" y="2953893"/>
+            <a:ext cx="970411" cy="352019"/>
+          </a:xfrm>
+          <a:prstGeom prst="straightConnector1">
+            <a:avLst/>
+          </a:prstGeom>
+          <a:ln>
+            <a:solidFill>
+              <a:schemeClr val="accent2">
+                <a:lumMod val="75000"/>
+              </a:schemeClr>
+            </a:solidFill>
+            <a:tailEnd type="arrow"/>
+          </a:ln>
+        </p:spPr>
+        <p:style>
+          <a:lnRef idx="2">
+            <a:schemeClr val="accent1"/>
+          </a:lnRef>
+          <a:fillRef idx="0">
+            <a:schemeClr val="accent1"/>
+          </a:fillRef>
+          <a:effectRef idx="1">
+            <a:schemeClr val="accent1"/>
+          </a:effectRef>
+          <a:fontRef idx="minor">
+            <a:schemeClr val="tx1"/>
+          </a:fontRef>
+        </p:style>
+      </p:cxnSp>
+      <p:sp>
+        <p:nvSpPr>
+          <p:cNvPr id="16" name="Decision 15"/>
+          <p:cNvSpPr/>
+          <p:nvPr/>
+        </p:nvSpPr>
+        <p:spPr>
+          <a:xfrm>
+            <a:off x="4409180" y="2859132"/>
+            <a:ext cx="325641" cy="189521"/>
+          </a:xfrm>
+          <a:prstGeom prst="flowChartDecision">
+            <a:avLst/>
+          </a:prstGeom>
+        </p:spPr>
+        <p:style>
+          <a:lnRef idx="1">
+            <a:schemeClr val="accent1"/>
+          </a:lnRef>
+          <a:fillRef idx="3">
+            <a:schemeClr val="accent1"/>
+          </a:fillRef>
+          <a:effectRef idx="2">
+            <a:schemeClr val="accent1"/>
+          </a:effectRef>
+          <a:fontRef idx="minor">
+            <a:schemeClr val="lt1"/>
+          </a:fontRef>
+        </p:style>
+        <p:txBody>
+          <a:bodyPr rtlCol="0" anchor="ctr"/>
+          <a:lstStyle/>
+          <a:p>
+            <a:pPr algn="ctr"/>
+            <a:endParaRPr lang="en-US"/>
+          </a:p>
+        </p:txBody>
+      </p:sp>
+      <p:cxnSp>
+        <p:nvCxnSpPr>
+          <p:cNvPr id="26" name="Straight Arrow Connector 25"/>
+          <p:cNvCxnSpPr>
+            <a:stCxn id="5" idx="2"/>
+            <a:endCxn id="16" idx="0"/>
+          </p:cNvCxnSpPr>
+          <p:nvPr/>
+        </p:nvCxnSpPr>
+        <p:spPr>
+          <a:xfrm>
+            <a:off x="4572001" y="2617505"/>
+            <a:ext cx="0" cy="241627"/>
+          </a:xfrm>
+          <a:prstGeom prst="straightConnector1">
+            <a:avLst/>
+          </a:prstGeom>
+          <a:ln>
+            <a:tailEnd type="arrow"/>
+          </a:ln>
+        </p:spPr>
+        <p:style>
+          <a:lnRef idx="2">
+            <a:schemeClr val="accent1"/>
+          </a:lnRef>
+          <a:fillRef idx="0">
+            <a:schemeClr val="accent1"/>
+          </a:fillRef>
+          <a:effectRef idx="1">
+            <a:schemeClr val="accent1"/>
+          </a:effectRef>
+          <a:fontRef idx="minor">
+            <a:schemeClr val="tx1"/>
+          </a:fontRef>
+        </p:style>
+      </p:cxnSp>
+      <p:cxnSp>
+        <p:nvCxnSpPr>
+          <p:cNvPr id="33" name="Elbow Connector 32"/>
+          <p:cNvCxnSpPr>
+            <a:stCxn id="6" idx="2"/>
+            <a:endCxn id="8" idx="1"/>
+          </p:cNvCxnSpPr>
+          <p:nvPr/>
+        </p:nvCxnSpPr>
+        <p:spPr>
+          <a:xfrm rot="16200000" flipH="1">
+            <a:off x="3390251" y="3562842"/>
+            <a:ext cx="429192" cy="371229"/>
+          </a:xfrm>
+          <a:prstGeom prst="bentConnector2">
+            <a:avLst/>
+          </a:prstGeom>
+          <a:ln>
+            <a:tailEnd type="arrow"/>
+          </a:ln>
+        </p:spPr>
+        <p:style>
+          <a:lnRef idx="2">
+            <a:schemeClr val="accent1"/>
+          </a:lnRef>
+          <a:fillRef idx="0">
+            <a:schemeClr val="accent1"/>
+          </a:fillRef>
+          <a:effectRef idx="1">
+            <a:schemeClr val="accent1"/>
+          </a:effectRef>
+          <a:fontRef idx="minor">
+            <a:schemeClr val="tx1"/>
+          </a:fontRef>
+        </p:style>
+      </p:cxnSp>
+      <p:cxnSp>
+        <p:nvCxnSpPr>
+          <p:cNvPr id="35" name="Elbow Connector 34"/>
+          <p:cNvCxnSpPr>
+            <a:stCxn id="7" idx="2"/>
+            <a:endCxn id="8" idx="3"/>
+          </p:cNvCxnSpPr>
+          <p:nvPr/>
+        </p:nvCxnSpPr>
+        <p:spPr>
+          <a:xfrm rot="5400000">
+            <a:off x="5314790" y="3572611"/>
+            <a:ext cx="429192" cy="351693"/>
+          </a:xfrm>
+          <a:prstGeom prst="bentConnector2">
+            <a:avLst/>
+          </a:prstGeom>
+          <a:ln>
+            <a:tailEnd type="arrow"/>
+          </a:ln>
+        </p:spPr>
+        <p:style>
+          <a:lnRef idx="2">
+            <a:schemeClr val="accent1"/>
+          </a:lnRef>
+          <a:fillRef idx="0">
+            <a:schemeClr val="accent1"/>
+          </a:fillRef>
+          <a:effectRef idx="1">
+            <a:schemeClr val="accent1"/>
+          </a:effectRef>
+          <a:fontRef idx="minor">
+            <a:schemeClr val="tx1"/>
+          </a:fontRef>
+        </p:style>
+      </p:cxnSp>
+      <p:cxnSp>
+        <p:nvCxnSpPr>
+          <p:cNvPr id="42" name="Straight Arrow Connector 41"/>
+          <p:cNvCxnSpPr>
+            <a:stCxn id="11" idx="2"/>
+            <a:endCxn id="5" idx="0"/>
+          </p:cNvCxnSpPr>
+          <p:nvPr/>
+        </p:nvCxnSpPr>
+        <p:spPr>
+          <a:xfrm>
+            <a:off x="4572001" y="2211101"/>
+            <a:ext cx="0" cy="178455"/>
+          </a:xfrm>
+          <a:prstGeom prst="straightConnector1">
+            <a:avLst/>
+          </a:prstGeom>
+          <a:ln>
+            <a:tailEnd type="arrow"/>
+          </a:ln>
+        </p:spPr>
+        <p:style>
+          <a:lnRef idx="2">
+            <a:schemeClr val="accent1"/>
+          </a:lnRef>
+          <a:fillRef idx="0">
+            <a:schemeClr val="accent1"/>
+          </a:fillRef>
+          <a:effectRef idx="1">
+            <a:schemeClr val="accent1"/>
+          </a:effectRef>
+          <a:fontRef idx="minor">
+            <a:schemeClr val="tx1"/>
+          </a:fontRef>
+        </p:style>
+      </p:cxnSp>
+      <p:cxnSp>
+        <p:nvCxnSpPr>
+          <p:cNvPr id="43" name="Straight Arrow Connector 42"/>
+          <p:cNvCxnSpPr>
+            <a:stCxn id="8" idx="2"/>
+            <a:endCxn id="9" idx="0"/>
+          </p:cNvCxnSpPr>
+          <p:nvPr/>
+        </p:nvCxnSpPr>
+        <p:spPr>
+          <a:xfrm>
+            <a:off x="4572001" y="4077027"/>
+            <a:ext cx="0" cy="243579"/>
+          </a:xfrm>
+          <a:prstGeom prst="straightConnector1">
+            <a:avLst/>
+          </a:prstGeom>
+          <a:ln>
+            <a:tailEnd type="arrow"/>
+          </a:ln>
+        </p:spPr>
+        <p:style>
+          <a:lnRef idx="2">
+            <a:schemeClr val="accent1"/>
+          </a:lnRef>
+          <a:fillRef idx="0">
+            <a:schemeClr val="accent1"/>
+          </a:fillRef>
+          <a:effectRef idx="1">
+            <a:schemeClr val="accent1"/>
+          </a:effectRef>
+          <a:fontRef idx="minor">
+            <a:schemeClr val="tx1"/>
+          </a:fontRef>
+        </p:style>
+      </p:cxnSp>
+      <p:cxnSp>
+        <p:nvCxnSpPr>
+          <p:cNvPr id="46" name="Straight Arrow Connector 45"/>
+          <p:cNvCxnSpPr>
+            <a:stCxn id="9" idx="2"/>
+            <a:endCxn id="10" idx="0"/>
+          </p:cNvCxnSpPr>
+          <p:nvPr/>
+        </p:nvCxnSpPr>
+        <p:spPr>
+          <a:xfrm>
+            <a:off x="4572001" y="4548555"/>
+            <a:ext cx="0" cy="243579"/>
+          </a:xfrm>
+          <a:prstGeom prst="straightConnector1">
+            <a:avLst/>
+          </a:prstGeom>
+          <a:ln>
+            <a:tailEnd type="arrow"/>
+          </a:ln>
+        </p:spPr>
+        <p:style>
+          <a:lnRef idx="2">
+            <a:schemeClr val="accent1"/>
+          </a:lnRef>
+          <a:fillRef idx="0">
+            <a:schemeClr val="accent1"/>
+          </a:fillRef>
+          <a:effectRef idx="1">
+            <a:schemeClr val="accent1"/>
+          </a:effectRef>
+          <a:fontRef idx="minor">
+            <a:schemeClr val="tx1"/>
+          </a:fontRef>
+        </p:style>
+      </p:cxnSp>
+    </p:spTree>
+    <p:extLst>
+      <p:ext uri="{BB962C8B-B14F-4D97-AF65-F5344CB8AC3E}">
+        <p14:creationId xmlns:p14="http://schemas.microsoft.com/office/powerpoint/2010/main" val="1420133239"/>
+      </p:ext>
+    </p:extLst>
+  </p:cSld>
+  <p:clrMapOvr>
+    <a:masterClrMapping/>
+  </p:clrMapOvr>
+</p:sld>
+</file>
+
+<file path=ppt/slides/slide116.xml><?xml version="1.0" encoding="utf-8"?>
+<p:sld xmlns:a="http://schemas.openxmlformats.org/drawingml/2006/main" xmlns:r="http://schemas.openxmlformats.org/officeDocument/2006/relationships" xmlns:p="http://schemas.openxmlformats.org/presentationml/2006/main">
+  <p:cSld>
+    <p:spTree>
+      <p:nvGrpSpPr>
+        <p:cNvPr id="1" name=""/>
+        <p:cNvGrpSpPr/>
+        <p:nvPr/>
+      </p:nvGrpSpPr>
+      <p:grpSpPr>
+        <a:xfrm>
+          <a:off x="0" y="0"/>
+          <a:ext cx="0" cy="0"/>
+          <a:chOff x="0" y="0"/>
+          <a:chExt cx="0" cy="0"/>
+        </a:xfrm>
+      </p:grpSpPr>
+      <p:sp>
+        <p:nvSpPr>
+          <p:cNvPr id="2" name="Title 1"/>
+          <p:cNvSpPr>
+            <a:spLocks noGrp="1"/>
+          </p:cNvSpPr>
+          <p:nvPr>
+            <p:ph type="title"/>
+          </p:nvPr>
+        </p:nvSpPr>
+        <p:spPr/>
+        <p:txBody>
+          <a:bodyPr/>
+          <a:lstStyle/>
+          <a:p>
+            <a:r>
+              <a:rPr lang="en-US" dirty="0" smtClean="0"/>
+              <a:t>Choosing One Of Many Paths</a:t>
+            </a:r>
+            <a:endParaRPr lang="en-US" dirty="0"/>
+          </a:p>
+        </p:txBody>
+      </p:sp>
+      <p:sp>
+        <p:nvSpPr>
+          <p:cNvPr id="5" name="Rectangle 4"/>
+          <p:cNvSpPr/>
+          <p:nvPr/>
+        </p:nvSpPr>
+        <p:spPr>
+          <a:xfrm>
+            <a:off x="3790462" y="2389556"/>
+            <a:ext cx="1563077" cy="227949"/>
+          </a:xfrm>
+          <a:prstGeom prst="rect">
+            <a:avLst/>
+          </a:prstGeom>
+        </p:spPr>
+        <p:style>
+          <a:lnRef idx="1">
+            <a:schemeClr val="dk1"/>
+          </a:lnRef>
+          <a:fillRef idx="2">
+            <a:schemeClr val="dk1"/>
+          </a:fillRef>
+          <a:effectRef idx="1">
+            <a:schemeClr val="dk1"/>
+          </a:effectRef>
+          <a:fontRef idx="minor">
+            <a:schemeClr val="dk1"/>
+          </a:fontRef>
+        </p:style>
+        <p:txBody>
+          <a:bodyPr rtlCol="0" anchor="ctr"/>
+          <a:lstStyle/>
+          <a:p>
+            <a:pPr algn="ctr"/>
+            <a:r>
+              <a:rPr lang="en-US" sz="1600" dirty="0" smtClean="0"/>
+              <a:t>Statement 1</a:t>
+            </a:r>
+            <a:endParaRPr lang="en-US" sz="1600" dirty="0"/>
+          </a:p>
+        </p:txBody>
+      </p:sp>
+      <p:sp>
+        <p:nvSpPr>
+          <p:cNvPr id="6" name="Rectangle 5"/>
+          <p:cNvSpPr/>
+          <p:nvPr/>
+        </p:nvSpPr>
+        <p:spPr>
+          <a:xfrm>
+            <a:off x="1804054" y="3348249"/>
+            <a:ext cx="1563077" cy="227949"/>
+          </a:xfrm>
+          <a:prstGeom prst="rect">
+            <a:avLst/>
+          </a:prstGeom>
+        </p:spPr>
+        <p:style>
+          <a:lnRef idx="1">
+            <a:schemeClr val="accent2"/>
+          </a:lnRef>
+          <a:fillRef idx="2">
+            <a:schemeClr val="accent2"/>
+          </a:fillRef>
+          <a:effectRef idx="1">
+            <a:schemeClr val="accent2"/>
+          </a:effectRef>
+          <a:fontRef idx="minor">
+            <a:schemeClr val="dk1"/>
+          </a:fontRef>
+        </p:style>
+        <p:txBody>
+          <a:bodyPr rtlCol="0" anchor="ctr"/>
+          <a:lstStyle/>
+          <a:p>
+            <a:pPr algn="ctr"/>
+            <a:r>
+              <a:rPr lang="en-US" sz="1600" dirty="0" smtClean="0"/>
+              <a:t>Statement A</a:t>
+            </a:r>
+            <a:endParaRPr lang="en-US" sz="1600" dirty="0"/>
+          </a:p>
+        </p:txBody>
+      </p:sp>
+      <p:sp>
+        <p:nvSpPr>
+          <p:cNvPr id="7" name="Rectangle 6"/>
+          <p:cNvSpPr/>
+          <p:nvPr/>
+        </p:nvSpPr>
+        <p:spPr>
+          <a:xfrm>
+            <a:off x="3790462" y="3344337"/>
+            <a:ext cx="1563077" cy="227949"/>
+          </a:xfrm>
+          <a:prstGeom prst="rect">
+            <a:avLst/>
+          </a:prstGeom>
+        </p:spPr>
+        <p:style>
+          <a:lnRef idx="1">
+            <a:schemeClr val="accent2"/>
+          </a:lnRef>
+          <a:fillRef idx="2">
+            <a:schemeClr val="accent2"/>
+          </a:fillRef>
+          <a:effectRef idx="1">
+            <a:schemeClr val="accent2"/>
+          </a:effectRef>
+          <a:fontRef idx="minor">
+            <a:schemeClr val="dk1"/>
+          </a:fontRef>
+        </p:style>
+        <p:txBody>
+          <a:bodyPr rtlCol="0" anchor="ctr"/>
+          <a:lstStyle/>
+          <a:p>
+            <a:pPr algn="ctr"/>
+            <a:r>
+              <a:rPr lang="en-US" sz="1600" dirty="0" smtClean="0"/>
+              <a:t>Statement </a:t>
+            </a:r>
+            <a:r>
+              <a:rPr lang="is-IS" sz="1600" dirty="0" smtClean="0"/>
+              <a:t>…</a:t>
+            </a:r>
+            <a:endParaRPr lang="en-US" sz="1600" dirty="0"/>
+          </a:p>
+        </p:txBody>
+      </p:sp>
+      <p:sp>
+        <p:nvSpPr>
+          <p:cNvPr id="8" name="Rectangle 7"/>
+          <p:cNvSpPr/>
+          <p:nvPr/>
+        </p:nvSpPr>
+        <p:spPr>
+          <a:xfrm>
+            <a:off x="3790462" y="3849078"/>
+            <a:ext cx="1563077" cy="227949"/>
+          </a:xfrm>
+          <a:prstGeom prst="rect">
+            <a:avLst/>
+          </a:prstGeom>
+        </p:spPr>
+        <p:style>
+          <a:lnRef idx="1">
+            <a:schemeClr val="dk1"/>
+          </a:lnRef>
+          <a:fillRef idx="2">
+            <a:schemeClr val="dk1"/>
+          </a:fillRef>
+          <a:effectRef idx="1">
+            <a:schemeClr val="dk1"/>
+          </a:effectRef>
+          <a:fontRef idx="minor">
+            <a:schemeClr val="dk1"/>
+          </a:fontRef>
+        </p:style>
+        <p:txBody>
+          <a:bodyPr rtlCol="0" anchor="ctr"/>
+          <a:lstStyle/>
+          <a:p>
+            <a:pPr algn="ctr"/>
+            <a:r>
+              <a:rPr lang="en-US" sz="1600" dirty="0" smtClean="0"/>
+              <a:t>Statement </a:t>
+            </a:r>
+            <a:r>
+              <a:rPr lang="is-IS" sz="1600" dirty="0" smtClean="0"/>
+              <a:t>…</a:t>
+            </a:r>
+            <a:endParaRPr lang="en-US" sz="1600" dirty="0"/>
+          </a:p>
+        </p:txBody>
+      </p:sp>
+      <p:sp>
+        <p:nvSpPr>
+          <p:cNvPr id="9" name="Rectangle 8"/>
+          <p:cNvSpPr/>
+          <p:nvPr/>
+        </p:nvSpPr>
+        <p:spPr>
+          <a:xfrm>
+            <a:off x="3790462" y="4320606"/>
+            <a:ext cx="1563077" cy="227949"/>
+          </a:xfrm>
+          <a:prstGeom prst="rect">
+            <a:avLst/>
+          </a:prstGeom>
+        </p:spPr>
+        <p:style>
+          <a:lnRef idx="1">
+            <a:schemeClr val="dk1"/>
+          </a:lnRef>
+          <a:fillRef idx="2">
+            <a:schemeClr val="dk1"/>
+          </a:fillRef>
+          <a:effectRef idx="1">
+            <a:schemeClr val="dk1"/>
+          </a:effectRef>
+          <a:fontRef idx="minor">
+            <a:schemeClr val="dk1"/>
+          </a:fontRef>
+        </p:style>
+        <p:txBody>
+          <a:bodyPr rtlCol="0" anchor="ctr"/>
+          <a:lstStyle/>
+          <a:p>
+            <a:pPr algn="ctr"/>
+            <a:r>
+              <a:rPr lang="en-US" sz="1600" dirty="0" smtClean="0"/>
+              <a:t>Statement N</a:t>
+            </a:r>
+            <a:endParaRPr lang="en-US" sz="1600" dirty="0"/>
+          </a:p>
+        </p:txBody>
+      </p:sp>
+      <p:sp>
+        <p:nvSpPr>
+          <p:cNvPr id="10" name="Rectangle 9"/>
+          <p:cNvSpPr/>
+          <p:nvPr/>
+        </p:nvSpPr>
+        <p:spPr>
+          <a:xfrm>
+            <a:off x="3790462" y="4792134"/>
+            <a:ext cx="1563077" cy="227949"/>
+          </a:xfrm>
+          <a:prstGeom prst="rect">
+            <a:avLst/>
+          </a:prstGeom>
+        </p:spPr>
+        <p:style>
+          <a:lnRef idx="3">
+            <a:schemeClr val="lt1"/>
+          </a:lnRef>
+          <a:fillRef idx="1">
+            <a:schemeClr val="accent1"/>
+          </a:fillRef>
+          <a:effectRef idx="1">
+            <a:schemeClr val="accent1"/>
+          </a:effectRef>
+          <a:fontRef idx="minor">
+            <a:schemeClr val="lt1"/>
+          </a:fontRef>
+        </p:style>
+        <p:txBody>
+          <a:bodyPr rtlCol="0" anchor="ctr"/>
+          <a:lstStyle/>
+          <a:p>
+            <a:pPr algn="ctr"/>
+            <a:r>
+              <a:rPr lang="en-US" sz="1600" dirty="0" smtClean="0"/>
+              <a:t>End</a:t>
+            </a:r>
+            <a:endParaRPr lang="en-US" sz="1600" dirty="0"/>
+          </a:p>
+        </p:txBody>
+      </p:sp>
+      <p:sp>
+        <p:nvSpPr>
+          <p:cNvPr id="11" name="Rectangle 10"/>
+          <p:cNvSpPr/>
+          <p:nvPr/>
+        </p:nvSpPr>
+        <p:spPr>
+          <a:xfrm>
+            <a:off x="3790462" y="1983152"/>
+            <a:ext cx="1563077" cy="227949"/>
+          </a:xfrm>
+          <a:prstGeom prst="rect">
+            <a:avLst/>
+          </a:prstGeom>
+        </p:spPr>
+        <p:style>
+          <a:lnRef idx="3">
+            <a:schemeClr val="lt1"/>
+          </a:lnRef>
+          <a:fillRef idx="1">
+            <a:schemeClr val="accent1"/>
+          </a:fillRef>
+          <a:effectRef idx="1">
+            <a:schemeClr val="accent1"/>
+          </a:effectRef>
+          <a:fontRef idx="minor">
+            <a:schemeClr val="lt1"/>
+          </a:fontRef>
+        </p:style>
+        <p:txBody>
+          <a:bodyPr rtlCol="0" anchor="ctr"/>
+          <a:lstStyle/>
+          <a:p>
+            <a:pPr algn="ctr"/>
+            <a:r>
+              <a:rPr lang="en-US" sz="1600" dirty="0" smtClean="0"/>
+              <a:t>Start</a:t>
+            </a:r>
+            <a:endParaRPr lang="en-US" sz="1600" dirty="0"/>
+          </a:p>
+        </p:txBody>
+      </p:sp>
+      <p:cxnSp>
+        <p:nvCxnSpPr>
+          <p:cNvPr id="4" name="Straight Arrow Connector 3"/>
+          <p:cNvCxnSpPr>
+            <a:stCxn id="16" idx="1"/>
+            <a:endCxn id="6" idx="0"/>
+          </p:cNvCxnSpPr>
+          <p:nvPr/>
+        </p:nvCxnSpPr>
+        <p:spPr>
+          <a:xfrm flipH="1">
+            <a:off x="2585593" y="2953893"/>
+            <a:ext cx="1823587" cy="394356"/>
+          </a:xfrm>
+          <a:prstGeom prst="straightConnector1">
+            <a:avLst/>
+          </a:prstGeom>
+          <a:ln>
+            <a:solidFill>
+              <a:schemeClr val="accent3">
+                <a:lumMod val="75000"/>
+              </a:schemeClr>
+            </a:solidFill>
+            <a:tailEnd type="arrow"/>
+          </a:ln>
+        </p:spPr>
+        <p:style>
+          <a:lnRef idx="2">
+            <a:schemeClr val="accent1"/>
+          </a:lnRef>
+          <a:fillRef idx="0">
+            <a:schemeClr val="accent1"/>
+          </a:fillRef>
+          <a:effectRef idx="1">
+            <a:schemeClr val="accent1"/>
+          </a:effectRef>
+          <a:fontRef idx="minor">
+            <a:schemeClr val="tx1"/>
+          </a:fontRef>
+        </p:style>
+      </p:cxnSp>
+      <p:cxnSp>
+        <p:nvCxnSpPr>
+          <p:cNvPr id="13" name="Straight Arrow Connector 12"/>
+          <p:cNvCxnSpPr>
+            <a:stCxn id="16" idx="2"/>
+            <a:endCxn id="7" idx="0"/>
+          </p:cNvCxnSpPr>
+          <p:nvPr/>
+        </p:nvCxnSpPr>
+        <p:spPr>
+          <a:xfrm>
+            <a:off x="4572001" y="3048653"/>
+            <a:ext cx="0" cy="295684"/>
+          </a:xfrm>
+          <a:prstGeom prst="straightConnector1">
+            <a:avLst/>
+          </a:prstGeom>
+          <a:ln>
+            <a:solidFill>
+              <a:schemeClr val="accent2">
+                <a:lumMod val="75000"/>
+              </a:schemeClr>
+            </a:solidFill>
+            <a:tailEnd type="arrow"/>
+          </a:ln>
+        </p:spPr>
+        <p:style>
+          <a:lnRef idx="2">
+            <a:schemeClr val="accent1"/>
+          </a:lnRef>
+          <a:fillRef idx="0">
+            <a:schemeClr val="accent1"/>
+          </a:fillRef>
+          <a:effectRef idx="1">
+            <a:schemeClr val="accent1"/>
+          </a:effectRef>
+          <a:fontRef idx="minor">
+            <a:schemeClr val="tx1"/>
+          </a:fontRef>
+        </p:style>
+      </p:cxnSp>
+      <p:sp>
+        <p:nvSpPr>
+          <p:cNvPr id="16" name="Decision 15"/>
+          <p:cNvSpPr/>
+          <p:nvPr/>
+        </p:nvSpPr>
+        <p:spPr>
+          <a:xfrm>
+            <a:off x="4409180" y="2859132"/>
+            <a:ext cx="325641" cy="189521"/>
+          </a:xfrm>
+          <a:prstGeom prst="flowChartDecision">
+            <a:avLst/>
+          </a:prstGeom>
+        </p:spPr>
+        <p:style>
+          <a:lnRef idx="1">
+            <a:schemeClr val="accent1"/>
+          </a:lnRef>
+          <a:fillRef idx="3">
+            <a:schemeClr val="accent1"/>
+          </a:fillRef>
+          <a:effectRef idx="2">
+            <a:schemeClr val="accent1"/>
+          </a:effectRef>
+          <a:fontRef idx="minor">
+            <a:schemeClr val="lt1"/>
+          </a:fontRef>
+        </p:style>
+        <p:txBody>
+          <a:bodyPr rtlCol="0" anchor="ctr"/>
+          <a:lstStyle/>
+          <a:p>
+            <a:pPr algn="ctr"/>
+            <a:endParaRPr lang="en-US"/>
+          </a:p>
+        </p:txBody>
+      </p:sp>
+      <p:cxnSp>
+        <p:nvCxnSpPr>
+          <p:cNvPr id="26" name="Straight Arrow Connector 25"/>
+          <p:cNvCxnSpPr>
+            <a:stCxn id="5" idx="2"/>
+            <a:endCxn id="16" idx="0"/>
+          </p:cNvCxnSpPr>
+          <p:nvPr/>
+        </p:nvCxnSpPr>
+        <p:spPr>
+          <a:xfrm>
+            <a:off x="4572001" y="2617505"/>
+            <a:ext cx="0" cy="241627"/>
+          </a:xfrm>
+          <a:prstGeom prst="straightConnector1">
+            <a:avLst/>
+          </a:prstGeom>
+          <a:ln>
+            <a:tailEnd type="arrow"/>
+          </a:ln>
+        </p:spPr>
+        <p:style>
+          <a:lnRef idx="2">
+            <a:schemeClr val="accent1"/>
+          </a:lnRef>
+          <a:fillRef idx="0">
+            <a:schemeClr val="accent1"/>
+          </a:fillRef>
+          <a:effectRef idx="1">
+            <a:schemeClr val="accent1"/>
+          </a:effectRef>
+          <a:fontRef idx="minor">
+            <a:schemeClr val="tx1"/>
+          </a:fontRef>
+        </p:style>
+      </p:cxnSp>
+      <p:cxnSp>
+        <p:nvCxnSpPr>
+          <p:cNvPr id="33" name="Elbow Connector 32"/>
+          <p:cNvCxnSpPr>
+            <a:stCxn id="6" idx="2"/>
+            <a:endCxn id="8" idx="1"/>
+          </p:cNvCxnSpPr>
+          <p:nvPr/>
+        </p:nvCxnSpPr>
+        <p:spPr>
+          <a:xfrm rot="16200000" flipH="1">
+            <a:off x="2994600" y="3167190"/>
+            <a:ext cx="386855" cy="1204869"/>
+          </a:xfrm>
+          <a:prstGeom prst="bentConnector2">
+            <a:avLst/>
+          </a:prstGeom>
+          <a:ln>
+            <a:solidFill>
+              <a:schemeClr val="accent3">
+                <a:lumMod val="75000"/>
+              </a:schemeClr>
+            </a:solidFill>
+            <a:tailEnd type="arrow"/>
+          </a:ln>
+        </p:spPr>
+        <p:style>
+          <a:lnRef idx="2">
+            <a:schemeClr val="accent1"/>
+          </a:lnRef>
+          <a:fillRef idx="0">
+            <a:schemeClr val="accent1"/>
+          </a:fillRef>
+          <a:effectRef idx="1">
+            <a:schemeClr val="accent1"/>
+          </a:effectRef>
+          <a:fontRef idx="minor">
+            <a:schemeClr val="tx1"/>
+          </a:fontRef>
+        </p:style>
+      </p:cxnSp>
+      <p:cxnSp>
+        <p:nvCxnSpPr>
+          <p:cNvPr id="35" name="Elbow Connector 34"/>
+          <p:cNvCxnSpPr>
+            <a:stCxn id="7" idx="2"/>
+            <a:endCxn id="8" idx="0"/>
+          </p:cNvCxnSpPr>
+          <p:nvPr/>
+        </p:nvCxnSpPr>
+        <p:spPr>
+          <a:xfrm rot="5400000">
+            <a:off x="4433605" y="3710682"/>
+            <a:ext cx="276792" cy="12700"/>
+          </a:xfrm>
+          <a:prstGeom prst="bentConnector3">
+            <a:avLst>
+              <a:gd name="adj1" fmla="val 50000"/>
+            </a:avLst>
+          </a:prstGeom>
+          <a:ln>
+            <a:solidFill>
+              <a:schemeClr val="accent2">
+                <a:lumMod val="75000"/>
+              </a:schemeClr>
+            </a:solidFill>
+            <a:tailEnd type="arrow"/>
+          </a:ln>
+        </p:spPr>
+        <p:style>
+          <a:lnRef idx="2">
+            <a:schemeClr val="accent1"/>
+          </a:lnRef>
+          <a:fillRef idx="0">
+            <a:schemeClr val="accent1"/>
+          </a:fillRef>
+          <a:effectRef idx="1">
+            <a:schemeClr val="accent1"/>
+          </a:effectRef>
+          <a:fontRef idx="minor">
+            <a:schemeClr val="tx1"/>
+          </a:fontRef>
+        </p:style>
+      </p:cxnSp>
+      <p:cxnSp>
+        <p:nvCxnSpPr>
+          <p:cNvPr id="42" name="Straight Arrow Connector 41"/>
+          <p:cNvCxnSpPr>
+            <a:stCxn id="11" idx="2"/>
+            <a:endCxn id="5" idx="0"/>
+          </p:cNvCxnSpPr>
+          <p:nvPr/>
+        </p:nvCxnSpPr>
+        <p:spPr>
+          <a:xfrm>
+            <a:off x="4572001" y="2211101"/>
+            <a:ext cx="0" cy="178455"/>
+          </a:xfrm>
+          <a:prstGeom prst="straightConnector1">
+            <a:avLst/>
+          </a:prstGeom>
+          <a:ln>
+            <a:tailEnd type="arrow"/>
+          </a:ln>
+        </p:spPr>
+        <p:style>
+          <a:lnRef idx="2">
+            <a:schemeClr val="accent1"/>
+          </a:lnRef>
+          <a:fillRef idx="0">
+            <a:schemeClr val="accent1"/>
+          </a:fillRef>
+          <a:effectRef idx="1">
+            <a:schemeClr val="accent1"/>
+          </a:effectRef>
+          <a:fontRef idx="minor">
+            <a:schemeClr val="tx1"/>
+          </a:fontRef>
+        </p:style>
+      </p:cxnSp>
+      <p:cxnSp>
+        <p:nvCxnSpPr>
+          <p:cNvPr id="43" name="Straight Arrow Connector 42"/>
+          <p:cNvCxnSpPr>
+            <a:stCxn id="8" idx="2"/>
+            <a:endCxn id="9" idx="0"/>
+          </p:cNvCxnSpPr>
+          <p:nvPr/>
+        </p:nvCxnSpPr>
+        <p:spPr>
+          <a:xfrm>
+            <a:off x="4572001" y="4077027"/>
+            <a:ext cx="0" cy="243579"/>
+          </a:xfrm>
+          <a:prstGeom prst="straightConnector1">
+            <a:avLst/>
+          </a:prstGeom>
+          <a:ln>
+            <a:tailEnd type="arrow"/>
+          </a:ln>
+        </p:spPr>
+        <p:style>
+          <a:lnRef idx="2">
+            <a:schemeClr val="accent1"/>
+          </a:lnRef>
+          <a:fillRef idx="0">
+            <a:schemeClr val="accent1"/>
+          </a:fillRef>
+          <a:effectRef idx="1">
+            <a:schemeClr val="accent1"/>
+          </a:effectRef>
+          <a:fontRef idx="minor">
+            <a:schemeClr val="tx1"/>
+          </a:fontRef>
+        </p:style>
+      </p:cxnSp>
+      <p:cxnSp>
+        <p:nvCxnSpPr>
+          <p:cNvPr id="46" name="Straight Arrow Connector 45"/>
+          <p:cNvCxnSpPr>
+            <a:stCxn id="9" idx="2"/>
+            <a:endCxn id="10" idx="0"/>
+          </p:cNvCxnSpPr>
+          <p:nvPr/>
+        </p:nvCxnSpPr>
+        <p:spPr>
+          <a:xfrm>
+            <a:off x="4572001" y="4548555"/>
+            <a:ext cx="0" cy="243579"/>
+          </a:xfrm>
+          <a:prstGeom prst="straightConnector1">
+            <a:avLst/>
+          </a:prstGeom>
+          <a:ln>
+            <a:tailEnd type="arrow"/>
+          </a:ln>
+        </p:spPr>
+        <p:style>
+          <a:lnRef idx="2">
+            <a:schemeClr val="accent1"/>
+          </a:lnRef>
+          <a:fillRef idx="0">
+            <a:schemeClr val="accent1"/>
+          </a:fillRef>
+          <a:effectRef idx="1">
+            <a:schemeClr val="accent1"/>
+          </a:effectRef>
+          <a:fontRef idx="minor">
+            <a:schemeClr val="tx1"/>
+          </a:fontRef>
+        </p:style>
+      </p:cxnSp>
+      <p:sp>
+        <p:nvSpPr>
+          <p:cNvPr id="21" name="Rectangle 20"/>
+          <p:cNvSpPr/>
+          <p:nvPr/>
+        </p:nvSpPr>
+        <p:spPr>
+          <a:xfrm>
+            <a:off x="5805528" y="3344336"/>
+            <a:ext cx="1563077" cy="227949"/>
+          </a:xfrm>
+          <a:prstGeom prst="rect">
+            <a:avLst/>
+          </a:prstGeom>
+        </p:spPr>
+        <p:style>
+          <a:lnRef idx="1">
+            <a:schemeClr val="accent2"/>
+          </a:lnRef>
+          <a:fillRef idx="2">
+            <a:schemeClr val="accent2"/>
+          </a:fillRef>
+          <a:effectRef idx="1">
+            <a:schemeClr val="accent2"/>
+          </a:effectRef>
+          <a:fontRef idx="minor">
+            <a:schemeClr val="dk1"/>
+          </a:fontRef>
+        </p:style>
+        <p:txBody>
+          <a:bodyPr rtlCol="0" anchor="ctr"/>
+          <a:lstStyle/>
+          <a:p>
+            <a:pPr algn="ctr"/>
+            <a:r>
+              <a:rPr lang="en-US" sz="1600" dirty="0" smtClean="0"/>
+              <a:t>Statement Z</a:t>
+            </a:r>
+            <a:endParaRPr lang="en-US" sz="1600" dirty="0"/>
+          </a:p>
+        </p:txBody>
+      </p:sp>
+      <p:cxnSp>
+        <p:nvCxnSpPr>
+          <p:cNvPr id="27" name="Straight Arrow Connector 26"/>
+          <p:cNvCxnSpPr>
+            <a:stCxn id="16" idx="3"/>
+            <a:endCxn id="21" idx="0"/>
+          </p:cNvCxnSpPr>
+          <p:nvPr/>
+        </p:nvCxnSpPr>
+        <p:spPr>
+          <a:xfrm>
+            <a:off x="4734821" y="2953893"/>
+            <a:ext cx="1852246" cy="390443"/>
+          </a:xfrm>
+          <a:prstGeom prst="straightConnector1">
+            <a:avLst/>
+          </a:prstGeom>
+          <a:ln>
+            <a:solidFill>
+              <a:schemeClr val="accent4">
+                <a:lumMod val="75000"/>
+              </a:schemeClr>
+            </a:solidFill>
+            <a:tailEnd type="arrow"/>
+          </a:ln>
+        </p:spPr>
+        <p:style>
+          <a:lnRef idx="2">
+            <a:schemeClr val="accent1"/>
+          </a:lnRef>
+          <a:fillRef idx="0">
+            <a:schemeClr val="accent1"/>
+          </a:fillRef>
+          <a:effectRef idx="1">
+            <a:schemeClr val="accent1"/>
+          </a:effectRef>
+          <a:fontRef idx="minor">
+            <a:schemeClr val="tx1"/>
+          </a:fontRef>
+        </p:style>
+      </p:cxnSp>
+      <p:cxnSp>
+        <p:nvCxnSpPr>
+          <p:cNvPr id="30" name="Elbow Connector 29"/>
+          <p:cNvCxnSpPr>
+            <a:stCxn id="21" idx="2"/>
+            <a:endCxn id="8" idx="3"/>
+          </p:cNvCxnSpPr>
+          <p:nvPr/>
+        </p:nvCxnSpPr>
+        <p:spPr>
+          <a:xfrm rot="5400000">
+            <a:off x="5774919" y="3150905"/>
+            <a:ext cx="390768" cy="1233528"/>
+          </a:xfrm>
+          <a:prstGeom prst="bentConnector2">
+            <a:avLst/>
+          </a:prstGeom>
+          <a:ln>
+            <a:solidFill>
+              <a:srgbClr val="604A7B"/>
+            </a:solidFill>
+            <a:tailEnd type="arrow"/>
+          </a:ln>
+        </p:spPr>
+        <p:style>
+          <a:lnRef idx="2">
+            <a:schemeClr val="accent1"/>
+          </a:lnRef>
+          <a:fillRef idx="0">
+            <a:schemeClr val="accent1"/>
+          </a:fillRef>
+          <a:effectRef idx="1">
+            <a:schemeClr val="accent1"/>
+          </a:effectRef>
+          <a:fontRef idx="minor">
+            <a:schemeClr val="tx1"/>
+          </a:fontRef>
+        </p:style>
+      </p:cxnSp>
+    </p:spTree>
+    <p:extLst>
+      <p:ext uri="{BB962C8B-B14F-4D97-AF65-F5344CB8AC3E}">
+        <p14:creationId xmlns:p14="http://schemas.microsoft.com/office/powerpoint/2010/main" val="1602771217"/>
+      </p:ext>
+    </p:extLst>
+  </p:cSld>
+  <p:clrMapOvr>
+    <a:masterClrMapping/>
+  </p:clrMapOvr>
+</p:sld>
+</file>
+
+<file path=ppt/slides/slide117.xml><?xml version="1.0" encoding="utf-8"?>
+<p:sld xmlns:a="http://schemas.openxmlformats.org/drawingml/2006/main" xmlns:r="http://schemas.openxmlformats.org/officeDocument/2006/relationships" xmlns:p="http://schemas.openxmlformats.org/presentationml/2006/main">
+  <p:cSld>
+    <p:spTree>
+      <p:nvGrpSpPr>
+        <p:cNvPr id="1" name=""/>
+        <p:cNvGrpSpPr/>
+        <p:nvPr/>
+      </p:nvGrpSpPr>
+      <p:grpSpPr>
+        <a:xfrm>
+          <a:off x="0" y="0"/>
+          <a:ext cx="0" cy="0"/>
+          <a:chOff x="0" y="0"/>
+          <a:chExt cx="0" cy="0"/>
+        </a:xfrm>
+      </p:grpSpPr>
+      <p:sp>
+        <p:nvSpPr>
+          <p:cNvPr id="2" name="Title 1"/>
+          <p:cNvSpPr>
+            <a:spLocks noGrp="1"/>
+          </p:cNvSpPr>
+          <p:nvPr>
+            <p:ph type="title"/>
+          </p:nvPr>
+        </p:nvSpPr>
+        <p:spPr/>
+        <p:txBody>
+          <a:bodyPr/>
+          <a:lstStyle/>
+          <a:p>
+            <a:r>
+              <a:rPr lang="en-US" dirty="0"/>
+              <a:t>The ‘if’ Statement</a:t>
+            </a:r>
+          </a:p>
+        </p:txBody>
+      </p:sp>
+      <p:sp>
+        <p:nvSpPr>
+          <p:cNvPr id="3" name="Content Placeholder 2"/>
+          <p:cNvSpPr>
+            <a:spLocks noGrp="1"/>
+          </p:cNvSpPr>
+          <p:nvPr>
+            <p:ph idx="1"/>
+          </p:nvPr>
+        </p:nvSpPr>
+        <p:spPr/>
+        <p:txBody>
+          <a:bodyPr/>
+          <a:lstStyle/>
+          <a:p>
+            <a:r>
+              <a:rPr lang="en-US" dirty="0" smtClean="0"/>
+              <a:t>Formal syntax:</a:t>
+            </a:r>
+          </a:p>
+          <a:p>
+            <a:pPr marL="0" indent="0">
+              <a:buNone/>
+            </a:pPr>
+            <a:r>
+              <a:rPr lang="en-US" dirty="0"/>
+              <a:t>	</a:t>
+            </a:r>
+            <a:r>
+              <a:rPr lang="en-US" i="1" dirty="0" smtClean="0">
+                <a:solidFill>
+                  <a:srgbClr val="0000FF"/>
+                </a:solidFill>
+              </a:rPr>
+              <a:t>if</a:t>
+            </a:r>
+            <a:r>
+              <a:rPr lang="en-US" dirty="0" smtClean="0">
+                <a:solidFill>
+                  <a:srgbClr val="0000FF"/>
+                </a:solidFill>
+              </a:rPr>
+              <a:t> </a:t>
+            </a:r>
+            <a:r>
+              <a:rPr lang="en-US" dirty="0" smtClean="0">
+                <a:solidFill>
+                  <a:srgbClr val="000000"/>
+                </a:solidFill>
+              </a:rPr>
+              <a:t>(</a:t>
+            </a:r>
+            <a:r>
+              <a:rPr lang="en-US" i="1" dirty="0" smtClean="0">
+                <a:solidFill>
+                  <a:srgbClr val="C0504D"/>
+                </a:solidFill>
+              </a:rPr>
+              <a:t>condition</a:t>
+            </a:r>
+            <a:r>
+              <a:rPr lang="en-US" i="1" dirty="0" smtClean="0">
+                <a:solidFill>
+                  <a:srgbClr val="000000"/>
+                </a:solidFill>
+              </a:rPr>
+              <a:t>)</a:t>
+            </a:r>
+            <a:r>
+              <a:rPr lang="en-US" dirty="0" smtClean="0">
+                <a:solidFill>
+                  <a:srgbClr val="C0504D"/>
+                </a:solidFill>
+              </a:rPr>
+              <a:t> </a:t>
+            </a:r>
+            <a:r>
+              <a:rPr lang="en-US" dirty="0" smtClean="0">
+                <a:solidFill>
+                  <a:srgbClr val="008000"/>
+                </a:solidFill>
+              </a:rPr>
+              <a:t>block</a:t>
+            </a:r>
+          </a:p>
+          <a:p>
+            <a:pPr marL="0" indent="0">
+              <a:buNone/>
+            </a:pPr>
+            <a:r>
+              <a:rPr lang="en-US" dirty="0"/>
+              <a:t>	</a:t>
+            </a:r>
+            <a:r>
+              <a:rPr lang="en-US" i="1" dirty="0" smtClean="0">
+                <a:solidFill>
+                  <a:srgbClr val="0000FF"/>
+                </a:solidFill>
+              </a:rPr>
+              <a:t>else if </a:t>
+            </a:r>
+            <a:r>
+              <a:rPr lang="en-US" dirty="0">
+                <a:solidFill>
+                  <a:srgbClr val="000000"/>
+                </a:solidFill>
+              </a:rPr>
+              <a:t>(</a:t>
+            </a:r>
+            <a:r>
+              <a:rPr lang="en-US" i="1" dirty="0" smtClean="0">
+                <a:solidFill>
+                  <a:srgbClr val="C0504D"/>
+                </a:solidFill>
+              </a:rPr>
+              <a:t>condition</a:t>
+            </a:r>
+            <a:r>
+              <a:rPr lang="en-US" i="1" dirty="0">
+                <a:solidFill>
+                  <a:srgbClr val="000000"/>
+                </a:solidFill>
+              </a:rPr>
+              <a:t>)</a:t>
+            </a:r>
+            <a:r>
+              <a:rPr lang="en-US" dirty="0" smtClean="0">
+                <a:solidFill>
+                  <a:srgbClr val="C0504D"/>
+                </a:solidFill>
+              </a:rPr>
+              <a:t> </a:t>
+            </a:r>
+            <a:r>
+              <a:rPr lang="en-US" dirty="0" smtClean="0">
+                <a:solidFill>
+                  <a:srgbClr val="008000"/>
+                </a:solidFill>
+              </a:rPr>
+              <a:t>block</a:t>
+            </a:r>
+          </a:p>
+          <a:p>
+            <a:pPr marL="0" indent="0">
+              <a:buNone/>
+            </a:pPr>
+            <a:r>
+              <a:rPr lang="en-US" dirty="0"/>
+              <a:t>	</a:t>
+            </a:r>
+            <a:r>
+              <a:rPr lang="is-IS" dirty="0" smtClean="0"/>
+              <a:t>…</a:t>
+            </a:r>
+            <a:endParaRPr lang="en-US" dirty="0" smtClean="0"/>
+          </a:p>
+          <a:p>
+            <a:pPr marL="0" indent="0">
+              <a:buNone/>
+            </a:pPr>
+            <a:r>
+              <a:rPr lang="en-US" dirty="0"/>
+              <a:t>	</a:t>
+            </a:r>
+            <a:r>
+              <a:rPr lang="en-US" i="1" dirty="0" smtClean="0">
+                <a:solidFill>
+                  <a:srgbClr val="0000FF"/>
+                </a:solidFill>
+              </a:rPr>
+              <a:t>else</a:t>
+            </a:r>
+            <a:r>
+              <a:rPr lang="en-US" dirty="0" smtClean="0">
+                <a:solidFill>
+                  <a:srgbClr val="0000FF"/>
+                </a:solidFill>
+              </a:rPr>
+              <a:t> </a:t>
+            </a:r>
+            <a:r>
+              <a:rPr lang="en-US" dirty="0" smtClean="0">
+                <a:solidFill>
+                  <a:srgbClr val="008000"/>
+                </a:solidFill>
+              </a:rPr>
+              <a:t>block</a:t>
+            </a:r>
+          </a:p>
+          <a:p>
+            <a:r>
+              <a:rPr lang="en-US" dirty="0" smtClean="0">
+                <a:solidFill>
+                  <a:srgbClr val="000000"/>
+                </a:solidFill>
+              </a:rPr>
+              <a:t>Where:</a:t>
+            </a:r>
+          </a:p>
+          <a:p>
+            <a:pPr lvl="1"/>
+            <a:r>
+              <a:rPr lang="en-US" dirty="0" smtClean="0">
+                <a:solidFill>
+                  <a:srgbClr val="000000"/>
+                </a:solidFill>
+              </a:rPr>
+              <a:t>Condition is an expression that evaluates to the </a:t>
+            </a:r>
+            <a:r>
+              <a:rPr lang="en-US" dirty="0" err="1" smtClean="0">
+                <a:solidFill>
+                  <a:srgbClr val="000000"/>
+                </a:solidFill>
+              </a:rPr>
+              <a:t>boolean</a:t>
+            </a:r>
+            <a:r>
+              <a:rPr lang="en-US" dirty="0" smtClean="0">
+                <a:solidFill>
+                  <a:srgbClr val="000000"/>
+                </a:solidFill>
+              </a:rPr>
+              <a:t> type </a:t>
+            </a:r>
+            <a:r>
+              <a:rPr lang="en-US" i="1" dirty="0" smtClean="0">
+                <a:solidFill>
+                  <a:srgbClr val="FF6600"/>
+                </a:solidFill>
+              </a:rPr>
+              <a:t>true</a:t>
+            </a:r>
+            <a:r>
+              <a:rPr lang="en-US" dirty="0" smtClean="0">
+                <a:solidFill>
+                  <a:srgbClr val="FF6600"/>
+                </a:solidFill>
+              </a:rPr>
+              <a:t> </a:t>
+            </a:r>
+            <a:r>
+              <a:rPr lang="en-US" dirty="0" smtClean="0">
+                <a:solidFill>
+                  <a:srgbClr val="000000"/>
+                </a:solidFill>
+              </a:rPr>
+              <a:t>or </a:t>
+            </a:r>
+            <a:r>
+              <a:rPr lang="en-US" i="1" dirty="0" smtClean="0">
+                <a:solidFill>
+                  <a:srgbClr val="FF6600"/>
+                </a:solidFill>
+              </a:rPr>
+              <a:t>false</a:t>
+            </a:r>
+          </a:p>
+        </p:txBody>
+      </p:sp>
+    </p:spTree>
+    <p:extLst>
+      <p:ext uri="{BB962C8B-B14F-4D97-AF65-F5344CB8AC3E}">
+        <p14:creationId xmlns:p14="http://schemas.microsoft.com/office/powerpoint/2010/main" val="4009721839"/>
+      </p:ext>
+    </p:extLst>
+  </p:cSld>
+  <p:clrMapOvr>
+    <a:masterClrMapping/>
+  </p:clrMapOvr>
+</p:sld>
+</file>
+
+<file path=ppt/slides/slide118.xml><?xml version="1.0" encoding="utf-8"?>
+<p:sld xmlns:a="http://schemas.openxmlformats.org/drawingml/2006/main" xmlns:r="http://schemas.openxmlformats.org/officeDocument/2006/relationships" xmlns:p="http://schemas.openxmlformats.org/presentationml/2006/main">
+  <p:cSld>
+    <p:spTree>
+      <p:nvGrpSpPr>
+        <p:cNvPr id="1" name=""/>
+        <p:cNvGrpSpPr/>
+        <p:nvPr/>
+      </p:nvGrpSpPr>
+      <p:grpSpPr>
+        <a:xfrm>
+          <a:off x="0" y="0"/>
+          <a:ext cx="0" cy="0"/>
+          <a:chOff x="0" y="0"/>
+          <a:chExt cx="0" cy="0"/>
+        </a:xfrm>
+      </p:grpSpPr>
+      <p:sp>
+        <p:nvSpPr>
+          <p:cNvPr id="2" name="Title 1"/>
+          <p:cNvSpPr>
+            <a:spLocks noGrp="1"/>
+          </p:cNvSpPr>
+          <p:nvPr>
+            <p:ph type="title"/>
+          </p:nvPr>
+        </p:nvSpPr>
+        <p:spPr/>
+        <p:txBody>
+          <a:bodyPr/>
+          <a:lstStyle/>
+          <a:p>
+            <a:r>
+              <a:rPr lang="en-US" dirty="0" smtClean="0"/>
+              <a:t>Conclusion</a:t>
+            </a:r>
+            <a:endParaRPr lang="en-US" dirty="0"/>
+          </a:p>
+        </p:txBody>
+      </p:sp>
+      <p:sp>
+        <p:nvSpPr>
+          <p:cNvPr id="3" name="Content Placeholder 2"/>
+          <p:cNvSpPr>
+            <a:spLocks noGrp="1"/>
+          </p:cNvSpPr>
+          <p:nvPr>
+            <p:ph idx="1"/>
+          </p:nvPr>
+        </p:nvSpPr>
+        <p:spPr/>
+        <p:txBody>
+          <a:bodyPr>
+            <a:normAutofit/>
+          </a:bodyPr>
+          <a:lstStyle/>
+          <a:p>
+            <a:pPr marL="514350" indent="-514350">
+              <a:buFont typeface="+mj-lt"/>
+              <a:buAutoNum type="arabicPeriod"/>
+            </a:pPr>
+            <a:r>
+              <a:rPr lang="en-US" dirty="0" smtClean="0"/>
+              <a:t>Control </a:t>
+            </a:r>
+            <a:r>
+              <a:rPr lang="en-US" dirty="0" smtClean="0"/>
+              <a:t>Flow gives the programmer the ability to write more sophisticated and elegant </a:t>
+            </a:r>
+            <a:r>
+              <a:rPr lang="en-US" dirty="0" smtClean="0"/>
+              <a:t>programs</a:t>
+            </a:r>
+          </a:p>
+          <a:p>
+            <a:pPr marL="514350" indent="-514350">
+              <a:buFont typeface="+mj-lt"/>
+              <a:buAutoNum type="arabicPeriod"/>
+            </a:pPr>
+            <a:r>
+              <a:rPr lang="en-US" dirty="0" smtClean="0"/>
+              <a:t>The ‘if’ statement is one of the most often used control-flow statement</a:t>
+            </a:r>
+          </a:p>
+          <a:p>
+            <a:pPr marL="514350" indent="-514350">
+              <a:buFont typeface="+mj-lt"/>
+              <a:buAutoNum type="arabicPeriod"/>
+            </a:pPr>
+            <a:r>
+              <a:rPr lang="en-US" dirty="0" smtClean="0"/>
+              <a:t>The ‘if’ statement allows for the execution of different branches in the program</a:t>
+            </a:r>
+            <a:endParaRPr lang="en-US" dirty="0"/>
+          </a:p>
+        </p:txBody>
+      </p:sp>
+    </p:spTree>
+    <p:extLst>
+      <p:ext uri="{BB962C8B-B14F-4D97-AF65-F5344CB8AC3E}">
+        <p14:creationId xmlns:p14="http://schemas.microsoft.com/office/powerpoint/2010/main" val="3398777081"/>
+      </p:ext>
+    </p:extLst>
+  </p:cSld>
+  <p:clrMapOvr>
+    <a:masterClrMapping/>
+  </p:clrMapOvr>
 </p:sld>
 </file>
 
@@ -54758,22 +57309,18 @@
           <a:p>
             <a:r>
               <a:rPr lang="en-US" dirty="0" smtClean="0"/>
-              <a:t>#39 – Section 15</a:t>
+              <a:t>#39 – </a:t>
+            </a:r>
+            <a:r>
+              <a:rPr lang="en-US" smtClean="0"/>
+              <a:t>Section 15</a:t>
             </a:r>
             <a:endParaRPr lang="en-US" dirty="0"/>
           </a:p>
           <a:p>
             <a:r>
               <a:rPr lang="en-US" dirty="0" smtClean="0"/>
-              <a:t>Objects</a:t>
-            </a:r>
-            <a:r>
-              <a:rPr lang="en-US" smtClean="0"/>
-              <a:t>: “Everything” </a:t>
-            </a:r>
-            <a:r>
-              <a:rPr lang="en-US" dirty="0" smtClean="0"/>
-              <a:t>Is An Object</a:t>
+              <a:t>Objects: “Everything” Is An Object</a:t>
             </a:r>
           </a:p>
         </p:txBody>
@@ -54906,56 +57453,52 @@
           <a:chExt cx="0" cy="0"/>
         </a:xfrm>
       </p:grpSpPr>
-      <p:sp>
-        <p:nvSpPr>
-          <p:cNvPr id="2" name="Title 1"/>
-          <p:cNvSpPr>
-            <a:spLocks noGrp="1"/>
-          </p:cNvSpPr>
-          <p:nvPr>
-            <p:ph type="title"/>
-          </p:nvPr>
-        </p:nvSpPr>
-        <p:spPr>
-          <a:xfrm>
-            <a:off x="457200" y="274638"/>
-            <a:ext cx="8229600" cy="903386"/>
-          </a:xfrm>
-        </p:spPr>
-        <p:txBody>
-          <a:bodyPr/>
-          <a:lstStyle/>
-          <a:p>
-            <a:r>
-              <a:rPr lang="en-US" dirty="0" smtClean="0"/>
-              <a:t>Example-01</a:t>
-            </a:r>
-            <a:endParaRPr lang="en-US" dirty="0"/>
-          </a:p>
-        </p:txBody>
-      </p:sp>
       <p:pic>
         <p:nvPicPr>
-          <p:cNvPr id="4" name="Content Placeholder 3"/>
+          <p:cNvPr id="6" name="Picture 5"/>
           <p:cNvPicPr>
-            <a:picLocks noGrp="1" noChangeAspect="1"/>
+            <a:picLocks noChangeAspect="1"/>
           </p:cNvPicPr>
-          <p:nvPr>
-            <p:ph idx="1"/>
-          </p:nvPr>
+          <p:nvPr/>
         </p:nvPicPr>
         <p:blipFill>
           <a:blip r:embed="rId2"/>
-          <a:srcRect l="-38916" r="-38916"/>
           <a:stretch>
             <a:fillRect/>
           </a:stretch>
         </p:blipFill>
         <p:spPr>
           <a:xfrm>
-            <a:off x="457200" y="1263922"/>
-            <a:ext cx="8229600" cy="5252022"/>
-          </a:xfrm>
+            <a:off x="1292816" y="93459"/>
+            <a:ext cx="6558369" cy="4316697"/>
+          </a:xfrm>
+          <a:prstGeom prst="rect">
+            <a:avLst/>
+          </a:prstGeom>
+        </p:spPr>
+      </p:pic>
+      <p:pic>
+        <p:nvPicPr>
+          <p:cNvPr id="7" name="Picture 6"/>
+          <p:cNvPicPr>
+            <a:picLocks noChangeAspect="1"/>
+          </p:cNvPicPr>
+          <p:nvPr/>
+        </p:nvPicPr>
+        <p:blipFill>
+          <a:blip r:embed="rId3"/>
+          <a:stretch>
+            <a:fillRect/>
+          </a:stretch>
+        </p:blipFill>
+        <p:spPr>
+          <a:xfrm>
+            <a:off x="2155744" y="4410157"/>
+            <a:ext cx="4832512" cy="2447842"/>
+          </a:xfrm>
+          <a:prstGeom prst="rect">
+            <a:avLst/>
+          </a:prstGeom>
         </p:spPr>
       </p:pic>
     </p:spTree>

--- a/docs/learn-computer-programming.pptx
+++ b/docs/learn-computer-programming.pptx
@@ -123,6 +123,13 @@
     <p:sldId id="383" r:id="rId117"/>
     <p:sldId id="386" r:id="rId118"/>
     <p:sldId id="377" r:id="rId119"/>
+    <p:sldId id="395" r:id="rId120"/>
+    <p:sldId id="397" r:id="rId121"/>
+    <p:sldId id="398" r:id="rId122"/>
+    <p:sldId id="399" r:id="rId123"/>
+    <p:sldId id="400" r:id="rId124"/>
+    <p:sldId id="401" r:id="rId125"/>
+    <p:sldId id="402" r:id="rId126"/>
   </p:sldIdLst>
   <p:sldSz cx="9144000" cy="6858000" type="screen4x3"/>
   <p:notesSz cx="6858000" cy="9144000"/>
@@ -5289,42 +5296,42 @@
     </dgm:pt>
   </dgm:ptLst>
   <dgm:cxnLst>
+    <dgm:cxn modelId="{0A19088C-A894-A349-B6F2-D0CA96CD47FA}" srcId="{960CE163-DF35-2B44-83E7-B9153BC66084}" destId="{1AD1EA1C-020E-5744-81BA-AEEC1A7A11F3}" srcOrd="2" destOrd="0" parTransId="{12CF4121-F3B4-5C45-B72F-C1FB37DD3C0D}" sibTransId="{E7356A86-2BC1-2844-87C1-0F4142A0BACE}"/>
+    <dgm:cxn modelId="{A5EF75CA-949B-FB42-A967-633DBF9C5416}" srcId="{67DF074B-DE05-B24C-9E35-CDBF726DC2DD}" destId="{2CF1C699-9046-8C42-87E6-2861BF37D660}" srcOrd="1" destOrd="0" parTransId="{F9A1264F-2EB8-8148-8E8F-B74886C30473}" sibTransId="{2B88B2F7-3FE5-E743-A3EF-F1DB3821C219}"/>
+    <dgm:cxn modelId="{1BB5FA34-3C64-DD46-93EA-B2497E30C558}" type="presOf" srcId="{0C3731E6-7189-414B-8AA4-AA411ADE82DC}" destId="{F42357F4-6E12-A041-A7D6-81713E5E517B}" srcOrd="0" destOrd="0" presId="urn:microsoft.com/office/officeart/2005/8/layout/hierarchy1"/>
+    <dgm:cxn modelId="{4143E40A-3339-5746-9665-4720B7275017}" type="presOf" srcId="{4261D7F4-A7D0-3F49-B78A-20CFB380B683}" destId="{C2C1A37D-940A-6743-AC99-D92FAAA879A9}" srcOrd="0" destOrd="0" presId="urn:microsoft.com/office/officeart/2005/8/layout/hierarchy1"/>
+    <dgm:cxn modelId="{62868263-8B87-BF41-9DB1-C409701EE1E3}" type="presOf" srcId="{184A7FBE-4658-3046-B4A7-4EBDDC670AD1}" destId="{2E4A94D1-71F0-A046-B95F-18095848F38A}" srcOrd="0" destOrd="0" presId="urn:microsoft.com/office/officeart/2005/8/layout/hierarchy1"/>
+    <dgm:cxn modelId="{56B8DE62-0A59-E34F-BA89-ACA8FE07FD37}" type="presOf" srcId="{A215CF19-F4EB-414A-A10F-B2A96141FE91}" destId="{0B86410B-498D-AB4D-9967-4C4AEDB1DF45}" srcOrd="0" destOrd="0" presId="urn:microsoft.com/office/officeart/2005/8/layout/hierarchy1"/>
+    <dgm:cxn modelId="{4CC6FB2A-BDF9-2948-B3E8-8BFD444DE0F5}" srcId="{67DF074B-DE05-B24C-9E35-CDBF726DC2DD}" destId="{632DBD1E-A080-C14D-89CD-94A8C0F3CF25}" srcOrd="0" destOrd="0" parTransId="{563BE0E2-35F1-EA43-92A4-487E8781D214}" sibTransId="{BC85FB81-59E3-3246-A1DB-AA9BCA174B1A}"/>
+    <dgm:cxn modelId="{7E833AC7-C906-EC48-8CF2-050B2E9E6DD6}" type="presOf" srcId="{632DBD1E-A080-C14D-89CD-94A8C0F3CF25}" destId="{2246CDBD-2CA8-A34C-A89B-E32ACB07E97A}" srcOrd="0" destOrd="0" presId="urn:microsoft.com/office/officeart/2005/8/layout/hierarchy1"/>
+    <dgm:cxn modelId="{48C3CFE4-65EB-9D4E-A0CE-F9F821B5D78C}" srcId="{FE86CB60-E462-414C-BF0E-606A57D7AD93}" destId="{9C7D04B1-85B2-3F41-9343-3724449F75B3}" srcOrd="0" destOrd="0" parTransId="{184A7FBE-4658-3046-B4A7-4EBDDC670AD1}" sibTransId="{5D03D28D-4580-AA4E-B725-784F886C6797}"/>
+    <dgm:cxn modelId="{5125BE48-CBDA-9E46-A5EC-A00E5922E856}" type="presOf" srcId="{8C382D6E-A069-234E-96CC-A5A865E2BBBD}" destId="{C6BA431E-FA40-1D4E-A3D8-2A8BD37A2453}" srcOrd="0" destOrd="0" presId="urn:microsoft.com/office/officeart/2005/8/layout/hierarchy1"/>
+    <dgm:cxn modelId="{FFC55F0E-24F0-0940-B0B5-F6820B65D7C7}" type="presOf" srcId="{E5C8F682-32CD-424A-896C-91EAD3E64C45}" destId="{76B33B1D-4CA5-544F-BF28-B308B507EF10}" srcOrd="0" destOrd="0" presId="urn:microsoft.com/office/officeart/2005/8/layout/hierarchy1"/>
+    <dgm:cxn modelId="{BE4A5523-AA4B-D244-80FB-A948E67617FE}" srcId="{AE7EA77A-1D8E-3F42-95E1-4EB11A443A81}" destId="{4261D7F4-A7D0-3F49-B78A-20CFB380B683}" srcOrd="0" destOrd="0" parTransId="{8C382D6E-A069-234E-96CC-A5A865E2BBBD}" sibTransId="{BFE6C573-BEC1-BB44-914C-4A90CDE91A1A}"/>
+    <dgm:cxn modelId="{BD876DF4-FBEE-9943-863F-7B7F61CBAEA9}" srcId="{960CE163-DF35-2B44-83E7-B9153BC66084}" destId="{FE86CB60-E462-414C-BF0E-606A57D7AD93}" srcOrd="3" destOrd="0" parTransId="{70F0D127-9705-B346-8456-2EA73B6E30CF}" sibTransId="{B2965BF0-14E0-474E-A2AB-CCA4521513DD}"/>
+    <dgm:cxn modelId="{7B0EFE83-8F7C-2148-A812-1F8ACB477747}" type="presOf" srcId="{F9A1264F-2EB8-8148-8E8F-B74886C30473}" destId="{9541F663-17CE-1449-B545-4E9F3C558C3A}" srcOrd="0" destOrd="0" presId="urn:microsoft.com/office/officeart/2005/8/layout/hierarchy1"/>
+    <dgm:cxn modelId="{1FDA42F0-000F-6E4D-ACBD-DD297AF16C8B}" type="presOf" srcId="{960CE163-DF35-2B44-83E7-B9153BC66084}" destId="{923B0C63-79B7-9B4A-94B9-19130FBE5D7B}" srcOrd="0" destOrd="0" presId="urn:microsoft.com/office/officeart/2005/8/layout/hierarchy1"/>
+    <dgm:cxn modelId="{C885BB5D-362B-1847-87CF-E1B639313EA0}" srcId="{FE86CB60-E462-414C-BF0E-606A57D7AD93}" destId="{E5C8F682-32CD-424A-896C-91EAD3E64C45}" srcOrd="2" destOrd="0" parTransId="{E3372A67-8AD5-414E-9A1F-4D9E3CFF6332}" sibTransId="{B77BD5BE-E444-A847-B5CA-1B150064119C}"/>
+    <dgm:cxn modelId="{68A68B6C-C4A2-404D-9619-7E596F60AE28}" srcId="{FE86CB60-E462-414C-BF0E-606A57D7AD93}" destId="{67DF074B-DE05-B24C-9E35-CDBF726DC2DD}" srcOrd="1" destOrd="0" parTransId="{0C3731E6-7189-414B-8AA4-AA411ADE82DC}" sibTransId="{4A343348-5A18-A64D-B967-67FF94A2182D}"/>
+    <dgm:cxn modelId="{E1A0809A-BAEA-BF42-92A8-DDEE32055693}" type="presOf" srcId="{9C7D04B1-85B2-3F41-9343-3724449F75B3}" destId="{AD6B8219-1F5B-DA4F-B261-22B5D0551A94}" srcOrd="0" destOrd="0" presId="urn:microsoft.com/office/officeart/2005/8/layout/hierarchy1"/>
+    <dgm:cxn modelId="{74C3DF55-2571-4A42-A3D4-79D2D7286452}" type="presOf" srcId="{12CF4121-F3B4-5C45-B72F-C1FB37DD3C0D}" destId="{800FD04D-B3AC-0B4A-955F-2E2198D77D53}" srcOrd="0" destOrd="0" presId="urn:microsoft.com/office/officeart/2005/8/layout/hierarchy1"/>
+    <dgm:cxn modelId="{7DFEC403-3D07-E147-94A7-6948508849D0}" type="presOf" srcId="{563BE0E2-35F1-EA43-92A4-487E8781D214}" destId="{1F5FFC55-2839-634C-8F0C-96EACF5BE3CB}" srcOrd="0" destOrd="0" presId="urn:microsoft.com/office/officeart/2005/8/layout/hierarchy1"/>
+    <dgm:cxn modelId="{D2D6BF3A-81D0-9346-B33A-086AABA7D7D7}" type="presOf" srcId="{D0F565E7-5D70-054E-90E0-C19FE13B6790}" destId="{6B84F89A-BB62-184B-ACA8-8A1AAAE34DE1}" srcOrd="0" destOrd="0" presId="urn:microsoft.com/office/officeart/2005/8/layout/hierarchy1"/>
+    <dgm:cxn modelId="{FE6DB9C5-C848-C041-9BAC-D3D409ECA3D7}" type="presOf" srcId="{67DF074B-DE05-B24C-9E35-CDBF726DC2DD}" destId="{EBC8209D-BB74-B44A-A57A-C51ABEDBBAE8}" srcOrd="0" destOrd="0" presId="urn:microsoft.com/office/officeart/2005/8/layout/hierarchy1"/>
+    <dgm:cxn modelId="{09A4557F-E6E3-CA46-A390-4566B55E38CE}" srcId="{AE7EA77A-1D8E-3F42-95E1-4EB11A443A81}" destId="{A215CF19-F4EB-414A-A10F-B2A96141FE91}" srcOrd="1" destOrd="0" parTransId="{4810192D-B607-5A42-8DCE-8CFCF1A82427}" sibTransId="{466C1D3C-619E-C448-BF54-2F35FBFACADE}"/>
+    <dgm:cxn modelId="{8BD052AF-949A-F948-A12A-2F16C08A8BAA}" type="presOf" srcId="{4810192D-B607-5A42-8DCE-8CFCF1A82427}" destId="{28156514-4C64-AE45-A406-98283D6076D6}" srcOrd="0" destOrd="0" presId="urn:microsoft.com/office/officeart/2005/8/layout/hierarchy1"/>
+    <dgm:cxn modelId="{629969CD-5D04-2A43-B3AF-FE8A98094A86}" type="presOf" srcId="{6C0275DE-9DFE-0E43-8DDA-D28DD222D71F}" destId="{8CFA3E84-678E-C345-8D46-63E85CF195E2}" srcOrd="0" destOrd="0" presId="urn:microsoft.com/office/officeart/2005/8/layout/hierarchy1"/>
     <dgm:cxn modelId="{250B2BE2-FEC5-CD47-89C4-F8108BC7D53A}" type="presOf" srcId="{FE86CB60-E462-414C-BF0E-606A57D7AD93}" destId="{6603764C-B415-664F-8885-A7DAA8CAF3E7}" srcOrd="0" destOrd="0" presId="urn:microsoft.com/office/officeart/2005/8/layout/hierarchy1"/>
     <dgm:cxn modelId="{1D703EA7-18EF-A644-AD84-6BA0E7A84E48}" srcId="{960CE163-DF35-2B44-83E7-B9153BC66084}" destId="{AE7EA77A-1D8E-3F42-95E1-4EB11A443A81}" srcOrd="0" destOrd="0" parTransId="{D0F565E7-5D70-054E-90E0-C19FE13B6790}" sibTransId="{A9860EA9-F28C-E04C-8CCC-2E75895ED615}"/>
-    <dgm:cxn modelId="{BD876DF4-FBEE-9943-863F-7B7F61CBAEA9}" srcId="{960CE163-DF35-2B44-83E7-B9153BC66084}" destId="{FE86CB60-E462-414C-BF0E-606A57D7AD93}" srcOrd="3" destOrd="0" parTransId="{70F0D127-9705-B346-8456-2EA73B6E30CF}" sibTransId="{B2965BF0-14E0-474E-A2AB-CCA4521513DD}"/>
+    <dgm:cxn modelId="{8FC20289-4F63-9E49-BD79-567030E07E0D}" srcId="{960CE163-DF35-2B44-83E7-B9153BC66084}" destId="{4D875376-E6B9-804F-AC85-A1D4337BBC8A}" srcOrd="1" destOrd="0" parTransId="{6C0275DE-9DFE-0E43-8DDA-D28DD222D71F}" sibTransId="{5CBDE70F-8F73-B144-BE9A-D54839868342}"/>
+    <dgm:cxn modelId="{E7733746-4C87-234A-9D3E-4005D8B583BC}" srcId="{84B85FB8-CE49-454E-AFD0-26748DF588CB}" destId="{960CE163-DF35-2B44-83E7-B9153BC66084}" srcOrd="0" destOrd="0" parTransId="{15F9C8B3-0868-F148-A166-96327192876A}" sibTransId="{AE4D7356-6DD9-B04F-A5BC-257D53ADE85C}"/>
+    <dgm:cxn modelId="{89EEE784-3EED-8F43-8217-BBD1C237CA84}" type="presOf" srcId="{2CF1C699-9046-8C42-87E6-2861BF37D660}" destId="{9152FE1E-3F9F-1945-845B-196FD4FE9E7F}" srcOrd="0" destOrd="0" presId="urn:microsoft.com/office/officeart/2005/8/layout/hierarchy1"/>
+    <dgm:cxn modelId="{517E7342-1ED5-B24E-84A1-2A79CCE5BC2A}" type="presOf" srcId="{4D875376-E6B9-804F-AC85-A1D4337BBC8A}" destId="{0FEFC8CB-58CB-4A43-9867-EED6738F0C0F}" srcOrd="0" destOrd="0" presId="urn:microsoft.com/office/officeart/2005/8/layout/hierarchy1"/>
+    <dgm:cxn modelId="{FB5948D5-A112-7E4F-A7A4-599731141072}" type="presOf" srcId="{E3372A67-8AD5-414E-9A1F-4D9E3CFF6332}" destId="{BA61A876-7050-3746-8DAE-0686A0FD0957}" srcOrd="0" destOrd="0" presId="urn:microsoft.com/office/officeart/2005/8/layout/hierarchy1"/>
     <dgm:cxn modelId="{BDB62AEF-004A-3E4A-BA04-15FFC883C6DC}" type="presOf" srcId="{1AD1EA1C-020E-5744-81BA-AEEC1A7A11F3}" destId="{D86CCABB-994E-2B44-9B36-549A167DC946}" srcOrd="0" destOrd="0" presId="urn:microsoft.com/office/officeart/2005/8/layout/hierarchy1"/>
-    <dgm:cxn modelId="{E1A0809A-BAEA-BF42-92A8-DDEE32055693}" type="presOf" srcId="{9C7D04B1-85B2-3F41-9343-3724449F75B3}" destId="{AD6B8219-1F5B-DA4F-B261-22B5D0551A94}" srcOrd="0" destOrd="0" presId="urn:microsoft.com/office/officeart/2005/8/layout/hierarchy1"/>
-    <dgm:cxn modelId="{56B8DE62-0A59-E34F-BA89-ACA8FE07FD37}" type="presOf" srcId="{A215CF19-F4EB-414A-A10F-B2A96141FE91}" destId="{0B86410B-498D-AB4D-9967-4C4AEDB1DF45}" srcOrd="0" destOrd="0" presId="urn:microsoft.com/office/officeart/2005/8/layout/hierarchy1"/>
-    <dgm:cxn modelId="{D2D6BF3A-81D0-9346-B33A-086AABA7D7D7}" type="presOf" srcId="{D0F565E7-5D70-054E-90E0-C19FE13B6790}" destId="{6B84F89A-BB62-184B-ACA8-8A1AAAE34DE1}" srcOrd="0" destOrd="0" presId="urn:microsoft.com/office/officeart/2005/8/layout/hierarchy1"/>
-    <dgm:cxn modelId="{62868263-8B87-BF41-9DB1-C409701EE1E3}" type="presOf" srcId="{184A7FBE-4658-3046-B4A7-4EBDDC670AD1}" destId="{2E4A94D1-71F0-A046-B95F-18095848F38A}" srcOrd="0" destOrd="0" presId="urn:microsoft.com/office/officeart/2005/8/layout/hierarchy1"/>
-    <dgm:cxn modelId="{1BB5FA34-3C64-DD46-93EA-B2497E30C558}" type="presOf" srcId="{0C3731E6-7189-414B-8AA4-AA411ADE82DC}" destId="{F42357F4-6E12-A041-A7D6-81713E5E517B}" srcOrd="0" destOrd="0" presId="urn:microsoft.com/office/officeart/2005/8/layout/hierarchy1"/>
-    <dgm:cxn modelId="{4CC6FB2A-BDF9-2948-B3E8-8BFD444DE0F5}" srcId="{67DF074B-DE05-B24C-9E35-CDBF726DC2DD}" destId="{632DBD1E-A080-C14D-89CD-94A8C0F3CF25}" srcOrd="0" destOrd="0" parTransId="{563BE0E2-35F1-EA43-92A4-487E8781D214}" sibTransId="{BC85FB81-59E3-3246-A1DB-AA9BCA174B1A}"/>
-    <dgm:cxn modelId="{48C3CFE4-65EB-9D4E-A0CE-F9F821B5D78C}" srcId="{FE86CB60-E462-414C-BF0E-606A57D7AD93}" destId="{9C7D04B1-85B2-3F41-9343-3724449F75B3}" srcOrd="0" destOrd="0" parTransId="{184A7FBE-4658-3046-B4A7-4EBDDC670AD1}" sibTransId="{5D03D28D-4580-AA4E-B725-784F886C6797}"/>
-    <dgm:cxn modelId="{89EEE784-3EED-8F43-8217-BBD1C237CA84}" type="presOf" srcId="{2CF1C699-9046-8C42-87E6-2861BF37D660}" destId="{9152FE1E-3F9F-1945-845B-196FD4FE9E7F}" srcOrd="0" destOrd="0" presId="urn:microsoft.com/office/officeart/2005/8/layout/hierarchy1"/>
-    <dgm:cxn modelId="{68A68B6C-C4A2-404D-9619-7E596F60AE28}" srcId="{FE86CB60-E462-414C-BF0E-606A57D7AD93}" destId="{67DF074B-DE05-B24C-9E35-CDBF726DC2DD}" srcOrd="1" destOrd="0" parTransId="{0C3731E6-7189-414B-8AA4-AA411ADE82DC}" sibTransId="{4A343348-5A18-A64D-B967-67FF94A2182D}"/>
     <dgm:cxn modelId="{80E2C3F7-058F-1C40-8356-C15390BA6FDF}" type="presOf" srcId="{70F0D127-9705-B346-8456-2EA73B6E30CF}" destId="{201C7CC6-525A-FE42-B4FF-8C5914387024}" srcOrd="0" destOrd="0" presId="urn:microsoft.com/office/officeart/2005/8/layout/hierarchy1"/>
-    <dgm:cxn modelId="{8BD052AF-949A-F948-A12A-2F16C08A8BAA}" type="presOf" srcId="{4810192D-B607-5A42-8DCE-8CFCF1A82427}" destId="{28156514-4C64-AE45-A406-98283D6076D6}" srcOrd="0" destOrd="0" presId="urn:microsoft.com/office/officeart/2005/8/layout/hierarchy1"/>
-    <dgm:cxn modelId="{A5EF75CA-949B-FB42-A967-633DBF9C5416}" srcId="{67DF074B-DE05-B24C-9E35-CDBF726DC2DD}" destId="{2CF1C699-9046-8C42-87E6-2861BF37D660}" srcOrd="1" destOrd="0" parTransId="{F9A1264F-2EB8-8148-8E8F-B74886C30473}" sibTransId="{2B88B2F7-3FE5-E743-A3EF-F1DB3821C219}"/>
-    <dgm:cxn modelId="{FFC55F0E-24F0-0940-B0B5-F6820B65D7C7}" type="presOf" srcId="{E5C8F682-32CD-424A-896C-91EAD3E64C45}" destId="{76B33B1D-4CA5-544F-BF28-B308B507EF10}" srcOrd="0" destOrd="0" presId="urn:microsoft.com/office/officeart/2005/8/layout/hierarchy1"/>
+    <dgm:cxn modelId="{FBC04F02-4804-8C4A-8D64-8D7E596D7783}" type="presOf" srcId="{AE7EA77A-1D8E-3F42-95E1-4EB11A443A81}" destId="{BBF408DD-FB71-6449-9993-DDA736E8D58A}" srcOrd="0" destOrd="0" presId="urn:microsoft.com/office/officeart/2005/8/layout/hierarchy1"/>
     <dgm:cxn modelId="{F97734D8-6CBC-804D-B286-FA60DFC694E9}" type="presOf" srcId="{84B85FB8-CE49-454E-AFD0-26748DF588CB}" destId="{39E9CE6E-1476-7F49-AD48-00E9588CC1FC}" srcOrd="0" destOrd="0" presId="urn:microsoft.com/office/officeart/2005/8/layout/hierarchy1"/>
-    <dgm:cxn modelId="{1FDA42F0-000F-6E4D-ACBD-DD297AF16C8B}" type="presOf" srcId="{960CE163-DF35-2B44-83E7-B9153BC66084}" destId="{923B0C63-79B7-9B4A-94B9-19130FBE5D7B}" srcOrd="0" destOrd="0" presId="urn:microsoft.com/office/officeart/2005/8/layout/hierarchy1"/>
-    <dgm:cxn modelId="{E7733746-4C87-234A-9D3E-4005D8B583BC}" srcId="{84B85FB8-CE49-454E-AFD0-26748DF588CB}" destId="{960CE163-DF35-2B44-83E7-B9153BC66084}" srcOrd="0" destOrd="0" parTransId="{15F9C8B3-0868-F148-A166-96327192876A}" sibTransId="{AE4D7356-6DD9-B04F-A5BC-257D53ADE85C}"/>
-    <dgm:cxn modelId="{7DFEC403-3D07-E147-94A7-6948508849D0}" type="presOf" srcId="{563BE0E2-35F1-EA43-92A4-487E8781D214}" destId="{1F5FFC55-2839-634C-8F0C-96EACF5BE3CB}" srcOrd="0" destOrd="0" presId="urn:microsoft.com/office/officeart/2005/8/layout/hierarchy1"/>
-    <dgm:cxn modelId="{74C3DF55-2571-4A42-A3D4-79D2D7286452}" type="presOf" srcId="{12CF4121-F3B4-5C45-B72F-C1FB37DD3C0D}" destId="{800FD04D-B3AC-0B4A-955F-2E2198D77D53}" srcOrd="0" destOrd="0" presId="urn:microsoft.com/office/officeart/2005/8/layout/hierarchy1"/>
-    <dgm:cxn modelId="{C885BB5D-362B-1847-87CF-E1B639313EA0}" srcId="{FE86CB60-E462-414C-BF0E-606A57D7AD93}" destId="{E5C8F682-32CD-424A-896C-91EAD3E64C45}" srcOrd="2" destOrd="0" parTransId="{E3372A67-8AD5-414E-9A1F-4D9E3CFF6332}" sibTransId="{B77BD5BE-E444-A847-B5CA-1B150064119C}"/>
-    <dgm:cxn modelId="{BE4A5523-AA4B-D244-80FB-A948E67617FE}" srcId="{AE7EA77A-1D8E-3F42-95E1-4EB11A443A81}" destId="{4261D7F4-A7D0-3F49-B78A-20CFB380B683}" srcOrd="0" destOrd="0" parTransId="{8C382D6E-A069-234E-96CC-A5A865E2BBBD}" sibTransId="{BFE6C573-BEC1-BB44-914C-4A90CDE91A1A}"/>
-    <dgm:cxn modelId="{FBC04F02-4804-8C4A-8D64-8D7E596D7783}" type="presOf" srcId="{AE7EA77A-1D8E-3F42-95E1-4EB11A443A81}" destId="{BBF408DD-FB71-6449-9993-DDA736E8D58A}" srcOrd="0" destOrd="0" presId="urn:microsoft.com/office/officeart/2005/8/layout/hierarchy1"/>
-    <dgm:cxn modelId="{7E833AC7-C906-EC48-8CF2-050B2E9E6DD6}" type="presOf" srcId="{632DBD1E-A080-C14D-89CD-94A8C0F3CF25}" destId="{2246CDBD-2CA8-A34C-A89B-E32ACB07E97A}" srcOrd="0" destOrd="0" presId="urn:microsoft.com/office/officeart/2005/8/layout/hierarchy1"/>
-    <dgm:cxn modelId="{09A4557F-E6E3-CA46-A390-4566B55E38CE}" srcId="{AE7EA77A-1D8E-3F42-95E1-4EB11A443A81}" destId="{A215CF19-F4EB-414A-A10F-B2A96141FE91}" srcOrd="1" destOrd="0" parTransId="{4810192D-B607-5A42-8DCE-8CFCF1A82427}" sibTransId="{466C1D3C-619E-C448-BF54-2F35FBFACADE}"/>
-    <dgm:cxn modelId="{FE6DB9C5-C848-C041-9BAC-D3D409ECA3D7}" type="presOf" srcId="{67DF074B-DE05-B24C-9E35-CDBF726DC2DD}" destId="{EBC8209D-BB74-B44A-A57A-C51ABEDBBAE8}" srcOrd="0" destOrd="0" presId="urn:microsoft.com/office/officeart/2005/8/layout/hierarchy1"/>
-    <dgm:cxn modelId="{629969CD-5D04-2A43-B3AF-FE8A98094A86}" type="presOf" srcId="{6C0275DE-9DFE-0E43-8DDA-D28DD222D71F}" destId="{8CFA3E84-678E-C345-8D46-63E85CF195E2}" srcOrd="0" destOrd="0" presId="urn:microsoft.com/office/officeart/2005/8/layout/hierarchy1"/>
-    <dgm:cxn modelId="{517E7342-1ED5-B24E-84A1-2A79CCE5BC2A}" type="presOf" srcId="{4D875376-E6B9-804F-AC85-A1D4337BBC8A}" destId="{0FEFC8CB-58CB-4A43-9867-EED6738F0C0F}" srcOrd="0" destOrd="0" presId="urn:microsoft.com/office/officeart/2005/8/layout/hierarchy1"/>
-    <dgm:cxn modelId="{0A19088C-A894-A349-B6F2-D0CA96CD47FA}" srcId="{960CE163-DF35-2B44-83E7-B9153BC66084}" destId="{1AD1EA1C-020E-5744-81BA-AEEC1A7A11F3}" srcOrd="2" destOrd="0" parTransId="{12CF4121-F3B4-5C45-B72F-C1FB37DD3C0D}" sibTransId="{E7356A86-2BC1-2844-87C1-0F4142A0BACE}"/>
-    <dgm:cxn modelId="{FB5948D5-A112-7E4F-A7A4-599731141072}" type="presOf" srcId="{E3372A67-8AD5-414E-9A1F-4D9E3CFF6332}" destId="{BA61A876-7050-3746-8DAE-0686A0FD0957}" srcOrd="0" destOrd="0" presId="urn:microsoft.com/office/officeart/2005/8/layout/hierarchy1"/>
-    <dgm:cxn modelId="{7B0EFE83-8F7C-2148-A812-1F8ACB477747}" type="presOf" srcId="{F9A1264F-2EB8-8148-8E8F-B74886C30473}" destId="{9541F663-17CE-1449-B545-4E9F3C558C3A}" srcOrd="0" destOrd="0" presId="urn:microsoft.com/office/officeart/2005/8/layout/hierarchy1"/>
-    <dgm:cxn modelId="{5125BE48-CBDA-9E46-A5EC-A00E5922E856}" type="presOf" srcId="{8C382D6E-A069-234E-96CC-A5A865E2BBBD}" destId="{C6BA431E-FA40-1D4E-A3D8-2A8BD37A2453}" srcOrd="0" destOrd="0" presId="urn:microsoft.com/office/officeart/2005/8/layout/hierarchy1"/>
-    <dgm:cxn modelId="{8FC20289-4F63-9E49-BD79-567030E07E0D}" srcId="{960CE163-DF35-2B44-83E7-B9153BC66084}" destId="{4D875376-E6B9-804F-AC85-A1D4337BBC8A}" srcOrd="1" destOrd="0" parTransId="{6C0275DE-9DFE-0E43-8DDA-D28DD222D71F}" sibTransId="{5CBDE70F-8F73-B144-BE9A-D54839868342}"/>
-    <dgm:cxn modelId="{4143E40A-3339-5746-9665-4720B7275017}" type="presOf" srcId="{4261D7F4-A7D0-3F49-B78A-20CFB380B683}" destId="{C2C1A37D-940A-6743-AC99-D92FAAA879A9}" srcOrd="0" destOrd="0" presId="urn:microsoft.com/office/officeart/2005/8/layout/hierarchy1"/>
     <dgm:cxn modelId="{DF469E1B-C306-5F4B-B680-7ACFEA169B9B}" type="presParOf" srcId="{39E9CE6E-1476-7F49-AD48-00E9588CC1FC}" destId="{AFBF1B26-876E-5B4F-868D-ECF533517B41}" srcOrd="0" destOrd="0" presId="urn:microsoft.com/office/officeart/2005/8/layout/hierarchy1"/>
     <dgm:cxn modelId="{9BD7EE58-09E0-D144-8D85-070D725F1603}" type="presParOf" srcId="{AFBF1B26-876E-5B4F-868D-ECF533517B41}" destId="{80FDFEA5-D276-C44B-902D-D2E8A937A02A}" srcOrd="0" destOrd="0" presId="urn:microsoft.com/office/officeart/2005/8/layout/hierarchy1"/>
     <dgm:cxn modelId="{8C3AC7B7-A647-D047-8BDB-5F00B4604513}" type="presParOf" srcId="{80FDFEA5-D276-C44B-902D-D2E8A937A02A}" destId="{DE9E6D4B-E798-AA47-81C3-1E545DF4DB5B}" srcOrd="0" destOrd="0" presId="urn:microsoft.com/office/officeart/2005/8/layout/hierarchy1"/>
@@ -12972,7 +12979,7 @@
           <a:p>
             <a:fld id="{6483C26A-63A4-F547-BB74-146C3D288EFD}" type="datetimeFigureOut">
               <a:rPr lang="en-US" smtClean="0"/>
-              <a:t>3/17/16</a:t>
+              <a:t>3/23/16</a:t>
             </a:fld>
             <a:endParaRPr lang="en-US"/>
           </a:p>
@@ -13142,7 +13149,7 @@
           <a:p>
             <a:fld id="{6483C26A-63A4-F547-BB74-146C3D288EFD}" type="datetimeFigureOut">
               <a:rPr lang="en-US" smtClean="0"/>
-              <a:t>3/17/16</a:t>
+              <a:t>3/23/16</a:t>
             </a:fld>
             <a:endParaRPr lang="en-US"/>
           </a:p>
@@ -13322,7 +13329,7 @@
           <a:p>
             <a:fld id="{6483C26A-63A4-F547-BB74-146C3D288EFD}" type="datetimeFigureOut">
               <a:rPr lang="en-US" smtClean="0"/>
-              <a:t>3/17/16</a:t>
+              <a:t>3/23/16</a:t>
             </a:fld>
             <a:endParaRPr lang="en-US"/>
           </a:p>
@@ -13492,7 +13499,7 @@
           <a:p>
             <a:fld id="{6483C26A-63A4-F547-BB74-146C3D288EFD}" type="datetimeFigureOut">
               <a:rPr lang="en-US" smtClean="0"/>
-              <a:t>3/17/16</a:t>
+              <a:t>3/23/16</a:t>
             </a:fld>
             <a:endParaRPr lang="en-US"/>
           </a:p>
@@ -13738,7 +13745,7 @@
           <a:p>
             <a:fld id="{6483C26A-63A4-F547-BB74-146C3D288EFD}" type="datetimeFigureOut">
               <a:rPr lang="en-US" smtClean="0"/>
-              <a:t>3/17/16</a:t>
+              <a:t>3/23/16</a:t>
             </a:fld>
             <a:endParaRPr lang="en-US"/>
           </a:p>
@@ -14026,7 +14033,7 @@
           <a:p>
             <a:fld id="{6483C26A-63A4-F547-BB74-146C3D288EFD}" type="datetimeFigureOut">
               <a:rPr lang="en-US" smtClean="0"/>
-              <a:t>3/17/16</a:t>
+              <a:t>3/23/16</a:t>
             </a:fld>
             <a:endParaRPr lang="en-US"/>
           </a:p>
@@ -14448,7 +14455,7 @@
           <a:p>
             <a:fld id="{6483C26A-63A4-F547-BB74-146C3D288EFD}" type="datetimeFigureOut">
               <a:rPr lang="en-US" smtClean="0"/>
-              <a:t>3/17/16</a:t>
+              <a:t>3/23/16</a:t>
             </a:fld>
             <a:endParaRPr lang="en-US"/>
           </a:p>
@@ -14566,7 +14573,7 @@
           <a:p>
             <a:fld id="{6483C26A-63A4-F547-BB74-146C3D288EFD}" type="datetimeFigureOut">
               <a:rPr lang="en-US" smtClean="0"/>
-              <a:t>3/17/16</a:t>
+              <a:t>3/23/16</a:t>
             </a:fld>
             <a:endParaRPr lang="en-US"/>
           </a:p>
@@ -14661,7 +14668,7 @@
           <a:p>
             <a:fld id="{6483C26A-63A4-F547-BB74-146C3D288EFD}" type="datetimeFigureOut">
               <a:rPr lang="en-US" smtClean="0"/>
-              <a:t>3/17/16</a:t>
+              <a:t>3/23/16</a:t>
             </a:fld>
             <a:endParaRPr lang="en-US"/>
           </a:p>
@@ -14938,7 +14945,7 @@
           <a:p>
             <a:fld id="{6483C26A-63A4-F547-BB74-146C3D288EFD}" type="datetimeFigureOut">
               <a:rPr lang="en-US" smtClean="0"/>
-              <a:t>3/17/16</a:t>
+              <a:t>3/23/16</a:t>
             </a:fld>
             <a:endParaRPr lang="en-US"/>
           </a:p>
@@ -15191,7 +15198,7 @@
           <a:p>
             <a:fld id="{6483C26A-63A4-F547-BB74-146C3D288EFD}" type="datetimeFigureOut">
               <a:rPr lang="en-US" smtClean="0"/>
-              <a:t>3/17/16</a:t>
+              <a:t>3/23/16</a:t>
             </a:fld>
             <a:endParaRPr lang="en-US"/>
           </a:p>
@@ -15404,7 +15411,7 @@
           <a:p>
             <a:fld id="{6483C26A-63A4-F547-BB74-146C3D288EFD}" type="datetimeFigureOut">
               <a:rPr lang="en-US" smtClean="0"/>
-              <a:t>3/17/16</a:t>
+              <a:t>3/23/16</a:t>
             </a:fld>
             <a:endParaRPr lang="en-US"/>
           </a:p>
@@ -17612,11 +17619,7 @@
           <a:p>
             <a:r>
               <a:rPr lang="en-US" dirty="0" smtClean="0"/>
-              <a:t>Control </a:t>
-            </a:r>
-            <a:r>
-              <a:rPr lang="en-US" dirty="0" smtClean="0"/>
-              <a:t>Flow – </a:t>
+              <a:t>Control Flow – </a:t>
             </a:r>
             <a:r>
               <a:rPr lang="en-US" smtClean="0"/>
@@ -19423,21 +19426,8 @@
             <a:pPr lvl="1"/>
             <a:r>
               <a:rPr lang="en-US" dirty="0" smtClean="0"/>
-              <a:t>Control Flow allows </a:t>
-            </a:r>
-            <a:r>
-              <a:rPr lang="en-US" dirty="0" smtClean="0"/>
-              <a:t>some of </a:t>
-            </a:r>
-            <a:r>
-              <a:rPr lang="en-US" dirty="0" smtClean="0"/>
-              <a:t>the following to occur for one statement or </a:t>
-            </a:r>
-            <a:r>
-              <a:rPr lang="en-US" dirty="0" smtClean="0"/>
-              <a:t>a statement block:</a:t>
-            </a:r>
-            <a:endParaRPr lang="en-US" dirty="0" smtClean="0"/>
+              <a:t>Control Flow allows some of the following to occur for one statement or a statement block:</a:t>
+            </a:r>
           </a:p>
           <a:p>
             <a:pPr lvl="2"/>
@@ -19463,15 +19453,7 @@
                   <a:schemeClr val="accent2"/>
                 </a:solidFill>
               </a:rPr>
-              <a:t>only </a:t>
-            </a:r>
-            <a:r>
-              <a:rPr lang="en-US" i="1" dirty="0" smtClean="0">
-                <a:solidFill>
-                  <a:schemeClr val="accent2"/>
-                </a:solidFill>
-              </a:rPr>
-              <a:t>once</a:t>
+              <a:t>only once</a:t>
             </a:r>
           </a:p>
           <a:p>
@@ -21944,7 +21926,23 @@
                   <a:srgbClr val="000000"/>
                 </a:solidFill>
               </a:rPr>
-              <a:t>Condition is an expression that evaluates to the </a:t>
+              <a:t>‘</a:t>
+            </a:r>
+            <a:r>
+              <a:rPr lang="en-US" i="1" dirty="0">
+                <a:solidFill>
+                  <a:srgbClr val="C0504D"/>
+                </a:solidFill>
+              </a:rPr>
+              <a:t>condition</a:t>
+            </a:r>
+            <a:r>
+              <a:rPr lang="en-US" dirty="0" smtClean="0">
+                <a:solidFill>
+                  <a:srgbClr val="000000"/>
+                </a:solidFill>
+              </a:rPr>
+              <a:t>’ is an expression that evaluates to the </a:t>
             </a:r>
             <a:r>
               <a:rPr lang="en-US" dirty="0" err="1" smtClean="0">
@@ -22073,15 +22071,7 @@
             </a:pPr>
             <a:r>
               <a:rPr lang="en-US" dirty="0" smtClean="0"/>
-              <a:t>Control </a:t>
-            </a:r>
-            <a:r>
-              <a:rPr lang="en-US" dirty="0" smtClean="0"/>
-              <a:t>Flow gives the programmer the ability to write more sophisticated and elegant </a:t>
-            </a:r>
-            <a:r>
-              <a:rPr lang="en-US" dirty="0" smtClean="0"/>
-              <a:t>programs</a:t>
+              <a:t>Control Flow gives the programmer the ability to write more sophisticated and elegant programs</a:t>
             </a:r>
           </a:p>
           <a:p>
@@ -22117,6 +22107,95 @@
   <p:clrMapOvr>
     <a:masterClrMapping/>
   </p:clrMapOvr>
+</p:sld>
+</file>
+
+<file path=ppt/slides/slide119.xml><?xml version="1.0" encoding="utf-8"?>
+<p:sld xmlns:a="http://schemas.openxmlformats.org/drawingml/2006/main" xmlns:r="http://schemas.openxmlformats.org/officeDocument/2006/relationships" xmlns:p="http://schemas.openxmlformats.org/presentationml/2006/main">
+  <p:cSld>
+    <p:spTree>
+      <p:nvGrpSpPr>
+        <p:cNvPr id="1" name=""/>
+        <p:cNvGrpSpPr/>
+        <p:nvPr/>
+      </p:nvGrpSpPr>
+      <p:grpSpPr>
+        <a:xfrm>
+          <a:off x="0" y="0"/>
+          <a:ext cx="0" cy="0"/>
+          <a:chOff x="0" y="0"/>
+          <a:chExt cx="0" cy="0"/>
+        </a:xfrm>
+      </p:grpSpPr>
+      <p:sp>
+        <p:nvSpPr>
+          <p:cNvPr id="2" name="Title 1"/>
+          <p:cNvSpPr>
+            <a:spLocks noGrp="1"/>
+          </p:cNvSpPr>
+          <p:nvPr>
+            <p:ph type="ctrTitle"/>
+          </p:nvPr>
+        </p:nvSpPr>
+        <p:spPr/>
+        <p:txBody>
+          <a:bodyPr/>
+          <a:lstStyle/>
+          <a:p>
+            <a:r>
+              <a:rPr lang="en-US" dirty="0" smtClean="0"/>
+              <a:t>Chapter 5 – JavaScript</a:t>
+            </a:r>
+            <a:endParaRPr lang="en-US" dirty="0"/>
+          </a:p>
+        </p:txBody>
+      </p:sp>
+      <p:sp>
+        <p:nvSpPr>
+          <p:cNvPr id="3" name="Subtitle 2"/>
+          <p:cNvSpPr>
+            <a:spLocks noGrp="1"/>
+          </p:cNvSpPr>
+          <p:nvPr>
+            <p:ph type="subTitle" idx="1"/>
+          </p:nvPr>
+        </p:nvSpPr>
+        <p:spPr/>
+        <p:txBody>
+          <a:bodyPr/>
+          <a:lstStyle/>
+          <a:p>
+            <a:r>
+              <a:rPr lang="en-US" dirty="0" smtClean="0"/>
+              <a:t>#41 – Section 17</a:t>
+            </a:r>
+            <a:endParaRPr lang="en-US" dirty="0"/>
+          </a:p>
+          <a:p>
+            <a:r>
+              <a:rPr lang="en-US" dirty="0" smtClean="0"/>
+              <a:t>Control Flow – Switch Statement</a:t>
+            </a:r>
+          </a:p>
+        </p:txBody>
+      </p:sp>
+    </p:spTree>
+    <p:extLst>
+      <p:ext uri="{BB962C8B-B14F-4D97-AF65-F5344CB8AC3E}">
+        <p14:creationId xmlns:p14="http://schemas.microsoft.com/office/powerpoint/2010/main" val="2692495746"/>
+      </p:ext>
+    </p:extLst>
+  </p:cSld>
+  <p:clrMapOvr>
+    <a:masterClrMapping/>
+  </p:clrMapOvr>
+  <p:timing>
+    <p:tnLst>
+      <p:par>
+        <p:cTn xmlns:p14="http://schemas.microsoft.com/office/powerpoint/2010/main" id="1" dur="indefinite" restart="never" nodeType="tmRoot"/>
+      </p:par>
+    </p:tnLst>
+  </p:timing>
 </p:sld>
 </file>
 
@@ -22324,6 +22403,3205 @@
       </p:par>
     </p:tnLst>
   </p:timing>
+</p:sld>
+</file>
+
+<file path=ppt/slides/slide120.xml><?xml version="1.0" encoding="utf-8"?>
+<p:sld xmlns:a="http://schemas.openxmlformats.org/drawingml/2006/main" xmlns:r="http://schemas.openxmlformats.org/officeDocument/2006/relationships" xmlns:p="http://schemas.openxmlformats.org/presentationml/2006/main">
+  <p:cSld>
+    <p:spTree>
+      <p:nvGrpSpPr>
+        <p:cNvPr id="1" name=""/>
+        <p:cNvGrpSpPr/>
+        <p:nvPr/>
+      </p:nvGrpSpPr>
+      <p:grpSpPr>
+        <a:xfrm>
+          <a:off x="0" y="0"/>
+          <a:ext cx="0" cy="0"/>
+          <a:chOff x="0" y="0"/>
+          <a:chExt cx="0" cy="0"/>
+        </a:xfrm>
+      </p:grpSpPr>
+      <p:sp>
+        <p:nvSpPr>
+          <p:cNvPr id="2" name="Title 1"/>
+          <p:cNvSpPr>
+            <a:spLocks noGrp="1"/>
+          </p:cNvSpPr>
+          <p:nvPr>
+            <p:ph type="title"/>
+          </p:nvPr>
+        </p:nvSpPr>
+        <p:spPr/>
+        <p:txBody>
+          <a:bodyPr/>
+          <a:lstStyle/>
+          <a:p>
+            <a:r>
+              <a:rPr lang="en-US" dirty="0" smtClean="0"/>
+              <a:t>Topics</a:t>
+            </a:r>
+            <a:endParaRPr lang="en-US" dirty="0"/>
+          </a:p>
+        </p:txBody>
+      </p:sp>
+      <p:sp>
+        <p:nvSpPr>
+          <p:cNvPr id="3" name="Content Placeholder 2"/>
+          <p:cNvSpPr>
+            <a:spLocks noGrp="1"/>
+          </p:cNvSpPr>
+          <p:nvPr>
+            <p:ph idx="1"/>
+          </p:nvPr>
+        </p:nvSpPr>
+        <p:spPr/>
+        <p:txBody>
+          <a:bodyPr>
+            <a:normAutofit/>
+          </a:bodyPr>
+          <a:lstStyle/>
+          <a:p>
+            <a:pPr marL="514350" indent="-514350">
+              <a:buFont typeface="+mj-lt"/>
+              <a:buAutoNum type="arabicPeriod"/>
+            </a:pPr>
+            <a:r>
+              <a:rPr lang="en-US" dirty="0" smtClean="0"/>
+              <a:t>The </a:t>
+            </a:r>
+            <a:r>
+              <a:rPr lang="en-US" dirty="0"/>
+              <a:t>‘switch’ </a:t>
+            </a:r>
+            <a:r>
+              <a:rPr lang="en-US" dirty="0" smtClean="0"/>
+              <a:t>Statement</a:t>
+            </a:r>
+          </a:p>
+          <a:p>
+            <a:pPr marL="514350" indent="-514350">
+              <a:buFont typeface="+mj-lt"/>
+              <a:buAutoNum type="arabicPeriod"/>
+            </a:pPr>
+            <a:r>
+              <a:rPr lang="en-US" dirty="0" smtClean="0"/>
+              <a:t>Understanding Fall-through</a:t>
+            </a:r>
+            <a:endParaRPr lang="en-US" dirty="0"/>
+          </a:p>
+          <a:p>
+            <a:pPr marL="514350" indent="-514350">
+              <a:buFont typeface="+mj-lt"/>
+              <a:buAutoNum type="arabicPeriod"/>
+            </a:pPr>
+            <a:endParaRPr lang="en-US" dirty="0" smtClean="0"/>
+          </a:p>
+        </p:txBody>
+      </p:sp>
+    </p:spTree>
+    <p:extLst>
+      <p:ext uri="{BB962C8B-B14F-4D97-AF65-F5344CB8AC3E}">
+        <p14:creationId xmlns:p14="http://schemas.microsoft.com/office/powerpoint/2010/main" val="2164111911"/>
+      </p:ext>
+    </p:extLst>
+  </p:cSld>
+  <p:clrMapOvr>
+    <a:masterClrMapping/>
+  </p:clrMapOvr>
+</p:sld>
+</file>
+
+<file path=ppt/slides/slide121.xml><?xml version="1.0" encoding="utf-8"?>
+<p:sld xmlns:a="http://schemas.openxmlformats.org/drawingml/2006/main" xmlns:r="http://schemas.openxmlformats.org/officeDocument/2006/relationships" xmlns:p="http://schemas.openxmlformats.org/presentationml/2006/main">
+  <p:cSld>
+    <p:spTree>
+      <p:nvGrpSpPr>
+        <p:cNvPr id="1" name=""/>
+        <p:cNvGrpSpPr/>
+        <p:nvPr/>
+      </p:nvGrpSpPr>
+      <p:grpSpPr>
+        <a:xfrm>
+          <a:off x="0" y="0"/>
+          <a:ext cx="0" cy="0"/>
+          <a:chOff x="0" y="0"/>
+          <a:chExt cx="0" cy="0"/>
+        </a:xfrm>
+      </p:grpSpPr>
+      <p:sp>
+        <p:nvSpPr>
+          <p:cNvPr id="2" name="Title 1"/>
+          <p:cNvSpPr>
+            <a:spLocks noGrp="1"/>
+          </p:cNvSpPr>
+          <p:nvPr>
+            <p:ph type="title"/>
+          </p:nvPr>
+        </p:nvSpPr>
+        <p:spPr/>
+        <p:txBody>
+          <a:bodyPr/>
+          <a:lstStyle/>
+          <a:p>
+            <a:r>
+              <a:rPr lang="en-US" dirty="0" smtClean="0"/>
+              <a:t>Choosing One Of Many Paths</a:t>
+            </a:r>
+            <a:endParaRPr lang="en-US" dirty="0"/>
+          </a:p>
+        </p:txBody>
+      </p:sp>
+      <p:sp>
+        <p:nvSpPr>
+          <p:cNvPr id="5" name="Rectangle 4"/>
+          <p:cNvSpPr/>
+          <p:nvPr/>
+        </p:nvSpPr>
+        <p:spPr>
+          <a:xfrm>
+            <a:off x="3790462" y="2389556"/>
+            <a:ext cx="1563077" cy="227949"/>
+          </a:xfrm>
+          <a:prstGeom prst="rect">
+            <a:avLst/>
+          </a:prstGeom>
+        </p:spPr>
+        <p:style>
+          <a:lnRef idx="1">
+            <a:schemeClr val="dk1"/>
+          </a:lnRef>
+          <a:fillRef idx="2">
+            <a:schemeClr val="dk1"/>
+          </a:fillRef>
+          <a:effectRef idx="1">
+            <a:schemeClr val="dk1"/>
+          </a:effectRef>
+          <a:fontRef idx="minor">
+            <a:schemeClr val="dk1"/>
+          </a:fontRef>
+        </p:style>
+        <p:txBody>
+          <a:bodyPr rtlCol="0" anchor="ctr"/>
+          <a:lstStyle/>
+          <a:p>
+            <a:pPr algn="ctr"/>
+            <a:r>
+              <a:rPr lang="en-US" sz="1600" dirty="0" smtClean="0"/>
+              <a:t>Statement 1</a:t>
+            </a:r>
+            <a:endParaRPr lang="en-US" sz="1600" dirty="0"/>
+          </a:p>
+        </p:txBody>
+      </p:sp>
+      <p:sp>
+        <p:nvSpPr>
+          <p:cNvPr id="6" name="Rectangle 5"/>
+          <p:cNvSpPr/>
+          <p:nvPr/>
+        </p:nvSpPr>
+        <p:spPr>
+          <a:xfrm>
+            <a:off x="1804054" y="3348249"/>
+            <a:ext cx="1563077" cy="227949"/>
+          </a:xfrm>
+          <a:prstGeom prst="rect">
+            <a:avLst/>
+          </a:prstGeom>
+        </p:spPr>
+        <p:style>
+          <a:lnRef idx="1">
+            <a:schemeClr val="accent2"/>
+          </a:lnRef>
+          <a:fillRef idx="2">
+            <a:schemeClr val="accent2"/>
+          </a:fillRef>
+          <a:effectRef idx="1">
+            <a:schemeClr val="accent2"/>
+          </a:effectRef>
+          <a:fontRef idx="minor">
+            <a:schemeClr val="dk1"/>
+          </a:fontRef>
+        </p:style>
+        <p:txBody>
+          <a:bodyPr rtlCol="0" anchor="ctr"/>
+          <a:lstStyle/>
+          <a:p>
+            <a:pPr algn="ctr"/>
+            <a:r>
+              <a:rPr lang="en-US" sz="1600" dirty="0" smtClean="0"/>
+              <a:t>Statement A</a:t>
+            </a:r>
+            <a:endParaRPr lang="en-US" sz="1600" dirty="0"/>
+          </a:p>
+        </p:txBody>
+      </p:sp>
+      <p:sp>
+        <p:nvSpPr>
+          <p:cNvPr id="7" name="Rectangle 6"/>
+          <p:cNvSpPr/>
+          <p:nvPr/>
+        </p:nvSpPr>
+        <p:spPr>
+          <a:xfrm>
+            <a:off x="3790462" y="3344337"/>
+            <a:ext cx="1563077" cy="227949"/>
+          </a:xfrm>
+          <a:prstGeom prst="rect">
+            <a:avLst/>
+          </a:prstGeom>
+        </p:spPr>
+        <p:style>
+          <a:lnRef idx="1">
+            <a:schemeClr val="accent2"/>
+          </a:lnRef>
+          <a:fillRef idx="2">
+            <a:schemeClr val="accent2"/>
+          </a:fillRef>
+          <a:effectRef idx="1">
+            <a:schemeClr val="accent2"/>
+          </a:effectRef>
+          <a:fontRef idx="minor">
+            <a:schemeClr val="dk1"/>
+          </a:fontRef>
+        </p:style>
+        <p:txBody>
+          <a:bodyPr rtlCol="0" anchor="ctr"/>
+          <a:lstStyle/>
+          <a:p>
+            <a:pPr algn="ctr"/>
+            <a:r>
+              <a:rPr lang="en-US" sz="1600" dirty="0" smtClean="0"/>
+              <a:t>Statement </a:t>
+            </a:r>
+            <a:r>
+              <a:rPr lang="is-IS" sz="1600" dirty="0" smtClean="0"/>
+              <a:t>…</a:t>
+            </a:r>
+            <a:endParaRPr lang="en-US" sz="1600" dirty="0"/>
+          </a:p>
+        </p:txBody>
+      </p:sp>
+      <p:sp>
+        <p:nvSpPr>
+          <p:cNvPr id="8" name="Rectangle 7"/>
+          <p:cNvSpPr/>
+          <p:nvPr/>
+        </p:nvSpPr>
+        <p:spPr>
+          <a:xfrm>
+            <a:off x="3790462" y="3849078"/>
+            <a:ext cx="1563077" cy="227949"/>
+          </a:xfrm>
+          <a:prstGeom prst="rect">
+            <a:avLst/>
+          </a:prstGeom>
+        </p:spPr>
+        <p:style>
+          <a:lnRef idx="1">
+            <a:schemeClr val="dk1"/>
+          </a:lnRef>
+          <a:fillRef idx="2">
+            <a:schemeClr val="dk1"/>
+          </a:fillRef>
+          <a:effectRef idx="1">
+            <a:schemeClr val="dk1"/>
+          </a:effectRef>
+          <a:fontRef idx="minor">
+            <a:schemeClr val="dk1"/>
+          </a:fontRef>
+        </p:style>
+        <p:txBody>
+          <a:bodyPr rtlCol="0" anchor="ctr"/>
+          <a:lstStyle/>
+          <a:p>
+            <a:pPr algn="ctr"/>
+            <a:r>
+              <a:rPr lang="en-US" sz="1600" dirty="0" smtClean="0"/>
+              <a:t>Statement </a:t>
+            </a:r>
+            <a:r>
+              <a:rPr lang="is-IS" sz="1600" dirty="0" smtClean="0"/>
+              <a:t>…</a:t>
+            </a:r>
+            <a:endParaRPr lang="en-US" sz="1600" dirty="0"/>
+          </a:p>
+        </p:txBody>
+      </p:sp>
+      <p:sp>
+        <p:nvSpPr>
+          <p:cNvPr id="9" name="Rectangle 8"/>
+          <p:cNvSpPr/>
+          <p:nvPr/>
+        </p:nvSpPr>
+        <p:spPr>
+          <a:xfrm>
+            <a:off x="3790462" y="4320606"/>
+            <a:ext cx="1563077" cy="227949"/>
+          </a:xfrm>
+          <a:prstGeom prst="rect">
+            <a:avLst/>
+          </a:prstGeom>
+        </p:spPr>
+        <p:style>
+          <a:lnRef idx="1">
+            <a:schemeClr val="dk1"/>
+          </a:lnRef>
+          <a:fillRef idx="2">
+            <a:schemeClr val="dk1"/>
+          </a:fillRef>
+          <a:effectRef idx="1">
+            <a:schemeClr val="dk1"/>
+          </a:effectRef>
+          <a:fontRef idx="minor">
+            <a:schemeClr val="dk1"/>
+          </a:fontRef>
+        </p:style>
+        <p:txBody>
+          <a:bodyPr rtlCol="0" anchor="ctr"/>
+          <a:lstStyle/>
+          <a:p>
+            <a:pPr algn="ctr"/>
+            <a:r>
+              <a:rPr lang="en-US" sz="1600" dirty="0" smtClean="0"/>
+              <a:t>Statement N</a:t>
+            </a:r>
+            <a:endParaRPr lang="en-US" sz="1600" dirty="0"/>
+          </a:p>
+        </p:txBody>
+      </p:sp>
+      <p:sp>
+        <p:nvSpPr>
+          <p:cNvPr id="10" name="Rectangle 9"/>
+          <p:cNvSpPr/>
+          <p:nvPr/>
+        </p:nvSpPr>
+        <p:spPr>
+          <a:xfrm>
+            <a:off x="3790462" y="4792134"/>
+            <a:ext cx="1563077" cy="227949"/>
+          </a:xfrm>
+          <a:prstGeom prst="rect">
+            <a:avLst/>
+          </a:prstGeom>
+        </p:spPr>
+        <p:style>
+          <a:lnRef idx="3">
+            <a:schemeClr val="lt1"/>
+          </a:lnRef>
+          <a:fillRef idx="1">
+            <a:schemeClr val="accent1"/>
+          </a:fillRef>
+          <a:effectRef idx="1">
+            <a:schemeClr val="accent1"/>
+          </a:effectRef>
+          <a:fontRef idx="minor">
+            <a:schemeClr val="lt1"/>
+          </a:fontRef>
+        </p:style>
+        <p:txBody>
+          <a:bodyPr rtlCol="0" anchor="ctr"/>
+          <a:lstStyle/>
+          <a:p>
+            <a:pPr algn="ctr"/>
+            <a:r>
+              <a:rPr lang="en-US" sz="1600" dirty="0" smtClean="0"/>
+              <a:t>End</a:t>
+            </a:r>
+            <a:endParaRPr lang="en-US" sz="1600" dirty="0"/>
+          </a:p>
+        </p:txBody>
+      </p:sp>
+      <p:sp>
+        <p:nvSpPr>
+          <p:cNvPr id="11" name="Rectangle 10"/>
+          <p:cNvSpPr/>
+          <p:nvPr/>
+        </p:nvSpPr>
+        <p:spPr>
+          <a:xfrm>
+            <a:off x="3790462" y="1983152"/>
+            <a:ext cx="1563077" cy="227949"/>
+          </a:xfrm>
+          <a:prstGeom prst="rect">
+            <a:avLst/>
+          </a:prstGeom>
+        </p:spPr>
+        <p:style>
+          <a:lnRef idx="3">
+            <a:schemeClr val="lt1"/>
+          </a:lnRef>
+          <a:fillRef idx="1">
+            <a:schemeClr val="accent1"/>
+          </a:fillRef>
+          <a:effectRef idx="1">
+            <a:schemeClr val="accent1"/>
+          </a:effectRef>
+          <a:fontRef idx="minor">
+            <a:schemeClr val="lt1"/>
+          </a:fontRef>
+        </p:style>
+        <p:txBody>
+          <a:bodyPr rtlCol="0" anchor="ctr"/>
+          <a:lstStyle/>
+          <a:p>
+            <a:pPr algn="ctr"/>
+            <a:r>
+              <a:rPr lang="en-US" sz="1600" dirty="0" smtClean="0"/>
+              <a:t>Start</a:t>
+            </a:r>
+            <a:endParaRPr lang="en-US" sz="1600" dirty="0"/>
+          </a:p>
+        </p:txBody>
+      </p:sp>
+      <p:cxnSp>
+        <p:nvCxnSpPr>
+          <p:cNvPr id="4" name="Straight Arrow Connector 3"/>
+          <p:cNvCxnSpPr>
+            <a:stCxn id="16" idx="1"/>
+            <a:endCxn id="6" idx="0"/>
+          </p:cNvCxnSpPr>
+          <p:nvPr/>
+        </p:nvCxnSpPr>
+        <p:spPr>
+          <a:xfrm flipH="1">
+            <a:off x="2585593" y="2953893"/>
+            <a:ext cx="1823587" cy="394356"/>
+          </a:xfrm>
+          <a:prstGeom prst="straightConnector1">
+            <a:avLst/>
+          </a:prstGeom>
+          <a:ln>
+            <a:solidFill>
+              <a:schemeClr val="accent3">
+                <a:lumMod val="75000"/>
+              </a:schemeClr>
+            </a:solidFill>
+            <a:tailEnd type="arrow"/>
+          </a:ln>
+        </p:spPr>
+        <p:style>
+          <a:lnRef idx="2">
+            <a:schemeClr val="accent1"/>
+          </a:lnRef>
+          <a:fillRef idx="0">
+            <a:schemeClr val="accent1"/>
+          </a:fillRef>
+          <a:effectRef idx="1">
+            <a:schemeClr val="accent1"/>
+          </a:effectRef>
+          <a:fontRef idx="minor">
+            <a:schemeClr val="tx1"/>
+          </a:fontRef>
+        </p:style>
+      </p:cxnSp>
+      <p:cxnSp>
+        <p:nvCxnSpPr>
+          <p:cNvPr id="13" name="Straight Arrow Connector 12"/>
+          <p:cNvCxnSpPr>
+            <a:stCxn id="16" idx="2"/>
+            <a:endCxn id="7" idx="0"/>
+          </p:cNvCxnSpPr>
+          <p:nvPr/>
+        </p:nvCxnSpPr>
+        <p:spPr>
+          <a:xfrm>
+            <a:off x="4572001" y="3048653"/>
+            <a:ext cx="0" cy="295684"/>
+          </a:xfrm>
+          <a:prstGeom prst="straightConnector1">
+            <a:avLst/>
+          </a:prstGeom>
+          <a:ln>
+            <a:solidFill>
+              <a:schemeClr val="accent2">
+                <a:lumMod val="75000"/>
+              </a:schemeClr>
+            </a:solidFill>
+            <a:tailEnd type="arrow"/>
+          </a:ln>
+        </p:spPr>
+        <p:style>
+          <a:lnRef idx="2">
+            <a:schemeClr val="accent1"/>
+          </a:lnRef>
+          <a:fillRef idx="0">
+            <a:schemeClr val="accent1"/>
+          </a:fillRef>
+          <a:effectRef idx="1">
+            <a:schemeClr val="accent1"/>
+          </a:effectRef>
+          <a:fontRef idx="minor">
+            <a:schemeClr val="tx1"/>
+          </a:fontRef>
+        </p:style>
+      </p:cxnSp>
+      <p:sp>
+        <p:nvSpPr>
+          <p:cNvPr id="16" name="Decision 15"/>
+          <p:cNvSpPr/>
+          <p:nvPr/>
+        </p:nvSpPr>
+        <p:spPr>
+          <a:xfrm>
+            <a:off x="4409180" y="2859132"/>
+            <a:ext cx="325641" cy="189521"/>
+          </a:xfrm>
+          <a:prstGeom prst="flowChartDecision">
+            <a:avLst/>
+          </a:prstGeom>
+        </p:spPr>
+        <p:style>
+          <a:lnRef idx="1">
+            <a:schemeClr val="accent1"/>
+          </a:lnRef>
+          <a:fillRef idx="3">
+            <a:schemeClr val="accent1"/>
+          </a:fillRef>
+          <a:effectRef idx="2">
+            <a:schemeClr val="accent1"/>
+          </a:effectRef>
+          <a:fontRef idx="minor">
+            <a:schemeClr val="lt1"/>
+          </a:fontRef>
+        </p:style>
+        <p:txBody>
+          <a:bodyPr rtlCol="0" anchor="ctr"/>
+          <a:lstStyle/>
+          <a:p>
+            <a:pPr algn="ctr"/>
+            <a:endParaRPr lang="en-US"/>
+          </a:p>
+        </p:txBody>
+      </p:sp>
+      <p:cxnSp>
+        <p:nvCxnSpPr>
+          <p:cNvPr id="26" name="Straight Arrow Connector 25"/>
+          <p:cNvCxnSpPr>
+            <a:stCxn id="5" idx="2"/>
+            <a:endCxn id="16" idx="0"/>
+          </p:cNvCxnSpPr>
+          <p:nvPr/>
+        </p:nvCxnSpPr>
+        <p:spPr>
+          <a:xfrm>
+            <a:off x="4572001" y="2617505"/>
+            <a:ext cx="0" cy="241627"/>
+          </a:xfrm>
+          <a:prstGeom prst="straightConnector1">
+            <a:avLst/>
+          </a:prstGeom>
+          <a:ln>
+            <a:tailEnd type="arrow"/>
+          </a:ln>
+        </p:spPr>
+        <p:style>
+          <a:lnRef idx="2">
+            <a:schemeClr val="accent1"/>
+          </a:lnRef>
+          <a:fillRef idx="0">
+            <a:schemeClr val="accent1"/>
+          </a:fillRef>
+          <a:effectRef idx="1">
+            <a:schemeClr val="accent1"/>
+          </a:effectRef>
+          <a:fontRef idx="minor">
+            <a:schemeClr val="tx1"/>
+          </a:fontRef>
+        </p:style>
+      </p:cxnSp>
+      <p:cxnSp>
+        <p:nvCxnSpPr>
+          <p:cNvPr id="33" name="Elbow Connector 32"/>
+          <p:cNvCxnSpPr>
+            <a:stCxn id="6" idx="2"/>
+            <a:endCxn id="8" idx="1"/>
+          </p:cNvCxnSpPr>
+          <p:nvPr/>
+        </p:nvCxnSpPr>
+        <p:spPr>
+          <a:xfrm rot="16200000" flipH="1">
+            <a:off x="2994600" y="3167190"/>
+            <a:ext cx="386855" cy="1204869"/>
+          </a:xfrm>
+          <a:prstGeom prst="bentConnector2">
+            <a:avLst/>
+          </a:prstGeom>
+          <a:ln>
+            <a:solidFill>
+              <a:schemeClr val="accent3">
+                <a:lumMod val="75000"/>
+              </a:schemeClr>
+            </a:solidFill>
+            <a:tailEnd type="arrow"/>
+          </a:ln>
+        </p:spPr>
+        <p:style>
+          <a:lnRef idx="2">
+            <a:schemeClr val="accent1"/>
+          </a:lnRef>
+          <a:fillRef idx="0">
+            <a:schemeClr val="accent1"/>
+          </a:fillRef>
+          <a:effectRef idx="1">
+            <a:schemeClr val="accent1"/>
+          </a:effectRef>
+          <a:fontRef idx="minor">
+            <a:schemeClr val="tx1"/>
+          </a:fontRef>
+        </p:style>
+      </p:cxnSp>
+      <p:cxnSp>
+        <p:nvCxnSpPr>
+          <p:cNvPr id="35" name="Elbow Connector 34"/>
+          <p:cNvCxnSpPr>
+            <a:stCxn id="7" idx="2"/>
+            <a:endCxn id="8" idx="0"/>
+          </p:cNvCxnSpPr>
+          <p:nvPr/>
+        </p:nvCxnSpPr>
+        <p:spPr>
+          <a:xfrm rot="5400000">
+            <a:off x="4433605" y="3710682"/>
+            <a:ext cx="276792" cy="12700"/>
+          </a:xfrm>
+          <a:prstGeom prst="bentConnector3">
+            <a:avLst>
+              <a:gd name="adj1" fmla="val 50000"/>
+            </a:avLst>
+          </a:prstGeom>
+          <a:ln>
+            <a:solidFill>
+              <a:schemeClr val="accent2">
+                <a:lumMod val="75000"/>
+              </a:schemeClr>
+            </a:solidFill>
+            <a:tailEnd type="arrow"/>
+          </a:ln>
+        </p:spPr>
+        <p:style>
+          <a:lnRef idx="2">
+            <a:schemeClr val="accent1"/>
+          </a:lnRef>
+          <a:fillRef idx="0">
+            <a:schemeClr val="accent1"/>
+          </a:fillRef>
+          <a:effectRef idx="1">
+            <a:schemeClr val="accent1"/>
+          </a:effectRef>
+          <a:fontRef idx="minor">
+            <a:schemeClr val="tx1"/>
+          </a:fontRef>
+        </p:style>
+      </p:cxnSp>
+      <p:cxnSp>
+        <p:nvCxnSpPr>
+          <p:cNvPr id="42" name="Straight Arrow Connector 41"/>
+          <p:cNvCxnSpPr>
+            <a:stCxn id="11" idx="2"/>
+            <a:endCxn id="5" idx="0"/>
+          </p:cNvCxnSpPr>
+          <p:nvPr/>
+        </p:nvCxnSpPr>
+        <p:spPr>
+          <a:xfrm>
+            <a:off x="4572001" y="2211101"/>
+            <a:ext cx="0" cy="178455"/>
+          </a:xfrm>
+          <a:prstGeom prst="straightConnector1">
+            <a:avLst/>
+          </a:prstGeom>
+          <a:ln>
+            <a:tailEnd type="arrow"/>
+          </a:ln>
+        </p:spPr>
+        <p:style>
+          <a:lnRef idx="2">
+            <a:schemeClr val="accent1"/>
+          </a:lnRef>
+          <a:fillRef idx="0">
+            <a:schemeClr val="accent1"/>
+          </a:fillRef>
+          <a:effectRef idx="1">
+            <a:schemeClr val="accent1"/>
+          </a:effectRef>
+          <a:fontRef idx="minor">
+            <a:schemeClr val="tx1"/>
+          </a:fontRef>
+        </p:style>
+      </p:cxnSp>
+      <p:cxnSp>
+        <p:nvCxnSpPr>
+          <p:cNvPr id="43" name="Straight Arrow Connector 42"/>
+          <p:cNvCxnSpPr>
+            <a:stCxn id="8" idx="2"/>
+            <a:endCxn id="9" idx="0"/>
+          </p:cNvCxnSpPr>
+          <p:nvPr/>
+        </p:nvCxnSpPr>
+        <p:spPr>
+          <a:xfrm>
+            <a:off x="4572001" y="4077027"/>
+            <a:ext cx="0" cy="243579"/>
+          </a:xfrm>
+          <a:prstGeom prst="straightConnector1">
+            <a:avLst/>
+          </a:prstGeom>
+          <a:ln>
+            <a:tailEnd type="arrow"/>
+          </a:ln>
+        </p:spPr>
+        <p:style>
+          <a:lnRef idx="2">
+            <a:schemeClr val="accent1"/>
+          </a:lnRef>
+          <a:fillRef idx="0">
+            <a:schemeClr val="accent1"/>
+          </a:fillRef>
+          <a:effectRef idx="1">
+            <a:schemeClr val="accent1"/>
+          </a:effectRef>
+          <a:fontRef idx="minor">
+            <a:schemeClr val="tx1"/>
+          </a:fontRef>
+        </p:style>
+      </p:cxnSp>
+      <p:cxnSp>
+        <p:nvCxnSpPr>
+          <p:cNvPr id="46" name="Straight Arrow Connector 45"/>
+          <p:cNvCxnSpPr>
+            <a:stCxn id="9" idx="2"/>
+            <a:endCxn id="10" idx="0"/>
+          </p:cNvCxnSpPr>
+          <p:nvPr/>
+        </p:nvCxnSpPr>
+        <p:spPr>
+          <a:xfrm>
+            <a:off x="4572001" y="4548555"/>
+            <a:ext cx="0" cy="243579"/>
+          </a:xfrm>
+          <a:prstGeom prst="straightConnector1">
+            <a:avLst/>
+          </a:prstGeom>
+          <a:ln>
+            <a:tailEnd type="arrow"/>
+          </a:ln>
+        </p:spPr>
+        <p:style>
+          <a:lnRef idx="2">
+            <a:schemeClr val="accent1"/>
+          </a:lnRef>
+          <a:fillRef idx="0">
+            <a:schemeClr val="accent1"/>
+          </a:fillRef>
+          <a:effectRef idx="1">
+            <a:schemeClr val="accent1"/>
+          </a:effectRef>
+          <a:fontRef idx="minor">
+            <a:schemeClr val="tx1"/>
+          </a:fontRef>
+        </p:style>
+      </p:cxnSp>
+      <p:sp>
+        <p:nvSpPr>
+          <p:cNvPr id="21" name="Rectangle 20"/>
+          <p:cNvSpPr/>
+          <p:nvPr/>
+        </p:nvSpPr>
+        <p:spPr>
+          <a:xfrm>
+            <a:off x="5805528" y="3344336"/>
+            <a:ext cx="1563077" cy="227949"/>
+          </a:xfrm>
+          <a:prstGeom prst="rect">
+            <a:avLst/>
+          </a:prstGeom>
+        </p:spPr>
+        <p:style>
+          <a:lnRef idx="1">
+            <a:schemeClr val="accent2"/>
+          </a:lnRef>
+          <a:fillRef idx="2">
+            <a:schemeClr val="accent2"/>
+          </a:fillRef>
+          <a:effectRef idx="1">
+            <a:schemeClr val="accent2"/>
+          </a:effectRef>
+          <a:fontRef idx="minor">
+            <a:schemeClr val="dk1"/>
+          </a:fontRef>
+        </p:style>
+        <p:txBody>
+          <a:bodyPr rtlCol="0" anchor="ctr"/>
+          <a:lstStyle/>
+          <a:p>
+            <a:pPr algn="ctr"/>
+            <a:r>
+              <a:rPr lang="en-US" sz="1600" dirty="0" smtClean="0"/>
+              <a:t>Statement Z</a:t>
+            </a:r>
+            <a:endParaRPr lang="en-US" sz="1600" dirty="0"/>
+          </a:p>
+        </p:txBody>
+      </p:sp>
+      <p:cxnSp>
+        <p:nvCxnSpPr>
+          <p:cNvPr id="27" name="Straight Arrow Connector 26"/>
+          <p:cNvCxnSpPr>
+            <a:stCxn id="16" idx="3"/>
+            <a:endCxn id="21" idx="0"/>
+          </p:cNvCxnSpPr>
+          <p:nvPr/>
+        </p:nvCxnSpPr>
+        <p:spPr>
+          <a:xfrm>
+            <a:off x="4734821" y="2953893"/>
+            <a:ext cx="1852246" cy="390443"/>
+          </a:xfrm>
+          <a:prstGeom prst="straightConnector1">
+            <a:avLst/>
+          </a:prstGeom>
+          <a:ln>
+            <a:solidFill>
+              <a:schemeClr val="accent4">
+                <a:lumMod val="75000"/>
+              </a:schemeClr>
+            </a:solidFill>
+            <a:tailEnd type="arrow"/>
+          </a:ln>
+        </p:spPr>
+        <p:style>
+          <a:lnRef idx="2">
+            <a:schemeClr val="accent1"/>
+          </a:lnRef>
+          <a:fillRef idx="0">
+            <a:schemeClr val="accent1"/>
+          </a:fillRef>
+          <a:effectRef idx="1">
+            <a:schemeClr val="accent1"/>
+          </a:effectRef>
+          <a:fontRef idx="minor">
+            <a:schemeClr val="tx1"/>
+          </a:fontRef>
+        </p:style>
+      </p:cxnSp>
+      <p:cxnSp>
+        <p:nvCxnSpPr>
+          <p:cNvPr id="30" name="Elbow Connector 29"/>
+          <p:cNvCxnSpPr>
+            <a:stCxn id="21" idx="2"/>
+            <a:endCxn id="8" idx="3"/>
+          </p:cNvCxnSpPr>
+          <p:nvPr/>
+        </p:nvCxnSpPr>
+        <p:spPr>
+          <a:xfrm rot="5400000">
+            <a:off x="5774919" y="3150905"/>
+            <a:ext cx="390768" cy="1233528"/>
+          </a:xfrm>
+          <a:prstGeom prst="bentConnector2">
+            <a:avLst/>
+          </a:prstGeom>
+          <a:ln>
+            <a:solidFill>
+              <a:srgbClr val="604A7B"/>
+            </a:solidFill>
+            <a:tailEnd type="arrow"/>
+          </a:ln>
+        </p:spPr>
+        <p:style>
+          <a:lnRef idx="2">
+            <a:schemeClr val="accent1"/>
+          </a:lnRef>
+          <a:fillRef idx="0">
+            <a:schemeClr val="accent1"/>
+          </a:fillRef>
+          <a:effectRef idx="1">
+            <a:schemeClr val="accent1"/>
+          </a:effectRef>
+          <a:fontRef idx="minor">
+            <a:schemeClr val="tx1"/>
+          </a:fontRef>
+        </p:style>
+      </p:cxnSp>
+    </p:spTree>
+    <p:extLst>
+      <p:ext uri="{BB962C8B-B14F-4D97-AF65-F5344CB8AC3E}">
+        <p14:creationId xmlns:p14="http://schemas.microsoft.com/office/powerpoint/2010/main" val="1419983021"/>
+      </p:ext>
+    </p:extLst>
+  </p:cSld>
+  <p:clrMapOvr>
+    <a:masterClrMapping/>
+  </p:clrMapOvr>
+</p:sld>
+</file>
+
+<file path=ppt/slides/slide122.xml><?xml version="1.0" encoding="utf-8"?>
+<p:sld xmlns:a="http://schemas.openxmlformats.org/drawingml/2006/main" xmlns:r="http://schemas.openxmlformats.org/officeDocument/2006/relationships" xmlns:p="http://schemas.openxmlformats.org/presentationml/2006/main">
+  <p:cSld>
+    <p:spTree>
+      <p:nvGrpSpPr>
+        <p:cNvPr id="1" name=""/>
+        <p:cNvGrpSpPr/>
+        <p:nvPr/>
+      </p:nvGrpSpPr>
+      <p:grpSpPr>
+        <a:xfrm>
+          <a:off x="0" y="0"/>
+          <a:ext cx="0" cy="0"/>
+          <a:chOff x="0" y="0"/>
+          <a:chExt cx="0" cy="0"/>
+        </a:xfrm>
+      </p:grpSpPr>
+      <p:sp>
+        <p:nvSpPr>
+          <p:cNvPr id="2" name="Title 1"/>
+          <p:cNvSpPr>
+            <a:spLocks noGrp="1"/>
+          </p:cNvSpPr>
+          <p:nvPr>
+            <p:ph type="title"/>
+          </p:nvPr>
+        </p:nvSpPr>
+        <p:spPr/>
+        <p:txBody>
+          <a:bodyPr/>
+          <a:lstStyle/>
+          <a:p>
+            <a:r>
+              <a:rPr lang="en-US" dirty="0"/>
+              <a:t>The </a:t>
+            </a:r>
+            <a:r>
+              <a:rPr lang="en-US" dirty="0" smtClean="0"/>
+              <a:t>‘switch’ </a:t>
+            </a:r>
+            <a:r>
+              <a:rPr lang="en-US" dirty="0"/>
+              <a:t>Statement</a:t>
+            </a:r>
+          </a:p>
+        </p:txBody>
+      </p:sp>
+      <p:sp>
+        <p:nvSpPr>
+          <p:cNvPr id="3" name="Content Placeholder 2"/>
+          <p:cNvSpPr>
+            <a:spLocks noGrp="1"/>
+          </p:cNvSpPr>
+          <p:nvPr>
+            <p:ph idx="1"/>
+          </p:nvPr>
+        </p:nvSpPr>
+        <p:spPr/>
+        <p:txBody>
+          <a:bodyPr>
+            <a:normAutofit fontScale="70000" lnSpcReduction="20000"/>
+          </a:bodyPr>
+          <a:lstStyle/>
+          <a:p>
+            <a:r>
+              <a:rPr lang="en-US" dirty="0" smtClean="0"/>
+              <a:t>Formal syntax:</a:t>
+            </a:r>
+          </a:p>
+          <a:p>
+            <a:pPr marL="0" indent="0">
+              <a:buNone/>
+            </a:pPr>
+            <a:r>
+              <a:rPr lang="en-US" dirty="0"/>
+              <a:t>	</a:t>
+            </a:r>
+            <a:r>
+              <a:rPr lang="en-US" i="1" dirty="0" smtClean="0">
+                <a:solidFill>
+                  <a:srgbClr val="0000FF"/>
+                </a:solidFill>
+              </a:rPr>
+              <a:t>switch</a:t>
+            </a:r>
+            <a:r>
+              <a:rPr lang="en-US" dirty="0" smtClean="0">
+                <a:solidFill>
+                  <a:srgbClr val="000000"/>
+                </a:solidFill>
+              </a:rPr>
+              <a:t>(</a:t>
+            </a:r>
+            <a:r>
+              <a:rPr lang="en-US" i="1" dirty="0" err="1" smtClean="0">
+                <a:solidFill>
+                  <a:srgbClr val="C0504D"/>
+                </a:solidFill>
+              </a:rPr>
+              <a:t>expressionA</a:t>
+            </a:r>
+            <a:r>
+              <a:rPr lang="en-US" i="1" dirty="0" smtClean="0">
+                <a:solidFill>
+                  <a:srgbClr val="000000"/>
+                </a:solidFill>
+              </a:rPr>
+              <a:t>)</a:t>
+            </a:r>
+            <a:r>
+              <a:rPr lang="en-US" dirty="0" smtClean="0">
+                <a:solidFill>
+                  <a:srgbClr val="C0504D"/>
+                </a:solidFill>
+              </a:rPr>
+              <a:t> </a:t>
+            </a:r>
+            <a:r>
+              <a:rPr lang="en-US" dirty="0" smtClean="0">
+                <a:solidFill>
+                  <a:srgbClr val="000000"/>
+                </a:solidFill>
+              </a:rPr>
+              <a:t>{</a:t>
+            </a:r>
+          </a:p>
+          <a:p>
+            <a:pPr marL="0" indent="0">
+              <a:buNone/>
+            </a:pPr>
+            <a:r>
+              <a:rPr lang="en-US" dirty="0">
+                <a:solidFill>
+                  <a:srgbClr val="C0504D"/>
+                </a:solidFill>
+              </a:rPr>
+              <a:t>	</a:t>
+            </a:r>
+            <a:r>
+              <a:rPr lang="en-US" dirty="0" smtClean="0">
+                <a:solidFill>
+                  <a:srgbClr val="C0504D"/>
+                </a:solidFill>
+              </a:rPr>
+              <a:t>	</a:t>
+            </a:r>
+            <a:r>
+              <a:rPr lang="en-US" i="1" dirty="0">
+                <a:solidFill>
+                  <a:srgbClr val="0000FF"/>
+                </a:solidFill>
+              </a:rPr>
+              <a:t>case </a:t>
+            </a:r>
+            <a:r>
+              <a:rPr lang="en-US" i="1" dirty="0" smtClean="0">
+                <a:solidFill>
+                  <a:srgbClr val="C0504D"/>
+                </a:solidFill>
+              </a:rPr>
+              <a:t>expression1</a:t>
+            </a:r>
+            <a:r>
+              <a:rPr lang="en-US" i="1" dirty="0" smtClean="0">
+                <a:solidFill>
+                  <a:srgbClr val="000000"/>
+                </a:solidFill>
+              </a:rPr>
+              <a:t>:</a:t>
+            </a:r>
+            <a:r>
+              <a:rPr lang="en-US" dirty="0" smtClean="0">
+                <a:solidFill>
+                  <a:srgbClr val="C0504D"/>
+                </a:solidFill>
+              </a:rPr>
+              <a:t> </a:t>
+            </a:r>
+            <a:endParaRPr lang="en-US" dirty="0" smtClean="0">
+              <a:solidFill>
+                <a:srgbClr val="C0504D"/>
+              </a:solidFill>
+            </a:endParaRPr>
+          </a:p>
+          <a:p>
+            <a:pPr marL="0" indent="0">
+              <a:buNone/>
+            </a:pPr>
+            <a:r>
+              <a:rPr lang="en-US" dirty="0">
+                <a:solidFill>
+                  <a:srgbClr val="C0504D"/>
+                </a:solidFill>
+              </a:rPr>
+              <a:t>	</a:t>
+            </a:r>
+            <a:r>
+              <a:rPr lang="en-US" dirty="0" smtClean="0">
+                <a:solidFill>
+                  <a:srgbClr val="C0504D"/>
+                </a:solidFill>
+              </a:rPr>
+              <a:t>		</a:t>
+            </a:r>
+            <a:r>
+              <a:rPr lang="en-US" dirty="0" smtClean="0">
+                <a:solidFill>
+                  <a:srgbClr val="008000"/>
+                </a:solidFill>
+              </a:rPr>
+              <a:t>Statement(s)</a:t>
+            </a:r>
+          </a:p>
+          <a:p>
+            <a:pPr marL="0" indent="0">
+              <a:buNone/>
+            </a:pPr>
+            <a:r>
+              <a:rPr lang="en-US" dirty="0">
+                <a:solidFill>
+                  <a:srgbClr val="008000"/>
+                </a:solidFill>
+              </a:rPr>
+              <a:t>		</a:t>
+            </a:r>
+            <a:r>
+              <a:rPr lang="en-US" dirty="0" smtClean="0">
+                <a:solidFill>
+                  <a:srgbClr val="008000"/>
+                </a:solidFill>
+              </a:rPr>
+              <a:t>	</a:t>
+            </a:r>
+            <a:r>
+              <a:rPr lang="en-US" dirty="0" smtClean="0">
+                <a:solidFill>
+                  <a:srgbClr val="FF0000"/>
+                </a:solidFill>
+              </a:rPr>
+              <a:t>break</a:t>
+            </a:r>
+            <a:endParaRPr lang="en-US" dirty="0">
+              <a:solidFill>
+                <a:srgbClr val="FF0000"/>
+              </a:solidFill>
+            </a:endParaRPr>
+          </a:p>
+          <a:p>
+            <a:pPr marL="0" indent="0">
+              <a:buNone/>
+            </a:pPr>
+            <a:r>
+              <a:rPr lang="en-US" dirty="0"/>
+              <a:t>	</a:t>
+            </a:r>
+            <a:r>
+              <a:rPr lang="en-US" dirty="0" smtClean="0"/>
+              <a:t>	</a:t>
+            </a:r>
+            <a:r>
+              <a:rPr lang="en-US" i="1" dirty="0" smtClean="0">
+                <a:solidFill>
+                  <a:srgbClr val="0000FF"/>
+                </a:solidFill>
+              </a:rPr>
+              <a:t>case </a:t>
+            </a:r>
+            <a:r>
+              <a:rPr lang="en-US" i="1" dirty="0" smtClean="0">
+                <a:solidFill>
+                  <a:srgbClr val="C0504D"/>
+                </a:solidFill>
+              </a:rPr>
+              <a:t>expression2</a:t>
+            </a:r>
+            <a:r>
+              <a:rPr lang="en-US" i="1" dirty="0" smtClean="0">
+                <a:solidFill>
+                  <a:srgbClr val="000000"/>
+                </a:solidFill>
+              </a:rPr>
+              <a:t>:</a:t>
+            </a:r>
+            <a:endParaRPr lang="en-US" dirty="0">
+              <a:solidFill>
+                <a:srgbClr val="C0504D"/>
+              </a:solidFill>
+            </a:endParaRPr>
+          </a:p>
+          <a:p>
+            <a:pPr marL="0" indent="0">
+              <a:buNone/>
+            </a:pPr>
+            <a:r>
+              <a:rPr lang="en-US" dirty="0" smtClean="0">
+                <a:solidFill>
+                  <a:srgbClr val="C0504D"/>
+                </a:solidFill>
+              </a:rPr>
+              <a:t>			</a:t>
+            </a:r>
+            <a:r>
+              <a:rPr lang="en-US" dirty="0" smtClean="0">
+                <a:solidFill>
+                  <a:srgbClr val="008000"/>
+                </a:solidFill>
+              </a:rPr>
+              <a:t>Statement(s)</a:t>
+            </a:r>
+          </a:p>
+          <a:p>
+            <a:pPr marL="0" indent="0">
+              <a:buNone/>
+            </a:pPr>
+            <a:r>
+              <a:rPr lang="en-US" dirty="0">
+                <a:solidFill>
+                  <a:srgbClr val="008000"/>
+                </a:solidFill>
+              </a:rPr>
+              <a:t>			</a:t>
+            </a:r>
+            <a:r>
+              <a:rPr lang="en-US" dirty="0">
+                <a:solidFill>
+                  <a:srgbClr val="FF0000"/>
+                </a:solidFill>
+              </a:rPr>
+              <a:t>break</a:t>
+            </a:r>
+          </a:p>
+          <a:p>
+            <a:pPr marL="0" indent="0">
+              <a:buNone/>
+            </a:pPr>
+            <a:r>
+              <a:rPr lang="en-US" dirty="0"/>
+              <a:t>	</a:t>
+            </a:r>
+            <a:r>
+              <a:rPr lang="en-US" dirty="0" smtClean="0"/>
+              <a:t>	</a:t>
+            </a:r>
+            <a:r>
+              <a:rPr lang="is-IS" dirty="0" smtClean="0"/>
+              <a:t>…</a:t>
+            </a:r>
+            <a:endParaRPr lang="en-US" dirty="0" smtClean="0"/>
+          </a:p>
+          <a:p>
+            <a:pPr marL="0" indent="0">
+              <a:buNone/>
+            </a:pPr>
+            <a:r>
+              <a:rPr lang="en-US" dirty="0"/>
+              <a:t>	</a:t>
+            </a:r>
+            <a:r>
+              <a:rPr lang="en-US" dirty="0" smtClean="0"/>
+              <a:t>	</a:t>
+            </a:r>
+            <a:r>
+              <a:rPr lang="en-US" i="1" dirty="0" smtClean="0">
+                <a:solidFill>
+                  <a:srgbClr val="0000FF"/>
+                </a:solidFill>
+              </a:rPr>
+              <a:t>default</a:t>
+            </a:r>
+            <a:r>
+              <a:rPr lang="en-US" i="1" dirty="0">
+                <a:solidFill>
+                  <a:srgbClr val="000000"/>
+                </a:solidFill>
+              </a:rPr>
+              <a:t>:</a:t>
+            </a:r>
+            <a:endParaRPr lang="en-US" dirty="0">
+              <a:solidFill>
+                <a:srgbClr val="C0504D"/>
+              </a:solidFill>
+            </a:endParaRPr>
+          </a:p>
+          <a:p>
+            <a:pPr marL="0" indent="0">
+              <a:buNone/>
+            </a:pPr>
+            <a:r>
+              <a:rPr lang="en-US" dirty="0" smtClean="0">
+                <a:solidFill>
+                  <a:srgbClr val="008000"/>
+                </a:solidFill>
+              </a:rPr>
+              <a:t>			Statement(s)</a:t>
+            </a:r>
+          </a:p>
+          <a:p>
+            <a:pPr marL="0" indent="0">
+              <a:buNone/>
+            </a:pPr>
+            <a:r>
+              <a:rPr lang="en-US" dirty="0">
+                <a:solidFill>
+                  <a:srgbClr val="008000"/>
+                </a:solidFill>
+              </a:rPr>
+              <a:t>			</a:t>
+            </a:r>
+            <a:r>
+              <a:rPr lang="en-US" dirty="0">
+                <a:solidFill>
+                  <a:srgbClr val="FF0000"/>
+                </a:solidFill>
+              </a:rPr>
+              <a:t>break</a:t>
+            </a:r>
+          </a:p>
+          <a:p>
+            <a:pPr marL="0" indent="0">
+              <a:buNone/>
+            </a:pPr>
+            <a:r>
+              <a:rPr lang="en-US" dirty="0">
+                <a:solidFill>
+                  <a:srgbClr val="008000"/>
+                </a:solidFill>
+              </a:rPr>
+              <a:t>	</a:t>
+            </a:r>
+            <a:r>
+              <a:rPr lang="en-US" dirty="0" smtClean="0">
+                <a:solidFill>
+                  <a:srgbClr val="000000"/>
+                </a:solidFill>
+              </a:rPr>
+              <a:t>}</a:t>
+            </a:r>
+          </a:p>
+          <a:p>
+            <a:pPr marL="0" indent="0">
+              <a:buNone/>
+            </a:pPr>
+            <a:endParaRPr lang="en-US" dirty="0" smtClean="0">
+              <a:solidFill>
+                <a:srgbClr val="000000"/>
+              </a:solidFill>
+            </a:endParaRPr>
+          </a:p>
+        </p:txBody>
+      </p:sp>
+    </p:spTree>
+    <p:extLst>
+      <p:ext uri="{BB962C8B-B14F-4D97-AF65-F5344CB8AC3E}">
+        <p14:creationId xmlns:p14="http://schemas.microsoft.com/office/powerpoint/2010/main" val="3458133791"/>
+      </p:ext>
+    </p:extLst>
+  </p:cSld>
+  <p:clrMapOvr>
+    <a:masterClrMapping/>
+  </p:clrMapOvr>
+</p:sld>
+</file>
+
+<file path=ppt/slides/slide123.xml><?xml version="1.0" encoding="utf-8"?>
+<p:sld xmlns:a="http://schemas.openxmlformats.org/drawingml/2006/main" xmlns:r="http://schemas.openxmlformats.org/officeDocument/2006/relationships" xmlns:p="http://schemas.openxmlformats.org/presentationml/2006/main">
+  <p:cSld>
+    <p:spTree>
+      <p:nvGrpSpPr>
+        <p:cNvPr id="1" name=""/>
+        <p:cNvGrpSpPr/>
+        <p:nvPr/>
+      </p:nvGrpSpPr>
+      <p:grpSpPr>
+        <a:xfrm>
+          <a:off x="0" y="0"/>
+          <a:ext cx="0" cy="0"/>
+          <a:chOff x="0" y="0"/>
+          <a:chExt cx="0" cy="0"/>
+        </a:xfrm>
+      </p:grpSpPr>
+      <p:sp>
+        <p:nvSpPr>
+          <p:cNvPr id="2" name="Title 1"/>
+          <p:cNvSpPr>
+            <a:spLocks noGrp="1"/>
+          </p:cNvSpPr>
+          <p:nvPr>
+            <p:ph type="title"/>
+          </p:nvPr>
+        </p:nvSpPr>
+        <p:spPr/>
+        <p:txBody>
+          <a:bodyPr/>
+          <a:lstStyle/>
+          <a:p>
+            <a:r>
+              <a:rPr lang="en-US" dirty="0" smtClean="0"/>
+              <a:t>‘if’ vs. ‘switch’ </a:t>
+            </a:r>
+            <a:r>
+              <a:rPr lang="en-US" dirty="0"/>
+              <a:t>Statement</a:t>
+            </a:r>
+          </a:p>
+        </p:txBody>
+      </p:sp>
+      <p:sp>
+        <p:nvSpPr>
+          <p:cNvPr id="3" name="Content Placeholder 2"/>
+          <p:cNvSpPr>
+            <a:spLocks noGrp="1"/>
+          </p:cNvSpPr>
+          <p:nvPr>
+            <p:ph idx="1"/>
+          </p:nvPr>
+        </p:nvSpPr>
+        <p:spPr>
+          <a:xfrm>
+            <a:off x="457200" y="1600200"/>
+            <a:ext cx="4113650" cy="4525963"/>
+          </a:xfrm>
+        </p:spPr>
+        <p:txBody>
+          <a:bodyPr>
+            <a:normAutofit fontScale="85000" lnSpcReduction="20000"/>
+          </a:bodyPr>
+          <a:lstStyle/>
+          <a:p>
+            <a:pPr marL="0" indent="0">
+              <a:buNone/>
+            </a:pPr>
+            <a:r>
+              <a:rPr lang="en-US" i="1" dirty="0" smtClean="0">
+                <a:solidFill>
+                  <a:srgbClr val="0000FF"/>
+                </a:solidFill>
+              </a:rPr>
+              <a:t>if</a:t>
+            </a:r>
+            <a:r>
+              <a:rPr lang="en-US" dirty="0" smtClean="0">
+                <a:solidFill>
+                  <a:srgbClr val="0000FF"/>
+                </a:solidFill>
+              </a:rPr>
+              <a:t> </a:t>
+            </a:r>
+            <a:r>
+              <a:rPr lang="en-US" dirty="0">
+                <a:solidFill>
+                  <a:srgbClr val="000000"/>
+                </a:solidFill>
+              </a:rPr>
+              <a:t>(</a:t>
+            </a:r>
+            <a:r>
+              <a:rPr lang="en-US" i="1" dirty="0">
+                <a:solidFill>
+                  <a:srgbClr val="C0504D"/>
+                </a:solidFill>
+              </a:rPr>
+              <a:t>condition</a:t>
+            </a:r>
+            <a:r>
+              <a:rPr lang="en-US" dirty="0" smtClean="0">
+                <a:solidFill>
+                  <a:srgbClr val="000000"/>
+                </a:solidFill>
+              </a:rPr>
+              <a:t>){</a:t>
+            </a:r>
+          </a:p>
+          <a:p>
+            <a:pPr marL="0" indent="0">
+              <a:buNone/>
+            </a:pPr>
+            <a:r>
+              <a:rPr lang="en-US" dirty="0">
+                <a:solidFill>
+                  <a:srgbClr val="C0504D"/>
+                </a:solidFill>
+              </a:rPr>
+              <a:t>	</a:t>
+            </a:r>
+            <a:r>
+              <a:rPr lang="en-US" dirty="0" smtClean="0">
+                <a:solidFill>
+                  <a:srgbClr val="008000"/>
+                </a:solidFill>
+              </a:rPr>
+              <a:t>Statement(s)</a:t>
+            </a:r>
+          </a:p>
+          <a:p>
+            <a:pPr marL="0" indent="0">
+              <a:buNone/>
+            </a:pPr>
+            <a:r>
+              <a:rPr lang="en-US" dirty="0" smtClean="0"/>
+              <a:t>}</a:t>
+            </a:r>
+            <a:endParaRPr lang="en-US" dirty="0"/>
+          </a:p>
+          <a:p>
+            <a:pPr marL="0" indent="0">
+              <a:buNone/>
+            </a:pPr>
+            <a:r>
+              <a:rPr lang="en-US" i="1" dirty="0" smtClean="0">
+                <a:solidFill>
+                  <a:srgbClr val="0000FF"/>
+                </a:solidFill>
+              </a:rPr>
+              <a:t>else </a:t>
+            </a:r>
+            <a:r>
+              <a:rPr lang="en-US" i="1" dirty="0">
+                <a:solidFill>
+                  <a:srgbClr val="0000FF"/>
+                </a:solidFill>
+              </a:rPr>
+              <a:t>if </a:t>
+            </a:r>
+            <a:r>
+              <a:rPr lang="en-US" dirty="0">
+                <a:solidFill>
+                  <a:srgbClr val="000000"/>
+                </a:solidFill>
+              </a:rPr>
+              <a:t>(</a:t>
+            </a:r>
+            <a:r>
+              <a:rPr lang="en-US" i="1" dirty="0">
+                <a:solidFill>
+                  <a:srgbClr val="C0504D"/>
+                </a:solidFill>
+              </a:rPr>
+              <a:t>condition</a:t>
+            </a:r>
+            <a:r>
+              <a:rPr lang="en-US" dirty="0">
+                <a:solidFill>
+                  <a:srgbClr val="000000"/>
+                </a:solidFill>
+              </a:rPr>
+              <a:t>)</a:t>
+            </a:r>
+            <a:r>
+              <a:rPr lang="en-US" dirty="0">
+                <a:solidFill>
+                  <a:srgbClr val="C0504D"/>
+                </a:solidFill>
+              </a:rPr>
+              <a:t> </a:t>
+            </a:r>
+            <a:r>
+              <a:rPr lang="en-US" dirty="0">
+                <a:solidFill>
+                  <a:srgbClr val="000000"/>
+                </a:solidFill>
+              </a:rPr>
+              <a:t>{</a:t>
+            </a:r>
+          </a:p>
+          <a:p>
+            <a:pPr marL="0" indent="0">
+              <a:buNone/>
+            </a:pPr>
+            <a:r>
+              <a:rPr lang="en-US" dirty="0">
+                <a:solidFill>
+                  <a:srgbClr val="C0504D"/>
+                </a:solidFill>
+              </a:rPr>
+              <a:t>	</a:t>
+            </a:r>
+            <a:r>
+              <a:rPr lang="en-US" dirty="0" smtClean="0">
+                <a:solidFill>
+                  <a:srgbClr val="008000"/>
+                </a:solidFill>
+              </a:rPr>
+              <a:t>Statement</a:t>
+            </a:r>
+            <a:r>
+              <a:rPr lang="en-US" dirty="0">
+                <a:solidFill>
+                  <a:srgbClr val="008000"/>
+                </a:solidFill>
+              </a:rPr>
+              <a:t>(s)</a:t>
+            </a:r>
+          </a:p>
+          <a:p>
+            <a:pPr marL="0" indent="0">
+              <a:buNone/>
+            </a:pPr>
+            <a:r>
+              <a:rPr lang="en-US" dirty="0" smtClean="0"/>
+              <a:t>}</a:t>
+            </a:r>
+            <a:endParaRPr lang="en-US" dirty="0"/>
+          </a:p>
+          <a:p>
+            <a:pPr marL="0" indent="0">
+              <a:buNone/>
+            </a:pPr>
+            <a:r>
+              <a:rPr lang="is-IS" dirty="0" smtClean="0"/>
+              <a:t>…</a:t>
+            </a:r>
+            <a:endParaRPr lang="en-US" dirty="0"/>
+          </a:p>
+          <a:p>
+            <a:pPr marL="0" indent="0">
+              <a:buNone/>
+            </a:pPr>
+            <a:r>
+              <a:rPr lang="en-US" i="1" dirty="0" smtClean="0">
+                <a:solidFill>
+                  <a:srgbClr val="0000FF"/>
+                </a:solidFill>
+              </a:rPr>
+              <a:t>else</a:t>
+            </a:r>
+            <a:r>
+              <a:rPr lang="en-US" dirty="0" smtClean="0">
+                <a:solidFill>
+                  <a:srgbClr val="0000FF"/>
+                </a:solidFill>
+              </a:rPr>
+              <a:t> </a:t>
+            </a:r>
+            <a:r>
+              <a:rPr lang="en-US" dirty="0">
+                <a:solidFill>
+                  <a:srgbClr val="000000"/>
+                </a:solidFill>
+              </a:rPr>
+              <a:t>{</a:t>
+            </a:r>
+          </a:p>
+          <a:p>
+            <a:pPr marL="0" indent="0">
+              <a:buNone/>
+            </a:pPr>
+            <a:r>
+              <a:rPr lang="en-US" dirty="0">
+                <a:solidFill>
+                  <a:srgbClr val="C0504D"/>
+                </a:solidFill>
+              </a:rPr>
+              <a:t>	</a:t>
+            </a:r>
+            <a:r>
+              <a:rPr lang="en-US" dirty="0">
+                <a:solidFill>
+                  <a:srgbClr val="008000"/>
+                </a:solidFill>
+              </a:rPr>
+              <a:t>Statement(s)</a:t>
+            </a:r>
+          </a:p>
+          <a:p>
+            <a:pPr marL="0" indent="0">
+              <a:buNone/>
+            </a:pPr>
+            <a:r>
+              <a:rPr lang="en-US" dirty="0" smtClean="0"/>
+              <a:t>}</a:t>
+            </a:r>
+            <a:endParaRPr lang="en-US" dirty="0"/>
+          </a:p>
+        </p:txBody>
+      </p:sp>
+      <p:sp>
+        <p:nvSpPr>
+          <p:cNvPr id="4" name="Content Placeholder 2"/>
+          <p:cNvSpPr txBox="1">
+            <a:spLocks/>
+          </p:cNvSpPr>
+          <p:nvPr/>
+        </p:nvSpPr>
+        <p:spPr>
+          <a:xfrm>
+            <a:off x="4723250" y="1752600"/>
+            <a:ext cx="4113650" cy="4525963"/>
+          </a:xfrm>
+          <a:prstGeom prst="rect">
+            <a:avLst/>
+          </a:prstGeom>
+        </p:spPr>
+        <p:txBody>
+          <a:bodyPr vert="horz" lIns="91440" tIns="45720" rIns="91440" bIns="45720" rtlCol="0">
+            <a:normAutofit fontScale="70000" lnSpcReduction="20000"/>
+          </a:bodyPr>
+          <a:lstStyle>
+            <a:lvl1pPr marL="342900" indent="-342900" algn="l" defTabSz="457200" rtl="0" eaLnBrk="1" latinLnBrk="0" hangingPunct="1">
+              <a:spcBef>
+                <a:spcPct val="20000"/>
+              </a:spcBef>
+              <a:buFont typeface="Arial"/>
+              <a:buChar char="•"/>
+              <a:defRPr sz="3200" kern="1200">
+                <a:solidFill>
+                  <a:schemeClr val="tx1"/>
+                </a:solidFill>
+                <a:latin typeface="+mn-lt"/>
+                <a:ea typeface="+mn-ea"/>
+                <a:cs typeface="+mn-cs"/>
+              </a:defRPr>
+            </a:lvl1pPr>
+            <a:lvl2pPr marL="742950" indent="-285750" algn="l" defTabSz="457200" rtl="0" eaLnBrk="1" latinLnBrk="0" hangingPunct="1">
+              <a:spcBef>
+                <a:spcPct val="20000"/>
+              </a:spcBef>
+              <a:buFont typeface="Arial"/>
+              <a:buChar char="–"/>
+              <a:defRPr sz="2800" kern="1200">
+                <a:solidFill>
+                  <a:schemeClr val="tx1"/>
+                </a:solidFill>
+                <a:latin typeface="+mn-lt"/>
+                <a:ea typeface="+mn-ea"/>
+                <a:cs typeface="+mn-cs"/>
+              </a:defRPr>
+            </a:lvl2pPr>
+            <a:lvl3pPr marL="1143000" indent="-228600" algn="l" defTabSz="457200" rtl="0" eaLnBrk="1" latinLnBrk="0" hangingPunct="1">
+              <a:spcBef>
+                <a:spcPct val="20000"/>
+              </a:spcBef>
+              <a:buFont typeface="Arial"/>
+              <a:buChar char="•"/>
+              <a:defRPr sz="2400" kern="1200">
+                <a:solidFill>
+                  <a:schemeClr val="tx1"/>
+                </a:solidFill>
+                <a:latin typeface="+mn-lt"/>
+                <a:ea typeface="+mn-ea"/>
+                <a:cs typeface="+mn-cs"/>
+              </a:defRPr>
+            </a:lvl3pPr>
+            <a:lvl4pPr marL="1600200" indent="-228600" algn="l" defTabSz="457200" rtl="0" eaLnBrk="1" latinLnBrk="0" hangingPunct="1">
+              <a:spcBef>
+                <a:spcPct val="20000"/>
+              </a:spcBef>
+              <a:buFont typeface="Arial"/>
+              <a:buChar char="–"/>
+              <a:defRPr sz="2000" kern="1200">
+                <a:solidFill>
+                  <a:schemeClr val="tx1"/>
+                </a:solidFill>
+                <a:latin typeface="+mn-lt"/>
+                <a:ea typeface="+mn-ea"/>
+                <a:cs typeface="+mn-cs"/>
+              </a:defRPr>
+            </a:lvl4pPr>
+            <a:lvl5pPr marL="2057400" indent="-228600" algn="l" defTabSz="457200" rtl="0" eaLnBrk="1" latinLnBrk="0" hangingPunct="1">
+              <a:spcBef>
+                <a:spcPct val="20000"/>
+              </a:spcBef>
+              <a:buFont typeface="Arial"/>
+              <a:buChar char="»"/>
+              <a:defRPr sz="2000" kern="1200">
+                <a:solidFill>
+                  <a:schemeClr val="tx1"/>
+                </a:solidFill>
+                <a:latin typeface="+mn-lt"/>
+                <a:ea typeface="+mn-ea"/>
+                <a:cs typeface="+mn-cs"/>
+              </a:defRPr>
+            </a:lvl5pPr>
+            <a:lvl6pPr marL="2514600" indent="-228600" algn="l" defTabSz="457200" rtl="0" eaLnBrk="1" latinLnBrk="0" hangingPunct="1">
+              <a:spcBef>
+                <a:spcPct val="20000"/>
+              </a:spcBef>
+              <a:buFont typeface="Arial"/>
+              <a:buChar char="•"/>
+              <a:defRPr sz="2000" kern="1200">
+                <a:solidFill>
+                  <a:schemeClr val="tx1"/>
+                </a:solidFill>
+                <a:latin typeface="+mn-lt"/>
+                <a:ea typeface="+mn-ea"/>
+                <a:cs typeface="+mn-cs"/>
+              </a:defRPr>
+            </a:lvl6pPr>
+            <a:lvl7pPr marL="2971800" indent="-228600" algn="l" defTabSz="457200" rtl="0" eaLnBrk="1" latinLnBrk="0" hangingPunct="1">
+              <a:spcBef>
+                <a:spcPct val="20000"/>
+              </a:spcBef>
+              <a:buFont typeface="Arial"/>
+              <a:buChar char="•"/>
+              <a:defRPr sz="2000" kern="1200">
+                <a:solidFill>
+                  <a:schemeClr val="tx1"/>
+                </a:solidFill>
+                <a:latin typeface="+mn-lt"/>
+                <a:ea typeface="+mn-ea"/>
+                <a:cs typeface="+mn-cs"/>
+              </a:defRPr>
+            </a:lvl7pPr>
+            <a:lvl8pPr marL="3429000" indent="-228600" algn="l" defTabSz="457200" rtl="0" eaLnBrk="1" latinLnBrk="0" hangingPunct="1">
+              <a:spcBef>
+                <a:spcPct val="20000"/>
+              </a:spcBef>
+              <a:buFont typeface="Arial"/>
+              <a:buChar char="•"/>
+              <a:defRPr sz="2000" kern="1200">
+                <a:solidFill>
+                  <a:schemeClr val="tx1"/>
+                </a:solidFill>
+                <a:latin typeface="+mn-lt"/>
+                <a:ea typeface="+mn-ea"/>
+                <a:cs typeface="+mn-cs"/>
+              </a:defRPr>
+            </a:lvl8pPr>
+            <a:lvl9pPr marL="3886200" indent="-228600" algn="l" defTabSz="457200" rtl="0" eaLnBrk="1" latinLnBrk="0" hangingPunct="1">
+              <a:spcBef>
+                <a:spcPct val="20000"/>
+              </a:spcBef>
+              <a:buFont typeface="Arial"/>
+              <a:buChar char="•"/>
+              <a:defRPr sz="2000" kern="1200">
+                <a:solidFill>
+                  <a:schemeClr val="tx1"/>
+                </a:solidFill>
+                <a:latin typeface="+mn-lt"/>
+                <a:ea typeface="+mn-ea"/>
+                <a:cs typeface="+mn-cs"/>
+              </a:defRPr>
+            </a:lvl9pPr>
+          </a:lstStyle>
+          <a:p>
+            <a:pPr marL="0" indent="0">
+              <a:buFont typeface="Arial"/>
+              <a:buNone/>
+            </a:pPr>
+            <a:r>
+              <a:rPr lang="en-US" i="1" dirty="0" smtClean="0">
+                <a:solidFill>
+                  <a:srgbClr val="0000FF"/>
+                </a:solidFill>
+              </a:rPr>
+              <a:t>switch</a:t>
+            </a:r>
+            <a:r>
+              <a:rPr lang="en-US" dirty="0" smtClean="0">
+                <a:solidFill>
+                  <a:srgbClr val="000000"/>
+                </a:solidFill>
+              </a:rPr>
+              <a:t>(</a:t>
+            </a:r>
+            <a:r>
+              <a:rPr lang="en-US" i="1" dirty="0" err="1" smtClean="0">
+                <a:solidFill>
+                  <a:srgbClr val="C0504D"/>
+                </a:solidFill>
+              </a:rPr>
+              <a:t>expressionA</a:t>
+            </a:r>
+            <a:r>
+              <a:rPr lang="en-US" dirty="0" smtClean="0">
+                <a:solidFill>
+                  <a:srgbClr val="000000"/>
+                </a:solidFill>
+              </a:rPr>
+              <a:t>)</a:t>
+            </a:r>
+            <a:r>
+              <a:rPr lang="en-US" dirty="0" smtClean="0">
+                <a:solidFill>
+                  <a:srgbClr val="C0504D"/>
+                </a:solidFill>
+              </a:rPr>
+              <a:t> </a:t>
+            </a:r>
+            <a:r>
+              <a:rPr lang="en-US" dirty="0" smtClean="0">
+                <a:solidFill>
+                  <a:srgbClr val="000000"/>
+                </a:solidFill>
+              </a:rPr>
+              <a:t>{</a:t>
+            </a:r>
+          </a:p>
+          <a:p>
+            <a:pPr marL="0" indent="0">
+              <a:buFont typeface="Arial"/>
+              <a:buNone/>
+            </a:pPr>
+            <a:r>
+              <a:rPr lang="en-US" dirty="0" smtClean="0">
+                <a:solidFill>
+                  <a:srgbClr val="C0504D"/>
+                </a:solidFill>
+              </a:rPr>
+              <a:t>	</a:t>
+            </a:r>
+            <a:r>
+              <a:rPr lang="en-US" i="1" dirty="0" smtClean="0">
+                <a:solidFill>
+                  <a:srgbClr val="0000FF"/>
+                </a:solidFill>
+              </a:rPr>
+              <a:t>case </a:t>
+            </a:r>
+            <a:r>
+              <a:rPr lang="en-US" i="1" dirty="0" smtClean="0">
+                <a:solidFill>
+                  <a:srgbClr val="C0504D"/>
+                </a:solidFill>
+              </a:rPr>
+              <a:t>expression1</a:t>
+            </a:r>
+            <a:r>
+              <a:rPr lang="en-US" i="1" dirty="0" smtClean="0">
+                <a:solidFill>
+                  <a:srgbClr val="000000"/>
+                </a:solidFill>
+              </a:rPr>
+              <a:t>:</a:t>
+            </a:r>
+            <a:r>
+              <a:rPr lang="en-US" dirty="0" smtClean="0">
+                <a:solidFill>
+                  <a:srgbClr val="C0504D"/>
+                </a:solidFill>
+              </a:rPr>
+              <a:t> </a:t>
+            </a:r>
+            <a:endParaRPr lang="en-US" dirty="0" smtClean="0">
+              <a:solidFill>
+                <a:srgbClr val="C0504D"/>
+              </a:solidFill>
+            </a:endParaRPr>
+          </a:p>
+          <a:p>
+            <a:pPr marL="0" indent="0">
+              <a:buFont typeface="Arial"/>
+              <a:buNone/>
+            </a:pPr>
+            <a:r>
+              <a:rPr lang="en-US" dirty="0" smtClean="0">
+                <a:solidFill>
+                  <a:srgbClr val="C0504D"/>
+                </a:solidFill>
+              </a:rPr>
+              <a:t>		</a:t>
+            </a:r>
+            <a:r>
+              <a:rPr lang="en-US" dirty="0" smtClean="0">
+                <a:solidFill>
+                  <a:srgbClr val="008000"/>
+                </a:solidFill>
+              </a:rPr>
+              <a:t>Statement(s)</a:t>
+            </a:r>
+          </a:p>
+          <a:p>
+            <a:pPr marL="0" indent="0">
+              <a:buFont typeface="Arial"/>
+              <a:buNone/>
+            </a:pPr>
+            <a:r>
+              <a:rPr lang="en-US" dirty="0">
+                <a:solidFill>
+                  <a:srgbClr val="008000"/>
+                </a:solidFill>
+              </a:rPr>
+              <a:t>	</a:t>
+            </a:r>
+            <a:r>
+              <a:rPr lang="en-US" dirty="0" smtClean="0">
+                <a:solidFill>
+                  <a:srgbClr val="008000"/>
+                </a:solidFill>
+              </a:rPr>
+              <a:t>	</a:t>
+            </a:r>
+            <a:r>
+              <a:rPr lang="en-US" dirty="0" smtClean="0">
+                <a:solidFill>
+                  <a:srgbClr val="FF0000"/>
+                </a:solidFill>
+              </a:rPr>
+              <a:t>break</a:t>
+            </a:r>
+          </a:p>
+          <a:p>
+            <a:pPr marL="0" indent="0">
+              <a:buFont typeface="Arial"/>
+              <a:buNone/>
+            </a:pPr>
+            <a:r>
+              <a:rPr lang="en-US" dirty="0"/>
+              <a:t>	</a:t>
+            </a:r>
+            <a:r>
+              <a:rPr lang="en-US" i="1" dirty="0" smtClean="0">
+                <a:solidFill>
+                  <a:srgbClr val="0000FF"/>
+                </a:solidFill>
+              </a:rPr>
+              <a:t>case </a:t>
+            </a:r>
+            <a:r>
+              <a:rPr lang="en-US" i="1" dirty="0" smtClean="0">
+                <a:solidFill>
+                  <a:srgbClr val="C0504D"/>
+                </a:solidFill>
+              </a:rPr>
+              <a:t>expression2</a:t>
+            </a:r>
+            <a:r>
+              <a:rPr lang="en-US" i="1" dirty="0" smtClean="0">
+                <a:solidFill>
+                  <a:srgbClr val="000000"/>
+                </a:solidFill>
+              </a:rPr>
+              <a:t>:</a:t>
+            </a:r>
+            <a:endParaRPr lang="en-US" dirty="0" smtClean="0">
+              <a:solidFill>
+                <a:srgbClr val="C0504D"/>
+              </a:solidFill>
+            </a:endParaRPr>
+          </a:p>
+          <a:p>
+            <a:pPr marL="0" indent="0">
+              <a:buFont typeface="Arial"/>
+              <a:buNone/>
+            </a:pPr>
+            <a:r>
+              <a:rPr lang="en-US" dirty="0" smtClean="0">
+                <a:solidFill>
+                  <a:srgbClr val="C0504D"/>
+                </a:solidFill>
+              </a:rPr>
+              <a:t>		</a:t>
+            </a:r>
+            <a:r>
+              <a:rPr lang="en-US" dirty="0" smtClean="0">
+                <a:solidFill>
+                  <a:srgbClr val="008000"/>
+                </a:solidFill>
+              </a:rPr>
+              <a:t>Statement(s)</a:t>
+            </a:r>
+          </a:p>
+          <a:p>
+            <a:pPr marL="0" indent="0">
+              <a:buNone/>
+            </a:pPr>
+            <a:r>
+              <a:rPr lang="en-US" dirty="0">
+                <a:solidFill>
+                  <a:srgbClr val="008000"/>
+                </a:solidFill>
+              </a:rPr>
+              <a:t>		</a:t>
+            </a:r>
+            <a:r>
+              <a:rPr lang="en-US" dirty="0">
+                <a:solidFill>
+                  <a:srgbClr val="FF0000"/>
+                </a:solidFill>
+              </a:rPr>
+              <a:t>break</a:t>
+            </a:r>
+          </a:p>
+          <a:p>
+            <a:pPr marL="0" indent="0">
+              <a:buFont typeface="Arial"/>
+              <a:buNone/>
+            </a:pPr>
+            <a:r>
+              <a:rPr lang="en-US" dirty="0" smtClean="0"/>
+              <a:t>	</a:t>
+            </a:r>
+            <a:r>
+              <a:rPr lang="is-IS" dirty="0" smtClean="0"/>
+              <a:t>…</a:t>
+            </a:r>
+            <a:endParaRPr lang="en-US" dirty="0" smtClean="0"/>
+          </a:p>
+          <a:p>
+            <a:pPr marL="0" indent="0">
+              <a:buFont typeface="Arial"/>
+              <a:buNone/>
+            </a:pPr>
+            <a:r>
+              <a:rPr lang="en-US" dirty="0" smtClean="0"/>
+              <a:t>	</a:t>
+            </a:r>
+            <a:r>
+              <a:rPr lang="en-US" i="1" dirty="0" smtClean="0">
+                <a:solidFill>
+                  <a:srgbClr val="0000FF"/>
+                </a:solidFill>
+              </a:rPr>
+              <a:t>default</a:t>
+            </a:r>
+            <a:r>
+              <a:rPr lang="en-US" i="1" dirty="0" smtClean="0">
+                <a:solidFill>
+                  <a:srgbClr val="000000"/>
+                </a:solidFill>
+              </a:rPr>
+              <a:t>:</a:t>
+            </a:r>
+            <a:endParaRPr lang="en-US" dirty="0" smtClean="0">
+              <a:solidFill>
+                <a:srgbClr val="C0504D"/>
+              </a:solidFill>
+            </a:endParaRPr>
+          </a:p>
+          <a:p>
+            <a:pPr marL="0" indent="0">
+              <a:buFont typeface="Arial"/>
+              <a:buNone/>
+            </a:pPr>
+            <a:r>
+              <a:rPr lang="en-US" dirty="0" smtClean="0">
+                <a:solidFill>
+                  <a:srgbClr val="008000"/>
+                </a:solidFill>
+              </a:rPr>
+              <a:t>		Statement(s)</a:t>
+            </a:r>
+          </a:p>
+          <a:p>
+            <a:pPr marL="0" indent="0">
+              <a:buNone/>
+            </a:pPr>
+            <a:r>
+              <a:rPr lang="en-US" dirty="0">
+                <a:solidFill>
+                  <a:srgbClr val="008000"/>
+                </a:solidFill>
+              </a:rPr>
+              <a:t>		</a:t>
+            </a:r>
+            <a:r>
+              <a:rPr lang="en-US" dirty="0">
+                <a:solidFill>
+                  <a:srgbClr val="FF0000"/>
+                </a:solidFill>
+              </a:rPr>
+              <a:t>break</a:t>
+            </a:r>
+          </a:p>
+          <a:p>
+            <a:pPr marL="0" indent="0">
+              <a:buFont typeface="Arial"/>
+              <a:buNone/>
+            </a:pPr>
+            <a:r>
+              <a:rPr lang="en-US" dirty="0" smtClean="0">
+                <a:solidFill>
+                  <a:srgbClr val="000000"/>
+                </a:solidFill>
+              </a:rPr>
+              <a:t>}</a:t>
+            </a:r>
+          </a:p>
+        </p:txBody>
+      </p:sp>
+    </p:spTree>
+    <p:extLst>
+      <p:ext uri="{BB962C8B-B14F-4D97-AF65-F5344CB8AC3E}">
+        <p14:creationId xmlns:p14="http://schemas.microsoft.com/office/powerpoint/2010/main" val="3081964830"/>
+      </p:ext>
+    </p:extLst>
+  </p:cSld>
+  <p:clrMapOvr>
+    <a:masterClrMapping/>
+  </p:clrMapOvr>
+</p:sld>
+</file>
+
+<file path=ppt/slides/slide124.xml><?xml version="1.0" encoding="utf-8"?>
+<p:sld xmlns:a="http://schemas.openxmlformats.org/drawingml/2006/main" xmlns:r="http://schemas.openxmlformats.org/officeDocument/2006/relationships" xmlns:p="http://schemas.openxmlformats.org/presentationml/2006/main">
+  <p:cSld>
+    <p:spTree>
+      <p:nvGrpSpPr>
+        <p:cNvPr id="1" name=""/>
+        <p:cNvGrpSpPr/>
+        <p:nvPr/>
+      </p:nvGrpSpPr>
+      <p:grpSpPr>
+        <a:xfrm>
+          <a:off x="0" y="0"/>
+          <a:ext cx="0" cy="0"/>
+          <a:chOff x="0" y="0"/>
+          <a:chExt cx="0" cy="0"/>
+        </a:xfrm>
+      </p:grpSpPr>
+      <p:sp>
+        <p:nvSpPr>
+          <p:cNvPr id="74" name="Rectangle 73"/>
+          <p:cNvSpPr/>
+          <p:nvPr/>
+        </p:nvSpPr>
+        <p:spPr>
+          <a:xfrm>
+            <a:off x="3768053" y="4688430"/>
+            <a:ext cx="1563077" cy="227949"/>
+          </a:xfrm>
+          <a:prstGeom prst="rect">
+            <a:avLst/>
+          </a:prstGeom>
+        </p:spPr>
+        <p:style>
+          <a:lnRef idx="1">
+            <a:schemeClr val="dk1"/>
+          </a:lnRef>
+          <a:fillRef idx="2">
+            <a:schemeClr val="dk1"/>
+          </a:fillRef>
+          <a:effectRef idx="1">
+            <a:schemeClr val="dk1"/>
+          </a:effectRef>
+          <a:fontRef idx="minor">
+            <a:schemeClr val="dk1"/>
+          </a:fontRef>
+        </p:style>
+        <p:txBody>
+          <a:bodyPr rtlCol="0" anchor="ctr"/>
+          <a:lstStyle/>
+          <a:p>
+            <a:pPr algn="ctr"/>
+            <a:r>
+              <a:rPr lang="en-US" sz="1600" dirty="0" smtClean="0"/>
+              <a:t>Statement </a:t>
+            </a:r>
+            <a:r>
+              <a:rPr lang="is-IS" sz="1600" dirty="0" smtClean="0"/>
+              <a:t>…</a:t>
+            </a:r>
+            <a:endParaRPr lang="en-US" sz="1600" dirty="0"/>
+          </a:p>
+        </p:txBody>
+      </p:sp>
+      <p:sp>
+        <p:nvSpPr>
+          <p:cNvPr id="109" name="Rectangle 108"/>
+          <p:cNvSpPr/>
+          <p:nvPr/>
+        </p:nvSpPr>
+        <p:spPr>
+          <a:xfrm>
+            <a:off x="3768053" y="3890289"/>
+            <a:ext cx="1563077" cy="227949"/>
+          </a:xfrm>
+          <a:prstGeom prst="rect">
+            <a:avLst/>
+          </a:prstGeom>
+        </p:spPr>
+        <p:style>
+          <a:lnRef idx="1">
+            <a:schemeClr val="dk1"/>
+          </a:lnRef>
+          <a:fillRef idx="2">
+            <a:schemeClr val="dk1"/>
+          </a:fillRef>
+          <a:effectRef idx="1">
+            <a:schemeClr val="dk1"/>
+          </a:effectRef>
+          <a:fontRef idx="minor">
+            <a:schemeClr val="dk1"/>
+          </a:fontRef>
+        </p:style>
+        <p:txBody>
+          <a:bodyPr rtlCol="0" anchor="ctr"/>
+          <a:lstStyle/>
+          <a:p>
+            <a:pPr algn="ctr"/>
+            <a:r>
+              <a:rPr lang="en-US" sz="1600" dirty="0" smtClean="0"/>
+              <a:t>Statement </a:t>
+            </a:r>
+            <a:r>
+              <a:rPr lang="is-IS" sz="1600" dirty="0" smtClean="0"/>
+              <a:t>…</a:t>
+            </a:r>
+            <a:endParaRPr lang="en-US" sz="1600" dirty="0"/>
+          </a:p>
+        </p:txBody>
+      </p:sp>
+      <p:sp>
+        <p:nvSpPr>
+          <p:cNvPr id="110" name="Rectangle 109"/>
+          <p:cNvSpPr/>
+          <p:nvPr/>
+        </p:nvSpPr>
+        <p:spPr>
+          <a:xfrm>
+            <a:off x="3768053" y="3066195"/>
+            <a:ext cx="1563077" cy="227949"/>
+          </a:xfrm>
+          <a:prstGeom prst="rect">
+            <a:avLst/>
+          </a:prstGeom>
+        </p:spPr>
+        <p:style>
+          <a:lnRef idx="1">
+            <a:schemeClr val="dk1"/>
+          </a:lnRef>
+          <a:fillRef idx="2">
+            <a:schemeClr val="dk1"/>
+          </a:fillRef>
+          <a:effectRef idx="1">
+            <a:schemeClr val="dk1"/>
+          </a:effectRef>
+          <a:fontRef idx="minor">
+            <a:schemeClr val="dk1"/>
+          </a:fontRef>
+        </p:style>
+        <p:txBody>
+          <a:bodyPr rtlCol="0" anchor="ctr"/>
+          <a:lstStyle/>
+          <a:p>
+            <a:pPr algn="ctr"/>
+            <a:r>
+              <a:rPr lang="en-US" sz="1600" dirty="0" smtClean="0"/>
+              <a:t>Statement </a:t>
+            </a:r>
+            <a:r>
+              <a:rPr lang="is-IS" sz="1600" dirty="0" smtClean="0"/>
+              <a:t>…</a:t>
+            </a:r>
+            <a:endParaRPr lang="en-US" sz="1600" dirty="0"/>
+          </a:p>
+        </p:txBody>
+      </p:sp>
+      <p:sp>
+        <p:nvSpPr>
+          <p:cNvPr id="2" name="Title 1"/>
+          <p:cNvSpPr>
+            <a:spLocks noGrp="1"/>
+          </p:cNvSpPr>
+          <p:nvPr>
+            <p:ph type="title"/>
+          </p:nvPr>
+        </p:nvSpPr>
+        <p:spPr/>
+        <p:txBody>
+          <a:bodyPr/>
+          <a:lstStyle/>
+          <a:p>
+            <a:r>
+              <a:rPr lang="en-US" dirty="0" smtClean="0"/>
+              <a:t>Case ‘fall-through’</a:t>
+            </a:r>
+            <a:endParaRPr lang="en-US" dirty="0"/>
+          </a:p>
+        </p:txBody>
+      </p:sp>
+      <p:sp>
+        <p:nvSpPr>
+          <p:cNvPr id="5" name="Rectangle 4"/>
+          <p:cNvSpPr/>
+          <p:nvPr/>
+        </p:nvSpPr>
+        <p:spPr>
+          <a:xfrm>
+            <a:off x="3768053" y="1917120"/>
+            <a:ext cx="1563077" cy="227949"/>
+          </a:xfrm>
+          <a:prstGeom prst="rect">
+            <a:avLst/>
+          </a:prstGeom>
+        </p:spPr>
+        <p:style>
+          <a:lnRef idx="1">
+            <a:schemeClr val="dk1"/>
+          </a:lnRef>
+          <a:fillRef idx="2">
+            <a:schemeClr val="dk1"/>
+          </a:fillRef>
+          <a:effectRef idx="1">
+            <a:schemeClr val="dk1"/>
+          </a:effectRef>
+          <a:fontRef idx="minor">
+            <a:schemeClr val="dk1"/>
+          </a:fontRef>
+        </p:style>
+        <p:txBody>
+          <a:bodyPr rtlCol="0" anchor="ctr"/>
+          <a:lstStyle/>
+          <a:p>
+            <a:pPr algn="ctr"/>
+            <a:r>
+              <a:rPr lang="en-US" sz="1600" dirty="0" smtClean="0"/>
+              <a:t>Statement 1</a:t>
+            </a:r>
+            <a:endParaRPr lang="en-US" sz="1600" dirty="0"/>
+          </a:p>
+        </p:txBody>
+      </p:sp>
+      <p:sp>
+        <p:nvSpPr>
+          <p:cNvPr id="6" name="Rectangle 5"/>
+          <p:cNvSpPr/>
+          <p:nvPr/>
+        </p:nvSpPr>
+        <p:spPr>
+          <a:xfrm>
+            <a:off x="3515782" y="2783995"/>
+            <a:ext cx="2067619" cy="529197"/>
+          </a:xfrm>
+          <a:prstGeom prst="rect">
+            <a:avLst/>
+          </a:prstGeom>
+          <a:solidFill>
+            <a:schemeClr val="accent2">
+              <a:lumMod val="60000"/>
+              <a:lumOff val="40000"/>
+              <a:alpha val="27000"/>
+            </a:schemeClr>
+          </a:solidFill>
+        </p:spPr>
+        <p:style>
+          <a:lnRef idx="1">
+            <a:schemeClr val="accent2"/>
+          </a:lnRef>
+          <a:fillRef idx="2">
+            <a:schemeClr val="accent2"/>
+          </a:fillRef>
+          <a:effectRef idx="1">
+            <a:schemeClr val="accent2"/>
+          </a:effectRef>
+          <a:fontRef idx="minor">
+            <a:schemeClr val="dk1"/>
+          </a:fontRef>
+        </p:style>
+        <p:txBody>
+          <a:bodyPr rtlCol="0" anchor="t"/>
+          <a:lstStyle/>
+          <a:p>
+            <a:pPr algn="ctr"/>
+            <a:r>
+              <a:rPr lang="en-US" sz="1600" dirty="0" smtClean="0"/>
+              <a:t>Case A</a:t>
+            </a:r>
+            <a:endParaRPr lang="en-US" sz="1600" dirty="0"/>
+          </a:p>
+        </p:txBody>
+      </p:sp>
+      <p:sp>
+        <p:nvSpPr>
+          <p:cNvPr id="7" name="Rectangle 6"/>
+          <p:cNvSpPr/>
+          <p:nvPr/>
+        </p:nvSpPr>
+        <p:spPr>
+          <a:xfrm>
+            <a:off x="3515782" y="3615352"/>
+            <a:ext cx="2067619" cy="529197"/>
+          </a:xfrm>
+          <a:prstGeom prst="rect">
+            <a:avLst/>
+          </a:prstGeom>
+          <a:solidFill>
+            <a:schemeClr val="accent2">
+              <a:lumMod val="60000"/>
+              <a:lumOff val="40000"/>
+              <a:alpha val="27000"/>
+            </a:schemeClr>
+          </a:solidFill>
+        </p:spPr>
+        <p:style>
+          <a:lnRef idx="1">
+            <a:schemeClr val="accent2"/>
+          </a:lnRef>
+          <a:fillRef idx="2">
+            <a:schemeClr val="accent2"/>
+          </a:fillRef>
+          <a:effectRef idx="1">
+            <a:schemeClr val="accent2"/>
+          </a:effectRef>
+          <a:fontRef idx="minor">
+            <a:schemeClr val="dk1"/>
+          </a:fontRef>
+        </p:style>
+        <p:txBody>
+          <a:bodyPr rtlCol="0" anchor="t"/>
+          <a:lstStyle/>
+          <a:p>
+            <a:pPr algn="ctr"/>
+            <a:r>
+              <a:rPr lang="en-US" sz="1600" dirty="0" smtClean="0"/>
+              <a:t>Case B</a:t>
+            </a:r>
+            <a:endParaRPr lang="en-US" sz="1600" dirty="0"/>
+          </a:p>
+        </p:txBody>
+      </p:sp>
+      <p:sp>
+        <p:nvSpPr>
+          <p:cNvPr id="9" name="Rectangle 8"/>
+          <p:cNvSpPr/>
+          <p:nvPr/>
+        </p:nvSpPr>
+        <p:spPr>
+          <a:xfrm>
+            <a:off x="3768053" y="5594294"/>
+            <a:ext cx="1563077" cy="227949"/>
+          </a:xfrm>
+          <a:prstGeom prst="rect">
+            <a:avLst/>
+          </a:prstGeom>
+        </p:spPr>
+        <p:style>
+          <a:lnRef idx="1">
+            <a:schemeClr val="dk1"/>
+          </a:lnRef>
+          <a:fillRef idx="2">
+            <a:schemeClr val="dk1"/>
+          </a:fillRef>
+          <a:effectRef idx="1">
+            <a:schemeClr val="dk1"/>
+          </a:effectRef>
+          <a:fontRef idx="minor">
+            <a:schemeClr val="dk1"/>
+          </a:fontRef>
+        </p:style>
+        <p:txBody>
+          <a:bodyPr rtlCol="0" anchor="ctr"/>
+          <a:lstStyle/>
+          <a:p>
+            <a:pPr algn="ctr"/>
+            <a:r>
+              <a:rPr lang="en-US" sz="1600" dirty="0" smtClean="0"/>
+              <a:t>Statement N</a:t>
+            </a:r>
+            <a:endParaRPr lang="en-US" sz="1600" dirty="0"/>
+          </a:p>
+        </p:txBody>
+      </p:sp>
+      <p:sp>
+        <p:nvSpPr>
+          <p:cNvPr id="10" name="Rectangle 9"/>
+          <p:cNvSpPr/>
+          <p:nvPr/>
+        </p:nvSpPr>
+        <p:spPr>
+          <a:xfrm>
+            <a:off x="3768053" y="6065822"/>
+            <a:ext cx="1563077" cy="227949"/>
+          </a:xfrm>
+          <a:prstGeom prst="rect">
+            <a:avLst/>
+          </a:prstGeom>
+        </p:spPr>
+        <p:style>
+          <a:lnRef idx="3">
+            <a:schemeClr val="lt1"/>
+          </a:lnRef>
+          <a:fillRef idx="1">
+            <a:schemeClr val="accent1"/>
+          </a:fillRef>
+          <a:effectRef idx="1">
+            <a:schemeClr val="accent1"/>
+          </a:effectRef>
+          <a:fontRef idx="minor">
+            <a:schemeClr val="lt1"/>
+          </a:fontRef>
+        </p:style>
+        <p:txBody>
+          <a:bodyPr rtlCol="0" anchor="ctr"/>
+          <a:lstStyle/>
+          <a:p>
+            <a:pPr algn="ctr"/>
+            <a:r>
+              <a:rPr lang="en-US" sz="1600" dirty="0" smtClean="0"/>
+              <a:t>End</a:t>
+            </a:r>
+            <a:endParaRPr lang="en-US" sz="1600" dirty="0"/>
+          </a:p>
+        </p:txBody>
+      </p:sp>
+      <p:sp>
+        <p:nvSpPr>
+          <p:cNvPr id="11" name="Rectangle 10"/>
+          <p:cNvSpPr/>
+          <p:nvPr/>
+        </p:nvSpPr>
+        <p:spPr>
+          <a:xfrm>
+            <a:off x="3768053" y="1510716"/>
+            <a:ext cx="1563077" cy="227949"/>
+          </a:xfrm>
+          <a:prstGeom prst="rect">
+            <a:avLst/>
+          </a:prstGeom>
+        </p:spPr>
+        <p:style>
+          <a:lnRef idx="3">
+            <a:schemeClr val="lt1"/>
+          </a:lnRef>
+          <a:fillRef idx="1">
+            <a:schemeClr val="accent1"/>
+          </a:fillRef>
+          <a:effectRef idx="1">
+            <a:schemeClr val="accent1"/>
+          </a:effectRef>
+          <a:fontRef idx="minor">
+            <a:schemeClr val="lt1"/>
+          </a:fontRef>
+        </p:style>
+        <p:txBody>
+          <a:bodyPr rtlCol="0" anchor="ctr"/>
+          <a:lstStyle/>
+          <a:p>
+            <a:pPr algn="ctr"/>
+            <a:r>
+              <a:rPr lang="en-US" sz="1600" dirty="0" smtClean="0"/>
+              <a:t>Start</a:t>
+            </a:r>
+            <a:endParaRPr lang="en-US" sz="1600" dirty="0"/>
+          </a:p>
+        </p:txBody>
+      </p:sp>
+      <p:cxnSp>
+        <p:nvCxnSpPr>
+          <p:cNvPr id="26" name="Straight Arrow Connector 25"/>
+          <p:cNvCxnSpPr/>
+          <p:nvPr/>
+        </p:nvCxnSpPr>
+        <p:spPr>
+          <a:xfrm>
+            <a:off x="4541562" y="2145069"/>
+            <a:ext cx="16059" cy="238189"/>
+          </a:xfrm>
+          <a:prstGeom prst="straightConnector1">
+            <a:avLst/>
+          </a:prstGeom>
+          <a:ln>
+            <a:tailEnd type="arrow"/>
+          </a:ln>
+        </p:spPr>
+        <p:style>
+          <a:lnRef idx="2">
+            <a:schemeClr val="accent1"/>
+          </a:lnRef>
+          <a:fillRef idx="0">
+            <a:schemeClr val="accent1"/>
+          </a:fillRef>
+          <a:effectRef idx="1">
+            <a:schemeClr val="accent1"/>
+          </a:effectRef>
+          <a:fontRef idx="minor">
+            <a:schemeClr val="tx1"/>
+          </a:fontRef>
+        </p:style>
+      </p:cxnSp>
+      <p:cxnSp>
+        <p:nvCxnSpPr>
+          <p:cNvPr id="33" name="Elbow Connector 32"/>
+          <p:cNvCxnSpPr/>
+          <p:nvPr/>
+        </p:nvCxnSpPr>
+        <p:spPr>
+          <a:xfrm rot="5400000">
+            <a:off x="4398511" y="3464272"/>
+            <a:ext cx="302160" cy="12700"/>
+          </a:xfrm>
+          <a:prstGeom prst="bentConnector3">
+            <a:avLst>
+              <a:gd name="adj1" fmla="val 50000"/>
+            </a:avLst>
+          </a:prstGeom>
+          <a:ln>
+            <a:solidFill>
+              <a:schemeClr val="accent3">
+                <a:lumMod val="75000"/>
+              </a:schemeClr>
+            </a:solidFill>
+            <a:tailEnd type="arrow"/>
+          </a:ln>
+        </p:spPr>
+        <p:style>
+          <a:lnRef idx="2">
+            <a:schemeClr val="accent1"/>
+          </a:lnRef>
+          <a:fillRef idx="0">
+            <a:schemeClr val="accent1"/>
+          </a:fillRef>
+          <a:effectRef idx="1">
+            <a:schemeClr val="accent1"/>
+          </a:effectRef>
+          <a:fontRef idx="minor">
+            <a:schemeClr val="tx1"/>
+          </a:fontRef>
+        </p:style>
+      </p:cxnSp>
+      <p:cxnSp>
+        <p:nvCxnSpPr>
+          <p:cNvPr id="35" name="Elbow Connector 34"/>
+          <p:cNvCxnSpPr/>
+          <p:nvPr/>
+        </p:nvCxnSpPr>
+        <p:spPr>
+          <a:xfrm rot="16200000" flipH="1">
+            <a:off x="4412546" y="4278418"/>
+            <a:ext cx="274091" cy="6351"/>
+          </a:xfrm>
+          <a:prstGeom prst="bentConnector3">
+            <a:avLst>
+              <a:gd name="adj1" fmla="val 50000"/>
+            </a:avLst>
+          </a:prstGeom>
+          <a:ln>
+            <a:solidFill>
+              <a:schemeClr val="accent2">
+                <a:lumMod val="75000"/>
+              </a:schemeClr>
+            </a:solidFill>
+            <a:tailEnd type="arrow"/>
+          </a:ln>
+        </p:spPr>
+        <p:style>
+          <a:lnRef idx="2">
+            <a:schemeClr val="accent1"/>
+          </a:lnRef>
+          <a:fillRef idx="0">
+            <a:schemeClr val="accent1"/>
+          </a:fillRef>
+          <a:effectRef idx="1">
+            <a:schemeClr val="accent1"/>
+          </a:effectRef>
+          <a:fontRef idx="minor">
+            <a:schemeClr val="tx1"/>
+          </a:fontRef>
+        </p:style>
+      </p:cxnSp>
+      <p:cxnSp>
+        <p:nvCxnSpPr>
+          <p:cNvPr id="42" name="Straight Arrow Connector 41"/>
+          <p:cNvCxnSpPr/>
+          <p:nvPr/>
+        </p:nvCxnSpPr>
+        <p:spPr>
+          <a:xfrm>
+            <a:off x="4549591" y="1738665"/>
+            <a:ext cx="0" cy="178455"/>
+          </a:xfrm>
+          <a:prstGeom prst="straightConnector1">
+            <a:avLst/>
+          </a:prstGeom>
+          <a:ln>
+            <a:tailEnd type="arrow"/>
+          </a:ln>
+        </p:spPr>
+        <p:style>
+          <a:lnRef idx="2">
+            <a:schemeClr val="accent1"/>
+          </a:lnRef>
+          <a:fillRef idx="0">
+            <a:schemeClr val="accent1"/>
+          </a:fillRef>
+          <a:effectRef idx="1">
+            <a:schemeClr val="accent1"/>
+          </a:effectRef>
+          <a:fontRef idx="minor">
+            <a:schemeClr val="tx1"/>
+          </a:fontRef>
+        </p:style>
+      </p:cxnSp>
+      <p:cxnSp>
+        <p:nvCxnSpPr>
+          <p:cNvPr id="46" name="Straight Arrow Connector 45"/>
+          <p:cNvCxnSpPr/>
+          <p:nvPr/>
+        </p:nvCxnSpPr>
+        <p:spPr>
+          <a:xfrm>
+            <a:off x="4549591" y="5822243"/>
+            <a:ext cx="0" cy="243579"/>
+          </a:xfrm>
+          <a:prstGeom prst="straightConnector1">
+            <a:avLst/>
+          </a:prstGeom>
+          <a:ln>
+            <a:tailEnd type="arrow"/>
+          </a:ln>
+        </p:spPr>
+        <p:style>
+          <a:lnRef idx="2">
+            <a:schemeClr val="accent1"/>
+          </a:lnRef>
+          <a:fillRef idx="0">
+            <a:schemeClr val="accent1"/>
+          </a:fillRef>
+          <a:effectRef idx="1">
+            <a:schemeClr val="accent1"/>
+          </a:effectRef>
+          <a:fontRef idx="minor">
+            <a:schemeClr val="tx1"/>
+          </a:fontRef>
+        </p:style>
+      </p:cxnSp>
+      <p:sp>
+        <p:nvSpPr>
+          <p:cNvPr id="21" name="Rectangle 20"/>
+          <p:cNvSpPr/>
+          <p:nvPr/>
+        </p:nvSpPr>
+        <p:spPr>
+          <a:xfrm>
+            <a:off x="3515782" y="4418640"/>
+            <a:ext cx="2067619" cy="529197"/>
+          </a:xfrm>
+          <a:prstGeom prst="rect">
+            <a:avLst/>
+          </a:prstGeom>
+          <a:solidFill>
+            <a:schemeClr val="accent2">
+              <a:lumMod val="60000"/>
+              <a:lumOff val="40000"/>
+              <a:alpha val="27000"/>
+            </a:schemeClr>
+          </a:solidFill>
+        </p:spPr>
+        <p:style>
+          <a:lnRef idx="1">
+            <a:schemeClr val="accent2"/>
+          </a:lnRef>
+          <a:fillRef idx="2">
+            <a:schemeClr val="accent2"/>
+          </a:fillRef>
+          <a:effectRef idx="1">
+            <a:schemeClr val="accent2"/>
+          </a:effectRef>
+          <a:fontRef idx="minor">
+            <a:schemeClr val="dk1"/>
+          </a:fontRef>
+        </p:style>
+        <p:txBody>
+          <a:bodyPr rtlCol="0" anchor="t"/>
+          <a:lstStyle/>
+          <a:p>
+            <a:pPr algn="ctr"/>
+            <a:r>
+              <a:rPr lang="en-US" sz="1600" dirty="0" smtClean="0"/>
+              <a:t>Case C</a:t>
+            </a:r>
+            <a:endParaRPr lang="en-US" sz="1600" dirty="0"/>
+          </a:p>
+        </p:txBody>
+      </p:sp>
+      <p:cxnSp>
+        <p:nvCxnSpPr>
+          <p:cNvPr id="30" name="Elbow Connector 29"/>
+          <p:cNvCxnSpPr/>
+          <p:nvPr/>
+        </p:nvCxnSpPr>
+        <p:spPr>
+          <a:xfrm rot="5400000">
+            <a:off x="4226363" y="5271065"/>
+            <a:ext cx="646457" cy="12700"/>
+          </a:xfrm>
+          <a:prstGeom prst="bentConnector3">
+            <a:avLst>
+              <a:gd name="adj1" fmla="val 50000"/>
+            </a:avLst>
+          </a:prstGeom>
+          <a:ln>
+            <a:solidFill>
+              <a:srgbClr val="604A7B"/>
+            </a:solidFill>
+            <a:tailEnd type="arrow"/>
+          </a:ln>
+        </p:spPr>
+        <p:style>
+          <a:lnRef idx="2">
+            <a:schemeClr val="accent1"/>
+          </a:lnRef>
+          <a:fillRef idx="0">
+            <a:schemeClr val="accent1"/>
+          </a:fillRef>
+          <a:effectRef idx="1">
+            <a:schemeClr val="accent1"/>
+          </a:effectRef>
+          <a:fontRef idx="minor">
+            <a:schemeClr val="tx1"/>
+          </a:fontRef>
+        </p:style>
+      </p:cxnSp>
+      <p:cxnSp>
+        <p:nvCxnSpPr>
+          <p:cNvPr id="47" name="Elbow Connector 46"/>
+          <p:cNvCxnSpPr>
+            <a:stCxn id="16" idx="1"/>
+            <a:endCxn id="21" idx="1"/>
+          </p:cNvCxnSpPr>
+          <p:nvPr/>
+        </p:nvCxnSpPr>
+        <p:spPr>
+          <a:xfrm rot="10800000" flipV="1">
+            <a:off x="3515783" y="2478019"/>
+            <a:ext cx="870989" cy="2205220"/>
+          </a:xfrm>
+          <a:prstGeom prst="bentConnector3">
+            <a:avLst>
+              <a:gd name="adj1" fmla="val 126246"/>
+            </a:avLst>
+          </a:prstGeom>
+          <a:ln>
+            <a:solidFill>
+              <a:srgbClr val="604A7B"/>
+            </a:solidFill>
+            <a:tailEnd type="arrow"/>
+          </a:ln>
+        </p:spPr>
+        <p:style>
+          <a:lnRef idx="2">
+            <a:schemeClr val="accent1"/>
+          </a:lnRef>
+          <a:fillRef idx="0">
+            <a:schemeClr val="accent1"/>
+          </a:fillRef>
+          <a:effectRef idx="1">
+            <a:schemeClr val="accent1"/>
+          </a:effectRef>
+          <a:fontRef idx="minor">
+            <a:schemeClr val="tx1"/>
+          </a:fontRef>
+        </p:style>
+      </p:cxnSp>
+      <p:cxnSp>
+        <p:nvCxnSpPr>
+          <p:cNvPr id="52" name="Elbow Connector 51"/>
+          <p:cNvCxnSpPr>
+            <a:stCxn id="16" idx="3"/>
+            <a:endCxn id="7" idx="3"/>
+          </p:cNvCxnSpPr>
+          <p:nvPr/>
+        </p:nvCxnSpPr>
+        <p:spPr>
+          <a:xfrm>
+            <a:off x="4712412" y="2478019"/>
+            <a:ext cx="870989" cy="1401932"/>
+          </a:xfrm>
+          <a:prstGeom prst="bentConnector3">
+            <a:avLst>
+              <a:gd name="adj1" fmla="val 126246"/>
+            </a:avLst>
+          </a:prstGeom>
+          <a:ln>
+            <a:solidFill>
+              <a:schemeClr val="accent2">
+                <a:lumMod val="75000"/>
+              </a:schemeClr>
+            </a:solidFill>
+            <a:tailEnd type="arrow"/>
+          </a:ln>
+        </p:spPr>
+        <p:style>
+          <a:lnRef idx="2">
+            <a:schemeClr val="accent1"/>
+          </a:lnRef>
+          <a:fillRef idx="0">
+            <a:schemeClr val="accent1"/>
+          </a:fillRef>
+          <a:effectRef idx="1">
+            <a:schemeClr val="accent1"/>
+          </a:effectRef>
+          <a:fontRef idx="minor">
+            <a:schemeClr val="tx1"/>
+          </a:fontRef>
+        </p:style>
+      </p:cxnSp>
+      <p:cxnSp>
+        <p:nvCxnSpPr>
+          <p:cNvPr id="59" name="Elbow Connector 58"/>
+          <p:cNvCxnSpPr/>
+          <p:nvPr/>
+        </p:nvCxnSpPr>
+        <p:spPr>
+          <a:xfrm rot="5400000">
+            <a:off x="4443983" y="2670358"/>
+            <a:ext cx="211216" cy="16059"/>
+          </a:xfrm>
+          <a:prstGeom prst="bentConnector3">
+            <a:avLst>
+              <a:gd name="adj1" fmla="val 50000"/>
+            </a:avLst>
+          </a:prstGeom>
+          <a:ln>
+            <a:solidFill>
+              <a:schemeClr val="accent3">
+                <a:lumMod val="75000"/>
+              </a:schemeClr>
+            </a:solidFill>
+            <a:tailEnd type="arrow"/>
+          </a:ln>
+        </p:spPr>
+        <p:style>
+          <a:lnRef idx="2">
+            <a:schemeClr val="accent1"/>
+          </a:lnRef>
+          <a:fillRef idx="0">
+            <a:schemeClr val="accent1"/>
+          </a:fillRef>
+          <a:effectRef idx="1">
+            <a:schemeClr val="accent1"/>
+          </a:effectRef>
+          <a:fontRef idx="minor">
+            <a:schemeClr val="tx1"/>
+          </a:fontRef>
+        </p:style>
+      </p:cxnSp>
+      <p:sp>
+        <p:nvSpPr>
+          <p:cNvPr id="16" name="Decision 15"/>
+          <p:cNvSpPr/>
+          <p:nvPr/>
+        </p:nvSpPr>
+        <p:spPr>
+          <a:xfrm>
+            <a:off x="4386771" y="2383258"/>
+            <a:ext cx="325641" cy="189521"/>
+          </a:xfrm>
+          <a:prstGeom prst="flowChartDecision">
+            <a:avLst/>
+          </a:prstGeom>
+        </p:spPr>
+        <p:style>
+          <a:lnRef idx="1">
+            <a:schemeClr val="accent1"/>
+          </a:lnRef>
+          <a:fillRef idx="3">
+            <a:schemeClr val="accent1"/>
+          </a:fillRef>
+          <a:effectRef idx="2">
+            <a:schemeClr val="accent1"/>
+          </a:effectRef>
+          <a:fontRef idx="minor">
+            <a:schemeClr val="lt1"/>
+          </a:fontRef>
+        </p:style>
+        <p:txBody>
+          <a:bodyPr rtlCol="0" anchor="ctr"/>
+          <a:lstStyle/>
+          <a:p>
+            <a:pPr algn="ctr"/>
+            <a:endParaRPr lang="en-US"/>
+          </a:p>
+        </p:txBody>
+      </p:sp>
+    </p:spTree>
+    <p:extLst>
+      <p:ext uri="{BB962C8B-B14F-4D97-AF65-F5344CB8AC3E}">
+        <p14:creationId xmlns:p14="http://schemas.microsoft.com/office/powerpoint/2010/main" val="659574855"/>
+      </p:ext>
+    </p:extLst>
+  </p:cSld>
+  <p:clrMapOvr>
+    <a:masterClrMapping/>
+  </p:clrMapOvr>
+</p:sld>
+</file>
+
+<file path=ppt/slides/slide125.xml><?xml version="1.0" encoding="utf-8"?>
+<p:sld xmlns:a="http://schemas.openxmlformats.org/drawingml/2006/main" xmlns:r="http://schemas.openxmlformats.org/officeDocument/2006/relationships" xmlns:p="http://schemas.openxmlformats.org/presentationml/2006/main">
+  <p:cSld>
+    <p:spTree>
+      <p:nvGrpSpPr>
+        <p:cNvPr id="1" name=""/>
+        <p:cNvGrpSpPr/>
+        <p:nvPr/>
+      </p:nvGrpSpPr>
+      <p:grpSpPr>
+        <a:xfrm>
+          <a:off x="0" y="0"/>
+          <a:ext cx="0" cy="0"/>
+          <a:chOff x="0" y="0"/>
+          <a:chExt cx="0" cy="0"/>
+        </a:xfrm>
+      </p:grpSpPr>
+      <p:sp>
+        <p:nvSpPr>
+          <p:cNvPr id="2" name="Title 1"/>
+          <p:cNvSpPr>
+            <a:spLocks noGrp="1"/>
+          </p:cNvSpPr>
+          <p:nvPr>
+            <p:ph type="title"/>
+          </p:nvPr>
+        </p:nvSpPr>
+        <p:spPr/>
+        <p:txBody>
+          <a:bodyPr/>
+          <a:lstStyle/>
+          <a:p>
+            <a:r>
+              <a:rPr lang="en-US" dirty="0" smtClean="0"/>
+              <a:t>Conclusion</a:t>
+            </a:r>
+            <a:endParaRPr lang="en-US" dirty="0"/>
+          </a:p>
+        </p:txBody>
+      </p:sp>
+      <p:sp>
+        <p:nvSpPr>
+          <p:cNvPr id="3" name="Content Placeholder 2"/>
+          <p:cNvSpPr>
+            <a:spLocks noGrp="1"/>
+          </p:cNvSpPr>
+          <p:nvPr>
+            <p:ph idx="1"/>
+          </p:nvPr>
+        </p:nvSpPr>
+        <p:spPr/>
+        <p:txBody>
+          <a:bodyPr>
+            <a:normAutofit/>
+          </a:bodyPr>
+          <a:lstStyle/>
+          <a:p>
+            <a:pPr marL="514350" indent="-514350">
+              <a:buFont typeface="+mj-lt"/>
+              <a:buAutoNum type="arabicPeriod"/>
+            </a:pPr>
+            <a:r>
+              <a:rPr lang="en-US" dirty="0" smtClean="0"/>
+              <a:t>A ‘switch’ statement can be used in place of a multi-condition ‘if’ statement</a:t>
+            </a:r>
+          </a:p>
+          <a:p>
+            <a:pPr marL="514350" indent="-514350">
+              <a:buFont typeface="+mj-lt"/>
+              <a:buAutoNum type="arabicPeriod"/>
+            </a:pPr>
+            <a:r>
+              <a:rPr lang="en-US" dirty="0" smtClean="0"/>
+              <a:t>The ‘switch’ statement provides ‘fall through’, but it must be used </a:t>
+            </a:r>
+            <a:r>
+              <a:rPr lang="en-US" smtClean="0"/>
+              <a:t>with </a:t>
+            </a:r>
+            <a:r>
+              <a:rPr lang="en-US" smtClean="0"/>
+              <a:t>care</a:t>
+            </a:r>
+            <a:endParaRPr lang="en-US" dirty="0" smtClean="0"/>
+          </a:p>
+        </p:txBody>
+      </p:sp>
+    </p:spTree>
+    <p:extLst>
+      <p:ext uri="{BB962C8B-B14F-4D97-AF65-F5344CB8AC3E}">
+        <p14:creationId xmlns:p14="http://schemas.microsoft.com/office/powerpoint/2010/main" val="2576117139"/>
+      </p:ext>
+    </p:extLst>
+  </p:cSld>
+  <p:clrMapOvr>
+    <a:masterClrMapping/>
+  </p:clrMapOvr>
 </p:sld>
 </file>
 

--- a/docs/learn-computer-programming.pptx
+++ b/docs/learn-computer-programming.pptx
@@ -130,6 +130,24 @@
     <p:sldId id="400" r:id="rId124"/>
     <p:sldId id="401" r:id="rId125"/>
     <p:sldId id="402" r:id="rId126"/>
+    <p:sldId id="403" r:id="rId127"/>
+    <p:sldId id="405" r:id="rId128"/>
+    <p:sldId id="404" r:id="rId129"/>
+    <p:sldId id="406" r:id="rId130"/>
+    <p:sldId id="408" r:id="rId131"/>
+    <p:sldId id="409" r:id="rId132"/>
+    <p:sldId id="410" r:id="rId133"/>
+    <p:sldId id="407" r:id="rId134"/>
+    <p:sldId id="411" r:id="rId135"/>
+    <p:sldId id="413" r:id="rId136"/>
+    <p:sldId id="412" r:id="rId137"/>
+    <p:sldId id="416" r:id="rId138"/>
+    <p:sldId id="414" r:id="rId139"/>
+    <p:sldId id="415" r:id="rId140"/>
+    <p:sldId id="417" r:id="rId141"/>
+    <p:sldId id="418" r:id="rId142"/>
+    <p:sldId id="419" r:id="rId143"/>
+    <p:sldId id="420" r:id="rId144"/>
   </p:sldIdLst>
   <p:sldSz cx="9144000" cy="6858000" type="screen4x3"/>
   <p:notesSz cx="6858000" cy="9144000"/>
@@ -5296,42 +5314,42 @@
     </dgm:pt>
   </dgm:ptLst>
   <dgm:cxnLst>
-    <dgm:cxn modelId="{0A19088C-A894-A349-B6F2-D0CA96CD47FA}" srcId="{960CE163-DF35-2B44-83E7-B9153BC66084}" destId="{1AD1EA1C-020E-5744-81BA-AEEC1A7A11F3}" srcOrd="2" destOrd="0" parTransId="{12CF4121-F3B4-5C45-B72F-C1FB37DD3C0D}" sibTransId="{E7356A86-2BC1-2844-87C1-0F4142A0BACE}"/>
-    <dgm:cxn modelId="{A5EF75CA-949B-FB42-A967-633DBF9C5416}" srcId="{67DF074B-DE05-B24C-9E35-CDBF726DC2DD}" destId="{2CF1C699-9046-8C42-87E6-2861BF37D660}" srcOrd="1" destOrd="0" parTransId="{F9A1264F-2EB8-8148-8E8F-B74886C30473}" sibTransId="{2B88B2F7-3FE5-E743-A3EF-F1DB3821C219}"/>
-    <dgm:cxn modelId="{1BB5FA34-3C64-DD46-93EA-B2497E30C558}" type="presOf" srcId="{0C3731E6-7189-414B-8AA4-AA411ADE82DC}" destId="{F42357F4-6E12-A041-A7D6-81713E5E517B}" srcOrd="0" destOrd="0" presId="urn:microsoft.com/office/officeart/2005/8/layout/hierarchy1"/>
-    <dgm:cxn modelId="{4143E40A-3339-5746-9665-4720B7275017}" type="presOf" srcId="{4261D7F4-A7D0-3F49-B78A-20CFB380B683}" destId="{C2C1A37D-940A-6743-AC99-D92FAAA879A9}" srcOrd="0" destOrd="0" presId="urn:microsoft.com/office/officeart/2005/8/layout/hierarchy1"/>
-    <dgm:cxn modelId="{62868263-8B87-BF41-9DB1-C409701EE1E3}" type="presOf" srcId="{184A7FBE-4658-3046-B4A7-4EBDDC670AD1}" destId="{2E4A94D1-71F0-A046-B95F-18095848F38A}" srcOrd="0" destOrd="0" presId="urn:microsoft.com/office/officeart/2005/8/layout/hierarchy1"/>
-    <dgm:cxn modelId="{56B8DE62-0A59-E34F-BA89-ACA8FE07FD37}" type="presOf" srcId="{A215CF19-F4EB-414A-A10F-B2A96141FE91}" destId="{0B86410B-498D-AB4D-9967-4C4AEDB1DF45}" srcOrd="0" destOrd="0" presId="urn:microsoft.com/office/officeart/2005/8/layout/hierarchy1"/>
-    <dgm:cxn modelId="{4CC6FB2A-BDF9-2948-B3E8-8BFD444DE0F5}" srcId="{67DF074B-DE05-B24C-9E35-CDBF726DC2DD}" destId="{632DBD1E-A080-C14D-89CD-94A8C0F3CF25}" srcOrd="0" destOrd="0" parTransId="{563BE0E2-35F1-EA43-92A4-487E8781D214}" sibTransId="{BC85FB81-59E3-3246-A1DB-AA9BCA174B1A}"/>
-    <dgm:cxn modelId="{7E833AC7-C906-EC48-8CF2-050B2E9E6DD6}" type="presOf" srcId="{632DBD1E-A080-C14D-89CD-94A8C0F3CF25}" destId="{2246CDBD-2CA8-A34C-A89B-E32ACB07E97A}" srcOrd="0" destOrd="0" presId="urn:microsoft.com/office/officeart/2005/8/layout/hierarchy1"/>
-    <dgm:cxn modelId="{48C3CFE4-65EB-9D4E-A0CE-F9F821B5D78C}" srcId="{FE86CB60-E462-414C-BF0E-606A57D7AD93}" destId="{9C7D04B1-85B2-3F41-9343-3724449F75B3}" srcOrd="0" destOrd="0" parTransId="{184A7FBE-4658-3046-B4A7-4EBDDC670AD1}" sibTransId="{5D03D28D-4580-AA4E-B725-784F886C6797}"/>
-    <dgm:cxn modelId="{5125BE48-CBDA-9E46-A5EC-A00E5922E856}" type="presOf" srcId="{8C382D6E-A069-234E-96CC-A5A865E2BBBD}" destId="{C6BA431E-FA40-1D4E-A3D8-2A8BD37A2453}" srcOrd="0" destOrd="0" presId="urn:microsoft.com/office/officeart/2005/8/layout/hierarchy1"/>
-    <dgm:cxn modelId="{FFC55F0E-24F0-0940-B0B5-F6820B65D7C7}" type="presOf" srcId="{E5C8F682-32CD-424A-896C-91EAD3E64C45}" destId="{76B33B1D-4CA5-544F-BF28-B308B507EF10}" srcOrd="0" destOrd="0" presId="urn:microsoft.com/office/officeart/2005/8/layout/hierarchy1"/>
-    <dgm:cxn modelId="{BE4A5523-AA4B-D244-80FB-A948E67617FE}" srcId="{AE7EA77A-1D8E-3F42-95E1-4EB11A443A81}" destId="{4261D7F4-A7D0-3F49-B78A-20CFB380B683}" srcOrd="0" destOrd="0" parTransId="{8C382D6E-A069-234E-96CC-A5A865E2BBBD}" sibTransId="{BFE6C573-BEC1-BB44-914C-4A90CDE91A1A}"/>
-    <dgm:cxn modelId="{BD876DF4-FBEE-9943-863F-7B7F61CBAEA9}" srcId="{960CE163-DF35-2B44-83E7-B9153BC66084}" destId="{FE86CB60-E462-414C-BF0E-606A57D7AD93}" srcOrd="3" destOrd="0" parTransId="{70F0D127-9705-B346-8456-2EA73B6E30CF}" sibTransId="{B2965BF0-14E0-474E-A2AB-CCA4521513DD}"/>
-    <dgm:cxn modelId="{7B0EFE83-8F7C-2148-A812-1F8ACB477747}" type="presOf" srcId="{F9A1264F-2EB8-8148-8E8F-B74886C30473}" destId="{9541F663-17CE-1449-B545-4E9F3C558C3A}" srcOrd="0" destOrd="0" presId="urn:microsoft.com/office/officeart/2005/8/layout/hierarchy1"/>
-    <dgm:cxn modelId="{1FDA42F0-000F-6E4D-ACBD-DD297AF16C8B}" type="presOf" srcId="{960CE163-DF35-2B44-83E7-B9153BC66084}" destId="{923B0C63-79B7-9B4A-94B9-19130FBE5D7B}" srcOrd="0" destOrd="0" presId="urn:microsoft.com/office/officeart/2005/8/layout/hierarchy1"/>
-    <dgm:cxn modelId="{C885BB5D-362B-1847-87CF-E1B639313EA0}" srcId="{FE86CB60-E462-414C-BF0E-606A57D7AD93}" destId="{E5C8F682-32CD-424A-896C-91EAD3E64C45}" srcOrd="2" destOrd="0" parTransId="{E3372A67-8AD5-414E-9A1F-4D9E3CFF6332}" sibTransId="{B77BD5BE-E444-A847-B5CA-1B150064119C}"/>
-    <dgm:cxn modelId="{68A68B6C-C4A2-404D-9619-7E596F60AE28}" srcId="{FE86CB60-E462-414C-BF0E-606A57D7AD93}" destId="{67DF074B-DE05-B24C-9E35-CDBF726DC2DD}" srcOrd="1" destOrd="0" parTransId="{0C3731E6-7189-414B-8AA4-AA411ADE82DC}" sibTransId="{4A343348-5A18-A64D-B967-67FF94A2182D}"/>
-    <dgm:cxn modelId="{E1A0809A-BAEA-BF42-92A8-DDEE32055693}" type="presOf" srcId="{9C7D04B1-85B2-3F41-9343-3724449F75B3}" destId="{AD6B8219-1F5B-DA4F-B261-22B5D0551A94}" srcOrd="0" destOrd="0" presId="urn:microsoft.com/office/officeart/2005/8/layout/hierarchy1"/>
-    <dgm:cxn modelId="{74C3DF55-2571-4A42-A3D4-79D2D7286452}" type="presOf" srcId="{12CF4121-F3B4-5C45-B72F-C1FB37DD3C0D}" destId="{800FD04D-B3AC-0B4A-955F-2E2198D77D53}" srcOrd="0" destOrd="0" presId="urn:microsoft.com/office/officeart/2005/8/layout/hierarchy1"/>
-    <dgm:cxn modelId="{7DFEC403-3D07-E147-94A7-6948508849D0}" type="presOf" srcId="{563BE0E2-35F1-EA43-92A4-487E8781D214}" destId="{1F5FFC55-2839-634C-8F0C-96EACF5BE3CB}" srcOrd="0" destOrd="0" presId="urn:microsoft.com/office/officeart/2005/8/layout/hierarchy1"/>
-    <dgm:cxn modelId="{D2D6BF3A-81D0-9346-B33A-086AABA7D7D7}" type="presOf" srcId="{D0F565E7-5D70-054E-90E0-C19FE13B6790}" destId="{6B84F89A-BB62-184B-ACA8-8A1AAAE34DE1}" srcOrd="0" destOrd="0" presId="urn:microsoft.com/office/officeart/2005/8/layout/hierarchy1"/>
-    <dgm:cxn modelId="{FE6DB9C5-C848-C041-9BAC-D3D409ECA3D7}" type="presOf" srcId="{67DF074B-DE05-B24C-9E35-CDBF726DC2DD}" destId="{EBC8209D-BB74-B44A-A57A-C51ABEDBBAE8}" srcOrd="0" destOrd="0" presId="urn:microsoft.com/office/officeart/2005/8/layout/hierarchy1"/>
-    <dgm:cxn modelId="{09A4557F-E6E3-CA46-A390-4566B55E38CE}" srcId="{AE7EA77A-1D8E-3F42-95E1-4EB11A443A81}" destId="{A215CF19-F4EB-414A-A10F-B2A96141FE91}" srcOrd="1" destOrd="0" parTransId="{4810192D-B607-5A42-8DCE-8CFCF1A82427}" sibTransId="{466C1D3C-619E-C448-BF54-2F35FBFACADE}"/>
-    <dgm:cxn modelId="{8BD052AF-949A-F948-A12A-2F16C08A8BAA}" type="presOf" srcId="{4810192D-B607-5A42-8DCE-8CFCF1A82427}" destId="{28156514-4C64-AE45-A406-98283D6076D6}" srcOrd="0" destOrd="0" presId="urn:microsoft.com/office/officeart/2005/8/layout/hierarchy1"/>
-    <dgm:cxn modelId="{629969CD-5D04-2A43-B3AF-FE8A98094A86}" type="presOf" srcId="{6C0275DE-9DFE-0E43-8DDA-D28DD222D71F}" destId="{8CFA3E84-678E-C345-8D46-63E85CF195E2}" srcOrd="0" destOrd="0" presId="urn:microsoft.com/office/officeart/2005/8/layout/hierarchy1"/>
     <dgm:cxn modelId="{250B2BE2-FEC5-CD47-89C4-F8108BC7D53A}" type="presOf" srcId="{FE86CB60-E462-414C-BF0E-606A57D7AD93}" destId="{6603764C-B415-664F-8885-A7DAA8CAF3E7}" srcOrd="0" destOrd="0" presId="urn:microsoft.com/office/officeart/2005/8/layout/hierarchy1"/>
     <dgm:cxn modelId="{1D703EA7-18EF-A644-AD84-6BA0E7A84E48}" srcId="{960CE163-DF35-2B44-83E7-B9153BC66084}" destId="{AE7EA77A-1D8E-3F42-95E1-4EB11A443A81}" srcOrd="0" destOrd="0" parTransId="{D0F565E7-5D70-054E-90E0-C19FE13B6790}" sibTransId="{A9860EA9-F28C-E04C-8CCC-2E75895ED615}"/>
+    <dgm:cxn modelId="{BD876DF4-FBEE-9943-863F-7B7F61CBAEA9}" srcId="{960CE163-DF35-2B44-83E7-B9153BC66084}" destId="{FE86CB60-E462-414C-BF0E-606A57D7AD93}" srcOrd="3" destOrd="0" parTransId="{70F0D127-9705-B346-8456-2EA73B6E30CF}" sibTransId="{B2965BF0-14E0-474E-A2AB-CCA4521513DD}"/>
+    <dgm:cxn modelId="{BDB62AEF-004A-3E4A-BA04-15FFC883C6DC}" type="presOf" srcId="{1AD1EA1C-020E-5744-81BA-AEEC1A7A11F3}" destId="{D86CCABB-994E-2B44-9B36-549A167DC946}" srcOrd="0" destOrd="0" presId="urn:microsoft.com/office/officeart/2005/8/layout/hierarchy1"/>
+    <dgm:cxn modelId="{E1A0809A-BAEA-BF42-92A8-DDEE32055693}" type="presOf" srcId="{9C7D04B1-85B2-3F41-9343-3724449F75B3}" destId="{AD6B8219-1F5B-DA4F-B261-22B5D0551A94}" srcOrd="0" destOrd="0" presId="urn:microsoft.com/office/officeart/2005/8/layout/hierarchy1"/>
+    <dgm:cxn modelId="{56B8DE62-0A59-E34F-BA89-ACA8FE07FD37}" type="presOf" srcId="{A215CF19-F4EB-414A-A10F-B2A96141FE91}" destId="{0B86410B-498D-AB4D-9967-4C4AEDB1DF45}" srcOrd="0" destOrd="0" presId="urn:microsoft.com/office/officeart/2005/8/layout/hierarchy1"/>
+    <dgm:cxn modelId="{D2D6BF3A-81D0-9346-B33A-086AABA7D7D7}" type="presOf" srcId="{D0F565E7-5D70-054E-90E0-C19FE13B6790}" destId="{6B84F89A-BB62-184B-ACA8-8A1AAAE34DE1}" srcOrd="0" destOrd="0" presId="urn:microsoft.com/office/officeart/2005/8/layout/hierarchy1"/>
+    <dgm:cxn modelId="{62868263-8B87-BF41-9DB1-C409701EE1E3}" type="presOf" srcId="{184A7FBE-4658-3046-B4A7-4EBDDC670AD1}" destId="{2E4A94D1-71F0-A046-B95F-18095848F38A}" srcOrd="0" destOrd="0" presId="urn:microsoft.com/office/officeart/2005/8/layout/hierarchy1"/>
+    <dgm:cxn modelId="{1BB5FA34-3C64-DD46-93EA-B2497E30C558}" type="presOf" srcId="{0C3731E6-7189-414B-8AA4-AA411ADE82DC}" destId="{F42357F4-6E12-A041-A7D6-81713E5E517B}" srcOrd="0" destOrd="0" presId="urn:microsoft.com/office/officeart/2005/8/layout/hierarchy1"/>
+    <dgm:cxn modelId="{4CC6FB2A-BDF9-2948-B3E8-8BFD444DE0F5}" srcId="{67DF074B-DE05-B24C-9E35-CDBF726DC2DD}" destId="{632DBD1E-A080-C14D-89CD-94A8C0F3CF25}" srcOrd="0" destOrd="0" parTransId="{563BE0E2-35F1-EA43-92A4-487E8781D214}" sibTransId="{BC85FB81-59E3-3246-A1DB-AA9BCA174B1A}"/>
+    <dgm:cxn modelId="{48C3CFE4-65EB-9D4E-A0CE-F9F821B5D78C}" srcId="{FE86CB60-E462-414C-BF0E-606A57D7AD93}" destId="{9C7D04B1-85B2-3F41-9343-3724449F75B3}" srcOrd="0" destOrd="0" parTransId="{184A7FBE-4658-3046-B4A7-4EBDDC670AD1}" sibTransId="{5D03D28D-4580-AA4E-B725-784F886C6797}"/>
+    <dgm:cxn modelId="{89EEE784-3EED-8F43-8217-BBD1C237CA84}" type="presOf" srcId="{2CF1C699-9046-8C42-87E6-2861BF37D660}" destId="{9152FE1E-3F9F-1945-845B-196FD4FE9E7F}" srcOrd="0" destOrd="0" presId="urn:microsoft.com/office/officeart/2005/8/layout/hierarchy1"/>
+    <dgm:cxn modelId="{68A68B6C-C4A2-404D-9619-7E596F60AE28}" srcId="{FE86CB60-E462-414C-BF0E-606A57D7AD93}" destId="{67DF074B-DE05-B24C-9E35-CDBF726DC2DD}" srcOrd="1" destOrd="0" parTransId="{0C3731E6-7189-414B-8AA4-AA411ADE82DC}" sibTransId="{4A343348-5A18-A64D-B967-67FF94A2182D}"/>
+    <dgm:cxn modelId="{80E2C3F7-058F-1C40-8356-C15390BA6FDF}" type="presOf" srcId="{70F0D127-9705-B346-8456-2EA73B6E30CF}" destId="{201C7CC6-525A-FE42-B4FF-8C5914387024}" srcOrd="0" destOrd="0" presId="urn:microsoft.com/office/officeart/2005/8/layout/hierarchy1"/>
+    <dgm:cxn modelId="{8BD052AF-949A-F948-A12A-2F16C08A8BAA}" type="presOf" srcId="{4810192D-B607-5A42-8DCE-8CFCF1A82427}" destId="{28156514-4C64-AE45-A406-98283D6076D6}" srcOrd="0" destOrd="0" presId="urn:microsoft.com/office/officeart/2005/8/layout/hierarchy1"/>
+    <dgm:cxn modelId="{A5EF75CA-949B-FB42-A967-633DBF9C5416}" srcId="{67DF074B-DE05-B24C-9E35-CDBF726DC2DD}" destId="{2CF1C699-9046-8C42-87E6-2861BF37D660}" srcOrd="1" destOrd="0" parTransId="{F9A1264F-2EB8-8148-8E8F-B74886C30473}" sibTransId="{2B88B2F7-3FE5-E743-A3EF-F1DB3821C219}"/>
+    <dgm:cxn modelId="{FFC55F0E-24F0-0940-B0B5-F6820B65D7C7}" type="presOf" srcId="{E5C8F682-32CD-424A-896C-91EAD3E64C45}" destId="{76B33B1D-4CA5-544F-BF28-B308B507EF10}" srcOrd="0" destOrd="0" presId="urn:microsoft.com/office/officeart/2005/8/layout/hierarchy1"/>
+    <dgm:cxn modelId="{F97734D8-6CBC-804D-B286-FA60DFC694E9}" type="presOf" srcId="{84B85FB8-CE49-454E-AFD0-26748DF588CB}" destId="{39E9CE6E-1476-7F49-AD48-00E9588CC1FC}" srcOrd="0" destOrd="0" presId="urn:microsoft.com/office/officeart/2005/8/layout/hierarchy1"/>
+    <dgm:cxn modelId="{1FDA42F0-000F-6E4D-ACBD-DD297AF16C8B}" type="presOf" srcId="{960CE163-DF35-2B44-83E7-B9153BC66084}" destId="{923B0C63-79B7-9B4A-94B9-19130FBE5D7B}" srcOrd="0" destOrd="0" presId="urn:microsoft.com/office/officeart/2005/8/layout/hierarchy1"/>
+    <dgm:cxn modelId="{E7733746-4C87-234A-9D3E-4005D8B583BC}" srcId="{84B85FB8-CE49-454E-AFD0-26748DF588CB}" destId="{960CE163-DF35-2B44-83E7-B9153BC66084}" srcOrd="0" destOrd="0" parTransId="{15F9C8B3-0868-F148-A166-96327192876A}" sibTransId="{AE4D7356-6DD9-B04F-A5BC-257D53ADE85C}"/>
+    <dgm:cxn modelId="{7DFEC403-3D07-E147-94A7-6948508849D0}" type="presOf" srcId="{563BE0E2-35F1-EA43-92A4-487E8781D214}" destId="{1F5FFC55-2839-634C-8F0C-96EACF5BE3CB}" srcOrd="0" destOrd="0" presId="urn:microsoft.com/office/officeart/2005/8/layout/hierarchy1"/>
+    <dgm:cxn modelId="{74C3DF55-2571-4A42-A3D4-79D2D7286452}" type="presOf" srcId="{12CF4121-F3B4-5C45-B72F-C1FB37DD3C0D}" destId="{800FD04D-B3AC-0B4A-955F-2E2198D77D53}" srcOrd="0" destOrd="0" presId="urn:microsoft.com/office/officeart/2005/8/layout/hierarchy1"/>
+    <dgm:cxn modelId="{C885BB5D-362B-1847-87CF-E1B639313EA0}" srcId="{FE86CB60-E462-414C-BF0E-606A57D7AD93}" destId="{E5C8F682-32CD-424A-896C-91EAD3E64C45}" srcOrd="2" destOrd="0" parTransId="{E3372A67-8AD5-414E-9A1F-4D9E3CFF6332}" sibTransId="{B77BD5BE-E444-A847-B5CA-1B150064119C}"/>
+    <dgm:cxn modelId="{BE4A5523-AA4B-D244-80FB-A948E67617FE}" srcId="{AE7EA77A-1D8E-3F42-95E1-4EB11A443A81}" destId="{4261D7F4-A7D0-3F49-B78A-20CFB380B683}" srcOrd="0" destOrd="0" parTransId="{8C382D6E-A069-234E-96CC-A5A865E2BBBD}" sibTransId="{BFE6C573-BEC1-BB44-914C-4A90CDE91A1A}"/>
+    <dgm:cxn modelId="{FBC04F02-4804-8C4A-8D64-8D7E596D7783}" type="presOf" srcId="{AE7EA77A-1D8E-3F42-95E1-4EB11A443A81}" destId="{BBF408DD-FB71-6449-9993-DDA736E8D58A}" srcOrd="0" destOrd="0" presId="urn:microsoft.com/office/officeart/2005/8/layout/hierarchy1"/>
+    <dgm:cxn modelId="{7E833AC7-C906-EC48-8CF2-050B2E9E6DD6}" type="presOf" srcId="{632DBD1E-A080-C14D-89CD-94A8C0F3CF25}" destId="{2246CDBD-2CA8-A34C-A89B-E32ACB07E97A}" srcOrd="0" destOrd="0" presId="urn:microsoft.com/office/officeart/2005/8/layout/hierarchy1"/>
+    <dgm:cxn modelId="{09A4557F-E6E3-CA46-A390-4566B55E38CE}" srcId="{AE7EA77A-1D8E-3F42-95E1-4EB11A443A81}" destId="{A215CF19-F4EB-414A-A10F-B2A96141FE91}" srcOrd="1" destOrd="0" parTransId="{4810192D-B607-5A42-8DCE-8CFCF1A82427}" sibTransId="{466C1D3C-619E-C448-BF54-2F35FBFACADE}"/>
+    <dgm:cxn modelId="{FE6DB9C5-C848-C041-9BAC-D3D409ECA3D7}" type="presOf" srcId="{67DF074B-DE05-B24C-9E35-CDBF726DC2DD}" destId="{EBC8209D-BB74-B44A-A57A-C51ABEDBBAE8}" srcOrd="0" destOrd="0" presId="urn:microsoft.com/office/officeart/2005/8/layout/hierarchy1"/>
+    <dgm:cxn modelId="{629969CD-5D04-2A43-B3AF-FE8A98094A86}" type="presOf" srcId="{6C0275DE-9DFE-0E43-8DDA-D28DD222D71F}" destId="{8CFA3E84-678E-C345-8D46-63E85CF195E2}" srcOrd="0" destOrd="0" presId="urn:microsoft.com/office/officeart/2005/8/layout/hierarchy1"/>
+    <dgm:cxn modelId="{517E7342-1ED5-B24E-84A1-2A79CCE5BC2A}" type="presOf" srcId="{4D875376-E6B9-804F-AC85-A1D4337BBC8A}" destId="{0FEFC8CB-58CB-4A43-9867-EED6738F0C0F}" srcOrd="0" destOrd="0" presId="urn:microsoft.com/office/officeart/2005/8/layout/hierarchy1"/>
+    <dgm:cxn modelId="{0A19088C-A894-A349-B6F2-D0CA96CD47FA}" srcId="{960CE163-DF35-2B44-83E7-B9153BC66084}" destId="{1AD1EA1C-020E-5744-81BA-AEEC1A7A11F3}" srcOrd="2" destOrd="0" parTransId="{12CF4121-F3B4-5C45-B72F-C1FB37DD3C0D}" sibTransId="{E7356A86-2BC1-2844-87C1-0F4142A0BACE}"/>
+    <dgm:cxn modelId="{FB5948D5-A112-7E4F-A7A4-599731141072}" type="presOf" srcId="{E3372A67-8AD5-414E-9A1F-4D9E3CFF6332}" destId="{BA61A876-7050-3746-8DAE-0686A0FD0957}" srcOrd="0" destOrd="0" presId="urn:microsoft.com/office/officeart/2005/8/layout/hierarchy1"/>
+    <dgm:cxn modelId="{7B0EFE83-8F7C-2148-A812-1F8ACB477747}" type="presOf" srcId="{F9A1264F-2EB8-8148-8E8F-B74886C30473}" destId="{9541F663-17CE-1449-B545-4E9F3C558C3A}" srcOrd="0" destOrd="0" presId="urn:microsoft.com/office/officeart/2005/8/layout/hierarchy1"/>
+    <dgm:cxn modelId="{5125BE48-CBDA-9E46-A5EC-A00E5922E856}" type="presOf" srcId="{8C382D6E-A069-234E-96CC-A5A865E2BBBD}" destId="{C6BA431E-FA40-1D4E-A3D8-2A8BD37A2453}" srcOrd="0" destOrd="0" presId="urn:microsoft.com/office/officeart/2005/8/layout/hierarchy1"/>
     <dgm:cxn modelId="{8FC20289-4F63-9E49-BD79-567030E07E0D}" srcId="{960CE163-DF35-2B44-83E7-B9153BC66084}" destId="{4D875376-E6B9-804F-AC85-A1D4337BBC8A}" srcOrd="1" destOrd="0" parTransId="{6C0275DE-9DFE-0E43-8DDA-D28DD222D71F}" sibTransId="{5CBDE70F-8F73-B144-BE9A-D54839868342}"/>
-    <dgm:cxn modelId="{E7733746-4C87-234A-9D3E-4005D8B583BC}" srcId="{84B85FB8-CE49-454E-AFD0-26748DF588CB}" destId="{960CE163-DF35-2B44-83E7-B9153BC66084}" srcOrd="0" destOrd="0" parTransId="{15F9C8B3-0868-F148-A166-96327192876A}" sibTransId="{AE4D7356-6DD9-B04F-A5BC-257D53ADE85C}"/>
-    <dgm:cxn modelId="{89EEE784-3EED-8F43-8217-BBD1C237CA84}" type="presOf" srcId="{2CF1C699-9046-8C42-87E6-2861BF37D660}" destId="{9152FE1E-3F9F-1945-845B-196FD4FE9E7F}" srcOrd="0" destOrd="0" presId="urn:microsoft.com/office/officeart/2005/8/layout/hierarchy1"/>
-    <dgm:cxn modelId="{517E7342-1ED5-B24E-84A1-2A79CCE5BC2A}" type="presOf" srcId="{4D875376-E6B9-804F-AC85-A1D4337BBC8A}" destId="{0FEFC8CB-58CB-4A43-9867-EED6738F0C0F}" srcOrd="0" destOrd="0" presId="urn:microsoft.com/office/officeart/2005/8/layout/hierarchy1"/>
-    <dgm:cxn modelId="{FB5948D5-A112-7E4F-A7A4-599731141072}" type="presOf" srcId="{E3372A67-8AD5-414E-9A1F-4D9E3CFF6332}" destId="{BA61A876-7050-3746-8DAE-0686A0FD0957}" srcOrd="0" destOrd="0" presId="urn:microsoft.com/office/officeart/2005/8/layout/hierarchy1"/>
-    <dgm:cxn modelId="{BDB62AEF-004A-3E4A-BA04-15FFC883C6DC}" type="presOf" srcId="{1AD1EA1C-020E-5744-81BA-AEEC1A7A11F3}" destId="{D86CCABB-994E-2B44-9B36-549A167DC946}" srcOrd="0" destOrd="0" presId="urn:microsoft.com/office/officeart/2005/8/layout/hierarchy1"/>
-    <dgm:cxn modelId="{80E2C3F7-058F-1C40-8356-C15390BA6FDF}" type="presOf" srcId="{70F0D127-9705-B346-8456-2EA73B6E30CF}" destId="{201C7CC6-525A-FE42-B4FF-8C5914387024}" srcOrd="0" destOrd="0" presId="urn:microsoft.com/office/officeart/2005/8/layout/hierarchy1"/>
-    <dgm:cxn modelId="{FBC04F02-4804-8C4A-8D64-8D7E596D7783}" type="presOf" srcId="{AE7EA77A-1D8E-3F42-95E1-4EB11A443A81}" destId="{BBF408DD-FB71-6449-9993-DDA736E8D58A}" srcOrd="0" destOrd="0" presId="urn:microsoft.com/office/officeart/2005/8/layout/hierarchy1"/>
-    <dgm:cxn modelId="{F97734D8-6CBC-804D-B286-FA60DFC694E9}" type="presOf" srcId="{84B85FB8-CE49-454E-AFD0-26748DF588CB}" destId="{39E9CE6E-1476-7F49-AD48-00E9588CC1FC}" srcOrd="0" destOrd="0" presId="urn:microsoft.com/office/officeart/2005/8/layout/hierarchy1"/>
+    <dgm:cxn modelId="{4143E40A-3339-5746-9665-4720B7275017}" type="presOf" srcId="{4261D7F4-A7D0-3F49-B78A-20CFB380B683}" destId="{C2C1A37D-940A-6743-AC99-D92FAAA879A9}" srcOrd="0" destOrd="0" presId="urn:microsoft.com/office/officeart/2005/8/layout/hierarchy1"/>
     <dgm:cxn modelId="{DF469E1B-C306-5F4B-B680-7ACFEA169B9B}" type="presParOf" srcId="{39E9CE6E-1476-7F49-AD48-00E9588CC1FC}" destId="{AFBF1B26-876E-5B4F-868D-ECF533517B41}" srcOrd="0" destOrd="0" presId="urn:microsoft.com/office/officeart/2005/8/layout/hierarchy1"/>
     <dgm:cxn modelId="{9BD7EE58-09E0-D144-8D85-070D725F1603}" type="presParOf" srcId="{AFBF1B26-876E-5B4F-868D-ECF533517B41}" destId="{80FDFEA5-D276-C44B-902D-D2E8A937A02A}" srcOrd="0" destOrd="0" presId="urn:microsoft.com/office/officeart/2005/8/layout/hierarchy1"/>
     <dgm:cxn modelId="{8C3AC7B7-A647-D047-8BDB-5F00B4604513}" type="presParOf" srcId="{80FDFEA5-D276-C44B-902D-D2E8A937A02A}" destId="{DE9E6D4B-E798-AA47-81C3-1E545DF4DB5B}" srcOrd="0" destOrd="0" presId="urn:microsoft.com/office/officeart/2005/8/layout/hierarchy1"/>
@@ -12979,7 +12997,7 @@
           <a:p>
             <a:fld id="{6483C26A-63A4-F547-BB74-146C3D288EFD}" type="datetimeFigureOut">
               <a:rPr lang="en-US" smtClean="0"/>
-              <a:t>3/23/16</a:t>
+              <a:t>4/2/16</a:t>
             </a:fld>
             <a:endParaRPr lang="en-US"/>
           </a:p>
@@ -13149,7 +13167,7 @@
           <a:p>
             <a:fld id="{6483C26A-63A4-F547-BB74-146C3D288EFD}" type="datetimeFigureOut">
               <a:rPr lang="en-US" smtClean="0"/>
-              <a:t>3/23/16</a:t>
+              <a:t>4/2/16</a:t>
             </a:fld>
             <a:endParaRPr lang="en-US"/>
           </a:p>
@@ -13329,7 +13347,7 @@
           <a:p>
             <a:fld id="{6483C26A-63A4-F547-BB74-146C3D288EFD}" type="datetimeFigureOut">
               <a:rPr lang="en-US" smtClean="0"/>
-              <a:t>3/23/16</a:t>
+              <a:t>4/2/16</a:t>
             </a:fld>
             <a:endParaRPr lang="en-US"/>
           </a:p>
@@ -13499,7 +13517,7 @@
           <a:p>
             <a:fld id="{6483C26A-63A4-F547-BB74-146C3D288EFD}" type="datetimeFigureOut">
               <a:rPr lang="en-US" smtClean="0"/>
-              <a:t>3/23/16</a:t>
+              <a:t>4/2/16</a:t>
             </a:fld>
             <a:endParaRPr lang="en-US"/>
           </a:p>
@@ -13745,7 +13763,7 @@
           <a:p>
             <a:fld id="{6483C26A-63A4-F547-BB74-146C3D288EFD}" type="datetimeFigureOut">
               <a:rPr lang="en-US" smtClean="0"/>
-              <a:t>3/23/16</a:t>
+              <a:t>4/2/16</a:t>
             </a:fld>
             <a:endParaRPr lang="en-US"/>
           </a:p>
@@ -14033,7 +14051,7 @@
           <a:p>
             <a:fld id="{6483C26A-63A4-F547-BB74-146C3D288EFD}" type="datetimeFigureOut">
               <a:rPr lang="en-US" smtClean="0"/>
-              <a:t>3/23/16</a:t>
+              <a:t>4/2/16</a:t>
             </a:fld>
             <a:endParaRPr lang="en-US"/>
           </a:p>
@@ -14455,7 +14473,7 @@
           <a:p>
             <a:fld id="{6483C26A-63A4-F547-BB74-146C3D288EFD}" type="datetimeFigureOut">
               <a:rPr lang="en-US" smtClean="0"/>
-              <a:t>3/23/16</a:t>
+              <a:t>4/2/16</a:t>
             </a:fld>
             <a:endParaRPr lang="en-US"/>
           </a:p>
@@ -14573,7 +14591,7 @@
           <a:p>
             <a:fld id="{6483C26A-63A4-F547-BB74-146C3D288EFD}" type="datetimeFigureOut">
               <a:rPr lang="en-US" smtClean="0"/>
-              <a:t>3/23/16</a:t>
+              <a:t>4/2/16</a:t>
             </a:fld>
             <a:endParaRPr lang="en-US"/>
           </a:p>
@@ -14668,7 +14686,7 @@
           <a:p>
             <a:fld id="{6483C26A-63A4-F547-BB74-146C3D288EFD}" type="datetimeFigureOut">
               <a:rPr lang="en-US" smtClean="0"/>
-              <a:t>3/23/16</a:t>
+              <a:t>4/2/16</a:t>
             </a:fld>
             <a:endParaRPr lang="en-US"/>
           </a:p>
@@ -14945,7 +14963,7 @@
           <a:p>
             <a:fld id="{6483C26A-63A4-F547-BB74-146C3D288EFD}" type="datetimeFigureOut">
               <a:rPr lang="en-US" smtClean="0"/>
-              <a:t>3/23/16</a:t>
+              <a:t>4/2/16</a:t>
             </a:fld>
             <a:endParaRPr lang="en-US"/>
           </a:p>
@@ -15198,7 +15216,7 @@
           <a:p>
             <a:fld id="{6483C26A-63A4-F547-BB74-146C3D288EFD}" type="datetimeFigureOut">
               <a:rPr lang="en-US" smtClean="0"/>
-              <a:t>3/23/16</a:t>
+              <a:t>4/2/16</a:t>
             </a:fld>
             <a:endParaRPr lang="en-US"/>
           </a:p>
@@ -15411,7 +15429,7 @@
           <a:p>
             <a:fld id="{6483C26A-63A4-F547-BB74-146C3D288EFD}" type="datetimeFigureOut">
               <a:rPr lang="en-US" smtClean="0"/>
-              <a:t>3/23/16</a:t>
+              <a:t>4/2/16</a:t>
             </a:fld>
             <a:endParaRPr lang="en-US"/>
           </a:p>
@@ -23516,11 +23534,6 @@
               </a:rPr>
               <a:t> </a:t>
             </a:r>
-            <a:endParaRPr lang="en-US" dirty="0" smtClean="0">
-              <a:solidFill>
-                <a:srgbClr val="C0504D"/>
-              </a:solidFill>
-            </a:endParaRPr>
           </a:p>
           <a:p>
             <a:pPr marL="0" indent="0">
@@ -24370,11 +24383,6 @@
               </a:rPr>
               <a:t> </a:t>
             </a:r>
-            <a:endParaRPr lang="en-US" dirty="0" smtClean="0">
-              <a:solidFill>
-                <a:srgbClr val="C0504D"/>
-              </a:solidFill>
-            </a:endParaRPr>
           </a:p>
           <a:p>
             <a:pPr marL="0" indent="0">
@@ -25582,11 +25590,7 @@
             </a:r>
             <a:r>
               <a:rPr lang="en-US" smtClean="0"/>
-              <a:t>with </a:t>
-            </a:r>
-            <a:r>
-              <a:rPr lang="en-US" smtClean="0"/>
-              <a:t>care</a:t>
+              <a:t>with care</a:t>
             </a:r>
             <a:endParaRPr lang="en-US" dirty="0" smtClean="0"/>
           </a:p>
@@ -25596,6 +25600,1170 @@
     <p:extLst>
       <p:ext uri="{BB962C8B-B14F-4D97-AF65-F5344CB8AC3E}">
         <p14:creationId xmlns:p14="http://schemas.microsoft.com/office/powerpoint/2010/main" val="2576117139"/>
+      </p:ext>
+    </p:extLst>
+  </p:cSld>
+  <p:clrMapOvr>
+    <a:masterClrMapping/>
+  </p:clrMapOvr>
+</p:sld>
+</file>
+
+<file path=ppt/slides/slide126.xml><?xml version="1.0" encoding="utf-8"?>
+<p:sld xmlns:a="http://schemas.openxmlformats.org/drawingml/2006/main" xmlns:r="http://schemas.openxmlformats.org/officeDocument/2006/relationships" xmlns:p="http://schemas.openxmlformats.org/presentationml/2006/main">
+  <p:cSld>
+    <p:spTree>
+      <p:nvGrpSpPr>
+        <p:cNvPr id="1" name=""/>
+        <p:cNvGrpSpPr/>
+        <p:nvPr/>
+      </p:nvGrpSpPr>
+      <p:grpSpPr>
+        <a:xfrm>
+          <a:off x="0" y="0"/>
+          <a:ext cx="0" cy="0"/>
+          <a:chOff x="0" y="0"/>
+          <a:chExt cx="0" cy="0"/>
+        </a:xfrm>
+      </p:grpSpPr>
+      <p:sp>
+        <p:nvSpPr>
+          <p:cNvPr id="2" name="Title 1"/>
+          <p:cNvSpPr>
+            <a:spLocks noGrp="1"/>
+          </p:cNvSpPr>
+          <p:nvPr>
+            <p:ph type="ctrTitle"/>
+          </p:nvPr>
+        </p:nvSpPr>
+        <p:spPr/>
+        <p:txBody>
+          <a:bodyPr/>
+          <a:lstStyle/>
+          <a:p>
+            <a:r>
+              <a:rPr lang="en-US" dirty="0" smtClean="0"/>
+              <a:t>Chapter 5 – JavaScript</a:t>
+            </a:r>
+            <a:endParaRPr lang="en-US" dirty="0"/>
+          </a:p>
+        </p:txBody>
+      </p:sp>
+      <p:sp>
+        <p:nvSpPr>
+          <p:cNvPr id="3" name="Subtitle 2"/>
+          <p:cNvSpPr>
+            <a:spLocks noGrp="1"/>
+          </p:cNvSpPr>
+          <p:nvPr>
+            <p:ph type="subTitle" idx="1"/>
+          </p:nvPr>
+        </p:nvSpPr>
+        <p:spPr/>
+        <p:txBody>
+          <a:bodyPr/>
+          <a:lstStyle/>
+          <a:p>
+            <a:r>
+              <a:rPr lang="en-US" dirty="0" smtClean="0"/>
+              <a:t>#42 – Section 18</a:t>
+            </a:r>
+            <a:endParaRPr lang="en-US" dirty="0"/>
+          </a:p>
+          <a:p>
+            <a:r>
+              <a:rPr lang="en-US" dirty="0" smtClean="0"/>
+              <a:t>Control Flow: For and While Loops</a:t>
+            </a:r>
+          </a:p>
+        </p:txBody>
+      </p:sp>
+    </p:spTree>
+    <p:extLst>
+      <p:ext uri="{BB962C8B-B14F-4D97-AF65-F5344CB8AC3E}">
+        <p14:creationId xmlns:p14="http://schemas.microsoft.com/office/powerpoint/2010/main" val="3214490886"/>
+      </p:ext>
+    </p:extLst>
+  </p:cSld>
+  <p:clrMapOvr>
+    <a:masterClrMapping/>
+  </p:clrMapOvr>
+  <p:timing>
+    <p:tnLst>
+      <p:par>
+        <p:cTn xmlns:p14="http://schemas.microsoft.com/office/powerpoint/2010/main" id="1" dur="indefinite" restart="never" nodeType="tmRoot"/>
+      </p:par>
+    </p:tnLst>
+  </p:timing>
+</p:sld>
+</file>
+
+<file path=ppt/slides/slide127.xml><?xml version="1.0" encoding="utf-8"?>
+<p:sld xmlns:a="http://schemas.openxmlformats.org/drawingml/2006/main" xmlns:r="http://schemas.openxmlformats.org/officeDocument/2006/relationships" xmlns:p="http://schemas.openxmlformats.org/presentationml/2006/main">
+  <p:cSld>
+    <p:spTree>
+      <p:nvGrpSpPr>
+        <p:cNvPr id="1" name=""/>
+        <p:cNvGrpSpPr/>
+        <p:nvPr/>
+      </p:nvGrpSpPr>
+      <p:grpSpPr>
+        <a:xfrm>
+          <a:off x="0" y="0"/>
+          <a:ext cx="0" cy="0"/>
+          <a:chOff x="0" y="0"/>
+          <a:chExt cx="0" cy="0"/>
+        </a:xfrm>
+      </p:grpSpPr>
+      <p:sp>
+        <p:nvSpPr>
+          <p:cNvPr id="2" name="Title 1"/>
+          <p:cNvSpPr>
+            <a:spLocks noGrp="1"/>
+          </p:cNvSpPr>
+          <p:nvPr>
+            <p:ph type="title"/>
+          </p:nvPr>
+        </p:nvSpPr>
+        <p:spPr/>
+        <p:txBody>
+          <a:bodyPr/>
+          <a:lstStyle/>
+          <a:p>
+            <a:r>
+              <a:rPr lang="en-US" dirty="0" smtClean="0"/>
+              <a:t>Repeat/Loop</a:t>
+            </a:r>
+            <a:endParaRPr lang="en-US" dirty="0"/>
+          </a:p>
+        </p:txBody>
+      </p:sp>
+      <p:sp>
+        <p:nvSpPr>
+          <p:cNvPr id="5" name="Rectangle 4"/>
+          <p:cNvSpPr/>
+          <p:nvPr/>
+        </p:nvSpPr>
+        <p:spPr>
+          <a:xfrm>
+            <a:off x="3797056" y="2313074"/>
+            <a:ext cx="1563077" cy="227949"/>
+          </a:xfrm>
+          <a:prstGeom prst="rect">
+            <a:avLst/>
+          </a:prstGeom>
+        </p:spPr>
+        <p:style>
+          <a:lnRef idx="1">
+            <a:schemeClr val="dk1"/>
+          </a:lnRef>
+          <a:fillRef idx="2">
+            <a:schemeClr val="dk1"/>
+          </a:fillRef>
+          <a:effectRef idx="1">
+            <a:schemeClr val="dk1"/>
+          </a:effectRef>
+          <a:fontRef idx="minor">
+            <a:schemeClr val="dk1"/>
+          </a:fontRef>
+        </p:style>
+        <p:txBody>
+          <a:bodyPr rtlCol="0" anchor="ctr"/>
+          <a:lstStyle/>
+          <a:p>
+            <a:pPr algn="ctr"/>
+            <a:r>
+              <a:rPr lang="en-US" sz="1600" dirty="0" smtClean="0"/>
+              <a:t>Statement 1</a:t>
+            </a:r>
+            <a:endParaRPr lang="en-US" sz="1600" dirty="0"/>
+          </a:p>
+        </p:txBody>
+      </p:sp>
+      <p:sp>
+        <p:nvSpPr>
+          <p:cNvPr id="6" name="Rectangle 5"/>
+          <p:cNvSpPr/>
+          <p:nvPr/>
+        </p:nvSpPr>
+        <p:spPr>
+          <a:xfrm>
+            <a:off x="3797056" y="3273156"/>
+            <a:ext cx="1563077" cy="227949"/>
+          </a:xfrm>
+          <a:prstGeom prst="rect">
+            <a:avLst/>
+          </a:prstGeom>
+        </p:spPr>
+        <p:style>
+          <a:lnRef idx="1">
+            <a:schemeClr val="accent2"/>
+          </a:lnRef>
+          <a:fillRef idx="2">
+            <a:schemeClr val="accent2"/>
+          </a:fillRef>
+          <a:effectRef idx="1">
+            <a:schemeClr val="accent2"/>
+          </a:effectRef>
+          <a:fontRef idx="minor">
+            <a:schemeClr val="dk1"/>
+          </a:fontRef>
+        </p:style>
+        <p:txBody>
+          <a:bodyPr rtlCol="0" anchor="ctr"/>
+          <a:lstStyle/>
+          <a:p>
+            <a:pPr algn="ctr"/>
+            <a:r>
+              <a:rPr lang="en-US" sz="1600" dirty="0" smtClean="0"/>
+              <a:t>Statement </a:t>
+            </a:r>
+            <a:r>
+              <a:rPr lang="is-IS" sz="1600" dirty="0" smtClean="0"/>
+              <a:t>…</a:t>
+            </a:r>
+            <a:endParaRPr lang="en-US" sz="1600" dirty="0"/>
+          </a:p>
+        </p:txBody>
+      </p:sp>
+      <p:sp>
+        <p:nvSpPr>
+          <p:cNvPr id="8" name="Rectangle 7"/>
+          <p:cNvSpPr/>
+          <p:nvPr/>
+        </p:nvSpPr>
+        <p:spPr>
+          <a:xfrm>
+            <a:off x="3797056" y="3952594"/>
+            <a:ext cx="1563077" cy="227949"/>
+          </a:xfrm>
+          <a:prstGeom prst="rect">
+            <a:avLst/>
+          </a:prstGeom>
+        </p:spPr>
+        <p:style>
+          <a:lnRef idx="1">
+            <a:schemeClr val="dk1"/>
+          </a:lnRef>
+          <a:fillRef idx="2">
+            <a:schemeClr val="dk1"/>
+          </a:fillRef>
+          <a:effectRef idx="1">
+            <a:schemeClr val="dk1"/>
+          </a:effectRef>
+          <a:fontRef idx="minor">
+            <a:schemeClr val="dk1"/>
+          </a:fontRef>
+        </p:style>
+        <p:txBody>
+          <a:bodyPr rtlCol="0" anchor="ctr"/>
+          <a:lstStyle/>
+          <a:p>
+            <a:pPr algn="ctr"/>
+            <a:r>
+              <a:rPr lang="en-US" sz="1600" dirty="0" smtClean="0"/>
+              <a:t>Statement </a:t>
+            </a:r>
+            <a:r>
+              <a:rPr lang="is-IS" sz="1600" dirty="0" smtClean="0"/>
+              <a:t>…</a:t>
+            </a:r>
+            <a:endParaRPr lang="en-US" sz="1600" dirty="0"/>
+          </a:p>
+        </p:txBody>
+      </p:sp>
+      <p:sp>
+        <p:nvSpPr>
+          <p:cNvPr id="9" name="Rectangle 8"/>
+          <p:cNvSpPr/>
+          <p:nvPr/>
+        </p:nvSpPr>
+        <p:spPr>
+          <a:xfrm>
+            <a:off x="3797056" y="4451849"/>
+            <a:ext cx="1563077" cy="227949"/>
+          </a:xfrm>
+          <a:prstGeom prst="rect">
+            <a:avLst/>
+          </a:prstGeom>
+        </p:spPr>
+        <p:style>
+          <a:lnRef idx="1">
+            <a:schemeClr val="dk1"/>
+          </a:lnRef>
+          <a:fillRef idx="2">
+            <a:schemeClr val="dk1"/>
+          </a:fillRef>
+          <a:effectRef idx="1">
+            <a:schemeClr val="dk1"/>
+          </a:effectRef>
+          <a:fontRef idx="minor">
+            <a:schemeClr val="dk1"/>
+          </a:fontRef>
+        </p:style>
+        <p:txBody>
+          <a:bodyPr rtlCol="0" anchor="ctr"/>
+          <a:lstStyle/>
+          <a:p>
+            <a:pPr algn="ctr"/>
+            <a:r>
+              <a:rPr lang="en-US" sz="1600" dirty="0" smtClean="0"/>
+              <a:t>Statement N</a:t>
+            </a:r>
+            <a:endParaRPr lang="en-US" sz="1600" dirty="0"/>
+          </a:p>
+        </p:txBody>
+      </p:sp>
+      <p:sp>
+        <p:nvSpPr>
+          <p:cNvPr id="10" name="Rectangle 9"/>
+          <p:cNvSpPr/>
+          <p:nvPr/>
+        </p:nvSpPr>
+        <p:spPr>
+          <a:xfrm>
+            <a:off x="3797056" y="4951104"/>
+            <a:ext cx="1563077" cy="227949"/>
+          </a:xfrm>
+          <a:prstGeom prst="rect">
+            <a:avLst/>
+          </a:prstGeom>
+        </p:spPr>
+        <p:style>
+          <a:lnRef idx="3">
+            <a:schemeClr val="lt1"/>
+          </a:lnRef>
+          <a:fillRef idx="1">
+            <a:schemeClr val="accent1"/>
+          </a:fillRef>
+          <a:effectRef idx="1">
+            <a:schemeClr val="accent1"/>
+          </a:effectRef>
+          <a:fontRef idx="minor">
+            <a:schemeClr val="lt1"/>
+          </a:fontRef>
+        </p:style>
+        <p:txBody>
+          <a:bodyPr rtlCol="0" anchor="ctr"/>
+          <a:lstStyle/>
+          <a:p>
+            <a:pPr algn="ctr"/>
+            <a:r>
+              <a:rPr lang="en-US" sz="1600" dirty="0" smtClean="0"/>
+              <a:t>End</a:t>
+            </a:r>
+            <a:endParaRPr lang="en-US" sz="1600" dirty="0"/>
+          </a:p>
+        </p:txBody>
+      </p:sp>
+      <p:sp>
+        <p:nvSpPr>
+          <p:cNvPr id="11" name="Rectangle 10"/>
+          <p:cNvSpPr/>
+          <p:nvPr/>
+        </p:nvSpPr>
+        <p:spPr>
+          <a:xfrm>
+            <a:off x="3797056" y="1813819"/>
+            <a:ext cx="1563077" cy="227949"/>
+          </a:xfrm>
+          <a:prstGeom prst="rect">
+            <a:avLst/>
+          </a:prstGeom>
+        </p:spPr>
+        <p:style>
+          <a:lnRef idx="3">
+            <a:schemeClr val="lt1"/>
+          </a:lnRef>
+          <a:fillRef idx="1">
+            <a:schemeClr val="accent1"/>
+          </a:fillRef>
+          <a:effectRef idx="1">
+            <a:schemeClr val="accent1"/>
+          </a:effectRef>
+          <a:fontRef idx="minor">
+            <a:schemeClr val="lt1"/>
+          </a:fontRef>
+        </p:style>
+        <p:txBody>
+          <a:bodyPr rtlCol="0" anchor="ctr"/>
+          <a:lstStyle/>
+          <a:p>
+            <a:pPr algn="ctr"/>
+            <a:r>
+              <a:rPr lang="en-US" sz="1600" dirty="0" smtClean="0"/>
+              <a:t>Start</a:t>
+            </a:r>
+            <a:endParaRPr lang="en-US" sz="1600" dirty="0"/>
+          </a:p>
+        </p:txBody>
+      </p:sp>
+      <p:sp>
+        <p:nvSpPr>
+          <p:cNvPr id="16" name="Decision 15"/>
+          <p:cNvSpPr/>
+          <p:nvPr/>
+        </p:nvSpPr>
+        <p:spPr>
+          <a:xfrm>
+            <a:off x="4415774" y="2812329"/>
+            <a:ext cx="325641" cy="189521"/>
+          </a:xfrm>
+          <a:prstGeom prst="flowChartDecision">
+            <a:avLst/>
+          </a:prstGeom>
+        </p:spPr>
+        <p:style>
+          <a:lnRef idx="1">
+            <a:schemeClr val="accent1"/>
+          </a:lnRef>
+          <a:fillRef idx="3">
+            <a:schemeClr val="accent1"/>
+          </a:fillRef>
+          <a:effectRef idx="2">
+            <a:schemeClr val="accent1"/>
+          </a:effectRef>
+          <a:fontRef idx="minor">
+            <a:schemeClr val="lt1"/>
+          </a:fontRef>
+        </p:style>
+        <p:txBody>
+          <a:bodyPr rtlCol="0" anchor="ctr"/>
+          <a:lstStyle/>
+          <a:p>
+            <a:pPr algn="ctr"/>
+            <a:endParaRPr lang="en-US"/>
+          </a:p>
+        </p:txBody>
+      </p:sp>
+      <p:cxnSp>
+        <p:nvCxnSpPr>
+          <p:cNvPr id="26" name="Straight Arrow Connector 25"/>
+          <p:cNvCxnSpPr>
+            <a:stCxn id="5" idx="2"/>
+            <a:endCxn id="16" idx="0"/>
+          </p:cNvCxnSpPr>
+          <p:nvPr/>
+        </p:nvCxnSpPr>
+        <p:spPr>
+          <a:xfrm>
+            <a:off x="4578595" y="2541023"/>
+            <a:ext cx="0" cy="271306"/>
+          </a:xfrm>
+          <a:prstGeom prst="straightConnector1">
+            <a:avLst/>
+          </a:prstGeom>
+          <a:ln>
+            <a:tailEnd type="arrow"/>
+          </a:ln>
+        </p:spPr>
+        <p:style>
+          <a:lnRef idx="2">
+            <a:schemeClr val="accent1"/>
+          </a:lnRef>
+          <a:fillRef idx="0">
+            <a:schemeClr val="accent1"/>
+          </a:fillRef>
+          <a:effectRef idx="1">
+            <a:schemeClr val="accent1"/>
+          </a:effectRef>
+          <a:fontRef idx="minor">
+            <a:schemeClr val="tx1"/>
+          </a:fontRef>
+        </p:style>
+      </p:cxnSp>
+      <p:cxnSp>
+        <p:nvCxnSpPr>
+          <p:cNvPr id="33" name="Elbow Connector 32"/>
+          <p:cNvCxnSpPr>
+            <a:stCxn id="6" idx="2"/>
+            <a:endCxn id="16" idx="1"/>
+          </p:cNvCxnSpPr>
+          <p:nvPr/>
+        </p:nvCxnSpPr>
+        <p:spPr>
+          <a:xfrm rot="5400000" flipH="1">
+            <a:off x="4200177" y="3122688"/>
+            <a:ext cx="594015" cy="162821"/>
+          </a:xfrm>
+          <a:prstGeom prst="bentConnector4">
+            <a:avLst>
+              <a:gd name="adj1" fmla="val -38484"/>
+              <a:gd name="adj2" fmla="val 620398"/>
+            </a:avLst>
+          </a:prstGeom>
+          <a:ln>
+            <a:solidFill>
+              <a:srgbClr val="800000"/>
+            </a:solidFill>
+            <a:tailEnd type="arrow"/>
+          </a:ln>
+        </p:spPr>
+        <p:style>
+          <a:lnRef idx="2">
+            <a:schemeClr val="accent1"/>
+          </a:lnRef>
+          <a:fillRef idx="0">
+            <a:schemeClr val="accent1"/>
+          </a:fillRef>
+          <a:effectRef idx="1">
+            <a:schemeClr val="accent1"/>
+          </a:effectRef>
+          <a:fontRef idx="minor">
+            <a:schemeClr val="tx1"/>
+          </a:fontRef>
+        </p:style>
+      </p:cxnSp>
+      <p:cxnSp>
+        <p:nvCxnSpPr>
+          <p:cNvPr id="35" name="Elbow Connector 34"/>
+          <p:cNvCxnSpPr>
+            <a:stCxn id="6" idx="2"/>
+            <a:endCxn id="8" idx="0"/>
+          </p:cNvCxnSpPr>
+          <p:nvPr/>
+        </p:nvCxnSpPr>
+        <p:spPr>
+          <a:xfrm rot="5400000">
+            <a:off x="4352851" y="3726849"/>
+            <a:ext cx="451489" cy="12700"/>
+          </a:xfrm>
+          <a:prstGeom prst="bentConnector3">
+            <a:avLst>
+              <a:gd name="adj1" fmla="val 50000"/>
+            </a:avLst>
+          </a:prstGeom>
+          <a:ln>
+            <a:tailEnd type="arrow"/>
+          </a:ln>
+        </p:spPr>
+        <p:style>
+          <a:lnRef idx="2">
+            <a:schemeClr val="accent1"/>
+          </a:lnRef>
+          <a:fillRef idx="0">
+            <a:schemeClr val="accent1"/>
+          </a:fillRef>
+          <a:effectRef idx="1">
+            <a:schemeClr val="accent1"/>
+          </a:effectRef>
+          <a:fontRef idx="minor">
+            <a:schemeClr val="tx1"/>
+          </a:fontRef>
+        </p:style>
+      </p:cxnSp>
+      <p:cxnSp>
+        <p:nvCxnSpPr>
+          <p:cNvPr id="42" name="Straight Arrow Connector 41"/>
+          <p:cNvCxnSpPr>
+            <a:stCxn id="11" idx="2"/>
+            <a:endCxn id="5" idx="0"/>
+          </p:cNvCxnSpPr>
+          <p:nvPr/>
+        </p:nvCxnSpPr>
+        <p:spPr>
+          <a:xfrm>
+            <a:off x="4578595" y="2041768"/>
+            <a:ext cx="0" cy="271306"/>
+          </a:xfrm>
+          <a:prstGeom prst="straightConnector1">
+            <a:avLst/>
+          </a:prstGeom>
+          <a:ln>
+            <a:tailEnd type="arrow"/>
+          </a:ln>
+        </p:spPr>
+        <p:style>
+          <a:lnRef idx="2">
+            <a:schemeClr val="accent1"/>
+          </a:lnRef>
+          <a:fillRef idx="0">
+            <a:schemeClr val="accent1"/>
+          </a:fillRef>
+          <a:effectRef idx="1">
+            <a:schemeClr val="accent1"/>
+          </a:effectRef>
+          <a:fontRef idx="minor">
+            <a:schemeClr val="tx1"/>
+          </a:fontRef>
+        </p:style>
+      </p:cxnSp>
+      <p:cxnSp>
+        <p:nvCxnSpPr>
+          <p:cNvPr id="43" name="Straight Arrow Connector 42"/>
+          <p:cNvCxnSpPr>
+            <a:stCxn id="8" idx="2"/>
+            <a:endCxn id="9" idx="0"/>
+          </p:cNvCxnSpPr>
+          <p:nvPr/>
+        </p:nvCxnSpPr>
+        <p:spPr>
+          <a:xfrm>
+            <a:off x="4578595" y="4180543"/>
+            <a:ext cx="0" cy="271306"/>
+          </a:xfrm>
+          <a:prstGeom prst="straightConnector1">
+            <a:avLst/>
+          </a:prstGeom>
+          <a:ln>
+            <a:tailEnd type="arrow"/>
+          </a:ln>
+        </p:spPr>
+        <p:style>
+          <a:lnRef idx="2">
+            <a:schemeClr val="accent1"/>
+          </a:lnRef>
+          <a:fillRef idx="0">
+            <a:schemeClr val="accent1"/>
+          </a:fillRef>
+          <a:effectRef idx="1">
+            <a:schemeClr val="accent1"/>
+          </a:effectRef>
+          <a:fontRef idx="minor">
+            <a:schemeClr val="tx1"/>
+          </a:fontRef>
+        </p:style>
+      </p:cxnSp>
+      <p:cxnSp>
+        <p:nvCxnSpPr>
+          <p:cNvPr id="46" name="Straight Arrow Connector 45"/>
+          <p:cNvCxnSpPr>
+            <a:stCxn id="9" idx="2"/>
+            <a:endCxn id="10" idx="0"/>
+          </p:cNvCxnSpPr>
+          <p:nvPr/>
+        </p:nvCxnSpPr>
+        <p:spPr>
+          <a:xfrm>
+            <a:off x="4578595" y="4679798"/>
+            <a:ext cx="0" cy="271306"/>
+          </a:xfrm>
+          <a:prstGeom prst="straightConnector1">
+            <a:avLst/>
+          </a:prstGeom>
+          <a:ln>
+            <a:tailEnd type="arrow"/>
+          </a:ln>
+        </p:spPr>
+        <p:style>
+          <a:lnRef idx="2">
+            <a:schemeClr val="accent1"/>
+          </a:lnRef>
+          <a:fillRef idx="0">
+            <a:schemeClr val="accent1"/>
+          </a:fillRef>
+          <a:effectRef idx="1">
+            <a:schemeClr val="accent1"/>
+          </a:effectRef>
+          <a:fontRef idx="minor">
+            <a:schemeClr val="tx1"/>
+          </a:fontRef>
+        </p:style>
+      </p:cxnSp>
+      <p:cxnSp>
+        <p:nvCxnSpPr>
+          <p:cNvPr id="55" name="Elbow Connector 54"/>
+          <p:cNvCxnSpPr>
+            <a:stCxn id="16" idx="2"/>
+            <a:endCxn id="6" idx="0"/>
+          </p:cNvCxnSpPr>
+          <p:nvPr/>
+        </p:nvCxnSpPr>
+        <p:spPr>
+          <a:xfrm rot="5400000">
+            <a:off x="4442942" y="3137503"/>
+            <a:ext cx="271306" cy="12700"/>
+          </a:xfrm>
+          <a:prstGeom prst="bentConnector3">
+            <a:avLst/>
+          </a:prstGeom>
+          <a:ln>
+            <a:solidFill>
+              <a:schemeClr val="tx2">
+                <a:lumMod val="60000"/>
+                <a:lumOff val="40000"/>
+              </a:schemeClr>
+            </a:solidFill>
+            <a:tailEnd type="arrow"/>
+          </a:ln>
+        </p:spPr>
+        <p:style>
+          <a:lnRef idx="2">
+            <a:schemeClr val="accent1"/>
+          </a:lnRef>
+          <a:fillRef idx="0">
+            <a:schemeClr val="accent1"/>
+          </a:fillRef>
+          <a:effectRef idx="1">
+            <a:schemeClr val="accent1"/>
+          </a:effectRef>
+          <a:fontRef idx="minor">
+            <a:schemeClr val="tx1"/>
+          </a:fontRef>
+        </p:style>
+      </p:cxnSp>
+      <p:cxnSp>
+        <p:nvCxnSpPr>
+          <p:cNvPr id="59" name="Elbow Connector 58"/>
+          <p:cNvCxnSpPr>
+            <a:stCxn id="16" idx="3"/>
+            <a:endCxn id="8" idx="3"/>
+          </p:cNvCxnSpPr>
+          <p:nvPr/>
+        </p:nvCxnSpPr>
+        <p:spPr>
+          <a:xfrm>
+            <a:off x="4741415" y="2907090"/>
+            <a:ext cx="618718" cy="1159479"/>
+          </a:xfrm>
+          <a:prstGeom prst="bentConnector3">
+            <a:avLst>
+              <a:gd name="adj1" fmla="val 136947"/>
+            </a:avLst>
+          </a:prstGeom>
+          <a:ln>
+            <a:solidFill>
+              <a:srgbClr val="008000"/>
+            </a:solidFill>
+            <a:tailEnd type="arrow"/>
+          </a:ln>
+        </p:spPr>
+        <p:style>
+          <a:lnRef idx="2">
+            <a:schemeClr val="accent1"/>
+          </a:lnRef>
+          <a:fillRef idx="0">
+            <a:schemeClr val="accent1"/>
+          </a:fillRef>
+          <a:effectRef idx="1">
+            <a:schemeClr val="accent1"/>
+          </a:effectRef>
+          <a:fontRef idx="minor">
+            <a:schemeClr val="tx1"/>
+          </a:fontRef>
+        </p:style>
+      </p:cxnSp>
+    </p:spTree>
+    <p:extLst>
+      <p:ext uri="{BB962C8B-B14F-4D97-AF65-F5344CB8AC3E}">
+        <p14:creationId xmlns:p14="http://schemas.microsoft.com/office/powerpoint/2010/main" val="2769776558"/>
+      </p:ext>
+    </p:extLst>
+  </p:cSld>
+  <p:clrMapOvr>
+    <a:masterClrMapping/>
+  </p:clrMapOvr>
+</p:sld>
+</file>
+
+<file path=ppt/slides/slide128.xml><?xml version="1.0" encoding="utf-8"?>
+<p:sld xmlns:a="http://schemas.openxmlformats.org/drawingml/2006/main" xmlns:r="http://schemas.openxmlformats.org/officeDocument/2006/relationships" xmlns:p="http://schemas.openxmlformats.org/presentationml/2006/main">
+  <p:cSld>
+    <p:spTree>
+      <p:nvGrpSpPr>
+        <p:cNvPr id="1" name=""/>
+        <p:cNvGrpSpPr/>
+        <p:nvPr/>
+      </p:nvGrpSpPr>
+      <p:grpSpPr>
+        <a:xfrm>
+          <a:off x="0" y="0"/>
+          <a:ext cx="0" cy="0"/>
+          <a:chOff x="0" y="0"/>
+          <a:chExt cx="0" cy="0"/>
+        </a:xfrm>
+      </p:grpSpPr>
+      <p:sp>
+        <p:nvSpPr>
+          <p:cNvPr id="2" name="Title 1"/>
+          <p:cNvSpPr>
+            <a:spLocks noGrp="1"/>
+          </p:cNvSpPr>
+          <p:nvPr>
+            <p:ph type="title"/>
+          </p:nvPr>
+        </p:nvSpPr>
+        <p:spPr/>
+        <p:txBody>
+          <a:bodyPr/>
+          <a:lstStyle/>
+          <a:p>
+            <a:r>
+              <a:rPr lang="en-US" dirty="0" smtClean="0"/>
+              <a:t>Topics</a:t>
+            </a:r>
+            <a:endParaRPr lang="en-US" dirty="0"/>
+          </a:p>
+        </p:txBody>
+      </p:sp>
+      <p:sp>
+        <p:nvSpPr>
+          <p:cNvPr id="3" name="Content Placeholder 2"/>
+          <p:cNvSpPr>
+            <a:spLocks noGrp="1"/>
+          </p:cNvSpPr>
+          <p:nvPr>
+            <p:ph idx="1"/>
+          </p:nvPr>
+        </p:nvSpPr>
+        <p:spPr/>
+        <p:txBody>
+          <a:bodyPr>
+            <a:normAutofit/>
+          </a:bodyPr>
+          <a:lstStyle/>
+          <a:p>
+            <a:pPr marL="514350" indent="-514350">
+              <a:buFont typeface="+mj-lt"/>
+              <a:buAutoNum type="arabicPeriod"/>
+            </a:pPr>
+            <a:r>
+              <a:rPr lang="en-US" dirty="0" smtClean="0"/>
+              <a:t>The ‘while’ </a:t>
+            </a:r>
+            <a:r>
+              <a:rPr lang="en-US" dirty="0"/>
+              <a:t>Loop Statement</a:t>
+            </a:r>
+          </a:p>
+          <a:p>
+            <a:pPr marL="514350" indent="-514350">
+              <a:buFont typeface="+mj-lt"/>
+              <a:buAutoNum type="arabicPeriod"/>
+            </a:pPr>
+            <a:r>
+              <a:rPr lang="en-US" dirty="0"/>
+              <a:t>The </a:t>
+            </a:r>
+            <a:r>
+              <a:rPr lang="en-US" dirty="0" smtClean="0"/>
+              <a:t>‘for’ </a:t>
+            </a:r>
+            <a:r>
+              <a:rPr lang="en-US" dirty="0"/>
+              <a:t>Loop Statement</a:t>
+            </a:r>
+          </a:p>
+          <a:p>
+            <a:pPr marL="514350" indent="-514350">
+              <a:buFont typeface="+mj-lt"/>
+              <a:buAutoNum type="arabicPeriod"/>
+            </a:pPr>
+            <a:endParaRPr lang="en-US" dirty="0" smtClean="0"/>
+          </a:p>
+        </p:txBody>
+      </p:sp>
+    </p:spTree>
+    <p:extLst>
+      <p:ext uri="{BB962C8B-B14F-4D97-AF65-F5344CB8AC3E}">
+        <p14:creationId xmlns:p14="http://schemas.microsoft.com/office/powerpoint/2010/main" val="355014664"/>
+      </p:ext>
+    </p:extLst>
+  </p:cSld>
+  <p:clrMapOvr>
+    <a:masterClrMapping/>
+  </p:clrMapOvr>
+</p:sld>
+</file>
+
+<file path=ppt/slides/slide129.xml><?xml version="1.0" encoding="utf-8"?>
+<p:sld xmlns:a="http://schemas.openxmlformats.org/drawingml/2006/main" xmlns:r="http://schemas.openxmlformats.org/officeDocument/2006/relationships" xmlns:p="http://schemas.openxmlformats.org/presentationml/2006/main">
+  <p:cSld>
+    <p:spTree>
+      <p:nvGrpSpPr>
+        <p:cNvPr id="1" name=""/>
+        <p:cNvGrpSpPr/>
+        <p:nvPr/>
+      </p:nvGrpSpPr>
+      <p:grpSpPr>
+        <a:xfrm>
+          <a:off x="0" y="0"/>
+          <a:ext cx="0" cy="0"/>
+          <a:chOff x="0" y="0"/>
+          <a:chExt cx="0" cy="0"/>
+        </a:xfrm>
+      </p:grpSpPr>
+      <p:sp>
+        <p:nvSpPr>
+          <p:cNvPr id="2" name="Title 1"/>
+          <p:cNvSpPr>
+            <a:spLocks noGrp="1"/>
+          </p:cNvSpPr>
+          <p:nvPr>
+            <p:ph type="title"/>
+          </p:nvPr>
+        </p:nvSpPr>
+        <p:spPr/>
+        <p:txBody>
+          <a:bodyPr/>
+          <a:lstStyle/>
+          <a:p>
+            <a:r>
+              <a:rPr lang="en-US" dirty="0"/>
+              <a:t>The </a:t>
+            </a:r>
+            <a:r>
+              <a:rPr lang="en-US" dirty="0" smtClean="0"/>
+              <a:t>‘while’ </a:t>
+            </a:r>
+            <a:r>
+              <a:rPr lang="en-US" dirty="0"/>
+              <a:t>Statement</a:t>
+            </a:r>
+          </a:p>
+        </p:txBody>
+      </p:sp>
+      <p:sp>
+        <p:nvSpPr>
+          <p:cNvPr id="3" name="Content Placeholder 2"/>
+          <p:cNvSpPr>
+            <a:spLocks noGrp="1"/>
+          </p:cNvSpPr>
+          <p:nvPr>
+            <p:ph idx="1"/>
+          </p:nvPr>
+        </p:nvSpPr>
+        <p:spPr/>
+        <p:txBody>
+          <a:bodyPr>
+            <a:normAutofit fontScale="92500" lnSpcReduction="20000"/>
+          </a:bodyPr>
+          <a:lstStyle/>
+          <a:p>
+            <a:r>
+              <a:rPr lang="en-US" dirty="0" smtClean="0"/>
+              <a:t>Formal syntax:</a:t>
+            </a:r>
+          </a:p>
+          <a:p>
+            <a:pPr marL="0" indent="0">
+              <a:buNone/>
+            </a:pPr>
+            <a:r>
+              <a:rPr lang="en-US" dirty="0"/>
+              <a:t>	</a:t>
+            </a:r>
+            <a:r>
+              <a:rPr lang="en-US" i="1" dirty="0" smtClean="0">
+                <a:solidFill>
+                  <a:srgbClr val="0000FF"/>
+                </a:solidFill>
+              </a:rPr>
+              <a:t>while</a:t>
+            </a:r>
+            <a:r>
+              <a:rPr lang="en-US" dirty="0" smtClean="0">
+                <a:solidFill>
+                  <a:srgbClr val="000000"/>
+                </a:solidFill>
+              </a:rPr>
+              <a:t>(</a:t>
+            </a:r>
+            <a:r>
+              <a:rPr lang="en-US" i="1" dirty="0" smtClean="0">
+                <a:solidFill>
+                  <a:srgbClr val="C0504D"/>
+                </a:solidFill>
+              </a:rPr>
+              <a:t>condition</a:t>
+            </a:r>
+            <a:r>
+              <a:rPr lang="en-US" dirty="0" smtClean="0">
+                <a:solidFill>
+                  <a:srgbClr val="000000"/>
+                </a:solidFill>
+              </a:rPr>
+              <a:t>){</a:t>
+            </a:r>
+            <a:endParaRPr lang="en-US" dirty="0">
+              <a:solidFill>
+                <a:srgbClr val="C0504D"/>
+              </a:solidFill>
+            </a:endParaRPr>
+          </a:p>
+          <a:p>
+            <a:pPr marL="0" indent="0">
+              <a:buNone/>
+            </a:pPr>
+            <a:r>
+              <a:rPr lang="en-US" dirty="0" smtClean="0">
+                <a:solidFill>
+                  <a:srgbClr val="C0504D"/>
+                </a:solidFill>
+              </a:rPr>
+              <a:t>		</a:t>
+            </a:r>
+            <a:r>
+              <a:rPr lang="en-US" dirty="0" smtClean="0">
+                <a:solidFill>
+                  <a:srgbClr val="008000"/>
+                </a:solidFill>
+              </a:rPr>
+              <a:t>Statement 1</a:t>
+            </a:r>
+          </a:p>
+          <a:p>
+            <a:pPr marL="0" indent="0">
+              <a:buNone/>
+            </a:pPr>
+            <a:r>
+              <a:rPr lang="en-US" dirty="0">
+                <a:solidFill>
+                  <a:srgbClr val="008000"/>
+                </a:solidFill>
+              </a:rPr>
+              <a:t>	</a:t>
+            </a:r>
+            <a:r>
+              <a:rPr lang="en-US" dirty="0" smtClean="0">
+                <a:solidFill>
+                  <a:srgbClr val="008000"/>
+                </a:solidFill>
+              </a:rPr>
+              <a:t>	..</a:t>
+            </a:r>
+            <a:endParaRPr lang="en-US" dirty="0">
+              <a:solidFill>
+                <a:srgbClr val="008000"/>
+              </a:solidFill>
+            </a:endParaRPr>
+          </a:p>
+          <a:p>
+            <a:pPr marL="0" indent="0">
+              <a:buNone/>
+            </a:pPr>
+            <a:r>
+              <a:rPr lang="en-US" dirty="0" smtClean="0">
+                <a:solidFill>
+                  <a:srgbClr val="008000"/>
+                </a:solidFill>
+              </a:rPr>
+              <a:t>		Statement N</a:t>
+            </a:r>
+          </a:p>
+          <a:p>
+            <a:pPr marL="0" indent="0">
+              <a:buNone/>
+            </a:pPr>
+            <a:r>
+              <a:rPr lang="en-US" dirty="0"/>
+              <a:t>	</a:t>
+            </a:r>
+            <a:r>
+              <a:rPr lang="en-US" i="1" dirty="0" smtClean="0">
+                <a:solidFill>
+                  <a:srgbClr val="0000FF"/>
+                </a:solidFill>
+              </a:rPr>
+              <a:t> </a:t>
+            </a:r>
+            <a:r>
+              <a:rPr lang="en-US" dirty="0" smtClean="0">
+                <a:solidFill>
+                  <a:srgbClr val="000000"/>
+                </a:solidFill>
+              </a:rPr>
+              <a:t>}</a:t>
+            </a:r>
+          </a:p>
+          <a:p>
+            <a:r>
+              <a:rPr lang="en-US" dirty="0" smtClean="0">
+                <a:solidFill>
+                  <a:srgbClr val="000000"/>
+                </a:solidFill>
+              </a:rPr>
+              <a:t>Where:</a:t>
+            </a:r>
+          </a:p>
+          <a:p>
+            <a:pPr lvl="1"/>
+            <a:r>
+              <a:rPr lang="en-US" dirty="0" smtClean="0">
+                <a:solidFill>
+                  <a:srgbClr val="000000"/>
+                </a:solidFill>
+              </a:rPr>
+              <a:t>Condition is an expression that evaluates to the </a:t>
+            </a:r>
+            <a:r>
+              <a:rPr lang="en-US" dirty="0" err="1" smtClean="0">
+                <a:solidFill>
+                  <a:srgbClr val="000000"/>
+                </a:solidFill>
+              </a:rPr>
+              <a:t>boolean</a:t>
+            </a:r>
+            <a:r>
+              <a:rPr lang="en-US" dirty="0" smtClean="0">
+                <a:solidFill>
+                  <a:srgbClr val="000000"/>
+                </a:solidFill>
+              </a:rPr>
+              <a:t> type </a:t>
+            </a:r>
+            <a:r>
+              <a:rPr lang="en-US" i="1" dirty="0" smtClean="0">
+                <a:solidFill>
+                  <a:srgbClr val="FF6600"/>
+                </a:solidFill>
+              </a:rPr>
+              <a:t>true</a:t>
+            </a:r>
+            <a:r>
+              <a:rPr lang="en-US" dirty="0" smtClean="0">
+                <a:solidFill>
+                  <a:srgbClr val="FF6600"/>
+                </a:solidFill>
+              </a:rPr>
+              <a:t> </a:t>
+            </a:r>
+            <a:r>
+              <a:rPr lang="en-US" dirty="0" smtClean="0">
+                <a:solidFill>
+                  <a:srgbClr val="000000"/>
+                </a:solidFill>
+              </a:rPr>
+              <a:t>or </a:t>
+            </a:r>
+            <a:r>
+              <a:rPr lang="en-US" i="1" dirty="0" smtClean="0">
+                <a:solidFill>
+                  <a:srgbClr val="FF6600"/>
+                </a:solidFill>
+              </a:rPr>
+              <a:t>false</a:t>
+            </a:r>
+          </a:p>
+          <a:p>
+            <a:pPr lvl="2"/>
+            <a:r>
+              <a:rPr lang="en-US" i="1" dirty="0" smtClean="0">
+                <a:solidFill>
+                  <a:srgbClr val="FF0000"/>
+                </a:solidFill>
+              </a:rPr>
+              <a:t>NOTE</a:t>
+            </a:r>
+            <a:r>
+              <a:rPr lang="en-US" i="1" dirty="0" smtClean="0">
+                <a:solidFill>
+                  <a:srgbClr val="FF6600"/>
+                </a:solidFill>
+              </a:rPr>
+              <a:t>: </a:t>
+            </a:r>
+            <a:r>
+              <a:rPr lang="en-US" i="1" dirty="0" smtClean="0"/>
+              <a:t>If the ‘condition’ for the ‘while’ loop is not updated within the loop, it will be an infinite loop</a:t>
+            </a:r>
+          </a:p>
+        </p:txBody>
+      </p:sp>
+    </p:spTree>
+    <p:extLst>
+      <p:ext uri="{BB962C8B-B14F-4D97-AF65-F5344CB8AC3E}">
+        <p14:creationId xmlns:p14="http://schemas.microsoft.com/office/powerpoint/2010/main" val="4162874821"/>
       </p:ext>
     </p:extLst>
   </p:cSld>
@@ -25694,6 +26862,1258 @@
 </p:sld>
 </file>
 
+<file path=ppt/slides/slide130.xml><?xml version="1.0" encoding="utf-8"?>
+<p:sld xmlns:a="http://schemas.openxmlformats.org/drawingml/2006/main" xmlns:r="http://schemas.openxmlformats.org/officeDocument/2006/relationships" xmlns:p="http://schemas.openxmlformats.org/presentationml/2006/main">
+  <p:cSld>
+    <p:spTree>
+      <p:nvGrpSpPr>
+        <p:cNvPr id="1" name=""/>
+        <p:cNvGrpSpPr/>
+        <p:nvPr/>
+      </p:nvGrpSpPr>
+      <p:grpSpPr>
+        <a:xfrm>
+          <a:off x="0" y="0"/>
+          <a:ext cx="0" cy="0"/>
+          <a:chOff x="0" y="0"/>
+          <a:chExt cx="0" cy="0"/>
+        </a:xfrm>
+      </p:grpSpPr>
+      <p:sp>
+        <p:nvSpPr>
+          <p:cNvPr id="2" name="Title 1"/>
+          <p:cNvSpPr>
+            <a:spLocks noGrp="1"/>
+          </p:cNvSpPr>
+          <p:nvPr>
+            <p:ph type="title"/>
+          </p:nvPr>
+        </p:nvSpPr>
+        <p:spPr/>
+        <p:txBody>
+          <a:bodyPr/>
+          <a:lstStyle/>
+          <a:p>
+            <a:r>
+              <a:rPr lang="en-US" dirty="0" smtClean="0"/>
+              <a:t>Example-01.js</a:t>
+            </a:r>
+            <a:endParaRPr lang="en-US" dirty="0"/>
+          </a:p>
+        </p:txBody>
+      </p:sp>
+      <p:pic>
+        <p:nvPicPr>
+          <p:cNvPr id="4" name="Content Placeholder 3"/>
+          <p:cNvPicPr>
+            <a:picLocks noGrp="1" noChangeAspect="1"/>
+          </p:cNvPicPr>
+          <p:nvPr>
+            <p:ph idx="1"/>
+          </p:nvPr>
+        </p:nvPicPr>
+        <p:blipFill>
+          <a:blip r:embed="rId2"/>
+          <a:srcRect l="-19292" r="-19292"/>
+          <a:stretch>
+            <a:fillRect/>
+          </a:stretch>
+        </p:blipFill>
+        <p:spPr/>
+      </p:pic>
+    </p:spTree>
+    <p:extLst>
+      <p:ext uri="{BB962C8B-B14F-4D97-AF65-F5344CB8AC3E}">
+        <p14:creationId xmlns:p14="http://schemas.microsoft.com/office/powerpoint/2010/main" val="1111470891"/>
+      </p:ext>
+    </p:extLst>
+  </p:cSld>
+  <p:clrMapOvr>
+    <a:masterClrMapping/>
+  </p:clrMapOvr>
+</p:sld>
+</file>
+
+<file path=ppt/slides/slide131.xml><?xml version="1.0" encoding="utf-8"?>
+<p:sld xmlns:a="http://schemas.openxmlformats.org/drawingml/2006/main" xmlns:r="http://schemas.openxmlformats.org/officeDocument/2006/relationships" xmlns:p="http://schemas.openxmlformats.org/presentationml/2006/main">
+  <p:cSld>
+    <p:spTree>
+      <p:nvGrpSpPr>
+        <p:cNvPr id="1" name=""/>
+        <p:cNvGrpSpPr/>
+        <p:nvPr/>
+      </p:nvGrpSpPr>
+      <p:grpSpPr>
+        <a:xfrm>
+          <a:off x="0" y="0"/>
+          <a:ext cx="0" cy="0"/>
+          <a:chOff x="0" y="0"/>
+          <a:chExt cx="0" cy="0"/>
+        </a:xfrm>
+      </p:grpSpPr>
+      <p:sp>
+        <p:nvSpPr>
+          <p:cNvPr id="2" name="Title 1"/>
+          <p:cNvSpPr>
+            <a:spLocks noGrp="1"/>
+          </p:cNvSpPr>
+          <p:nvPr>
+            <p:ph type="title"/>
+          </p:nvPr>
+        </p:nvSpPr>
+        <p:spPr/>
+        <p:txBody>
+          <a:bodyPr/>
+          <a:lstStyle/>
+          <a:p>
+            <a:r>
+              <a:rPr lang="en-US" dirty="0" smtClean="0"/>
+              <a:t>Example-02.js</a:t>
+            </a:r>
+            <a:endParaRPr lang="en-US" dirty="0"/>
+          </a:p>
+        </p:txBody>
+      </p:sp>
+      <p:pic>
+        <p:nvPicPr>
+          <p:cNvPr id="4" name="Content Placeholder 3"/>
+          <p:cNvPicPr>
+            <a:picLocks noGrp="1" noChangeAspect="1"/>
+          </p:cNvPicPr>
+          <p:nvPr>
+            <p:ph idx="1"/>
+          </p:nvPr>
+        </p:nvPicPr>
+        <p:blipFill>
+          <a:blip r:embed="rId2"/>
+          <a:srcRect l="-15419" r="-15419"/>
+          <a:stretch>
+            <a:fillRect/>
+          </a:stretch>
+        </p:blipFill>
+        <p:spPr/>
+      </p:pic>
+    </p:spTree>
+    <p:extLst>
+      <p:ext uri="{BB962C8B-B14F-4D97-AF65-F5344CB8AC3E}">
+        <p14:creationId xmlns:p14="http://schemas.microsoft.com/office/powerpoint/2010/main" val="3165048977"/>
+      </p:ext>
+    </p:extLst>
+  </p:cSld>
+  <p:clrMapOvr>
+    <a:masterClrMapping/>
+  </p:clrMapOvr>
+</p:sld>
+</file>
+
+<file path=ppt/slides/slide132.xml><?xml version="1.0" encoding="utf-8"?>
+<p:sld xmlns:a="http://schemas.openxmlformats.org/drawingml/2006/main" xmlns:r="http://schemas.openxmlformats.org/officeDocument/2006/relationships" xmlns:p="http://schemas.openxmlformats.org/presentationml/2006/main">
+  <p:cSld>
+    <p:spTree>
+      <p:nvGrpSpPr>
+        <p:cNvPr id="1" name=""/>
+        <p:cNvGrpSpPr/>
+        <p:nvPr/>
+      </p:nvGrpSpPr>
+      <p:grpSpPr>
+        <a:xfrm>
+          <a:off x="0" y="0"/>
+          <a:ext cx="0" cy="0"/>
+          <a:chOff x="0" y="0"/>
+          <a:chExt cx="0" cy="0"/>
+        </a:xfrm>
+      </p:grpSpPr>
+      <p:sp>
+        <p:nvSpPr>
+          <p:cNvPr id="2" name="Title 1"/>
+          <p:cNvSpPr>
+            <a:spLocks noGrp="1"/>
+          </p:cNvSpPr>
+          <p:nvPr>
+            <p:ph type="title"/>
+          </p:nvPr>
+        </p:nvSpPr>
+        <p:spPr/>
+        <p:txBody>
+          <a:bodyPr/>
+          <a:lstStyle/>
+          <a:p>
+            <a:r>
+              <a:rPr lang="en-US" dirty="0" smtClean="0"/>
+              <a:t>Loop Breakdown</a:t>
+            </a:r>
+            <a:endParaRPr lang="en-US" dirty="0"/>
+          </a:p>
+        </p:txBody>
+      </p:sp>
+      <p:pic>
+        <p:nvPicPr>
+          <p:cNvPr id="4" name="Content Placeholder 3"/>
+          <p:cNvPicPr>
+            <a:picLocks noGrp="1" noChangeAspect="1"/>
+          </p:cNvPicPr>
+          <p:nvPr>
+            <p:ph idx="1"/>
+          </p:nvPr>
+        </p:nvPicPr>
+        <p:blipFill>
+          <a:blip r:embed="rId2"/>
+          <a:srcRect l="-15419" r="-15419"/>
+          <a:stretch>
+            <a:fillRect/>
+          </a:stretch>
+        </p:blipFill>
+        <p:spPr/>
+      </p:pic>
+      <p:sp>
+        <p:nvSpPr>
+          <p:cNvPr id="3" name="Rounded Rectangle 2"/>
+          <p:cNvSpPr/>
+          <p:nvPr/>
+        </p:nvSpPr>
+        <p:spPr>
+          <a:xfrm>
+            <a:off x="1867243" y="2806037"/>
+            <a:ext cx="1424000" cy="187044"/>
+          </a:xfrm>
+          <a:prstGeom prst="roundRect">
+            <a:avLst/>
+          </a:prstGeom>
+          <a:solidFill>
+            <a:schemeClr val="accent6">
+              <a:lumMod val="60000"/>
+              <a:lumOff val="40000"/>
+              <a:alpha val="30000"/>
+            </a:schemeClr>
+          </a:solidFill>
+        </p:spPr>
+        <p:style>
+          <a:lnRef idx="1">
+            <a:schemeClr val="accent1"/>
+          </a:lnRef>
+          <a:fillRef idx="3">
+            <a:schemeClr val="accent1"/>
+          </a:fillRef>
+          <a:effectRef idx="2">
+            <a:schemeClr val="accent1"/>
+          </a:effectRef>
+          <a:fontRef idx="minor">
+            <a:schemeClr val="lt1"/>
+          </a:fontRef>
+        </p:style>
+        <p:txBody>
+          <a:bodyPr rtlCol="0" anchor="ctr"/>
+          <a:lstStyle/>
+          <a:p>
+            <a:pPr algn="ctr"/>
+            <a:endParaRPr lang="en-US"/>
+          </a:p>
+        </p:txBody>
+      </p:sp>
+      <p:sp>
+        <p:nvSpPr>
+          <p:cNvPr id="5" name="Rounded Rectangle 4"/>
+          <p:cNvSpPr/>
+          <p:nvPr/>
+        </p:nvSpPr>
+        <p:spPr>
+          <a:xfrm>
+            <a:off x="2507047" y="3192162"/>
+            <a:ext cx="2107515" cy="227914"/>
+          </a:xfrm>
+          <a:prstGeom prst="roundRect">
+            <a:avLst/>
+          </a:prstGeom>
+          <a:solidFill>
+            <a:schemeClr val="accent5">
+              <a:lumMod val="60000"/>
+              <a:lumOff val="40000"/>
+              <a:alpha val="30000"/>
+            </a:schemeClr>
+          </a:solidFill>
+        </p:spPr>
+        <p:style>
+          <a:lnRef idx="1">
+            <a:schemeClr val="accent1"/>
+          </a:lnRef>
+          <a:fillRef idx="3">
+            <a:schemeClr val="accent1"/>
+          </a:fillRef>
+          <a:effectRef idx="2">
+            <a:schemeClr val="accent1"/>
+          </a:effectRef>
+          <a:fontRef idx="minor">
+            <a:schemeClr val="lt1"/>
+          </a:fontRef>
+        </p:style>
+        <p:txBody>
+          <a:bodyPr rtlCol="0" anchor="ctr"/>
+          <a:lstStyle/>
+          <a:p>
+            <a:pPr algn="ctr"/>
+            <a:endParaRPr lang="en-US"/>
+          </a:p>
+        </p:txBody>
+      </p:sp>
+      <p:sp>
+        <p:nvSpPr>
+          <p:cNvPr id="6" name="Rounded Rectangle 5"/>
+          <p:cNvSpPr/>
+          <p:nvPr/>
+        </p:nvSpPr>
+        <p:spPr>
+          <a:xfrm>
+            <a:off x="2307966" y="3612292"/>
+            <a:ext cx="1666791" cy="211438"/>
+          </a:xfrm>
+          <a:prstGeom prst="roundRect">
+            <a:avLst/>
+          </a:prstGeom>
+          <a:solidFill>
+            <a:schemeClr val="accent3">
+              <a:lumMod val="60000"/>
+              <a:lumOff val="40000"/>
+              <a:alpha val="30000"/>
+            </a:schemeClr>
+          </a:solidFill>
+        </p:spPr>
+        <p:style>
+          <a:lnRef idx="1">
+            <a:schemeClr val="accent1"/>
+          </a:lnRef>
+          <a:fillRef idx="3">
+            <a:schemeClr val="accent1"/>
+          </a:fillRef>
+          <a:effectRef idx="2">
+            <a:schemeClr val="accent1"/>
+          </a:effectRef>
+          <a:fontRef idx="minor">
+            <a:schemeClr val="lt1"/>
+          </a:fontRef>
+        </p:style>
+        <p:txBody>
+          <a:bodyPr rtlCol="0" anchor="ctr"/>
+          <a:lstStyle/>
+          <a:p>
+            <a:pPr algn="ctr"/>
+            <a:endParaRPr lang="en-US"/>
+          </a:p>
+        </p:txBody>
+      </p:sp>
+    </p:spTree>
+    <p:extLst>
+      <p:ext uri="{BB962C8B-B14F-4D97-AF65-F5344CB8AC3E}">
+        <p14:creationId xmlns:p14="http://schemas.microsoft.com/office/powerpoint/2010/main" val="2115709436"/>
+      </p:ext>
+    </p:extLst>
+  </p:cSld>
+  <p:clrMapOvr>
+    <a:masterClrMapping/>
+  </p:clrMapOvr>
+</p:sld>
+</file>
+
+<file path=ppt/slides/slide133.xml><?xml version="1.0" encoding="utf-8"?>
+<p:sld xmlns:a="http://schemas.openxmlformats.org/drawingml/2006/main" xmlns:r="http://schemas.openxmlformats.org/officeDocument/2006/relationships" xmlns:p="http://schemas.openxmlformats.org/presentationml/2006/main">
+  <p:cSld>
+    <p:spTree>
+      <p:nvGrpSpPr>
+        <p:cNvPr id="1" name=""/>
+        <p:cNvGrpSpPr/>
+        <p:nvPr/>
+      </p:nvGrpSpPr>
+      <p:grpSpPr>
+        <a:xfrm>
+          <a:off x="0" y="0"/>
+          <a:ext cx="0" cy="0"/>
+          <a:chOff x="0" y="0"/>
+          <a:chExt cx="0" cy="0"/>
+        </a:xfrm>
+      </p:grpSpPr>
+      <p:sp>
+        <p:nvSpPr>
+          <p:cNvPr id="2" name="Title 1"/>
+          <p:cNvSpPr>
+            <a:spLocks noGrp="1"/>
+          </p:cNvSpPr>
+          <p:nvPr>
+            <p:ph type="title"/>
+          </p:nvPr>
+        </p:nvSpPr>
+        <p:spPr/>
+        <p:txBody>
+          <a:bodyPr/>
+          <a:lstStyle/>
+          <a:p>
+            <a:r>
+              <a:rPr lang="en-US" dirty="0"/>
+              <a:t>The </a:t>
+            </a:r>
+            <a:r>
+              <a:rPr lang="en-US" dirty="0" smtClean="0"/>
+              <a:t>‘for’ </a:t>
+            </a:r>
+            <a:r>
+              <a:rPr lang="en-US" dirty="0"/>
+              <a:t>Statement</a:t>
+            </a:r>
+          </a:p>
+        </p:txBody>
+      </p:sp>
+      <p:sp>
+        <p:nvSpPr>
+          <p:cNvPr id="3" name="Content Placeholder 2"/>
+          <p:cNvSpPr>
+            <a:spLocks noGrp="1"/>
+          </p:cNvSpPr>
+          <p:nvPr>
+            <p:ph idx="1"/>
+          </p:nvPr>
+        </p:nvSpPr>
+        <p:spPr/>
+        <p:txBody>
+          <a:bodyPr>
+            <a:normAutofit fontScale="77500" lnSpcReduction="20000"/>
+          </a:bodyPr>
+          <a:lstStyle/>
+          <a:p>
+            <a:r>
+              <a:rPr lang="en-US" dirty="0" smtClean="0"/>
+              <a:t>Formal syntax:</a:t>
+            </a:r>
+          </a:p>
+          <a:p>
+            <a:pPr marL="0" indent="0">
+              <a:buNone/>
+            </a:pPr>
+            <a:r>
+              <a:rPr lang="en-US" dirty="0"/>
+              <a:t>	</a:t>
+            </a:r>
+            <a:r>
+              <a:rPr lang="en-US" i="1" dirty="0" smtClean="0">
+                <a:solidFill>
+                  <a:srgbClr val="0000FF"/>
+                </a:solidFill>
+              </a:rPr>
+              <a:t>for</a:t>
+            </a:r>
+            <a:r>
+              <a:rPr lang="en-US" dirty="0" smtClean="0">
+                <a:solidFill>
+                  <a:srgbClr val="000000"/>
+                </a:solidFill>
+              </a:rPr>
+              <a:t>(</a:t>
+            </a:r>
+            <a:r>
+              <a:rPr lang="en-US" i="1" dirty="0" smtClean="0">
+                <a:solidFill>
+                  <a:srgbClr val="C0504D"/>
+                </a:solidFill>
+              </a:rPr>
+              <a:t>initialization; condition; update</a:t>
+            </a:r>
+            <a:r>
+              <a:rPr lang="en-US" dirty="0" smtClean="0">
+                <a:solidFill>
+                  <a:srgbClr val="000000"/>
+                </a:solidFill>
+              </a:rPr>
+              <a:t>){</a:t>
+            </a:r>
+            <a:endParaRPr lang="en-US" dirty="0">
+              <a:solidFill>
+                <a:srgbClr val="C0504D"/>
+              </a:solidFill>
+            </a:endParaRPr>
+          </a:p>
+          <a:p>
+            <a:pPr marL="0" indent="0">
+              <a:buNone/>
+            </a:pPr>
+            <a:r>
+              <a:rPr lang="en-US" dirty="0" smtClean="0">
+                <a:solidFill>
+                  <a:srgbClr val="008000"/>
+                </a:solidFill>
+              </a:rPr>
+              <a:t>		Statement </a:t>
+            </a:r>
+            <a:r>
+              <a:rPr lang="en-US" dirty="0">
+                <a:solidFill>
+                  <a:srgbClr val="008000"/>
+                </a:solidFill>
+              </a:rPr>
+              <a:t>1</a:t>
+            </a:r>
+          </a:p>
+          <a:p>
+            <a:pPr marL="0" indent="0">
+              <a:buNone/>
+            </a:pPr>
+            <a:r>
+              <a:rPr lang="en-US" dirty="0">
+                <a:solidFill>
+                  <a:srgbClr val="008000"/>
+                </a:solidFill>
+              </a:rPr>
+              <a:t>		..</a:t>
+            </a:r>
+          </a:p>
+          <a:p>
+            <a:pPr marL="0" indent="0">
+              <a:buNone/>
+            </a:pPr>
+            <a:r>
+              <a:rPr lang="en-US" dirty="0">
+                <a:solidFill>
+                  <a:srgbClr val="008000"/>
+                </a:solidFill>
+              </a:rPr>
+              <a:t>		Statement N</a:t>
+            </a:r>
+          </a:p>
+          <a:p>
+            <a:pPr marL="0" indent="0">
+              <a:buNone/>
+            </a:pPr>
+            <a:r>
+              <a:rPr lang="en-US" dirty="0"/>
+              <a:t>	</a:t>
+            </a:r>
+            <a:r>
+              <a:rPr lang="en-US" i="1" dirty="0" smtClean="0">
+                <a:solidFill>
+                  <a:srgbClr val="0000FF"/>
+                </a:solidFill>
+              </a:rPr>
+              <a:t> </a:t>
+            </a:r>
+            <a:r>
+              <a:rPr lang="en-US" dirty="0" smtClean="0">
+                <a:solidFill>
+                  <a:srgbClr val="000000"/>
+                </a:solidFill>
+              </a:rPr>
+              <a:t>}</a:t>
+            </a:r>
+          </a:p>
+          <a:p>
+            <a:r>
+              <a:rPr lang="en-US" dirty="0" smtClean="0">
+                <a:solidFill>
+                  <a:srgbClr val="000000"/>
+                </a:solidFill>
+              </a:rPr>
+              <a:t>Where:</a:t>
+            </a:r>
+          </a:p>
+          <a:p>
+            <a:pPr lvl="1"/>
+            <a:r>
+              <a:rPr lang="en-US" dirty="0" smtClean="0">
+                <a:solidFill>
+                  <a:srgbClr val="000000"/>
+                </a:solidFill>
+              </a:rPr>
+              <a:t>‘</a:t>
+            </a:r>
+            <a:r>
+              <a:rPr lang="en-US" i="1" dirty="0" smtClean="0">
+                <a:solidFill>
+                  <a:srgbClr val="000000"/>
+                </a:solidFill>
+              </a:rPr>
+              <a:t>initialization</a:t>
+            </a:r>
+            <a:r>
+              <a:rPr lang="en-US" dirty="0" smtClean="0">
+                <a:solidFill>
+                  <a:srgbClr val="000000"/>
+                </a:solidFill>
+              </a:rPr>
+              <a:t>’ gets executed ONLY once at the beginning of the ‘</a:t>
+            </a:r>
+            <a:r>
+              <a:rPr lang="en-US" i="1" dirty="0" smtClean="0">
+                <a:solidFill>
+                  <a:srgbClr val="000000"/>
+                </a:solidFill>
+              </a:rPr>
+              <a:t>for</a:t>
+            </a:r>
+            <a:r>
+              <a:rPr lang="en-US" dirty="0" smtClean="0">
+                <a:solidFill>
+                  <a:srgbClr val="000000"/>
+                </a:solidFill>
+              </a:rPr>
+              <a:t>’ loop</a:t>
+            </a:r>
+          </a:p>
+          <a:p>
+            <a:pPr lvl="1"/>
+            <a:r>
+              <a:rPr lang="en-US" i="1" dirty="0" smtClean="0">
+                <a:solidFill>
+                  <a:srgbClr val="000000"/>
+                </a:solidFill>
+              </a:rPr>
+              <a:t>‘condition’ </a:t>
+            </a:r>
+            <a:r>
+              <a:rPr lang="en-US" dirty="0" smtClean="0">
+                <a:solidFill>
+                  <a:srgbClr val="000000"/>
+                </a:solidFill>
+              </a:rPr>
+              <a:t>gets tested to determine if the block of statement is executed</a:t>
+            </a:r>
+          </a:p>
+          <a:p>
+            <a:pPr lvl="1"/>
+            <a:r>
+              <a:rPr lang="en-US" i="1" dirty="0">
+                <a:solidFill>
+                  <a:srgbClr val="000000"/>
+                </a:solidFill>
+              </a:rPr>
+              <a:t>‘update’ </a:t>
+            </a:r>
+            <a:r>
+              <a:rPr lang="en-US" dirty="0">
+                <a:solidFill>
+                  <a:srgbClr val="000000"/>
+                </a:solidFill>
+              </a:rPr>
+              <a:t>gets executed after block of statement</a:t>
+            </a:r>
+            <a:endParaRPr lang="en-US" dirty="0">
+              <a:solidFill>
+                <a:srgbClr val="FF6600"/>
+              </a:solidFill>
+            </a:endParaRPr>
+          </a:p>
+          <a:p>
+            <a:pPr lvl="1"/>
+            <a:endParaRPr lang="en-US" dirty="0" smtClean="0">
+              <a:solidFill>
+                <a:srgbClr val="FF6600"/>
+              </a:solidFill>
+            </a:endParaRPr>
+          </a:p>
+        </p:txBody>
+      </p:sp>
+    </p:spTree>
+    <p:extLst>
+      <p:ext uri="{BB962C8B-B14F-4D97-AF65-F5344CB8AC3E}">
+        <p14:creationId xmlns:p14="http://schemas.microsoft.com/office/powerpoint/2010/main" val="2590780461"/>
+      </p:ext>
+    </p:extLst>
+  </p:cSld>
+  <p:clrMapOvr>
+    <a:masterClrMapping/>
+  </p:clrMapOvr>
+</p:sld>
+</file>
+
+<file path=ppt/slides/slide134.xml><?xml version="1.0" encoding="utf-8"?>
+<p:sld xmlns:a="http://schemas.openxmlformats.org/drawingml/2006/main" xmlns:r="http://schemas.openxmlformats.org/officeDocument/2006/relationships" xmlns:p="http://schemas.openxmlformats.org/presentationml/2006/main">
+  <p:cSld>
+    <p:spTree>
+      <p:nvGrpSpPr>
+        <p:cNvPr id="1" name=""/>
+        <p:cNvGrpSpPr/>
+        <p:nvPr/>
+      </p:nvGrpSpPr>
+      <p:grpSpPr>
+        <a:xfrm>
+          <a:off x="0" y="0"/>
+          <a:ext cx="0" cy="0"/>
+          <a:chOff x="0" y="0"/>
+          <a:chExt cx="0" cy="0"/>
+        </a:xfrm>
+      </p:grpSpPr>
+      <p:sp>
+        <p:nvSpPr>
+          <p:cNvPr id="2" name="Title 1"/>
+          <p:cNvSpPr>
+            <a:spLocks noGrp="1"/>
+          </p:cNvSpPr>
+          <p:nvPr>
+            <p:ph type="title"/>
+          </p:nvPr>
+        </p:nvSpPr>
+        <p:spPr/>
+        <p:txBody>
+          <a:bodyPr/>
+          <a:lstStyle/>
+          <a:p>
+            <a:r>
+              <a:rPr lang="en-US" dirty="0" smtClean="0"/>
+              <a:t>Example-03.js</a:t>
+            </a:r>
+            <a:endParaRPr lang="en-US" dirty="0"/>
+          </a:p>
+        </p:txBody>
+      </p:sp>
+      <p:pic>
+        <p:nvPicPr>
+          <p:cNvPr id="4" name="Content Placeholder 3"/>
+          <p:cNvPicPr>
+            <a:picLocks noGrp="1" noChangeAspect="1"/>
+          </p:cNvPicPr>
+          <p:nvPr>
+            <p:ph idx="1"/>
+          </p:nvPr>
+        </p:nvPicPr>
+        <p:blipFill>
+          <a:blip r:embed="rId2"/>
+          <a:srcRect l="-10732" r="-10732"/>
+          <a:stretch>
+            <a:fillRect/>
+          </a:stretch>
+        </p:blipFill>
+        <p:spPr/>
+      </p:pic>
+      <p:sp>
+        <p:nvSpPr>
+          <p:cNvPr id="5" name="Rounded Rectangle 4"/>
+          <p:cNvSpPr/>
+          <p:nvPr/>
+        </p:nvSpPr>
+        <p:spPr>
+          <a:xfrm>
+            <a:off x="2187512" y="3047193"/>
+            <a:ext cx="1316497" cy="227914"/>
+          </a:xfrm>
+          <a:prstGeom prst="roundRect">
+            <a:avLst/>
+          </a:prstGeom>
+          <a:solidFill>
+            <a:schemeClr val="accent6">
+              <a:lumMod val="60000"/>
+              <a:lumOff val="40000"/>
+              <a:alpha val="30000"/>
+            </a:schemeClr>
+          </a:solidFill>
+        </p:spPr>
+        <p:style>
+          <a:lnRef idx="1">
+            <a:schemeClr val="accent1"/>
+          </a:lnRef>
+          <a:fillRef idx="3">
+            <a:schemeClr val="accent1"/>
+          </a:fillRef>
+          <a:effectRef idx="2">
+            <a:schemeClr val="accent1"/>
+          </a:effectRef>
+          <a:fontRef idx="minor">
+            <a:schemeClr val="lt1"/>
+          </a:fontRef>
+        </p:style>
+        <p:txBody>
+          <a:bodyPr rtlCol="0" anchor="ctr"/>
+          <a:lstStyle/>
+          <a:p>
+            <a:pPr algn="ctr"/>
+            <a:endParaRPr lang="en-US"/>
+          </a:p>
+        </p:txBody>
+      </p:sp>
+      <p:sp>
+        <p:nvSpPr>
+          <p:cNvPr id="6" name="Rounded Rectangle 5"/>
+          <p:cNvSpPr/>
+          <p:nvPr/>
+        </p:nvSpPr>
+        <p:spPr>
+          <a:xfrm>
+            <a:off x="3650286" y="3047193"/>
+            <a:ext cx="2018033" cy="227914"/>
+          </a:xfrm>
+          <a:prstGeom prst="roundRect">
+            <a:avLst/>
+          </a:prstGeom>
+          <a:solidFill>
+            <a:schemeClr val="accent5">
+              <a:lumMod val="60000"/>
+              <a:lumOff val="40000"/>
+              <a:alpha val="30000"/>
+            </a:schemeClr>
+          </a:solidFill>
+        </p:spPr>
+        <p:style>
+          <a:lnRef idx="1">
+            <a:schemeClr val="accent1"/>
+          </a:lnRef>
+          <a:fillRef idx="3">
+            <a:schemeClr val="accent1"/>
+          </a:fillRef>
+          <a:effectRef idx="2">
+            <a:schemeClr val="accent1"/>
+          </a:effectRef>
+          <a:fontRef idx="minor">
+            <a:schemeClr val="lt1"/>
+          </a:fontRef>
+        </p:style>
+        <p:txBody>
+          <a:bodyPr rtlCol="0" anchor="ctr"/>
+          <a:lstStyle/>
+          <a:p>
+            <a:pPr algn="ctr"/>
+            <a:endParaRPr lang="en-US"/>
+          </a:p>
+        </p:txBody>
+      </p:sp>
+      <p:sp>
+        <p:nvSpPr>
+          <p:cNvPr id="7" name="Rounded Rectangle 6"/>
+          <p:cNvSpPr/>
+          <p:nvPr/>
+        </p:nvSpPr>
+        <p:spPr>
+          <a:xfrm>
+            <a:off x="5837799" y="3063669"/>
+            <a:ext cx="1730624" cy="211438"/>
+          </a:xfrm>
+          <a:prstGeom prst="roundRect">
+            <a:avLst/>
+          </a:prstGeom>
+          <a:solidFill>
+            <a:schemeClr val="accent3">
+              <a:lumMod val="60000"/>
+              <a:lumOff val="40000"/>
+              <a:alpha val="30000"/>
+            </a:schemeClr>
+          </a:solidFill>
+        </p:spPr>
+        <p:style>
+          <a:lnRef idx="1">
+            <a:schemeClr val="accent1"/>
+          </a:lnRef>
+          <a:fillRef idx="3">
+            <a:schemeClr val="accent1"/>
+          </a:fillRef>
+          <a:effectRef idx="2">
+            <a:schemeClr val="accent1"/>
+          </a:effectRef>
+          <a:fontRef idx="minor">
+            <a:schemeClr val="lt1"/>
+          </a:fontRef>
+        </p:style>
+        <p:txBody>
+          <a:bodyPr rtlCol="0" anchor="ctr"/>
+          <a:lstStyle/>
+          <a:p>
+            <a:pPr algn="ctr"/>
+            <a:endParaRPr lang="en-US"/>
+          </a:p>
+        </p:txBody>
+      </p:sp>
+    </p:spTree>
+    <p:extLst>
+      <p:ext uri="{BB962C8B-B14F-4D97-AF65-F5344CB8AC3E}">
+        <p14:creationId xmlns:p14="http://schemas.microsoft.com/office/powerpoint/2010/main" val="2214476799"/>
+      </p:ext>
+    </p:extLst>
+  </p:cSld>
+  <p:clrMapOvr>
+    <a:masterClrMapping/>
+  </p:clrMapOvr>
+</p:sld>
+</file>
+
+<file path=ppt/slides/slide135.xml><?xml version="1.0" encoding="utf-8"?>
+<p:sld xmlns:a="http://schemas.openxmlformats.org/drawingml/2006/main" xmlns:r="http://schemas.openxmlformats.org/officeDocument/2006/relationships" xmlns:p="http://schemas.openxmlformats.org/presentationml/2006/main">
+  <p:cSld>
+    <p:spTree>
+      <p:nvGrpSpPr>
+        <p:cNvPr id="1" name=""/>
+        <p:cNvGrpSpPr/>
+        <p:nvPr/>
+      </p:nvGrpSpPr>
+      <p:grpSpPr>
+        <a:xfrm>
+          <a:off x="0" y="0"/>
+          <a:ext cx="0" cy="0"/>
+          <a:chOff x="0" y="0"/>
+          <a:chExt cx="0" cy="0"/>
+        </a:xfrm>
+      </p:grpSpPr>
+      <p:sp>
+        <p:nvSpPr>
+          <p:cNvPr id="2" name="Title 1"/>
+          <p:cNvSpPr>
+            <a:spLocks noGrp="1"/>
+          </p:cNvSpPr>
+          <p:nvPr>
+            <p:ph type="title"/>
+          </p:nvPr>
+        </p:nvSpPr>
+        <p:spPr/>
+        <p:txBody>
+          <a:bodyPr/>
+          <a:lstStyle/>
+          <a:p>
+            <a:r>
+              <a:rPr lang="en-US" dirty="0" smtClean="0"/>
+              <a:t>‘for’ Loop Pitfall</a:t>
+            </a:r>
+            <a:endParaRPr lang="en-US" dirty="0"/>
+          </a:p>
+        </p:txBody>
+      </p:sp>
+      <p:sp>
+        <p:nvSpPr>
+          <p:cNvPr id="3" name="Content Placeholder 2"/>
+          <p:cNvSpPr>
+            <a:spLocks noGrp="1"/>
+          </p:cNvSpPr>
+          <p:nvPr>
+            <p:ph idx="1"/>
+          </p:nvPr>
+        </p:nvSpPr>
+        <p:spPr/>
+        <p:txBody>
+          <a:bodyPr/>
+          <a:lstStyle/>
+          <a:p>
+            <a:r>
+              <a:rPr lang="en-US" dirty="0" smtClean="0"/>
+              <a:t>Don’t update ‘for’ loop condition variable(s) multiple times in loop iteration</a:t>
+            </a:r>
+            <a:endParaRPr lang="en-US" dirty="0"/>
+          </a:p>
+        </p:txBody>
+      </p:sp>
+    </p:spTree>
+    <p:extLst>
+      <p:ext uri="{BB962C8B-B14F-4D97-AF65-F5344CB8AC3E}">
+        <p14:creationId xmlns:p14="http://schemas.microsoft.com/office/powerpoint/2010/main" val="2415955060"/>
+      </p:ext>
+    </p:extLst>
+  </p:cSld>
+  <p:clrMapOvr>
+    <a:masterClrMapping/>
+  </p:clrMapOvr>
+</p:sld>
+</file>
+
+<file path=ppt/slides/slide136.xml><?xml version="1.0" encoding="utf-8"?>
+<p:sld xmlns:a="http://schemas.openxmlformats.org/drawingml/2006/main" xmlns:r="http://schemas.openxmlformats.org/officeDocument/2006/relationships" xmlns:p="http://schemas.openxmlformats.org/presentationml/2006/main">
+  <p:cSld>
+    <p:spTree>
+      <p:nvGrpSpPr>
+        <p:cNvPr id="1" name=""/>
+        <p:cNvGrpSpPr/>
+        <p:nvPr/>
+      </p:nvGrpSpPr>
+      <p:grpSpPr>
+        <a:xfrm>
+          <a:off x="0" y="0"/>
+          <a:ext cx="0" cy="0"/>
+          <a:chOff x="0" y="0"/>
+          <a:chExt cx="0" cy="0"/>
+        </a:xfrm>
+      </p:grpSpPr>
+      <p:sp>
+        <p:nvSpPr>
+          <p:cNvPr id="2" name="Title 1"/>
+          <p:cNvSpPr>
+            <a:spLocks noGrp="1"/>
+          </p:cNvSpPr>
+          <p:nvPr>
+            <p:ph type="title"/>
+          </p:nvPr>
+        </p:nvSpPr>
+        <p:spPr/>
+        <p:txBody>
+          <a:bodyPr/>
+          <a:lstStyle/>
+          <a:p>
+            <a:r>
+              <a:rPr lang="en-US" dirty="0" smtClean="0"/>
+              <a:t>Example-04.js</a:t>
+            </a:r>
+            <a:endParaRPr lang="en-US" dirty="0"/>
+          </a:p>
+        </p:txBody>
+      </p:sp>
+      <p:pic>
+        <p:nvPicPr>
+          <p:cNvPr id="5" name="Content Placeholder 4"/>
+          <p:cNvPicPr>
+            <a:picLocks noGrp="1" noChangeAspect="1"/>
+          </p:cNvPicPr>
+          <p:nvPr>
+            <p:ph idx="1"/>
+          </p:nvPr>
+        </p:nvPicPr>
+        <p:blipFill>
+          <a:blip r:embed="rId2"/>
+          <a:srcRect l="-6554" r="-6554"/>
+          <a:stretch>
+            <a:fillRect/>
+          </a:stretch>
+        </p:blipFill>
+        <p:spPr/>
+      </p:pic>
+    </p:spTree>
+    <p:extLst>
+      <p:ext uri="{BB962C8B-B14F-4D97-AF65-F5344CB8AC3E}">
+        <p14:creationId xmlns:p14="http://schemas.microsoft.com/office/powerpoint/2010/main" val="1710654488"/>
+      </p:ext>
+    </p:extLst>
+  </p:cSld>
+  <p:clrMapOvr>
+    <a:masterClrMapping/>
+  </p:clrMapOvr>
+</p:sld>
+</file>
+
+<file path=ppt/slides/slide137.xml><?xml version="1.0" encoding="utf-8"?>
+<p:sld xmlns:a="http://schemas.openxmlformats.org/drawingml/2006/main" xmlns:r="http://schemas.openxmlformats.org/officeDocument/2006/relationships" xmlns:p="http://schemas.openxmlformats.org/presentationml/2006/main">
+  <p:cSld>
+    <p:spTree>
+      <p:nvGrpSpPr>
+        <p:cNvPr id="1" name=""/>
+        <p:cNvGrpSpPr/>
+        <p:nvPr/>
+      </p:nvGrpSpPr>
+      <p:grpSpPr>
+        <a:xfrm>
+          <a:off x="0" y="0"/>
+          <a:ext cx="0" cy="0"/>
+          <a:chOff x="0" y="0"/>
+          <a:chExt cx="0" cy="0"/>
+        </a:xfrm>
+      </p:grpSpPr>
+      <p:sp>
+        <p:nvSpPr>
+          <p:cNvPr id="2" name="Title 1"/>
+          <p:cNvSpPr>
+            <a:spLocks noGrp="1"/>
+          </p:cNvSpPr>
+          <p:nvPr>
+            <p:ph type="title"/>
+          </p:nvPr>
+        </p:nvSpPr>
+        <p:spPr/>
+        <p:txBody>
+          <a:bodyPr/>
+          <a:lstStyle/>
+          <a:p>
+            <a:r>
+              <a:rPr lang="en-US" dirty="0" smtClean="0"/>
+              <a:t>‘for’ Loop Variation</a:t>
+            </a:r>
+            <a:endParaRPr lang="en-US" dirty="0"/>
+          </a:p>
+        </p:txBody>
+      </p:sp>
+      <p:sp>
+        <p:nvSpPr>
+          <p:cNvPr id="3" name="Content Placeholder 2"/>
+          <p:cNvSpPr>
+            <a:spLocks noGrp="1"/>
+          </p:cNvSpPr>
+          <p:nvPr>
+            <p:ph idx="1"/>
+          </p:nvPr>
+        </p:nvSpPr>
+        <p:spPr/>
+        <p:txBody>
+          <a:bodyPr/>
+          <a:lstStyle/>
+          <a:p>
+            <a:r>
+              <a:rPr lang="en-US" dirty="0" smtClean="0"/>
+              <a:t>All parts of the ‘for’ loop statement is optional</a:t>
+            </a:r>
+          </a:p>
+          <a:p>
+            <a:pPr lvl="1"/>
+            <a:r>
+              <a:rPr lang="en-US" dirty="0" smtClean="0"/>
+              <a:t>Provides flexibility in when to initialize</a:t>
+            </a:r>
+          </a:p>
+          <a:p>
+            <a:pPr lvl="1"/>
+            <a:r>
+              <a:rPr lang="en-US" dirty="0" smtClean="0"/>
+              <a:t>When to test and exit loop</a:t>
+            </a:r>
+          </a:p>
+          <a:p>
+            <a:pPr lvl="1"/>
+            <a:r>
+              <a:rPr lang="en-US" dirty="0" smtClean="0"/>
+              <a:t>When to perform condition variable(s) updates</a:t>
+            </a:r>
+          </a:p>
+        </p:txBody>
+      </p:sp>
+    </p:spTree>
+    <p:extLst>
+      <p:ext uri="{BB962C8B-B14F-4D97-AF65-F5344CB8AC3E}">
+        <p14:creationId xmlns:p14="http://schemas.microsoft.com/office/powerpoint/2010/main" val="1065062723"/>
+      </p:ext>
+    </p:extLst>
+  </p:cSld>
+  <p:clrMapOvr>
+    <a:masterClrMapping/>
+  </p:clrMapOvr>
+</p:sld>
+</file>
+
+<file path=ppt/slides/slide138.xml><?xml version="1.0" encoding="utf-8"?>
+<p:sld xmlns:a="http://schemas.openxmlformats.org/drawingml/2006/main" xmlns:r="http://schemas.openxmlformats.org/officeDocument/2006/relationships" xmlns:p="http://schemas.openxmlformats.org/presentationml/2006/main">
+  <p:cSld>
+    <p:spTree>
+      <p:nvGrpSpPr>
+        <p:cNvPr id="1" name=""/>
+        <p:cNvGrpSpPr/>
+        <p:nvPr/>
+      </p:nvGrpSpPr>
+      <p:grpSpPr>
+        <a:xfrm>
+          <a:off x="0" y="0"/>
+          <a:ext cx="0" cy="0"/>
+          <a:chOff x="0" y="0"/>
+          <a:chExt cx="0" cy="0"/>
+        </a:xfrm>
+      </p:grpSpPr>
+      <p:sp>
+        <p:nvSpPr>
+          <p:cNvPr id="2" name="Title 1"/>
+          <p:cNvSpPr>
+            <a:spLocks noGrp="1"/>
+          </p:cNvSpPr>
+          <p:nvPr>
+            <p:ph type="title"/>
+          </p:nvPr>
+        </p:nvSpPr>
+        <p:spPr/>
+        <p:txBody>
+          <a:bodyPr/>
+          <a:lstStyle/>
+          <a:p>
+            <a:r>
+              <a:rPr lang="en-US" dirty="0" smtClean="0"/>
+              <a:t>Example-05.js</a:t>
+            </a:r>
+            <a:endParaRPr lang="en-US" dirty="0"/>
+          </a:p>
+        </p:txBody>
+      </p:sp>
+      <p:pic>
+        <p:nvPicPr>
+          <p:cNvPr id="4" name="Content Placeholder 3"/>
+          <p:cNvPicPr>
+            <a:picLocks noGrp="1" noChangeAspect="1"/>
+          </p:cNvPicPr>
+          <p:nvPr>
+            <p:ph idx="1"/>
+          </p:nvPr>
+        </p:nvPicPr>
+        <p:blipFill>
+          <a:blip r:embed="rId2"/>
+          <a:srcRect l="-27195" r="-27195"/>
+          <a:stretch>
+            <a:fillRect/>
+          </a:stretch>
+        </p:blipFill>
+        <p:spPr/>
+      </p:pic>
+    </p:spTree>
+    <p:extLst>
+      <p:ext uri="{BB962C8B-B14F-4D97-AF65-F5344CB8AC3E}">
+        <p14:creationId xmlns:p14="http://schemas.microsoft.com/office/powerpoint/2010/main" val="288007436"/>
+      </p:ext>
+    </p:extLst>
+  </p:cSld>
+  <p:clrMapOvr>
+    <a:masterClrMapping/>
+  </p:clrMapOvr>
+</p:sld>
+</file>
+
+<file path=ppt/slides/slide139.xml><?xml version="1.0" encoding="utf-8"?>
+<p:sld xmlns:a="http://schemas.openxmlformats.org/drawingml/2006/main" xmlns:r="http://schemas.openxmlformats.org/officeDocument/2006/relationships" xmlns:p="http://schemas.openxmlformats.org/presentationml/2006/main">
+  <p:cSld>
+    <p:spTree>
+      <p:nvGrpSpPr>
+        <p:cNvPr id="1" name=""/>
+        <p:cNvGrpSpPr/>
+        <p:nvPr/>
+      </p:nvGrpSpPr>
+      <p:grpSpPr>
+        <a:xfrm>
+          <a:off x="0" y="0"/>
+          <a:ext cx="0" cy="0"/>
+          <a:chOff x="0" y="0"/>
+          <a:chExt cx="0" cy="0"/>
+        </a:xfrm>
+      </p:grpSpPr>
+      <p:sp>
+        <p:nvSpPr>
+          <p:cNvPr id="2" name="Title 1"/>
+          <p:cNvSpPr>
+            <a:spLocks noGrp="1"/>
+          </p:cNvSpPr>
+          <p:nvPr>
+            <p:ph type="title"/>
+          </p:nvPr>
+        </p:nvSpPr>
+        <p:spPr/>
+        <p:txBody>
+          <a:bodyPr/>
+          <a:lstStyle/>
+          <a:p>
+            <a:r>
+              <a:rPr lang="en-US" dirty="0" smtClean="0"/>
+              <a:t>Example-06.js</a:t>
+            </a:r>
+            <a:endParaRPr lang="en-US" dirty="0"/>
+          </a:p>
+        </p:txBody>
+      </p:sp>
+      <p:pic>
+        <p:nvPicPr>
+          <p:cNvPr id="4" name="Content Placeholder 3"/>
+          <p:cNvPicPr>
+            <a:picLocks noGrp="1" noChangeAspect="1"/>
+          </p:cNvPicPr>
+          <p:nvPr>
+            <p:ph idx="1"/>
+          </p:nvPr>
+        </p:nvPicPr>
+        <p:blipFill>
+          <a:blip r:embed="rId2"/>
+          <a:srcRect l="-34678" r="-34678"/>
+          <a:stretch>
+            <a:fillRect/>
+          </a:stretch>
+        </p:blipFill>
+        <p:spPr/>
+      </p:pic>
+    </p:spTree>
+    <p:extLst>
+      <p:ext uri="{BB962C8B-B14F-4D97-AF65-F5344CB8AC3E}">
+        <p14:creationId xmlns:p14="http://schemas.microsoft.com/office/powerpoint/2010/main" val="3685431213"/>
+      </p:ext>
+    </p:extLst>
+  </p:cSld>
+  <p:clrMapOvr>
+    <a:masterClrMapping/>
+  </p:clrMapOvr>
+</p:sld>
+</file>
+
 <file path=ppt/slides/slide14.xml><?xml version="1.0" encoding="utf-8"?>
 <p:sld xmlns:a="http://schemas.openxmlformats.org/drawingml/2006/main" xmlns:r="http://schemas.openxmlformats.org/officeDocument/2006/relationships" xmlns:p="http://schemas.openxmlformats.org/presentationml/2006/main">
   <p:cSld>
@@ -25828,6 +28248,331 @@
     <p:extLst>
       <p:ext uri="{BB962C8B-B14F-4D97-AF65-F5344CB8AC3E}">
         <p14:creationId xmlns:p14="http://schemas.microsoft.com/office/powerpoint/2010/main" val="2556779502"/>
+      </p:ext>
+    </p:extLst>
+  </p:cSld>
+  <p:clrMapOvr>
+    <a:masterClrMapping/>
+  </p:clrMapOvr>
+</p:sld>
+</file>
+
+<file path=ppt/slides/slide140.xml><?xml version="1.0" encoding="utf-8"?>
+<p:sld xmlns:a="http://schemas.openxmlformats.org/drawingml/2006/main" xmlns:r="http://schemas.openxmlformats.org/officeDocument/2006/relationships" xmlns:p="http://schemas.openxmlformats.org/presentationml/2006/main">
+  <p:cSld>
+    <p:spTree>
+      <p:nvGrpSpPr>
+        <p:cNvPr id="1" name=""/>
+        <p:cNvGrpSpPr/>
+        <p:nvPr/>
+      </p:nvGrpSpPr>
+      <p:grpSpPr>
+        <a:xfrm>
+          <a:off x="0" y="0"/>
+          <a:ext cx="0" cy="0"/>
+          <a:chOff x="0" y="0"/>
+          <a:chExt cx="0" cy="0"/>
+        </a:xfrm>
+      </p:grpSpPr>
+      <p:sp>
+        <p:nvSpPr>
+          <p:cNvPr id="2" name="Title 1"/>
+          <p:cNvSpPr>
+            <a:spLocks noGrp="1"/>
+          </p:cNvSpPr>
+          <p:nvPr>
+            <p:ph type="title"/>
+          </p:nvPr>
+        </p:nvSpPr>
+        <p:spPr/>
+        <p:txBody>
+          <a:bodyPr/>
+          <a:lstStyle/>
+          <a:p>
+            <a:r>
+              <a:rPr lang="en-US" dirty="0" smtClean="0"/>
+              <a:t>Using ‘continue’ in Loops</a:t>
+            </a:r>
+            <a:endParaRPr lang="en-US" dirty="0"/>
+          </a:p>
+        </p:txBody>
+      </p:sp>
+      <p:sp>
+        <p:nvSpPr>
+          <p:cNvPr id="3" name="Content Placeholder 2"/>
+          <p:cNvSpPr>
+            <a:spLocks noGrp="1"/>
+          </p:cNvSpPr>
+          <p:nvPr>
+            <p:ph idx="1"/>
+          </p:nvPr>
+        </p:nvSpPr>
+        <p:spPr/>
+        <p:txBody>
+          <a:bodyPr/>
+          <a:lstStyle/>
+          <a:p>
+            <a:r>
+              <a:rPr lang="en-US" dirty="0" smtClean="0"/>
+              <a:t>The ‘continue’ keyword in a loop is used to skip one or more iteration</a:t>
+            </a:r>
+          </a:p>
+        </p:txBody>
+      </p:sp>
+    </p:spTree>
+    <p:extLst>
+      <p:ext uri="{BB962C8B-B14F-4D97-AF65-F5344CB8AC3E}">
+        <p14:creationId xmlns:p14="http://schemas.microsoft.com/office/powerpoint/2010/main" val="2344863649"/>
+      </p:ext>
+    </p:extLst>
+  </p:cSld>
+  <p:clrMapOvr>
+    <a:masterClrMapping/>
+  </p:clrMapOvr>
+</p:sld>
+</file>
+
+<file path=ppt/slides/slide141.xml><?xml version="1.0" encoding="utf-8"?>
+<p:sld xmlns:a="http://schemas.openxmlformats.org/drawingml/2006/main" xmlns:r="http://schemas.openxmlformats.org/officeDocument/2006/relationships" xmlns:p="http://schemas.openxmlformats.org/presentationml/2006/main">
+  <p:cSld>
+    <p:spTree>
+      <p:nvGrpSpPr>
+        <p:cNvPr id="1" name=""/>
+        <p:cNvGrpSpPr/>
+        <p:nvPr/>
+      </p:nvGrpSpPr>
+      <p:grpSpPr>
+        <a:xfrm>
+          <a:off x="0" y="0"/>
+          <a:ext cx="0" cy="0"/>
+          <a:chOff x="0" y="0"/>
+          <a:chExt cx="0" cy="0"/>
+        </a:xfrm>
+      </p:grpSpPr>
+      <p:sp>
+        <p:nvSpPr>
+          <p:cNvPr id="2" name="Title 1"/>
+          <p:cNvSpPr>
+            <a:spLocks noGrp="1"/>
+          </p:cNvSpPr>
+          <p:nvPr>
+            <p:ph type="title"/>
+          </p:nvPr>
+        </p:nvSpPr>
+        <p:spPr/>
+        <p:txBody>
+          <a:bodyPr/>
+          <a:lstStyle/>
+          <a:p>
+            <a:r>
+              <a:rPr lang="en-US" dirty="0" smtClean="0"/>
+              <a:t>Example-07.js</a:t>
+            </a:r>
+            <a:endParaRPr lang="en-US" dirty="0"/>
+          </a:p>
+        </p:txBody>
+      </p:sp>
+      <p:pic>
+        <p:nvPicPr>
+          <p:cNvPr id="4" name="Content Placeholder 3"/>
+          <p:cNvPicPr>
+            <a:picLocks noGrp="1" noChangeAspect="1"/>
+          </p:cNvPicPr>
+          <p:nvPr>
+            <p:ph idx="1"/>
+          </p:nvPr>
+        </p:nvPicPr>
+        <p:blipFill>
+          <a:blip r:embed="rId2"/>
+          <a:srcRect l="-41342" r="-41342"/>
+          <a:stretch>
+            <a:fillRect/>
+          </a:stretch>
+        </p:blipFill>
+        <p:spPr/>
+      </p:pic>
+    </p:spTree>
+    <p:extLst>
+      <p:ext uri="{BB962C8B-B14F-4D97-AF65-F5344CB8AC3E}">
+        <p14:creationId xmlns:p14="http://schemas.microsoft.com/office/powerpoint/2010/main" val="3339575111"/>
+      </p:ext>
+    </p:extLst>
+  </p:cSld>
+  <p:clrMapOvr>
+    <a:masterClrMapping/>
+  </p:clrMapOvr>
+</p:sld>
+</file>
+
+<file path=ppt/slides/slide142.xml><?xml version="1.0" encoding="utf-8"?>
+<p:sld xmlns:a="http://schemas.openxmlformats.org/drawingml/2006/main" xmlns:r="http://schemas.openxmlformats.org/officeDocument/2006/relationships" xmlns:p="http://schemas.openxmlformats.org/presentationml/2006/main">
+  <p:cSld>
+    <p:spTree>
+      <p:nvGrpSpPr>
+        <p:cNvPr id="1" name=""/>
+        <p:cNvGrpSpPr/>
+        <p:nvPr/>
+      </p:nvGrpSpPr>
+      <p:grpSpPr>
+        <a:xfrm>
+          <a:off x="0" y="0"/>
+          <a:ext cx="0" cy="0"/>
+          <a:chOff x="0" y="0"/>
+          <a:chExt cx="0" cy="0"/>
+        </a:xfrm>
+      </p:grpSpPr>
+      <p:sp>
+        <p:nvSpPr>
+          <p:cNvPr id="2" name="Title 1"/>
+          <p:cNvSpPr>
+            <a:spLocks noGrp="1"/>
+          </p:cNvSpPr>
+          <p:nvPr>
+            <p:ph type="title"/>
+          </p:nvPr>
+        </p:nvSpPr>
+        <p:spPr/>
+        <p:txBody>
+          <a:bodyPr/>
+          <a:lstStyle/>
+          <a:p>
+            <a:r>
+              <a:rPr lang="en-US" dirty="0" smtClean="0"/>
+              <a:t>‘infinite’ Loop</a:t>
+            </a:r>
+            <a:endParaRPr lang="en-US" dirty="0"/>
+          </a:p>
+        </p:txBody>
+      </p:sp>
+      <p:sp>
+        <p:nvSpPr>
+          <p:cNvPr id="3" name="Content Placeholder 2"/>
+          <p:cNvSpPr>
+            <a:spLocks noGrp="1"/>
+          </p:cNvSpPr>
+          <p:nvPr>
+            <p:ph idx="1"/>
+          </p:nvPr>
+        </p:nvSpPr>
+        <p:spPr/>
+        <p:txBody>
+          <a:bodyPr/>
+          <a:lstStyle/>
+          <a:p>
+            <a:r>
+              <a:rPr lang="en-US" dirty="0" smtClean="0"/>
+              <a:t>An ‘infinite’ loop is used when:</a:t>
+            </a:r>
+          </a:p>
+          <a:p>
+            <a:pPr lvl="1"/>
+            <a:r>
+              <a:rPr lang="en-US" dirty="0" smtClean="0"/>
+              <a:t> The number of iterations is not known at loop ‘initialization’</a:t>
+            </a:r>
+          </a:p>
+          <a:p>
+            <a:pPr lvl="2"/>
+            <a:r>
+              <a:rPr lang="en-US" dirty="0" smtClean="0"/>
+              <a:t>Possible an external condition will be used to ‘break’ out of the loop</a:t>
+            </a:r>
+          </a:p>
+          <a:p>
+            <a:pPr lvl="2"/>
+            <a:r>
+              <a:rPr lang="en-US" dirty="0" smtClean="0"/>
+              <a:t>Some form of complex computation will be used to ‘break’ out of the loop</a:t>
+            </a:r>
+          </a:p>
+          <a:p>
+            <a:pPr lvl="1"/>
+            <a:r>
+              <a:rPr lang="en-US" dirty="0" smtClean="0"/>
+              <a:t>The developer wishes to express the intend that this loop will not terminate</a:t>
+            </a:r>
+          </a:p>
+          <a:p>
+            <a:endParaRPr lang="en-US" dirty="0"/>
+          </a:p>
+        </p:txBody>
+      </p:sp>
+    </p:spTree>
+    <p:extLst>
+      <p:ext uri="{BB962C8B-B14F-4D97-AF65-F5344CB8AC3E}">
+        <p14:creationId xmlns:p14="http://schemas.microsoft.com/office/powerpoint/2010/main" val="1464473645"/>
+      </p:ext>
+    </p:extLst>
+  </p:cSld>
+  <p:clrMapOvr>
+    <a:masterClrMapping/>
+  </p:clrMapOvr>
+</p:sld>
+</file>
+
+<file path=ppt/slides/slide143.xml><?xml version="1.0" encoding="utf-8"?>
+<p:sld xmlns:a="http://schemas.openxmlformats.org/drawingml/2006/main" xmlns:r="http://schemas.openxmlformats.org/officeDocument/2006/relationships" xmlns:p="http://schemas.openxmlformats.org/presentationml/2006/main">
+  <p:cSld>
+    <p:spTree>
+      <p:nvGrpSpPr>
+        <p:cNvPr id="1" name=""/>
+        <p:cNvGrpSpPr/>
+        <p:nvPr/>
+      </p:nvGrpSpPr>
+      <p:grpSpPr>
+        <a:xfrm>
+          <a:off x="0" y="0"/>
+          <a:ext cx="0" cy="0"/>
+          <a:chOff x="0" y="0"/>
+          <a:chExt cx="0" cy="0"/>
+        </a:xfrm>
+      </p:grpSpPr>
+      <p:sp>
+        <p:nvSpPr>
+          <p:cNvPr id="2" name="Title 1"/>
+          <p:cNvSpPr>
+            <a:spLocks noGrp="1"/>
+          </p:cNvSpPr>
+          <p:nvPr>
+            <p:ph type="title"/>
+          </p:nvPr>
+        </p:nvSpPr>
+        <p:spPr/>
+        <p:txBody>
+          <a:bodyPr/>
+          <a:lstStyle/>
+          <a:p>
+            <a:r>
+              <a:rPr lang="en-US" dirty="0" smtClean="0"/>
+              <a:t>Example-08.js</a:t>
+            </a:r>
+            <a:endParaRPr lang="en-US" dirty="0"/>
+          </a:p>
+        </p:txBody>
+      </p:sp>
+      <p:pic>
+        <p:nvPicPr>
+          <p:cNvPr id="6" name="Content Placeholder 5"/>
+          <p:cNvPicPr>
+            <a:picLocks noGrp="1" noChangeAspect="1"/>
+          </p:cNvPicPr>
+          <p:nvPr>
+            <p:ph idx="1"/>
+          </p:nvPr>
+        </p:nvPicPr>
+        <p:blipFill>
+          <a:blip r:embed="rId2"/>
+          <a:srcRect t="-2765" b="-2765"/>
+          <a:stretch>
+            <a:fillRect/>
+          </a:stretch>
+        </p:blipFill>
+        <p:spPr/>
+      </p:pic>
+    </p:spTree>
+    <p:extLst>
+      <p:ext uri="{BB962C8B-B14F-4D97-AF65-F5344CB8AC3E}">
+        <p14:creationId xmlns:p14="http://schemas.microsoft.com/office/powerpoint/2010/main" val="2127588631"/>
       </p:ext>
     </p:extLst>
   </p:cSld>
